--- a/Visual Plan.pptx
+++ b/Visual Plan.pptx
@@ -141,7 +141,7 @@
           <p:cNvPr id="2" name="Title 1">
             <a:extLst>
               <a:ext uri="{FF2B5EF4-FFF2-40B4-BE49-F238E27FC236}">
-                <a16:creationId xmlns:a16="http://schemas.microsoft.com/office/drawing/2014/main" id="{43893EEA-2329-4BD0-B478-739A6C7ABCF0}"/>
+                <a16:creationId xmlns:a16="http://schemas.microsoft.com/office/drawing/2014/main" xmlns="" id="{43893EEA-2329-4BD0-B478-739A6C7ABCF0}"/>
               </a:ext>
             </a:extLst>
           </p:cNvPr>
@@ -179,7 +179,7 @@
           <p:cNvPr id="3" name="Subtitle 2">
             <a:extLst>
               <a:ext uri="{FF2B5EF4-FFF2-40B4-BE49-F238E27FC236}">
-                <a16:creationId xmlns:a16="http://schemas.microsoft.com/office/drawing/2014/main" id="{531605D0-F659-4B16-AC48-FAB20C96C441}"/>
+                <a16:creationId xmlns:a16="http://schemas.microsoft.com/office/drawing/2014/main" xmlns="" id="{531605D0-F659-4B16-AC48-FAB20C96C441}"/>
               </a:ext>
             </a:extLst>
           </p:cNvPr>
@@ -250,7 +250,7 @@
           <p:cNvPr id="4" name="Date Placeholder 3">
             <a:extLst>
               <a:ext uri="{FF2B5EF4-FFF2-40B4-BE49-F238E27FC236}">
-                <a16:creationId xmlns:a16="http://schemas.microsoft.com/office/drawing/2014/main" id="{93D4AC05-CC9D-42D0-84E8-09581B533C5C}"/>
+                <a16:creationId xmlns:a16="http://schemas.microsoft.com/office/drawing/2014/main" xmlns="" id="{93D4AC05-CC9D-42D0-84E8-09581B533C5C}"/>
               </a:ext>
             </a:extLst>
           </p:cNvPr>
@@ -268,7 +268,7 @@
           <a:p>
             <a:fld id="{5F9021A5-5D2C-4FF7-8FBA-B61BDE30AE1B}" type="datetimeFigureOut">
               <a:rPr lang="en-GB" smtClean="0"/>
-              <a:t>17/01/2019</a:t>
+              <a:t>21/01/2019</a:t>
             </a:fld>
             <a:endParaRPr lang="en-GB"/>
           </a:p>
@@ -279,7 +279,7 @@
           <p:cNvPr id="5" name="Footer Placeholder 4">
             <a:extLst>
               <a:ext uri="{FF2B5EF4-FFF2-40B4-BE49-F238E27FC236}">
-                <a16:creationId xmlns:a16="http://schemas.microsoft.com/office/drawing/2014/main" id="{46743398-C54D-4A57-BF5E-2F9CCBF7AD8E}"/>
+                <a16:creationId xmlns:a16="http://schemas.microsoft.com/office/drawing/2014/main" xmlns="" id="{46743398-C54D-4A57-BF5E-2F9CCBF7AD8E}"/>
               </a:ext>
             </a:extLst>
           </p:cNvPr>
@@ -304,7 +304,7 @@
           <p:cNvPr id="6" name="Slide Number Placeholder 5">
             <a:extLst>
               <a:ext uri="{FF2B5EF4-FFF2-40B4-BE49-F238E27FC236}">
-                <a16:creationId xmlns:a16="http://schemas.microsoft.com/office/drawing/2014/main" id="{293D33B5-B583-4617-A9FB-E821C101CC1C}"/>
+                <a16:creationId xmlns:a16="http://schemas.microsoft.com/office/drawing/2014/main" xmlns="" id="{293D33B5-B583-4617-A9FB-E821C101CC1C}"/>
               </a:ext>
             </a:extLst>
           </p:cNvPr>
@@ -363,7 +363,7 @@
           <p:cNvPr id="2" name="Title 1">
             <a:extLst>
               <a:ext uri="{FF2B5EF4-FFF2-40B4-BE49-F238E27FC236}">
-                <a16:creationId xmlns:a16="http://schemas.microsoft.com/office/drawing/2014/main" id="{314ADEF8-05FE-4481-A0CD-4171AAE11D48}"/>
+                <a16:creationId xmlns:a16="http://schemas.microsoft.com/office/drawing/2014/main" xmlns="" id="{314ADEF8-05FE-4481-A0CD-4171AAE11D48}"/>
               </a:ext>
             </a:extLst>
           </p:cNvPr>
@@ -392,7 +392,7 @@
           <p:cNvPr id="3" name="Vertical Text Placeholder 2">
             <a:extLst>
               <a:ext uri="{FF2B5EF4-FFF2-40B4-BE49-F238E27FC236}">
-                <a16:creationId xmlns:a16="http://schemas.microsoft.com/office/drawing/2014/main" id="{5E908463-0914-4437-A47B-D68282B6FB8C}"/>
+                <a16:creationId xmlns:a16="http://schemas.microsoft.com/office/drawing/2014/main" xmlns="" id="{5E908463-0914-4437-A47B-D68282B6FB8C}"/>
               </a:ext>
             </a:extLst>
           </p:cNvPr>
@@ -450,7 +450,7 @@
           <p:cNvPr id="4" name="Date Placeholder 3">
             <a:extLst>
               <a:ext uri="{FF2B5EF4-FFF2-40B4-BE49-F238E27FC236}">
-                <a16:creationId xmlns:a16="http://schemas.microsoft.com/office/drawing/2014/main" id="{81D83EF5-AF96-4C6C-B681-1D0F9EA551CA}"/>
+                <a16:creationId xmlns:a16="http://schemas.microsoft.com/office/drawing/2014/main" xmlns="" id="{81D83EF5-AF96-4C6C-B681-1D0F9EA551CA}"/>
               </a:ext>
             </a:extLst>
           </p:cNvPr>
@@ -468,7 +468,7 @@
           <a:p>
             <a:fld id="{5F9021A5-5D2C-4FF7-8FBA-B61BDE30AE1B}" type="datetimeFigureOut">
               <a:rPr lang="en-GB" smtClean="0"/>
-              <a:t>17/01/2019</a:t>
+              <a:t>21/01/2019</a:t>
             </a:fld>
             <a:endParaRPr lang="en-GB"/>
           </a:p>
@@ -479,7 +479,7 @@
           <p:cNvPr id="5" name="Footer Placeholder 4">
             <a:extLst>
               <a:ext uri="{FF2B5EF4-FFF2-40B4-BE49-F238E27FC236}">
-                <a16:creationId xmlns:a16="http://schemas.microsoft.com/office/drawing/2014/main" id="{879BFB5F-577E-4981-9AE6-B24D3E539B48}"/>
+                <a16:creationId xmlns:a16="http://schemas.microsoft.com/office/drawing/2014/main" xmlns="" id="{879BFB5F-577E-4981-9AE6-B24D3E539B48}"/>
               </a:ext>
             </a:extLst>
           </p:cNvPr>
@@ -504,7 +504,7 @@
           <p:cNvPr id="6" name="Slide Number Placeholder 5">
             <a:extLst>
               <a:ext uri="{FF2B5EF4-FFF2-40B4-BE49-F238E27FC236}">
-                <a16:creationId xmlns:a16="http://schemas.microsoft.com/office/drawing/2014/main" id="{D7820A4B-1CBA-4F7A-80C2-D60C2D0EF088}"/>
+                <a16:creationId xmlns:a16="http://schemas.microsoft.com/office/drawing/2014/main" xmlns="" id="{D7820A4B-1CBA-4F7A-80C2-D60C2D0EF088}"/>
               </a:ext>
             </a:extLst>
           </p:cNvPr>
@@ -563,7 +563,7 @@
           <p:cNvPr id="2" name="Vertical Title 1">
             <a:extLst>
               <a:ext uri="{FF2B5EF4-FFF2-40B4-BE49-F238E27FC236}">
-                <a16:creationId xmlns:a16="http://schemas.microsoft.com/office/drawing/2014/main" id="{DB1495EA-AD95-4217-ADFE-C74EE06F7230}"/>
+                <a16:creationId xmlns:a16="http://schemas.microsoft.com/office/drawing/2014/main" xmlns="" id="{DB1495EA-AD95-4217-ADFE-C74EE06F7230}"/>
               </a:ext>
             </a:extLst>
           </p:cNvPr>
@@ -597,7 +597,7 @@
           <p:cNvPr id="3" name="Vertical Text Placeholder 2">
             <a:extLst>
               <a:ext uri="{FF2B5EF4-FFF2-40B4-BE49-F238E27FC236}">
-                <a16:creationId xmlns:a16="http://schemas.microsoft.com/office/drawing/2014/main" id="{48459CC8-1F49-4AD5-B4F5-DE425DE64018}"/>
+                <a16:creationId xmlns:a16="http://schemas.microsoft.com/office/drawing/2014/main" xmlns="" id="{48459CC8-1F49-4AD5-B4F5-DE425DE64018}"/>
               </a:ext>
             </a:extLst>
           </p:cNvPr>
@@ -660,7 +660,7 @@
           <p:cNvPr id="4" name="Date Placeholder 3">
             <a:extLst>
               <a:ext uri="{FF2B5EF4-FFF2-40B4-BE49-F238E27FC236}">
-                <a16:creationId xmlns:a16="http://schemas.microsoft.com/office/drawing/2014/main" id="{646BFF7C-62E9-445A-AA43-951D025A0B29}"/>
+                <a16:creationId xmlns:a16="http://schemas.microsoft.com/office/drawing/2014/main" xmlns="" id="{646BFF7C-62E9-445A-AA43-951D025A0B29}"/>
               </a:ext>
             </a:extLst>
           </p:cNvPr>
@@ -678,7 +678,7 @@
           <a:p>
             <a:fld id="{5F9021A5-5D2C-4FF7-8FBA-B61BDE30AE1B}" type="datetimeFigureOut">
               <a:rPr lang="en-GB" smtClean="0"/>
-              <a:t>17/01/2019</a:t>
+              <a:t>21/01/2019</a:t>
             </a:fld>
             <a:endParaRPr lang="en-GB"/>
           </a:p>
@@ -689,7 +689,7 @@
           <p:cNvPr id="5" name="Footer Placeholder 4">
             <a:extLst>
               <a:ext uri="{FF2B5EF4-FFF2-40B4-BE49-F238E27FC236}">
-                <a16:creationId xmlns:a16="http://schemas.microsoft.com/office/drawing/2014/main" id="{3F3DF7E9-367F-4DF0-B4C9-6DB26AA61F6F}"/>
+                <a16:creationId xmlns:a16="http://schemas.microsoft.com/office/drawing/2014/main" xmlns="" id="{3F3DF7E9-367F-4DF0-B4C9-6DB26AA61F6F}"/>
               </a:ext>
             </a:extLst>
           </p:cNvPr>
@@ -714,7 +714,7 @@
           <p:cNvPr id="6" name="Slide Number Placeholder 5">
             <a:extLst>
               <a:ext uri="{FF2B5EF4-FFF2-40B4-BE49-F238E27FC236}">
-                <a16:creationId xmlns:a16="http://schemas.microsoft.com/office/drawing/2014/main" id="{636A9102-5136-4872-BE70-EC792DFF0419}"/>
+                <a16:creationId xmlns:a16="http://schemas.microsoft.com/office/drawing/2014/main" xmlns="" id="{636A9102-5136-4872-BE70-EC792DFF0419}"/>
               </a:ext>
             </a:extLst>
           </p:cNvPr>
@@ -773,7 +773,7 @@
           <p:cNvPr id="2" name="Title 1">
             <a:extLst>
               <a:ext uri="{FF2B5EF4-FFF2-40B4-BE49-F238E27FC236}">
-                <a16:creationId xmlns:a16="http://schemas.microsoft.com/office/drawing/2014/main" id="{ED3170B7-C55B-43D2-87DB-7F752FE3F129}"/>
+                <a16:creationId xmlns:a16="http://schemas.microsoft.com/office/drawing/2014/main" xmlns="" id="{ED3170B7-C55B-43D2-87DB-7F752FE3F129}"/>
               </a:ext>
             </a:extLst>
           </p:cNvPr>
@@ -802,7 +802,7 @@
           <p:cNvPr id="3" name="Content Placeholder 2">
             <a:extLst>
               <a:ext uri="{FF2B5EF4-FFF2-40B4-BE49-F238E27FC236}">
-                <a16:creationId xmlns:a16="http://schemas.microsoft.com/office/drawing/2014/main" id="{EBEFDF05-3DA5-468F-9962-9DEBFA346A5E}"/>
+                <a16:creationId xmlns:a16="http://schemas.microsoft.com/office/drawing/2014/main" xmlns="" id="{EBEFDF05-3DA5-468F-9962-9DEBFA346A5E}"/>
               </a:ext>
             </a:extLst>
           </p:cNvPr>
@@ -860,7 +860,7 @@
           <p:cNvPr id="4" name="Date Placeholder 3">
             <a:extLst>
               <a:ext uri="{FF2B5EF4-FFF2-40B4-BE49-F238E27FC236}">
-                <a16:creationId xmlns:a16="http://schemas.microsoft.com/office/drawing/2014/main" id="{4C6D3837-121B-454C-9B58-89764A7CDCF4}"/>
+                <a16:creationId xmlns:a16="http://schemas.microsoft.com/office/drawing/2014/main" xmlns="" id="{4C6D3837-121B-454C-9B58-89764A7CDCF4}"/>
               </a:ext>
             </a:extLst>
           </p:cNvPr>
@@ -878,7 +878,7 @@
           <a:p>
             <a:fld id="{5F9021A5-5D2C-4FF7-8FBA-B61BDE30AE1B}" type="datetimeFigureOut">
               <a:rPr lang="en-GB" smtClean="0"/>
-              <a:t>17/01/2019</a:t>
+              <a:t>21/01/2019</a:t>
             </a:fld>
             <a:endParaRPr lang="en-GB"/>
           </a:p>
@@ -889,7 +889,7 @@
           <p:cNvPr id="5" name="Footer Placeholder 4">
             <a:extLst>
               <a:ext uri="{FF2B5EF4-FFF2-40B4-BE49-F238E27FC236}">
-                <a16:creationId xmlns:a16="http://schemas.microsoft.com/office/drawing/2014/main" id="{92837F7C-94A1-499C-B0B9-FEB23234D3A1}"/>
+                <a16:creationId xmlns:a16="http://schemas.microsoft.com/office/drawing/2014/main" xmlns="" id="{92837F7C-94A1-499C-B0B9-FEB23234D3A1}"/>
               </a:ext>
             </a:extLst>
           </p:cNvPr>
@@ -914,7 +914,7 @@
           <p:cNvPr id="6" name="Slide Number Placeholder 5">
             <a:extLst>
               <a:ext uri="{FF2B5EF4-FFF2-40B4-BE49-F238E27FC236}">
-                <a16:creationId xmlns:a16="http://schemas.microsoft.com/office/drawing/2014/main" id="{5A9AB361-1F50-493B-9CEA-1C308245FCAC}"/>
+                <a16:creationId xmlns:a16="http://schemas.microsoft.com/office/drawing/2014/main" xmlns="" id="{5A9AB361-1F50-493B-9CEA-1C308245FCAC}"/>
               </a:ext>
             </a:extLst>
           </p:cNvPr>
@@ -973,7 +973,7 @@
           <p:cNvPr id="2" name="Title 1">
             <a:extLst>
               <a:ext uri="{FF2B5EF4-FFF2-40B4-BE49-F238E27FC236}">
-                <a16:creationId xmlns:a16="http://schemas.microsoft.com/office/drawing/2014/main" id="{A17FBDA1-9A04-4813-999D-D3EF005F657B}"/>
+                <a16:creationId xmlns:a16="http://schemas.microsoft.com/office/drawing/2014/main" xmlns="" id="{A17FBDA1-9A04-4813-999D-D3EF005F657B}"/>
               </a:ext>
             </a:extLst>
           </p:cNvPr>
@@ -1011,7 +1011,7 @@
           <p:cNvPr id="3" name="Text Placeholder 2">
             <a:extLst>
               <a:ext uri="{FF2B5EF4-FFF2-40B4-BE49-F238E27FC236}">
-                <a16:creationId xmlns:a16="http://schemas.microsoft.com/office/drawing/2014/main" id="{49A7C322-5A28-4763-9759-05815EBAF58D}"/>
+                <a16:creationId xmlns:a16="http://schemas.microsoft.com/office/drawing/2014/main" xmlns="" id="{49A7C322-5A28-4763-9759-05815EBAF58D}"/>
               </a:ext>
             </a:extLst>
           </p:cNvPr>
@@ -1136,7 +1136,7 @@
           <p:cNvPr id="4" name="Date Placeholder 3">
             <a:extLst>
               <a:ext uri="{FF2B5EF4-FFF2-40B4-BE49-F238E27FC236}">
-                <a16:creationId xmlns:a16="http://schemas.microsoft.com/office/drawing/2014/main" id="{43B08A97-8825-4B0E-B6FA-C30D395BE6D1}"/>
+                <a16:creationId xmlns:a16="http://schemas.microsoft.com/office/drawing/2014/main" xmlns="" id="{43B08A97-8825-4B0E-B6FA-C30D395BE6D1}"/>
               </a:ext>
             </a:extLst>
           </p:cNvPr>
@@ -1154,7 +1154,7 @@
           <a:p>
             <a:fld id="{5F9021A5-5D2C-4FF7-8FBA-B61BDE30AE1B}" type="datetimeFigureOut">
               <a:rPr lang="en-GB" smtClean="0"/>
-              <a:t>17/01/2019</a:t>
+              <a:t>21/01/2019</a:t>
             </a:fld>
             <a:endParaRPr lang="en-GB"/>
           </a:p>
@@ -1165,7 +1165,7 @@
           <p:cNvPr id="5" name="Footer Placeholder 4">
             <a:extLst>
               <a:ext uri="{FF2B5EF4-FFF2-40B4-BE49-F238E27FC236}">
-                <a16:creationId xmlns:a16="http://schemas.microsoft.com/office/drawing/2014/main" id="{E2A7D5A2-489A-44BE-95BA-C41FF13D1C65}"/>
+                <a16:creationId xmlns:a16="http://schemas.microsoft.com/office/drawing/2014/main" xmlns="" id="{E2A7D5A2-489A-44BE-95BA-C41FF13D1C65}"/>
               </a:ext>
             </a:extLst>
           </p:cNvPr>
@@ -1190,7 +1190,7 @@
           <p:cNvPr id="6" name="Slide Number Placeholder 5">
             <a:extLst>
               <a:ext uri="{FF2B5EF4-FFF2-40B4-BE49-F238E27FC236}">
-                <a16:creationId xmlns:a16="http://schemas.microsoft.com/office/drawing/2014/main" id="{7772E596-F9BA-4EA1-B777-69A74090D7FB}"/>
+                <a16:creationId xmlns:a16="http://schemas.microsoft.com/office/drawing/2014/main" xmlns="" id="{7772E596-F9BA-4EA1-B777-69A74090D7FB}"/>
               </a:ext>
             </a:extLst>
           </p:cNvPr>
@@ -1249,7 +1249,7 @@
           <p:cNvPr id="2" name="Title 1">
             <a:extLst>
               <a:ext uri="{FF2B5EF4-FFF2-40B4-BE49-F238E27FC236}">
-                <a16:creationId xmlns:a16="http://schemas.microsoft.com/office/drawing/2014/main" id="{AA18BF10-E166-4004-B0EB-5269B3668265}"/>
+                <a16:creationId xmlns:a16="http://schemas.microsoft.com/office/drawing/2014/main" xmlns="" id="{AA18BF10-E166-4004-B0EB-5269B3668265}"/>
               </a:ext>
             </a:extLst>
           </p:cNvPr>
@@ -1278,7 +1278,7 @@
           <p:cNvPr id="3" name="Content Placeholder 2">
             <a:extLst>
               <a:ext uri="{FF2B5EF4-FFF2-40B4-BE49-F238E27FC236}">
-                <a16:creationId xmlns:a16="http://schemas.microsoft.com/office/drawing/2014/main" id="{333510AE-E4AB-4DF1-875B-EC5FD0F0F1A5}"/>
+                <a16:creationId xmlns:a16="http://schemas.microsoft.com/office/drawing/2014/main" xmlns="" id="{333510AE-E4AB-4DF1-875B-EC5FD0F0F1A5}"/>
               </a:ext>
             </a:extLst>
           </p:cNvPr>
@@ -1341,7 +1341,7 @@
           <p:cNvPr id="4" name="Content Placeholder 3">
             <a:extLst>
               <a:ext uri="{FF2B5EF4-FFF2-40B4-BE49-F238E27FC236}">
-                <a16:creationId xmlns:a16="http://schemas.microsoft.com/office/drawing/2014/main" id="{5403E092-1374-49AB-991A-C900840AB9C5}"/>
+                <a16:creationId xmlns:a16="http://schemas.microsoft.com/office/drawing/2014/main" xmlns="" id="{5403E092-1374-49AB-991A-C900840AB9C5}"/>
               </a:ext>
             </a:extLst>
           </p:cNvPr>
@@ -1404,7 +1404,7 @@
           <p:cNvPr id="5" name="Date Placeholder 4">
             <a:extLst>
               <a:ext uri="{FF2B5EF4-FFF2-40B4-BE49-F238E27FC236}">
-                <a16:creationId xmlns:a16="http://schemas.microsoft.com/office/drawing/2014/main" id="{3A5F1F22-838A-4EC3-8DE2-25F126F5BE77}"/>
+                <a16:creationId xmlns:a16="http://schemas.microsoft.com/office/drawing/2014/main" xmlns="" id="{3A5F1F22-838A-4EC3-8DE2-25F126F5BE77}"/>
               </a:ext>
             </a:extLst>
           </p:cNvPr>
@@ -1422,7 +1422,7 @@
           <a:p>
             <a:fld id="{5F9021A5-5D2C-4FF7-8FBA-B61BDE30AE1B}" type="datetimeFigureOut">
               <a:rPr lang="en-GB" smtClean="0"/>
-              <a:t>17/01/2019</a:t>
+              <a:t>21/01/2019</a:t>
             </a:fld>
             <a:endParaRPr lang="en-GB"/>
           </a:p>
@@ -1433,7 +1433,7 @@
           <p:cNvPr id="6" name="Footer Placeholder 5">
             <a:extLst>
               <a:ext uri="{FF2B5EF4-FFF2-40B4-BE49-F238E27FC236}">
-                <a16:creationId xmlns:a16="http://schemas.microsoft.com/office/drawing/2014/main" id="{884FA1F6-2855-4448-8E6C-887074463914}"/>
+                <a16:creationId xmlns:a16="http://schemas.microsoft.com/office/drawing/2014/main" xmlns="" id="{884FA1F6-2855-4448-8E6C-887074463914}"/>
               </a:ext>
             </a:extLst>
           </p:cNvPr>
@@ -1458,7 +1458,7 @@
           <p:cNvPr id="7" name="Slide Number Placeholder 6">
             <a:extLst>
               <a:ext uri="{FF2B5EF4-FFF2-40B4-BE49-F238E27FC236}">
-                <a16:creationId xmlns:a16="http://schemas.microsoft.com/office/drawing/2014/main" id="{192DFC1C-DC54-4391-BC39-EFE932710B9D}"/>
+                <a16:creationId xmlns:a16="http://schemas.microsoft.com/office/drawing/2014/main" xmlns="" id="{192DFC1C-DC54-4391-BC39-EFE932710B9D}"/>
               </a:ext>
             </a:extLst>
           </p:cNvPr>
@@ -1517,7 +1517,7 @@
           <p:cNvPr id="2" name="Title 1">
             <a:extLst>
               <a:ext uri="{FF2B5EF4-FFF2-40B4-BE49-F238E27FC236}">
-                <a16:creationId xmlns:a16="http://schemas.microsoft.com/office/drawing/2014/main" id="{F35FB1A5-06D9-45FF-9AFB-C4F0C69E68D7}"/>
+                <a16:creationId xmlns:a16="http://schemas.microsoft.com/office/drawing/2014/main" xmlns="" id="{F35FB1A5-06D9-45FF-9AFB-C4F0C69E68D7}"/>
               </a:ext>
             </a:extLst>
           </p:cNvPr>
@@ -1551,7 +1551,7 @@
           <p:cNvPr id="3" name="Text Placeholder 2">
             <a:extLst>
               <a:ext uri="{FF2B5EF4-FFF2-40B4-BE49-F238E27FC236}">
-                <a16:creationId xmlns:a16="http://schemas.microsoft.com/office/drawing/2014/main" id="{50084235-CC21-448C-98EE-C8FED28F8B67}"/>
+                <a16:creationId xmlns:a16="http://schemas.microsoft.com/office/drawing/2014/main" xmlns="" id="{50084235-CC21-448C-98EE-C8FED28F8B67}"/>
               </a:ext>
             </a:extLst>
           </p:cNvPr>
@@ -1622,7 +1622,7 @@
           <p:cNvPr id="4" name="Content Placeholder 3">
             <a:extLst>
               <a:ext uri="{FF2B5EF4-FFF2-40B4-BE49-F238E27FC236}">
-                <a16:creationId xmlns:a16="http://schemas.microsoft.com/office/drawing/2014/main" id="{7D6955AF-5C0F-4296-A116-5CD28C92E290}"/>
+                <a16:creationId xmlns:a16="http://schemas.microsoft.com/office/drawing/2014/main" xmlns="" id="{7D6955AF-5C0F-4296-A116-5CD28C92E290}"/>
               </a:ext>
             </a:extLst>
           </p:cNvPr>
@@ -1685,7 +1685,7 @@
           <p:cNvPr id="5" name="Text Placeholder 4">
             <a:extLst>
               <a:ext uri="{FF2B5EF4-FFF2-40B4-BE49-F238E27FC236}">
-                <a16:creationId xmlns:a16="http://schemas.microsoft.com/office/drawing/2014/main" id="{58A0C3B2-4658-4D67-A3FF-49F1C083E97E}"/>
+                <a16:creationId xmlns:a16="http://schemas.microsoft.com/office/drawing/2014/main" xmlns="" id="{58A0C3B2-4658-4D67-A3FF-49F1C083E97E}"/>
               </a:ext>
             </a:extLst>
           </p:cNvPr>
@@ -1756,7 +1756,7 @@
           <p:cNvPr id="6" name="Content Placeholder 5">
             <a:extLst>
               <a:ext uri="{FF2B5EF4-FFF2-40B4-BE49-F238E27FC236}">
-                <a16:creationId xmlns:a16="http://schemas.microsoft.com/office/drawing/2014/main" id="{21D4CD37-FE65-4127-B060-B3E7323C5C93}"/>
+                <a16:creationId xmlns:a16="http://schemas.microsoft.com/office/drawing/2014/main" xmlns="" id="{21D4CD37-FE65-4127-B060-B3E7323C5C93}"/>
               </a:ext>
             </a:extLst>
           </p:cNvPr>
@@ -1819,7 +1819,7 @@
           <p:cNvPr id="7" name="Date Placeholder 6">
             <a:extLst>
               <a:ext uri="{FF2B5EF4-FFF2-40B4-BE49-F238E27FC236}">
-                <a16:creationId xmlns:a16="http://schemas.microsoft.com/office/drawing/2014/main" id="{645BB935-10CF-49D0-9C83-6AE073BB7BA2}"/>
+                <a16:creationId xmlns:a16="http://schemas.microsoft.com/office/drawing/2014/main" xmlns="" id="{645BB935-10CF-49D0-9C83-6AE073BB7BA2}"/>
               </a:ext>
             </a:extLst>
           </p:cNvPr>
@@ -1837,7 +1837,7 @@
           <a:p>
             <a:fld id="{5F9021A5-5D2C-4FF7-8FBA-B61BDE30AE1B}" type="datetimeFigureOut">
               <a:rPr lang="en-GB" smtClean="0"/>
-              <a:t>17/01/2019</a:t>
+              <a:t>21/01/2019</a:t>
             </a:fld>
             <a:endParaRPr lang="en-GB"/>
           </a:p>
@@ -1848,7 +1848,7 @@
           <p:cNvPr id="8" name="Footer Placeholder 7">
             <a:extLst>
               <a:ext uri="{FF2B5EF4-FFF2-40B4-BE49-F238E27FC236}">
-                <a16:creationId xmlns:a16="http://schemas.microsoft.com/office/drawing/2014/main" id="{66189B88-9CE4-44FF-BC06-2CA077FFA825}"/>
+                <a16:creationId xmlns:a16="http://schemas.microsoft.com/office/drawing/2014/main" xmlns="" id="{66189B88-9CE4-44FF-BC06-2CA077FFA825}"/>
               </a:ext>
             </a:extLst>
           </p:cNvPr>
@@ -1873,7 +1873,7 @@
           <p:cNvPr id="9" name="Slide Number Placeholder 8">
             <a:extLst>
               <a:ext uri="{FF2B5EF4-FFF2-40B4-BE49-F238E27FC236}">
-                <a16:creationId xmlns:a16="http://schemas.microsoft.com/office/drawing/2014/main" id="{05E0D7D3-5513-4B83-B7B5-23F6F2952FBE}"/>
+                <a16:creationId xmlns:a16="http://schemas.microsoft.com/office/drawing/2014/main" xmlns="" id="{05E0D7D3-5513-4B83-B7B5-23F6F2952FBE}"/>
               </a:ext>
             </a:extLst>
           </p:cNvPr>
@@ -1932,7 +1932,7 @@
           <p:cNvPr id="2" name="Title 1">
             <a:extLst>
               <a:ext uri="{FF2B5EF4-FFF2-40B4-BE49-F238E27FC236}">
-                <a16:creationId xmlns:a16="http://schemas.microsoft.com/office/drawing/2014/main" id="{200DF880-9650-47A3-B764-4A8EE9FF4B53}"/>
+                <a16:creationId xmlns:a16="http://schemas.microsoft.com/office/drawing/2014/main" xmlns="" id="{200DF880-9650-47A3-B764-4A8EE9FF4B53}"/>
               </a:ext>
             </a:extLst>
           </p:cNvPr>
@@ -1961,7 +1961,7 @@
           <p:cNvPr id="3" name="Date Placeholder 2">
             <a:extLst>
               <a:ext uri="{FF2B5EF4-FFF2-40B4-BE49-F238E27FC236}">
-                <a16:creationId xmlns:a16="http://schemas.microsoft.com/office/drawing/2014/main" id="{74259FFF-FD9C-4749-98DA-29A82BEBA21F}"/>
+                <a16:creationId xmlns:a16="http://schemas.microsoft.com/office/drawing/2014/main" xmlns="" id="{74259FFF-FD9C-4749-98DA-29A82BEBA21F}"/>
               </a:ext>
             </a:extLst>
           </p:cNvPr>
@@ -1979,7 +1979,7 @@
           <a:p>
             <a:fld id="{5F9021A5-5D2C-4FF7-8FBA-B61BDE30AE1B}" type="datetimeFigureOut">
               <a:rPr lang="en-GB" smtClean="0"/>
-              <a:t>17/01/2019</a:t>
+              <a:t>21/01/2019</a:t>
             </a:fld>
             <a:endParaRPr lang="en-GB"/>
           </a:p>
@@ -1990,7 +1990,7 @@
           <p:cNvPr id="4" name="Footer Placeholder 3">
             <a:extLst>
               <a:ext uri="{FF2B5EF4-FFF2-40B4-BE49-F238E27FC236}">
-                <a16:creationId xmlns:a16="http://schemas.microsoft.com/office/drawing/2014/main" id="{0C93E6D4-42C7-4396-83F5-C706FABE2BB2}"/>
+                <a16:creationId xmlns:a16="http://schemas.microsoft.com/office/drawing/2014/main" xmlns="" id="{0C93E6D4-42C7-4396-83F5-C706FABE2BB2}"/>
               </a:ext>
             </a:extLst>
           </p:cNvPr>
@@ -2015,7 +2015,7 @@
           <p:cNvPr id="5" name="Slide Number Placeholder 4">
             <a:extLst>
               <a:ext uri="{FF2B5EF4-FFF2-40B4-BE49-F238E27FC236}">
-                <a16:creationId xmlns:a16="http://schemas.microsoft.com/office/drawing/2014/main" id="{751E6D9E-3936-46CA-85A8-0E03995DC49A}"/>
+                <a16:creationId xmlns:a16="http://schemas.microsoft.com/office/drawing/2014/main" xmlns="" id="{751E6D9E-3936-46CA-85A8-0E03995DC49A}"/>
               </a:ext>
             </a:extLst>
           </p:cNvPr>
@@ -2074,7 +2074,7 @@
           <p:cNvPr id="2" name="Date Placeholder 1">
             <a:extLst>
               <a:ext uri="{FF2B5EF4-FFF2-40B4-BE49-F238E27FC236}">
-                <a16:creationId xmlns:a16="http://schemas.microsoft.com/office/drawing/2014/main" id="{FE2556F9-C98E-4E78-AE79-E9A3E8EC0A1F}"/>
+                <a16:creationId xmlns:a16="http://schemas.microsoft.com/office/drawing/2014/main" xmlns="" id="{FE2556F9-C98E-4E78-AE79-E9A3E8EC0A1F}"/>
               </a:ext>
             </a:extLst>
           </p:cNvPr>
@@ -2092,7 +2092,7 @@
           <a:p>
             <a:fld id="{5F9021A5-5D2C-4FF7-8FBA-B61BDE30AE1B}" type="datetimeFigureOut">
               <a:rPr lang="en-GB" smtClean="0"/>
-              <a:t>17/01/2019</a:t>
+              <a:t>21/01/2019</a:t>
             </a:fld>
             <a:endParaRPr lang="en-GB"/>
           </a:p>
@@ -2103,7 +2103,7 @@
           <p:cNvPr id="3" name="Footer Placeholder 2">
             <a:extLst>
               <a:ext uri="{FF2B5EF4-FFF2-40B4-BE49-F238E27FC236}">
-                <a16:creationId xmlns:a16="http://schemas.microsoft.com/office/drawing/2014/main" id="{5E58EFB7-EF90-4E5C-88BB-C67B2E6D5FCA}"/>
+                <a16:creationId xmlns:a16="http://schemas.microsoft.com/office/drawing/2014/main" xmlns="" id="{5E58EFB7-EF90-4E5C-88BB-C67B2E6D5FCA}"/>
               </a:ext>
             </a:extLst>
           </p:cNvPr>
@@ -2128,7 +2128,7 @@
           <p:cNvPr id="4" name="Slide Number Placeholder 3">
             <a:extLst>
               <a:ext uri="{FF2B5EF4-FFF2-40B4-BE49-F238E27FC236}">
-                <a16:creationId xmlns:a16="http://schemas.microsoft.com/office/drawing/2014/main" id="{E9539145-7624-4814-9BFE-B315EDCE9F72}"/>
+                <a16:creationId xmlns:a16="http://schemas.microsoft.com/office/drawing/2014/main" xmlns="" id="{E9539145-7624-4814-9BFE-B315EDCE9F72}"/>
               </a:ext>
             </a:extLst>
           </p:cNvPr>
@@ -2187,7 +2187,7 @@
           <p:cNvPr id="2" name="Title 1">
             <a:extLst>
               <a:ext uri="{FF2B5EF4-FFF2-40B4-BE49-F238E27FC236}">
-                <a16:creationId xmlns:a16="http://schemas.microsoft.com/office/drawing/2014/main" id="{14E37E2D-94B8-4937-9D19-073CF5073DCA}"/>
+                <a16:creationId xmlns:a16="http://schemas.microsoft.com/office/drawing/2014/main" xmlns="" id="{14E37E2D-94B8-4937-9D19-073CF5073DCA}"/>
               </a:ext>
             </a:extLst>
           </p:cNvPr>
@@ -2225,7 +2225,7 @@
           <p:cNvPr id="3" name="Content Placeholder 2">
             <a:extLst>
               <a:ext uri="{FF2B5EF4-FFF2-40B4-BE49-F238E27FC236}">
-                <a16:creationId xmlns:a16="http://schemas.microsoft.com/office/drawing/2014/main" id="{26BF1181-E9F7-4D60-B81C-A8AC8024327A}"/>
+                <a16:creationId xmlns:a16="http://schemas.microsoft.com/office/drawing/2014/main" xmlns="" id="{26BF1181-E9F7-4D60-B81C-A8AC8024327A}"/>
               </a:ext>
             </a:extLst>
           </p:cNvPr>
@@ -2316,7 +2316,7 @@
           <p:cNvPr id="4" name="Text Placeholder 3">
             <a:extLst>
               <a:ext uri="{FF2B5EF4-FFF2-40B4-BE49-F238E27FC236}">
-                <a16:creationId xmlns:a16="http://schemas.microsoft.com/office/drawing/2014/main" id="{9433EB85-D118-401F-92A7-15F6C5BBAD38}"/>
+                <a16:creationId xmlns:a16="http://schemas.microsoft.com/office/drawing/2014/main" xmlns="" id="{9433EB85-D118-401F-92A7-15F6C5BBAD38}"/>
               </a:ext>
             </a:extLst>
           </p:cNvPr>
@@ -2387,7 +2387,7 @@
           <p:cNvPr id="5" name="Date Placeholder 4">
             <a:extLst>
               <a:ext uri="{FF2B5EF4-FFF2-40B4-BE49-F238E27FC236}">
-                <a16:creationId xmlns:a16="http://schemas.microsoft.com/office/drawing/2014/main" id="{DA607528-5B49-4DD3-9132-30881DE87B4D}"/>
+                <a16:creationId xmlns:a16="http://schemas.microsoft.com/office/drawing/2014/main" xmlns="" id="{DA607528-5B49-4DD3-9132-30881DE87B4D}"/>
               </a:ext>
             </a:extLst>
           </p:cNvPr>
@@ -2405,7 +2405,7 @@
           <a:p>
             <a:fld id="{5F9021A5-5D2C-4FF7-8FBA-B61BDE30AE1B}" type="datetimeFigureOut">
               <a:rPr lang="en-GB" smtClean="0"/>
-              <a:t>17/01/2019</a:t>
+              <a:t>21/01/2019</a:t>
             </a:fld>
             <a:endParaRPr lang="en-GB"/>
           </a:p>
@@ -2416,7 +2416,7 @@
           <p:cNvPr id="6" name="Footer Placeholder 5">
             <a:extLst>
               <a:ext uri="{FF2B5EF4-FFF2-40B4-BE49-F238E27FC236}">
-                <a16:creationId xmlns:a16="http://schemas.microsoft.com/office/drawing/2014/main" id="{455BA862-992C-43CA-B5C2-4C0430B2F039}"/>
+                <a16:creationId xmlns:a16="http://schemas.microsoft.com/office/drawing/2014/main" xmlns="" id="{455BA862-992C-43CA-B5C2-4C0430B2F039}"/>
               </a:ext>
             </a:extLst>
           </p:cNvPr>
@@ -2441,7 +2441,7 @@
           <p:cNvPr id="7" name="Slide Number Placeholder 6">
             <a:extLst>
               <a:ext uri="{FF2B5EF4-FFF2-40B4-BE49-F238E27FC236}">
-                <a16:creationId xmlns:a16="http://schemas.microsoft.com/office/drawing/2014/main" id="{38D26D8D-2712-4B8C-BF2E-9C5B39AEBD41}"/>
+                <a16:creationId xmlns:a16="http://schemas.microsoft.com/office/drawing/2014/main" xmlns="" id="{38D26D8D-2712-4B8C-BF2E-9C5B39AEBD41}"/>
               </a:ext>
             </a:extLst>
           </p:cNvPr>
@@ -2500,7 +2500,7 @@
           <p:cNvPr id="2" name="Title 1">
             <a:extLst>
               <a:ext uri="{FF2B5EF4-FFF2-40B4-BE49-F238E27FC236}">
-                <a16:creationId xmlns:a16="http://schemas.microsoft.com/office/drawing/2014/main" id="{17A725E2-032B-437C-AB44-582C1073A509}"/>
+                <a16:creationId xmlns:a16="http://schemas.microsoft.com/office/drawing/2014/main" xmlns="" id="{17A725E2-032B-437C-AB44-582C1073A509}"/>
               </a:ext>
             </a:extLst>
           </p:cNvPr>
@@ -2538,7 +2538,7 @@
           <p:cNvPr id="3" name="Picture Placeholder 2">
             <a:extLst>
               <a:ext uri="{FF2B5EF4-FFF2-40B4-BE49-F238E27FC236}">
-                <a16:creationId xmlns:a16="http://schemas.microsoft.com/office/drawing/2014/main" id="{5F439274-0057-4242-9680-1D7A9CE6634D}"/>
+                <a16:creationId xmlns:a16="http://schemas.microsoft.com/office/drawing/2014/main" xmlns="" id="{5F439274-0057-4242-9680-1D7A9CE6634D}"/>
               </a:ext>
             </a:extLst>
           </p:cNvPr>
@@ -2605,7 +2605,7 @@
           <p:cNvPr id="4" name="Text Placeholder 3">
             <a:extLst>
               <a:ext uri="{FF2B5EF4-FFF2-40B4-BE49-F238E27FC236}">
-                <a16:creationId xmlns:a16="http://schemas.microsoft.com/office/drawing/2014/main" id="{6E3FE9FB-8CAF-425A-9101-BDEF14014742}"/>
+                <a16:creationId xmlns:a16="http://schemas.microsoft.com/office/drawing/2014/main" xmlns="" id="{6E3FE9FB-8CAF-425A-9101-BDEF14014742}"/>
               </a:ext>
             </a:extLst>
           </p:cNvPr>
@@ -2676,7 +2676,7 @@
           <p:cNvPr id="5" name="Date Placeholder 4">
             <a:extLst>
               <a:ext uri="{FF2B5EF4-FFF2-40B4-BE49-F238E27FC236}">
-                <a16:creationId xmlns:a16="http://schemas.microsoft.com/office/drawing/2014/main" id="{50C55AAC-CB8E-429F-8B0E-F46731F2830B}"/>
+                <a16:creationId xmlns:a16="http://schemas.microsoft.com/office/drawing/2014/main" xmlns="" id="{50C55AAC-CB8E-429F-8B0E-F46731F2830B}"/>
               </a:ext>
             </a:extLst>
           </p:cNvPr>
@@ -2694,7 +2694,7 @@
           <a:p>
             <a:fld id="{5F9021A5-5D2C-4FF7-8FBA-B61BDE30AE1B}" type="datetimeFigureOut">
               <a:rPr lang="en-GB" smtClean="0"/>
-              <a:t>17/01/2019</a:t>
+              <a:t>21/01/2019</a:t>
             </a:fld>
             <a:endParaRPr lang="en-GB"/>
           </a:p>
@@ -2705,7 +2705,7 @@
           <p:cNvPr id="6" name="Footer Placeholder 5">
             <a:extLst>
               <a:ext uri="{FF2B5EF4-FFF2-40B4-BE49-F238E27FC236}">
-                <a16:creationId xmlns:a16="http://schemas.microsoft.com/office/drawing/2014/main" id="{C2F8A79E-3DA5-4A2B-86FA-8C19825DEB33}"/>
+                <a16:creationId xmlns:a16="http://schemas.microsoft.com/office/drawing/2014/main" xmlns="" id="{C2F8A79E-3DA5-4A2B-86FA-8C19825DEB33}"/>
               </a:ext>
             </a:extLst>
           </p:cNvPr>
@@ -2730,7 +2730,7 @@
           <p:cNvPr id="7" name="Slide Number Placeholder 6">
             <a:extLst>
               <a:ext uri="{FF2B5EF4-FFF2-40B4-BE49-F238E27FC236}">
-                <a16:creationId xmlns:a16="http://schemas.microsoft.com/office/drawing/2014/main" id="{B5008AA0-F7C3-4DA3-B1D9-3420F7D2567D}"/>
+                <a16:creationId xmlns:a16="http://schemas.microsoft.com/office/drawing/2014/main" xmlns="" id="{B5008AA0-F7C3-4DA3-B1D9-3420F7D2567D}"/>
               </a:ext>
             </a:extLst>
           </p:cNvPr>
@@ -2794,7 +2794,7 @@
           <p:cNvPr id="2" name="Title Placeholder 1">
             <a:extLst>
               <a:ext uri="{FF2B5EF4-FFF2-40B4-BE49-F238E27FC236}">
-                <a16:creationId xmlns:a16="http://schemas.microsoft.com/office/drawing/2014/main" id="{525AF961-B3D1-4104-86B8-C10BAD57B953}"/>
+                <a16:creationId xmlns:a16="http://schemas.microsoft.com/office/drawing/2014/main" xmlns="" id="{525AF961-B3D1-4104-86B8-C10BAD57B953}"/>
               </a:ext>
             </a:extLst>
           </p:cNvPr>
@@ -2833,7 +2833,7 @@
           <p:cNvPr id="3" name="Text Placeholder 2">
             <a:extLst>
               <a:ext uri="{FF2B5EF4-FFF2-40B4-BE49-F238E27FC236}">
-                <a16:creationId xmlns:a16="http://schemas.microsoft.com/office/drawing/2014/main" id="{2F27F852-475F-4869-A573-AD1D51B3D236}"/>
+                <a16:creationId xmlns:a16="http://schemas.microsoft.com/office/drawing/2014/main" xmlns="" id="{2F27F852-475F-4869-A573-AD1D51B3D236}"/>
               </a:ext>
             </a:extLst>
           </p:cNvPr>
@@ -2901,7 +2901,7 @@
           <p:cNvPr id="4" name="Date Placeholder 3">
             <a:extLst>
               <a:ext uri="{FF2B5EF4-FFF2-40B4-BE49-F238E27FC236}">
-                <a16:creationId xmlns:a16="http://schemas.microsoft.com/office/drawing/2014/main" id="{59156039-19C9-44ED-84AF-BBFA5A788067}"/>
+                <a16:creationId xmlns:a16="http://schemas.microsoft.com/office/drawing/2014/main" xmlns="" id="{59156039-19C9-44ED-84AF-BBFA5A788067}"/>
               </a:ext>
             </a:extLst>
           </p:cNvPr>
@@ -2937,7 +2937,7 @@
           <a:p>
             <a:fld id="{5F9021A5-5D2C-4FF7-8FBA-B61BDE30AE1B}" type="datetimeFigureOut">
               <a:rPr lang="en-GB" smtClean="0"/>
-              <a:t>17/01/2019</a:t>
+              <a:t>21/01/2019</a:t>
             </a:fld>
             <a:endParaRPr lang="en-GB"/>
           </a:p>
@@ -2948,7 +2948,7 @@
           <p:cNvPr id="5" name="Footer Placeholder 4">
             <a:extLst>
               <a:ext uri="{FF2B5EF4-FFF2-40B4-BE49-F238E27FC236}">
-                <a16:creationId xmlns:a16="http://schemas.microsoft.com/office/drawing/2014/main" id="{F60107FF-CCD1-4AB6-9759-47FC7DB3CA12}"/>
+                <a16:creationId xmlns:a16="http://schemas.microsoft.com/office/drawing/2014/main" xmlns="" id="{F60107FF-CCD1-4AB6-9759-47FC7DB3CA12}"/>
               </a:ext>
             </a:extLst>
           </p:cNvPr>
@@ -2991,7 +2991,7 @@
           <p:cNvPr id="6" name="Slide Number Placeholder 5">
             <a:extLst>
               <a:ext uri="{FF2B5EF4-FFF2-40B4-BE49-F238E27FC236}">
-                <a16:creationId xmlns:a16="http://schemas.microsoft.com/office/drawing/2014/main" id="{265A53F5-9A94-4878-984D-EDCC813187E2}"/>
+                <a16:creationId xmlns:a16="http://schemas.microsoft.com/office/drawing/2014/main" xmlns="" id="{265A53F5-9A94-4878-984D-EDCC813187E2}"/>
               </a:ext>
             </a:extLst>
           </p:cNvPr>
@@ -3359,7 +3359,7 @@
           <p:cNvPr id="10" name="Group 9">
             <a:extLst>
               <a:ext uri="{FF2B5EF4-FFF2-40B4-BE49-F238E27FC236}">
-                <a16:creationId xmlns:a16="http://schemas.microsoft.com/office/drawing/2014/main" id="{DE565E46-0409-49DC-A628-3A9D99FF49A4}"/>
+                <a16:creationId xmlns:a16="http://schemas.microsoft.com/office/drawing/2014/main" xmlns="" id="{DE565E46-0409-49DC-A628-3A9D99FF49A4}"/>
               </a:ext>
             </a:extLst>
           </p:cNvPr>
@@ -3379,7 +3379,7 @@
             <p:cNvPr id="6" name="Oval 5">
               <a:extLst>
                 <a:ext uri="{FF2B5EF4-FFF2-40B4-BE49-F238E27FC236}">
-                  <a16:creationId xmlns:a16="http://schemas.microsoft.com/office/drawing/2014/main" id="{0AF1B685-5947-4FCA-8578-2E2573B50500}"/>
+                  <a16:creationId xmlns:a16="http://schemas.microsoft.com/office/drawing/2014/main" xmlns="" id="{0AF1B685-5947-4FCA-8578-2E2573B50500}"/>
                 </a:ext>
               </a:extLst>
             </p:cNvPr>
@@ -3433,7 +3433,7 @@
             <p:cNvPr id="7" name="Oval 6">
               <a:extLst>
                 <a:ext uri="{FF2B5EF4-FFF2-40B4-BE49-F238E27FC236}">
-                  <a16:creationId xmlns:a16="http://schemas.microsoft.com/office/drawing/2014/main" id="{78C829D8-8AEA-46B0-B52D-267C3E7DC429}"/>
+                  <a16:creationId xmlns:a16="http://schemas.microsoft.com/office/drawing/2014/main" xmlns="" id="{78C829D8-8AEA-46B0-B52D-267C3E7DC429}"/>
                 </a:ext>
               </a:extLst>
             </p:cNvPr>
@@ -3487,7 +3487,7 @@
             <p:cNvPr id="4" name="Rectangle 3">
               <a:extLst>
                 <a:ext uri="{FF2B5EF4-FFF2-40B4-BE49-F238E27FC236}">
-                  <a16:creationId xmlns:a16="http://schemas.microsoft.com/office/drawing/2014/main" id="{E0980DD5-50C4-4F70-81B9-C85FF23D25A0}"/>
+                  <a16:creationId xmlns:a16="http://schemas.microsoft.com/office/drawing/2014/main" xmlns="" id="{E0980DD5-50C4-4F70-81B9-C85FF23D25A0}"/>
                 </a:ext>
               </a:extLst>
             </p:cNvPr>
@@ -3544,7 +3544,7 @@
             <p:cNvPr id="9" name="Rectangle 8">
               <a:extLst>
                 <a:ext uri="{FF2B5EF4-FFF2-40B4-BE49-F238E27FC236}">
-                  <a16:creationId xmlns:a16="http://schemas.microsoft.com/office/drawing/2014/main" id="{1100EAFF-8FCD-4A65-86ED-0BB35E12F79B}"/>
+                  <a16:creationId xmlns:a16="http://schemas.microsoft.com/office/drawing/2014/main" xmlns="" id="{1100EAFF-8FCD-4A65-86ED-0BB35E12F79B}"/>
                 </a:ext>
               </a:extLst>
             </p:cNvPr>
@@ -3604,7 +3604,7 @@
             <p:cNvPr id="5" name="Rectangle: Rounded Corners 4">
               <a:extLst>
                 <a:ext uri="{FF2B5EF4-FFF2-40B4-BE49-F238E27FC236}">
-                  <a16:creationId xmlns:a16="http://schemas.microsoft.com/office/drawing/2014/main" id="{33339975-1307-4621-80CE-599D1FDB2CC6}"/>
+                  <a16:creationId xmlns:a16="http://schemas.microsoft.com/office/drawing/2014/main" xmlns="" id="{33339975-1307-4621-80CE-599D1FDB2CC6}"/>
                 </a:ext>
               </a:extLst>
             </p:cNvPr>
@@ -3664,7 +3664,7 @@
           <p:cNvPr id="18" name="Group 17">
             <a:extLst>
               <a:ext uri="{FF2B5EF4-FFF2-40B4-BE49-F238E27FC236}">
-                <a16:creationId xmlns:a16="http://schemas.microsoft.com/office/drawing/2014/main" id="{BF308BC8-91B1-4840-864B-D6FE046F3045}"/>
+                <a16:creationId xmlns:a16="http://schemas.microsoft.com/office/drawing/2014/main" xmlns="" id="{BF308BC8-91B1-4840-864B-D6FE046F3045}"/>
               </a:ext>
             </a:extLst>
           </p:cNvPr>
@@ -3684,7 +3684,7 @@
             <p:cNvPr id="12" name="Rectangle: Rounded Corners 11">
               <a:extLst>
                 <a:ext uri="{FF2B5EF4-FFF2-40B4-BE49-F238E27FC236}">
-                  <a16:creationId xmlns:a16="http://schemas.microsoft.com/office/drawing/2014/main" id="{C5845180-84DB-49CB-B0F6-026F0F03AE96}"/>
+                  <a16:creationId xmlns:a16="http://schemas.microsoft.com/office/drawing/2014/main" xmlns="" id="{C5845180-84DB-49CB-B0F6-026F0F03AE96}"/>
                 </a:ext>
               </a:extLst>
             </p:cNvPr>
@@ -3743,7 +3743,7 @@
             <p:cNvPr id="13" name="Rectangle: Rounded Corners 12">
               <a:extLst>
                 <a:ext uri="{FF2B5EF4-FFF2-40B4-BE49-F238E27FC236}">
-                  <a16:creationId xmlns:a16="http://schemas.microsoft.com/office/drawing/2014/main" id="{47DDA1CF-AEEC-4455-9B8D-E1712A4F4D07}"/>
+                  <a16:creationId xmlns:a16="http://schemas.microsoft.com/office/drawing/2014/main" xmlns="" id="{47DDA1CF-AEEC-4455-9B8D-E1712A4F4D07}"/>
                 </a:ext>
               </a:extLst>
             </p:cNvPr>
@@ -3802,7 +3802,7 @@
             <p:cNvPr id="14" name="Rectangle 13">
               <a:extLst>
                 <a:ext uri="{FF2B5EF4-FFF2-40B4-BE49-F238E27FC236}">
-                  <a16:creationId xmlns:a16="http://schemas.microsoft.com/office/drawing/2014/main" id="{C3831AE5-FC33-405D-BBC0-AC1C9DBAE6FF}"/>
+                  <a16:creationId xmlns:a16="http://schemas.microsoft.com/office/drawing/2014/main" xmlns="" id="{C3831AE5-FC33-405D-BBC0-AC1C9DBAE6FF}"/>
                 </a:ext>
               </a:extLst>
             </p:cNvPr>
@@ -3859,7 +3859,7 @@
             <p:cNvPr id="15" name="Oval 14">
               <a:extLst>
                 <a:ext uri="{FF2B5EF4-FFF2-40B4-BE49-F238E27FC236}">
-                  <a16:creationId xmlns:a16="http://schemas.microsoft.com/office/drawing/2014/main" id="{4B3618A2-8B15-4867-9E8E-B4200276EF37}"/>
+                  <a16:creationId xmlns:a16="http://schemas.microsoft.com/office/drawing/2014/main" xmlns="" id="{4B3618A2-8B15-4867-9E8E-B4200276EF37}"/>
                 </a:ext>
               </a:extLst>
             </p:cNvPr>
@@ -3913,7 +3913,7 @@
             <p:cNvPr id="16" name="Oval 15">
               <a:extLst>
                 <a:ext uri="{FF2B5EF4-FFF2-40B4-BE49-F238E27FC236}">
-                  <a16:creationId xmlns:a16="http://schemas.microsoft.com/office/drawing/2014/main" id="{2DA9BCD9-B90C-42B3-B7F5-A0685BBE0EBE}"/>
+                  <a16:creationId xmlns:a16="http://schemas.microsoft.com/office/drawing/2014/main" xmlns="" id="{2DA9BCD9-B90C-42B3-B7F5-A0685BBE0EBE}"/>
                 </a:ext>
               </a:extLst>
             </p:cNvPr>
@@ -3967,7 +3967,7 @@
             <p:cNvPr id="17" name="Rectangle 16">
               <a:extLst>
                 <a:ext uri="{FF2B5EF4-FFF2-40B4-BE49-F238E27FC236}">
-                  <a16:creationId xmlns:a16="http://schemas.microsoft.com/office/drawing/2014/main" id="{BD56E8A5-511F-4FDD-903A-9764C059A1F0}"/>
+                  <a16:creationId xmlns:a16="http://schemas.microsoft.com/office/drawing/2014/main" xmlns="" id="{BD56E8A5-511F-4FDD-903A-9764C059A1F0}"/>
                 </a:ext>
               </a:extLst>
             </p:cNvPr>
@@ -4058,7 +4058,7 @@
           <p:cNvPr id="4" name="Rectangle 3">
             <a:extLst>
               <a:ext uri="{FF2B5EF4-FFF2-40B4-BE49-F238E27FC236}">
-                <a16:creationId xmlns:a16="http://schemas.microsoft.com/office/drawing/2014/main" id="{B952EAF2-0A12-43B9-9045-FF6DF05D9554}"/>
+                <a16:creationId xmlns:a16="http://schemas.microsoft.com/office/drawing/2014/main" xmlns="" id="{B952EAF2-0A12-43B9-9045-FF6DF05D9554}"/>
               </a:ext>
             </a:extLst>
           </p:cNvPr>
@@ -4113,7 +4113,7 @@
           <p:cNvPr id="6" name="Rectangle 5">
             <a:extLst>
               <a:ext uri="{FF2B5EF4-FFF2-40B4-BE49-F238E27FC236}">
-                <a16:creationId xmlns:a16="http://schemas.microsoft.com/office/drawing/2014/main" id="{BB1785C5-707A-4CE9-BBBE-93504DA2B416}"/>
+                <a16:creationId xmlns:a16="http://schemas.microsoft.com/office/drawing/2014/main" xmlns="" id="{BB1785C5-707A-4CE9-BBBE-93504DA2B416}"/>
               </a:ext>
             </a:extLst>
           </p:cNvPr>
@@ -4165,7 +4165,7 @@
           <p:cNvPr id="8" name="Right Triangle 7">
             <a:extLst>
               <a:ext uri="{FF2B5EF4-FFF2-40B4-BE49-F238E27FC236}">
-                <a16:creationId xmlns:a16="http://schemas.microsoft.com/office/drawing/2014/main" id="{A2D6DE3E-4399-4E4A-B4D0-6B24E5925A58}"/>
+                <a16:creationId xmlns:a16="http://schemas.microsoft.com/office/drawing/2014/main" xmlns="" id="{A2D6DE3E-4399-4E4A-B4D0-6B24E5925A58}"/>
               </a:ext>
             </a:extLst>
           </p:cNvPr>
@@ -4219,7 +4219,7 @@
           <p:cNvPr id="9" name="Right Triangle 8">
             <a:extLst>
               <a:ext uri="{FF2B5EF4-FFF2-40B4-BE49-F238E27FC236}">
-                <a16:creationId xmlns:a16="http://schemas.microsoft.com/office/drawing/2014/main" id="{4492A67D-306C-40E5-A188-25C5B2E8E60E}"/>
+                <a16:creationId xmlns:a16="http://schemas.microsoft.com/office/drawing/2014/main" xmlns="" id="{4492A67D-306C-40E5-A188-25C5B2E8E60E}"/>
               </a:ext>
             </a:extLst>
           </p:cNvPr>
@@ -4271,7 +4271,7 @@
           <p:cNvPr id="10" name="Group 9">
             <a:extLst>
               <a:ext uri="{FF2B5EF4-FFF2-40B4-BE49-F238E27FC236}">
-                <a16:creationId xmlns:a16="http://schemas.microsoft.com/office/drawing/2014/main" id="{7240A447-BF0B-4888-ADEE-D2144CBECB04}"/>
+                <a16:creationId xmlns:a16="http://schemas.microsoft.com/office/drawing/2014/main" xmlns="" id="{7240A447-BF0B-4888-ADEE-D2144CBECB04}"/>
               </a:ext>
             </a:extLst>
           </p:cNvPr>
@@ -4291,7 +4291,7 @@
             <p:cNvPr id="11" name="Oval 10">
               <a:extLst>
                 <a:ext uri="{FF2B5EF4-FFF2-40B4-BE49-F238E27FC236}">
-                  <a16:creationId xmlns:a16="http://schemas.microsoft.com/office/drawing/2014/main" id="{B9E483EF-C8ED-4317-9444-C6D60D009609}"/>
+                  <a16:creationId xmlns:a16="http://schemas.microsoft.com/office/drawing/2014/main" xmlns="" id="{B9E483EF-C8ED-4317-9444-C6D60D009609}"/>
                 </a:ext>
               </a:extLst>
             </p:cNvPr>
@@ -4345,7 +4345,7 @@
             <p:cNvPr id="12" name="Oval 11">
               <a:extLst>
                 <a:ext uri="{FF2B5EF4-FFF2-40B4-BE49-F238E27FC236}">
-                  <a16:creationId xmlns:a16="http://schemas.microsoft.com/office/drawing/2014/main" id="{F5DC7E25-2E03-4DE0-8320-080C922B65CE}"/>
+                  <a16:creationId xmlns:a16="http://schemas.microsoft.com/office/drawing/2014/main" xmlns="" id="{F5DC7E25-2E03-4DE0-8320-080C922B65CE}"/>
                 </a:ext>
               </a:extLst>
             </p:cNvPr>
@@ -4399,7 +4399,7 @@
             <p:cNvPr id="13" name="Rectangle 12">
               <a:extLst>
                 <a:ext uri="{FF2B5EF4-FFF2-40B4-BE49-F238E27FC236}">
-                  <a16:creationId xmlns:a16="http://schemas.microsoft.com/office/drawing/2014/main" id="{DFA46352-C925-404B-9D8C-89CD61D2ADB4}"/>
+                  <a16:creationId xmlns:a16="http://schemas.microsoft.com/office/drawing/2014/main" xmlns="" id="{DFA46352-C925-404B-9D8C-89CD61D2ADB4}"/>
                 </a:ext>
               </a:extLst>
             </p:cNvPr>
@@ -4456,7 +4456,7 @@
             <p:cNvPr id="14" name="Rectangle: Rounded Corners 13">
               <a:extLst>
                 <a:ext uri="{FF2B5EF4-FFF2-40B4-BE49-F238E27FC236}">
-                  <a16:creationId xmlns:a16="http://schemas.microsoft.com/office/drawing/2014/main" id="{2D21F57D-E5CB-4BE7-B1D9-E4F1E8554796}"/>
+                  <a16:creationId xmlns:a16="http://schemas.microsoft.com/office/drawing/2014/main" xmlns="" id="{2D21F57D-E5CB-4BE7-B1D9-E4F1E8554796}"/>
                 </a:ext>
               </a:extLst>
             </p:cNvPr>
@@ -4516,7 +4516,7 @@
           <p:cNvPr id="16" name="Cloud 15">
             <a:extLst>
               <a:ext uri="{FF2B5EF4-FFF2-40B4-BE49-F238E27FC236}">
-                <a16:creationId xmlns:a16="http://schemas.microsoft.com/office/drawing/2014/main" id="{2CE27498-5023-4903-B058-E42EFEAA038E}"/>
+                <a16:creationId xmlns:a16="http://schemas.microsoft.com/office/drawing/2014/main" xmlns="" id="{2CE27498-5023-4903-B058-E42EFEAA038E}"/>
               </a:ext>
             </a:extLst>
           </p:cNvPr>
@@ -4573,7 +4573,7 @@
           <p:cNvPr id="5" name="Rectangle 4">
             <a:extLst>
               <a:ext uri="{FF2B5EF4-FFF2-40B4-BE49-F238E27FC236}">
-                <a16:creationId xmlns:a16="http://schemas.microsoft.com/office/drawing/2014/main" id="{54780F52-5C75-483F-A096-AE5FC390B8FA}"/>
+                <a16:creationId xmlns:a16="http://schemas.microsoft.com/office/drawing/2014/main" xmlns="" id="{54780F52-5C75-483F-A096-AE5FC390B8FA}"/>
               </a:ext>
             </a:extLst>
           </p:cNvPr>
@@ -4659,7 +4659,7 @@
           <p:cNvPr id="21" name="Rectangle 20">
             <a:extLst>
               <a:ext uri="{FF2B5EF4-FFF2-40B4-BE49-F238E27FC236}">
-                <a16:creationId xmlns:a16="http://schemas.microsoft.com/office/drawing/2014/main" id="{BD25B3EC-DB4C-4497-8FF5-572ABA1DC4C4}"/>
+                <a16:creationId xmlns:a16="http://schemas.microsoft.com/office/drawing/2014/main" xmlns="" id="{BD25B3EC-DB4C-4497-8FF5-572ABA1DC4C4}"/>
               </a:ext>
             </a:extLst>
           </p:cNvPr>
@@ -4711,7 +4711,7 @@
           <p:cNvPr id="20" name="Group 19">
             <a:extLst>
               <a:ext uri="{FF2B5EF4-FFF2-40B4-BE49-F238E27FC236}">
-                <a16:creationId xmlns:a16="http://schemas.microsoft.com/office/drawing/2014/main" id="{E9C4BE0C-8811-440A-A293-0B74E20CB15B}"/>
+                <a16:creationId xmlns:a16="http://schemas.microsoft.com/office/drawing/2014/main" xmlns="" id="{E9C4BE0C-8811-440A-A293-0B74E20CB15B}"/>
               </a:ext>
             </a:extLst>
           </p:cNvPr>
@@ -4731,7 +4731,7 @@
             <p:cNvPr id="14" name="Rectangle: Rounded Corners 13">
               <a:extLst>
                 <a:ext uri="{FF2B5EF4-FFF2-40B4-BE49-F238E27FC236}">
-                  <a16:creationId xmlns:a16="http://schemas.microsoft.com/office/drawing/2014/main" id="{F7D747E1-5321-4917-83A5-2C97927CE3D9}"/>
+                  <a16:creationId xmlns:a16="http://schemas.microsoft.com/office/drawing/2014/main" xmlns="" id="{F7D747E1-5321-4917-83A5-2C97927CE3D9}"/>
                 </a:ext>
               </a:extLst>
             </p:cNvPr>
@@ -4790,7 +4790,7 @@
             <p:cNvPr id="19" name="Rectangle: Rounded Corners 18">
               <a:extLst>
                 <a:ext uri="{FF2B5EF4-FFF2-40B4-BE49-F238E27FC236}">
-                  <a16:creationId xmlns:a16="http://schemas.microsoft.com/office/drawing/2014/main" id="{0F5F2F2C-752A-4F44-802C-BBB45CAC38B4}"/>
+                  <a16:creationId xmlns:a16="http://schemas.microsoft.com/office/drawing/2014/main" xmlns="" id="{0F5F2F2C-752A-4F44-802C-BBB45CAC38B4}"/>
                 </a:ext>
               </a:extLst>
             </p:cNvPr>
@@ -4849,7 +4849,7 @@
             <p:cNvPr id="13" name="Rectangle 12">
               <a:extLst>
                 <a:ext uri="{FF2B5EF4-FFF2-40B4-BE49-F238E27FC236}">
-                  <a16:creationId xmlns:a16="http://schemas.microsoft.com/office/drawing/2014/main" id="{F3690F3F-1F02-439A-A3F7-6E4692B1FE3F}"/>
+                  <a16:creationId xmlns:a16="http://schemas.microsoft.com/office/drawing/2014/main" xmlns="" id="{F3690F3F-1F02-439A-A3F7-6E4692B1FE3F}"/>
                 </a:ext>
               </a:extLst>
             </p:cNvPr>
@@ -4906,7 +4906,7 @@
             <p:cNvPr id="11" name="Oval 10">
               <a:extLst>
                 <a:ext uri="{FF2B5EF4-FFF2-40B4-BE49-F238E27FC236}">
-                  <a16:creationId xmlns:a16="http://schemas.microsoft.com/office/drawing/2014/main" id="{A0D0750E-85C8-46C7-A66D-0F4E01652F18}"/>
+                  <a16:creationId xmlns:a16="http://schemas.microsoft.com/office/drawing/2014/main" xmlns="" id="{A0D0750E-85C8-46C7-A66D-0F4E01652F18}"/>
                 </a:ext>
               </a:extLst>
             </p:cNvPr>
@@ -4960,7 +4960,7 @@
             <p:cNvPr id="12" name="Oval 11">
               <a:extLst>
                 <a:ext uri="{FF2B5EF4-FFF2-40B4-BE49-F238E27FC236}">
-                  <a16:creationId xmlns:a16="http://schemas.microsoft.com/office/drawing/2014/main" id="{8026C938-56CA-447F-968E-67A1FE5611D7}"/>
+                  <a16:creationId xmlns:a16="http://schemas.microsoft.com/office/drawing/2014/main" xmlns="" id="{8026C938-56CA-447F-968E-67A1FE5611D7}"/>
                 </a:ext>
               </a:extLst>
             </p:cNvPr>
@@ -5015,7 +5015,7 @@
           <p:cNvPr id="22" name="Cloud 21">
             <a:extLst>
               <a:ext uri="{FF2B5EF4-FFF2-40B4-BE49-F238E27FC236}">
-                <a16:creationId xmlns:a16="http://schemas.microsoft.com/office/drawing/2014/main" id="{7816433F-6710-4BE4-96DD-713A55E9C120}"/>
+                <a16:creationId xmlns:a16="http://schemas.microsoft.com/office/drawing/2014/main" xmlns="" id="{7816433F-6710-4BE4-96DD-713A55E9C120}"/>
               </a:ext>
             </a:extLst>
           </p:cNvPr>
@@ -5102,7 +5102,7 @@
           <p:cNvPr id="21" name="Rectangle 20">
             <a:extLst>
               <a:ext uri="{FF2B5EF4-FFF2-40B4-BE49-F238E27FC236}">
-                <a16:creationId xmlns:a16="http://schemas.microsoft.com/office/drawing/2014/main" id="{BD25B3EC-DB4C-4497-8FF5-572ABA1DC4C4}"/>
+                <a16:creationId xmlns:a16="http://schemas.microsoft.com/office/drawing/2014/main" xmlns="" id="{BD25B3EC-DB4C-4497-8FF5-572ABA1DC4C4}"/>
               </a:ext>
             </a:extLst>
           </p:cNvPr>
@@ -5154,7 +5154,7 @@
           <p:cNvPr id="20" name="Group 19">
             <a:extLst>
               <a:ext uri="{FF2B5EF4-FFF2-40B4-BE49-F238E27FC236}">
-                <a16:creationId xmlns:a16="http://schemas.microsoft.com/office/drawing/2014/main" id="{E9C4BE0C-8811-440A-A293-0B74E20CB15B}"/>
+                <a16:creationId xmlns:a16="http://schemas.microsoft.com/office/drawing/2014/main" xmlns="" id="{E9C4BE0C-8811-440A-A293-0B74E20CB15B}"/>
               </a:ext>
             </a:extLst>
           </p:cNvPr>
@@ -5174,7 +5174,7 @@
             <p:cNvPr id="14" name="Rectangle: Rounded Corners 13">
               <a:extLst>
                 <a:ext uri="{FF2B5EF4-FFF2-40B4-BE49-F238E27FC236}">
-                  <a16:creationId xmlns:a16="http://schemas.microsoft.com/office/drawing/2014/main" id="{F7D747E1-5321-4917-83A5-2C97927CE3D9}"/>
+                  <a16:creationId xmlns:a16="http://schemas.microsoft.com/office/drawing/2014/main" xmlns="" id="{F7D747E1-5321-4917-83A5-2C97927CE3D9}"/>
                 </a:ext>
               </a:extLst>
             </p:cNvPr>
@@ -5233,7 +5233,7 @@
             <p:cNvPr id="19" name="Rectangle: Rounded Corners 18">
               <a:extLst>
                 <a:ext uri="{FF2B5EF4-FFF2-40B4-BE49-F238E27FC236}">
-                  <a16:creationId xmlns:a16="http://schemas.microsoft.com/office/drawing/2014/main" id="{0F5F2F2C-752A-4F44-802C-BBB45CAC38B4}"/>
+                  <a16:creationId xmlns:a16="http://schemas.microsoft.com/office/drawing/2014/main" xmlns="" id="{0F5F2F2C-752A-4F44-802C-BBB45CAC38B4}"/>
                 </a:ext>
               </a:extLst>
             </p:cNvPr>
@@ -5292,7 +5292,7 @@
             <p:cNvPr id="13" name="Rectangle 12">
               <a:extLst>
                 <a:ext uri="{FF2B5EF4-FFF2-40B4-BE49-F238E27FC236}">
-                  <a16:creationId xmlns:a16="http://schemas.microsoft.com/office/drawing/2014/main" id="{F3690F3F-1F02-439A-A3F7-6E4692B1FE3F}"/>
+                  <a16:creationId xmlns:a16="http://schemas.microsoft.com/office/drawing/2014/main" xmlns="" id="{F3690F3F-1F02-439A-A3F7-6E4692B1FE3F}"/>
                 </a:ext>
               </a:extLst>
             </p:cNvPr>
@@ -5349,7 +5349,7 @@
             <p:cNvPr id="11" name="Oval 10">
               <a:extLst>
                 <a:ext uri="{FF2B5EF4-FFF2-40B4-BE49-F238E27FC236}">
-                  <a16:creationId xmlns:a16="http://schemas.microsoft.com/office/drawing/2014/main" id="{A0D0750E-85C8-46C7-A66D-0F4E01652F18}"/>
+                  <a16:creationId xmlns:a16="http://schemas.microsoft.com/office/drawing/2014/main" xmlns="" id="{A0D0750E-85C8-46C7-A66D-0F4E01652F18}"/>
                 </a:ext>
               </a:extLst>
             </p:cNvPr>
@@ -5403,7 +5403,7 @@
             <p:cNvPr id="12" name="Oval 11">
               <a:extLst>
                 <a:ext uri="{FF2B5EF4-FFF2-40B4-BE49-F238E27FC236}">
-                  <a16:creationId xmlns:a16="http://schemas.microsoft.com/office/drawing/2014/main" id="{8026C938-56CA-447F-968E-67A1FE5611D7}"/>
+                  <a16:creationId xmlns:a16="http://schemas.microsoft.com/office/drawing/2014/main" xmlns="" id="{8026C938-56CA-447F-968E-67A1FE5611D7}"/>
                 </a:ext>
               </a:extLst>
             </p:cNvPr>
@@ -5458,7 +5458,7 @@
           <p:cNvPr id="22" name="Cloud 21">
             <a:extLst>
               <a:ext uri="{FF2B5EF4-FFF2-40B4-BE49-F238E27FC236}">
-                <a16:creationId xmlns:a16="http://schemas.microsoft.com/office/drawing/2014/main" id="{7816433F-6710-4BE4-96DD-713A55E9C120}"/>
+                <a16:creationId xmlns:a16="http://schemas.microsoft.com/office/drawing/2014/main" xmlns="" id="{7816433F-6710-4BE4-96DD-713A55E9C120}"/>
               </a:ext>
             </a:extLst>
           </p:cNvPr>
@@ -5515,7 +5515,7 @@
           <p:cNvPr id="18" name="Rectangle 17">
             <a:extLst>
               <a:ext uri="{FF2B5EF4-FFF2-40B4-BE49-F238E27FC236}">
-                <a16:creationId xmlns:a16="http://schemas.microsoft.com/office/drawing/2014/main" id="{1691F04F-5542-4138-AE32-C7ABDADEDD48}"/>
+                <a16:creationId xmlns:a16="http://schemas.microsoft.com/office/drawing/2014/main" xmlns="" id="{1691F04F-5542-4138-AE32-C7ABDADEDD48}"/>
               </a:ext>
             </a:extLst>
           </p:cNvPr>
@@ -5569,7 +5569,7 @@
           <p:cNvPr id="23" name="Oval 22">
             <a:extLst>
               <a:ext uri="{FF2B5EF4-FFF2-40B4-BE49-F238E27FC236}">
-                <a16:creationId xmlns:a16="http://schemas.microsoft.com/office/drawing/2014/main" id="{68F7C2D4-7A61-481E-95A2-C3E0FF07CEB2}"/>
+                <a16:creationId xmlns:a16="http://schemas.microsoft.com/office/drawing/2014/main" xmlns="" id="{68F7C2D4-7A61-481E-95A2-C3E0FF07CEB2}"/>
               </a:ext>
             </a:extLst>
           </p:cNvPr>
@@ -5623,7 +5623,7 @@
           <p:cNvPr id="24" name="Oval 23">
             <a:extLst>
               <a:ext uri="{FF2B5EF4-FFF2-40B4-BE49-F238E27FC236}">
-                <a16:creationId xmlns:a16="http://schemas.microsoft.com/office/drawing/2014/main" id="{39986F21-83F4-47B4-A190-C21573817676}"/>
+                <a16:creationId xmlns:a16="http://schemas.microsoft.com/office/drawing/2014/main" xmlns="" id="{39986F21-83F4-47B4-A190-C21573817676}"/>
               </a:ext>
             </a:extLst>
           </p:cNvPr>
@@ -5677,7 +5677,7 @@
           <p:cNvPr id="25" name="Oval 24">
             <a:extLst>
               <a:ext uri="{FF2B5EF4-FFF2-40B4-BE49-F238E27FC236}">
-                <a16:creationId xmlns:a16="http://schemas.microsoft.com/office/drawing/2014/main" id="{304F4A48-1083-4DC0-BBEA-AD2CB3155009}"/>
+                <a16:creationId xmlns:a16="http://schemas.microsoft.com/office/drawing/2014/main" xmlns="" id="{304F4A48-1083-4DC0-BBEA-AD2CB3155009}"/>
               </a:ext>
             </a:extLst>
           </p:cNvPr>
@@ -5761,7 +5761,7 @@
           <p:cNvPr id="21" name="Rectangle 20">
             <a:extLst>
               <a:ext uri="{FF2B5EF4-FFF2-40B4-BE49-F238E27FC236}">
-                <a16:creationId xmlns:a16="http://schemas.microsoft.com/office/drawing/2014/main" id="{BD25B3EC-DB4C-4497-8FF5-572ABA1DC4C4}"/>
+                <a16:creationId xmlns:a16="http://schemas.microsoft.com/office/drawing/2014/main" xmlns="" id="{BD25B3EC-DB4C-4497-8FF5-572ABA1DC4C4}"/>
               </a:ext>
             </a:extLst>
           </p:cNvPr>
@@ -5813,7 +5813,7 @@
           <p:cNvPr id="20" name="Group 19">
             <a:extLst>
               <a:ext uri="{FF2B5EF4-FFF2-40B4-BE49-F238E27FC236}">
-                <a16:creationId xmlns:a16="http://schemas.microsoft.com/office/drawing/2014/main" id="{E9C4BE0C-8811-440A-A293-0B74E20CB15B}"/>
+                <a16:creationId xmlns:a16="http://schemas.microsoft.com/office/drawing/2014/main" xmlns="" id="{E9C4BE0C-8811-440A-A293-0B74E20CB15B}"/>
               </a:ext>
             </a:extLst>
           </p:cNvPr>
@@ -5833,7 +5833,7 @@
             <p:cNvPr id="14" name="Rectangle: Rounded Corners 13">
               <a:extLst>
                 <a:ext uri="{FF2B5EF4-FFF2-40B4-BE49-F238E27FC236}">
-                  <a16:creationId xmlns:a16="http://schemas.microsoft.com/office/drawing/2014/main" id="{F7D747E1-5321-4917-83A5-2C97927CE3D9}"/>
+                  <a16:creationId xmlns:a16="http://schemas.microsoft.com/office/drawing/2014/main" xmlns="" id="{F7D747E1-5321-4917-83A5-2C97927CE3D9}"/>
                 </a:ext>
               </a:extLst>
             </p:cNvPr>
@@ -5892,7 +5892,7 @@
             <p:cNvPr id="19" name="Rectangle: Rounded Corners 18">
               <a:extLst>
                 <a:ext uri="{FF2B5EF4-FFF2-40B4-BE49-F238E27FC236}">
-                  <a16:creationId xmlns:a16="http://schemas.microsoft.com/office/drawing/2014/main" id="{0F5F2F2C-752A-4F44-802C-BBB45CAC38B4}"/>
+                  <a16:creationId xmlns:a16="http://schemas.microsoft.com/office/drawing/2014/main" xmlns="" id="{0F5F2F2C-752A-4F44-802C-BBB45CAC38B4}"/>
                 </a:ext>
               </a:extLst>
             </p:cNvPr>
@@ -5951,7 +5951,7 @@
             <p:cNvPr id="13" name="Rectangle 12">
               <a:extLst>
                 <a:ext uri="{FF2B5EF4-FFF2-40B4-BE49-F238E27FC236}">
-                  <a16:creationId xmlns:a16="http://schemas.microsoft.com/office/drawing/2014/main" id="{F3690F3F-1F02-439A-A3F7-6E4692B1FE3F}"/>
+                  <a16:creationId xmlns:a16="http://schemas.microsoft.com/office/drawing/2014/main" xmlns="" id="{F3690F3F-1F02-439A-A3F7-6E4692B1FE3F}"/>
                 </a:ext>
               </a:extLst>
             </p:cNvPr>
@@ -6008,7 +6008,7 @@
             <p:cNvPr id="11" name="Oval 10">
               <a:extLst>
                 <a:ext uri="{FF2B5EF4-FFF2-40B4-BE49-F238E27FC236}">
-                  <a16:creationId xmlns:a16="http://schemas.microsoft.com/office/drawing/2014/main" id="{A0D0750E-85C8-46C7-A66D-0F4E01652F18}"/>
+                  <a16:creationId xmlns:a16="http://schemas.microsoft.com/office/drawing/2014/main" xmlns="" id="{A0D0750E-85C8-46C7-A66D-0F4E01652F18}"/>
                 </a:ext>
               </a:extLst>
             </p:cNvPr>
@@ -6062,7 +6062,7 @@
             <p:cNvPr id="12" name="Oval 11">
               <a:extLst>
                 <a:ext uri="{FF2B5EF4-FFF2-40B4-BE49-F238E27FC236}">
-                  <a16:creationId xmlns:a16="http://schemas.microsoft.com/office/drawing/2014/main" id="{8026C938-56CA-447F-968E-67A1FE5611D7}"/>
+                  <a16:creationId xmlns:a16="http://schemas.microsoft.com/office/drawing/2014/main" xmlns="" id="{8026C938-56CA-447F-968E-67A1FE5611D7}"/>
                 </a:ext>
               </a:extLst>
             </p:cNvPr>
@@ -6117,7 +6117,7 @@
           <p:cNvPr id="22" name="Cloud 21">
             <a:extLst>
               <a:ext uri="{FF2B5EF4-FFF2-40B4-BE49-F238E27FC236}">
-                <a16:creationId xmlns:a16="http://schemas.microsoft.com/office/drawing/2014/main" id="{7816433F-6710-4BE4-96DD-713A55E9C120}"/>
+                <a16:creationId xmlns:a16="http://schemas.microsoft.com/office/drawing/2014/main" xmlns="" id="{7816433F-6710-4BE4-96DD-713A55E9C120}"/>
               </a:ext>
             </a:extLst>
           </p:cNvPr>
@@ -6174,7 +6174,7 @@
           <p:cNvPr id="18" name="Rectangle 17">
             <a:extLst>
               <a:ext uri="{FF2B5EF4-FFF2-40B4-BE49-F238E27FC236}">
-                <a16:creationId xmlns:a16="http://schemas.microsoft.com/office/drawing/2014/main" id="{1691F04F-5542-4138-AE32-C7ABDADEDD48}"/>
+                <a16:creationId xmlns:a16="http://schemas.microsoft.com/office/drawing/2014/main" xmlns="" id="{1691F04F-5542-4138-AE32-C7ABDADEDD48}"/>
               </a:ext>
             </a:extLst>
           </p:cNvPr>
@@ -6228,7 +6228,7 @@
           <p:cNvPr id="24" name="Oval 23">
             <a:extLst>
               <a:ext uri="{FF2B5EF4-FFF2-40B4-BE49-F238E27FC236}">
-                <a16:creationId xmlns:a16="http://schemas.microsoft.com/office/drawing/2014/main" id="{39986F21-83F4-47B4-A190-C21573817676}"/>
+                <a16:creationId xmlns:a16="http://schemas.microsoft.com/office/drawing/2014/main" xmlns="" id="{39986F21-83F4-47B4-A190-C21573817676}"/>
               </a:ext>
             </a:extLst>
           </p:cNvPr>
@@ -6282,7 +6282,7 @@
           <p:cNvPr id="3" name="Straight Connector 2">
             <a:extLst>
               <a:ext uri="{FF2B5EF4-FFF2-40B4-BE49-F238E27FC236}">
-                <a16:creationId xmlns:a16="http://schemas.microsoft.com/office/drawing/2014/main" id="{D4FE5C44-DB15-43D7-861A-9E8E750611FA}"/>
+                <a16:creationId xmlns:a16="http://schemas.microsoft.com/office/drawing/2014/main" xmlns="" id="{D4FE5C44-DB15-43D7-861A-9E8E750611FA}"/>
               </a:ext>
             </a:extLst>
           </p:cNvPr>
@@ -6325,7 +6325,7 @@
           <p:cNvPr id="23" name="Oval 22">
             <a:extLst>
               <a:ext uri="{FF2B5EF4-FFF2-40B4-BE49-F238E27FC236}">
-                <a16:creationId xmlns:a16="http://schemas.microsoft.com/office/drawing/2014/main" id="{68F7C2D4-7A61-481E-95A2-C3E0FF07CEB2}"/>
+                <a16:creationId xmlns:a16="http://schemas.microsoft.com/office/drawing/2014/main" xmlns="" id="{68F7C2D4-7A61-481E-95A2-C3E0FF07CEB2}"/>
               </a:ext>
             </a:extLst>
           </p:cNvPr>
@@ -6379,7 +6379,7 @@
           <p:cNvPr id="25" name="Oval 24">
             <a:extLst>
               <a:ext uri="{FF2B5EF4-FFF2-40B4-BE49-F238E27FC236}">
-                <a16:creationId xmlns:a16="http://schemas.microsoft.com/office/drawing/2014/main" id="{304F4A48-1083-4DC0-BBEA-AD2CB3155009}"/>
+                <a16:creationId xmlns:a16="http://schemas.microsoft.com/office/drawing/2014/main" xmlns="" id="{304F4A48-1083-4DC0-BBEA-AD2CB3155009}"/>
               </a:ext>
             </a:extLst>
           </p:cNvPr>
@@ -6433,7 +6433,7 @@
           <p:cNvPr id="5" name="Straight Connector 4">
             <a:extLst>
               <a:ext uri="{FF2B5EF4-FFF2-40B4-BE49-F238E27FC236}">
-                <a16:creationId xmlns:a16="http://schemas.microsoft.com/office/drawing/2014/main" id="{86723112-7FE1-441F-9F8A-F889DE6EF386}"/>
+                <a16:creationId xmlns:a16="http://schemas.microsoft.com/office/drawing/2014/main" xmlns="" id="{86723112-7FE1-441F-9F8A-F889DE6EF386}"/>
               </a:ext>
             </a:extLst>
           </p:cNvPr>
@@ -6476,7 +6476,7 @@
           <p:cNvPr id="8" name="Arrow: Right 7">
             <a:extLst>
               <a:ext uri="{FF2B5EF4-FFF2-40B4-BE49-F238E27FC236}">
-                <a16:creationId xmlns:a16="http://schemas.microsoft.com/office/drawing/2014/main" id="{902D70E0-C0D5-495D-81FF-8718930F7553}"/>
+                <a16:creationId xmlns:a16="http://schemas.microsoft.com/office/drawing/2014/main" xmlns="" id="{902D70E0-C0D5-495D-81FF-8718930F7553}"/>
               </a:ext>
             </a:extLst>
           </p:cNvPr>
@@ -6561,7 +6561,7 @@
           <p:cNvPr id="21" name="Rectangle 20">
             <a:extLst>
               <a:ext uri="{FF2B5EF4-FFF2-40B4-BE49-F238E27FC236}">
-                <a16:creationId xmlns:a16="http://schemas.microsoft.com/office/drawing/2014/main" id="{BD25B3EC-DB4C-4497-8FF5-572ABA1DC4C4}"/>
+                <a16:creationId xmlns:a16="http://schemas.microsoft.com/office/drawing/2014/main" xmlns="" id="{BD25B3EC-DB4C-4497-8FF5-572ABA1DC4C4}"/>
               </a:ext>
             </a:extLst>
           </p:cNvPr>
@@ -6613,7 +6613,7 @@
           <p:cNvPr id="22" name="Cloud 21">
             <a:extLst>
               <a:ext uri="{FF2B5EF4-FFF2-40B4-BE49-F238E27FC236}">
-                <a16:creationId xmlns:a16="http://schemas.microsoft.com/office/drawing/2014/main" id="{7816433F-6710-4BE4-96DD-713A55E9C120}"/>
+                <a16:creationId xmlns:a16="http://schemas.microsoft.com/office/drawing/2014/main" xmlns="" id="{7816433F-6710-4BE4-96DD-713A55E9C120}"/>
               </a:ext>
             </a:extLst>
           </p:cNvPr>
@@ -6670,7 +6670,7 @@
           <p:cNvPr id="36" name="Group 35">
             <a:extLst>
               <a:ext uri="{FF2B5EF4-FFF2-40B4-BE49-F238E27FC236}">
-                <a16:creationId xmlns:a16="http://schemas.microsoft.com/office/drawing/2014/main" id="{9D3C3581-799D-41C4-8A7E-3B1F29D7F724}"/>
+                <a16:creationId xmlns:a16="http://schemas.microsoft.com/office/drawing/2014/main" xmlns="" id="{9D3C3581-799D-41C4-8A7E-3B1F29D7F724}"/>
               </a:ext>
             </a:extLst>
           </p:cNvPr>
@@ -6690,7 +6690,7 @@
             <p:cNvPr id="40" name="Rectangle: Rounded Corners 39">
               <a:extLst>
                 <a:ext uri="{FF2B5EF4-FFF2-40B4-BE49-F238E27FC236}">
-                  <a16:creationId xmlns:a16="http://schemas.microsoft.com/office/drawing/2014/main" id="{342ABA70-F860-492B-BFBC-F4814929B690}"/>
+                  <a16:creationId xmlns:a16="http://schemas.microsoft.com/office/drawing/2014/main" xmlns="" id="{342ABA70-F860-492B-BFBC-F4814929B690}"/>
                 </a:ext>
               </a:extLst>
             </p:cNvPr>
@@ -6749,7 +6749,7 @@
             <p:cNvPr id="41" name="Rectangle: Rounded Corners 40">
               <a:extLst>
                 <a:ext uri="{FF2B5EF4-FFF2-40B4-BE49-F238E27FC236}">
-                  <a16:creationId xmlns:a16="http://schemas.microsoft.com/office/drawing/2014/main" id="{7C3DC209-DCFF-49CD-B4CD-A701A6076BC1}"/>
+                  <a16:creationId xmlns:a16="http://schemas.microsoft.com/office/drawing/2014/main" xmlns="" id="{7C3DC209-DCFF-49CD-B4CD-A701A6076BC1}"/>
                 </a:ext>
               </a:extLst>
             </p:cNvPr>
@@ -6808,7 +6808,7 @@
             <p:cNvPr id="42" name="Rectangle 41">
               <a:extLst>
                 <a:ext uri="{FF2B5EF4-FFF2-40B4-BE49-F238E27FC236}">
-                  <a16:creationId xmlns:a16="http://schemas.microsoft.com/office/drawing/2014/main" id="{0D2D6DD8-D866-4F3D-967E-38D0B5925AD4}"/>
+                  <a16:creationId xmlns:a16="http://schemas.microsoft.com/office/drawing/2014/main" xmlns="" id="{0D2D6DD8-D866-4F3D-967E-38D0B5925AD4}"/>
                 </a:ext>
               </a:extLst>
             </p:cNvPr>
@@ -6865,7 +6865,7 @@
             <p:cNvPr id="43" name="Oval 42">
               <a:extLst>
                 <a:ext uri="{FF2B5EF4-FFF2-40B4-BE49-F238E27FC236}">
-                  <a16:creationId xmlns:a16="http://schemas.microsoft.com/office/drawing/2014/main" id="{68D34BEC-9182-437E-9BA8-AD7FFA4B19EB}"/>
+                  <a16:creationId xmlns:a16="http://schemas.microsoft.com/office/drawing/2014/main" xmlns="" id="{68D34BEC-9182-437E-9BA8-AD7FFA4B19EB}"/>
                 </a:ext>
               </a:extLst>
             </p:cNvPr>
@@ -6919,7 +6919,7 @@
             <p:cNvPr id="44" name="Oval 43">
               <a:extLst>
                 <a:ext uri="{FF2B5EF4-FFF2-40B4-BE49-F238E27FC236}">
-                  <a16:creationId xmlns:a16="http://schemas.microsoft.com/office/drawing/2014/main" id="{BFE920F1-16B1-473C-990F-979542E37EF6}"/>
+                  <a16:creationId xmlns:a16="http://schemas.microsoft.com/office/drawing/2014/main" xmlns="" id="{BFE920F1-16B1-473C-990F-979542E37EF6}"/>
                 </a:ext>
               </a:extLst>
             </p:cNvPr>
@@ -6974,7 +6974,7 @@
           <p:cNvPr id="18" name="Rectangle 17">
             <a:extLst>
               <a:ext uri="{FF2B5EF4-FFF2-40B4-BE49-F238E27FC236}">
-                <a16:creationId xmlns:a16="http://schemas.microsoft.com/office/drawing/2014/main" id="{1691F04F-5542-4138-AE32-C7ABDADEDD48}"/>
+                <a16:creationId xmlns:a16="http://schemas.microsoft.com/office/drawing/2014/main" xmlns="" id="{1691F04F-5542-4138-AE32-C7ABDADEDD48}"/>
               </a:ext>
             </a:extLst>
           </p:cNvPr>
@@ -7028,7 +7028,7 @@
           <p:cNvPr id="3" name="Straight Connector 2">
             <a:extLst>
               <a:ext uri="{FF2B5EF4-FFF2-40B4-BE49-F238E27FC236}">
-                <a16:creationId xmlns:a16="http://schemas.microsoft.com/office/drawing/2014/main" id="{D4FE5C44-DB15-43D7-861A-9E8E750611FA}"/>
+                <a16:creationId xmlns:a16="http://schemas.microsoft.com/office/drawing/2014/main" xmlns="" id="{D4FE5C44-DB15-43D7-861A-9E8E750611FA}"/>
               </a:ext>
             </a:extLst>
           </p:cNvPr>
@@ -7071,7 +7071,7 @@
           <p:cNvPr id="23" name="Oval 22">
             <a:extLst>
               <a:ext uri="{FF2B5EF4-FFF2-40B4-BE49-F238E27FC236}">
-                <a16:creationId xmlns:a16="http://schemas.microsoft.com/office/drawing/2014/main" id="{68F7C2D4-7A61-481E-95A2-C3E0FF07CEB2}"/>
+                <a16:creationId xmlns:a16="http://schemas.microsoft.com/office/drawing/2014/main" xmlns="" id="{68F7C2D4-7A61-481E-95A2-C3E0FF07CEB2}"/>
               </a:ext>
             </a:extLst>
           </p:cNvPr>
@@ -7125,7 +7125,7 @@
           <p:cNvPr id="37" name="Oval 36">
             <a:extLst>
               <a:ext uri="{FF2B5EF4-FFF2-40B4-BE49-F238E27FC236}">
-                <a16:creationId xmlns:a16="http://schemas.microsoft.com/office/drawing/2014/main" id="{9370E720-6E28-4D6C-BB02-7682277CAE3D}"/>
+                <a16:creationId xmlns:a16="http://schemas.microsoft.com/office/drawing/2014/main" xmlns="" id="{9370E720-6E28-4D6C-BB02-7682277CAE3D}"/>
               </a:ext>
             </a:extLst>
           </p:cNvPr>
@@ -7179,7 +7179,7 @@
           <p:cNvPr id="38" name="Oval 37">
             <a:extLst>
               <a:ext uri="{FF2B5EF4-FFF2-40B4-BE49-F238E27FC236}">
-                <a16:creationId xmlns:a16="http://schemas.microsoft.com/office/drawing/2014/main" id="{E1568EDB-529F-481E-9BD9-1A4190F5A051}"/>
+                <a16:creationId xmlns:a16="http://schemas.microsoft.com/office/drawing/2014/main" xmlns="" id="{E1568EDB-529F-481E-9BD9-1A4190F5A051}"/>
               </a:ext>
             </a:extLst>
           </p:cNvPr>
@@ -7263,7 +7263,7 @@
           <p:cNvPr id="21" name="Rectangle 20">
             <a:extLst>
               <a:ext uri="{FF2B5EF4-FFF2-40B4-BE49-F238E27FC236}">
-                <a16:creationId xmlns:a16="http://schemas.microsoft.com/office/drawing/2014/main" id="{BD25B3EC-DB4C-4497-8FF5-572ABA1DC4C4}"/>
+                <a16:creationId xmlns:a16="http://schemas.microsoft.com/office/drawing/2014/main" xmlns="" id="{BD25B3EC-DB4C-4497-8FF5-572ABA1DC4C4}"/>
               </a:ext>
             </a:extLst>
           </p:cNvPr>
@@ -7315,7 +7315,7 @@
           <p:cNvPr id="26" name="Straight Connector 25">
             <a:extLst>
               <a:ext uri="{FF2B5EF4-FFF2-40B4-BE49-F238E27FC236}">
-                <a16:creationId xmlns:a16="http://schemas.microsoft.com/office/drawing/2014/main" id="{8F6E0289-E345-4A0E-9753-7FC8FE3E078D}"/>
+                <a16:creationId xmlns:a16="http://schemas.microsoft.com/office/drawing/2014/main" xmlns="" id="{8F6E0289-E345-4A0E-9753-7FC8FE3E078D}"/>
               </a:ext>
             </a:extLst>
           </p:cNvPr>
@@ -7360,7 +7360,7 @@
           <p:cNvPr id="27" name="Straight Connector 26">
             <a:extLst>
               <a:ext uri="{FF2B5EF4-FFF2-40B4-BE49-F238E27FC236}">
-                <a16:creationId xmlns:a16="http://schemas.microsoft.com/office/drawing/2014/main" id="{0F420222-C32D-4282-B4C1-8EE001FE4EB1}"/>
+                <a16:creationId xmlns:a16="http://schemas.microsoft.com/office/drawing/2014/main" xmlns="" id="{0F420222-C32D-4282-B4C1-8EE001FE4EB1}"/>
               </a:ext>
             </a:extLst>
           </p:cNvPr>
@@ -7405,7 +7405,7 @@
           <p:cNvPr id="22" name="Cloud 21">
             <a:extLst>
               <a:ext uri="{FF2B5EF4-FFF2-40B4-BE49-F238E27FC236}">
-                <a16:creationId xmlns:a16="http://schemas.microsoft.com/office/drawing/2014/main" id="{7816433F-6710-4BE4-96DD-713A55E9C120}"/>
+                <a16:creationId xmlns:a16="http://schemas.microsoft.com/office/drawing/2014/main" xmlns="" id="{7816433F-6710-4BE4-96DD-713A55E9C120}"/>
               </a:ext>
             </a:extLst>
           </p:cNvPr>
@@ -7462,7 +7462,7 @@
           <p:cNvPr id="36" name="Group 35">
             <a:extLst>
               <a:ext uri="{FF2B5EF4-FFF2-40B4-BE49-F238E27FC236}">
-                <a16:creationId xmlns:a16="http://schemas.microsoft.com/office/drawing/2014/main" id="{9D3C3581-799D-41C4-8A7E-3B1F29D7F724}"/>
+                <a16:creationId xmlns:a16="http://schemas.microsoft.com/office/drawing/2014/main" xmlns="" id="{9D3C3581-799D-41C4-8A7E-3B1F29D7F724}"/>
               </a:ext>
             </a:extLst>
           </p:cNvPr>
@@ -7487,7 +7487,7 @@
             <p:cNvPr id="40" name="Rectangle: Rounded Corners 39">
               <a:extLst>
                 <a:ext uri="{FF2B5EF4-FFF2-40B4-BE49-F238E27FC236}">
-                  <a16:creationId xmlns:a16="http://schemas.microsoft.com/office/drawing/2014/main" id="{342ABA70-F860-492B-BFBC-F4814929B690}"/>
+                  <a16:creationId xmlns:a16="http://schemas.microsoft.com/office/drawing/2014/main" xmlns="" id="{342ABA70-F860-492B-BFBC-F4814929B690}"/>
                 </a:ext>
               </a:extLst>
             </p:cNvPr>
@@ -7541,7 +7541,7 @@
             <p:cNvPr id="41" name="Rectangle: Rounded Corners 40">
               <a:extLst>
                 <a:ext uri="{FF2B5EF4-FFF2-40B4-BE49-F238E27FC236}">
-                  <a16:creationId xmlns:a16="http://schemas.microsoft.com/office/drawing/2014/main" id="{7C3DC209-DCFF-49CD-B4CD-A701A6076BC1}"/>
+                  <a16:creationId xmlns:a16="http://schemas.microsoft.com/office/drawing/2014/main" xmlns="" id="{7C3DC209-DCFF-49CD-B4CD-A701A6076BC1}"/>
                 </a:ext>
               </a:extLst>
             </p:cNvPr>
@@ -7595,7 +7595,7 @@
             <p:cNvPr id="42" name="Rectangle 41">
               <a:extLst>
                 <a:ext uri="{FF2B5EF4-FFF2-40B4-BE49-F238E27FC236}">
-                  <a16:creationId xmlns:a16="http://schemas.microsoft.com/office/drawing/2014/main" id="{0D2D6DD8-D866-4F3D-967E-38D0B5925AD4}"/>
+                  <a16:creationId xmlns:a16="http://schemas.microsoft.com/office/drawing/2014/main" xmlns="" id="{0D2D6DD8-D866-4F3D-967E-38D0B5925AD4}"/>
                 </a:ext>
               </a:extLst>
             </p:cNvPr>
@@ -7647,7 +7647,7 @@
             <p:cNvPr id="43" name="Oval 42">
               <a:extLst>
                 <a:ext uri="{FF2B5EF4-FFF2-40B4-BE49-F238E27FC236}">
-                  <a16:creationId xmlns:a16="http://schemas.microsoft.com/office/drawing/2014/main" id="{68D34BEC-9182-437E-9BA8-AD7FFA4B19EB}"/>
+                  <a16:creationId xmlns:a16="http://schemas.microsoft.com/office/drawing/2014/main" xmlns="" id="{68D34BEC-9182-437E-9BA8-AD7FFA4B19EB}"/>
                 </a:ext>
               </a:extLst>
             </p:cNvPr>
@@ -7699,7 +7699,7 @@
             <p:cNvPr id="44" name="Oval 43">
               <a:extLst>
                 <a:ext uri="{FF2B5EF4-FFF2-40B4-BE49-F238E27FC236}">
-                  <a16:creationId xmlns:a16="http://schemas.microsoft.com/office/drawing/2014/main" id="{BFE920F1-16B1-473C-990F-979542E37EF6}"/>
+                  <a16:creationId xmlns:a16="http://schemas.microsoft.com/office/drawing/2014/main" xmlns="" id="{BFE920F1-16B1-473C-990F-979542E37EF6}"/>
                 </a:ext>
               </a:extLst>
             </p:cNvPr>
@@ -7752,7 +7752,7 @@
           <p:cNvPr id="15" name="Group 14">
             <a:extLst>
               <a:ext uri="{FF2B5EF4-FFF2-40B4-BE49-F238E27FC236}">
-                <a16:creationId xmlns:a16="http://schemas.microsoft.com/office/drawing/2014/main" id="{0EB7F6F5-EE0C-4A6A-91A8-4227CAAA66AD}"/>
+                <a16:creationId xmlns:a16="http://schemas.microsoft.com/office/drawing/2014/main" xmlns="" id="{0EB7F6F5-EE0C-4A6A-91A8-4227CAAA66AD}"/>
               </a:ext>
             </a:extLst>
           </p:cNvPr>
@@ -7772,7 +7772,7 @@
             <p:cNvPr id="16" name="Rectangle: Rounded Corners 15">
               <a:extLst>
                 <a:ext uri="{FF2B5EF4-FFF2-40B4-BE49-F238E27FC236}">
-                  <a16:creationId xmlns:a16="http://schemas.microsoft.com/office/drawing/2014/main" id="{4910E712-7CCC-4036-BB7D-5C63E9E5FDAB}"/>
+                  <a16:creationId xmlns:a16="http://schemas.microsoft.com/office/drawing/2014/main" xmlns="" id="{4910E712-7CCC-4036-BB7D-5C63E9E5FDAB}"/>
                 </a:ext>
               </a:extLst>
             </p:cNvPr>
@@ -7831,7 +7831,7 @@
             <p:cNvPr id="17" name="Rectangle: Rounded Corners 16">
               <a:extLst>
                 <a:ext uri="{FF2B5EF4-FFF2-40B4-BE49-F238E27FC236}">
-                  <a16:creationId xmlns:a16="http://schemas.microsoft.com/office/drawing/2014/main" id="{203D6D70-B921-4172-8BB5-E3E2F3045288}"/>
+                  <a16:creationId xmlns:a16="http://schemas.microsoft.com/office/drawing/2014/main" xmlns="" id="{203D6D70-B921-4172-8BB5-E3E2F3045288}"/>
                 </a:ext>
               </a:extLst>
             </p:cNvPr>
@@ -7890,7 +7890,7 @@
             <p:cNvPr id="19" name="Rectangle 18">
               <a:extLst>
                 <a:ext uri="{FF2B5EF4-FFF2-40B4-BE49-F238E27FC236}">
-                  <a16:creationId xmlns:a16="http://schemas.microsoft.com/office/drawing/2014/main" id="{8F9E3AED-DA06-41E3-B4CB-F98B313D387C}"/>
+                  <a16:creationId xmlns:a16="http://schemas.microsoft.com/office/drawing/2014/main" xmlns="" id="{8F9E3AED-DA06-41E3-B4CB-F98B313D387C}"/>
                 </a:ext>
               </a:extLst>
             </p:cNvPr>
@@ -7947,7 +7947,7 @@
             <p:cNvPr id="20" name="Oval 19">
               <a:extLst>
                 <a:ext uri="{FF2B5EF4-FFF2-40B4-BE49-F238E27FC236}">
-                  <a16:creationId xmlns:a16="http://schemas.microsoft.com/office/drawing/2014/main" id="{AE61BD7C-6DB3-4503-ACFA-F76BE066663D}"/>
+                  <a16:creationId xmlns:a16="http://schemas.microsoft.com/office/drawing/2014/main" xmlns="" id="{AE61BD7C-6DB3-4503-ACFA-F76BE066663D}"/>
                 </a:ext>
               </a:extLst>
             </p:cNvPr>
@@ -8001,7 +8001,7 @@
             <p:cNvPr id="24" name="Oval 23">
               <a:extLst>
                 <a:ext uri="{FF2B5EF4-FFF2-40B4-BE49-F238E27FC236}">
-                  <a16:creationId xmlns:a16="http://schemas.microsoft.com/office/drawing/2014/main" id="{077293C1-F0DE-421A-9D7C-E6AFAB90A861}"/>
+                  <a16:creationId xmlns:a16="http://schemas.microsoft.com/office/drawing/2014/main" xmlns="" id="{077293C1-F0DE-421A-9D7C-E6AFAB90A861}"/>
                 </a:ext>
               </a:extLst>
             </p:cNvPr>
@@ -8086,7 +8086,7 @@
           <p:cNvPr id="45" name="Flowchart: Manual Input 44">
             <a:extLst>
               <a:ext uri="{FF2B5EF4-FFF2-40B4-BE49-F238E27FC236}">
-                <a16:creationId xmlns:a16="http://schemas.microsoft.com/office/drawing/2014/main" id="{BA5F8287-28B2-4933-91CE-CCF8DA7FDCDF}"/>
+                <a16:creationId xmlns:a16="http://schemas.microsoft.com/office/drawing/2014/main" xmlns="" id="{BA5F8287-28B2-4933-91CE-CCF8DA7FDCDF}"/>
               </a:ext>
             </a:extLst>
           </p:cNvPr>
@@ -8138,7 +8138,7 @@
           <p:cNvPr id="4" name="Right Triangle 3">
             <a:extLst>
               <a:ext uri="{FF2B5EF4-FFF2-40B4-BE49-F238E27FC236}">
-                <a16:creationId xmlns:a16="http://schemas.microsoft.com/office/drawing/2014/main" id="{464F1B2E-5DF7-46D5-BDFC-472B9191165F}"/>
+                <a16:creationId xmlns:a16="http://schemas.microsoft.com/office/drawing/2014/main" xmlns="" id="{464F1B2E-5DF7-46D5-BDFC-472B9191165F}"/>
               </a:ext>
             </a:extLst>
           </p:cNvPr>
@@ -8190,7 +8190,7 @@
           <p:cNvPr id="5" name="TextBox 4">
             <a:extLst>
               <a:ext uri="{FF2B5EF4-FFF2-40B4-BE49-F238E27FC236}">
-                <a16:creationId xmlns:a16="http://schemas.microsoft.com/office/drawing/2014/main" id="{C9845309-04CD-46F6-826C-E8307EB2CC9D}"/>
+                <a16:creationId xmlns:a16="http://schemas.microsoft.com/office/drawing/2014/main" xmlns="" id="{C9845309-04CD-46F6-826C-E8307EB2CC9D}"/>
               </a:ext>
             </a:extLst>
           </p:cNvPr>
@@ -8237,7 +8237,7 @@
           <p:cNvPr id="11" name="Straight Arrow Connector 10">
             <a:extLst>
               <a:ext uri="{FF2B5EF4-FFF2-40B4-BE49-F238E27FC236}">
-                <a16:creationId xmlns:a16="http://schemas.microsoft.com/office/drawing/2014/main" id="{30AD2B9B-64B2-4F8A-8BA3-3D5BA859AC6B}"/>
+                <a16:creationId xmlns:a16="http://schemas.microsoft.com/office/drawing/2014/main" xmlns="" id="{30AD2B9B-64B2-4F8A-8BA3-3D5BA859AC6B}"/>
               </a:ext>
             </a:extLst>
           </p:cNvPr>
@@ -8283,7 +8283,7 @@
           <p:cNvPr id="18" name="TextBox 17">
             <a:extLst>
               <a:ext uri="{FF2B5EF4-FFF2-40B4-BE49-F238E27FC236}">
-                <a16:creationId xmlns:a16="http://schemas.microsoft.com/office/drawing/2014/main" id="{C41D69F8-1C98-4A01-95D1-ABD1D10BDD7D}"/>
+                <a16:creationId xmlns:a16="http://schemas.microsoft.com/office/drawing/2014/main" xmlns="" id="{C41D69F8-1C98-4A01-95D1-ABD1D10BDD7D}"/>
               </a:ext>
             </a:extLst>
           </p:cNvPr>
@@ -8326,7 +8326,7 @@
           <p:cNvPr id="19" name="TextBox 18">
             <a:extLst>
               <a:ext uri="{FF2B5EF4-FFF2-40B4-BE49-F238E27FC236}">
-                <a16:creationId xmlns:a16="http://schemas.microsoft.com/office/drawing/2014/main" id="{A92D38FB-61D2-4DD1-B8DC-4C9CB4AF5010}"/>
+                <a16:creationId xmlns:a16="http://schemas.microsoft.com/office/drawing/2014/main" xmlns="" id="{A92D38FB-61D2-4DD1-B8DC-4C9CB4AF5010}"/>
               </a:ext>
             </a:extLst>
           </p:cNvPr>
@@ -8368,7 +8368,7 @@
           <p:cNvPr id="20" name="TextBox 19">
             <a:extLst>
               <a:ext uri="{FF2B5EF4-FFF2-40B4-BE49-F238E27FC236}">
-                <a16:creationId xmlns:a16="http://schemas.microsoft.com/office/drawing/2014/main" id="{751537D2-5CA2-46E9-98DA-5D0BC05C4061}"/>
+                <a16:creationId xmlns:a16="http://schemas.microsoft.com/office/drawing/2014/main" xmlns="" id="{751537D2-5CA2-46E9-98DA-5D0BC05C4061}"/>
               </a:ext>
             </a:extLst>
           </p:cNvPr>
@@ -8414,7 +8414,7 @@
           <p:cNvPr id="22" name="Rectangle 21">
             <a:extLst>
               <a:ext uri="{FF2B5EF4-FFF2-40B4-BE49-F238E27FC236}">
-                <a16:creationId xmlns:a16="http://schemas.microsoft.com/office/drawing/2014/main" id="{ADD36DBD-8DDC-434F-9125-A76A4D4E0292}"/>
+                <a16:creationId xmlns:a16="http://schemas.microsoft.com/office/drawing/2014/main" xmlns="" id="{ADD36DBD-8DDC-434F-9125-A76A4D4E0292}"/>
               </a:ext>
             </a:extLst>
           </p:cNvPr>
@@ -8466,7 +8466,7 @@
           <p:cNvPr id="23" name="TextBox 22">
             <a:extLst>
               <a:ext uri="{FF2B5EF4-FFF2-40B4-BE49-F238E27FC236}">
-                <a16:creationId xmlns:a16="http://schemas.microsoft.com/office/drawing/2014/main" id="{ED06F2CA-B022-4B57-93BA-3A4A5FD519CB}"/>
+                <a16:creationId xmlns:a16="http://schemas.microsoft.com/office/drawing/2014/main" xmlns="" id="{ED06F2CA-B022-4B57-93BA-3A4A5FD519CB}"/>
               </a:ext>
             </a:extLst>
           </p:cNvPr>
@@ -8531,7 +8531,7 @@
           <p:cNvPr id="24" name="Straight Arrow Connector 23">
             <a:extLst>
               <a:ext uri="{FF2B5EF4-FFF2-40B4-BE49-F238E27FC236}">
-                <a16:creationId xmlns:a16="http://schemas.microsoft.com/office/drawing/2014/main" id="{63C8345C-A17E-44D4-B240-B3C2E331255D}"/>
+                <a16:creationId xmlns:a16="http://schemas.microsoft.com/office/drawing/2014/main" xmlns="" id="{63C8345C-A17E-44D4-B240-B3C2E331255D}"/>
               </a:ext>
             </a:extLst>
           </p:cNvPr>
@@ -8577,7 +8577,7 @@
           <p:cNvPr id="32" name="TextBox 31">
             <a:extLst>
               <a:ext uri="{FF2B5EF4-FFF2-40B4-BE49-F238E27FC236}">
-                <a16:creationId xmlns:a16="http://schemas.microsoft.com/office/drawing/2014/main" id="{1ADC0E6E-5955-4431-A055-13C603AF1C44}"/>
+                <a16:creationId xmlns:a16="http://schemas.microsoft.com/office/drawing/2014/main" xmlns="" id="{1ADC0E6E-5955-4431-A055-13C603AF1C44}"/>
               </a:ext>
             </a:extLst>
           </p:cNvPr>
@@ -8620,7 +8620,7 @@
           <p:cNvPr id="33" name="Flowchart: Delay 32">
             <a:extLst>
               <a:ext uri="{FF2B5EF4-FFF2-40B4-BE49-F238E27FC236}">
-                <a16:creationId xmlns:a16="http://schemas.microsoft.com/office/drawing/2014/main" id="{4FFA08B9-25E3-46A3-8F38-170EF9FDDAA3}"/>
+                <a16:creationId xmlns:a16="http://schemas.microsoft.com/office/drawing/2014/main" xmlns="" id="{4FFA08B9-25E3-46A3-8F38-170EF9FDDAA3}"/>
               </a:ext>
             </a:extLst>
           </p:cNvPr>
@@ -8672,7 +8672,7 @@
           <p:cNvPr id="38" name="Straight Arrow Connector 37">
             <a:extLst>
               <a:ext uri="{FF2B5EF4-FFF2-40B4-BE49-F238E27FC236}">
-                <a16:creationId xmlns:a16="http://schemas.microsoft.com/office/drawing/2014/main" id="{6499CFC4-90F7-4835-AE26-D8AB856D5641}"/>
+                <a16:creationId xmlns:a16="http://schemas.microsoft.com/office/drawing/2014/main" xmlns="" id="{6499CFC4-90F7-4835-AE26-D8AB856D5641}"/>
               </a:ext>
             </a:extLst>
           </p:cNvPr>
@@ -8719,7 +8719,7 @@
           <p:cNvPr id="43" name="TextBox 42">
             <a:extLst>
               <a:ext uri="{FF2B5EF4-FFF2-40B4-BE49-F238E27FC236}">
-                <a16:creationId xmlns:a16="http://schemas.microsoft.com/office/drawing/2014/main" id="{358B10D6-A0B4-4434-AACB-C474B6F3546A}"/>
+                <a16:creationId xmlns:a16="http://schemas.microsoft.com/office/drawing/2014/main" xmlns="" id="{358B10D6-A0B4-4434-AACB-C474B6F3546A}"/>
               </a:ext>
             </a:extLst>
           </p:cNvPr>
@@ -8755,7 +8755,7 @@
           <p:cNvPr id="44" name="TextBox 43">
             <a:extLst>
               <a:ext uri="{FF2B5EF4-FFF2-40B4-BE49-F238E27FC236}">
-                <a16:creationId xmlns:a16="http://schemas.microsoft.com/office/drawing/2014/main" id="{BAB3948D-F827-44D1-B40E-A737164AC616}"/>
+                <a16:creationId xmlns:a16="http://schemas.microsoft.com/office/drawing/2014/main" xmlns="" id="{BAB3948D-F827-44D1-B40E-A737164AC616}"/>
               </a:ext>
             </a:extLst>
           </p:cNvPr>
@@ -8838,7 +8838,7 @@
           <p:cNvPr id="46" name="Flowchart: Alternate Process 45">
             <a:extLst>
               <a:ext uri="{FF2B5EF4-FFF2-40B4-BE49-F238E27FC236}">
-                <a16:creationId xmlns:a16="http://schemas.microsoft.com/office/drawing/2014/main" id="{788ACF15-712D-427B-85E3-BFDE6D2778B7}"/>
+                <a16:creationId xmlns:a16="http://schemas.microsoft.com/office/drawing/2014/main" xmlns="" id="{788ACF15-712D-427B-85E3-BFDE6D2778B7}"/>
               </a:ext>
             </a:extLst>
           </p:cNvPr>
@@ -8890,7 +8890,7 @@
           <p:cNvPr id="47" name="TextBox 46">
             <a:extLst>
               <a:ext uri="{FF2B5EF4-FFF2-40B4-BE49-F238E27FC236}">
-                <a16:creationId xmlns:a16="http://schemas.microsoft.com/office/drawing/2014/main" id="{74812398-B0DB-4253-BDA5-F09C7A7449E7}"/>
+                <a16:creationId xmlns:a16="http://schemas.microsoft.com/office/drawing/2014/main" xmlns="" id="{74812398-B0DB-4253-BDA5-F09C7A7449E7}"/>
               </a:ext>
             </a:extLst>
           </p:cNvPr>
@@ -8973,7 +8973,7 @@
           <p:cNvPr id="52" name="Arrow: Chevron 51">
             <a:extLst>
               <a:ext uri="{FF2B5EF4-FFF2-40B4-BE49-F238E27FC236}">
-                <a16:creationId xmlns:a16="http://schemas.microsoft.com/office/drawing/2014/main" id="{842C5092-8294-4030-A526-A8C839E4F69D}"/>
+                <a16:creationId xmlns:a16="http://schemas.microsoft.com/office/drawing/2014/main" xmlns="" id="{842C5092-8294-4030-A526-A8C839E4F69D}"/>
               </a:ext>
             </a:extLst>
           </p:cNvPr>
@@ -9027,7 +9027,7 @@
           <p:cNvPr id="53" name="TextBox 52">
             <a:extLst>
               <a:ext uri="{FF2B5EF4-FFF2-40B4-BE49-F238E27FC236}">
-                <a16:creationId xmlns:a16="http://schemas.microsoft.com/office/drawing/2014/main" id="{5D685C8E-8026-4C55-BE1C-CC18B646995B}"/>
+                <a16:creationId xmlns:a16="http://schemas.microsoft.com/office/drawing/2014/main" xmlns="" id="{5D685C8E-8026-4C55-BE1C-CC18B646995B}"/>
               </a:ext>
             </a:extLst>
           </p:cNvPr>
@@ -9036,8 +9036,8 @@
         </p:nvSpPr>
         <p:spPr>
           <a:xfrm>
-            <a:off x="8657438" y="5894835"/>
-            <a:ext cx="1335622" cy="461665"/>
+            <a:off x="8589314" y="5692679"/>
+            <a:ext cx="1471878" cy="830997"/>
           </a:xfrm>
           <a:prstGeom prst="rect">
             <a:avLst/>
@@ -9052,7 +9052,7 @@
           <a:p>
             <a:pPr algn="ctr"/>
             <a:r>
-              <a:rPr lang="en-GB" sz="2400" b="1" dirty="0">
+              <a:rPr lang="en-GB" sz="2400" b="1" dirty="0" smtClean="0">
                 <a:solidFill>
                   <a:schemeClr val="bg2"/>
                 </a:solidFill>
@@ -9064,8 +9064,38 @@
                   </a:glow>
                 </a:effectLst>
               </a:rPr>
-              <a:t>Classifier</a:t>
+              <a:t>Google </a:t>
             </a:r>
+          </a:p>
+          <a:p>
+            <a:pPr algn="ctr"/>
+            <a:r>
+              <a:rPr lang="en-GB" sz="2400" b="1" dirty="0" smtClean="0">
+                <a:solidFill>
+                  <a:schemeClr val="bg2"/>
+                </a:solidFill>
+                <a:effectLst>
+                  <a:glow rad="101600">
+                    <a:schemeClr val="tx1">
+                      <a:alpha val="60000"/>
+                    </a:schemeClr>
+                  </a:glow>
+                </a:effectLst>
+              </a:rPr>
+              <a:t>Vision API</a:t>
+            </a:r>
+            <a:endParaRPr lang="en-GB" sz="2400" b="1" dirty="0">
+              <a:solidFill>
+                <a:schemeClr val="bg2"/>
+              </a:solidFill>
+              <a:effectLst>
+                <a:glow rad="101600">
+                  <a:schemeClr val="tx1">
+                    <a:alpha val="60000"/>
+                  </a:schemeClr>
+                </a:glow>
+              </a:effectLst>
+            </a:endParaRPr>
           </a:p>
         </p:txBody>
       </p:sp>
@@ -9074,7 +9104,7 @@
           <p:cNvPr id="55" name="Straight Arrow Connector 54">
             <a:extLst>
               <a:ext uri="{FF2B5EF4-FFF2-40B4-BE49-F238E27FC236}">
-                <a16:creationId xmlns:a16="http://schemas.microsoft.com/office/drawing/2014/main" id="{D93FAD61-E741-499C-820D-AF2A26A6E4DB}"/>
+                <a16:creationId xmlns:a16="http://schemas.microsoft.com/office/drawing/2014/main" xmlns="" id="{D93FAD61-E741-499C-820D-AF2A26A6E4DB}"/>
               </a:ext>
             </a:extLst>
           </p:cNvPr>
@@ -9120,7 +9150,7 @@
           <p:cNvPr id="56" name="TextBox 55">
             <a:extLst>
               <a:ext uri="{FF2B5EF4-FFF2-40B4-BE49-F238E27FC236}">
-                <a16:creationId xmlns:a16="http://schemas.microsoft.com/office/drawing/2014/main" id="{B32A810F-BF6B-4000-9AFD-8B8D42D80E47}"/>
+                <a16:creationId xmlns:a16="http://schemas.microsoft.com/office/drawing/2014/main" xmlns="" id="{B32A810F-BF6B-4000-9AFD-8B8D42D80E47}"/>
               </a:ext>
             </a:extLst>
           </p:cNvPr>
@@ -9156,7 +9186,7 @@
           <p:cNvPr id="57" name="TextBox 56">
             <a:extLst>
               <a:ext uri="{FF2B5EF4-FFF2-40B4-BE49-F238E27FC236}">
-                <a16:creationId xmlns:a16="http://schemas.microsoft.com/office/drawing/2014/main" id="{F0193D04-3208-4F06-BBA2-FE37BC71626F}"/>
+                <a16:creationId xmlns:a16="http://schemas.microsoft.com/office/drawing/2014/main" xmlns="" id="{F0193D04-3208-4F06-BBA2-FE37BC71626F}"/>
               </a:ext>
             </a:extLst>
           </p:cNvPr>
@@ -9192,7 +9222,7 @@
           <p:cNvPr id="80" name="Rectangle 79">
             <a:extLst>
               <a:ext uri="{FF2B5EF4-FFF2-40B4-BE49-F238E27FC236}">
-                <a16:creationId xmlns:a16="http://schemas.microsoft.com/office/drawing/2014/main" id="{CF30EFBD-3437-4FDF-9081-13DBAAD65887}"/>
+                <a16:creationId xmlns:a16="http://schemas.microsoft.com/office/drawing/2014/main" xmlns="" id="{CF30EFBD-3437-4FDF-9081-13DBAAD65887}"/>
               </a:ext>
             </a:extLst>
           </p:cNvPr>
@@ -9244,7 +9274,7 @@
           <p:cNvPr id="81" name="TextBox 80">
             <a:extLst>
               <a:ext uri="{FF2B5EF4-FFF2-40B4-BE49-F238E27FC236}">
-                <a16:creationId xmlns:a16="http://schemas.microsoft.com/office/drawing/2014/main" id="{4E211EC3-F05E-4D22-B4D7-E50D6AC867AA}"/>
+                <a16:creationId xmlns:a16="http://schemas.microsoft.com/office/drawing/2014/main" xmlns="" id="{4E211EC3-F05E-4D22-B4D7-E50D6AC867AA}"/>
               </a:ext>
             </a:extLst>
           </p:cNvPr>
@@ -9309,7 +9339,7 @@
           <p:cNvPr id="82" name="Straight Arrow Connector 81">
             <a:extLst>
               <a:ext uri="{FF2B5EF4-FFF2-40B4-BE49-F238E27FC236}">
-                <a16:creationId xmlns:a16="http://schemas.microsoft.com/office/drawing/2014/main" id="{EF6A4085-3032-4ED6-B8C5-9D0D4489DE48}"/>
+                <a16:creationId xmlns:a16="http://schemas.microsoft.com/office/drawing/2014/main" xmlns="" id="{EF6A4085-3032-4ED6-B8C5-9D0D4489DE48}"/>
               </a:ext>
             </a:extLst>
           </p:cNvPr>
@@ -9355,7 +9385,7 @@
           <p:cNvPr id="84" name="Straight Arrow Connector 83">
             <a:extLst>
               <a:ext uri="{FF2B5EF4-FFF2-40B4-BE49-F238E27FC236}">
-                <a16:creationId xmlns:a16="http://schemas.microsoft.com/office/drawing/2014/main" id="{45E32707-AC4D-4A84-9B59-2ADAD8FEF78B}"/>
+                <a16:creationId xmlns:a16="http://schemas.microsoft.com/office/drawing/2014/main" xmlns="" id="{45E32707-AC4D-4A84-9B59-2ADAD8FEF78B}"/>
               </a:ext>
             </a:extLst>
           </p:cNvPr>

--- a/Visual Plan.pptx
+++ b/Visual Plan.pptx
@@ -268,7 +268,7 @@
           <a:p>
             <a:fld id="{5F9021A5-5D2C-4FF7-8FBA-B61BDE30AE1B}" type="datetimeFigureOut">
               <a:rPr lang="en-GB" smtClean="0"/>
-              <a:t>21/01/2019</a:t>
+              <a:t>22/01/2019</a:t>
             </a:fld>
             <a:endParaRPr lang="en-GB"/>
           </a:p>
@@ -468,7 +468,7 @@
           <a:p>
             <a:fld id="{5F9021A5-5D2C-4FF7-8FBA-B61BDE30AE1B}" type="datetimeFigureOut">
               <a:rPr lang="en-GB" smtClean="0"/>
-              <a:t>21/01/2019</a:t>
+              <a:t>22/01/2019</a:t>
             </a:fld>
             <a:endParaRPr lang="en-GB"/>
           </a:p>
@@ -678,7 +678,7 @@
           <a:p>
             <a:fld id="{5F9021A5-5D2C-4FF7-8FBA-B61BDE30AE1B}" type="datetimeFigureOut">
               <a:rPr lang="en-GB" smtClean="0"/>
-              <a:t>21/01/2019</a:t>
+              <a:t>22/01/2019</a:t>
             </a:fld>
             <a:endParaRPr lang="en-GB"/>
           </a:p>
@@ -878,7 +878,7 @@
           <a:p>
             <a:fld id="{5F9021A5-5D2C-4FF7-8FBA-B61BDE30AE1B}" type="datetimeFigureOut">
               <a:rPr lang="en-GB" smtClean="0"/>
-              <a:t>21/01/2019</a:t>
+              <a:t>22/01/2019</a:t>
             </a:fld>
             <a:endParaRPr lang="en-GB"/>
           </a:p>
@@ -1154,7 +1154,7 @@
           <a:p>
             <a:fld id="{5F9021A5-5D2C-4FF7-8FBA-B61BDE30AE1B}" type="datetimeFigureOut">
               <a:rPr lang="en-GB" smtClean="0"/>
-              <a:t>21/01/2019</a:t>
+              <a:t>22/01/2019</a:t>
             </a:fld>
             <a:endParaRPr lang="en-GB"/>
           </a:p>
@@ -1422,7 +1422,7 @@
           <a:p>
             <a:fld id="{5F9021A5-5D2C-4FF7-8FBA-B61BDE30AE1B}" type="datetimeFigureOut">
               <a:rPr lang="en-GB" smtClean="0"/>
-              <a:t>21/01/2019</a:t>
+              <a:t>22/01/2019</a:t>
             </a:fld>
             <a:endParaRPr lang="en-GB"/>
           </a:p>
@@ -1837,7 +1837,7 @@
           <a:p>
             <a:fld id="{5F9021A5-5D2C-4FF7-8FBA-B61BDE30AE1B}" type="datetimeFigureOut">
               <a:rPr lang="en-GB" smtClean="0"/>
-              <a:t>21/01/2019</a:t>
+              <a:t>22/01/2019</a:t>
             </a:fld>
             <a:endParaRPr lang="en-GB"/>
           </a:p>
@@ -1979,7 +1979,7 @@
           <a:p>
             <a:fld id="{5F9021A5-5D2C-4FF7-8FBA-B61BDE30AE1B}" type="datetimeFigureOut">
               <a:rPr lang="en-GB" smtClean="0"/>
-              <a:t>21/01/2019</a:t>
+              <a:t>22/01/2019</a:t>
             </a:fld>
             <a:endParaRPr lang="en-GB"/>
           </a:p>
@@ -2092,7 +2092,7 @@
           <a:p>
             <a:fld id="{5F9021A5-5D2C-4FF7-8FBA-B61BDE30AE1B}" type="datetimeFigureOut">
               <a:rPr lang="en-GB" smtClean="0"/>
-              <a:t>21/01/2019</a:t>
+              <a:t>22/01/2019</a:t>
             </a:fld>
             <a:endParaRPr lang="en-GB"/>
           </a:p>
@@ -2405,7 +2405,7 @@
           <a:p>
             <a:fld id="{5F9021A5-5D2C-4FF7-8FBA-B61BDE30AE1B}" type="datetimeFigureOut">
               <a:rPr lang="en-GB" smtClean="0"/>
-              <a:t>21/01/2019</a:t>
+              <a:t>22/01/2019</a:t>
             </a:fld>
             <a:endParaRPr lang="en-GB"/>
           </a:p>
@@ -2694,7 +2694,7 @@
           <a:p>
             <a:fld id="{5F9021A5-5D2C-4FF7-8FBA-B61BDE30AE1B}" type="datetimeFigureOut">
               <a:rPr lang="en-GB" smtClean="0"/>
-              <a:t>21/01/2019</a:t>
+              <a:t>22/01/2019</a:t>
             </a:fld>
             <a:endParaRPr lang="en-GB"/>
           </a:p>
@@ -2937,7 +2937,7 @@
           <a:p>
             <a:fld id="{5F9021A5-5D2C-4FF7-8FBA-B61BDE30AE1B}" type="datetimeFigureOut">
               <a:rPr lang="en-GB" smtClean="0"/>
-              <a:t>21/01/2019</a:t>
+              <a:t>22/01/2019</a:t>
             </a:fld>
             <a:endParaRPr lang="en-GB"/>
           </a:p>
@@ -8083,6 +8083,104 @@
       </p:grpSpPr>
       <p:sp>
         <p:nvSpPr>
+          <p:cNvPr id="39" name="Rectangle 38"/>
+          <p:cNvSpPr/>
+          <p:nvPr/>
+        </p:nvSpPr>
+        <p:spPr>
+          <a:xfrm>
+            <a:off x="3918781" y="2594918"/>
+            <a:ext cx="2864162" cy="4263082"/>
+          </a:xfrm>
+          <a:prstGeom prst="rect">
+            <a:avLst/>
+          </a:prstGeom>
+          <a:solidFill>
+            <a:schemeClr val="accent6">
+              <a:lumMod val="40000"/>
+              <a:lumOff val="60000"/>
+            </a:schemeClr>
+          </a:solidFill>
+          <a:ln>
+            <a:noFill/>
+          </a:ln>
+        </p:spPr>
+        <p:style>
+          <a:lnRef idx="2">
+            <a:schemeClr val="accent1">
+              <a:shade val="50000"/>
+            </a:schemeClr>
+          </a:lnRef>
+          <a:fillRef idx="1">
+            <a:schemeClr val="accent1"/>
+          </a:fillRef>
+          <a:effectRef idx="0">
+            <a:schemeClr val="accent1"/>
+          </a:effectRef>
+          <a:fontRef idx="minor">
+            <a:schemeClr val="lt1"/>
+          </a:fontRef>
+        </p:style>
+        <p:txBody>
+          <a:bodyPr rtlCol="0" anchor="ctr"/>
+          <a:lstStyle/>
+          <a:p>
+            <a:pPr algn="ctr"/>
+            <a:endParaRPr lang="en-GB"/>
+          </a:p>
+        </p:txBody>
+      </p:sp>
+      <p:sp>
+        <p:nvSpPr>
+          <p:cNvPr id="13" name="Rectangle 12"/>
+          <p:cNvSpPr/>
+          <p:nvPr/>
+        </p:nvSpPr>
+        <p:spPr>
+          <a:xfrm>
+            <a:off x="-6863" y="-8238"/>
+            <a:ext cx="2857155" cy="6858000"/>
+          </a:xfrm>
+          <a:prstGeom prst="rect">
+            <a:avLst/>
+          </a:prstGeom>
+          <a:solidFill>
+            <a:schemeClr val="accent5">
+              <a:lumMod val="40000"/>
+              <a:lumOff val="60000"/>
+            </a:schemeClr>
+          </a:solidFill>
+          <a:ln>
+            <a:noFill/>
+          </a:ln>
+        </p:spPr>
+        <p:style>
+          <a:lnRef idx="2">
+            <a:schemeClr val="accent1">
+              <a:shade val="50000"/>
+            </a:schemeClr>
+          </a:lnRef>
+          <a:fillRef idx="1">
+            <a:schemeClr val="accent1"/>
+          </a:fillRef>
+          <a:effectRef idx="0">
+            <a:schemeClr val="accent1"/>
+          </a:effectRef>
+          <a:fontRef idx="minor">
+            <a:schemeClr val="lt1"/>
+          </a:fontRef>
+        </p:style>
+        <p:txBody>
+          <a:bodyPr rtlCol="0" anchor="ctr"/>
+          <a:lstStyle/>
+          <a:p>
+            <a:pPr algn="ctr"/>
+            <a:endParaRPr lang="en-GB"/>
+          </a:p>
+        </p:txBody>
+      </p:sp>
+      <p:sp>
+        <p:nvSpPr>
           <p:cNvPr id="45" name="Flowchart: Manual Input 44">
             <a:extLst>
               <a:ext uri="{FF2B5EF4-FFF2-40B4-BE49-F238E27FC236}">
@@ -8292,8 +8390,8 @@
         </p:nvSpPr>
         <p:spPr>
           <a:xfrm>
-            <a:off x="420850" y="2294424"/>
-            <a:ext cx="890821" cy="646331"/>
+            <a:off x="335517" y="2202091"/>
+            <a:ext cx="755604" cy="738664"/>
           </a:xfrm>
           <a:prstGeom prst="rect">
             <a:avLst/>
@@ -8306,18 +8404,23 @@
           </a:bodyPr>
           <a:lstStyle/>
           <a:p>
-            <a:pPr algn="r"/>
+            <a:pPr algn="ctr"/>
             <a:r>
-              <a:rPr lang="en-GB" dirty="0"/>
+              <a:rPr lang="en-GB" sz="1400" dirty="0"/>
               <a:t>Image </a:t>
             </a:r>
-          </a:p>
-          <a:p>
-            <a:pPr algn="r"/>
             <a:r>
-              <a:rPr lang="en-GB" dirty="0"/>
+              <a:rPr lang="en-GB" sz="1400" dirty="0" smtClean="0"/>
               <a:t>Stream</a:t>
             </a:r>
+          </a:p>
+          <a:p>
+            <a:pPr algn="ctr"/>
+            <a:r>
+              <a:rPr lang="en-GB" sz="1400" dirty="0" smtClean="0"/>
+              <a:t>\/</a:t>
+            </a:r>
+            <a:endParaRPr lang="en-GB" sz="1400" dirty="0"/>
           </a:p>
         </p:txBody>
       </p:sp>
@@ -8552,7 +8655,7 @@
             <a:solidFill>
               <a:schemeClr val="tx1"/>
             </a:solidFill>
-            <a:prstDash val="sysDot"/>
+            <a:prstDash val="dash"/>
             <a:headEnd type="triangle"/>
             <a:tailEnd type="triangle"/>
           </a:ln>
@@ -8586,8 +8689,8 @@
         </p:nvSpPr>
         <p:spPr>
           <a:xfrm>
-            <a:off x="3111843" y="3485139"/>
-            <a:ext cx="1367793" cy="646331"/>
+            <a:off x="2542215" y="3485139"/>
+            <a:ext cx="1914204" cy="307777"/>
           </a:xfrm>
           <a:prstGeom prst="rect">
             <a:avLst/>
@@ -8602,16 +8705,10 @@
           <a:p>
             <a:pPr algn="r"/>
             <a:r>
-              <a:rPr lang="en-GB" dirty="0"/>
-              <a:t>Background </a:t>
+              <a:rPr lang="en-GB" sz="1400" dirty="0" smtClean="0"/>
+              <a:t>BG + Frame &gt;</a:t>
             </a:r>
-          </a:p>
-          <a:p>
-            <a:pPr algn="r"/>
-            <a:r>
-              <a:rPr lang="en-GB" dirty="0"/>
-              <a:t>+ Frame</a:t>
-            </a:r>
+            <a:endParaRPr lang="en-GB" sz="1400" dirty="0"/>
           </a:p>
         </p:txBody>
       </p:sp>
@@ -8728,8 +8825,8 @@
         </p:nvSpPr>
         <p:spPr>
           <a:xfrm>
-            <a:off x="1" y="3803290"/>
-            <a:ext cx="1314398" cy="646331"/>
+            <a:off x="149774" y="3803290"/>
+            <a:ext cx="1127092" cy="523220"/>
           </a:xfrm>
           <a:prstGeom prst="rect">
             <a:avLst/>
@@ -8742,11 +8839,19 @@
           </a:bodyPr>
           <a:lstStyle/>
           <a:p>
-            <a:pPr algn="r"/>
+            <a:pPr algn="ctr"/>
             <a:r>
-              <a:rPr lang="en-GB" dirty="0"/>
-              <a:t>Background Image</a:t>
+              <a:rPr lang="en-GB" sz="1400" dirty="0" smtClean="0"/>
+              <a:t>/\</a:t>
             </a:r>
+          </a:p>
+          <a:p>
+            <a:pPr algn="ctr"/>
+            <a:r>
+              <a:rPr lang="en-GB" sz="1400" dirty="0" smtClean="0"/>
+              <a:t>Background</a:t>
+            </a:r>
+            <a:endParaRPr lang="en-GB" sz="1400" dirty="0"/>
           </a:p>
         </p:txBody>
       </p:sp>
@@ -9125,7 +9230,7 @@
             <a:solidFill>
               <a:schemeClr val="tx1"/>
             </a:solidFill>
-            <a:prstDash val="sysDot"/>
+            <a:prstDash val="solid"/>
             <a:headEnd type="triangle"/>
             <a:tailEnd type="triangle"/>
           </a:ln>
@@ -9160,7 +9265,7 @@
         <p:spPr>
           <a:xfrm>
             <a:off x="6236670" y="5599997"/>
-            <a:ext cx="787712" cy="369332"/>
+            <a:ext cx="1083912" cy="307777"/>
           </a:xfrm>
           <a:prstGeom prst="rect">
             <a:avLst/>
@@ -9175,9 +9280,10 @@
           <a:p>
             <a:pPr algn="ctr"/>
             <a:r>
-              <a:rPr lang="en-GB" dirty="0"/>
-              <a:t>Labels</a:t>
+              <a:rPr lang="en-GB" sz="1400" dirty="0" smtClean="0"/>
+              <a:t>&lt; Labels</a:t>
             </a:r>
+            <a:endParaRPr lang="en-GB" sz="1400" dirty="0"/>
           </a:p>
         </p:txBody>
       </p:sp>
@@ -9195,8 +9301,8 @@
         </p:nvSpPr>
         <p:spPr>
           <a:xfrm>
-            <a:off x="5382460" y="3926637"/>
-            <a:ext cx="894294" cy="646331"/>
+            <a:off x="4422509" y="3926637"/>
+            <a:ext cx="802510" cy="738664"/>
           </a:xfrm>
           <a:prstGeom prst="rect">
             <a:avLst/>
@@ -9211,9 +9317,17 @@
           <a:p>
             <a:pPr algn="ctr"/>
             <a:r>
-              <a:rPr lang="en-GB" dirty="0"/>
-              <a:t>Object Labels</a:t>
+              <a:rPr lang="en-GB" sz="1400" dirty="0" smtClean="0"/>
+              <a:t>/\</a:t>
             </a:r>
+          </a:p>
+          <a:p>
+            <a:pPr algn="ctr"/>
+            <a:r>
+              <a:rPr lang="en-GB" sz="1400" dirty="0" smtClean="0"/>
+              <a:t>Labelled Objects</a:t>
+            </a:r>
+            <a:endParaRPr lang="en-GB" sz="1400" dirty="0"/>
           </a:p>
         </p:txBody>
       </p:sp>
@@ -9360,7 +9474,7 @@
             <a:solidFill>
               <a:schemeClr val="tx1"/>
             </a:solidFill>
-            <a:prstDash val="sysDot"/>
+            <a:prstDash val="solid"/>
             <a:headEnd type="triangle"/>
             <a:tailEnd type="triangle"/>
           </a:ln>
@@ -9382,10 +9496,405 @@
       </p:cxnSp>
       <p:cxnSp>
         <p:nvCxnSpPr>
-          <p:cNvPr id="84" name="Straight Arrow Connector 83">
-            <a:extLst>
-              <a:ext uri="{FF2B5EF4-FFF2-40B4-BE49-F238E27FC236}">
-                <a16:creationId xmlns:a16="http://schemas.microsoft.com/office/drawing/2014/main" xmlns="" id="{45E32707-AC4D-4A84-9B59-2ADAD8FEF78B}"/>
+          <p:cNvPr id="3" name="Straight Connector 2"/>
+          <p:cNvCxnSpPr/>
+          <p:nvPr/>
+        </p:nvCxnSpPr>
+        <p:spPr>
+          <a:xfrm>
+            <a:off x="7447005" y="6050578"/>
+            <a:ext cx="1064114" cy="0"/>
+          </a:xfrm>
+          <a:prstGeom prst="line">
+            <a:avLst/>
+          </a:prstGeom>
+          <a:ln w="76200">
+            <a:solidFill>
+              <a:schemeClr val="tx1"/>
+            </a:solidFill>
+            <a:headEnd type="oval"/>
+          </a:ln>
+        </p:spPr>
+        <p:style>
+          <a:lnRef idx="1">
+            <a:schemeClr val="accent1"/>
+          </a:lnRef>
+          <a:fillRef idx="0">
+            <a:schemeClr val="accent1"/>
+          </a:fillRef>
+          <a:effectRef idx="0">
+            <a:schemeClr val="accent1"/>
+          </a:effectRef>
+          <a:fontRef idx="minor">
+            <a:schemeClr val="tx1"/>
+          </a:fontRef>
+        </p:style>
+      </p:cxnSp>
+      <p:cxnSp>
+        <p:nvCxnSpPr>
+          <p:cNvPr id="34" name="Straight Connector 33"/>
+          <p:cNvCxnSpPr/>
+          <p:nvPr/>
+        </p:nvCxnSpPr>
+        <p:spPr>
+          <a:xfrm flipH="1">
+            <a:off x="6184970" y="6050578"/>
+            <a:ext cx="1080803" cy="0"/>
+          </a:xfrm>
+          <a:prstGeom prst="line">
+            <a:avLst/>
+          </a:prstGeom>
+          <a:ln w="76200">
+            <a:solidFill>
+              <a:schemeClr val="tx1"/>
+            </a:solidFill>
+            <a:headEnd type="none"/>
+          </a:ln>
+        </p:spPr>
+        <p:style>
+          <a:lnRef idx="1">
+            <a:schemeClr val="accent1"/>
+          </a:lnRef>
+          <a:fillRef idx="0">
+            <a:schemeClr val="accent1"/>
+          </a:fillRef>
+          <a:effectRef idx="0">
+            <a:schemeClr val="accent1"/>
+          </a:effectRef>
+          <a:fontRef idx="minor">
+            <a:schemeClr val="tx1"/>
+          </a:fontRef>
+        </p:style>
+      </p:cxnSp>
+      <p:sp>
+        <p:nvSpPr>
+          <p:cNvPr id="12" name="Block Arc 11"/>
+          <p:cNvSpPr/>
+          <p:nvPr/>
+        </p:nvSpPr>
+        <p:spPr>
+          <a:xfrm rot="16200000">
+            <a:off x="7257481" y="5857875"/>
+            <a:ext cx="382118" cy="382118"/>
+          </a:xfrm>
+          <a:prstGeom prst="blockArc">
+            <a:avLst>
+              <a:gd name="adj1" fmla="val 10800000"/>
+              <a:gd name="adj2" fmla="val 9152"/>
+              <a:gd name="adj3" fmla="val 10583"/>
+            </a:avLst>
+          </a:prstGeom>
+          <a:solidFill>
+            <a:schemeClr val="tx1"/>
+          </a:solidFill>
+          <a:ln>
+            <a:noFill/>
+          </a:ln>
+        </p:spPr>
+        <p:style>
+          <a:lnRef idx="2">
+            <a:schemeClr val="accent1">
+              <a:shade val="50000"/>
+            </a:schemeClr>
+          </a:lnRef>
+          <a:fillRef idx="1">
+            <a:schemeClr val="accent1"/>
+          </a:fillRef>
+          <a:effectRef idx="0">
+            <a:schemeClr val="accent1"/>
+          </a:effectRef>
+          <a:fontRef idx="minor">
+            <a:schemeClr val="lt1"/>
+          </a:fontRef>
+        </p:style>
+        <p:txBody>
+          <a:bodyPr rtlCol="0" anchor="ctr"/>
+          <a:lstStyle/>
+          <a:p>
+            <a:pPr algn="ctr"/>
+            <a:endParaRPr lang="en-GB">
+              <a:solidFill>
+                <a:schemeClr val="tx1"/>
+              </a:solidFill>
+            </a:endParaRPr>
+          </a:p>
+        </p:txBody>
+      </p:sp>
+      <p:sp>
+        <p:nvSpPr>
+          <p:cNvPr id="41" name="TextBox 40">
+            <a:extLst>
+              <a:ext uri="{FF2B5EF4-FFF2-40B4-BE49-F238E27FC236}">
+                <a16:creationId xmlns:a16="http://schemas.microsoft.com/office/drawing/2014/main" xmlns="" id="{358B10D6-A0B4-4434-AACB-C474B6F3546A}"/>
+              </a:ext>
+            </a:extLst>
+          </p:cNvPr>
+          <p:cNvSpPr txBox="1"/>
+          <p:nvPr/>
+        </p:nvSpPr>
+        <p:spPr>
+          <a:xfrm>
+            <a:off x="352920" y="4902891"/>
+            <a:ext cx="720799" cy="523220"/>
+          </a:xfrm>
+          <a:prstGeom prst="rect">
+            <a:avLst/>
+          </a:prstGeom>
+          <a:noFill/>
+        </p:spPr>
+        <p:txBody>
+          <a:bodyPr wrap="square" rtlCol="0">
+            <a:spAutoFit/>
+          </a:bodyPr>
+          <a:lstStyle/>
+          <a:p>
+            <a:pPr algn="ctr"/>
+            <a:r>
+              <a:rPr lang="en-GB" sz="1400" dirty="0" smtClean="0"/>
+              <a:t>Frames</a:t>
+            </a:r>
+          </a:p>
+          <a:p>
+            <a:pPr algn="ctr"/>
+            <a:r>
+              <a:rPr lang="en-GB" sz="1400" dirty="0" smtClean="0"/>
+              <a:t>\/</a:t>
+            </a:r>
+            <a:endParaRPr lang="en-GB" sz="1400" dirty="0"/>
+          </a:p>
+        </p:txBody>
+      </p:sp>
+      <p:sp>
+        <p:nvSpPr>
+          <p:cNvPr id="42" name="TextBox 41">
+            <a:extLst>
+              <a:ext uri="{FF2B5EF4-FFF2-40B4-BE49-F238E27FC236}">
+                <a16:creationId xmlns:a16="http://schemas.microsoft.com/office/drawing/2014/main" xmlns="" id="{F0193D04-3208-4F06-BBA2-FE37BC71626F}"/>
+              </a:ext>
+            </a:extLst>
+          </p:cNvPr>
+          <p:cNvSpPr txBox="1"/>
+          <p:nvPr/>
+        </p:nvSpPr>
+        <p:spPr>
+          <a:xfrm>
+            <a:off x="4422509" y="4726459"/>
+            <a:ext cx="802510" cy="738664"/>
+          </a:xfrm>
+          <a:prstGeom prst="rect">
+            <a:avLst/>
+          </a:prstGeom>
+          <a:noFill/>
+        </p:spPr>
+        <p:txBody>
+          <a:bodyPr wrap="square" rtlCol="0">
+            <a:spAutoFit/>
+          </a:bodyPr>
+          <a:lstStyle/>
+          <a:p>
+            <a:pPr algn="ctr"/>
+            <a:r>
+              <a:rPr lang="en-GB" sz="1400" dirty="0" smtClean="0"/>
+              <a:t>BG + Frame</a:t>
+            </a:r>
+          </a:p>
+          <a:p>
+            <a:pPr algn="ctr"/>
+            <a:r>
+              <a:rPr lang="en-GB" sz="1400" dirty="0" smtClean="0"/>
+              <a:t>\/</a:t>
+            </a:r>
+            <a:endParaRPr lang="en-GB" sz="1400" dirty="0"/>
+          </a:p>
+        </p:txBody>
+      </p:sp>
+      <p:sp>
+        <p:nvSpPr>
+          <p:cNvPr id="48" name="TextBox 47">
+            <a:extLst>
+              <a:ext uri="{FF2B5EF4-FFF2-40B4-BE49-F238E27FC236}">
+                <a16:creationId xmlns:a16="http://schemas.microsoft.com/office/drawing/2014/main" xmlns="" id="{B32A810F-BF6B-4000-9AFD-8B8D42D80E47}"/>
+              </a:ext>
+            </a:extLst>
+          </p:cNvPr>
+          <p:cNvSpPr txBox="1"/>
+          <p:nvPr/>
+        </p:nvSpPr>
+        <p:spPr>
+          <a:xfrm>
+            <a:off x="7369829" y="3539690"/>
+            <a:ext cx="1083912" cy="307777"/>
+          </a:xfrm>
+          <a:prstGeom prst="rect">
+            <a:avLst/>
+          </a:prstGeom>
+          <a:noFill/>
+        </p:spPr>
+        <p:txBody>
+          <a:bodyPr wrap="square" rtlCol="0">
+            <a:spAutoFit/>
+          </a:bodyPr>
+          <a:lstStyle/>
+          <a:p>
+            <a:pPr algn="ctr"/>
+            <a:r>
+              <a:rPr lang="en-GB" sz="1400" dirty="0" smtClean="0"/>
+              <a:t>Labels &gt;</a:t>
+            </a:r>
+            <a:endParaRPr lang="en-GB" sz="1400" dirty="0"/>
+          </a:p>
+        </p:txBody>
+      </p:sp>
+      <p:sp>
+        <p:nvSpPr>
+          <p:cNvPr id="51" name="Rectangle 50">
+            <a:extLst>
+              <a:ext uri="{FF2B5EF4-FFF2-40B4-BE49-F238E27FC236}">
+                <a16:creationId xmlns:a16="http://schemas.microsoft.com/office/drawing/2014/main" xmlns="" id="{ADD36DBD-8DDC-434F-9125-A76A4D4E0292}"/>
+              </a:ext>
+            </a:extLst>
+          </p:cNvPr>
+          <p:cNvSpPr/>
+          <p:nvPr/>
+        </p:nvSpPr>
+        <p:spPr>
+          <a:xfrm>
+            <a:off x="4404710" y="420055"/>
+            <a:ext cx="1831960" cy="976488"/>
+          </a:xfrm>
+          <a:prstGeom prst="rect">
+            <a:avLst/>
+          </a:prstGeom>
+          <a:solidFill>
+            <a:srgbClr val="000000"/>
+          </a:solidFill>
+          <a:ln>
+            <a:noFill/>
+          </a:ln>
+        </p:spPr>
+        <p:style>
+          <a:lnRef idx="2">
+            <a:schemeClr val="accent1">
+              <a:shade val="50000"/>
+            </a:schemeClr>
+          </a:lnRef>
+          <a:fillRef idx="1">
+            <a:schemeClr val="accent1"/>
+          </a:fillRef>
+          <a:effectRef idx="0">
+            <a:schemeClr val="accent1"/>
+          </a:effectRef>
+          <a:fontRef idx="minor">
+            <a:schemeClr val="lt1"/>
+          </a:fontRef>
+        </p:style>
+        <p:txBody>
+          <a:bodyPr rtlCol="0" anchor="ctr"/>
+          <a:lstStyle/>
+          <a:p>
+            <a:pPr algn="ctr"/>
+            <a:endParaRPr lang="en-GB"/>
+          </a:p>
+        </p:txBody>
+      </p:sp>
+      <p:sp>
+        <p:nvSpPr>
+          <p:cNvPr id="54" name="TextBox 53">
+            <a:extLst>
+              <a:ext uri="{FF2B5EF4-FFF2-40B4-BE49-F238E27FC236}">
+                <a16:creationId xmlns:a16="http://schemas.microsoft.com/office/drawing/2014/main" xmlns="" id="{ED06F2CA-B022-4B57-93BA-3A4A5FD519CB}"/>
+              </a:ext>
+            </a:extLst>
+          </p:cNvPr>
+          <p:cNvSpPr txBox="1"/>
+          <p:nvPr/>
+        </p:nvSpPr>
+        <p:spPr>
+          <a:xfrm>
+            <a:off x="3631972" y="492799"/>
+            <a:ext cx="3377463" cy="830997"/>
+          </a:xfrm>
+          <a:prstGeom prst="rect">
+            <a:avLst/>
+          </a:prstGeom>
+          <a:noFill/>
+        </p:spPr>
+        <p:txBody>
+          <a:bodyPr wrap="none" rtlCol="0">
+            <a:spAutoFit/>
+          </a:bodyPr>
+          <a:lstStyle/>
+          <a:p>
+            <a:pPr algn="ctr"/>
+            <a:r>
+              <a:rPr lang="en-GB" sz="2400" b="1" dirty="0" smtClean="0">
+                <a:solidFill>
+                  <a:schemeClr val="bg2"/>
+                </a:solidFill>
+                <a:effectLst>
+                  <a:glow rad="101600">
+                    <a:schemeClr val="tx1">
+                      <a:alpha val="60000"/>
+                    </a:schemeClr>
+                  </a:glow>
+                </a:effectLst>
+              </a:rPr>
+              <a:t>Robot Position </a:t>
+            </a:r>
+          </a:p>
+          <a:p>
+            <a:pPr algn="ctr"/>
+            <a:r>
+              <a:rPr lang="en-GB" sz="2400" b="1" smtClean="0">
+                <a:solidFill>
+                  <a:schemeClr val="bg2"/>
+                </a:solidFill>
+                <a:effectLst>
+                  <a:glow rad="101600">
+                    <a:schemeClr val="tx1">
+                      <a:alpha val="60000"/>
+                    </a:schemeClr>
+                  </a:glow>
+                </a:effectLst>
+              </a:rPr>
+              <a:t>Move </a:t>
+            </a:r>
+            <a:r>
+              <a:rPr lang="en-GB" sz="2400" b="1" dirty="0" smtClean="0">
+                <a:solidFill>
+                  <a:schemeClr val="bg2"/>
+                </a:solidFill>
+                <a:effectLst>
+                  <a:glow rad="101600">
+                    <a:schemeClr val="tx1">
+                      <a:alpha val="60000"/>
+                    </a:schemeClr>
+                  </a:glow>
+                </a:effectLst>
+              </a:rPr>
+              <a:t>Calculation System</a:t>
+            </a:r>
+            <a:endParaRPr lang="en-GB" sz="2400" b="1" dirty="0">
+              <a:solidFill>
+                <a:schemeClr val="bg2"/>
+              </a:solidFill>
+              <a:effectLst>
+                <a:glow rad="101600">
+                  <a:schemeClr val="tx1">
+                    <a:alpha val="60000"/>
+                  </a:schemeClr>
+                </a:glow>
+              </a:effectLst>
+            </a:endParaRPr>
+          </a:p>
+        </p:txBody>
+      </p:sp>
+      <p:cxnSp>
+        <p:nvCxnSpPr>
+          <p:cNvPr id="58" name="Straight Arrow Connector 57">
+            <a:extLst>
+              <a:ext uri="{FF2B5EF4-FFF2-40B4-BE49-F238E27FC236}">
+                <a16:creationId xmlns:a16="http://schemas.microsoft.com/office/drawing/2014/main" xmlns="" id="{D93FAD61-E741-499C-820D-AF2A26A6E4DB}"/>
               </a:ext>
             </a:extLst>
           </p:cNvPr>
@@ -9395,9 +9904,9 @@
           <p:nvPr/>
         </p:nvCxnSpPr>
         <p:spPr>
-          <a:xfrm>
-            <a:off x="6250651" y="6061695"/>
-            <a:ext cx="2260468" cy="0"/>
+          <a:xfrm flipV="1">
+            <a:off x="5350862" y="1373429"/>
+            <a:ext cx="0" cy="1546890"/>
           </a:xfrm>
           <a:prstGeom prst="straightConnector1">
             <a:avLst/>
@@ -9406,7 +9915,7 @@
             <a:solidFill>
               <a:schemeClr val="tx1"/>
             </a:solidFill>
-            <a:prstDash val="sysDot"/>
+            <a:prstDash val="solid"/>
             <a:headEnd type="triangle"/>
             <a:tailEnd type="triangle"/>
           </a:ln>
@@ -9426,6 +9935,94 @@
           </a:fontRef>
         </p:style>
       </p:cxnSp>
+      <p:sp>
+        <p:nvSpPr>
+          <p:cNvPr id="59" name="TextBox 58">
+            <a:extLst>
+              <a:ext uri="{FF2B5EF4-FFF2-40B4-BE49-F238E27FC236}">
+                <a16:creationId xmlns:a16="http://schemas.microsoft.com/office/drawing/2014/main" xmlns="" id="{F0193D04-3208-4F06-BBA2-FE37BC71626F}"/>
+              </a:ext>
+            </a:extLst>
+          </p:cNvPr>
+          <p:cNvSpPr txBox="1"/>
+          <p:nvPr/>
+        </p:nvSpPr>
+        <p:spPr>
+          <a:xfrm>
+            <a:off x="4422509" y="1405936"/>
+            <a:ext cx="802510" cy="738664"/>
+          </a:xfrm>
+          <a:prstGeom prst="rect">
+            <a:avLst/>
+          </a:prstGeom>
+          <a:noFill/>
+        </p:spPr>
+        <p:txBody>
+          <a:bodyPr wrap="square" rtlCol="0">
+            <a:spAutoFit/>
+          </a:bodyPr>
+          <a:lstStyle/>
+          <a:p>
+            <a:pPr algn="ctr"/>
+            <a:r>
+              <a:rPr lang="en-GB" sz="1400" dirty="0" smtClean="0"/>
+              <a:t>/\</a:t>
+            </a:r>
+          </a:p>
+          <a:p>
+            <a:pPr algn="ctr"/>
+            <a:r>
+              <a:rPr lang="en-GB" sz="1400" dirty="0" smtClean="0"/>
+              <a:t>Labelled Objects</a:t>
+            </a:r>
+            <a:endParaRPr lang="en-GB" sz="1400" dirty="0"/>
+          </a:p>
+        </p:txBody>
+      </p:sp>
+      <p:sp>
+        <p:nvSpPr>
+          <p:cNvPr id="60" name="TextBox 59">
+            <a:extLst>
+              <a:ext uri="{FF2B5EF4-FFF2-40B4-BE49-F238E27FC236}">
+                <a16:creationId xmlns:a16="http://schemas.microsoft.com/office/drawing/2014/main" xmlns="" id="{F0193D04-3208-4F06-BBA2-FE37BC71626F}"/>
+              </a:ext>
+            </a:extLst>
+          </p:cNvPr>
+          <p:cNvSpPr txBox="1"/>
+          <p:nvPr/>
+        </p:nvSpPr>
+        <p:spPr>
+          <a:xfrm>
+            <a:off x="4422509" y="2205758"/>
+            <a:ext cx="802510" cy="738664"/>
+          </a:xfrm>
+          <a:prstGeom prst="rect">
+            <a:avLst/>
+          </a:prstGeom>
+          <a:noFill/>
+        </p:spPr>
+        <p:txBody>
+          <a:bodyPr wrap="square" rtlCol="0">
+            <a:spAutoFit/>
+          </a:bodyPr>
+          <a:lstStyle/>
+          <a:p>
+            <a:pPr algn="ctr"/>
+            <a:r>
+              <a:rPr lang="en-GB" sz="1400" dirty="0" smtClean="0"/>
+              <a:t>BG + Frame</a:t>
+            </a:r>
+          </a:p>
+          <a:p>
+            <a:pPr algn="ctr"/>
+            <a:r>
+              <a:rPr lang="en-GB" sz="1400" dirty="0" smtClean="0"/>
+              <a:t>\/</a:t>
+            </a:r>
+            <a:endParaRPr lang="en-GB" sz="1400" dirty="0"/>
+          </a:p>
+        </p:txBody>
+      </p:sp>
     </p:spTree>
     <p:extLst>
       <p:ext uri="{BB962C8B-B14F-4D97-AF65-F5344CB8AC3E}">

--- a/Visual Plan.pptx
+++ b/Visual Plan.pptx
@@ -141,7 +141,7 @@
           <p:cNvPr id="2" name="Title 1">
             <a:extLst>
               <a:ext uri="{FF2B5EF4-FFF2-40B4-BE49-F238E27FC236}">
-                <a16:creationId xmlns:a16="http://schemas.microsoft.com/office/drawing/2014/main" xmlns="" id="{43893EEA-2329-4BD0-B478-739A6C7ABCF0}"/>
+                <a16:creationId xmlns:a16="http://schemas.microsoft.com/office/drawing/2014/main" id="{43893EEA-2329-4BD0-B478-739A6C7ABCF0}"/>
               </a:ext>
             </a:extLst>
           </p:cNvPr>
@@ -179,7 +179,7 @@
           <p:cNvPr id="3" name="Subtitle 2">
             <a:extLst>
               <a:ext uri="{FF2B5EF4-FFF2-40B4-BE49-F238E27FC236}">
-                <a16:creationId xmlns:a16="http://schemas.microsoft.com/office/drawing/2014/main" xmlns="" id="{531605D0-F659-4B16-AC48-FAB20C96C441}"/>
+                <a16:creationId xmlns:a16="http://schemas.microsoft.com/office/drawing/2014/main" id="{531605D0-F659-4B16-AC48-FAB20C96C441}"/>
               </a:ext>
             </a:extLst>
           </p:cNvPr>
@@ -250,7 +250,7 @@
           <p:cNvPr id="4" name="Date Placeholder 3">
             <a:extLst>
               <a:ext uri="{FF2B5EF4-FFF2-40B4-BE49-F238E27FC236}">
-                <a16:creationId xmlns:a16="http://schemas.microsoft.com/office/drawing/2014/main" xmlns="" id="{93D4AC05-CC9D-42D0-84E8-09581B533C5C}"/>
+                <a16:creationId xmlns:a16="http://schemas.microsoft.com/office/drawing/2014/main" id="{93D4AC05-CC9D-42D0-84E8-09581B533C5C}"/>
               </a:ext>
             </a:extLst>
           </p:cNvPr>
@@ -279,7 +279,7 @@
           <p:cNvPr id="5" name="Footer Placeholder 4">
             <a:extLst>
               <a:ext uri="{FF2B5EF4-FFF2-40B4-BE49-F238E27FC236}">
-                <a16:creationId xmlns:a16="http://schemas.microsoft.com/office/drawing/2014/main" xmlns="" id="{46743398-C54D-4A57-BF5E-2F9CCBF7AD8E}"/>
+                <a16:creationId xmlns:a16="http://schemas.microsoft.com/office/drawing/2014/main" id="{46743398-C54D-4A57-BF5E-2F9CCBF7AD8E}"/>
               </a:ext>
             </a:extLst>
           </p:cNvPr>
@@ -304,7 +304,7 @@
           <p:cNvPr id="6" name="Slide Number Placeholder 5">
             <a:extLst>
               <a:ext uri="{FF2B5EF4-FFF2-40B4-BE49-F238E27FC236}">
-                <a16:creationId xmlns:a16="http://schemas.microsoft.com/office/drawing/2014/main" xmlns="" id="{293D33B5-B583-4617-A9FB-E821C101CC1C}"/>
+                <a16:creationId xmlns:a16="http://schemas.microsoft.com/office/drawing/2014/main" id="{293D33B5-B583-4617-A9FB-E821C101CC1C}"/>
               </a:ext>
             </a:extLst>
           </p:cNvPr>
@@ -363,7 +363,7 @@
           <p:cNvPr id="2" name="Title 1">
             <a:extLst>
               <a:ext uri="{FF2B5EF4-FFF2-40B4-BE49-F238E27FC236}">
-                <a16:creationId xmlns:a16="http://schemas.microsoft.com/office/drawing/2014/main" xmlns="" id="{314ADEF8-05FE-4481-A0CD-4171AAE11D48}"/>
+                <a16:creationId xmlns:a16="http://schemas.microsoft.com/office/drawing/2014/main" id="{314ADEF8-05FE-4481-A0CD-4171AAE11D48}"/>
               </a:ext>
             </a:extLst>
           </p:cNvPr>
@@ -392,7 +392,7 @@
           <p:cNvPr id="3" name="Vertical Text Placeholder 2">
             <a:extLst>
               <a:ext uri="{FF2B5EF4-FFF2-40B4-BE49-F238E27FC236}">
-                <a16:creationId xmlns:a16="http://schemas.microsoft.com/office/drawing/2014/main" xmlns="" id="{5E908463-0914-4437-A47B-D68282B6FB8C}"/>
+                <a16:creationId xmlns:a16="http://schemas.microsoft.com/office/drawing/2014/main" id="{5E908463-0914-4437-A47B-D68282B6FB8C}"/>
               </a:ext>
             </a:extLst>
           </p:cNvPr>
@@ -450,7 +450,7 @@
           <p:cNvPr id="4" name="Date Placeholder 3">
             <a:extLst>
               <a:ext uri="{FF2B5EF4-FFF2-40B4-BE49-F238E27FC236}">
-                <a16:creationId xmlns:a16="http://schemas.microsoft.com/office/drawing/2014/main" xmlns="" id="{81D83EF5-AF96-4C6C-B681-1D0F9EA551CA}"/>
+                <a16:creationId xmlns:a16="http://schemas.microsoft.com/office/drawing/2014/main" id="{81D83EF5-AF96-4C6C-B681-1D0F9EA551CA}"/>
               </a:ext>
             </a:extLst>
           </p:cNvPr>
@@ -479,7 +479,7 @@
           <p:cNvPr id="5" name="Footer Placeholder 4">
             <a:extLst>
               <a:ext uri="{FF2B5EF4-FFF2-40B4-BE49-F238E27FC236}">
-                <a16:creationId xmlns:a16="http://schemas.microsoft.com/office/drawing/2014/main" xmlns="" id="{879BFB5F-577E-4981-9AE6-B24D3E539B48}"/>
+                <a16:creationId xmlns:a16="http://schemas.microsoft.com/office/drawing/2014/main" id="{879BFB5F-577E-4981-9AE6-B24D3E539B48}"/>
               </a:ext>
             </a:extLst>
           </p:cNvPr>
@@ -504,7 +504,7 @@
           <p:cNvPr id="6" name="Slide Number Placeholder 5">
             <a:extLst>
               <a:ext uri="{FF2B5EF4-FFF2-40B4-BE49-F238E27FC236}">
-                <a16:creationId xmlns:a16="http://schemas.microsoft.com/office/drawing/2014/main" xmlns="" id="{D7820A4B-1CBA-4F7A-80C2-D60C2D0EF088}"/>
+                <a16:creationId xmlns:a16="http://schemas.microsoft.com/office/drawing/2014/main" id="{D7820A4B-1CBA-4F7A-80C2-D60C2D0EF088}"/>
               </a:ext>
             </a:extLst>
           </p:cNvPr>
@@ -563,7 +563,7 @@
           <p:cNvPr id="2" name="Vertical Title 1">
             <a:extLst>
               <a:ext uri="{FF2B5EF4-FFF2-40B4-BE49-F238E27FC236}">
-                <a16:creationId xmlns:a16="http://schemas.microsoft.com/office/drawing/2014/main" xmlns="" id="{DB1495EA-AD95-4217-ADFE-C74EE06F7230}"/>
+                <a16:creationId xmlns:a16="http://schemas.microsoft.com/office/drawing/2014/main" id="{DB1495EA-AD95-4217-ADFE-C74EE06F7230}"/>
               </a:ext>
             </a:extLst>
           </p:cNvPr>
@@ -597,7 +597,7 @@
           <p:cNvPr id="3" name="Vertical Text Placeholder 2">
             <a:extLst>
               <a:ext uri="{FF2B5EF4-FFF2-40B4-BE49-F238E27FC236}">
-                <a16:creationId xmlns:a16="http://schemas.microsoft.com/office/drawing/2014/main" xmlns="" id="{48459CC8-1F49-4AD5-B4F5-DE425DE64018}"/>
+                <a16:creationId xmlns:a16="http://schemas.microsoft.com/office/drawing/2014/main" id="{48459CC8-1F49-4AD5-B4F5-DE425DE64018}"/>
               </a:ext>
             </a:extLst>
           </p:cNvPr>
@@ -660,7 +660,7 @@
           <p:cNvPr id="4" name="Date Placeholder 3">
             <a:extLst>
               <a:ext uri="{FF2B5EF4-FFF2-40B4-BE49-F238E27FC236}">
-                <a16:creationId xmlns:a16="http://schemas.microsoft.com/office/drawing/2014/main" xmlns="" id="{646BFF7C-62E9-445A-AA43-951D025A0B29}"/>
+                <a16:creationId xmlns:a16="http://schemas.microsoft.com/office/drawing/2014/main" id="{646BFF7C-62E9-445A-AA43-951D025A0B29}"/>
               </a:ext>
             </a:extLst>
           </p:cNvPr>
@@ -689,7 +689,7 @@
           <p:cNvPr id="5" name="Footer Placeholder 4">
             <a:extLst>
               <a:ext uri="{FF2B5EF4-FFF2-40B4-BE49-F238E27FC236}">
-                <a16:creationId xmlns:a16="http://schemas.microsoft.com/office/drawing/2014/main" xmlns="" id="{3F3DF7E9-367F-4DF0-B4C9-6DB26AA61F6F}"/>
+                <a16:creationId xmlns:a16="http://schemas.microsoft.com/office/drawing/2014/main" id="{3F3DF7E9-367F-4DF0-B4C9-6DB26AA61F6F}"/>
               </a:ext>
             </a:extLst>
           </p:cNvPr>
@@ -714,7 +714,7 @@
           <p:cNvPr id="6" name="Slide Number Placeholder 5">
             <a:extLst>
               <a:ext uri="{FF2B5EF4-FFF2-40B4-BE49-F238E27FC236}">
-                <a16:creationId xmlns:a16="http://schemas.microsoft.com/office/drawing/2014/main" xmlns="" id="{636A9102-5136-4872-BE70-EC792DFF0419}"/>
+                <a16:creationId xmlns:a16="http://schemas.microsoft.com/office/drawing/2014/main" id="{636A9102-5136-4872-BE70-EC792DFF0419}"/>
               </a:ext>
             </a:extLst>
           </p:cNvPr>
@@ -773,7 +773,7 @@
           <p:cNvPr id="2" name="Title 1">
             <a:extLst>
               <a:ext uri="{FF2B5EF4-FFF2-40B4-BE49-F238E27FC236}">
-                <a16:creationId xmlns:a16="http://schemas.microsoft.com/office/drawing/2014/main" xmlns="" id="{ED3170B7-C55B-43D2-87DB-7F752FE3F129}"/>
+                <a16:creationId xmlns:a16="http://schemas.microsoft.com/office/drawing/2014/main" id="{ED3170B7-C55B-43D2-87DB-7F752FE3F129}"/>
               </a:ext>
             </a:extLst>
           </p:cNvPr>
@@ -802,7 +802,7 @@
           <p:cNvPr id="3" name="Content Placeholder 2">
             <a:extLst>
               <a:ext uri="{FF2B5EF4-FFF2-40B4-BE49-F238E27FC236}">
-                <a16:creationId xmlns:a16="http://schemas.microsoft.com/office/drawing/2014/main" xmlns="" id="{EBEFDF05-3DA5-468F-9962-9DEBFA346A5E}"/>
+                <a16:creationId xmlns:a16="http://schemas.microsoft.com/office/drawing/2014/main" id="{EBEFDF05-3DA5-468F-9962-9DEBFA346A5E}"/>
               </a:ext>
             </a:extLst>
           </p:cNvPr>
@@ -860,7 +860,7 @@
           <p:cNvPr id="4" name="Date Placeholder 3">
             <a:extLst>
               <a:ext uri="{FF2B5EF4-FFF2-40B4-BE49-F238E27FC236}">
-                <a16:creationId xmlns:a16="http://schemas.microsoft.com/office/drawing/2014/main" xmlns="" id="{4C6D3837-121B-454C-9B58-89764A7CDCF4}"/>
+                <a16:creationId xmlns:a16="http://schemas.microsoft.com/office/drawing/2014/main" id="{4C6D3837-121B-454C-9B58-89764A7CDCF4}"/>
               </a:ext>
             </a:extLst>
           </p:cNvPr>
@@ -889,7 +889,7 @@
           <p:cNvPr id="5" name="Footer Placeholder 4">
             <a:extLst>
               <a:ext uri="{FF2B5EF4-FFF2-40B4-BE49-F238E27FC236}">
-                <a16:creationId xmlns:a16="http://schemas.microsoft.com/office/drawing/2014/main" xmlns="" id="{92837F7C-94A1-499C-B0B9-FEB23234D3A1}"/>
+                <a16:creationId xmlns:a16="http://schemas.microsoft.com/office/drawing/2014/main" id="{92837F7C-94A1-499C-B0B9-FEB23234D3A1}"/>
               </a:ext>
             </a:extLst>
           </p:cNvPr>
@@ -914,7 +914,7 @@
           <p:cNvPr id="6" name="Slide Number Placeholder 5">
             <a:extLst>
               <a:ext uri="{FF2B5EF4-FFF2-40B4-BE49-F238E27FC236}">
-                <a16:creationId xmlns:a16="http://schemas.microsoft.com/office/drawing/2014/main" xmlns="" id="{5A9AB361-1F50-493B-9CEA-1C308245FCAC}"/>
+                <a16:creationId xmlns:a16="http://schemas.microsoft.com/office/drawing/2014/main" id="{5A9AB361-1F50-493B-9CEA-1C308245FCAC}"/>
               </a:ext>
             </a:extLst>
           </p:cNvPr>
@@ -973,7 +973,7 @@
           <p:cNvPr id="2" name="Title 1">
             <a:extLst>
               <a:ext uri="{FF2B5EF4-FFF2-40B4-BE49-F238E27FC236}">
-                <a16:creationId xmlns:a16="http://schemas.microsoft.com/office/drawing/2014/main" xmlns="" id="{A17FBDA1-9A04-4813-999D-D3EF005F657B}"/>
+                <a16:creationId xmlns:a16="http://schemas.microsoft.com/office/drawing/2014/main" id="{A17FBDA1-9A04-4813-999D-D3EF005F657B}"/>
               </a:ext>
             </a:extLst>
           </p:cNvPr>
@@ -1011,7 +1011,7 @@
           <p:cNvPr id="3" name="Text Placeholder 2">
             <a:extLst>
               <a:ext uri="{FF2B5EF4-FFF2-40B4-BE49-F238E27FC236}">
-                <a16:creationId xmlns:a16="http://schemas.microsoft.com/office/drawing/2014/main" xmlns="" id="{49A7C322-5A28-4763-9759-05815EBAF58D}"/>
+                <a16:creationId xmlns:a16="http://schemas.microsoft.com/office/drawing/2014/main" id="{49A7C322-5A28-4763-9759-05815EBAF58D}"/>
               </a:ext>
             </a:extLst>
           </p:cNvPr>
@@ -1136,7 +1136,7 @@
           <p:cNvPr id="4" name="Date Placeholder 3">
             <a:extLst>
               <a:ext uri="{FF2B5EF4-FFF2-40B4-BE49-F238E27FC236}">
-                <a16:creationId xmlns:a16="http://schemas.microsoft.com/office/drawing/2014/main" xmlns="" id="{43B08A97-8825-4B0E-B6FA-C30D395BE6D1}"/>
+                <a16:creationId xmlns:a16="http://schemas.microsoft.com/office/drawing/2014/main" id="{43B08A97-8825-4B0E-B6FA-C30D395BE6D1}"/>
               </a:ext>
             </a:extLst>
           </p:cNvPr>
@@ -1165,7 +1165,7 @@
           <p:cNvPr id="5" name="Footer Placeholder 4">
             <a:extLst>
               <a:ext uri="{FF2B5EF4-FFF2-40B4-BE49-F238E27FC236}">
-                <a16:creationId xmlns:a16="http://schemas.microsoft.com/office/drawing/2014/main" xmlns="" id="{E2A7D5A2-489A-44BE-95BA-C41FF13D1C65}"/>
+                <a16:creationId xmlns:a16="http://schemas.microsoft.com/office/drawing/2014/main" id="{E2A7D5A2-489A-44BE-95BA-C41FF13D1C65}"/>
               </a:ext>
             </a:extLst>
           </p:cNvPr>
@@ -1190,7 +1190,7 @@
           <p:cNvPr id="6" name="Slide Number Placeholder 5">
             <a:extLst>
               <a:ext uri="{FF2B5EF4-FFF2-40B4-BE49-F238E27FC236}">
-                <a16:creationId xmlns:a16="http://schemas.microsoft.com/office/drawing/2014/main" xmlns="" id="{7772E596-F9BA-4EA1-B777-69A74090D7FB}"/>
+                <a16:creationId xmlns:a16="http://schemas.microsoft.com/office/drawing/2014/main" id="{7772E596-F9BA-4EA1-B777-69A74090D7FB}"/>
               </a:ext>
             </a:extLst>
           </p:cNvPr>
@@ -1249,7 +1249,7 @@
           <p:cNvPr id="2" name="Title 1">
             <a:extLst>
               <a:ext uri="{FF2B5EF4-FFF2-40B4-BE49-F238E27FC236}">
-                <a16:creationId xmlns:a16="http://schemas.microsoft.com/office/drawing/2014/main" xmlns="" id="{AA18BF10-E166-4004-B0EB-5269B3668265}"/>
+                <a16:creationId xmlns:a16="http://schemas.microsoft.com/office/drawing/2014/main" id="{AA18BF10-E166-4004-B0EB-5269B3668265}"/>
               </a:ext>
             </a:extLst>
           </p:cNvPr>
@@ -1278,7 +1278,7 @@
           <p:cNvPr id="3" name="Content Placeholder 2">
             <a:extLst>
               <a:ext uri="{FF2B5EF4-FFF2-40B4-BE49-F238E27FC236}">
-                <a16:creationId xmlns:a16="http://schemas.microsoft.com/office/drawing/2014/main" xmlns="" id="{333510AE-E4AB-4DF1-875B-EC5FD0F0F1A5}"/>
+                <a16:creationId xmlns:a16="http://schemas.microsoft.com/office/drawing/2014/main" id="{333510AE-E4AB-4DF1-875B-EC5FD0F0F1A5}"/>
               </a:ext>
             </a:extLst>
           </p:cNvPr>
@@ -1341,7 +1341,7 @@
           <p:cNvPr id="4" name="Content Placeholder 3">
             <a:extLst>
               <a:ext uri="{FF2B5EF4-FFF2-40B4-BE49-F238E27FC236}">
-                <a16:creationId xmlns:a16="http://schemas.microsoft.com/office/drawing/2014/main" xmlns="" id="{5403E092-1374-49AB-991A-C900840AB9C5}"/>
+                <a16:creationId xmlns:a16="http://schemas.microsoft.com/office/drawing/2014/main" id="{5403E092-1374-49AB-991A-C900840AB9C5}"/>
               </a:ext>
             </a:extLst>
           </p:cNvPr>
@@ -1404,7 +1404,7 @@
           <p:cNvPr id="5" name="Date Placeholder 4">
             <a:extLst>
               <a:ext uri="{FF2B5EF4-FFF2-40B4-BE49-F238E27FC236}">
-                <a16:creationId xmlns:a16="http://schemas.microsoft.com/office/drawing/2014/main" xmlns="" id="{3A5F1F22-838A-4EC3-8DE2-25F126F5BE77}"/>
+                <a16:creationId xmlns:a16="http://schemas.microsoft.com/office/drawing/2014/main" id="{3A5F1F22-838A-4EC3-8DE2-25F126F5BE77}"/>
               </a:ext>
             </a:extLst>
           </p:cNvPr>
@@ -1433,7 +1433,7 @@
           <p:cNvPr id="6" name="Footer Placeholder 5">
             <a:extLst>
               <a:ext uri="{FF2B5EF4-FFF2-40B4-BE49-F238E27FC236}">
-                <a16:creationId xmlns:a16="http://schemas.microsoft.com/office/drawing/2014/main" xmlns="" id="{884FA1F6-2855-4448-8E6C-887074463914}"/>
+                <a16:creationId xmlns:a16="http://schemas.microsoft.com/office/drawing/2014/main" id="{884FA1F6-2855-4448-8E6C-887074463914}"/>
               </a:ext>
             </a:extLst>
           </p:cNvPr>
@@ -1458,7 +1458,7 @@
           <p:cNvPr id="7" name="Slide Number Placeholder 6">
             <a:extLst>
               <a:ext uri="{FF2B5EF4-FFF2-40B4-BE49-F238E27FC236}">
-                <a16:creationId xmlns:a16="http://schemas.microsoft.com/office/drawing/2014/main" xmlns="" id="{192DFC1C-DC54-4391-BC39-EFE932710B9D}"/>
+                <a16:creationId xmlns:a16="http://schemas.microsoft.com/office/drawing/2014/main" id="{192DFC1C-DC54-4391-BC39-EFE932710B9D}"/>
               </a:ext>
             </a:extLst>
           </p:cNvPr>
@@ -1517,7 +1517,7 @@
           <p:cNvPr id="2" name="Title 1">
             <a:extLst>
               <a:ext uri="{FF2B5EF4-FFF2-40B4-BE49-F238E27FC236}">
-                <a16:creationId xmlns:a16="http://schemas.microsoft.com/office/drawing/2014/main" xmlns="" id="{F35FB1A5-06D9-45FF-9AFB-C4F0C69E68D7}"/>
+                <a16:creationId xmlns:a16="http://schemas.microsoft.com/office/drawing/2014/main" id="{F35FB1A5-06D9-45FF-9AFB-C4F0C69E68D7}"/>
               </a:ext>
             </a:extLst>
           </p:cNvPr>
@@ -1551,7 +1551,7 @@
           <p:cNvPr id="3" name="Text Placeholder 2">
             <a:extLst>
               <a:ext uri="{FF2B5EF4-FFF2-40B4-BE49-F238E27FC236}">
-                <a16:creationId xmlns:a16="http://schemas.microsoft.com/office/drawing/2014/main" xmlns="" id="{50084235-CC21-448C-98EE-C8FED28F8B67}"/>
+                <a16:creationId xmlns:a16="http://schemas.microsoft.com/office/drawing/2014/main" id="{50084235-CC21-448C-98EE-C8FED28F8B67}"/>
               </a:ext>
             </a:extLst>
           </p:cNvPr>
@@ -1622,7 +1622,7 @@
           <p:cNvPr id="4" name="Content Placeholder 3">
             <a:extLst>
               <a:ext uri="{FF2B5EF4-FFF2-40B4-BE49-F238E27FC236}">
-                <a16:creationId xmlns:a16="http://schemas.microsoft.com/office/drawing/2014/main" xmlns="" id="{7D6955AF-5C0F-4296-A116-5CD28C92E290}"/>
+                <a16:creationId xmlns:a16="http://schemas.microsoft.com/office/drawing/2014/main" id="{7D6955AF-5C0F-4296-A116-5CD28C92E290}"/>
               </a:ext>
             </a:extLst>
           </p:cNvPr>
@@ -1685,7 +1685,7 @@
           <p:cNvPr id="5" name="Text Placeholder 4">
             <a:extLst>
               <a:ext uri="{FF2B5EF4-FFF2-40B4-BE49-F238E27FC236}">
-                <a16:creationId xmlns:a16="http://schemas.microsoft.com/office/drawing/2014/main" xmlns="" id="{58A0C3B2-4658-4D67-A3FF-49F1C083E97E}"/>
+                <a16:creationId xmlns:a16="http://schemas.microsoft.com/office/drawing/2014/main" id="{58A0C3B2-4658-4D67-A3FF-49F1C083E97E}"/>
               </a:ext>
             </a:extLst>
           </p:cNvPr>
@@ -1756,7 +1756,7 @@
           <p:cNvPr id="6" name="Content Placeholder 5">
             <a:extLst>
               <a:ext uri="{FF2B5EF4-FFF2-40B4-BE49-F238E27FC236}">
-                <a16:creationId xmlns:a16="http://schemas.microsoft.com/office/drawing/2014/main" xmlns="" id="{21D4CD37-FE65-4127-B060-B3E7323C5C93}"/>
+                <a16:creationId xmlns:a16="http://schemas.microsoft.com/office/drawing/2014/main" id="{21D4CD37-FE65-4127-B060-B3E7323C5C93}"/>
               </a:ext>
             </a:extLst>
           </p:cNvPr>
@@ -1819,7 +1819,7 @@
           <p:cNvPr id="7" name="Date Placeholder 6">
             <a:extLst>
               <a:ext uri="{FF2B5EF4-FFF2-40B4-BE49-F238E27FC236}">
-                <a16:creationId xmlns:a16="http://schemas.microsoft.com/office/drawing/2014/main" xmlns="" id="{645BB935-10CF-49D0-9C83-6AE073BB7BA2}"/>
+                <a16:creationId xmlns:a16="http://schemas.microsoft.com/office/drawing/2014/main" id="{645BB935-10CF-49D0-9C83-6AE073BB7BA2}"/>
               </a:ext>
             </a:extLst>
           </p:cNvPr>
@@ -1848,7 +1848,7 @@
           <p:cNvPr id="8" name="Footer Placeholder 7">
             <a:extLst>
               <a:ext uri="{FF2B5EF4-FFF2-40B4-BE49-F238E27FC236}">
-                <a16:creationId xmlns:a16="http://schemas.microsoft.com/office/drawing/2014/main" xmlns="" id="{66189B88-9CE4-44FF-BC06-2CA077FFA825}"/>
+                <a16:creationId xmlns:a16="http://schemas.microsoft.com/office/drawing/2014/main" id="{66189B88-9CE4-44FF-BC06-2CA077FFA825}"/>
               </a:ext>
             </a:extLst>
           </p:cNvPr>
@@ -1873,7 +1873,7 @@
           <p:cNvPr id="9" name="Slide Number Placeholder 8">
             <a:extLst>
               <a:ext uri="{FF2B5EF4-FFF2-40B4-BE49-F238E27FC236}">
-                <a16:creationId xmlns:a16="http://schemas.microsoft.com/office/drawing/2014/main" xmlns="" id="{05E0D7D3-5513-4B83-B7B5-23F6F2952FBE}"/>
+                <a16:creationId xmlns:a16="http://schemas.microsoft.com/office/drawing/2014/main" id="{05E0D7D3-5513-4B83-B7B5-23F6F2952FBE}"/>
               </a:ext>
             </a:extLst>
           </p:cNvPr>
@@ -1932,7 +1932,7 @@
           <p:cNvPr id="2" name="Title 1">
             <a:extLst>
               <a:ext uri="{FF2B5EF4-FFF2-40B4-BE49-F238E27FC236}">
-                <a16:creationId xmlns:a16="http://schemas.microsoft.com/office/drawing/2014/main" xmlns="" id="{200DF880-9650-47A3-B764-4A8EE9FF4B53}"/>
+                <a16:creationId xmlns:a16="http://schemas.microsoft.com/office/drawing/2014/main" id="{200DF880-9650-47A3-B764-4A8EE9FF4B53}"/>
               </a:ext>
             </a:extLst>
           </p:cNvPr>
@@ -1961,7 +1961,7 @@
           <p:cNvPr id="3" name="Date Placeholder 2">
             <a:extLst>
               <a:ext uri="{FF2B5EF4-FFF2-40B4-BE49-F238E27FC236}">
-                <a16:creationId xmlns:a16="http://schemas.microsoft.com/office/drawing/2014/main" xmlns="" id="{74259FFF-FD9C-4749-98DA-29A82BEBA21F}"/>
+                <a16:creationId xmlns:a16="http://schemas.microsoft.com/office/drawing/2014/main" id="{74259FFF-FD9C-4749-98DA-29A82BEBA21F}"/>
               </a:ext>
             </a:extLst>
           </p:cNvPr>
@@ -1990,7 +1990,7 @@
           <p:cNvPr id="4" name="Footer Placeholder 3">
             <a:extLst>
               <a:ext uri="{FF2B5EF4-FFF2-40B4-BE49-F238E27FC236}">
-                <a16:creationId xmlns:a16="http://schemas.microsoft.com/office/drawing/2014/main" xmlns="" id="{0C93E6D4-42C7-4396-83F5-C706FABE2BB2}"/>
+                <a16:creationId xmlns:a16="http://schemas.microsoft.com/office/drawing/2014/main" id="{0C93E6D4-42C7-4396-83F5-C706FABE2BB2}"/>
               </a:ext>
             </a:extLst>
           </p:cNvPr>
@@ -2015,7 +2015,7 @@
           <p:cNvPr id="5" name="Slide Number Placeholder 4">
             <a:extLst>
               <a:ext uri="{FF2B5EF4-FFF2-40B4-BE49-F238E27FC236}">
-                <a16:creationId xmlns:a16="http://schemas.microsoft.com/office/drawing/2014/main" xmlns="" id="{751E6D9E-3936-46CA-85A8-0E03995DC49A}"/>
+                <a16:creationId xmlns:a16="http://schemas.microsoft.com/office/drawing/2014/main" id="{751E6D9E-3936-46CA-85A8-0E03995DC49A}"/>
               </a:ext>
             </a:extLst>
           </p:cNvPr>
@@ -2074,7 +2074,7 @@
           <p:cNvPr id="2" name="Date Placeholder 1">
             <a:extLst>
               <a:ext uri="{FF2B5EF4-FFF2-40B4-BE49-F238E27FC236}">
-                <a16:creationId xmlns:a16="http://schemas.microsoft.com/office/drawing/2014/main" xmlns="" id="{FE2556F9-C98E-4E78-AE79-E9A3E8EC0A1F}"/>
+                <a16:creationId xmlns:a16="http://schemas.microsoft.com/office/drawing/2014/main" id="{FE2556F9-C98E-4E78-AE79-E9A3E8EC0A1F}"/>
               </a:ext>
             </a:extLst>
           </p:cNvPr>
@@ -2103,7 +2103,7 @@
           <p:cNvPr id="3" name="Footer Placeholder 2">
             <a:extLst>
               <a:ext uri="{FF2B5EF4-FFF2-40B4-BE49-F238E27FC236}">
-                <a16:creationId xmlns:a16="http://schemas.microsoft.com/office/drawing/2014/main" xmlns="" id="{5E58EFB7-EF90-4E5C-88BB-C67B2E6D5FCA}"/>
+                <a16:creationId xmlns:a16="http://schemas.microsoft.com/office/drawing/2014/main" id="{5E58EFB7-EF90-4E5C-88BB-C67B2E6D5FCA}"/>
               </a:ext>
             </a:extLst>
           </p:cNvPr>
@@ -2128,7 +2128,7 @@
           <p:cNvPr id="4" name="Slide Number Placeholder 3">
             <a:extLst>
               <a:ext uri="{FF2B5EF4-FFF2-40B4-BE49-F238E27FC236}">
-                <a16:creationId xmlns:a16="http://schemas.microsoft.com/office/drawing/2014/main" xmlns="" id="{E9539145-7624-4814-9BFE-B315EDCE9F72}"/>
+                <a16:creationId xmlns:a16="http://schemas.microsoft.com/office/drawing/2014/main" id="{E9539145-7624-4814-9BFE-B315EDCE9F72}"/>
               </a:ext>
             </a:extLst>
           </p:cNvPr>
@@ -2187,7 +2187,7 @@
           <p:cNvPr id="2" name="Title 1">
             <a:extLst>
               <a:ext uri="{FF2B5EF4-FFF2-40B4-BE49-F238E27FC236}">
-                <a16:creationId xmlns:a16="http://schemas.microsoft.com/office/drawing/2014/main" xmlns="" id="{14E37E2D-94B8-4937-9D19-073CF5073DCA}"/>
+                <a16:creationId xmlns:a16="http://schemas.microsoft.com/office/drawing/2014/main" id="{14E37E2D-94B8-4937-9D19-073CF5073DCA}"/>
               </a:ext>
             </a:extLst>
           </p:cNvPr>
@@ -2225,7 +2225,7 @@
           <p:cNvPr id="3" name="Content Placeholder 2">
             <a:extLst>
               <a:ext uri="{FF2B5EF4-FFF2-40B4-BE49-F238E27FC236}">
-                <a16:creationId xmlns:a16="http://schemas.microsoft.com/office/drawing/2014/main" xmlns="" id="{26BF1181-E9F7-4D60-B81C-A8AC8024327A}"/>
+                <a16:creationId xmlns:a16="http://schemas.microsoft.com/office/drawing/2014/main" id="{26BF1181-E9F7-4D60-B81C-A8AC8024327A}"/>
               </a:ext>
             </a:extLst>
           </p:cNvPr>
@@ -2316,7 +2316,7 @@
           <p:cNvPr id="4" name="Text Placeholder 3">
             <a:extLst>
               <a:ext uri="{FF2B5EF4-FFF2-40B4-BE49-F238E27FC236}">
-                <a16:creationId xmlns:a16="http://schemas.microsoft.com/office/drawing/2014/main" xmlns="" id="{9433EB85-D118-401F-92A7-15F6C5BBAD38}"/>
+                <a16:creationId xmlns:a16="http://schemas.microsoft.com/office/drawing/2014/main" id="{9433EB85-D118-401F-92A7-15F6C5BBAD38}"/>
               </a:ext>
             </a:extLst>
           </p:cNvPr>
@@ -2387,7 +2387,7 @@
           <p:cNvPr id="5" name="Date Placeholder 4">
             <a:extLst>
               <a:ext uri="{FF2B5EF4-FFF2-40B4-BE49-F238E27FC236}">
-                <a16:creationId xmlns:a16="http://schemas.microsoft.com/office/drawing/2014/main" xmlns="" id="{DA607528-5B49-4DD3-9132-30881DE87B4D}"/>
+                <a16:creationId xmlns:a16="http://schemas.microsoft.com/office/drawing/2014/main" id="{DA607528-5B49-4DD3-9132-30881DE87B4D}"/>
               </a:ext>
             </a:extLst>
           </p:cNvPr>
@@ -2416,7 +2416,7 @@
           <p:cNvPr id="6" name="Footer Placeholder 5">
             <a:extLst>
               <a:ext uri="{FF2B5EF4-FFF2-40B4-BE49-F238E27FC236}">
-                <a16:creationId xmlns:a16="http://schemas.microsoft.com/office/drawing/2014/main" xmlns="" id="{455BA862-992C-43CA-B5C2-4C0430B2F039}"/>
+                <a16:creationId xmlns:a16="http://schemas.microsoft.com/office/drawing/2014/main" id="{455BA862-992C-43CA-B5C2-4C0430B2F039}"/>
               </a:ext>
             </a:extLst>
           </p:cNvPr>
@@ -2441,7 +2441,7 @@
           <p:cNvPr id="7" name="Slide Number Placeholder 6">
             <a:extLst>
               <a:ext uri="{FF2B5EF4-FFF2-40B4-BE49-F238E27FC236}">
-                <a16:creationId xmlns:a16="http://schemas.microsoft.com/office/drawing/2014/main" xmlns="" id="{38D26D8D-2712-4B8C-BF2E-9C5B39AEBD41}"/>
+                <a16:creationId xmlns:a16="http://schemas.microsoft.com/office/drawing/2014/main" id="{38D26D8D-2712-4B8C-BF2E-9C5B39AEBD41}"/>
               </a:ext>
             </a:extLst>
           </p:cNvPr>
@@ -2500,7 +2500,7 @@
           <p:cNvPr id="2" name="Title 1">
             <a:extLst>
               <a:ext uri="{FF2B5EF4-FFF2-40B4-BE49-F238E27FC236}">
-                <a16:creationId xmlns:a16="http://schemas.microsoft.com/office/drawing/2014/main" xmlns="" id="{17A725E2-032B-437C-AB44-582C1073A509}"/>
+                <a16:creationId xmlns:a16="http://schemas.microsoft.com/office/drawing/2014/main" id="{17A725E2-032B-437C-AB44-582C1073A509}"/>
               </a:ext>
             </a:extLst>
           </p:cNvPr>
@@ -2538,7 +2538,7 @@
           <p:cNvPr id="3" name="Picture Placeholder 2">
             <a:extLst>
               <a:ext uri="{FF2B5EF4-FFF2-40B4-BE49-F238E27FC236}">
-                <a16:creationId xmlns:a16="http://schemas.microsoft.com/office/drawing/2014/main" xmlns="" id="{5F439274-0057-4242-9680-1D7A9CE6634D}"/>
+                <a16:creationId xmlns:a16="http://schemas.microsoft.com/office/drawing/2014/main" id="{5F439274-0057-4242-9680-1D7A9CE6634D}"/>
               </a:ext>
             </a:extLst>
           </p:cNvPr>
@@ -2605,7 +2605,7 @@
           <p:cNvPr id="4" name="Text Placeholder 3">
             <a:extLst>
               <a:ext uri="{FF2B5EF4-FFF2-40B4-BE49-F238E27FC236}">
-                <a16:creationId xmlns:a16="http://schemas.microsoft.com/office/drawing/2014/main" xmlns="" id="{6E3FE9FB-8CAF-425A-9101-BDEF14014742}"/>
+                <a16:creationId xmlns:a16="http://schemas.microsoft.com/office/drawing/2014/main" id="{6E3FE9FB-8CAF-425A-9101-BDEF14014742}"/>
               </a:ext>
             </a:extLst>
           </p:cNvPr>
@@ -2676,7 +2676,7 @@
           <p:cNvPr id="5" name="Date Placeholder 4">
             <a:extLst>
               <a:ext uri="{FF2B5EF4-FFF2-40B4-BE49-F238E27FC236}">
-                <a16:creationId xmlns:a16="http://schemas.microsoft.com/office/drawing/2014/main" xmlns="" id="{50C55AAC-CB8E-429F-8B0E-F46731F2830B}"/>
+                <a16:creationId xmlns:a16="http://schemas.microsoft.com/office/drawing/2014/main" id="{50C55AAC-CB8E-429F-8B0E-F46731F2830B}"/>
               </a:ext>
             </a:extLst>
           </p:cNvPr>
@@ -2705,7 +2705,7 @@
           <p:cNvPr id="6" name="Footer Placeholder 5">
             <a:extLst>
               <a:ext uri="{FF2B5EF4-FFF2-40B4-BE49-F238E27FC236}">
-                <a16:creationId xmlns:a16="http://schemas.microsoft.com/office/drawing/2014/main" xmlns="" id="{C2F8A79E-3DA5-4A2B-86FA-8C19825DEB33}"/>
+                <a16:creationId xmlns:a16="http://schemas.microsoft.com/office/drawing/2014/main" id="{C2F8A79E-3DA5-4A2B-86FA-8C19825DEB33}"/>
               </a:ext>
             </a:extLst>
           </p:cNvPr>
@@ -2730,7 +2730,7 @@
           <p:cNvPr id="7" name="Slide Number Placeholder 6">
             <a:extLst>
               <a:ext uri="{FF2B5EF4-FFF2-40B4-BE49-F238E27FC236}">
-                <a16:creationId xmlns:a16="http://schemas.microsoft.com/office/drawing/2014/main" xmlns="" id="{B5008AA0-F7C3-4DA3-B1D9-3420F7D2567D}"/>
+                <a16:creationId xmlns:a16="http://schemas.microsoft.com/office/drawing/2014/main" id="{B5008AA0-F7C3-4DA3-B1D9-3420F7D2567D}"/>
               </a:ext>
             </a:extLst>
           </p:cNvPr>
@@ -2794,7 +2794,7 @@
           <p:cNvPr id="2" name="Title Placeholder 1">
             <a:extLst>
               <a:ext uri="{FF2B5EF4-FFF2-40B4-BE49-F238E27FC236}">
-                <a16:creationId xmlns:a16="http://schemas.microsoft.com/office/drawing/2014/main" xmlns="" id="{525AF961-B3D1-4104-86B8-C10BAD57B953}"/>
+                <a16:creationId xmlns:a16="http://schemas.microsoft.com/office/drawing/2014/main" id="{525AF961-B3D1-4104-86B8-C10BAD57B953}"/>
               </a:ext>
             </a:extLst>
           </p:cNvPr>
@@ -2833,7 +2833,7 @@
           <p:cNvPr id="3" name="Text Placeholder 2">
             <a:extLst>
               <a:ext uri="{FF2B5EF4-FFF2-40B4-BE49-F238E27FC236}">
-                <a16:creationId xmlns:a16="http://schemas.microsoft.com/office/drawing/2014/main" xmlns="" id="{2F27F852-475F-4869-A573-AD1D51B3D236}"/>
+                <a16:creationId xmlns:a16="http://schemas.microsoft.com/office/drawing/2014/main" id="{2F27F852-475F-4869-A573-AD1D51B3D236}"/>
               </a:ext>
             </a:extLst>
           </p:cNvPr>
@@ -2901,7 +2901,7 @@
           <p:cNvPr id="4" name="Date Placeholder 3">
             <a:extLst>
               <a:ext uri="{FF2B5EF4-FFF2-40B4-BE49-F238E27FC236}">
-                <a16:creationId xmlns:a16="http://schemas.microsoft.com/office/drawing/2014/main" xmlns="" id="{59156039-19C9-44ED-84AF-BBFA5A788067}"/>
+                <a16:creationId xmlns:a16="http://schemas.microsoft.com/office/drawing/2014/main" id="{59156039-19C9-44ED-84AF-BBFA5A788067}"/>
               </a:ext>
             </a:extLst>
           </p:cNvPr>
@@ -2948,7 +2948,7 @@
           <p:cNvPr id="5" name="Footer Placeholder 4">
             <a:extLst>
               <a:ext uri="{FF2B5EF4-FFF2-40B4-BE49-F238E27FC236}">
-                <a16:creationId xmlns:a16="http://schemas.microsoft.com/office/drawing/2014/main" xmlns="" id="{F60107FF-CCD1-4AB6-9759-47FC7DB3CA12}"/>
+                <a16:creationId xmlns:a16="http://schemas.microsoft.com/office/drawing/2014/main" id="{F60107FF-CCD1-4AB6-9759-47FC7DB3CA12}"/>
               </a:ext>
             </a:extLst>
           </p:cNvPr>
@@ -2991,7 +2991,7 @@
           <p:cNvPr id="6" name="Slide Number Placeholder 5">
             <a:extLst>
               <a:ext uri="{FF2B5EF4-FFF2-40B4-BE49-F238E27FC236}">
-                <a16:creationId xmlns:a16="http://schemas.microsoft.com/office/drawing/2014/main" xmlns="" id="{265A53F5-9A94-4878-984D-EDCC813187E2}"/>
+                <a16:creationId xmlns:a16="http://schemas.microsoft.com/office/drawing/2014/main" id="{265A53F5-9A94-4878-984D-EDCC813187E2}"/>
               </a:ext>
             </a:extLst>
           </p:cNvPr>
@@ -3359,7 +3359,7 @@
           <p:cNvPr id="10" name="Group 9">
             <a:extLst>
               <a:ext uri="{FF2B5EF4-FFF2-40B4-BE49-F238E27FC236}">
-                <a16:creationId xmlns:a16="http://schemas.microsoft.com/office/drawing/2014/main" xmlns="" id="{DE565E46-0409-49DC-A628-3A9D99FF49A4}"/>
+                <a16:creationId xmlns:a16="http://schemas.microsoft.com/office/drawing/2014/main" id="{DE565E46-0409-49DC-A628-3A9D99FF49A4}"/>
               </a:ext>
             </a:extLst>
           </p:cNvPr>
@@ -3379,7 +3379,7 @@
             <p:cNvPr id="6" name="Oval 5">
               <a:extLst>
                 <a:ext uri="{FF2B5EF4-FFF2-40B4-BE49-F238E27FC236}">
-                  <a16:creationId xmlns:a16="http://schemas.microsoft.com/office/drawing/2014/main" xmlns="" id="{0AF1B685-5947-4FCA-8578-2E2573B50500}"/>
+                  <a16:creationId xmlns:a16="http://schemas.microsoft.com/office/drawing/2014/main" id="{0AF1B685-5947-4FCA-8578-2E2573B50500}"/>
                 </a:ext>
               </a:extLst>
             </p:cNvPr>
@@ -3433,7 +3433,7 @@
             <p:cNvPr id="7" name="Oval 6">
               <a:extLst>
                 <a:ext uri="{FF2B5EF4-FFF2-40B4-BE49-F238E27FC236}">
-                  <a16:creationId xmlns:a16="http://schemas.microsoft.com/office/drawing/2014/main" xmlns="" id="{78C829D8-8AEA-46B0-B52D-267C3E7DC429}"/>
+                  <a16:creationId xmlns:a16="http://schemas.microsoft.com/office/drawing/2014/main" id="{78C829D8-8AEA-46B0-B52D-267C3E7DC429}"/>
                 </a:ext>
               </a:extLst>
             </p:cNvPr>
@@ -3487,7 +3487,7 @@
             <p:cNvPr id="4" name="Rectangle 3">
               <a:extLst>
                 <a:ext uri="{FF2B5EF4-FFF2-40B4-BE49-F238E27FC236}">
-                  <a16:creationId xmlns:a16="http://schemas.microsoft.com/office/drawing/2014/main" xmlns="" id="{E0980DD5-50C4-4F70-81B9-C85FF23D25A0}"/>
+                  <a16:creationId xmlns:a16="http://schemas.microsoft.com/office/drawing/2014/main" id="{E0980DD5-50C4-4F70-81B9-C85FF23D25A0}"/>
                 </a:ext>
               </a:extLst>
             </p:cNvPr>
@@ -3544,7 +3544,7 @@
             <p:cNvPr id="9" name="Rectangle 8">
               <a:extLst>
                 <a:ext uri="{FF2B5EF4-FFF2-40B4-BE49-F238E27FC236}">
-                  <a16:creationId xmlns:a16="http://schemas.microsoft.com/office/drawing/2014/main" xmlns="" id="{1100EAFF-8FCD-4A65-86ED-0BB35E12F79B}"/>
+                  <a16:creationId xmlns:a16="http://schemas.microsoft.com/office/drawing/2014/main" id="{1100EAFF-8FCD-4A65-86ED-0BB35E12F79B}"/>
                 </a:ext>
               </a:extLst>
             </p:cNvPr>
@@ -3604,7 +3604,7 @@
             <p:cNvPr id="5" name="Rectangle: Rounded Corners 4">
               <a:extLst>
                 <a:ext uri="{FF2B5EF4-FFF2-40B4-BE49-F238E27FC236}">
-                  <a16:creationId xmlns:a16="http://schemas.microsoft.com/office/drawing/2014/main" xmlns="" id="{33339975-1307-4621-80CE-599D1FDB2CC6}"/>
+                  <a16:creationId xmlns:a16="http://schemas.microsoft.com/office/drawing/2014/main" id="{33339975-1307-4621-80CE-599D1FDB2CC6}"/>
                 </a:ext>
               </a:extLst>
             </p:cNvPr>
@@ -3664,7 +3664,7 @@
           <p:cNvPr id="18" name="Group 17">
             <a:extLst>
               <a:ext uri="{FF2B5EF4-FFF2-40B4-BE49-F238E27FC236}">
-                <a16:creationId xmlns:a16="http://schemas.microsoft.com/office/drawing/2014/main" xmlns="" id="{BF308BC8-91B1-4840-864B-D6FE046F3045}"/>
+                <a16:creationId xmlns:a16="http://schemas.microsoft.com/office/drawing/2014/main" id="{BF308BC8-91B1-4840-864B-D6FE046F3045}"/>
               </a:ext>
             </a:extLst>
           </p:cNvPr>
@@ -3684,7 +3684,7 @@
             <p:cNvPr id="12" name="Rectangle: Rounded Corners 11">
               <a:extLst>
                 <a:ext uri="{FF2B5EF4-FFF2-40B4-BE49-F238E27FC236}">
-                  <a16:creationId xmlns:a16="http://schemas.microsoft.com/office/drawing/2014/main" xmlns="" id="{C5845180-84DB-49CB-B0F6-026F0F03AE96}"/>
+                  <a16:creationId xmlns:a16="http://schemas.microsoft.com/office/drawing/2014/main" id="{C5845180-84DB-49CB-B0F6-026F0F03AE96}"/>
                 </a:ext>
               </a:extLst>
             </p:cNvPr>
@@ -3743,7 +3743,7 @@
             <p:cNvPr id="13" name="Rectangle: Rounded Corners 12">
               <a:extLst>
                 <a:ext uri="{FF2B5EF4-FFF2-40B4-BE49-F238E27FC236}">
-                  <a16:creationId xmlns:a16="http://schemas.microsoft.com/office/drawing/2014/main" xmlns="" id="{47DDA1CF-AEEC-4455-9B8D-E1712A4F4D07}"/>
+                  <a16:creationId xmlns:a16="http://schemas.microsoft.com/office/drawing/2014/main" id="{47DDA1CF-AEEC-4455-9B8D-E1712A4F4D07}"/>
                 </a:ext>
               </a:extLst>
             </p:cNvPr>
@@ -3802,7 +3802,7 @@
             <p:cNvPr id="14" name="Rectangle 13">
               <a:extLst>
                 <a:ext uri="{FF2B5EF4-FFF2-40B4-BE49-F238E27FC236}">
-                  <a16:creationId xmlns:a16="http://schemas.microsoft.com/office/drawing/2014/main" xmlns="" id="{C3831AE5-FC33-405D-BBC0-AC1C9DBAE6FF}"/>
+                  <a16:creationId xmlns:a16="http://schemas.microsoft.com/office/drawing/2014/main" id="{C3831AE5-FC33-405D-BBC0-AC1C9DBAE6FF}"/>
                 </a:ext>
               </a:extLst>
             </p:cNvPr>
@@ -3859,7 +3859,7 @@
             <p:cNvPr id="15" name="Oval 14">
               <a:extLst>
                 <a:ext uri="{FF2B5EF4-FFF2-40B4-BE49-F238E27FC236}">
-                  <a16:creationId xmlns:a16="http://schemas.microsoft.com/office/drawing/2014/main" xmlns="" id="{4B3618A2-8B15-4867-9E8E-B4200276EF37}"/>
+                  <a16:creationId xmlns:a16="http://schemas.microsoft.com/office/drawing/2014/main" id="{4B3618A2-8B15-4867-9E8E-B4200276EF37}"/>
                 </a:ext>
               </a:extLst>
             </p:cNvPr>
@@ -3913,7 +3913,7 @@
             <p:cNvPr id="16" name="Oval 15">
               <a:extLst>
                 <a:ext uri="{FF2B5EF4-FFF2-40B4-BE49-F238E27FC236}">
-                  <a16:creationId xmlns:a16="http://schemas.microsoft.com/office/drawing/2014/main" xmlns="" id="{2DA9BCD9-B90C-42B3-B7F5-A0685BBE0EBE}"/>
+                  <a16:creationId xmlns:a16="http://schemas.microsoft.com/office/drawing/2014/main" id="{2DA9BCD9-B90C-42B3-B7F5-A0685BBE0EBE}"/>
                 </a:ext>
               </a:extLst>
             </p:cNvPr>
@@ -3967,7 +3967,7 @@
             <p:cNvPr id="17" name="Rectangle 16">
               <a:extLst>
                 <a:ext uri="{FF2B5EF4-FFF2-40B4-BE49-F238E27FC236}">
-                  <a16:creationId xmlns:a16="http://schemas.microsoft.com/office/drawing/2014/main" xmlns="" id="{BD56E8A5-511F-4FDD-903A-9764C059A1F0}"/>
+                  <a16:creationId xmlns:a16="http://schemas.microsoft.com/office/drawing/2014/main" id="{BD56E8A5-511F-4FDD-903A-9764C059A1F0}"/>
                 </a:ext>
               </a:extLst>
             </p:cNvPr>
@@ -4058,7 +4058,7 @@
           <p:cNvPr id="4" name="Rectangle 3">
             <a:extLst>
               <a:ext uri="{FF2B5EF4-FFF2-40B4-BE49-F238E27FC236}">
-                <a16:creationId xmlns:a16="http://schemas.microsoft.com/office/drawing/2014/main" xmlns="" id="{B952EAF2-0A12-43B9-9045-FF6DF05D9554}"/>
+                <a16:creationId xmlns:a16="http://schemas.microsoft.com/office/drawing/2014/main" id="{B952EAF2-0A12-43B9-9045-FF6DF05D9554}"/>
               </a:ext>
             </a:extLst>
           </p:cNvPr>
@@ -4113,7 +4113,7 @@
           <p:cNvPr id="6" name="Rectangle 5">
             <a:extLst>
               <a:ext uri="{FF2B5EF4-FFF2-40B4-BE49-F238E27FC236}">
-                <a16:creationId xmlns:a16="http://schemas.microsoft.com/office/drawing/2014/main" xmlns="" id="{BB1785C5-707A-4CE9-BBBE-93504DA2B416}"/>
+                <a16:creationId xmlns:a16="http://schemas.microsoft.com/office/drawing/2014/main" id="{BB1785C5-707A-4CE9-BBBE-93504DA2B416}"/>
               </a:ext>
             </a:extLst>
           </p:cNvPr>
@@ -4165,7 +4165,7 @@
           <p:cNvPr id="8" name="Right Triangle 7">
             <a:extLst>
               <a:ext uri="{FF2B5EF4-FFF2-40B4-BE49-F238E27FC236}">
-                <a16:creationId xmlns:a16="http://schemas.microsoft.com/office/drawing/2014/main" xmlns="" id="{A2D6DE3E-4399-4E4A-B4D0-6B24E5925A58}"/>
+                <a16:creationId xmlns:a16="http://schemas.microsoft.com/office/drawing/2014/main" id="{A2D6DE3E-4399-4E4A-B4D0-6B24E5925A58}"/>
               </a:ext>
             </a:extLst>
           </p:cNvPr>
@@ -4219,7 +4219,7 @@
           <p:cNvPr id="9" name="Right Triangle 8">
             <a:extLst>
               <a:ext uri="{FF2B5EF4-FFF2-40B4-BE49-F238E27FC236}">
-                <a16:creationId xmlns:a16="http://schemas.microsoft.com/office/drawing/2014/main" xmlns="" id="{4492A67D-306C-40E5-A188-25C5B2E8E60E}"/>
+                <a16:creationId xmlns:a16="http://schemas.microsoft.com/office/drawing/2014/main" id="{4492A67D-306C-40E5-A188-25C5B2E8E60E}"/>
               </a:ext>
             </a:extLst>
           </p:cNvPr>
@@ -4271,7 +4271,7 @@
           <p:cNvPr id="10" name="Group 9">
             <a:extLst>
               <a:ext uri="{FF2B5EF4-FFF2-40B4-BE49-F238E27FC236}">
-                <a16:creationId xmlns:a16="http://schemas.microsoft.com/office/drawing/2014/main" xmlns="" id="{7240A447-BF0B-4888-ADEE-D2144CBECB04}"/>
+                <a16:creationId xmlns:a16="http://schemas.microsoft.com/office/drawing/2014/main" id="{7240A447-BF0B-4888-ADEE-D2144CBECB04}"/>
               </a:ext>
             </a:extLst>
           </p:cNvPr>
@@ -4291,7 +4291,7 @@
             <p:cNvPr id="11" name="Oval 10">
               <a:extLst>
                 <a:ext uri="{FF2B5EF4-FFF2-40B4-BE49-F238E27FC236}">
-                  <a16:creationId xmlns:a16="http://schemas.microsoft.com/office/drawing/2014/main" xmlns="" id="{B9E483EF-C8ED-4317-9444-C6D60D009609}"/>
+                  <a16:creationId xmlns:a16="http://schemas.microsoft.com/office/drawing/2014/main" id="{B9E483EF-C8ED-4317-9444-C6D60D009609}"/>
                 </a:ext>
               </a:extLst>
             </p:cNvPr>
@@ -4345,7 +4345,7 @@
             <p:cNvPr id="12" name="Oval 11">
               <a:extLst>
                 <a:ext uri="{FF2B5EF4-FFF2-40B4-BE49-F238E27FC236}">
-                  <a16:creationId xmlns:a16="http://schemas.microsoft.com/office/drawing/2014/main" xmlns="" id="{F5DC7E25-2E03-4DE0-8320-080C922B65CE}"/>
+                  <a16:creationId xmlns:a16="http://schemas.microsoft.com/office/drawing/2014/main" id="{F5DC7E25-2E03-4DE0-8320-080C922B65CE}"/>
                 </a:ext>
               </a:extLst>
             </p:cNvPr>
@@ -4399,7 +4399,7 @@
             <p:cNvPr id="13" name="Rectangle 12">
               <a:extLst>
                 <a:ext uri="{FF2B5EF4-FFF2-40B4-BE49-F238E27FC236}">
-                  <a16:creationId xmlns:a16="http://schemas.microsoft.com/office/drawing/2014/main" xmlns="" id="{DFA46352-C925-404B-9D8C-89CD61D2ADB4}"/>
+                  <a16:creationId xmlns:a16="http://schemas.microsoft.com/office/drawing/2014/main" id="{DFA46352-C925-404B-9D8C-89CD61D2ADB4}"/>
                 </a:ext>
               </a:extLst>
             </p:cNvPr>
@@ -4456,7 +4456,7 @@
             <p:cNvPr id="14" name="Rectangle: Rounded Corners 13">
               <a:extLst>
                 <a:ext uri="{FF2B5EF4-FFF2-40B4-BE49-F238E27FC236}">
-                  <a16:creationId xmlns:a16="http://schemas.microsoft.com/office/drawing/2014/main" xmlns="" id="{2D21F57D-E5CB-4BE7-B1D9-E4F1E8554796}"/>
+                  <a16:creationId xmlns:a16="http://schemas.microsoft.com/office/drawing/2014/main" id="{2D21F57D-E5CB-4BE7-B1D9-E4F1E8554796}"/>
                 </a:ext>
               </a:extLst>
             </p:cNvPr>
@@ -4516,7 +4516,7 @@
           <p:cNvPr id="16" name="Cloud 15">
             <a:extLst>
               <a:ext uri="{FF2B5EF4-FFF2-40B4-BE49-F238E27FC236}">
-                <a16:creationId xmlns:a16="http://schemas.microsoft.com/office/drawing/2014/main" xmlns="" id="{2CE27498-5023-4903-B058-E42EFEAA038E}"/>
+                <a16:creationId xmlns:a16="http://schemas.microsoft.com/office/drawing/2014/main" id="{2CE27498-5023-4903-B058-E42EFEAA038E}"/>
               </a:ext>
             </a:extLst>
           </p:cNvPr>
@@ -4573,7 +4573,7 @@
           <p:cNvPr id="5" name="Rectangle 4">
             <a:extLst>
               <a:ext uri="{FF2B5EF4-FFF2-40B4-BE49-F238E27FC236}">
-                <a16:creationId xmlns:a16="http://schemas.microsoft.com/office/drawing/2014/main" xmlns="" id="{54780F52-5C75-483F-A096-AE5FC390B8FA}"/>
+                <a16:creationId xmlns:a16="http://schemas.microsoft.com/office/drawing/2014/main" id="{54780F52-5C75-483F-A096-AE5FC390B8FA}"/>
               </a:ext>
             </a:extLst>
           </p:cNvPr>
@@ -4659,7 +4659,7 @@
           <p:cNvPr id="21" name="Rectangle 20">
             <a:extLst>
               <a:ext uri="{FF2B5EF4-FFF2-40B4-BE49-F238E27FC236}">
-                <a16:creationId xmlns:a16="http://schemas.microsoft.com/office/drawing/2014/main" xmlns="" id="{BD25B3EC-DB4C-4497-8FF5-572ABA1DC4C4}"/>
+                <a16:creationId xmlns:a16="http://schemas.microsoft.com/office/drawing/2014/main" id="{BD25B3EC-DB4C-4497-8FF5-572ABA1DC4C4}"/>
               </a:ext>
             </a:extLst>
           </p:cNvPr>
@@ -4711,7 +4711,7 @@
           <p:cNvPr id="20" name="Group 19">
             <a:extLst>
               <a:ext uri="{FF2B5EF4-FFF2-40B4-BE49-F238E27FC236}">
-                <a16:creationId xmlns:a16="http://schemas.microsoft.com/office/drawing/2014/main" xmlns="" id="{E9C4BE0C-8811-440A-A293-0B74E20CB15B}"/>
+                <a16:creationId xmlns:a16="http://schemas.microsoft.com/office/drawing/2014/main" id="{E9C4BE0C-8811-440A-A293-0B74E20CB15B}"/>
               </a:ext>
             </a:extLst>
           </p:cNvPr>
@@ -4731,7 +4731,7 @@
             <p:cNvPr id="14" name="Rectangle: Rounded Corners 13">
               <a:extLst>
                 <a:ext uri="{FF2B5EF4-FFF2-40B4-BE49-F238E27FC236}">
-                  <a16:creationId xmlns:a16="http://schemas.microsoft.com/office/drawing/2014/main" xmlns="" id="{F7D747E1-5321-4917-83A5-2C97927CE3D9}"/>
+                  <a16:creationId xmlns:a16="http://schemas.microsoft.com/office/drawing/2014/main" id="{F7D747E1-5321-4917-83A5-2C97927CE3D9}"/>
                 </a:ext>
               </a:extLst>
             </p:cNvPr>
@@ -4790,7 +4790,7 @@
             <p:cNvPr id="19" name="Rectangle: Rounded Corners 18">
               <a:extLst>
                 <a:ext uri="{FF2B5EF4-FFF2-40B4-BE49-F238E27FC236}">
-                  <a16:creationId xmlns:a16="http://schemas.microsoft.com/office/drawing/2014/main" xmlns="" id="{0F5F2F2C-752A-4F44-802C-BBB45CAC38B4}"/>
+                  <a16:creationId xmlns:a16="http://schemas.microsoft.com/office/drawing/2014/main" id="{0F5F2F2C-752A-4F44-802C-BBB45CAC38B4}"/>
                 </a:ext>
               </a:extLst>
             </p:cNvPr>
@@ -4849,7 +4849,7 @@
             <p:cNvPr id="13" name="Rectangle 12">
               <a:extLst>
                 <a:ext uri="{FF2B5EF4-FFF2-40B4-BE49-F238E27FC236}">
-                  <a16:creationId xmlns:a16="http://schemas.microsoft.com/office/drawing/2014/main" xmlns="" id="{F3690F3F-1F02-439A-A3F7-6E4692B1FE3F}"/>
+                  <a16:creationId xmlns:a16="http://schemas.microsoft.com/office/drawing/2014/main" id="{F3690F3F-1F02-439A-A3F7-6E4692B1FE3F}"/>
                 </a:ext>
               </a:extLst>
             </p:cNvPr>
@@ -4906,7 +4906,7 @@
             <p:cNvPr id="11" name="Oval 10">
               <a:extLst>
                 <a:ext uri="{FF2B5EF4-FFF2-40B4-BE49-F238E27FC236}">
-                  <a16:creationId xmlns:a16="http://schemas.microsoft.com/office/drawing/2014/main" xmlns="" id="{A0D0750E-85C8-46C7-A66D-0F4E01652F18}"/>
+                  <a16:creationId xmlns:a16="http://schemas.microsoft.com/office/drawing/2014/main" id="{A0D0750E-85C8-46C7-A66D-0F4E01652F18}"/>
                 </a:ext>
               </a:extLst>
             </p:cNvPr>
@@ -4960,7 +4960,7 @@
             <p:cNvPr id="12" name="Oval 11">
               <a:extLst>
                 <a:ext uri="{FF2B5EF4-FFF2-40B4-BE49-F238E27FC236}">
-                  <a16:creationId xmlns:a16="http://schemas.microsoft.com/office/drawing/2014/main" xmlns="" id="{8026C938-56CA-447F-968E-67A1FE5611D7}"/>
+                  <a16:creationId xmlns:a16="http://schemas.microsoft.com/office/drawing/2014/main" id="{8026C938-56CA-447F-968E-67A1FE5611D7}"/>
                 </a:ext>
               </a:extLst>
             </p:cNvPr>
@@ -5015,7 +5015,7 @@
           <p:cNvPr id="22" name="Cloud 21">
             <a:extLst>
               <a:ext uri="{FF2B5EF4-FFF2-40B4-BE49-F238E27FC236}">
-                <a16:creationId xmlns:a16="http://schemas.microsoft.com/office/drawing/2014/main" xmlns="" id="{7816433F-6710-4BE4-96DD-713A55E9C120}"/>
+                <a16:creationId xmlns:a16="http://schemas.microsoft.com/office/drawing/2014/main" id="{7816433F-6710-4BE4-96DD-713A55E9C120}"/>
               </a:ext>
             </a:extLst>
           </p:cNvPr>
@@ -5102,7 +5102,7 @@
           <p:cNvPr id="21" name="Rectangle 20">
             <a:extLst>
               <a:ext uri="{FF2B5EF4-FFF2-40B4-BE49-F238E27FC236}">
-                <a16:creationId xmlns:a16="http://schemas.microsoft.com/office/drawing/2014/main" xmlns="" id="{BD25B3EC-DB4C-4497-8FF5-572ABA1DC4C4}"/>
+                <a16:creationId xmlns:a16="http://schemas.microsoft.com/office/drawing/2014/main" id="{BD25B3EC-DB4C-4497-8FF5-572ABA1DC4C4}"/>
               </a:ext>
             </a:extLst>
           </p:cNvPr>
@@ -5154,7 +5154,7 @@
           <p:cNvPr id="20" name="Group 19">
             <a:extLst>
               <a:ext uri="{FF2B5EF4-FFF2-40B4-BE49-F238E27FC236}">
-                <a16:creationId xmlns:a16="http://schemas.microsoft.com/office/drawing/2014/main" xmlns="" id="{E9C4BE0C-8811-440A-A293-0B74E20CB15B}"/>
+                <a16:creationId xmlns:a16="http://schemas.microsoft.com/office/drawing/2014/main" id="{E9C4BE0C-8811-440A-A293-0B74E20CB15B}"/>
               </a:ext>
             </a:extLst>
           </p:cNvPr>
@@ -5174,7 +5174,7 @@
             <p:cNvPr id="14" name="Rectangle: Rounded Corners 13">
               <a:extLst>
                 <a:ext uri="{FF2B5EF4-FFF2-40B4-BE49-F238E27FC236}">
-                  <a16:creationId xmlns:a16="http://schemas.microsoft.com/office/drawing/2014/main" xmlns="" id="{F7D747E1-5321-4917-83A5-2C97927CE3D9}"/>
+                  <a16:creationId xmlns:a16="http://schemas.microsoft.com/office/drawing/2014/main" id="{F7D747E1-5321-4917-83A5-2C97927CE3D9}"/>
                 </a:ext>
               </a:extLst>
             </p:cNvPr>
@@ -5233,7 +5233,7 @@
             <p:cNvPr id="19" name="Rectangle: Rounded Corners 18">
               <a:extLst>
                 <a:ext uri="{FF2B5EF4-FFF2-40B4-BE49-F238E27FC236}">
-                  <a16:creationId xmlns:a16="http://schemas.microsoft.com/office/drawing/2014/main" xmlns="" id="{0F5F2F2C-752A-4F44-802C-BBB45CAC38B4}"/>
+                  <a16:creationId xmlns:a16="http://schemas.microsoft.com/office/drawing/2014/main" id="{0F5F2F2C-752A-4F44-802C-BBB45CAC38B4}"/>
                 </a:ext>
               </a:extLst>
             </p:cNvPr>
@@ -5292,7 +5292,7 @@
             <p:cNvPr id="13" name="Rectangle 12">
               <a:extLst>
                 <a:ext uri="{FF2B5EF4-FFF2-40B4-BE49-F238E27FC236}">
-                  <a16:creationId xmlns:a16="http://schemas.microsoft.com/office/drawing/2014/main" xmlns="" id="{F3690F3F-1F02-439A-A3F7-6E4692B1FE3F}"/>
+                  <a16:creationId xmlns:a16="http://schemas.microsoft.com/office/drawing/2014/main" id="{F3690F3F-1F02-439A-A3F7-6E4692B1FE3F}"/>
                 </a:ext>
               </a:extLst>
             </p:cNvPr>
@@ -5349,7 +5349,7 @@
             <p:cNvPr id="11" name="Oval 10">
               <a:extLst>
                 <a:ext uri="{FF2B5EF4-FFF2-40B4-BE49-F238E27FC236}">
-                  <a16:creationId xmlns:a16="http://schemas.microsoft.com/office/drawing/2014/main" xmlns="" id="{A0D0750E-85C8-46C7-A66D-0F4E01652F18}"/>
+                  <a16:creationId xmlns:a16="http://schemas.microsoft.com/office/drawing/2014/main" id="{A0D0750E-85C8-46C7-A66D-0F4E01652F18}"/>
                 </a:ext>
               </a:extLst>
             </p:cNvPr>
@@ -5403,7 +5403,7 @@
             <p:cNvPr id="12" name="Oval 11">
               <a:extLst>
                 <a:ext uri="{FF2B5EF4-FFF2-40B4-BE49-F238E27FC236}">
-                  <a16:creationId xmlns:a16="http://schemas.microsoft.com/office/drawing/2014/main" xmlns="" id="{8026C938-56CA-447F-968E-67A1FE5611D7}"/>
+                  <a16:creationId xmlns:a16="http://schemas.microsoft.com/office/drawing/2014/main" id="{8026C938-56CA-447F-968E-67A1FE5611D7}"/>
                 </a:ext>
               </a:extLst>
             </p:cNvPr>
@@ -5458,7 +5458,7 @@
           <p:cNvPr id="22" name="Cloud 21">
             <a:extLst>
               <a:ext uri="{FF2B5EF4-FFF2-40B4-BE49-F238E27FC236}">
-                <a16:creationId xmlns:a16="http://schemas.microsoft.com/office/drawing/2014/main" xmlns="" id="{7816433F-6710-4BE4-96DD-713A55E9C120}"/>
+                <a16:creationId xmlns:a16="http://schemas.microsoft.com/office/drawing/2014/main" id="{7816433F-6710-4BE4-96DD-713A55E9C120}"/>
               </a:ext>
             </a:extLst>
           </p:cNvPr>
@@ -5515,7 +5515,7 @@
           <p:cNvPr id="18" name="Rectangle 17">
             <a:extLst>
               <a:ext uri="{FF2B5EF4-FFF2-40B4-BE49-F238E27FC236}">
-                <a16:creationId xmlns:a16="http://schemas.microsoft.com/office/drawing/2014/main" xmlns="" id="{1691F04F-5542-4138-AE32-C7ABDADEDD48}"/>
+                <a16:creationId xmlns:a16="http://schemas.microsoft.com/office/drawing/2014/main" id="{1691F04F-5542-4138-AE32-C7ABDADEDD48}"/>
               </a:ext>
             </a:extLst>
           </p:cNvPr>
@@ -5569,7 +5569,7 @@
           <p:cNvPr id="23" name="Oval 22">
             <a:extLst>
               <a:ext uri="{FF2B5EF4-FFF2-40B4-BE49-F238E27FC236}">
-                <a16:creationId xmlns:a16="http://schemas.microsoft.com/office/drawing/2014/main" xmlns="" id="{68F7C2D4-7A61-481E-95A2-C3E0FF07CEB2}"/>
+                <a16:creationId xmlns:a16="http://schemas.microsoft.com/office/drawing/2014/main" id="{68F7C2D4-7A61-481E-95A2-C3E0FF07CEB2}"/>
               </a:ext>
             </a:extLst>
           </p:cNvPr>
@@ -5623,7 +5623,7 @@
           <p:cNvPr id="24" name="Oval 23">
             <a:extLst>
               <a:ext uri="{FF2B5EF4-FFF2-40B4-BE49-F238E27FC236}">
-                <a16:creationId xmlns:a16="http://schemas.microsoft.com/office/drawing/2014/main" xmlns="" id="{39986F21-83F4-47B4-A190-C21573817676}"/>
+                <a16:creationId xmlns:a16="http://schemas.microsoft.com/office/drawing/2014/main" id="{39986F21-83F4-47B4-A190-C21573817676}"/>
               </a:ext>
             </a:extLst>
           </p:cNvPr>
@@ -5677,7 +5677,7 @@
           <p:cNvPr id="25" name="Oval 24">
             <a:extLst>
               <a:ext uri="{FF2B5EF4-FFF2-40B4-BE49-F238E27FC236}">
-                <a16:creationId xmlns:a16="http://schemas.microsoft.com/office/drawing/2014/main" xmlns="" id="{304F4A48-1083-4DC0-BBEA-AD2CB3155009}"/>
+                <a16:creationId xmlns:a16="http://schemas.microsoft.com/office/drawing/2014/main" id="{304F4A48-1083-4DC0-BBEA-AD2CB3155009}"/>
               </a:ext>
             </a:extLst>
           </p:cNvPr>
@@ -5761,7 +5761,7 @@
           <p:cNvPr id="21" name="Rectangle 20">
             <a:extLst>
               <a:ext uri="{FF2B5EF4-FFF2-40B4-BE49-F238E27FC236}">
-                <a16:creationId xmlns:a16="http://schemas.microsoft.com/office/drawing/2014/main" xmlns="" id="{BD25B3EC-DB4C-4497-8FF5-572ABA1DC4C4}"/>
+                <a16:creationId xmlns:a16="http://schemas.microsoft.com/office/drawing/2014/main" id="{BD25B3EC-DB4C-4497-8FF5-572ABA1DC4C4}"/>
               </a:ext>
             </a:extLst>
           </p:cNvPr>
@@ -5813,7 +5813,7 @@
           <p:cNvPr id="20" name="Group 19">
             <a:extLst>
               <a:ext uri="{FF2B5EF4-FFF2-40B4-BE49-F238E27FC236}">
-                <a16:creationId xmlns:a16="http://schemas.microsoft.com/office/drawing/2014/main" xmlns="" id="{E9C4BE0C-8811-440A-A293-0B74E20CB15B}"/>
+                <a16:creationId xmlns:a16="http://schemas.microsoft.com/office/drawing/2014/main" id="{E9C4BE0C-8811-440A-A293-0B74E20CB15B}"/>
               </a:ext>
             </a:extLst>
           </p:cNvPr>
@@ -5833,7 +5833,7 @@
             <p:cNvPr id="14" name="Rectangle: Rounded Corners 13">
               <a:extLst>
                 <a:ext uri="{FF2B5EF4-FFF2-40B4-BE49-F238E27FC236}">
-                  <a16:creationId xmlns:a16="http://schemas.microsoft.com/office/drawing/2014/main" xmlns="" id="{F7D747E1-5321-4917-83A5-2C97927CE3D9}"/>
+                  <a16:creationId xmlns:a16="http://schemas.microsoft.com/office/drawing/2014/main" id="{F7D747E1-5321-4917-83A5-2C97927CE3D9}"/>
                 </a:ext>
               </a:extLst>
             </p:cNvPr>
@@ -5892,7 +5892,7 @@
             <p:cNvPr id="19" name="Rectangle: Rounded Corners 18">
               <a:extLst>
                 <a:ext uri="{FF2B5EF4-FFF2-40B4-BE49-F238E27FC236}">
-                  <a16:creationId xmlns:a16="http://schemas.microsoft.com/office/drawing/2014/main" xmlns="" id="{0F5F2F2C-752A-4F44-802C-BBB45CAC38B4}"/>
+                  <a16:creationId xmlns:a16="http://schemas.microsoft.com/office/drawing/2014/main" id="{0F5F2F2C-752A-4F44-802C-BBB45CAC38B4}"/>
                 </a:ext>
               </a:extLst>
             </p:cNvPr>
@@ -5951,7 +5951,7 @@
             <p:cNvPr id="13" name="Rectangle 12">
               <a:extLst>
                 <a:ext uri="{FF2B5EF4-FFF2-40B4-BE49-F238E27FC236}">
-                  <a16:creationId xmlns:a16="http://schemas.microsoft.com/office/drawing/2014/main" xmlns="" id="{F3690F3F-1F02-439A-A3F7-6E4692B1FE3F}"/>
+                  <a16:creationId xmlns:a16="http://schemas.microsoft.com/office/drawing/2014/main" id="{F3690F3F-1F02-439A-A3F7-6E4692B1FE3F}"/>
                 </a:ext>
               </a:extLst>
             </p:cNvPr>
@@ -6008,7 +6008,7 @@
             <p:cNvPr id="11" name="Oval 10">
               <a:extLst>
                 <a:ext uri="{FF2B5EF4-FFF2-40B4-BE49-F238E27FC236}">
-                  <a16:creationId xmlns:a16="http://schemas.microsoft.com/office/drawing/2014/main" xmlns="" id="{A0D0750E-85C8-46C7-A66D-0F4E01652F18}"/>
+                  <a16:creationId xmlns:a16="http://schemas.microsoft.com/office/drawing/2014/main" id="{A0D0750E-85C8-46C7-A66D-0F4E01652F18}"/>
                 </a:ext>
               </a:extLst>
             </p:cNvPr>
@@ -6062,7 +6062,7 @@
             <p:cNvPr id="12" name="Oval 11">
               <a:extLst>
                 <a:ext uri="{FF2B5EF4-FFF2-40B4-BE49-F238E27FC236}">
-                  <a16:creationId xmlns:a16="http://schemas.microsoft.com/office/drawing/2014/main" xmlns="" id="{8026C938-56CA-447F-968E-67A1FE5611D7}"/>
+                  <a16:creationId xmlns:a16="http://schemas.microsoft.com/office/drawing/2014/main" id="{8026C938-56CA-447F-968E-67A1FE5611D7}"/>
                 </a:ext>
               </a:extLst>
             </p:cNvPr>
@@ -6117,7 +6117,7 @@
           <p:cNvPr id="22" name="Cloud 21">
             <a:extLst>
               <a:ext uri="{FF2B5EF4-FFF2-40B4-BE49-F238E27FC236}">
-                <a16:creationId xmlns:a16="http://schemas.microsoft.com/office/drawing/2014/main" xmlns="" id="{7816433F-6710-4BE4-96DD-713A55E9C120}"/>
+                <a16:creationId xmlns:a16="http://schemas.microsoft.com/office/drawing/2014/main" id="{7816433F-6710-4BE4-96DD-713A55E9C120}"/>
               </a:ext>
             </a:extLst>
           </p:cNvPr>
@@ -6174,7 +6174,7 @@
           <p:cNvPr id="18" name="Rectangle 17">
             <a:extLst>
               <a:ext uri="{FF2B5EF4-FFF2-40B4-BE49-F238E27FC236}">
-                <a16:creationId xmlns:a16="http://schemas.microsoft.com/office/drawing/2014/main" xmlns="" id="{1691F04F-5542-4138-AE32-C7ABDADEDD48}"/>
+                <a16:creationId xmlns:a16="http://schemas.microsoft.com/office/drawing/2014/main" id="{1691F04F-5542-4138-AE32-C7ABDADEDD48}"/>
               </a:ext>
             </a:extLst>
           </p:cNvPr>
@@ -6228,7 +6228,7 @@
           <p:cNvPr id="24" name="Oval 23">
             <a:extLst>
               <a:ext uri="{FF2B5EF4-FFF2-40B4-BE49-F238E27FC236}">
-                <a16:creationId xmlns:a16="http://schemas.microsoft.com/office/drawing/2014/main" xmlns="" id="{39986F21-83F4-47B4-A190-C21573817676}"/>
+                <a16:creationId xmlns:a16="http://schemas.microsoft.com/office/drawing/2014/main" id="{39986F21-83F4-47B4-A190-C21573817676}"/>
               </a:ext>
             </a:extLst>
           </p:cNvPr>
@@ -6282,7 +6282,7 @@
           <p:cNvPr id="3" name="Straight Connector 2">
             <a:extLst>
               <a:ext uri="{FF2B5EF4-FFF2-40B4-BE49-F238E27FC236}">
-                <a16:creationId xmlns:a16="http://schemas.microsoft.com/office/drawing/2014/main" xmlns="" id="{D4FE5C44-DB15-43D7-861A-9E8E750611FA}"/>
+                <a16:creationId xmlns:a16="http://schemas.microsoft.com/office/drawing/2014/main" id="{D4FE5C44-DB15-43D7-861A-9E8E750611FA}"/>
               </a:ext>
             </a:extLst>
           </p:cNvPr>
@@ -6325,7 +6325,7 @@
           <p:cNvPr id="23" name="Oval 22">
             <a:extLst>
               <a:ext uri="{FF2B5EF4-FFF2-40B4-BE49-F238E27FC236}">
-                <a16:creationId xmlns:a16="http://schemas.microsoft.com/office/drawing/2014/main" xmlns="" id="{68F7C2D4-7A61-481E-95A2-C3E0FF07CEB2}"/>
+                <a16:creationId xmlns:a16="http://schemas.microsoft.com/office/drawing/2014/main" id="{68F7C2D4-7A61-481E-95A2-C3E0FF07CEB2}"/>
               </a:ext>
             </a:extLst>
           </p:cNvPr>
@@ -6379,7 +6379,7 @@
           <p:cNvPr id="25" name="Oval 24">
             <a:extLst>
               <a:ext uri="{FF2B5EF4-FFF2-40B4-BE49-F238E27FC236}">
-                <a16:creationId xmlns:a16="http://schemas.microsoft.com/office/drawing/2014/main" xmlns="" id="{304F4A48-1083-4DC0-BBEA-AD2CB3155009}"/>
+                <a16:creationId xmlns:a16="http://schemas.microsoft.com/office/drawing/2014/main" id="{304F4A48-1083-4DC0-BBEA-AD2CB3155009}"/>
               </a:ext>
             </a:extLst>
           </p:cNvPr>
@@ -6433,7 +6433,7 @@
           <p:cNvPr id="5" name="Straight Connector 4">
             <a:extLst>
               <a:ext uri="{FF2B5EF4-FFF2-40B4-BE49-F238E27FC236}">
-                <a16:creationId xmlns:a16="http://schemas.microsoft.com/office/drawing/2014/main" xmlns="" id="{86723112-7FE1-441F-9F8A-F889DE6EF386}"/>
+                <a16:creationId xmlns:a16="http://schemas.microsoft.com/office/drawing/2014/main" id="{86723112-7FE1-441F-9F8A-F889DE6EF386}"/>
               </a:ext>
             </a:extLst>
           </p:cNvPr>
@@ -6476,7 +6476,7 @@
           <p:cNvPr id="8" name="Arrow: Right 7">
             <a:extLst>
               <a:ext uri="{FF2B5EF4-FFF2-40B4-BE49-F238E27FC236}">
-                <a16:creationId xmlns:a16="http://schemas.microsoft.com/office/drawing/2014/main" xmlns="" id="{902D70E0-C0D5-495D-81FF-8718930F7553}"/>
+                <a16:creationId xmlns:a16="http://schemas.microsoft.com/office/drawing/2014/main" id="{902D70E0-C0D5-495D-81FF-8718930F7553}"/>
               </a:ext>
             </a:extLst>
           </p:cNvPr>
@@ -6561,7 +6561,7 @@
           <p:cNvPr id="21" name="Rectangle 20">
             <a:extLst>
               <a:ext uri="{FF2B5EF4-FFF2-40B4-BE49-F238E27FC236}">
-                <a16:creationId xmlns:a16="http://schemas.microsoft.com/office/drawing/2014/main" xmlns="" id="{BD25B3EC-DB4C-4497-8FF5-572ABA1DC4C4}"/>
+                <a16:creationId xmlns:a16="http://schemas.microsoft.com/office/drawing/2014/main" id="{BD25B3EC-DB4C-4497-8FF5-572ABA1DC4C4}"/>
               </a:ext>
             </a:extLst>
           </p:cNvPr>
@@ -6613,7 +6613,7 @@
           <p:cNvPr id="22" name="Cloud 21">
             <a:extLst>
               <a:ext uri="{FF2B5EF4-FFF2-40B4-BE49-F238E27FC236}">
-                <a16:creationId xmlns:a16="http://schemas.microsoft.com/office/drawing/2014/main" xmlns="" id="{7816433F-6710-4BE4-96DD-713A55E9C120}"/>
+                <a16:creationId xmlns:a16="http://schemas.microsoft.com/office/drawing/2014/main" id="{7816433F-6710-4BE4-96DD-713A55E9C120}"/>
               </a:ext>
             </a:extLst>
           </p:cNvPr>
@@ -6670,7 +6670,7 @@
           <p:cNvPr id="36" name="Group 35">
             <a:extLst>
               <a:ext uri="{FF2B5EF4-FFF2-40B4-BE49-F238E27FC236}">
-                <a16:creationId xmlns:a16="http://schemas.microsoft.com/office/drawing/2014/main" xmlns="" id="{9D3C3581-799D-41C4-8A7E-3B1F29D7F724}"/>
+                <a16:creationId xmlns:a16="http://schemas.microsoft.com/office/drawing/2014/main" id="{9D3C3581-799D-41C4-8A7E-3B1F29D7F724}"/>
               </a:ext>
             </a:extLst>
           </p:cNvPr>
@@ -6690,7 +6690,7 @@
             <p:cNvPr id="40" name="Rectangle: Rounded Corners 39">
               <a:extLst>
                 <a:ext uri="{FF2B5EF4-FFF2-40B4-BE49-F238E27FC236}">
-                  <a16:creationId xmlns:a16="http://schemas.microsoft.com/office/drawing/2014/main" xmlns="" id="{342ABA70-F860-492B-BFBC-F4814929B690}"/>
+                  <a16:creationId xmlns:a16="http://schemas.microsoft.com/office/drawing/2014/main" id="{342ABA70-F860-492B-BFBC-F4814929B690}"/>
                 </a:ext>
               </a:extLst>
             </p:cNvPr>
@@ -6749,7 +6749,7 @@
             <p:cNvPr id="41" name="Rectangle: Rounded Corners 40">
               <a:extLst>
                 <a:ext uri="{FF2B5EF4-FFF2-40B4-BE49-F238E27FC236}">
-                  <a16:creationId xmlns:a16="http://schemas.microsoft.com/office/drawing/2014/main" xmlns="" id="{7C3DC209-DCFF-49CD-B4CD-A701A6076BC1}"/>
+                  <a16:creationId xmlns:a16="http://schemas.microsoft.com/office/drawing/2014/main" id="{7C3DC209-DCFF-49CD-B4CD-A701A6076BC1}"/>
                 </a:ext>
               </a:extLst>
             </p:cNvPr>
@@ -6808,7 +6808,7 @@
             <p:cNvPr id="42" name="Rectangle 41">
               <a:extLst>
                 <a:ext uri="{FF2B5EF4-FFF2-40B4-BE49-F238E27FC236}">
-                  <a16:creationId xmlns:a16="http://schemas.microsoft.com/office/drawing/2014/main" xmlns="" id="{0D2D6DD8-D866-4F3D-967E-38D0B5925AD4}"/>
+                  <a16:creationId xmlns:a16="http://schemas.microsoft.com/office/drawing/2014/main" id="{0D2D6DD8-D866-4F3D-967E-38D0B5925AD4}"/>
                 </a:ext>
               </a:extLst>
             </p:cNvPr>
@@ -6865,7 +6865,7 @@
             <p:cNvPr id="43" name="Oval 42">
               <a:extLst>
                 <a:ext uri="{FF2B5EF4-FFF2-40B4-BE49-F238E27FC236}">
-                  <a16:creationId xmlns:a16="http://schemas.microsoft.com/office/drawing/2014/main" xmlns="" id="{68D34BEC-9182-437E-9BA8-AD7FFA4B19EB}"/>
+                  <a16:creationId xmlns:a16="http://schemas.microsoft.com/office/drawing/2014/main" id="{68D34BEC-9182-437E-9BA8-AD7FFA4B19EB}"/>
                 </a:ext>
               </a:extLst>
             </p:cNvPr>
@@ -6919,7 +6919,7 @@
             <p:cNvPr id="44" name="Oval 43">
               <a:extLst>
                 <a:ext uri="{FF2B5EF4-FFF2-40B4-BE49-F238E27FC236}">
-                  <a16:creationId xmlns:a16="http://schemas.microsoft.com/office/drawing/2014/main" xmlns="" id="{BFE920F1-16B1-473C-990F-979542E37EF6}"/>
+                  <a16:creationId xmlns:a16="http://schemas.microsoft.com/office/drawing/2014/main" id="{BFE920F1-16B1-473C-990F-979542E37EF6}"/>
                 </a:ext>
               </a:extLst>
             </p:cNvPr>
@@ -6974,7 +6974,7 @@
           <p:cNvPr id="18" name="Rectangle 17">
             <a:extLst>
               <a:ext uri="{FF2B5EF4-FFF2-40B4-BE49-F238E27FC236}">
-                <a16:creationId xmlns:a16="http://schemas.microsoft.com/office/drawing/2014/main" xmlns="" id="{1691F04F-5542-4138-AE32-C7ABDADEDD48}"/>
+                <a16:creationId xmlns:a16="http://schemas.microsoft.com/office/drawing/2014/main" id="{1691F04F-5542-4138-AE32-C7ABDADEDD48}"/>
               </a:ext>
             </a:extLst>
           </p:cNvPr>
@@ -7028,7 +7028,7 @@
           <p:cNvPr id="3" name="Straight Connector 2">
             <a:extLst>
               <a:ext uri="{FF2B5EF4-FFF2-40B4-BE49-F238E27FC236}">
-                <a16:creationId xmlns:a16="http://schemas.microsoft.com/office/drawing/2014/main" xmlns="" id="{D4FE5C44-DB15-43D7-861A-9E8E750611FA}"/>
+                <a16:creationId xmlns:a16="http://schemas.microsoft.com/office/drawing/2014/main" id="{D4FE5C44-DB15-43D7-861A-9E8E750611FA}"/>
               </a:ext>
             </a:extLst>
           </p:cNvPr>
@@ -7071,7 +7071,7 @@
           <p:cNvPr id="23" name="Oval 22">
             <a:extLst>
               <a:ext uri="{FF2B5EF4-FFF2-40B4-BE49-F238E27FC236}">
-                <a16:creationId xmlns:a16="http://schemas.microsoft.com/office/drawing/2014/main" xmlns="" id="{68F7C2D4-7A61-481E-95A2-C3E0FF07CEB2}"/>
+                <a16:creationId xmlns:a16="http://schemas.microsoft.com/office/drawing/2014/main" id="{68F7C2D4-7A61-481E-95A2-C3E0FF07CEB2}"/>
               </a:ext>
             </a:extLst>
           </p:cNvPr>
@@ -7125,7 +7125,7 @@
           <p:cNvPr id="37" name="Oval 36">
             <a:extLst>
               <a:ext uri="{FF2B5EF4-FFF2-40B4-BE49-F238E27FC236}">
-                <a16:creationId xmlns:a16="http://schemas.microsoft.com/office/drawing/2014/main" xmlns="" id="{9370E720-6E28-4D6C-BB02-7682277CAE3D}"/>
+                <a16:creationId xmlns:a16="http://schemas.microsoft.com/office/drawing/2014/main" id="{9370E720-6E28-4D6C-BB02-7682277CAE3D}"/>
               </a:ext>
             </a:extLst>
           </p:cNvPr>
@@ -7179,7 +7179,7 @@
           <p:cNvPr id="38" name="Oval 37">
             <a:extLst>
               <a:ext uri="{FF2B5EF4-FFF2-40B4-BE49-F238E27FC236}">
-                <a16:creationId xmlns:a16="http://schemas.microsoft.com/office/drawing/2014/main" xmlns="" id="{E1568EDB-529F-481E-9BD9-1A4190F5A051}"/>
+                <a16:creationId xmlns:a16="http://schemas.microsoft.com/office/drawing/2014/main" id="{E1568EDB-529F-481E-9BD9-1A4190F5A051}"/>
               </a:ext>
             </a:extLst>
           </p:cNvPr>
@@ -7263,7 +7263,7 @@
           <p:cNvPr id="21" name="Rectangle 20">
             <a:extLst>
               <a:ext uri="{FF2B5EF4-FFF2-40B4-BE49-F238E27FC236}">
-                <a16:creationId xmlns:a16="http://schemas.microsoft.com/office/drawing/2014/main" xmlns="" id="{BD25B3EC-DB4C-4497-8FF5-572ABA1DC4C4}"/>
+                <a16:creationId xmlns:a16="http://schemas.microsoft.com/office/drawing/2014/main" id="{BD25B3EC-DB4C-4497-8FF5-572ABA1DC4C4}"/>
               </a:ext>
             </a:extLst>
           </p:cNvPr>
@@ -7315,7 +7315,7 @@
           <p:cNvPr id="26" name="Straight Connector 25">
             <a:extLst>
               <a:ext uri="{FF2B5EF4-FFF2-40B4-BE49-F238E27FC236}">
-                <a16:creationId xmlns:a16="http://schemas.microsoft.com/office/drawing/2014/main" xmlns="" id="{8F6E0289-E345-4A0E-9753-7FC8FE3E078D}"/>
+                <a16:creationId xmlns:a16="http://schemas.microsoft.com/office/drawing/2014/main" id="{8F6E0289-E345-4A0E-9753-7FC8FE3E078D}"/>
               </a:ext>
             </a:extLst>
           </p:cNvPr>
@@ -7360,7 +7360,7 @@
           <p:cNvPr id="27" name="Straight Connector 26">
             <a:extLst>
               <a:ext uri="{FF2B5EF4-FFF2-40B4-BE49-F238E27FC236}">
-                <a16:creationId xmlns:a16="http://schemas.microsoft.com/office/drawing/2014/main" xmlns="" id="{0F420222-C32D-4282-B4C1-8EE001FE4EB1}"/>
+                <a16:creationId xmlns:a16="http://schemas.microsoft.com/office/drawing/2014/main" id="{0F420222-C32D-4282-B4C1-8EE001FE4EB1}"/>
               </a:ext>
             </a:extLst>
           </p:cNvPr>
@@ -7405,7 +7405,7 @@
           <p:cNvPr id="22" name="Cloud 21">
             <a:extLst>
               <a:ext uri="{FF2B5EF4-FFF2-40B4-BE49-F238E27FC236}">
-                <a16:creationId xmlns:a16="http://schemas.microsoft.com/office/drawing/2014/main" xmlns="" id="{7816433F-6710-4BE4-96DD-713A55E9C120}"/>
+                <a16:creationId xmlns:a16="http://schemas.microsoft.com/office/drawing/2014/main" id="{7816433F-6710-4BE4-96DD-713A55E9C120}"/>
               </a:ext>
             </a:extLst>
           </p:cNvPr>
@@ -7462,7 +7462,7 @@
           <p:cNvPr id="36" name="Group 35">
             <a:extLst>
               <a:ext uri="{FF2B5EF4-FFF2-40B4-BE49-F238E27FC236}">
-                <a16:creationId xmlns:a16="http://schemas.microsoft.com/office/drawing/2014/main" xmlns="" id="{9D3C3581-799D-41C4-8A7E-3B1F29D7F724}"/>
+                <a16:creationId xmlns:a16="http://schemas.microsoft.com/office/drawing/2014/main" id="{9D3C3581-799D-41C4-8A7E-3B1F29D7F724}"/>
               </a:ext>
             </a:extLst>
           </p:cNvPr>
@@ -7487,7 +7487,7 @@
             <p:cNvPr id="40" name="Rectangle: Rounded Corners 39">
               <a:extLst>
                 <a:ext uri="{FF2B5EF4-FFF2-40B4-BE49-F238E27FC236}">
-                  <a16:creationId xmlns:a16="http://schemas.microsoft.com/office/drawing/2014/main" xmlns="" id="{342ABA70-F860-492B-BFBC-F4814929B690}"/>
+                  <a16:creationId xmlns:a16="http://schemas.microsoft.com/office/drawing/2014/main" id="{342ABA70-F860-492B-BFBC-F4814929B690}"/>
                 </a:ext>
               </a:extLst>
             </p:cNvPr>
@@ -7541,7 +7541,7 @@
             <p:cNvPr id="41" name="Rectangle: Rounded Corners 40">
               <a:extLst>
                 <a:ext uri="{FF2B5EF4-FFF2-40B4-BE49-F238E27FC236}">
-                  <a16:creationId xmlns:a16="http://schemas.microsoft.com/office/drawing/2014/main" xmlns="" id="{7C3DC209-DCFF-49CD-B4CD-A701A6076BC1}"/>
+                  <a16:creationId xmlns:a16="http://schemas.microsoft.com/office/drawing/2014/main" id="{7C3DC209-DCFF-49CD-B4CD-A701A6076BC1}"/>
                 </a:ext>
               </a:extLst>
             </p:cNvPr>
@@ -7595,7 +7595,7 @@
             <p:cNvPr id="42" name="Rectangle 41">
               <a:extLst>
                 <a:ext uri="{FF2B5EF4-FFF2-40B4-BE49-F238E27FC236}">
-                  <a16:creationId xmlns:a16="http://schemas.microsoft.com/office/drawing/2014/main" xmlns="" id="{0D2D6DD8-D866-4F3D-967E-38D0B5925AD4}"/>
+                  <a16:creationId xmlns:a16="http://schemas.microsoft.com/office/drawing/2014/main" id="{0D2D6DD8-D866-4F3D-967E-38D0B5925AD4}"/>
                 </a:ext>
               </a:extLst>
             </p:cNvPr>
@@ -7647,7 +7647,7 @@
             <p:cNvPr id="43" name="Oval 42">
               <a:extLst>
                 <a:ext uri="{FF2B5EF4-FFF2-40B4-BE49-F238E27FC236}">
-                  <a16:creationId xmlns:a16="http://schemas.microsoft.com/office/drawing/2014/main" xmlns="" id="{68D34BEC-9182-437E-9BA8-AD7FFA4B19EB}"/>
+                  <a16:creationId xmlns:a16="http://schemas.microsoft.com/office/drawing/2014/main" id="{68D34BEC-9182-437E-9BA8-AD7FFA4B19EB}"/>
                 </a:ext>
               </a:extLst>
             </p:cNvPr>
@@ -7699,7 +7699,7 @@
             <p:cNvPr id="44" name="Oval 43">
               <a:extLst>
                 <a:ext uri="{FF2B5EF4-FFF2-40B4-BE49-F238E27FC236}">
-                  <a16:creationId xmlns:a16="http://schemas.microsoft.com/office/drawing/2014/main" xmlns="" id="{BFE920F1-16B1-473C-990F-979542E37EF6}"/>
+                  <a16:creationId xmlns:a16="http://schemas.microsoft.com/office/drawing/2014/main" id="{BFE920F1-16B1-473C-990F-979542E37EF6}"/>
                 </a:ext>
               </a:extLst>
             </p:cNvPr>
@@ -7752,7 +7752,7 @@
           <p:cNvPr id="15" name="Group 14">
             <a:extLst>
               <a:ext uri="{FF2B5EF4-FFF2-40B4-BE49-F238E27FC236}">
-                <a16:creationId xmlns:a16="http://schemas.microsoft.com/office/drawing/2014/main" xmlns="" id="{0EB7F6F5-EE0C-4A6A-91A8-4227CAAA66AD}"/>
+                <a16:creationId xmlns:a16="http://schemas.microsoft.com/office/drawing/2014/main" id="{0EB7F6F5-EE0C-4A6A-91A8-4227CAAA66AD}"/>
               </a:ext>
             </a:extLst>
           </p:cNvPr>
@@ -7772,7 +7772,7 @@
             <p:cNvPr id="16" name="Rectangle: Rounded Corners 15">
               <a:extLst>
                 <a:ext uri="{FF2B5EF4-FFF2-40B4-BE49-F238E27FC236}">
-                  <a16:creationId xmlns:a16="http://schemas.microsoft.com/office/drawing/2014/main" xmlns="" id="{4910E712-7CCC-4036-BB7D-5C63E9E5FDAB}"/>
+                  <a16:creationId xmlns:a16="http://schemas.microsoft.com/office/drawing/2014/main" id="{4910E712-7CCC-4036-BB7D-5C63E9E5FDAB}"/>
                 </a:ext>
               </a:extLst>
             </p:cNvPr>
@@ -7831,7 +7831,7 @@
             <p:cNvPr id="17" name="Rectangle: Rounded Corners 16">
               <a:extLst>
                 <a:ext uri="{FF2B5EF4-FFF2-40B4-BE49-F238E27FC236}">
-                  <a16:creationId xmlns:a16="http://schemas.microsoft.com/office/drawing/2014/main" xmlns="" id="{203D6D70-B921-4172-8BB5-E3E2F3045288}"/>
+                  <a16:creationId xmlns:a16="http://schemas.microsoft.com/office/drawing/2014/main" id="{203D6D70-B921-4172-8BB5-E3E2F3045288}"/>
                 </a:ext>
               </a:extLst>
             </p:cNvPr>
@@ -7890,7 +7890,7 @@
             <p:cNvPr id="19" name="Rectangle 18">
               <a:extLst>
                 <a:ext uri="{FF2B5EF4-FFF2-40B4-BE49-F238E27FC236}">
-                  <a16:creationId xmlns:a16="http://schemas.microsoft.com/office/drawing/2014/main" xmlns="" id="{8F9E3AED-DA06-41E3-B4CB-F98B313D387C}"/>
+                  <a16:creationId xmlns:a16="http://schemas.microsoft.com/office/drawing/2014/main" id="{8F9E3AED-DA06-41E3-B4CB-F98B313D387C}"/>
                 </a:ext>
               </a:extLst>
             </p:cNvPr>
@@ -7947,7 +7947,7 @@
             <p:cNvPr id="20" name="Oval 19">
               <a:extLst>
                 <a:ext uri="{FF2B5EF4-FFF2-40B4-BE49-F238E27FC236}">
-                  <a16:creationId xmlns:a16="http://schemas.microsoft.com/office/drawing/2014/main" xmlns="" id="{AE61BD7C-6DB3-4503-ACFA-F76BE066663D}"/>
+                  <a16:creationId xmlns:a16="http://schemas.microsoft.com/office/drawing/2014/main" id="{AE61BD7C-6DB3-4503-ACFA-F76BE066663D}"/>
                 </a:ext>
               </a:extLst>
             </p:cNvPr>
@@ -8001,7 +8001,7 @@
             <p:cNvPr id="24" name="Oval 23">
               <a:extLst>
                 <a:ext uri="{FF2B5EF4-FFF2-40B4-BE49-F238E27FC236}">
-                  <a16:creationId xmlns:a16="http://schemas.microsoft.com/office/drawing/2014/main" xmlns="" id="{077293C1-F0DE-421A-9D7C-E6AFAB90A861}"/>
+                  <a16:creationId xmlns:a16="http://schemas.microsoft.com/office/drawing/2014/main" id="{077293C1-F0DE-421A-9D7C-E6AFAB90A861}"/>
                 </a:ext>
               </a:extLst>
             </p:cNvPr>
@@ -8083,14 +8083,121 @@
       </p:grpSpPr>
       <p:sp>
         <p:nvSpPr>
+          <p:cNvPr id="50" name="Rectangle 49">
+            <a:extLst>
+              <a:ext uri="{FF2B5EF4-FFF2-40B4-BE49-F238E27FC236}">
+                <a16:creationId xmlns:a16="http://schemas.microsoft.com/office/drawing/2014/main" id="{FF8ECF35-CF58-43D8-A03A-5FE8544A266B}"/>
+              </a:ext>
+            </a:extLst>
+          </p:cNvPr>
+          <p:cNvSpPr/>
+          <p:nvPr/>
+        </p:nvSpPr>
+        <p:spPr>
+          <a:xfrm>
+            <a:off x="7447005" y="2539513"/>
+            <a:ext cx="3288835" cy="1796901"/>
+          </a:xfrm>
+          <a:prstGeom prst="rect">
+            <a:avLst/>
+          </a:prstGeom>
+          <a:solidFill>
+            <a:schemeClr val="accent2">
+              <a:lumMod val="40000"/>
+              <a:lumOff val="60000"/>
+            </a:schemeClr>
+          </a:solidFill>
+          <a:ln>
+            <a:noFill/>
+          </a:ln>
+        </p:spPr>
+        <p:style>
+          <a:lnRef idx="2">
+            <a:schemeClr val="accent1">
+              <a:shade val="50000"/>
+            </a:schemeClr>
+          </a:lnRef>
+          <a:fillRef idx="1">
+            <a:schemeClr val="accent1"/>
+          </a:fillRef>
+          <a:effectRef idx="0">
+            <a:schemeClr val="accent1"/>
+          </a:effectRef>
+          <a:fontRef idx="minor">
+            <a:schemeClr val="lt1"/>
+          </a:fontRef>
+        </p:style>
+        <p:txBody>
+          <a:bodyPr rtlCol="0" anchor="ctr"/>
+          <a:lstStyle/>
+          <a:p>
+            <a:pPr algn="ctr"/>
+            <a:endParaRPr lang="en-GB"/>
+          </a:p>
+        </p:txBody>
+      </p:sp>
+      <p:sp>
+        <p:nvSpPr>
+          <p:cNvPr id="49" name="Rectangle 48">
+            <a:extLst>
+              <a:ext uri="{FF2B5EF4-FFF2-40B4-BE49-F238E27FC236}">
+                <a16:creationId xmlns:a16="http://schemas.microsoft.com/office/drawing/2014/main" id="{E67295A5-CD9B-42DF-A06B-173F8F469F8E}"/>
+              </a:ext>
+            </a:extLst>
+          </p:cNvPr>
+          <p:cNvSpPr/>
+          <p:nvPr/>
+        </p:nvSpPr>
+        <p:spPr>
+          <a:xfrm>
+            <a:off x="7954096" y="5061098"/>
+            <a:ext cx="2781744" cy="1796901"/>
+          </a:xfrm>
+          <a:prstGeom prst="rect">
+            <a:avLst/>
+          </a:prstGeom>
+          <a:solidFill>
+            <a:srgbClr val="FFD757"/>
+          </a:solidFill>
+          <a:ln>
+            <a:noFill/>
+          </a:ln>
+        </p:spPr>
+        <p:style>
+          <a:lnRef idx="2">
+            <a:schemeClr val="accent1">
+              <a:shade val="50000"/>
+            </a:schemeClr>
+          </a:lnRef>
+          <a:fillRef idx="1">
+            <a:schemeClr val="accent1"/>
+          </a:fillRef>
+          <a:effectRef idx="0">
+            <a:schemeClr val="accent1"/>
+          </a:effectRef>
+          <a:fontRef idx="minor">
+            <a:schemeClr val="lt1"/>
+          </a:fontRef>
+        </p:style>
+        <p:txBody>
+          <a:bodyPr rtlCol="0" anchor="ctr"/>
+          <a:lstStyle/>
+          <a:p>
+            <a:pPr algn="ctr"/>
+            <a:endParaRPr lang="en-GB"/>
+          </a:p>
+        </p:txBody>
+      </p:sp>
+      <p:sp>
+        <p:nvSpPr>
           <p:cNvPr id="39" name="Rectangle 38"/>
           <p:cNvSpPr/>
           <p:nvPr/>
         </p:nvSpPr>
         <p:spPr>
           <a:xfrm>
-            <a:off x="3918781" y="2594918"/>
-            <a:ext cx="2864162" cy="4263082"/>
+            <a:off x="3693780" y="-8238"/>
+            <a:ext cx="3314164" cy="6866238"/>
           </a:xfrm>
           <a:prstGeom prst="rect">
             <a:avLst/>
@@ -8139,7 +8246,7 @@
         <p:spPr>
           <a:xfrm>
             <a:off x="-6863" y="-8238"/>
-            <a:ext cx="2857155" cy="6858000"/>
+            <a:ext cx="2867021" cy="6858000"/>
           </a:xfrm>
           <a:prstGeom prst="rect">
             <a:avLst/>
@@ -8184,7 +8291,7 @@
           <p:cNvPr id="45" name="Flowchart: Manual Input 44">
             <a:extLst>
               <a:ext uri="{FF2B5EF4-FFF2-40B4-BE49-F238E27FC236}">
-                <a16:creationId xmlns:a16="http://schemas.microsoft.com/office/drawing/2014/main" xmlns="" id="{BA5F8287-28B2-4933-91CE-CCF8DA7FDCDF}"/>
+                <a16:creationId xmlns:a16="http://schemas.microsoft.com/office/drawing/2014/main" id="{BA5F8287-28B2-4933-91CE-CCF8DA7FDCDF}"/>
               </a:ext>
             </a:extLst>
           </p:cNvPr>
@@ -8236,7 +8343,7 @@
           <p:cNvPr id="4" name="Right Triangle 3">
             <a:extLst>
               <a:ext uri="{FF2B5EF4-FFF2-40B4-BE49-F238E27FC236}">
-                <a16:creationId xmlns:a16="http://schemas.microsoft.com/office/drawing/2014/main" xmlns="" id="{464F1B2E-5DF7-46D5-BDFC-472B9191165F}"/>
+                <a16:creationId xmlns:a16="http://schemas.microsoft.com/office/drawing/2014/main" id="{464F1B2E-5DF7-46D5-BDFC-472B9191165F}"/>
               </a:ext>
             </a:extLst>
           </p:cNvPr>
@@ -8288,7 +8395,7 @@
           <p:cNvPr id="5" name="TextBox 4">
             <a:extLst>
               <a:ext uri="{FF2B5EF4-FFF2-40B4-BE49-F238E27FC236}">
-                <a16:creationId xmlns:a16="http://schemas.microsoft.com/office/drawing/2014/main" xmlns="" id="{C9845309-04CD-46F6-826C-E8307EB2CC9D}"/>
+                <a16:creationId xmlns:a16="http://schemas.microsoft.com/office/drawing/2014/main" id="{C9845309-04CD-46F6-826C-E8307EB2CC9D}"/>
               </a:ext>
             </a:extLst>
           </p:cNvPr>
@@ -8335,7 +8442,7 @@
           <p:cNvPr id="11" name="Straight Arrow Connector 10">
             <a:extLst>
               <a:ext uri="{FF2B5EF4-FFF2-40B4-BE49-F238E27FC236}">
-                <a16:creationId xmlns:a16="http://schemas.microsoft.com/office/drawing/2014/main" xmlns="" id="{30AD2B9B-64B2-4F8A-8BA3-3D5BA859AC6B}"/>
+                <a16:creationId xmlns:a16="http://schemas.microsoft.com/office/drawing/2014/main" id="{30AD2B9B-64B2-4F8A-8BA3-3D5BA859AC6B}"/>
               </a:ext>
             </a:extLst>
           </p:cNvPr>
@@ -8381,7 +8488,7 @@
           <p:cNvPr id="18" name="TextBox 17">
             <a:extLst>
               <a:ext uri="{FF2B5EF4-FFF2-40B4-BE49-F238E27FC236}">
-                <a16:creationId xmlns:a16="http://schemas.microsoft.com/office/drawing/2014/main" xmlns="" id="{C41D69F8-1C98-4A01-95D1-ABD1D10BDD7D}"/>
+                <a16:creationId xmlns:a16="http://schemas.microsoft.com/office/drawing/2014/main" id="{C41D69F8-1C98-4A01-95D1-ABD1D10BDD7D}"/>
               </a:ext>
             </a:extLst>
           </p:cNvPr>
@@ -8407,20 +8514,15 @@
             <a:pPr algn="ctr"/>
             <a:r>
               <a:rPr lang="en-GB" sz="1400" dirty="0"/>
-              <a:t>Image </a:t>
-            </a:r>
-            <a:r>
-              <a:rPr lang="en-GB" sz="1400" dirty="0" smtClean="0"/>
-              <a:t>Stream</a:t>
+              <a:t>Image Stream</a:t>
             </a:r>
           </a:p>
           <a:p>
             <a:pPr algn="ctr"/>
             <a:r>
-              <a:rPr lang="en-GB" sz="1400" dirty="0" smtClean="0"/>
+              <a:rPr lang="en-GB" sz="1400" dirty="0"/>
               <a:t>\/</a:t>
             </a:r>
-            <a:endParaRPr lang="en-GB" sz="1400" dirty="0"/>
           </a:p>
         </p:txBody>
       </p:sp>
@@ -8429,7 +8531,7 @@
           <p:cNvPr id="19" name="TextBox 18">
             <a:extLst>
               <a:ext uri="{FF2B5EF4-FFF2-40B4-BE49-F238E27FC236}">
-                <a16:creationId xmlns:a16="http://schemas.microsoft.com/office/drawing/2014/main" xmlns="" id="{A92D38FB-61D2-4DD1-B8DC-4C9CB4AF5010}"/>
+                <a16:creationId xmlns:a16="http://schemas.microsoft.com/office/drawing/2014/main" id="{A92D38FB-61D2-4DD1-B8DC-4C9CB4AF5010}"/>
               </a:ext>
             </a:extLst>
           </p:cNvPr>
@@ -8471,7 +8573,7 @@
           <p:cNvPr id="20" name="TextBox 19">
             <a:extLst>
               <a:ext uri="{FF2B5EF4-FFF2-40B4-BE49-F238E27FC236}">
-                <a16:creationId xmlns:a16="http://schemas.microsoft.com/office/drawing/2014/main" xmlns="" id="{751537D2-5CA2-46E9-98DA-5D0BC05C4061}"/>
+                <a16:creationId xmlns:a16="http://schemas.microsoft.com/office/drawing/2014/main" id="{751537D2-5CA2-46E9-98DA-5D0BC05C4061}"/>
               </a:ext>
             </a:extLst>
           </p:cNvPr>
@@ -8517,7 +8619,7 @@
           <p:cNvPr id="22" name="Rectangle 21">
             <a:extLst>
               <a:ext uri="{FF2B5EF4-FFF2-40B4-BE49-F238E27FC236}">
-                <a16:creationId xmlns:a16="http://schemas.microsoft.com/office/drawing/2014/main" xmlns="" id="{ADD36DBD-8DDC-434F-9125-A76A4D4E0292}"/>
+                <a16:creationId xmlns:a16="http://schemas.microsoft.com/office/drawing/2014/main" id="{ADD36DBD-8DDC-434F-9125-A76A4D4E0292}"/>
               </a:ext>
             </a:extLst>
           </p:cNvPr>
@@ -8569,7 +8671,7 @@
           <p:cNvPr id="23" name="TextBox 22">
             <a:extLst>
               <a:ext uri="{FF2B5EF4-FFF2-40B4-BE49-F238E27FC236}">
-                <a16:creationId xmlns:a16="http://schemas.microsoft.com/office/drawing/2014/main" xmlns="" id="{ED06F2CA-B022-4B57-93BA-3A4A5FD519CB}"/>
+                <a16:creationId xmlns:a16="http://schemas.microsoft.com/office/drawing/2014/main" id="{ED06F2CA-B022-4B57-93BA-3A4A5FD519CB}"/>
               </a:ext>
             </a:extLst>
           </p:cNvPr>
@@ -8634,7 +8736,7 @@
           <p:cNvPr id="24" name="Straight Arrow Connector 23">
             <a:extLst>
               <a:ext uri="{FF2B5EF4-FFF2-40B4-BE49-F238E27FC236}">
-                <a16:creationId xmlns:a16="http://schemas.microsoft.com/office/drawing/2014/main" xmlns="" id="{63C8345C-A17E-44D4-B240-B3C2E331255D}"/>
+                <a16:creationId xmlns:a16="http://schemas.microsoft.com/office/drawing/2014/main" id="{63C8345C-A17E-44D4-B240-B3C2E331255D}"/>
               </a:ext>
             </a:extLst>
           </p:cNvPr>
@@ -8680,7 +8782,7 @@
           <p:cNvPr id="32" name="TextBox 31">
             <a:extLst>
               <a:ext uri="{FF2B5EF4-FFF2-40B4-BE49-F238E27FC236}">
-                <a16:creationId xmlns:a16="http://schemas.microsoft.com/office/drawing/2014/main" xmlns="" id="{1ADC0E6E-5955-4431-A055-13C603AF1C44}"/>
+                <a16:creationId xmlns:a16="http://schemas.microsoft.com/office/drawing/2014/main" id="{1ADC0E6E-5955-4431-A055-13C603AF1C44}"/>
               </a:ext>
             </a:extLst>
           </p:cNvPr>
@@ -8705,10 +8807,9 @@
           <a:p>
             <a:pPr algn="r"/>
             <a:r>
-              <a:rPr lang="en-GB" sz="1400" dirty="0" smtClean="0"/>
+              <a:rPr lang="en-GB" sz="1400" dirty="0"/>
               <a:t>BG + Frame &gt;</a:t>
             </a:r>
-            <a:endParaRPr lang="en-GB" sz="1400" dirty="0"/>
           </a:p>
         </p:txBody>
       </p:sp>
@@ -8717,7 +8818,7 @@
           <p:cNvPr id="33" name="Flowchart: Delay 32">
             <a:extLst>
               <a:ext uri="{FF2B5EF4-FFF2-40B4-BE49-F238E27FC236}">
-                <a16:creationId xmlns:a16="http://schemas.microsoft.com/office/drawing/2014/main" xmlns="" id="{4FFA08B9-25E3-46A3-8F38-170EF9FDDAA3}"/>
+                <a16:creationId xmlns:a16="http://schemas.microsoft.com/office/drawing/2014/main" id="{4FFA08B9-25E3-46A3-8F38-170EF9FDDAA3}"/>
               </a:ext>
             </a:extLst>
           </p:cNvPr>
@@ -8769,7 +8870,7 @@
           <p:cNvPr id="38" name="Straight Arrow Connector 37">
             <a:extLst>
               <a:ext uri="{FF2B5EF4-FFF2-40B4-BE49-F238E27FC236}">
-                <a16:creationId xmlns:a16="http://schemas.microsoft.com/office/drawing/2014/main" xmlns="" id="{6499CFC4-90F7-4835-AE26-D8AB856D5641}"/>
+                <a16:creationId xmlns:a16="http://schemas.microsoft.com/office/drawing/2014/main" id="{6499CFC4-90F7-4835-AE26-D8AB856D5641}"/>
               </a:ext>
             </a:extLst>
           </p:cNvPr>
@@ -8816,7 +8917,7 @@
           <p:cNvPr id="43" name="TextBox 42">
             <a:extLst>
               <a:ext uri="{FF2B5EF4-FFF2-40B4-BE49-F238E27FC236}">
-                <a16:creationId xmlns:a16="http://schemas.microsoft.com/office/drawing/2014/main" xmlns="" id="{358B10D6-A0B4-4434-AACB-C474B6F3546A}"/>
+                <a16:creationId xmlns:a16="http://schemas.microsoft.com/office/drawing/2014/main" id="{358B10D6-A0B4-4434-AACB-C474B6F3546A}"/>
               </a:ext>
             </a:extLst>
           </p:cNvPr>
@@ -8841,17 +8942,16 @@
           <a:p>
             <a:pPr algn="ctr"/>
             <a:r>
-              <a:rPr lang="en-GB" sz="1400" dirty="0" smtClean="0"/>
+              <a:rPr lang="en-GB" sz="1400" dirty="0"/>
               <a:t>/\</a:t>
             </a:r>
           </a:p>
           <a:p>
             <a:pPr algn="ctr"/>
             <a:r>
-              <a:rPr lang="en-GB" sz="1400" dirty="0" smtClean="0"/>
+              <a:rPr lang="en-GB" sz="1400" dirty="0"/>
               <a:t>Background</a:t>
             </a:r>
-            <a:endParaRPr lang="en-GB" sz="1400" dirty="0"/>
           </a:p>
         </p:txBody>
       </p:sp>
@@ -8860,7 +8960,7 @@
           <p:cNvPr id="44" name="TextBox 43">
             <a:extLst>
               <a:ext uri="{FF2B5EF4-FFF2-40B4-BE49-F238E27FC236}">
-                <a16:creationId xmlns:a16="http://schemas.microsoft.com/office/drawing/2014/main" xmlns="" id="{BAB3948D-F827-44D1-B40E-A737164AC616}"/>
+                <a16:creationId xmlns:a16="http://schemas.microsoft.com/office/drawing/2014/main" id="{BAB3948D-F827-44D1-B40E-A737164AC616}"/>
               </a:ext>
             </a:extLst>
           </p:cNvPr>
@@ -8943,7 +9043,7 @@
           <p:cNvPr id="46" name="Flowchart: Alternate Process 45">
             <a:extLst>
               <a:ext uri="{FF2B5EF4-FFF2-40B4-BE49-F238E27FC236}">
-                <a16:creationId xmlns:a16="http://schemas.microsoft.com/office/drawing/2014/main" xmlns="" id="{788ACF15-712D-427B-85E3-BFDE6D2778B7}"/>
+                <a16:creationId xmlns:a16="http://schemas.microsoft.com/office/drawing/2014/main" id="{788ACF15-712D-427B-85E3-BFDE6D2778B7}"/>
               </a:ext>
             </a:extLst>
           </p:cNvPr>
@@ -8995,7 +9095,7 @@
           <p:cNvPr id="47" name="TextBox 46">
             <a:extLst>
               <a:ext uri="{FF2B5EF4-FFF2-40B4-BE49-F238E27FC236}">
-                <a16:creationId xmlns:a16="http://schemas.microsoft.com/office/drawing/2014/main" xmlns="" id="{74812398-B0DB-4253-BDA5-F09C7A7449E7}"/>
+                <a16:creationId xmlns:a16="http://schemas.microsoft.com/office/drawing/2014/main" id="{74812398-B0DB-4253-BDA5-F09C7A7449E7}"/>
               </a:ext>
             </a:extLst>
           </p:cNvPr>
@@ -9078,7 +9178,7 @@
           <p:cNvPr id="52" name="Arrow: Chevron 51">
             <a:extLst>
               <a:ext uri="{FF2B5EF4-FFF2-40B4-BE49-F238E27FC236}">
-                <a16:creationId xmlns:a16="http://schemas.microsoft.com/office/drawing/2014/main" xmlns="" id="{842C5092-8294-4030-A526-A8C839E4F69D}"/>
+                <a16:creationId xmlns:a16="http://schemas.microsoft.com/office/drawing/2014/main" id="{842C5092-8294-4030-A526-A8C839E4F69D}"/>
               </a:ext>
             </a:extLst>
           </p:cNvPr>
@@ -9132,7 +9232,7 @@
           <p:cNvPr id="53" name="TextBox 52">
             <a:extLst>
               <a:ext uri="{FF2B5EF4-FFF2-40B4-BE49-F238E27FC236}">
-                <a16:creationId xmlns:a16="http://schemas.microsoft.com/office/drawing/2014/main" xmlns="" id="{5D685C8E-8026-4C55-BE1C-CC18B646995B}"/>
+                <a16:creationId xmlns:a16="http://schemas.microsoft.com/office/drawing/2014/main" id="{5D685C8E-8026-4C55-BE1C-CC18B646995B}"/>
               </a:ext>
             </a:extLst>
           </p:cNvPr>
@@ -9157,7 +9257,7 @@
           <a:p>
             <a:pPr algn="ctr"/>
             <a:r>
-              <a:rPr lang="en-GB" sz="2400" b="1" dirty="0" smtClean="0">
+              <a:rPr lang="en-GB" sz="2400" b="1" dirty="0">
                 <a:solidFill>
                   <a:schemeClr val="bg2"/>
                 </a:solidFill>
@@ -9175,7 +9275,7 @@
           <a:p>
             <a:pPr algn="ctr"/>
             <a:r>
-              <a:rPr lang="en-GB" sz="2400" b="1" dirty="0" smtClean="0">
+              <a:rPr lang="en-GB" sz="2400" b="1" dirty="0">
                 <a:solidFill>
                   <a:schemeClr val="bg2"/>
                 </a:solidFill>
@@ -9189,18 +9289,6 @@
               </a:rPr>
               <a:t>Vision API</a:t>
             </a:r>
-            <a:endParaRPr lang="en-GB" sz="2400" b="1" dirty="0">
-              <a:solidFill>
-                <a:schemeClr val="bg2"/>
-              </a:solidFill>
-              <a:effectLst>
-                <a:glow rad="101600">
-                  <a:schemeClr val="tx1">
-                    <a:alpha val="60000"/>
-                  </a:schemeClr>
-                </a:glow>
-              </a:effectLst>
-            </a:endParaRPr>
           </a:p>
         </p:txBody>
       </p:sp>
@@ -9209,7 +9297,7 @@
           <p:cNvPr id="55" name="Straight Arrow Connector 54">
             <a:extLst>
               <a:ext uri="{FF2B5EF4-FFF2-40B4-BE49-F238E27FC236}">
-                <a16:creationId xmlns:a16="http://schemas.microsoft.com/office/drawing/2014/main" xmlns="" id="{D93FAD61-E741-499C-820D-AF2A26A6E4DB}"/>
+                <a16:creationId xmlns:a16="http://schemas.microsoft.com/office/drawing/2014/main" id="{D93FAD61-E741-499C-820D-AF2A26A6E4DB}"/>
               </a:ext>
             </a:extLst>
           </p:cNvPr>
@@ -9255,7 +9343,7 @@
           <p:cNvPr id="56" name="TextBox 55">
             <a:extLst>
               <a:ext uri="{FF2B5EF4-FFF2-40B4-BE49-F238E27FC236}">
-                <a16:creationId xmlns:a16="http://schemas.microsoft.com/office/drawing/2014/main" xmlns="" id="{B32A810F-BF6B-4000-9AFD-8B8D42D80E47}"/>
+                <a16:creationId xmlns:a16="http://schemas.microsoft.com/office/drawing/2014/main" id="{B32A810F-BF6B-4000-9AFD-8B8D42D80E47}"/>
               </a:ext>
             </a:extLst>
           </p:cNvPr>
@@ -9280,10 +9368,9 @@
           <a:p>
             <a:pPr algn="ctr"/>
             <a:r>
-              <a:rPr lang="en-GB" sz="1400" dirty="0" smtClean="0"/>
+              <a:rPr lang="en-GB" sz="1400" dirty="0"/>
               <a:t>&lt; Labels</a:t>
             </a:r>
-            <a:endParaRPr lang="en-GB" sz="1400" dirty="0"/>
           </a:p>
         </p:txBody>
       </p:sp>
@@ -9292,7 +9379,7 @@
           <p:cNvPr id="57" name="TextBox 56">
             <a:extLst>
               <a:ext uri="{FF2B5EF4-FFF2-40B4-BE49-F238E27FC236}">
-                <a16:creationId xmlns:a16="http://schemas.microsoft.com/office/drawing/2014/main" xmlns="" id="{F0193D04-3208-4F06-BBA2-FE37BC71626F}"/>
+                <a16:creationId xmlns:a16="http://schemas.microsoft.com/office/drawing/2014/main" id="{F0193D04-3208-4F06-BBA2-FE37BC71626F}"/>
               </a:ext>
             </a:extLst>
           </p:cNvPr>
@@ -9317,17 +9404,16 @@
           <a:p>
             <a:pPr algn="ctr"/>
             <a:r>
-              <a:rPr lang="en-GB" sz="1400" dirty="0" smtClean="0"/>
+              <a:rPr lang="en-GB" sz="1400" dirty="0"/>
               <a:t>/\</a:t>
             </a:r>
           </a:p>
           <a:p>
             <a:pPr algn="ctr"/>
             <a:r>
-              <a:rPr lang="en-GB" sz="1400" dirty="0" smtClean="0"/>
+              <a:rPr lang="en-GB" sz="1400" dirty="0"/>
               <a:t>Labelled Objects</a:t>
             </a:r>
-            <a:endParaRPr lang="en-GB" sz="1400" dirty="0"/>
           </a:p>
         </p:txBody>
       </p:sp>
@@ -9336,7 +9422,7 @@
           <p:cNvPr id="80" name="Rectangle 79">
             <a:extLst>
               <a:ext uri="{FF2B5EF4-FFF2-40B4-BE49-F238E27FC236}">
-                <a16:creationId xmlns:a16="http://schemas.microsoft.com/office/drawing/2014/main" xmlns="" id="{CF30EFBD-3437-4FDF-9081-13DBAAD65887}"/>
+                <a16:creationId xmlns:a16="http://schemas.microsoft.com/office/drawing/2014/main" id="{CF30EFBD-3437-4FDF-9081-13DBAAD65887}"/>
               </a:ext>
             </a:extLst>
           </p:cNvPr>
@@ -9388,7 +9474,7 @@
           <p:cNvPr id="81" name="TextBox 80">
             <a:extLst>
               <a:ext uri="{FF2B5EF4-FFF2-40B4-BE49-F238E27FC236}">
-                <a16:creationId xmlns:a16="http://schemas.microsoft.com/office/drawing/2014/main" xmlns="" id="{4E211EC3-F05E-4D22-B4D7-E50D6AC867AA}"/>
+                <a16:creationId xmlns:a16="http://schemas.microsoft.com/office/drawing/2014/main" id="{4E211EC3-F05E-4D22-B4D7-E50D6AC867AA}"/>
               </a:ext>
             </a:extLst>
           </p:cNvPr>
@@ -9453,7 +9539,7 @@
           <p:cNvPr id="82" name="Straight Arrow Connector 81">
             <a:extLst>
               <a:ext uri="{FF2B5EF4-FFF2-40B4-BE49-F238E27FC236}">
-                <a16:creationId xmlns:a16="http://schemas.microsoft.com/office/drawing/2014/main" xmlns="" id="{EF6A4085-3032-4ED6-B8C5-9D0D4489DE48}"/>
+                <a16:creationId xmlns:a16="http://schemas.microsoft.com/office/drawing/2014/main" id="{EF6A4085-3032-4ED6-B8C5-9D0D4489DE48}"/>
               </a:ext>
             </a:extLst>
           </p:cNvPr>
@@ -9625,7 +9711,7 @@
           <p:cNvPr id="41" name="TextBox 40">
             <a:extLst>
               <a:ext uri="{FF2B5EF4-FFF2-40B4-BE49-F238E27FC236}">
-                <a16:creationId xmlns:a16="http://schemas.microsoft.com/office/drawing/2014/main" xmlns="" id="{358B10D6-A0B4-4434-AACB-C474B6F3546A}"/>
+                <a16:creationId xmlns:a16="http://schemas.microsoft.com/office/drawing/2014/main" id="{358B10D6-A0B4-4434-AACB-C474B6F3546A}"/>
               </a:ext>
             </a:extLst>
           </p:cNvPr>
@@ -9650,17 +9736,16 @@
           <a:p>
             <a:pPr algn="ctr"/>
             <a:r>
-              <a:rPr lang="en-GB" sz="1400" dirty="0" smtClean="0"/>
+              <a:rPr lang="en-GB" sz="1400" dirty="0"/>
               <a:t>Frames</a:t>
             </a:r>
           </a:p>
           <a:p>
             <a:pPr algn="ctr"/>
             <a:r>
-              <a:rPr lang="en-GB" sz="1400" dirty="0" smtClean="0"/>
+              <a:rPr lang="en-GB" sz="1400" dirty="0"/>
               <a:t>\/</a:t>
             </a:r>
-            <a:endParaRPr lang="en-GB" sz="1400" dirty="0"/>
           </a:p>
         </p:txBody>
       </p:sp>
@@ -9669,7 +9754,7 @@
           <p:cNvPr id="42" name="TextBox 41">
             <a:extLst>
               <a:ext uri="{FF2B5EF4-FFF2-40B4-BE49-F238E27FC236}">
-                <a16:creationId xmlns:a16="http://schemas.microsoft.com/office/drawing/2014/main" xmlns="" id="{F0193D04-3208-4F06-BBA2-FE37BC71626F}"/>
+                <a16:creationId xmlns:a16="http://schemas.microsoft.com/office/drawing/2014/main" id="{F0193D04-3208-4F06-BBA2-FE37BC71626F}"/>
               </a:ext>
             </a:extLst>
           </p:cNvPr>
@@ -9694,17 +9779,16 @@
           <a:p>
             <a:pPr algn="ctr"/>
             <a:r>
-              <a:rPr lang="en-GB" sz="1400" dirty="0" smtClean="0"/>
+              <a:rPr lang="en-GB" sz="1400" dirty="0"/>
               <a:t>BG + Frame</a:t>
             </a:r>
           </a:p>
           <a:p>
             <a:pPr algn="ctr"/>
             <a:r>
-              <a:rPr lang="en-GB" sz="1400" dirty="0" smtClean="0"/>
+              <a:rPr lang="en-GB" sz="1400" dirty="0"/>
               <a:t>\/</a:t>
             </a:r>
-            <a:endParaRPr lang="en-GB" sz="1400" dirty="0"/>
           </a:p>
         </p:txBody>
       </p:sp>
@@ -9713,7 +9797,7 @@
           <p:cNvPr id="48" name="TextBox 47">
             <a:extLst>
               <a:ext uri="{FF2B5EF4-FFF2-40B4-BE49-F238E27FC236}">
-                <a16:creationId xmlns:a16="http://schemas.microsoft.com/office/drawing/2014/main" xmlns="" id="{B32A810F-BF6B-4000-9AFD-8B8D42D80E47}"/>
+                <a16:creationId xmlns:a16="http://schemas.microsoft.com/office/drawing/2014/main" id="{B32A810F-BF6B-4000-9AFD-8B8D42D80E47}"/>
               </a:ext>
             </a:extLst>
           </p:cNvPr>
@@ -9738,10 +9822,9 @@
           <a:p>
             <a:pPr algn="ctr"/>
             <a:r>
-              <a:rPr lang="en-GB" sz="1400" dirty="0" smtClean="0"/>
+              <a:rPr lang="en-GB" sz="1400" dirty="0"/>
               <a:t>Labels &gt;</a:t>
             </a:r>
-            <a:endParaRPr lang="en-GB" sz="1400" dirty="0"/>
           </a:p>
         </p:txBody>
       </p:sp>
@@ -9750,7 +9833,7 @@
           <p:cNvPr id="51" name="Rectangle 50">
             <a:extLst>
               <a:ext uri="{FF2B5EF4-FFF2-40B4-BE49-F238E27FC236}">
-                <a16:creationId xmlns:a16="http://schemas.microsoft.com/office/drawing/2014/main" xmlns="" id="{ADD36DBD-8DDC-434F-9125-A76A4D4E0292}"/>
+                <a16:creationId xmlns:a16="http://schemas.microsoft.com/office/drawing/2014/main" id="{ADD36DBD-8DDC-434F-9125-A76A4D4E0292}"/>
               </a:ext>
             </a:extLst>
           </p:cNvPr>
@@ -9759,8 +9842,8 @@
         </p:nvSpPr>
         <p:spPr>
           <a:xfrm>
-            <a:off x="4404710" y="420055"/>
-            <a:ext cx="1831960" cy="976488"/>
+            <a:off x="4404710" y="313220"/>
+            <a:ext cx="1831960" cy="1190158"/>
           </a:xfrm>
           <a:prstGeom prst="rect">
             <a:avLst/>
@@ -9802,7 +9885,7 @@
           <p:cNvPr id="54" name="TextBox 53">
             <a:extLst>
               <a:ext uri="{FF2B5EF4-FFF2-40B4-BE49-F238E27FC236}">
-                <a16:creationId xmlns:a16="http://schemas.microsoft.com/office/drawing/2014/main" xmlns="" id="{ED06F2CA-B022-4B57-93BA-3A4A5FD519CB}"/>
+                <a16:creationId xmlns:a16="http://schemas.microsoft.com/office/drawing/2014/main" id="{ED06F2CA-B022-4B57-93BA-3A4A5FD519CB}"/>
               </a:ext>
             </a:extLst>
           </p:cNvPr>
@@ -9811,8 +9894,8 @@
         </p:nvSpPr>
         <p:spPr>
           <a:xfrm>
-            <a:off x="3631972" y="492799"/>
-            <a:ext cx="3377463" cy="830997"/>
+            <a:off x="4370827" y="313220"/>
+            <a:ext cx="1899751" cy="1200329"/>
           </a:xfrm>
           <a:prstGeom prst="rect">
             <a:avLst/>
@@ -9827,7 +9910,7 @@
           <a:p>
             <a:pPr algn="ctr"/>
             <a:r>
-              <a:rPr lang="en-GB" sz="2400" b="1" dirty="0" smtClean="0">
+              <a:rPr lang="en-GB" sz="2400" b="1" dirty="0">
                 <a:solidFill>
                   <a:schemeClr val="bg2"/>
                 </a:solidFill>
@@ -9839,13 +9922,13 @@
                   </a:glow>
                 </a:effectLst>
               </a:rPr>
-              <a:t>Robot Position </a:t>
+              <a:t>Relative </a:t>
             </a:r>
           </a:p>
           <a:p>
             <a:pPr algn="ctr"/>
             <a:r>
-              <a:rPr lang="en-GB" sz="2400" b="1" smtClean="0">
+              <a:rPr lang="en-GB" sz="2400" b="1" dirty="0">
                 <a:solidFill>
                   <a:schemeClr val="bg2"/>
                 </a:solidFill>
@@ -9857,10 +9940,13 @@
                   </a:glow>
                 </a:effectLst>
               </a:rPr>
-              <a:t>Move </a:t>
+              <a:t>Geo-Position </a:t>
             </a:r>
+          </a:p>
+          <a:p>
+            <a:pPr algn="ctr"/>
             <a:r>
-              <a:rPr lang="en-GB" sz="2400" b="1" dirty="0" smtClean="0">
+              <a:rPr lang="en-GB" sz="2400" b="1" dirty="0">
                 <a:solidFill>
                   <a:schemeClr val="bg2"/>
                 </a:solidFill>
@@ -9872,20 +9958,8 @@
                   </a:glow>
                 </a:effectLst>
               </a:rPr>
-              <a:t>Calculation System</a:t>
+              <a:t>System</a:t>
             </a:r>
-            <a:endParaRPr lang="en-GB" sz="2400" b="1" dirty="0">
-              <a:solidFill>
-                <a:schemeClr val="bg2"/>
-              </a:solidFill>
-              <a:effectLst>
-                <a:glow rad="101600">
-                  <a:schemeClr val="tx1">
-                    <a:alpha val="60000"/>
-                  </a:schemeClr>
-                </a:glow>
-              </a:effectLst>
-            </a:endParaRPr>
           </a:p>
         </p:txBody>
       </p:sp>
@@ -9894,7 +9968,7 @@
           <p:cNvPr id="58" name="Straight Arrow Connector 57">
             <a:extLst>
               <a:ext uri="{FF2B5EF4-FFF2-40B4-BE49-F238E27FC236}">
-                <a16:creationId xmlns:a16="http://schemas.microsoft.com/office/drawing/2014/main" xmlns="" id="{D93FAD61-E741-499C-820D-AF2A26A6E4DB}"/>
+                <a16:creationId xmlns:a16="http://schemas.microsoft.com/office/drawing/2014/main" id="{D93FAD61-E741-499C-820D-AF2A26A6E4DB}"/>
               </a:ext>
             </a:extLst>
           </p:cNvPr>
@@ -9905,8 +9979,8 @@
         </p:nvCxnSpPr>
         <p:spPr>
           <a:xfrm flipV="1">
-            <a:off x="5350862" y="1373429"/>
-            <a:ext cx="0" cy="1546890"/>
+            <a:off x="5350862" y="1503378"/>
+            <a:ext cx="0" cy="1416941"/>
           </a:xfrm>
           <a:prstGeom prst="straightConnector1">
             <a:avLst/>
@@ -9940,7 +10014,7 @@
           <p:cNvPr id="59" name="TextBox 58">
             <a:extLst>
               <a:ext uri="{FF2B5EF4-FFF2-40B4-BE49-F238E27FC236}">
-                <a16:creationId xmlns:a16="http://schemas.microsoft.com/office/drawing/2014/main" xmlns="" id="{F0193D04-3208-4F06-BBA2-FE37BC71626F}"/>
+                <a16:creationId xmlns:a16="http://schemas.microsoft.com/office/drawing/2014/main" id="{F0193D04-3208-4F06-BBA2-FE37BC71626F}"/>
               </a:ext>
             </a:extLst>
           </p:cNvPr>
@@ -9949,7 +10023,7 @@
         </p:nvSpPr>
         <p:spPr>
           <a:xfrm>
-            <a:off x="4422509" y="1405936"/>
+            <a:off x="4422509" y="1438096"/>
             <a:ext cx="802510" cy="738664"/>
           </a:xfrm>
           <a:prstGeom prst="rect">
@@ -9965,17 +10039,16 @@
           <a:p>
             <a:pPr algn="ctr"/>
             <a:r>
-              <a:rPr lang="en-GB" sz="1400" dirty="0" smtClean="0"/>
+              <a:rPr lang="en-GB" sz="1400" dirty="0"/>
               <a:t>/\</a:t>
             </a:r>
           </a:p>
           <a:p>
             <a:pPr algn="ctr"/>
             <a:r>
-              <a:rPr lang="en-GB" sz="1400" dirty="0" smtClean="0"/>
+              <a:rPr lang="en-GB" sz="1400" dirty="0"/>
               <a:t>Labelled Objects</a:t>
             </a:r>
-            <a:endParaRPr lang="en-GB" sz="1400" dirty="0"/>
           </a:p>
         </p:txBody>
       </p:sp>
@@ -9984,7 +10057,7 @@
           <p:cNvPr id="60" name="TextBox 59">
             <a:extLst>
               <a:ext uri="{FF2B5EF4-FFF2-40B4-BE49-F238E27FC236}">
-                <a16:creationId xmlns:a16="http://schemas.microsoft.com/office/drawing/2014/main" xmlns="" id="{F0193D04-3208-4F06-BBA2-FE37BC71626F}"/>
+                <a16:creationId xmlns:a16="http://schemas.microsoft.com/office/drawing/2014/main" id="{F0193D04-3208-4F06-BBA2-FE37BC71626F}"/>
               </a:ext>
             </a:extLst>
           </p:cNvPr>
@@ -10009,17 +10082,16 @@
           <a:p>
             <a:pPr algn="ctr"/>
             <a:r>
-              <a:rPr lang="en-GB" sz="1400" dirty="0" smtClean="0"/>
+              <a:rPr lang="en-GB" sz="1400" dirty="0"/>
               <a:t>BG + Frame</a:t>
             </a:r>
           </a:p>
           <a:p>
             <a:pPr algn="ctr"/>
             <a:r>
-              <a:rPr lang="en-GB" sz="1400" dirty="0" smtClean="0"/>
+              <a:rPr lang="en-GB" sz="1400" dirty="0"/>
               <a:t>\/</a:t>
             </a:r>
-            <a:endParaRPr lang="en-GB" sz="1400" dirty="0"/>
           </a:p>
         </p:txBody>
       </p:sp>

--- a/Visual Plan.pptx
+++ b/Visual Plan.pptx
@@ -13,6 +13,7 @@
     <p:sldId id="263" r:id="rId7"/>
     <p:sldId id="264" r:id="rId8"/>
     <p:sldId id="265" r:id="rId9"/>
+    <p:sldId id="266" r:id="rId10"/>
   </p:sldIdLst>
   <p:sldSz cx="12192000" cy="6858000"/>
   <p:notesSz cx="6858000" cy="9144000"/>
@@ -141,7 +142,7 @@
           <p:cNvPr id="2" name="Title 1">
             <a:extLst>
               <a:ext uri="{FF2B5EF4-FFF2-40B4-BE49-F238E27FC236}">
-                <a16:creationId xmlns:a16="http://schemas.microsoft.com/office/drawing/2014/main" id="{43893EEA-2329-4BD0-B478-739A6C7ABCF0}"/>
+                <a16:creationId xmlns:a16="http://schemas.microsoft.com/office/drawing/2014/main" xmlns="" id="{43893EEA-2329-4BD0-B478-739A6C7ABCF0}"/>
               </a:ext>
             </a:extLst>
           </p:cNvPr>
@@ -179,7 +180,7 @@
           <p:cNvPr id="3" name="Subtitle 2">
             <a:extLst>
               <a:ext uri="{FF2B5EF4-FFF2-40B4-BE49-F238E27FC236}">
-                <a16:creationId xmlns:a16="http://schemas.microsoft.com/office/drawing/2014/main" id="{531605D0-F659-4B16-AC48-FAB20C96C441}"/>
+                <a16:creationId xmlns:a16="http://schemas.microsoft.com/office/drawing/2014/main" xmlns="" id="{531605D0-F659-4B16-AC48-FAB20C96C441}"/>
               </a:ext>
             </a:extLst>
           </p:cNvPr>
@@ -250,7 +251,7 @@
           <p:cNvPr id="4" name="Date Placeholder 3">
             <a:extLst>
               <a:ext uri="{FF2B5EF4-FFF2-40B4-BE49-F238E27FC236}">
-                <a16:creationId xmlns:a16="http://schemas.microsoft.com/office/drawing/2014/main" id="{93D4AC05-CC9D-42D0-84E8-09581B533C5C}"/>
+                <a16:creationId xmlns:a16="http://schemas.microsoft.com/office/drawing/2014/main" xmlns="" id="{93D4AC05-CC9D-42D0-84E8-09581B533C5C}"/>
               </a:ext>
             </a:extLst>
           </p:cNvPr>
@@ -268,7 +269,7 @@
           <a:p>
             <a:fld id="{5F9021A5-5D2C-4FF7-8FBA-B61BDE30AE1B}" type="datetimeFigureOut">
               <a:rPr lang="en-GB" smtClean="0"/>
-              <a:t>22/01/2019</a:t>
+              <a:t>23/01/2019</a:t>
             </a:fld>
             <a:endParaRPr lang="en-GB"/>
           </a:p>
@@ -279,7 +280,7 @@
           <p:cNvPr id="5" name="Footer Placeholder 4">
             <a:extLst>
               <a:ext uri="{FF2B5EF4-FFF2-40B4-BE49-F238E27FC236}">
-                <a16:creationId xmlns:a16="http://schemas.microsoft.com/office/drawing/2014/main" id="{46743398-C54D-4A57-BF5E-2F9CCBF7AD8E}"/>
+                <a16:creationId xmlns:a16="http://schemas.microsoft.com/office/drawing/2014/main" xmlns="" id="{46743398-C54D-4A57-BF5E-2F9CCBF7AD8E}"/>
               </a:ext>
             </a:extLst>
           </p:cNvPr>
@@ -304,7 +305,7 @@
           <p:cNvPr id="6" name="Slide Number Placeholder 5">
             <a:extLst>
               <a:ext uri="{FF2B5EF4-FFF2-40B4-BE49-F238E27FC236}">
-                <a16:creationId xmlns:a16="http://schemas.microsoft.com/office/drawing/2014/main" id="{293D33B5-B583-4617-A9FB-E821C101CC1C}"/>
+                <a16:creationId xmlns:a16="http://schemas.microsoft.com/office/drawing/2014/main" xmlns="" id="{293D33B5-B583-4617-A9FB-E821C101CC1C}"/>
               </a:ext>
             </a:extLst>
           </p:cNvPr>
@@ -363,7 +364,7 @@
           <p:cNvPr id="2" name="Title 1">
             <a:extLst>
               <a:ext uri="{FF2B5EF4-FFF2-40B4-BE49-F238E27FC236}">
-                <a16:creationId xmlns:a16="http://schemas.microsoft.com/office/drawing/2014/main" id="{314ADEF8-05FE-4481-A0CD-4171AAE11D48}"/>
+                <a16:creationId xmlns:a16="http://schemas.microsoft.com/office/drawing/2014/main" xmlns="" id="{314ADEF8-05FE-4481-A0CD-4171AAE11D48}"/>
               </a:ext>
             </a:extLst>
           </p:cNvPr>
@@ -392,7 +393,7 @@
           <p:cNvPr id="3" name="Vertical Text Placeholder 2">
             <a:extLst>
               <a:ext uri="{FF2B5EF4-FFF2-40B4-BE49-F238E27FC236}">
-                <a16:creationId xmlns:a16="http://schemas.microsoft.com/office/drawing/2014/main" id="{5E908463-0914-4437-A47B-D68282B6FB8C}"/>
+                <a16:creationId xmlns:a16="http://schemas.microsoft.com/office/drawing/2014/main" xmlns="" id="{5E908463-0914-4437-A47B-D68282B6FB8C}"/>
               </a:ext>
             </a:extLst>
           </p:cNvPr>
@@ -450,7 +451,7 @@
           <p:cNvPr id="4" name="Date Placeholder 3">
             <a:extLst>
               <a:ext uri="{FF2B5EF4-FFF2-40B4-BE49-F238E27FC236}">
-                <a16:creationId xmlns:a16="http://schemas.microsoft.com/office/drawing/2014/main" id="{81D83EF5-AF96-4C6C-B681-1D0F9EA551CA}"/>
+                <a16:creationId xmlns:a16="http://schemas.microsoft.com/office/drawing/2014/main" xmlns="" id="{81D83EF5-AF96-4C6C-B681-1D0F9EA551CA}"/>
               </a:ext>
             </a:extLst>
           </p:cNvPr>
@@ -468,7 +469,7 @@
           <a:p>
             <a:fld id="{5F9021A5-5D2C-4FF7-8FBA-B61BDE30AE1B}" type="datetimeFigureOut">
               <a:rPr lang="en-GB" smtClean="0"/>
-              <a:t>22/01/2019</a:t>
+              <a:t>23/01/2019</a:t>
             </a:fld>
             <a:endParaRPr lang="en-GB"/>
           </a:p>
@@ -479,7 +480,7 @@
           <p:cNvPr id="5" name="Footer Placeholder 4">
             <a:extLst>
               <a:ext uri="{FF2B5EF4-FFF2-40B4-BE49-F238E27FC236}">
-                <a16:creationId xmlns:a16="http://schemas.microsoft.com/office/drawing/2014/main" id="{879BFB5F-577E-4981-9AE6-B24D3E539B48}"/>
+                <a16:creationId xmlns:a16="http://schemas.microsoft.com/office/drawing/2014/main" xmlns="" id="{879BFB5F-577E-4981-9AE6-B24D3E539B48}"/>
               </a:ext>
             </a:extLst>
           </p:cNvPr>
@@ -504,7 +505,7 @@
           <p:cNvPr id="6" name="Slide Number Placeholder 5">
             <a:extLst>
               <a:ext uri="{FF2B5EF4-FFF2-40B4-BE49-F238E27FC236}">
-                <a16:creationId xmlns:a16="http://schemas.microsoft.com/office/drawing/2014/main" id="{D7820A4B-1CBA-4F7A-80C2-D60C2D0EF088}"/>
+                <a16:creationId xmlns:a16="http://schemas.microsoft.com/office/drawing/2014/main" xmlns="" id="{D7820A4B-1CBA-4F7A-80C2-D60C2D0EF088}"/>
               </a:ext>
             </a:extLst>
           </p:cNvPr>
@@ -563,7 +564,7 @@
           <p:cNvPr id="2" name="Vertical Title 1">
             <a:extLst>
               <a:ext uri="{FF2B5EF4-FFF2-40B4-BE49-F238E27FC236}">
-                <a16:creationId xmlns:a16="http://schemas.microsoft.com/office/drawing/2014/main" id="{DB1495EA-AD95-4217-ADFE-C74EE06F7230}"/>
+                <a16:creationId xmlns:a16="http://schemas.microsoft.com/office/drawing/2014/main" xmlns="" id="{DB1495EA-AD95-4217-ADFE-C74EE06F7230}"/>
               </a:ext>
             </a:extLst>
           </p:cNvPr>
@@ -597,7 +598,7 @@
           <p:cNvPr id="3" name="Vertical Text Placeholder 2">
             <a:extLst>
               <a:ext uri="{FF2B5EF4-FFF2-40B4-BE49-F238E27FC236}">
-                <a16:creationId xmlns:a16="http://schemas.microsoft.com/office/drawing/2014/main" id="{48459CC8-1F49-4AD5-B4F5-DE425DE64018}"/>
+                <a16:creationId xmlns:a16="http://schemas.microsoft.com/office/drawing/2014/main" xmlns="" id="{48459CC8-1F49-4AD5-B4F5-DE425DE64018}"/>
               </a:ext>
             </a:extLst>
           </p:cNvPr>
@@ -660,7 +661,7 @@
           <p:cNvPr id="4" name="Date Placeholder 3">
             <a:extLst>
               <a:ext uri="{FF2B5EF4-FFF2-40B4-BE49-F238E27FC236}">
-                <a16:creationId xmlns:a16="http://schemas.microsoft.com/office/drawing/2014/main" id="{646BFF7C-62E9-445A-AA43-951D025A0B29}"/>
+                <a16:creationId xmlns:a16="http://schemas.microsoft.com/office/drawing/2014/main" xmlns="" id="{646BFF7C-62E9-445A-AA43-951D025A0B29}"/>
               </a:ext>
             </a:extLst>
           </p:cNvPr>
@@ -678,7 +679,7 @@
           <a:p>
             <a:fld id="{5F9021A5-5D2C-4FF7-8FBA-B61BDE30AE1B}" type="datetimeFigureOut">
               <a:rPr lang="en-GB" smtClean="0"/>
-              <a:t>22/01/2019</a:t>
+              <a:t>23/01/2019</a:t>
             </a:fld>
             <a:endParaRPr lang="en-GB"/>
           </a:p>
@@ -689,7 +690,7 @@
           <p:cNvPr id="5" name="Footer Placeholder 4">
             <a:extLst>
               <a:ext uri="{FF2B5EF4-FFF2-40B4-BE49-F238E27FC236}">
-                <a16:creationId xmlns:a16="http://schemas.microsoft.com/office/drawing/2014/main" id="{3F3DF7E9-367F-4DF0-B4C9-6DB26AA61F6F}"/>
+                <a16:creationId xmlns:a16="http://schemas.microsoft.com/office/drawing/2014/main" xmlns="" id="{3F3DF7E9-367F-4DF0-B4C9-6DB26AA61F6F}"/>
               </a:ext>
             </a:extLst>
           </p:cNvPr>
@@ -714,7 +715,7 @@
           <p:cNvPr id="6" name="Slide Number Placeholder 5">
             <a:extLst>
               <a:ext uri="{FF2B5EF4-FFF2-40B4-BE49-F238E27FC236}">
-                <a16:creationId xmlns:a16="http://schemas.microsoft.com/office/drawing/2014/main" id="{636A9102-5136-4872-BE70-EC792DFF0419}"/>
+                <a16:creationId xmlns:a16="http://schemas.microsoft.com/office/drawing/2014/main" xmlns="" id="{636A9102-5136-4872-BE70-EC792DFF0419}"/>
               </a:ext>
             </a:extLst>
           </p:cNvPr>
@@ -773,7 +774,7 @@
           <p:cNvPr id="2" name="Title 1">
             <a:extLst>
               <a:ext uri="{FF2B5EF4-FFF2-40B4-BE49-F238E27FC236}">
-                <a16:creationId xmlns:a16="http://schemas.microsoft.com/office/drawing/2014/main" id="{ED3170B7-C55B-43D2-87DB-7F752FE3F129}"/>
+                <a16:creationId xmlns:a16="http://schemas.microsoft.com/office/drawing/2014/main" xmlns="" id="{ED3170B7-C55B-43D2-87DB-7F752FE3F129}"/>
               </a:ext>
             </a:extLst>
           </p:cNvPr>
@@ -802,7 +803,7 @@
           <p:cNvPr id="3" name="Content Placeholder 2">
             <a:extLst>
               <a:ext uri="{FF2B5EF4-FFF2-40B4-BE49-F238E27FC236}">
-                <a16:creationId xmlns:a16="http://schemas.microsoft.com/office/drawing/2014/main" id="{EBEFDF05-3DA5-468F-9962-9DEBFA346A5E}"/>
+                <a16:creationId xmlns:a16="http://schemas.microsoft.com/office/drawing/2014/main" xmlns="" id="{EBEFDF05-3DA5-468F-9962-9DEBFA346A5E}"/>
               </a:ext>
             </a:extLst>
           </p:cNvPr>
@@ -860,7 +861,7 @@
           <p:cNvPr id="4" name="Date Placeholder 3">
             <a:extLst>
               <a:ext uri="{FF2B5EF4-FFF2-40B4-BE49-F238E27FC236}">
-                <a16:creationId xmlns:a16="http://schemas.microsoft.com/office/drawing/2014/main" id="{4C6D3837-121B-454C-9B58-89764A7CDCF4}"/>
+                <a16:creationId xmlns:a16="http://schemas.microsoft.com/office/drawing/2014/main" xmlns="" id="{4C6D3837-121B-454C-9B58-89764A7CDCF4}"/>
               </a:ext>
             </a:extLst>
           </p:cNvPr>
@@ -878,7 +879,7 @@
           <a:p>
             <a:fld id="{5F9021A5-5D2C-4FF7-8FBA-B61BDE30AE1B}" type="datetimeFigureOut">
               <a:rPr lang="en-GB" smtClean="0"/>
-              <a:t>22/01/2019</a:t>
+              <a:t>23/01/2019</a:t>
             </a:fld>
             <a:endParaRPr lang="en-GB"/>
           </a:p>
@@ -889,7 +890,7 @@
           <p:cNvPr id="5" name="Footer Placeholder 4">
             <a:extLst>
               <a:ext uri="{FF2B5EF4-FFF2-40B4-BE49-F238E27FC236}">
-                <a16:creationId xmlns:a16="http://schemas.microsoft.com/office/drawing/2014/main" id="{92837F7C-94A1-499C-B0B9-FEB23234D3A1}"/>
+                <a16:creationId xmlns:a16="http://schemas.microsoft.com/office/drawing/2014/main" xmlns="" id="{92837F7C-94A1-499C-B0B9-FEB23234D3A1}"/>
               </a:ext>
             </a:extLst>
           </p:cNvPr>
@@ -914,7 +915,7 @@
           <p:cNvPr id="6" name="Slide Number Placeholder 5">
             <a:extLst>
               <a:ext uri="{FF2B5EF4-FFF2-40B4-BE49-F238E27FC236}">
-                <a16:creationId xmlns:a16="http://schemas.microsoft.com/office/drawing/2014/main" id="{5A9AB361-1F50-493B-9CEA-1C308245FCAC}"/>
+                <a16:creationId xmlns:a16="http://schemas.microsoft.com/office/drawing/2014/main" xmlns="" id="{5A9AB361-1F50-493B-9CEA-1C308245FCAC}"/>
               </a:ext>
             </a:extLst>
           </p:cNvPr>
@@ -973,7 +974,7 @@
           <p:cNvPr id="2" name="Title 1">
             <a:extLst>
               <a:ext uri="{FF2B5EF4-FFF2-40B4-BE49-F238E27FC236}">
-                <a16:creationId xmlns:a16="http://schemas.microsoft.com/office/drawing/2014/main" id="{A17FBDA1-9A04-4813-999D-D3EF005F657B}"/>
+                <a16:creationId xmlns:a16="http://schemas.microsoft.com/office/drawing/2014/main" xmlns="" id="{A17FBDA1-9A04-4813-999D-D3EF005F657B}"/>
               </a:ext>
             </a:extLst>
           </p:cNvPr>
@@ -1011,7 +1012,7 @@
           <p:cNvPr id="3" name="Text Placeholder 2">
             <a:extLst>
               <a:ext uri="{FF2B5EF4-FFF2-40B4-BE49-F238E27FC236}">
-                <a16:creationId xmlns:a16="http://schemas.microsoft.com/office/drawing/2014/main" id="{49A7C322-5A28-4763-9759-05815EBAF58D}"/>
+                <a16:creationId xmlns:a16="http://schemas.microsoft.com/office/drawing/2014/main" xmlns="" id="{49A7C322-5A28-4763-9759-05815EBAF58D}"/>
               </a:ext>
             </a:extLst>
           </p:cNvPr>
@@ -1136,7 +1137,7 @@
           <p:cNvPr id="4" name="Date Placeholder 3">
             <a:extLst>
               <a:ext uri="{FF2B5EF4-FFF2-40B4-BE49-F238E27FC236}">
-                <a16:creationId xmlns:a16="http://schemas.microsoft.com/office/drawing/2014/main" id="{43B08A97-8825-4B0E-B6FA-C30D395BE6D1}"/>
+                <a16:creationId xmlns:a16="http://schemas.microsoft.com/office/drawing/2014/main" xmlns="" id="{43B08A97-8825-4B0E-B6FA-C30D395BE6D1}"/>
               </a:ext>
             </a:extLst>
           </p:cNvPr>
@@ -1154,7 +1155,7 @@
           <a:p>
             <a:fld id="{5F9021A5-5D2C-4FF7-8FBA-B61BDE30AE1B}" type="datetimeFigureOut">
               <a:rPr lang="en-GB" smtClean="0"/>
-              <a:t>22/01/2019</a:t>
+              <a:t>23/01/2019</a:t>
             </a:fld>
             <a:endParaRPr lang="en-GB"/>
           </a:p>
@@ -1165,7 +1166,7 @@
           <p:cNvPr id="5" name="Footer Placeholder 4">
             <a:extLst>
               <a:ext uri="{FF2B5EF4-FFF2-40B4-BE49-F238E27FC236}">
-                <a16:creationId xmlns:a16="http://schemas.microsoft.com/office/drawing/2014/main" id="{E2A7D5A2-489A-44BE-95BA-C41FF13D1C65}"/>
+                <a16:creationId xmlns:a16="http://schemas.microsoft.com/office/drawing/2014/main" xmlns="" id="{E2A7D5A2-489A-44BE-95BA-C41FF13D1C65}"/>
               </a:ext>
             </a:extLst>
           </p:cNvPr>
@@ -1190,7 +1191,7 @@
           <p:cNvPr id="6" name="Slide Number Placeholder 5">
             <a:extLst>
               <a:ext uri="{FF2B5EF4-FFF2-40B4-BE49-F238E27FC236}">
-                <a16:creationId xmlns:a16="http://schemas.microsoft.com/office/drawing/2014/main" id="{7772E596-F9BA-4EA1-B777-69A74090D7FB}"/>
+                <a16:creationId xmlns:a16="http://schemas.microsoft.com/office/drawing/2014/main" xmlns="" id="{7772E596-F9BA-4EA1-B777-69A74090D7FB}"/>
               </a:ext>
             </a:extLst>
           </p:cNvPr>
@@ -1249,7 +1250,7 @@
           <p:cNvPr id="2" name="Title 1">
             <a:extLst>
               <a:ext uri="{FF2B5EF4-FFF2-40B4-BE49-F238E27FC236}">
-                <a16:creationId xmlns:a16="http://schemas.microsoft.com/office/drawing/2014/main" id="{AA18BF10-E166-4004-B0EB-5269B3668265}"/>
+                <a16:creationId xmlns:a16="http://schemas.microsoft.com/office/drawing/2014/main" xmlns="" id="{AA18BF10-E166-4004-B0EB-5269B3668265}"/>
               </a:ext>
             </a:extLst>
           </p:cNvPr>
@@ -1278,7 +1279,7 @@
           <p:cNvPr id="3" name="Content Placeholder 2">
             <a:extLst>
               <a:ext uri="{FF2B5EF4-FFF2-40B4-BE49-F238E27FC236}">
-                <a16:creationId xmlns:a16="http://schemas.microsoft.com/office/drawing/2014/main" id="{333510AE-E4AB-4DF1-875B-EC5FD0F0F1A5}"/>
+                <a16:creationId xmlns:a16="http://schemas.microsoft.com/office/drawing/2014/main" xmlns="" id="{333510AE-E4AB-4DF1-875B-EC5FD0F0F1A5}"/>
               </a:ext>
             </a:extLst>
           </p:cNvPr>
@@ -1341,7 +1342,7 @@
           <p:cNvPr id="4" name="Content Placeholder 3">
             <a:extLst>
               <a:ext uri="{FF2B5EF4-FFF2-40B4-BE49-F238E27FC236}">
-                <a16:creationId xmlns:a16="http://schemas.microsoft.com/office/drawing/2014/main" id="{5403E092-1374-49AB-991A-C900840AB9C5}"/>
+                <a16:creationId xmlns:a16="http://schemas.microsoft.com/office/drawing/2014/main" xmlns="" id="{5403E092-1374-49AB-991A-C900840AB9C5}"/>
               </a:ext>
             </a:extLst>
           </p:cNvPr>
@@ -1404,7 +1405,7 @@
           <p:cNvPr id="5" name="Date Placeholder 4">
             <a:extLst>
               <a:ext uri="{FF2B5EF4-FFF2-40B4-BE49-F238E27FC236}">
-                <a16:creationId xmlns:a16="http://schemas.microsoft.com/office/drawing/2014/main" id="{3A5F1F22-838A-4EC3-8DE2-25F126F5BE77}"/>
+                <a16:creationId xmlns:a16="http://schemas.microsoft.com/office/drawing/2014/main" xmlns="" id="{3A5F1F22-838A-4EC3-8DE2-25F126F5BE77}"/>
               </a:ext>
             </a:extLst>
           </p:cNvPr>
@@ -1422,7 +1423,7 @@
           <a:p>
             <a:fld id="{5F9021A5-5D2C-4FF7-8FBA-B61BDE30AE1B}" type="datetimeFigureOut">
               <a:rPr lang="en-GB" smtClean="0"/>
-              <a:t>22/01/2019</a:t>
+              <a:t>23/01/2019</a:t>
             </a:fld>
             <a:endParaRPr lang="en-GB"/>
           </a:p>
@@ -1433,7 +1434,7 @@
           <p:cNvPr id="6" name="Footer Placeholder 5">
             <a:extLst>
               <a:ext uri="{FF2B5EF4-FFF2-40B4-BE49-F238E27FC236}">
-                <a16:creationId xmlns:a16="http://schemas.microsoft.com/office/drawing/2014/main" id="{884FA1F6-2855-4448-8E6C-887074463914}"/>
+                <a16:creationId xmlns:a16="http://schemas.microsoft.com/office/drawing/2014/main" xmlns="" id="{884FA1F6-2855-4448-8E6C-887074463914}"/>
               </a:ext>
             </a:extLst>
           </p:cNvPr>
@@ -1458,7 +1459,7 @@
           <p:cNvPr id="7" name="Slide Number Placeholder 6">
             <a:extLst>
               <a:ext uri="{FF2B5EF4-FFF2-40B4-BE49-F238E27FC236}">
-                <a16:creationId xmlns:a16="http://schemas.microsoft.com/office/drawing/2014/main" id="{192DFC1C-DC54-4391-BC39-EFE932710B9D}"/>
+                <a16:creationId xmlns:a16="http://schemas.microsoft.com/office/drawing/2014/main" xmlns="" id="{192DFC1C-DC54-4391-BC39-EFE932710B9D}"/>
               </a:ext>
             </a:extLst>
           </p:cNvPr>
@@ -1517,7 +1518,7 @@
           <p:cNvPr id="2" name="Title 1">
             <a:extLst>
               <a:ext uri="{FF2B5EF4-FFF2-40B4-BE49-F238E27FC236}">
-                <a16:creationId xmlns:a16="http://schemas.microsoft.com/office/drawing/2014/main" id="{F35FB1A5-06D9-45FF-9AFB-C4F0C69E68D7}"/>
+                <a16:creationId xmlns:a16="http://schemas.microsoft.com/office/drawing/2014/main" xmlns="" id="{F35FB1A5-06D9-45FF-9AFB-C4F0C69E68D7}"/>
               </a:ext>
             </a:extLst>
           </p:cNvPr>
@@ -1551,7 +1552,7 @@
           <p:cNvPr id="3" name="Text Placeholder 2">
             <a:extLst>
               <a:ext uri="{FF2B5EF4-FFF2-40B4-BE49-F238E27FC236}">
-                <a16:creationId xmlns:a16="http://schemas.microsoft.com/office/drawing/2014/main" id="{50084235-CC21-448C-98EE-C8FED28F8B67}"/>
+                <a16:creationId xmlns:a16="http://schemas.microsoft.com/office/drawing/2014/main" xmlns="" id="{50084235-CC21-448C-98EE-C8FED28F8B67}"/>
               </a:ext>
             </a:extLst>
           </p:cNvPr>
@@ -1622,7 +1623,7 @@
           <p:cNvPr id="4" name="Content Placeholder 3">
             <a:extLst>
               <a:ext uri="{FF2B5EF4-FFF2-40B4-BE49-F238E27FC236}">
-                <a16:creationId xmlns:a16="http://schemas.microsoft.com/office/drawing/2014/main" id="{7D6955AF-5C0F-4296-A116-5CD28C92E290}"/>
+                <a16:creationId xmlns:a16="http://schemas.microsoft.com/office/drawing/2014/main" xmlns="" id="{7D6955AF-5C0F-4296-A116-5CD28C92E290}"/>
               </a:ext>
             </a:extLst>
           </p:cNvPr>
@@ -1685,7 +1686,7 @@
           <p:cNvPr id="5" name="Text Placeholder 4">
             <a:extLst>
               <a:ext uri="{FF2B5EF4-FFF2-40B4-BE49-F238E27FC236}">
-                <a16:creationId xmlns:a16="http://schemas.microsoft.com/office/drawing/2014/main" id="{58A0C3B2-4658-4D67-A3FF-49F1C083E97E}"/>
+                <a16:creationId xmlns:a16="http://schemas.microsoft.com/office/drawing/2014/main" xmlns="" id="{58A0C3B2-4658-4D67-A3FF-49F1C083E97E}"/>
               </a:ext>
             </a:extLst>
           </p:cNvPr>
@@ -1756,7 +1757,7 @@
           <p:cNvPr id="6" name="Content Placeholder 5">
             <a:extLst>
               <a:ext uri="{FF2B5EF4-FFF2-40B4-BE49-F238E27FC236}">
-                <a16:creationId xmlns:a16="http://schemas.microsoft.com/office/drawing/2014/main" id="{21D4CD37-FE65-4127-B060-B3E7323C5C93}"/>
+                <a16:creationId xmlns:a16="http://schemas.microsoft.com/office/drawing/2014/main" xmlns="" id="{21D4CD37-FE65-4127-B060-B3E7323C5C93}"/>
               </a:ext>
             </a:extLst>
           </p:cNvPr>
@@ -1819,7 +1820,7 @@
           <p:cNvPr id="7" name="Date Placeholder 6">
             <a:extLst>
               <a:ext uri="{FF2B5EF4-FFF2-40B4-BE49-F238E27FC236}">
-                <a16:creationId xmlns:a16="http://schemas.microsoft.com/office/drawing/2014/main" id="{645BB935-10CF-49D0-9C83-6AE073BB7BA2}"/>
+                <a16:creationId xmlns:a16="http://schemas.microsoft.com/office/drawing/2014/main" xmlns="" id="{645BB935-10CF-49D0-9C83-6AE073BB7BA2}"/>
               </a:ext>
             </a:extLst>
           </p:cNvPr>
@@ -1837,7 +1838,7 @@
           <a:p>
             <a:fld id="{5F9021A5-5D2C-4FF7-8FBA-B61BDE30AE1B}" type="datetimeFigureOut">
               <a:rPr lang="en-GB" smtClean="0"/>
-              <a:t>22/01/2019</a:t>
+              <a:t>23/01/2019</a:t>
             </a:fld>
             <a:endParaRPr lang="en-GB"/>
           </a:p>
@@ -1848,7 +1849,7 @@
           <p:cNvPr id="8" name="Footer Placeholder 7">
             <a:extLst>
               <a:ext uri="{FF2B5EF4-FFF2-40B4-BE49-F238E27FC236}">
-                <a16:creationId xmlns:a16="http://schemas.microsoft.com/office/drawing/2014/main" id="{66189B88-9CE4-44FF-BC06-2CA077FFA825}"/>
+                <a16:creationId xmlns:a16="http://schemas.microsoft.com/office/drawing/2014/main" xmlns="" id="{66189B88-9CE4-44FF-BC06-2CA077FFA825}"/>
               </a:ext>
             </a:extLst>
           </p:cNvPr>
@@ -1873,7 +1874,7 @@
           <p:cNvPr id="9" name="Slide Number Placeholder 8">
             <a:extLst>
               <a:ext uri="{FF2B5EF4-FFF2-40B4-BE49-F238E27FC236}">
-                <a16:creationId xmlns:a16="http://schemas.microsoft.com/office/drawing/2014/main" id="{05E0D7D3-5513-4B83-B7B5-23F6F2952FBE}"/>
+                <a16:creationId xmlns:a16="http://schemas.microsoft.com/office/drawing/2014/main" xmlns="" id="{05E0D7D3-5513-4B83-B7B5-23F6F2952FBE}"/>
               </a:ext>
             </a:extLst>
           </p:cNvPr>
@@ -1932,7 +1933,7 @@
           <p:cNvPr id="2" name="Title 1">
             <a:extLst>
               <a:ext uri="{FF2B5EF4-FFF2-40B4-BE49-F238E27FC236}">
-                <a16:creationId xmlns:a16="http://schemas.microsoft.com/office/drawing/2014/main" id="{200DF880-9650-47A3-B764-4A8EE9FF4B53}"/>
+                <a16:creationId xmlns:a16="http://schemas.microsoft.com/office/drawing/2014/main" xmlns="" id="{200DF880-9650-47A3-B764-4A8EE9FF4B53}"/>
               </a:ext>
             </a:extLst>
           </p:cNvPr>
@@ -1961,7 +1962,7 @@
           <p:cNvPr id="3" name="Date Placeholder 2">
             <a:extLst>
               <a:ext uri="{FF2B5EF4-FFF2-40B4-BE49-F238E27FC236}">
-                <a16:creationId xmlns:a16="http://schemas.microsoft.com/office/drawing/2014/main" id="{74259FFF-FD9C-4749-98DA-29A82BEBA21F}"/>
+                <a16:creationId xmlns:a16="http://schemas.microsoft.com/office/drawing/2014/main" xmlns="" id="{74259FFF-FD9C-4749-98DA-29A82BEBA21F}"/>
               </a:ext>
             </a:extLst>
           </p:cNvPr>
@@ -1979,7 +1980,7 @@
           <a:p>
             <a:fld id="{5F9021A5-5D2C-4FF7-8FBA-B61BDE30AE1B}" type="datetimeFigureOut">
               <a:rPr lang="en-GB" smtClean="0"/>
-              <a:t>22/01/2019</a:t>
+              <a:t>23/01/2019</a:t>
             </a:fld>
             <a:endParaRPr lang="en-GB"/>
           </a:p>
@@ -1990,7 +1991,7 @@
           <p:cNvPr id="4" name="Footer Placeholder 3">
             <a:extLst>
               <a:ext uri="{FF2B5EF4-FFF2-40B4-BE49-F238E27FC236}">
-                <a16:creationId xmlns:a16="http://schemas.microsoft.com/office/drawing/2014/main" id="{0C93E6D4-42C7-4396-83F5-C706FABE2BB2}"/>
+                <a16:creationId xmlns:a16="http://schemas.microsoft.com/office/drawing/2014/main" xmlns="" id="{0C93E6D4-42C7-4396-83F5-C706FABE2BB2}"/>
               </a:ext>
             </a:extLst>
           </p:cNvPr>
@@ -2015,7 +2016,7 @@
           <p:cNvPr id="5" name="Slide Number Placeholder 4">
             <a:extLst>
               <a:ext uri="{FF2B5EF4-FFF2-40B4-BE49-F238E27FC236}">
-                <a16:creationId xmlns:a16="http://schemas.microsoft.com/office/drawing/2014/main" id="{751E6D9E-3936-46CA-85A8-0E03995DC49A}"/>
+                <a16:creationId xmlns:a16="http://schemas.microsoft.com/office/drawing/2014/main" xmlns="" id="{751E6D9E-3936-46CA-85A8-0E03995DC49A}"/>
               </a:ext>
             </a:extLst>
           </p:cNvPr>
@@ -2074,7 +2075,7 @@
           <p:cNvPr id="2" name="Date Placeholder 1">
             <a:extLst>
               <a:ext uri="{FF2B5EF4-FFF2-40B4-BE49-F238E27FC236}">
-                <a16:creationId xmlns:a16="http://schemas.microsoft.com/office/drawing/2014/main" id="{FE2556F9-C98E-4E78-AE79-E9A3E8EC0A1F}"/>
+                <a16:creationId xmlns:a16="http://schemas.microsoft.com/office/drawing/2014/main" xmlns="" id="{FE2556F9-C98E-4E78-AE79-E9A3E8EC0A1F}"/>
               </a:ext>
             </a:extLst>
           </p:cNvPr>
@@ -2092,7 +2093,7 @@
           <a:p>
             <a:fld id="{5F9021A5-5D2C-4FF7-8FBA-B61BDE30AE1B}" type="datetimeFigureOut">
               <a:rPr lang="en-GB" smtClean="0"/>
-              <a:t>22/01/2019</a:t>
+              <a:t>23/01/2019</a:t>
             </a:fld>
             <a:endParaRPr lang="en-GB"/>
           </a:p>
@@ -2103,7 +2104,7 @@
           <p:cNvPr id="3" name="Footer Placeholder 2">
             <a:extLst>
               <a:ext uri="{FF2B5EF4-FFF2-40B4-BE49-F238E27FC236}">
-                <a16:creationId xmlns:a16="http://schemas.microsoft.com/office/drawing/2014/main" id="{5E58EFB7-EF90-4E5C-88BB-C67B2E6D5FCA}"/>
+                <a16:creationId xmlns:a16="http://schemas.microsoft.com/office/drawing/2014/main" xmlns="" id="{5E58EFB7-EF90-4E5C-88BB-C67B2E6D5FCA}"/>
               </a:ext>
             </a:extLst>
           </p:cNvPr>
@@ -2128,7 +2129,7 @@
           <p:cNvPr id="4" name="Slide Number Placeholder 3">
             <a:extLst>
               <a:ext uri="{FF2B5EF4-FFF2-40B4-BE49-F238E27FC236}">
-                <a16:creationId xmlns:a16="http://schemas.microsoft.com/office/drawing/2014/main" id="{E9539145-7624-4814-9BFE-B315EDCE9F72}"/>
+                <a16:creationId xmlns:a16="http://schemas.microsoft.com/office/drawing/2014/main" xmlns="" id="{E9539145-7624-4814-9BFE-B315EDCE9F72}"/>
               </a:ext>
             </a:extLst>
           </p:cNvPr>
@@ -2187,7 +2188,7 @@
           <p:cNvPr id="2" name="Title 1">
             <a:extLst>
               <a:ext uri="{FF2B5EF4-FFF2-40B4-BE49-F238E27FC236}">
-                <a16:creationId xmlns:a16="http://schemas.microsoft.com/office/drawing/2014/main" id="{14E37E2D-94B8-4937-9D19-073CF5073DCA}"/>
+                <a16:creationId xmlns:a16="http://schemas.microsoft.com/office/drawing/2014/main" xmlns="" id="{14E37E2D-94B8-4937-9D19-073CF5073DCA}"/>
               </a:ext>
             </a:extLst>
           </p:cNvPr>
@@ -2225,7 +2226,7 @@
           <p:cNvPr id="3" name="Content Placeholder 2">
             <a:extLst>
               <a:ext uri="{FF2B5EF4-FFF2-40B4-BE49-F238E27FC236}">
-                <a16:creationId xmlns:a16="http://schemas.microsoft.com/office/drawing/2014/main" id="{26BF1181-E9F7-4D60-B81C-A8AC8024327A}"/>
+                <a16:creationId xmlns:a16="http://schemas.microsoft.com/office/drawing/2014/main" xmlns="" id="{26BF1181-E9F7-4D60-B81C-A8AC8024327A}"/>
               </a:ext>
             </a:extLst>
           </p:cNvPr>
@@ -2316,7 +2317,7 @@
           <p:cNvPr id="4" name="Text Placeholder 3">
             <a:extLst>
               <a:ext uri="{FF2B5EF4-FFF2-40B4-BE49-F238E27FC236}">
-                <a16:creationId xmlns:a16="http://schemas.microsoft.com/office/drawing/2014/main" id="{9433EB85-D118-401F-92A7-15F6C5BBAD38}"/>
+                <a16:creationId xmlns:a16="http://schemas.microsoft.com/office/drawing/2014/main" xmlns="" id="{9433EB85-D118-401F-92A7-15F6C5BBAD38}"/>
               </a:ext>
             </a:extLst>
           </p:cNvPr>
@@ -2387,7 +2388,7 @@
           <p:cNvPr id="5" name="Date Placeholder 4">
             <a:extLst>
               <a:ext uri="{FF2B5EF4-FFF2-40B4-BE49-F238E27FC236}">
-                <a16:creationId xmlns:a16="http://schemas.microsoft.com/office/drawing/2014/main" id="{DA607528-5B49-4DD3-9132-30881DE87B4D}"/>
+                <a16:creationId xmlns:a16="http://schemas.microsoft.com/office/drawing/2014/main" xmlns="" id="{DA607528-5B49-4DD3-9132-30881DE87B4D}"/>
               </a:ext>
             </a:extLst>
           </p:cNvPr>
@@ -2405,7 +2406,7 @@
           <a:p>
             <a:fld id="{5F9021A5-5D2C-4FF7-8FBA-B61BDE30AE1B}" type="datetimeFigureOut">
               <a:rPr lang="en-GB" smtClean="0"/>
-              <a:t>22/01/2019</a:t>
+              <a:t>23/01/2019</a:t>
             </a:fld>
             <a:endParaRPr lang="en-GB"/>
           </a:p>
@@ -2416,7 +2417,7 @@
           <p:cNvPr id="6" name="Footer Placeholder 5">
             <a:extLst>
               <a:ext uri="{FF2B5EF4-FFF2-40B4-BE49-F238E27FC236}">
-                <a16:creationId xmlns:a16="http://schemas.microsoft.com/office/drawing/2014/main" id="{455BA862-992C-43CA-B5C2-4C0430B2F039}"/>
+                <a16:creationId xmlns:a16="http://schemas.microsoft.com/office/drawing/2014/main" xmlns="" id="{455BA862-992C-43CA-B5C2-4C0430B2F039}"/>
               </a:ext>
             </a:extLst>
           </p:cNvPr>
@@ -2441,7 +2442,7 @@
           <p:cNvPr id="7" name="Slide Number Placeholder 6">
             <a:extLst>
               <a:ext uri="{FF2B5EF4-FFF2-40B4-BE49-F238E27FC236}">
-                <a16:creationId xmlns:a16="http://schemas.microsoft.com/office/drawing/2014/main" id="{38D26D8D-2712-4B8C-BF2E-9C5B39AEBD41}"/>
+                <a16:creationId xmlns:a16="http://schemas.microsoft.com/office/drawing/2014/main" xmlns="" id="{38D26D8D-2712-4B8C-BF2E-9C5B39AEBD41}"/>
               </a:ext>
             </a:extLst>
           </p:cNvPr>
@@ -2500,7 +2501,7 @@
           <p:cNvPr id="2" name="Title 1">
             <a:extLst>
               <a:ext uri="{FF2B5EF4-FFF2-40B4-BE49-F238E27FC236}">
-                <a16:creationId xmlns:a16="http://schemas.microsoft.com/office/drawing/2014/main" id="{17A725E2-032B-437C-AB44-582C1073A509}"/>
+                <a16:creationId xmlns:a16="http://schemas.microsoft.com/office/drawing/2014/main" xmlns="" id="{17A725E2-032B-437C-AB44-582C1073A509}"/>
               </a:ext>
             </a:extLst>
           </p:cNvPr>
@@ -2538,7 +2539,7 @@
           <p:cNvPr id="3" name="Picture Placeholder 2">
             <a:extLst>
               <a:ext uri="{FF2B5EF4-FFF2-40B4-BE49-F238E27FC236}">
-                <a16:creationId xmlns:a16="http://schemas.microsoft.com/office/drawing/2014/main" id="{5F439274-0057-4242-9680-1D7A9CE6634D}"/>
+                <a16:creationId xmlns:a16="http://schemas.microsoft.com/office/drawing/2014/main" xmlns="" id="{5F439274-0057-4242-9680-1D7A9CE6634D}"/>
               </a:ext>
             </a:extLst>
           </p:cNvPr>
@@ -2605,7 +2606,7 @@
           <p:cNvPr id="4" name="Text Placeholder 3">
             <a:extLst>
               <a:ext uri="{FF2B5EF4-FFF2-40B4-BE49-F238E27FC236}">
-                <a16:creationId xmlns:a16="http://schemas.microsoft.com/office/drawing/2014/main" id="{6E3FE9FB-8CAF-425A-9101-BDEF14014742}"/>
+                <a16:creationId xmlns:a16="http://schemas.microsoft.com/office/drawing/2014/main" xmlns="" id="{6E3FE9FB-8CAF-425A-9101-BDEF14014742}"/>
               </a:ext>
             </a:extLst>
           </p:cNvPr>
@@ -2676,7 +2677,7 @@
           <p:cNvPr id="5" name="Date Placeholder 4">
             <a:extLst>
               <a:ext uri="{FF2B5EF4-FFF2-40B4-BE49-F238E27FC236}">
-                <a16:creationId xmlns:a16="http://schemas.microsoft.com/office/drawing/2014/main" id="{50C55AAC-CB8E-429F-8B0E-F46731F2830B}"/>
+                <a16:creationId xmlns:a16="http://schemas.microsoft.com/office/drawing/2014/main" xmlns="" id="{50C55AAC-CB8E-429F-8B0E-F46731F2830B}"/>
               </a:ext>
             </a:extLst>
           </p:cNvPr>
@@ -2694,7 +2695,7 @@
           <a:p>
             <a:fld id="{5F9021A5-5D2C-4FF7-8FBA-B61BDE30AE1B}" type="datetimeFigureOut">
               <a:rPr lang="en-GB" smtClean="0"/>
-              <a:t>22/01/2019</a:t>
+              <a:t>23/01/2019</a:t>
             </a:fld>
             <a:endParaRPr lang="en-GB"/>
           </a:p>
@@ -2705,7 +2706,7 @@
           <p:cNvPr id="6" name="Footer Placeholder 5">
             <a:extLst>
               <a:ext uri="{FF2B5EF4-FFF2-40B4-BE49-F238E27FC236}">
-                <a16:creationId xmlns:a16="http://schemas.microsoft.com/office/drawing/2014/main" id="{C2F8A79E-3DA5-4A2B-86FA-8C19825DEB33}"/>
+                <a16:creationId xmlns:a16="http://schemas.microsoft.com/office/drawing/2014/main" xmlns="" id="{C2F8A79E-3DA5-4A2B-86FA-8C19825DEB33}"/>
               </a:ext>
             </a:extLst>
           </p:cNvPr>
@@ -2730,7 +2731,7 @@
           <p:cNvPr id="7" name="Slide Number Placeholder 6">
             <a:extLst>
               <a:ext uri="{FF2B5EF4-FFF2-40B4-BE49-F238E27FC236}">
-                <a16:creationId xmlns:a16="http://schemas.microsoft.com/office/drawing/2014/main" id="{B5008AA0-F7C3-4DA3-B1D9-3420F7D2567D}"/>
+                <a16:creationId xmlns:a16="http://schemas.microsoft.com/office/drawing/2014/main" xmlns="" id="{B5008AA0-F7C3-4DA3-B1D9-3420F7D2567D}"/>
               </a:ext>
             </a:extLst>
           </p:cNvPr>
@@ -2794,7 +2795,7 @@
           <p:cNvPr id="2" name="Title Placeholder 1">
             <a:extLst>
               <a:ext uri="{FF2B5EF4-FFF2-40B4-BE49-F238E27FC236}">
-                <a16:creationId xmlns:a16="http://schemas.microsoft.com/office/drawing/2014/main" id="{525AF961-B3D1-4104-86B8-C10BAD57B953}"/>
+                <a16:creationId xmlns:a16="http://schemas.microsoft.com/office/drawing/2014/main" xmlns="" id="{525AF961-B3D1-4104-86B8-C10BAD57B953}"/>
               </a:ext>
             </a:extLst>
           </p:cNvPr>
@@ -2833,7 +2834,7 @@
           <p:cNvPr id="3" name="Text Placeholder 2">
             <a:extLst>
               <a:ext uri="{FF2B5EF4-FFF2-40B4-BE49-F238E27FC236}">
-                <a16:creationId xmlns:a16="http://schemas.microsoft.com/office/drawing/2014/main" id="{2F27F852-475F-4869-A573-AD1D51B3D236}"/>
+                <a16:creationId xmlns:a16="http://schemas.microsoft.com/office/drawing/2014/main" xmlns="" id="{2F27F852-475F-4869-A573-AD1D51B3D236}"/>
               </a:ext>
             </a:extLst>
           </p:cNvPr>
@@ -2901,7 +2902,7 @@
           <p:cNvPr id="4" name="Date Placeholder 3">
             <a:extLst>
               <a:ext uri="{FF2B5EF4-FFF2-40B4-BE49-F238E27FC236}">
-                <a16:creationId xmlns:a16="http://schemas.microsoft.com/office/drawing/2014/main" id="{59156039-19C9-44ED-84AF-BBFA5A788067}"/>
+                <a16:creationId xmlns:a16="http://schemas.microsoft.com/office/drawing/2014/main" xmlns="" id="{59156039-19C9-44ED-84AF-BBFA5A788067}"/>
               </a:ext>
             </a:extLst>
           </p:cNvPr>
@@ -2937,7 +2938,7 @@
           <a:p>
             <a:fld id="{5F9021A5-5D2C-4FF7-8FBA-B61BDE30AE1B}" type="datetimeFigureOut">
               <a:rPr lang="en-GB" smtClean="0"/>
-              <a:t>22/01/2019</a:t>
+              <a:t>23/01/2019</a:t>
             </a:fld>
             <a:endParaRPr lang="en-GB"/>
           </a:p>
@@ -2948,7 +2949,7 @@
           <p:cNvPr id="5" name="Footer Placeholder 4">
             <a:extLst>
               <a:ext uri="{FF2B5EF4-FFF2-40B4-BE49-F238E27FC236}">
-                <a16:creationId xmlns:a16="http://schemas.microsoft.com/office/drawing/2014/main" id="{F60107FF-CCD1-4AB6-9759-47FC7DB3CA12}"/>
+                <a16:creationId xmlns:a16="http://schemas.microsoft.com/office/drawing/2014/main" xmlns="" id="{F60107FF-CCD1-4AB6-9759-47FC7DB3CA12}"/>
               </a:ext>
             </a:extLst>
           </p:cNvPr>
@@ -2991,7 +2992,7 @@
           <p:cNvPr id="6" name="Slide Number Placeholder 5">
             <a:extLst>
               <a:ext uri="{FF2B5EF4-FFF2-40B4-BE49-F238E27FC236}">
-                <a16:creationId xmlns:a16="http://schemas.microsoft.com/office/drawing/2014/main" id="{265A53F5-9A94-4878-984D-EDCC813187E2}"/>
+                <a16:creationId xmlns:a16="http://schemas.microsoft.com/office/drawing/2014/main" xmlns="" id="{265A53F5-9A94-4878-984D-EDCC813187E2}"/>
               </a:ext>
             </a:extLst>
           </p:cNvPr>
@@ -3359,7 +3360,7 @@
           <p:cNvPr id="10" name="Group 9">
             <a:extLst>
               <a:ext uri="{FF2B5EF4-FFF2-40B4-BE49-F238E27FC236}">
-                <a16:creationId xmlns:a16="http://schemas.microsoft.com/office/drawing/2014/main" id="{DE565E46-0409-49DC-A628-3A9D99FF49A4}"/>
+                <a16:creationId xmlns:a16="http://schemas.microsoft.com/office/drawing/2014/main" xmlns="" id="{DE565E46-0409-49DC-A628-3A9D99FF49A4}"/>
               </a:ext>
             </a:extLst>
           </p:cNvPr>
@@ -3379,7 +3380,7 @@
             <p:cNvPr id="6" name="Oval 5">
               <a:extLst>
                 <a:ext uri="{FF2B5EF4-FFF2-40B4-BE49-F238E27FC236}">
-                  <a16:creationId xmlns:a16="http://schemas.microsoft.com/office/drawing/2014/main" id="{0AF1B685-5947-4FCA-8578-2E2573B50500}"/>
+                  <a16:creationId xmlns:a16="http://schemas.microsoft.com/office/drawing/2014/main" xmlns="" id="{0AF1B685-5947-4FCA-8578-2E2573B50500}"/>
                 </a:ext>
               </a:extLst>
             </p:cNvPr>
@@ -3433,7 +3434,7 @@
             <p:cNvPr id="7" name="Oval 6">
               <a:extLst>
                 <a:ext uri="{FF2B5EF4-FFF2-40B4-BE49-F238E27FC236}">
-                  <a16:creationId xmlns:a16="http://schemas.microsoft.com/office/drawing/2014/main" id="{78C829D8-8AEA-46B0-B52D-267C3E7DC429}"/>
+                  <a16:creationId xmlns:a16="http://schemas.microsoft.com/office/drawing/2014/main" xmlns="" id="{78C829D8-8AEA-46B0-B52D-267C3E7DC429}"/>
                 </a:ext>
               </a:extLst>
             </p:cNvPr>
@@ -3487,7 +3488,7 @@
             <p:cNvPr id="4" name="Rectangle 3">
               <a:extLst>
                 <a:ext uri="{FF2B5EF4-FFF2-40B4-BE49-F238E27FC236}">
-                  <a16:creationId xmlns:a16="http://schemas.microsoft.com/office/drawing/2014/main" id="{E0980DD5-50C4-4F70-81B9-C85FF23D25A0}"/>
+                  <a16:creationId xmlns:a16="http://schemas.microsoft.com/office/drawing/2014/main" xmlns="" id="{E0980DD5-50C4-4F70-81B9-C85FF23D25A0}"/>
                 </a:ext>
               </a:extLst>
             </p:cNvPr>
@@ -3544,7 +3545,7 @@
             <p:cNvPr id="9" name="Rectangle 8">
               <a:extLst>
                 <a:ext uri="{FF2B5EF4-FFF2-40B4-BE49-F238E27FC236}">
-                  <a16:creationId xmlns:a16="http://schemas.microsoft.com/office/drawing/2014/main" id="{1100EAFF-8FCD-4A65-86ED-0BB35E12F79B}"/>
+                  <a16:creationId xmlns:a16="http://schemas.microsoft.com/office/drawing/2014/main" xmlns="" id="{1100EAFF-8FCD-4A65-86ED-0BB35E12F79B}"/>
                 </a:ext>
               </a:extLst>
             </p:cNvPr>
@@ -3604,7 +3605,7 @@
             <p:cNvPr id="5" name="Rectangle: Rounded Corners 4">
               <a:extLst>
                 <a:ext uri="{FF2B5EF4-FFF2-40B4-BE49-F238E27FC236}">
-                  <a16:creationId xmlns:a16="http://schemas.microsoft.com/office/drawing/2014/main" id="{33339975-1307-4621-80CE-599D1FDB2CC6}"/>
+                  <a16:creationId xmlns:a16="http://schemas.microsoft.com/office/drawing/2014/main" xmlns="" id="{33339975-1307-4621-80CE-599D1FDB2CC6}"/>
                 </a:ext>
               </a:extLst>
             </p:cNvPr>
@@ -3664,7 +3665,7 @@
           <p:cNvPr id="18" name="Group 17">
             <a:extLst>
               <a:ext uri="{FF2B5EF4-FFF2-40B4-BE49-F238E27FC236}">
-                <a16:creationId xmlns:a16="http://schemas.microsoft.com/office/drawing/2014/main" id="{BF308BC8-91B1-4840-864B-D6FE046F3045}"/>
+                <a16:creationId xmlns:a16="http://schemas.microsoft.com/office/drawing/2014/main" xmlns="" id="{BF308BC8-91B1-4840-864B-D6FE046F3045}"/>
               </a:ext>
             </a:extLst>
           </p:cNvPr>
@@ -3684,7 +3685,7 @@
             <p:cNvPr id="12" name="Rectangle: Rounded Corners 11">
               <a:extLst>
                 <a:ext uri="{FF2B5EF4-FFF2-40B4-BE49-F238E27FC236}">
-                  <a16:creationId xmlns:a16="http://schemas.microsoft.com/office/drawing/2014/main" id="{C5845180-84DB-49CB-B0F6-026F0F03AE96}"/>
+                  <a16:creationId xmlns:a16="http://schemas.microsoft.com/office/drawing/2014/main" xmlns="" id="{C5845180-84DB-49CB-B0F6-026F0F03AE96}"/>
                 </a:ext>
               </a:extLst>
             </p:cNvPr>
@@ -3743,7 +3744,7 @@
             <p:cNvPr id="13" name="Rectangle: Rounded Corners 12">
               <a:extLst>
                 <a:ext uri="{FF2B5EF4-FFF2-40B4-BE49-F238E27FC236}">
-                  <a16:creationId xmlns:a16="http://schemas.microsoft.com/office/drawing/2014/main" id="{47DDA1CF-AEEC-4455-9B8D-E1712A4F4D07}"/>
+                  <a16:creationId xmlns:a16="http://schemas.microsoft.com/office/drawing/2014/main" xmlns="" id="{47DDA1CF-AEEC-4455-9B8D-E1712A4F4D07}"/>
                 </a:ext>
               </a:extLst>
             </p:cNvPr>
@@ -3802,7 +3803,7 @@
             <p:cNvPr id="14" name="Rectangle 13">
               <a:extLst>
                 <a:ext uri="{FF2B5EF4-FFF2-40B4-BE49-F238E27FC236}">
-                  <a16:creationId xmlns:a16="http://schemas.microsoft.com/office/drawing/2014/main" id="{C3831AE5-FC33-405D-BBC0-AC1C9DBAE6FF}"/>
+                  <a16:creationId xmlns:a16="http://schemas.microsoft.com/office/drawing/2014/main" xmlns="" id="{C3831AE5-FC33-405D-BBC0-AC1C9DBAE6FF}"/>
                 </a:ext>
               </a:extLst>
             </p:cNvPr>
@@ -3859,7 +3860,7 @@
             <p:cNvPr id="15" name="Oval 14">
               <a:extLst>
                 <a:ext uri="{FF2B5EF4-FFF2-40B4-BE49-F238E27FC236}">
-                  <a16:creationId xmlns:a16="http://schemas.microsoft.com/office/drawing/2014/main" id="{4B3618A2-8B15-4867-9E8E-B4200276EF37}"/>
+                  <a16:creationId xmlns:a16="http://schemas.microsoft.com/office/drawing/2014/main" xmlns="" id="{4B3618A2-8B15-4867-9E8E-B4200276EF37}"/>
                 </a:ext>
               </a:extLst>
             </p:cNvPr>
@@ -3913,7 +3914,7 @@
             <p:cNvPr id="16" name="Oval 15">
               <a:extLst>
                 <a:ext uri="{FF2B5EF4-FFF2-40B4-BE49-F238E27FC236}">
-                  <a16:creationId xmlns:a16="http://schemas.microsoft.com/office/drawing/2014/main" id="{2DA9BCD9-B90C-42B3-B7F5-A0685BBE0EBE}"/>
+                  <a16:creationId xmlns:a16="http://schemas.microsoft.com/office/drawing/2014/main" xmlns="" id="{2DA9BCD9-B90C-42B3-B7F5-A0685BBE0EBE}"/>
                 </a:ext>
               </a:extLst>
             </p:cNvPr>
@@ -3967,7 +3968,7 @@
             <p:cNvPr id="17" name="Rectangle 16">
               <a:extLst>
                 <a:ext uri="{FF2B5EF4-FFF2-40B4-BE49-F238E27FC236}">
-                  <a16:creationId xmlns:a16="http://schemas.microsoft.com/office/drawing/2014/main" id="{BD56E8A5-511F-4FDD-903A-9764C059A1F0}"/>
+                  <a16:creationId xmlns:a16="http://schemas.microsoft.com/office/drawing/2014/main" xmlns="" id="{BD56E8A5-511F-4FDD-903A-9764C059A1F0}"/>
                 </a:ext>
               </a:extLst>
             </p:cNvPr>
@@ -4033,6 +4034,13 @@
   <p:clrMapOvr>
     <a:masterClrMapping/>
   </p:clrMapOvr>
+  <p:timing>
+    <p:tnLst>
+      <p:par>
+        <p:cTn id="1" dur="indefinite" restart="never" nodeType="tmRoot"/>
+      </p:par>
+    </p:tnLst>
+  </p:timing>
 </p:sld>
 </file>
 
@@ -4058,7 +4066,7 @@
           <p:cNvPr id="4" name="Rectangle 3">
             <a:extLst>
               <a:ext uri="{FF2B5EF4-FFF2-40B4-BE49-F238E27FC236}">
-                <a16:creationId xmlns:a16="http://schemas.microsoft.com/office/drawing/2014/main" id="{B952EAF2-0A12-43B9-9045-FF6DF05D9554}"/>
+                <a16:creationId xmlns:a16="http://schemas.microsoft.com/office/drawing/2014/main" xmlns="" id="{B952EAF2-0A12-43B9-9045-FF6DF05D9554}"/>
               </a:ext>
             </a:extLst>
           </p:cNvPr>
@@ -4113,7 +4121,7 @@
           <p:cNvPr id="6" name="Rectangle 5">
             <a:extLst>
               <a:ext uri="{FF2B5EF4-FFF2-40B4-BE49-F238E27FC236}">
-                <a16:creationId xmlns:a16="http://schemas.microsoft.com/office/drawing/2014/main" id="{BB1785C5-707A-4CE9-BBBE-93504DA2B416}"/>
+                <a16:creationId xmlns:a16="http://schemas.microsoft.com/office/drawing/2014/main" xmlns="" id="{BB1785C5-707A-4CE9-BBBE-93504DA2B416}"/>
               </a:ext>
             </a:extLst>
           </p:cNvPr>
@@ -4165,7 +4173,7 @@
           <p:cNvPr id="8" name="Right Triangle 7">
             <a:extLst>
               <a:ext uri="{FF2B5EF4-FFF2-40B4-BE49-F238E27FC236}">
-                <a16:creationId xmlns:a16="http://schemas.microsoft.com/office/drawing/2014/main" id="{A2D6DE3E-4399-4E4A-B4D0-6B24E5925A58}"/>
+                <a16:creationId xmlns:a16="http://schemas.microsoft.com/office/drawing/2014/main" xmlns="" id="{A2D6DE3E-4399-4E4A-B4D0-6B24E5925A58}"/>
               </a:ext>
             </a:extLst>
           </p:cNvPr>
@@ -4219,7 +4227,7 @@
           <p:cNvPr id="9" name="Right Triangle 8">
             <a:extLst>
               <a:ext uri="{FF2B5EF4-FFF2-40B4-BE49-F238E27FC236}">
-                <a16:creationId xmlns:a16="http://schemas.microsoft.com/office/drawing/2014/main" id="{4492A67D-306C-40E5-A188-25C5B2E8E60E}"/>
+                <a16:creationId xmlns:a16="http://schemas.microsoft.com/office/drawing/2014/main" xmlns="" id="{4492A67D-306C-40E5-A188-25C5B2E8E60E}"/>
               </a:ext>
             </a:extLst>
           </p:cNvPr>
@@ -4271,7 +4279,7 @@
           <p:cNvPr id="10" name="Group 9">
             <a:extLst>
               <a:ext uri="{FF2B5EF4-FFF2-40B4-BE49-F238E27FC236}">
-                <a16:creationId xmlns:a16="http://schemas.microsoft.com/office/drawing/2014/main" id="{7240A447-BF0B-4888-ADEE-D2144CBECB04}"/>
+                <a16:creationId xmlns:a16="http://schemas.microsoft.com/office/drawing/2014/main" xmlns="" id="{7240A447-BF0B-4888-ADEE-D2144CBECB04}"/>
               </a:ext>
             </a:extLst>
           </p:cNvPr>
@@ -4291,7 +4299,7 @@
             <p:cNvPr id="11" name="Oval 10">
               <a:extLst>
                 <a:ext uri="{FF2B5EF4-FFF2-40B4-BE49-F238E27FC236}">
-                  <a16:creationId xmlns:a16="http://schemas.microsoft.com/office/drawing/2014/main" id="{B9E483EF-C8ED-4317-9444-C6D60D009609}"/>
+                  <a16:creationId xmlns:a16="http://schemas.microsoft.com/office/drawing/2014/main" xmlns="" id="{B9E483EF-C8ED-4317-9444-C6D60D009609}"/>
                 </a:ext>
               </a:extLst>
             </p:cNvPr>
@@ -4345,7 +4353,7 @@
             <p:cNvPr id="12" name="Oval 11">
               <a:extLst>
                 <a:ext uri="{FF2B5EF4-FFF2-40B4-BE49-F238E27FC236}">
-                  <a16:creationId xmlns:a16="http://schemas.microsoft.com/office/drawing/2014/main" id="{F5DC7E25-2E03-4DE0-8320-080C922B65CE}"/>
+                  <a16:creationId xmlns:a16="http://schemas.microsoft.com/office/drawing/2014/main" xmlns="" id="{F5DC7E25-2E03-4DE0-8320-080C922B65CE}"/>
                 </a:ext>
               </a:extLst>
             </p:cNvPr>
@@ -4399,7 +4407,7 @@
             <p:cNvPr id="13" name="Rectangle 12">
               <a:extLst>
                 <a:ext uri="{FF2B5EF4-FFF2-40B4-BE49-F238E27FC236}">
-                  <a16:creationId xmlns:a16="http://schemas.microsoft.com/office/drawing/2014/main" id="{DFA46352-C925-404B-9D8C-89CD61D2ADB4}"/>
+                  <a16:creationId xmlns:a16="http://schemas.microsoft.com/office/drawing/2014/main" xmlns="" id="{DFA46352-C925-404B-9D8C-89CD61D2ADB4}"/>
                 </a:ext>
               </a:extLst>
             </p:cNvPr>
@@ -4456,7 +4464,7 @@
             <p:cNvPr id="14" name="Rectangle: Rounded Corners 13">
               <a:extLst>
                 <a:ext uri="{FF2B5EF4-FFF2-40B4-BE49-F238E27FC236}">
-                  <a16:creationId xmlns:a16="http://schemas.microsoft.com/office/drawing/2014/main" id="{2D21F57D-E5CB-4BE7-B1D9-E4F1E8554796}"/>
+                  <a16:creationId xmlns:a16="http://schemas.microsoft.com/office/drawing/2014/main" xmlns="" id="{2D21F57D-E5CB-4BE7-B1D9-E4F1E8554796}"/>
                 </a:ext>
               </a:extLst>
             </p:cNvPr>
@@ -4516,7 +4524,7 @@
           <p:cNvPr id="16" name="Cloud 15">
             <a:extLst>
               <a:ext uri="{FF2B5EF4-FFF2-40B4-BE49-F238E27FC236}">
-                <a16:creationId xmlns:a16="http://schemas.microsoft.com/office/drawing/2014/main" id="{2CE27498-5023-4903-B058-E42EFEAA038E}"/>
+                <a16:creationId xmlns:a16="http://schemas.microsoft.com/office/drawing/2014/main" xmlns="" id="{2CE27498-5023-4903-B058-E42EFEAA038E}"/>
               </a:ext>
             </a:extLst>
           </p:cNvPr>
@@ -4573,7 +4581,7 @@
           <p:cNvPr id="5" name="Rectangle 4">
             <a:extLst>
               <a:ext uri="{FF2B5EF4-FFF2-40B4-BE49-F238E27FC236}">
-                <a16:creationId xmlns:a16="http://schemas.microsoft.com/office/drawing/2014/main" id="{54780F52-5C75-483F-A096-AE5FC390B8FA}"/>
+                <a16:creationId xmlns:a16="http://schemas.microsoft.com/office/drawing/2014/main" xmlns="" id="{54780F52-5C75-483F-A096-AE5FC390B8FA}"/>
               </a:ext>
             </a:extLst>
           </p:cNvPr>
@@ -4634,6 +4642,13 @@
   <p:clrMapOvr>
     <a:masterClrMapping/>
   </p:clrMapOvr>
+  <p:timing>
+    <p:tnLst>
+      <p:par>
+        <p:cTn id="1" dur="indefinite" restart="never" nodeType="tmRoot"/>
+      </p:par>
+    </p:tnLst>
+  </p:timing>
 </p:sld>
 </file>
 
@@ -4659,7 +4674,7 @@
           <p:cNvPr id="21" name="Rectangle 20">
             <a:extLst>
               <a:ext uri="{FF2B5EF4-FFF2-40B4-BE49-F238E27FC236}">
-                <a16:creationId xmlns:a16="http://schemas.microsoft.com/office/drawing/2014/main" id="{BD25B3EC-DB4C-4497-8FF5-572ABA1DC4C4}"/>
+                <a16:creationId xmlns:a16="http://schemas.microsoft.com/office/drawing/2014/main" xmlns="" id="{BD25B3EC-DB4C-4497-8FF5-572ABA1DC4C4}"/>
               </a:ext>
             </a:extLst>
           </p:cNvPr>
@@ -4711,7 +4726,7 @@
           <p:cNvPr id="20" name="Group 19">
             <a:extLst>
               <a:ext uri="{FF2B5EF4-FFF2-40B4-BE49-F238E27FC236}">
-                <a16:creationId xmlns:a16="http://schemas.microsoft.com/office/drawing/2014/main" id="{E9C4BE0C-8811-440A-A293-0B74E20CB15B}"/>
+                <a16:creationId xmlns:a16="http://schemas.microsoft.com/office/drawing/2014/main" xmlns="" id="{E9C4BE0C-8811-440A-A293-0B74E20CB15B}"/>
               </a:ext>
             </a:extLst>
           </p:cNvPr>
@@ -4731,7 +4746,7 @@
             <p:cNvPr id="14" name="Rectangle: Rounded Corners 13">
               <a:extLst>
                 <a:ext uri="{FF2B5EF4-FFF2-40B4-BE49-F238E27FC236}">
-                  <a16:creationId xmlns:a16="http://schemas.microsoft.com/office/drawing/2014/main" id="{F7D747E1-5321-4917-83A5-2C97927CE3D9}"/>
+                  <a16:creationId xmlns:a16="http://schemas.microsoft.com/office/drawing/2014/main" xmlns="" id="{F7D747E1-5321-4917-83A5-2C97927CE3D9}"/>
                 </a:ext>
               </a:extLst>
             </p:cNvPr>
@@ -4790,7 +4805,7 @@
             <p:cNvPr id="19" name="Rectangle: Rounded Corners 18">
               <a:extLst>
                 <a:ext uri="{FF2B5EF4-FFF2-40B4-BE49-F238E27FC236}">
-                  <a16:creationId xmlns:a16="http://schemas.microsoft.com/office/drawing/2014/main" id="{0F5F2F2C-752A-4F44-802C-BBB45CAC38B4}"/>
+                  <a16:creationId xmlns:a16="http://schemas.microsoft.com/office/drawing/2014/main" xmlns="" id="{0F5F2F2C-752A-4F44-802C-BBB45CAC38B4}"/>
                 </a:ext>
               </a:extLst>
             </p:cNvPr>
@@ -4849,7 +4864,7 @@
             <p:cNvPr id="13" name="Rectangle 12">
               <a:extLst>
                 <a:ext uri="{FF2B5EF4-FFF2-40B4-BE49-F238E27FC236}">
-                  <a16:creationId xmlns:a16="http://schemas.microsoft.com/office/drawing/2014/main" id="{F3690F3F-1F02-439A-A3F7-6E4692B1FE3F}"/>
+                  <a16:creationId xmlns:a16="http://schemas.microsoft.com/office/drawing/2014/main" xmlns="" id="{F3690F3F-1F02-439A-A3F7-6E4692B1FE3F}"/>
                 </a:ext>
               </a:extLst>
             </p:cNvPr>
@@ -4906,7 +4921,7 @@
             <p:cNvPr id="11" name="Oval 10">
               <a:extLst>
                 <a:ext uri="{FF2B5EF4-FFF2-40B4-BE49-F238E27FC236}">
-                  <a16:creationId xmlns:a16="http://schemas.microsoft.com/office/drawing/2014/main" id="{A0D0750E-85C8-46C7-A66D-0F4E01652F18}"/>
+                  <a16:creationId xmlns:a16="http://schemas.microsoft.com/office/drawing/2014/main" xmlns="" id="{A0D0750E-85C8-46C7-A66D-0F4E01652F18}"/>
                 </a:ext>
               </a:extLst>
             </p:cNvPr>
@@ -4960,7 +4975,7 @@
             <p:cNvPr id="12" name="Oval 11">
               <a:extLst>
                 <a:ext uri="{FF2B5EF4-FFF2-40B4-BE49-F238E27FC236}">
-                  <a16:creationId xmlns:a16="http://schemas.microsoft.com/office/drawing/2014/main" id="{8026C938-56CA-447F-968E-67A1FE5611D7}"/>
+                  <a16:creationId xmlns:a16="http://schemas.microsoft.com/office/drawing/2014/main" xmlns="" id="{8026C938-56CA-447F-968E-67A1FE5611D7}"/>
                 </a:ext>
               </a:extLst>
             </p:cNvPr>
@@ -5015,7 +5030,7 @@
           <p:cNvPr id="22" name="Cloud 21">
             <a:extLst>
               <a:ext uri="{FF2B5EF4-FFF2-40B4-BE49-F238E27FC236}">
-                <a16:creationId xmlns:a16="http://schemas.microsoft.com/office/drawing/2014/main" id="{7816433F-6710-4BE4-96DD-713A55E9C120}"/>
+                <a16:creationId xmlns:a16="http://schemas.microsoft.com/office/drawing/2014/main" xmlns="" id="{7816433F-6710-4BE4-96DD-713A55E9C120}"/>
               </a:ext>
             </a:extLst>
           </p:cNvPr>
@@ -5077,6 +5092,13 @@
   <p:clrMapOvr>
     <a:masterClrMapping/>
   </p:clrMapOvr>
+  <p:timing>
+    <p:tnLst>
+      <p:par>
+        <p:cTn id="1" dur="indefinite" restart="never" nodeType="tmRoot"/>
+      </p:par>
+    </p:tnLst>
+  </p:timing>
 </p:sld>
 </file>
 
@@ -5102,7 +5124,7 @@
           <p:cNvPr id="21" name="Rectangle 20">
             <a:extLst>
               <a:ext uri="{FF2B5EF4-FFF2-40B4-BE49-F238E27FC236}">
-                <a16:creationId xmlns:a16="http://schemas.microsoft.com/office/drawing/2014/main" id="{BD25B3EC-DB4C-4497-8FF5-572ABA1DC4C4}"/>
+                <a16:creationId xmlns:a16="http://schemas.microsoft.com/office/drawing/2014/main" xmlns="" id="{BD25B3EC-DB4C-4497-8FF5-572ABA1DC4C4}"/>
               </a:ext>
             </a:extLst>
           </p:cNvPr>
@@ -5154,7 +5176,7 @@
           <p:cNvPr id="20" name="Group 19">
             <a:extLst>
               <a:ext uri="{FF2B5EF4-FFF2-40B4-BE49-F238E27FC236}">
-                <a16:creationId xmlns:a16="http://schemas.microsoft.com/office/drawing/2014/main" id="{E9C4BE0C-8811-440A-A293-0B74E20CB15B}"/>
+                <a16:creationId xmlns:a16="http://schemas.microsoft.com/office/drawing/2014/main" xmlns="" id="{E9C4BE0C-8811-440A-A293-0B74E20CB15B}"/>
               </a:ext>
             </a:extLst>
           </p:cNvPr>
@@ -5174,7 +5196,7 @@
             <p:cNvPr id="14" name="Rectangle: Rounded Corners 13">
               <a:extLst>
                 <a:ext uri="{FF2B5EF4-FFF2-40B4-BE49-F238E27FC236}">
-                  <a16:creationId xmlns:a16="http://schemas.microsoft.com/office/drawing/2014/main" id="{F7D747E1-5321-4917-83A5-2C97927CE3D9}"/>
+                  <a16:creationId xmlns:a16="http://schemas.microsoft.com/office/drawing/2014/main" xmlns="" id="{F7D747E1-5321-4917-83A5-2C97927CE3D9}"/>
                 </a:ext>
               </a:extLst>
             </p:cNvPr>
@@ -5233,7 +5255,7 @@
             <p:cNvPr id="19" name="Rectangle: Rounded Corners 18">
               <a:extLst>
                 <a:ext uri="{FF2B5EF4-FFF2-40B4-BE49-F238E27FC236}">
-                  <a16:creationId xmlns:a16="http://schemas.microsoft.com/office/drawing/2014/main" id="{0F5F2F2C-752A-4F44-802C-BBB45CAC38B4}"/>
+                  <a16:creationId xmlns:a16="http://schemas.microsoft.com/office/drawing/2014/main" xmlns="" id="{0F5F2F2C-752A-4F44-802C-BBB45CAC38B4}"/>
                 </a:ext>
               </a:extLst>
             </p:cNvPr>
@@ -5292,7 +5314,7 @@
             <p:cNvPr id="13" name="Rectangle 12">
               <a:extLst>
                 <a:ext uri="{FF2B5EF4-FFF2-40B4-BE49-F238E27FC236}">
-                  <a16:creationId xmlns:a16="http://schemas.microsoft.com/office/drawing/2014/main" id="{F3690F3F-1F02-439A-A3F7-6E4692B1FE3F}"/>
+                  <a16:creationId xmlns:a16="http://schemas.microsoft.com/office/drawing/2014/main" xmlns="" id="{F3690F3F-1F02-439A-A3F7-6E4692B1FE3F}"/>
                 </a:ext>
               </a:extLst>
             </p:cNvPr>
@@ -5349,7 +5371,7 @@
             <p:cNvPr id="11" name="Oval 10">
               <a:extLst>
                 <a:ext uri="{FF2B5EF4-FFF2-40B4-BE49-F238E27FC236}">
-                  <a16:creationId xmlns:a16="http://schemas.microsoft.com/office/drawing/2014/main" id="{A0D0750E-85C8-46C7-A66D-0F4E01652F18}"/>
+                  <a16:creationId xmlns:a16="http://schemas.microsoft.com/office/drawing/2014/main" xmlns="" id="{A0D0750E-85C8-46C7-A66D-0F4E01652F18}"/>
                 </a:ext>
               </a:extLst>
             </p:cNvPr>
@@ -5403,7 +5425,7 @@
             <p:cNvPr id="12" name="Oval 11">
               <a:extLst>
                 <a:ext uri="{FF2B5EF4-FFF2-40B4-BE49-F238E27FC236}">
-                  <a16:creationId xmlns:a16="http://schemas.microsoft.com/office/drawing/2014/main" id="{8026C938-56CA-447F-968E-67A1FE5611D7}"/>
+                  <a16:creationId xmlns:a16="http://schemas.microsoft.com/office/drawing/2014/main" xmlns="" id="{8026C938-56CA-447F-968E-67A1FE5611D7}"/>
                 </a:ext>
               </a:extLst>
             </p:cNvPr>
@@ -5458,7 +5480,7 @@
           <p:cNvPr id="22" name="Cloud 21">
             <a:extLst>
               <a:ext uri="{FF2B5EF4-FFF2-40B4-BE49-F238E27FC236}">
-                <a16:creationId xmlns:a16="http://schemas.microsoft.com/office/drawing/2014/main" id="{7816433F-6710-4BE4-96DD-713A55E9C120}"/>
+                <a16:creationId xmlns:a16="http://schemas.microsoft.com/office/drawing/2014/main" xmlns="" id="{7816433F-6710-4BE4-96DD-713A55E9C120}"/>
               </a:ext>
             </a:extLst>
           </p:cNvPr>
@@ -5515,7 +5537,7 @@
           <p:cNvPr id="18" name="Rectangle 17">
             <a:extLst>
               <a:ext uri="{FF2B5EF4-FFF2-40B4-BE49-F238E27FC236}">
-                <a16:creationId xmlns:a16="http://schemas.microsoft.com/office/drawing/2014/main" id="{1691F04F-5542-4138-AE32-C7ABDADEDD48}"/>
+                <a16:creationId xmlns:a16="http://schemas.microsoft.com/office/drawing/2014/main" xmlns="" id="{1691F04F-5542-4138-AE32-C7ABDADEDD48}"/>
               </a:ext>
             </a:extLst>
           </p:cNvPr>
@@ -5569,7 +5591,7 @@
           <p:cNvPr id="23" name="Oval 22">
             <a:extLst>
               <a:ext uri="{FF2B5EF4-FFF2-40B4-BE49-F238E27FC236}">
-                <a16:creationId xmlns:a16="http://schemas.microsoft.com/office/drawing/2014/main" id="{68F7C2D4-7A61-481E-95A2-C3E0FF07CEB2}"/>
+                <a16:creationId xmlns:a16="http://schemas.microsoft.com/office/drawing/2014/main" xmlns="" id="{68F7C2D4-7A61-481E-95A2-C3E0FF07CEB2}"/>
               </a:ext>
             </a:extLst>
           </p:cNvPr>
@@ -5623,7 +5645,7 @@
           <p:cNvPr id="24" name="Oval 23">
             <a:extLst>
               <a:ext uri="{FF2B5EF4-FFF2-40B4-BE49-F238E27FC236}">
-                <a16:creationId xmlns:a16="http://schemas.microsoft.com/office/drawing/2014/main" id="{39986F21-83F4-47B4-A190-C21573817676}"/>
+                <a16:creationId xmlns:a16="http://schemas.microsoft.com/office/drawing/2014/main" xmlns="" id="{39986F21-83F4-47B4-A190-C21573817676}"/>
               </a:ext>
             </a:extLst>
           </p:cNvPr>
@@ -5677,7 +5699,7 @@
           <p:cNvPr id="25" name="Oval 24">
             <a:extLst>
               <a:ext uri="{FF2B5EF4-FFF2-40B4-BE49-F238E27FC236}">
-                <a16:creationId xmlns:a16="http://schemas.microsoft.com/office/drawing/2014/main" id="{304F4A48-1083-4DC0-BBEA-AD2CB3155009}"/>
+                <a16:creationId xmlns:a16="http://schemas.microsoft.com/office/drawing/2014/main" xmlns="" id="{304F4A48-1083-4DC0-BBEA-AD2CB3155009}"/>
               </a:ext>
             </a:extLst>
           </p:cNvPr>
@@ -5736,6 +5758,13 @@
   <p:clrMapOvr>
     <a:masterClrMapping/>
   </p:clrMapOvr>
+  <p:timing>
+    <p:tnLst>
+      <p:par>
+        <p:cTn id="1" dur="indefinite" restart="never" nodeType="tmRoot"/>
+      </p:par>
+    </p:tnLst>
+  </p:timing>
 </p:sld>
 </file>
 
@@ -5761,7 +5790,7 @@
           <p:cNvPr id="21" name="Rectangle 20">
             <a:extLst>
               <a:ext uri="{FF2B5EF4-FFF2-40B4-BE49-F238E27FC236}">
-                <a16:creationId xmlns:a16="http://schemas.microsoft.com/office/drawing/2014/main" id="{BD25B3EC-DB4C-4497-8FF5-572ABA1DC4C4}"/>
+                <a16:creationId xmlns:a16="http://schemas.microsoft.com/office/drawing/2014/main" xmlns="" id="{BD25B3EC-DB4C-4497-8FF5-572ABA1DC4C4}"/>
               </a:ext>
             </a:extLst>
           </p:cNvPr>
@@ -5813,7 +5842,7 @@
           <p:cNvPr id="20" name="Group 19">
             <a:extLst>
               <a:ext uri="{FF2B5EF4-FFF2-40B4-BE49-F238E27FC236}">
-                <a16:creationId xmlns:a16="http://schemas.microsoft.com/office/drawing/2014/main" id="{E9C4BE0C-8811-440A-A293-0B74E20CB15B}"/>
+                <a16:creationId xmlns:a16="http://schemas.microsoft.com/office/drawing/2014/main" xmlns="" id="{E9C4BE0C-8811-440A-A293-0B74E20CB15B}"/>
               </a:ext>
             </a:extLst>
           </p:cNvPr>
@@ -5833,7 +5862,7 @@
             <p:cNvPr id="14" name="Rectangle: Rounded Corners 13">
               <a:extLst>
                 <a:ext uri="{FF2B5EF4-FFF2-40B4-BE49-F238E27FC236}">
-                  <a16:creationId xmlns:a16="http://schemas.microsoft.com/office/drawing/2014/main" id="{F7D747E1-5321-4917-83A5-2C97927CE3D9}"/>
+                  <a16:creationId xmlns:a16="http://schemas.microsoft.com/office/drawing/2014/main" xmlns="" id="{F7D747E1-5321-4917-83A5-2C97927CE3D9}"/>
                 </a:ext>
               </a:extLst>
             </p:cNvPr>
@@ -5892,7 +5921,7 @@
             <p:cNvPr id="19" name="Rectangle: Rounded Corners 18">
               <a:extLst>
                 <a:ext uri="{FF2B5EF4-FFF2-40B4-BE49-F238E27FC236}">
-                  <a16:creationId xmlns:a16="http://schemas.microsoft.com/office/drawing/2014/main" id="{0F5F2F2C-752A-4F44-802C-BBB45CAC38B4}"/>
+                  <a16:creationId xmlns:a16="http://schemas.microsoft.com/office/drawing/2014/main" xmlns="" id="{0F5F2F2C-752A-4F44-802C-BBB45CAC38B4}"/>
                 </a:ext>
               </a:extLst>
             </p:cNvPr>
@@ -5951,7 +5980,7 @@
             <p:cNvPr id="13" name="Rectangle 12">
               <a:extLst>
                 <a:ext uri="{FF2B5EF4-FFF2-40B4-BE49-F238E27FC236}">
-                  <a16:creationId xmlns:a16="http://schemas.microsoft.com/office/drawing/2014/main" id="{F3690F3F-1F02-439A-A3F7-6E4692B1FE3F}"/>
+                  <a16:creationId xmlns:a16="http://schemas.microsoft.com/office/drawing/2014/main" xmlns="" id="{F3690F3F-1F02-439A-A3F7-6E4692B1FE3F}"/>
                 </a:ext>
               </a:extLst>
             </p:cNvPr>
@@ -6008,7 +6037,7 @@
             <p:cNvPr id="11" name="Oval 10">
               <a:extLst>
                 <a:ext uri="{FF2B5EF4-FFF2-40B4-BE49-F238E27FC236}">
-                  <a16:creationId xmlns:a16="http://schemas.microsoft.com/office/drawing/2014/main" id="{A0D0750E-85C8-46C7-A66D-0F4E01652F18}"/>
+                  <a16:creationId xmlns:a16="http://schemas.microsoft.com/office/drawing/2014/main" xmlns="" id="{A0D0750E-85C8-46C7-A66D-0F4E01652F18}"/>
                 </a:ext>
               </a:extLst>
             </p:cNvPr>
@@ -6062,7 +6091,7 @@
             <p:cNvPr id="12" name="Oval 11">
               <a:extLst>
                 <a:ext uri="{FF2B5EF4-FFF2-40B4-BE49-F238E27FC236}">
-                  <a16:creationId xmlns:a16="http://schemas.microsoft.com/office/drawing/2014/main" id="{8026C938-56CA-447F-968E-67A1FE5611D7}"/>
+                  <a16:creationId xmlns:a16="http://schemas.microsoft.com/office/drawing/2014/main" xmlns="" id="{8026C938-56CA-447F-968E-67A1FE5611D7}"/>
                 </a:ext>
               </a:extLst>
             </p:cNvPr>
@@ -6117,7 +6146,7 @@
           <p:cNvPr id="22" name="Cloud 21">
             <a:extLst>
               <a:ext uri="{FF2B5EF4-FFF2-40B4-BE49-F238E27FC236}">
-                <a16:creationId xmlns:a16="http://schemas.microsoft.com/office/drawing/2014/main" id="{7816433F-6710-4BE4-96DD-713A55E9C120}"/>
+                <a16:creationId xmlns:a16="http://schemas.microsoft.com/office/drawing/2014/main" xmlns="" id="{7816433F-6710-4BE4-96DD-713A55E9C120}"/>
               </a:ext>
             </a:extLst>
           </p:cNvPr>
@@ -6174,7 +6203,7 @@
           <p:cNvPr id="18" name="Rectangle 17">
             <a:extLst>
               <a:ext uri="{FF2B5EF4-FFF2-40B4-BE49-F238E27FC236}">
-                <a16:creationId xmlns:a16="http://schemas.microsoft.com/office/drawing/2014/main" id="{1691F04F-5542-4138-AE32-C7ABDADEDD48}"/>
+                <a16:creationId xmlns:a16="http://schemas.microsoft.com/office/drawing/2014/main" xmlns="" id="{1691F04F-5542-4138-AE32-C7ABDADEDD48}"/>
               </a:ext>
             </a:extLst>
           </p:cNvPr>
@@ -6228,7 +6257,7 @@
           <p:cNvPr id="24" name="Oval 23">
             <a:extLst>
               <a:ext uri="{FF2B5EF4-FFF2-40B4-BE49-F238E27FC236}">
-                <a16:creationId xmlns:a16="http://schemas.microsoft.com/office/drawing/2014/main" id="{39986F21-83F4-47B4-A190-C21573817676}"/>
+                <a16:creationId xmlns:a16="http://schemas.microsoft.com/office/drawing/2014/main" xmlns="" id="{39986F21-83F4-47B4-A190-C21573817676}"/>
               </a:ext>
             </a:extLst>
           </p:cNvPr>
@@ -6282,7 +6311,7 @@
           <p:cNvPr id="3" name="Straight Connector 2">
             <a:extLst>
               <a:ext uri="{FF2B5EF4-FFF2-40B4-BE49-F238E27FC236}">
-                <a16:creationId xmlns:a16="http://schemas.microsoft.com/office/drawing/2014/main" id="{D4FE5C44-DB15-43D7-861A-9E8E750611FA}"/>
+                <a16:creationId xmlns:a16="http://schemas.microsoft.com/office/drawing/2014/main" xmlns="" id="{D4FE5C44-DB15-43D7-861A-9E8E750611FA}"/>
               </a:ext>
             </a:extLst>
           </p:cNvPr>
@@ -6325,7 +6354,7 @@
           <p:cNvPr id="23" name="Oval 22">
             <a:extLst>
               <a:ext uri="{FF2B5EF4-FFF2-40B4-BE49-F238E27FC236}">
-                <a16:creationId xmlns:a16="http://schemas.microsoft.com/office/drawing/2014/main" id="{68F7C2D4-7A61-481E-95A2-C3E0FF07CEB2}"/>
+                <a16:creationId xmlns:a16="http://schemas.microsoft.com/office/drawing/2014/main" xmlns="" id="{68F7C2D4-7A61-481E-95A2-C3E0FF07CEB2}"/>
               </a:ext>
             </a:extLst>
           </p:cNvPr>
@@ -6379,7 +6408,7 @@
           <p:cNvPr id="25" name="Oval 24">
             <a:extLst>
               <a:ext uri="{FF2B5EF4-FFF2-40B4-BE49-F238E27FC236}">
-                <a16:creationId xmlns:a16="http://schemas.microsoft.com/office/drawing/2014/main" id="{304F4A48-1083-4DC0-BBEA-AD2CB3155009}"/>
+                <a16:creationId xmlns:a16="http://schemas.microsoft.com/office/drawing/2014/main" xmlns="" id="{304F4A48-1083-4DC0-BBEA-AD2CB3155009}"/>
               </a:ext>
             </a:extLst>
           </p:cNvPr>
@@ -6433,7 +6462,7 @@
           <p:cNvPr id="5" name="Straight Connector 4">
             <a:extLst>
               <a:ext uri="{FF2B5EF4-FFF2-40B4-BE49-F238E27FC236}">
-                <a16:creationId xmlns:a16="http://schemas.microsoft.com/office/drawing/2014/main" id="{86723112-7FE1-441F-9F8A-F889DE6EF386}"/>
+                <a16:creationId xmlns:a16="http://schemas.microsoft.com/office/drawing/2014/main" xmlns="" id="{86723112-7FE1-441F-9F8A-F889DE6EF386}"/>
               </a:ext>
             </a:extLst>
           </p:cNvPr>
@@ -6476,7 +6505,7 @@
           <p:cNvPr id="8" name="Arrow: Right 7">
             <a:extLst>
               <a:ext uri="{FF2B5EF4-FFF2-40B4-BE49-F238E27FC236}">
-                <a16:creationId xmlns:a16="http://schemas.microsoft.com/office/drawing/2014/main" id="{902D70E0-C0D5-495D-81FF-8718930F7553}"/>
+                <a16:creationId xmlns:a16="http://schemas.microsoft.com/office/drawing/2014/main" xmlns="" id="{902D70E0-C0D5-495D-81FF-8718930F7553}"/>
               </a:ext>
             </a:extLst>
           </p:cNvPr>
@@ -6536,6 +6565,13 @@
   <p:clrMapOvr>
     <a:masterClrMapping/>
   </p:clrMapOvr>
+  <p:timing>
+    <p:tnLst>
+      <p:par>
+        <p:cTn id="1" dur="indefinite" restart="never" nodeType="tmRoot"/>
+      </p:par>
+    </p:tnLst>
+  </p:timing>
 </p:sld>
 </file>
 
@@ -6561,7 +6597,7 @@
           <p:cNvPr id="21" name="Rectangle 20">
             <a:extLst>
               <a:ext uri="{FF2B5EF4-FFF2-40B4-BE49-F238E27FC236}">
-                <a16:creationId xmlns:a16="http://schemas.microsoft.com/office/drawing/2014/main" id="{BD25B3EC-DB4C-4497-8FF5-572ABA1DC4C4}"/>
+                <a16:creationId xmlns:a16="http://schemas.microsoft.com/office/drawing/2014/main" xmlns="" id="{BD25B3EC-DB4C-4497-8FF5-572ABA1DC4C4}"/>
               </a:ext>
             </a:extLst>
           </p:cNvPr>
@@ -6613,7 +6649,7 @@
           <p:cNvPr id="22" name="Cloud 21">
             <a:extLst>
               <a:ext uri="{FF2B5EF4-FFF2-40B4-BE49-F238E27FC236}">
-                <a16:creationId xmlns:a16="http://schemas.microsoft.com/office/drawing/2014/main" id="{7816433F-6710-4BE4-96DD-713A55E9C120}"/>
+                <a16:creationId xmlns:a16="http://schemas.microsoft.com/office/drawing/2014/main" xmlns="" id="{7816433F-6710-4BE4-96DD-713A55E9C120}"/>
               </a:ext>
             </a:extLst>
           </p:cNvPr>
@@ -6670,7 +6706,7 @@
           <p:cNvPr id="36" name="Group 35">
             <a:extLst>
               <a:ext uri="{FF2B5EF4-FFF2-40B4-BE49-F238E27FC236}">
-                <a16:creationId xmlns:a16="http://schemas.microsoft.com/office/drawing/2014/main" id="{9D3C3581-799D-41C4-8A7E-3B1F29D7F724}"/>
+                <a16:creationId xmlns:a16="http://schemas.microsoft.com/office/drawing/2014/main" xmlns="" id="{9D3C3581-799D-41C4-8A7E-3B1F29D7F724}"/>
               </a:ext>
             </a:extLst>
           </p:cNvPr>
@@ -6690,7 +6726,7 @@
             <p:cNvPr id="40" name="Rectangle: Rounded Corners 39">
               <a:extLst>
                 <a:ext uri="{FF2B5EF4-FFF2-40B4-BE49-F238E27FC236}">
-                  <a16:creationId xmlns:a16="http://schemas.microsoft.com/office/drawing/2014/main" id="{342ABA70-F860-492B-BFBC-F4814929B690}"/>
+                  <a16:creationId xmlns:a16="http://schemas.microsoft.com/office/drawing/2014/main" xmlns="" id="{342ABA70-F860-492B-BFBC-F4814929B690}"/>
                 </a:ext>
               </a:extLst>
             </p:cNvPr>
@@ -6749,7 +6785,7 @@
             <p:cNvPr id="41" name="Rectangle: Rounded Corners 40">
               <a:extLst>
                 <a:ext uri="{FF2B5EF4-FFF2-40B4-BE49-F238E27FC236}">
-                  <a16:creationId xmlns:a16="http://schemas.microsoft.com/office/drawing/2014/main" id="{7C3DC209-DCFF-49CD-B4CD-A701A6076BC1}"/>
+                  <a16:creationId xmlns:a16="http://schemas.microsoft.com/office/drawing/2014/main" xmlns="" id="{7C3DC209-DCFF-49CD-B4CD-A701A6076BC1}"/>
                 </a:ext>
               </a:extLst>
             </p:cNvPr>
@@ -6808,7 +6844,7 @@
             <p:cNvPr id="42" name="Rectangle 41">
               <a:extLst>
                 <a:ext uri="{FF2B5EF4-FFF2-40B4-BE49-F238E27FC236}">
-                  <a16:creationId xmlns:a16="http://schemas.microsoft.com/office/drawing/2014/main" id="{0D2D6DD8-D866-4F3D-967E-38D0B5925AD4}"/>
+                  <a16:creationId xmlns:a16="http://schemas.microsoft.com/office/drawing/2014/main" xmlns="" id="{0D2D6DD8-D866-4F3D-967E-38D0B5925AD4}"/>
                 </a:ext>
               </a:extLst>
             </p:cNvPr>
@@ -6865,7 +6901,7 @@
             <p:cNvPr id="43" name="Oval 42">
               <a:extLst>
                 <a:ext uri="{FF2B5EF4-FFF2-40B4-BE49-F238E27FC236}">
-                  <a16:creationId xmlns:a16="http://schemas.microsoft.com/office/drawing/2014/main" id="{68D34BEC-9182-437E-9BA8-AD7FFA4B19EB}"/>
+                  <a16:creationId xmlns:a16="http://schemas.microsoft.com/office/drawing/2014/main" xmlns="" id="{68D34BEC-9182-437E-9BA8-AD7FFA4B19EB}"/>
                 </a:ext>
               </a:extLst>
             </p:cNvPr>
@@ -6919,7 +6955,7 @@
             <p:cNvPr id="44" name="Oval 43">
               <a:extLst>
                 <a:ext uri="{FF2B5EF4-FFF2-40B4-BE49-F238E27FC236}">
-                  <a16:creationId xmlns:a16="http://schemas.microsoft.com/office/drawing/2014/main" id="{BFE920F1-16B1-473C-990F-979542E37EF6}"/>
+                  <a16:creationId xmlns:a16="http://schemas.microsoft.com/office/drawing/2014/main" xmlns="" id="{BFE920F1-16B1-473C-990F-979542E37EF6}"/>
                 </a:ext>
               </a:extLst>
             </p:cNvPr>
@@ -6974,7 +7010,7 @@
           <p:cNvPr id="18" name="Rectangle 17">
             <a:extLst>
               <a:ext uri="{FF2B5EF4-FFF2-40B4-BE49-F238E27FC236}">
-                <a16:creationId xmlns:a16="http://schemas.microsoft.com/office/drawing/2014/main" id="{1691F04F-5542-4138-AE32-C7ABDADEDD48}"/>
+                <a16:creationId xmlns:a16="http://schemas.microsoft.com/office/drawing/2014/main" xmlns="" id="{1691F04F-5542-4138-AE32-C7ABDADEDD48}"/>
               </a:ext>
             </a:extLst>
           </p:cNvPr>
@@ -7028,7 +7064,7 @@
           <p:cNvPr id="3" name="Straight Connector 2">
             <a:extLst>
               <a:ext uri="{FF2B5EF4-FFF2-40B4-BE49-F238E27FC236}">
-                <a16:creationId xmlns:a16="http://schemas.microsoft.com/office/drawing/2014/main" id="{D4FE5C44-DB15-43D7-861A-9E8E750611FA}"/>
+                <a16:creationId xmlns:a16="http://schemas.microsoft.com/office/drawing/2014/main" xmlns="" id="{D4FE5C44-DB15-43D7-861A-9E8E750611FA}"/>
               </a:ext>
             </a:extLst>
           </p:cNvPr>
@@ -7071,7 +7107,7 @@
           <p:cNvPr id="23" name="Oval 22">
             <a:extLst>
               <a:ext uri="{FF2B5EF4-FFF2-40B4-BE49-F238E27FC236}">
-                <a16:creationId xmlns:a16="http://schemas.microsoft.com/office/drawing/2014/main" id="{68F7C2D4-7A61-481E-95A2-C3E0FF07CEB2}"/>
+                <a16:creationId xmlns:a16="http://schemas.microsoft.com/office/drawing/2014/main" xmlns="" id="{68F7C2D4-7A61-481E-95A2-C3E0FF07CEB2}"/>
               </a:ext>
             </a:extLst>
           </p:cNvPr>
@@ -7125,7 +7161,7 @@
           <p:cNvPr id="37" name="Oval 36">
             <a:extLst>
               <a:ext uri="{FF2B5EF4-FFF2-40B4-BE49-F238E27FC236}">
-                <a16:creationId xmlns:a16="http://schemas.microsoft.com/office/drawing/2014/main" id="{9370E720-6E28-4D6C-BB02-7682277CAE3D}"/>
+                <a16:creationId xmlns:a16="http://schemas.microsoft.com/office/drawing/2014/main" xmlns="" id="{9370E720-6E28-4D6C-BB02-7682277CAE3D}"/>
               </a:ext>
             </a:extLst>
           </p:cNvPr>
@@ -7179,7 +7215,7 @@
           <p:cNvPr id="38" name="Oval 37">
             <a:extLst>
               <a:ext uri="{FF2B5EF4-FFF2-40B4-BE49-F238E27FC236}">
-                <a16:creationId xmlns:a16="http://schemas.microsoft.com/office/drawing/2014/main" id="{E1568EDB-529F-481E-9BD9-1A4190F5A051}"/>
+                <a16:creationId xmlns:a16="http://schemas.microsoft.com/office/drawing/2014/main" xmlns="" id="{E1568EDB-529F-481E-9BD9-1A4190F5A051}"/>
               </a:ext>
             </a:extLst>
           </p:cNvPr>
@@ -7238,6 +7274,13 @@
   <p:clrMapOvr>
     <a:masterClrMapping/>
   </p:clrMapOvr>
+  <p:timing>
+    <p:tnLst>
+      <p:par>
+        <p:cTn id="1" dur="indefinite" restart="never" nodeType="tmRoot"/>
+      </p:par>
+    </p:tnLst>
+  </p:timing>
 </p:sld>
 </file>
 
@@ -7263,7 +7306,7 @@
           <p:cNvPr id="21" name="Rectangle 20">
             <a:extLst>
               <a:ext uri="{FF2B5EF4-FFF2-40B4-BE49-F238E27FC236}">
-                <a16:creationId xmlns:a16="http://schemas.microsoft.com/office/drawing/2014/main" id="{BD25B3EC-DB4C-4497-8FF5-572ABA1DC4C4}"/>
+                <a16:creationId xmlns:a16="http://schemas.microsoft.com/office/drawing/2014/main" xmlns="" id="{BD25B3EC-DB4C-4497-8FF5-572ABA1DC4C4}"/>
               </a:ext>
             </a:extLst>
           </p:cNvPr>
@@ -7315,7 +7358,7 @@
           <p:cNvPr id="26" name="Straight Connector 25">
             <a:extLst>
               <a:ext uri="{FF2B5EF4-FFF2-40B4-BE49-F238E27FC236}">
-                <a16:creationId xmlns:a16="http://schemas.microsoft.com/office/drawing/2014/main" id="{8F6E0289-E345-4A0E-9753-7FC8FE3E078D}"/>
+                <a16:creationId xmlns:a16="http://schemas.microsoft.com/office/drawing/2014/main" xmlns="" id="{8F6E0289-E345-4A0E-9753-7FC8FE3E078D}"/>
               </a:ext>
             </a:extLst>
           </p:cNvPr>
@@ -7360,7 +7403,7 @@
           <p:cNvPr id="27" name="Straight Connector 26">
             <a:extLst>
               <a:ext uri="{FF2B5EF4-FFF2-40B4-BE49-F238E27FC236}">
-                <a16:creationId xmlns:a16="http://schemas.microsoft.com/office/drawing/2014/main" id="{0F420222-C32D-4282-B4C1-8EE001FE4EB1}"/>
+                <a16:creationId xmlns:a16="http://schemas.microsoft.com/office/drawing/2014/main" xmlns="" id="{0F420222-C32D-4282-B4C1-8EE001FE4EB1}"/>
               </a:ext>
             </a:extLst>
           </p:cNvPr>
@@ -7405,7 +7448,7 @@
           <p:cNvPr id="22" name="Cloud 21">
             <a:extLst>
               <a:ext uri="{FF2B5EF4-FFF2-40B4-BE49-F238E27FC236}">
-                <a16:creationId xmlns:a16="http://schemas.microsoft.com/office/drawing/2014/main" id="{7816433F-6710-4BE4-96DD-713A55E9C120}"/>
+                <a16:creationId xmlns:a16="http://schemas.microsoft.com/office/drawing/2014/main" xmlns="" id="{7816433F-6710-4BE4-96DD-713A55E9C120}"/>
               </a:ext>
             </a:extLst>
           </p:cNvPr>
@@ -7462,7 +7505,7 @@
           <p:cNvPr id="36" name="Group 35">
             <a:extLst>
               <a:ext uri="{FF2B5EF4-FFF2-40B4-BE49-F238E27FC236}">
-                <a16:creationId xmlns:a16="http://schemas.microsoft.com/office/drawing/2014/main" id="{9D3C3581-799D-41C4-8A7E-3B1F29D7F724}"/>
+                <a16:creationId xmlns:a16="http://schemas.microsoft.com/office/drawing/2014/main" xmlns="" id="{9D3C3581-799D-41C4-8A7E-3B1F29D7F724}"/>
               </a:ext>
             </a:extLst>
           </p:cNvPr>
@@ -7487,7 +7530,7 @@
             <p:cNvPr id="40" name="Rectangle: Rounded Corners 39">
               <a:extLst>
                 <a:ext uri="{FF2B5EF4-FFF2-40B4-BE49-F238E27FC236}">
-                  <a16:creationId xmlns:a16="http://schemas.microsoft.com/office/drawing/2014/main" id="{342ABA70-F860-492B-BFBC-F4814929B690}"/>
+                  <a16:creationId xmlns:a16="http://schemas.microsoft.com/office/drawing/2014/main" xmlns="" id="{342ABA70-F860-492B-BFBC-F4814929B690}"/>
                 </a:ext>
               </a:extLst>
             </p:cNvPr>
@@ -7541,7 +7584,7 @@
             <p:cNvPr id="41" name="Rectangle: Rounded Corners 40">
               <a:extLst>
                 <a:ext uri="{FF2B5EF4-FFF2-40B4-BE49-F238E27FC236}">
-                  <a16:creationId xmlns:a16="http://schemas.microsoft.com/office/drawing/2014/main" id="{7C3DC209-DCFF-49CD-B4CD-A701A6076BC1}"/>
+                  <a16:creationId xmlns:a16="http://schemas.microsoft.com/office/drawing/2014/main" xmlns="" id="{7C3DC209-DCFF-49CD-B4CD-A701A6076BC1}"/>
                 </a:ext>
               </a:extLst>
             </p:cNvPr>
@@ -7595,7 +7638,7 @@
             <p:cNvPr id="42" name="Rectangle 41">
               <a:extLst>
                 <a:ext uri="{FF2B5EF4-FFF2-40B4-BE49-F238E27FC236}">
-                  <a16:creationId xmlns:a16="http://schemas.microsoft.com/office/drawing/2014/main" id="{0D2D6DD8-D866-4F3D-967E-38D0B5925AD4}"/>
+                  <a16:creationId xmlns:a16="http://schemas.microsoft.com/office/drawing/2014/main" xmlns="" id="{0D2D6DD8-D866-4F3D-967E-38D0B5925AD4}"/>
                 </a:ext>
               </a:extLst>
             </p:cNvPr>
@@ -7647,7 +7690,7 @@
             <p:cNvPr id="43" name="Oval 42">
               <a:extLst>
                 <a:ext uri="{FF2B5EF4-FFF2-40B4-BE49-F238E27FC236}">
-                  <a16:creationId xmlns:a16="http://schemas.microsoft.com/office/drawing/2014/main" id="{68D34BEC-9182-437E-9BA8-AD7FFA4B19EB}"/>
+                  <a16:creationId xmlns:a16="http://schemas.microsoft.com/office/drawing/2014/main" xmlns="" id="{68D34BEC-9182-437E-9BA8-AD7FFA4B19EB}"/>
                 </a:ext>
               </a:extLst>
             </p:cNvPr>
@@ -7699,7 +7742,7 @@
             <p:cNvPr id="44" name="Oval 43">
               <a:extLst>
                 <a:ext uri="{FF2B5EF4-FFF2-40B4-BE49-F238E27FC236}">
-                  <a16:creationId xmlns:a16="http://schemas.microsoft.com/office/drawing/2014/main" id="{BFE920F1-16B1-473C-990F-979542E37EF6}"/>
+                  <a16:creationId xmlns:a16="http://schemas.microsoft.com/office/drawing/2014/main" xmlns="" id="{BFE920F1-16B1-473C-990F-979542E37EF6}"/>
                 </a:ext>
               </a:extLst>
             </p:cNvPr>
@@ -7752,7 +7795,7 @@
           <p:cNvPr id="15" name="Group 14">
             <a:extLst>
               <a:ext uri="{FF2B5EF4-FFF2-40B4-BE49-F238E27FC236}">
-                <a16:creationId xmlns:a16="http://schemas.microsoft.com/office/drawing/2014/main" id="{0EB7F6F5-EE0C-4A6A-91A8-4227CAAA66AD}"/>
+                <a16:creationId xmlns:a16="http://schemas.microsoft.com/office/drawing/2014/main" xmlns="" id="{0EB7F6F5-EE0C-4A6A-91A8-4227CAAA66AD}"/>
               </a:ext>
             </a:extLst>
           </p:cNvPr>
@@ -7772,7 +7815,7 @@
             <p:cNvPr id="16" name="Rectangle: Rounded Corners 15">
               <a:extLst>
                 <a:ext uri="{FF2B5EF4-FFF2-40B4-BE49-F238E27FC236}">
-                  <a16:creationId xmlns:a16="http://schemas.microsoft.com/office/drawing/2014/main" id="{4910E712-7CCC-4036-BB7D-5C63E9E5FDAB}"/>
+                  <a16:creationId xmlns:a16="http://schemas.microsoft.com/office/drawing/2014/main" xmlns="" id="{4910E712-7CCC-4036-BB7D-5C63E9E5FDAB}"/>
                 </a:ext>
               </a:extLst>
             </p:cNvPr>
@@ -7831,7 +7874,7 @@
             <p:cNvPr id="17" name="Rectangle: Rounded Corners 16">
               <a:extLst>
                 <a:ext uri="{FF2B5EF4-FFF2-40B4-BE49-F238E27FC236}">
-                  <a16:creationId xmlns:a16="http://schemas.microsoft.com/office/drawing/2014/main" id="{203D6D70-B921-4172-8BB5-E3E2F3045288}"/>
+                  <a16:creationId xmlns:a16="http://schemas.microsoft.com/office/drawing/2014/main" xmlns="" id="{203D6D70-B921-4172-8BB5-E3E2F3045288}"/>
                 </a:ext>
               </a:extLst>
             </p:cNvPr>
@@ -7890,7 +7933,7 @@
             <p:cNvPr id="19" name="Rectangle 18">
               <a:extLst>
                 <a:ext uri="{FF2B5EF4-FFF2-40B4-BE49-F238E27FC236}">
-                  <a16:creationId xmlns:a16="http://schemas.microsoft.com/office/drawing/2014/main" id="{8F9E3AED-DA06-41E3-B4CB-F98B313D387C}"/>
+                  <a16:creationId xmlns:a16="http://schemas.microsoft.com/office/drawing/2014/main" xmlns="" id="{8F9E3AED-DA06-41E3-B4CB-F98B313D387C}"/>
                 </a:ext>
               </a:extLst>
             </p:cNvPr>
@@ -7947,7 +7990,7 @@
             <p:cNvPr id="20" name="Oval 19">
               <a:extLst>
                 <a:ext uri="{FF2B5EF4-FFF2-40B4-BE49-F238E27FC236}">
-                  <a16:creationId xmlns:a16="http://schemas.microsoft.com/office/drawing/2014/main" id="{AE61BD7C-6DB3-4503-ACFA-F76BE066663D}"/>
+                  <a16:creationId xmlns:a16="http://schemas.microsoft.com/office/drawing/2014/main" xmlns="" id="{AE61BD7C-6DB3-4503-ACFA-F76BE066663D}"/>
                 </a:ext>
               </a:extLst>
             </p:cNvPr>
@@ -8001,7 +8044,7 @@
             <p:cNvPr id="24" name="Oval 23">
               <a:extLst>
                 <a:ext uri="{FF2B5EF4-FFF2-40B4-BE49-F238E27FC236}">
-                  <a16:creationId xmlns:a16="http://schemas.microsoft.com/office/drawing/2014/main" id="{077293C1-F0DE-421A-9D7C-E6AFAB90A861}"/>
+                  <a16:creationId xmlns:a16="http://schemas.microsoft.com/office/drawing/2014/main" xmlns="" id="{077293C1-F0DE-421A-9D7C-E6AFAB90A861}"/>
                 </a:ext>
               </a:extLst>
             </p:cNvPr>
@@ -8061,6 +8104,13 @@
   <p:clrMapOvr>
     <a:masterClrMapping/>
   </p:clrMapOvr>
+  <p:timing>
+    <p:tnLst>
+      <p:par>
+        <p:cTn id="1" dur="indefinite" restart="never" nodeType="tmRoot"/>
+      </p:par>
+    </p:tnLst>
+  </p:timing>
 </p:sld>
 </file>
 
@@ -8083,10 +8133,10 @@
       </p:grpSpPr>
       <p:sp>
         <p:nvSpPr>
-          <p:cNvPr id="50" name="Rectangle 49">
-            <a:extLst>
-              <a:ext uri="{FF2B5EF4-FFF2-40B4-BE49-F238E27FC236}">
-                <a16:creationId xmlns:a16="http://schemas.microsoft.com/office/drawing/2014/main" id="{FF8ECF35-CF58-43D8-A03A-5FE8544A266B}"/>
+          <p:cNvPr id="90" name="Rectangle 89">
+            <a:extLst>
+              <a:ext uri="{FF2B5EF4-FFF2-40B4-BE49-F238E27FC236}">
+                <a16:creationId xmlns:a16="http://schemas.microsoft.com/office/drawing/2014/main" xmlns="" id="{FF8ECF35-CF58-43D8-A03A-5FE8544A266B}"/>
               </a:ext>
             </a:extLst>
           </p:cNvPr>
@@ -8095,8 +8145,60 @@
         </p:nvSpPr>
         <p:spPr>
           <a:xfrm>
-            <a:off x="7447005" y="2539513"/>
-            <a:ext cx="3288835" cy="1796901"/>
+            <a:off x="8882063" y="2027110"/>
+            <a:ext cx="2176064" cy="216319"/>
+          </a:xfrm>
+          <a:prstGeom prst="rect">
+            <a:avLst/>
+          </a:prstGeom>
+          <a:solidFill>
+            <a:srgbClr val="B85750"/>
+          </a:solidFill>
+          <a:ln>
+            <a:noFill/>
+          </a:ln>
+        </p:spPr>
+        <p:style>
+          <a:lnRef idx="2">
+            <a:schemeClr val="accent1">
+              <a:shade val="50000"/>
+            </a:schemeClr>
+          </a:lnRef>
+          <a:fillRef idx="1">
+            <a:schemeClr val="accent1"/>
+          </a:fillRef>
+          <a:effectRef idx="0">
+            <a:schemeClr val="accent1"/>
+          </a:effectRef>
+          <a:fontRef idx="minor">
+            <a:schemeClr val="lt1"/>
+          </a:fontRef>
+        </p:style>
+        <p:txBody>
+          <a:bodyPr rtlCol="0" anchor="ctr"/>
+          <a:lstStyle/>
+          <a:p>
+            <a:pPr algn="ctr"/>
+            <a:endParaRPr lang="en-GB"/>
+          </a:p>
+        </p:txBody>
+      </p:sp>
+      <p:sp>
+        <p:nvSpPr>
+          <p:cNvPr id="91" name="Rectangle 90">
+            <a:extLst>
+              <a:ext uri="{FF2B5EF4-FFF2-40B4-BE49-F238E27FC236}">
+                <a16:creationId xmlns:a16="http://schemas.microsoft.com/office/drawing/2014/main" xmlns="" id="{FF8ECF35-CF58-43D8-A03A-5FE8544A266B}"/>
+              </a:ext>
+            </a:extLst>
+          </p:cNvPr>
+          <p:cNvSpPr/>
+          <p:nvPr/>
+        </p:nvSpPr>
+        <p:spPr>
+          <a:xfrm>
+            <a:off x="8882063" y="2239535"/>
+            <a:ext cx="2176064" cy="206856"/>
           </a:xfrm>
           <a:prstGeom prst="rect">
             <a:avLst/>
@@ -8138,10 +8240,10 @@
       </p:sp>
       <p:sp>
         <p:nvSpPr>
-          <p:cNvPr id="49" name="Rectangle 48">
-            <a:extLst>
-              <a:ext uri="{FF2B5EF4-FFF2-40B4-BE49-F238E27FC236}">
-                <a16:creationId xmlns:a16="http://schemas.microsoft.com/office/drawing/2014/main" id="{E67295A5-CD9B-42DF-A06B-173F8F469F8E}"/>
+          <p:cNvPr id="88" name="Rectangle 87">
+            <a:extLst>
+              <a:ext uri="{FF2B5EF4-FFF2-40B4-BE49-F238E27FC236}">
+                <a16:creationId xmlns:a16="http://schemas.microsoft.com/office/drawing/2014/main" xmlns="" id="{FF8ECF35-CF58-43D8-A03A-5FE8544A266B}"/>
               </a:ext>
             </a:extLst>
           </p:cNvPr>
@@ -8150,8 +8252,335 @@
         </p:nvSpPr>
         <p:spPr>
           <a:xfrm>
-            <a:off x="7954096" y="5061098"/>
-            <a:ext cx="2781744" cy="1796901"/>
+            <a:off x="955031" y="2027110"/>
+            <a:ext cx="2176064" cy="216319"/>
+          </a:xfrm>
+          <a:prstGeom prst="rect">
+            <a:avLst/>
+          </a:prstGeom>
+          <a:solidFill>
+            <a:srgbClr val="A7F5FF"/>
+          </a:solidFill>
+          <a:ln>
+            <a:noFill/>
+          </a:ln>
+        </p:spPr>
+        <p:style>
+          <a:lnRef idx="2">
+            <a:schemeClr val="accent1">
+              <a:shade val="50000"/>
+            </a:schemeClr>
+          </a:lnRef>
+          <a:fillRef idx="1">
+            <a:schemeClr val="accent1"/>
+          </a:fillRef>
+          <a:effectRef idx="0">
+            <a:schemeClr val="accent1"/>
+          </a:effectRef>
+          <a:fontRef idx="minor">
+            <a:schemeClr val="lt1"/>
+          </a:fontRef>
+        </p:style>
+        <p:txBody>
+          <a:bodyPr rtlCol="0" anchor="ctr"/>
+          <a:lstStyle/>
+          <a:p>
+            <a:pPr algn="ctr"/>
+            <a:endParaRPr lang="en-GB"/>
+          </a:p>
+        </p:txBody>
+      </p:sp>
+      <p:sp>
+        <p:nvSpPr>
+          <p:cNvPr id="89" name="Rectangle 88">
+            <a:extLst>
+              <a:ext uri="{FF2B5EF4-FFF2-40B4-BE49-F238E27FC236}">
+                <a16:creationId xmlns:a16="http://schemas.microsoft.com/office/drawing/2014/main" xmlns="" id="{FF8ECF35-CF58-43D8-A03A-5FE8544A266B}"/>
+              </a:ext>
+            </a:extLst>
+          </p:cNvPr>
+          <p:cNvSpPr/>
+          <p:nvPr/>
+        </p:nvSpPr>
+        <p:spPr>
+          <a:xfrm>
+            <a:off x="955031" y="2239535"/>
+            <a:ext cx="2176064" cy="206856"/>
+          </a:xfrm>
+          <a:prstGeom prst="rect">
+            <a:avLst/>
+          </a:prstGeom>
+          <a:solidFill>
+            <a:schemeClr val="accent1">
+              <a:lumMod val="40000"/>
+              <a:lumOff val="60000"/>
+            </a:schemeClr>
+          </a:solidFill>
+          <a:ln>
+            <a:noFill/>
+          </a:ln>
+        </p:spPr>
+        <p:style>
+          <a:lnRef idx="2">
+            <a:schemeClr val="accent1">
+              <a:shade val="50000"/>
+            </a:schemeClr>
+          </a:lnRef>
+          <a:fillRef idx="1">
+            <a:schemeClr val="accent1"/>
+          </a:fillRef>
+          <a:effectRef idx="0">
+            <a:schemeClr val="accent1"/>
+          </a:effectRef>
+          <a:fontRef idx="minor">
+            <a:schemeClr val="lt1"/>
+          </a:fontRef>
+        </p:style>
+        <p:txBody>
+          <a:bodyPr rtlCol="0" anchor="ctr"/>
+          <a:lstStyle/>
+          <a:p>
+            <a:pPr algn="ctr"/>
+            <a:endParaRPr lang="en-GB"/>
+          </a:p>
+        </p:txBody>
+      </p:sp>
+      <p:sp>
+        <p:nvSpPr>
+          <p:cNvPr id="87" name="Rectangle 86">
+            <a:extLst>
+              <a:ext uri="{FF2B5EF4-FFF2-40B4-BE49-F238E27FC236}">
+                <a16:creationId xmlns:a16="http://schemas.microsoft.com/office/drawing/2014/main" xmlns="" id="{FF8ECF35-CF58-43D8-A03A-5FE8544A266B}"/>
+              </a:ext>
+            </a:extLst>
+          </p:cNvPr>
+          <p:cNvSpPr/>
+          <p:nvPr/>
+        </p:nvSpPr>
+        <p:spPr>
+          <a:xfrm>
+            <a:off x="326660" y="-8238"/>
+            <a:ext cx="3157359" cy="2035348"/>
+          </a:xfrm>
+          <a:prstGeom prst="rect">
+            <a:avLst/>
+          </a:prstGeom>
+          <a:solidFill>
+            <a:srgbClr val="A7F5FF"/>
+          </a:solidFill>
+          <a:ln>
+            <a:noFill/>
+          </a:ln>
+        </p:spPr>
+        <p:style>
+          <a:lnRef idx="2">
+            <a:schemeClr val="accent1">
+              <a:shade val="50000"/>
+            </a:schemeClr>
+          </a:lnRef>
+          <a:fillRef idx="1">
+            <a:schemeClr val="accent1"/>
+          </a:fillRef>
+          <a:effectRef idx="0">
+            <a:schemeClr val="accent1"/>
+          </a:effectRef>
+          <a:fontRef idx="minor">
+            <a:schemeClr val="lt1"/>
+          </a:fontRef>
+        </p:style>
+        <p:txBody>
+          <a:bodyPr rtlCol="0" anchor="ctr"/>
+          <a:lstStyle/>
+          <a:p>
+            <a:pPr algn="ctr"/>
+            <a:endParaRPr lang="en-GB"/>
+          </a:p>
+        </p:txBody>
+      </p:sp>
+      <p:grpSp>
+        <p:nvGrpSpPr>
+          <p:cNvPr id="17" name="Group 16"/>
+          <p:cNvGrpSpPr/>
+          <p:nvPr/>
+        </p:nvGrpSpPr>
+        <p:grpSpPr>
+          <a:xfrm>
+            <a:off x="326660" y="2446281"/>
+            <a:ext cx="3516820" cy="4411719"/>
+            <a:chOff x="497171" y="2446281"/>
+            <a:chExt cx="3516820" cy="4411719"/>
+          </a:xfrm>
+        </p:grpSpPr>
+        <p:sp>
+          <p:nvSpPr>
+            <p:cNvPr id="13" name="Rectangle 12"/>
+            <p:cNvSpPr/>
+            <p:nvPr/>
+          </p:nvSpPr>
+          <p:spPr>
+            <a:xfrm>
+              <a:off x="497171" y="2446281"/>
+              <a:ext cx="3161916" cy="4411719"/>
+            </a:xfrm>
+            <a:prstGeom prst="rect">
+              <a:avLst/>
+            </a:prstGeom>
+            <a:solidFill>
+              <a:schemeClr val="accent1">
+                <a:lumMod val="40000"/>
+                <a:lumOff val="60000"/>
+              </a:schemeClr>
+            </a:solidFill>
+            <a:ln>
+              <a:noFill/>
+            </a:ln>
+          </p:spPr>
+          <p:style>
+            <a:lnRef idx="2">
+              <a:schemeClr val="accent1">
+                <a:shade val="50000"/>
+              </a:schemeClr>
+            </a:lnRef>
+            <a:fillRef idx="1">
+              <a:schemeClr val="accent1"/>
+            </a:fillRef>
+            <a:effectRef idx="0">
+              <a:schemeClr val="accent1"/>
+            </a:effectRef>
+            <a:fontRef idx="minor">
+              <a:schemeClr val="lt1"/>
+            </a:fontRef>
+          </p:style>
+          <p:txBody>
+            <a:bodyPr rtlCol="0" anchor="ctr"/>
+            <a:lstStyle/>
+            <a:p>
+              <a:pPr algn="ctr"/>
+              <a:endParaRPr lang="en-GB"/>
+            </a:p>
+          </p:txBody>
+        </p:sp>
+        <p:sp>
+          <p:nvSpPr>
+            <p:cNvPr id="86" name="Rectangle 85"/>
+            <p:cNvSpPr/>
+            <p:nvPr/>
+          </p:nvSpPr>
+          <p:spPr>
+            <a:xfrm>
+              <a:off x="3659087" y="2724851"/>
+              <a:ext cx="354904" cy="1400060"/>
+            </a:xfrm>
+            <a:prstGeom prst="rect">
+              <a:avLst/>
+            </a:prstGeom>
+            <a:solidFill>
+              <a:schemeClr val="accent1">
+                <a:lumMod val="40000"/>
+                <a:lumOff val="60000"/>
+              </a:schemeClr>
+            </a:solidFill>
+            <a:ln>
+              <a:noFill/>
+            </a:ln>
+          </p:spPr>
+          <p:style>
+            <a:lnRef idx="2">
+              <a:schemeClr val="accent1">
+                <a:shade val="50000"/>
+              </a:schemeClr>
+            </a:lnRef>
+            <a:fillRef idx="1">
+              <a:schemeClr val="accent1"/>
+            </a:fillRef>
+            <a:effectRef idx="0">
+              <a:schemeClr val="accent1"/>
+            </a:effectRef>
+            <a:fontRef idx="minor">
+              <a:schemeClr val="lt1"/>
+            </a:fontRef>
+          </p:style>
+          <p:txBody>
+            <a:bodyPr rtlCol="0" anchor="ctr"/>
+            <a:lstStyle/>
+            <a:p>
+              <a:pPr algn="ctr"/>
+              <a:endParaRPr lang="en-GB"/>
+            </a:p>
+          </p:txBody>
+        </p:sp>
+      </p:grpSp>
+      <p:sp>
+        <p:nvSpPr>
+          <p:cNvPr id="84" name="Rectangle 83">
+            <a:extLst>
+              <a:ext uri="{FF2B5EF4-FFF2-40B4-BE49-F238E27FC236}">
+                <a16:creationId xmlns:a16="http://schemas.microsoft.com/office/drawing/2014/main" xmlns="" id="{FF8ECF35-CF58-43D8-A03A-5FE8544A266B}"/>
+              </a:ext>
+            </a:extLst>
+          </p:cNvPr>
+          <p:cNvSpPr/>
+          <p:nvPr/>
+        </p:nvSpPr>
+        <p:spPr>
+          <a:xfrm flipH="1">
+            <a:off x="8032351" y="2724851"/>
+            <a:ext cx="354905" cy="1400060"/>
+          </a:xfrm>
+          <a:prstGeom prst="rect">
+            <a:avLst/>
+          </a:prstGeom>
+          <a:solidFill>
+            <a:schemeClr val="accent2">
+              <a:lumMod val="40000"/>
+              <a:lumOff val="60000"/>
+            </a:schemeClr>
+          </a:solidFill>
+          <a:ln>
+            <a:noFill/>
+          </a:ln>
+        </p:spPr>
+        <p:style>
+          <a:lnRef idx="2">
+            <a:schemeClr val="accent1">
+              <a:shade val="50000"/>
+            </a:schemeClr>
+          </a:lnRef>
+          <a:fillRef idx="1">
+            <a:schemeClr val="accent1"/>
+          </a:fillRef>
+          <a:effectRef idx="0">
+            <a:schemeClr val="accent1"/>
+          </a:effectRef>
+          <a:fontRef idx="minor">
+            <a:schemeClr val="lt1"/>
+          </a:fontRef>
+        </p:style>
+        <p:txBody>
+          <a:bodyPr rtlCol="0" anchor="ctr"/>
+          <a:lstStyle/>
+          <a:p>
+            <a:pPr algn="ctr"/>
+            <a:endParaRPr lang="en-GB"/>
+          </a:p>
+        </p:txBody>
+      </p:sp>
+      <p:sp>
+        <p:nvSpPr>
+          <p:cNvPr id="79" name="Rectangle 78">
+            <a:extLst>
+              <a:ext uri="{FF2B5EF4-FFF2-40B4-BE49-F238E27FC236}">
+                <a16:creationId xmlns:a16="http://schemas.microsoft.com/office/drawing/2014/main" xmlns="" id="{E67295A5-CD9B-42DF-A06B-173F8F469F8E}"/>
+              </a:ext>
+            </a:extLst>
+          </p:cNvPr>
+          <p:cNvSpPr/>
+          <p:nvPr/>
+        </p:nvSpPr>
+        <p:spPr>
+          <a:xfrm>
+            <a:off x="8036616" y="5259519"/>
+            <a:ext cx="373826" cy="1400060"/>
           </a:xfrm>
           <a:prstGeom prst="rect">
             <a:avLst/>
@@ -8190,20 +8619,78 @@
       </p:sp>
       <p:sp>
         <p:nvSpPr>
-          <p:cNvPr id="39" name="Rectangle 38"/>
+          <p:cNvPr id="72" name="Rectangle 71">
+            <a:extLst>
+              <a:ext uri="{FF2B5EF4-FFF2-40B4-BE49-F238E27FC236}">
+                <a16:creationId xmlns:a16="http://schemas.microsoft.com/office/drawing/2014/main" xmlns="" id="{FF8ECF35-CF58-43D8-A03A-5FE8544A266B}"/>
+              </a:ext>
+            </a:extLst>
+          </p:cNvPr>
           <p:cNvSpPr/>
           <p:nvPr/>
         </p:nvSpPr>
         <p:spPr>
           <a:xfrm>
-            <a:off x="3693780" y="-8238"/>
-            <a:ext cx="3314164" cy="6866238"/>
+            <a:off x="8387254" y="-8238"/>
+            <a:ext cx="3157359" cy="2035348"/>
           </a:xfrm>
           <a:prstGeom prst="rect">
             <a:avLst/>
           </a:prstGeom>
           <a:solidFill>
-            <a:schemeClr val="accent6">
+            <a:srgbClr val="B85750"/>
+          </a:solidFill>
+          <a:ln>
+            <a:noFill/>
+          </a:ln>
+        </p:spPr>
+        <p:style>
+          <a:lnRef idx="2">
+            <a:schemeClr val="accent1">
+              <a:shade val="50000"/>
+            </a:schemeClr>
+          </a:lnRef>
+          <a:fillRef idx="1">
+            <a:schemeClr val="accent1"/>
+          </a:fillRef>
+          <a:effectRef idx="0">
+            <a:schemeClr val="accent1"/>
+          </a:effectRef>
+          <a:fontRef idx="minor">
+            <a:schemeClr val="lt1"/>
+          </a:fontRef>
+        </p:style>
+        <p:txBody>
+          <a:bodyPr rtlCol="0" anchor="ctr"/>
+          <a:lstStyle/>
+          <a:p>
+            <a:pPr algn="ctr"/>
+            <a:endParaRPr lang="en-GB"/>
+          </a:p>
+        </p:txBody>
+      </p:sp>
+      <p:sp>
+        <p:nvSpPr>
+          <p:cNvPr id="50" name="Rectangle 49">
+            <a:extLst>
+              <a:ext uri="{FF2B5EF4-FFF2-40B4-BE49-F238E27FC236}">
+                <a16:creationId xmlns:a16="http://schemas.microsoft.com/office/drawing/2014/main" xmlns="" id="{FF8ECF35-CF58-43D8-A03A-5FE8544A266B}"/>
+              </a:ext>
+            </a:extLst>
+          </p:cNvPr>
+          <p:cNvSpPr/>
+          <p:nvPr/>
+        </p:nvSpPr>
+        <p:spPr>
+          <a:xfrm>
+            <a:off x="8387254" y="2446281"/>
+            <a:ext cx="3157359" cy="1890134"/>
+          </a:xfrm>
+          <a:prstGeom prst="rect">
+            <a:avLst/>
+          </a:prstGeom>
+          <a:solidFill>
+            <a:schemeClr val="accent2">
               <a:lumMod val="40000"/>
               <a:lumOff val="60000"/>
             </a:schemeClr>
@@ -8239,23 +8726,26 @@
       </p:sp>
       <p:sp>
         <p:nvSpPr>
-          <p:cNvPr id="13" name="Rectangle 12"/>
+          <p:cNvPr id="49" name="Rectangle 48">
+            <a:extLst>
+              <a:ext uri="{FF2B5EF4-FFF2-40B4-BE49-F238E27FC236}">
+                <a16:creationId xmlns:a16="http://schemas.microsoft.com/office/drawing/2014/main" xmlns="" id="{E67295A5-CD9B-42DF-A06B-173F8F469F8E}"/>
+              </a:ext>
+            </a:extLst>
+          </p:cNvPr>
           <p:cNvSpPr/>
           <p:nvPr/>
         </p:nvSpPr>
         <p:spPr>
           <a:xfrm>
-            <a:off x="-6863" y="-8238"/>
-            <a:ext cx="2867021" cy="6858000"/>
+            <a:off x="8410441" y="5061098"/>
+            <a:ext cx="3134172" cy="1796901"/>
           </a:xfrm>
           <a:prstGeom prst="rect">
             <a:avLst/>
           </a:prstGeom>
           <a:solidFill>
-            <a:schemeClr val="accent5">
-              <a:lumMod val="40000"/>
-              <a:lumOff val="60000"/>
-            </a:schemeClr>
+            <a:srgbClr val="FFD757"/>
           </a:solidFill>
           <a:ln>
             <a:noFill/>
@@ -8286,12 +8776,223 @@
           </a:p>
         </p:txBody>
       </p:sp>
+      <p:grpSp>
+        <p:nvGrpSpPr>
+          <p:cNvPr id="14" name="Group 13"/>
+          <p:cNvGrpSpPr/>
+          <p:nvPr/>
+        </p:nvGrpSpPr>
+        <p:grpSpPr>
+          <a:xfrm>
+            <a:off x="3844602" y="-8238"/>
+            <a:ext cx="4192013" cy="6866238"/>
+            <a:chOff x="3844602" y="-8238"/>
+            <a:chExt cx="4192013" cy="6866238"/>
+          </a:xfrm>
+        </p:grpSpPr>
+        <p:sp>
+          <p:nvSpPr>
+            <p:cNvPr id="74" name="Rectangle 73"/>
+            <p:cNvSpPr/>
+            <p:nvPr/>
+          </p:nvSpPr>
+          <p:spPr>
+            <a:xfrm>
+              <a:off x="7681711" y="5259519"/>
+              <a:ext cx="354904" cy="1400060"/>
+            </a:xfrm>
+            <a:prstGeom prst="rect">
+              <a:avLst/>
+            </a:prstGeom>
+            <a:solidFill>
+              <a:schemeClr val="accent6">
+                <a:lumMod val="40000"/>
+                <a:lumOff val="60000"/>
+              </a:schemeClr>
+            </a:solidFill>
+            <a:ln>
+              <a:noFill/>
+            </a:ln>
+          </p:spPr>
+          <p:style>
+            <a:lnRef idx="2">
+              <a:schemeClr val="accent1">
+                <a:shade val="50000"/>
+              </a:schemeClr>
+            </a:lnRef>
+            <a:fillRef idx="1">
+              <a:schemeClr val="accent1"/>
+            </a:fillRef>
+            <a:effectRef idx="0">
+              <a:schemeClr val="accent1"/>
+            </a:effectRef>
+            <a:fontRef idx="minor">
+              <a:schemeClr val="lt1"/>
+            </a:fontRef>
+          </p:style>
+          <p:txBody>
+            <a:bodyPr rtlCol="0" anchor="ctr"/>
+            <a:lstStyle/>
+            <a:p>
+              <a:pPr algn="ctr"/>
+              <a:endParaRPr lang="en-GB"/>
+            </a:p>
+          </p:txBody>
+        </p:sp>
+        <p:sp>
+          <p:nvSpPr>
+            <p:cNvPr id="39" name="Rectangle 38"/>
+            <p:cNvSpPr/>
+            <p:nvPr/>
+          </p:nvSpPr>
+          <p:spPr>
+            <a:xfrm>
+              <a:off x="4185549" y="-8238"/>
+              <a:ext cx="3496163" cy="6866238"/>
+            </a:xfrm>
+            <a:prstGeom prst="rect">
+              <a:avLst/>
+            </a:prstGeom>
+            <a:solidFill>
+              <a:schemeClr val="accent6">
+                <a:lumMod val="40000"/>
+                <a:lumOff val="60000"/>
+              </a:schemeClr>
+            </a:solidFill>
+            <a:ln>
+              <a:noFill/>
+            </a:ln>
+          </p:spPr>
+          <p:style>
+            <a:lnRef idx="2">
+              <a:schemeClr val="accent1">
+                <a:shade val="50000"/>
+              </a:schemeClr>
+            </a:lnRef>
+            <a:fillRef idx="1">
+              <a:schemeClr val="accent1"/>
+            </a:fillRef>
+            <a:effectRef idx="0">
+              <a:schemeClr val="accent1"/>
+            </a:effectRef>
+            <a:fontRef idx="minor">
+              <a:schemeClr val="lt1"/>
+            </a:fontRef>
+          </p:style>
+          <p:txBody>
+            <a:bodyPr rtlCol="0" anchor="ctr"/>
+            <a:lstStyle/>
+            <a:p>
+              <a:pPr algn="ctr"/>
+              <a:endParaRPr lang="en-GB"/>
+            </a:p>
+          </p:txBody>
+        </p:sp>
+        <p:sp>
+          <p:nvSpPr>
+            <p:cNvPr id="83" name="Rectangle 82"/>
+            <p:cNvSpPr/>
+            <p:nvPr/>
+          </p:nvSpPr>
+          <p:spPr>
+            <a:xfrm>
+              <a:off x="7681711" y="2724851"/>
+              <a:ext cx="354904" cy="1400060"/>
+            </a:xfrm>
+            <a:prstGeom prst="rect">
+              <a:avLst/>
+            </a:prstGeom>
+            <a:solidFill>
+              <a:schemeClr val="accent6">
+                <a:lumMod val="40000"/>
+                <a:lumOff val="60000"/>
+              </a:schemeClr>
+            </a:solidFill>
+            <a:ln>
+              <a:noFill/>
+            </a:ln>
+          </p:spPr>
+          <p:style>
+            <a:lnRef idx="2">
+              <a:schemeClr val="accent1">
+                <a:shade val="50000"/>
+              </a:schemeClr>
+            </a:lnRef>
+            <a:fillRef idx="1">
+              <a:schemeClr val="accent1"/>
+            </a:fillRef>
+            <a:effectRef idx="0">
+              <a:schemeClr val="accent1"/>
+            </a:effectRef>
+            <a:fontRef idx="minor">
+              <a:schemeClr val="lt1"/>
+            </a:fontRef>
+          </p:style>
+          <p:txBody>
+            <a:bodyPr rtlCol="0" anchor="ctr"/>
+            <a:lstStyle/>
+            <a:p>
+              <a:pPr algn="ctr"/>
+              <a:endParaRPr lang="en-GB"/>
+            </a:p>
+          </p:txBody>
+        </p:sp>
+        <p:sp>
+          <p:nvSpPr>
+            <p:cNvPr id="85" name="Rectangle 84"/>
+            <p:cNvSpPr/>
+            <p:nvPr/>
+          </p:nvSpPr>
+          <p:spPr>
+            <a:xfrm>
+              <a:off x="3844602" y="2724851"/>
+              <a:ext cx="354904" cy="1400060"/>
+            </a:xfrm>
+            <a:prstGeom prst="rect">
+              <a:avLst/>
+            </a:prstGeom>
+            <a:solidFill>
+              <a:schemeClr val="accent6">
+                <a:lumMod val="40000"/>
+                <a:lumOff val="60000"/>
+              </a:schemeClr>
+            </a:solidFill>
+            <a:ln>
+              <a:noFill/>
+            </a:ln>
+          </p:spPr>
+          <p:style>
+            <a:lnRef idx="2">
+              <a:schemeClr val="accent1">
+                <a:shade val="50000"/>
+              </a:schemeClr>
+            </a:lnRef>
+            <a:fillRef idx="1">
+              <a:schemeClr val="accent1"/>
+            </a:fillRef>
+            <a:effectRef idx="0">
+              <a:schemeClr val="accent1"/>
+            </a:effectRef>
+            <a:fontRef idx="minor">
+              <a:schemeClr val="lt1"/>
+            </a:fontRef>
+          </p:style>
+          <p:txBody>
+            <a:bodyPr rtlCol="0" anchor="ctr"/>
+            <a:lstStyle/>
+            <a:p>
+              <a:pPr algn="ctr"/>
+              <a:endParaRPr lang="en-GB"/>
+            </a:p>
+          </p:txBody>
+        </p:sp>
+      </p:grpSp>
       <p:sp>
         <p:nvSpPr>
           <p:cNvPr id="45" name="Flowchart: Manual Input 44">
             <a:extLst>
               <a:ext uri="{FF2B5EF4-FFF2-40B4-BE49-F238E27FC236}">
-                <a16:creationId xmlns:a16="http://schemas.microsoft.com/office/drawing/2014/main" id="{BA5F8287-28B2-4933-91CE-CCF8DA7FDCDF}"/>
+                <a16:creationId xmlns:a16="http://schemas.microsoft.com/office/drawing/2014/main" xmlns="" id="{BA5F8287-28B2-4933-91CE-CCF8DA7FDCDF}"/>
               </a:ext>
             </a:extLst>
           </p:cNvPr>
@@ -8300,7 +9001,7 @@
         </p:nvSpPr>
         <p:spPr>
           <a:xfrm rot="10800000" flipH="1">
-            <a:off x="435622" y="2940756"/>
+            <a:off x="1110892" y="2940756"/>
             <a:ext cx="1820745" cy="976488"/>
           </a:xfrm>
           <a:prstGeom prst="flowChartManualInput">
@@ -8343,7 +9044,7 @@
           <p:cNvPr id="4" name="Right Triangle 3">
             <a:extLst>
               <a:ext uri="{FF2B5EF4-FFF2-40B4-BE49-F238E27FC236}">
-                <a16:creationId xmlns:a16="http://schemas.microsoft.com/office/drawing/2014/main" id="{464F1B2E-5DF7-46D5-BDFC-472B9191165F}"/>
+                <a16:creationId xmlns:a16="http://schemas.microsoft.com/office/drawing/2014/main" xmlns="" id="{464F1B2E-5DF7-46D5-BDFC-472B9191165F}"/>
               </a:ext>
             </a:extLst>
           </p:cNvPr>
@@ -8352,7 +9053,7 @@
         </p:nvSpPr>
         <p:spPr>
           <a:xfrm>
-            <a:off x="512405" y="158044"/>
+            <a:off x="1187675" y="446760"/>
             <a:ext cx="1678404" cy="894642"/>
           </a:xfrm>
           <a:prstGeom prst="rtTriangle">
@@ -8395,7 +9096,7 @@
           <p:cNvPr id="5" name="TextBox 4">
             <a:extLst>
               <a:ext uri="{FF2B5EF4-FFF2-40B4-BE49-F238E27FC236}">
-                <a16:creationId xmlns:a16="http://schemas.microsoft.com/office/drawing/2014/main" id="{C9845309-04CD-46F6-826C-E8307EB2CC9D}"/>
+                <a16:creationId xmlns:a16="http://schemas.microsoft.com/office/drawing/2014/main" xmlns="" id="{C9845309-04CD-46F6-826C-E8307EB2CC9D}"/>
               </a:ext>
             </a:extLst>
           </p:cNvPr>
@@ -8404,7 +9105,7 @@
         </p:nvSpPr>
         <p:spPr>
           <a:xfrm>
-            <a:off x="771318" y="378532"/>
+            <a:off x="1446588" y="667248"/>
             <a:ext cx="1160574" cy="461665"/>
           </a:xfrm>
           <a:prstGeom prst="rect">
@@ -8442,7 +9143,7 @@
           <p:cNvPr id="11" name="Straight Arrow Connector 10">
             <a:extLst>
               <a:ext uri="{FF2B5EF4-FFF2-40B4-BE49-F238E27FC236}">
-                <a16:creationId xmlns:a16="http://schemas.microsoft.com/office/drawing/2014/main" id="{30AD2B9B-64B2-4F8A-8BA3-3D5BA859AC6B}"/>
+                <a16:creationId xmlns:a16="http://schemas.microsoft.com/office/drawing/2014/main" xmlns="" id="{30AD2B9B-64B2-4F8A-8BA3-3D5BA859AC6B}"/>
               </a:ext>
             </a:extLst>
           </p:cNvPr>
@@ -8454,13 +9155,13 @@
         </p:nvCxnSpPr>
         <p:spPr>
           <a:xfrm>
-            <a:off x="1351607" y="1052686"/>
-            <a:ext cx="0" cy="1888070"/>
+            <a:off x="2026877" y="1341402"/>
+            <a:ext cx="0" cy="1599353"/>
           </a:xfrm>
           <a:prstGeom prst="straightConnector1">
             <a:avLst/>
           </a:prstGeom>
-          <a:ln w="76200">
+          <a:ln w="76200" cmpd="sng">
             <a:solidFill>
               <a:schemeClr val="tx1"/>
             </a:solidFill>
@@ -8488,7 +9189,7 @@
           <p:cNvPr id="18" name="TextBox 17">
             <a:extLst>
               <a:ext uri="{FF2B5EF4-FFF2-40B4-BE49-F238E27FC236}">
-                <a16:creationId xmlns:a16="http://schemas.microsoft.com/office/drawing/2014/main" id="{C41D69F8-1C98-4A01-95D1-ABD1D10BDD7D}"/>
+                <a16:creationId xmlns:a16="http://schemas.microsoft.com/office/drawing/2014/main" xmlns="" id="{C41D69F8-1C98-4A01-95D1-ABD1D10BDD7D}"/>
               </a:ext>
             </a:extLst>
           </p:cNvPr>
@@ -8497,8 +9198,8 @@
         </p:nvSpPr>
         <p:spPr>
           <a:xfrm>
-            <a:off x="335517" y="2202091"/>
-            <a:ext cx="755604" cy="738664"/>
+            <a:off x="764282" y="2417535"/>
+            <a:ext cx="1248614" cy="523220"/>
           </a:xfrm>
           <a:prstGeom prst="rect">
             <a:avLst/>
@@ -8521,7 +9222,7 @@
             <a:pPr algn="ctr"/>
             <a:r>
               <a:rPr lang="en-GB" sz="1400" dirty="0"/>
-              <a:t>\/</a:t>
+              <a:t>▼</a:t>
             </a:r>
           </a:p>
         </p:txBody>
@@ -8531,7 +9232,7 @@
           <p:cNvPr id="19" name="TextBox 18">
             <a:extLst>
               <a:ext uri="{FF2B5EF4-FFF2-40B4-BE49-F238E27FC236}">
-                <a16:creationId xmlns:a16="http://schemas.microsoft.com/office/drawing/2014/main" id="{A92D38FB-61D2-4DD1-B8DC-4C9CB4AF5010}"/>
+                <a16:creationId xmlns:a16="http://schemas.microsoft.com/office/drawing/2014/main" xmlns="" id="{A92D38FB-61D2-4DD1-B8DC-4C9CB4AF5010}"/>
               </a:ext>
             </a:extLst>
           </p:cNvPr>
@@ -8540,7 +9241,7 @@
         </p:nvSpPr>
         <p:spPr>
           <a:xfrm>
-            <a:off x="556067" y="2974191"/>
+            <a:off x="1231337" y="2974191"/>
             <a:ext cx="1591077" cy="276999"/>
           </a:xfrm>
           <a:prstGeom prst="rect">
@@ -8573,7 +9274,7 @@
           <p:cNvPr id="20" name="TextBox 19">
             <a:extLst>
               <a:ext uri="{FF2B5EF4-FFF2-40B4-BE49-F238E27FC236}">
-                <a16:creationId xmlns:a16="http://schemas.microsoft.com/office/drawing/2014/main" id="{751537D2-5CA2-46E9-98DA-5D0BC05C4061}"/>
+                <a16:creationId xmlns:a16="http://schemas.microsoft.com/office/drawing/2014/main" xmlns="" id="{751537D2-5CA2-46E9-98DA-5D0BC05C4061}"/>
               </a:ext>
             </a:extLst>
           </p:cNvPr>
@@ -8582,7 +9283,7 @@
         </p:nvSpPr>
         <p:spPr>
           <a:xfrm>
-            <a:off x="495537" y="3198167"/>
+            <a:off x="1170807" y="3198167"/>
             <a:ext cx="1731180" cy="461665"/>
           </a:xfrm>
           <a:prstGeom prst="rect">
@@ -8619,7 +9320,7 @@
           <p:cNvPr id="22" name="Rectangle 21">
             <a:extLst>
               <a:ext uri="{FF2B5EF4-FFF2-40B4-BE49-F238E27FC236}">
-                <a16:creationId xmlns:a16="http://schemas.microsoft.com/office/drawing/2014/main" id="{ADD36DBD-8DDC-434F-9125-A76A4D4E0292}"/>
+                <a16:creationId xmlns:a16="http://schemas.microsoft.com/office/drawing/2014/main" xmlns="" id="{ADD36DBD-8DDC-434F-9125-A76A4D4E0292}"/>
               </a:ext>
             </a:extLst>
           </p:cNvPr>
@@ -8628,7 +9329,7 @@
         </p:nvSpPr>
         <p:spPr>
           <a:xfrm>
-            <a:off x="4404710" y="2940756"/>
+            <a:off x="5078478" y="2940756"/>
             <a:ext cx="1831960" cy="976488"/>
           </a:xfrm>
           <a:prstGeom prst="rect">
@@ -8671,7 +9372,7 @@
           <p:cNvPr id="23" name="TextBox 22">
             <a:extLst>
               <a:ext uri="{FF2B5EF4-FFF2-40B4-BE49-F238E27FC236}">
-                <a16:creationId xmlns:a16="http://schemas.microsoft.com/office/drawing/2014/main" id="{ED06F2CA-B022-4B57-93BA-3A4A5FD519CB}"/>
+                <a16:creationId xmlns:a16="http://schemas.microsoft.com/office/drawing/2014/main" xmlns="" id="{ED06F2CA-B022-4B57-93BA-3A4A5FD519CB}"/>
               </a:ext>
             </a:extLst>
           </p:cNvPr>
@@ -8680,7 +9381,7 @@
         </p:nvSpPr>
         <p:spPr>
           <a:xfrm>
-            <a:off x="4720208" y="3013500"/>
+            <a:off x="5393976" y="3013500"/>
             <a:ext cx="1200970" cy="830997"/>
           </a:xfrm>
           <a:prstGeom prst="rect">
@@ -8736,7 +9437,7 @@
           <p:cNvPr id="24" name="Straight Arrow Connector 23">
             <a:extLst>
               <a:ext uri="{FF2B5EF4-FFF2-40B4-BE49-F238E27FC236}">
-                <a16:creationId xmlns:a16="http://schemas.microsoft.com/office/drawing/2014/main" id="{63C8345C-A17E-44D4-B240-B3C2E331255D}"/>
+                <a16:creationId xmlns:a16="http://schemas.microsoft.com/office/drawing/2014/main" xmlns="" id="{63C8345C-A17E-44D4-B240-B3C2E331255D}"/>
               </a:ext>
             </a:extLst>
           </p:cNvPr>
@@ -8747,8 +9448,8 @@
         </p:nvCxnSpPr>
         <p:spPr>
           <a:xfrm>
-            <a:off x="2267582" y="3443756"/>
-            <a:ext cx="2137128" cy="0"/>
+            <a:off x="2922138" y="3443756"/>
+            <a:ext cx="2156340" cy="0"/>
           </a:xfrm>
           <a:prstGeom prst="straightConnector1">
             <a:avLst/>
@@ -8782,7 +9483,7 @@
           <p:cNvPr id="32" name="TextBox 31">
             <a:extLst>
               <a:ext uri="{FF2B5EF4-FFF2-40B4-BE49-F238E27FC236}">
-                <a16:creationId xmlns:a16="http://schemas.microsoft.com/office/drawing/2014/main" id="{1ADC0E6E-5955-4431-A055-13C603AF1C44}"/>
+                <a16:creationId xmlns:a16="http://schemas.microsoft.com/office/drawing/2014/main" xmlns="" id="{1ADC0E6E-5955-4431-A055-13C603AF1C44}"/>
               </a:ext>
             </a:extLst>
           </p:cNvPr>
@@ -8791,8 +9492,8 @@
         </p:nvSpPr>
         <p:spPr>
           <a:xfrm>
-            <a:off x="2542215" y="3485139"/>
-            <a:ext cx="1914204" cy="307777"/>
+            <a:off x="3700398" y="3485139"/>
+            <a:ext cx="1259278" cy="307777"/>
           </a:xfrm>
           <a:prstGeom prst="rect">
             <a:avLst/>
@@ -8808,7 +9509,7 @@
             <a:pPr algn="r"/>
             <a:r>
               <a:rPr lang="en-GB" sz="1400" dirty="0"/>
-              <a:t>BG + Frame &gt;</a:t>
+              <a:t>BG + Frame ►</a:t>
             </a:r>
           </a:p>
         </p:txBody>
@@ -8818,7 +9519,7 @@
           <p:cNvPr id="33" name="Flowchart: Delay 32">
             <a:extLst>
               <a:ext uri="{FF2B5EF4-FFF2-40B4-BE49-F238E27FC236}">
-                <a16:creationId xmlns:a16="http://schemas.microsoft.com/office/drawing/2014/main" id="{4FFA08B9-25E3-46A3-8F38-170EF9FDDAA3}"/>
+                <a16:creationId xmlns:a16="http://schemas.microsoft.com/office/drawing/2014/main" xmlns="" id="{4FFA08B9-25E3-46A3-8F38-170EF9FDDAA3}"/>
               </a:ext>
             </a:extLst>
           </p:cNvPr>
@@ -8827,7 +9528,7 @@
         </p:nvSpPr>
         <p:spPr>
           <a:xfrm rot="5400000">
-            <a:off x="767629" y="5097731"/>
+            <a:off x="1442899" y="5097731"/>
             <a:ext cx="1200328" cy="1898064"/>
           </a:xfrm>
           <a:prstGeom prst="flowChartDelay">
@@ -8870,7 +9571,7 @@
           <p:cNvPr id="38" name="Straight Arrow Connector 37">
             <a:extLst>
               <a:ext uri="{FF2B5EF4-FFF2-40B4-BE49-F238E27FC236}">
-                <a16:creationId xmlns:a16="http://schemas.microsoft.com/office/drawing/2014/main" id="{6499CFC4-90F7-4835-AE26-D8AB856D5641}"/>
+                <a16:creationId xmlns:a16="http://schemas.microsoft.com/office/drawing/2014/main" xmlns="" id="{6499CFC4-90F7-4835-AE26-D8AB856D5641}"/>
               </a:ext>
             </a:extLst>
           </p:cNvPr>
@@ -8882,7 +9583,7 @@
         </p:nvCxnSpPr>
         <p:spPr>
           <a:xfrm flipH="1" flipV="1">
-            <a:off x="1345995" y="3819595"/>
+            <a:off x="2021265" y="3819595"/>
             <a:ext cx="21798" cy="1627004"/>
           </a:xfrm>
           <a:prstGeom prst="straightConnector1">
@@ -8892,7 +9593,7 @@
             <a:solidFill>
               <a:schemeClr val="tx1"/>
             </a:solidFill>
-            <a:prstDash val="sysDot"/>
+            <a:prstDash val="solid"/>
             <a:headEnd type="triangle"/>
             <a:tailEnd type="triangle"/>
           </a:ln>
@@ -8917,7 +9618,7 @@
           <p:cNvPr id="43" name="TextBox 42">
             <a:extLst>
               <a:ext uri="{FF2B5EF4-FFF2-40B4-BE49-F238E27FC236}">
-                <a16:creationId xmlns:a16="http://schemas.microsoft.com/office/drawing/2014/main" id="{358B10D6-A0B4-4434-AACB-C474B6F3546A}"/>
+                <a16:creationId xmlns:a16="http://schemas.microsoft.com/office/drawing/2014/main" xmlns="" id="{358B10D6-A0B4-4434-AACB-C474B6F3546A}"/>
               </a:ext>
             </a:extLst>
           </p:cNvPr>
@@ -8926,8 +9627,8 @@
         </p:nvSpPr>
         <p:spPr>
           <a:xfrm>
-            <a:off x="149774" y="3803290"/>
-            <a:ext cx="1127092" cy="523220"/>
+            <a:off x="787024" y="3803290"/>
+            <a:ext cx="1203129" cy="523220"/>
           </a:xfrm>
           <a:prstGeom prst="rect">
             <a:avLst/>
@@ -8943,15 +9644,16 @@
             <a:pPr algn="ctr"/>
             <a:r>
               <a:rPr lang="en-GB" sz="1400" dirty="0"/>
-              <a:t>/\</a:t>
+              <a:t>▲</a:t>
             </a:r>
           </a:p>
           <a:p>
             <a:pPr algn="ctr"/>
             <a:r>
-              <a:rPr lang="en-GB" sz="1400" dirty="0"/>
+              <a:rPr lang="en-GB" sz="1400" dirty="0" smtClean="0"/>
               <a:t>Background</a:t>
             </a:r>
+            <a:endParaRPr lang="en-GB" sz="1400" dirty="0"/>
           </a:p>
         </p:txBody>
       </p:sp>
@@ -8960,7 +9662,7 @@
           <p:cNvPr id="44" name="TextBox 43">
             <a:extLst>
               <a:ext uri="{FF2B5EF4-FFF2-40B4-BE49-F238E27FC236}">
-                <a16:creationId xmlns:a16="http://schemas.microsoft.com/office/drawing/2014/main" id="{BAB3948D-F827-44D1-B40E-A737164AC616}"/>
+                <a16:creationId xmlns:a16="http://schemas.microsoft.com/office/drawing/2014/main" xmlns="" id="{BAB3948D-F827-44D1-B40E-A737164AC616}"/>
               </a:ext>
             </a:extLst>
           </p:cNvPr>
@@ -8969,7 +9671,7 @@
         </p:nvSpPr>
         <p:spPr>
           <a:xfrm>
-            <a:off x="484671" y="5446597"/>
+            <a:off x="1159941" y="5446597"/>
             <a:ext cx="1766253" cy="1200329"/>
           </a:xfrm>
           <a:prstGeom prst="rect">
@@ -9043,7 +9745,7 @@
           <p:cNvPr id="46" name="Flowchart: Alternate Process 45">
             <a:extLst>
               <a:ext uri="{FF2B5EF4-FFF2-40B4-BE49-F238E27FC236}">
-                <a16:creationId xmlns:a16="http://schemas.microsoft.com/office/drawing/2014/main" id="{788ACF15-712D-427B-85E3-BFDE6D2778B7}"/>
+                <a16:creationId xmlns:a16="http://schemas.microsoft.com/office/drawing/2014/main" xmlns="" id="{788ACF15-712D-427B-85E3-BFDE6D2778B7}"/>
               </a:ext>
             </a:extLst>
           </p:cNvPr>
@@ -9052,7 +9754,7 @@
         </p:nvSpPr>
         <p:spPr>
           <a:xfrm>
-            <a:off x="4404714" y="5450413"/>
+            <a:off x="5078482" y="5450413"/>
             <a:ext cx="1831960" cy="1200330"/>
           </a:xfrm>
           <a:prstGeom prst="flowChartAlternateProcess">
@@ -9095,7 +9797,7 @@
           <p:cNvPr id="47" name="TextBox 46">
             <a:extLst>
               <a:ext uri="{FF2B5EF4-FFF2-40B4-BE49-F238E27FC236}">
-                <a16:creationId xmlns:a16="http://schemas.microsoft.com/office/drawing/2014/main" id="{74812398-B0DB-4253-BDA5-F09C7A7449E7}"/>
+                <a16:creationId xmlns:a16="http://schemas.microsoft.com/office/drawing/2014/main" xmlns="" id="{74812398-B0DB-4253-BDA5-F09C7A7449E7}"/>
               </a:ext>
             </a:extLst>
           </p:cNvPr>
@@ -9104,7 +9806,7 @@
         </p:nvSpPr>
         <p:spPr>
           <a:xfrm>
-            <a:off x="4456419" y="5441020"/>
+            <a:off x="5130187" y="5441020"/>
             <a:ext cx="1728550" cy="1200329"/>
           </a:xfrm>
           <a:prstGeom prst="rect">
@@ -9178,7 +9880,7 @@
           <p:cNvPr id="52" name="Arrow: Chevron 51">
             <a:extLst>
               <a:ext uri="{FF2B5EF4-FFF2-40B4-BE49-F238E27FC236}">
-                <a16:creationId xmlns:a16="http://schemas.microsoft.com/office/drawing/2014/main" id="{842C5092-8294-4030-A526-A8C839E4F69D}"/>
+                <a16:creationId xmlns:a16="http://schemas.microsoft.com/office/drawing/2014/main" xmlns="" id="{842C5092-8294-4030-A526-A8C839E4F69D}"/>
               </a:ext>
             </a:extLst>
           </p:cNvPr>
@@ -9187,7 +9889,7 @@
         </p:nvSpPr>
         <p:spPr>
           <a:xfrm rot="5400000">
-            <a:off x="8782679" y="5294053"/>
+            <a:off x="9456447" y="5294053"/>
             <a:ext cx="1085130" cy="1628250"/>
           </a:xfrm>
           <a:prstGeom prst="chevron">
@@ -9232,7 +9934,7 @@
           <p:cNvPr id="53" name="TextBox 52">
             <a:extLst>
               <a:ext uri="{FF2B5EF4-FFF2-40B4-BE49-F238E27FC236}">
-                <a16:creationId xmlns:a16="http://schemas.microsoft.com/office/drawing/2014/main" id="{5D685C8E-8026-4C55-BE1C-CC18B646995B}"/>
+                <a16:creationId xmlns:a16="http://schemas.microsoft.com/office/drawing/2014/main" xmlns="" id="{5D685C8E-8026-4C55-BE1C-CC18B646995B}"/>
               </a:ext>
             </a:extLst>
           </p:cNvPr>
@@ -9241,7 +9943,7 @@
         </p:nvSpPr>
         <p:spPr>
           <a:xfrm>
-            <a:off x="8589314" y="5692679"/>
+            <a:off x="9263082" y="5692679"/>
             <a:ext cx="1471878" cy="830997"/>
           </a:xfrm>
           <a:prstGeom prst="rect">
@@ -9297,7 +9999,7 @@
           <p:cNvPr id="55" name="Straight Arrow Connector 54">
             <a:extLst>
               <a:ext uri="{FF2B5EF4-FFF2-40B4-BE49-F238E27FC236}">
-                <a16:creationId xmlns:a16="http://schemas.microsoft.com/office/drawing/2014/main" id="{D93FAD61-E741-499C-820D-AF2A26A6E4DB}"/>
+                <a16:creationId xmlns:a16="http://schemas.microsoft.com/office/drawing/2014/main" xmlns="" id="{D93FAD61-E741-499C-820D-AF2A26A6E4DB}"/>
               </a:ext>
             </a:extLst>
           </p:cNvPr>
@@ -9308,7 +10010,7 @@
         </p:nvCxnSpPr>
         <p:spPr>
           <a:xfrm flipV="1">
-            <a:off x="5350862" y="3894130"/>
+            <a:off x="6024630" y="3894130"/>
             <a:ext cx="0" cy="1546890"/>
           </a:xfrm>
           <a:prstGeom prst="straightConnector1">
@@ -9343,7 +10045,7 @@
           <p:cNvPr id="56" name="TextBox 55">
             <a:extLst>
               <a:ext uri="{FF2B5EF4-FFF2-40B4-BE49-F238E27FC236}">
-                <a16:creationId xmlns:a16="http://schemas.microsoft.com/office/drawing/2014/main" id="{B32A810F-BF6B-4000-9AFD-8B8D42D80E47}"/>
+                <a16:creationId xmlns:a16="http://schemas.microsoft.com/office/drawing/2014/main" xmlns="" id="{B32A810F-BF6B-4000-9AFD-8B8D42D80E47}"/>
               </a:ext>
             </a:extLst>
           </p:cNvPr>
@@ -9352,7 +10054,7 @@
         </p:nvSpPr>
         <p:spPr>
           <a:xfrm>
-            <a:off x="6236670" y="5599997"/>
+            <a:off x="6910438" y="6050578"/>
             <a:ext cx="1083912" cy="307777"/>
           </a:xfrm>
           <a:prstGeom prst="rect">
@@ -9369,8 +10071,16 @@
             <a:pPr algn="ctr"/>
             <a:r>
               <a:rPr lang="en-GB" sz="1400" dirty="0"/>
-              <a:t>&lt; Labels</a:t>
+              <a:t>◄</a:t>
             </a:r>
+            <a:r>
+              <a:rPr lang="en-GB" sz="1400" dirty="0" smtClean="0"/>
+              <a:t> </a:t>
+            </a:r>
+            <a:r>
+              <a:rPr lang="en-GB" sz="1400" dirty="0"/>
+              <a:t>Labels</a:t>
+            </a:r>
           </a:p>
         </p:txBody>
       </p:sp>
@@ -9379,7 +10089,7 @@
           <p:cNvPr id="57" name="TextBox 56">
             <a:extLst>
               <a:ext uri="{FF2B5EF4-FFF2-40B4-BE49-F238E27FC236}">
-                <a16:creationId xmlns:a16="http://schemas.microsoft.com/office/drawing/2014/main" id="{F0193D04-3208-4F06-BBA2-FE37BC71626F}"/>
+                <a16:creationId xmlns:a16="http://schemas.microsoft.com/office/drawing/2014/main" xmlns="" id="{F0193D04-3208-4F06-BBA2-FE37BC71626F}"/>
               </a:ext>
             </a:extLst>
           </p:cNvPr>
@@ -9388,7 +10098,7 @@
         </p:nvSpPr>
         <p:spPr>
           <a:xfrm>
-            <a:off x="4422509" y="3926637"/>
+            <a:off x="5096277" y="3926637"/>
             <a:ext cx="802510" cy="738664"/>
           </a:xfrm>
           <a:prstGeom prst="rect">
@@ -9404,15 +10114,19 @@
           <a:p>
             <a:pPr algn="ctr"/>
             <a:r>
-              <a:rPr lang="en-GB" sz="1400" dirty="0"/>
-              <a:t>/\</a:t>
+              <a:rPr lang="en-GB" sz="1400" dirty="0" smtClean="0"/>
+              <a:t>▲</a:t>
             </a:r>
           </a:p>
           <a:p>
             <a:pPr algn="ctr"/>
             <a:r>
+              <a:rPr lang="en-GB" sz="1400" dirty="0" smtClean="0"/>
+              <a:t>Labelled </a:t>
+            </a:r>
+            <a:r>
               <a:rPr lang="en-GB" sz="1400" dirty="0"/>
-              <a:t>Labelled Objects</a:t>
+              <a:t>Objects</a:t>
             </a:r>
           </a:p>
         </p:txBody>
@@ -9422,7 +10136,7 @@
           <p:cNvPr id="80" name="Rectangle 79">
             <a:extLst>
               <a:ext uri="{FF2B5EF4-FFF2-40B4-BE49-F238E27FC236}">
-                <a16:creationId xmlns:a16="http://schemas.microsoft.com/office/drawing/2014/main" id="{CF30EFBD-3437-4FDF-9081-13DBAAD65887}"/>
+                <a16:creationId xmlns:a16="http://schemas.microsoft.com/office/drawing/2014/main" xmlns="" id="{CF30EFBD-3437-4FDF-9081-13DBAAD65887}"/>
               </a:ext>
             </a:extLst>
           </p:cNvPr>
@@ -9431,7 +10145,7 @@
         </p:nvSpPr>
         <p:spPr>
           <a:xfrm>
-            <a:off x="8387779" y="2940756"/>
+            <a:off x="9061547" y="2940756"/>
             <a:ext cx="1831960" cy="976488"/>
           </a:xfrm>
           <a:prstGeom prst="rect">
@@ -9474,7 +10188,7 @@
           <p:cNvPr id="81" name="TextBox 80">
             <a:extLst>
               <a:ext uri="{FF2B5EF4-FFF2-40B4-BE49-F238E27FC236}">
-                <a16:creationId xmlns:a16="http://schemas.microsoft.com/office/drawing/2014/main" id="{4E211EC3-F05E-4D22-B4D7-E50D6AC867AA}"/>
+                <a16:creationId xmlns:a16="http://schemas.microsoft.com/office/drawing/2014/main" xmlns="" id="{4E211EC3-F05E-4D22-B4D7-E50D6AC867AA}"/>
               </a:ext>
             </a:extLst>
           </p:cNvPr>
@@ -9483,7 +10197,7 @@
         </p:nvSpPr>
         <p:spPr>
           <a:xfrm>
-            <a:off x="8703277" y="3013500"/>
+            <a:off x="9377045" y="3013500"/>
             <a:ext cx="1200970" cy="830997"/>
           </a:xfrm>
           <a:prstGeom prst="rect">
@@ -9539,7 +10253,7 @@
           <p:cNvPr id="82" name="Straight Arrow Connector 81">
             <a:extLst>
               <a:ext uri="{FF2B5EF4-FFF2-40B4-BE49-F238E27FC236}">
-                <a16:creationId xmlns:a16="http://schemas.microsoft.com/office/drawing/2014/main" id="{EF6A4085-3032-4ED6-B8C5-9D0D4489DE48}"/>
+                <a16:creationId xmlns:a16="http://schemas.microsoft.com/office/drawing/2014/main" xmlns="" id="{EF6A4085-3032-4ED6-B8C5-9D0D4489DE48}"/>
               </a:ext>
             </a:extLst>
           </p:cNvPr>
@@ -9550,18 +10264,18 @@
         </p:nvCxnSpPr>
         <p:spPr>
           <a:xfrm>
-            <a:off x="6250651" y="3443756"/>
+            <a:off x="6924419" y="3443756"/>
             <a:ext cx="2137128" cy="0"/>
           </a:xfrm>
           <a:prstGeom prst="straightConnector1">
             <a:avLst/>
           </a:prstGeom>
-          <a:ln w="76200">
+          <a:ln w="76200" cmpd="sng">
             <a:solidFill>
               <a:schemeClr val="tx1"/>
             </a:solidFill>
-            <a:prstDash val="solid"/>
-            <a:headEnd type="triangle"/>
+            <a:prstDash val="dash"/>
+            <a:headEnd type="none"/>
             <a:tailEnd type="triangle"/>
           </a:ln>
         </p:spPr>
@@ -9588,8 +10302,8 @@
         </p:nvCxnSpPr>
         <p:spPr>
           <a:xfrm>
-            <a:off x="7447005" y="6050578"/>
-            <a:ext cx="1064114" cy="0"/>
+            <a:off x="8053064" y="6050578"/>
+            <a:ext cx="1131823" cy="0"/>
           </a:xfrm>
           <a:prstGeom prst="line">
             <a:avLst/>
@@ -9624,8 +10338,8 @@
         </p:nvCxnSpPr>
         <p:spPr>
           <a:xfrm flipH="1">
-            <a:off x="6184970" y="6050578"/>
-            <a:ext cx="1080803" cy="0"/>
+            <a:off x="6910438" y="6050578"/>
+            <a:ext cx="961395" cy="0"/>
           </a:xfrm>
           <a:prstGeom prst="line">
             <a:avLst/>
@@ -9660,7 +10374,7 @@
         </p:nvSpPr>
         <p:spPr>
           <a:xfrm rot="16200000">
-            <a:off x="7257481" y="5857875"/>
+            <a:off x="7863540" y="5857875"/>
             <a:ext cx="382118" cy="382118"/>
           </a:xfrm>
           <a:prstGeom prst="blockArc">
@@ -9711,7 +10425,7 @@
           <p:cNvPr id="41" name="TextBox 40">
             <a:extLst>
               <a:ext uri="{FF2B5EF4-FFF2-40B4-BE49-F238E27FC236}">
-                <a16:creationId xmlns:a16="http://schemas.microsoft.com/office/drawing/2014/main" id="{358B10D6-A0B4-4434-AACB-C474B6F3546A}"/>
+                <a16:creationId xmlns:a16="http://schemas.microsoft.com/office/drawing/2014/main" xmlns="" id="{358B10D6-A0B4-4434-AACB-C474B6F3546A}"/>
               </a:ext>
             </a:extLst>
           </p:cNvPr>
@@ -9720,7 +10434,7 @@
         </p:nvSpPr>
         <p:spPr>
           <a:xfrm>
-            <a:off x="352920" y="4902891"/>
+            <a:off x="1028190" y="4889474"/>
             <a:ext cx="720799" cy="523220"/>
           </a:xfrm>
           <a:prstGeom prst="rect">
@@ -9743,9 +10457,10 @@
           <a:p>
             <a:pPr algn="ctr"/>
             <a:r>
-              <a:rPr lang="en-GB" sz="1400" dirty="0"/>
-              <a:t>\/</a:t>
+              <a:rPr lang="en-GB" sz="1400" dirty="0" smtClean="0"/>
+              <a:t>▼</a:t>
             </a:r>
+            <a:endParaRPr lang="en-GB" sz="1400" dirty="0"/>
           </a:p>
         </p:txBody>
       </p:sp>
@@ -9754,7 +10469,7 @@
           <p:cNvPr id="42" name="TextBox 41">
             <a:extLst>
               <a:ext uri="{FF2B5EF4-FFF2-40B4-BE49-F238E27FC236}">
-                <a16:creationId xmlns:a16="http://schemas.microsoft.com/office/drawing/2014/main" id="{F0193D04-3208-4F06-BBA2-FE37BC71626F}"/>
+                <a16:creationId xmlns:a16="http://schemas.microsoft.com/office/drawing/2014/main" xmlns="" id="{F0193D04-3208-4F06-BBA2-FE37BC71626F}"/>
               </a:ext>
             </a:extLst>
           </p:cNvPr>
@@ -9763,7 +10478,7 @@
         </p:nvSpPr>
         <p:spPr>
           <a:xfrm>
-            <a:off x="4422509" y="4726459"/>
+            <a:off x="5096277" y="4726459"/>
             <a:ext cx="802510" cy="738664"/>
           </a:xfrm>
           <a:prstGeom prst="rect">
@@ -9787,7 +10502,7 @@
             <a:pPr algn="ctr"/>
             <a:r>
               <a:rPr lang="en-GB" sz="1400" dirty="0"/>
-              <a:t>\/</a:t>
+              <a:t>▼</a:t>
             </a:r>
           </a:p>
         </p:txBody>
@@ -9797,7 +10512,7 @@
           <p:cNvPr id="48" name="TextBox 47">
             <a:extLst>
               <a:ext uri="{FF2B5EF4-FFF2-40B4-BE49-F238E27FC236}">
-                <a16:creationId xmlns:a16="http://schemas.microsoft.com/office/drawing/2014/main" id="{B32A810F-BF6B-4000-9AFD-8B8D42D80E47}"/>
+                <a16:creationId xmlns:a16="http://schemas.microsoft.com/office/drawing/2014/main" xmlns="" id="{B32A810F-BF6B-4000-9AFD-8B8D42D80E47}"/>
               </a:ext>
             </a:extLst>
           </p:cNvPr>
@@ -9806,8 +10521,8 @@
         </p:nvSpPr>
         <p:spPr>
           <a:xfrm>
-            <a:off x="7369829" y="3539690"/>
-            <a:ext cx="1083912" cy="307777"/>
+            <a:off x="7851212" y="3539690"/>
+            <a:ext cx="1276297" cy="307777"/>
           </a:xfrm>
           <a:prstGeom prst="rect">
             <a:avLst/>
@@ -9822,9 +10537,10 @@
           <a:p>
             <a:pPr algn="ctr"/>
             <a:r>
-              <a:rPr lang="en-GB" sz="1400" dirty="0"/>
-              <a:t>Labels &gt;</a:t>
+              <a:rPr lang="en-GB" sz="1400" dirty="0" smtClean="0"/>
+              <a:t>Instructions ►</a:t>
             </a:r>
+            <a:endParaRPr lang="en-GB" sz="1400" dirty="0"/>
           </a:p>
         </p:txBody>
       </p:sp>
@@ -9833,7 +10549,7 @@
           <p:cNvPr id="51" name="Rectangle 50">
             <a:extLst>
               <a:ext uri="{FF2B5EF4-FFF2-40B4-BE49-F238E27FC236}">
-                <a16:creationId xmlns:a16="http://schemas.microsoft.com/office/drawing/2014/main" id="{ADD36DBD-8DDC-434F-9125-A76A4D4E0292}"/>
+                <a16:creationId xmlns:a16="http://schemas.microsoft.com/office/drawing/2014/main" xmlns="" id="{ADD36DBD-8DDC-434F-9125-A76A4D4E0292}"/>
               </a:ext>
             </a:extLst>
           </p:cNvPr>
@@ -9842,7 +10558,7 @@
         </p:nvSpPr>
         <p:spPr>
           <a:xfrm>
-            <a:off x="4404710" y="313220"/>
+            <a:off x="5078478" y="313220"/>
             <a:ext cx="1831960" cy="1190158"/>
           </a:xfrm>
           <a:prstGeom prst="rect">
@@ -9885,7 +10601,7 @@
           <p:cNvPr id="54" name="TextBox 53">
             <a:extLst>
               <a:ext uri="{FF2B5EF4-FFF2-40B4-BE49-F238E27FC236}">
-                <a16:creationId xmlns:a16="http://schemas.microsoft.com/office/drawing/2014/main" id="{ED06F2CA-B022-4B57-93BA-3A4A5FD519CB}"/>
+                <a16:creationId xmlns:a16="http://schemas.microsoft.com/office/drawing/2014/main" xmlns="" id="{ED06F2CA-B022-4B57-93BA-3A4A5FD519CB}"/>
               </a:ext>
             </a:extLst>
           </p:cNvPr>
@@ -9894,7 +10610,7 @@
         </p:nvSpPr>
         <p:spPr>
           <a:xfrm>
-            <a:off x="4370827" y="313220"/>
+            <a:off x="5044595" y="313220"/>
             <a:ext cx="1899751" cy="1200329"/>
           </a:xfrm>
           <a:prstGeom prst="rect">
@@ -9968,7 +10684,7 @@
           <p:cNvPr id="58" name="Straight Arrow Connector 57">
             <a:extLst>
               <a:ext uri="{FF2B5EF4-FFF2-40B4-BE49-F238E27FC236}">
-                <a16:creationId xmlns:a16="http://schemas.microsoft.com/office/drawing/2014/main" id="{D93FAD61-E741-499C-820D-AF2A26A6E4DB}"/>
+                <a16:creationId xmlns:a16="http://schemas.microsoft.com/office/drawing/2014/main" xmlns="" id="{D93FAD61-E741-499C-820D-AF2A26A6E4DB}"/>
               </a:ext>
             </a:extLst>
           </p:cNvPr>
@@ -9979,7 +10695,7 @@
         </p:nvCxnSpPr>
         <p:spPr>
           <a:xfrm flipV="1">
-            <a:off x="5350862" y="1503378"/>
+            <a:off x="6024630" y="1503378"/>
             <a:ext cx="0" cy="1416941"/>
           </a:xfrm>
           <a:prstGeom prst="straightConnector1">
@@ -10014,7 +10730,7 @@
           <p:cNvPr id="59" name="TextBox 58">
             <a:extLst>
               <a:ext uri="{FF2B5EF4-FFF2-40B4-BE49-F238E27FC236}">
-                <a16:creationId xmlns:a16="http://schemas.microsoft.com/office/drawing/2014/main" id="{F0193D04-3208-4F06-BBA2-FE37BC71626F}"/>
+                <a16:creationId xmlns:a16="http://schemas.microsoft.com/office/drawing/2014/main" xmlns="" id="{F0193D04-3208-4F06-BBA2-FE37BC71626F}"/>
               </a:ext>
             </a:extLst>
           </p:cNvPr>
@@ -10023,8 +10739,8 @@
         </p:nvSpPr>
         <p:spPr>
           <a:xfrm>
-            <a:off x="4422509" y="1438096"/>
-            <a:ext cx="802510" cy="738664"/>
+            <a:off x="5096277" y="1438096"/>
+            <a:ext cx="802510" cy="523220"/>
           </a:xfrm>
           <a:prstGeom prst="rect">
             <a:avLst/>
@@ -10039,16 +10755,18 @@
           <a:p>
             <a:pPr algn="ctr"/>
             <a:r>
-              <a:rPr lang="en-GB" sz="1400" dirty="0"/>
-              <a:t>/\</a:t>
+              <a:rPr lang="en-GB" sz="1400" dirty="0" smtClean="0"/>
+              <a:t>▲</a:t>
             </a:r>
+            <a:endParaRPr lang="en-GB" sz="1400" dirty="0"/>
           </a:p>
           <a:p>
             <a:pPr algn="ctr"/>
             <a:r>
-              <a:rPr lang="en-GB" sz="1400" dirty="0"/>
-              <a:t>Labelled Objects</a:t>
+              <a:rPr lang="en-GB" sz="1400" dirty="0" smtClean="0"/>
+              <a:t>Objects</a:t>
             </a:r>
+            <a:endParaRPr lang="en-GB" sz="1400" dirty="0"/>
           </a:p>
         </p:txBody>
       </p:sp>
@@ -10057,7 +10775,7 @@
           <p:cNvPr id="60" name="TextBox 59">
             <a:extLst>
               <a:ext uri="{FF2B5EF4-FFF2-40B4-BE49-F238E27FC236}">
-                <a16:creationId xmlns:a16="http://schemas.microsoft.com/office/drawing/2014/main" id="{F0193D04-3208-4F06-BBA2-FE37BC71626F}"/>
+                <a16:creationId xmlns:a16="http://schemas.microsoft.com/office/drawing/2014/main" xmlns="" id="{B32A810F-BF6B-4000-9AFD-8B8D42D80E47}"/>
               </a:ext>
             </a:extLst>
           </p:cNvPr>
@@ -10066,8 +10784,8 @@
         </p:nvSpPr>
         <p:spPr>
           <a:xfrm>
-            <a:off x="4422509" y="2205758"/>
-            <a:ext cx="802510" cy="738664"/>
+            <a:off x="8043597" y="6050578"/>
+            <a:ext cx="1083912" cy="307777"/>
           </a:xfrm>
           <a:prstGeom prst="rect">
             <a:avLst/>
@@ -10082,16 +10800,600 @@
           <a:p>
             <a:pPr algn="ctr"/>
             <a:r>
+              <a:rPr lang="en-GB" sz="1400" dirty="0" smtClean="0"/>
+              <a:t>Object </a:t>
+            </a:r>
+            <a:r>
               <a:rPr lang="en-GB" sz="1400" dirty="0"/>
-              <a:t>BG + Frame</a:t>
+              <a:t>►</a:t>
             </a:r>
-          </a:p>
+            <a:endParaRPr lang="en-GB" sz="1400" dirty="0"/>
+          </a:p>
+        </p:txBody>
+      </p:sp>
+      <p:grpSp>
+        <p:nvGrpSpPr>
+          <p:cNvPr id="62" name="Group 61">
+            <a:extLst>
+              <a:ext uri="{FF2B5EF4-FFF2-40B4-BE49-F238E27FC236}">
+                <a16:creationId xmlns:a16="http://schemas.microsoft.com/office/drawing/2014/main" xmlns="" id="{0EB7F6F5-EE0C-4A6A-91A8-4227CAAA66AD}"/>
+              </a:ext>
+            </a:extLst>
+          </p:cNvPr>
+          <p:cNvGrpSpPr/>
+          <p:nvPr/>
+        </p:nvGrpSpPr>
+        <p:grpSpPr>
+          <a:xfrm rot="16200000">
+            <a:off x="9396313" y="16352"/>
+            <a:ext cx="1156050" cy="1838344"/>
+            <a:chOff x="6960847" y="403740"/>
+            <a:chExt cx="3822539" cy="6078580"/>
+          </a:xfrm>
+        </p:grpSpPr>
+        <p:sp>
+          <p:nvSpPr>
+            <p:cNvPr id="63" name="Rectangle: Rounded Corners 15">
+              <a:extLst>
+                <a:ext uri="{FF2B5EF4-FFF2-40B4-BE49-F238E27FC236}">
+                  <a16:creationId xmlns:a16="http://schemas.microsoft.com/office/drawing/2014/main" xmlns="" id="{4910E712-7CCC-4036-BB7D-5C63E9E5FDAB}"/>
+                </a:ext>
+              </a:extLst>
+            </p:cNvPr>
+            <p:cNvSpPr/>
+            <p:nvPr/>
+          </p:nvSpPr>
+          <p:spPr>
+            <a:xfrm rot="16200000">
+              <a:off x="7295281" y="2966156"/>
+              <a:ext cx="6050521" cy="925689"/>
+            </a:xfrm>
+            <a:prstGeom prst="roundRect">
+              <a:avLst>
+                <a:gd name="adj" fmla="val 50000"/>
+              </a:avLst>
+            </a:prstGeom>
+            <a:solidFill>
+              <a:schemeClr val="tx1"/>
+            </a:solidFill>
+            <a:ln>
+              <a:solidFill>
+                <a:schemeClr val="tx1"/>
+              </a:solidFill>
+            </a:ln>
+          </p:spPr>
+          <p:style>
+            <a:lnRef idx="2">
+              <a:schemeClr val="accent1">
+                <a:shade val="50000"/>
+              </a:schemeClr>
+            </a:lnRef>
+            <a:fillRef idx="1">
+              <a:schemeClr val="accent1"/>
+            </a:fillRef>
+            <a:effectRef idx="0">
+              <a:schemeClr val="accent1"/>
+            </a:effectRef>
+            <a:fontRef idx="minor">
+              <a:schemeClr val="lt1"/>
+            </a:fontRef>
+          </p:style>
+          <p:txBody>
+            <a:bodyPr rtlCol="0" anchor="ctr"/>
+            <a:lstStyle/>
+            <a:p>
+              <a:pPr algn="ctr"/>
+              <a:endParaRPr lang="en-GB"/>
+            </a:p>
+          </p:txBody>
+        </p:sp>
+        <p:sp>
+          <p:nvSpPr>
+            <p:cNvPr id="64" name="Rectangle: Rounded Corners 16">
+              <a:extLst>
+                <a:ext uri="{FF2B5EF4-FFF2-40B4-BE49-F238E27FC236}">
+                  <a16:creationId xmlns:a16="http://schemas.microsoft.com/office/drawing/2014/main" xmlns="" id="{203D6D70-B921-4172-8BB5-E3E2F3045288}"/>
+                </a:ext>
+              </a:extLst>
+            </p:cNvPr>
+            <p:cNvSpPr/>
+            <p:nvPr/>
+          </p:nvSpPr>
+          <p:spPr>
+            <a:xfrm rot="5400000">
+              <a:off x="4398431" y="2994215"/>
+              <a:ext cx="6050521" cy="925689"/>
+            </a:xfrm>
+            <a:prstGeom prst="roundRect">
+              <a:avLst>
+                <a:gd name="adj" fmla="val 50000"/>
+              </a:avLst>
+            </a:prstGeom>
+            <a:solidFill>
+              <a:schemeClr val="tx1"/>
+            </a:solidFill>
+            <a:ln>
+              <a:solidFill>
+                <a:schemeClr val="tx1"/>
+              </a:solidFill>
+            </a:ln>
+          </p:spPr>
+          <p:style>
+            <a:lnRef idx="2">
+              <a:schemeClr val="accent1">
+                <a:shade val="50000"/>
+              </a:schemeClr>
+            </a:lnRef>
+            <a:fillRef idx="1">
+              <a:schemeClr val="accent1"/>
+            </a:fillRef>
+            <a:effectRef idx="0">
+              <a:schemeClr val="accent1"/>
+            </a:effectRef>
+            <a:fontRef idx="minor">
+              <a:schemeClr val="lt1"/>
+            </a:fontRef>
+          </p:style>
+          <p:txBody>
+            <a:bodyPr rtlCol="0" anchor="ctr"/>
+            <a:lstStyle/>
+            <a:p>
+              <a:pPr algn="ctr"/>
+              <a:endParaRPr lang="en-GB"/>
+            </a:p>
+          </p:txBody>
+        </p:sp>
+        <p:sp>
+          <p:nvSpPr>
+            <p:cNvPr id="65" name="Rectangle 64">
+              <a:extLst>
+                <a:ext uri="{FF2B5EF4-FFF2-40B4-BE49-F238E27FC236}">
+                  <a16:creationId xmlns:a16="http://schemas.microsoft.com/office/drawing/2014/main" xmlns="" id="{8F9E3AED-DA06-41E3-B4CB-F98B313D387C}"/>
+                </a:ext>
+              </a:extLst>
+            </p:cNvPr>
+            <p:cNvSpPr/>
+            <p:nvPr/>
+          </p:nvSpPr>
+          <p:spPr>
+            <a:xfrm rot="16200000">
+              <a:off x="6524490" y="2193194"/>
+              <a:ext cx="4763911" cy="2527730"/>
+            </a:xfrm>
+            <a:prstGeom prst="rect">
+              <a:avLst/>
+            </a:prstGeom>
+            <a:solidFill>
+              <a:schemeClr val="tx1"/>
+            </a:solidFill>
+            <a:ln>
+              <a:solidFill>
+                <a:schemeClr val="tx1"/>
+              </a:solidFill>
+            </a:ln>
+          </p:spPr>
+          <p:style>
+            <a:lnRef idx="2">
+              <a:schemeClr val="accent1">
+                <a:shade val="50000"/>
+              </a:schemeClr>
+            </a:lnRef>
+            <a:fillRef idx="1">
+              <a:schemeClr val="accent1"/>
+            </a:fillRef>
+            <a:effectRef idx="0">
+              <a:schemeClr val="accent1"/>
+            </a:effectRef>
+            <a:fontRef idx="minor">
+              <a:schemeClr val="lt1"/>
+            </a:fontRef>
+          </p:style>
+          <p:txBody>
+            <a:bodyPr rtlCol="0" anchor="ctr"/>
+            <a:lstStyle/>
+            <a:p>
+              <a:pPr algn="ctr"/>
+              <a:endParaRPr lang="en-GB"/>
+            </a:p>
+          </p:txBody>
+        </p:sp>
+      </p:grpSp>
+      <p:cxnSp>
+        <p:nvCxnSpPr>
+          <p:cNvPr id="68" name="Straight Arrow Connector 67">
+            <a:extLst>
+              <a:ext uri="{FF2B5EF4-FFF2-40B4-BE49-F238E27FC236}">
+                <a16:creationId xmlns:a16="http://schemas.microsoft.com/office/drawing/2014/main" xmlns="" id="{D93FAD61-E741-499C-820D-AF2A26A6E4DB}"/>
+              </a:ext>
+            </a:extLst>
+          </p:cNvPr>
+          <p:cNvCxnSpPr>
+            <a:cxnSpLocks/>
+          </p:cNvCxnSpPr>
+          <p:nvPr/>
+        </p:nvCxnSpPr>
+        <p:spPr>
+          <a:xfrm flipV="1">
+            <a:off x="9970095" y="1503379"/>
+            <a:ext cx="0" cy="1437376"/>
+          </a:xfrm>
+          <a:prstGeom prst="straightConnector1">
+            <a:avLst/>
+          </a:prstGeom>
+          <a:ln w="76200">
+            <a:solidFill>
+              <a:srgbClr val="000000"/>
+            </a:solidFill>
+            <a:prstDash val="sysDot"/>
+            <a:headEnd type="none"/>
+            <a:tailEnd type="triangle"/>
+          </a:ln>
+        </p:spPr>
+        <p:style>
+          <a:lnRef idx="1">
+            <a:schemeClr val="accent1"/>
+          </a:lnRef>
+          <a:fillRef idx="0">
+            <a:schemeClr val="accent1"/>
+          </a:fillRef>
+          <a:effectRef idx="0">
+            <a:schemeClr val="accent1"/>
+          </a:effectRef>
+          <a:fontRef idx="minor">
+            <a:schemeClr val="tx1"/>
+          </a:fontRef>
+        </p:style>
+      </p:cxnSp>
+      <p:sp>
+        <p:nvSpPr>
+          <p:cNvPr id="69" name="TextBox 68">
+            <a:extLst>
+              <a:ext uri="{FF2B5EF4-FFF2-40B4-BE49-F238E27FC236}">
+                <a16:creationId xmlns:a16="http://schemas.microsoft.com/office/drawing/2014/main" xmlns="" id="{4E211EC3-F05E-4D22-B4D7-E50D6AC867AA}"/>
+              </a:ext>
+            </a:extLst>
+          </p:cNvPr>
+          <p:cNvSpPr txBox="1"/>
+          <p:nvPr/>
+        </p:nvSpPr>
+        <p:spPr>
+          <a:xfrm>
+            <a:off x="9465499" y="682551"/>
+            <a:ext cx="1024062" cy="461665"/>
+          </a:xfrm>
+          <a:prstGeom prst="rect">
+            <a:avLst/>
+          </a:prstGeom>
+          <a:noFill/>
+        </p:spPr>
+        <p:txBody>
+          <a:bodyPr wrap="none" rtlCol="0">
+            <a:spAutoFit/>
+          </a:bodyPr>
+          <a:lstStyle/>
           <a:p>
             <a:pPr algn="ctr"/>
             <a:r>
-              <a:rPr lang="en-GB" sz="1400" dirty="0"/>
-              <a:t>\/</a:t>
+              <a:rPr lang="en-GB" sz="2400" b="1" dirty="0">
+                <a:solidFill>
+                  <a:schemeClr val="bg2"/>
+                </a:solidFill>
+                <a:effectLst>
+                  <a:glow rad="101600">
+                    <a:schemeClr val="tx1">
+                      <a:alpha val="60000"/>
+                    </a:schemeClr>
+                  </a:glow>
+                </a:effectLst>
+              </a:rPr>
+              <a:t>Robot </a:t>
             </a:r>
+          </a:p>
+        </p:txBody>
+      </p:sp>
+      <p:sp>
+        <p:nvSpPr>
+          <p:cNvPr id="70" name="TextBox 69">
+            <a:extLst>
+              <a:ext uri="{FF2B5EF4-FFF2-40B4-BE49-F238E27FC236}">
+                <a16:creationId xmlns:a16="http://schemas.microsoft.com/office/drawing/2014/main" xmlns="" id="{F0193D04-3208-4F06-BBA2-FE37BC71626F}"/>
+              </a:ext>
+            </a:extLst>
+          </p:cNvPr>
+          <p:cNvSpPr txBox="1"/>
+          <p:nvPr/>
+        </p:nvSpPr>
+        <p:spPr>
+          <a:xfrm>
+            <a:off x="5096277" y="2366644"/>
+            <a:ext cx="802510" cy="523220"/>
+          </a:xfrm>
+          <a:prstGeom prst="rect">
+            <a:avLst/>
+          </a:prstGeom>
+          <a:noFill/>
+        </p:spPr>
+        <p:txBody>
+          <a:bodyPr wrap="square" rtlCol="0">
+            <a:spAutoFit/>
+          </a:bodyPr>
+          <a:lstStyle/>
+          <a:p>
+            <a:pPr algn="ctr"/>
+            <a:r>
+              <a:rPr lang="en-GB" sz="1400" dirty="0" smtClean="0"/>
+              <a:t>Position</a:t>
+            </a:r>
+            <a:endParaRPr lang="en-GB" sz="1400" dirty="0" smtClean="0"/>
+          </a:p>
+          <a:p>
+            <a:pPr algn="ctr"/>
+            <a:r>
+              <a:rPr lang="en-GB" sz="1400" dirty="0" smtClean="0"/>
+              <a:t>▼</a:t>
+            </a:r>
+            <a:endParaRPr lang="en-GB" sz="1400" dirty="0"/>
+          </a:p>
+        </p:txBody>
+      </p:sp>
+      <p:sp>
+        <p:nvSpPr>
+          <p:cNvPr id="71" name="TextBox 70">
+            <a:extLst>
+              <a:ext uri="{FF2B5EF4-FFF2-40B4-BE49-F238E27FC236}">
+                <a16:creationId xmlns:a16="http://schemas.microsoft.com/office/drawing/2014/main" xmlns="" id="{F0193D04-3208-4F06-BBA2-FE37BC71626F}"/>
+              </a:ext>
+            </a:extLst>
+          </p:cNvPr>
+          <p:cNvSpPr txBox="1"/>
+          <p:nvPr/>
+        </p:nvSpPr>
+        <p:spPr>
+          <a:xfrm>
+            <a:off x="8910243" y="1508158"/>
+            <a:ext cx="1087508" cy="523220"/>
+          </a:xfrm>
+          <a:prstGeom prst="rect">
+            <a:avLst/>
+          </a:prstGeom>
+          <a:noFill/>
+        </p:spPr>
+        <p:txBody>
+          <a:bodyPr wrap="square" rtlCol="0">
+            <a:spAutoFit/>
+          </a:bodyPr>
+          <a:lstStyle/>
+          <a:p>
+            <a:pPr algn="ctr"/>
+            <a:r>
+              <a:rPr lang="en-GB" sz="1400" dirty="0" smtClean="0"/>
+              <a:t>▲</a:t>
+            </a:r>
+            <a:endParaRPr lang="en-GB" sz="1400" dirty="0"/>
+          </a:p>
+          <a:p>
+            <a:pPr algn="ctr"/>
+            <a:r>
+              <a:rPr lang="en-GB" sz="1400" dirty="0" smtClean="0"/>
+              <a:t>Instruction</a:t>
+            </a:r>
+            <a:endParaRPr lang="en-GB" sz="1400" dirty="0"/>
+          </a:p>
+        </p:txBody>
+      </p:sp>
+      <p:sp>
+        <p:nvSpPr>
+          <p:cNvPr id="92" name="Arrow: Chevron 51">
+            <a:extLst>
+              <a:ext uri="{FF2B5EF4-FFF2-40B4-BE49-F238E27FC236}">
+                <a16:creationId xmlns:a16="http://schemas.microsoft.com/office/drawing/2014/main" xmlns="" id="{842C5092-8294-4030-A526-A8C839E4F69D}"/>
+              </a:ext>
+            </a:extLst>
+          </p:cNvPr>
+          <p:cNvSpPr/>
+          <p:nvPr/>
+        </p:nvSpPr>
+        <p:spPr>
+          <a:xfrm rot="5400000">
+            <a:off x="14532381" y="-6601077"/>
+            <a:ext cx="1085130" cy="1628250"/>
+          </a:xfrm>
+          <a:prstGeom prst="chevron">
+            <a:avLst>
+              <a:gd name="adj" fmla="val 21142"/>
+            </a:avLst>
+          </a:prstGeom>
+          <a:solidFill>
+            <a:srgbClr val="000000"/>
+          </a:solidFill>
+          <a:ln>
+            <a:noFill/>
+          </a:ln>
+        </p:spPr>
+        <p:style>
+          <a:lnRef idx="2">
+            <a:schemeClr val="accent1">
+              <a:shade val="50000"/>
+            </a:schemeClr>
+          </a:lnRef>
+          <a:fillRef idx="1">
+            <a:schemeClr val="accent1"/>
+          </a:fillRef>
+          <a:effectRef idx="0">
+            <a:schemeClr val="accent1"/>
+          </a:effectRef>
+          <a:fontRef idx="minor">
+            <a:schemeClr val="lt1"/>
+          </a:fontRef>
+        </p:style>
+        <p:txBody>
+          <a:bodyPr rtlCol="0" anchor="ctr"/>
+          <a:lstStyle/>
+          <a:p>
+            <a:pPr algn="ctr"/>
+            <a:endParaRPr lang="en-GB"/>
+          </a:p>
+        </p:txBody>
+      </p:sp>
+      <p:sp>
+        <p:nvSpPr>
+          <p:cNvPr id="93" name="Arrow: Chevron 51">
+            <a:extLst>
+              <a:ext uri="{FF2B5EF4-FFF2-40B4-BE49-F238E27FC236}">
+                <a16:creationId xmlns:a16="http://schemas.microsoft.com/office/drawing/2014/main" xmlns="" id="{842C5092-8294-4030-A526-A8C839E4F69D}"/>
+              </a:ext>
+            </a:extLst>
+          </p:cNvPr>
+          <p:cNvSpPr/>
+          <p:nvPr/>
+        </p:nvSpPr>
+        <p:spPr>
+          <a:xfrm rot="5400000">
+            <a:off x="-3751547" y="-6601077"/>
+            <a:ext cx="1085130" cy="1628250"/>
+          </a:xfrm>
+          <a:prstGeom prst="chevron">
+            <a:avLst>
+              <a:gd name="adj" fmla="val 21142"/>
+            </a:avLst>
+          </a:prstGeom>
+          <a:solidFill>
+            <a:srgbClr val="000000"/>
+          </a:solidFill>
+          <a:ln>
+            <a:noFill/>
+          </a:ln>
+        </p:spPr>
+        <p:style>
+          <a:lnRef idx="2">
+            <a:schemeClr val="accent1">
+              <a:shade val="50000"/>
+            </a:schemeClr>
+          </a:lnRef>
+          <a:fillRef idx="1">
+            <a:schemeClr val="accent1"/>
+          </a:fillRef>
+          <a:effectRef idx="0">
+            <a:schemeClr val="accent1"/>
+          </a:effectRef>
+          <a:fontRef idx="minor">
+            <a:schemeClr val="lt1"/>
+          </a:fontRef>
+        </p:style>
+        <p:txBody>
+          <a:bodyPr rtlCol="0" anchor="ctr"/>
+          <a:lstStyle/>
+          <a:p>
+            <a:pPr algn="ctr"/>
+            <a:endParaRPr lang="en-GB"/>
+          </a:p>
+        </p:txBody>
+      </p:sp>
+      <p:sp>
+        <p:nvSpPr>
+          <p:cNvPr id="94" name="Arrow: Chevron 51">
+            <a:extLst>
+              <a:ext uri="{FF2B5EF4-FFF2-40B4-BE49-F238E27FC236}">
+                <a16:creationId xmlns:a16="http://schemas.microsoft.com/office/drawing/2014/main" xmlns="" id="{842C5092-8294-4030-A526-A8C839E4F69D}"/>
+              </a:ext>
+            </a:extLst>
+          </p:cNvPr>
+          <p:cNvSpPr/>
+          <p:nvPr/>
+        </p:nvSpPr>
+        <p:spPr>
+          <a:xfrm rot="5400000">
+            <a:off x="14532381" y="13751698"/>
+            <a:ext cx="1085130" cy="1628250"/>
+          </a:xfrm>
+          <a:prstGeom prst="chevron">
+            <a:avLst>
+              <a:gd name="adj" fmla="val 21142"/>
+            </a:avLst>
+          </a:prstGeom>
+          <a:solidFill>
+            <a:srgbClr val="000000"/>
+          </a:solidFill>
+          <a:ln>
+            <a:noFill/>
+          </a:ln>
+        </p:spPr>
+        <p:style>
+          <a:lnRef idx="2">
+            <a:schemeClr val="accent1">
+              <a:shade val="50000"/>
+            </a:schemeClr>
+          </a:lnRef>
+          <a:fillRef idx="1">
+            <a:schemeClr val="accent1"/>
+          </a:fillRef>
+          <a:effectRef idx="0">
+            <a:schemeClr val="accent1"/>
+          </a:effectRef>
+          <a:fontRef idx="minor">
+            <a:schemeClr val="lt1"/>
+          </a:fontRef>
+        </p:style>
+        <p:txBody>
+          <a:bodyPr rtlCol="0" anchor="ctr"/>
+          <a:lstStyle/>
+          <a:p>
+            <a:pPr algn="ctr"/>
+            <a:endParaRPr lang="en-GB"/>
+          </a:p>
+        </p:txBody>
+      </p:sp>
+      <p:sp>
+        <p:nvSpPr>
+          <p:cNvPr id="95" name="Arrow: Chevron 51">
+            <a:extLst>
+              <a:ext uri="{FF2B5EF4-FFF2-40B4-BE49-F238E27FC236}">
+                <a16:creationId xmlns:a16="http://schemas.microsoft.com/office/drawing/2014/main" xmlns="" id="{842C5092-8294-4030-A526-A8C839E4F69D}"/>
+              </a:ext>
+            </a:extLst>
+          </p:cNvPr>
+          <p:cNvSpPr/>
+          <p:nvPr/>
+        </p:nvSpPr>
+        <p:spPr>
+          <a:xfrm rot="5400000">
+            <a:off x="-3751547" y="13751698"/>
+            <a:ext cx="1085130" cy="1628250"/>
+          </a:xfrm>
+          <a:prstGeom prst="chevron">
+            <a:avLst>
+              <a:gd name="adj" fmla="val 21142"/>
+            </a:avLst>
+          </a:prstGeom>
+          <a:solidFill>
+            <a:srgbClr val="000000"/>
+          </a:solidFill>
+          <a:ln>
+            <a:noFill/>
+          </a:ln>
+        </p:spPr>
+        <p:style>
+          <a:lnRef idx="2">
+            <a:schemeClr val="accent1">
+              <a:shade val="50000"/>
+            </a:schemeClr>
+          </a:lnRef>
+          <a:fillRef idx="1">
+            <a:schemeClr val="accent1"/>
+          </a:fillRef>
+          <a:effectRef idx="0">
+            <a:schemeClr val="accent1"/>
+          </a:effectRef>
+          <a:fontRef idx="minor">
+            <a:schemeClr val="lt1"/>
+          </a:fontRef>
+        </p:style>
+        <p:txBody>
+          <a:bodyPr rtlCol="0" anchor="ctr"/>
+          <a:lstStyle/>
+          <a:p>
+            <a:pPr algn="ctr"/>
+            <a:endParaRPr lang="en-GB"/>
           </a:p>
         </p:txBody>
       </p:sp>
@@ -10105,6 +11407,93 @@
   <p:clrMapOvr>
     <a:masterClrMapping/>
   </p:clrMapOvr>
+  <p:timing>
+    <p:tnLst>
+      <p:par>
+        <p:cTn id="1" dur="indefinite" restart="never" nodeType="tmRoot"/>
+      </p:par>
+    </p:tnLst>
+  </p:timing>
+</p:sld>
+</file>
+
+<file path=ppt/slides/slide9.xml><?xml version="1.0" encoding="utf-8"?>
+<p:sld xmlns:a="http://schemas.openxmlformats.org/drawingml/2006/main" xmlns:r="http://schemas.openxmlformats.org/officeDocument/2006/relationships" xmlns:p="http://schemas.openxmlformats.org/presentationml/2006/main">
+  <p:cSld>
+    <p:spTree>
+      <p:nvGrpSpPr>
+        <p:cNvPr id="1" name=""/>
+        <p:cNvGrpSpPr/>
+        <p:nvPr/>
+      </p:nvGrpSpPr>
+      <p:grpSpPr>
+        <a:xfrm>
+          <a:off x="0" y="0"/>
+          <a:ext cx="0" cy="0"/>
+          <a:chOff x="0" y="0"/>
+          <a:chExt cx="0" cy="0"/>
+        </a:xfrm>
+      </p:grpSpPr>
+      <p:sp>
+        <p:nvSpPr>
+          <p:cNvPr id="4" name="Rectangle 3"/>
+          <p:cNvSpPr/>
+          <p:nvPr/>
+        </p:nvSpPr>
+        <p:spPr>
+          <a:xfrm>
+            <a:off x="-777240" y="-624840"/>
+            <a:ext cx="14013180" cy="7909560"/>
+          </a:xfrm>
+          <a:prstGeom prst="rect">
+            <a:avLst/>
+          </a:prstGeom>
+          <a:solidFill>
+            <a:srgbClr val="B85750"/>
+          </a:solidFill>
+        </p:spPr>
+        <p:style>
+          <a:lnRef idx="2">
+            <a:schemeClr val="accent1">
+              <a:shade val="50000"/>
+            </a:schemeClr>
+          </a:lnRef>
+          <a:fillRef idx="1">
+            <a:schemeClr val="accent1"/>
+          </a:fillRef>
+          <a:effectRef idx="0">
+            <a:schemeClr val="accent1"/>
+          </a:effectRef>
+          <a:fontRef idx="minor">
+            <a:schemeClr val="lt1"/>
+          </a:fontRef>
+        </p:style>
+        <p:txBody>
+          <a:bodyPr rtlCol="0" anchor="ctr"/>
+          <a:lstStyle/>
+          <a:p>
+            <a:pPr algn="ctr"/>
+            <a:endParaRPr lang="en-GB"/>
+          </a:p>
+        </p:txBody>
+      </p:sp>
+    </p:spTree>
+    <p:extLst>
+      <p:ext uri="{BB962C8B-B14F-4D97-AF65-F5344CB8AC3E}">
+        <p14:creationId xmlns:p14="http://schemas.microsoft.com/office/powerpoint/2010/main" val="2840384846"/>
+      </p:ext>
+    </p:extLst>
+  </p:cSld>
+  <p:clrMapOvr>
+    <a:masterClrMapping/>
+  </p:clrMapOvr>
+  <p:timing>
+    <p:tnLst>
+      <p:par>
+        <p:cTn id="1" dur="indefinite" restart="never" nodeType="tmRoot"/>
+      </p:par>
+    </p:tnLst>
+  </p:timing>
 </p:sld>
 </file>
 

--- a/Visual Plan.pptx
+++ b/Visual Plan.pptx
@@ -13,7 +13,8 @@
     <p:sldId id="263" r:id="rId7"/>
     <p:sldId id="264" r:id="rId8"/>
     <p:sldId id="265" r:id="rId9"/>
-    <p:sldId id="266" r:id="rId10"/>
+    <p:sldId id="267" r:id="rId10"/>
+    <p:sldId id="266" r:id="rId11"/>
   </p:sldIdLst>
   <p:sldSz cx="12192000" cy="6858000"/>
   <p:notesSz cx="6858000" cy="9144000"/>
@@ -142,7 +143,7 @@
           <p:cNvPr id="2" name="Title 1">
             <a:extLst>
               <a:ext uri="{FF2B5EF4-FFF2-40B4-BE49-F238E27FC236}">
-                <a16:creationId xmlns:a16="http://schemas.microsoft.com/office/drawing/2014/main" xmlns="" id="{43893EEA-2329-4BD0-B478-739A6C7ABCF0}"/>
+                <a16:creationId xmlns:a16="http://schemas.microsoft.com/office/drawing/2014/main" id="{43893EEA-2329-4BD0-B478-739A6C7ABCF0}"/>
               </a:ext>
             </a:extLst>
           </p:cNvPr>
@@ -180,7 +181,7 @@
           <p:cNvPr id="3" name="Subtitle 2">
             <a:extLst>
               <a:ext uri="{FF2B5EF4-FFF2-40B4-BE49-F238E27FC236}">
-                <a16:creationId xmlns:a16="http://schemas.microsoft.com/office/drawing/2014/main" xmlns="" id="{531605D0-F659-4B16-AC48-FAB20C96C441}"/>
+                <a16:creationId xmlns:a16="http://schemas.microsoft.com/office/drawing/2014/main" id="{531605D0-F659-4B16-AC48-FAB20C96C441}"/>
               </a:ext>
             </a:extLst>
           </p:cNvPr>
@@ -251,7 +252,7 @@
           <p:cNvPr id="4" name="Date Placeholder 3">
             <a:extLst>
               <a:ext uri="{FF2B5EF4-FFF2-40B4-BE49-F238E27FC236}">
-                <a16:creationId xmlns:a16="http://schemas.microsoft.com/office/drawing/2014/main" xmlns="" id="{93D4AC05-CC9D-42D0-84E8-09581B533C5C}"/>
+                <a16:creationId xmlns:a16="http://schemas.microsoft.com/office/drawing/2014/main" id="{93D4AC05-CC9D-42D0-84E8-09581B533C5C}"/>
               </a:ext>
             </a:extLst>
           </p:cNvPr>
@@ -271,7 +272,7 @@
               <a:rPr lang="en-GB" smtClean="0"/>
               <a:t>23/01/2019</a:t>
             </a:fld>
-            <a:endParaRPr lang="en-GB"/>
+            <a:endParaRPr lang="en-GB" dirty="0"/>
           </a:p>
         </p:txBody>
       </p:sp>
@@ -280,7 +281,7 @@
           <p:cNvPr id="5" name="Footer Placeholder 4">
             <a:extLst>
               <a:ext uri="{FF2B5EF4-FFF2-40B4-BE49-F238E27FC236}">
-                <a16:creationId xmlns:a16="http://schemas.microsoft.com/office/drawing/2014/main" xmlns="" id="{46743398-C54D-4A57-BF5E-2F9CCBF7AD8E}"/>
+                <a16:creationId xmlns:a16="http://schemas.microsoft.com/office/drawing/2014/main" id="{46743398-C54D-4A57-BF5E-2F9CCBF7AD8E}"/>
               </a:ext>
             </a:extLst>
           </p:cNvPr>
@@ -296,7 +297,7 @@
           <a:bodyPr/>
           <a:lstStyle/>
           <a:p>
-            <a:endParaRPr lang="en-GB"/>
+            <a:endParaRPr lang="en-GB" dirty="0"/>
           </a:p>
         </p:txBody>
       </p:sp>
@@ -305,7 +306,7 @@
           <p:cNvPr id="6" name="Slide Number Placeholder 5">
             <a:extLst>
               <a:ext uri="{FF2B5EF4-FFF2-40B4-BE49-F238E27FC236}">
-                <a16:creationId xmlns:a16="http://schemas.microsoft.com/office/drawing/2014/main" xmlns="" id="{293D33B5-B583-4617-A9FB-E821C101CC1C}"/>
+                <a16:creationId xmlns:a16="http://schemas.microsoft.com/office/drawing/2014/main" id="{293D33B5-B583-4617-A9FB-E821C101CC1C}"/>
               </a:ext>
             </a:extLst>
           </p:cNvPr>
@@ -325,7 +326,7 @@
               <a:rPr lang="en-GB" smtClean="0"/>
               <a:t>‹#›</a:t>
             </a:fld>
-            <a:endParaRPr lang="en-GB"/>
+            <a:endParaRPr lang="en-GB" dirty="0"/>
           </a:p>
         </p:txBody>
       </p:sp>
@@ -364,7 +365,7 @@
           <p:cNvPr id="2" name="Title 1">
             <a:extLst>
               <a:ext uri="{FF2B5EF4-FFF2-40B4-BE49-F238E27FC236}">
-                <a16:creationId xmlns:a16="http://schemas.microsoft.com/office/drawing/2014/main" xmlns="" id="{314ADEF8-05FE-4481-A0CD-4171AAE11D48}"/>
+                <a16:creationId xmlns:a16="http://schemas.microsoft.com/office/drawing/2014/main" id="{314ADEF8-05FE-4481-A0CD-4171AAE11D48}"/>
               </a:ext>
             </a:extLst>
           </p:cNvPr>
@@ -393,7 +394,7 @@
           <p:cNvPr id="3" name="Vertical Text Placeholder 2">
             <a:extLst>
               <a:ext uri="{FF2B5EF4-FFF2-40B4-BE49-F238E27FC236}">
-                <a16:creationId xmlns:a16="http://schemas.microsoft.com/office/drawing/2014/main" xmlns="" id="{5E908463-0914-4437-A47B-D68282B6FB8C}"/>
+                <a16:creationId xmlns:a16="http://schemas.microsoft.com/office/drawing/2014/main" id="{5E908463-0914-4437-A47B-D68282B6FB8C}"/>
               </a:ext>
             </a:extLst>
           </p:cNvPr>
@@ -451,7 +452,7 @@
           <p:cNvPr id="4" name="Date Placeholder 3">
             <a:extLst>
               <a:ext uri="{FF2B5EF4-FFF2-40B4-BE49-F238E27FC236}">
-                <a16:creationId xmlns:a16="http://schemas.microsoft.com/office/drawing/2014/main" xmlns="" id="{81D83EF5-AF96-4C6C-B681-1D0F9EA551CA}"/>
+                <a16:creationId xmlns:a16="http://schemas.microsoft.com/office/drawing/2014/main" id="{81D83EF5-AF96-4C6C-B681-1D0F9EA551CA}"/>
               </a:ext>
             </a:extLst>
           </p:cNvPr>
@@ -471,7 +472,7 @@
               <a:rPr lang="en-GB" smtClean="0"/>
               <a:t>23/01/2019</a:t>
             </a:fld>
-            <a:endParaRPr lang="en-GB"/>
+            <a:endParaRPr lang="en-GB" dirty="0"/>
           </a:p>
         </p:txBody>
       </p:sp>
@@ -480,7 +481,7 @@
           <p:cNvPr id="5" name="Footer Placeholder 4">
             <a:extLst>
               <a:ext uri="{FF2B5EF4-FFF2-40B4-BE49-F238E27FC236}">
-                <a16:creationId xmlns:a16="http://schemas.microsoft.com/office/drawing/2014/main" xmlns="" id="{879BFB5F-577E-4981-9AE6-B24D3E539B48}"/>
+                <a16:creationId xmlns:a16="http://schemas.microsoft.com/office/drawing/2014/main" id="{879BFB5F-577E-4981-9AE6-B24D3E539B48}"/>
               </a:ext>
             </a:extLst>
           </p:cNvPr>
@@ -496,7 +497,7 @@
           <a:bodyPr/>
           <a:lstStyle/>
           <a:p>
-            <a:endParaRPr lang="en-GB"/>
+            <a:endParaRPr lang="en-GB" dirty="0"/>
           </a:p>
         </p:txBody>
       </p:sp>
@@ -505,7 +506,7 @@
           <p:cNvPr id="6" name="Slide Number Placeholder 5">
             <a:extLst>
               <a:ext uri="{FF2B5EF4-FFF2-40B4-BE49-F238E27FC236}">
-                <a16:creationId xmlns:a16="http://schemas.microsoft.com/office/drawing/2014/main" xmlns="" id="{D7820A4B-1CBA-4F7A-80C2-D60C2D0EF088}"/>
+                <a16:creationId xmlns:a16="http://schemas.microsoft.com/office/drawing/2014/main" id="{D7820A4B-1CBA-4F7A-80C2-D60C2D0EF088}"/>
               </a:ext>
             </a:extLst>
           </p:cNvPr>
@@ -525,7 +526,7 @@
               <a:rPr lang="en-GB" smtClean="0"/>
               <a:t>‹#›</a:t>
             </a:fld>
-            <a:endParaRPr lang="en-GB"/>
+            <a:endParaRPr lang="en-GB" dirty="0"/>
           </a:p>
         </p:txBody>
       </p:sp>
@@ -564,7 +565,7 @@
           <p:cNvPr id="2" name="Vertical Title 1">
             <a:extLst>
               <a:ext uri="{FF2B5EF4-FFF2-40B4-BE49-F238E27FC236}">
-                <a16:creationId xmlns:a16="http://schemas.microsoft.com/office/drawing/2014/main" xmlns="" id="{DB1495EA-AD95-4217-ADFE-C74EE06F7230}"/>
+                <a16:creationId xmlns:a16="http://schemas.microsoft.com/office/drawing/2014/main" id="{DB1495EA-AD95-4217-ADFE-C74EE06F7230}"/>
               </a:ext>
             </a:extLst>
           </p:cNvPr>
@@ -598,7 +599,7 @@
           <p:cNvPr id="3" name="Vertical Text Placeholder 2">
             <a:extLst>
               <a:ext uri="{FF2B5EF4-FFF2-40B4-BE49-F238E27FC236}">
-                <a16:creationId xmlns:a16="http://schemas.microsoft.com/office/drawing/2014/main" xmlns="" id="{48459CC8-1F49-4AD5-B4F5-DE425DE64018}"/>
+                <a16:creationId xmlns:a16="http://schemas.microsoft.com/office/drawing/2014/main" id="{48459CC8-1F49-4AD5-B4F5-DE425DE64018}"/>
               </a:ext>
             </a:extLst>
           </p:cNvPr>
@@ -661,7 +662,7 @@
           <p:cNvPr id="4" name="Date Placeholder 3">
             <a:extLst>
               <a:ext uri="{FF2B5EF4-FFF2-40B4-BE49-F238E27FC236}">
-                <a16:creationId xmlns:a16="http://schemas.microsoft.com/office/drawing/2014/main" xmlns="" id="{646BFF7C-62E9-445A-AA43-951D025A0B29}"/>
+                <a16:creationId xmlns:a16="http://schemas.microsoft.com/office/drawing/2014/main" id="{646BFF7C-62E9-445A-AA43-951D025A0B29}"/>
               </a:ext>
             </a:extLst>
           </p:cNvPr>
@@ -681,7 +682,7 @@
               <a:rPr lang="en-GB" smtClean="0"/>
               <a:t>23/01/2019</a:t>
             </a:fld>
-            <a:endParaRPr lang="en-GB"/>
+            <a:endParaRPr lang="en-GB" dirty="0"/>
           </a:p>
         </p:txBody>
       </p:sp>
@@ -690,7 +691,7 @@
           <p:cNvPr id="5" name="Footer Placeholder 4">
             <a:extLst>
               <a:ext uri="{FF2B5EF4-FFF2-40B4-BE49-F238E27FC236}">
-                <a16:creationId xmlns:a16="http://schemas.microsoft.com/office/drawing/2014/main" xmlns="" id="{3F3DF7E9-367F-4DF0-B4C9-6DB26AA61F6F}"/>
+                <a16:creationId xmlns:a16="http://schemas.microsoft.com/office/drawing/2014/main" id="{3F3DF7E9-367F-4DF0-B4C9-6DB26AA61F6F}"/>
               </a:ext>
             </a:extLst>
           </p:cNvPr>
@@ -706,7 +707,7 @@
           <a:bodyPr/>
           <a:lstStyle/>
           <a:p>
-            <a:endParaRPr lang="en-GB"/>
+            <a:endParaRPr lang="en-GB" dirty="0"/>
           </a:p>
         </p:txBody>
       </p:sp>
@@ -715,7 +716,7 @@
           <p:cNvPr id="6" name="Slide Number Placeholder 5">
             <a:extLst>
               <a:ext uri="{FF2B5EF4-FFF2-40B4-BE49-F238E27FC236}">
-                <a16:creationId xmlns:a16="http://schemas.microsoft.com/office/drawing/2014/main" xmlns="" id="{636A9102-5136-4872-BE70-EC792DFF0419}"/>
+                <a16:creationId xmlns:a16="http://schemas.microsoft.com/office/drawing/2014/main" id="{636A9102-5136-4872-BE70-EC792DFF0419}"/>
               </a:ext>
             </a:extLst>
           </p:cNvPr>
@@ -735,7 +736,7 @@
               <a:rPr lang="en-GB" smtClean="0"/>
               <a:t>‹#›</a:t>
             </a:fld>
-            <a:endParaRPr lang="en-GB"/>
+            <a:endParaRPr lang="en-GB" dirty="0"/>
           </a:p>
         </p:txBody>
       </p:sp>
@@ -774,7 +775,7 @@
           <p:cNvPr id="2" name="Title 1">
             <a:extLst>
               <a:ext uri="{FF2B5EF4-FFF2-40B4-BE49-F238E27FC236}">
-                <a16:creationId xmlns:a16="http://schemas.microsoft.com/office/drawing/2014/main" xmlns="" id="{ED3170B7-C55B-43D2-87DB-7F752FE3F129}"/>
+                <a16:creationId xmlns:a16="http://schemas.microsoft.com/office/drawing/2014/main" id="{ED3170B7-C55B-43D2-87DB-7F752FE3F129}"/>
               </a:ext>
             </a:extLst>
           </p:cNvPr>
@@ -803,7 +804,7 @@
           <p:cNvPr id="3" name="Content Placeholder 2">
             <a:extLst>
               <a:ext uri="{FF2B5EF4-FFF2-40B4-BE49-F238E27FC236}">
-                <a16:creationId xmlns:a16="http://schemas.microsoft.com/office/drawing/2014/main" xmlns="" id="{EBEFDF05-3DA5-468F-9962-9DEBFA346A5E}"/>
+                <a16:creationId xmlns:a16="http://schemas.microsoft.com/office/drawing/2014/main" id="{EBEFDF05-3DA5-468F-9962-9DEBFA346A5E}"/>
               </a:ext>
             </a:extLst>
           </p:cNvPr>
@@ -861,7 +862,7 @@
           <p:cNvPr id="4" name="Date Placeholder 3">
             <a:extLst>
               <a:ext uri="{FF2B5EF4-FFF2-40B4-BE49-F238E27FC236}">
-                <a16:creationId xmlns:a16="http://schemas.microsoft.com/office/drawing/2014/main" xmlns="" id="{4C6D3837-121B-454C-9B58-89764A7CDCF4}"/>
+                <a16:creationId xmlns:a16="http://schemas.microsoft.com/office/drawing/2014/main" id="{4C6D3837-121B-454C-9B58-89764A7CDCF4}"/>
               </a:ext>
             </a:extLst>
           </p:cNvPr>
@@ -881,7 +882,7 @@
               <a:rPr lang="en-GB" smtClean="0"/>
               <a:t>23/01/2019</a:t>
             </a:fld>
-            <a:endParaRPr lang="en-GB"/>
+            <a:endParaRPr lang="en-GB" dirty="0"/>
           </a:p>
         </p:txBody>
       </p:sp>
@@ -890,7 +891,7 @@
           <p:cNvPr id="5" name="Footer Placeholder 4">
             <a:extLst>
               <a:ext uri="{FF2B5EF4-FFF2-40B4-BE49-F238E27FC236}">
-                <a16:creationId xmlns:a16="http://schemas.microsoft.com/office/drawing/2014/main" xmlns="" id="{92837F7C-94A1-499C-B0B9-FEB23234D3A1}"/>
+                <a16:creationId xmlns:a16="http://schemas.microsoft.com/office/drawing/2014/main" id="{92837F7C-94A1-499C-B0B9-FEB23234D3A1}"/>
               </a:ext>
             </a:extLst>
           </p:cNvPr>
@@ -906,7 +907,7 @@
           <a:bodyPr/>
           <a:lstStyle/>
           <a:p>
-            <a:endParaRPr lang="en-GB"/>
+            <a:endParaRPr lang="en-GB" dirty="0"/>
           </a:p>
         </p:txBody>
       </p:sp>
@@ -915,7 +916,7 @@
           <p:cNvPr id="6" name="Slide Number Placeholder 5">
             <a:extLst>
               <a:ext uri="{FF2B5EF4-FFF2-40B4-BE49-F238E27FC236}">
-                <a16:creationId xmlns:a16="http://schemas.microsoft.com/office/drawing/2014/main" xmlns="" id="{5A9AB361-1F50-493B-9CEA-1C308245FCAC}"/>
+                <a16:creationId xmlns:a16="http://schemas.microsoft.com/office/drawing/2014/main" id="{5A9AB361-1F50-493B-9CEA-1C308245FCAC}"/>
               </a:ext>
             </a:extLst>
           </p:cNvPr>
@@ -935,7 +936,7 @@
               <a:rPr lang="en-GB" smtClean="0"/>
               <a:t>‹#›</a:t>
             </a:fld>
-            <a:endParaRPr lang="en-GB"/>
+            <a:endParaRPr lang="en-GB" dirty="0"/>
           </a:p>
         </p:txBody>
       </p:sp>
@@ -974,7 +975,7 @@
           <p:cNvPr id="2" name="Title 1">
             <a:extLst>
               <a:ext uri="{FF2B5EF4-FFF2-40B4-BE49-F238E27FC236}">
-                <a16:creationId xmlns:a16="http://schemas.microsoft.com/office/drawing/2014/main" xmlns="" id="{A17FBDA1-9A04-4813-999D-D3EF005F657B}"/>
+                <a16:creationId xmlns:a16="http://schemas.microsoft.com/office/drawing/2014/main" id="{A17FBDA1-9A04-4813-999D-D3EF005F657B}"/>
               </a:ext>
             </a:extLst>
           </p:cNvPr>
@@ -1012,7 +1013,7 @@
           <p:cNvPr id="3" name="Text Placeholder 2">
             <a:extLst>
               <a:ext uri="{FF2B5EF4-FFF2-40B4-BE49-F238E27FC236}">
-                <a16:creationId xmlns:a16="http://schemas.microsoft.com/office/drawing/2014/main" xmlns="" id="{49A7C322-5A28-4763-9759-05815EBAF58D}"/>
+                <a16:creationId xmlns:a16="http://schemas.microsoft.com/office/drawing/2014/main" id="{49A7C322-5A28-4763-9759-05815EBAF58D}"/>
               </a:ext>
             </a:extLst>
           </p:cNvPr>
@@ -1137,7 +1138,7 @@
           <p:cNvPr id="4" name="Date Placeholder 3">
             <a:extLst>
               <a:ext uri="{FF2B5EF4-FFF2-40B4-BE49-F238E27FC236}">
-                <a16:creationId xmlns:a16="http://schemas.microsoft.com/office/drawing/2014/main" xmlns="" id="{43B08A97-8825-4B0E-B6FA-C30D395BE6D1}"/>
+                <a16:creationId xmlns:a16="http://schemas.microsoft.com/office/drawing/2014/main" id="{43B08A97-8825-4B0E-B6FA-C30D395BE6D1}"/>
               </a:ext>
             </a:extLst>
           </p:cNvPr>
@@ -1157,7 +1158,7 @@
               <a:rPr lang="en-GB" smtClean="0"/>
               <a:t>23/01/2019</a:t>
             </a:fld>
-            <a:endParaRPr lang="en-GB"/>
+            <a:endParaRPr lang="en-GB" dirty="0"/>
           </a:p>
         </p:txBody>
       </p:sp>
@@ -1166,7 +1167,7 @@
           <p:cNvPr id="5" name="Footer Placeholder 4">
             <a:extLst>
               <a:ext uri="{FF2B5EF4-FFF2-40B4-BE49-F238E27FC236}">
-                <a16:creationId xmlns:a16="http://schemas.microsoft.com/office/drawing/2014/main" xmlns="" id="{E2A7D5A2-489A-44BE-95BA-C41FF13D1C65}"/>
+                <a16:creationId xmlns:a16="http://schemas.microsoft.com/office/drawing/2014/main" id="{E2A7D5A2-489A-44BE-95BA-C41FF13D1C65}"/>
               </a:ext>
             </a:extLst>
           </p:cNvPr>
@@ -1182,7 +1183,7 @@
           <a:bodyPr/>
           <a:lstStyle/>
           <a:p>
-            <a:endParaRPr lang="en-GB"/>
+            <a:endParaRPr lang="en-GB" dirty="0"/>
           </a:p>
         </p:txBody>
       </p:sp>
@@ -1191,7 +1192,7 @@
           <p:cNvPr id="6" name="Slide Number Placeholder 5">
             <a:extLst>
               <a:ext uri="{FF2B5EF4-FFF2-40B4-BE49-F238E27FC236}">
-                <a16:creationId xmlns:a16="http://schemas.microsoft.com/office/drawing/2014/main" xmlns="" id="{7772E596-F9BA-4EA1-B777-69A74090D7FB}"/>
+                <a16:creationId xmlns:a16="http://schemas.microsoft.com/office/drawing/2014/main" id="{7772E596-F9BA-4EA1-B777-69A74090D7FB}"/>
               </a:ext>
             </a:extLst>
           </p:cNvPr>
@@ -1211,7 +1212,7 @@
               <a:rPr lang="en-GB" smtClean="0"/>
               <a:t>‹#›</a:t>
             </a:fld>
-            <a:endParaRPr lang="en-GB"/>
+            <a:endParaRPr lang="en-GB" dirty="0"/>
           </a:p>
         </p:txBody>
       </p:sp>
@@ -1250,7 +1251,7 @@
           <p:cNvPr id="2" name="Title 1">
             <a:extLst>
               <a:ext uri="{FF2B5EF4-FFF2-40B4-BE49-F238E27FC236}">
-                <a16:creationId xmlns:a16="http://schemas.microsoft.com/office/drawing/2014/main" xmlns="" id="{AA18BF10-E166-4004-B0EB-5269B3668265}"/>
+                <a16:creationId xmlns:a16="http://schemas.microsoft.com/office/drawing/2014/main" id="{AA18BF10-E166-4004-B0EB-5269B3668265}"/>
               </a:ext>
             </a:extLst>
           </p:cNvPr>
@@ -1279,7 +1280,7 @@
           <p:cNvPr id="3" name="Content Placeholder 2">
             <a:extLst>
               <a:ext uri="{FF2B5EF4-FFF2-40B4-BE49-F238E27FC236}">
-                <a16:creationId xmlns:a16="http://schemas.microsoft.com/office/drawing/2014/main" xmlns="" id="{333510AE-E4AB-4DF1-875B-EC5FD0F0F1A5}"/>
+                <a16:creationId xmlns:a16="http://schemas.microsoft.com/office/drawing/2014/main" id="{333510AE-E4AB-4DF1-875B-EC5FD0F0F1A5}"/>
               </a:ext>
             </a:extLst>
           </p:cNvPr>
@@ -1342,7 +1343,7 @@
           <p:cNvPr id="4" name="Content Placeholder 3">
             <a:extLst>
               <a:ext uri="{FF2B5EF4-FFF2-40B4-BE49-F238E27FC236}">
-                <a16:creationId xmlns:a16="http://schemas.microsoft.com/office/drawing/2014/main" xmlns="" id="{5403E092-1374-49AB-991A-C900840AB9C5}"/>
+                <a16:creationId xmlns:a16="http://schemas.microsoft.com/office/drawing/2014/main" id="{5403E092-1374-49AB-991A-C900840AB9C5}"/>
               </a:ext>
             </a:extLst>
           </p:cNvPr>
@@ -1405,7 +1406,7 @@
           <p:cNvPr id="5" name="Date Placeholder 4">
             <a:extLst>
               <a:ext uri="{FF2B5EF4-FFF2-40B4-BE49-F238E27FC236}">
-                <a16:creationId xmlns:a16="http://schemas.microsoft.com/office/drawing/2014/main" xmlns="" id="{3A5F1F22-838A-4EC3-8DE2-25F126F5BE77}"/>
+                <a16:creationId xmlns:a16="http://schemas.microsoft.com/office/drawing/2014/main" id="{3A5F1F22-838A-4EC3-8DE2-25F126F5BE77}"/>
               </a:ext>
             </a:extLst>
           </p:cNvPr>
@@ -1425,7 +1426,7 @@
               <a:rPr lang="en-GB" smtClean="0"/>
               <a:t>23/01/2019</a:t>
             </a:fld>
-            <a:endParaRPr lang="en-GB"/>
+            <a:endParaRPr lang="en-GB" dirty="0"/>
           </a:p>
         </p:txBody>
       </p:sp>
@@ -1434,7 +1435,7 @@
           <p:cNvPr id="6" name="Footer Placeholder 5">
             <a:extLst>
               <a:ext uri="{FF2B5EF4-FFF2-40B4-BE49-F238E27FC236}">
-                <a16:creationId xmlns:a16="http://schemas.microsoft.com/office/drawing/2014/main" xmlns="" id="{884FA1F6-2855-4448-8E6C-887074463914}"/>
+                <a16:creationId xmlns:a16="http://schemas.microsoft.com/office/drawing/2014/main" id="{884FA1F6-2855-4448-8E6C-887074463914}"/>
               </a:ext>
             </a:extLst>
           </p:cNvPr>
@@ -1450,7 +1451,7 @@
           <a:bodyPr/>
           <a:lstStyle/>
           <a:p>
-            <a:endParaRPr lang="en-GB"/>
+            <a:endParaRPr lang="en-GB" dirty="0"/>
           </a:p>
         </p:txBody>
       </p:sp>
@@ -1459,7 +1460,7 @@
           <p:cNvPr id="7" name="Slide Number Placeholder 6">
             <a:extLst>
               <a:ext uri="{FF2B5EF4-FFF2-40B4-BE49-F238E27FC236}">
-                <a16:creationId xmlns:a16="http://schemas.microsoft.com/office/drawing/2014/main" xmlns="" id="{192DFC1C-DC54-4391-BC39-EFE932710B9D}"/>
+                <a16:creationId xmlns:a16="http://schemas.microsoft.com/office/drawing/2014/main" id="{192DFC1C-DC54-4391-BC39-EFE932710B9D}"/>
               </a:ext>
             </a:extLst>
           </p:cNvPr>
@@ -1479,7 +1480,7 @@
               <a:rPr lang="en-GB" smtClean="0"/>
               <a:t>‹#›</a:t>
             </a:fld>
-            <a:endParaRPr lang="en-GB"/>
+            <a:endParaRPr lang="en-GB" dirty="0"/>
           </a:p>
         </p:txBody>
       </p:sp>
@@ -1518,7 +1519,7 @@
           <p:cNvPr id="2" name="Title 1">
             <a:extLst>
               <a:ext uri="{FF2B5EF4-FFF2-40B4-BE49-F238E27FC236}">
-                <a16:creationId xmlns:a16="http://schemas.microsoft.com/office/drawing/2014/main" xmlns="" id="{F35FB1A5-06D9-45FF-9AFB-C4F0C69E68D7}"/>
+                <a16:creationId xmlns:a16="http://schemas.microsoft.com/office/drawing/2014/main" id="{F35FB1A5-06D9-45FF-9AFB-C4F0C69E68D7}"/>
               </a:ext>
             </a:extLst>
           </p:cNvPr>
@@ -1552,7 +1553,7 @@
           <p:cNvPr id="3" name="Text Placeholder 2">
             <a:extLst>
               <a:ext uri="{FF2B5EF4-FFF2-40B4-BE49-F238E27FC236}">
-                <a16:creationId xmlns:a16="http://schemas.microsoft.com/office/drawing/2014/main" xmlns="" id="{50084235-CC21-448C-98EE-C8FED28F8B67}"/>
+                <a16:creationId xmlns:a16="http://schemas.microsoft.com/office/drawing/2014/main" id="{50084235-CC21-448C-98EE-C8FED28F8B67}"/>
               </a:ext>
             </a:extLst>
           </p:cNvPr>
@@ -1623,7 +1624,7 @@
           <p:cNvPr id="4" name="Content Placeholder 3">
             <a:extLst>
               <a:ext uri="{FF2B5EF4-FFF2-40B4-BE49-F238E27FC236}">
-                <a16:creationId xmlns:a16="http://schemas.microsoft.com/office/drawing/2014/main" xmlns="" id="{7D6955AF-5C0F-4296-A116-5CD28C92E290}"/>
+                <a16:creationId xmlns:a16="http://schemas.microsoft.com/office/drawing/2014/main" id="{7D6955AF-5C0F-4296-A116-5CD28C92E290}"/>
               </a:ext>
             </a:extLst>
           </p:cNvPr>
@@ -1686,7 +1687,7 @@
           <p:cNvPr id="5" name="Text Placeholder 4">
             <a:extLst>
               <a:ext uri="{FF2B5EF4-FFF2-40B4-BE49-F238E27FC236}">
-                <a16:creationId xmlns:a16="http://schemas.microsoft.com/office/drawing/2014/main" xmlns="" id="{58A0C3B2-4658-4D67-A3FF-49F1C083E97E}"/>
+                <a16:creationId xmlns:a16="http://schemas.microsoft.com/office/drawing/2014/main" id="{58A0C3B2-4658-4D67-A3FF-49F1C083E97E}"/>
               </a:ext>
             </a:extLst>
           </p:cNvPr>
@@ -1757,7 +1758,7 @@
           <p:cNvPr id="6" name="Content Placeholder 5">
             <a:extLst>
               <a:ext uri="{FF2B5EF4-FFF2-40B4-BE49-F238E27FC236}">
-                <a16:creationId xmlns:a16="http://schemas.microsoft.com/office/drawing/2014/main" xmlns="" id="{21D4CD37-FE65-4127-B060-B3E7323C5C93}"/>
+                <a16:creationId xmlns:a16="http://schemas.microsoft.com/office/drawing/2014/main" id="{21D4CD37-FE65-4127-B060-B3E7323C5C93}"/>
               </a:ext>
             </a:extLst>
           </p:cNvPr>
@@ -1820,7 +1821,7 @@
           <p:cNvPr id="7" name="Date Placeholder 6">
             <a:extLst>
               <a:ext uri="{FF2B5EF4-FFF2-40B4-BE49-F238E27FC236}">
-                <a16:creationId xmlns:a16="http://schemas.microsoft.com/office/drawing/2014/main" xmlns="" id="{645BB935-10CF-49D0-9C83-6AE073BB7BA2}"/>
+                <a16:creationId xmlns:a16="http://schemas.microsoft.com/office/drawing/2014/main" id="{645BB935-10CF-49D0-9C83-6AE073BB7BA2}"/>
               </a:ext>
             </a:extLst>
           </p:cNvPr>
@@ -1840,7 +1841,7 @@
               <a:rPr lang="en-GB" smtClean="0"/>
               <a:t>23/01/2019</a:t>
             </a:fld>
-            <a:endParaRPr lang="en-GB"/>
+            <a:endParaRPr lang="en-GB" dirty="0"/>
           </a:p>
         </p:txBody>
       </p:sp>
@@ -1849,7 +1850,7 @@
           <p:cNvPr id="8" name="Footer Placeholder 7">
             <a:extLst>
               <a:ext uri="{FF2B5EF4-FFF2-40B4-BE49-F238E27FC236}">
-                <a16:creationId xmlns:a16="http://schemas.microsoft.com/office/drawing/2014/main" xmlns="" id="{66189B88-9CE4-44FF-BC06-2CA077FFA825}"/>
+                <a16:creationId xmlns:a16="http://schemas.microsoft.com/office/drawing/2014/main" id="{66189B88-9CE4-44FF-BC06-2CA077FFA825}"/>
               </a:ext>
             </a:extLst>
           </p:cNvPr>
@@ -1865,7 +1866,7 @@
           <a:bodyPr/>
           <a:lstStyle/>
           <a:p>
-            <a:endParaRPr lang="en-GB"/>
+            <a:endParaRPr lang="en-GB" dirty="0"/>
           </a:p>
         </p:txBody>
       </p:sp>
@@ -1874,7 +1875,7 @@
           <p:cNvPr id="9" name="Slide Number Placeholder 8">
             <a:extLst>
               <a:ext uri="{FF2B5EF4-FFF2-40B4-BE49-F238E27FC236}">
-                <a16:creationId xmlns:a16="http://schemas.microsoft.com/office/drawing/2014/main" xmlns="" id="{05E0D7D3-5513-4B83-B7B5-23F6F2952FBE}"/>
+                <a16:creationId xmlns:a16="http://schemas.microsoft.com/office/drawing/2014/main" id="{05E0D7D3-5513-4B83-B7B5-23F6F2952FBE}"/>
               </a:ext>
             </a:extLst>
           </p:cNvPr>
@@ -1894,7 +1895,7 @@
               <a:rPr lang="en-GB" smtClean="0"/>
               <a:t>‹#›</a:t>
             </a:fld>
-            <a:endParaRPr lang="en-GB"/>
+            <a:endParaRPr lang="en-GB" dirty="0"/>
           </a:p>
         </p:txBody>
       </p:sp>
@@ -1933,7 +1934,7 @@
           <p:cNvPr id="2" name="Title 1">
             <a:extLst>
               <a:ext uri="{FF2B5EF4-FFF2-40B4-BE49-F238E27FC236}">
-                <a16:creationId xmlns:a16="http://schemas.microsoft.com/office/drawing/2014/main" xmlns="" id="{200DF880-9650-47A3-B764-4A8EE9FF4B53}"/>
+                <a16:creationId xmlns:a16="http://schemas.microsoft.com/office/drawing/2014/main" id="{200DF880-9650-47A3-B764-4A8EE9FF4B53}"/>
               </a:ext>
             </a:extLst>
           </p:cNvPr>
@@ -1962,7 +1963,7 @@
           <p:cNvPr id="3" name="Date Placeholder 2">
             <a:extLst>
               <a:ext uri="{FF2B5EF4-FFF2-40B4-BE49-F238E27FC236}">
-                <a16:creationId xmlns:a16="http://schemas.microsoft.com/office/drawing/2014/main" xmlns="" id="{74259FFF-FD9C-4749-98DA-29A82BEBA21F}"/>
+                <a16:creationId xmlns:a16="http://schemas.microsoft.com/office/drawing/2014/main" id="{74259FFF-FD9C-4749-98DA-29A82BEBA21F}"/>
               </a:ext>
             </a:extLst>
           </p:cNvPr>
@@ -1982,7 +1983,7 @@
               <a:rPr lang="en-GB" smtClean="0"/>
               <a:t>23/01/2019</a:t>
             </a:fld>
-            <a:endParaRPr lang="en-GB"/>
+            <a:endParaRPr lang="en-GB" dirty="0"/>
           </a:p>
         </p:txBody>
       </p:sp>
@@ -1991,7 +1992,7 @@
           <p:cNvPr id="4" name="Footer Placeholder 3">
             <a:extLst>
               <a:ext uri="{FF2B5EF4-FFF2-40B4-BE49-F238E27FC236}">
-                <a16:creationId xmlns:a16="http://schemas.microsoft.com/office/drawing/2014/main" xmlns="" id="{0C93E6D4-42C7-4396-83F5-C706FABE2BB2}"/>
+                <a16:creationId xmlns:a16="http://schemas.microsoft.com/office/drawing/2014/main" id="{0C93E6D4-42C7-4396-83F5-C706FABE2BB2}"/>
               </a:ext>
             </a:extLst>
           </p:cNvPr>
@@ -2007,7 +2008,7 @@
           <a:bodyPr/>
           <a:lstStyle/>
           <a:p>
-            <a:endParaRPr lang="en-GB"/>
+            <a:endParaRPr lang="en-GB" dirty="0"/>
           </a:p>
         </p:txBody>
       </p:sp>
@@ -2016,7 +2017,7 @@
           <p:cNvPr id="5" name="Slide Number Placeholder 4">
             <a:extLst>
               <a:ext uri="{FF2B5EF4-FFF2-40B4-BE49-F238E27FC236}">
-                <a16:creationId xmlns:a16="http://schemas.microsoft.com/office/drawing/2014/main" xmlns="" id="{751E6D9E-3936-46CA-85A8-0E03995DC49A}"/>
+                <a16:creationId xmlns:a16="http://schemas.microsoft.com/office/drawing/2014/main" id="{751E6D9E-3936-46CA-85A8-0E03995DC49A}"/>
               </a:ext>
             </a:extLst>
           </p:cNvPr>
@@ -2036,7 +2037,7 @@
               <a:rPr lang="en-GB" smtClean="0"/>
               <a:t>‹#›</a:t>
             </a:fld>
-            <a:endParaRPr lang="en-GB"/>
+            <a:endParaRPr lang="en-GB" dirty="0"/>
           </a:p>
         </p:txBody>
       </p:sp>
@@ -2075,7 +2076,7 @@
           <p:cNvPr id="2" name="Date Placeholder 1">
             <a:extLst>
               <a:ext uri="{FF2B5EF4-FFF2-40B4-BE49-F238E27FC236}">
-                <a16:creationId xmlns:a16="http://schemas.microsoft.com/office/drawing/2014/main" xmlns="" id="{FE2556F9-C98E-4E78-AE79-E9A3E8EC0A1F}"/>
+                <a16:creationId xmlns:a16="http://schemas.microsoft.com/office/drawing/2014/main" id="{FE2556F9-C98E-4E78-AE79-E9A3E8EC0A1F}"/>
               </a:ext>
             </a:extLst>
           </p:cNvPr>
@@ -2095,7 +2096,7 @@
               <a:rPr lang="en-GB" smtClean="0"/>
               <a:t>23/01/2019</a:t>
             </a:fld>
-            <a:endParaRPr lang="en-GB"/>
+            <a:endParaRPr lang="en-GB" dirty="0"/>
           </a:p>
         </p:txBody>
       </p:sp>
@@ -2104,7 +2105,7 @@
           <p:cNvPr id="3" name="Footer Placeholder 2">
             <a:extLst>
               <a:ext uri="{FF2B5EF4-FFF2-40B4-BE49-F238E27FC236}">
-                <a16:creationId xmlns:a16="http://schemas.microsoft.com/office/drawing/2014/main" xmlns="" id="{5E58EFB7-EF90-4E5C-88BB-C67B2E6D5FCA}"/>
+                <a16:creationId xmlns:a16="http://schemas.microsoft.com/office/drawing/2014/main" id="{5E58EFB7-EF90-4E5C-88BB-C67B2E6D5FCA}"/>
               </a:ext>
             </a:extLst>
           </p:cNvPr>
@@ -2120,7 +2121,7 @@
           <a:bodyPr/>
           <a:lstStyle/>
           <a:p>
-            <a:endParaRPr lang="en-GB"/>
+            <a:endParaRPr lang="en-GB" dirty="0"/>
           </a:p>
         </p:txBody>
       </p:sp>
@@ -2129,7 +2130,7 @@
           <p:cNvPr id="4" name="Slide Number Placeholder 3">
             <a:extLst>
               <a:ext uri="{FF2B5EF4-FFF2-40B4-BE49-F238E27FC236}">
-                <a16:creationId xmlns:a16="http://schemas.microsoft.com/office/drawing/2014/main" xmlns="" id="{E9539145-7624-4814-9BFE-B315EDCE9F72}"/>
+                <a16:creationId xmlns:a16="http://schemas.microsoft.com/office/drawing/2014/main" id="{E9539145-7624-4814-9BFE-B315EDCE9F72}"/>
               </a:ext>
             </a:extLst>
           </p:cNvPr>
@@ -2149,7 +2150,7 @@
               <a:rPr lang="en-GB" smtClean="0"/>
               <a:t>‹#›</a:t>
             </a:fld>
-            <a:endParaRPr lang="en-GB"/>
+            <a:endParaRPr lang="en-GB" dirty="0"/>
           </a:p>
         </p:txBody>
       </p:sp>
@@ -2188,7 +2189,7 @@
           <p:cNvPr id="2" name="Title 1">
             <a:extLst>
               <a:ext uri="{FF2B5EF4-FFF2-40B4-BE49-F238E27FC236}">
-                <a16:creationId xmlns:a16="http://schemas.microsoft.com/office/drawing/2014/main" xmlns="" id="{14E37E2D-94B8-4937-9D19-073CF5073DCA}"/>
+                <a16:creationId xmlns:a16="http://schemas.microsoft.com/office/drawing/2014/main" id="{14E37E2D-94B8-4937-9D19-073CF5073DCA}"/>
               </a:ext>
             </a:extLst>
           </p:cNvPr>
@@ -2226,7 +2227,7 @@
           <p:cNvPr id="3" name="Content Placeholder 2">
             <a:extLst>
               <a:ext uri="{FF2B5EF4-FFF2-40B4-BE49-F238E27FC236}">
-                <a16:creationId xmlns:a16="http://schemas.microsoft.com/office/drawing/2014/main" xmlns="" id="{26BF1181-E9F7-4D60-B81C-A8AC8024327A}"/>
+                <a16:creationId xmlns:a16="http://schemas.microsoft.com/office/drawing/2014/main" id="{26BF1181-E9F7-4D60-B81C-A8AC8024327A}"/>
               </a:ext>
             </a:extLst>
           </p:cNvPr>
@@ -2317,7 +2318,7 @@
           <p:cNvPr id="4" name="Text Placeholder 3">
             <a:extLst>
               <a:ext uri="{FF2B5EF4-FFF2-40B4-BE49-F238E27FC236}">
-                <a16:creationId xmlns:a16="http://schemas.microsoft.com/office/drawing/2014/main" xmlns="" id="{9433EB85-D118-401F-92A7-15F6C5BBAD38}"/>
+                <a16:creationId xmlns:a16="http://schemas.microsoft.com/office/drawing/2014/main" id="{9433EB85-D118-401F-92A7-15F6C5BBAD38}"/>
               </a:ext>
             </a:extLst>
           </p:cNvPr>
@@ -2388,7 +2389,7 @@
           <p:cNvPr id="5" name="Date Placeholder 4">
             <a:extLst>
               <a:ext uri="{FF2B5EF4-FFF2-40B4-BE49-F238E27FC236}">
-                <a16:creationId xmlns:a16="http://schemas.microsoft.com/office/drawing/2014/main" xmlns="" id="{DA607528-5B49-4DD3-9132-30881DE87B4D}"/>
+                <a16:creationId xmlns:a16="http://schemas.microsoft.com/office/drawing/2014/main" id="{DA607528-5B49-4DD3-9132-30881DE87B4D}"/>
               </a:ext>
             </a:extLst>
           </p:cNvPr>
@@ -2408,7 +2409,7 @@
               <a:rPr lang="en-GB" smtClean="0"/>
               <a:t>23/01/2019</a:t>
             </a:fld>
-            <a:endParaRPr lang="en-GB"/>
+            <a:endParaRPr lang="en-GB" dirty="0"/>
           </a:p>
         </p:txBody>
       </p:sp>
@@ -2417,7 +2418,7 @@
           <p:cNvPr id="6" name="Footer Placeholder 5">
             <a:extLst>
               <a:ext uri="{FF2B5EF4-FFF2-40B4-BE49-F238E27FC236}">
-                <a16:creationId xmlns:a16="http://schemas.microsoft.com/office/drawing/2014/main" xmlns="" id="{455BA862-992C-43CA-B5C2-4C0430B2F039}"/>
+                <a16:creationId xmlns:a16="http://schemas.microsoft.com/office/drawing/2014/main" id="{455BA862-992C-43CA-B5C2-4C0430B2F039}"/>
               </a:ext>
             </a:extLst>
           </p:cNvPr>
@@ -2433,7 +2434,7 @@
           <a:bodyPr/>
           <a:lstStyle/>
           <a:p>
-            <a:endParaRPr lang="en-GB"/>
+            <a:endParaRPr lang="en-GB" dirty="0"/>
           </a:p>
         </p:txBody>
       </p:sp>
@@ -2442,7 +2443,7 @@
           <p:cNvPr id="7" name="Slide Number Placeholder 6">
             <a:extLst>
               <a:ext uri="{FF2B5EF4-FFF2-40B4-BE49-F238E27FC236}">
-                <a16:creationId xmlns:a16="http://schemas.microsoft.com/office/drawing/2014/main" xmlns="" id="{38D26D8D-2712-4B8C-BF2E-9C5B39AEBD41}"/>
+                <a16:creationId xmlns:a16="http://schemas.microsoft.com/office/drawing/2014/main" id="{38D26D8D-2712-4B8C-BF2E-9C5B39AEBD41}"/>
               </a:ext>
             </a:extLst>
           </p:cNvPr>
@@ -2462,7 +2463,7 @@
               <a:rPr lang="en-GB" smtClean="0"/>
               <a:t>‹#›</a:t>
             </a:fld>
-            <a:endParaRPr lang="en-GB"/>
+            <a:endParaRPr lang="en-GB" dirty="0"/>
           </a:p>
         </p:txBody>
       </p:sp>
@@ -2501,7 +2502,7 @@
           <p:cNvPr id="2" name="Title 1">
             <a:extLst>
               <a:ext uri="{FF2B5EF4-FFF2-40B4-BE49-F238E27FC236}">
-                <a16:creationId xmlns:a16="http://schemas.microsoft.com/office/drawing/2014/main" xmlns="" id="{17A725E2-032B-437C-AB44-582C1073A509}"/>
+                <a16:creationId xmlns:a16="http://schemas.microsoft.com/office/drawing/2014/main" id="{17A725E2-032B-437C-AB44-582C1073A509}"/>
               </a:ext>
             </a:extLst>
           </p:cNvPr>
@@ -2539,7 +2540,7 @@
           <p:cNvPr id="3" name="Picture Placeholder 2">
             <a:extLst>
               <a:ext uri="{FF2B5EF4-FFF2-40B4-BE49-F238E27FC236}">
-                <a16:creationId xmlns:a16="http://schemas.microsoft.com/office/drawing/2014/main" xmlns="" id="{5F439274-0057-4242-9680-1D7A9CE6634D}"/>
+                <a16:creationId xmlns:a16="http://schemas.microsoft.com/office/drawing/2014/main" id="{5F439274-0057-4242-9680-1D7A9CE6634D}"/>
               </a:ext>
             </a:extLst>
           </p:cNvPr>
@@ -2597,7 +2598,7 @@
             </a:lvl9pPr>
           </a:lstStyle>
           <a:p>
-            <a:endParaRPr lang="en-GB"/>
+            <a:endParaRPr lang="en-GB" dirty="0"/>
           </a:p>
         </p:txBody>
       </p:sp>
@@ -2606,7 +2607,7 @@
           <p:cNvPr id="4" name="Text Placeholder 3">
             <a:extLst>
               <a:ext uri="{FF2B5EF4-FFF2-40B4-BE49-F238E27FC236}">
-                <a16:creationId xmlns:a16="http://schemas.microsoft.com/office/drawing/2014/main" xmlns="" id="{6E3FE9FB-8CAF-425A-9101-BDEF14014742}"/>
+                <a16:creationId xmlns:a16="http://schemas.microsoft.com/office/drawing/2014/main" id="{6E3FE9FB-8CAF-425A-9101-BDEF14014742}"/>
               </a:ext>
             </a:extLst>
           </p:cNvPr>
@@ -2677,7 +2678,7 @@
           <p:cNvPr id="5" name="Date Placeholder 4">
             <a:extLst>
               <a:ext uri="{FF2B5EF4-FFF2-40B4-BE49-F238E27FC236}">
-                <a16:creationId xmlns:a16="http://schemas.microsoft.com/office/drawing/2014/main" xmlns="" id="{50C55AAC-CB8E-429F-8B0E-F46731F2830B}"/>
+                <a16:creationId xmlns:a16="http://schemas.microsoft.com/office/drawing/2014/main" id="{50C55AAC-CB8E-429F-8B0E-F46731F2830B}"/>
               </a:ext>
             </a:extLst>
           </p:cNvPr>
@@ -2697,7 +2698,7 @@
               <a:rPr lang="en-GB" smtClean="0"/>
               <a:t>23/01/2019</a:t>
             </a:fld>
-            <a:endParaRPr lang="en-GB"/>
+            <a:endParaRPr lang="en-GB" dirty="0"/>
           </a:p>
         </p:txBody>
       </p:sp>
@@ -2706,7 +2707,7 @@
           <p:cNvPr id="6" name="Footer Placeholder 5">
             <a:extLst>
               <a:ext uri="{FF2B5EF4-FFF2-40B4-BE49-F238E27FC236}">
-                <a16:creationId xmlns:a16="http://schemas.microsoft.com/office/drawing/2014/main" xmlns="" id="{C2F8A79E-3DA5-4A2B-86FA-8C19825DEB33}"/>
+                <a16:creationId xmlns:a16="http://schemas.microsoft.com/office/drawing/2014/main" id="{C2F8A79E-3DA5-4A2B-86FA-8C19825DEB33}"/>
               </a:ext>
             </a:extLst>
           </p:cNvPr>
@@ -2722,7 +2723,7 @@
           <a:bodyPr/>
           <a:lstStyle/>
           <a:p>
-            <a:endParaRPr lang="en-GB"/>
+            <a:endParaRPr lang="en-GB" dirty="0"/>
           </a:p>
         </p:txBody>
       </p:sp>
@@ -2731,7 +2732,7 @@
           <p:cNvPr id="7" name="Slide Number Placeholder 6">
             <a:extLst>
               <a:ext uri="{FF2B5EF4-FFF2-40B4-BE49-F238E27FC236}">
-                <a16:creationId xmlns:a16="http://schemas.microsoft.com/office/drawing/2014/main" xmlns="" id="{B5008AA0-F7C3-4DA3-B1D9-3420F7D2567D}"/>
+                <a16:creationId xmlns:a16="http://schemas.microsoft.com/office/drawing/2014/main" id="{B5008AA0-F7C3-4DA3-B1D9-3420F7D2567D}"/>
               </a:ext>
             </a:extLst>
           </p:cNvPr>
@@ -2751,7 +2752,7 @@
               <a:rPr lang="en-GB" smtClean="0"/>
               <a:t>‹#›</a:t>
             </a:fld>
-            <a:endParaRPr lang="en-GB"/>
+            <a:endParaRPr lang="en-GB" dirty="0"/>
           </a:p>
         </p:txBody>
       </p:sp>
@@ -2795,7 +2796,7 @@
           <p:cNvPr id="2" name="Title Placeholder 1">
             <a:extLst>
               <a:ext uri="{FF2B5EF4-FFF2-40B4-BE49-F238E27FC236}">
-                <a16:creationId xmlns:a16="http://schemas.microsoft.com/office/drawing/2014/main" xmlns="" id="{525AF961-B3D1-4104-86B8-C10BAD57B953}"/>
+                <a16:creationId xmlns:a16="http://schemas.microsoft.com/office/drawing/2014/main" id="{525AF961-B3D1-4104-86B8-C10BAD57B953}"/>
               </a:ext>
             </a:extLst>
           </p:cNvPr>
@@ -2834,7 +2835,7 @@
           <p:cNvPr id="3" name="Text Placeholder 2">
             <a:extLst>
               <a:ext uri="{FF2B5EF4-FFF2-40B4-BE49-F238E27FC236}">
-                <a16:creationId xmlns:a16="http://schemas.microsoft.com/office/drawing/2014/main" xmlns="" id="{2F27F852-475F-4869-A573-AD1D51B3D236}"/>
+                <a16:creationId xmlns:a16="http://schemas.microsoft.com/office/drawing/2014/main" id="{2F27F852-475F-4869-A573-AD1D51B3D236}"/>
               </a:ext>
             </a:extLst>
           </p:cNvPr>
@@ -2902,7 +2903,7 @@
           <p:cNvPr id="4" name="Date Placeholder 3">
             <a:extLst>
               <a:ext uri="{FF2B5EF4-FFF2-40B4-BE49-F238E27FC236}">
-                <a16:creationId xmlns:a16="http://schemas.microsoft.com/office/drawing/2014/main" xmlns="" id="{59156039-19C9-44ED-84AF-BBFA5A788067}"/>
+                <a16:creationId xmlns:a16="http://schemas.microsoft.com/office/drawing/2014/main" id="{59156039-19C9-44ED-84AF-BBFA5A788067}"/>
               </a:ext>
             </a:extLst>
           </p:cNvPr>
@@ -2940,7 +2941,7 @@
               <a:rPr lang="en-GB" smtClean="0"/>
               <a:t>23/01/2019</a:t>
             </a:fld>
-            <a:endParaRPr lang="en-GB"/>
+            <a:endParaRPr lang="en-GB" dirty="0"/>
           </a:p>
         </p:txBody>
       </p:sp>
@@ -2949,7 +2950,7 @@
           <p:cNvPr id="5" name="Footer Placeholder 4">
             <a:extLst>
               <a:ext uri="{FF2B5EF4-FFF2-40B4-BE49-F238E27FC236}">
-                <a16:creationId xmlns:a16="http://schemas.microsoft.com/office/drawing/2014/main" xmlns="" id="{F60107FF-CCD1-4AB6-9759-47FC7DB3CA12}"/>
+                <a16:creationId xmlns:a16="http://schemas.microsoft.com/office/drawing/2014/main" id="{F60107FF-CCD1-4AB6-9759-47FC7DB3CA12}"/>
               </a:ext>
             </a:extLst>
           </p:cNvPr>
@@ -2983,7 +2984,7 @@
             </a:lvl1pPr>
           </a:lstStyle>
           <a:p>
-            <a:endParaRPr lang="en-GB"/>
+            <a:endParaRPr lang="en-GB" dirty="0"/>
           </a:p>
         </p:txBody>
       </p:sp>
@@ -2992,7 +2993,7 @@
           <p:cNvPr id="6" name="Slide Number Placeholder 5">
             <a:extLst>
               <a:ext uri="{FF2B5EF4-FFF2-40B4-BE49-F238E27FC236}">
-                <a16:creationId xmlns:a16="http://schemas.microsoft.com/office/drawing/2014/main" xmlns="" id="{265A53F5-9A94-4878-984D-EDCC813187E2}"/>
+                <a16:creationId xmlns:a16="http://schemas.microsoft.com/office/drawing/2014/main" id="{265A53F5-9A94-4878-984D-EDCC813187E2}"/>
               </a:ext>
             </a:extLst>
           </p:cNvPr>
@@ -3030,7 +3031,7 @@
               <a:rPr lang="en-GB" smtClean="0"/>
               <a:t>‹#›</a:t>
             </a:fld>
-            <a:endParaRPr lang="en-GB"/>
+            <a:endParaRPr lang="en-GB" dirty="0"/>
           </a:p>
         </p:txBody>
       </p:sp>
@@ -3360,7 +3361,7 @@
           <p:cNvPr id="10" name="Group 9">
             <a:extLst>
               <a:ext uri="{FF2B5EF4-FFF2-40B4-BE49-F238E27FC236}">
-                <a16:creationId xmlns:a16="http://schemas.microsoft.com/office/drawing/2014/main" xmlns="" id="{DE565E46-0409-49DC-A628-3A9D99FF49A4}"/>
+                <a16:creationId xmlns:a16="http://schemas.microsoft.com/office/drawing/2014/main" id="{DE565E46-0409-49DC-A628-3A9D99FF49A4}"/>
               </a:ext>
             </a:extLst>
           </p:cNvPr>
@@ -3380,7 +3381,7 @@
             <p:cNvPr id="6" name="Oval 5">
               <a:extLst>
                 <a:ext uri="{FF2B5EF4-FFF2-40B4-BE49-F238E27FC236}">
-                  <a16:creationId xmlns:a16="http://schemas.microsoft.com/office/drawing/2014/main" xmlns="" id="{0AF1B685-5947-4FCA-8578-2E2573B50500}"/>
+                  <a16:creationId xmlns:a16="http://schemas.microsoft.com/office/drawing/2014/main" id="{0AF1B685-5947-4FCA-8578-2E2573B50500}"/>
                 </a:ext>
               </a:extLst>
             </p:cNvPr>
@@ -3425,7 +3426,7 @@
             <a:lstStyle/>
             <a:p>
               <a:pPr algn="ctr"/>
-              <a:endParaRPr lang="en-GB"/>
+              <a:endParaRPr lang="en-GB" dirty="0"/>
             </a:p>
           </p:txBody>
         </p:sp>
@@ -3434,7 +3435,7 @@
             <p:cNvPr id="7" name="Oval 6">
               <a:extLst>
                 <a:ext uri="{FF2B5EF4-FFF2-40B4-BE49-F238E27FC236}">
-                  <a16:creationId xmlns:a16="http://schemas.microsoft.com/office/drawing/2014/main" xmlns="" id="{78C829D8-8AEA-46B0-B52D-267C3E7DC429}"/>
+                  <a16:creationId xmlns:a16="http://schemas.microsoft.com/office/drawing/2014/main" id="{78C829D8-8AEA-46B0-B52D-267C3E7DC429}"/>
                 </a:ext>
               </a:extLst>
             </p:cNvPr>
@@ -3479,7 +3480,7 @@
             <a:lstStyle/>
             <a:p>
               <a:pPr algn="ctr"/>
-              <a:endParaRPr lang="en-GB"/>
+              <a:endParaRPr lang="en-GB" dirty="0"/>
             </a:p>
           </p:txBody>
         </p:sp>
@@ -3488,7 +3489,7 @@
             <p:cNvPr id="4" name="Rectangle 3">
               <a:extLst>
                 <a:ext uri="{FF2B5EF4-FFF2-40B4-BE49-F238E27FC236}">
-                  <a16:creationId xmlns:a16="http://schemas.microsoft.com/office/drawing/2014/main" xmlns="" id="{E0980DD5-50C4-4F70-81B9-C85FF23D25A0}"/>
+                  <a16:creationId xmlns:a16="http://schemas.microsoft.com/office/drawing/2014/main" id="{E0980DD5-50C4-4F70-81B9-C85FF23D25A0}"/>
                 </a:ext>
               </a:extLst>
             </p:cNvPr>
@@ -3536,7 +3537,7 @@
             <a:lstStyle/>
             <a:p>
               <a:pPr algn="ctr"/>
-              <a:endParaRPr lang="en-GB"/>
+              <a:endParaRPr lang="en-GB" dirty="0"/>
             </a:p>
           </p:txBody>
         </p:sp>
@@ -3545,7 +3546,7 @@
             <p:cNvPr id="9" name="Rectangle 8">
               <a:extLst>
                 <a:ext uri="{FF2B5EF4-FFF2-40B4-BE49-F238E27FC236}">
-                  <a16:creationId xmlns:a16="http://schemas.microsoft.com/office/drawing/2014/main" xmlns="" id="{1100EAFF-8FCD-4A65-86ED-0BB35E12F79B}"/>
+                  <a16:creationId xmlns:a16="http://schemas.microsoft.com/office/drawing/2014/main" id="{1100EAFF-8FCD-4A65-86ED-0BB35E12F79B}"/>
                 </a:ext>
               </a:extLst>
             </p:cNvPr>
@@ -3605,7 +3606,7 @@
             <p:cNvPr id="5" name="Rectangle: Rounded Corners 4">
               <a:extLst>
                 <a:ext uri="{FF2B5EF4-FFF2-40B4-BE49-F238E27FC236}">
-                  <a16:creationId xmlns:a16="http://schemas.microsoft.com/office/drawing/2014/main" xmlns="" id="{33339975-1307-4621-80CE-599D1FDB2CC6}"/>
+                  <a16:creationId xmlns:a16="http://schemas.microsoft.com/office/drawing/2014/main" id="{33339975-1307-4621-80CE-599D1FDB2CC6}"/>
                 </a:ext>
               </a:extLst>
             </p:cNvPr>
@@ -3655,7 +3656,7 @@
             <a:lstStyle/>
             <a:p>
               <a:pPr algn="ctr"/>
-              <a:endParaRPr lang="en-GB"/>
+              <a:endParaRPr lang="en-GB" dirty="0"/>
             </a:p>
           </p:txBody>
         </p:sp>
@@ -3665,7 +3666,7 @@
           <p:cNvPr id="18" name="Group 17">
             <a:extLst>
               <a:ext uri="{FF2B5EF4-FFF2-40B4-BE49-F238E27FC236}">
-                <a16:creationId xmlns:a16="http://schemas.microsoft.com/office/drawing/2014/main" xmlns="" id="{BF308BC8-91B1-4840-864B-D6FE046F3045}"/>
+                <a16:creationId xmlns:a16="http://schemas.microsoft.com/office/drawing/2014/main" id="{BF308BC8-91B1-4840-864B-D6FE046F3045}"/>
               </a:ext>
             </a:extLst>
           </p:cNvPr>
@@ -3685,7 +3686,7 @@
             <p:cNvPr id="12" name="Rectangle: Rounded Corners 11">
               <a:extLst>
                 <a:ext uri="{FF2B5EF4-FFF2-40B4-BE49-F238E27FC236}">
-                  <a16:creationId xmlns:a16="http://schemas.microsoft.com/office/drawing/2014/main" xmlns="" id="{C5845180-84DB-49CB-B0F6-026F0F03AE96}"/>
+                  <a16:creationId xmlns:a16="http://schemas.microsoft.com/office/drawing/2014/main" id="{C5845180-84DB-49CB-B0F6-026F0F03AE96}"/>
                 </a:ext>
               </a:extLst>
             </p:cNvPr>
@@ -3735,7 +3736,7 @@
             <a:lstStyle/>
             <a:p>
               <a:pPr algn="ctr"/>
-              <a:endParaRPr lang="en-GB"/>
+              <a:endParaRPr lang="en-GB" dirty="0"/>
             </a:p>
           </p:txBody>
         </p:sp>
@@ -3744,7 +3745,7 @@
             <p:cNvPr id="13" name="Rectangle: Rounded Corners 12">
               <a:extLst>
                 <a:ext uri="{FF2B5EF4-FFF2-40B4-BE49-F238E27FC236}">
-                  <a16:creationId xmlns:a16="http://schemas.microsoft.com/office/drawing/2014/main" xmlns="" id="{47DDA1CF-AEEC-4455-9B8D-E1712A4F4D07}"/>
+                  <a16:creationId xmlns:a16="http://schemas.microsoft.com/office/drawing/2014/main" id="{47DDA1CF-AEEC-4455-9B8D-E1712A4F4D07}"/>
                 </a:ext>
               </a:extLst>
             </p:cNvPr>
@@ -3794,7 +3795,7 @@
             <a:lstStyle/>
             <a:p>
               <a:pPr algn="ctr"/>
-              <a:endParaRPr lang="en-GB"/>
+              <a:endParaRPr lang="en-GB" dirty="0"/>
             </a:p>
           </p:txBody>
         </p:sp>
@@ -3803,7 +3804,7 @@
             <p:cNvPr id="14" name="Rectangle 13">
               <a:extLst>
                 <a:ext uri="{FF2B5EF4-FFF2-40B4-BE49-F238E27FC236}">
-                  <a16:creationId xmlns:a16="http://schemas.microsoft.com/office/drawing/2014/main" xmlns="" id="{C3831AE5-FC33-405D-BBC0-AC1C9DBAE6FF}"/>
+                  <a16:creationId xmlns:a16="http://schemas.microsoft.com/office/drawing/2014/main" id="{C3831AE5-FC33-405D-BBC0-AC1C9DBAE6FF}"/>
                 </a:ext>
               </a:extLst>
             </p:cNvPr>
@@ -3851,7 +3852,7 @@
             <a:lstStyle/>
             <a:p>
               <a:pPr algn="ctr"/>
-              <a:endParaRPr lang="en-GB"/>
+              <a:endParaRPr lang="en-GB" dirty="0"/>
             </a:p>
           </p:txBody>
         </p:sp>
@@ -3860,7 +3861,7 @@
             <p:cNvPr id="15" name="Oval 14">
               <a:extLst>
                 <a:ext uri="{FF2B5EF4-FFF2-40B4-BE49-F238E27FC236}">
-                  <a16:creationId xmlns:a16="http://schemas.microsoft.com/office/drawing/2014/main" xmlns="" id="{4B3618A2-8B15-4867-9E8E-B4200276EF37}"/>
+                  <a16:creationId xmlns:a16="http://schemas.microsoft.com/office/drawing/2014/main" id="{4B3618A2-8B15-4867-9E8E-B4200276EF37}"/>
                 </a:ext>
               </a:extLst>
             </p:cNvPr>
@@ -3905,7 +3906,7 @@
             <a:lstStyle/>
             <a:p>
               <a:pPr algn="ctr"/>
-              <a:endParaRPr lang="en-GB"/>
+              <a:endParaRPr lang="en-GB" dirty="0"/>
             </a:p>
           </p:txBody>
         </p:sp>
@@ -3914,7 +3915,7 @@
             <p:cNvPr id="16" name="Oval 15">
               <a:extLst>
                 <a:ext uri="{FF2B5EF4-FFF2-40B4-BE49-F238E27FC236}">
-                  <a16:creationId xmlns:a16="http://schemas.microsoft.com/office/drawing/2014/main" xmlns="" id="{2DA9BCD9-B90C-42B3-B7F5-A0685BBE0EBE}"/>
+                  <a16:creationId xmlns:a16="http://schemas.microsoft.com/office/drawing/2014/main" id="{2DA9BCD9-B90C-42B3-B7F5-A0685BBE0EBE}"/>
                 </a:ext>
               </a:extLst>
             </p:cNvPr>
@@ -3959,7 +3960,7 @@
             <a:lstStyle/>
             <a:p>
               <a:pPr algn="ctr"/>
-              <a:endParaRPr lang="en-GB"/>
+              <a:endParaRPr lang="en-GB" dirty="0"/>
             </a:p>
           </p:txBody>
         </p:sp>
@@ -3968,7 +3969,7 @@
             <p:cNvPr id="17" name="Rectangle 16">
               <a:extLst>
                 <a:ext uri="{FF2B5EF4-FFF2-40B4-BE49-F238E27FC236}">
-                  <a16:creationId xmlns:a16="http://schemas.microsoft.com/office/drawing/2014/main" xmlns="" id="{BD56E8A5-511F-4FDD-903A-9764C059A1F0}"/>
+                  <a16:creationId xmlns:a16="http://schemas.microsoft.com/office/drawing/2014/main" id="{BD56E8A5-511F-4FDD-903A-9764C059A1F0}"/>
                 </a:ext>
               </a:extLst>
             </p:cNvPr>
@@ -4034,13 +4035,79 @@
   <p:clrMapOvr>
     <a:masterClrMapping/>
   </p:clrMapOvr>
-  <p:timing>
-    <p:tnLst>
-      <p:par>
-        <p:cTn id="1" dur="indefinite" restart="never" nodeType="tmRoot"/>
-      </p:par>
-    </p:tnLst>
-  </p:timing>
+</p:sld>
+</file>
+
+<file path=ppt/slides/slide10.xml><?xml version="1.0" encoding="utf-8"?>
+<p:sld xmlns:a="http://schemas.openxmlformats.org/drawingml/2006/main" xmlns:r="http://schemas.openxmlformats.org/officeDocument/2006/relationships" xmlns:p="http://schemas.openxmlformats.org/presentationml/2006/main">
+  <p:cSld>
+    <p:spTree>
+      <p:nvGrpSpPr>
+        <p:cNvPr id="1" name=""/>
+        <p:cNvGrpSpPr/>
+        <p:nvPr/>
+      </p:nvGrpSpPr>
+      <p:grpSpPr>
+        <a:xfrm>
+          <a:off x="0" y="0"/>
+          <a:ext cx="0" cy="0"/>
+          <a:chOff x="0" y="0"/>
+          <a:chExt cx="0" cy="0"/>
+        </a:xfrm>
+      </p:grpSpPr>
+      <p:sp>
+        <p:nvSpPr>
+          <p:cNvPr id="4" name="Rectangle 3"/>
+          <p:cNvSpPr/>
+          <p:nvPr/>
+        </p:nvSpPr>
+        <p:spPr>
+          <a:xfrm>
+            <a:off x="-777240" y="-624840"/>
+            <a:ext cx="14013180" cy="7909560"/>
+          </a:xfrm>
+          <a:prstGeom prst="rect">
+            <a:avLst/>
+          </a:prstGeom>
+          <a:solidFill>
+            <a:srgbClr val="B85750"/>
+          </a:solidFill>
+        </p:spPr>
+        <p:style>
+          <a:lnRef idx="2">
+            <a:schemeClr val="accent1">
+              <a:shade val="50000"/>
+            </a:schemeClr>
+          </a:lnRef>
+          <a:fillRef idx="1">
+            <a:schemeClr val="accent1"/>
+          </a:fillRef>
+          <a:effectRef idx="0">
+            <a:schemeClr val="accent1"/>
+          </a:effectRef>
+          <a:fontRef idx="minor">
+            <a:schemeClr val="lt1"/>
+          </a:fontRef>
+        </p:style>
+        <p:txBody>
+          <a:bodyPr rtlCol="0" anchor="ctr"/>
+          <a:lstStyle/>
+          <a:p>
+            <a:pPr algn="ctr"/>
+            <a:endParaRPr lang="en-GB" dirty="0"/>
+          </a:p>
+        </p:txBody>
+      </p:sp>
+    </p:spTree>
+    <p:extLst>
+      <p:ext uri="{BB962C8B-B14F-4D97-AF65-F5344CB8AC3E}">
+        <p14:creationId xmlns:p14="http://schemas.microsoft.com/office/powerpoint/2010/main" val="2840384846"/>
+      </p:ext>
+    </p:extLst>
+  </p:cSld>
+  <p:clrMapOvr>
+    <a:masterClrMapping/>
+  </p:clrMapOvr>
 </p:sld>
 </file>
 
@@ -4066,7 +4133,7 @@
           <p:cNvPr id="4" name="Rectangle 3">
             <a:extLst>
               <a:ext uri="{FF2B5EF4-FFF2-40B4-BE49-F238E27FC236}">
-                <a16:creationId xmlns:a16="http://schemas.microsoft.com/office/drawing/2014/main" xmlns="" id="{B952EAF2-0A12-43B9-9045-FF6DF05D9554}"/>
+                <a16:creationId xmlns:a16="http://schemas.microsoft.com/office/drawing/2014/main" id="{B952EAF2-0A12-43B9-9045-FF6DF05D9554}"/>
               </a:ext>
             </a:extLst>
           </p:cNvPr>
@@ -4112,7 +4179,7 @@
           <a:lstStyle/>
           <a:p>
             <a:pPr algn="ctr"/>
-            <a:endParaRPr lang="en-GB"/>
+            <a:endParaRPr lang="en-GB" dirty="0"/>
           </a:p>
         </p:txBody>
       </p:sp>
@@ -4121,7 +4188,7 @@
           <p:cNvPr id="6" name="Rectangle 5">
             <a:extLst>
               <a:ext uri="{FF2B5EF4-FFF2-40B4-BE49-F238E27FC236}">
-                <a16:creationId xmlns:a16="http://schemas.microsoft.com/office/drawing/2014/main" xmlns="" id="{BB1785C5-707A-4CE9-BBBE-93504DA2B416}"/>
+                <a16:creationId xmlns:a16="http://schemas.microsoft.com/office/drawing/2014/main" id="{BB1785C5-707A-4CE9-BBBE-93504DA2B416}"/>
               </a:ext>
             </a:extLst>
           </p:cNvPr>
@@ -4164,7 +4231,7 @@
           <a:lstStyle/>
           <a:p>
             <a:pPr algn="ctr"/>
-            <a:endParaRPr lang="en-GB"/>
+            <a:endParaRPr lang="en-GB" dirty="0"/>
           </a:p>
         </p:txBody>
       </p:sp>
@@ -4173,7 +4240,7 @@
           <p:cNvPr id="8" name="Right Triangle 7">
             <a:extLst>
               <a:ext uri="{FF2B5EF4-FFF2-40B4-BE49-F238E27FC236}">
-                <a16:creationId xmlns:a16="http://schemas.microsoft.com/office/drawing/2014/main" xmlns="" id="{A2D6DE3E-4399-4E4A-B4D0-6B24E5925A58}"/>
+                <a16:creationId xmlns:a16="http://schemas.microsoft.com/office/drawing/2014/main" id="{A2D6DE3E-4399-4E4A-B4D0-6B24E5925A58}"/>
               </a:ext>
             </a:extLst>
           </p:cNvPr>
@@ -4218,7 +4285,7 @@
           <a:lstStyle/>
           <a:p>
             <a:pPr algn="ctr"/>
-            <a:endParaRPr lang="en-GB"/>
+            <a:endParaRPr lang="en-GB" dirty="0"/>
           </a:p>
         </p:txBody>
       </p:sp>
@@ -4227,7 +4294,7 @@
           <p:cNvPr id="9" name="Right Triangle 8">
             <a:extLst>
               <a:ext uri="{FF2B5EF4-FFF2-40B4-BE49-F238E27FC236}">
-                <a16:creationId xmlns:a16="http://schemas.microsoft.com/office/drawing/2014/main" xmlns="" id="{4492A67D-306C-40E5-A188-25C5B2E8E60E}"/>
+                <a16:creationId xmlns:a16="http://schemas.microsoft.com/office/drawing/2014/main" id="{4492A67D-306C-40E5-A188-25C5B2E8E60E}"/>
               </a:ext>
             </a:extLst>
           </p:cNvPr>
@@ -4270,7 +4337,7 @@
           <a:lstStyle/>
           <a:p>
             <a:pPr algn="ctr"/>
-            <a:endParaRPr lang="en-GB"/>
+            <a:endParaRPr lang="en-GB" dirty="0"/>
           </a:p>
         </p:txBody>
       </p:sp>
@@ -4279,7 +4346,7 @@
           <p:cNvPr id="10" name="Group 9">
             <a:extLst>
               <a:ext uri="{FF2B5EF4-FFF2-40B4-BE49-F238E27FC236}">
-                <a16:creationId xmlns:a16="http://schemas.microsoft.com/office/drawing/2014/main" xmlns="" id="{7240A447-BF0B-4888-ADEE-D2144CBECB04}"/>
+                <a16:creationId xmlns:a16="http://schemas.microsoft.com/office/drawing/2014/main" id="{7240A447-BF0B-4888-ADEE-D2144CBECB04}"/>
               </a:ext>
             </a:extLst>
           </p:cNvPr>
@@ -4299,7 +4366,7 @@
             <p:cNvPr id="11" name="Oval 10">
               <a:extLst>
                 <a:ext uri="{FF2B5EF4-FFF2-40B4-BE49-F238E27FC236}">
-                  <a16:creationId xmlns:a16="http://schemas.microsoft.com/office/drawing/2014/main" xmlns="" id="{B9E483EF-C8ED-4317-9444-C6D60D009609}"/>
+                  <a16:creationId xmlns:a16="http://schemas.microsoft.com/office/drawing/2014/main" id="{B9E483EF-C8ED-4317-9444-C6D60D009609}"/>
                 </a:ext>
               </a:extLst>
             </p:cNvPr>
@@ -4344,7 +4411,7 @@
             <a:lstStyle/>
             <a:p>
               <a:pPr algn="ctr"/>
-              <a:endParaRPr lang="en-GB" sz="800"/>
+              <a:endParaRPr lang="en-GB" sz="800" dirty="0"/>
             </a:p>
           </p:txBody>
         </p:sp>
@@ -4353,7 +4420,7 @@
             <p:cNvPr id="12" name="Oval 11">
               <a:extLst>
                 <a:ext uri="{FF2B5EF4-FFF2-40B4-BE49-F238E27FC236}">
-                  <a16:creationId xmlns:a16="http://schemas.microsoft.com/office/drawing/2014/main" xmlns="" id="{F5DC7E25-2E03-4DE0-8320-080C922B65CE}"/>
+                  <a16:creationId xmlns:a16="http://schemas.microsoft.com/office/drawing/2014/main" id="{F5DC7E25-2E03-4DE0-8320-080C922B65CE}"/>
                 </a:ext>
               </a:extLst>
             </p:cNvPr>
@@ -4398,7 +4465,7 @@
             <a:lstStyle/>
             <a:p>
               <a:pPr algn="ctr"/>
-              <a:endParaRPr lang="en-GB" sz="800"/>
+              <a:endParaRPr lang="en-GB" sz="800" dirty="0"/>
             </a:p>
           </p:txBody>
         </p:sp>
@@ -4407,7 +4474,7 @@
             <p:cNvPr id="13" name="Rectangle 12">
               <a:extLst>
                 <a:ext uri="{FF2B5EF4-FFF2-40B4-BE49-F238E27FC236}">
-                  <a16:creationId xmlns:a16="http://schemas.microsoft.com/office/drawing/2014/main" xmlns="" id="{DFA46352-C925-404B-9D8C-89CD61D2ADB4}"/>
+                  <a16:creationId xmlns:a16="http://schemas.microsoft.com/office/drawing/2014/main" id="{DFA46352-C925-404B-9D8C-89CD61D2ADB4}"/>
                 </a:ext>
               </a:extLst>
             </p:cNvPr>
@@ -4455,7 +4522,7 @@
             <a:lstStyle/>
             <a:p>
               <a:pPr algn="ctr"/>
-              <a:endParaRPr lang="en-GB" sz="800"/>
+              <a:endParaRPr lang="en-GB" sz="800" dirty="0"/>
             </a:p>
           </p:txBody>
         </p:sp>
@@ -4464,7 +4531,7 @@
             <p:cNvPr id="14" name="Rectangle: Rounded Corners 13">
               <a:extLst>
                 <a:ext uri="{FF2B5EF4-FFF2-40B4-BE49-F238E27FC236}">
-                  <a16:creationId xmlns:a16="http://schemas.microsoft.com/office/drawing/2014/main" xmlns="" id="{2D21F57D-E5CB-4BE7-B1D9-E4F1E8554796}"/>
+                  <a16:creationId xmlns:a16="http://schemas.microsoft.com/office/drawing/2014/main" id="{2D21F57D-E5CB-4BE7-B1D9-E4F1E8554796}"/>
                 </a:ext>
               </a:extLst>
             </p:cNvPr>
@@ -4514,7 +4581,7 @@
             <a:lstStyle/>
             <a:p>
               <a:pPr algn="ctr"/>
-              <a:endParaRPr lang="en-GB" sz="800"/>
+              <a:endParaRPr lang="en-GB" sz="800" dirty="0"/>
             </a:p>
           </p:txBody>
         </p:sp>
@@ -4524,7 +4591,7 @@
           <p:cNvPr id="16" name="Cloud 15">
             <a:extLst>
               <a:ext uri="{FF2B5EF4-FFF2-40B4-BE49-F238E27FC236}">
-                <a16:creationId xmlns:a16="http://schemas.microsoft.com/office/drawing/2014/main" xmlns="" id="{2CE27498-5023-4903-B058-E42EFEAA038E}"/>
+                <a16:creationId xmlns:a16="http://schemas.microsoft.com/office/drawing/2014/main" id="{2CE27498-5023-4903-B058-E42EFEAA038E}"/>
               </a:ext>
             </a:extLst>
           </p:cNvPr>
@@ -4572,7 +4639,7 @@
           <a:lstStyle/>
           <a:p>
             <a:pPr algn="ctr"/>
-            <a:endParaRPr lang="en-GB"/>
+            <a:endParaRPr lang="en-GB" dirty="0"/>
           </a:p>
         </p:txBody>
       </p:sp>
@@ -4581,7 +4648,7 @@
           <p:cNvPr id="5" name="Rectangle 4">
             <a:extLst>
               <a:ext uri="{FF2B5EF4-FFF2-40B4-BE49-F238E27FC236}">
-                <a16:creationId xmlns:a16="http://schemas.microsoft.com/office/drawing/2014/main" xmlns="" id="{54780F52-5C75-483F-A096-AE5FC390B8FA}"/>
+                <a16:creationId xmlns:a16="http://schemas.microsoft.com/office/drawing/2014/main" id="{54780F52-5C75-483F-A096-AE5FC390B8FA}"/>
               </a:ext>
             </a:extLst>
           </p:cNvPr>
@@ -4628,7 +4695,7 @@
           <a:lstStyle/>
           <a:p>
             <a:pPr algn="ctr"/>
-            <a:endParaRPr lang="en-GB"/>
+            <a:endParaRPr lang="en-GB" dirty="0"/>
           </a:p>
         </p:txBody>
       </p:sp>
@@ -4642,13 +4709,6 @@
   <p:clrMapOvr>
     <a:masterClrMapping/>
   </p:clrMapOvr>
-  <p:timing>
-    <p:tnLst>
-      <p:par>
-        <p:cTn id="1" dur="indefinite" restart="never" nodeType="tmRoot"/>
-      </p:par>
-    </p:tnLst>
-  </p:timing>
 </p:sld>
 </file>
 
@@ -4674,7 +4734,7 @@
           <p:cNvPr id="21" name="Rectangle 20">
             <a:extLst>
               <a:ext uri="{FF2B5EF4-FFF2-40B4-BE49-F238E27FC236}">
-                <a16:creationId xmlns:a16="http://schemas.microsoft.com/office/drawing/2014/main" xmlns="" id="{BD25B3EC-DB4C-4497-8FF5-572ABA1DC4C4}"/>
+                <a16:creationId xmlns:a16="http://schemas.microsoft.com/office/drawing/2014/main" id="{BD25B3EC-DB4C-4497-8FF5-572ABA1DC4C4}"/>
               </a:ext>
             </a:extLst>
           </p:cNvPr>
@@ -4717,7 +4777,7 @@
           <a:lstStyle/>
           <a:p>
             <a:pPr algn="ctr"/>
-            <a:endParaRPr lang="en-GB"/>
+            <a:endParaRPr lang="en-GB" dirty="0"/>
           </a:p>
         </p:txBody>
       </p:sp>
@@ -4726,7 +4786,7 @@
           <p:cNvPr id="20" name="Group 19">
             <a:extLst>
               <a:ext uri="{FF2B5EF4-FFF2-40B4-BE49-F238E27FC236}">
-                <a16:creationId xmlns:a16="http://schemas.microsoft.com/office/drawing/2014/main" xmlns="" id="{E9C4BE0C-8811-440A-A293-0B74E20CB15B}"/>
+                <a16:creationId xmlns:a16="http://schemas.microsoft.com/office/drawing/2014/main" id="{E9C4BE0C-8811-440A-A293-0B74E20CB15B}"/>
               </a:ext>
             </a:extLst>
           </p:cNvPr>
@@ -4746,7 +4806,7 @@
             <p:cNvPr id="14" name="Rectangle: Rounded Corners 13">
               <a:extLst>
                 <a:ext uri="{FF2B5EF4-FFF2-40B4-BE49-F238E27FC236}">
-                  <a16:creationId xmlns:a16="http://schemas.microsoft.com/office/drawing/2014/main" xmlns="" id="{F7D747E1-5321-4917-83A5-2C97927CE3D9}"/>
+                  <a16:creationId xmlns:a16="http://schemas.microsoft.com/office/drawing/2014/main" id="{F7D747E1-5321-4917-83A5-2C97927CE3D9}"/>
                 </a:ext>
               </a:extLst>
             </p:cNvPr>
@@ -4796,7 +4856,7 @@
             <a:lstStyle/>
             <a:p>
               <a:pPr algn="ctr"/>
-              <a:endParaRPr lang="en-GB"/>
+              <a:endParaRPr lang="en-GB" dirty="0"/>
             </a:p>
           </p:txBody>
         </p:sp>
@@ -4805,7 +4865,7 @@
             <p:cNvPr id="19" name="Rectangle: Rounded Corners 18">
               <a:extLst>
                 <a:ext uri="{FF2B5EF4-FFF2-40B4-BE49-F238E27FC236}">
-                  <a16:creationId xmlns:a16="http://schemas.microsoft.com/office/drawing/2014/main" xmlns="" id="{0F5F2F2C-752A-4F44-802C-BBB45CAC38B4}"/>
+                  <a16:creationId xmlns:a16="http://schemas.microsoft.com/office/drawing/2014/main" id="{0F5F2F2C-752A-4F44-802C-BBB45CAC38B4}"/>
                 </a:ext>
               </a:extLst>
             </p:cNvPr>
@@ -4855,7 +4915,7 @@
             <a:lstStyle/>
             <a:p>
               <a:pPr algn="ctr"/>
-              <a:endParaRPr lang="en-GB"/>
+              <a:endParaRPr lang="en-GB" dirty="0"/>
             </a:p>
           </p:txBody>
         </p:sp>
@@ -4864,7 +4924,7 @@
             <p:cNvPr id="13" name="Rectangle 12">
               <a:extLst>
                 <a:ext uri="{FF2B5EF4-FFF2-40B4-BE49-F238E27FC236}">
-                  <a16:creationId xmlns:a16="http://schemas.microsoft.com/office/drawing/2014/main" xmlns="" id="{F3690F3F-1F02-439A-A3F7-6E4692B1FE3F}"/>
+                  <a16:creationId xmlns:a16="http://schemas.microsoft.com/office/drawing/2014/main" id="{F3690F3F-1F02-439A-A3F7-6E4692B1FE3F}"/>
                 </a:ext>
               </a:extLst>
             </p:cNvPr>
@@ -4912,7 +4972,7 @@
             <a:lstStyle/>
             <a:p>
               <a:pPr algn="ctr"/>
-              <a:endParaRPr lang="en-GB"/>
+              <a:endParaRPr lang="en-GB" dirty="0"/>
             </a:p>
           </p:txBody>
         </p:sp>
@@ -4921,7 +4981,7 @@
             <p:cNvPr id="11" name="Oval 10">
               <a:extLst>
                 <a:ext uri="{FF2B5EF4-FFF2-40B4-BE49-F238E27FC236}">
-                  <a16:creationId xmlns:a16="http://schemas.microsoft.com/office/drawing/2014/main" xmlns="" id="{A0D0750E-85C8-46C7-A66D-0F4E01652F18}"/>
+                  <a16:creationId xmlns:a16="http://schemas.microsoft.com/office/drawing/2014/main" id="{A0D0750E-85C8-46C7-A66D-0F4E01652F18}"/>
                 </a:ext>
               </a:extLst>
             </p:cNvPr>
@@ -4966,7 +5026,7 @@
             <a:lstStyle/>
             <a:p>
               <a:pPr algn="ctr"/>
-              <a:endParaRPr lang="en-GB"/>
+              <a:endParaRPr lang="en-GB" dirty="0"/>
             </a:p>
           </p:txBody>
         </p:sp>
@@ -4975,7 +5035,7 @@
             <p:cNvPr id="12" name="Oval 11">
               <a:extLst>
                 <a:ext uri="{FF2B5EF4-FFF2-40B4-BE49-F238E27FC236}">
-                  <a16:creationId xmlns:a16="http://schemas.microsoft.com/office/drawing/2014/main" xmlns="" id="{8026C938-56CA-447F-968E-67A1FE5611D7}"/>
+                  <a16:creationId xmlns:a16="http://schemas.microsoft.com/office/drawing/2014/main" id="{8026C938-56CA-447F-968E-67A1FE5611D7}"/>
                 </a:ext>
               </a:extLst>
             </p:cNvPr>
@@ -5020,7 +5080,7 @@
             <a:lstStyle/>
             <a:p>
               <a:pPr algn="ctr"/>
-              <a:endParaRPr lang="en-GB"/>
+              <a:endParaRPr lang="en-GB" dirty="0"/>
             </a:p>
           </p:txBody>
         </p:sp>
@@ -5030,7 +5090,7 @@
           <p:cNvPr id="22" name="Cloud 21">
             <a:extLst>
               <a:ext uri="{FF2B5EF4-FFF2-40B4-BE49-F238E27FC236}">
-                <a16:creationId xmlns:a16="http://schemas.microsoft.com/office/drawing/2014/main" xmlns="" id="{7816433F-6710-4BE4-96DD-713A55E9C120}"/>
+                <a16:creationId xmlns:a16="http://schemas.microsoft.com/office/drawing/2014/main" id="{7816433F-6710-4BE4-96DD-713A55E9C120}"/>
               </a:ext>
             </a:extLst>
           </p:cNvPr>
@@ -5078,7 +5138,7 @@
           <a:lstStyle/>
           <a:p>
             <a:pPr algn="ctr"/>
-            <a:endParaRPr lang="en-GB"/>
+            <a:endParaRPr lang="en-GB" dirty="0"/>
           </a:p>
         </p:txBody>
       </p:sp>
@@ -5092,13 +5152,6 @@
   <p:clrMapOvr>
     <a:masterClrMapping/>
   </p:clrMapOvr>
-  <p:timing>
-    <p:tnLst>
-      <p:par>
-        <p:cTn id="1" dur="indefinite" restart="never" nodeType="tmRoot"/>
-      </p:par>
-    </p:tnLst>
-  </p:timing>
 </p:sld>
 </file>
 
@@ -5124,7 +5177,7 @@
           <p:cNvPr id="21" name="Rectangle 20">
             <a:extLst>
               <a:ext uri="{FF2B5EF4-FFF2-40B4-BE49-F238E27FC236}">
-                <a16:creationId xmlns:a16="http://schemas.microsoft.com/office/drawing/2014/main" xmlns="" id="{BD25B3EC-DB4C-4497-8FF5-572ABA1DC4C4}"/>
+                <a16:creationId xmlns:a16="http://schemas.microsoft.com/office/drawing/2014/main" id="{BD25B3EC-DB4C-4497-8FF5-572ABA1DC4C4}"/>
               </a:ext>
             </a:extLst>
           </p:cNvPr>
@@ -5167,7 +5220,7 @@
           <a:lstStyle/>
           <a:p>
             <a:pPr algn="ctr"/>
-            <a:endParaRPr lang="en-GB"/>
+            <a:endParaRPr lang="en-GB" dirty="0"/>
           </a:p>
         </p:txBody>
       </p:sp>
@@ -5176,7 +5229,7 @@
           <p:cNvPr id="20" name="Group 19">
             <a:extLst>
               <a:ext uri="{FF2B5EF4-FFF2-40B4-BE49-F238E27FC236}">
-                <a16:creationId xmlns:a16="http://schemas.microsoft.com/office/drawing/2014/main" xmlns="" id="{E9C4BE0C-8811-440A-A293-0B74E20CB15B}"/>
+                <a16:creationId xmlns:a16="http://schemas.microsoft.com/office/drawing/2014/main" id="{E9C4BE0C-8811-440A-A293-0B74E20CB15B}"/>
               </a:ext>
             </a:extLst>
           </p:cNvPr>
@@ -5196,7 +5249,7 @@
             <p:cNvPr id="14" name="Rectangle: Rounded Corners 13">
               <a:extLst>
                 <a:ext uri="{FF2B5EF4-FFF2-40B4-BE49-F238E27FC236}">
-                  <a16:creationId xmlns:a16="http://schemas.microsoft.com/office/drawing/2014/main" xmlns="" id="{F7D747E1-5321-4917-83A5-2C97927CE3D9}"/>
+                  <a16:creationId xmlns:a16="http://schemas.microsoft.com/office/drawing/2014/main" id="{F7D747E1-5321-4917-83A5-2C97927CE3D9}"/>
                 </a:ext>
               </a:extLst>
             </p:cNvPr>
@@ -5246,7 +5299,7 @@
             <a:lstStyle/>
             <a:p>
               <a:pPr algn="ctr"/>
-              <a:endParaRPr lang="en-GB"/>
+              <a:endParaRPr lang="en-GB" dirty="0"/>
             </a:p>
           </p:txBody>
         </p:sp>
@@ -5255,7 +5308,7 @@
             <p:cNvPr id="19" name="Rectangle: Rounded Corners 18">
               <a:extLst>
                 <a:ext uri="{FF2B5EF4-FFF2-40B4-BE49-F238E27FC236}">
-                  <a16:creationId xmlns:a16="http://schemas.microsoft.com/office/drawing/2014/main" xmlns="" id="{0F5F2F2C-752A-4F44-802C-BBB45CAC38B4}"/>
+                  <a16:creationId xmlns:a16="http://schemas.microsoft.com/office/drawing/2014/main" id="{0F5F2F2C-752A-4F44-802C-BBB45CAC38B4}"/>
                 </a:ext>
               </a:extLst>
             </p:cNvPr>
@@ -5305,7 +5358,7 @@
             <a:lstStyle/>
             <a:p>
               <a:pPr algn="ctr"/>
-              <a:endParaRPr lang="en-GB"/>
+              <a:endParaRPr lang="en-GB" dirty="0"/>
             </a:p>
           </p:txBody>
         </p:sp>
@@ -5314,7 +5367,7 @@
             <p:cNvPr id="13" name="Rectangle 12">
               <a:extLst>
                 <a:ext uri="{FF2B5EF4-FFF2-40B4-BE49-F238E27FC236}">
-                  <a16:creationId xmlns:a16="http://schemas.microsoft.com/office/drawing/2014/main" xmlns="" id="{F3690F3F-1F02-439A-A3F7-6E4692B1FE3F}"/>
+                  <a16:creationId xmlns:a16="http://schemas.microsoft.com/office/drawing/2014/main" id="{F3690F3F-1F02-439A-A3F7-6E4692B1FE3F}"/>
                 </a:ext>
               </a:extLst>
             </p:cNvPr>
@@ -5362,7 +5415,7 @@
             <a:lstStyle/>
             <a:p>
               <a:pPr algn="ctr"/>
-              <a:endParaRPr lang="en-GB"/>
+              <a:endParaRPr lang="en-GB" dirty="0"/>
             </a:p>
           </p:txBody>
         </p:sp>
@@ -5371,7 +5424,7 @@
             <p:cNvPr id="11" name="Oval 10">
               <a:extLst>
                 <a:ext uri="{FF2B5EF4-FFF2-40B4-BE49-F238E27FC236}">
-                  <a16:creationId xmlns:a16="http://schemas.microsoft.com/office/drawing/2014/main" xmlns="" id="{A0D0750E-85C8-46C7-A66D-0F4E01652F18}"/>
+                  <a16:creationId xmlns:a16="http://schemas.microsoft.com/office/drawing/2014/main" id="{A0D0750E-85C8-46C7-A66D-0F4E01652F18}"/>
                 </a:ext>
               </a:extLst>
             </p:cNvPr>
@@ -5416,7 +5469,7 @@
             <a:lstStyle/>
             <a:p>
               <a:pPr algn="ctr"/>
-              <a:endParaRPr lang="en-GB"/>
+              <a:endParaRPr lang="en-GB" dirty="0"/>
             </a:p>
           </p:txBody>
         </p:sp>
@@ -5425,7 +5478,7 @@
             <p:cNvPr id="12" name="Oval 11">
               <a:extLst>
                 <a:ext uri="{FF2B5EF4-FFF2-40B4-BE49-F238E27FC236}">
-                  <a16:creationId xmlns:a16="http://schemas.microsoft.com/office/drawing/2014/main" xmlns="" id="{8026C938-56CA-447F-968E-67A1FE5611D7}"/>
+                  <a16:creationId xmlns:a16="http://schemas.microsoft.com/office/drawing/2014/main" id="{8026C938-56CA-447F-968E-67A1FE5611D7}"/>
                 </a:ext>
               </a:extLst>
             </p:cNvPr>
@@ -5470,7 +5523,7 @@
             <a:lstStyle/>
             <a:p>
               <a:pPr algn="ctr"/>
-              <a:endParaRPr lang="en-GB"/>
+              <a:endParaRPr lang="en-GB" dirty="0"/>
             </a:p>
           </p:txBody>
         </p:sp>
@@ -5480,7 +5533,7 @@
           <p:cNvPr id="22" name="Cloud 21">
             <a:extLst>
               <a:ext uri="{FF2B5EF4-FFF2-40B4-BE49-F238E27FC236}">
-                <a16:creationId xmlns:a16="http://schemas.microsoft.com/office/drawing/2014/main" xmlns="" id="{7816433F-6710-4BE4-96DD-713A55E9C120}"/>
+                <a16:creationId xmlns:a16="http://schemas.microsoft.com/office/drawing/2014/main" id="{7816433F-6710-4BE4-96DD-713A55E9C120}"/>
               </a:ext>
             </a:extLst>
           </p:cNvPr>
@@ -5528,7 +5581,7 @@
           <a:lstStyle/>
           <a:p>
             <a:pPr algn="ctr"/>
-            <a:endParaRPr lang="en-GB"/>
+            <a:endParaRPr lang="en-GB" dirty="0"/>
           </a:p>
         </p:txBody>
       </p:sp>
@@ -5537,7 +5590,7 @@
           <p:cNvPr id="18" name="Rectangle 17">
             <a:extLst>
               <a:ext uri="{FF2B5EF4-FFF2-40B4-BE49-F238E27FC236}">
-                <a16:creationId xmlns:a16="http://schemas.microsoft.com/office/drawing/2014/main" xmlns="" id="{1691F04F-5542-4138-AE32-C7ABDADEDD48}"/>
+                <a16:creationId xmlns:a16="http://schemas.microsoft.com/office/drawing/2014/main" id="{1691F04F-5542-4138-AE32-C7ABDADEDD48}"/>
               </a:ext>
             </a:extLst>
           </p:cNvPr>
@@ -5582,7 +5635,7 @@
           <a:lstStyle/>
           <a:p>
             <a:pPr algn="ctr"/>
-            <a:endParaRPr lang="en-GB"/>
+            <a:endParaRPr lang="en-GB" dirty="0"/>
           </a:p>
         </p:txBody>
       </p:sp>
@@ -5591,7 +5644,7 @@
           <p:cNvPr id="23" name="Oval 22">
             <a:extLst>
               <a:ext uri="{FF2B5EF4-FFF2-40B4-BE49-F238E27FC236}">
-                <a16:creationId xmlns:a16="http://schemas.microsoft.com/office/drawing/2014/main" xmlns="" id="{68F7C2D4-7A61-481E-95A2-C3E0FF07CEB2}"/>
+                <a16:creationId xmlns:a16="http://schemas.microsoft.com/office/drawing/2014/main" id="{68F7C2D4-7A61-481E-95A2-C3E0FF07CEB2}"/>
               </a:ext>
             </a:extLst>
           </p:cNvPr>
@@ -5636,7 +5689,7 @@
           <a:lstStyle/>
           <a:p>
             <a:pPr algn="ctr"/>
-            <a:endParaRPr lang="en-GB"/>
+            <a:endParaRPr lang="en-GB" dirty="0"/>
           </a:p>
         </p:txBody>
       </p:sp>
@@ -5645,7 +5698,7 @@
           <p:cNvPr id="24" name="Oval 23">
             <a:extLst>
               <a:ext uri="{FF2B5EF4-FFF2-40B4-BE49-F238E27FC236}">
-                <a16:creationId xmlns:a16="http://schemas.microsoft.com/office/drawing/2014/main" xmlns="" id="{39986F21-83F4-47B4-A190-C21573817676}"/>
+                <a16:creationId xmlns:a16="http://schemas.microsoft.com/office/drawing/2014/main" id="{39986F21-83F4-47B4-A190-C21573817676}"/>
               </a:ext>
             </a:extLst>
           </p:cNvPr>
@@ -5690,7 +5743,7 @@
           <a:lstStyle/>
           <a:p>
             <a:pPr algn="ctr"/>
-            <a:endParaRPr lang="en-GB"/>
+            <a:endParaRPr lang="en-GB" dirty="0"/>
           </a:p>
         </p:txBody>
       </p:sp>
@@ -5699,7 +5752,7 @@
           <p:cNvPr id="25" name="Oval 24">
             <a:extLst>
               <a:ext uri="{FF2B5EF4-FFF2-40B4-BE49-F238E27FC236}">
-                <a16:creationId xmlns:a16="http://schemas.microsoft.com/office/drawing/2014/main" xmlns="" id="{304F4A48-1083-4DC0-BBEA-AD2CB3155009}"/>
+                <a16:creationId xmlns:a16="http://schemas.microsoft.com/office/drawing/2014/main" id="{304F4A48-1083-4DC0-BBEA-AD2CB3155009}"/>
               </a:ext>
             </a:extLst>
           </p:cNvPr>
@@ -5744,7 +5797,7 @@
           <a:lstStyle/>
           <a:p>
             <a:pPr algn="ctr"/>
-            <a:endParaRPr lang="en-GB"/>
+            <a:endParaRPr lang="en-GB" dirty="0"/>
           </a:p>
         </p:txBody>
       </p:sp>
@@ -5758,13 +5811,6 @@
   <p:clrMapOvr>
     <a:masterClrMapping/>
   </p:clrMapOvr>
-  <p:timing>
-    <p:tnLst>
-      <p:par>
-        <p:cTn id="1" dur="indefinite" restart="never" nodeType="tmRoot"/>
-      </p:par>
-    </p:tnLst>
-  </p:timing>
 </p:sld>
 </file>
 
@@ -5790,7 +5836,7 @@
           <p:cNvPr id="21" name="Rectangle 20">
             <a:extLst>
               <a:ext uri="{FF2B5EF4-FFF2-40B4-BE49-F238E27FC236}">
-                <a16:creationId xmlns:a16="http://schemas.microsoft.com/office/drawing/2014/main" xmlns="" id="{BD25B3EC-DB4C-4497-8FF5-572ABA1DC4C4}"/>
+                <a16:creationId xmlns:a16="http://schemas.microsoft.com/office/drawing/2014/main" id="{BD25B3EC-DB4C-4497-8FF5-572ABA1DC4C4}"/>
               </a:ext>
             </a:extLst>
           </p:cNvPr>
@@ -5833,7 +5879,7 @@
           <a:lstStyle/>
           <a:p>
             <a:pPr algn="ctr"/>
-            <a:endParaRPr lang="en-GB"/>
+            <a:endParaRPr lang="en-GB" dirty="0"/>
           </a:p>
         </p:txBody>
       </p:sp>
@@ -5842,7 +5888,7 @@
           <p:cNvPr id="20" name="Group 19">
             <a:extLst>
               <a:ext uri="{FF2B5EF4-FFF2-40B4-BE49-F238E27FC236}">
-                <a16:creationId xmlns:a16="http://schemas.microsoft.com/office/drawing/2014/main" xmlns="" id="{E9C4BE0C-8811-440A-A293-0B74E20CB15B}"/>
+                <a16:creationId xmlns:a16="http://schemas.microsoft.com/office/drawing/2014/main" id="{E9C4BE0C-8811-440A-A293-0B74E20CB15B}"/>
               </a:ext>
             </a:extLst>
           </p:cNvPr>
@@ -5862,7 +5908,7 @@
             <p:cNvPr id="14" name="Rectangle: Rounded Corners 13">
               <a:extLst>
                 <a:ext uri="{FF2B5EF4-FFF2-40B4-BE49-F238E27FC236}">
-                  <a16:creationId xmlns:a16="http://schemas.microsoft.com/office/drawing/2014/main" xmlns="" id="{F7D747E1-5321-4917-83A5-2C97927CE3D9}"/>
+                  <a16:creationId xmlns:a16="http://schemas.microsoft.com/office/drawing/2014/main" id="{F7D747E1-5321-4917-83A5-2C97927CE3D9}"/>
                 </a:ext>
               </a:extLst>
             </p:cNvPr>
@@ -5912,7 +5958,7 @@
             <a:lstStyle/>
             <a:p>
               <a:pPr algn="ctr"/>
-              <a:endParaRPr lang="en-GB"/>
+              <a:endParaRPr lang="en-GB" dirty="0"/>
             </a:p>
           </p:txBody>
         </p:sp>
@@ -5921,7 +5967,7 @@
             <p:cNvPr id="19" name="Rectangle: Rounded Corners 18">
               <a:extLst>
                 <a:ext uri="{FF2B5EF4-FFF2-40B4-BE49-F238E27FC236}">
-                  <a16:creationId xmlns:a16="http://schemas.microsoft.com/office/drawing/2014/main" xmlns="" id="{0F5F2F2C-752A-4F44-802C-BBB45CAC38B4}"/>
+                  <a16:creationId xmlns:a16="http://schemas.microsoft.com/office/drawing/2014/main" id="{0F5F2F2C-752A-4F44-802C-BBB45CAC38B4}"/>
                 </a:ext>
               </a:extLst>
             </p:cNvPr>
@@ -5971,7 +6017,7 @@
             <a:lstStyle/>
             <a:p>
               <a:pPr algn="ctr"/>
-              <a:endParaRPr lang="en-GB"/>
+              <a:endParaRPr lang="en-GB" dirty="0"/>
             </a:p>
           </p:txBody>
         </p:sp>
@@ -5980,7 +6026,7 @@
             <p:cNvPr id="13" name="Rectangle 12">
               <a:extLst>
                 <a:ext uri="{FF2B5EF4-FFF2-40B4-BE49-F238E27FC236}">
-                  <a16:creationId xmlns:a16="http://schemas.microsoft.com/office/drawing/2014/main" xmlns="" id="{F3690F3F-1F02-439A-A3F7-6E4692B1FE3F}"/>
+                  <a16:creationId xmlns:a16="http://schemas.microsoft.com/office/drawing/2014/main" id="{F3690F3F-1F02-439A-A3F7-6E4692B1FE3F}"/>
                 </a:ext>
               </a:extLst>
             </p:cNvPr>
@@ -6028,7 +6074,7 @@
             <a:lstStyle/>
             <a:p>
               <a:pPr algn="ctr"/>
-              <a:endParaRPr lang="en-GB"/>
+              <a:endParaRPr lang="en-GB" dirty="0"/>
             </a:p>
           </p:txBody>
         </p:sp>
@@ -6037,7 +6083,7 @@
             <p:cNvPr id="11" name="Oval 10">
               <a:extLst>
                 <a:ext uri="{FF2B5EF4-FFF2-40B4-BE49-F238E27FC236}">
-                  <a16:creationId xmlns:a16="http://schemas.microsoft.com/office/drawing/2014/main" xmlns="" id="{A0D0750E-85C8-46C7-A66D-0F4E01652F18}"/>
+                  <a16:creationId xmlns:a16="http://schemas.microsoft.com/office/drawing/2014/main" id="{A0D0750E-85C8-46C7-A66D-0F4E01652F18}"/>
                 </a:ext>
               </a:extLst>
             </p:cNvPr>
@@ -6082,7 +6128,7 @@
             <a:lstStyle/>
             <a:p>
               <a:pPr algn="ctr"/>
-              <a:endParaRPr lang="en-GB"/>
+              <a:endParaRPr lang="en-GB" dirty="0"/>
             </a:p>
           </p:txBody>
         </p:sp>
@@ -6091,7 +6137,7 @@
             <p:cNvPr id="12" name="Oval 11">
               <a:extLst>
                 <a:ext uri="{FF2B5EF4-FFF2-40B4-BE49-F238E27FC236}">
-                  <a16:creationId xmlns:a16="http://schemas.microsoft.com/office/drawing/2014/main" xmlns="" id="{8026C938-56CA-447F-968E-67A1FE5611D7}"/>
+                  <a16:creationId xmlns:a16="http://schemas.microsoft.com/office/drawing/2014/main" id="{8026C938-56CA-447F-968E-67A1FE5611D7}"/>
                 </a:ext>
               </a:extLst>
             </p:cNvPr>
@@ -6136,7 +6182,7 @@
             <a:lstStyle/>
             <a:p>
               <a:pPr algn="ctr"/>
-              <a:endParaRPr lang="en-GB"/>
+              <a:endParaRPr lang="en-GB" dirty="0"/>
             </a:p>
           </p:txBody>
         </p:sp>
@@ -6146,7 +6192,7 @@
           <p:cNvPr id="22" name="Cloud 21">
             <a:extLst>
               <a:ext uri="{FF2B5EF4-FFF2-40B4-BE49-F238E27FC236}">
-                <a16:creationId xmlns:a16="http://schemas.microsoft.com/office/drawing/2014/main" xmlns="" id="{7816433F-6710-4BE4-96DD-713A55E9C120}"/>
+                <a16:creationId xmlns:a16="http://schemas.microsoft.com/office/drawing/2014/main" id="{7816433F-6710-4BE4-96DD-713A55E9C120}"/>
               </a:ext>
             </a:extLst>
           </p:cNvPr>
@@ -6194,7 +6240,7 @@
           <a:lstStyle/>
           <a:p>
             <a:pPr algn="ctr"/>
-            <a:endParaRPr lang="en-GB"/>
+            <a:endParaRPr lang="en-GB" dirty="0"/>
           </a:p>
         </p:txBody>
       </p:sp>
@@ -6203,7 +6249,7 @@
           <p:cNvPr id="18" name="Rectangle 17">
             <a:extLst>
               <a:ext uri="{FF2B5EF4-FFF2-40B4-BE49-F238E27FC236}">
-                <a16:creationId xmlns:a16="http://schemas.microsoft.com/office/drawing/2014/main" xmlns="" id="{1691F04F-5542-4138-AE32-C7ABDADEDD48}"/>
+                <a16:creationId xmlns:a16="http://schemas.microsoft.com/office/drawing/2014/main" id="{1691F04F-5542-4138-AE32-C7ABDADEDD48}"/>
               </a:ext>
             </a:extLst>
           </p:cNvPr>
@@ -6248,7 +6294,7 @@
           <a:lstStyle/>
           <a:p>
             <a:pPr algn="ctr"/>
-            <a:endParaRPr lang="en-GB"/>
+            <a:endParaRPr lang="en-GB" dirty="0"/>
           </a:p>
         </p:txBody>
       </p:sp>
@@ -6257,7 +6303,7 @@
           <p:cNvPr id="24" name="Oval 23">
             <a:extLst>
               <a:ext uri="{FF2B5EF4-FFF2-40B4-BE49-F238E27FC236}">
-                <a16:creationId xmlns:a16="http://schemas.microsoft.com/office/drawing/2014/main" xmlns="" id="{39986F21-83F4-47B4-A190-C21573817676}"/>
+                <a16:creationId xmlns:a16="http://schemas.microsoft.com/office/drawing/2014/main" id="{39986F21-83F4-47B4-A190-C21573817676}"/>
               </a:ext>
             </a:extLst>
           </p:cNvPr>
@@ -6302,7 +6348,7 @@
           <a:lstStyle/>
           <a:p>
             <a:pPr algn="ctr"/>
-            <a:endParaRPr lang="en-GB"/>
+            <a:endParaRPr lang="en-GB" dirty="0"/>
           </a:p>
         </p:txBody>
       </p:sp>
@@ -6311,7 +6357,7 @@
           <p:cNvPr id="3" name="Straight Connector 2">
             <a:extLst>
               <a:ext uri="{FF2B5EF4-FFF2-40B4-BE49-F238E27FC236}">
-                <a16:creationId xmlns:a16="http://schemas.microsoft.com/office/drawing/2014/main" xmlns="" id="{D4FE5C44-DB15-43D7-861A-9E8E750611FA}"/>
+                <a16:creationId xmlns:a16="http://schemas.microsoft.com/office/drawing/2014/main" id="{D4FE5C44-DB15-43D7-861A-9E8E750611FA}"/>
               </a:ext>
             </a:extLst>
           </p:cNvPr>
@@ -6354,7 +6400,7 @@
           <p:cNvPr id="23" name="Oval 22">
             <a:extLst>
               <a:ext uri="{FF2B5EF4-FFF2-40B4-BE49-F238E27FC236}">
-                <a16:creationId xmlns:a16="http://schemas.microsoft.com/office/drawing/2014/main" xmlns="" id="{68F7C2D4-7A61-481E-95A2-C3E0FF07CEB2}"/>
+                <a16:creationId xmlns:a16="http://schemas.microsoft.com/office/drawing/2014/main" id="{68F7C2D4-7A61-481E-95A2-C3E0FF07CEB2}"/>
               </a:ext>
             </a:extLst>
           </p:cNvPr>
@@ -6399,7 +6445,7 @@
           <a:lstStyle/>
           <a:p>
             <a:pPr algn="ctr"/>
-            <a:endParaRPr lang="en-GB"/>
+            <a:endParaRPr lang="en-GB" dirty="0"/>
           </a:p>
         </p:txBody>
       </p:sp>
@@ -6408,7 +6454,7 @@
           <p:cNvPr id="25" name="Oval 24">
             <a:extLst>
               <a:ext uri="{FF2B5EF4-FFF2-40B4-BE49-F238E27FC236}">
-                <a16:creationId xmlns:a16="http://schemas.microsoft.com/office/drawing/2014/main" xmlns="" id="{304F4A48-1083-4DC0-BBEA-AD2CB3155009}"/>
+                <a16:creationId xmlns:a16="http://schemas.microsoft.com/office/drawing/2014/main" id="{304F4A48-1083-4DC0-BBEA-AD2CB3155009}"/>
               </a:ext>
             </a:extLst>
           </p:cNvPr>
@@ -6453,7 +6499,7 @@
           <a:lstStyle/>
           <a:p>
             <a:pPr algn="ctr"/>
-            <a:endParaRPr lang="en-GB"/>
+            <a:endParaRPr lang="en-GB" dirty="0"/>
           </a:p>
         </p:txBody>
       </p:sp>
@@ -6462,7 +6508,7 @@
           <p:cNvPr id="5" name="Straight Connector 4">
             <a:extLst>
               <a:ext uri="{FF2B5EF4-FFF2-40B4-BE49-F238E27FC236}">
-                <a16:creationId xmlns:a16="http://schemas.microsoft.com/office/drawing/2014/main" xmlns="" id="{86723112-7FE1-441F-9F8A-F889DE6EF386}"/>
+                <a16:creationId xmlns:a16="http://schemas.microsoft.com/office/drawing/2014/main" id="{86723112-7FE1-441F-9F8A-F889DE6EF386}"/>
               </a:ext>
             </a:extLst>
           </p:cNvPr>
@@ -6505,7 +6551,7 @@
           <p:cNvPr id="8" name="Arrow: Right 7">
             <a:extLst>
               <a:ext uri="{FF2B5EF4-FFF2-40B4-BE49-F238E27FC236}">
-                <a16:creationId xmlns:a16="http://schemas.microsoft.com/office/drawing/2014/main" xmlns="" id="{902D70E0-C0D5-495D-81FF-8718930F7553}"/>
+                <a16:creationId xmlns:a16="http://schemas.microsoft.com/office/drawing/2014/main" id="{902D70E0-C0D5-495D-81FF-8718930F7553}"/>
               </a:ext>
             </a:extLst>
           </p:cNvPr>
@@ -6551,7 +6597,7 @@
           <a:lstStyle/>
           <a:p>
             <a:pPr algn="ctr"/>
-            <a:endParaRPr lang="en-GB"/>
+            <a:endParaRPr lang="en-GB" dirty="0"/>
           </a:p>
         </p:txBody>
       </p:sp>
@@ -6565,13 +6611,6 @@
   <p:clrMapOvr>
     <a:masterClrMapping/>
   </p:clrMapOvr>
-  <p:timing>
-    <p:tnLst>
-      <p:par>
-        <p:cTn id="1" dur="indefinite" restart="never" nodeType="tmRoot"/>
-      </p:par>
-    </p:tnLst>
-  </p:timing>
 </p:sld>
 </file>
 
@@ -6597,7 +6636,7 @@
           <p:cNvPr id="21" name="Rectangle 20">
             <a:extLst>
               <a:ext uri="{FF2B5EF4-FFF2-40B4-BE49-F238E27FC236}">
-                <a16:creationId xmlns:a16="http://schemas.microsoft.com/office/drawing/2014/main" xmlns="" id="{BD25B3EC-DB4C-4497-8FF5-572ABA1DC4C4}"/>
+                <a16:creationId xmlns:a16="http://schemas.microsoft.com/office/drawing/2014/main" id="{BD25B3EC-DB4C-4497-8FF5-572ABA1DC4C4}"/>
               </a:ext>
             </a:extLst>
           </p:cNvPr>
@@ -6640,7 +6679,7 @@
           <a:lstStyle/>
           <a:p>
             <a:pPr algn="ctr"/>
-            <a:endParaRPr lang="en-GB"/>
+            <a:endParaRPr lang="en-GB" dirty="0"/>
           </a:p>
         </p:txBody>
       </p:sp>
@@ -6649,7 +6688,7 @@
           <p:cNvPr id="22" name="Cloud 21">
             <a:extLst>
               <a:ext uri="{FF2B5EF4-FFF2-40B4-BE49-F238E27FC236}">
-                <a16:creationId xmlns:a16="http://schemas.microsoft.com/office/drawing/2014/main" xmlns="" id="{7816433F-6710-4BE4-96DD-713A55E9C120}"/>
+                <a16:creationId xmlns:a16="http://schemas.microsoft.com/office/drawing/2014/main" id="{7816433F-6710-4BE4-96DD-713A55E9C120}"/>
               </a:ext>
             </a:extLst>
           </p:cNvPr>
@@ -6697,7 +6736,7 @@
           <a:lstStyle/>
           <a:p>
             <a:pPr algn="ctr"/>
-            <a:endParaRPr lang="en-GB"/>
+            <a:endParaRPr lang="en-GB" dirty="0"/>
           </a:p>
         </p:txBody>
       </p:sp>
@@ -6706,7 +6745,7 @@
           <p:cNvPr id="36" name="Group 35">
             <a:extLst>
               <a:ext uri="{FF2B5EF4-FFF2-40B4-BE49-F238E27FC236}">
-                <a16:creationId xmlns:a16="http://schemas.microsoft.com/office/drawing/2014/main" xmlns="" id="{9D3C3581-799D-41C4-8A7E-3B1F29D7F724}"/>
+                <a16:creationId xmlns:a16="http://schemas.microsoft.com/office/drawing/2014/main" id="{9D3C3581-799D-41C4-8A7E-3B1F29D7F724}"/>
               </a:ext>
             </a:extLst>
           </p:cNvPr>
@@ -6726,7 +6765,7 @@
             <p:cNvPr id="40" name="Rectangle: Rounded Corners 39">
               <a:extLst>
                 <a:ext uri="{FF2B5EF4-FFF2-40B4-BE49-F238E27FC236}">
-                  <a16:creationId xmlns:a16="http://schemas.microsoft.com/office/drawing/2014/main" xmlns="" id="{342ABA70-F860-492B-BFBC-F4814929B690}"/>
+                  <a16:creationId xmlns:a16="http://schemas.microsoft.com/office/drawing/2014/main" id="{342ABA70-F860-492B-BFBC-F4814929B690}"/>
                 </a:ext>
               </a:extLst>
             </p:cNvPr>
@@ -6776,7 +6815,7 @@
             <a:lstStyle/>
             <a:p>
               <a:pPr algn="ctr"/>
-              <a:endParaRPr lang="en-GB"/>
+              <a:endParaRPr lang="en-GB" dirty="0"/>
             </a:p>
           </p:txBody>
         </p:sp>
@@ -6785,7 +6824,7 @@
             <p:cNvPr id="41" name="Rectangle: Rounded Corners 40">
               <a:extLst>
                 <a:ext uri="{FF2B5EF4-FFF2-40B4-BE49-F238E27FC236}">
-                  <a16:creationId xmlns:a16="http://schemas.microsoft.com/office/drawing/2014/main" xmlns="" id="{7C3DC209-DCFF-49CD-B4CD-A701A6076BC1}"/>
+                  <a16:creationId xmlns:a16="http://schemas.microsoft.com/office/drawing/2014/main" id="{7C3DC209-DCFF-49CD-B4CD-A701A6076BC1}"/>
                 </a:ext>
               </a:extLst>
             </p:cNvPr>
@@ -6835,7 +6874,7 @@
             <a:lstStyle/>
             <a:p>
               <a:pPr algn="ctr"/>
-              <a:endParaRPr lang="en-GB"/>
+              <a:endParaRPr lang="en-GB" dirty="0"/>
             </a:p>
           </p:txBody>
         </p:sp>
@@ -6844,7 +6883,7 @@
             <p:cNvPr id="42" name="Rectangle 41">
               <a:extLst>
                 <a:ext uri="{FF2B5EF4-FFF2-40B4-BE49-F238E27FC236}">
-                  <a16:creationId xmlns:a16="http://schemas.microsoft.com/office/drawing/2014/main" xmlns="" id="{0D2D6DD8-D866-4F3D-967E-38D0B5925AD4}"/>
+                  <a16:creationId xmlns:a16="http://schemas.microsoft.com/office/drawing/2014/main" id="{0D2D6DD8-D866-4F3D-967E-38D0B5925AD4}"/>
                 </a:ext>
               </a:extLst>
             </p:cNvPr>
@@ -6892,7 +6931,7 @@
             <a:lstStyle/>
             <a:p>
               <a:pPr algn="ctr"/>
-              <a:endParaRPr lang="en-GB"/>
+              <a:endParaRPr lang="en-GB" dirty="0"/>
             </a:p>
           </p:txBody>
         </p:sp>
@@ -6901,7 +6940,7 @@
             <p:cNvPr id="43" name="Oval 42">
               <a:extLst>
                 <a:ext uri="{FF2B5EF4-FFF2-40B4-BE49-F238E27FC236}">
-                  <a16:creationId xmlns:a16="http://schemas.microsoft.com/office/drawing/2014/main" xmlns="" id="{68D34BEC-9182-437E-9BA8-AD7FFA4B19EB}"/>
+                  <a16:creationId xmlns:a16="http://schemas.microsoft.com/office/drawing/2014/main" id="{68D34BEC-9182-437E-9BA8-AD7FFA4B19EB}"/>
                 </a:ext>
               </a:extLst>
             </p:cNvPr>
@@ -6946,7 +6985,7 @@
             <a:lstStyle/>
             <a:p>
               <a:pPr algn="ctr"/>
-              <a:endParaRPr lang="en-GB"/>
+              <a:endParaRPr lang="en-GB" dirty="0"/>
             </a:p>
           </p:txBody>
         </p:sp>
@@ -6955,7 +6994,7 @@
             <p:cNvPr id="44" name="Oval 43">
               <a:extLst>
                 <a:ext uri="{FF2B5EF4-FFF2-40B4-BE49-F238E27FC236}">
-                  <a16:creationId xmlns:a16="http://schemas.microsoft.com/office/drawing/2014/main" xmlns="" id="{BFE920F1-16B1-473C-990F-979542E37EF6}"/>
+                  <a16:creationId xmlns:a16="http://schemas.microsoft.com/office/drawing/2014/main" id="{BFE920F1-16B1-473C-990F-979542E37EF6}"/>
                 </a:ext>
               </a:extLst>
             </p:cNvPr>
@@ -7000,7 +7039,7 @@
             <a:lstStyle/>
             <a:p>
               <a:pPr algn="ctr"/>
-              <a:endParaRPr lang="en-GB"/>
+              <a:endParaRPr lang="en-GB" dirty="0"/>
             </a:p>
           </p:txBody>
         </p:sp>
@@ -7010,7 +7049,7 @@
           <p:cNvPr id="18" name="Rectangle 17">
             <a:extLst>
               <a:ext uri="{FF2B5EF4-FFF2-40B4-BE49-F238E27FC236}">
-                <a16:creationId xmlns:a16="http://schemas.microsoft.com/office/drawing/2014/main" xmlns="" id="{1691F04F-5542-4138-AE32-C7ABDADEDD48}"/>
+                <a16:creationId xmlns:a16="http://schemas.microsoft.com/office/drawing/2014/main" id="{1691F04F-5542-4138-AE32-C7ABDADEDD48}"/>
               </a:ext>
             </a:extLst>
           </p:cNvPr>
@@ -7055,7 +7094,7 @@
           <a:lstStyle/>
           <a:p>
             <a:pPr algn="ctr"/>
-            <a:endParaRPr lang="en-GB"/>
+            <a:endParaRPr lang="en-GB" dirty="0"/>
           </a:p>
         </p:txBody>
       </p:sp>
@@ -7064,7 +7103,7 @@
           <p:cNvPr id="3" name="Straight Connector 2">
             <a:extLst>
               <a:ext uri="{FF2B5EF4-FFF2-40B4-BE49-F238E27FC236}">
-                <a16:creationId xmlns:a16="http://schemas.microsoft.com/office/drawing/2014/main" xmlns="" id="{D4FE5C44-DB15-43D7-861A-9E8E750611FA}"/>
+                <a16:creationId xmlns:a16="http://schemas.microsoft.com/office/drawing/2014/main" id="{D4FE5C44-DB15-43D7-861A-9E8E750611FA}"/>
               </a:ext>
             </a:extLst>
           </p:cNvPr>
@@ -7107,7 +7146,7 @@
           <p:cNvPr id="23" name="Oval 22">
             <a:extLst>
               <a:ext uri="{FF2B5EF4-FFF2-40B4-BE49-F238E27FC236}">
-                <a16:creationId xmlns:a16="http://schemas.microsoft.com/office/drawing/2014/main" xmlns="" id="{68F7C2D4-7A61-481E-95A2-C3E0FF07CEB2}"/>
+                <a16:creationId xmlns:a16="http://schemas.microsoft.com/office/drawing/2014/main" id="{68F7C2D4-7A61-481E-95A2-C3E0FF07CEB2}"/>
               </a:ext>
             </a:extLst>
           </p:cNvPr>
@@ -7152,7 +7191,7 @@
           <a:lstStyle/>
           <a:p>
             <a:pPr algn="ctr"/>
-            <a:endParaRPr lang="en-GB"/>
+            <a:endParaRPr lang="en-GB" dirty="0"/>
           </a:p>
         </p:txBody>
       </p:sp>
@@ -7161,7 +7200,7 @@
           <p:cNvPr id="37" name="Oval 36">
             <a:extLst>
               <a:ext uri="{FF2B5EF4-FFF2-40B4-BE49-F238E27FC236}">
-                <a16:creationId xmlns:a16="http://schemas.microsoft.com/office/drawing/2014/main" xmlns="" id="{9370E720-6E28-4D6C-BB02-7682277CAE3D}"/>
+                <a16:creationId xmlns:a16="http://schemas.microsoft.com/office/drawing/2014/main" id="{9370E720-6E28-4D6C-BB02-7682277CAE3D}"/>
               </a:ext>
             </a:extLst>
           </p:cNvPr>
@@ -7206,7 +7245,7 @@
           <a:lstStyle/>
           <a:p>
             <a:pPr algn="ctr"/>
-            <a:endParaRPr lang="en-GB"/>
+            <a:endParaRPr lang="en-GB" dirty="0"/>
           </a:p>
         </p:txBody>
       </p:sp>
@@ -7215,7 +7254,7 @@
           <p:cNvPr id="38" name="Oval 37">
             <a:extLst>
               <a:ext uri="{FF2B5EF4-FFF2-40B4-BE49-F238E27FC236}">
-                <a16:creationId xmlns:a16="http://schemas.microsoft.com/office/drawing/2014/main" xmlns="" id="{E1568EDB-529F-481E-9BD9-1A4190F5A051}"/>
+                <a16:creationId xmlns:a16="http://schemas.microsoft.com/office/drawing/2014/main" id="{E1568EDB-529F-481E-9BD9-1A4190F5A051}"/>
               </a:ext>
             </a:extLst>
           </p:cNvPr>
@@ -7260,7 +7299,7 @@
           <a:lstStyle/>
           <a:p>
             <a:pPr algn="ctr"/>
-            <a:endParaRPr lang="en-GB"/>
+            <a:endParaRPr lang="en-GB" dirty="0"/>
           </a:p>
         </p:txBody>
       </p:sp>
@@ -7274,13 +7313,6 @@
   <p:clrMapOvr>
     <a:masterClrMapping/>
   </p:clrMapOvr>
-  <p:timing>
-    <p:tnLst>
-      <p:par>
-        <p:cTn id="1" dur="indefinite" restart="never" nodeType="tmRoot"/>
-      </p:par>
-    </p:tnLst>
-  </p:timing>
 </p:sld>
 </file>
 
@@ -7306,7 +7338,7 @@
           <p:cNvPr id="21" name="Rectangle 20">
             <a:extLst>
               <a:ext uri="{FF2B5EF4-FFF2-40B4-BE49-F238E27FC236}">
-                <a16:creationId xmlns:a16="http://schemas.microsoft.com/office/drawing/2014/main" xmlns="" id="{BD25B3EC-DB4C-4497-8FF5-572ABA1DC4C4}"/>
+                <a16:creationId xmlns:a16="http://schemas.microsoft.com/office/drawing/2014/main" id="{BD25B3EC-DB4C-4497-8FF5-572ABA1DC4C4}"/>
               </a:ext>
             </a:extLst>
           </p:cNvPr>
@@ -7349,7 +7381,7 @@
           <a:lstStyle/>
           <a:p>
             <a:pPr algn="ctr"/>
-            <a:endParaRPr lang="en-GB"/>
+            <a:endParaRPr lang="en-GB" dirty="0"/>
           </a:p>
         </p:txBody>
       </p:sp>
@@ -7358,7 +7390,7 @@
           <p:cNvPr id="26" name="Straight Connector 25">
             <a:extLst>
               <a:ext uri="{FF2B5EF4-FFF2-40B4-BE49-F238E27FC236}">
-                <a16:creationId xmlns:a16="http://schemas.microsoft.com/office/drawing/2014/main" xmlns="" id="{8F6E0289-E345-4A0E-9753-7FC8FE3E078D}"/>
+                <a16:creationId xmlns:a16="http://schemas.microsoft.com/office/drawing/2014/main" id="{8F6E0289-E345-4A0E-9753-7FC8FE3E078D}"/>
               </a:ext>
             </a:extLst>
           </p:cNvPr>
@@ -7403,7 +7435,7 @@
           <p:cNvPr id="27" name="Straight Connector 26">
             <a:extLst>
               <a:ext uri="{FF2B5EF4-FFF2-40B4-BE49-F238E27FC236}">
-                <a16:creationId xmlns:a16="http://schemas.microsoft.com/office/drawing/2014/main" xmlns="" id="{0F420222-C32D-4282-B4C1-8EE001FE4EB1}"/>
+                <a16:creationId xmlns:a16="http://schemas.microsoft.com/office/drawing/2014/main" id="{0F420222-C32D-4282-B4C1-8EE001FE4EB1}"/>
               </a:ext>
             </a:extLst>
           </p:cNvPr>
@@ -7448,7 +7480,7 @@
           <p:cNvPr id="22" name="Cloud 21">
             <a:extLst>
               <a:ext uri="{FF2B5EF4-FFF2-40B4-BE49-F238E27FC236}">
-                <a16:creationId xmlns:a16="http://schemas.microsoft.com/office/drawing/2014/main" xmlns="" id="{7816433F-6710-4BE4-96DD-713A55E9C120}"/>
+                <a16:creationId xmlns:a16="http://schemas.microsoft.com/office/drawing/2014/main" id="{7816433F-6710-4BE4-96DD-713A55E9C120}"/>
               </a:ext>
             </a:extLst>
           </p:cNvPr>
@@ -7496,7 +7528,7 @@
           <a:lstStyle/>
           <a:p>
             <a:pPr algn="ctr"/>
-            <a:endParaRPr lang="en-GB"/>
+            <a:endParaRPr lang="en-GB" dirty="0"/>
           </a:p>
         </p:txBody>
       </p:sp>
@@ -7505,7 +7537,7 @@
           <p:cNvPr id="36" name="Group 35">
             <a:extLst>
               <a:ext uri="{FF2B5EF4-FFF2-40B4-BE49-F238E27FC236}">
-                <a16:creationId xmlns:a16="http://schemas.microsoft.com/office/drawing/2014/main" xmlns="" id="{9D3C3581-799D-41C4-8A7E-3B1F29D7F724}"/>
+                <a16:creationId xmlns:a16="http://schemas.microsoft.com/office/drawing/2014/main" id="{9D3C3581-799D-41C4-8A7E-3B1F29D7F724}"/>
               </a:ext>
             </a:extLst>
           </p:cNvPr>
@@ -7530,7 +7562,7 @@
             <p:cNvPr id="40" name="Rectangle: Rounded Corners 39">
               <a:extLst>
                 <a:ext uri="{FF2B5EF4-FFF2-40B4-BE49-F238E27FC236}">
-                  <a16:creationId xmlns:a16="http://schemas.microsoft.com/office/drawing/2014/main" xmlns="" id="{342ABA70-F860-492B-BFBC-F4814929B690}"/>
+                  <a16:creationId xmlns:a16="http://schemas.microsoft.com/office/drawing/2014/main" id="{342ABA70-F860-492B-BFBC-F4814929B690}"/>
                 </a:ext>
               </a:extLst>
             </p:cNvPr>
@@ -7575,7 +7607,7 @@
             <a:lstStyle/>
             <a:p>
               <a:pPr algn="ctr"/>
-              <a:endParaRPr lang="en-GB"/>
+              <a:endParaRPr lang="en-GB" dirty="0"/>
             </a:p>
           </p:txBody>
         </p:sp>
@@ -7584,7 +7616,7 @@
             <p:cNvPr id="41" name="Rectangle: Rounded Corners 40">
               <a:extLst>
                 <a:ext uri="{FF2B5EF4-FFF2-40B4-BE49-F238E27FC236}">
-                  <a16:creationId xmlns:a16="http://schemas.microsoft.com/office/drawing/2014/main" xmlns="" id="{7C3DC209-DCFF-49CD-B4CD-A701A6076BC1}"/>
+                  <a16:creationId xmlns:a16="http://schemas.microsoft.com/office/drawing/2014/main" id="{7C3DC209-DCFF-49CD-B4CD-A701A6076BC1}"/>
                 </a:ext>
               </a:extLst>
             </p:cNvPr>
@@ -7629,7 +7661,7 @@
             <a:lstStyle/>
             <a:p>
               <a:pPr algn="ctr"/>
-              <a:endParaRPr lang="en-GB"/>
+              <a:endParaRPr lang="en-GB" dirty="0"/>
             </a:p>
           </p:txBody>
         </p:sp>
@@ -7638,7 +7670,7 @@
             <p:cNvPr id="42" name="Rectangle 41">
               <a:extLst>
                 <a:ext uri="{FF2B5EF4-FFF2-40B4-BE49-F238E27FC236}">
-                  <a16:creationId xmlns:a16="http://schemas.microsoft.com/office/drawing/2014/main" xmlns="" id="{0D2D6DD8-D866-4F3D-967E-38D0B5925AD4}"/>
+                  <a16:creationId xmlns:a16="http://schemas.microsoft.com/office/drawing/2014/main" id="{0D2D6DD8-D866-4F3D-967E-38D0B5925AD4}"/>
                 </a:ext>
               </a:extLst>
             </p:cNvPr>
@@ -7681,7 +7713,7 @@
             <a:lstStyle/>
             <a:p>
               <a:pPr algn="ctr"/>
-              <a:endParaRPr lang="en-GB"/>
+              <a:endParaRPr lang="en-GB" dirty="0"/>
             </a:p>
           </p:txBody>
         </p:sp>
@@ -7690,7 +7722,7 @@
             <p:cNvPr id="43" name="Oval 42">
               <a:extLst>
                 <a:ext uri="{FF2B5EF4-FFF2-40B4-BE49-F238E27FC236}">
-                  <a16:creationId xmlns:a16="http://schemas.microsoft.com/office/drawing/2014/main" xmlns="" id="{68D34BEC-9182-437E-9BA8-AD7FFA4B19EB}"/>
+                  <a16:creationId xmlns:a16="http://schemas.microsoft.com/office/drawing/2014/main" id="{68D34BEC-9182-437E-9BA8-AD7FFA4B19EB}"/>
                 </a:ext>
               </a:extLst>
             </p:cNvPr>
@@ -7733,7 +7765,7 @@
             <a:lstStyle/>
             <a:p>
               <a:pPr algn="ctr"/>
-              <a:endParaRPr lang="en-GB"/>
+              <a:endParaRPr lang="en-GB" dirty="0"/>
             </a:p>
           </p:txBody>
         </p:sp>
@@ -7742,7 +7774,7 @@
             <p:cNvPr id="44" name="Oval 43">
               <a:extLst>
                 <a:ext uri="{FF2B5EF4-FFF2-40B4-BE49-F238E27FC236}">
-                  <a16:creationId xmlns:a16="http://schemas.microsoft.com/office/drawing/2014/main" xmlns="" id="{BFE920F1-16B1-473C-990F-979542E37EF6}"/>
+                  <a16:creationId xmlns:a16="http://schemas.microsoft.com/office/drawing/2014/main" id="{BFE920F1-16B1-473C-990F-979542E37EF6}"/>
                 </a:ext>
               </a:extLst>
             </p:cNvPr>
@@ -7785,7 +7817,7 @@
             <a:lstStyle/>
             <a:p>
               <a:pPr algn="ctr"/>
-              <a:endParaRPr lang="en-GB"/>
+              <a:endParaRPr lang="en-GB" dirty="0"/>
             </a:p>
           </p:txBody>
         </p:sp>
@@ -7795,7 +7827,7 @@
           <p:cNvPr id="15" name="Group 14">
             <a:extLst>
               <a:ext uri="{FF2B5EF4-FFF2-40B4-BE49-F238E27FC236}">
-                <a16:creationId xmlns:a16="http://schemas.microsoft.com/office/drawing/2014/main" xmlns="" id="{0EB7F6F5-EE0C-4A6A-91A8-4227CAAA66AD}"/>
+                <a16:creationId xmlns:a16="http://schemas.microsoft.com/office/drawing/2014/main" id="{0EB7F6F5-EE0C-4A6A-91A8-4227CAAA66AD}"/>
               </a:ext>
             </a:extLst>
           </p:cNvPr>
@@ -7815,7 +7847,7 @@
             <p:cNvPr id="16" name="Rectangle: Rounded Corners 15">
               <a:extLst>
                 <a:ext uri="{FF2B5EF4-FFF2-40B4-BE49-F238E27FC236}">
-                  <a16:creationId xmlns:a16="http://schemas.microsoft.com/office/drawing/2014/main" xmlns="" id="{4910E712-7CCC-4036-BB7D-5C63E9E5FDAB}"/>
+                  <a16:creationId xmlns:a16="http://schemas.microsoft.com/office/drawing/2014/main" id="{4910E712-7CCC-4036-BB7D-5C63E9E5FDAB}"/>
                 </a:ext>
               </a:extLst>
             </p:cNvPr>
@@ -7865,7 +7897,7 @@
             <a:lstStyle/>
             <a:p>
               <a:pPr algn="ctr"/>
-              <a:endParaRPr lang="en-GB"/>
+              <a:endParaRPr lang="en-GB" dirty="0"/>
             </a:p>
           </p:txBody>
         </p:sp>
@@ -7874,7 +7906,7 @@
             <p:cNvPr id="17" name="Rectangle: Rounded Corners 16">
               <a:extLst>
                 <a:ext uri="{FF2B5EF4-FFF2-40B4-BE49-F238E27FC236}">
-                  <a16:creationId xmlns:a16="http://schemas.microsoft.com/office/drawing/2014/main" xmlns="" id="{203D6D70-B921-4172-8BB5-E3E2F3045288}"/>
+                  <a16:creationId xmlns:a16="http://schemas.microsoft.com/office/drawing/2014/main" id="{203D6D70-B921-4172-8BB5-E3E2F3045288}"/>
                 </a:ext>
               </a:extLst>
             </p:cNvPr>
@@ -7924,7 +7956,7 @@
             <a:lstStyle/>
             <a:p>
               <a:pPr algn="ctr"/>
-              <a:endParaRPr lang="en-GB"/>
+              <a:endParaRPr lang="en-GB" dirty="0"/>
             </a:p>
           </p:txBody>
         </p:sp>
@@ -7933,7 +7965,7 @@
             <p:cNvPr id="19" name="Rectangle 18">
               <a:extLst>
                 <a:ext uri="{FF2B5EF4-FFF2-40B4-BE49-F238E27FC236}">
-                  <a16:creationId xmlns:a16="http://schemas.microsoft.com/office/drawing/2014/main" xmlns="" id="{8F9E3AED-DA06-41E3-B4CB-F98B313D387C}"/>
+                  <a16:creationId xmlns:a16="http://schemas.microsoft.com/office/drawing/2014/main" id="{8F9E3AED-DA06-41E3-B4CB-F98B313D387C}"/>
                 </a:ext>
               </a:extLst>
             </p:cNvPr>
@@ -7981,7 +8013,7 @@
             <a:lstStyle/>
             <a:p>
               <a:pPr algn="ctr"/>
-              <a:endParaRPr lang="en-GB"/>
+              <a:endParaRPr lang="en-GB" dirty="0"/>
             </a:p>
           </p:txBody>
         </p:sp>
@@ -7990,7 +8022,7 @@
             <p:cNvPr id="20" name="Oval 19">
               <a:extLst>
                 <a:ext uri="{FF2B5EF4-FFF2-40B4-BE49-F238E27FC236}">
-                  <a16:creationId xmlns:a16="http://schemas.microsoft.com/office/drawing/2014/main" xmlns="" id="{AE61BD7C-6DB3-4503-ACFA-F76BE066663D}"/>
+                  <a16:creationId xmlns:a16="http://schemas.microsoft.com/office/drawing/2014/main" id="{AE61BD7C-6DB3-4503-ACFA-F76BE066663D}"/>
                 </a:ext>
               </a:extLst>
             </p:cNvPr>
@@ -8035,7 +8067,7 @@
             <a:lstStyle/>
             <a:p>
               <a:pPr algn="ctr"/>
-              <a:endParaRPr lang="en-GB"/>
+              <a:endParaRPr lang="en-GB" dirty="0"/>
             </a:p>
           </p:txBody>
         </p:sp>
@@ -8044,7 +8076,7 @@
             <p:cNvPr id="24" name="Oval 23">
               <a:extLst>
                 <a:ext uri="{FF2B5EF4-FFF2-40B4-BE49-F238E27FC236}">
-                  <a16:creationId xmlns:a16="http://schemas.microsoft.com/office/drawing/2014/main" xmlns="" id="{077293C1-F0DE-421A-9D7C-E6AFAB90A861}"/>
+                  <a16:creationId xmlns:a16="http://schemas.microsoft.com/office/drawing/2014/main" id="{077293C1-F0DE-421A-9D7C-E6AFAB90A861}"/>
                 </a:ext>
               </a:extLst>
             </p:cNvPr>
@@ -8089,7 +8121,7 @@
             <a:lstStyle/>
             <a:p>
               <a:pPr algn="ctr"/>
-              <a:endParaRPr lang="en-GB"/>
+              <a:endParaRPr lang="en-GB" dirty="0"/>
             </a:p>
           </p:txBody>
         </p:sp>
@@ -8104,13 +8136,6 @@
   <p:clrMapOvr>
     <a:masterClrMapping/>
   </p:clrMapOvr>
-  <p:timing>
-    <p:tnLst>
-      <p:par>
-        <p:cTn id="1" dur="indefinite" restart="never" nodeType="tmRoot"/>
-      </p:par>
-    </p:tnLst>
-  </p:timing>
 </p:sld>
 </file>
 
@@ -8136,7 +8161,7 @@
           <p:cNvPr id="90" name="Rectangle 89">
             <a:extLst>
               <a:ext uri="{FF2B5EF4-FFF2-40B4-BE49-F238E27FC236}">
-                <a16:creationId xmlns:a16="http://schemas.microsoft.com/office/drawing/2014/main" xmlns="" id="{FF8ECF35-CF58-43D8-A03A-5FE8544A266B}"/>
+                <a16:creationId xmlns:a16="http://schemas.microsoft.com/office/drawing/2014/main" id="{FF8ECF35-CF58-43D8-A03A-5FE8544A266B}"/>
               </a:ext>
             </a:extLst>
           </p:cNvPr>
@@ -8179,7 +8204,7 @@
           <a:lstStyle/>
           <a:p>
             <a:pPr algn="ctr"/>
-            <a:endParaRPr lang="en-GB"/>
+            <a:endParaRPr lang="en-GB" dirty="0"/>
           </a:p>
         </p:txBody>
       </p:sp>
@@ -8188,7 +8213,7 @@
           <p:cNvPr id="91" name="Rectangle 90">
             <a:extLst>
               <a:ext uri="{FF2B5EF4-FFF2-40B4-BE49-F238E27FC236}">
-                <a16:creationId xmlns:a16="http://schemas.microsoft.com/office/drawing/2014/main" xmlns="" id="{FF8ECF35-CF58-43D8-A03A-5FE8544A266B}"/>
+                <a16:creationId xmlns:a16="http://schemas.microsoft.com/office/drawing/2014/main" id="{FF8ECF35-CF58-43D8-A03A-5FE8544A266B}"/>
               </a:ext>
             </a:extLst>
           </p:cNvPr>
@@ -8234,193 +8259,46 @@
           <a:lstStyle/>
           <a:p>
             <a:pPr algn="ctr"/>
-            <a:endParaRPr lang="en-GB"/>
-          </a:p>
-        </p:txBody>
-      </p:sp>
-      <p:sp>
-        <p:nvSpPr>
-          <p:cNvPr id="88" name="Rectangle 87">
-            <a:extLst>
-              <a:ext uri="{FF2B5EF4-FFF2-40B4-BE49-F238E27FC236}">
-                <a16:creationId xmlns:a16="http://schemas.microsoft.com/office/drawing/2014/main" xmlns="" id="{FF8ECF35-CF58-43D8-A03A-5FE8544A266B}"/>
-              </a:ext>
-            </a:extLst>
-          </p:cNvPr>
-          <p:cNvSpPr/>
-          <p:nvPr/>
-        </p:nvSpPr>
-        <p:spPr>
-          <a:xfrm>
-            <a:off x="955031" y="2027110"/>
-            <a:ext cx="2176064" cy="216319"/>
-          </a:xfrm>
-          <a:prstGeom prst="rect">
-            <a:avLst/>
-          </a:prstGeom>
-          <a:solidFill>
-            <a:srgbClr val="A7F5FF"/>
-          </a:solidFill>
-          <a:ln>
-            <a:noFill/>
-          </a:ln>
-        </p:spPr>
-        <p:style>
-          <a:lnRef idx="2">
-            <a:schemeClr val="accent1">
-              <a:shade val="50000"/>
-            </a:schemeClr>
-          </a:lnRef>
-          <a:fillRef idx="1">
-            <a:schemeClr val="accent1"/>
-          </a:fillRef>
-          <a:effectRef idx="0">
-            <a:schemeClr val="accent1"/>
-          </a:effectRef>
-          <a:fontRef idx="minor">
-            <a:schemeClr val="lt1"/>
-          </a:fontRef>
-        </p:style>
-        <p:txBody>
-          <a:bodyPr rtlCol="0" anchor="ctr"/>
-          <a:lstStyle/>
-          <a:p>
-            <a:pPr algn="ctr"/>
-            <a:endParaRPr lang="en-GB"/>
-          </a:p>
-        </p:txBody>
-      </p:sp>
-      <p:sp>
-        <p:nvSpPr>
-          <p:cNvPr id="89" name="Rectangle 88">
-            <a:extLst>
-              <a:ext uri="{FF2B5EF4-FFF2-40B4-BE49-F238E27FC236}">
-                <a16:creationId xmlns:a16="http://schemas.microsoft.com/office/drawing/2014/main" xmlns="" id="{FF8ECF35-CF58-43D8-A03A-5FE8544A266B}"/>
-              </a:ext>
-            </a:extLst>
-          </p:cNvPr>
-          <p:cNvSpPr/>
-          <p:nvPr/>
-        </p:nvSpPr>
-        <p:spPr>
-          <a:xfrm>
-            <a:off x="955031" y="2239535"/>
-            <a:ext cx="2176064" cy="206856"/>
-          </a:xfrm>
-          <a:prstGeom prst="rect">
-            <a:avLst/>
-          </a:prstGeom>
-          <a:solidFill>
-            <a:schemeClr val="accent1">
-              <a:lumMod val="40000"/>
-              <a:lumOff val="60000"/>
-            </a:schemeClr>
-          </a:solidFill>
-          <a:ln>
-            <a:noFill/>
-          </a:ln>
-        </p:spPr>
-        <p:style>
-          <a:lnRef idx="2">
-            <a:schemeClr val="accent1">
-              <a:shade val="50000"/>
-            </a:schemeClr>
-          </a:lnRef>
-          <a:fillRef idx="1">
-            <a:schemeClr val="accent1"/>
-          </a:fillRef>
-          <a:effectRef idx="0">
-            <a:schemeClr val="accent1"/>
-          </a:effectRef>
-          <a:fontRef idx="minor">
-            <a:schemeClr val="lt1"/>
-          </a:fontRef>
-        </p:style>
-        <p:txBody>
-          <a:bodyPr rtlCol="0" anchor="ctr"/>
-          <a:lstStyle/>
-          <a:p>
-            <a:pPr algn="ctr"/>
-            <a:endParaRPr lang="en-GB"/>
-          </a:p>
-        </p:txBody>
-      </p:sp>
-      <p:sp>
-        <p:nvSpPr>
-          <p:cNvPr id="87" name="Rectangle 86">
-            <a:extLst>
-              <a:ext uri="{FF2B5EF4-FFF2-40B4-BE49-F238E27FC236}">
-                <a16:creationId xmlns:a16="http://schemas.microsoft.com/office/drawing/2014/main" xmlns="" id="{FF8ECF35-CF58-43D8-A03A-5FE8544A266B}"/>
-              </a:ext>
-            </a:extLst>
-          </p:cNvPr>
-          <p:cNvSpPr/>
-          <p:nvPr/>
-        </p:nvSpPr>
-        <p:spPr>
-          <a:xfrm>
-            <a:off x="326660" y="-8238"/>
-            <a:ext cx="3157359" cy="2035348"/>
-          </a:xfrm>
-          <a:prstGeom prst="rect">
-            <a:avLst/>
-          </a:prstGeom>
-          <a:solidFill>
-            <a:srgbClr val="A7F5FF"/>
-          </a:solidFill>
-          <a:ln>
-            <a:noFill/>
-          </a:ln>
-        </p:spPr>
-        <p:style>
-          <a:lnRef idx="2">
-            <a:schemeClr val="accent1">
-              <a:shade val="50000"/>
-            </a:schemeClr>
-          </a:lnRef>
-          <a:fillRef idx="1">
-            <a:schemeClr val="accent1"/>
-          </a:fillRef>
-          <a:effectRef idx="0">
-            <a:schemeClr val="accent1"/>
-          </a:effectRef>
-          <a:fontRef idx="minor">
-            <a:schemeClr val="lt1"/>
-          </a:fontRef>
-        </p:style>
-        <p:txBody>
-          <a:bodyPr rtlCol="0" anchor="ctr"/>
-          <a:lstStyle/>
-          <a:p>
-            <a:pPr algn="ctr"/>
-            <a:endParaRPr lang="en-GB"/>
+            <a:endParaRPr lang="en-GB" dirty="0"/>
           </a:p>
         </p:txBody>
       </p:sp>
       <p:grpSp>
         <p:nvGrpSpPr>
-          <p:cNvPr id="17" name="Group 16"/>
+          <p:cNvPr id="2" name="Group 1">
+            <a:extLst>
+              <a:ext uri="{FF2B5EF4-FFF2-40B4-BE49-F238E27FC236}">
+                <a16:creationId xmlns:a16="http://schemas.microsoft.com/office/drawing/2014/main" id="{3DD29CB8-778C-4A7E-B6DA-2B1742D265D8}"/>
+              </a:ext>
+            </a:extLst>
+          </p:cNvPr>
           <p:cNvGrpSpPr/>
           <p:nvPr/>
         </p:nvGrpSpPr>
         <p:grpSpPr>
           <a:xfrm>
-            <a:off x="326660" y="2446281"/>
-            <a:ext cx="3516820" cy="4411719"/>
-            <a:chOff x="497171" y="2446281"/>
-            <a:chExt cx="3516820" cy="4411719"/>
+            <a:off x="326660" y="-8238"/>
+            <a:ext cx="3516820" cy="6866238"/>
+            <a:chOff x="326660" y="-8238"/>
+            <a:chExt cx="3516820" cy="6866238"/>
           </a:xfrm>
         </p:grpSpPr>
         <p:sp>
           <p:nvSpPr>
-            <p:cNvPr id="13" name="Rectangle 12"/>
+            <p:cNvPr id="88" name="Rectangle 87">
+              <a:extLst>
+                <a:ext uri="{FF2B5EF4-FFF2-40B4-BE49-F238E27FC236}">
+                  <a16:creationId xmlns:a16="http://schemas.microsoft.com/office/drawing/2014/main" id="{FF8ECF35-CF58-43D8-A03A-5FE8544A266B}"/>
+                </a:ext>
+              </a:extLst>
+            </p:cNvPr>
             <p:cNvSpPr/>
             <p:nvPr/>
           </p:nvSpPr>
           <p:spPr>
             <a:xfrm>
-              <a:off x="497171" y="2446281"/>
-              <a:ext cx="3161916" cy="4411719"/>
+              <a:off x="955031" y="2027110"/>
+              <a:ext cx="2176064" cy="216319"/>
             </a:xfrm>
             <a:prstGeom prst="rect">
               <a:avLst/>
@@ -8456,20 +8334,26 @@
             <a:lstStyle/>
             <a:p>
               <a:pPr algn="ctr"/>
-              <a:endParaRPr lang="en-GB"/>
+              <a:endParaRPr lang="en-GB" dirty="0"/>
             </a:p>
           </p:txBody>
         </p:sp>
         <p:sp>
           <p:nvSpPr>
-            <p:cNvPr id="86" name="Rectangle 85"/>
+            <p:cNvPr id="89" name="Rectangle 88">
+              <a:extLst>
+                <a:ext uri="{FF2B5EF4-FFF2-40B4-BE49-F238E27FC236}">
+                  <a16:creationId xmlns:a16="http://schemas.microsoft.com/office/drawing/2014/main" id="{FF8ECF35-CF58-43D8-A03A-5FE8544A266B}"/>
+                </a:ext>
+              </a:extLst>
+            </p:cNvPr>
             <p:cNvSpPr/>
             <p:nvPr/>
           </p:nvSpPr>
           <p:spPr>
             <a:xfrm>
-              <a:off x="3659087" y="2724851"/>
-              <a:ext cx="354904" cy="1400060"/>
+              <a:off x="955031" y="2239535"/>
+              <a:ext cx="2176064" cy="206856"/>
             </a:xfrm>
             <a:prstGeom prst="rect">
               <a:avLst/>
@@ -8505,17 +8389,185 @@
             <a:lstStyle/>
             <a:p>
               <a:pPr algn="ctr"/>
-              <a:endParaRPr lang="en-GB"/>
+              <a:endParaRPr lang="en-GB" dirty="0"/>
             </a:p>
           </p:txBody>
         </p:sp>
+        <p:sp>
+          <p:nvSpPr>
+            <p:cNvPr id="87" name="Rectangle 86">
+              <a:extLst>
+                <a:ext uri="{FF2B5EF4-FFF2-40B4-BE49-F238E27FC236}">
+                  <a16:creationId xmlns:a16="http://schemas.microsoft.com/office/drawing/2014/main" id="{FF8ECF35-CF58-43D8-A03A-5FE8544A266B}"/>
+                </a:ext>
+              </a:extLst>
+            </p:cNvPr>
+            <p:cNvSpPr/>
+            <p:nvPr/>
+          </p:nvSpPr>
+          <p:spPr>
+            <a:xfrm>
+              <a:off x="326660" y="-8238"/>
+              <a:ext cx="3157359" cy="2035348"/>
+            </a:xfrm>
+            <a:prstGeom prst="rect">
+              <a:avLst/>
+            </a:prstGeom>
+            <a:solidFill>
+              <a:schemeClr val="accent1">
+                <a:lumMod val="40000"/>
+                <a:lumOff val="60000"/>
+              </a:schemeClr>
+            </a:solidFill>
+            <a:ln>
+              <a:noFill/>
+            </a:ln>
+          </p:spPr>
+          <p:style>
+            <a:lnRef idx="2">
+              <a:schemeClr val="accent1">
+                <a:shade val="50000"/>
+              </a:schemeClr>
+            </a:lnRef>
+            <a:fillRef idx="1">
+              <a:schemeClr val="accent1"/>
+            </a:fillRef>
+            <a:effectRef idx="0">
+              <a:schemeClr val="accent1"/>
+            </a:effectRef>
+            <a:fontRef idx="minor">
+              <a:schemeClr val="lt1"/>
+            </a:fontRef>
+          </p:style>
+          <p:txBody>
+            <a:bodyPr rtlCol="0" anchor="ctr"/>
+            <a:lstStyle/>
+            <a:p>
+              <a:pPr algn="ctr"/>
+              <a:endParaRPr lang="en-GB" dirty="0"/>
+            </a:p>
+          </p:txBody>
+        </p:sp>
+        <p:grpSp>
+          <p:nvGrpSpPr>
+            <p:cNvPr id="17" name="Group 16"/>
+            <p:cNvGrpSpPr/>
+            <p:nvPr/>
+          </p:nvGrpSpPr>
+          <p:grpSpPr>
+            <a:xfrm>
+              <a:off x="326660" y="2446281"/>
+              <a:ext cx="3516820" cy="4411719"/>
+              <a:chOff x="497171" y="2446281"/>
+              <a:chExt cx="3516820" cy="4411719"/>
+            </a:xfrm>
+          </p:grpSpPr>
+          <p:sp>
+            <p:nvSpPr>
+              <p:cNvPr id="13" name="Rectangle 12"/>
+              <p:cNvSpPr/>
+              <p:nvPr/>
+            </p:nvSpPr>
+            <p:spPr>
+              <a:xfrm>
+                <a:off x="497171" y="2446281"/>
+                <a:ext cx="3161916" cy="4411719"/>
+              </a:xfrm>
+              <a:prstGeom prst="rect">
+                <a:avLst/>
+              </a:prstGeom>
+              <a:solidFill>
+                <a:schemeClr val="accent1">
+                  <a:lumMod val="40000"/>
+                  <a:lumOff val="60000"/>
+                </a:schemeClr>
+              </a:solidFill>
+              <a:ln>
+                <a:noFill/>
+              </a:ln>
+            </p:spPr>
+            <p:style>
+              <a:lnRef idx="2">
+                <a:schemeClr val="accent1">
+                  <a:shade val="50000"/>
+                </a:schemeClr>
+              </a:lnRef>
+              <a:fillRef idx="1">
+                <a:schemeClr val="accent1"/>
+              </a:fillRef>
+              <a:effectRef idx="0">
+                <a:schemeClr val="accent1"/>
+              </a:effectRef>
+              <a:fontRef idx="minor">
+                <a:schemeClr val="lt1"/>
+              </a:fontRef>
+            </p:style>
+            <p:txBody>
+              <a:bodyPr rtlCol="0" anchor="ctr"/>
+              <a:lstStyle/>
+              <a:p>
+                <a:pPr algn="ctr"/>
+                <a:endParaRPr lang="en-GB" dirty="0"/>
+              </a:p>
+            </p:txBody>
+          </p:sp>
+          <p:sp>
+            <p:nvSpPr>
+              <p:cNvPr id="86" name="Rectangle 85"/>
+              <p:cNvSpPr/>
+              <p:nvPr/>
+            </p:nvSpPr>
+            <p:spPr>
+              <a:xfrm>
+                <a:off x="3659087" y="2724851"/>
+                <a:ext cx="354904" cy="1400060"/>
+              </a:xfrm>
+              <a:prstGeom prst="rect">
+                <a:avLst/>
+              </a:prstGeom>
+              <a:solidFill>
+                <a:schemeClr val="accent1">
+                  <a:lumMod val="40000"/>
+                  <a:lumOff val="60000"/>
+                </a:schemeClr>
+              </a:solidFill>
+              <a:ln>
+                <a:noFill/>
+              </a:ln>
+            </p:spPr>
+            <p:style>
+              <a:lnRef idx="2">
+                <a:schemeClr val="accent1">
+                  <a:shade val="50000"/>
+                </a:schemeClr>
+              </a:lnRef>
+              <a:fillRef idx="1">
+                <a:schemeClr val="accent1"/>
+              </a:fillRef>
+              <a:effectRef idx="0">
+                <a:schemeClr val="accent1"/>
+              </a:effectRef>
+              <a:fontRef idx="minor">
+                <a:schemeClr val="lt1"/>
+              </a:fontRef>
+            </p:style>
+            <p:txBody>
+              <a:bodyPr rtlCol="0" anchor="ctr"/>
+              <a:lstStyle/>
+              <a:p>
+                <a:pPr algn="ctr"/>
+                <a:endParaRPr lang="en-GB" dirty="0"/>
+              </a:p>
+            </p:txBody>
+          </p:sp>
+        </p:grpSp>
       </p:grpSp>
       <p:sp>
         <p:nvSpPr>
           <p:cNvPr id="84" name="Rectangle 83">
             <a:extLst>
               <a:ext uri="{FF2B5EF4-FFF2-40B4-BE49-F238E27FC236}">
-                <a16:creationId xmlns:a16="http://schemas.microsoft.com/office/drawing/2014/main" xmlns="" id="{FF8ECF35-CF58-43D8-A03A-5FE8544A266B}"/>
+                <a16:creationId xmlns:a16="http://schemas.microsoft.com/office/drawing/2014/main" id="{FF8ECF35-CF58-43D8-A03A-5FE8544A266B}"/>
               </a:ext>
             </a:extLst>
           </p:cNvPr>
@@ -8561,7 +8613,7 @@
           <a:lstStyle/>
           <a:p>
             <a:pPr algn="ctr"/>
-            <a:endParaRPr lang="en-GB"/>
+            <a:endParaRPr lang="en-GB" dirty="0"/>
           </a:p>
         </p:txBody>
       </p:sp>
@@ -8570,7 +8622,7 @@
           <p:cNvPr id="79" name="Rectangle 78">
             <a:extLst>
               <a:ext uri="{FF2B5EF4-FFF2-40B4-BE49-F238E27FC236}">
-                <a16:creationId xmlns:a16="http://schemas.microsoft.com/office/drawing/2014/main" xmlns="" id="{E67295A5-CD9B-42DF-A06B-173F8F469F8E}"/>
+                <a16:creationId xmlns:a16="http://schemas.microsoft.com/office/drawing/2014/main" id="{E67295A5-CD9B-42DF-A06B-173F8F469F8E}"/>
               </a:ext>
             </a:extLst>
           </p:cNvPr>
@@ -8613,7 +8665,7 @@
           <a:lstStyle/>
           <a:p>
             <a:pPr algn="ctr"/>
-            <a:endParaRPr lang="en-GB"/>
+            <a:endParaRPr lang="en-GB" dirty="0"/>
           </a:p>
         </p:txBody>
       </p:sp>
@@ -8622,7 +8674,7 @@
           <p:cNvPr id="72" name="Rectangle 71">
             <a:extLst>
               <a:ext uri="{FF2B5EF4-FFF2-40B4-BE49-F238E27FC236}">
-                <a16:creationId xmlns:a16="http://schemas.microsoft.com/office/drawing/2014/main" xmlns="" id="{FF8ECF35-CF58-43D8-A03A-5FE8544A266B}"/>
+                <a16:creationId xmlns:a16="http://schemas.microsoft.com/office/drawing/2014/main" id="{FF8ECF35-CF58-43D8-A03A-5FE8544A266B}"/>
               </a:ext>
             </a:extLst>
           </p:cNvPr>
@@ -8665,7 +8717,7 @@
           <a:lstStyle/>
           <a:p>
             <a:pPr algn="ctr"/>
-            <a:endParaRPr lang="en-GB"/>
+            <a:endParaRPr lang="en-GB" dirty="0"/>
           </a:p>
         </p:txBody>
       </p:sp>
@@ -8674,7 +8726,7 @@
           <p:cNvPr id="50" name="Rectangle 49">
             <a:extLst>
               <a:ext uri="{FF2B5EF4-FFF2-40B4-BE49-F238E27FC236}">
-                <a16:creationId xmlns:a16="http://schemas.microsoft.com/office/drawing/2014/main" xmlns="" id="{FF8ECF35-CF58-43D8-A03A-5FE8544A266B}"/>
+                <a16:creationId xmlns:a16="http://schemas.microsoft.com/office/drawing/2014/main" id="{FF8ECF35-CF58-43D8-A03A-5FE8544A266B}"/>
               </a:ext>
             </a:extLst>
           </p:cNvPr>
@@ -8720,7 +8772,7 @@
           <a:lstStyle/>
           <a:p>
             <a:pPr algn="ctr"/>
-            <a:endParaRPr lang="en-GB"/>
+            <a:endParaRPr lang="en-GB" dirty="0"/>
           </a:p>
         </p:txBody>
       </p:sp>
@@ -8729,7 +8781,7 @@
           <p:cNvPr id="49" name="Rectangle 48">
             <a:extLst>
               <a:ext uri="{FF2B5EF4-FFF2-40B4-BE49-F238E27FC236}">
-                <a16:creationId xmlns:a16="http://schemas.microsoft.com/office/drawing/2014/main" xmlns="" id="{E67295A5-CD9B-42DF-A06B-173F8F469F8E}"/>
+                <a16:creationId xmlns:a16="http://schemas.microsoft.com/office/drawing/2014/main" id="{E67295A5-CD9B-42DF-A06B-173F8F469F8E}"/>
               </a:ext>
             </a:extLst>
           </p:cNvPr>
@@ -8772,7 +8824,7 @@
           <a:lstStyle/>
           <a:p>
             <a:pPr algn="ctr"/>
-            <a:endParaRPr lang="en-GB"/>
+            <a:endParaRPr lang="en-GB" dirty="0"/>
           </a:p>
         </p:txBody>
       </p:sp>
@@ -8835,7 +8887,7 @@
             <a:lstStyle/>
             <a:p>
               <a:pPr algn="ctr"/>
-              <a:endParaRPr lang="en-GB"/>
+              <a:endParaRPr lang="en-GB" dirty="0"/>
             </a:p>
           </p:txBody>
         </p:sp>
@@ -8884,7 +8936,7 @@
             <a:lstStyle/>
             <a:p>
               <a:pPr algn="ctr"/>
-              <a:endParaRPr lang="en-GB"/>
+              <a:endParaRPr lang="en-GB" dirty="0"/>
             </a:p>
           </p:txBody>
         </p:sp>
@@ -8933,7 +8985,7 @@
             <a:lstStyle/>
             <a:p>
               <a:pPr algn="ctr"/>
-              <a:endParaRPr lang="en-GB"/>
+              <a:endParaRPr lang="en-GB" dirty="0"/>
             </a:p>
           </p:txBody>
         </p:sp>
@@ -8982,7 +9034,7 @@
             <a:lstStyle/>
             <a:p>
               <a:pPr algn="ctr"/>
-              <a:endParaRPr lang="en-GB"/>
+              <a:endParaRPr lang="en-GB" dirty="0"/>
             </a:p>
           </p:txBody>
         </p:sp>
@@ -8992,7 +9044,7 @@
           <p:cNvPr id="45" name="Flowchart: Manual Input 44">
             <a:extLst>
               <a:ext uri="{FF2B5EF4-FFF2-40B4-BE49-F238E27FC236}">
-                <a16:creationId xmlns:a16="http://schemas.microsoft.com/office/drawing/2014/main" xmlns="" id="{BA5F8287-28B2-4933-91CE-CCF8DA7FDCDF}"/>
+                <a16:creationId xmlns:a16="http://schemas.microsoft.com/office/drawing/2014/main" id="{BA5F8287-28B2-4933-91CE-CCF8DA7FDCDF}"/>
               </a:ext>
             </a:extLst>
           </p:cNvPr>
@@ -9035,7 +9087,7 @@
           <a:lstStyle/>
           <a:p>
             <a:pPr algn="ctr"/>
-            <a:endParaRPr lang="en-GB"/>
+            <a:endParaRPr lang="en-GB" dirty="0"/>
           </a:p>
         </p:txBody>
       </p:sp>
@@ -9044,7 +9096,7 @@
           <p:cNvPr id="4" name="Right Triangle 3">
             <a:extLst>
               <a:ext uri="{FF2B5EF4-FFF2-40B4-BE49-F238E27FC236}">
-                <a16:creationId xmlns:a16="http://schemas.microsoft.com/office/drawing/2014/main" xmlns="" id="{464F1B2E-5DF7-46D5-BDFC-472B9191165F}"/>
+                <a16:creationId xmlns:a16="http://schemas.microsoft.com/office/drawing/2014/main" id="{464F1B2E-5DF7-46D5-BDFC-472B9191165F}"/>
               </a:ext>
             </a:extLst>
           </p:cNvPr>
@@ -9087,7 +9139,7 @@
           <a:lstStyle/>
           <a:p>
             <a:pPr algn="ctr"/>
-            <a:endParaRPr lang="en-GB"/>
+            <a:endParaRPr lang="en-GB" dirty="0"/>
           </a:p>
         </p:txBody>
       </p:sp>
@@ -9096,7 +9148,7 @@
           <p:cNvPr id="5" name="TextBox 4">
             <a:extLst>
               <a:ext uri="{FF2B5EF4-FFF2-40B4-BE49-F238E27FC236}">
-                <a16:creationId xmlns:a16="http://schemas.microsoft.com/office/drawing/2014/main" xmlns="" id="{C9845309-04CD-46F6-826C-E8307EB2CC9D}"/>
+                <a16:creationId xmlns:a16="http://schemas.microsoft.com/office/drawing/2014/main" id="{C9845309-04CD-46F6-826C-E8307EB2CC9D}"/>
               </a:ext>
             </a:extLst>
           </p:cNvPr>
@@ -9143,7 +9195,7 @@
           <p:cNvPr id="11" name="Straight Arrow Connector 10">
             <a:extLst>
               <a:ext uri="{FF2B5EF4-FFF2-40B4-BE49-F238E27FC236}">
-                <a16:creationId xmlns:a16="http://schemas.microsoft.com/office/drawing/2014/main" xmlns="" id="{30AD2B9B-64B2-4F8A-8BA3-3D5BA859AC6B}"/>
+                <a16:creationId xmlns:a16="http://schemas.microsoft.com/office/drawing/2014/main" id="{30AD2B9B-64B2-4F8A-8BA3-3D5BA859AC6B}"/>
               </a:ext>
             </a:extLst>
           </p:cNvPr>
@@ -9189,7 +9241,7 @@
           <p:cNvPr id="18" name="TextBox 17">
             <a:extLst>
               <a:ext uri="{FF2B5EF4-FFF2-40B4-BE49-F238E27FC236}">
-                <a16:creationId xmlns:a16="http://schemas.microsoft.com/office/drawing/2014/main" xmlns="" id="{C41D69F8-1C98-4A01-95D1-ABD1D10BDD7D}"/>
+                <a16:creationId xmlns:a16="http://schemas.microsoft.com/office/drawing/2014/main" id="{C41D69F8-1C98-4A01-95D1-ABD1D10BDD7D}"/>
               </a:ext>
             </a:extLst>
           </p:cNvPr>
@@ -9232,7 +9284,7 @@
           <p:cNvPr id="19" name="TextBox 18">
             <a:extLst>
               <a:ext uri="{FF2B5EF4-FFF2-40B4-BE49-F238E27FC236}">
-                <a16:creationId xmlns:a16="http://schemas.microsoft.com/office/drawing/2014/main" xmlns="" id="{A92D38FB-61D2-4DD1-B8DC-4C9CB4AF5010}"/>
+                <a16:creationId xmlns:a16="http://schemas.microsoft.com/office/drawing/2014/main" id="{A92D38FB-61D2-4DD1-B8DC-4C9CB4AF5010}"/>
               </a:ext>
             </a:extLst>
           </p:cNvPr>
@@ -9274,7 +9326,7 @@
           <p:cNvPr id="20" name="TextBox 19">
             <a:extLst>
               <a:ext uri="{FF2B5EF4-FFF2-40B4-BE49-F238E27FC236}">
-                <a16:creationId xmlns:a16="http://schemas.microsoft.com/office/drawing/2014/main" xmlns="" id="{751537D2-5CA2-46E9-98DA-5D0BC05C4061}"/>
+                <a16:creationId xmlns:a16="http://schemas.microsoft.com/office/drawing/2014/main" id="{751537D2-5CA2-46E9-98DA-5D0BC05C4061}"/>
               </a:ext>
             </a:extLst>
           </p:cNvPr>
@@ -9320,7 +9372,7 @@
           <p:cNvPr id="22" name="Rectangle 21">
             <a:extLst>
               <a:ext uri="{FF2B5EF4-FFF2-40B4-BE49-F238E27FC236}">
-                <a16:creationId xmlns:a16="http://schemas.microsoft.com/office/drawing/2014/main" xmlns="" id="{ADD36DBD-8DDC-434F-9125-A76A4D4E0292}"/>
+                <a16:creationId xmlns:a16="http://schemas.microsoft.com/office/drawing/2014/main" id="{ADD36DBD-8DDC-434F-9125-A76A4D4E0292}"/>
               </a:ext>
             </a:extLst>
           </p:cNvPr>
@@ -9363,7 +9415,7 @@
           <a:lstStyle/>
           <a:p>
             <a:pPr algn="ctr"/>
-            <a:endParaRPr lang="en-GB"/>
+            <a:endParaRPr lang="en-GB" dirty="0"/>
           </a:p>
         </p:txBody>
       </p:sp>
@@ -9372,7 +9424,7 @@
           <p:cNvPr id="23" name="TextBox 22">
             <a:extLst>
               <a:ext uri="{FF2B5EF4-FFF2-40B4-BE49-F238E27FC236}">
-                <a16:creationId xmlns:a16="http://schemas.microsoft.com/office/drawing/2014/main" xmlns="" id="{ED06F2CA-B022-4B57-93BA-3A4A5FD519CB}"/>
+                <a16:creationId xmlns:a16="http://schemas.microsoft.com/office/drawing/2014/main" id="{ED06F2CA-B022-4B57-93BA-3A4A5FD519CB}"/>
               </a:ext>
             </a:extLst>
           </p:cNvPr>
@@ -9437,7 +9489,7 @@
           <p:cNvPr id="24" name="Straight Arrow Connector 23">
             <a:extLst>
               <a:ext uri="{FF2B5EF4-FFF2-40B4-BE49-F238E27FC236}">
-                <a16:creationId xmlns:a16="http://schemas.microsoft.com/office/drawing/2014/main" xmlns="" id="{63C8345C-A17E-44D4-B240-B3C2E331255D}"/>
+                <a16:creationId xmlns:a16="http://schemas.microsoft.com/office/drawing/2014/main" id="{63C8345C-A17E-44D4-B240-B3C2E331255D}"/>
               </a:ext>
             </a:extLst>
           </p:cNvPr>
@@ -9483,7 +9535,7 @@
           <p:cNvPr id="32" name="TextBox 31">
             <a:extLst>
               <a:ext uri="{FF2B5EF4-FFF2-40B4-BE49-F238E27FC236}">
-                <a16:creationId xmlns:a16="http://schemas.microsoft.com/office/drawing/2014/main" xmlns="" id="{1ADC0E6E-5955-4431-A055-13C603AF1C44}"/>
+                <a16:creationId xmlns:a16="http://schemas.microsoft.com/office/drawing/2014/main" id="{1ADC0E6E-5955-4431-A055-13C603AF1C44}"/>
               </a:ext>
             </a:extLst>
           </p:cNvPr>
@@ -9519,7 +9571,7 @@
           <p:cNvPr id="33" name="Flowchart: Delay 32">
             <a:extLst>
               <a:ext uri="{FF2B5EF4-FFF2-40B4-BE49-F238E27FC236}">
-                <a16:creationId xmlns:a16="http://schemas.microsoft.com/office/drawing/2014/main" xmlns="" id="{4FFA08B9-25E3-46A3-8F38-170EF9FDDAA3}"/>
+                <a16:creationId xmlns:a16="http://schemas.microsoft.com/office/drawing/2014/main" id="{4FFA08B9-25E3-46A3-8F38-170EF9FDDAA3}"/>
               </a:ext>
             </a:extLst>
           </p:cNvPr>
@@ -9562,7 +9614,7 @@
           <a:lstStyle/>
           <a:p>
             <a:pPr algn="ctr"/>
-            <a:endParaRPr lang="en-GB"/>
+            <a:endParaRPr lang="en-GB" dirty="0"/>
           </a:p>
         </p:txBody>
       </p:sp>
@@ -9571,7 +9623,7 @@
           <p:cNvPr id="38" name="Straight Arrow Connector 37">
             <a:extLst>
               <a:ext uri="{FF2B5EF4-FFF2-40B4-BE49-F238E27FC236}">
-                <a16:creationId xmlns:a16="http://schemas.microsoft.com/office/drawing/2014/main" xmlns="" id="{6499CFC4-90F7-4835-AE26-D8AB856D5641}"/>
+                <a16:creationId xmlns:a16="http://schemas.microsoft.com/office/drawing/2014/main" id="{6499CFC4-90F7-4835-AE26-D8AB856D5641}"/>
               </a:ext>
             </a:extLst>
           </p:cNvPr>
@@ -9618,7 +9670,7 @@
           <p:cNvPr id="43" name="TextBox 42">
             <a:extLst>
               <a:ext uri="{FF2B5EF4-FFF2-40B4-BE49-F238E27FC236}">
-                <a16:creationId xmlns:a16="http://schemas.microsoft.com/office/drawing/2014/main" xmlns="" id="{358B10D6-A0B4-4434-AACB-C474B6F3546A}"/>
+                <a16:creationId xmlns:a16="http://schemas.microsoft.com/office/drawing/2014/main" id="{358B10D6-A0B4-4434-AACB-C474B6F3546A}"/>
               </a:ext>
             </a:extLst>
           </p:cNvPr>
@@ -9650,10 +9702,9 @@
           <a:p>
             <a:pPr algn="ctr"/>
             <a:r>
-              <a:rPr lang="en-GB" sz="1400" dirty="0" smtClean="0"/>
+              <a:rPr lang="en-GB" sz="1400" dirty="0"/>
               <a:t>Background</a:t>
             </a:r>
-            <a:endParaRPr lang="en-GB" sz="1400" dirty="0"/>
           </a:p>
         </p:txBody>
       </p:sp>
@@ -9662,7 +9713,7 @@
           <p:cNvPr id="44" name="TextBox 43">
             <a:extLst>
               <a:ext uri="{FF2B5EF4-FFF2-40B4-BE49-F238E27FC236}">
-                <a16:creationId xmlns:a16="http://schemas.microsoft.com/office/drawing/2014/main" xmlns="" id="{BAB3948D-F827-44D1-B40E-A737164AC616}"/>
+                <a16:creationId xmlns:a16="http://schemas.microsoft.com/office/drawing/2014/main" id="{BAB3948D-F827-44D1-B40E-A737164AC616}"/>
               </a:ext>
             </a:extLst>
           </p:cNvPr>
@@ -9745,7 +9796,7 @@
           <p:cNvPr id="46" name="Flowchart: Alternate Process 45">
             <a:extLst>
               <a:ext uri="{FF2B5EF4-FFF2-40B4-BE49-F238E27FC236}">
-                <a16:creationId xmlns:a16="http://schemas.microsoft.com/office/drawing/2014/main" xmlns="" id="{788ACF15-712D-427B-85E3-BFDE6D2778B7}"/>
+                <a16:creationId xmlns:a16="http://schemas.microsoft.com/office/drawing/2014/main" id="{788ACF15-712D-427B-85E3-BFDE6D2778B7}"/>
               </a:ext>
             </a:extLst>
           </p:cNvPr>
@@ -9788,7 +9839,7 @@
           <a:lstStyle/>
           <a:p>
             <a:pPr algn="ctr"/>
-            <a:endParaRPr lang="en-GB"/>
+            <a:endParaRPr lang="en-GB" dirty="0"/>
           </a:p>
         </p:txBody>
       </p:sp>
@@ -9797,7 +9848,7 @@
           <p:cNvPr id="47" name="TextBox 46">
             <a:extLst>
               <a:ext uri="{FF2B5EF4-FFF2-40B4-BE49-F238E27FC236}">
-                <a16:creationId xmlns:a16="http://schemas.microsoft.com/office/drawing/2014/main" xmlns="" id="{74812398-B0DB-4253-BDA5-F09C7A7449E7}"/>
+                <a16:creationId xmlns:a16="http://schemas.microsoft.com/office/drawing/2014/main" id="{74812398-B0DB-4253-BDA5-F09C7A7449E7}"/>
               </a:ext>
             </a:extLst>
           </p:cNvPr>
@@ -9880,7 +9931,7 @@
           <p:cNvPr id="52" name="Arrow: Chevron 51">
             <a:extLst>
               <a:ext uri="{FF2B5EF4-FFF2-40B4-BE49-F238E27FC236}">
-                <a16:creationId xmlns:a16="http://schemas.microsoft.com/office/drawing/2014/main" xmlns="" id="{842C5092-8294-4030-A526-A8C839E4F69D}"/>
+                <a16:creationId xmlns:a16="http://schemas.microsoft.com/office/drawing/2014/main" id="{842C5092-8294-4030-A526-A8C839E4F69D}"/>
               </a:ext>
             </a:extLst>
           </p:cNvPr>
@@ -9925,7 +9976,7 @@
           <a:lstStyle/>
           <a:p>
             <a:pPr algn="ctr"/>
-            <a:endParaRPr lang="en-GB"/>
+            <a:endParaRPr lang="en-GB" dirty="0"/>
           </a:p>
         </p:txBody>
       </p:sp>
@@ -9934,7 +9985,7 @@
           <p:cNvPr id="53" name="TextBox 52">
             <a:extLst>
               <a:ext uri="{FF2B5EF4-FFF2-40B4-BE49-F238E27FC236}">
-                <a16:creationId xmlns:a16="http://schemas.microsoft.com/office/drawing/2014/main" xmlns="" id="{5D685C8E-8026-4C55-BE1C-CC18B646995B}"/>
+                <a16:creationId xmlns:a16="http://schemas.microsoft.com/office/drawing/2014/main" id="{5D685C8E-8026-4C55-BE1C-CC18B646995B}"/>
               </a:ext>
             </a:extLst>
           </p:cNvPr>
@@ -9999,7 +10050,7 @@
           <p:cNvPr id="55" name="Straight Arrow Connector 54">
             <a:extLst>
               <a:ext uri="{FF2B5EF4-FFF2-40B4-BE49-F238E27FC236}">
-                <a16:creationId xmlns:a16="http://schemas.microsoft.com/office/drawing/2014/main" xmlns="" id="{D93FAD61-E741-499C-820D-AF2A26A6E4DB}"/>
+                <a16:creationId xmlns:a16="http://schemas.microsoft.com/office/drawing/2014/main" id="{D93FAD61-E741-499C-820D-AF2A26A6E4DB}"/>
               </a:ext>
             </a:extLst>
           </p:cNvPr>
@@ -10045,7 +10096,7 @@
           <p:cNvPr id="56" name="TextBox 55">
             <a:extLst>
               <a:ext uri="{FF2B5EF4-FFF2-40B4-BE49-F238E27FC236}">
-                <a16:creationId xmlns:a16="http://schemas.microsoft.com/office/drawing/2014/main" xmlns="" id="{B32A810F-BF6B-4000-9AFD-8B8D42D80E47}"/>
+                <a16:creationId xmlns:a16="http://schemas.microsoft.com/office/drawing/2014/main" id="{B32A810F-BF6B-4000-9AFD-8B8D42D80E47}"/>
               </a:ext>
             </a:extLst>
           </p:cNvPr>
@@ -10071,16 +10122,8 @@
             <a:pPr algn="ctr"/>
             <a:r>
               <a:rPr lang="en-GB" sz="1400" dirty="0"/>
-              <a:t>◄</a:t>
+              <a:t>◄ Labels</a:t>
             </a:r>
-            <a:r>
-              <a:rPr lang="en-GB" sz="1400" dirty="0" smtClean="0"/>
-              <a:t> </a:t>
-            </a:r>
-            <a:r>
-              <a:rPr lang="en-GB" sz="1400" dirty="0"/>
-              <a:t>Labels</a:t>
-            </a:r>
           </a:p>
         </p:txBody>
       </p:sp>
@@ -10089,7 +10132,7 @@
           <p:cNvPr id="57" name="TextBox 56">
             <a:extLst>
               <a:ext uri="{FF2B5EF4-FFF2-40B4-BE49-F238E27FC236}">
-                <a16:creationId xmlns:a16="http://schemas.microsoft.com/office/drawing/2014/main" xmlns="" id="{F0193D04-3208-4F06-BBA2-FE37BC71626F}"/>
+                <a16:creationId xmlns:a16="http://schemas.microsoft.com/office/drawing/2014/main" id="{F0193D04-3208-4F06-BBA2-FE37BC71626F}"/>
               </a:ext>
             </a:extLst>
           </p:cNvPr>
@@ -10114,20 +10157,16 @@
           <a:p>
             <a:pPr algn="ctr"/>
             <a:r>
-              <a:rPr lang="en-GB" sz="1400" dirty="0" smtClean="0"/>
+              <a:rPr lang="en-GB" sz="1400" dirty="0"/>
               <a:t>▲</a:t>
             </a:r>
           </a:p>
           <a:p>
             <a:pPr algn="ctr"/>
             <a:r>
-              <a:rPr lang="en-GB" sz="1400" dirty="0" smtClean="0"/>
-              <a:t>Labelled </a:t>
+              <a:rPr lang="en-GB" sz="1400" dirty="0"/>
+              <a:t>Labelled Objects</a:t>
             </a:r>
-            <a:r>
-              <a:rPr lang="en-GB" sz="1400" dirty="0"/>
-              <a:t>Objects</a:t>
-            </a:r>
           </a:p>
         </p:txBody>
       </p:sp>
@@ -10136,7 +10175,7 @@
           <p:cNvPr id="80" name="Rectangle 79">
             <a:extLst>
               <a:ext uri="{FF2B5EF4-FFF2-40B4-BE49-F238E27FC236}">
-                <a16:creationId xmlns:a16="http://schemas.microsoft.com/office/drawing/2014/main" xmlns="" id="{CF30EFBD-3437-4FDF-9081-13DBAAD65887}"/>
+                <a16:creationId xmlns:a16="http://schemas.microsoft.com/office/drawing/2014/main" id="{CF30EFBD-3437-4FDF-9081-13DBAAD65887}"/>
               </a:ext>
             </a:extLst>
           </p:cNvPr>
@@ -10179,7 +10218,7 @@
           <a:lstStyle/>
           <a:p>
             <a:pPr algn="ctr"/>
-            <a:endParaRPr lang="en-GB"/>
+            <a:endParaRPr lang="en-GB" dirty="0"/>
           </a:p>
         </p:txBody>
       </p:sp>
@@ -10188,7 +10227,7 @@
           <p:cNvPr id="81" name="TextBox 80">
             <a:extLst>
               <a:ext uri="{FF2B5EF4-FFF2-40B4-BE49-F238E27FC236}">
-                <a16:creationId xmlns:a16="http://schemas.microsoft.com/office/drawing/2014/main" xmlns="" id="{4E211EC3-F05E-4D22-B4D7-E50D6AC867AA}"/>
+                <a16:creationId xmlns:a16="http://schemas.microsoft.com/office/drawing/2014/main" id="{4E211EC3-F05E-4D22-B4D7-E50D6AC867AA}"/>
               </a:ext>
             </a:extLst>
           </p:cNvPr>
@@ -10253,7 +10292,7 @@
           <p:cNvPr id="82" name="Straight Arrow Connector 81">
             <a:extLst>
               <a:ext uri="{FF2B5EF4-FFF2-40B4-BE49-F238E27FC236}">
-                <a16:creationId xmlns:a16="http://schemas.microsoft.com/office/drawing/2014/main" xmlns="" id="{EF6A4085-3032-4ED6-B8C5-9D0D4489DE48}"/>
+                <a16:creationId xmlns:a16="http://schemas.microsoft.com/office/drawing/2014/main" id="{EF6A4085-3032-4ED6-B8C5-9D0D4489DE48}"/>
               </a:ext>
             </a:extLst>
           </p:cNvPr>
@@ -10412,7 +10451,7 @@
           <a:lstStyle/>
           <a:p>
             <a:pPr algn="ctr"/>
-            <a:endParaRPr lang="en-GB">
+            <a:endParaRPr lang="en-GB" dirty="0">
               <a:solidFill>
                 <a:schemeClr val="tx1"/>
               </a:solidFill>
@@ -10425,7 +10464,7 @@
           <p:cNvPr id="41" name="TextBox 40">
             <a:extLst>
               <a:ext uri="{FF2B5EF4-FFF2-40B4-BE49-F238E27FC236}">
-                <a16:creationId xmlns:a16="http://schemas.microsoft.com/office/drawing/2014/main" xmlns="" id="{358B10D6-A0B4-4434-AACB-C474B6F3546A}"/>
+                <a16:creationId xmlns:a16="http://schemas.microsoft.com/office/drawing/2014/main" id="{358B10D6-A0B4-4434-AACB-C474B6F3546A}"/>
               </a:ext>
             </a:extLst>
           </p:cNvPr>
@@ -10457,10 +10496,9 @@
           <a:p>
             <a:pPr algn="ctr"/>
             <a:r>
-              <a:rPr lang="en-GB" sz="1400" dirty="0" smtClean="0"/>
+              <a:rPr lang="en-GB" sz="1400" dirty="0"/>
               <a:t>▼</a:t>
             </a:r>
-            <a:endParaRPr lang="en-GB" sz="1400" dirty="0"/>
           </a:p>
         </p:txBody>
       </p:sp>
@@ -10469,7 +10507,7 @@
           <p:cNvPr id="42" name="TextBox 41">
             <a:extLst>
               <a:ext uri="{FF2B5EF4-FFF2-40B4-BE49-F238E27FC236}">
-                <a16:creationId xmlns:a16="http://schemas.microsoft.com/office/drawing/2014/main" xmlns="" id="{F0193D04-3208-4F06-BBA2-FE37BC71626F}"/>
+                <a16:creationId xmlns:a16="http://schemas.microsoft.com/office/drawing/2014/main" id="{F0193D04-3208-4F06-BBA2-FE37BC71626F}"/>
               </a:ext>
             </a:extLst>
           </p:cNvPr>
@@ -10512,7 +10550,7 @@
           <p:cNvPr id="48" name="TextBox 47">
             <a:extLst>
               <a:ext uri="{FF2B5EF4-FFF2-40B4-BE49-F238E27FC236}">
-                <a16:creationId xmlns:a16="http://schemas.microsoft.com/office/drawing/2014/main" xmlns="" id="{B32A810F-BF6B-4000-9AFD-8B8D42D80E47}"/>
+                <a16:creationId xmlns:a16="http://schemas.microsoft.com/office/drawing/2014/main" id="{B32A810F-BF6B-4000-9AFD-8B8D42D80E47}"/>
               </a:ext>
             </a:extLst>
           </p:cNvPr>
@@ -10537,10 +10575,9 @@
           <a:p>
             <a:pPr algn="ctr"/>
             <a:r>
-              <a:rPr lang="en-GB" sz="1400" dirty="0" smtClean="0"/>
+              <a:rPr lang="en-GB" sz="1400" dirty="0"/>
               <a:t>Instructions ►</a:t>
             </a:r>
-            <a:endParaRPr lang="en-GB" sz="1400" dirty="0"/>
           </a:p>
         </p:txBody>
       </p:sp>
@@ -10549,7 +10586,7 @@
           <p:cNvPr id="51" name="Rectangle 50">
             <a:extLst>
               <a:ext uri="{FF2B5EF4-FFF2-40B4-BE49-F238E27FC236}">
-                <a16:creationId xmlns:a16="http://schemas.microsoft.com/office/drawing/2014/main" xmlns="" id="{ADD36DBD-8DDC-434F-9125-A76A4D4E0292}"/>
+                <a16:creationId xmlns:a16="http://schemas.microsoft.com/office/drawing/2014/main" id="{ADD36DBD-8DDC-434F-9125-A76A4D4E0292}"/>
               </a:ext>
             </a:extLst>
           </p:cNvPr>
@@ -10592,7 +10629,7 @@
           <a:lstStyle/>
           <a:p>
             <a:pPr algn="ctr"/>
-            <a:endParaRPr lang="en-GB"/>
+            <a:endParaRPr lang="en-GB" dirty="0"/>
           </a:p>
         </p:txBody>
       </p:sp>
@@ -10601,7 +10638,7 @@
           <p:cNvPr id="54" name="TextBox 53">
             <a:extLst>
               <a:ext uri="{FF2B5EF4-FFF2-40B4-BE49-F238E27FC236}">
-                <a16:creationId xmlns:a16="http://schemas.microsoft.com/office/drawing/2014/main" xmlns="" id="{ED06F2CA-B022-4B57-93BA-3A4A5FD519CB}"/>
+                <a16:creationId xmlns:a16="http://schemas.microsoft.com/office/drawing/2014/main" id="{ED06F2CA-B022-4B57-93BA-3A4A5FD519CB}"/>
               </a:ext>
             </a:extLst>
           </p:cNvPr>
@@ -10684,7 +10721,7 @@
           <p:cNvPr id="58" name="Straight Arrow Connector 57">
             <a:extLst>
               <a:ext uri="{FF2B5EF4-FFF2-40B4-BE49-F238E27FC236}">
-                <a16:creationId xmlns:a16="http://schemas.microsoft.com/office/drawing/2014/main" xmlns="" id="{D93FAD61-E741-499C-820D-AF2A26A6E4DB}"/>
+                <a16:creationId xmlns:a16="http://schemas.microsoft.com/office/drawing/2014/main" id="{D93FAD61-E741-499C-820D-AF2A26A6E4DB}"/>
               </a:ext>
             </a:extLst>
           </p:cNvPr>
@@ -10730,7 +10767,7 @@
           <p:cNvPr id="59" name="TextBox 58">
             <a:extLst>
               <a:ext uri="{FF2B5EF4-FFF2-40B4-BE49-F238E27FC236}">
-                <a16:creationId xmlns:a16="http://schemas.microsoft.com/office/drawing/2014/main" xmlns="" id="{F0193D04-3208-4F06-BBA2-FE37BC71626F}"/>
+                <a16:creationId xmlns:a16="http://schemas.microsoft.com/office/drawing/2014/main" id="{F0193D04-3208-4F06-BBA2-FE37BC71626F}"/>
               </a:ext>
             </a:extLst>
           </p:cNvPr>
@@ -10755,18 +10792,16 @@
           <a:p>
             <a:pPr algn="ctr"/>
             <a:r>
-              <a:rPr lang="en-GB" sz="1400" dirty="0" smtClean="0"/>
+              <a:rPr lang="en-GB" sz="1400" dirty="0"/>
               <a:t>▲</a:t>
             </a:r>
-            <a:endParaRPr lang="en-GB" sz="1400" dirty="0"/>
           </a:p>
           <a:p>
             <a:pPr algn="ctr"/>
             <a:r>
-              <a:rPr lang="en-GB" sz="1400" dirty="0" smtClean="0"/>
+              <a:rPr lang="en-GB" sz="1400" dirty="0"/>
               <a:t>Objects</a:t>
             </a:r>
-            <a:endParaRPr lang="en-GB" sz="1400" dirty="0"/>
           </a:p>
         </p:txBody>
       </p:sp>
@@ -10775,7 +10810,7 @@
           <p:cNvPr id="60" name="TextBox 59">
             <a:extLst>
               <a:ext uri="{FF2B5EF4-FFF2-40B4-BE49-F238E27FC236}">
-                <a16:creationId xmlns:a16="http://schemas.microsoft.com/office/drawing/2014/main" xmlns="" id="{B32A810F-BF6B-4000-9AFD-8B8D42D80E47}"/>
+                <a16:creationId xmlns:a16="http://schemas.microsoft.com/office/drawing/2014/main" id="{B32A810F-BF6B-4000-9AFD-8B8D42D80E47}"/>
               </a:ext>
             </a:extLst>
           </p:cNvPr>
@@ -10800,14 +10835,9 @@
           <a:p>
             <a:pPr algn="ctr"/>
             <a:r>
-              <a:rPr lang="en-GB" sz="1400" dirty="0" smtClean="0"/>
-              <a:t>Object </a:t>
+              <a:rPr lang="en-GB" sz="1400" dirty="0"/>
+              <a:t>Object ►</a:t>
             </a:r>
-            <a:r>
-              <a:rPr lang="en-GB" sz="1400" dirty="0"/>
-              <a:t>►</a:t>
-            </a:r>
-            <a:endParaRPr lang="en-GB" sz="1400" dirty="0"/>
           </a:p>
         </p:txBody>
       </p:sp>
@@ -10816,7 +10846,7 @@
           <p:cNvPr id="62" name="Group 61">
             <a:extLst>
               <a:ext uri="{FF2B5EF4-FFF2-40B4-BE49-F238E27FC236}">
-                <a16:creationId xmlns:a16="http://schemas.microsoft.com/office/drawing/2014/main" xmlns="" id="{0EB7F6F5-EE0C-4A6A-91A8-4227CAAA66AD}"/>
+                <a16:creationId xmlns:a16="http://schemas.microsoft.com/office/drawing/2014/main" id="{0EB7F6F5-EE0C-4A6A-91A8-4227CAAA66AD}"/>
               </a:ext>
             </a:extLst>
           </p:cNvPr>
@@ -10836,7 +10866,7 @@
             <p:cNvPr id="63" name="Rectangle: Rounded Corners 15">
               <a:extLst>
                 <a:ext uri="{FF2B5EF4-FFF2-40B4-BE49-F238E27FC236}">
-                  <a16:creationId xmlns:a16="http://schemas.microsoft.com/office/drawing/2014/main" xmlns="" id="{4910E712-7CCC-4036-BB7D-5C63E9E5FDAB}"/>
+                  <a16:creationId xmlns:a16="http://schemas.microsoft.com/office/drawing/2014/main" id="{4910E712-7CCC-4036-BB7D-5C63E9E5FDAB}"/>
                 </a:ext>
               </a:extLst>
             </p:cNvPr>
@@ -10883,7 +10913,7 @@
             <a:lstStyle/>
             <a:p>
               <a:pPr algn="ctr"/>
-              <a:endParaRPr lang="en-GB"/>
+              <a:endParaRPr lang="en-GB" dirty="0"/>
             </a:p>
           </p:txBody>
         </p:sp>
@@ -10892,7 +10922,7 @@
             <p:cNvPr id="64" name="Rectangle: Rounded Corners 16">
               <a:extLst>
                 <a:ext uri="{FF2B5EF4-FFF2-40B4-BE49-F238E27FC236}">
-                  <a16:creationId xmlns:a16="http://schemas.microsoft.com/office/drawing/2014/main" xmlns="" id="{203D6D70-B921-4172-8BB5-E3E2F3045288}"/>
+                  <a16:creationId xmlns:a16="http://schemas.microsoft.com/office/drawing/2014/main" id="{203D6D70-B921-4172-8BB5-E3E2F3045288}"/>
                 </a:ext>
               </a:extLst>
             </p:cNvPr>
@@ -10939,7 +10969,7 @@
             <a:lstStyle/>
             <a:p>
               <a:pPr algn="ctr"/>
-              <a:endParaRPr lang="en-GB"/>
+              <a:endParaRPr lang="en-GB" dirty="0"/>
             </a:p>
           </p:txBody>
         </p:sp>
@@ -10948,7 +10978,7 @@
             <p:cNvPr id="65" name="Rectangle 64">
               <a:extLst>
                 <a:ext uri="{FF2B5EF4-FFF2-40B4-BE49-F238E27FC236}">
-                  <a16:creationId xmlns:a16="http://schemas.microsoft.com/office/drawing/2014/main" xmlns="" id="{8F9E3AED-DA06-41E3-B4CB-F98B313D387C}"/>
+                  <a16:creationId xmlns:a16="http://schemas.microsoft.com/office/drawing/2014/main" id="{8F9E3AED-DA06-41E3-B4CB-F98B313D387C}"/>
                 </a:ext>
               </a:extLst>
             </p:cNvPr>
@@ -10993,7 +11023,7 @@
             <a:lstStyle/>
             <a:p>
               <a:pPr algn="ctr"/>
-              <a:endParaRPr lang="en-GB"/>
+              <a:endParaRPr lang="en-GB" dirty="0"/>
             </a:p>
           </p:txBody>
         </p:sp>
@@ -11003,7 +11033,7 @@
           <p:cNvPr id="68" name="Straight Arrow Connector 67">
             <a:extLst>
               <a:ext uri="{FF2B5EF4-FFF2-40B4-BE49-F238E27FC236}">
-                <a16:creationId xmlns:a16="http://schemas.microsoft.com/office/drawing/2014/main" xmlns="" id="{D93FAD61-E741-499C-820D-AF2A26A6E4DB}"/>
+                <a16:creationId xmlns:a16="http://schemas.microsoft.com/office/drawing/2014/main" id="{D93FAD61-E741-499C-820D-AF2A26A6E4DB}"/>
               </a:ext>
             </a:extLst>
           </p:cNvPr>
@@ -11049,7 +11079,7 @@
           <p:cNvPr id="69" name="TextBox 68">
             <a:extLst>
               <a:ext uri="{FF2B5EF4-FFF2-40B4-BE49-F238E27FC236}">
-                <a16:creationId xmlns:a16="http://schemas.microsoft.com/office/drawing/2014/main" xmlns="" id="{4E211EC3-F05E-4D22-B4D7-E50D6AC867AA}"/>
+                <a16:creationId xmlns:a16="http://schemas.microsoft.com/office/drawing/2014/main" id="{4E211EC3-F05E-4D22-B4D7-E50D6AC867AA}"/>
               </a:ext>
             </a:extLst>
           </p:cNvPr>
@@ -11096,7 +11126,7 @@
           <p:cNvPr id="70" name="TextBox 69">
             <a:extLst>
               <a:ext uri="{FF2B5EF4-FFF2-40B4-BE49-F238E27FC236}">
-                <a16:creationId xmlns:a16="http://schemas.microsoft.com/office/drawing/2014/main" xmlns="" id="{F0193D04-3208-4F06-BBA2-FE37BC71626F}"/>
+                <a16:creationId xmlns:a16="http://schemas.microsoft.com/office/drawing/2014/main" id="{F0193D04-3208-4F06-BBA2-FE37BC71626F}"/>
               </a:ext>
             </a:extLst>
           </p:cNvPr>
@@ -11121,18 +11151,16 @@
           <a:p>
             <a:pPr algn="ctr"/>
             <a:r>
-              <a:rPr lang="en-GB" sz="1400" dirty="0" smtClean="0"/>
+              <a:rPr lang="en-GB" sz="1400" dirty="0"/>
               <a:t>Position</a:t>
             </a:r>
-            <a:endParaRPr lang="en-GB" sz="1400" dirty="0" smtClean="0"/>
           </a:p>
           <a:p>
             <a:pPr algn="ctr"/>
             <a:r>
-              <a:rPr lang="en-GB" sz="1400" dirty="0" smtClean="0"/>
+              <a:rPr lang="en-GB" sz="1400" dirty="0"/>
               <a:t>▼</a:t>
             </a:r>
-            <a:endParaRPr lang="en-GB" sz="1400" dirty="0"/>
           </a:p>
         </p:txBody>
       </p:sp>
@@ -11141,7 +11169,7 @@
           <p:cNvPr id="71" name="TextBox 70">
             <a:extLst>
               <a:ext uri="{FF2B5EF4-FFF2-40B4-BE49-F238E27FC236}">
-                <a16:creationId xmlns:a16="http://schemas.microsoft.com/office/drawing/2014/main" xmlns="" id="{F0193D04-3208-4F06-BBA2-FE37BC71626F}"/>
+                <a16:creationId xmlns:a16="http://schemas.microsoft.com/office/drawing/2014/main" id="{F0193D04-3208-4F06-BBA2-FE37BC71626F}"/>
               </a:ext>
             </a:extLst>
           </p:cNvPr>
@@ -11166,18 +11194,16 @@
           <a:p>
             <a:pPr algn="ctr"/>
             <a:r>
-              <a:rPr lang="en-GB" sz="1400" dirty="0" smtClean="0"/>
+              <a:rPr lang="en-GB" sz="1400" dirty="0"/>
               <a:t>▲</a:t>
             </a:r>
-            <a:endParaRPr lang="en-GB" sz="1400" dirty="0"/>
           </a:p>
           <a:p>
             <a:pPr algn="ctr"/>
             <a:r>
-              <a:rPr lang="en-GB" sz="1400" dirty="0" smtClean="0"/>
+              <a:rPr lang="en-GB" sz="1400" dirty="0"/>
               <a:t>Instruction</a:t>
             </a:r>
-            <a:endParaRPr lang="en-GB" sz="1400" dirty="0"/>
           </a:p>
         </p:txBody>
       </p:sp>
@@ -11186,7 +11212,7 @@
           <p:cNvPr id="92" name="Arrow: Chevron 51">
             <a:extLst>
               <a:ext uri="{FF2B5EF4-FFF2-40B4-BE49-F238E27FC236}">
-                <a16:creationId xmlns:a16="http://schemas.microsoft.com/office/drawing/2014/main" xmlns="" id="{842C5092-8294-4030-A526-A8C839E4F69D}"/>
+                <a16:creationId xmlns:a16="http://schemas.microsoft.com/office/drawing/2014/main" id="{842C5092-8294-4030-A526-A8C839E4F69D}"/>
               </a:ext>
             </a:extLst>
           </p:cNvPr>
@@ -11231,7 +11257,7 @@
           <a:lstStyle/>
           <a:p>
             <a:pPr algn="ctr"/>
-            <a:endParaRPr lang="en-GB"/>
+            <a:endParaRPr lang="en-GB" dirty="0"/>
           </a:p>
         </p:txBody>
       </p:sp>
@@ -11240,7 +11266,7 @@
           <p:cNvPr id="93" name="Arrow: Chevron 51">
             <a:extLst>
               <a:ext uri="{FF2B5EF4-FFF2-40B4-BE49-F238E27FC236}">
-                <a16:creationId xmlns:a16="http://schemas.microsoft.com/office/drawing/2014/main" xmlns="" id="{842C5092-8294-4030-A526-A8C839E4F69D}"/>
+                <a16:creationId xmlns:a16="http://schemas.microsoft.com/office/drawing/2014/main" id="{842C5092-8294-4030-A526-A8C839E4F69D}"/>
               </a:ext>
             </a:extLst>
           </p:cNvPr>
@@ -11285,7 +11311,7 @@
           <a:lstStyle/>
           <a:p>
             <a:pPr algn="ctr"/>
-            <a:endParaRPr lang="en-GB"/>
+            <a:endParaRPr lang="en-GB" dirty="0"/>
           </a:p>
         </p:txBody>
       </p:sp>
@@ -11294,7 +11320,7 @@
           <p:cNvPr id="94" name="Arrow: Chevron 51">
             <a:extLst>
               <a:ext uri="{FF2B5EF4-FFF2-40B4-BE49-F238E27FC236}">
-                <a16:creationId xmlns:a16="http://schemas.microsoft.com/office/drawing/2014/main" xmlns="" id="{842C5092-8294-4030-A526-A8C839E4F69D}"/>
+                <a16:creationId xmlns:a16="http://schemas.microsoft.com/office/drawing/2014/main" id="{842C5092-8294-4030-A526-A8C839E4F69D}"/>
               </a:ext>
             </a:extLst>
           </p:cNvPr>
@@ -11339,7 +11365,7 @@
           <a:lstStyle/>
           <a:p>
             <a:pPr algn="ctr"/>
-            <a:endParaRPr lang="en-GB"/>
+            <a:endParaRPr lang="en-GB" dirty="0"/>
           </a:p>
         </p:txBody>
       </p:sp>
@@ -11348,7 +11374,7 @@
           <p:cNvPr id="95" name="Arrow: Chevron 51">
             <a:extLst>
               <a:ext uri="{FF2B5EF4-FFF2-40B4-BE49-F238E27FC236}">
-                <a16:creationId xmlns:a16="http://schemas.microsoft.com/office/drawing/2014/main" xmlns="" id="{842C5092-8294-4030-A526-A8C839E4F69D}"/>
+                <a16:creationId xmlns:a16="http://schemas.microsoft.com/office/drawing/2014/main" id="{842C5092-8294-4030-A526-A8C839E4F69D}"/>
               </a:ext>
             </a:extLst>
           </p:cNvPr>
@@ -11393,7 +11419,7 @@
           <a:lstStyle/>
           <a:p>
             <a:pPr algn="ctr"/>
-            <a:endParaRPr lang="en-GB"/>
+            <a:endParaRPr lang="en-GB" dirty="0"/>
           </a:p>
         </p:txBody>
       </p:sp>
@@ -11407,13 +11433,6 @@
   <p:clrMapOvr>
     <a:masterClrMapping/>
   </p:clrMapOvr>
-  <p:timing>
-    <p:tnLst>
-      <p:par>
-        <p:cTn id="1" dur="indefinite" restart="never" nodeType="tmRoot"/>
-      </p:par>
-    </p:tnLst>
-  </p:timing>
 </p:sld>
 </file>
 
@@ -11436,64 +11455,395 @@
       </p:grpSpPr>
       <p:sp>
         <p:nvSpPr>
-          <p:cNvPr id="4" name="Rectangle 3"/>
-          <p:cNvSpPr/>
-          <p:nvPr/>
+          <p:cNvPr id="2" name="Title 1">
+            <a:extLst>
+              <a:ext uri="{FF2B5EF4-FFF2-40B4-BE49-F238E27FC236}">
+                <a16:creationId xmlns:a16="http://schemas.microsoft.com/office/drawing/2014/main" id="{CF3E6105-1016-4545-9A5C-12F8198CBBCC}"/>
+              </a:ext>
+            </a:extLst>
+          </p:cNvPr>
+          <p:cNvSpPr>
+            <a:spLocks noGrp="1"/>
+          </p:cNvSpPr>
+          <p:nvPr>
+            <p:ph type="title"/>
+          </p:nvPr>
+        </p:nvSpPr>
+        <p:spPr/>
+        <p:txBody>
+          <a:bodyPr/>
+          <a:lstStyle/>
+          <a:p>
+            <a:r>
+              <a:rPr lang="en-GB" dirty="0"/>
+              <a:t>Task List</a:t>
+            </a:r>
+          </a:p>
+        </p:txBody>
+      </p:sp>
+      <p:sp>
+        <p:nvSpPr>
+          <p:cNvPr id="3" name="Content Placeholder 2">
+            <a:extLst>
+              <a:ext uri="{FF2B5EF4-FFF2-40B4-BE49-F238E27FC236}">
+                <a16:creationId xmlns:a16="http://schemas.microsoft.com/office/drawing/2014/main" id="{3627C162-825A-40CD-876F-EC9F360A9B55}"/>
+              </a:ext>
+            </a:extLst>
+          </p:cNvPr>
+          <p:cNvSpPr>
+            <a:spLocks noGrp="1"/>
+          </p:cNvSpPr>
+          <p:nvPr>
+            <p:ph idx="1"/>
+          </p:nvPr>
         </p:nvSpPr>
         <p:spPr>
           <a:xfrm>
-            <a:off x="-777240" y="-624840"/>
-            <a:ext cx="14013180" cy="7909560"/>
+            <a:off x="838200" y="1825625"/>
+            <a:ext cx="4343400" cy="4351338"/>
+          </a:xfrm>
+        </p:spPr>
+        <p:txBody>
+          <a:bodyPr>
+            <a:normAutofit fontScale="92500" lnSpcReduction="20000"/>
+          </a:bodyPr>
+          <a:lstStyle/>
+          <a:p>
+            <a:r>
+              <a:rPr lang="en-GB" dirty="0"/>
+              <a:t>Functions:</a:t>
+            </a:r>
+          </a:p>
+          <a:p>
+            <a:pPr lvl="1"/>
+            <a:r>
+              <a:rPr lang="en-GB" dirty="0"/>
+              <a:t>Image Acquisition</a:t>
+            </a:r>
+          </a:p>
+          <a:p>
+            <a:pPr lvl="2"/>
+            <a:r>
+              <a:rPr lang="en-GB" dirty="0"/>
+              <a:t>Image Store Replace</a:t>
+            </a:r>
+          </a:p>
+          <a:p>
+            <a:pPr lvl="1"/>
+            <a:r>
+              <a:rPr lang="en-GB" dirty="0"/>
+              <a:t>Background Generation</a:t>
+            </a:r>
+          </a:p>
+          <a:p>
+            <a:pPr lvl="1"/>
+            <a:r>
+              <a:rPr lang="en-GB" dirty="0"/>
+              <a:t>Foreground Extraction</a:t>
+            </a:r>
+          </a:p>
+          <a:p>
+            <a:pPr lvl="2"/>
+            <a:r>
+              <a:rPr lang="en-GB" dirty="0"/>
+              <a:t>Object Identification</a:t>
+            </a:r>
+          </a:p>
+          <a:p>
+            <a:pPr lvl="1"/>
+            <a:r>
+              <a:rPr lang="en-GB" dirty="0"/>
+              <a:t>Trash Label Filter</a:t>
+            </a:r>
+          </a:p>
+          <a:p>
+            <a:pPr lvl="1"/>
+            <a:r>
+              <a:rPr lang="en-GB" dirty="0"/>
+              <a:t>Relative Geo-Position</a:t>
+            </a:r>
+          </a:p>
+          <a:p>
+            <a:pPr lvl="2"/>
+            <a:r>
+              <a:rPr lang="en-GB" dirty="0"/>
+              <a:t>Find Trash positions</a:t>
+            </a:r>
+          </a:p>
+          <a:p>
+            <a:pPr lvl="2"/>
+            <a:r>
+              <a:rPr lang="en-GB" dirty="0"/>
+              <a:t>Find Robot position</a:t>
+            </a:r>
+          </a:p>
+          <a:p>
+            <a:pPr lvl="2"/>
+            <a:r>
+              <a:rPr lang="en-GB" dirty="0"/>
+              <a:t>Calculate Rotation Required</a:t>
+            </a:r>
+          </a:p>
+          <a:p>
+            <a:pPr lvl="2"/>
+            <a:r>
+              <a:rPr lang="en-GB" dirty="0"/>
+              <a:t>Calculate Distance Required</a:t>
+            </a:r>
+          </a:p>
+          <a:p>
+            <a:pPr lvl="1"/>
+            <a:r>
+              <a:rPr lang="en-GB" dirty="0"/>
+              <a:t>Robot Instruction Generation</a:t>
+            </a:r>
+          </a:p>
+          <a:p>
+            <a:pPr lvl="1"/>
+            <a:r>
+              <a:rPr lang="en-GB" dirty="0"/>
+              <a:t>Robot Communication</a:t>
+            </a:r>
+          </a:p>
+          <a:p>
+            <a:endParaRPr lang="en-GB" dirty="0"/>
+          </a:p>
+        </p:txBody>
+      </p:sp>
+      <p:sp>
+        <p:nvSpPr>
+          <p:cNvPr id="4" name="Content Placeholder 2">
+            <a:extLst>
+              <a:ext uri="{FF2B5EF4-FFF2-40B4-BE49-F238E27FC236}">
+                <a16:creationId xmlns:a16="http://schemas.microsoft.com/office/drawing/2014/main" id="{699ADA44-6943-485A-9787-04ED219459C0}"/>
+              </a:ext>
+            </a:extLst>
+          </p:cNvPr>
+          <p:cNvSpPr txBox="1">
+            <a:spLocks/>
+          </p:cNvSpPr>
+          <p:nvPr/>
+        </p:nvSpPr>
+        <p:spPr>
+          <a:xfrm>
+            <a:off x="6096000" y="1825625"/>
+            <a:ext cx="4343400" cy="4351338"/>
           </a:xfrm>
           <a:prstGeom prst="rect">
             <a:avLst/>
           </a:prstGeom>
-          <a:solidFill>
-            <a:srgbClr val="B85750"/>
-          </a:solidFill>
         </p:spPr>
-        <p:style>
-          <a:lnRef idx="2">
-            <a:schemeClr val="accent1">
-              <a:shade val="50000"/>
-            </a:schemeClr>
-          </a:lnRef>
-          <a:fillRef idx="1">
-            <a:schemeClr val="accent1"/>
-          </a:fillRef>
-          <a:effectRef idx="0">
-            <a:schemeClr val="accent1"/>
-          </a:effectRef>
-          <a:fontRef idx="minor">
-            <a:schemeClr val="lt1"/>
-          </a:fontRef>
-        </p:style>
-        <p:txBody>
-          <a:bodyPr rtlCol="0" anchor="ctr"/>
-          <a:lstStyle/>
-          <a:p>
-            <a:pPr algn="ctr"/>
-            <a:endParaRPr lang="en-GB"/>
+        <p:txBody>
+          <a:bodyPr vert="horz" lIns="91440" tIns="45720" rIns="91440" bIns="45720" rtlCol="0">
+            <a:normAutofit/>
+          </a:bodyPr>
+          <a:lstStyle>
+            <a:lvl1pPr marL="228600" indent="-228600" algn="l" defTabSz="914400" rtl="0" eaLnBrk="1" latinLnBrk="0" hangingPunct="1">
+              <a:lnSpc>
+                <a:spcPct val="90000"/>
+              </a:lnSpc>
+              <a:spcBef>
+                <a:spcPts val="1000"/>
+              </a:spcBef>
+              <a:buFont typeface="Arial" panose="020B0604020202020204" pitchFamily="34" charset="0"/>
+              <a:buChar char="•"/>
+              <a:defRPr sz="2800" kern="1200">
+                <a:solidFill>
+                  <a:schemeClr val="tx1"/>
+                </a:solidFill>
+                <a:latin typeface="+mn-lt"/>
+                <a:ea typeface="+mn-ea"/>
+                <a:cs typeface="+mn-cs"/>
+              </a:defRPr>
+            </a:lvl1pPr>
+            <a:lvl2pPr marL="685800" indent="-228600" algn="l" defTabSz="914400" rtl="0" eaLnBrk="1" latinLnBrk="0" hangingPunct="1">
+              <a:lnSpc>
+                <a:spcPct val="90000"/>
+              </a:lnSpc>
+              <a:spcBef>
+                <a:spcPts val="500"/>
+              </a:spcBef>
+              <a:buFont typeface="Arial" panose="020B0604020202020204" pitchFamily="34" charset="0"/>
+              <a:buChar char="•"/>
+              <a:defRPr sz="2400" kern="1200">
+                <a:solidFill>
+                  <a:schemeClr val="tx1"/>
+                </a:solidFill>
+                <a:latin typeface="+mn-lt"/>
+                <a:ea typeface="+mn-ea"/>
+                <a:cs typeface="+mn-cs"/>
+              </a:defRPr>
+            </a:lvl2pPr>
+            <a:lvl3pPr marL="1143000" indent="-228600" algn="l" defTabSz="914400" rtl="0" eaLnBrk="1" latinLnBrk="0" hangingPunct="1">
+              <a:lnSpc>
+                <a:spcPct val="90000"/>
+              </a:lnSpc>
+              <a:spcBef>
+                <a:spcPts val="500"/>
+              </a:spcBef>
+              <a:buFont typeface="Arial" panose="020B0604020202020204" pitchFamily="34" charset="0"/>
+              <a:buChar char="•"/>
+              <a:defRPr sz="2000" kern="1200">
+                <a:solidFill>
+                  <a:schemeClr val="tx1"/>
+                </a:solidFill>
+                <a:latin typeface="+mn-lt"/>
+                <a:ea typeface="+mn-ea"/>
+                <a:cs typeface="+mn-cs"/>
+              </a:defRPr>
+            </a:lvl3pPr>
+            <a:lvl4pPr marL="1600200" indent="-228600" algn="l" defTabSz="914400" rtl="0" eaLnBrk="1" latinLnBrk="0" hangingPunct="1">
+              <a:lnSpc>
+                <a:spcPct val="90000"/>
+              </a:lnSpc>
+              <a:spcBef>
+                <a:spcPts val="500"/>
+              </a:spcBef>
+              <a:buFont typeface="Arial" panose="020B0604020202020204" pitchFamily="34" charset="0"/>
+              <a:buChar char="•"/>
+              <a:defRPr sz="1800" kern="1200">
+                <a:solidFill>
+                  <a:schemeClr val="tx1"/>
+                </a:solidFill>
+                <a:latin typeface="+mn-lt"/>
+                <a:ea typeface="+mn-ea"/>
+                <a:cs typeface="+mn-cs"/>
+              </a:defRPr>
+            </a:lvl4pPr>
+            <a:lvl5pPr marL="2057400" indent="-228600" algn="l" defTabSz="914400" rtl="0" eaLnBrk="1" latinLnBrk="0" hangingPunct="1">
+              <a:lnSpc>
+                <a:spcPct val="90000"/>
+              </a:lnSpc>
+              <a:spcBef>
+                <a:spcPts val="500"/>
+              </a:spcBef>
+              <a:buFont typeface="Arial" panose="020B0604020202020204" pitchFamily="34" charset="0"/>
+              <a:buChar char="•"/>
+              <a:defRPr sz="1800" kern="1200">
+                <a:solidFill>
+                  <a:schemeClr val="tx1"/>
+                </a:solidFill>
+                <a:latin typeface="+mn-lt"/>
+                <a:ea typeface="+mn-ea"/>
+                <a:cs typeface="+mn-cs"/>
+              </a:defRPr>
+            </a:lvl5pPr>
+            <a:lvl6pPr marL="2514600" indent="-228600" algn="l" defTabSz="914400" rtl="0" eaLnBrk="1" latinLnBrk="0" hangingPunct="1">
+              <a:lnSpc>
+                <a:spcPct val="90000"/>
+              </a:lnSpc>
+              <a:spcBef>
+                <a:spcPts val="500"/>
+              </a:spcBef>
+              <a:buFont typeface="Arial" panose="020B0604020202020204" pitchFamily="34" charset="0"/>
+              <a:buChar char="•"/>
+              <a:defRPr sz="1800" kern="1200">
+                <a:solidFill>
+                  <a:schemeClr val="tx1"/>
+                </a:solidFill>
+                <a:latin typeface="+mn-lt"/>
+                <a:ea typeface="+mn-ea"/>
+                <a:cs typeface="+mn-cs"/>
+              </a:defRPr>
+            </a:lvl6pPr>
+            <a:lvl7pPr marL="2971800" indent="-228600" algn="l" defTabSz="914400" rtl="0" eaLnBrk="1" latinLnBrk="0" hangingPunct="1">
+              <a:lnSpc>
+                <a:spcPct val="90000"/>
+              </a:lnSpc>
+              <a:spcBef>
+                <a:spcPts val="500"/>
+              </a:spcBef>
+              <a:buFont typeface="Arial" panose="020B0604020202020204" pitchFamily="34" charset="0"/>
+              <a:buChar char="•"/>
+              <a:defRPr sz="1800" kern="1200">
+                <a:solidFill>
+                  <a:schemeClr val="tx1"/>
+                </a:solidFill>
+                <a:latin typeface="+mn-lt"/>
+                <a:ea typeface="+mn-ea"/>
+                <a:cs typeface="+mn-cs"/>
+              </a:defRPr>
+            </a:lvl7pPr>
+            <a:lvl8pPr marL="3429000" indent="-228600" algn="l" defTabSz="914400" rtl="0" eaLnBrk="1" latinLnBrk="0" hangingPunct="1">
+              <a:lnSpc>
+                <a:spcPct val="90000"/>
+              </a:lnSpc>
+              <a:spcBef>
+                <a:spcPts val="500"/>
+              </a:spcBef>
+              <a:buFont typeface="Arial" panose="020B0604020202020204" pitchFamily="34" charset="0"/>
+              <a:buChar char="•"/>
+              <a:defRPr sz="1800" kern="1200">
+                <a:solidFill>
+                  <a:schemeClr val="tx1"/>
+                </a:solidFill>
+                <a:latin typeface="+mn-lt"/>
+                <a:ea typeface="+mn-ea"/>
+                <a:cs typeface="+mn-cs"/>
+              </a:defRPr>
+            </a:lvl8pPr>
+            <a:lvl9pPr marL="3886200" indent="-228600" algn="l" defTabSz="914400" rtl="0" eaLnBrk="1" latinLnBrk="0" hangingPunct="1">
+              <a:lnSpc>
+                <a:spcPct val="90000"/>
+              </a:lnSpc>
+              <a:spcBef>
+                <a:spcPts val="500"/>
+              </a:spcBef>
+              <a:buFont typeface="Arial" panose="020B0604020202020204" pitchFamily="34" charset="0"/>
+              <a:buChar char="•"/>
+              <a:defRPr sz="1800" kern="1200">
+                <a:solidFill>
+                  <a:schemeClr val="tx1"/>
+                </a:solidFill>
+                <a:latin typeface="+mn-lt"/>
+                <a:ea typeface="+mn-ea"/>
+                <a:cs typeface="+mn-cs"/>
+              </a:defRPr>
+            </a:lvl9pPr>
+          </a:lstStyle>
+          <a:p>
+            <a:r>
+              <a:rPr lang="en-GB" dirty="0"/>
+              <a:t>Other:</a:t>
+            </a:r>
+          </a:p>
+          <a:p>
+            <a:pPr lvl="1"/>
+            <a:r>
+              <a:rPr lang="en-GB" dirty="0"/>
+              <a:t>Buy RC Car</a:t>
+            </a:r>
+          </a:p>
+          <a:p>
+            <a:pPr lvl="1"/>
+            <a:r>
+              <a:rPr lang="en-GB" dirty="0"/>
+              <a:t>Set up frame store to system handler connection</a:t>
+            </a:r>
+          </a:p>
+          <a:p>
+            <a:pPr lvl="1"/>
+            <a:r>
+              <a:rPr lang="en-GB" dirty="0"/>
+              <a:t>Set up System handler to Robot handler connection</a:t>
+            </a:r>
+          </a:p>
+          <a:p>
+            <a:pPr lvl="1"/>
+            <a:endParaRPr lang="en-GB" dirty="0"/>
           </a:p>
         </p:txBody>
       </p:sp>
     </p:spTree>
     <p:extLst>
       <p:ext uri="{BB962C8B-B14F-4D97-AF65-F5344CB8AC3E}">
-        <p14:creationId xmlns:p14="http://schemas.microsoft.com/office/powerpoint/2010/main" val="2840384846"/>
+        <p14:creationId xmlns:p14="http://schemas.microsoft.com/office/powerpoint/2010/main" val="1983263293"/>
       </p:ext>
     </p:extLst>
   </p:cSld>
   <p:clrMapOvr>
     <a:masterClrMapping/>
   </p:clrMapOvr>
-  <p:timing>
-    <p:tnLst>
-      <p:par>
-        <p:cTn id="1" dur="indefinite" restart="never" nodeType="tmRoot"/>
-      </p:par>
-    </p:tnLst>
-  </p:timing>
 </p:sld>
 </file>
 

--- a/Visual Plan.pptx
+++ b/Visual Plan.pptx
@@ -143,7 +143,7 @@
           <p:cNvPr id="2" name="Title 1">
             <a:extLst>
               <a:ext uri="{FF2B5EF4-FFF2-40B4-BE49-F238E27FC236}">
-                <a16:creationId xmlns:a16="http://schemas.microsoft.com/office/drawing/2014/main" id="{43893EEA-2329-4BD0-B478-739A6C7ABCF0}"/>
+                <a16:creationId xmlns:a16="http://schemas.microsoft.com/office/drawing/2014/main" xmlns="" id="{43893EEA-2329-4BD0-B478-739A6C7ABCF0}"/>
               </a:ext>
             </a:extLst>
           </p:cNvPr>
@@ -181,7 +181,7 @@
           <p:cNvPr id="3" name="Subtitle 2">
             <a:extLst>
               <a:ext uri="{FF2B5EF4-FFF2-40B4-BE49-F238E27FC236}">
-                <a16:creationId xmlns:a16="http://schemas.microsoft.com/office/drawing/2014/main" id="{531605D0-F659-4B16-AC48-FAB20C96C441}"/>
+                <a16:creationId xmlns:a16="http://schemas.microsoft.com/office/drawing/2014/main" xmlns="" id="{531605D0-F659-4B16-AC48-FAB20C96C441}"/>
               </a:ext>
             </a:extLst>
           </p:cNvPr>
@@ -252,7 +252,7 @@
           <p:cNvPr id="4" name="Date Placeholder 3">
             <a:extLst>
               <a:ext uri="{FF2B5EF4-FFF2-40B4-BE49-F238E27FC236}">
-                <a16:creationId xmlns:a16="http://schemas.microsoft.com/office/drawing/2014/main" id="{93D4AC05-CC9D-42D0-84E8-09581B533C5C}"/>
+                <a16:creationId xmlns:a16="http://schemas.microsoft.com/office/drawing/2014/main" xmlns="" id="{93D4AC05-CC9D-42D0-84E8-09581B533C5C}"/>
               </a:ext>
             </a:extLst>
           </p:cNvPr>
@@ -270,7 +270,7 @@
           <a:p>
             <a:fld id="{5F9021A5-5D2C-4FF7-8FBA-B61BDE30AE1B}" type="datetimeFigureOut">
               <a:rPr lang="en-GB" smtClean="0"/>
-              <a:t>23/01/2019</a:t>
+              <a:t>25/01/2019</a:t>
             </a:fld>
             <a:endParaRPr lang="en-GB" dirty="0"/>
           </a:p>
@@ -281,7 +281,7 @@
           <p:cNvPr id="5" name="Footer Placeholder 4">
             <a:extLst>
               <a:ext uri="{FF2B5EF4-FFF2-40B4-BE49-F238E27FC236}">
-                <a16:creationId xmlns:a16="http://schemas.microsoft.com/office/drawing/2014/main" id="{46743398-C54D-4A57-BF5E-2F9CCBF7AD8E}"/>
+                <a16:creationId xmlns:a16="http://schemas.microsoft.com/office/drawing/2014/main" xmlns="" id="{46743398-C54D-4A57-BF5E-2F9CCBF7AD8E}"/>
               </a:ext>
             </a:extLst>
           </p:cNvPr>
@@ -306,7 +306,7 @@
           <p:cNvPr id="6" name="Slide Number Placeholder 5">
             <a:extLst>
               <a:ext uri="{FF2B5EF4-FFF2-40B4-BE49-F238E27FC236}">
-                <a16:creationId xmlns:a16="http://schemas.microsoft.com/office/drawing/2014/main" id="{293D33B5-B583-4617-A9FB-E821C101CC1C}"/>
+                <a16:creationId xmlns:a16="http://schemas.microsoft.com/office/drawing/2014/main" xmlns="" id="{293D33B5-B583-4617-A9FB-E821C101CC1C}"/>
               </a:ext>
             </a:extLst>
           </p:cNvPr>
@@ -365,7 +365,7 @@
           <p:cNvPr id="2" name="Title 1">
             <a:extLst>
               <a:ext uri="{FF2B5EF4-FFF2-40B4-BE49-F238E27FC236}">
-                <a16:creationId xmlns:a16="http://schemas.microsoft.com/office/drawing/2014/main" id="{314ADEF8-05FE-4481-A0CD-4171AAE11D48}"/>
+                <a16:creationId xmlns:a16="http://schemas.microsoft.com/office/drawing/2014/main" xmlns="" id="{314ADEF8-05FE-4481-A0CD-4171AAE11D48}"/>
               </a:ext>
             </a:extLst>
           </p:cNvPr>
@@ -394,7 +394,7 @@
           <p:cNvPr id="3" name="Vertical Text Placeholder 2">
             <a:extLst>
               <a:ext uri="{FF2B5EF4-FFF2-40B4-BE49-F238E27FC236}">
-                <a16:creationId xmlns:a16="http://schemas.microsoft.com/office/drawing/2014/main" id="{5E908463-0914-4437-A47B-D68282B6FB8C}"/>
+                <a16:creationId xmlns:a16="http://schemas.microsoft.com/office/drawing/2014/main" xmlns="" id="{5E908463-0914-4437-A47B-D68282B6FB8C}"/>
               </a:ext>
             </a:extLst>
           </p:cNvPr>
@@ -452,7 +452,7 @@
           <p:cNvPr id="4" name="Date Placeholder 3">
             <a:extLst>
               <a:ext uri="{FF2B5EF4-FFF2-40B4-BE49-F238E27FC236}">
-                <a16:creationId xmlns:a16="http://schemas.microsoft.com/office/drawing/2014/main" id="{81D83EF5-AF96-4C6C-B681-1D0F9EA551CA}"/>
+                <a16:creationId xmlns:a16="http://schemas.microsoft.com/office/drawing/2014/main" xmlns="" id="{81D83EF5-AF96-4C6C-B681-1D0F9EA551CA}"/>
               </a:ext>
             </a:extLst>
           </p:cNvPr>
@@ -470,7 +470,7 @@
           <a:p>
             <a:fld id="{5F9021A5-5D2C-4FF7-8FBA-B61BDE30AE1B}" type="datetimeFigureOut">
               <a:rPr lang="en-GB" smtClean="0"/>
-              <a:t>23/01/2019</a:t>
+              <a:t>25/01/2019</a:t>
             </a:fld>
             <a:endParaRPr lang="en-GB" dirty="0"/>
           </a:p>
@@ -481,7 +481,7 @@
           <p:cNvPr id="5" name="Footer Placeholder 4">
             <a:extLst>
               <a:ext uri="{FF2B5EF4-FFF2-40B4-BE49-F238E27FC236}">
-                <a16:creationId xmlns:a16="http://schemas.microsoft.com/office/drawing/2014/main" id="{879BFB5F-577E-4981-9AE6-B24D3E539B48}"/>
+                <a16:creationId xmlns:a16="http://schemas.microsoft.com/office/drawing/2014/main" xmlns="" id="{879BFB5F-577E-4981-9AE6-B24D3E539B48}"/>
               </a:ext>
             </a:extLst>
           </p:cNvPr>
@@ -506,7 +506,7 @@
           <p:cNvPr id="6" name="Slide Number Placeholder 5">
             <a:extLst>
               <a:ext uri="{FF2B5EF4-FFF2-40B4-BE49-F238E27FC236}">
-                <a16:creationId xmlns:a16="http://schemas.microsoft.com/office/drawing/2014/main" id="{D7820A4B-1CBA-4F7A-80C2-D60C2D0EF088}"/>
+                <a16:creationId xmlns:a16="http://schemas.microsoft.com/office/drawing/2014/main" xmlns="" id="{D7820A4B-1CBA-4F7A-80C2-D60C2D0EF088}"/>
               </a:ext>
             </a:extLst>
           </p:cNvPr>
@@ -565,7 +565,7 @@
           <p:cNvPr id="2" name="Vertical Title 1">
             <a:extLst>
               <a:ext uri="{FF2B5EF4-FFF2-40B4-BE49-F238E27FC236}">
-                <a16:creationId xmlns:a16="http://schemas.microsoft.com/office/drawing/2014/main" id="{DB1495EA-AD95-4217-ADFE-C74EE06F7230}"/>
+                <a16:creationId xmlns:a16="http://schemas.microsoft.com/office/drawing/2014/main" xmlns="" id="{DB1495EA-AD95-4217-ADFE-C74EE06F7230}"/>
               </a:ext>
             </a:extLst>
           </p:cNvPr>
@@ -599,7 +599,7 @@
           <p:cNvPr id="3" name="Vertical Text Placeholder 2">
             <a:extLst>
               <a:ext uri="{FF2B5EF4-FFF2-40B4-BE49-F238E27FC236}">
-                <a16:creationId xmlns:a16="http://schemas.microsoft.com/office/drawing/2014/main" id="{48459CC8-1F49-4AD5-B4F5-DE425DE64018}"/>
+                <a16:creationId xmlns:a16="http://schemas.microsoft.com/office/drawing/2014/main" xmlns="" id="{48459CC8-1F49-4AD5-B4F5-DE425DE64018}"/>
               </a:ext>
             </a:extLst>
           </p:cNvPr>
@@ -662,7 +662,7 @@
           <p:cNvPr id="4" name="Date Placeholder 3">
             <a:extLst>
               <a:ext uri="{FF2B5EF4-FFF2-40B4-BE49-F238E27FC236}">
-                <a16:creationId xmlns:a16="http://schemas.microsoft.com/office/drawing/2014/main" id="{646BFF7C-62E9-445A-AA43-951D025A0B29}"/>
+                <a16:creationId xmlns:a16="http://schemas.microsoft.com/office/drawing/2014/main" xmlns="" id="{646BFF7C-62E9-445A-AA43-951D025A0B29}"/>
               </a:ext>
             </a:extLst>
           </p:cNvPr>
@@ -680,7 +680,7 @@
           <a:p>
             <a:fld id="{5F9021A5-5D2C-4FF7-8FBA-B61BDE30AE1B}" type="datetimeFigureOut">
               <a:rPr lang="en-GB" smtClean="0"/>
-              <a:t>23/01/2019</a:t>
+              <a:t>25/01/2019</a:t>
             </a:fld>
             <a:endParaRPr lang="en-GB" dirty="0"/>
           </a:p>
@@ -691,7 +691,7 @@
           <p:cNvPr id="5" name="Footer Placeholder 4">
             <a:extLst>
               <a:ext uri="{FF2B5EF4-FFF2-40B4-BE49-F238E27FC236}">
-                <a16:creationId xmlns:a16="http://schemas.microsoft.com/office/drawing/2014/main" id="{3F3DF7E9-367F-4DF0-B4C9-6DB26AA61F6F}"/>
+                <a16:creationId xmlns:a16="http://schemas.microsoft.com/office/drawing/2014/main" xmlns="" id="{3F3DF7E9-367F-4DF0-B4C9-6DB26AA61F6F}"/>
               </a:ext>
             </a:extLst>
           </p:cNvPr>
@@ -716,7 +716,7 @@
           <p:cNvPr id="6" name="Slide Number Placeholder 5">
             <a:extLst>
               <a:ext uri="{FF2B5EF4-FFF2-40B4-BE49-F238E27FC236}">
-                <a16:creationId xmlns:a16="http://schemas.microsoft.com/office/drawing/2014/main" id="{636A9102-5136-4872-BE70-EC792DFF0419}"/>
+                <a16:creationId xmlns:a16="http://schemas.microsoft.com/office/drawing/2014/main" xmlns="" id="{636A9102-5136-4872-BE70-EC792DFF0419}"/>
               </a:ext>
             </a:extLst>
           </p:cNvPr>
@@ -775,7 +775,7 @@
           <p:cNvPr id="2" name="Title 1">
             <a:extLst>
               <a:ext uri="{FF2B5EF4-FFF2-40B4-BE49-F238E27FC236}">
-                <a16:creationId xmlns:a16="http://schemas.microsoft.com/office/drawing/2014/main" id="{ED3170B7-C55B-43D2-87DB-7F752FE3F129}"/>
+                <a16:creationId xmlns:a16="http://schemas.microsoft.com/office/drawing/2014/main" xmlns="" id="{ED3170B7-C55B-43D2-87DB-7F752FE3F129}"/>
               </a:ext>
             </a:extLst>
           </p:cNvPr>
@@ -804,7 +804,7 @@
           <p:cNvPr id="3" name="Content Placeholder 2">
             <a:extLst>
               <a:ext uri="{FF2B5EF4-FFF2-40B4-BE49-F238E27FC236}">
-                <a16:creationId xmlns:a16="http://schemas.microsoft.com/office/drawing/2014/main" id="{EBEFDF05-3DA5-468F-9962-9DEBFA346A5E}"/>
+                <a16:creationId xmlns:a16="http://schemas.microsoft.com/office/drawing/2014/main" xmlns="" id="{EBEFDF05-3DA5-468F-9962-9DEBFA346A5E}"/>
               </a:ext>
             </a:extLst>
           </p:cNvPr>
@@ -862,7 +862,7 @@
           <p:cNvPr id="4" name="Date Placeholder 3">
             <a:extLst>
               <a:ext uri="{FF2B5EF4-FFF2-40B4-BE49-F238E27FC236}">
-                <a16:creationId xmlns:a16="http://schemas.microsoft.com/office/drawing/2014/main" id="{4C6D3837-121B-454C-9B58-89764A7CDCF4}"/>
+                <a16:creationId xmlns:a16="http://schemas.microsoft.com/office/drawing/2014/main" xmlns="" id="{4C6D3837-121B-454C-9B58-89764A7CDCF4}"/>
               </a:ext>
             </a:extLst>
           </p:cNvPr>
@@ -880,7 +880,7 @@
           <a:p>
             <a:fld id="{5F9021A5-5D2C-4FF7-8FBA-B61BDE30AE1B}" type="datetimeFigureOut">
               <a:rPr lang="en-GB" smtClean="0"/>
-              <a:t>23/01/2019</a:t>
+              <a:t>25/01/2019</a:t>
             </a:fld>
             <a:endParaRPr lang="en-GB" dirty="0"/>
           </a:p>
@@ -891,7 +891,7 @@
           <p:cNvPr id="5" name="Footer Placeholder 4">
             <a:extLst>
               <a:ext uri="{FF2B5EF4-FFF2-40B4-BE49-F238E27FC236}">
-                <a16:creationId xmlns:a16="http://schemas.microsoft.com/office/drawing/2014/main" id="{92837F7C-94A1-499C-B0B9-FEB23234D3A1}"/>
+                <a16:creationId xmlns:a16="http://schemas.microsoft.com/office/drawing/2014/main" xmlns="" id="{92837F7C-94A1-499C-B0B9-FEB23234D3A1}"/>
               </a:ext>
             </a:extLst>
           </p:cNvPr>
@@ -916,7 +916,7 @@
           <p:cNvPr id="6" name="Slide Number Placeholder 5">
             <a:extLst>
               <a:ext uri="{FF2B5EF4-FFF2-40B4-BE49-F238E27FC236}">
-                <a16:creationId xmlns:a16="http://schemas.microsoft.com/office/drawing/2014/main" id="{5A9AB361-1F50-493B-9CEA-1C308245FCAC}"/>
+                <a16:creationId xmlns:a16="http://schemas.microsoft.com/office/drawing/2014/main" xmlns="" id="{5A9AB361-1F50-493B-9CEA-1C308245FCAC}"/>
               </a:ext>
             </a:extLst>
           </p:cNvPr>
@@ -975,7 +975,7 @@
           <p:cNvPr id="2" name="Title 1">
             <a:extLst>
               <a:ext uri="{FF2B5EF4-FFF2-40B4-BE49-F238E27FC236}">
-                <a16:creationId xmlns:a16="http://schemas.microsoft.com/office/drawing/2014/main" id="{A17FBDA1-9A04-4813-999D-D3EF005F657B}"/>
+                <a16:creationId xmlns:a16="http://schemas.microsoft.com/office/drawing/2014/main" xmlns="" id="{A17FBDA1-9A04-4813-999D-D3EF005F657B}"/>
               </a:ext>
             </a:extLst>
           </p:cNvPr>
@@ -1013,7 +1013,7 @@
           <p:cNvPr id="3" name="Text Placeholder 2">
             <a:extLst>
               <a:ext uri="{FF2B5EF4-FFF2-40B4-BE49-F238E27FC236}">
-                <a16:creationId xmlns:a16="http://schemas.microsoft.com/office/drawing/2014/main" id="{49A7C322-5A28-4763-9759-05815EBAF58D}"/>
+                <a16:creationId xmlns:a16="http://schemas.microsoft.com/office/drawing/2014/main" xmlns="" id="{49A7C322-5A28-4763-9759-05815EBAF58D}"/>
               </a:ext>
             </a:extLst>
           </p:cNvPr>
@@ -1138,7 +1138,7 @@
           <p:cNvPr id="4" name="Date Placeholder 3">
             <a:extLst>
               <a:ext uri="{FF2B5EF4-FFF2-40B4-BE49-F238E27FC236}">
-                <a16:creationId xmlns:a16="http://schemas.microsoft.com/office/drawing/2014/main" id="{43B08A97-8825-4B0E-B6FA-C30D395BE6D1}"/>
+                <a16:creationId xmlns:a16="http://schemas.microsoft.com/office/drawing/2014/main" xmlns="" id="{43B08A97-8825-4B0E-B6FA-C30D395BE6D1}"/>
               </a:ext>
             </a:extLst>
           </p:cNvPr>
@@ -1156,7 +1156,7 @@
           <a:p>
             <a:fld id="{5F9021A5-5D2C-4FF7-8FBA-B61BDE30AE1B}" type="datetimeFigureOut">
               <a:rPr lang="en-GB" smtClean="0"/>
-              <a:t>23/01/2019</a:t>
+              <a:t>25/01/2019</a:t>
             </a:fld>
             <a:endParaRPr lang="en-GB" dirty="0"/>
           </a:p>
@@ -1167,7 +1167,7 @@
           <p:cNvPr id="5" name="Footer Placeholder 4">
             <a:extLst>
               <a:ext uri="{FF2B5EF4-FFF2-40B4-BE49-F238E27FC236}">
-                <a16:creationId xmlns:a16="http://schemas.microsoft.com/office/drawing/2014/main" id="{E2A7D5A2-489A-44BE-95BA-C41FF13D1C65}"/>
+                <a16:creationId xmlns:a16="http://schemas.microsoft.com/office/drawing/2014/main" xmlns="" id="{E2A7D5A2-489A-44BE-95BA-C41FF13D1C65}"/>
               </a:ext>
             </a:extLst>
           </p:cNvPr>
@@ -1192,7 +1192,7 @@
           <p:cNvPr id="6" name="Slide Number Placeholder 5">
             <a:extLst>
               <a:ext uri="{FF2B5EF4-FFF2-40B4-BE49-F238E27FC236}">
-                <a16:creationId xmlns:a16="http://schemas.microsoft.com/office/drawing/2014/main" id="{7772E596-F9BA-4EA1-B777-69A74090D7FB}"/>
+                <a16:creationId xmlns:a16="http://schemas.microsoft.com/office/drawing/2014/main" xmlns="" id="{7772E596-F9BA-4EA1-B777-69A74090D7FB}"/>
               </a:ext>
             </a:extLst>
           </p:cNvPr>
@@ -1251,7 +1251,7 @@
           <p:cNvPr id="2" name="Title 1">
             <a:extLst>
               <a:ext uri="{FF2B5EF4-FFF2-40B4-BE49-F238E27FC236}">
-                <a16:creationId xmlns:a16="http://schemas.microsoft.com/office/drawing/2014/main" id="{AA18BF10-E166-4004-B0EB-5269B3668265}"/>
+                <a16:creationId xmlns:a16="http://schemas.microsoft.com/office/drawing/2014/main" xmlns="" id="{AA18BF10-E166-4004-B0EB-5269B3668265}"/>
               </a:ext>
             </a:extLst>
           </p:cNvPr>
@@ -1280,7 +1280,7 @@
           <p:cNvPr id="3" name="Content Placeholder 2">
             <a:extLst>
               <a:ext uri="{FF2B5EF4-FFF2-40B4-BE49-F238E27FC236}">
-                <a16:creationId xmlns:a16="http://schemas.microsoft.com/office/drawing/2014/main" id="{333510AE-E4AB-4DF1-875B-EC5FD0F0F1A5}"/>
+                <a16:creationId xmlns:a16="http://schemas.microsoft.com/office/drawing/2014/main" xmlns="" id="{333510AE-E4AB-4DF1-875B-EC5FD0F0F1A5}"/>
               </a:ext>
             </a:extLst>
           </p:cNvPr>
@@ -1343,7 +1343,7 @@
           <p:cNvPr id="4" name="Content Placeholder 3">
             <a:extLst>
               <a:ext uri="{FF2B5EF4-FFF2-40B4-BE49-F238E27FC236}">
-                <a16:creationId xmlns:a16="http://schemas.microsoft.com/office/drawing/2014/main" id="{5403E092-1374-49AB-991A-C900840AB9C5}"/>
+                <a16:creationId xmlns:a16="http://schemas.microsoft.com/office/drawing/2014/main" xmlns="" id="{5403E092-1374-49AB-991A-C900840AB9C5}"/>
               </a:ext>
             </a:extLst>
           </p:cNvPr>
@@ -1406,7 +1406,7 @@
           <p:cNvPr id="5" name="Date Placeholder 4">
             <a:extLst>
               <a:ext uri="{FF2B5EF4-FFF2-40B4-BE49-F238E27FC236}">
-                <a16:creationId xmlns:a16="http://schemas.microsoft.com/office/drawing/2014/main" id="{3A5F1F22-838A-4EC3-8DE2-25F126F5BE77}"/>
+                <a16:creationId xmlns:a16="http://schemas.microsoft.com/office/drawing/2014/main" xmlns="" id="{3A5F1F22-838A-4EC3-8DE2-25F126F5BE77}"/>
               </a:ext>
             </a:extLst>
           </p:cNvPr>
@@ -1424,7 +1424,7 @@
           <a:p>
             <a:fld id="{5F9021A5-5D2C-4FF7-8FBA-B61BDE30AE1B}" type="datetimeFigureOut">
               <a:rPr lang="en-GB" smtClean="0"/>
-              <a:t>23/01/2019</a:t>
+              <a:t>25/01/2019</a:t>
             </a:fld>
             <a:endParaRPr lang="en-GB" dirty="0"/>
           </a:p>
@@ -1435,7 +1435,7 @@
           <p:cNvPr id="6" name="Footer Placeholder 5">
             <a:extLst>
               <a:ext uri="{FF2B5EF4-FFF2-40B4-BE49-F238E27FC236}">
-                <a16:creationId xmlns:a16="http://schemas.microsoft.com/office/drawing/2014/main" id="{884FA1F6-2855-4448-8E6C-887074463914}"/>
+                <a16:creationId xmlns:a16="http://schemas.microsoft.com/office/drawing/2014/main" xmlns="" id="{884FA1F6-2855-4448-8E6C-887074463914}"/>
               </a:ext>
             </a:extLst>
           </p:cNvPr>
@@ -1460,7 +1460,7 @@
           <p:cNvPr id="7" name="Slide Number Placeholder 6">
             <a:extLst>
               <a:ext uri="{FF2B5EF4-FFF2-40B4-BE49-F238E27FC236}">
-                <a16:creationId xmlns:a16="http://schemas.microsoft.com/office/drawing/2014/main" id="{192DFC1C-DC54-4391-BC39-EFE932710B9D}"/>
+                <a16:creationId xmlns:a16="http://schemas.microsoft.com/office/drawing/2014/main" xmlns="" id="{192DFC1C-DC54-4391-BC39-EFE932710B9D}"/>
               </a:ext>
             </a:extLst>
           </p:cNvPr>
@@ -1519,7 +1519,7 @@
           <p:cNvPr id="2" name="Title 1">
             <a:extLst>
               <a:ext uri="{FF2B5EF4-FFF2-40B4-BE49-F238E27FC236}">
-                <a16:creationId xmlns:a16="http://schemas.microsoft.com/office/drawing/2014/main" id="{F35FB1A5-06D9-45FF-9AFB-C4F0C69E68D7}"/>
+                <a16:creationId xmlns:a16="http://schemas.microsoft.com/office/drawing/2014/main" xmlns="" id="{F35FB1A5-06D9-45FF-9AFB-C4F0C69E68D7}"/>
               </a:ext>
             </a:extLst>
           </p:cNvPr>
@@ -1553,7 +1553,7 @@
           <p:cNvPr id="3" name="Text Placeholder 2">
             <a:extLst>
               <a:ext uri="{FF2B5EF4-FFF2-40B4-BE49-F238E27FC236}">
-                <a16:creationId xmlns:a16="http://schemas.microsoft.com/office/drawing/2014/main" id="{50084235-CC21-448C-98EE-C8FED28F8B67}"/>
+                <a16:creationId xmlns:a16="http://schemas.microsoft.com/office/drawing/2014/main" xmlns="" id="{50084235-CC21-448C-98EE-C8FED28F8B67}"/>
               </a:ext>
             </a:extLst>
           </p:cNvPr>
@@ -1624,7 +1624,7 @@
           <p:cNvPr id="4" name="Content Placeholder 3">
             <a:extLst>
               <a:ext uri="{FF2B5EF4-FFF2-40B4-BE49-F238E27FC236}">
-                <a16:creationId xmlns:a16="http://schemas.microsoft.com/office/drawing/2014/main" id="{7D6955AF-5C0F-4296-A116-5CD28C92E290}"/>
+                <a16:creationId xmlns:a16="http://schemas.microsoft.com/office/drawing/2014/main" xmlns="" id="{7D6955AF-5C0F-4296-A116-5CD28C92E290}"/>
               </a:ext>
             </a:extLst>
           </p:cNvPr>
@@ -1687,7 +1687,7 @@
           <p:cNvPr id="5" name="Text Placeholder 4">
             <a:extLst>
               <a:ext uri="{FF2B5EF4-FFF2-40B4-BE49-F238E27FC236}">
-                <a16:creationId xmlns:a16="http://schemas.microsoft.com/office/drawing/2014/main" id="{58A0C3B2-4658-4D67-A3FF-49F1C083E97E}"/>
+                <a16:creationId xmlns:a16="http://schemas.microsoft.com/office/drawing/2014/main" xmlns="" id="{58A0C3B2-4658-4D67-A3FF-49F1C083E97E}"/>
               </a:ext>
             </a:extLst>
           </p:cNvPr>
@@ -1758,7 +1758,7 @@
           <p:cNvPr id="6" name="Content Placeholder 5">
             <a:extLst>
               <a:ext uri="{FF2B5EF4-FFF2-40B4-BE49-F238E27FC236}">
-                <a16:creationId xmlns:a16="http://schemas.microsoft.com/office/drawing/2014/main" id="{21D4CD37-FE65-4127-B060-B3E7323C5C93}"/>
+                <a16:creationId xmlns:a16="http://schemas.microsoft.com/office/drawing/2014/main" xmlns="" id="{21D4CD37-FE65-4127-B060-B3E7323C5C93}"/>
               </a:ext>
             </a:extLst>
           </p:cNvPr>
@@ -1821,7 +1821,7 @@
           <p:cNvPr id="7" name="Date Placeholder 6">
             <a:extLst>
               <a:ext uri="{FF2B5EF4-FFF2-40B4-BE49-F238E27FC236}">
-                <a16:creationId xmlns:a16="http://schemas.microsoft.com/office/drawing/2014/main" id="{645BB935-10CF-49D0-9C83-6AE073BB7BA2}"/>
+                <a16:creationId xmlns:a16="http://schemas.microsoft.com/office/drawing/2014/main" xmlns="" id="{645BB935-10CF-49D0-9C83-6AE073BB7BA2}"/>
               </a:ext>
             </a:extLst>
           </p:cNvPr>
@@ -1839,7 +1839,7 @@
           <a:p>
             <a:fld id="{5F9021A5-5D2C-4FF7-8FBA-B61BDE30AE1B}" type="datetimeFigureOut">
               <a:rPr lang="en-GB" smtClean="0"/>
-              <a:t>23/01/2019</a:t>
+              <a:t>25/01/2019</a:t>
             </a:fld>
             <a:endParaRPr lang="en-GB" dirty="0"/>
           </a:p>
@@ -1850,7 +1850,7 @@
           <p:cNvPr id="8" name="Footer Placeholder 7">
             <a:extLst>
               <a:ext uri="{FF2B5EF4-FFF2-40B4-BE49-F238E27FC236}">
-                <a16:creationId xmlns:a16="http://schemas.microsoft.com/office/drawing/2014/main" id="{66189B88-9CE4-44FF-BC06-2CA077FFA825}"/>
+                <a16:creationId xmlns:a16="http://schemas.microsoft.com/office/drawing/2014/main" xmlns="" id="{66189B88-9CE4-44FF-BC06-2CA077FFA825}"/>
               </a:ext>
             </a:extLst>
           </p:cNvPr>
@@ -1875,7 +1875,7 @@
           <p:cNvPr id="9" name="Slide Number Placeholder 8">
             <a:extLst>
               <a:ext uri="{FF2B5EF4-FFF2-40B4-BE49-F238E27FC236}">
-                <a16:creationId xmlns:a16="http://schemas.microsoft.com/office/drawing/2014/main" id="{05E0D7D3-5513-4B83-B7B5-23F6F2952FBE}"/>
+                <a16:creationId xmlns:a16="http://schemas.microsoft.com/office/drawing/2014/main" xmlns="" id="{05E0D7D3-5513-4B83-B7B5-23F6F2952FBE}"/>
               </a:ext>
             </a:extLst>
           </p:cNvPr>
@@ -1934,7 +1934,7 @@
           <p:cNvPr id="2" name="Title 1">
             <a:extLst>
               <a:ext uri="{FF2B5EF4-FFF2-40B4-BE49-F238E27FC236}">
-                <a16:creationId xmlns:a16="http://schemas.microsoft.com/office/drawing/2014/main" id="{200DF880-9650-47A3-B764-4A8EE9FF4B53}"/>
+                <a16:creationId xmlns:a16="http://schemas.microsoft.com/office/drawing/2014/main" xmlns="" id="{200DF880-9650-47A3-B764-4A8EE9FF4B53}"/>
               </a:ext>
             </a:extLst>
           </p:cNvPr>
@@ -1963,7 +1963,7 @@
           <p:cNvPr id="3" name="Date Placeholder 2">
             <a:extLst>
               <a:ext uri="{FF2B5EF4-FFF2-40B4-BE49-F238E27FC236}">
-                <a16:creationId xmlns:a16="http://schemas.microsoft.com/office/drawing/2014/main" id="{74259FFF-FD9C-4749-98DA-29A82BEBA21F}"/>
+                <a16:creationId xmlns:a16="http://schemas.microsoft.com/office/drawing/2014/main" xmlns="" id="{74259FFF-FD9C-4749-98DA-29A82BEBA21F}"/>
               </a:ext>
             </a:extLst>
           </p:cNvPr>
@@ -1981,7 +1981,7 @@
           <a:p>
             <a:fld id="{5F9021A5-5D2C-4FF7-8FBA-B61BDE30AE1B}" type="datetimeFigureOut">
               <a:rPr lang="en-GB" smtClean="0"/>
-              <a:t>23/01/2019</a:t>
+              <a:t>25/01/2019</a:t>
             </a:fld>
             <a:endParaRPr lang="en-GB" dirty="0"/>
           </a:p>
@@ -1992,7 +1992,7 @@
           <p:cNvPr id="4" name="Footer Placeholder 3">
             <a:extLst>
               <a:ext uri="{FF2B5EF4-FFF2-40B4-BE49-F238E27FC236}">
-                <a16:creationId xmlns:a16="http://schemas.microsoft.com/office/drawing/2014/main" id="{0C93E6D4-42C7-4396-83F5-C706FABE2BB2}"/>
+                <a16:creationId xmlns:a16="http://schemas.microsoft.com/office/drawing/2014/main" xmlns="" id="{0C93E6D4-42C7-4396-83F5-C706FABE2BB2}"/>
               </a:ext>
             </a:extLst>
           </p:cNvPr>
@@ -2017,7 +2017,7 @@
           <p:cNvPr id="5" name="Slide Number Placeholder 4">
             <a:extLst>
               <a:ext uri="{FF2B5EF4-FFF2-40B4-BE49-F238E27FC236}">
-                <a16:creationId xmlns:a16="http://schemas.microsoft.com/office/drawing/2014/main" id="{751E6D9E-3936-46CA-85A8-0E03995DC49A}"/>
+                <a16:creationId xmlns:a16="http://schemas.microsoft.com/office/drawing/2014/main" xmlns="" id="{751E6D9E-3936-46CA-85A8-0E03995DC49A}"/>
               </a:ext>
             </a:extLst>
           </p:cNvPr>
@@ -2076,7 +2076,7 @@
           <p:cNvPr id="2" name="Date Placeholder 1">
             <a:extLst>
               <a:ext uri="{FF2B5EF4-FFF2-40B4-BE49-F238E27FC236}">
-                <a16:creationId xmlns:a16="http://schemas.microsoft.com/office/drawing/2014/main" id="{FE2556F9-C98E-4E78-AE79-E9A3E8EC0A1F}"/>
+                <a16:creationId xmlns:a16="http://schemas.microsoft.com/office/drawing/2014/main" xmlns="" id="{FE2556F9-C98E-4E78-AE79-E9A3E8EC0A1F}"/>
               </a:ext>
             </a:extLst>
           </p:cNvPr>
@@ -2094,7 +2094,7 @@
           <a:p>
             <a:fld id="{5F9021A5-5D2C-4FF7-8FBA-B61BDE30AE1B}" type="datetimeFigureOut">
               <a:rPr lang="en-GB" smtClean="0"/>
-              <a:t>23/01/2019</a:t>
+              <a:t>25/01/2019</a:t>
             </a:fld>
             <a:endParaRPr lang="en-GB" dirty="0"/>
           </a:p>
@@ -2105,7 +2105,7 @@
           <p:cNvPr id="3" name="Footer Placeholder 2">
             <a:extLst>
               <a:ext uri="{FF2B5EF4-FFF2-40B4-BE49-F238E27FC236}">
-                <a16:creationId xmlns:a16="http://schemas.microsoft.com/office/drawing/2014/main" id="{5E58EFB7-EF90-4E5C-88BB-C67B2E6D5FCA}"/>
+                <a16:creationId xmlns:a16="http://schemas.microsoft.com/office/drawing/2014/main" xmlns="" id="{5E58EFB7-EF90-4E5C-88BB-C67B2E6D5FCA}"/>
               </a:ext>
             </a:extLst>
           </p:cNvPr>
@@ -2130,7 +2130,7 @@
           <p:cNvPr id="4" name="Slide Number Placeholder 3">
             <a:extLst>
               <a:ext uri="{FF2B5EF4-FFF2-40B4-BE49-F238E27FC236}">
-                <a16:creationId xmlns:a16="http://schemas.microsoft.com/office/drawing/2014/main" id="{E9539145-7624-4814-9BFE-B315EDCE9F72}"/>
+                <a16:creationId xmlns:a16="http://schemas.microsoft.com/office/drawing/2014/main" xmlns="" id="{E9539145-7624-4814-9BFE-B315EDCE9F72}"/>
               </a:ext>
             </a:extLst>
           </p:cNvPr>
@@ -2189,7 +2189,7 @@
           <p:cNvPr id="2" name="Title 1">
             <a:extLst>
               <a:ext uri="{FF2B5EF4-FFF2-40B4-BE49-F238E27FC236}">
-                <a16:creationId xmlns:a16="http://schemas.microsoft.com/office/drawing/2014/main" id="{14E37E2D-94B8-4937-9D19-073CF5073DCA}"/>
+                <a16:creationId xmlns:a16="http://schemas.microsoft.com/office/drawing/2014/main" xmlns="" id="{14E37E2D-94B8-4937-9D19-073CF5073DCA}"/>
               </a:ext>
             </a:extLst>
           </p:cNvPr>
@@ -2227,7 +2227,7 @@
           <p:cNvPr id="3" name="Content Placeholder 2">
             <a:extLst>
               <a:ext uri="{FF2B5EF4-FFF2-40B4-BE49-F238E27FC236}">
-                <a16:creationId xmlns:a16="http://schemas.microsoft.com/office/drawing/2014/main" id="{26BF1181-E9F7-4D60-B81C-A8AC8024327A}"/>
+                <a16:creationId xmlns:a16="http://schemas.microsoft.com/office/drawing/2014/main" xmlns="" id="{26BF1181-E9F7-4D60-B81C-A8AC8024327A}"/>
               </a:ext>
             </a:extLst>
           </p:cNvPr>
@@ -2318,7 +2318,7 @@
           <p:cNvPr id="4" name="Text Placeholder 3">
             <a:extLst>
               <a:ext uri="{FF2B5EF4-FFF2-40B4-BE49-F238E27FC236}">
-                <a16:creationId xmlns:a16="http://schemas.microsoft.com/office/drawing/2014/main" id="{9433EB85-D118-401F-92A7-15F6C5BBAD38}"/>
+                <a16:creationId xmlns:a16="http://schemas.microsoft.com/office/drawing/2014/main" xmlns="" id="{9433EB85-D118-401F-92A7-15F6C5BBAD38}"/>
               </a:ext>
             </a:extLst>
           </p:cNvPr>
@@ -2389,7 +2389,7 @@
           <p:cNvPr id="5" name="Date Placeholder 4">
             <a:extLst>
               <a:ext uri="{FF2B5EF4-FFF2-40B4-BE49-F238E27FC236}">
-                <a16:creationId xmlns:a16="http://schemas.microsoft.com/office/drawing/2014/main" id="{DA607528-5B49-4DD3-9132-30881DE87B4D}"/>
+                <a16:creationId xmlns:a16="http://schemas.microsoft.com/office/drawing/2014/main" xmlns="" id="{DA607528-5B49-4DD3-9132-30881DE87B4D}"/>
               </a:ext>
             </a:extLst>
           </p:cNvPr>
@@ -2407,7 +2407,7 @@
           <a:p>
             <a:fld id="{5F9021A5-5D2C-4FF7-8FBA-B61BDE30AE1B}" type="datetimeFigureOut">
               <a:rPr lang="en-GB" smtClean="0"/>
-              <a:t>23/01/2019</a:t>
+              <a:t>25/01/2019</a:t>
             </a:fld>
             <a:endParaRPr lang="en-GB" dirty="0"/>
           </a:p>
@@ -2418,7 +2418,7 @@
           <p:cNvPr id="6" name="Footer Placeholder 5">
             <a:extLst>
               <a:ext uri="{FF2B5EF4-FFF2-40B4-BE49-F238E27FC236}">
-                <a16:creationId xmlns:a16="http://schemas.microsoft.com/office/drawing/2014/main" id="{455BA862-992C-43CA-B5C2-4C0430B2F039}"/>
+                <a16:creationId xmlns:a16="http://schemas.microsoft.com/office/drawing/2014/main" xmlns="" id="{455BA862-992C-43CA-B5C2-4C0430B2F039}"/>
               </a:ext>
             </a:extLst>
           </p:cNvPr>
@@ -2443,7 +2443,7 @@
           <p:cNvPr id="7" name="Slide Number Placeholder 6">
             <a:extLst>
               <a:ext uri="{FF2B5EF4-FFF2-40B4-BE49-F238E27FC236}">
-                <a16:creationId xmlns:a16="http://schemas.microsoft.com/office/drawing/2014/main" id="{38D26D8D-2712-4B8C-BF2E-9C5B39AEBD41}"/>
+                <a16:creationId xmlns:a16="http://schemas.microsoft.com/office/drawing/2014/main" xmlns="" id="{38D26D8D-2712-4B8C-BF2E-9C5B39AEBD41}"/>
               </a:ext>
             </a:extLst>
           </p:cNvPr>
@@ -2502,7 +2502,7 @@
           <p:cNvPr id="2" name="Title 1">
             <a:extLst>
               <a:ext uri="{FF2B5EF4-FFF2-40B4-BE49-F238E27FC236}">
-                <a16:creationId xmlns:a16="http://schemas.microsoft.com/office/drawing/2014/main" id="{17A725E2-032B-437C-AB44-582C1073A509}"/>
+                <a16:creationId xmlns:a16="http://schemas.microsoft.com/office/drawing/2014/main" xmlns="" id="{17A725E2-032B-437C-AB44-582C1073A509}"/>
               </a:ext>
             </a:extLst>
           </p:cNvPr>
@@ -2540,7 +2540,7 @@
           <p:cNvPr id="3" name="Picture Placeholder 2">
             <a:extLst>
               <a:ext uri="{FF2B5EF4-FFF2-40B4-BE49-F238E27FC236}">
-                <a16:creationId xmlns:a16="http://schemas.microsoft.com/office/drawing/2014/main" id="{5F439274-0057-4242-9680-1D7A9CE6634D}"/>
+                <a16:creationId xmlns:a16="http://schemas.microsoft.com/office/drawing/2014/main" xmlns="" id="{5F439274-0057-4242-9680-1D7A9CE6634D}"/>
               </a:ext>
             </a:extLst>
           </p:cNvPr>
@@ -2607,7 +2607,7 @@
           <p:cNvPr id="4" name="Text Placeholder 3">
             <a:extLst>
               <a:ext uri="{FF2B5EF4-FFF2-40B4-BE49-F238E27FC236}">
-                <a16:creationId xmlns:a16="http://schemas.microsoft.com/office/drawing/2014/main" id="{6E3FE9FB-8CAF-425A-9101-BDEF14014742}"/>
+                <a16:creationId xmlns:a16="http://schemas.microsoft.com/office/drawing/2014/main" xmlns="" id="{6E3FE9FB-8CAF-425A-9101-BDEF14014742}"/>
               </a:ext>
             </a:extLst>
           </p:cNvPr>
@@ -2678,7 +2678,7 @@
           <p:cNvPr id="5" name="Date Placeholder 4">
             <a:extLst>
               <a:ext uri="{FF2B5EF4-FFF2-40B4-BE49-F238E27FC236}">
-                <a16:creationId xmlns:a16="http://schemas.microsoft.com/office/drawing/2014/main" id="{50C55AAC-CB8E-429F-8B0E-F46731F2830B}"/>
+                <a16:creationId xmlns:a16="http://schemas.microsoft.com/office/drawing/2014/main" xmlns="" id="{50C55AAC-CB8E-429F-8B0E-F46731F2830B}"/>
               </a:ext>
             </a:extLst>
           </p:cNvPr>
@@ -2696,7 +2696,7 @@
           <a:p>
             <a:fld id="{5F9021A5-5D2C-4FF7-8FBA-B61BDE30AE1B}" type="datetimeFigureOut">
               <a:rPr lang="en-GB" smtClean="0"/>
-              <a:t>23/01/2019</a:t>
+              <a:t>25/01/2019</a:t>
             </a:fld>
             <a:endParaRPr lang="en-GB" dirty="0"/>
           </a:p>
@@ -2707,7 +2707,7 @@
           <p:cNvPr id="6" name="Footer Placeholder 5">
             <a:extLst>
               <a:ext uri="{FF2B5EF4-FFF2-40B4-BE49-F238E27FC236}">
-                <a16:creationId xmlns:a16="http://schemas.microsoft.com/office/drawing/2014/main" id="{C2F8A79E-3DA5-4A2B-86FA-8C19825DEB33}"/>
+                <a16:creationId xmlns:a16="http://schemas.microsoft.com/office/drawing/2014/main" xmlns="" id="{C2F8A79E-3DA5-4A2B-86FA-8C19825DEB33}"/>
               </a:ext>
             </a:extLst>
           </p:cNvPr>
@@ -2732,7 +2732,7 @@
           <p:cNvPr id="7" name="Slide Number Placeholder 6">
             <a:extLst>
               <a:ext uri="{FF2B5EF4-FFF2-40B4-BE49-F238E27FC236}">
-                <a16:creationId xmlns:a16="http://schemas.microsoft.com/office/drawing/2014/main" id="{B5008AA0-F7C3-4DA3-B1D9-3420F7D2567D}"/>
+                <a16:creationId xmlns:a16="http://schemas.microsoft.com/office/drawing/2014/main" xmlns="" id="{B5008AA0-F7C3-4DA3-B1D9-3420F7D2567D}"/>
               </a:ext>
             </a:extLst>
           </p:cNvPr>
@@ -2796,7 +2796,7 @@
           <p:cNvPr id="2" name="Title Placeholder 1">
             <a:extLst>
               <a:ext uri="{FF2B5EF4-FFF2-40B4-BE49-F238E27FC236}">
-                <a16:creationId xmlns:a16="http://schemas.microsoft.com/office/drawing/2014/main" id="{525AF961-B3D1-4104-86B8-C10BAD57B953}"/>
+                <a16:creationId xmlns:a16="http://schemas.microsoft.com/office/drawing/2014/main" xmlns="" id="{525AF961-B3D1-4104-86B8-C10BAD57B953}"/>
               </a:ext>
             </a:extLst>
           </p:cNvPr>
@@ -2835,7 +2835,7 @@
           <p:cNvPr id="3" name="Text Placeholder 2">
             <a:extLst>
               <a:ext uri="{FF2B5EF4-FFF2-40B4-BE49-F238E27FC236}">
-                <a16:creationId xmlns:a16="http://schemas.microsoft.com/office/drawing/2014/main" id="{2F27F852-475F-4869-A573-AD1D51B3D236}"/>
+                <a16:creationId xmlns:a16="http://schemas.microsoft.com/office/drawing/2014/main" xmlns="" id="{2F27F852-475F-4869-A573-AD1D51B3D236}"/>
               </a:ext>
             </a:extLst>
           </p:cNvPr>
@@ -2903,7 +2903,7 @@
           <p:cNvPr id="4" name="Date Placeholder 3">
             <a:extLst>
               <a:ext uri="{FF2B5EF4-FFF2-40B4-BE49-F238E27FC236}">
-                <a16:creationId xmlns:a16="http://schemas.microsoft.com/office/drawing/2014/main" id="{59156039-19C9-44ED-84AF-BBFA5A788067}"/>
+                <a16:creationId xmlns:a16="http://schemas.microsoft.com/office/drawing/2014/main" xmlns="" id="{59156039-19C9-44ED-84AF-BBFA5A788067}"/>
               </a:ext>
             </a:extLst>
           </p:cNvPr>
@@ -2939,7 +2939,7 @@
           <a:p>
             <a:fld id="{5F9021A5-5D2C-4FF7-8FBA-B61BDE30AE1B}" type="datetimeFigureOut">
               <a:rPr lang="en-GB" smtClean="0"/>
-              <a:t>23/01/2019</a:t>
+              <a:t>25/01/2019</a:t>
             </a:fld>
             <a:endParaRPr lang="en-GB" dirty="0"/>
           </a:p>
@@ -2950,7 +2950,7 @@
           <p:cNvPr id="5" name="Footer Placeholder 4">
             <a:extLst>
               <a:ext uri="{FF2B5EF4-FFF2-40B4-BE49-F238E27FC236}">
-                <a16:creationId xmlns:a16="http://schemas.microsoft.com/office/drawing/2014/main" id="{F60107FF-CCD1-4AB6-9759-47FC7DB3CA12}"/>
+                <a16:creationId xmlns:a16="http://schemas.microsoft.com/office/drawing/2014/main" xmlns="" id="{F60107FF-CCD1-4AB6-9759-47FC7DB3CA12}"/>
               </a:ext>
             </a:extLst>
           </p:cNvPr>
@@ -2993,7 +2993,7 @@
           <p:cNvPr id="6" name="Slide Number Placeholder 5">
             <a:extLst>
               <a:ext uri="{FF2B5EF4-FFF2-40B4-BE49-F238E27FC236}">
-                <a16:creationId xmlns:a16="http://schemas.microsoft.com/office/drawing/2014/main" id="{265A53F5-9A94-4878-984D-EDCC813187E2}"/>
+                <a16:creationId xmlns:a16="http://schemas.microsoft.com/office/drawing/2014/main" xmlns="" id="{265A53F5-9A94-4878-984D-EDCC813187E2}"/>
               </a:ext>
             </a:extLst>
           </p:cNvPr>
@@ -3361,7 +3361,7 @@
           <p:cNvPr id="10" name="Group 9">
             <a:extLst>
               <a:ext uri="{FF2B5EF4-FFF2-40B4-BE49-F238E27FC236}">
-                <a16:creationId xmlns:a16="http://schemas.microsoft.com/office/drawing/2014/main" id="{DE565E46-0409-49DC-A628-3A9D99FF49A4}"/>
+                <a16:creationId xmlns:a16="http://schemas.microsoft.com/office/drawing/2014/main" xmlns="" id="{DE565E46-0409-49DC-A628-3A9D99FF49A4}"/>
               </a:ext>
             </a:extLst>
           </p:cNvPr>
@@ -3381,7 +3381,7 @@
             <p:cNvPr id="6" name="Oval 5">
               <a:extLst>
                 <a:ext uri="{FF2B5EF4-FFF2-40B4-BE49-F238E27FC236}">
-                  <a16:creationId xmlns:a16="http://schemas.microsoft.com/office/drawing/2014/main" id="{0AF1B685-5947-4FCA-8578-2E2573B50500}"/>
+                  <a16:creationId xmlns:a16="http://schemas.microsoft.com/office/drawing/2014/main" xmlns="" id="{0AF1B685-5947-4FCA-8578-2E2573B50500}"/>
                 </a:ext>
               </a:extLst>
             </p:cNvPr>
@@ -3435,7 +3435,7 @@
             <p:cNvPr id="7" name="Oval 6">
               <a:extLst>
                 <a:ext uri="{FF2B5EF4-FFF2-40B4-BE49-F238E27FC236}">
-                  <a16:creationId xmlns:a16="http://schemas.microsoft.com/office/drawing/2014/main" id="{78C829D8-8AEA-46B0-B52D-267C3E7DC429}"/>
+                  <a16:creationId xmlns:a16="http://schemas.microsoft.com/office/drawing/2014/main" xmlns="" id="{78C829D8-8AEA-46B0-B52D-267C3E7DC429}"/>
                 </a:ext>
               </a:extLst>
             </p:cNvPr>
@@ -3489,7 +3489,7 @@
             <p:cNvPr id="4" name="Rectangle 3">
               <a:extLst>
                 <a:ext uri="{FF2B5EF4-FFF2-40B4-BE49-F238E27FC236}">
-                  <a16:creationId xmlns:a16="http://schemas.microsoft.com/office/drawing/2014/main" id="{E0980DD5-50C4-4F70-81B9-C85FF23D25A0}"/>
+                  <a16:creationId xmlns:a16="http://schemas.microsoft.com/office/drawing/2014/main" xmlns="" id="{E0980DD5-50C4-4F70-81B9-C85FF23D25A0}"/>
                 </a:ext>
               </a:extLst>
             </p:cNvPr>
@@ -3546,7 +3546,7 @@
             <p:cNvPr id="9" name="Rectangle 8">
               <a:extLst>
                 <a:ext uri="{FF2B5EF4-FFF2-40B4-BE49-F238E27FC236}">
-                  <a16:creationId xmlns:a16="http://schemas.microsoft.com/office/drawing/2014/main" id="{1100EAFF-8FCD-4A65-86ED-0BB35E12F79B}"/>
+                  <a16:creationId xmlns:a16="http://schemas.microsoft.com/office/drawing/2014/main" xmlns="" id="{1100EAFF-8FCD-4A65-86ED-0BB35E12F79B}"/>
                 </a:ext>
               </a:extLst>
             </p:cNvPr>
@@ -3606,7 +3606,7 @@
             <p:cNvPr id="5" name="Rectangle: Rounded Corners 4">
               <a:extLst>
                 <a:ext uri="{FF2B5EF4-FFF2-40B4-BE49-F238E27FC236}">
-                  <a16:creationId xmlns:a16="http://schemas.microsoft.com/office/drawing/2014/main" id="{33339975-1307-4621-80CE-599D1FDB2CC6}"/>
+                  <a16:creationId xmlns:a16="http://schemas.microsoft.com/office/drawing/2014/main" xmlns="" id="{33339975-1307-4621-80CE-599D1FDB2CC6}"/>
                 </a:ext>
               </a:extLst>
             </p:cNvPr>
@@ -3666,7 +3666,7 @@
           <p:cNvPr id="18" name="Group 17">
             <a:extLst>
               <a:ext uri="{FF2B5EF4-FFF2-40B4-BE49-F238E27FC236}">
-                <a16:creationId xmlns:a16="http://schemas.microsoft.com/office/drawing/2014/main" id="{BF308BC8-91B1-4840-864B-D6FE046F3045}"/>
+                <a16:creationId xmlns:a16="http://schemas.microsoft.com/office/drawing/2014/main" xmlns="" id="{BF308BC8-91B1-4840-864B-D6FE046F3045}"/>
               </a:ext>
             </a:extLst>
           </p:cNvPr>
@@ -3686,7 +3686,7 @@
             <p:cNvPr id="12" name="Rectangle: Rounded Corners 11">
               <a:extLst>
                 <a:ext uri="{FF2B5EF4-FFF2-40B4-BE49-F238E27FC236}">
-                  <a16:creationId xmlns:a16="http://schemas.microsoft.com/office/drawing/2014/main" id="{C5845180-84DB-49CB-B0F6-026F0F03AE96}"/>
+                  <a16:creationId xmlns:a16="http://schemas.microsoft.com/office/drawing/2014/main" xmlns="" id="{C5845180-84DB-49CB-B0F6-026F0F03AE96}"/>
                 </a:ext>
               </a:extLst>
             </p:cNvPr>
@@ -3745,7 +3745,7 @@
             <p:cNvPr id="13" name="Rectangle: Rounded Corners 12">
               <a:extLst>
                 <a:ext uri="{FF2B5EF4-FFF2-40B4-BE49-F238E27FC236}">
-                  <a16:creationId xmlns:a16="http://schemas.microsoft.com/office/drawing/2014/main" id="{47DDA1CF-AEEC-4455-9B8D-E1712A4F4D07}"/>
+                  <a16:creationId xmlns:a16="http://schemas.microsoft.com/office/drawing/2014/main" xmlns="" id="{47DDA1CF-AEEC-4455-9B8D-E1712A4F4D07}"/>
                 </a:ext>
               </a:extLst>
             </p:cNvPr>
@@ -3804,7 +3804,7 @@
             <p:cNvPr id="14" name="Rectangle 13">
               <a:extLst>
                 <a:ext uri="{FF2B5EF4-FFF2-40B4-BE49-F238E27FC236}">
-                  <a16:creationId xmlns:a16="http://schemas.microsoft.com/office/drawing/2014/main" id="{C3831AE5-FC33-405D-BBC0-AC1C9DBAE6FF}"/>
+                  <a16:creationId xmlns:a16="http://schemas.microsoft.com/office/drawing/2014/main" xmlns="" id="{C3831AE5-FC33-405D-BBC0-AC1C9DBAE6FF}"/>
                 </a:ext>
               </a:extLst>
             </p:cNvPr>
@@ -3861,7 +3861,7 @@
             <p:cNvPr id="15" name="Oval 14">
               <a:extLst>
                 <a:ext uri="{FF2B5EF4-FFF2-40B4-BE49-F238E27FC236}">
-                  <a16:creationId xmlns:a16="http://schemas.microsoft.com/office/drawing/2014/main" id="{4B3618A2-8B15-4867-9E8E-B4200276EF37}"/>
+                  <a16:creationId xmlns:a16="http://schemas.microsoft.com/office/drawing/2014/main" xmlns="" id="{4B3618A2-8B15-4867-9E8E-B4200276EF37}"/>
                 </a:ext>
               </a:extLst>
             </p:cNvPr>
@@ -3915,7 +3915,7 @@
             <p:cNvPr id="16" name="Oval 15">
               <a:extLst>
                 <a:ext uri="{FF2B5EF4-FFF2-40B4-BE49-F238E27FC236}">
-                  <a16:creationId xmlns:a16="http://schemas.microsoft.com/office/drawing/2014/main" id="{2DA9BCD9-B90C-42B3-B7F5-A0685BBE0EBE}"/>
+                  <a16:creationId xmlns:a16="http://schemas.microsoft.com/office/drawing/2014/main" xmlns="" id="{2DA9BCD9-B90C-42B3-B7F5-A0685BBE0EBE}"/>
                 </a:ext>
               </a:extLst>
             </p:cNvPr>
@@ -3969,7 +3969,7 @@
             <p:cNvPr id="17" name="Rectangle 16">
               <a:extLst>
                 <a:ext uri="{FF2B5EF4-FFF2-40B4-BE49-F238E27FC236}">
-                  <a16:creationId xmlns:a16="http://schemas.microsoft.com/office/drawing/2014/main" id="{BD56E8A5-511F-4FDD-903A-9764C059A1F0}"/>
+                  <a16:creationId xmlns:a16="http://schemas.microsoft.com/office/drawing/2014/main" xmlns="" id="{BD56E8A5-511F-4FDD-903A-9764C059A1F0}"/>
                 </a:ext>
               </a:extLst>
             </p:cNvPr>
@@ -4133,7 +4133,7 @@
           <p:cNvPr id="4" name="Rectangle 3">
             <a:extLst>
               <a:ext uri="{FF2B5EF4-FFF2-40B4-BE49-F238E27FC236}">
-                <a16:creationId xmlns:a16="http://schemas.microsoft.com/office/drawing/2014/main" id="{B952EAF2-0A12-43B9-9045-FF6DF05D9554}"/>
+                <a16:creationId xmlns:a16="http://schemas.microsoft.com/office/drawing/2014/main" xmlns="" id="{B952EAF2-0A12-43B9-9045-FF6DF05D9554}"/>
               </a:ext>
             </a:extLst>
           </p:cNvPr>
@@ -4188,7 +4188,7 @@
           <p:cNvPr id="6" name="Rectangle 5">
             <a:extLst>
               <a:ext uri="{FF2B5EF4-FFF2-40B4-BE49-F238E27FC236}">
-                <a16:creationId xmlns:a16="http://schemas.microsoft.com/office/drawing/2014/main" id="{BB1785C5-707A-4CE9-BBBE-93504DA2B416}"/>
+                <a16:creationId xmlns:a16="http://schemas.microsoft.com/office/drawing/2014/main" xmlns="" id="{BB1785C5-707A-4CE9-BBBE-93504DA2B416}"/>
               </a:ext>
             </a:extLst>
           </p:cNvPr>
@@ -4240,7 +4240,7 @@
           <p:cNvPr id="8" name="Right Triangle 7">
             <a:extLst>
               <a:ext uri="{FF2B5EF4-FFF2-40B4-BE49-F238E27FC236}">
-                <a16:creationId xmlns:a16="http://schemas.microsoft.com/office/drawing/2014/main" id="{A2D6DE3E-4399-4E4A-B4D0-6B24E5925A58}"/>
+                <a16:creationId xmlns:a16="http://schemas.microsoft.com/office/drawing/2014/main" xmlns="" id="{A2D6DE3E-4399-4E4A-B4D0-6B24E5925A58}"/>
               </a:ext>
             </a:extLst>
           </p:cNvPr>
@@ -4294,7 +4294,7 @@
           <p:cNvPr id="9" name="Right Triangle 8">
             <a:extLst>
               <a:ext uri="{FF2B5EF4-FFF2-40B4-BE49-F238E27FC236}">
-                <a16:creationId xmlns:a16="http://schemas.microsoft.com/office/drawing/2014/main" id="{4492A67D-306C-40E5-A188-25C5B2E8E60E}"/>
+                <a16:creationId xmlns:a16="http://schemas.microsoft.com/office/drawing/2014/main" xmlns="" id="{4492A67D-306C-40E5-A188-25C5B2E8E60E}"/>
               </a:ext>
             </a:extLst>
           </p:cNvPr>
@@ -4346,7 +4346,7 @@
           <p:cNvPr id="10" name="Group 9">
             <a:extLst>
               <a:ext uri="{FF2B5EF4-FFF2-40B4-BE49-F238E27FC236}">
-                <a16:creationId xmlns:a16="http://schemas.microsoft.com/office/drawing/2014/main" id="{7240A447-BF0B-4888-ADEE-D2144CBECB04}"/>
+                <a16:creationId xmlns:a16="http://schemas.microsoft.com/office/drawing/2014/main" xmlns="" id="{7240A447-BF0B-4888-ADEE-D2144CBECB04}"/>
               </a:ext>
             </a:extLst>
           </p:cNvPr>
@@ -4366,7 +4366,7 @@
             <p:cNvPr id="11" name="Oval 10">
               <a:extLst>
                 <a:ext uri="{FF2B5EF4-FFF2-40B4-BE49-F238E27FC236}">
-                  <a16:creationId xmlns:a16="http://schemas.microsoft.com/office/drawing/2014/main" id="{B9E483EF-C8ED-4317-9444-C6D60D009609}"/>
+                  <a16:creationId xmlns:a16="http://schemas.microsoft.com/office/drawing/2014/main" xmlns="" id="{B9E483EF-C8ED-4317-9444-C6D60D009609}"/>
                 </a:ext>
               </a:extLst>
             </p:cNvPr>
@@ -4420,7 +4420,7 @@
             <p:cNvPr id="12" name="Oval 11">
               <a:extLst>
                 <a:ext uri="{FF2B5EF4-FFF2-40B4-BE49-F238E27FC236}">
-                  <a16:creationId xmlns:a16="http://schemas.microsoft.com/office/drawing/2014/main" id="{F5DC7E25-2E03-4DE0-8320-080C922B65CE}"/>
+                  <a16:creationId xmlns:a16="http://schemas.microsoft.com/office/drawing/2014/main" xmlns="" id="{F5DC7E25-2E03-4DE0-8320-080C922B65CE}"/>
                 </a:ext>
               </a:extLst>
             </p:cNvPr>
@@ -4474,7 +4474,7 @@
             <p:cNvPr id="13" name="Rectangle 12">
               <a:extLst>
                 <a:ext uri="{FF2B5EF4-FFF2-40B4-BE49-F238E27FC236}">
-                  <a16:creationId xmlns:a16="http://schemas.microsoft.com/office/drawing/2014/main" id="{DFA46352-C925-404B-9D8C-89CD61D2ADB4}"/>
+                  <a16:creationId xmlns:a16="http://schemas.microsoft.com/office/drawing/2014/main" xmlns="" id="{DFA46352-C925-404B-9D8C-89CD61D2ADB4}"/>
                 </a:ext>
               </a:extLst>
             </p:cNvPr>
@@ -4531,7 +4531,7 @@
             <p:cNvPr id="14" name="Rectangle: Rounded Corners 13">
               <a:extLst>
                 <a:ext uri="{FF2B5EF4-FFF2-40B4-BE49-F238E27FC236}">
-                  <a16:creationId xmlns:a16="http://schemas.microsoft.com/office/drawing/2014/main" id="{2D21F57D-E5CB-4BE7-B1D9-E4F1E8554796}"/>
+                  <a16:creationId xmlns:a16="http://schemas.microsoft.com/office/drawing/2014/main" xmlns="" id="{2D21F57D-E5CB-4BE7-B1D9-E4F1E8554796}"/>
                 </a:ext>
               </a:extLst>
             </p:cNvPr>
@@ -4591,7 +4591,7 @@
           <p:cNvPr id="16" name="Cloud 15">
             <a:extLst>
               <a:ext uri="{FF2B5EF4-FFF2-40B4-BE49-F238E27FC236}">
-                <a16:creationId xmlns:a16="http://schemas.microsoft.com/office/drawing/2014/main" id="{2CE27498-5023-4903-B058-E42EFEAA038E}"/>
+                <a16:creationId xmlns:a16="http://schemas.microsoft.com/office/drawing/2014/main" xmlns="" id="{2CE27498-5023-4903-B058-E42EFEAA038E}"/>
               </a:ext>
             </a:extLst>
           </p:cNvPr>
@@ -4648,7 +4648,7 @@
           <p:cNvPr id="5" name="Rectangle 4">
             <a:extLst>
               <a:ext uri="{FF2B5EF4-FFF2-40B4-BE49-F238E27FC236}">
-                <a16:creationId xmlns:a16="http://schemas.microsoft.com/office/drawing/2014/main" id="{54780F52-5C75-483F-A096-AE5FC390B8FA}"/>
+                <a16:creationId xmlns:a16="http://schemas.microsoft.com/office/drawing/2014/main" xmlns="" id="{54780F52-5C75-483F-A096-AE5FC390B8FA}"/>
               </a:ext>
             </a:extLst>
           </p:cNvPr>
@@ -4734,7 +4734,7 @@
           <p:cNvPr id="21" name="Rectangle 20">
             <a:extLst>
               <a:ext uri="{FF2B5EF4-FFF2-40B4-BE49-F238E27FC236}">
-                <a16:creationId xmlns:a16="http://schemas.microsoft.com/office/drawing/2014/main" id="{BD25B3EC-DB4C-4497-8FF5-572ABA1DC4C4}"/>
+                <a16:creationId xmlns:a16="http://schemas.microsoft.com/office/drawing/2014/main" xmlns="" id="{BD25B3EC-DB4C-4497-8FF5-572ABA1DC4C4}"/>
               </a:ext>
             </a:extLst>
           </p:cNvPr>
@@ -4786,7 +4786,7 @@
           <p:cNvPr id="20" name="Group 19">
             <a:extLst>
               <a:ext uri="{FF2B5EF4-FFF2-40B4-BE49-F238E27FC236}">
-                <a16:creationId xmlns:a16="http://schemas.microsoft.com/office/drawing/2014/main" id="{E9C4BE0C-8811-440A-A293-0B74E20CB15B}"/>
+                <a16:creationId xmlns:a16="http://schemas.microsoft.com/office/drawing/2014/main" xmlns="" id="{E9C4BE0C-8811-440A-A293-0B74E20CB15B}"/>
               </a:ext>
             </a:extLst>
           </p:cNvPr>
@@ -4806,7 +4806,7 @@
             <p:cNvPr id="14" name="Rectangle: Rounded Corners 13">
               <a:extLst>
                 <a:ext uri="{FF2B5EF4-FFF2-40B4-BE49-F238E27FC236}">
-                  <a16:creationId xmlns:a16="http://schemas.microsoft.com/office/drawing/2014/main" id="{F7D747E1-5321-4917-83A5-2C97927CE3D9}"/>
+                  <a16:creationId xmlns:a16="http://schemas.microsoft.com/office/drawing/2014/main" xmlns="" id="{F7D747E1-5321-4917-83A5-2C97927CE3D9}"/>
                 </a:ext>
               </a:extLst>
             </p:cNvPr>
@@ -4865,7 +4865,7 @@
             <p:cNvPr id="19" name="Rectangle: Rounded Corners 18">
               <a:extLst>
                 <a:ext uri="{FF2B5EF4-FFF2-40B4-BE49-F238E27FC236}">
-                  <a16:creationId xmlns:a16="http://schemas.microsoft.com/office/drawing/2014/main" id="{0F5F2F2C-752A-4F44-802C-BBB45CAC38B4}"/>
+                  <a16:creationId xmlns:a16="http://schemas.microsoft.com/office/drawing/2014/main" xmlns="" id="{0F5F2F2C-752A-4F44-802C-BBB45CAC38B4}"/>
                 </a:ext>
               </a:extLst>
             </p:cNvPr>
@@ -4924,7 +4924,7 @@
             <p:cNvPr id="13" name="Rectangle 12">
               <a:extLst>
                 <a:ext uri="{FF2B5EF4-FFF2-40B4-BE49-F238E27FC236}">
-                  <a16:creationId xmlns:a16="http://schemas.microsoft.com/office/drawing/2014/main" id="{F3690F3F-1F02-439A-A3F7-6E4692B1FE3F}"/>
+                  <a16:creationId xmlns:a16="http://schemas.microsoft.com/office/drawing/2014/main" xmlns="" id="{F3690F3F-1F02-439A-A3F7-6E4692B1FE3F}"/>
                 </a:ext>
               </a:extLst>
             </p:cNvPr>
@@ -4981,7 +4981,7 @@
             <p:cNvPr id="11" name="Oval 10">
               <a:extLst>
                 <a:ext uri="{FF2B5EF4-FFF2-40B4-BE49-F238E27FC236}">
-                  <a16:creationId xmlns:a16="http://schemas.microsoft.com/office/drawing/2014/main" id="{A0D0750E-85C8-46C7-A66D-0F4E01652F18}"/>
+                  <a16:creationId xmlns:a16="http://schemas.microsoft.com/office/drawing/2014/main" xmlns="" id="{A0D0750E-85C8-46C7-A66D-0F4E01652F18}"/>
                 </a:ext>
               </a:extLst>
             </p:cNvPr>
@@ -5035,7 +5035,7 @@
             <p:cNvPr id="12" name="Oval 11">
               <a:extLst>
                 <a:ext uri="{FF2B5EF4-FFF2-40B4-BE49-F238E27FC236}">
-                  <a16:creationId xmlns:a16="http://schemas.microsoft.com/office/drawing/2014/main" id="{8026C938-56CA-447F-968E-67A1FE5611D7}"/>
+                  <a16:creationId xmlns:a16="http://schemas.microsoft.com/office/drawing/2014/main" xmlns="" id="{8026C938-56CA-447F-968E-67A1FE5611D7}"/>
                 </a:ext>
               </a:extLst>
             </p:cNvPr>
@@ -5090,7 +5090,7 @@
           <p:cNvPr id="22" name="Cloud 21">
             <a:extLst>
               <a:ext uri="{FF2B5EF4-FFF2-40B4-BE49-F238E27FC236}">
-                <a16:creationId xmlns:a16="http://schemas.microsoft.com/office/drawing/2014/main" id="{7816433F-6710-4BE4-96DD-713A55E9C120}"/>
+                <a16:creationId xmlns:a16="http://schemas.microsoft.com/office/drawing/2014/main" xmlns="" id="{7816433F-6710-4BE4-96DD-713A55E9C120}"/>
               </a:ext>
             </a:extLst>
           </p:cNvPr>
@@ -5177,7 +5177,7 @@
           <p:cNvPr id="21" name="Rectangle 20">
             <a:extLst>
               <a:ext uri="{FF2B5EF4-FFF2-40B4-BE49-F238E27FC236}">
-                <a16:creationId xmlns:a16="http://schemas.microsoft.com/office/drawing/2014/main" id="{BD25B3EC-DB4C-4497-8FF5-572ABA1DC4C4}"/>
+                <a16:creationId xmlns:a16="http://schemas.microsoft.com/office/drawing/2014/main" xmlns="" id="{BD25B3EC-DB4C-4497-8FF5-572ABA1DC4C4}"/>
               </a:ext>
             </a:extLst>
           </p:cNvPr>
@@ -5229,7 +5229,7 @@
           <p:cNvPr id="20" name="Group 19">
             <a:extLst>
               <a:ext uri="{FF2B5EF4-FFF2-40B4-BE49-F238E27FC236}">
-                <a16:creationId xmlns:a16="http://schemas.microsoft.com/office/drawing/2014/main" id="{E9C4BE0C-8811-440A-A293-0B74E20CB15B}"/>
+                <a16:creationId xmlns:a16="http://schemas.microsoft.com/office/drawing/2014/main" xmlns="" id="{E9C4BE0C-8811-440A-A293-0B74E20CB15B}"/>
               </a:ext>
             </a:extLst>
           </p:cNvPr>
@@ -5249,7 +5249,7 @@
             <p:cNvPr id="14" name="Rectangle: Rounded Corners 13">
               <a:extLst>
                 <a:ext uri="{FF2B5EF4-FFF2-40B4-BE49-F238E27FC236}">
-                  <a16:creationId xmlns:a16="http://schemas.microsoft.com/office/drawing/2014/main" id="{F7D747E1-5321-4917-83A5-2C97927CE3D9}"/>
+                  <a16:creationId xmlns:a16="http://schemas.microsoft.com/office/drawing/2014/main" xmlns="" id="{F7D747E1-5321-4917-83A5-2C97927CE3D9}"/>
                 </a:ext>
               </a:extLst>
             </p:cNvPr>
@@ -5308,7 +5308,7 @@
             <p:cNvPr id="19" name="Rectangle: Rounded Corners 18">
               <a:extLst>
                 <a:ext uri="{FF2B5EF4-FFF2-40B4-BE49-F238E27FC236}">
-                  <a16:creationId xmlns:a16="http://schemas.microsoft.com/office/drawing/2014/main" id="{0F5F2F2C-752A-4F44-802C-BBB45CAC38B4}"/>
+                  <a16:creationId xmlns:a16="http://schemas.microsoft.com/office/drawing/2014/main" xmlns="" id="{0F5F2F2C-752A-4F44-802C-BBB45CAC38B4}"/>
                 </a:ext>
               </a:extLst>
             </p:cNvPr>
@@ -5367,7 +5367,7 @@
             <p:cNvPr id="13" name="Rectangle 12">
               <a:extLst>
                 <a:ext uri="{FF2B5EF4-FFF2-40B4-BE49-F238E27FC236}">
-                  <a16:creationId xmlns:a16="http://schemas.microsoft.com/office/drawing/2014/main" id="{F3690F3F-1F02-439A-A3F7-6E4692B1FE3F}"/>
+                  <a16:creationId xmlns:a16="http://schemas.microsoft.com/office/drawing/2014/main" xmlns="" id="{F3690F3F-1F02-439A-A3F7-6E4692B1FE3F}"/>
                 </a:ext>
               </a:extLst>
             </p:cNvPr>
@@ -5424,7 +5424,7 @@
             <p:cNvPr id="11" name="Oval 10">
               <a:extLst>
                 <a:ext uri="{FF2B5EF4-FFF2-40B4-BE49-F238E27FC236}">
-                  <a16:creationId xmlns:a16="http://schemas.microsoft.com/office/drawing/2014/main" id="{A0D0750E-85C8-46C7-A66D-0F4E01652F18}"/>
+                  <a16:creationId xmlns:a16="http://schemas.microsoft.com/office/drawing/2014/main" xmlns="" id="{A0D0750E-85C8-46C7-A66D-0F4E01652F18}"/>
                 </a:ext>
               </a:extLst>
             </p:cNvPr>
@@ -5478,7 +5478,7 @@
             <p:cNvPr id="12" name="Oval 11">
               <a:extLst>
                 <a:ext uri="{FF2B5EF4-FFF2-40B4-BE49-F238E27FC236}">
-                  <a16:creationId xmlns:a16="http://schemas.microsoft.com/office/drawing/2014/main" id="{8026C938-56CA-447F-968E-67A1FE5611D7}"/>
+                  <a16:creationId xmlns:a16="http://schemas.microsoft.com/office/drawing/2014/main" xmlns="" id="{8026C938-56CA-447F-968E-67A1FE5611D7}"/>
                 </a:ext>
               </a:extLst>
             </p:cNvPr>
@@ -5533,7 +5533,7 @@
           <p:cNvPr id="22" name="Cloud 21">
             <a:extLst>
               <a:ext uri="{FF2B5EF4-FFF2-40B4-BE49-F238E27FC236}">
-                <a16:creationId xmlns:a16="http://schemas.microsoft.com/office/drawing/2014/main" id="{7816433F-6710-4BE4-96DD-713A55E9C120}"/>
+                <a16:creationId xmlns:a16="http://schemas.microsoft.com/office/drawing/2014/main" xmlns="" id="{7816433F-6710-4BE4-96DD-713A55E9C120}"/>
               </a:ext>
             </a:extLst>
           </p:cNvPr>
@@ -5590,7 +5590,7 @@
           <p:cNvPr id="18" name="Rectangle 17">
             <a:extLst>
               <a:ext uri="{FF2B5EF4-FFF2-40B4-BE49-F238E27FC236}">
-                <a16:creationId xmlns:a16="http://schemas.microsoft.com/office/drawing/2014/main" id="{1691F04F-5542-4138-AE32-C7ABDADEDD48}"/>
+                <a16:creationId xmlns:a16="http://schemas.microsoft.com/office/drawing/2014/main" xmlns="" id="{1691F04F-5542-4138-AE32-C7ABDADEDD48}"/>
               </a:ext>
             </a:extLst>
           </p:cNvPr>
@@ -5644,7 +5644,7 @@
           <p:cNvPr id="23" name="Oval 22">
             <a:extLst>
               <a:ext uri="{FF2B5EF4-FFF2-40B4-BE49-F238E27FC236}">
-                <a16:creationId xmlns:a16="http://schemas.microsoft.com/office/drawing/2014/main" id="{68F7C2D4-7A61-481E-95A2-C3E0FF07CEB2}"/>
+                <a16:creationId xmlns:a16="http://schemas.microsoft.com/office/drawing/2014/main" xmlns="" id="{68F7C2D4-7A61-481E-95A2-C3E0FF07CEB2}"/>
               </a:ext>
             </a:extLst>
           </p:cNvPr>
@@ -5698,7 +5698,7 @@
           <p:cNvPr id="24" name="Oval 23">
             <a:extLst>
               <a:ext uri="{FF2B5EF4-FFF2-40B4-BE49-F238E27FC236}">
-                <a16:creationId xmlns:a16="http://schemas.microsoft.com/office/drawing/2014/main" id="{39986F21-83F4-47B4-A190-C21573817676}"/>
+                <a16:creationId xmlns:a16="http://schemas.microsoft.com/office/drawing/2014/main" xmlns="" id="{39986F21-83F4-47B4-A190-C21573817676}"/>
               </a:ext>
             </a:extLst>
           </p:cNvPr>
@@ -5752,7 +5752,7 @@
           <p:cNvPr id="25" name="Oval 24">
             <a:extLst>
               <a:ext uri="{FF2B5EF4-FFF2-40B4-BE49-F238E27FC236}">
-                <a16:creationId xmlns:a16="http://schemas.microsoft.com/office/drawing/2014/main" id="{304F4A48-1083-4DC0-BBEA-AD2CB3155009}"/>
+                <a16:creationId xmlns:a16="http://schemas.microsoft.com/office/drawing/2014/main" xmlns="" id="{304F4A48-1083-4DC0-BBEA-AD2CB3155009}"/>
               </a:ext>
             </a:extLst>
           </p:cNvPr>
@@ -5836,7 +5836,7 @@
           <p:cNvPr id="21" name="Rectangle 20">
             <a:extLst>
               <a:ext uri="{FF2B5EF4-FFF2-40B4-BE49-F238E27FC236}">
-                <a16:creationId xmlns:a16="http://schemas.microsoft.com/office/drawing/2014/main" id="{BD25B3EC-DB4C-4497-8FF5-572ABA1DC4C4}"/>
+                <a16:creationId xmlns:a16="http://schemas.microsoft.com/office/drawing/2014/main" xmlns="" id="{BD25B3EC-DB4C-4497-8FF5-572ABA1DC4C4}"/>
               </a:ext>
             </a:extLst>
           </p:cNvPr>
@@ -5888,7 +5888,7 @@
           <p:cNvPr id="20" name="Group 19">
             <a:extLst>
               <a:ext uri="{FF2B5EF4-FFF2-40B4-BE49-F238E27FC236}">
-                <a16:creationId xmlns:a16="http://schemas.microsoft.com/office/drawing/2014/main" id="{E9C4BE0C-8811-440A-A293-0B74E20CB15B}"/>
+                <a16:creationId xmlns:a16="http://schemas.microsoft.com/office/drawing/2014/main" xmlns="" id="{E9C4BE0C-8811-440A-A293-0B74E20CB15B}"/>
               </a:ext>
             </a:extLst>
           </p:cNvPr>
@@ -5908,7 +5908,7 @@
             <p:cNvPr id="14" name="Rectangle: Rounded Corners 13">
               <a:extLst>
                 <a:ext uri="{FF2B5EF4-FFF2-40B4-BE49-F238E27FC236}">
-                  <a16:creationId xmlns:a16="http://schemas.microsoft.com/office/drawing/2014/main" id="{F7D747E1-5321-4917-83A5-2C97927CE3D9}"/>
+                  <a16:creationId xmlns:a16="http://schemas.microsoft.com/office/drawing/2014/main" xmlns="" id="{F7D747E1-5321-4917-83A5-2C97927CE3D9}"/>
                 </a:ext>
               </a:extLst>
             </p:cNvPr>
@@ -5967,7 +5967,7 @@
             <p:cNvPr id="19" name="Rectangle: Rounded Corners 18">
               <a:extLst>
                 <a:ext uri="{FF2B5EF4-FFF2-40B4-BE49-F238E27FC236}">
-                  <a16:creationId xmlns:a16="http://schemas.microsoft.com/office/drawing/2014/main" id="{0F5F2F2C-752A-4F44-802C-BBB45CAC38B4}"/>
+                  <a16:creationId xmlns:a16="http://schemas.microsoft.com/office/drawing/2014/main" xmlns="" id="{0F5F2F2C-752A-4F44-802C-BBB45CAC38B4}"/>
                 </a:ext>
               </a:extLst>
             </p:cNvPr>
@@ -6026,7 +6026,7 @@
             <p:cNvPr id="13" name="Rectangle 12">
               <a:extLst>
                 <a:ext uri="{FF2B5EF4-FFF2-40B4-BE49-F238E27FC236}">
-                  <a16:creationId xmlns:a16="http://schemas.microsoft.com/office/drawing/2014/main" id="{F3690F3F-1F02-439A-A3F7-6E4692B1FE3F}"/>
+                  <a16:creationId xmlns:a16="http://schemas.microsoft.com/office/drawing/2014/main" xmlns="" id="{F3690F3F-1F02-439A-A3F7-6E4692B1FE3F}"/>
                 </a:ext>
               </a:extLst>
             </p:cNvPr>
@@ -6083,7 +6083,7 @@
             <p:cNvPr id="11" name="Oval 10">
               <a:extLst>
                 <a:ext uri="{FF2B5EF4-FFF2-40B4-BE49-F238E27FC236}">
-                  <a16:creationId xmlns:a16="http://schemas.microsoft.com/office/drawing/2014/main" id="{A0D0750E-85C8-46C7-A66D-0F4E01652F18}"/>
+                  <a16:creationId xmlns:a16="http://schemas.microsoft.com/office/drawing/2014/main" xmlns="" id="{A0D0750E-85C8-46C7-A66D-0F4E01652F18}"/>
                 </a:ext>
               </a:extLst>
             </p:cNvPr>
@@ -6137,7 +6137,7 @@
             <p:cNvPr id="12" name="Oval 11">
               <a:extLst>
                 <a:ext uri="{FF2B5EF4-FFF2-40B4-BE49-F238E27FC236}">
-                  <a16:creationId xmlns:a16="http://schemas.microsoft.com/office/drawing/2014/main" id="{8026C938-56CA-447F-968E-67A1FE5611D7}"/>
+                  <a16:creationId xmlns:a16="http://schemas.microsoft.com/office/drawing/2014/main" xmlns="" id="{8026C938-56CA-447F-968E-67A1FE5611D7}"/>
                 </a:ext>
               </a:extLst>
             </p:cNvPr>
@@ -6192,7 +6192,7 @@
           <p:cNvPr id="22" name="Cloud 21">
             <a:extLst>
               <a:ext uri="{FF2B5EF4-FFF2-40B4-BE49-F238E27FC236}">
-                <a16:creationId xmlns:a16="http://schemas.microsoft.com/office/drawing/2014/main" id="{7816433F-6710-4BE4-96DD-713A55E9C120}"/>
+                <a16:creationId xmlns:a16="http://schemas.microsoft.com/office/drawing/2014/main" xmlns="" id="{7816433F-6710-4BE4-96DD-713A55E9C120}"/>
               </a:ext>
             </a:extLst>
           </p:cNvPr>
@@ -6249,7 +6249,7 @@
           <p:cNvPr id="18" name="Rectangle 17">
             <a:extLst>
               <a:ext uri="{FF2B5EF4-FFF2-40B4-BE49-F238E27FC236}">
-                <a16:creationId xmlns:a16="http://schemas.microsoft.com/office/drawing/2014/main" id="{1691F04F-5542-4138-AE32-C7ABDADEDD48}"/>
+                <a16:creationId xmlns:a16="http://schemas.microsoft.com/office/drawing/2014/main" xmlns="" id="{1691F04F-5542-4138-AE32-C7ABDADEDD48}"/>
               </a:ext>
             </a:extLst>
           </p:cNvPr>
@@ -6303,7 +6303,7 @@
           <p:cNvPr id="24" name="Oval 23">
             <a:extLst>
               <a:ext uri="{FF2B5EF4-FFF2-40B4-BE49-F238E27FC236}">
-                <a16:creationId xmlns:a16="http://schemas.microsoft.com/office/drawing/2014/main" id="{39986F21-83F4-47B4-A190-C21573817676}"/>
+                <a16:creationId xmlns:a16="http://schemas.microsoft.com/office/drawing/2014/main" xmlns="" id="{39986F21-83F4-47B4-A190-C21573817676}"/>
               </a:ext>
             </a:extLst>
           </p:cNvPr>
@@ -6357,7 +6357,7 @@
           <p:cNvPr id="3" name="Straight Connector 2">
             <a:extLst>
               <a:ext uri="{FF2B5EF4-FFF2-40B4-BE49-F238E27FC236}">
-                <a16:creationId xmlns:a16="http://schemas.microsoft.com/office/drawing/2014/main" id="{D4FE5C44-DB15-43D7-861A-9E8E750611FA}"/>
+                <a16:creationId xmlns:a16="http://schemas.microsoft.com/office/drawing/2014/main" xmlns="" id="{D4FE5C44-DB15-43D7-861A-9E8E750611FA}"/>
               </a:ext>
             </a:extLst>
           </p:cNvPr>
@@ -6400,7 +6400,7 @@
           <p:cNvPr id="23" name="Oval 22">
             <a:extLst>
               <a:ext uri="{FF2B5EF4-FFF2-40B4-BE49-F238E27FC236}">
-                <a16:creationId xmlns:a16="http://schemas.microsoft.com/office/drawing/2014/main" id="{68F7C2D4-7A61-481E-95A2-C3E0FF07CEB2}"/>
+                <a16:creationId xmlns:a16="http://schemas.microsoft.com/office/drawing/2014/main" xmlns="" id="{68F7C2D4-7A61-481E-95A2-C3E0FF07CEB2}"/>
               </a:ext>
             </a:extLst>
           </p:cNvPr>
@@ -6454,7 +6454,7 @@
           <p:cNvPr id="25" name="Oval 24">
             <a:extLst>
               <a:ext uri="{FF2B5EF4-FFF2-40B4-BE49-F238E27FC236}">
-                <a16:creationId xmlns:a16="http://schemas.microsoft.com/office/drawing/2014/main" id="{304F4A48-1083-4DC0-BBEA-AD2CB3155009}"/>
+                <a16:creationId xmlns:a16="http://schemas.microsoft.com/office/drawing/2014/main" xmlns="" id="{304F4A48-1083-4DC0-BBEA-AD2CB3155009}"/>
               </a:ext>
             </a:extLst>
           </p:cNvPr>
@@ -6508,7 +6508,7 @@
           <p:cNvPr id="5" name="Straight Connector 4">
             <a:extLst>
               <a:ext uri="{FF2B5EF4-FFF2-40B4-BE49-F238E27FC236}">
-                <a16:creationId xmlns:a16="http://schemas.microsoft.com/office/drawing/2014/main" id="{86723112-7FE1-441F-9F8A-F889DE6EF386}"/>
+                <a16:creationId xmlns:a16="http://schemas.microsoft.com/office/drawing/2014/main" xmlns="" id="{86723112-7FE1-441F-9F8A-F889DE6EF386}"/>
               </a:ext>
             </a:extLst>
           </p:cNvPr>
@@ -6551,7 +6551,7 @@
           <p:cNvPr id="8" name="Arrow: Right 7">
             <a:extLst>
               <a:ext uri="{FF2B5EF4-FFF2-40B4-BE49-F238E27FC236}">
-                <a16:creationId xmlns:a16="http://schemas.microsoft.com/office/drawing/2014/main" id="{902D70E0-C0D5-495D-81FF-8718930F7553}"/>
+                <a16:creationId xmlns:a16="http://schemas.microsoft.com/office/drawing/2014/main" xmlns="" id="{902D70E0-C0D5-495D-81FF-8718930F7553}"/>
               </a:ext>
             </a:extLst>
           </p:cNvPr>
@@ -6636,7 +6636,7 @@
           <p:cNvPr id="21" name="Rectangle 20">
             <a:extLst>
               <a:ext uri="{FF2B5EF4-FFF2-40B4-BE49-F238E27FC236}">
-                <a16:creationId xmlns:a16="http://schemas.microsoft.com/office/drawing/2014/main" id="{BD25B3EC-DB4C-4497-8FF5-572ABA1DC4C4}"/>
+                <a16:creationId xmlns:a16="http://schemas.microsoft.com/office/drawing/2014/main" xmlns="" id="{BD25B3EC-DB4C-4497-8FF5-572ABA1DC4C4}"/>
               </a:ext>
             </a:extLst>
           </p:cNvPr>
@@ -6688,7 +6688,7 @@
           <p:cNvPr id="22" name="Cloud 21">
             <a:extLst>
               <a:ext uri="{FF2B5EF4-FFF2-40B4-BE49-F238E27FC236}">
-                <a16:creationId xmlns:a16="http://schemas.microsoft.com/office/drawing/2014/main" id="{7816433F-6710-4BE4-96DD-713A55E9C120}"/>
+                <a16:creationId xmlns:a16="http://schemas.microsoft.com/office/drawing/2014/main" xmlns="" id="{7816433F-6710-4BE4-96DD-713A55E9C120}"/>
               </a:ext>
             </a:extLst>
           </p:cNvPr>
@@ -6745,7 +6745,7 @@
           <p:cNvPr id="36" name="Group 35">
             <a:extLst>
               <a:ext uri="{FF2B5EF4-FFF2-40B4-BE49-F238E27FC236}">
-                <a16:creationId xmlns:a16="http://schemas.microsoft.com/office/drawing/2014/main" id="{9D3C3581-799D-41C4-8A7E-3B1F29D7F724}"/>
+                <a16:creationId xmlns:a16="http://schemas.microsoft.com/office/drawing/2014/main" xmlns="" id="{9D3C3581-799D-41C4-8A7E-3B1F29D7F724}"/>
               </a:ext>
             </a:extLst>
           </p:cNvPr>
@@ -6765,7 +6765,7 @@
             <p:cNvPr id="40" name="Rectangle: Rounded Corners 39">
               <a:extLst>
                 <a:ext uri="{FF2B5EF4-FFF2-40B4-BE49-F238E27FC236}">
-                  <a16:creationId xmlns:a16="http://schemas.microsoft.com/office/drawing/2014/main" id="{342ABA70-F860-492B-BFBC-F4814929B690}"/>
+                  <a16:creationId xmlns:a16="http://schemas.microsoft.com/office/drawing/2014/main" xmlns="" id="{342ABA70-F860-492B-BFBC-F4814929B690}"/>
                 </a:ext>
               </a:extLst>
             </p:cNvPr>
@@ -6824,7 +6824,7 @@
             <p:cNvPr id="41" name="Rectangle: Rounded Corners 40">
               <a:extLst>
                 <a:ext uri="{FF2B5EF4-FFF2-40B4-BE49-F238E27FC236}">
-                  <a16:creationId xmlns:a16="http://schemas.microsoft.com/office/drawing/2014/main" id="{7C3DC209-DCFF-49CD-B4CD-A701A6076BC1}"/>
+                  <a16:creationId xmlns:a16="http://schemas.microsoft.com/office/drawing/2014/main" xmlns="" id="{7C3DC209-DCFF-49CD-B4CD-A701A6076BC1}"/>
                 </a:ext>
               </a:extLst>
             </p:cNvPr>
@@ -6883,7 +6883,7 @@
             <p:cNvPr id="42" name="Rectangle 41">
               <a:extLst>
                 <a:ext uri="{FF2B5EF4-FFF2-40B4-BE49-F238E27FC236}">
-                  <a16:creationId xmlns:a16="http://schemas.microsoft.com/office/drawing/2014/main" id="{0D2D6DD8-D866-4F3D-967E-38D0B5925AD4}"/>
+                  <a16:creationId xmlns:a16="http://schemas.microsoft.com/office/drawing/2014/main" xmlns="" id="{0D2D6DD8-D866-4F3D-967E-38D0B5925AD4}"/>
                 </a:ext>
               </a:extLst>
             </p:cNvPr>
@@ -6940,7 +6940,7 @@
             <p:cNvPr id="43" name="Oval 42">
               <a:extLst>
                 <a:ext uri="{FF2B5EF4-FFF2-40B4-BE49-F238E27FC236}">
-                  <a16:creationId xmlns:a16="http://schemas.microsoft.com/office/drawing/2014/main" id="{68D34BEC-9182-437E-9BA8-AD7FFA4B19EB}"/>
+                  <a16:creationId xmlns:a16="http://schemas.microsoft.com/office/drawing/2014/main" xmlns="" id="{68D34BEC-9182-437E-9BA8-AD7FFA4B19EB}"/>
                 </a:ext>
               </a:extLst>
             </p:cNvPr>
@@ -6994,7 +6994,7 @@
             <p:cNvPr id="44" name="Oval 43">
               <a:extLst>
                 <a:ext uri="{FF2B5EF4-FFF2-40B4-BE49-F238E27FC236}">
-                  <a16:creationId xmlns:a16="http://schemas.microsoft.com/office/drawing/2014/main" id="{BFE920F1-16B1-473C-990F-979542E37EF6}"/>
+                  <a16:creationId xmlns:a16="http://schemas.microsoft.com/office/drawing/2014/main" xmlns="" id="{BFE920F1-16B1-473C-990F-979542E37EF6}"/>
                 </a:ext>
               </a:extLst>
             </p:cNvPr>
@@ -7049,7 +7049,7 @@
           <p:cNvPr id="18" name="Rectangle 17">
             <a:extLst>
               <a:ext uri="{FF2B5EF4-FFF2-40B4-BE49-F238E27FC236}">
-                <a16:creationId xmlns:a16="http://schemas.microsoft.com/office/drawing/2014/main" id="{1691F04F-5542-4138-AE32-C7ABDADEDD48}"/>
+                <a16:creationId xmlns:a16="http://schemas.microsoft.com/office/drawing/2014/main" xmlns="" id="{1691F04F-5542-4138-AE32-C7ABDADEDD48}"/>
               </a:ext>
             </a:extLst>
           </p:cNvPr>
@@ -7103,7 +7103,7 @@
           <p:cNvPr id="3" name="Straight Connector 2">
             <a:extLst>
               <a:ext uri="{FF2B5EF4-FFF2-40B4-BE49-F238E27FC236}">
-                <a16:creationId xmlns:a16="http://schemas.microsoft.com/office/drawing/2014/main" id="{D4FE5C44-DB15-43D7-861A-9E8E750611FA}"/>
+                <a16:creationId xmlns:a16="http://schemas.microsoft.com/office/drawing/2014/main" xmlns="" id="{D4FE5C44-DB15-43D7-861A-9E8E750611FA}"/>
               </a:ext>
             </a:extLst>
           </p:cNvPr>
@@ -7146,7 +7146,7 @@
           <p:cNvPr id="23" name="Oval 22">
             <a:extLst>
               <a:ext uri="{FF2B5EF4-FFF2-40B4-BE49-F238E27FC236}">
-                <a16:creationId xmlns:a16="http://schemas.microsoft.com/office/drawing/2014/main" id="{68F7C2D4-7A61-481E-95A2-C3E0FF07CEB2}"/>
+                <a16:creationId xmlns:a16="http://schemas.microsoft.com/office/drawing/2014/main" xmlns="" id="{68F7C2D4-7A61-481E-95A2-C3E0FF07CEB2}"/>
               </a:ext>
             </a:extLst>
           </p:cNvPr>
@@ -7200,7 +7200,7 @@
           <p:cNvPr id="37" name="Oval 36">
             <a:extLst>
               <a:ext uri="{FF2B5EF4-FFF2-40B4-BE49-F238E27FC236}">
-                <a16:creationId xmlns:a16="http://schemas.microsoft.com/office/drawing/2014/main" id="{9370E720-6E28-4D6C-BB02-7682277CAE3D}"/>
+                <a16:creationId xmlns:a16="http://schemas.microsoft.com/office/drawing/2014/main" xmlns="" id="{9370E720-6E28-4D6C-BB02-7682277CAE3D}"/>
               </a:ext>
             </a:extLst>
           </p:cNvPr>
@@ -7254,7 +7254,7 @@
           <p:cNvPr id="38" name="Oval 37">
             <a:extLst>
               <a:ext uri="{FF2B5EF4-FFF2-40B4-BE49-F238E27FC236}">
-                <a16:creationId xmlns:a16="http://schemas.microsoft.com/office/drawing/2014/main" id="{E1568EDB-529F-481E-9BD9-1A4190F5A051}"/>
+                <a16:creationId xmlns:a16="http://schemas.microsoft.com/office/drawing/2014/main" xmlns="" id="{E1568EDB-529F-481E-9BD9-1A4190F5A051}"/>
               </a:ext>
             </a:extLst>
           </p:cNvPr>
@@ -7338,7 +7338,7 @@
           <p:cNvPr id="21" name="Rectangle 20">
             <a:extLst>
               <a:ext uri="{FF2B5EF4-FFF2-40B4-BE49-F238E27FC236}">
-                <a16:creationId xmlns:a16="http://schemas.microsoft.com/office/drawing/2014/main" id="{BD25B3EC-DB4C-4497-8FF5-572ABA1DC4C4}"/>
+                <a16:creationId xmlns:a16="http://schemas.microsoft.com/office/drawing/2014/main" xmlns="" id="{BD25B3EC-DB4C-4497-8FF5-572ABA1DC4C4}"/>
               </a:ext>
             </a:extLst>
           </p:cNvPr>
@@ -7390,7 +7390,7 @@
           <p:cNvPr id="26" name="Straight Connector 25">
             <a:extLst>
               <a:ext uri="{FF2B5EF4-FFF2-40B4-BE49-F238E27FC236}">
-                <a16:creationId xmlns:a16="http://schemas.microsoft.com/office/drawing/2014/main" id="{8F6E0289-E345-4A0E-9753-7FC8FE3E078D}"/>
+                <a16:creationId xmlns:a16="http://schemas.microsoft.com/office/drawing/2014/main" xmlns="" id="{8F6E0289-E345-4A0E-9753-7FC8FE3E078D}"/>
               </a:ext>
             </a:extLst>
           </p:cNvPr>
@@ -7435,7 +7435,7 @@
           <p:cNvPr id="27" name="Straight Connector 26">
             <a:extLst>
               <a:ext uri="{FF2B5EF4-FFF2-40B4-BE49-F238E27FC236}">
-                <a16:creationId xmlns:a16="http://schemas.microsoft.com/office/drawing/2014/main" id="{0F420222-C32D-4282-B4C1-8EE001FE4EB1}"/>
+                <a16:creationId xmlns:a16="http://schemas.microsoft.com/office/drawing/2014/main" xmlns="" id="{0F420222-C32D-4282-B4C1-8EE001FE4EB1}"/>
               </a:ext>
             </a:extLst>
           </p:cNvPr>
@@ -7480,7 +7480,7 @@
           <p:cNvPr id="22" name="Cloud 21">
             <a:extLst>
               <a:ext uri="{FF2B5EF4-FFF2-40B4-BE49-F238E27FC236}">
-                <a16:creationId xmlns:a16="http://schemas.microsoft.com/office/drawing/2014/main" id="{7816433F-6710-4BE4-96DD-713A55E9C120}"/>
+                <a16:creationId xmlns:a16="http://schemas.microsoft.com/office/drawing/2014/main" xmlns="" id="{7816433F-6710-4BE4-96DD-713A55E9C120}"/>
               </a:ext>
             </a:extLst>
           </p:cNvPr>
@@ -7537,7 +7537,7 @@
           <p:cNvPr id="36" name="Group 35">
             <a:extLst>
               <a:ext uri="{FF2B5EF4-FFF2-40B4-BE49-F238E27FC236}">
-                <a16:creationId xmlns:a16="http://schemas.microsoft.com/office/drawing/2014/main" id="{9D3C3581-799D-41C4-8A7E-3B1F29D7F724}"/>
+                <a16:creationId xmlns:a16="http://schemas.microsoft.com/office/drawing/2014/main" xmlns="" id="{9D3C3581-799D-41C4-8A7E-3B1F29D7F724}"/>
               </a:ext>
             </a:extLst>
           </p:cNvPr>
@@ -7562,7 +7562,7 @@
             <p:cNvPr id="40" name="Rectangle: Rounded Corners 39">
               <a:extLst>
                 <a:ext uri="{FF2B5EF4-FFF2-40B4-BE49-F238E27FC236}">
-                  <a16:creationId xmlns:a16="http://schemas.microsoft.com/office/drawing/2014/main" id="{342ABA70-F860-492B-BFBC-F4814929B690}"/>
+                  <a16:creationId xmlns:a16="http://schemas.microsoft.com/office/drawing/2014/main" xmlns="" id="{342ABA70-F860-492B-BFBC-F4814929B690}"/>
                 </a:ext>
               </a:extLst>
             </p:cNvPr>
@@ -7616,7 +7616,7 @@
             <p:cNvPr id="41" name="Rectangle: Rounded Corners 40">
               <a:extLst>
                 <a:ext uri="{FF2B5EF4-FFF2-40B4-BE49-F238E27FC236}">
-                  <a16:creationId xmlns:a16="http://schemas.microsoft.com/office/drawing/2014/main" id="{7C3DC209-DCFF-49CD-B4CD-A701A6076BC1}"/>
+                  <a16:creationId xmlns:a16="http://schemas.microsoft.com/office/drawing/2014/main" xmlns="" id="{7C3DC209-DCFF-49CD-B4CD-A701A6076BC1}"/>
                 </a:ext>
               </a:extLst>
             </p:cNvPr>
@@ -7670,7 +7670,7 @@
             <p:cNvPr id="42" name="Rectangle 41">
               <a:extLst>
                 <a:ext uri="{FF2B5EF4-FFF2-40B4-BE49-F238E27FC236}">
-                  <a16:creationId xmlns:a16="http://schemas.microsoft.com/office/drawing/2014/main" id="{0D2D6DD8-D866-4F3D-967E-38D0B5925AD4}"/>
+                  <a16:creationId xmlns:a16="http://schemas.microsoft.com/office/drawing/2014/main" xmlns="" id="{0D2D6DD8-D866-4F3D-967E-38D0B5925AD4}"/>
                 </a:ext>
               </a:extLst>
             </p:cNvPr>
@@ -7722,7 +7722,7 @@
             <p:cNvPr id="43" name="Oval 42">
               <a:extLst>
                 <a:ext uri="{FF2B5EF4-FFF2-40B4-BE49-F238E27FC236}">
-                  <a16:creationId xmlns:a16="http://schemas.microsoft.com/office/drawing/2014/main" id="{68D34BEC-9182-437E-9BA8-AD7FFA4B19EB}"/>
+                  <a16:creationId xmlns:a16="http://schemas.microsoft.com/office/drawing/2014/main" xmlns="" id="{68D34BEC-9182-437E-9BA8-AD7FFA4B19EB}"/>
                 </a:ext>
               </a:extLst>
             </p:cNvPr>
@@ -7774,7 +7774,7 @@
             <p:cNvPr id="44" name="Oval 43">
               <a:extLst>
                 <a:ext uri="{FF2B5EF4-FFF2-40B4-BE49-F238E27FC236}">
-                  <a16:creationId xmlns:a16="http://schemas.microsoft.com/office/drawing/2014/main" id="{BFE920F1-16B1-473C-990F-979542E37EF6}"/>
+                  <a16:creationId xmlns:a16="http://schemas.microsoft.com/office/drawing/2014/main" xmlns="" id="{BFE920F1-16B1-473C-990F-979542E37EF6}"/>
                 </a:ext>
               </a:extLst>
             </p:cNvPr>
@@ -7827,7 +7827,7 @@
           <p:cNvPr id="15" name="Group 14">
             <a:extLst>
               <a:ext uri="{FF2B5EF4-FFF2-40B4-BE49-F238E27FC236}">
-                <a16:creationId xmlns:a16="http://schemas.microsoft.com/office/drawing/2014/main" id="{0EB7F6F5-EE0C-4A6A-91A8-4227CAAA66AD}"/>
+                <a16:creationId xmlns:a16="http://schemas.microsoft.com/office/drawing/2014/main" xmlns="" id="{0EB7F6F5-EE0C-4A6A-91A8-4227CAAA66AD}"/>
               </a:ext>
             </a:extLst>
           </p:cNvPr>
@@ -7847,7 +7847,7 @@
             <p:cNvPr id="16" name="Rectangle: Rounded Corners 15">
               <a:extLst>
                 <a:ext uri="{FF2B5EF4-FFF2-40B4-BE49-F238E27FC236}">
-                  <a16:creationId xmlns:a16="http://schemas.microsoft.com/office/drawing/2014/main" id="{4910E712-7CCC-4036-BB7D-5C63E9E5FDAB}"/>
+                  <a16:creationId xmlns:a16="http://schemas.microsoft.com/office/drawing/2014/main" xmlns="" id="{4910E712-7CCC-4036-BB7D-5C63E9E5FDAB}"/>
                 </a:ext>
               </a:extLst>
             </p:cNvPr>
@@ -7906,7 +7906,7 @@
             <p:cNvPr id="17" name="Rectangle: Rounded Corners 16">
               <a:extLst>
                 <a:ext uri="{FF2B5EF4-FFF2-40B4-BE49-F238E27FC236}">
-                  <a16:creationId xmlns:a16="http://schemas.microsoft.com/office/drawing/2014/main" id="{203D6D70-B921-4172-8BB5-E3E2F3045288}"/>
+                  <a16:creationId xmlns:a16="http://schemas.microsoft.com/office/drawing/2014/main" xmlns="" id="{203D6D70-B921-4172-8BB5-E3E2F3045288}"/>
                 </a:ext>
               </a:extLst>
             </p:cNvPr>
@@ -7965,7 +7965,7 @@
             <p:cNvPr id="19" name="Rectangle 18">
               <a:extLst>
                 <a:ext uri="{FF2B5EF4-FFF2-40B4-BE49-F238E27FC236}">
-                  <a16:creationId xmlns:a16="http://schemas.microsoft.com/office/drawing/2014/main" id="{8F9E3AED-DA06-41E3-B4CB-F98B313D387C}"/>
+                  <a16:creationId xmlns:a16="http://schemas.microsoft.com/office/drawing/2014/main" xmlns="" id="{8F9E3AED-DA06-41E3-B4CB-F98B313D387C}"/>
                 </a:ext>
               </a:extLst>
             </p:cNvPr>
@@ -8022,7 +8022,7 @@
             <p:cNvPr id="20" name="Oval 19">
               <a:extLst>
                 <a:ext uri="{FF2B5EF4-FFF2-40B4-BE49-F238E27FC236}">
-                  <a16:creationId xmlns:a16="http://schemas.microsoft.com/office/drawing/2014/main" id="{AE61BD7C-6DB3-4503-ACFA-F76BE066663D}"/>
+                  <a16:creationId xmlns:a16="http://schemas.microsoft.com/office/drawing/2014/main" xmlns="" id="{AE61BD7C-6DB3-4503-ACFA-F76BE066663D}"/>
                 </a:ext>
               </a:extLst>
             </p:cNvPr>
@@ -8076,7 +8076,7 @@
             <p:cNvPr id="24" name="Oval 23">
               <a:extLst>
                 <a:ext uri="{FF2B5EF4-FFF2-40B4-BE49-F238E27FC236}">
-                  <a16:creationId xmlns:a16="http://schemas.microsoft.com/office/drawing/2014/main" id="{077293C1-F0DE-421A-9D7C-E6AFAB90A861}"/>
+                  <a16:creationId xmlns:a16="http://schemas.microsoft.com/office/drawing/2014/main" xmlns="" id="{077293C1-F0DE-421A-9D7C-E6AFAB90A861}"/>
                 </a:ext>
               </a:extLst>
             </p:cNvPr>
@@ -8142,6 +8142,16 @@
 <file path=ppt/slides/slide8.xml><?xml version="1.0" encoding="utf-8"?>
 <p:sld xmlns:a="http://schemas.openxmlformats.org/drawingml/2006/main" xmlns:r="http://schemas.openxmlformats.org/officeDocument/2006/relationships" xmlns:p="http://schemas.openxmlformats.org/presentationml/2006/main">
   <p:cSld>
+    <p:bg>
+      <p:bgPr>
+        <a:solidFill>
+          <a:schemeClr val="bg1">
+            <a:alpha val="0"/>
+          </a:schemeClr>
+        </a:solidFill>
+        <a:effectLst/>
+      </p:bgPr>
+    </p:bg>
     <p:spTree>
       <p:nvGrpSpPr>
         <p:cNvPr id="1" name=""/>
@@ -8156,119 +8166,12 @@
           <a:chExt cx="0" cy="0"/>
         </a:xfrm>
       </p:grpSpPr>
-      <p:sp>
-        <p:nvSpPr>
-          <p:cNvPr id="90" name="Rectangle 89">
-            <a:extLst>
-              <a:ext uri="{FF2B5EF4-FFF2-40B4-BE49-F238E27FC236}">
-                <a16:creationId xmlns:a16="http://schemas.microsoft.com/office/drawing/2014/main" id="{FF8ECF35-CF58-43D8-A03A-5FE8544A266B}"/>
-              </a:ext>
-            </a:extLst>
-          </p:cNvPr>
-          <p:cNvSpPr/>
-          <p:nvPr/>
-        </p:nvSpPr>
-        <p:spPr>
-          <a:xfrm>
-            <a:off x="8882063" y="2027110"/>
-            <a:ext cx="2176064" cy="216319"/>
-          </a:xfrm>
-          <a:prstGeom prst="rect">
-            <a:avLst/>
-          </a:prstGeom>
-          <a:solidFill>
-            <a:srgbClr val="B85750"/>
-          </a:solidFill>
-          <a:ln>
-            <a:noFill/>
-          </a:ln>
-        </p:spPr>
-        <p:style>
-          <a:lnRef idx="2">
-            <a:schemeClr val="accent1">
-              <a:shade val="50000"/>
-            </a:schemeClr>
-          </a:lnRef>
-          <a:fillRef idx="1">
-            <a:schemeClr val="accent1"/>
-          </a:fillRef>
-          <a:effectRef idx="0">
-            <a:schemeClr val="accent1"/>
-          </a:effectRef>
-          <a:fontRef idx="minor">
-            <a:schemeClr val="lt1"/>
-          </a:fontRef>
-        </p:style>
-        <p:txBody>
-          <a:bodyPr rtlCol="0" anchor="ctr"/>
-          <a:lstStyle/>
-          <a:p>
-            <a:pPr algn="ctr"/>
-            <a:endParaRPr lang="en-GB" dirty="0"/>
-          </a:p>
-        </p:txBody>
-      </p:sp>
-      <p:sp>
-        <p:nvSpPr>
-          <p:cNvPr id="91" name="Rectangle 90">
-            <a:extLst>
-              <a:ext uri="{FF2B5EF4-FFF2-40B4-BE49-F238E27FC236}">
-                <a16:creationId xmlns:a16="http://schemas.microsoft.com/office/drawing/2014/main" id="{FF8ECF35-CF58-43D8-A03A-5FE8544A266B}"/>
-              </a:ext>
-            </a:extLst>
-          </p:cNvPr>
-          <p:cNvSpPr/>
-          <p:nvPr/>
-        </p:nvSpPr>
-        <p:spPr>
-          <a:xfrm>
-            <a:off x="8882063" y="2239535"/>
-            <a:ext cx="2176064" cy="206856"/>
-          </a:xfrm>
-          <a:prstGeom prst="rect">
-            <a:avLst/>
-          </a:prstGeom>
-          <a:solidFill>
-            <a:schemeClr val="accent2">
-              <a:lumMod val="40000"/>
-              <a:lumOff val="60000"/>
-            </a:schemeClr>
-          </a:solidFill>
-          <a:ln>
-            <a:noFill/>
-          </a:ln>
-        </p:spPr>
-        <p:style>
-          <a:lnRef idx="2">
-            <a:schemeClr val="accent1">
-              <a:shade val="50000"/>
-            </a:schemeClr>
-          </a:lnRef>
-          <a:fillRef idx="1">
-            <a:schemeClr val="accent1"/>
-          </a:fillRef>
-          <a:effectRef idx="0">
-            <a:schemeClr val="accent1"/>
-          </a:effectRef>
-          <a:fontRef idx="minor">
-            <a:schemeClr val="lt1"/>
-          </a:fontRef>
-        </p:style>
-        <p:txBody>
-          <a:bodyPr rtlCol="0" anchor="ctr"/>
-          <a:lstStyle/>
-          <a:p>
-            <a:pPr algn="ctr"/>
-            <a:endParaRPr lang="en-GB" dirty="0"/>
-          </a:p>
-        </p:txBody>
-      </p:sp>
       <p:grpSp>
         <p:nvGrpSpPr>
-          <p:cNvPr id="2" name="Group 1">
-            <a:extLst>
-              <a:ext uri="{FF2B5EF4-FFF2-40B4-BE49-F238E27FC236}">
-                <a16:creationId xmlns:a16="http://schemas.microsoft.com/office/drawing/2014/main" id="{3DD29CB8-778C-4A7E-B6DA-2B1742D265D8}"/>
+          <p:cNvPr id="76" name="Group 75">
+            <a:extLst>
+              <a:ext uri="{FF2B5EF4-FFF2-40B4-BE49-F238E27FC236}">
+                <a16:creationId xmlns:a16="http://schemas.microsoft.com/office/drawing/2014/main" xmlns="" id="{3DD29CB8-778C-4A7E-B6DA-2B1742D265D8}"/>
               </a:ext>
             </a:extLst>
           </p:cNvPr>
@@ -8277,18 +8180,18 @@
         </p:nvGrpSpPr>
         <p:grpSpPr>
           <a:xfrm>
-            <a:off x="326660" y="-8238"/>
-            <a:ext cx="3516820" cy="6866238"/>
+            <a:off x="-1740895" y="-8238"/>
+            <a:ext cx="3850517" cy="6866238"/>
             <a:chOff x="326660" y="-8238"/>
-            <a:chExt cx="3516820" cy="6866238"/>
+            <a:chExt cx="3464445" cy="6866238"/>
           </a:xfrm>
         </p:grpSpPr>
         <p:sp>
           <p:nvSpPr>
-            <p:cNvPr id="88" name="Rectangle 87">
+            <p:cNvPr id="77" name="Rectangle 76">
               <a:extLst>
                 <a:ext uri="{FF2B5EF4-FFF2-40B4-BE49-F238E27FC236}">
-                  <a16:creationId xmlns:a16="http://schemas.microsoft.com/office/drawing/2014/main" id="{FF8ECF35-CF58-43D8-A03A-5FE8544A266B}"/>
+                  <a16:creationId xmlns:a16="http://schemas.microsoft.com/office/drawing/2014/main" xmlns="" id="{FF8ECF35-CF58-43D8-A03A-5FE8544A266B}"/>
                 </a:ext>
               </a:extLst>
             </p:cNvPr>
@@ -8340,10 +8243,10 @@
         </p:sp>
         <p:sp>
           <p:nvSpPr>
-            <p:cNvPr id="89" name="Rectangle 88">
+            <p:cNvPr id="78" name="Rectangle 77">
               <a:extLst>
                 <a:ext uri="{FF2B5EF4-FFF2-40B4-BE49-F238E27FC236}">
-                  <a16:creationId xmlns:a16="http://schemas.microsoft.com/office/drawing/2014/main" id="{FF8ECF35-CF58-43D8-A03A-5FE8544A266B}"/>
+                  <a16:creationId xmlns:a16="http://schemas.microsoft.com/office/drawing/2014/main" xmlns="" id="{FF8ECF35-CF58-43D8-A03A-5FE8544A266B}"/>
                 </a:ext>
               </a:extLst>
             </p:cNvPr>
@@ -8395,10 +8298,10 @@
         </p:sp>
         <p:sp>
           <p:nvSpPr>
-            <p:cNvPr id="87" name="Rectangle 86">
+            <p:cNvPr id="96" name="Rectangle 95">
               <a:extLst>
                 <a:ext uri="{FF2B5EF4-FFF2-40B4-BE49-F238E27FC236}">
-                  <a16:creationId xmlns:a16="http://schemas.microsoft.com/office/drawing/2014/main" id="{FF8ECF35-CF58-43D8-A03A-5FE8544A266B}"/>
+                  <a16:creationId xmlns:a16="http://schemas.microsoft.com/office/drawing/2014/main" xmlns="" id="{FF8ECF35-CF58-43D8-A03A-5FE8544A266B}"/>
                 </a:ext>
               </a:extLst>
             </p:cNvPr>
@@ -8450,21 +8353,21 @@
         </p:sp>
         <p:grpSp>
           <p:nvGrpSpPr>
-            <p:cNvPr id="17" name="Group 16"/>
+            <p:cNvPr id="97" name="Group 96"/>
             <p:cNvGrpSpPr/>
             <p:nvPr/>
           </p:nvGrpSpPr>
           <p:grpSpPr>
             <a:xfrm>
               <a:off x="326660" y="2446281"/>
-              <a:ext cx="3516820" cy="4411719"/>
+              <a:ext cx="3464445" cy="4411719"/>
               <a:chOff x="497171" y="2446281"/>
-              <a:chExt cx="3516820" cy="4411719"/>
+              <a:chExt cx="3464445" cy="4411719"/>
             </a:xfrm>
           </p:grpSpPr>
           <p:sp>
             <p:nvSpPr>
-              <p:cNvPr id="13" name="Rectangle 12"/>
+              <p:cNvPr id="98" name="Rectangle 97"/>
               <p:cNvSpPr/>
               <p:nvPr/>
             </p:nvSpPr>
@@ -8513,14 +8416,14 @@
           </p:sp>
           <p:sp>
             <p:nvSpPr>
-              <p:cNvPr id="86" name="Rectangle 85"/>
+              <p:cNvPr id="99" name="Rectangle 98"/>
               <p:cNvSpPr/>
               <p:nvPr/>
             </p:nvSpPr>
             <p:spPr>
               <a:xfrm>
                 <a:off x="3659087" y="2724851"/>
-                <a:ext cx="354904" cy="1400060"/>
+                <a:ext cx="302529" cy="1400060"/>
               </a:xfrm>
               <a:prstGeom prst="rect">
                 <a:avLst/>
@@ -8562,31 +8465,276 @@
           </p:sp>
         </p:grpSp>
       </p:grpSp>
-      <p:sp>
-        <p:nvSpPr>
-          <p:cNvPr id="84" name="Rectangle 83">
-            <a:extLst>
-              <a:ext uri="{FF2B5EF4-FFF2-40B4-BE49-F238E27FC236}">
-                <a16:creationId xmlns:a16="http://schemas.microsoft.com/office/drawing/2014/main" id="{FF8ECF35-CF58-43D8-A03A-5FE8544A266B}"/>
-              </a:ext>
-            </a:extLst>
-          </p:cNvPr>
-          <p:cNvSpPr/>
+      <p:grpSp>
+        <p:nvGrpSpPr>
+          <p:cNvPr id="7" name="Group 6"/>
+          <p:cNvGrpSpPr/>
           <p:nvPr/>
-        </p:nvSpPr>
+        </p:nvGrpSpPr>
+        <p:grpSpPr>
+          <a:xfrm>
+            <a:off x="2106510" y="2526430"/>
+            <a:ext cx="3588314" cy="1796901"/>
+            <a:chOff x="4240110" y="2526430"/>
+            <a:chExt cx="3588314" cy="1796901"/>
+          </a:xfrm>
+          <a:solidFill>
+            <a:schemeClr val="bg2">
+              <a:lumMod val="75000"/>
+            </a:schemeClr>
+          </a:solidFill>
+        </p:grpSpPr>
+        <p:sp>
+          <p:nvSpPr>
+            <p:cNvPr id="149" name="Rectangle 148">
+              <a:extLst>
+                <a:ext uri="{FF2B5EF4-FFF2-40B4-BE49-F238E27FC236}">
+                  <a16:creationId xmlns:a16="http://schemas.microsoft.com/office/drawing/2014/main" xmlns="" id="{E67295A5-CD9B-42DF-A06B-173F8F469F8E}"/>
+                </a:ext>
+              </a:extLst>
+            </p:cNvPr>
+            <p:cNvSpPr/>
+            <p:nvPr/>
+          </p:nvSpPr>
+          <p:spPr>
+            <a:xfrm>
+              <a:off x="4593860" y="2526430"/>
+              <a:ext cx="2877613" cy="1796901"/>
+            </a:xfrm>
+            <a:prstGeom prst="rect">
+              <a:avLst/>
+            </a:prstGeom>
+            <a:grpFill/>
+            <a:ln>
+              <a:noFill/>
+            </a:ln>
+          </p:spPr>
+          <p:style>
+            <a:lnRef idx="2">
+              <a:schemeClr val="accent1">
+                <a:shade val="50000"/>
+              </a:schemeClr>
+            </a:lnRef>
+            <a:fillRef idx="1">
+              <a:schemeClr val="accent1"/>
+            </a:fillRef>
+            <a:effectRef idx="0">
+              <a:schemeClr val="accent1"/>
+            </a:effectRef>
+            <a:fontRef idx="minor">
+              <a:schemeClr val="lt1"/>
+            </a:fontRef>
+          </p:style>
+          <p:txBody>
+            <a:bodyPr rtlCol="0" anchor="ctr"/>
+            <a:lstStyle/>
+            <a:p>
+              <a:pPr algn="ctr"/>
+              <a:endParaRPr lang="en-GB" dirty="0"/>
+            </a:p>
+          </p:txBody>
+        </p:sp>
+        <p:sp>
+          <p:nvSpPr>
+            <p:cNvPr id="155" name="Rectangle 154"/>
+            <p:cNvSpPr/>
+            <p:nvPr/>
+          </p:nvSpPr>
+          <p:spPr>
+            <a:xfrm>
+              <a:off x="7335628" y="2724850"/>
+              <a:ext cx="492796" cy="1400060"/>
+            </a:xfrm>
+            <a:prstGeom prst="rect">
+              <a:avLst/>
+            </a:prstGeom>
+            <a:grpFill/>
+            <a:ln>
+              <a:noFill/>
+            </a:ln>
+          </p:spPr>
+          <p:style>
+            <a:lnRef idx="2">
+              <a:schemeClr val="accent1">
+                <a:shade val="50000"/>
+              </a:schemeClr>
+            </a:lnRef>
+            <a:fillRef idx="1">
+              <a:schemeClr val="accent1"/>
+            </a:fillRef>
+            <a:effectRef idx="0">
+              <a:schemeClr val="accent1"/>
+            </a:effectRef>
+            <a:fontRef idx="minor">
+              <a:schemeClr val="lt1"/>
+            </a:fontRef>
+          </p:style>
+          <p:txBody>
+            <a:bodyPr rtlCol="0" anchor="ctr"/>
+            <a:lstStyle/>
+            <a:p>
+              <a:pPr algn="ctr"/>
+              <a:endParaRPr lang="en-GB" dirty="0"/>
+            </a:p>
+          </p:txBody>
+        </p:sp>
+        <p:sp>
+          <p:nvSpPr>
+            <p:cNvPr id="156" name="Rectangle 155"/>
+            <p:cNvSpPr/>
+            <p:nvPr/>
+          </p:nvSpPr>
+          <p:spPr>
+            <a:xfrm>
+              <a:off x="4240110" y="2724850"/>
+              <a:ext cx="514553" cy="1400060"/>
+            </a:xfrm>
+            <a:prstGeom prst="rect">
+              <a:avLst/>
+            </a:prstGeom>
+            <a:grpFill/>
+            <a:ln>
+              <a:noFill/>
+            </a:ln>
+          </p:spPr>
+          <p:style>
+            <a:lnRef idx="2">
+              <a:schemeClr val="accent1">
+                <a:shade val="50000"/>
+              </a:schemeClr>
+            </a:lnRef>
+            <a:fillRef idx="1">
+              <a:schemeClr val="accent1"/>
+            </a:fillRef>
+            <a:effectRef idx="0">
+              <a:schemeClr val="accent1"/>
+            </a:effectRef>
+            <a:fontRef idx="minor">
+              <a:schemeClr val="lt1"/>
+            </a:fontRef>
+          </p:style>
+          <p:txBody>
+            <a:bodyPr rtlCol="0" anchor="ctr"/>
+            <a:lstStyle/>
+            <a:p>
+              <a:pPr algn="ctr"/>
+              <a:endParaRPr lang="en-GB" dirty="0"/>
+            </a:p>
+          </p:txBody>
+        </p:sp>
+      </p:grpSp>
+      <p:cxnSp>
+        <p:nvCxnSpPr>
+          <p:cNvPr id="11" name="Straight Arrow Connector 10">
+            <a:extLst>
+              <a:ext uri="{FF2B5EF4-FFF2-40B4-BE49-F238E27FC236}">
+                <a16:creationId xmlns:a16="http://schemas.microsoft.com/office/drawing/2014/main" xmlns="" id="{30AD2B9B-64B2-4F8A-8BA3-3D5BA859AC6B}"/>
+              </a:ext>
+            </a:extLst>
+          </p:cNvPr>
+          <p:cNvCxnSpPr>
+            <a:cxnSpLocks/>
+          </p:cNvCxnSpPr>
+          <p:nvPr/>
+        </p:nvCxnSpPr>
         <p:spPr>
-          <a:xfrm flipH="1">
-            <a:off x="8032351" y="2724851"/>
-            <a:ext cx="354905" cy="1400060"/>
+          <a:xfrm>
+            <a:off x="-106723" y="1385754"/>
+            <a:ext cx="0" cy="1555001"/>
+          </a:xfrm>
+          <a:prstGeom prst="straightConnector1">
+            <a:avLst/>
+          </a:prstGeom>
+          <a:ln w="76200" cmpd="sng">
+            <a:solidFill>
+              <a:schemeClr val="accent6">
+                <a:lumMod val="50000"/>
+              </a:schemeClr>
+            </a:solidFill>
+            <a:prstDash val="sysDot"/>
+            <a:tailEnd type="triangle"/>
+          </a:ln>
+        </p:spPr>
+        <p:style>
+          <a:lnRef idx="1">
+            <a:schemeClr val="accent1"/>
+          </a:lnRef>
+          <a:fillRef idx="0">
+            <a:schemeClr val="accent1"/>
+          </a:fillRef>
+          <a:effectRef idx="0">
+            <a:schemeClr val="accent1"/>
+          </a:effectRef>
+          <a:fontRef idx="minor">
+            <a:schemeClr val="tx1"/>
+          </a:fontRef>
+        </p:style>
+      </p:cxnSp>
+      <p:sp>
+        <p:nvSpPr>
+          <p:cNvPr id="18" name="TextBox 17">
+            <a:extLst>
+              <a:ext uri="{FF2B5EF4-FFF2-40B4-BE49-F238E27FC236}">
+                <a16:creationId xmlns:a16="http://schemas.microsoft.com/office/drawing/2014/main" xmlns="" id="{C41D69F8-1C98-4A01-95D1-ABD1D10BDD7D}"/>
+              </a:ext>
+            </a:extLst>
+          </p:cNvPr>
+          <p:cNvSpPr txBox="1"/>
+          <p:nvPr/>
+        </p:nvSpPr>
+        <p:spPr>
+          <a:xfrm>
+            <a:off x="-1369318" y="2417535"/>
+            <a:ext cx="1248614" cy="523220"/>
           </a:xfrm>
           <a:prstGeom prst="rect">
             <a:avLst/>
           </a:prstGeom>
+          <a:noFill/>
+        </p:spPr>
+        <p:txBody>
+          <a:bodyPr wrap="square" rtlCol="0">
+            <a:spAutoFit/>
+          </a:bodyPr>
+          <a:lstStyle/>
+          <a:p>
+            <a:pPr algn="ctr"/>
+            <a:r>
+              <a:rPr lang="en-GB" sz="1400" dirty="0"/>
+              <a:t>Image Stream</a:t>
+            </a:r>
+          </a:p>
+          <a:p>
+            <a:pPr algn="ctr"/>
+            <a:r>
+              <a:rPr lang="en-GB" sz="1400" dirty="0"/>
+              <a:t>▼</a:t>
+            </a:r>
+          </a:p>
+        </p:txBody>
+      </p:sp>
+      <p:sp>
+        <p:nvSpPr>
+          <p:cNvPr id="33" name="Flowchart: Delay 32">
+            <a:extLst>
+              <a:ext uri="{FF2B5EF4-FFF2-40B4-BE49-F238E27FC236}">
+                <a16:creationId xmlns:a16="http://schemas.microsoft.com/office/drawing/2014/main" xmlns="" id="{4FFA08B9-25E3-46A3-8F38-170EF9FDDAA3}"/>
+              </a:ext>
+            </a:extLst>
+          </p:cNvPr>
+          <p:cNvSpPr/>
+          <p:nvPr/>
+        </p:nvSpPr>
+        <p:spPr>
+          <a:xfrm rot="5400000">
+            <a:off x="-690701" y="5097731"/>
+            <a:ext cx="1200328" cy="1898064"/>
+          </a:xfrm>
+          <a:prstGeom prst="flowChartDelay">
+            <a:avLst/>
+          </a:prstGeom>
           <a:solidFill>
-            <a:schemeClr val="accent2">
-              <a:lumMod val="40000"/>
-              <a:lumOff val="60000"/>
-            </a:schemeClr>
+            <a:srgbClr val="FFFF00"/>
           </a:solidFill>
           <a:ln>
             <a:noFill/>
@@ -8617,12 +8765,227 @@
           </a:p>
         </p:txBody>
       </p:sp>
-      <p:sp>
-        <p:nvSpPr>
-          <p:cNvPr id="79" name="Rectangle 78">
-            <a:extLst>
-              <a:ext uri="{FF2B5EF4-FFF2-40B4-BE49-F238E27FC236}">
-                <a16:creationId xmlns:a16="http://schemas.microsoft.com/office/drawing/2014/main" id="{E67295A5-CD9B-42DF-A06B-173F8F469F8E}"/>
+      <p:cxnSp>
+        <p:nvCxnSpPr>
+          <p:cNvPr id="38" name="Straight Arrow Connector 37">
+            <a:extLst>
+              <a:ext uri="{FF2B5EF4-FFF2-40B4-BE49-F238E27FC236}">
+                <a16:creationId xmlns:a16="http://schemas.microsoft.com/office/drawing/2014/main" xmlns="" id="{6499CFC4-90F7-4835-AE26-D8AB856D5641}"/>
+              </a:ext>
+            </a:extLst>
+          </p:cNvPr>
+          <p:cNvCxnSpPr>
+            <a:cxnSpLocks/>
+          </p:cNvCxnSpPr>
+          <p:nvPr/>
+        </p:nvCxnSpPr>
+        <p:spPr>
+          <a:xfrm flipH="1" flipV="1">
+            <a:off x="-112335" y="3819595"/>
+            <a:ext cx="21798" cy="1627004"/>
+          </a:xfrm>
+          <a:prstGeom prst="straightConnector1">
+            <a:avLst/>
+          </a:prstGeom>
+          <a:ln w="76200">
+            <a:solidFill>
+              <a:srgbClr val="FF0000"/>
+            </a:solidFill>
+            <a:prstDash val="solid"/>
+            <a:headEnd type="triangle"/>
+            <a:tailEnd type="triangle"/>
+          </a:ln>
+        </p:spPr>
+        <p:style>
+          <a:lnRef idx="1">
+            <a:schemeClr val="accent1"/>
+          </a:lnRef>
+          <a:fillRef idx="0">
+            <a:schemeClr val="accent1"/>
+          </a:fillRef>
+          <a:effectRef idx="0">
+            <a:schemeClr val="accent1"/>
+          </a:effectRef>
+          <a:fontRef idx="minor">
+            <a:schemeClr val="tx1"/>
+          </a:fontRef>
+        </p:style>
+      </p:cxnSp>
+      <p:sp>
+        <p:nvSpPr>
+          <p:cNvPr id="43" name="TextBox 42">
+            <a:extLst>
+              <a:ext uri="{FF2B5EF4-FFF2-40B4-BE49-F238E27FC236}">
+                <a16:creationId xmlns:a16="http://schemas.microsoft.com/office/drawing/2014/main" xmlns="" id="{358B10D6-A0B4-4434-AACB-C474B6F3546A}"/>
+              </a:ext>
+            </a:extLst>
+          </p:cNvPr>
+          <p:cNvSpPr txBox="1"/>
+          <p:nvPr/>
+        </p:nvSpPr>
+        <p:spPr>
+          <a:xfrm>
+            <a:off x="-1346576" y="3803290"/>
+            <a:ext cx="1203129" cy="523220"/>
+          </a:xfrm>
+          <a:prstGeom prst="rect">
+            <a:avLst/>
+          </a:prstGeom>
+          <a:noFill/>
+        </p:spPr>
+        <p:txBody>
+          <a:bodyPr wrap="square" rtlCol="0">
+            <a:spAutoFit/>
+          </a:bodyPr>
+          <a:lstStyle/>
+          <a:p>
+            <a:pPr algn="ctr"/>
+            <a:r>
+              <a:rPr lang="en-GB" sz="1400" dirty="0"/>
+              <a:t>▲</a:t>
+            </a:r>
+          </a:p>
+          <a:p>
+            <a:pPr algn="ctr"/>
+            <a:r>
+              <a:rPr lang="en-GB" sz="1400" dirty="0"/>
+              <a:t>Background</a:t>
+            </a:r>
+          </a:p>
+        </p:txBody>
+      </p:sp>
+      <p:sp>
+        <p:nvSpPr>
+          <p:cNvPr id="44" name="TextBox 43">
+            <a:extLst>
+              <a:ext uri="{FF2B5EF4-FFF2-40B4-BE49-F238E27FC236}">
+                <a16:creationId xmlns:a16="http://schemas.microsoft.com/office/drawing/2014/main" xmlns="" id="{BAB3948D-F827-44D1-B40E-A737164AC616}"/>
+              </a:ext>
+            </a:extLst>
+          </p:cNvPr>
+          <p:cNvSpPr txBox="1"/>
+          <p:nvPr/>
+        </p:nvSpPr>
+        <p:spPr>
+          <a:xfrm>
+            <a:off x="-973659" y="5446597"/>
+            <a:ext cx="1766253" cy="1200329"/>
+          </a:xfrm>
+          <a:prstGeom prst="rect">
+            <a:avLst/>
+          </a:prstGeom>
+          <a:noFill/>
+        </p:spPr>
+        <p:txBody>
+          <a:bodyPr wrap="none" rtlCol="0">
+            <a:spAutoFit/>
+          </a:bodyPr>
+          <a:lstStyle/>
+          <a:p>
+            <a:pPr algn="ctr"/>
+            <a:r>
+              <a:rPr lang="en-GB" sz="2400" b="1" dirty="0">
+                <a:solidFill>
+                  <a:schemeClr val="bg2"/>
+                </a:solidFill>
+                <a:effectLst>
+                  <a:glow rad="101600">
+                    <a:schemeClr val="tx1">
+                      <a:alpha val="60000"/>
+                    </a:schemeClr>
+                  </a:glow>
+                </a:effectLst>
+              </a:rPr>
+              <a:t>Background </a:t>
+            </a:r>
+          </a:p>
+          <a:p>
+            <a:pPr algn="ctr"/>
+            <a:r>
+              <a:rPr lang="en-GB" sz="2400" b="1" dirty="0">
+                <a:solidFill>
+                  <a:schemeClr val="bg2"/>
+                </a:solidFill>
+                <a:effectLst>
+                  <a:glow rad="101600">
+                    <a:schemeClr val="tx1">
+                      <a:alpha val="60000"/>
+                    </a:schemeClr>
+                  </a:glow>
+                </a:effectLst>
+              </a:rPr>
+              <a:t>Generation </a:t>
+            </a:r>
+          </a:p>
+          <a:p>
+            <a:pPr algn="ctr"/>
+            <a:r>
+              <a:rPr lang="en-GB" sz="2400" b="1" dirty="0">
+                <a:solidFill>
+                  <a:schemeClr val="bg2"/>
+                </a:solidFill>
+                <a:effectLst>
+                  <a:glow rad="101600">
+                    <a:schemeClr val="tx1">
+                      <a:alpha val="60000"/>
+                    </a:schemeClr>
+                  </a:glow>
+                </a:effectLst>
+              </a:rPr>
+              <a:t>System</a:t>
+            </a:r>
+          </a:p>
+        </p:txBody>
+      </p:sp>
+      <p:sp>
+        <p:nvSpPr>
+          <p:cNvPr id="41" name="TextBox 40">
+            <a:extLst>
+              <a:ext uri="{FF2B5EF4-FFF2-40B4-BE49-F238E27FC236}">
+                <a16:creationId xmlns:a16="http://schemas.microsoft.com/office/drawing/2014/main" xmlns="" id="{358B10D6-A0B4-4434-AACB-C474B6F3546A}"/>
+              </a:ext>
+            </a:extLst>
+          </p:cNvPr>
+          <p:cNvSpPr txBox="1"/>
+          <p:nvPr/>
+        </p:nvSpPr>
+        <p:spPr>
+          <a:xfrm>
+            <a:off x="-1105410" y="4889474"/>
+            <a:ext cx="720799" cy="523220"/>
+          </a:xfrm>
+          <a:prstGeom prst="rect">
+            <a:avLst/>
+          </a:prstGeom>
+          <a:noFill/>
+        </p:spPr>
+        <p:txBody>
+          <a:bodyPr wrap="square" rtlCol="0">
+            <a:spAutoFit/>
+          </a:bodyPr>
+          <a:lstStyle/>
+          <a:p>
+            <a:pPr algn="ctr"/>
+            <a:r>
+              <a:rPr lang="en-GB" sz="1400" dirty="0"/>
+              <a:t>Frames</a:t>
+            </a:r>
+          </a:p>
+          <a:p>
+            <a:pPr algn="ctr"/>
+            <a:r>
+              <a:rPr lang="en-GB" sz="1400" dirty="0"/>
+              <a:t>▼</a:t>
+            </a:r>
+          </a:p>
+        </p:txBody>
+      </p:sp>
+      <p:sp>
+        <p:nvSpPr>
+          <p:cNvPr id="92" name="Arrow: Chevron 51">
+            <a:extLst>
+              <a:ext uri="{FF2B5EF4-FFF2-40B4-BE49-F238E27FC236}">
+                <a16:creationId xmlns:a16="http://schemas.microsoft.com/office/drawing/2014/main" xmlns="" id="{842C5092-8294-4030-A526-A8C839E4F69D}"/>
               </a:ext>
             </a:extLst>
           </p:cNvPr>
@@ -8630,8 +8993,380 @@
           <p:nvPr/>
         </p:nvSpPr>
         <p:spPr>
+          <a:xfrm rot="5400000">
+            <a:off x="14532381" y="-6601077"/>
+            <a:ext cx="1085130" cy="1628250"/>
+          </a:xfrm>
+          <a:prstGeom prst="chevron">
+            <a:avLst>
+              <a:gd name="adj" fmla="val 21142"/>
+            </a:avLst>
+          </a:prstGeom>
+          <a:solidFill>
+            <a:srgbClr val="000000"/>
+          </a:solidFill>
+          <a:ln>
+            <a:noFill/>
+          </a:ln>
+        </p:spPr>
+        <p:style>
+          <a:lnRef idx="2">
+            <a:schemeClr val="accent1">
+              <a:shade val="50000"/>
+            </a:schemeClr>
+          </a:lnRef>
+          <a:fillRef idx="1">
+            <a:schemeClr val="accent1"/>
+          </a:fillRef>
+          <a:effectRef idx="0">
+            <a:schemeClr val="accent1"/>
+          </a:effectRef>
+          <a:fontRef idx="minor">
+            <a:schemeClr val="lt1"/>
+          </a:fontRef>
+        </p:style>
+        <p:txBody>
+          <a:bodyPr rtlCol="0" anchor="ctr"/>
+          <a:lstStyle/>
+          <a:p>
+            <a:pPr algn="ctr"/>
+            <a:endParaRPr lang="en-GB" dirty="0"/>
+          </a:p>
+        </p:txBody>
+      </p:sp>
+      <p:sp>
+        <p:nvSpPr>
+          <p:cNvPr id="93" name="Arrow: Chevron 51">
+            <a:extLst>
+              <a:ext uri="{FF2B5EF4-FFF2-40B4-BE49-F238E27FC236}">
+                <a16:creationId xmlns:a16="http://schemas.microsoft.com/office/drawing/2014/main" xmlns="" id="{842C5092-8294-4030-A526-A8C839E4F69D}"/>
+              </a:ext>
+            </a:extLst>
+          </p:cNvPr>
+          <p:cNvSpPr/>
+          <p:nvPr/>
+        </p:nvSpPr>
+        <p:spPr>
+          <a:xfrm rot="5400000">
+            <a:off x="-3751547" y="-6601077"/>
+            <a:ext cx="1085130" cy="1628250"/>
+          </a:xfrm>
+          <a:prstGeom prst="chevron">
+            <a:avLst>
+              <a:gd name="adj" fmla="val 21142"/>
+            </a:avLst>
+          </a:prstGeom>
+          <a:solidFill>
+            <a:srgbClr val="000000"/>
+          </a:solidFill>
+          <a:ln>
+            <a:noFill/>
+          </a:ln>
+        </p:spPr>
+        <p:style>
+          <a:lnRef idx="2">
+            <a:schemeClr val="accent1">
+              <a:shade val="50000"/>
+            </a:schemeClr>
+          </a:lnRef>
+          <a:fillRef idx="1">
+            <a:schemeClr val="accent1"/>
+          </a:fillRef>
+          <a:effectRef idx="0">
+            <a:schemeClr val="accent1"/>
+          </a:effectRef>
+          <a:fontRef idx="minor">
+            <a:schemeClr val="lt1"/>
+          </a:fontRef>
+        </p:style>
+        <p:txBody>
+          <a:bodyPr rtlCol="0" anchor="ctr"/>
+          <a:lstStyle/>
+          <a:p>
+            <a:pPr algn="ctr"/>
+            <a:endParaRPr lang="en-GB" dirty="0"/>
+          </a:p>
+        </p:txBody>
+      </p:sp>
+      <p:sp>
+        <p:nvSpPr>
+          <p:cNvPr id="94" name="Arrow: Chevron 51">
+            <a:extLst>
+              <a:ext uri="{FF2B5EF4-FFF2-40B4-BE49-F238E27FC236}">
+                <a16:creationId xmlns:a16="http://schemas.microsoft.com/office/drawing/2014/main" xmlns="" id="{842C5092-8294-4030-A526-A8C839E4F69D}"/>
+              </a:ext>
+            </a:extLst>
+          </p:cNvPr>
+          <p:cNvSpPr/>
+          <p:nvPr/>
+        </p:nvSpPr>
+        <p:spPr>
+          <a:xfrm rot="5400000">
+            <a:off x="14532381" y="13751698"/>
+            <a:ext cx="1085130" cy="1628250"/>
+          </a:xfrm>
+          <a:prstGeom prst="chevron">
+            <a:avLst>
+              <a:gd name="adj" fmla="val 21142"/>
+            </a:avLst>
+          </a:prstGeom>
+          <a:solidFill>
+            <a:srgbClr val="000000"/>
+          </a:solidFill>
+          <a:ln>
+            <a:noFill/>
+          </a:ln>
+        </p:spPr>
+        <p:style>
+          <a:lnRef idx="2">
+            <a:schemeClr val="accent1">
+              <a:shade val="50000"/>
+            </a:schemeClr>
+          </a:lnRef>
+          <a:fillRef idx="1">
+            <a:schemeClr val="accent1"/>
+          </a:fillRef>
+          <a:effectRef idx="0">
+            <a:schemeClr val="accent1"/>
+          </a:effectRef>
+          <a:fontRef idx="minor">
+            <a:schemeClr val="lt1"/>
+          </a:fontRef>
+        </p:style>
+        <p:txBody>
+          <a:bodyPr rtlCol="0" anchor="ctr"/>
+          <a:lstStyle/>
+          <a:p>
+            <a:pPr algn="ctr"/>
+            <a:endParaRPr lang="en-GB" dirty="0"/>
+          </a:p>
+        </p:txBody>
+      </p:sp>
+      <p:sp>
+        <p:nvSpPr>
+          <p:cNvPr id="95" name="Arrow: Chevron 51">
+            <a:extLst>
+              <a:ext uri="{FF2B5EF4-FFF2-40B4-BE49-F238E27FC236}">
+                <a16:creationId xmlns:a16="http://schemas.microsoft.com/office/drawing/2014/main" xmlns="" id="{842C5092-8294-4030-A526-A8C839E4F69D}"/>
+              </a:ext>
+            </a:extLst>
+          </p:cNvPr>
+          <p:cNvSpPr/>
+          <p:nvPr/>
+        </p:nvSpPr>
+        <p:spPr>
+          <a:xfrm rot="5400000">
+            <a:off x="-3751547" y="13751698"/>
+            <a:ext cx="1085130" cy="1628250"/>
+          </a:xfrm>
+          <a:prstGeom prst="chevron">
+            <a:avLst>
+              <a:gd name="adj" fmla="val 21142"/>
+            </a:avLst>
+          </a:prstGeom>
+          <a:solidFill>
+            <a:srgbClr val="000000"/>
+          </a:solidFill>
+          <a:ln>
+            <a:noFill/>
+          </a:ln>
+        </p:spPr>
+        <p:style>
+          <a:lnRef idx="2">
+            <a:schemeClr val="accent1">
+              <a:shade val="50000"/>
+            </a:schemeClr>
+          </a:lnRef>
+          <a:fillRef idx="1">
+            <a:schemeClr val="accent1"/>
+          </a:fillRef>
+          <a:effectRef idx="0">
+            <a:schemeClr val="accent1"/>
+          </a:effectRef>
+          <a:fontRef idx="minor">
+            <a:schemeClr val="lt1"/>
+          </a:fontRef>
+        </p:style>
+        <p:txBody>
+          <a:bodyPr rtlCol="0" anchor="ctr"/>
+          <a:lstStyle/>
+          <a:p>
+            <a:pPr algn="ctr"/>
+            <a:endParaRPr lang="en-GB" dirty="0"/>
+          </a:p>
+        </p:txBody>
+      </p:sp>
+      <p:sp>
+        <p:nvSpPr>
+          <p:cNvPr id="73" name="Rectangle 72">
+            <a:extLst>
+              <a:ext uri="{FF2B5EF4-FFF2-40B4-BE49-F238E27FC236}">
+                <a16:creationId xmlns:a16="http://schemas.microsoft.com/office/drawing/2014/main" xmlns="" id="{FF8ECF35-CF58-43D8-A03A-5FE8544A266B}"/>
+              </a:ext>
+            </a:extLst>
+          </p:cNvPr>
+          <p:cNvSpPr/>
+          <p:nvPr/>
+        </p:nvSpPr>
+        <p:spPr>
           <a:xfrm>
-            <a:off x="8036616" y="5259519"/>
+            <a:off x="10734332" y="2027110"/>
+            <a:ext cx="2176064" cy="216319"/>
+          </a:xfrm>
+          <a:prstGeom prst="rect">
+            <a:avLst/>
+          </a:prstGeom>
+          <a:solidFill>
+            <a:srgbClr val="B85750"/>
+          </a:solidFill>
+          <a:ln>
+            <a:noFill/>
+          </a:ln>
+        </p:spPr>
+        <p:style>
+          <a:lnRef idx="2">
+            <a:schemeClr val="accent1">
+              <a:shade val="50000"/>
+            </a:schemeClr>
+          </a:lnRef>
+          <a:fillRef idx="1">
+            <a:schemeClr val="accent1"/>
+          </a:fillRef>
+          <a:effectRef idx="0">
+            <a:schemeClr val="accent1"/>
+          </a:effectRef>
+          <a:fontRef idx="minor">
+            <a:schemeClr val="lt1"/>
+          </a:fontRef>
+        </p:style>
+        <p:txBody>
+          <a:bodyPr rtlCol="0" anchor="ctr"/>
+          <a:lstStyle/>
+          <a:p>
+            <a:pPr algn="ctr"/>
+            <a:endParaRPr lang="en-GB" dirty="0"/>
+          </a:p>
+        </p:txBody>
+      </p:sp>
+      <p:sp>
+        <p:nvSpPr>
+          <p:cNvPr id="75" name="Rectangle 74">
+            <a:extLst>
+              <a:ext uri="{FF2B5EF4-FFF2-40B4-BE49-F238E27FC236}">
+                <a16:creationId xmlns:a16="http://schemas.microsoft.com/office/drawing/2014/main" xmlns="" id="{FF8ECF35-CF58-43D8-A03A-5FE8544A266B}"/>
+              </a:ext>
+            </a:extLst>
+          </p:cNvPr>
+          <p:cNvSpPr/>
+          <p:nvPr/>
+        </p:nvSpPr>
+        <p:spPr>
+          <a:xfrm>
+            <a:off x="10734332" y="2239535"/>
+            <a:ext cx="2176064" cy="206856"/>
+          </a:xfrm>
+          <a:prstGeom prst="rect">
+            <a:avLst/>
+          </a:prstGeom>
+          <a:solidFill>
+            <a:srgbClr val="B85750"/>
+          </a:solidFill>
+          <a:ln>
+            <a:noFill/>
+          </a:ln>
+        </p:spPr>
+        <p:style>
+          <a:lnRef idx="2">
+            <a:schemeClr val="accent1">
+              <a:shade val="50000"/>
+            </a:schemeClr>
+          </a:lnRef>
+          <a:fillRef idx="1">
+            <a:schemeClr val="accent1"/>
+          </a:fillRef>
+          <a:effectRef idx="0">
+            <a:schemeClr val="accent1"/>
+          </a:effectRef>
+          <a:fontRef idx="minor">
+            <a:schemeClr val="lt1"/>
+          </a:fontRef>
+        </p:style>
+        <p:txBody>
+          <a:bodyPr rtlCol="0" anchor="ctr"/>
+          <a:lstStyle/>
+          <a:p>
+            <a:pPr algn="ctr"/>
+            <a:endParaRPr lang="en-GB" dirty="0"/>
+          </a:p>
+        </p:txBody>
+      </p:sp>
+      <p:sp>
+        <p:nvSpPr>
+          <p:cNvPr id="100" name="Rectangle 99">
+            <a:extLst>
+              <a:ext uri="{FF2B5EF4-FFF2-40B4-BE49-F238E27FC236}">
+                <a16:creationId xmlns:a16="http://schemas.microsoft.com/office/drawing/2014/main" xmlns="" id="{FF8ECF35-CF58-43D8-A03A-5FE8544A266B}"/>
+              </a:ext>
+            </a:extLst>
+          </p:cNvPr>
+          <p:cNvSpPr/>
+          <p:nvPr/>
+        </p:nvSpPr>
+        <p:spPr>
+          <a:xfrm flipH="1">
+            <a:off x="9884620" y="2724851"/>
+            <a:ext cx="354905" cy="1400060"/>
+          </a:xfrm>
+          <a:prstGeom prst="rect">
+            <a:avLst/>
+          </a:prstGeom>
+          <a:solidFill>
+            <a:srgbClr val="B85750"/>
+          </a:solidFill>
+          <a:ln>
+            <a:noFill/>
+          </a:ln>
+        </p:spPr>
+        <p:style>
+          <a:lnRef idx="2">
+            <a:schemeClr val="accent1">
+              <a:shade val="50000"/>
+            </a:schemeClr>
+          </a:lnRef>
+          <a:fillRef idx="1">
+            <a:schemeClr val="accent1"/>
+          </a:fillRef>
+          <a:effectRef idx="0">
+            <a:schemeClr val="accent1"/>
+          </a:effectRef>
+          <a:fontRef idx="minor">
+            <a:schemeClr val="lt1"/>
+          </a:fontRef>
+        </p:style>
+        <p:txBody>
+          <a:bodyPr rtlCol="0" anchor="ctr"/>
+          <a:lstStyle/>
+          <a:p>
+            <a:pPr algn="ctr"/>
+            <a:endParaRPr lang="en-GB" dirty="0"/>
+          </a:p>
+        </p:txBody>
+      </p:sp>
+      <p:sp>
+        <p:nvSpPr>
+          <p:cNvPr id="101" name="Rectangle 100">
+            <a:extLst>
+              <a:ext uri="{FF2B5EF4-FFF2-40B4-BE49-F238E27FC236}">
+                <a16:creationId xmlns:a16="http://schemas.microsoft.com/office/drawing/2014/main" xmlns="" id="{E67295A5-CD9B-42DF-A06B-173F8F469F8E}"/>
+              </a:ext>
+            </a:extLst>
+          </p:cNvPr>
+          <p:cNvSpPr/>
+          <p:nvPr/>
+        </p:nvSpPr>
+        <p:spPr>
+          <a:xfrm>
+            <a:off x="9888885" y="5259519"/>
             <a:ext cx="373826" cy="1400060"/>
           </a:xfrm>
           <a:prstGeom prst="rect">
@@ -8671,10 +9406,10 @@
       </p:sp>
       <p:sp>
         <p:nvSpPr>
-          <p:cNvPr id="72" name="Rectangle 71">
-            <a:extLst>
-              <a:ext uri="{FF2B5EF4-FFF2-40B4-BE49-F238E27FC236}">
-                <a16:creationId xmlns:a16="http://schemas.microsoft.com/office/drawing/2014/main" id="{FF8ECF35-CF58-43D8-A03A-5FE8544A266B}"/>
+          <p:cNvPr id="102" name="Rectangle 101">
+            <a:extLst>
+              <a:ext uri="{FF2B5EF4-FFF2-40B4-BE49-F238E27FC236}">
+                <a16:creationId xmlns:a16="http://schemas.microsoft.com/office/drawing/2014/main" xmlns="" id="{FF8ECF35-CF58-43D8-A03A-5FE8544A266B}"/>
               </a:ext>
             </a:extLst>
           </p:cNvPr>
@@ -8683,7 +9418,7 @@
         </p:nvSpPr>
         <p:spPr>
           <a:xfrm>
-            <a:off x="8387254" y="-8238"/>
+            <a:off x="10239523" y="-8238"/>
             <a:ext cx="3157359" cy="2035348"/>
           </a:xfrm>
           <a:prstGeom prst="rect">
@@ -8723,10 +9458,10 @@
       </p:sp>
       <p:sp>
         <p:nvSpPr>
-          <p:cNvPr id="50" name="Rectangle 49">
-            <a:extLst>
-              <a:ext uri="{FF2B5EF4-FFF2-40B4-BE49-F238E27FC236}">
-                <a16:creationId xmlns:a16="http://schemas.microsoft.com/office/drawing/2014/main" id="{FF8ECF35-CF58-43D8-A03A-5FE8544A266B}"/>
+          <p:cNvPr id="103" name="Rectangle 102">
+            <a:extLst>
+              <a:ext uri="{FF2B5EF4-FFF2-40B4-BE49-F238E27FC236}">
+                <a16:creationId xmlns:a16="http://schemas.microsoft.com/office/drawing/2014/main" xmlns="" id="{FF8ECF35-CF58-43D8-A03A-5FE8544A266B}"/>
               </a:ext>
             </a:extLst>
           </p:cNvPr>
@@ -8735,17 +9470,14 @@
         </p:nvSpPr>
         <p:spPr>
           <a:xfrm>
-            <a:off x="8387254" y="2446281"/>
+            <a:off x="10239523" y="2446281"/>
             <a:ext cx="3157359" cy="1890134"/>
           </a:xfrm>
           <a:prstGeom prst="rect">
             <a:avLst/>
           </a:prstGeom>
           <a:solidFill>
-            <a:schemeClr val="accent2">
-              <a:lumMod val="40000"/>
-              <a:lumOff val="60000"/>
-            </a:schemeClr>
+            <a:srgbClr val="B85750"/>
           </a:solidFill>
           <a:ln>
             <a:noFill/>
@@ -8778,10 +9510,10 @@
       </p:sp>
       <p:sp>
         <p:nvSpPr>
-          <p:cNvPr id="49" name="Rectangle 48">
-            <a:extLst>
-              <a:ext uri="{FF2B5EF4-FFF2-40B4-BE49-F238E27FC236}">
-                <a16:creationId xmlns:a16="http://schemas.microsoft.com/office/drawing/2014/main" id="{E67295A5-CD9B-42DF-A06B-173F8F469F8E}"/>
+          <p:cNvPr id="104" name="Rectangle 103">
+            <a:extLst>
+              <a:ext uri="{FF2B5EF4-FFF2-40B4-BE49-F238E27FC236}">
+                <a16:creationId xmlns:a16="http://schemas.microsoft.com/office/drawing/2014/main" xmlns="" id="{E67295A5-CD9B-42DF-A06B-173F8F469F8E}"/>
               </a:ext>
             </a:extLst>
           </p:cNvPr>
@@ -8790,7 +9522,7 @@
         </p:nvSpPr>
         <p:spPr>
           <a:xfrm>
-            <a:off x="8410441" y="5061098"/>
+            <a:off x="10239523" y="5055320"/>
             <a:ext cx="3134172" cy="1796901"/>
           </a:xfrm>
           <a:prstGeom prst="rect">
@@ -8830,21 +9562,21 @@
       </p:sp>
       <p:grpSp>
         <p:nvGrpSpPr>
-          <p:cNvPr id="14" name="Group 13"/>
+          <p:cNvPr id="105" name="Group 104"/>
           <p:cNvGrpSpPr/>
           <p:nvPr/>
         </p:nvGrpSpPr>
         <p:grpSpPr>
           <a:xfrm>
-            <a:off x="3844602" y="-8238"/>
-            <a:ext cx="4192013" cy="6866238"/>
-            <a:chOff x="3844602" y="-8238"/>
-            <a:chExt cx="4192013" cy="6866238"/>
+            <a:off x="5688511" y="-8238"/>
+            <a:ext cx="4200373" cy="6866238"/>
+            <a:chOff x="3836242" y="-8238"/>
+            <a:chExt cx="4200373" cy="6866238"/>
           </a:xfrm>
         </p:grpSpPr>
         <p:sp>
           <p:nvSpPr>
-            <p:cNvPr id="74" name="Rectangle 73"/>
+            <p:cNvPr id="106" name="Rectangle 105"/>
             <p:cNvSpPr/>
             <p:nvPr/>
           </p:nvSpPr>
@@ -8893,7 +9625,7 @@
         </p:sp>
         <p:sp>
           <p:nvSpPr>
-            <p:cNvPr id="39" name="Rectangle 38"/>
+            <p:cNvPr id="107" name="Rectangle 106"/>
             <p:cNvSpPr/>
             <p:nvPr/>
           </p:nvSpPr>
@@ -8942,7 +9674,7 @@
         </p:sp>
         <p:sp>
           <p:nvSpPr>
-            <p:cNvPr id="83" name="Rectangle 82"/>
+            <p:cNvPr id="108" name="Rectangle 107"/>
             <p:cNvSpPr/>
             <p:nvPr/>
           </p:nvSpPr>
@@ -8991,14 +9723,14 @@
         </p:sp>
         <p:sp>
           <p:nvSpPr>
-            <p:cNvPr id="85" name="Rectangle 84"/>
+            <p:cNvPr id="109" name="Rectangle 108"/>
             <p:cNvSpPr/>
             <p:nvPr/>
           </p:nvSpPr>
           <p:spPr>
             <a:xfrm>
-              <a:off x="3844602" y="2724851"/>
-              <a:ext cx="354904" cy="1400060"/>
+              <a:off x="3836242" y="2724851"/>
+              <a:ext cx="363264" cy="1400060"/>
             </a:xfrm>
             <a:prstGeom prst="rect">
               <a:avLst/>
@@ -9041,10 +9773,10 @@
       </p:grpSp>
       <p:sp>
         <p:nvSpPr>
-          <p:cNvPr id="45" name="Flowchart: Manual Input 44">
-            <a:extLst>
-              <a:ext uri="{FF2B5EF4-FFF2-40B4-BE49-F238E27FC236}">
-                <a16:creationId xmlns:a16="http://schemas.microsoft.com/office/drawing/2014/main" id="{BA5F8287-28B2-4933-91CE-CCF8DA7FDCDF}"/>
+          <p:cNvPr id="110" name="Flowchart: Manual Input 109">
+            <a:extLst>
+              <a:ext uri="{FF2B5EF4-FFF2-40B4-BE49-F238E27FC236}">
+                <a16:creationId xmlns:a16="http://schemas.microsoft.com/office/drawing/2014/main" xmlns="" id="{BA5F8287-28B2-4933-91CE-CCF8DA7FDCDF}"/>
               </a:ext>
             </a:extLst>
           </p:cNvPr>
@@ -9053,14 +9785,14 @@
         </p:nvSpPr>
         <p:spPr>
           <a:xfrm rot="10800000" flipH="1">
-            <a:off x="1110892" y="2940756"/>
+            <a:off x="-1028151" y="2940756"/>
             <a:ext cx="1820745" cy="976488"/>
           </a:xfrm>
           <a:prstGeom prst="flowChartManualInput">
             <a:avLst/>
           </a:prstGeom>
           <a:solidFill>
-            <a:srgbClr val="000000"/>
+            <a:srgbClr val="FF0000"/>
           </a:solidFill>
           <a:ln>
             <a:noFill/>
@@ -9093,207 +9825,19 @@
       </p:sp>
       <p:sp>
         <p:nvSpPr>
-          <p:cNvPr id="4" name="Right Triangle 3">
-            <a:extLst>
-              <a:ext uri="{FF2B5EF4-FFF2-40B4-BE49-F238E27FC236}">
-                <a16:creationId xmlns:a16="http://schemas.microsoft.com/office/drawing/2014/main" id="{464F1B2E-5DF7-46D5-BDFC-472B9191165F}"/>
-              </a:ext>
-            </a:extLst>
-          </p:cNvPr>
-          <p:cNvSpPr/>
+          <p:cNvPr id="111" name="TextBox 110">
+            <a:extLst>
+              <a:ext uri="{FF2B5EF4-FFF2-40B4-BE49-F238E27FC236}">
+                <a16:creationId xmlns:a16="http://schemas.microsoft.com/office/drawing/2014/main" xmlns="" id="{A92D38FB-61D2-4DD1-B8DC-4C9CB4AF5010}"/>
+              </a:ext>
+            </a:extLst>
+          </p:cNvPr>
+          <p:cNvSpPr txBox="1"/>
           <p:nvPr/>
         </p:nvSpPr>
         <p:spPr>
           <a:xfrm>
-            <a:off x="1187675" y="446760"/>
-            <a:ext cx="1678404" cy="894642"/>
-          </a:xfrm>
-          <a:prstGeom prst="rtTriangle">
-            <a:avLst/>
-          </a:prstGeom>
-          <a:solidFill>
-            <a:srgbClr val="000000"/>
-          </a:solidFill>
-          <a:ln>
-            <a:noFill/>
-          </a:ln>
-        </p:spPr>
-        <p:style>
-          <a:lnRef idx="2">
-            <a:schemeClr val="accent1">
-              <a:shade val="50000"/>
-            </a:schemeClr>
-          </a:lnRef>
-          <a:fillRef idx="1">
-            <a:schemeClr val="accent1"/>
-          </a:fillRef>
-          <a:effectRef idx="0">
-            <a:schemeClr val="accent1"/>
-          </a:effectRef>
-          <a:fontRef idx="minor">
-            <a:schemeClr val="lt1"/>
-          </a:fontRef>
-        </p:style>
-        <p:txBody>
-          <a:bodyPr rtlCol="0" anchor="ctr"/>
-          <a:lstStyle/>
-          <a:p>
-            <a:pPr algn="ctr"/>
-            <a:endParaRPr lang="en-GB" dirty="0"/>
-          </a:p>
-        </p:txBody>
-      </p:sp>
-      <p:sp>
-        <p:nvSpPr>
-          <p:cNvPr id="5" name="TextBox 4">
-            <a:extLst>
-              <a:ext uri="{FF2B5EF4-FFF2-40B4-BE49-F238E27FC236}">
-                <a16:creationId xmlns:a16="http://schemas.microsoft.com/office/drawing/2014/main" id="{C9845309-04CD-46F6-826C-E8307EB2CC9D}"/>
-              </a:ext>
-            </a:extLst>
-          </p:cNvPr>
-          <p:cNvSpPr txBox="1"/>
-          <p:nvPr/>
-        </p:nvSpPr>
-        <p:spPr>
-          <a:xfrm>
-            <a:off x="1446588" y="667248"/>
-            <a:ext cx="1160574" cy="461665"/>
-          </a:xfrm>
-          <a:prstGeom prst="rect">
-            <a:avLst/>
-          </a:prstGeom>
-          <a:noFill/>
-        </p:spPr>
-        <p:txBody>
-          <a:bodyPr wrap="none" rtlCol="0">
-            <a:spAutoFit/>
-          </a:bodyPr>
-          <a:lstStyle/>
-          <a:p>
-            <a:pPr algn="ctr"/>
-            <a:r>
-              <a:rPr lang="en-GB" sz="2400" b="1" dirty="0">
-                <a:solidFill>
-                  <a:schemeClr val="bg2"/>
-                </a:solidFill>
-                <a:effectLst>
-                  <a:glow rad="101600">
-                    <a:schemeClr val="tx1">
-                      <a:alpha val="60000"/>
-                    </a:schemeClr>
-                  </a:glow>
-                </a:effectLst>
-              </a:rPr>
-              <a:t>Camera</a:t>
-            </a:r>
-          </a:p>
-        </p:txBody>
-      </p:sp>
-      <p:cxnSp>
-        <p:nvCxnSpPr>
-          <p:cNvPr id="11" name="Straight Arrow Connector 10">
-            <a:extLst>
-              <a:ext uri="{FF2B5EF4-FFF2-40B4-BE49-F238E27FC236}">
-                <a16:creationId xmlns:a16="http://schemas.microsoft.com/office/drawing/2014/main" id="{30AD2B9B-64B2-4F8A-8BA3-3D5BA859AC6B}"/>
-              </a:ext>
-            </a:extLst>
-          </p:cNvPr>
-          <p:cNvCxnSpPr>
-            <a:cxnSpLocks/>
-            <a:stCxn id="4" idx="3"/>
-          </p:cNvCxnSpPr>
-          <p:nvPr/>
-        </p:nvCxnSpPr>
-        <p:spPr>
-          <a:xfrm>
-            <a:off x="2026877" y="1341402"/>
-            <a:ext cx="0" cy="1599353"/>
-          </a:xfrm>
-          <a:prstGeom prst="straightConnector1">
-            <a:avLst/>
-          </a:prstGeom>
-          <a:ln w="76200" cmpd="sng">
-            <a:solidFill>
-              <a:schemeClr val="tx1"/>
-            </a:solidFill>
-            <a:prstDash val="sysDot"/>
-            <a:tailEnd type="triangle"/>
-          </a:ln>
-        </p:spPr>
-        <p:style>
-          <a:lnRef idx="1">
-            <a:schemeClr val="accent1"/>
-          </a:lnRef>
-          <a:fillRef idx="0">
-            <a:schemeClr val="accent1"/>
-          </a:fillRef>
-          <a:effectRef idx="0">
-            <a:schemeClr val="accent1"/>
-          </a:effectRef>
-          <a:fontRef idx="minor">
-            <a:schemeClr val="tx1"/>
-          </a:fontRef>
-        </p:style>
-      </p:cxnSp>
-      <p:sp>
-        <p:nvSpPr>
-          <p:cNvPr id="18" name="TextBox 17">
-            <a:extLst>
-              <a:ext uri="{FF2B5EF4-FFF2-40B4-BE49-F238E27FC236}">
-                <a16:creationId xmlns:a16="http://schemas.microsoft.com/office/drawing/2014/main" id="{C41D69F8-1C98-4A01-95D1-ABD1D10BDD7D}"/>
-              </a:ext>
-            </a:extLst>
-          </p:cNvPr>
-          <p:cNvSpPr txBox="1"/>
-          <p:nvPr/>
-        </p:nvSpPr>
-        <p:spPr>
-          <a:xfrm>
-            <a:off x="764282" y="2417535"/>
-            <a:ext cx="1248614" cy="523220"/>
-          </a:xfrm>
-          <a:prstGeom prst="rect">
-            <a:avLst/>
-          </a:prstGeom>
-          <a:noFill/>
-        </p:spPr>
-        <p:txBody>
-          <a:bodyPr wrap="square" rtlCol="0">
-            <a:spAutoFit/>
-          </a:bodyPr>
-          <a:lstStyle/>
-          <a:p>
-            <a:pPr algn="ctr"/>
-            <a:r>
-              <a:rPr lang="en-GB" sz="1400" dirty="0"/>
-              <a:t>Image Stream</a:t>
-            </a:r>
-          </a:p>
-          <a:p>
-            <a:pPr algn="ctr"/>
-            <a:r>
-              <a:rPr lang="en-GB" sz="1400" dirty="0"/>
-              <a:t>▼</a:t>
-            </a:r>
-          </a:p>
-        </p:txBody>
-      </p:sp>
-      <p:sp>
-        <p:nvSpPr>
-          <p:cNvPr id="19" name="TextBox 18">
-            <a:extLst>
-              <a:ext uri="{FF2B5EF4-FFF2-40B4-BE49-F238E27FC236}">
-                <a16:creationId xmlns:a16="http://schemas.microsoft.com/office/drawing/2014/main" id="{A92D38FB-61D2-4DD1-B8DC-4C9CB4AF5010}"/>
-              </a:ext>
-            </a:extLst>
-          </p:cNvPr>
-          <p:cNvSpPr txBox="1"/>
-          <p:nvPr/>
-        </p:nvSpPr>
-        <p:spPr>
-          <a:xfrm>
-            <a:off x="1231337" y="2974191"/>
+            <a:off x="-907706" y="2974191"/>
             <a:ext cx="1591077" cy="276999"/>
           </a:xfrm>
           <a:prstGeom prst="rect">
@@ -9323,10 +9867,10 @@
       </p:sp>
       <p:sp>
         <p:nvSpPr>
-          <p:cNvPr id="20" name="TextBox 19">
-            <a:extLst>
-              <a:ext uri="{FF2B5EF4-FFF2-40B4-BE49-F238E27FC236}">
-                <a16:creationId xmlns:a16="http://schemas.microsoft.com/office/drawing/2014/main" id="{751537D2-5CA2-46E9-98DA-5D0BC05C4061}"/>
+          <p:cNvPr id="112" name="TextBox 111">
+            <a:extLst>
+              <a:ext uri="{FF2B5EF4-FFF2-40B4-BE49-F238E27FC236}">
+                <a16:creationId xmlns:a16="http://schemas.microsoft.com/office/drawing/2014/main" xmlns="" id="{751537D2-5CA2-46E9-98DA-5D0BC05C4061}"/>
               </a:ext>
             </a:extLst>
           </p:cNvPr>
@@ -9335,7 +9879,7 @@
         </p:nvSpPr>
         <p:spPr>
           <a:xfrm>
-            <a:off x="1170807" y="3198167"/>
+            <a:off x="-968236" y="3198167"/>
             <a:ext cx="1731180" cy="461665"/>
           </a:xfrm>
           <a:prstGeom prst="rect">
@@ -9369,10 +9913,10 @@
       </p:sp>
       <p:sp>
         <p:nvSpPr>
-          <p:cNvPr id="22" name="Rectangle 21">
-            <a:extLst>
-              <a:ext uri="{FF2B5EF4-FFF2-40B4-BE49-F238E27FC236}">
-                <a16:creationId xmlns:a16="http://schemas.microsoft.com/office/drawing/2014/main" id="{ADD36DBD-8DDC-434F-9125-A76A4D4E0292}"/>
+          <p:cNvPr id="113" name="Rectangle 112">
+            <a:extLst>
+              <a:ext uri="{FF2B5EF4-FFF2-40B4-BE49-F238E27FC236}">
+                <a16:creationId xmlns:a16="http://schemas.microsoft.com/office/drawing/2014/main" xmlns="" id="{ADD36DBD-8DDC-434F-9125-A76A4D4E0292}"/>
               </a:ext>
             </a:extLst>
           </p:cNvPr>
@@ -9381,14 +9925,14 @@
         </p:nvSpPr>
         <p:spPr>
           <a:xfrm>
-            <a:off x="5078478" y="2940756"/>
+            <a:off x="6930747" y="2940756"/>
             <a:ext cx="1831960" cy="976488"/>
           </a:xfrm>
           <a:prstGeom prst="rect">
             <a:avLst/>
           </a:prstGeom>
           <a:solidFill>
-            <a:srgbClr val="000000"/>
+            <a:srgbClr val="FF0000"/>
           </a:solidFill>
           <a:ln>
             <a:noFill/>
@@ -9421,10 +9965,10 @@
       </p:sp>
       <p:sp>
         <p:nvSpPr>
-          <p:cNvPr id="23" name="TextBox 22">
-            <a:extLst>
-              <a:ext uri="{FF2B5EF4-FFF2-40B4-BE49-F238E27FC236}">
-                <a16:creationId xmlns:a16="http://schemas.microsoft.com/office/drawing/2014/main" id="{ED06F2CA-B022-4B57-93BA-3A4A5FD519CB}"/>
+          <p:cNvPr id="114" name="TextBox 113">
+            <a:extLst>
+              <a:ext uri="{FF2B5EF4-FFF2-40B4-BE49-F238E27FC236}">
+                <a16:creationId xmlns:a16="http://schemas.microsoft.com/office/drawing/2014/main" xmlns="" id="{ED06F2CA-B022-4B57-93BA-3A4A5FD519CB}"/>
               </a:ext>
             </a:extLst>
           </p:cNvPr>
@@ -9433,7 +9977,7 @@
         </p:nvSpPr>
         <p:spPr>
           <a:xfrm>
-            <a:off x="5393976" y="3013500"/>
+            <a:off x="7246245" y="3013500"/>
             <a:ext cx="1200970" cy="830997"/>
           </a:xfrm>
           <a:prstGeom prst="rect">
@@ -9486,10 +10030,10 @@
       </p:sp>
       <p:cxnSp>
         <p:nvCxnSpPr>
-          <p:cNvPr id="24" name="Straight Arrow Connector 23">
-            <a:extLst>
-              <a:ext uri="{FF2B5EF4-FFF2-40B4-BE49-F238E27FC236}">
-                <a16:creationId xmlns:a16="http://schemas.microsoft.com/office/drawing/2014/main" id="{63C8345C-A17E-44D4-B240-B3C2E331255D}"/>
+          <p:cNvPr id="115" name="Straight Arrow Connector 114">
+            <a:extLst>
+              <a:ext uri="{FF2B5EF4-FFF2-40B4-BE49-F238E27FC236}">
+                <a16:creationId xmlns:a16="http://schemas.microsoft.com/office/drawing/2014/main" xmlns="" id="{63C8345C-A17E-44D4-B240-B3C2E331255D}"/>
               </a:ext>
             </a:extLst>
           </p:cNvPr>
@@ -9500,7 +10044,7 @@
         </p:nvCxnSpPr>
         <p:spPr>
           <a:xfrm>
-            <a:off x="2922138" y="3443756"/>
+            <a:off x="4774407" y="3443756"/>
             <a:ext cx="2156340" cy="0"/>
           </a:xfrm>
           <a:prstGeom prst="straightConnector1">
@@ -9508,7 +10052,7 @@
           </a:prstGeom>
           <a:ln w="76200">
             <a:solidFill>
-              <a:schemeClr val="tx1"/>
+              <a:srgbClr val="FFFF00"/>
             </a:solidFill>
             <a:prstDash val="dash"/>
             <a:headEnd type="triangle"/>
@@ -9532,10 +10076,10 @@
       </p:cxnSp>
       <p:sp>
         <p:nvSpPr>
-          <p:cNvPr id="32" name="TextBox 31">
-            <a:extLst>
-              <a:ext uri="{FF2B5EF4-FFF2-40B4-BE49-F238E27FC236}">
-                <a16:creationId xmlns:a16="http://schemas.microsoft.com/office/drawing/2014/main" id="{1ADC0E6E-5955-4431-A055-13C603AF1C44}"/>
+          <p:cNvPr id="116" name="TextBox 115">
+            <a:extLst>
+              <a:ext uri="{FF2B5EF4-FFF2-40B4-BE49-F238E27FC236}">
+                <a16:creationId xmlns:a16="http://schemas.microsoft.com/office/drawing/2014/main" xmlns="" id="{1ADC0E6E-5955-4431-A055-13C603AF1C44}"/>
               </a:ext>
             </a:extLst>
           </p:cNvPr>
@@ -9544,7 +10088,7 @@
         </p:nvSpPr>
         <p:spPr>
           <a:xfrm>
-            <a:off x="3700398" y="3485139"/>
+            <a:off x="5688510" y="3547774"/>
             <a:ext cx="1259278" cy="307777"/>
           </a:xfrm>
           <a:prstGeom prst="rect">
@@ -9568,10 +10112,10 @@
       </p:sp>
       <p:sp>
         <p:nvSpPr>
-          <p:cNvPr id="33" name="Flowchart: Delay 32">
-            <a:extLst>
-              <a:ext uri="{FF2B5EF4-FFF2-40B4-BE49-F238E27FC236}">
-                <a16:creationId xmlns:a16="http://schemas.microsoft.com/office/drawing/2014/main" id="{4FFA08B9-25E3-46A3-8F38-170EF9FDDAA3}"/>
+          <p:cNvPr id="117" name="Flowchart: Alternate Process 116">
+            <a:extLst>
+              <a:ext uri="{FF2B5EF4-FFF2-40B4-BE49-F238E27FC236}">
+                <a16:creationId xmlns:a16="http://schemas.microsoft.com/office/drawing/2014/main" xmlns="" id="{788ACF15-712D-427B-85E3-BFDE6D2778B7}"/>
               </a:ext>
             </a:extLst>
           </p:cNvPr>
@@ -9579,15 +10123,15 @@
           <p:nvPr/>
         </p:nvSpPr>
         <p:spPr>
-          <a:xfrm rot="5400000">
-            <a:off x="1442899" y="5097731"/>
-            <a:ext cx="1200328" cy="1898064"/>
+          <a:xfrm>
+            <a:off x="6930751" y="5450413"/>
+            <a:ext cx="1831960" cy="1200330"/>
           </a:xfrm>
-          <a:prstGeom prst="flowChartDelay">
+          <a:prstGeom prst="flowChartAlternateProcess">
             <a:avLst/>
           </a:prstGeom>
           <a:solidFill>
-            <a:srgbClr val="000000"/>
+            <a:srgbClr val="FFFF00"/>
           </a:solidFill>
           <a:ln>
             <a:noFill/>
@@ -9618,59 +10162,12 @@
           </a:p>
         </p:txBody>
       </p:sp>
-      <p:cxnSp>
-        <p:nvCxnSpPr>
-          <p:cNvPr id="38" name="Straight Arrow Connector 37">
-            <a:extLst>
-              <a:ext uri="{FF2B5EF4-FFF2-40B4-BE49-F238E27FC236}">
-                <a16:creationId xmlns:a16="http://schemas.microsoft.com/office/drawing/2014/main" id="{6499CFC4-90F7-4835-AE26-D8AB856D5641}"/>
-              </a:ext>
-            </a:extLst>
-          </p:cNvPr>
-          <p:cNvCxnSpPr>
-            <a:cxnSpLocks/>
-            <a:endCxn id="45" idx="0"/>
-          </p:cNvCxnSpPr>
-          <p:nvPr/>
-        </p:nvCxnSpPr>
-        <p:spPr>
-          <a:xfrm flipH="1" flipV="1">
-            <a:off x="2021265" y="3819595"/>
-            <a:ext cx="21798" cy="1627004"/>
-          </a:xfrm>
-          <a:prstGeom prst="straightConnector1">
-            <a:avLst/>
-          </a:prstGeom>
-          <a:ln w="76200">
-            <a:solidFill>
-              <a:schemeClr val="tx1"/>
-            </a:solidFill>
-            <a:prstDash val="solid"/>
-            <a:headEnd type="triangle"/>
-            <a:tailEnd type="triangle"/>
-          </a:ln>
-        </p:spPr>
-        <p:style>
-          <a:lnRef idx="1">
-            <a:schemeClr val="accent1"/>
-          </a:lnRef>
-          <a:fillRef idx="0">
-            <a:schemeClr val="accent1"/>
-          </a:fillRef>
-          <a:effectRef idx="0">
-            <a:schemeClr val="accent1"/>
-          </a:effectRef>
-          <a:fontRef idx="minor">
-            <a:schemeClr val="tx1"/>
-          </a:fontRef>
-        </p:style>
-      </p:cxnSp>
-      <p:sp>
-        <p:nvSpPr>
-          <p:cNvPr id="43" name="TextBox 42">
-            <a:extLst>
-              <a:ext uri="{FF2B5EF4-FFF2-40B4-BE49-F238E27FC236}">
-                <a16:creationId xmlns:a16="http://schemas.microsoft.com/office/drawing/2014/main" id="{358B10D6-A0B4-4434-AACB-C474B6F3546A}"/>
+      <p:sp>
+        <p:nvSpPr>
+          <p:cNvPr id="118" name="TextBox 117">
+            <a:extLst>
+              <a:ext uri="{FF2B5EF4-FFF2-40B4-BE49-F238E27FC236}">
+                <a16:creationId xmlns:a16="http://schemas.microsoft.com/office/drawing/2014/main" xmlns="" id="{74812398-B0DB-4253-BDA5-F09C7A7449E7}"/>
               </a:ext>
             </a:extLst>
           </p:cNvPr>
@@ -9679,51 +10176,8 @@
         </p:nvSpPr>
         <p:spPr>
           <a:xfrm>
-            <a:off x="787024" y="3803290"/>
-            <a:ext cx="1203129" cy="523220"/>
-          </a:xfrm>
-          <a:prstGeom prst="rect">
-            <a:avLst/>
-          </a:prstGeom>
-          <a:noFill/>
-        </p:spPr>
-        <p:txBody>
-          <a:bodyPr wrap="square" rtlCol="0">
-            <a:spAutoFit/>
-          </a:bodyPr>
-          <a:lstStyle/>
-          <a:p>
-            <a:pPr algn="ctr"/>
-            <a:r>
-              <a:rPr lang="en-GB" sz="1400" dirty="0"/>
-              <a:t>▲</a:t>
-            </a:r>
-          </a:p>
-          <a:p>
-            <a:pPr algn="ctr"/>
-            <a:r>
-              <a:rPr lang="en-GB" sz="1400" dirty="0"/>
-              <a:t>Background</a:t>
-            </a:r>
-          </a:p>
-        </p:txBody>
-      </p:sp>
-      <p:sp>
-        <p:nvSpPr>
-          <p:cNvPr id="44" name="TextBox 43">
-            <a:extLst>
-              <a:ext uri="{FF2B5EF4-FFF2-40B4-BE49-F238E27FC236}">
-                <a16:creationId xmlns:a16="http://schemas.microsoft.com/office/drawing/2014/main" id="{BAB3948D-F827-44D1-B40E-A737164AC616}"/>
-              </a:ext>
-            </a:extLst>
-          </p:cNvPr>
-          <p:cNvSpPr txBox="1"/>
-          <p:nvPr/>
-        </p:nvSpPr>
-        <p:spPr>
-          <a:xfrm>
-            <a:off x="1159941" y="5446597"/>
-            <a:ext cx="1766253" cy="1200329"/>
+            <a:off x="6982456" y="5441020"/>
+            <a:ext cx="1728550" cy="1200329"/>
           </a:xfrm>
           <a:prstGeom prst="rect">
             <a:avLst/>
@@ -9750,7 +10204,7 @@
                   </a:glow>
                 </a:effectLst>
               </a:rPr>
-              <a:t>Background </a:t>
+              <a:t>Foreground </a:t>
             </a:r>
           </a:p>
           <a:p>
@@ -9768,7 +10222,7 @@
                   </a:glow>
                 </a:effectLst>
               </a:rPr>
-              <a:t>Generation </a:t>
+              <a:t>Extraction </a:t>
             </a:r>
           </a:p>
           <a:p>
@@ -9793,10 +10247,10 @@
       </p:sp>
       <p:sp>
         <p:nvSpPr>
-          <p:cNvPr id="46" name="Flowchart: Alternate Process 45">
-            <a:extLst>
-              <a:ext uri="{FF2B5EF4-FFF2-40B4-BE49-F238E27FC236}">
-                <a16:creationId xmlns:a16="http://schemas.microsoft.com/office/drawing/2014/main" id="{788ACF15-712D-427B-85E3-BFDE6D2778B7}"/>
+          <p:cNvPr id="119" name="Arrow: Chevron 51">
+            <a:extLst>
+              <a:ext uri="{FF2B5EF4-FFF2-40B4-BE49-F238E27FC236}">
+                <a16:creationId xmlns:a16="http://schemas.microsoft.com/office/drawing/2014/main" xmlns="" id="{842C5092-8294-4030-A526-A8C839E4F69D}"/>
               </a:ext>
             </a:extLst>
           </p:cNvPr>
@@ -9804,15 +10258,19 @@
           <p:nvPr/>
         </p:nvSpPr>
         <p:spPr>
-          <a:xfrm>
-            <a:off x="5078482" y="5450413"/>
-            <a:ext cx="1831960" cy="1200330"/>
+          <a:xfrm rot="5400000">
+            <a:off x="11308716" y="5294053"/>
+            <a:ext cx="1085130" cy="1628250"/>
           </a:xfrm>
-          <a:prstGeom prst="flowChartAlternateProcess">
-            <a:avLst/>
+          <a:prstGeom prst="chevron">
+            <a:avLst>
+              <a:gd name="adj" fmla="val 21142"/>
+            </a:avLst>
           </a:prstGeom>
           <a:solidFill>
-            <a:srgbClr val="000000"/>
+            <a:schemeClr val="accent6">
+              <a:lumMod val="50000"/>
+            </a:schemeClr>
           </a:solidFill>
           <a:ln>
             <a:noFill/>
@@ -9845,10 +10303,10 @@
       </p:sp>
       <p:sp>
         <p:nvSpPr>
-          <p:cNvPr id="47" name="TextBox 46">
-            <a:extLst>
-              <a:ext uri="{FF2B5EF4-FFF2-40B4-BE49-F238E27FC236}">
-                <a16:creationId xmlns:a16="http://schemas.microsoft.com/office/drawing/2014/main" id="{74812398-B0DB-4253-BDA5-F09C7A7449E7}"/>
+          <p:cNvPr id="120" name="TextBox 119">
+            <a:extLst>
+              <a:ext uri="{FF2B5EF4-FFF2-40B4-BE49-F238E27FC236}">
+                <a16:creationId xmlns:a16="http://schemas.microsoft.com/office/drawing/2014/main" xmlns="" id="{5D685C8E-8026-4C55-BE1C-CC18B646995B}"/>
               </a:ext>
             </a:extLst>
           </p:cNvPr>
@@ -9857,144 +10315,7 @@
         </p:nvSpPr>
         <p:spPr>
           <a:xfrm>
-            <a:off x="5130187" y="5441020"/>
-            <a:ext cx="1728550" cy="1200329"/>
-          </a:xfrm>
-          <a:prstGeom prst="rect">
-            <a:avLst/>
-          </a:prstGeom>
-          <a:noFill/>
-        </p:spPr>
-        <p:txBody>
-          <a:bodyPr wrap="none" rtlCol="0">
-            <a:spAutoFit/>
-          </a:bodyPr>
-          <a:lstStyle/>
-          <a:p>
-            <a:pPr algn="ctr"/>
-            <a:r>
-              <a:rPr lang="en-GB" sz="2400" b="1" dirty="0">
-                <a:solidFill>
-                  <a:schemeClr val="bg2"/>
-                </a:solidFill>
-                <a:effectLst>
-                  <a:glow rad="101600">
-                    <a:schemeClr val="tx1">
-                      <a:alpha val="60000"/>
-                    </a:schemeClr>
-                  </a:glow>
-                </a:effectLst>
-              </a:rPr>
-              <a:t>Foreground </a:t>
-            </a:r>
-          </a:p>
-          <a:p>
-            <a:pPr algn="ctr"/>
-            <a:r>
-              <a:rPr lang="en-GB" sz="2400" b="1" dirty="0">
-                <a:solidFill>
-                  <a:schemeClr val="bg2"/>
-                </a:solidFill>
-                <a:effectLst>
-                  <a:glow rad="101600">
-                    <a:schemeClr val="tx1">
-                      <a:alpha val="60000"/>
-                    </a:schemeClr>
-                  </a:glow>
-                </a:effectLst>
-              </a:rPr>
-              <a:t>Extraction </a:t>
-            </a:r>
-          </a:p>
-          <a:p>
-            <a:pPr algn="ctr"/>
-            <a:r>
-              <a:rPr lang="en-GB" sz="2400" b="1" dirty="0">
-                <a:solidFill>
-                  <a:schemeClr val="bg2"/>
-                </a:solidFill>
-                <a:effectLst>
-                  <a:glow rad="101600">
-                    <a:schemeClr val="tx1">
-                      <a:alpha val="60000"/>
-                    </a:schemeClr>
-                  </a:glow>
-                </a:effectLst>
-              </a:rPr>
-              <a:t>System</a:t>
-            </a:r>
-          </a:p>
-        </p:txBody>
-      </p:sp>
-      <p:sp>
-        <p:nvSpPr>
-          <p:cNvPr id="52" name="Arrow: Chevron 51">
-            <a:extLst>
-              <a:ext uri="{FF2B5EF4-FFF2-40B4-BE49-F238E27FC236}">
-                <a16:creationId xmlns:a16="http://schemas.microsoft.com/office/drawing/2014/main" id="{842C5092-8294-4030-A526-A8C839E4F69D}"/>
-              </a:ext>
-            </a:extLst>
-          </p:cNvPr>
-          <p:cNvSpPr/>
-          <p:nvPr/>
-        </p:nvSpPr>
-        <p:spPr>
-          <a:xfrm rot="5400000">
-            <a:off x="9456447" y="5294053"/>
-            <a:ext cx="1085130" cy="1628250"/>
-          </a:xfrm>
-          <a:prstGeom prst="chevron">
-            <a:avLst>
-              <a:gd name="adj" fmla="val 21142"/>
-            </a:avLst>
-          </a:prstGeom>
-          <a:solidFill>
-            <a:srgbClr val="000000"/>
-          </a:solidFill>
-          <a:ln>
-            <a:noFill/>
-          </a:ln>
-        </p:spPr>
-        <p:style>
-          <a:lnRef idx="2">
-            <a:schemeClr val="accent1">
-              <a:shade val="50000"/>
-            </a:schemeClr>
-          </a:lnRef>
-          <a:fillRef idx="1">
-            <a:schemeClr val="accent1"/>
-          </a:fillRef>
-          <a:effectRef idx="0">
-            <a:schemeClr val="accent1"/>
-          </a:effectRef>
-          <a:fontRef idx="minor">
-            <a:schemeClr val="lt1"/>
-          </a:fontRef>
-        </p:style>
-        <p:txBody>
-          <a:bodyPr rtlCol="0" anchor="ctr"/>
-          <a:lstStyle/>
-          <a:p>
-            <a:pPr algn="ctr"/>
-            <a:endParaRPr lang="en-GB" dirty="0"/>
-          </a:p>
-        </p:txBody>
-      </p:sp>
-      <p:sp>
-        <p:nvSpPr>
-          <p:cNvPr id="53" name="TextBox 52">
-            <a:extLst>
-              <a:ext uri="{FF2B5EF4-FFF2-40B4-BE49-F238E27FC236}">
-                <a16:creationId xmlns:a16="http://schemas.microsoft.com/office/drawing/2014/main" id="{5D685C8E-8026-4C55-BE1C-CC18B646995B}"/>
-              </a:ext>
-            </a:extLst>
-          </p:cNvPr>
-          <p:cNvSpPr txBox="1"/>
-          <p:nvPr/>
-        </p:nvSpPr>
-        <p:spPr>
-          <a:xfrm>
-            <a:off x="9263082" y="5692679"/>
+            <a:off x="11115351" y="5692679"/>
             <a:ext cx="1471878" cy="830997"/>
           </a:xfrm>
           <a:prstGeom prst="rect">
@@ -10047,10 +10368,10 @@
       </p:sp>
       <p:cxnSp>
         <p:nvCxnSpPr>
-          <p:cNvPr id="55" name="Straight Arrow Connector 54">
-            <a:extLst>
-              <a:ext uri="{FF2B5EF4-FFF2-40B4-BE49-F238E27FC236}">
-                <a16:creationId xmlns:a16="http://schemas.microsoft.com/office/drawing/2014/main" id="{D93FAD61-E741-499C-820D-AF2A26A6E4DB}"/>
+          <p:cNvPr id="121" name="Straight Arrow Connector 120">
+            <a:extLst>
+              <a:ext uri="{FF2B5EF4-FFF2-40B4-BE49-F238E27FC236}">
+                <a16:creationId xmlns:a16="http://schemas.microsoft.com/office/drawing/2014/main" xmlns="" id="{D93FAD61-E741-499C-820D-AF2A26A6E4DB}"/>
               </a:ext>
             </a:extLst>
           </p:cNvPr>
@@ -10061,7 +10382,7 @@
         </p:nvCxnSpPr>
         <p:spPr>
           <a:xfrm flipV="1">
-            <a:off x="6024630" y="3894130"/>
+            <a:off x="7876899" y="3894130"/>
             <a:ext cx="0" cy="1546890"/>
           </a:xfrm>
           <a:prstGeom prst="straightConnector1">
@@ -10069,7 +10390,7 @@
           </a:prstGeom>
           <a:ln w="76200">
             <a:solidFill>
-              <a:schemeClr val="tx1"/>
+              <a:srgbClr val="FF0000"/>
             </a:solidFill>
             <a:prstDash val="solid"/>
             <a:headEnd type="triangle"/>
@@ -10093,10 +10414,10 @@
       </p:cxnSp>
       <p:sp>
         <p:nvSpPr>
-          <p:cNvPr id="56" name="TextBox 55">
-            <a:extLst>
-              <a:ext uri="{FF2B5EF4-FFF2-40B4-BE49-F238E27FC236}">
-                <a16:creationId xmlns:a16="http://schemas.microsoft.com/office/drawing/2014/main" id="{B32A810F-BF6B-4000-9AFD-8B8D42D80E47}"/>
+          <p:cNvPr id="122" name="TextBox 121">
+            <a:extLst>
+              <a:ext uri="{FF2B5EF4-FFF2-40B4-BE49-F238E27FC236}">
+                <a16:creationId xmlns:a16="http://schemas.microsoft.com/office/drawing/2014/main" xmlns="" id="{B32A810F-BF6B-4000-9AFD-8B8D42D80E47}"/>
               </a:ext>
             </a:extLst>
           </p:cNvPr>
@@ -10105,7 +10426,7 @@
         </p:nvSpPr>
         <p:spPr>
           <a:xfrm>
-            <a:off x="6910438" y="6050578"/>
+            <a:off x="8762707" y="6050578"/>
             <a:ext cx="1083912" cy="307777"/>
           </a:xfrm>
           <a:prstGeom prst="rect">
@@ -10129,10 +10450,10 @@
       </p:sp>
       <p:sp>
         <p:nvSpPr>
-          <p:cNvPr id="57" name="TextBox 56">
-            <a:extLst>
-              <a:ext uri="{FF2B5EF4-FFF2-40B4-BE49-F238E27FC236}">
-                <a16:creationId xmlns:a16="http://schemas.microsoft.com/office/drawing/2014/main" id="{F0193D04-3208-4F06-BBA2-FE37BC71626F}"/>
+          <p:cNvPr id="123" name="TextBox 122">
+            <a:extLst>
+              <a:ext uri="{FF2B5EF4-FFF2-40B4-BE49-F238E27FC236}">
+                <a16:creationId xmlns:a16="http://schemas.microsoft.com/office/drawing/2014/main" xmlns="" id="{F0193D04-3208-4F06-BBA2-FE37BC71626F}"/>
               </a:ext>
             </a:extLst>
           </p:cNvPr>
@@ -10141,7 +10462,7 @@
         </p:nvSpPr>
         <p:spPr>
           <a:xfrm>
-            <a:off x="5096277" y="3926637"/>
+            <a:off x="6948546" y="3926637"/>
             <a:ext cx="802510" cy="738664"/>
           </a:xfrm>
           <a:prstGeom prst="rect">
@@ -10172,10 +10493,10 @@
       </p:sp>
       <p:sp>
         <p:nvSpPr>
-          <p:cNvPr id="80" name="Rectangle 79">
-            <a:extLst>
-              <a:ext uri="{FF2B5EF4-FFF2-40B4-BE49-F238E27FC236}">
-                <a16:creationId xmlns:a16="http://schemas.microsoft.com/office/drawing/2014/main" id="{CF30EFBD-3437-4FDF-9081-13DBAAD65887}"/>
+          <p:cNvPr id="124" name="Rectangle 123">
+            <a:extLst>
+              <a:ext uri="{FF2B5EF4-FFF2-40B4-BE49-F238E27FC236}">
+                <a16:creationId xmlns:a16="http://schemas.microsoft.com/office/drawing/2014/main" xmlns="" id="{CF30EFBD-3437-4FDF-9081-13DBAAD65887}"/>
               </a:ext>
             </a:extLst>
           </p:cNvPr>
@@ -10184,14 +10505,14 @@
         </p:nvSpPr>
         <p:spPr>
           <a:xfrm>
-            <a:off x="9061547" y="2940756"/>
+            <a:off x="10913816" y="2940756"/>
             <a:ext cx="1831960" cy="976488"/>
           </a:xfrm>
           <a:prstGeom prst="rect">
             <a:avLst/>
           </a:prstGeom>
           <a:solidFill>
-            <a:srgbClr val="000000"/>
+            <a:srgbClr val="FF0000"/>
           </a:solidFill>
           <a:ln>
             <a:noFill/>
@@ -10224,10 +10545,10 @@
       </p:sp>
       <p:sp>
         <p:nvSpPr>
-          <p:cNvPr id="81" name="TextBox 80">
-            <a:extLst>
-              <a:ext uri="{FF2B5EF4-FFF2-40B4-BE49-F238E27FC236}">
-                <a16:creationId xmlns:a16="http://schemas.microsoft.com/office/drawing/2014/main" id="{4E211EC3-F05E-4D22-B4D7-E50D6AC867AA}"/>
+          <p:cNvPr id="125" name="TextBox 124">
+            <a:extLst>
+              <a:ext uri="{FF2B5EF4-FFF2-40B4-BE49-F238E27FC236}">
+                <a16:creationId xmlns:a16="http://schemas.microsoft.com/office/drawing/2014/main" xmlns="" id="{4E211EC3-F05E-4D22-B4D7-E50D6AC867AA}"/>
               </a:ext>
             </a:extLst>
           </p:cNvPr>
@@ -10236,7 +10557,7 @@
         </p:nvSpPr>
         <p:spPr>
           <a:xfrm>
-            <a:off x="9377045" y="3013500"/>
+            <a:off x="11229314" y="3013500"/>
             <a:ext cx="1200970" cy="830997"/>
           </a:xfrm>
           <a:prstGeom prst="rect">
@@ -10289,10 +10610,10 @@
       </p:sp>
       <p:cxnSp>
         <p:nvCxnSpPr>
-          <p:cNvPr id="82" name="Straight Arrow Connector 81">
-            <a:extLst>
-              <a:ext uri="{FF2B5EF4-FFF2-40B4-BE49-F238E27FC236}">
-                <a16:creationId xmlns:a16="http://schemas.microsoft.com/office/drawing/2014/main" id="{EF6A4085-3032-4ED6-B8C5-9D0D4489DE48}"/>
+          <p:cNvPr id="126" name="Straight Arrow Connector 125">
+            <a:extLst>
+              <a:ext uri="{FF2B5EF4-FFF2-40B4-BE49-F238E27FC236}">
+                <a16:creationId xmlns:a16="http://schemas.microsoft.com/office/drawing/2014/main" xmlns="" id="{EF6A4085-3032-4ED6-B8C5-9D0D4489DE48}"/>
               </a:ext>
             </a:extLst>
           </p:cNvPr>
@@ -10303,7 +10624,7 @@
         </p:nvCxnSpPr>
         <p:spPr>
           <a:xfrm>
-            <a:off x="6924419" y="3443756"/>
+            <a:off x="8776688" y="3443756"/>
             <a:ext cx="2137128" cy="0"/>
           </a:xfrm>
           <a:prstGeom prst="straightConnector1">
@@ -10311,7 +10632,7 @@
           </a:prstGeom>
           <a:ln w="76200" cmpd="sng">
             <a:solidFill>
-              <a:schemeClr val="tx1"/>
+              <a:srgbClr val="FF0000"/>
             </a:solidFill>
             <a:prstDash val="dash"/>
             <a:headEnd type="none"/>
@@ -10333,190 +10654,168 @@
           </a:fontRef>
         </p:style>
       </p:cxnSp>
-      <p:cxnSp>
-        <p:nvCxnSpPr>
-          <p:cNvPr id="3" name="Straight Connector 2"/>
-          <p:cNvCxnSpPr/>
+      <p:grpSp>
+        <p:nvGrpSpPr>
+          <p:cNvPr id="16" name="Group 15"/>
+          <p:cNvGrpSpPr/>
           <p:nvPr/>
-        </p:nvCxnSpPr>
+        </p:nvGrpSpPr>
+        <p:grpSpPr>
+          <a:xfrm>
+            <a:off x="8762707" y="5857875"/>
+            <a:ext cx="2274449" cy="382118"/>
+            <a:chOff x="8762707" y="5857875"/>
+            <a:chExt cx="2274449" cy="382118"/>
+          </a:xfrm>
+        </p:grpSpPr>
+        <p:cxnSp>
+          <p:nvCxnSpPr>
+            <p:cNvPr id="127" name="Straight Connector 126"/>
+            <p:cNvCxnSpPr/>
+            <p:nvPr/>
+          </p:nvCxnSpPr>
+          <p:spPr>
+            <a:xfrm>
+              <a:off x="9905333" y="6050578"/>
+              <a:ext cx="1131823" cy="0"/>
+            </a:xfrm>
+            <a:prstGeom prst="line">
+              <a:avLst/>
+            </a:prstGeom>
+            <a:ln w="76200">
+              <a:solidFill>
+                <a:schemeClr val="accent6">
+                  <a:lumMod val="50000"/>
+                </a:schemeClr>
+              </a:solidFill>
+              <a:headEnd type="oval"/>
+            </a:ln>
+          </p:spPr>
+          <p:style>
+            <a:lnRef idx="1">
+              <a:schemeClr val="accent1"/>
+            </a:lnRef>
+            <a:fillRef idx="0">
+              <a:schemeClr val="accent1"/>
+            </a:fillRef>
+            <a:effectRef idx="0">
+              <a:schemeClr val="accent1"/>
+            </a:effectRef>
+            <a:fontRef idx="minor">
+              <a:schemeClr val="tx1"/>
+            </a:fontRef>
+          </p:style>
+        </p:cxnSp>
+        <p:cxnSp>
+          <p:nvCxnSpPr>
+            <p:cNvPr id="128" name="Straight Connector 127"/>
+            <p:cNvCxnSpPr/>
+            <p:nvPr/>
+          </p:nvCxnSpPr>
+          <p:spPr>
+            <a:xfrm flipH="1">
+              <a:off x="8762707" y="6050578"/>
+              <a:ext cx="961395" cy="0"/>
+            </a:xfrm>
+            <a:prstGeom prst="line">
+              <a:avLst/>
+            </a:prstGeom>
+            <a:ln w="76200">
+              <a:solidFill>
+                <a:schemeClr val="accent6">
+                  <a:lumMod val="50000"/>
+                </a:schemeClr>
+              </a:solidFill>
+              <a:headEnd type="none"/>
+            </a:ln>
+          </p:spPr>
+          <p:style>
+            <a:lnRef idx="1">
+              <a:schemeClr val="accent1"/>
+            </a:lnRef>
+            <a:fillRef idx="0">
+              <a:schemeClr val="accent1"/>
+            </a:fillRef>
+            <a:effectRef idx="0">
+              <a:schemeClr val="accent1"/>
+            </a:effectRef>
+            <a:fontRef idx="minor">
+              <a:schemeClr val="tx1"/>
+            </a:fontRef>
+          </p:style>
+        </p:cxnSp>
+        <p:sp>
+          <p:nvSpPr>
+            <p:cNvPr id="129" name="Block Arc 128"/>
+            <p:cNvSpPr/>
+            <p:nvPr/>
+          </p:nvSpPr>
+          <p:spPr>
+            <a:xfrm rot="16200000">
+              <a:off x="9715809" y="5857875"/>
+              <a:ext cx="382118" cy="382118"/>
+            </a:xfrm>
+            <a:prstGeom prst="blockArc">
+              <a:avLst>
+                <a:gd name="adj1" fmla="val 10800000"/>
+                <a:gd name="adj2" fmla="val 9152"/>
+                <a:gd name="adj3" fmla="val 10583"/>
+              </a:avLst>
+            </a:prstGeom>
+            <a:solidFill>
+              <a:schemeClr val="accent6">
+                <a:lumMod val="50000"/>
+              </a:schemeClr>
+            </a:solidFill>
+            <a:ln>
+              <a:noFill/>
+            </a:ln>
+          </p:spPr>
+          <p:style>
+            <a:lnRef idx="2">
+              <a:schemeClr val="accent1">
+                <a:shade val="50000"/>
+              </a:schemeClr>
+            </a:lnRef>
+            <a:fillRef idx="1">
+              <a:schemeClr val="accent1"/>
+            </a:fillRef>
+            <a:effectRef idx="0">
+              <a:schemeClr val="accent1"/>
+            </a:effectRef>
+            <a:fontRef idx="minor">
+              <a:schemeClr val="lt1"/>
+            </a:fontRef>
+          </p:style>
+          <p:txBody>
+            <a:bodyPr rtlCol="0" anchor="ctr"/>
+            <a:lstStyle/>
+            <a:p>
+              <a:pPr algn="ctr"/>
+              <a:endParaRPr lang="en-GB" dirty="0">
+                <a:solidFill>
+                  <a:schemeClr val="tx1"/>
+                </a:solidFill>
+              </a:endParaRPr>
+            </a:p>
+          </p:txBody>
+        </p:sp>
+      </p:grpSp>
+      <p:sp>
+        <p:nvSpPr>
+          <p:cNvPr id="130" name="TextBox 129">
+            <a:extLst>
+              <a:ext uri="{FF2B5EF4-FFF2-40B4-BE49-F238E27FC236}">
+                <a16:creationId xmlns:a16="http://schemas.microsoft.com/office/drawing/2014/main" xmlns="" id="{F0193D04-3208-4F06-BBA2-FE37BC71626F}"/>
+              </a:ext>
+            </a:extLst>
+          </p:cNvPr>
+          <p:cNvSpPr txBox="1"/>
+          <p:nvPr/>
+        </p:nvSpPr>
         <p:spPr>
           <a:xfrm>
-            <a:off x="8053064" y="6050578"/>
-            <a:ext cx="1131823" cy="0"/>
-          </a:xfrm>
-          <a:prstGeom prst="line">
-            <a:avLst/>
-          </a:prstGeom>
-          <a:ln w="76200">
-            <a:solidFill>
-              <a:schemeClr val="tx1"/>
-            </a:solidFill>
-            <a:headEnd type="oval"/>
-          </a:ln>
-        </p:spPr>
-        <p:style>
-          <a:lnRef idx="1">
-            <a:schemeClr val="accent1"/>
-          </a:lnRef>
-          <a:fillRef idx="0">
-            <a:schemeClr val="accent1"/>
-          </a:fillRef>
-          <a:effectRef idx="0">
-            <a:schemeClr val="accent1"/>
-          </a:effectRef>
-          <a:fontRef idx="minor">
-            <a:schemeClr val="tx1"/>
-          </a:fontRef>
-        </p:style>
-      </p:cxnSp>
-      <p:cxnSp>
-        <p:nvCxnSpPr>
-          <p:cNvPr id="34" name="Straight Connector 33"/>
-          <p:cNvCxnSpPr/>
-          <p:nvPr/>
-        </p:nvCxnSpPr>
-        <p:spPr>
-          <a:xfrm flipH="1">
-            <a:off x="6910438" y="6050578"/>
-            <a:ext cx="961395" cy="0"/>
-          </a:xfrm>
-          <a:prstGeom prst="line">
-            <a:avLst/>
-          </a:prstGeom>
-          <a:ln w="76200">
-            <a:solidFill>
-              <a:schemeClr val="tx1"/>
-            </a:solidFill>
-            <a:headEnd type="none"/>
-          </a:ln>
-        </p:spPr>
-        <p:style>
-          <a:lnRef idx="1">
-            <a:schemeClr val="accent1"/>
-          </a:lnRef>
-          <a:fillRef idx="0">
-            <a:schemeClr val="accent1"/>
-          </a:fillRef>
-          <a:effectRef idx="0">
-            <a:schemeClr val="accent1"/>
-          </a:effectRef>
-          <a:fontRef idx="minor">
-            <a:schemeClr val="tx1"/>
-          </a:fontRef>
-        </p:style>
-      </p:cxnSp>
-      <p:sp>
-        <p:nvSpPr>
-          <p:cNvPr id="12" name="Block Arc 11"/>
-          <p:cNvSpPr/>
-          <p:nvPr/>
-        </p:nvSpPr>
-        <p:spPr>
-          <a:xfrm rot="16200000">
-            <a:off x="7863540" y="5857875"/>
-            <a:ext cx="382118" cy="382118"/>
-          </a:xfrm>
-          <a:prstGeom prst="blockArc">
-            <a:avLst>
-              <a:gd name="adj1" fmla="val 10800000"/>
-              <a:gd name="adj2" fmla="val 9152"/>
-              <a:gd name="adj3" fmla="val 10583"/>
-            </a:avLst>
-          </a:prstGeom>
-          <a:solidFill>
-            <a:schemeClr val="tx1"/>
-          </a:solidFill>
-          <a:ln>
-            <a:noFill/>
-          </a:ln>
-        </p:spPr>
-        <p:style>
-          <a:lnRef idx="2">
-            <a:schemeClr val="accent1">
-              <a:shade val="50000"/>
-            </a:schemeClr>
-          </a:lnRef>
-          <a:fillRef idx="1">
-            <a:schemeClr val="accent1"/>
-          </a:fillRef>
-          <a:effectRef idx="0">
-            <a:schemeClr val="accent1"/>
-          </a:effectRef>
-          <a:fontRef idx="minor">
-            <a:schemeClr val="lt1"/>
-          </a:fontRef>
-        </p:style>
-        <p:txBody>
-          <a:bodyPr rtlCol="0" anchor="ctr"/>
-          <a:lstStyle/>
-          <a:p>
-            <a:pPr algn="ctr"/>
-            <a:endParaRPr lang="en-GB" dirty="0">
-              <a:solidFill>
-                <a:schemeClr val="tx1"/>
-              </a:solidFill>
-            </a:endParaRPr>
-          </a:p>
-        </p:txBody>
-      </p:sp>
-      <p:sp>
-        <p:nvSpPr>
-          <p:cNvPr id="41" name="TextBox 40">
-            <a:extLst>
-              <a:ext uri="{FF2B5EF4-FFF2-40B4-BE49-F238E27FC236}">
-                <a16:creationId xmlns:a16="http://schemas.microsoft.com/office/drawing/2014/main" id="{358B10D6-A0B4-4434-AACB-C474B6F3546A}"/>
-              </a:ext>
-            </a:extLst>
-          </p:cNvPr>
-          <p:cNvSpPr txBox="1"/>
-          <p:nvPr/>
-        </p:nvSpPr>
-        <p:spPr>
-          <a:xfrm>
-            <a:off x="1028190" y="4889474"/>
-            <a:ext cx="720799" cy="523220"/>
-          </a:xfrm>
-          <a:prstGeom prst="rect">
-            <a:avLst/>
-          </a:prstGeom>
-          <a:noFill/>
-        </p:spPr>
-        <p:txBody>
-          <a:bodyPr wrap="square" rtlCol="0">
-            <a:spAutoFit/>
-          </a:bodyPr>
-          <a:lstStyle/>
-          <a:p>
-            <a:pPr algn="ctr"/>
-            <a:r>
-              <a:rPr lang="en-GB" sz="1400" dirty="0"/>
-              <a:t>Frames</a:t>
-            </a:r>
-          </a:p>
-          <a:p>
-            <a:pPr algn="ctr"/>
-            <a:r>
-              <a:rPr lang="en-GB" sz="1400" dirty="0"/>
-              <a:t>▼</a:t>
-            </a:r>
-          </a:p>
-        </p:txBody>
-      </p:sp>
-      <p:sp>
-        <p:nvSpPr>
-          <p:cNvPr id="42" name="TextBox 41">
-            <a:extLst>
-              <a:ext uri="{FF2B5EF4-FFF2-40B4-BE49-F238E27FC236}">
-                <a16:creationId xmlns:a16="http://schemas.microsoft.com/office/drawing/2014/main" id="{F0193D04-3208-4F06-BBA2-FE37BC71626F}"/>
-              </a:ext>
-            </a:extLst>
-          </p:cNvPr>
-          <p:cNvSpPr txBox="1"/>
-          <p:nvPr/>
-        </p:nvSpPr>
-        <p:spPr>
-          <a:xfrm>
-            <a:off x="5096277" y="4726459"/>
+            <a:off x="6948546" y="4726459"/>
             <a:ext cx="802510" cy="738664"/>
           </a:xfrm>
           <a:prstGeom prst="rect">
@@ -10547,10 +10846,10 @@
       </p:sp>
       <p:sp>
         <p:nvSpPr>
-          <p:cNvPr id="48" name="TextBox 47">
-            <a:extLst>
-              <a:ext uri="{FF2B5EF4-FFF2-40B4-BE49-F238E27FC236}">
-                <a16:creationId xmlns:a16="http://schemas.microsoft.com/office/drawing/2014/main" id="{B32A810F-BF6B-4000-9AFD-8B8D42D80E47}"/>
+          <p:cNvPr id="131" name="TextBox 130">
+            <a:extLst>
+              <a:ext uri="{FF2B5EF4-FFF2-40B4-BE49-F238E27FC236}">
+                <a16:creationId xmlns:a16="http://schemas.microsoft.com/office/drawing/2014/main" xmlns="" id="{B32A810F-BF6B-4000-9AFD-8B8D42D80E47}"/>
               </a:ext>
             </a:extLst>
           </p:cNvPr>
@@ -10559,7 +10858,7 @@
         </p:nvSpPr>
         <p:spPr>
           <a:xfrm>
-            <a:off x="7851212" y="3539690"/>
+            <a:off x="9678064" y="3547774"/>
             <a:ext cx="1276297" cy="307777"/>
           </a:xfrm>
           <a:prstGeom prst="rect">
@@ -10583,10 +10882,10 @@
       </p:sp>
       <p:sp>
         <p:nvSpPr>
-          <p:cNvPr id="51" name="Rectangle 50">
-            <a:extLst>
-              <a:ext uri="{FF2B5EF4-FFF2-40B4-BE49-F238E27FC236}">
-                <a16:creationId xmlns:a16="http://schemas.microsoft.com/office/drawing/2014/main" id="{ADD36DBD-8DDC-434F-9125-A76A4D4E0292}"/>
+          <p:cNvPr id="132" name="Rectangle 131">
+            <a:extLst>
+              <a:ext uri="{FF2B5EF4-FFF2-40B4-BE49-F238E27FC236}">
+                <a16:creationId xmlns:a16="http://schemas.microsoft.com/office/drawing/2014/main" xmlns="" id="{ADD36DBD-8DDC-434F-9125-A76A4D4E0292}"/>
               </a:ext>
             </a:extLst>
           </p:cNvPr>
@@ -10595,7 +10894,7 @@
         </p:nvSpPr>
         <p:spPr>
           <a:xfrm>
-            <a:off x="5078478" y="313220"/>
+            <a:off x="6930747" y="313220"/>
             <a:ext cx="1831960" cy="1190158"/>
           </a:xfrm>
           <a:prstGeom prst="rect">
@@ -10635,10 +10934,10 @@
       </p:sp>
       <p:sp>
         <p:nvSpPr>
-          <p:cNvPr id="54" name="TextBox 53">
-            <a:extLst>
-              <a:ext uri="{FF2B5EF4-FFF2-40B4-BE49-F238E27FC236}">
-                <a16:creationId xmlns:a16="http://schemas.microsoft.com/office/drawing/2014/main" id="{ED06F2CA-B022-4B57-93BA-3A4A5FD519CB}"/>
+          <p:cNvPr id="133" name="TextBox 132">
+            <a:extLst>
+              <a:ext uri="{FF2B5EF4-FFF2-40B4-BE49-F238E27FC236}">
+                <a16:creationId xmlns:a16="http://schemas.microsoft.com/office/drawing/2014/main" xmlns="" id="{ED06F2CA-B022-4B57-93BA-3A4A5FD519CB}"/>
               </a:ext>
             </a:extLst>
           </p:cNvPr>
@@ -10647,13 +10946,15 @@
         </p:nvSpPr>
         <p:spPr>
           <a:xfrm>
-            <a:off x="5044595" y="313220"/>
+            <a:off x="6896864" y="313220"/>
             <a:ext cx="1899751" cy="1200329"/>
           </a:xfrm>
           <a:prstGeom prst="rect">
             <a:avLst/>
           </a:prstGeom>
-          <a:noFill/>
+          <a:solidFill>
+            <a:srgbClr val="FF0000"/>
+          </a:solidFill>
         </p:spPr>
         <p:txBody>
           <a:bodyPr wrap="none" rtlCol="0">
@@ -10718,10 +11019,10 @@
       </p:sp>
       <p:cxnSp>
         <p:nvCxnSpPr>
-          <p:cNvPr id="58" name="Straight Arrow Connector 57">
-            <a:extLst>
-              <a:ext uri="{FF2B5EF4-FFF2-40B4-BE49-F238E27FC236}">
-                <a16:creationId xmlns:a16="http://schemas.microsoft.com/office/drawing/2014/main" id="{D93FAD61-E741-499C-820D-AF2A26A6E4DB}"/>
+          <p:cNvPr id="134" name="Straight Arrow Connector 133">
+            <a:extLst>
+              <a:ext uri="{FF2B5EF4-FFF2-40B4-BE49-F238E27FC236}">
+                <a16:creationId xmlns:a16="http://schemas.microsoft.com/office/drawing/2014/main" xmlns="" id="{D93FAD61-E741-499C-820D-AF2A26A6E4DB}"/>
               </a:ext>
             </a:extLst>
           </p:cNvPr>
@@ -10732,7 +11033,7 @@
         </p:nvCxnSpPr>
         <p:spPr>
           <a:xfrm flipV="1">
-            <a:off x="6024630" y="1503378"/>
+            <a:off x="7876899" y="1503378"/>
             <a:ext cx="0" cy="1416941"/>
           </a:xfrm>
           <a:prstGeom prst="straightConnector1">
@@ -10740,7 +11041,7 @@
           </a:prstGeom>
           <a:ln w="76200">
             <a:solidFill>
-              <a:schemeClr val="tx1"/>
+              <a:srgbClr val="FF0000"/>
             </a:solidFill>
             <a:prstDash val="solid"/>
             <a:headEnd type="triangle"/>
@@ -10764,10 +11065,10 @@
       </p:cxnSp>
       <p:sp>
         <p:nvSpPr>
-          <p:cNvPr id="59" name="TextBox 58">
-            <a:extLst>
-              <a:ext uri="{FF2B5EF4-FFF2-40B4-BE49-F238E27FC236}">
-                <a16:creationId xmlns:a16="http://schemas.microsoft.com/office/drawing/2014/main" id="{F0193D04-3208-4F06-BBA2-FE37BC71626F}"/>
+          <p:cNvPr id="135" name="TextBox 134">
+            <a:extLst>
+              <a:ext uri="{FF2B5EF4-FFF2-40B4-BE49-F238E27FC236}">
+                <a16:creationId xmlns:a16="http://schemas.microsoft.com/office/drawing/2014/main" xmlns="" id="{F0193D04-3208-4F06-BBA2-FE37BC71626F}"/>
               </a:ext>
             </a:extLst>
           </p:cNvPr>
@@ -10776,7 +11077,7 @@
         </p:nvSpPr>
         <p:spPr>
           <a:xfrm>
-            <a:off x="5096277" y="1438096"/>
+            <a:off x="6948546" y="1438096"/>
             <a:ext cx="802510" cy="523220"/>
           </a:xfrm>
           <a:prstGeom prst="rect">
@@ -10807,10 +11108,10 @@
       </p:sp>
       <p:sp>
         <p:nvSpPr>
-          <p:cNvPr id="60" name="TextBox 59">
-            <a:extLst>
-              <a:ext uri="{FF2B5EF4-FFF2-40B4-BE49-F238E27FC236}">
-                <a16:creationId xmlns:a16="http://schemas.microsoft.com/office/drawing/2014/main" id="{B32A810F-BF6B-4000-9AFD-8B8D42D80E47}"/>
+          <p:cNvPr id="136" name="TextBox 135">
+            <a:extLst>
+              <a:ext uri="{FF2B5EF4-FFF2-40B4-BE49-F238E27FC236}">
+                <a16:creationId xmlns:a16="http://schemas.microsoft.com/office/drawing/2014/main" xmlns="" id="{B32A810F-BF6B-4000-9AFD-8B8D42D80E47}"/>
               </a:ext>
             </a:extLst>
           </p:cNvPr>
@@ -10819,7 +11120,7 @@
         </p:nvSpPr>
         <p:spPr>
           <a:xfrm>
-            <a:off x="8043597" y="6050578"/>
+            <a:off x="9895866" y="6050578"/>
             <a:ext cx="1083912" cy="307777"/>
           </a:xfrm>
           <a:prstGeom prst="rect">
@@ -10843,10 +11144,10 @@
       </p:sp>
       <p:grpSp>
         <p:nvGrpSpPr>
-          <p:cNvPr id="62" name="Group 61">
-            <a:extLst>
-              <a:ext uri="{FF2B5EF4-FFF2-40B4-BE49-F238E27FC236}">
-                <a16:creationId xmlns:a16="http://schemas.microsoft.com/office/drawing/2014/main" id="{0EB7F6F5-EE0C-4A6A-91A8-4227CAAA66AD}"/>
+          <p:cNvPr id="137" name="Group 136">
+            <a:extLst>
+              <a:ext uri="{FF2B5EF4-FFF2-40B4-BE49-F238E27FC236}">
+                <a16:creationId xmlns:a16="http://schemas.microsoft.com/office/drawing/2014/main" xmlns="" id="{0EB7F6F5-EE0C-4A6A-91A8-4227CAAA66AD}"/>
               </a:ext>
             </a:extLst>
           </p:cNvPr>
@@ -10855,18 +11156,21 @@
         </p:nvGrpSpPr>
         <p:grpSpPr>
           <a:xfrm rot="16200000">
-            <a:off x="9396313" y="16352"/>
+            <a:off x="11248582" y="16352"/>
             <a:ext cx="1156050" cy="1838344"/>
             <a:chOff x="6960847" y="403740"/>
             <a:chExt cx="3822539" cy="6078580"/>
           </a:xfrm>
+          <a:solidFill>
+            <a:srgbClr val="FF0000"/>
+          </a:solidFill>
         </p:grpSpPr>
         <p:sp>
           <p:nvSpPr>
-            <p:cNvPr id="63" name="Rectangle: Rounded Corners 15">
+            <p:cNvPr id="138" name="Rectangle: Rounded Corners 15">
               <a:extLst>
                 <a:ext uri="{FF2B5EF4-FFF2-40B4-BE49-F238E27FC236}">
-                  <a16:creationId xmlns:a16="http://schemas.microsoft.com/office/drawing/2014/main" id="{4910E712-7CCC-4036-BB7D-5C63E9E5FDAB}"/>
+                  <a16:creationId xmlns:a16="http://schemas.microsoft.com/office/drawing/2014/main" xmlns="" id="{4910E712-7CCC-4036-BB7D-5C63E9E5FDAB}"/>
                 </a:ext>
               </a:extLst>
             </p:cNvPr>
@@ -10883,9 +11187,7 @@
                 <a:gd name="adj" fmla="val 50000"/>
               </a:avLst>
             </a:prstGeom>
-            <a:solidFill>
-              <a:schemeClr val="tx1"/>
-            </a:solidFill>
+            <a:grpFill/>
             <a:ln>
               <a:solidFill>
                 <a:schemeClr val="tx1"/>
@@ -10919,10 +11221,10 @@
         </p:sp>
         <p:sp>
           <p:nvSpPr>
-            <p:cNvPr id="64" name="Rectangle: Rounded Corners 16">
+            <p:cNvPr id="139" name="Rectangle: Rounded Corners 16">
               <a:extLst>
                 <a:ext uri="{FF2B5EF4-FFF2-40B4-BE49-F238E27FC236}">
-                  <a16:creationId xmlns:a16="http://schemas.microsoft.com/office/drawing/2014/main" id="{203D6D70-B921-4172-8BB5-E3E2F3045288}"/>
+                  <a16:creationId xmlns:a16="http://schemas.microsoft.com/office/drawing/2014/main" xmlns="" id="{203D6D70-B921-4172-8BB5-E3E2F3045288}"/>
                 </a:ext>
               </a:extLst>
             </p:cNvPr>
@@ -10939,9 +11241,7 @@
                 <a:gd name="adj" fmla="val 50000"/>
               </a:avLst>
             </a:prstGeom>
-            <a:solidFill>
-              <a:schemeClr val="tx1"/>
-            </a:solidFill>
+            <a:grpFill/>
             <a:ln>
               <a:solidFill>
                 <a:schemeClr val="tx1"/>
@@ -10975,10 +11275,10 @@
         </p:sp>
         <p:sp>
           <p:nvSpPr>
-            <p:cNvPr id="65" name="Rectangle 64">
+            <p:cNvPr id="140" name="Rectangle 139">
               <a:extLst>
                 <a:ext uri="{FF2B5EF4-FFF2-40B4-BE49-F238E27FC236}">
-                  <a16:creationId xmlns:a16="http://schemas.microsoft.com/office/drawing/2014/main" id="{8F9E3AED-DA06-41E3-B4CB-F98B313D387C}"/>
+                  <a16:creationId xmlns:a16="http://schemas.microsoft.com/office/drawing/2014/main" xmlns="" id="{8F9E3AED-DA06-41E3-B4CB-F98B313D387C}"/>
                 </a:ext>
               </a:extLst>
             </p:cNvPr>
@@ -10993,9 +11293,7 @@
             <a:prstGeom prst="rect">
               <a:avLst/>
             </a:prstGeom>
-            <a:solidFill>
-              <a:schemeClr val="tx1"/>
-            </a:solidFill>
+            <a:grpFill/>
             <a:ln>
               <a:solidFill>
                 <a:schemeClr val="tx1"/>
@@ -11030,10 +11328,10 @@
       </p:grpSp>
       <p:cxnSp>
         <p:nvCxnSpPr>
-          <p:cNvPr id="68" name="Straight Arrow Connector 67">
-            <a:extLst>
-              <a:ext uri="{FF2B5EF4-FFF2-40B4-BE49-F238E27FC236}">
-                <a16:creationId xmlns:a16="http://schemas.microsoft.com/office/drawing/2014/main" id="{D93FAD61-E741-499C-820D-AF2A26A6E4DB}"/>
+          <p:cNvPr id="141" name="Straight Arrow Connector 140">
+            <a:extLst>
+              <a:ext uri="{FF2B5EF4-FFF2-40B4-BE49-F238E27FC236}">
+                <a16:creationId xmlns:a16="http://schemas.microsoft.com/office/drawing/2014/main" xmlns="" id="{D93FAD61-E741-499C-820D-AF2A26A6E4DB}"/>
               </a:ext>
             </a:extLst>
           </p:cNvPr>
@@ -11044,7 +11342,7 @@
         </p:nvCxnSpPr>
         <p:spPr>
           <a:xfrm flipV="1">
-            <a:off x="9970095" y="1503379"/>
+            <a:off x="11822364" y="1503379"/>
             <a:ext cx="0" cy="1437376"/>
           </a:xfrm>
           <a:prstGeom prst="straightConnector1">
@@ -11052,7 +11350,7 @@
           </a:prstGeom>
           <a:ln w="76200">
             <a:solidFill>
-              <a:srgbClr val="000000"/>
+              <a:srgbClr val="FF0000"/>
             </a:solidFill>
             <a:prstDash val="sysDot"/>
             <a:headEnd type="none"/>
@@ -11076,10 +11374,10 @@
       </p:cxnSp>
       <p:sp>
         <p:nvSpPr>
-          <p:cNvPr id="69" name="TextBox 68">
-            <a:extLst>
-              <a:ext uri="{FF2B5EF4-FFF2-40B4-BE49-F238E27FC236}">
-                <a16:creationId xmlns:a16="http://schemas.microsoft.com/office/drawing/2014/main" id="{4E211EC3-F05E-4D22-B4D7-E50D6AC867AA}"/>
+          <p:cNvPr id="142" name="TextBox 141">
+            <a:extLst>
+              <a:ext uri="{FF2B5EF4-FFF2-40B4-BE49-F238E27FC236}">
+                <a16:creationId xmlns:a16="http://schemas.microsoft.com/office/drawing/2014/main" xmlns="" id="{4E211EC3-F05E-4D22-B4D7-E50D6AC867AA}"/>
               </a:ext>
             </a:extLst>
           </p:cNvPr>
@@ -11088,7 +11386,7 @@
         </p:nvSpPr>
         <p:spPr>
           <a:xfrm>
-            <a:off x="9465499" y="682551"/>
+            <a:off x="11317768" y="682551"/>
             <a:ext cx="1024062" cy="461665"/>
           </a:xfrm>
           <a:prstGeom prst="rect">
@@ -11123,10 +11421,10 @@
       </p:sp>
       <p:sp>
         <p:nvSpPr>
-          <p:cNvPr id="70" name="TextBox 69">
-            <a:extLst>
-              <a:ext uri="{FF2B5EF4-FFF2-40B4-BE49-F238E27FC236}">
-                <a16:creationId xmlns:a16="http://schemas.microsoft.com/office/drawing/2014/main" id="{F0193D04-3208-4F06-BBA2-FE37BC71626F}"/>
+          <p:cNvPr id="143" name="TextBox 142">
+            <a:extLst>
+              <a:ext uri="{FF2B5EF4-FFF2-40B4-BE49-F238E27FC236}">
+                <a16:creationId xmlns:a16="http://schemas.microsoft.com/office/drawing/2014/main" xmlns="" id="{F0193D04-3208-4F06-BBA2-FE37BC71626F}"/>
               </a:ext>
             </a:extLst>
           </p:cNvPr>
@@ -11135,7 +11433,7 @@
         </p:nvSpPr>
         <p:spPr>
           <a:xfrm>
-            <a:off x="5096277" y="2366644"/>
+            <a:off x="6948546" y="2366644"/>
             <a:ext cx="802510" cy="523220"/>
           </a:xfrm>
           <a:prstGeom prst="rect">
@@ -11166,10 +11464,10 @@
       </p:sp>
       <p:sp>
         <p:nvSpPr>
-          <p:cNvPr id="71" name="TextBox 70">
-            <a:extLst>
-              <a:ext uri="{FF2B5EF4-FFF2-40B4-BE49-F238E27FC236}">
-                <a16:creationId xmlns:a16="http://schemas.microsoft.com/office/drawing/2014/main" id="{F0193D04-3208-4F06-BBA2-FE37BC71626F}"/>
+          <p:cNvPr id="144" name="TextBox 143">
+            <a:extLst>
+              <a:ext uri="{FF2B5EF4-FFF2-40B4-BE49-F238E27FC236}">
+                <a16:creationId xmlns:a16="http://schemas.microsoft.com/office/drawing/2014/main" xmlns="" id="{F0193D04-3208-4F06-BBA2-FE37BC71626F}"/>
               </a:ext>
             </a:extLst>
           </p:cNvPr>
@@ -11178,7 +11476,7 @@
         </p:nvSpPr>
         <p:spPr>
           <a:xfrm>
-            <a:off x="8910243" y="1508158"/>
+            <a:off x="10762512" y="1508158"/>
             <a:ext cx="1087508" cy="523220"/>
           </a:xfrm>
           <a:prstGeom prst="rect">
@@ -11209,10 +11507,10 @@
       </p:sp>
       <p:sp>
         <p:nvSpPr>
-          <p:cNvPr id="92" name="Arrow: Chevron 51">
-            <a:extLst>
-              <a:ext uri="{FF2B5EF4-FFF2-40B4-BE49-F238E27FC236}">
-                <a16:creationId xmlns:a16="http://schemas.microsoft.com/office/drawing/2014/main" id="{842C5092-8294-4030-A526-A8C839E4F69D}"/>
+          <p:cNvPr id="145" name="Flowchart: Document 144">
+            <a:extLst>
+              <a:ext uri="{FF2B5EF4-FFF2-40B4-BE49-F238E27FC236}">
+                <a16:creationId xmlns:a16="http://schemas.microsoft.com/office/drawing/2014/main" xmlns="" id="{ADD36DBD-8DDC-434F-9125-A76A4D4E0292}"/>
               </a:ext>
             </a:extLst>
           </p:cNvPr>
@@ -11220,17 +11518,17 @@
           <p:nvPr/>
         </p:nvSpPr>
         <p:spPr>
-          <a:xfrm rot="5400000">
-            <a:off x="14532381" y="-6601077"/>
-            <a:ext cx="1085130" cy="1628250"/>
+          <a:xfrm>
+            <a:off x="2960537" y="2940756"/>
+            <a:ext cx="1831960" cy="976488"/>
           </a:xfrm>
-          <a:prstGeom prst="chevron">
-            <a:avLst>
-              <a:gd name="adj" fmla="val 21142"/>
-            </a:avLst>
+          <a:prstGeom prst="flowChartDocument">
+            <a:avLst/>
           </a:prstGeom>
           <a:solidFill>
-            <a:srgbClr val="000000"/>
+            <a:schemeClr val="accent6">
+              <a:lumMod val="50000"/>
+            </a:schemeClr>
           </a:solidFill>
           <a:ln>
             <a:noFill/>
@@ -11261,12 +11559,343 @@
           </a:p>
         </p:txBody>
       </p:sp>
-      <p:sp>
-        <p:nvSpPr>
-          <p:cNvPr id="93" name="Arrow: Chevron 51">
-            <a:extLst>
-              <a:ext uri="{FF2B5EF4-FFF2-40B4-BE49-F238E27FC236}">
-                <a16:creationId xmlns:a16="http://schemas.microsoft.com/office/drawing/2014/main" id="{842C5092-8294-4030-A526-A8C839E4F69D}"/>
+      <p:cxnSp>
+        <p:nvCxnSpPr>
+          <p:cNvPr id="146" name="Straight Arrow Connector 145">
+            <a:extLst>
+              <a:ext uri="{FF2B5EF4-FFF2-40B4-BE49-F238E27FC236}">
+                <a16:creationId xmlns:a16="http://schemas.microsoft.com/office/drawing/2014/main" xmlns="" id="{63C8345C-A17E-44D4-B240-B3C2E331255D}"/>
+              </a:ext>
+            </a:extLst>
+          </p:cNvPr>
+          <p:cNvCxnSpPr>
+            <a:cxnSpLocks/>
+          </p:cNvCxnSpPr>
+          <p:nvPr/>
+        </p:nvCxnSpPr>
+        <p:spPr>
+          <a:xfrm>
+            <a:off x="792594" y="3443756"/>
+            <a:ext cx="2156340" cy="0"/>
+          </a:xfrm>
+          <a:prstGeom prst="straightConnector1">
+            <a:avLst/>
+          </a:prstGeom>
+          <a:ln w="76200">
+            <a:solidFill>
+              <a:schemeClr val="accent6">
+                <a:lumMod val="50000"/>
+              </a:schemeClr>
+            </a:solidFill>
+            <a:prstDash val="dash"/>
+            <a:headEnd type="none"/>
+            <a:tailEnd type="triangle"/>
+          </a:ln>
+        </p:spPr>
+        <p:style>
+          <a:lnRef idx="1">
+            <a:schemeClr val="accent1"/>
+          </a:lnRef>
+          <a:fillRef idx="0">
+            <a:schemeClr val="accent1"/>
+          </a:fillRef>
+          <a:effectRef idx="0">
+            <a:schemeClr val="accent1"/>
+          </a:effectRef>
+          <a:fontRef idx="minor">
+            <a:schemeClr val="tx1"/>
+          </a:fontRef>
+        </p:style>
+      </p:cxnSp>
+      <p:sp>
+        <p:nvSpPr>
+          <p:cNvPr id="147" name="TextBox 146">
+            <a:extLst>
+              <a:ext uri="{FF2B5EF4-FFF2-40B4-BE49-F238E27FC236}">
+                <a16:creationId xmlns:a16="http://schemas.microsoft.com/office/drawing/2014/main" xmlns="" id="{1ADC0E6E-5955-4431-A055-13C603AF1C44}"/>
+              </a:ext>
+            </a:extLst>
+          </p:cNvPr>
+          <p:cNvSpPr txBox="1"/>
+          <p:nvPr/>
+        </p:nvSpPr>
+        <p:spPr>
+          <a:xfrm>
+            <a:off x="1705656" y="3547774"/>
+            <a:ext cx="1259278" cy="307777"/>
+          </a:xfrm>
+          <a:prstGeom prst="rect">
+            <a:avLst/>
+          </a:prstGeom>
+          <a:noFill/>
+        </p:spPr>
+        <p:txBody>
+          <a:bodyPr wrap="square" rtlCol="0">
+            <a:spAutoFit/>
+          </a:bodyPr>
+          <a:lstStyle/>
+          <a:p>
+            <a:pPr algn="r"/>
+            <a:r>
+              <a:rPr lang="en-GB" sz="1400" dirty="0"/>
+              <a:t>BG + Frame ►</a:t>
+            </a:r>
+          </a:p>
+        </p:txBody>
+      </p:sp>
+      <p:sp>
+        <p:nvSpPr>
+          <p:cNvPr id="148" name="TextBox 147">
+            <a:extLst>
+              <a:ext uri="{FF2B5EF4-FFF2-40B4-BE49-F238E27FC236}">
+                <a16:creationId xmlns:a16="http://schemas.microsoft.com/office/drawing/2014/main" xmlns="" id="{ED06F2CA-B022-4B57-93BA-3A4A5FD519CB}"/>
+              </a:ext>
+            </a:extLst>
+          </p:cNvPr>
+          <p:cNvSpPr txBox="1"/>
+          <p:nvPr/>
+        </p:nvSpPr>
+        <p:spPr>
+          <a:xfrm>
+            <a:off x="3332613" y="3212923"/>
+            <a:ext cx="1005212" cy="461665"/>
+          </a:xfrm>
+          <a:prstGeom prst="rect">
+            <a:avLst/>
+          </a:prstGeom>
+          <a:noFill/>
+        </p:spPr>
+        <p:txBody>
+          <a:bodyPr wrap="none" rtlCol="0">
+            <a:spAutoFit/>
+          </a:bodyPr>
+          <a:lstStyle/>
+          <a:p>
+            <a:pPr algn="ctr"/>
+            <a:r>
+              <a:rPr lang="en-GB" sz="2400" b="1" dirty="0" smtClean="0">
+                <a:solidFill>
+                  <a:schemeClr val="bg2"/>
+                </a:solidFill>
+                <a:effectLst>
+                  <a:glow rad="101600">
+                    <a:schemeClr val="tx1">
+                      <a:alpha val="60000"/>
+                    </a:schemeClr>
+                  </a:glow>
+                </a:effectLst>
+              </a:rPr>
+              <a:t>Server</a:t>
+            </a:r>
+            <a:endParaRPr lang="en-GB" sz="2400" b="1" dirty="0">
+              <a:solidFill>
+                <a:schemeClr val="bg2"/>
+              </a:solidFill>
+              <a:effectLst>
+                <a:glow rad="101600">
+                  <a:schemeClr val="tx1">
+                    <a:alpha val="60000"/>
+                  </a:schemeClr>
+                </a:glow>
+              </a:effectLst>
+            </a:endParaRPr>
+          </a:p>
+        </p:txBody>
+      </p:sp>
+      <p:graphicFrame>
+        <p:nvGraphicFramePr>
+          <p:cNvPr id="10" name="Table 9"/>
+          <p:cNvGraphicFramePr>
+            <a:graphicFrameLocks noGrp="1"/>
+          </p:cNvGraphicFramePr>
+          <p:nvPr>
+            <p:extLst>
+              <p:ext uri="{D42A27DB-BD31-4B8C-83A1-F6EECF244321}">
+                <p14:modId xmlns:p14="http://schemas.microsoft.com/office/powerpoint/2010/main" val="3761072484"/>
+              </p:ext>
+            </p:extLst>
+          </p:nvPr>
+        </p:nvGraphicFramePr>
+        <p:xfrm>
+          <a:off x="2114864" y="938"/>
+          <a:ext cx="3576404" cy="2123440"/>
+        </p:xfrm>
+        <a:graphic>
+          <a:graphicData uri="http://schemas.openxmlformats.org/drawingml/2006/table">
+            <a:tbl>
+              <a:tblPr firstRow="1" bandRow="1">
+                <a:tableStyleId>{5202B0CA-FC54-4496-8BCA-5EF66A818D29}</a:tableStyleId>
+              </a:tblPr>
+              <a:tblGrid>
+                <a:gridCol w="1788202"/>
+                <a:gridCol w="1788202"/>
+              </a:tblGrid>
+              <a:tr h="370840">
+                <a:tc>
+                  <a:txBody>
+                    <a:bodyPr/>
+                    <a:lstStyle/>
+                    <a:p>
+                      <a:r>
+                        <a:rPr lang="en-GB" dirty="0" smtClean="0"/>
+                        <a:t>Type</a:t>
+                      </a:r>
+                      <a:endParaRPr lang="en-GB" dirty="0"/>
+                    </a:p>
+                  </a:txBody>
+                  <a:tcPr/>
+                </a:tc>
+                <a:tc>
+                  <a:txBody>
+                    <a:bodyPr/>
+                    <a:lstStyle/>
+                    <a:p>
+                      <a:r>
+                        <a:rPr lang="en-GB" dirty="0" smtClean="0"/>
+                        <a:t>Meaning</a:t>
+                      </a:r>
+                      <a:endParaRPr lang="en-GB" dirty="0"/>
+                    </a:p>
+                  </a:txBody>
+                  <a:tcPr/>
+                </a:tc>
+              </a:tr>
+              <a:tr h="370840">
+                <a:tc>
+                  <a:txBody>
+                    <a:bodyPr/>
+                    <a:lstStyle/>
+                    <a:p>
+                      <a:r>
+                        <a:rPr lang="en-GB" dirty="0" smtClean="0"/>
+                        <a:t>Arrow</a:t>
+                      </a:r>
+                      <a:endParaRPr lang="en-GB" dirty="0"/>
+                    </a:p>
+                  </a:txBody>
+                  <a:tcPr/>
+                </a:tc>
+                <a:tc>
+                  <a:txBody>
+                    <a:bodyPr/>
+                    <a:lstStyle/>
+                    <a:p>
+                      <a:r>
+                        <a:rPr lang="en-GB" dirty="0" smtClean="0"/>
+                        <a:t>Data Transfer</a:t>
+                      </a:r>
+                      <a:endParaRPr lang="en-GB" dirty="0"/>
+                    </a:p>
+                  </a:txBody>
+                  <a:tcPr/>
+                </a:tc>
+              </a:tr>
+              <a:tr h="370840">
+                <a:tc>
+                  <a:txBody>
+                    <a:bodyPr/>
+                    <a:lstStyle/>
+                    <a:p>
+                      <a:r>
+                        <a:rPr lang="en-GB" dirty="0" smtClean="0"/>
+                        <a:t>Red</a:t>
+                      </a:r>
+                      <a:endParaRPr lang="en-GB" dirty="0"/>
+                    </a:p>
+                  </a:txBody>
+                  <a:tcPr/>
+                </a:tc>
+                <a:tc>
+                  <a:txBody>
+                    <a:bodyPr/>
+                    <a:lstStyle/>
+                    <a:p>
+                      <a:r>
+                        <a:rPr lang="en-GB" dirty="0" smtClean="0"/>
+                        <a:t>Not Started</a:t>
+                      </a:r>
+                      <a:endParaRPr lang="en-GB" dirty="0"/>
+                    </a:p>
+                  </a:txBody>
+                  <a:tcPr/>
+                </a:tc>
+              </a:tr>
+              <a:tr h="370840">
+                <a:tc>
+                  <a:txBody>
+                    <a:bodyPr/>
+                    <a:lstStyle/>
+                    <a:p>
+                      <a:r>
+                        <a:rPr lang="en-GB" dirty="0" smtClean="0"/>
+                        <a:t>Yellow</a:t>
+                      </a:r>
+                      <a:endParaRPr lang="en-GB" dirty="0"/>
+                    </a:p>
+                  </a:txBody>
+                  <a:tcPr/>
+                </a:tc>
+                <a:tc>
+                  <a:txBody>
+                    <a:bodyPr/>
+                    <a:lstStyle/>
+                    <a:p>
+                      <a:r>
+                        <a:rPr lang="en-GB" dirty="0" smtClean="0"/>
+                        <a:t>Code Available</a:t>
+                      </a:r>
+                    </a:p>
+                    <a:p>
+                      <a:r>
+                        <a:rPr lang="en-GB" dirty="0" smtClean="0"/>
+                        <a:t>Not Automated</a:t>
+                      </a:r>
+                      <a:endParaRPr lang="en-GB" dirty="0"/>
+                    </a:p>
+                  </a:txBody>
+                  <a:tcPr/>
+                </a:tc>
+              </a:tr>
+              <a:tr h="370840">
+                <a:tc>
+                  <a:txBody>
+                    <a:bodyPr/>
+                    <a:lstStyle/>
+                    <a:p>
+                      <a:r>
+                        <a:rPr lang="en-GB" dirty="0" smtClean="0"/>
+                        <a:t>Green</a:t>
+                      </a:r>
+                      <a:endParaRPr lang="en-GB" dirty="0"/>
+                    </a:p>
+                  </a:txBody>
+                  <a:tcPr/>
+                </a:tc>
+                <a:tc>
+                  <a:txBody>
+                    <a:bodyPr/>
+                    <a:lstStyle/>
+                    <a:p>
+                      <a:r>
+                        <a:rPr lang="en-GB" dirty="0" smtClean="0"/>
+                        <a:t>Automated</a:t>
+                      </a:r>
+                      <a:endParaRPr lang="en-GB" dirty="0"/>
+                    </a:p>
+                  </a:txBody>
+                  <a:tcPr/>
+                </a:tc>
+              </a:tr>
+            </a:tbl>
+          </a:graphicData>
+        </a:graphic>
+      </p:graphicFrame>
+      <p:sp>
+        <p:nvSpPr>
+          <p:cNvPr id="177" name="Right Triangle 176">
+            <a:extLst>
+              <a:ext uri="{FF2B5EF4-FFF2-40B4-BE49-F238E27FC236}">
+                <a16:creationId xmlns:a16="http://schemas.microsoft.com/office/drawing/2014/main" xmlns="" id="{464F1B2E-5DF7-46D5-BDFC-472B9191165F}"/>
               </a:ext>
             </a:extLst>
           </p:cNvPr>
@@ -11274,17 +11903,17 @@
           <p:nvPr/>
         </p:nvSpPr>
         <p:spPr>
-          <a:xfrm rot="5400000">
-            <a:off x="-3751547" y="-6601077"/>
-            <a:ext cx="1085130" cy="1628250"/>
+          <a:xfrm>
+            <a:off x="-954677" y="497757"/>
+            <a:ext cx="1684684" cy="894643"/>
           </a:xfrm>
-          <a:prstGeom prst="chevron">
-            <a:avLst>
-              <a:gd name="adj" fmla="val 21142"/>
-            </a:avLst>
+          <a:prstGeom prst="rtTriangle">
+            <a:avLst/>
           </a:prstGeom>
           <a:solidFill>
-            <a:srgbClr val="000000"/>
+            <a:schemeClr val="accent6">
+              <a:lumMod val="50000"/>
+            </a:schemeClr>
           </a:solidFill>
           <a:ln>
             <a:noFill/>
@@ -11317,109 +11946,48 @@
       </p:sp>
       <p:sp>
         <p:nvSpPr>
-          <p:cNvPr id="94" name="Arrow: Chevron 51">
-            <a:extLst>
-              <a:ext uri="{FF2B5EF4-FFF2-40B4-BE49-F238E27FC236}">
-                <a16:creationId xmlns:a16="http://schemas.microsoft.com/office/drawing/2014/main" id="{842C5092-8294-4030-A526-A8C839E4F69D}"/>
-              </a:ext>
-            </a:extLst>
-          </p:cNvPr>
-          <p:cNvSpPr/>
+          <p:cNvPr id="163" name="TextBox 162">
+            <a:extLst>
+              <a:ext uri="{FF2B5EF4-FFF2-40B4-BE49-F238E27FC236}">
+                <a16:creationId xmlns:a16="http://schemas.microsoft.com/office/drawing/2014/main" xmlns="" id="{C9845309-04CD-46F6-826C-E8307EB2CC9D}"/>
+              </a:ext>
+            </a:extLst>
+          </p:cNvPr>
+          <p:cNvSpPr txBox="1"/>
           <p:nvPr/>
         </p:nvSpPr>
         <p:spPr>
-          <a:xfrm rot="5400000">
-            <a:off x="14532381" y="13751698"/>
-            <a:ext cx="1085130" cy="1628250"/>
+          <a:xfrm>
+            <a:off x="-692622" y="718247"/>
+            <a:ext cx="1160574" cy="461665"/>
           </a:xfrm>
-          <a:prstGeom prst="chevron">
-            <a:avLst>
-              <a:gd name="adj" fmla="val 21142"/>
-            </a:avLst>
+          <a:prstGeom prst="rect">
+            <a:avLst/>
           </a:prstGeom>
-          <a:solidFill>
-            <a:srgbClr val="000000"/>
-          </a:solidFill>
-          <a:ln>
-            <a:noFill/>
-          </a:ln>
+          <a:noFill/>
         </p:spPr>
-        <p:style>
-          <a:lnRef idx="2">
-            <a:schemeClr val="accent1">
-              <a:shade val="50000"/>
-            </a:schemeClr>
-          </a:lnRef>
-          <a:fillRef idx="1">
-            <a:schemeClr val="accent1"/>
-          </a:fillRef>
-          <a:effectRef idx="0">
-            <a:schemeClr val="accent1"/>
-          </a:effectRef>
-          <a:fontRef idx="minor">
-            <a:schemeClr val="lt1"/>
-          </a:fontRef>
-        </p:style>
-        <p:txBody>
-          <a:bodyPr rtlCol="0" anchor="ctr"/>
+        <p:txBody>
+          <a:bodyPr wrap="none" rtlCol="0">
+            <a:spAutoFit/>
+          </a:bodyPr>
           <a:lstStyle/>
           <a:p>
             <a:pPr algn="ctr"/>
-            <a:endParaRPr lang="en-GB" dirty="0"/>
-          </a:p>
-        </p:txBody>
-      </p:sp>
-      <p:sp>
-        <p:nvSpPr>
-          <p:cNvPr id="95" name="Arrow: Chevron 51">
-            <a:extLst>
-              <a:ext uri="{FF2B5EF4-FFF2-40B4-BE49-F238E27FC236}">
-                <a16:creationId xmlns:a16="http://schemas.microsoft.com/office/drawing/2014/main" id="{842C5092-8294-4030-A526-A8C839E4F69D}"/>
-              </a:ext>
-            </a:extLst>
-          </p:cNvPr>
-          <p:cNvSpPr/>
-          <p:nvPr/>
-        </p:nvSpPr>
-        <p:spPr>
-          <a:xfrm rot="5400000">
-            <a:off x="-3751547" y="13751698"/>
-            <a:ext cx="1085130" cy="1628250"/>
-          </a:xfrm>
-          <a:prstGeom prst="chevron">
-            <a:avLst>
-              <a:gd name="adj" fmla="val 21142"/>
-            </a:avLst>
-          </a:prstGeom>
-          <a:solidFill>
-            <a:srgbClr val="000000"/>
-          </a:solidFill>
-          <a:ln>
-            <a:noFill/>
-          </a:ln>
-        </p:spPr>
-        <p:style>
-          <a:lnRef idx="2">
-            <a:schemeClr val="accent1">
-              <a:shade val="50000"/>
-            </a:schemeClr>
-          </a:lnRef>
-          <a:fillRef idx="1">
-            <a:schemeClr val="accent1"/>
-          </a:fillRef>
-          <a:effectRef idx="0">
-            <a:schemeClr val="accent1"/>
-          </a:effectRef>
-          <a:fontRef idx="minor">
-            <a:schemeClr val="lt1"/>
-          </a:fontRef>
-        </p:style>
-        <p:txBody>
-          <a:bodyPr rtlCol="0" anchor="ctr"/>
-          <a:lstStyle/>
-          <a:p>
-            <a:pPr algn="ctr"/>
-            <a:endParaRPr lang="en-GB" dirty="0"/>
+            <a:r>
+              <a:rPr lang="en-GB" sz="2400" b="1" dirty="0">
+                <a:solidFill>
+                  <a:schemeClr val="bg2"/>
+                </a:solidFill>
+                <a:effectLst>
+                  <a:glow rad="101600">
+                    <a:schemeClr val="tx1">
+                      <a:alpha val="60000"/>
+                    </a:schemeClr>
+                  </a:glow>
+                </a:effectLst>
+              </a:rPr>
+              <a:t>Camera</a:t>
+            </a:r>
           </a:p>
         </p:txBody>
       </p:sp>
@@ -11458,7 +12026,7 @@
           <p:cNvPr id="2" name="Title 1">
             <a:extLst>
               <a:ext uri="{FF2B5EF4-FFF2-40B4-BE49-F238E27FC236}">
-                <a16:creationId xmlns:a16="http://schemas.microsoft.com/office/drawing/2014/main" id="{CF3E6105-1016-4545-9A5C-12F8198CBBCC}"/>
+                <a16:creationId xmlns:a16="http://schemas.microsoft.com/office/drawing/2014/main" xmlns="" id="{CF3E6105-1016-4545-9A5C-12F8198CBBCC}"/>
               </a:ext>
             </a:extLst>
           </p:cNvPr>
@@ -11486,7 +12054,7 @@
           <p:cNvPr id="3" name="Content Placeholder 2">
             <a:extLst>
               <a:ext uri="{FF2B5EF4-FFF2-40B4-BE49-F238E27FC236}">
-                <a16:creationId xmlns:a16="http://schemas.microsoft.com/office/drawing/2014/main" id="{3627C162-825A-40CD-876F-EC9F360A9B55}"/>
+                <a16:creationId xmlns:a16="http://schemas.microsoft.com/office/drawing/2014/main" xmlns="" id="{3627C162-825A-40CD-876F-EC9F360A9B55}"/>
               </a:ext>
             </a:extLst>
           </p:cNvPr>
@@ -11615,7 +12183,7 @@
           <p:cNvPr id="4" name="Content Placeholder 2">
             <a:extLst>
               <a:ext uri="{FF2B5EF4-FFF2-40B4-BE49-F238E27FC236}">
-                <a16:creationId xmlns:a16="http://schemas.microsoft.com/office/drawing/2014/main" id="{699ADA44-6943-485A-9787-04ED219459C0}"/>
+                <a16:creationId xmlns:a16="http://schemas.microsoft.com/office/drawing/2014/main" xmlns="" id="{699ADA44-6943-485A-9787-04ED219459C0}"/>
               </a:ext>
             </a:extLst>
           </p:cNvPr>

--- a/Visual Plan.pptx
+++ b/Visual Plan.pptx
@@ -13,8 +13,10 @@
     <p:sldId id="263" r:id="rId7"/>
     <p:sldId id="264" r:id="rId8"/>
     <p:sldId id="265" r:id="rId9"/>
-    <p:sldId id="267" r:id="rId10"/>
-    <p:sldId id="266" r:id="rId11"/>
+    <p:sldId id="268" r:id="rId10"/>
+    <p:sldId id="269" r:id="rId11"/>
+    <p:sldId id="267" r:id="rId12"/>
+    <p:sldId id="266" r:id="rId13"/>
   </p:sldIdLst>
   <p:sldSz cx="12192000" cy="6858000"/>
   <p:notesSz cx="6858000" cy="9144000"/>
@@ -143,7 +145,7 @@
           <p:cNvPr id="2" name="Title 1">
             <a:extLst>
               <a:ext uri="{FF2B5EF4-FFF2-40B4-BE49-F238E27FC236}">
-                <a16:creationId xmlns:a16="http://schemas.microsoft.com/office/drawing/2014/main" xmlns="" id="{43893EEA-2329-4BD0-B478-739A6C7ABCF0}"/>
+                <a16:creationId xmlns:a16="http://schemas.microsoft.com/office/drawing/2014/main" id="{43893EEA-2329-4BD0-B478-739A6C7ABCF0}"/>
               </a:ext>
             </a:extLst>
           </p:cNvPr>
@@ -181,7 +183,7 @@
           <p:cNvPr id="3" name="Subtitle 2">
             <a:extLst>
               <a:ext uri="{FF2B5EF4-FFF2-40B4-BE49-F238E27FC236}">
-                <a16:creationId xmlns:a16="http://schemas.microsoft.com/office/drawing/2014/main" xmlns="" id="{531605D0-F659-4B16-AC48-FAB20C96C441}"/>
+                <a16:creationId xmlns:a16="http://schemas.microsoft.com/office/drawing/2014/main" id="{531605D0-F659-4B16-AC48-FAB20C96C441}"/>
               </a:ext>
             </a:extLst>
           </p:cNvPr>
@@ -252,7 +254,7 @@
           <p:cNvPr id="4" name="Date Placeholder 3">
             <a:extLst>
               <a:ext uri="{FF2B5EF4-FFF2-40B4-BE49-F238E27FC236}">
-                <a16:creationId xmlns:a16="http://schemas.microsoft.com/office/drawing/2014/main" xmlns="" id="{93D4AC05-CC9D-42D0-84E8-09581B533C5C}"/>
+                <a16:creationId xmlns:a16="http://schemas.microsoft.com/office/drawing/2014/main" id="{93D4AC05-CC9D-42D0-84E8-09581B533C5C}"/>
               </a:ext>
             </a:extLst>
           </p:cNvPr>
@@ -270,7 +272,7 @@
           <a:p>
             <a:fld id="{5F9021A5-5D2C-4FF7-8FBA-B61BDE30AE1B}" type="datetimeFigureOut">
               <a:rPr lang="en-GB" smtClean="0"/>
-              <a:t>25/01/2019</a:t>
+              <a:t>29/01/2019</a:t>
             </a:fld>
             <a:endParaRPr lang="en-GB" dirty="0"/>
           </a:p>
@@ -281,7 +283,7 @@
           <p:cNvPr id="5" name="Footer Placeholder 4">
             <a:extLst>
               <a:ext uri="{FF2B5EF4-FFF2-40B4-BE49-F238E27FC236}">
-                <a16:creationId xmlns:a16="http://schemas.microsoft.com/office/drawing/2014/main" xmlns="" id="{46743398-C54D-4A57-BF5E-2F9CCBF7AD8E}"/>
+                <a16:creationId xmlns:a16="http://schemas.microsoft.com/office/drawing/2014/main" id="{46743398-C54D-4A57-BF5E-2F9CCBF7AD8E}"/>
               </a:ext>
             </a:extLst>
           </p:cNvPr>
@@ -306,7 +308,7 @@
           <p:cNvPr id="6" name="Slide Number Placeholder 5">
             <a:extLst>
               <a:ext uri="{FF2B5EF4-FFF2-40B4-BE49-F238E27FC236}">
-                <a16:creationId xmlns:a16="http://schemas.microsoft.com/office/drawing/2014/main" xmlns="" id="{293D33B5-B583-4617-A9FB-E821C101CC1C}"/>
+                <a16:creationId xmlns:a16="http://schemas.microsoft.com/office/drawing/2014/main" id="{293D33B5-B583-4617-A9FB-E821C101CC1C}"/>
               </a:ext>
             </a:extLst>
           </p:cNvPr>
@@ -365,7 +367,7 @@
           <p:cNvPr id="2" name="Title 1">
             <a:extLst>
               <a:ext uri="{FF2B5EF4-FFF2-40B4-BE49-F238E27FC236}">
-                <a16:creationId xmlns:a16="http://schemas.microsoft.com/office/drawing/2014/main" xmlns="" id="{314ADEF8-05FE-4481-A0CD-4171AAE11D48}"/>
+                <a16:creationId xmlns:a16="http://schemas.microsoft.com/office/drawing/2014/main" id="{314ADEF8-05FE-4481-A0CD-4171AAE11D48}"/>
               </a:ext>
             </a:extLst>
           </p:cNvPr>
@@ -394,7 +396,7 @@
           <p:cNvPr id="3" name="Vertical Text Placeholder 2">
             <a:extLst>
               <a:ext uri="{FF2B5EF4-FFF2-40B4-BE49-F238E27FC236}">
-                <a16:creationId xmlns:a16="http://schemas.microsoft.com/office/drawing/2014/main" xmlns="" id="{5E908463-0914-4437-A47B-D68282B6FB8C}"/>
+                <a16:creationId xmlns:a16="http://schemas.microsoft.com/office/drawing/2014/main" id="{5E908463-0914-4437-A47B-D68282B6FB8C}"/>
               </a:ext>
             </a:extLst>
           </p:cNvPr>
@@ -452,7 +454,7 @@
           <p:cNvPr id="4" name="Date Placeholder 3">
             <a:extLst>
               <a:ext uri="{FF2B5EF4-FFF2-40B4-BE49-F238E27FC236}">
-                <a16:creationId xmlns:a16="http://schemas.microsoft.com/office/drawing/2014/main" xmlns="" id="{81D83EF5-AF96-4C6C-B681-1D0F9EA551CA}"/>
+                <a16:creationId xmlns:a16="http://schemas.microsoft.com/office/drawing/2014/main" id="{81D83EF5-AF96-4C6C-B681-1D0F9EA551CA}"/>
               </a:ext>
             </a:extLst>
           </p:cNvPr>
@@ -470,7 +472,7 @@
           <a:p>
             <a:fld id="{5F9021A5-5D2C-4FF7-8FBA-B61BDE30AE1B}" type="datetimeFigureOut">
               <a:rPr lang="en-GB" smtClean="0"/>
-              <a:t>25/01/2019</a:t>
+              <a:t>29/01/2019</a:t>
             </a:fld>
             <a:endParaRPr lang="en-GB" dirty="0"/>
           </a:p>
@@ -481,7 +483,7 @@
           <p:cNvPr id="5" name="Footer Placeholder 4">
             <a:extLst>
               <a:ext uri="{FF2B5EF4-FFF2-40B4-BE49-F238E27FC236}">
-                <a16:creationId xmlns:a16="http://schemas.microsoft.com/office/drawing/2014/main" xmlns="" id="{879BFB5F-577E-4981-9AE6-B24D3E539B48}"/>
+                <a16:creationId xmlns:a16="http://schemas.microsoft.com/office/drawing/2014/main" id="{879BFB5F-577E-4981-9AE6-B24D3E539B48}"/>
               </a:ext>
             </a:extLst>
           </p:cNvPr>
@@ -506,7 +508,7 @@
           <p:cNvPr id="6" name="Slide Number Placeholder 5">
             <a:extLst>
               <a:ext uri="{FF2B5EF4-FFF2-40B4-BE49-F238E27FC236}">
-                <a16:creationId xmlns:a16="http://schemas.microsoft.com/office/drawing/2014/main" xmlns="" id="{D7820A4B-1CBA-4F7A-80C2-D60C2D0EF088}"/>
+                <a16:creationId xmlns:a16="http://schemas.microsoft.com/office/drawing/2014/main" id="{D7820A4B-1CBA-4F7A-80C2-D60C2D0EF088}"/>
               </a:ext>
             </a:extLst>
           </p:cNvPr>
@@ -565,7 +567,7 @@
           <p:cNvPr id="2" name="Vertical Title 1">
             <a:extLst>
               <a:ext uri="{FF2B5EF4-FFF2-40B4-BE49-F238E27FC236}">
-                <a16:creationId xmlns:a16="http://schemas.microsoft.com/office/drawing/2014/main" xmlns="" id="{DB1495EA-AD95-4217-ADFE-C74EE06F7230}"/>
+                <a16:creationId xmlns:a16="http://schemas.microsoft.com/office/drawing/2014/main" id="{DB1495EA-AD95-4217-ADFE-C74EE06F7230}"/>
               </a:ext>
             </a:extLst>
           </p:cNvPr>
@@ -599,7 +601,7 @@
           <p:cNvPr id="3" name="Vertical Text Placeholder 2">
             <a:extLst>
               <a:ext uri="{FF2B5EF4-FFF2-40B4-BE49-F238E27FC236}">
-                <a16:creationId xmlns:a16="http://schemas.microsoft.com/office/drawing/2014/main" xmlns="" id="{48459CC8-1F49-4AD5-B4F5-DE425DE64018}"/>
+                <a16:creationId xmlns:a16="http://schemas.microsoft.com/office/drawing/2014/main" id="{48459CC8-1F49-4AD5-B4F5-DE425DE64018}"/>
               </a:ext>
             </a:extLst>
           </p:cNvPr>
@@ -662,7 +664,7 @@
           <p:cNvPr id="4" name="Date Placeholder 3">
             <a:extLst>
               <a:ext uri="{FF2B5EF4-FFF2-40B4-BE49-F238E27FC236}">
-                <a16:creationId xmlns:a16="http://schemas.microsoft.com/office/drawing/2014/main" xmlns="" id="{646BFF7C-62E9-445A-AA43-951D025A0B29}"/>
+                <a16:creationId xmlns:a16="http://schemas.microsoft.com/office/drawing/2014/main" id="{646BFF7C-62E9-445A-AA43-951D025A0B29}"/>
               </a:ext>
             </a:extLst>
           </p:cNvPr>
@@ -680,7 +682,7 @@
           <a:p>
             <a:fld id="{5F9021A5-5D2C-4FF7-8FBA-B61BDE30AE1B}" type="datetimeFigureOut">
               <a:rPr lang="en-GB" smtClean="0"/>
-              <a:t>25/01/2019</a:t>
+              <a:t>29/01/2019</a:t>
             </a:fld>
             <a:endParaRPr lang="en-GB" dirty="0"/>
           </a:p>
@@ -691,7 +693,7 @@
           <p:cNvPr id="5" name="Footer Placeholder 4">
             <a:extLst>
               <a:ext uri="{FF2B5EF4-FFF2-40B4-BE49-F238E27FC236}">
-                <a16:creationId xmlns:a16="http://schemas.microsoft.com/office/drawing/2014/main" xmlns="" id="{3F3DF7E9-367F-4DF0-B4C9-6DB26AA61F6F}"/>
+                <a16:creationId xmlns:a16="http://schemas.microsoft.com/office/drawing/2014/main" id="{3F3DF7E9-367F-4DF0-B4C9-6DB26AA61F6F}"/>
               </a:ext>
             </a:extLst>
           </p:cNvPr>
@@ -716,7 +718,7 @@
           <p:cNvPr id="6" name="Slide Number Placeholder 5">
             <a:extLst>
               <a:ext uri="{FF2B5EF4-FFF2-40B4-BE49-F238E27FC236}">
-                <a16:creationId xmlns:a16="http://schemas.microsoft.com/office/drawing/2014/main" xmlns="" id="{636A9102-5136-4872-BE70-EC792DFF0419}"/>
+                <a16:creationId xmlns:a16="http://schemas.microsoft.com/office/drawing/2014/main" id="{636A9102-5136-4872-BE70-EC792DFF0419}"/>
               </a:ext>
             </a:extLst>
           </p:cNvPr>
@@ -775,7 +777,7 @@
           <p:cNvPr id="2" name="Title 1">
             <a:extLst>
               <a:ext uri="{FF2B5EF4-FFF2-40B4-BE49-F238E27FC236}">
-                <a16:creationId xmlns:a16="http://schemas.microsoft.com/office/drawing/2014/main" xmlns="" id="{ED3170B7-C55B-43D2-87DB-7F752FE3F129}"/>
+                <a16:creationId xmlns:a16="http://schemas.microsoft.com/office/drawing/2014/main" id="{ED3170B7-C55B-43D2-87DB-7F752FE3F129}"/>
               </a:ext>
             </a:extLst>
           </p:cNvPr>
@@ -804,7 +806,7 @@
           <p:cNvPr id="3" name="Content Placeholder 2">
             <a:extLst>
               <a:ext uri="{FF2B5EF4-FFF2-40B4-BE49-F238E27FC236}">
-                <a16:creationId xmlns:a16="http://schemas.microsoft.com/office/drawing/2014/main" xmlns="" id="{EBEFDF05-3DA5-468F-9962-9DEBFA346A5E}"/>
+                <a16:creationId xmlns:a16="http://schemas.microsoft.com/office/drawing/2014/main" id="{EBEFDF05-3DA5-468F-9962-9DEBFA346A5E}"/>
               </a:ext>
             </a:extLst>
           </p:cNvPr>
@@ -862,7 +864,7 @@
           <p:cNvPr id="4" name="Date Placeholder 3">
             <a:extLst>
               <a:ext uri="{FF2B5EF4-FFF2-40B4-BE49-F238E27FC236}">
-                <a16:creationId xmlns:a16="http://schemas.microsoft.com/office/drawing/2014/main" xmlns="" id="{4C6D3837-121B-454C-9B58-89764A7CDCF4}"/>
+                <a16:creationId xmlns:a16="http://schemas.microsoft.com/office/drawing/2014/main" id="{4C6D3837-121B-454C-9B58-89764A7CDCF4}"/>
               </a:ext>
             </a:extLst>
           </p:cNvPr>
@@ -880,7 +882,7 @@
           <a:p>
             <a:fld id="{5F9021A5-5D2C-4FF7-8FBA-B61BDE30AE1B}" type="datetimeFigureOut">
               <a:rPr lang="en-GB" smtClean="0"/>
-              <a:t>25/01/2019</a:t>
+              <a:t>29/01/2019</a:t>
             </a:fld>
             <a:endParaRPr lang="en-GB" dirty="0"/>
           </a:p>
@@ -891,7 +893,7 @@
           <p:cNvPr id="5" name="Footer Placeholder 4">
             <a:extLst>
               <a:ext uri="{FF2B5EF4-FFF2-40B4-BE49-F238E27FC236}">
-                <a16:creationId xmlns:a16="http://schemas.microsoft.com/office/drawing/2014/main" xmlns="" id="{92837F7C-94A1-499C-B0B9-FEB23234D3A1}"/>
+                <a16:creationId xmlns:a16="http://schemas.microsoft.com/office/drawing/2014/main" id="{92837F7C-94A1-499C-B0B9-FEB23234D3A1}"/>
               </a:ext>
             </a:extLst>
           </p:cNvPr>
@@ -916,7 +918,7 @@
           <p:cNvPr id="6" name="Slide Number Placeholder 5">
             <a:extLst>
               <a:ext uri="{FF2B5EF4-FFF2-40B4-BE49-F238E27FC236}">
-                <a16:creationId xmlns:a16="http://schemas.microsoft.com/office/drawing/2014/main" xmlns="" id="{5A9AB361-1F50-493B-9CEA-1C308245FCAC}"/>
+                <a16:creationId xmlns:a16="http://schemas.microsoft.com/office/drawing/2014/main" id="{5A9AB361-1F50-493B-9CEA-1C308245FCAC}"/>
               </a:ext>
             </a:extLst>
           </p:cNvPr>
@@ -975,7 +977,7 @@
           <p:cNvPr id="2" name="Title 1">
             <a:extLst>
               <a:ext uri="{FF2B5EF4-FFF2-40B4-BE49-F238E27FC236}">
-                <a16:creationId xmlns:a16="http://schemas.microsoft.com/office/drawing/2014/main" xmlns="" id="{A17FBDA1-9A04-4813-999D-D3EF005F657B}"/>
+                <a16:creationId xmlns:a16="http://schemas.microsoft.com/office/drawing/2014/main" id="{A17FBDA1-9A04-4813-999D-D3EF005F657B}"/>
               </a:ext>
             </a:extLst>
           </p:cNvPr>
@@ -1013,7 +1015,7 @@
           <p:cNvPr id="3" name="Text Placeholder 2">
             <a:extLst>
               <a:ext uri="{FF2B5EF4-FFF2-40B4-BE49-F238E27FC236}">
-                <a16:creationId xmlns:a16="http://schemas.microsoft.com/office/drawing/2014/main" xmlns="" id="{49A7C322-5A28-4763-9759-05815EBAF58D}"/>
+                <a16:creationId xmlns:a16="http://schemas.microsoft.com/office/drawing/2014/main" id="{49A7C322-5A28-4763-9759-05815EBAF58D}"/>
               </a:ext>
             </a:extLst>
           </p:cNvPr>
@@ -1138,7 +1140,7 @@
           <p:cNvPr id="4" name="Date Placeholder 3">
             <a:extLst>
               <a:ext uri="{FF2B5EF4-FFF2-40B4-BE49-F238E27FC236}">
-                <a16:creationId xmlns:a16="http://schemas.microsoft.com/office/drawing/2014/main" xmlns="" id="{43B08A97-8825-4B0E-B6FA-C30D395BE6D1}"/>
+                <a16:creationId xmlns:a16="http://schemas.microsoft.com/office/drawing/2014/main" id="{43B08A97-8825-4B0E-B6FA-C30D395BE6D1}"/>
               </a:ext>
             </a:extLst>
           </p:cNvPr>
@@ -1156,7 +1158,7 @@
           <a:p>
             <a:fld id="{5F9021A5-5D2C-4FF7-8FBA-B61BDE30AE1B}" type="datetimeFigureOut">
               <a:rPr lang="en-GB" smtClean="0"/>
-              <a:t>25/01/2019</a:t>
+              <a:t>29/01/2019</a:t>
             </a:fld>
             <a:endParaRPr lang="en-GB" dirty="0"/>
           </a:p>
@@ -1167,7 +1169,7 @@
           <p:cNvPr id="5" name="Footer Placeholder 4">
             <a:extLst>
               <a:ext uri="{FF2B5EF4-FFF2-40B4-BE49-F238E27FC236}">
-                <a16:creationId xmlns:a16="http://schemas.microsoft.com/office/drawing/2014/main" xmlns="" id="{E2A7D5A2-489A-44BE-95BA-C41FF13D1C65}"/>
+                <a16:creationId xmlns:a16="http://schemas.microsoft.com/office/drawing/2014/main" id="{E2A7D5A2-489A-44BE-95BA-C41FF13D1C65}"/>
               </a:ext>
             </a:extLst>
           </p:cNvPr>
@@ -1192,7 +1194,7 @@
           <p:cNvPr id="6" name="Slide Number Placeholder 5">
             <a:extLst>
               <a:ext uri="{FF2B5EF4-FFF2-40B4-BE49-F238E27FC236}">
-                <a16:creationId xmlns:a16="http://schemas.microsoft.com/office/drawing/2014/main" xmlns="" id="{7772E596-F9BA-4EA1-B777-69A74090D7FB}"/>
+                <a16:creationId xmlns:a16="http://schemas.microsoft.com/office/drawing/2014/main" id="{7772E596-F9BA-4EA1-B777-69A74090D7FB}"/>
               </a:ext>
             </a:extLst>
           </p:cNvPr>
@@ -1251,7 +1253,7 @@
           <p:cNvPr id="2" name="Title 1">
             <a:extLst>
               <a:ext uri="{FF2B5EF4-FFF2-40B4-BE49-F238E27FC236}">
-                <a16:creationId xmlns:a16="http://schemas.microsoft.com/office/drawing/2014/main" xmlns="" id="{AA18BF10-E166-4004-B0EB-5269B3668265}"/>
+                <a16:creationId xmlns:a16="http://schemas.microsoft.com/office/drawing/2014/main" id="{AA18BF10-E166-4004-B0EB-5269B3668265}"/>
               </a:ext>
             </a:extLst>
           </p:cNvPr>
@@ -1280,7 +1282,7 @@
           <p:cNvPr id="3" name="Content Placeholder 2">
             <a:extLst>
               <a:ext uri="{FF2B5EF4-FFF2-40B4-BE49-F238E27FC236}">
-                <a16:creationId xmlns:a16="http://schemas.microsoft.com/office/drawing/2014/main" xmlns="" id="{333510AE-E4AB-4DF1-875B-EC5FD0F0F1A5}"/>
+                <a16:creationId xmlns:a16="http://schemas.microsoft.com/office/drawing/2014/main" id="{333510AE-E4AB-4DF1-875B-EC5FD0F0F1A5}"/>
               </a:ext>
             </a:extLst>
           </p:cNvPr>
@@ -1343,7 +1345,7 @@
           <p:cNvPr id="4" name="Content Placeholder 3">
             <a:extLst>
               <a:ext uri="{FF2B5EF4-FFF2-40B4-BE49-F238E27FC236}">
-                <a16:creationId xmlns:a16="http://schemas.microsoft.com/office/drawing/2014/main" xmlns="" id="{5403E092-1374-49AB-991A-C900840AB9C5}"/>
+                <a16:creationId xmlns:a16="http://schemas.microsoft.com/office/drawing/2014/main" id="{5403E092-1374-49AB-991A-C900840AB9C5}"/>
               </a:ext>
             </a:extLst>
           </p:cNvPr>
@@ -1406,7 +1408,7 @@
           <p:cNvPr id="5" name="Date Placeholder 4">
             <a:extLst>
               <a:ext uri="{FF2B5EF4-FFF2-40B4-BE49-F238E27FC236}">
-                <a16:creationId xmlns:a16="http://schemas.microsoft.com/office/drawing/2014/main" xmlns="" id="{3A5F1F22-838A-4EC3-8DE2-25F126F5BE77}"/>
+                <a16:creationId xmlns:a16="http://schemas.microsoft.com/office/drawing/2014/main" id="{3A5F1F22-838A-4EC3-8DE2-25F126F5BE77}"/>
               </a:ext>
             </a:extLst>
           </p:cNvPr>
@@ -1424,7 +1426,7 @@
           <a:p>
             <a:fld id="{5F9021A5-5D2C-4FF7-8FBA-B61BDE30AE1B}" type="datetimeFigureOut">
               <a:rPr lang="en-GB" smtClean="0"/>
-              <a:t>25/01/2019</a:t>
+              <a:t>29/01/2019</a:t>
             </a:fld>
             <a:endParaRPr lang="en-GB" dirty="0"/>
           </a:p>
@@ -1435,7 +1437,7 @@
           <p:cNvPr id="6" name="Footer Placeholder 5">
             <a:extLst>
               <a:ext uri="{FF2B5EF4-FFF2-40B4-BE49-F238E27FC236}">
-                <a16:creationId xmlns:a16="http://schemas.microsoft.com/office/drawing/2014/main" xmlns="" id="{884FA1F6-2855-4448-8E6C-887074463914}"/>
+                <a16:creationId xmlns:a16="http://schemas.microsoft.com/office/drawing/2014/main" id="{884FA1F6-2855-4448-8E6C-887074463914}"/>
               </a:ext>
             </a:extLst>
           </p:cNvPr>
@@ -1460,7 +1462,7 @@
           <p:cNvPr id="7" name="Slide Number Placeholder 6">
             <a:extLst>
               <a:ext uri="{FF2B5EF4-FFF2-40B4-BE49-F238E27FC236}">
-                <a16:creationId xmlns:a16="http://schemas.microsoft.com/office/drawing/2014/main" xmlns="" id="{192DFC1C-DC54-4391-BC39-EFE932710B9D}"/>
+                <a16:creationId xmlns:a16="http://schemas.microsoft.com/office/drawing/2014/main" id="{192DFC1C-DC54-4391-BC39-EFE932710B9D}"/>
               </a:ext>
             </a:extLst>
           </p:cNvPr>
@@ -1519,7 +1521,7 @@
           <p:cNvPr id="2" name="Title 1">
             <a:extLst>
               <a:ext uri="{FF2B5EF4-FFF2-40B4-BE49-F238E27FC236}">
-                <a16:creationId xmlns:a16="http://schemas.microsoft.com/office/drawing/2014/main" xmlns="" id="{F35FB1A5-06D9-45FF-9AFB-C4F0C69E68D7}"/>
+                <a16:creationId xmlns:a16="http://schemas.microsoft.com/office/drawing/2014/main" id="{F35FB1A5-06D9-45FF-9AFB-C4F0C69E68D7}"/>
               </a:ext>
             </a:extLst>
           </p:cNvPr>
@@ -1553,7 +1555,7 @@
           <p:cNvPr id="3" name="Text Placeholder 2">
             <a:extLst>
               <a:ext uri="{FF2B5EF4-FFF2-40B4-BE49-F238E27FC236}">
-                <a16:creationId xmlns:a16="http://schemas.microsoft.com/office/drawing/2014/main" xmlns="" id="{50084235-CC21-448C-98EE-C8FED28F8B67}"/>
+                <a16:creationId xmlns:a16="http://schemas.microsoft.com/office/drawing/2014/main" id="{50084235-CC21-448C-98EE-C8FED28F8B67}"/>
               </a:ext>
             </a:extLst>
           </p:cNvPr>
@@ -1624,7 +1626,7 @@
           <p:cNvPr id="4" name="Content Placeholder 3">
             <a:extLst>
               <a:ext uri="{FF2B5EF4-FFF2-40B4-BE49-F238E27FC236}">
-                <a16:creationId xmlns:a16="http://schemas.microsoft.com/office/drawing/2014/main" xmlns="" id="{7D6955AF-5C0F-4296-A116-5CD28C92E290}"/>
+                <a16:creationId xmlns:a16="http://schemas.microsoft.com/office/drawing/2014/main" id="{7D6955AF-5C0F-4296-A116-5CD28C92E290}"/>
               </a:ext>
             </a:extLst>
           </p:cNvPr>
@@ -1687,7 +1689,7 @@
           <p:cNvPr id="5" name="Text Placeholder 4">
             <a:extLst>
               <a:ext uri="{FF2B5EF4-FFF2-40B4-BE49-F238E27FC236}">
-                <a16:creationId xmlns:a16="http://schemas.microsoft.com/office/drawing/2014/main" xmlns="" id="{58A0C3B2-4658-4D67-A3FF-49F1C083E97E}"/>
+                <a16:creationId xmlns:a16="http://schemas.microsoft.com/office/drawing/2014/main" id="{58A0C3B2-4658-4D67-A3FF-49F1C083E97E}"/>
               </a:ext>
             </a:extLst>
           </p:cNvPr>
@@ -1758,7 +1760,7 @@
           <p:cNvPr id="6" name="Content Placeholder 5">
             <a:extLst>
               <a:ext uri="{FF2B5EF4-FFF2-40B4-BE49-F238E27FC236}">
-                <a16:creationId xmlns:a16="http://schemas.microsoft.com/office/drawing/2014/main" xmlns="" id="{21D4CD37-FE65-4127-B060-B3E7323C5C93}"/>
+                <a16:creationId xmlns:a16="http://schemas.microsoft.com/office/drawing/2014/main" id="{21D4CD37-FE65-4127-B060-B3E7323C5C93}"/>
               </a:ext>
             </a:extLst>
           </p:cNvPr>
@@ -1821,7 +1823,7 @@
           <p:cNvPr id="7" name="Date Placeholder 6">
             <a:extLst>
               <a:ext uri="{FF2B5EF4-FFF2-40B4-BE49-F238E27FC236}">
-                <a16:creationId xmlns:a16="http://schemas.microsoft.com/office/drawing/2014/main" xmlns="" id="{645BB935-10CF-49D0-9C83-6AE073BB7BA2}"/>
+                <a16:creationId xmlns:a16="http://schemas.microsoft.com/office/drawing/2014/main" id="{645BB935-10CF-49D0-9C83-6AE073BB7BA2}"/>
               </a:ext>
             </a:extLst>
           </p:cNvPr>
@@ -1839,7 +1841,7 @@
           <a:p>
             <a:fld id="{5F9021A5-5D2C-4FF7-8FBA-B61BDE30AE1B}" type="datetimeFigureOut">
               <a:rPr lang="en-GB" smtClean="0"/>
-              <a:t>25/01/2019</a:t>
+              <a:t>29/01/2019</a:t>
             </a:fld>
             <a:endParaRPr lang="en-GB" dirty="0"/>
           </a:p>
@@ -1850,7 +1852,7 @@
           <p:cNvPr id="8" name="Footer Placeholder 7">
             <a:extLst>
               <a:ext uri="{FF2B5EF4-FFF2-40B4-BE49-F238E27FC236}">
-                <a16:creationId xmlns:a16="http://schemas.microsoft.com/office/drawing/2014/main" xmlns="" id="{66189B88-9CE4-44FF-BC06-2CA077FFA825}"/>
+                <a16:creationId xmlns:a16="http://schemas.microsoft.com/office/drawing/2014/main" id="{66189B88-9CE4-44FF-BC06-2CA077FFA825}"/>
               </a:ext>
             </a:extLst>
           </p:cNvPr>
@@ -1875,7 +1877,7 @@
           <p:cNvPr id="9" name="Slide Number Placeholder 8">
             <a:extLst>
               <a:ext uri="{FF2B5EF4-FFF2-40B4-BE49-F238E27FC236}">
-                <a16:creationId xmlns:a16="http://schemas.microsoft.com/office/drawing/2014/main" xmlns="" id="{05E0D7D3-5513-4B83-B7B5-23F6F2952FBE}"/>
+                <a16:creationId xmlns:a16="http://schemas.microsoft.com/office/drawing/2014/main" id="{05E0D7D3-5513-4B83-B7B5-23F6F2952FBE}"/>
               </a:ext>
             </a:extLst>
           </p:cNvPr>
@@ -1934,7 +1936,7 @@
           <p:cNvPr id="2" name="Title 1">
             <a:extLst>
               <a:ext uri="{FF2B5EF4-FFF2-40B4-BE49-F238E27FC236}">
-                <a16:creationId xmlns:a16="http://schemas.microsoft.com/office/drawing/2014/main" xmlns="" id="{200DF880-9650-47A3-B764-4A8EE9FF4B53}"/>
+                <a16:creationId xmlns:a16="http://schemas.microsoft.com/office/drawing/2014/main" id="{200DF880-9650-47A3-B764-4A8EE9FF4B53}"/>
               </a:ext>
             </a:extLst>
           </p:cNvPr>
@@ -1963,7 +1965,7 @@
           <p:cNvPr id="3" name="Date Placeholder 2">
             <a:extLst>
               <a:ext uri="{FF2B5EF4-FFF2-40B4-BE49-F238E27FC236}">
-                <a16:creationId xmlns:a16="http://schemas.microsoft.com/office/drawing/2014/main" xmlns="" id="{74259FFF-FD9C-4749-98DA-29A82BEBA21F}"/>
+                <a16:creationId xmlns:a16="http://schemas.microsoft.com/office/drawing/2014/main" id="{74259FFF-FD9C-4749-98DA-29A82BEBA21F}"/>
               </a:ext>
             </a:extLst>
           </p:cNvPr>
@@ -1981,7 +1983,7 @@
           <a:p>
             <a:fld id="{5F9021A5-5D2C-4FF7-8FBA-B61BDE30AE1B}" type="datetimeFigureOut">
               <a:rPr lang="en-GB" smtClean="0"/>
-              <a:t>25/01/2019</a:t>
+              <a:t>29/01/2019</a:t>
             </a:fld>
             <a:endParaRPr lang="en-GB" dirty="0"/>
           </a:p>
@@ -1992,7 +1994,7 @@
           <p:cNvPr id="4" name="Footer Placeholder 3">
             <a:extLst>
               <a:ext uri="{FF2B5EF4-FFF2-40B4-BE49-F238E27FC236}">
-                <a16:creationId xmlns:a16="http://schemas.microsoft.com/office/drawing/2014/main" xmlns="" id="{0C93E6D4-42C7-4396-83F5-C706FABE2BB2}"/>
+                <a16:creationId xmlns:a16="http://schemas.microsoft.com/office/drawing/2014/main" id="{0C93E6D4-42C7-4396-83F5-C706FABE2BB2}"/>
               </a:ext>
             </a:extLst>
           </p:cNvPr>
@@ -2017,7 +2019,7 @@
           <p:cNvPr id="5" name="Slide Number Placeholder 4">
             <a:extLst>
               <a:ext uri="{FF2B5EF4-FFF2-40B4-BE49-F238E27FC236}">
-                <a16:creationId xmlns:a16="http://schemas.microsoft.com/office/drawing/2014/main" xmlns="" id="{751E6D9E-3936-46CA-85A8-0E03995DC49A}"/>
+                <a16:creationId xmlns:a16="http://schemas.microsoft.com/office/drawing/2014/main" id="{751E6D9E-3936-46CA-85A8-0E03995DC49A}"/>
               </a:ext>
             </a:extLst>
           </p:cNvPr>
@@ -2076,7 +2078,7 @@
           <p:cNvPr id="2" name="Date Placeholder 1">
             <a:extLst>
               <a:ext uri="{FF2B5EF4-FFF2-40B4-BE49-F238E27FC236}">
-                <a16:creationId xmlns:a16="http://schemas.microsoft.com/office/drawing/2014/main" xmlns="" id="{FE2556F9-C98E-4E78-AE79-E9A3E8EC0A1F}"/>
+                <a16:creationId xmlns:a16="http://schemas.microsoft.com/office/drawing/2014/main" id="{FE2556F9-C98E-4E78-AE79-E9A3E8EC0A1F}"/>
               </a:ext>
             </a:extLst>
           </p:cNvPr>
@@ -2094,7 +2096,7 @@
           <a:p>
             <a:fld id="{5F9021A5-5D2C-4FF7-8FBA-B61BDE30AE1B}" type="datetimeFigureOut">
               <a:rPr lang="en-GB" smtClean="0"/>
-              <a:t>25/01/2019</a:t>
+              <a:t>29/01/2019</a:t>
             </a:fld>
             <a:endParaRPr lang="en-GB" dirty="0"/>
           </a:p>
@@ -2105,7 +2107,7 @@
           <p:cNvPr id="3" name="Footer Placeholder 2">
             <a:extLst>
               <a:ext uri="{FF2B5EF4-FFF2-40B4-BE49-F238E27FC236}">
-                <a16:creationId xmlns:a16="http://schemas.microsoft.com/office/drawing/2014/main" xmlns="" id="{5E58EFB7-EF90-4E5C-88BB-C67B2E6D5FCA}"/>
+                <a16:creationId xmlns:a16="http://schemas.microsoft.com/office/drawing/2014/main" id="{5E58EFB7-EF90-4E5C-88BB-C67B2E6D5FCA}"/>
               </a:ext>
             </a:extLst>
           </p:cNvPr>
@@ -2130,7 +2132,7 @@
           <p:cNvPr id="4" name="Slide Number Placeholder 3">
             <a:extLst>
               <a:ext uri="{FF2B5EF4-FFF2-40B4-BE49-F238E27FC236}">
-                <a16:creationId xmlns:a16="http://schemas.microsoft.com/office/drawing/2014/main" xmlns="" id="{E9539145-7624-4814-9BFE-B315EDCE9F72}"/>
+                <a16:creationId xmlns:a16="http://schemas.microsoft.com/office/drawing/2014/main" id="{E9539145-7624-4814-9BFE-B315EDCE9F72}"/>
               </a:ext>
             </a:extLst>
           </p:cNvPr>
@@ -2189,7 +2191,7 @@
           <p:cNvPr id="2" name="Title 1">
             <a:extLst>
               <a:ext uri="{FF2B5EF4-FFF2-40B4-BE49-F238E27FC236}">
-                <a16:creationId xmlns:a16="http://schemas.microsoft.com/office/drawing/2014/main" xmlns="" id="{14E37E2D-94B8-4937-9D19-073CF5073DCA}"/>
+                <a16:creationId xmlns:a16="http://schemas.microsoft.com/office/drawing/2014/main" id="{14E37E2D-94B8-4937-9D19-073CF5073DCA}"/>
               </a:ext>
             </a:extLst>
           </p:cNvPr>
@@ -2227,7 +2229,7 @@
           <p:cNvPr id="3" name="Content Placeholder 2">
             <a:extLst>
               <a:ext uri="{FF2B5EF4-FFF2-40B4-BE49-F238E27FC236}">
-                <a16:creationId xmlns:a16="http://schemas.microsoft.com/office/drawing/2014/main" xmlns="" id="{26BF1181-E9F7-4D60-B81C-A8AC8024327A}"/>
+                <a16:creationId xmlns:a16="http://schemas.microsoft.com/office/drawing/2014/main" id="{26BF1181-E9F7-4D60-B81C-A8AC8024327A}"/>
               </a:ext>
             </a:extLst>
           </p:cNvPr>
@@ -2318,7 +2320,7 @@
           <p:cNvPr id="4" name="Text Placeholder 3">
             <a:extLst>
               <a:ext uri="{FF2B5EF4-FFF2-40B4-BE49-F238E27FC236}">
-                <a16:creationId xmlns:a16="http://schemas.microsoft.com/office/drawing/2014/main" xmlns="" id="{9433EB85-D118-401F-92A7-15F6C5BBAD38}"/>
+                <a16:creationId xmlns:a16="http://schemas.microsoft.com/office/drawing/2014/main" id="{9433EB85-D118-401F-92A7-15F6C5BBAD38}"/>
               </a:ext>
             </a:extLst>
           </p:cNvPr>
@@ -2389,7 +2391,7 @@
           <p:cNvPr id="5" name="Date Placeholder 4">
             <a:extLst>
               <a:ext uri="{FF2B5EF4-FFF2-40B4-BE49-F238E27FC236}">
-                <a16:creationId xmlns:a16="http://schemas.microsoft.com/office/drawing/2014/main" xmlns="" id="{DA607528-5B49-4DD3-9132-30881DE87B4D}"/>
+                <a16:creationId xmlns:a16="http://schemas.microsoft.com/office/drawing/2014/main" id="{DA607528-5B49-4DD3-9132-30881DE87B4D}"/>
               </a:ext>
             </a:extLst>
           </p:cNvPr>
@@ -2407,7 +2409,7 @@
           <a:p>
             <a:fld id="{5F9021A5-5D2C-4FF7-8FBA-B61BDE30AE1B}" type="datetimeFigureOut">
               <a:rPr lang="en-GB" smtClean="0"/>
-              <a:t>25/01/2019</a:t>
+              <a:t>29/01/2019</a:t>
             </a:fld>
             <a:endParaRPr lang="en-GB" dirty="0"/>
           </a:p>
@@ -2418,7 +2420,7 @@
           <p:cNvPr id="6" name="Footer Placeholder 5">
             <a:extLst>
               <a:ext uri="{FF2B5EF4-FFF2-40B4-BE49-F238E27FC236}">
-                <a16:creationId xmlns:a16="http://schemas.microsoft.com/office/drawing/2014/main" xmlns="" id="{455BA862-992C-43CA-B5C2-4C0430B2F039}"/>
+                <a16:creationId xmlns:a16="http://schemas.microsoft.com/office/drawing/2014/main" id="{455BA862-992C-43CA-B5C2-4C0430B2F039}"/>
               </a:ext>
             </a:extLst>
           </p:cNvPr>
@@ -2443,7 +2445,7 @@
           <p:cNvPr id="7" name="Slide Number Placeholder 6">
             <a:extLst>
               <a:ext uri="{FF2B5EF4-FFF2-40B4-BE49-F238E27FC236}">
-                <a16:creationId xmlns:a16="http://schemas.microsoft.com/office/drawing/2014/main" xmlns="" id="{38D26D8D-2712-4B8C-BF2E-9C5B39AEBD41}"/>
+                <a16:creationId xmlns:a16="http://schemas.microsoft.com/office/drawing/2014/main" id="{38D26D8D-2712-4B8C-BF2E-9C5B39AEBD41}"/>
               </a:ext>
             </a:extLst>
           </p:cNvPr>
@@ -2502,7 +2504,7 @@
           <p:cNvPr id="2" name="Title 1">
             <a:extLst>
               <a:ext uri="{FF2B5EF4-FFF2-40B4-BE49-F238E27FC236}">
-                <a16:creationId xmlns:a16="http://schemas.microsoft.com/office/drawing/2014/main" xmlns="" id="{17A725E2-032B-437C-AB44-582C1073A509}"/>
+                <a16:creationId xmlns:a16="http://schemas.microsoft.com/office/drawing/2014/main" id="{17A725E2-032B-437C-AB44-582C1073A509}"/>
               </a:ext>
             </a:extLst>
           </p:cNvPr>
@@ -2540,7 +2542,7 @@
           <p:cNvPr id="3" name="Picture Placeholder 2">
             <a:extLst>
               <a:ext uri="{FF2B5EF4-FFF2-40B4-BE49-F238E27FC236}">
-                <a16:creationId xmlns:a16="http://schemas.microsoft.com/office/drawing/2014/main" xmlns="" id="{5F439274-0057-4242-9680-1D7A9CE6634D}"/>
+                <a16:creationId xmlns:a16="http://schemas.microsoft.com/office/drawing/2014/main" id="{5F439274-0057-4242-9680-1D7A9CE6634D}"/>
               </a:ext>
             </a:extLst>
           </p:cNvPr>
@@ -2607,7 +2609,7 @@
           <p:cNvPr id="4" name="Text Placeholder 3">
             <a:extLst>
               <a:ext uri="{FF2B5EF4-FFF2-40B4-BE49-F238E27FC236}">
-                <a16:creationId xmlns:a16="http://schemas.microsoft.com/office/drawing/2014/main" xmlns="" id="{6E3FE9FB-8CAF-425A-9101-BDEF14014742}"/>
+                <a16:creationId xmlns:a16="http://schemas.microsoft.com/office/drawing/2014/main" id="{6E3FE9FB-8CAF-425A-9101-BDEF14014742}"/>
               </a:ext>
             </a:extLst>
           </p:cNvPr>
@@ -2678,7 +2680,7 @@
           <p:cNvPr id="5" name="Date Placeholder 4">
             <a:extLst>
               <a:ext uri="{FF2B5EF4-FFF2-40B4-BE49-F238E27FC236}">
-                <a16:creationId xmlns:a16="http://schemas.microsoft.com/office/drawing/2014/main" xmlns="" id="{50C55AAC-CB8E-429F-8B0E-F46731F2830B}"/>
+                <a16:creationId xmlns:a16="http://schemas.microsoft.com/office/drawing/2014/main" id="{50C55AAC-CB8E-429F-8B0E-F46731F2830B}"/>
               </a:ext>
             </a:extLst>
           </p:cNvPr>
@@ -2696,7 +2698,7 @@
           <a:p>
             <a:fld id="{5F9021A5-5D2C-4FF7-8FBA-B61BDE30AE1B}" type="datetimeFigureOut">
               <a:rPr lang="en-GB" smtClean="0"/>
-              <a:t>25/01/2019</a:t>
+              <a:t>29/01/2019</a:t>
             </a:fld>
             <a:endParaRPr lang="en-GB" dirty="0"/>
           </a:p>
@@ -2707,7 +2709,7 @@
           <p:cNvPr id="6" name="Footer Placeholder 5">
             <a:extLst>
               <a:ext uri="{FF2B5EF4-FFF2-40B4-BE49-F238E27FC236}">
-                <a16:creationId xmlns:a16="http://schemas.microsoft.com/office/drawing/2014/main" xmlns="" id="{C2F8A79E-3DA5-4A2B-86FA-8C19825DEB33}"/>
+                <a16:creationId xmlns:a16="http://schemas.microsoft.com/office/drawing/2014/main" id="{C2F8A79E-3DA5-4A2B-86FA-8C19825DEB33}"/>
               </a:ext>
             </a:extLst>
           </p:cNvPr>
@@ -2732,7 +2734,7 @@
           <p:cNvPr id="7" name="Slide Number Placeholder 6">
             <a:extLst>
               <a:ext uri="{FF2B5EF4-FFF2-40B4-BE49-F238E27FC236}">
-                <a16:creationId xmlns:a16="http://schemas.microsoft.com/office/drawing/2014/main" xmlns="" id="{B5008AA0-F7C3-4DA3-B1D9-3420F7D2567D}"/>
+                <a16:creationId xmlns:a16="http://schemas.microsoft.com/office/drawing/2014/main" id="{B5008AA0-F7C3-4DA3-B1D9-3420F7D2567D}"/>
               </a:ext>
             </a:extLst>
           </p:cNvPr>
@@ -2796,7 +2798,7 @@
           <p:cNvPr id="2" name="Title Placeholder 1">
             <a:extLst>
               <a:ext uri="{FF2B5EF4-FFF2-40B4-BE49-F238E27FC236}">
-                <a16:creationId xmlns:a16="http://schemas.microsoft.com/office/drawing/2014/main" xmlns="" id="{525AF961-B3D1-4104-86B8-C10BAD57B953}"/>
+                <a16:creationId xmlns:a16="http://schemas.microsoft.com/office/drawing/2014/main" id="{525AF961-B3D1-4104-86B8-C10BAD57B953}"/>
               </a:ext>
             </a:extLst>
           </p:cNvPr>
@@ -2835,7 +2837,7 @@
           <p:cNvPr id="3" name="Text Placeholder 2">
             <a:extLst>
               <a:ext uri="{FF2B5EF4-FFF2-40B4-BE49-F238E27FC236}">
-                <a16:creationId xmlns:a16="http://schemas.microsoft.com/office/drawing/2014/main" xmlns="" id="{2F27F852-475F-4869-A573-AD1D51B3D236}"/>
+                <a16:creationId xmlns:a16="http://schemas.microsoft.com/office/drawing/2014/main" id="{2F27F852-475F-4869-A573-AD1D51B3D236}"/>
               </a:ext>
             </a:extLst>
           </p:cNvPr>
@@ -2903,7 +2905,7 @@
           <p:cNvPr id="4" name="Date Placeholder 3">
             <a:extLst>
               <a:ext uri="{FF2B5EF4-FFF2-40B4-BE49-F238E27FC236}">
-                <a16:creationId xmlns:a16="http://schemas.microsoft.com/office/drawing/2014/main" xmlns="" id="{59156039-19C9-44ED-84AF-BBFA5A788067}"/>
+                <a16:creationId xmlns:a16="http://schemas.microsoft.com/office/drawing/2014/main" id="{59156039-19C9-44ED-84AF-BBFA5A788067}"/>
               </a:ext>
             </a:extLst>
           </p:cNvPr>
@@ -2939,7 +2941,7 @@
           <a:p>
             <a:fld id="{5F9021A5-5D2C-4FF7-8FBA-B61BDE30AE1B}" type="datetimeFigureOut">
               <a:rPr lang="en-GB" smtClean="0"/>
-              <a:t>25/01/2019</a:t>
+              <a:t>29/01/2019</a:t>
             </a:fld>
             <a:endParaRPr lang="en-GB" dirty="0"/>
           </a:p>
@@ -2950,7 +2952,7 @@
           <p:cNvPr id="5" name="Footer Placeholder 4">
             <a:extLst>
               <a:ext uri="{FF2B5EF4-FFF2-40B4-BE49-F238E27FC236}">
-                <a16:creationId xmlns:a16="http://schemas.microsoft.com/office/drawing/2014/main" xmlns="" id="{F60107FF-CCD1-4AB6-9759-47FC7DB3CA12}"/>
+                <a16:creationId xmlns:a16="http://schemas.microsoft.com/office/drawing/2014/main" id="{F60107FF-CCD1-4AB6-9759-47FC7DB3CA12}"/>
               </a:ext>
             </a:extLst>
           </p:cNvPr>
@@ -2993,7 +2995,7 @@
           <p:cNvPr id="6" name="Slide Number Placeholder 5">
             <a:extLst>
               <a:ext uri="{FF2B5EF4-FFF2-40B4-BE49-F238E27FC236}">
-                <a16:creationId xmlns:a16="http://schemas.microsoft.com/office/drawing/2014/main" xmlns="" id="{265A53F5-9A94-4878-984D-EDCC813187E2}"/>
+                <a16:creationId xmlns:a16="http://schemas.microsoft.com/office/drawing/2014/main" id="{265A53F5-9A94-4878-984D-EDCC813187E2}"/>
               </a:ext>
             </a:extLst>
           </p:cNvPr>
@@ -3361,7 +3363,7 @@
           <p:cNvPr id="10" name="Group 9">
             <a:extLst>
               <a:ext uri="{FF2B5EF4-FFF2-40B4-BE49-F238E27FC236}">
-                <a16:creationId xmlns:a16="http://schemas.microsoft.com/office/drawing/2014/main" xmlns="" id="{DE565E46-0409-49DC-A628-3A9D99FF49A4}"/>
+                <a16:creationId xmlns:a16="http://schemas.microsoft.com/office/drawing/2014/main" id="{DE565E46-0409-49DC-A628-3A9D99FF49A4}"/>
               </a:ext>
             </a:extLst>
           </p:cNvPr>
@@ -3381,7 +3383,7 @@
             <p:cNvPr id="6" name="Oval 5">
               <a:extLst>
                 <a:ext uri="{FF2B5EF4-FFF2-40B4-BE49-F238E27FC236}">
-                  <a16:creationId xmlns:a16="http://schemas.microsoft.com/office/drawing/2014/main" xmlns="" id="{0AF1B685-5947-4FCA-8578-2E2573B50500}"/>
+                  <a16:creationId xmlns:a16="http://schemas.microsoft.com/office/drawing/2014/main" id="{0AF1B685-5947-4FCA-8578-2E2573B50500}"/>
                 </a:ext>
               </a:extLst>
             </p:cNvPr>
@@ -3435,7 +3437,7 @@
             <p:cNvPr id="7" name="Oval 6">
               <a:extLst>
                 <a:ext uri="{FF2B5EF4-FFF2-40B4-BE49-F238E27FC236}">
-                  <a16:creationId xmlns:a16="http://schemas.microsoft.com/office/drawing/2014/main" xmlns="" id="{78C829D8-8AEA-46B0-B52D-267C3E7DC429}"/>
+                  <a16:creationId xmlns:a16="http://schemas.microsoft.com/office/drawing/2014/main" id="{78C829D8-8AEA-46B0-B52D-267C3E7DC429}"/>
                 </a:ext>
               </a:extLst>
             </p:cNvPr>
@@ -3489,7 +3491,7 @@
             <p:cNvPr id="4" name="Rectangle 3">
               <a:extLst>
                 <a:ext uri="{FF2B5EF4-FFF2-40B4-BE49-F238E27FC236}">
-                  <a16:creationId xmlns:a16="http://schemas.microsoft.com/office/drawing/2014/main" xmlns="" id="{E0980DD5-50C4-4F70-81B9-C85FF23D25A0}"/>
+                  <a16:creationId xmlns:a16="http://schemas.microsoft.com/office/drawing/2014/main" id="{E0980DD5-50C4-4F70-81B9-C85FF23D25A0}"/>
                 </a:ext>
               </a:extLst>
             </p:cNvPr>
@@ -3546,7 +3548,7 @@
             <p:cNvPr id="9" name="Rectangle 8">
               <a:extLst>
                 <a:ext uri="{FF2B5EF4-FFF2-40B4-BE49-F238E27FC236}">
-                  <a16:creationId xmlns:a16="http://schemas.microsoft.com/office/drawing/2014/main" xmlns="" id="{1100EAFF-8FCD-4A65-86ED-0BB35E12F79B}"/>
+                  <a16:creationId xmlns:a16="http://schemas.microsoft.com/office/drawing/2014/main" id="{1100EAFF-8FCD-4A65-86ED-0BB35E12F79B}"/>
                 </a:ext>
               </a:extLst>
             </p:cNvPr>
@@ -3606,7 +3608,7 @@
             <p:cNvPr id="5" name="Rectangle: Rounded Corners 4">
               <a:extLst>
                 <a:ext uri="{FF2B5EF4-FFF2-40B4-BE49-F238E27FC236}">
-                  <a16:creationId xmlns:a16="http://schemas.microsoft.com/office/drawing/2014/main" xmlns="" id="{33339975-1307-4621-80CE-599D1FDB2CC6}"/>
+                  <a16:creationId xmlns:a16="http://schemas.microsoft.com/office/drawing/2014/main" id="{33339975-1307-4621-80CE-599D1FDB2CC6}"/>
                 </a:ext>
               </a:extLst>
             </p:cNvPr>
@@ -3666,7 +3668,7 @@
           <p:cNvPr id="18" name="Group 17">
             <a:extLst>
               <a:ext uri="{FF2B5EF4-FFF2-40B4-BE49-F238E27FC236}">
-                <a16:creationId xmlns:a16="http://schemas.microsoft.com/office/drawing/2014/main" xmlns="" id="{BF308BC8-91B1-4840-864B-D6FE046F3045}"/>
+                <a16:creationId xmlns:a16="http://schemas.microsoft.com/office/drawing/2014/main" id="{BF308BC8-91B1-4840-864B-D6FE046F3045}"/>
               </a:ext>
             </a:extLst>
           </p:cNvPr>
@@ -3686,7 +3688,7 @@
             <p:cNvPr id="12" name="Rectangle: Rounded Corners 11">
               <a:extLst>
                 <a:ext uri="{FF2B5EF4-FFF2-40B4-BE49-F238E27FC236}">
-                  <a16:creationId xmlns:a16="http://schemas.microsoft.com/office/drawing/2014/main" xmlns="" id="{C5845180-84DB-49CB-B0F6-026F0F03AE96}"/>
+                  <a16:creationId xmlns:a16="http://schemas.microsoft.com/office/drawing/2014/main" id="{C5845180-84DB-49CB-B0F6-026F0F03AE96}"/>
                 </a:ext>
               </a:extLst>
             </p:cNvPr>
@@ -3745,7 +3747,7 @@
             <p:cNvPr id="13" name="Rectangle: Rounded Corners 12">
               <a:extLst>
                 <a:ext uri="{FF2B5EF4-FFF2-40B4-BE49-F238E27FC236}">
-                  <a16:creationId xmlns:a16="http://schemas.microsoft.com/office/drawing/2014/main" xmlns="" id="{47DDA1CF-AEEC-4455-9B8D-E1712A4F4D07}"/>
+                  <a16:creationId xmlns:a16="http://schemas.microsoft.com/office/drawing/2014/main" id="{47DDA1CF-AEEC-4455-9B8D-E1712A4F4D07}"/>
                 </a:ext>
               </a:extLst>
             </p:cNvPr>
@@ -3804,7 +3806,7 @@
             <p:cNvPr id="14" name="Rectangle 13">
               <a:extLst>
                 <a:ext uri="{FF2B5EF4-FFF2-40B4-BE49-F238E27FC236}">
-                  <a16:creationId xmlns:a16="http://schemas.microsoft.com/office/drawing/2014/main" xmlns="" id="{C3831AE5-FC33-405D-BBC0-AC1C9DBAE6FF}"/>
+                  <a16:creationId xmlns:a16="http://schemas.microsoft.com/office/drawing/2014/main" id="{C3831AE5-FC33-405D-BBC0-AC1C9DBAE6FF}"/>
                 </a:ext>
               </a:extLst>
             </p:cNvPr>
@@ -3861,7 +3863,7 @@
             <p:cNvPr id="15" name="Oval 14">
               <a:extLst>
                 <a:ext uri="{FF2B5EF4-FFF2-40B4-BE49-F238E27FC236}">
-                  <a16:creationId xmlns:a16="http://schemas.microsoft.com/office/drawing/2014/main" xmlns="" id="{4B3618A2-8B15-4867-9E8E-B4200276EF37}"/>
+                  <a16:creationId xmlns:a16="http://schemas.microsoft.com/office/drawing/2014/main" id="{4B3618A2-8B15-4867-9E8E-B4200276EF37}"/>
                 </a:ext>
               </a:extLst>
             </p:cNvPr>
@@ -3915,7 +3917,7 @@
             <p:cNvPr id="16" name="Oval 15">
               <a:extLst>
                 <a:ext uri="{FF2B5EF4-FFF2-40B4-BE49-F238E27FC236}">
-                  <a16:creationId xmlns:a16="http://schemas.microsoft.com/office/drawing/2014/main" xmlns="" id="{2DA9BCD9-B90C-42B3-B7F5-A0685BBE0EBE}"/>
+                  <a16:creationId xmlns:a16="http://schemas.microsoft.com/office/drawing/2014/main" id="{2DA9BCD9-B90C-42B3-B7F5-A0685BBE0EBE}"/>
                 </a:ext>
               </a:extLst>
             </p:cNvPr>
@@ -3969,7 +3971,7 @@
             <p:cNvPr id="17" name="Rectangle 16">
               <a:extLst>
                 <a:ext uri="{FF2B5EF4-FFF2-40B4-BE49-F238E27FC236}">
-                  <a16:creationId xmlns:a16="http://schemas.microsoft.com/office/drawing/2014/main" xmlns="" id="{BD56E8A5-511F-4FDD-903A-9764C059A1F0}"/>
+                  <a16:creationId xmlns:a16="http://schemas.microsoft.com/office/drawing/2014/main" id="{BD56E8A5-511F-4FDD-903A-9764C059A1F0}"/>
                 </a:ext>
               </a:extLst>
             </p:cNvPr>
@@ -4041,6 +4043,1376 @@
 <file path=ppt/slides/slide10.xml><?xml version="1.0" encoding="utf-8"?>
 <p:sld xmlns:a="http://schemas.openxmlformats.org/drawingml/2006/main" xmlns:r="http://schemas.openxmlformats.org/officeDocument/2006/relationships" xmlns:p="http://schemas.openxmlformats.org/presentationml/2006/main">
   <p:cSld>
+    <p:bg>
+      <p:bgPr>
+        <a:solidFill>
+          <a:schemeClr val="bg1">
+            <a:alpha val="0"/>
+          </a:schemeClr>
+        </a:solidFill>
+        <a:effectLst/>
+      </p:bgPr>
+    </p:bg>
+    <p:spTree>
+      <p:nvGrpSpPr>
+        <p:cNvPr id="1" name=""/>
+        <p:cNvGrpSpPr/>
+        <p:nvPr/>
+      </p:nvGrpSpPr>
+      <p:grpSpPr>
+        <a:xfrm>
+          <a:off x="0" y="0"/>
+          <a:ext cx="0" cy="0"/>
+          <a:chOff x="0" y="0"/>
+          <a:chExt cx="0" cy="0"/>
+        </a:xfrm>
+      </p:grpSpPr>
+      <p:sp>
+        <p:nvSpPr>
+          <p:cNvPr id="89" name="Rectangle 88">
+            <a:extLst>
+              <a:ext uri="{FF2B5EF4-FFF2-40B4-BE49-F238E27FC236}">
+                <a16:creationId xmlns:a16="http://schemas.microsoft.com/office/drawing/2014/main" id="{5F2A9C18-F74F-406D-AFBD-845FAA483F76}"/>
+              </a:ext>
+            </a:extLst>
+          </p:cNvPr>
+          <p:cNvSpPr/>
+          <p:nvPr/>
+        </p:nvSpPr>
+        <p:spPr>
+          <a:xfrm>
+            <a:off x="5398025" y="2869224"/>
+            <a:ext cx="1395950" cy="731153"/>
+          </a:xfrm>
+          <a:prstGeom prst="rect">
+            <a:avLst/>
+          </a:prstGeom>
+          <a:solidFill>
+            <a:schemeClr val="dk1">
+              <a:alpha val="50000"/>
+            </a:schemeClr>
+          </a:solidFill>
+          <a:ln>
+            <a:noFill/>
+          </a:ln>
+        </p:spPr>
+        <p:style>
+          <a:lnRef idx="0">
+            <a:scrgbClr r="0" g="0" b="0"/>
+          </a:lnRef>
+          <a:fillRef idx="0">
+            <a:scrgbClr r="0" g="0" b="0"/>
+          </a:fillRef>
+          <a:effectRef idx="0">
+            <a:scrgbClr r="0" g="0" b="0"/>
+          </a:effectRef>
+          <a:fontRef idx="minor">
+            <a:schemeClr val="lt1"/>
+          </a:fontRef>
+        </p:style>
+        <p:txBody>
+          <a:bodyPr rtlCol="0" anchor="ctr"/>
+          <a:lstStyle/>
+          <a:p>
+            <a:pPr algn="ctr"/>
+            <a:r>
+              <a:rPr lang="en-GB" sz="1200" dirty="0"/>
+              <a:t>Instructions Group</a:t>
+            </a:r>
+          </a:p>
+          <a:p>
+            <a:pPr algn="ctr"/>
+            <a:endParaRPr lang="en-GB" sz="1200" dirty="0"/>
+          </a:p>
+          <a:p>
+            <a:pPr algn="ctr"/>
+            <a:endParaRPr lang="en-GB" sz="1200" dirty="0"/>
+          </a:p>
+        </p:txBody>
+      </p:sp>
+      <p:sp>
+        <p:nvSpPr>
+          <p:cNvPr id="82" name="Oval 81">
+            <a:extLst>
+              <a:ext uri="{FF2B5EF4-FFF2-40B4-BE49-F238E27FC236}">
+                <a16:creationId xmlns:a16="http://schemas.microsoft.com/office/drawing/2014/main" id="{8C1E0B85-9855-46B0-BF00-DA0F406A3698}"/>
+              </a:ext>
+            </a:extLst>
+          </p:cNvPr>
+          <p:cNvSpPr/>
+          <p:nvPr/>
+        </p:nvSpPr>
+        <p:spPr>
+          <a:xfrm>
+            <a:off x="3790716" y="3153083"/>
+            <a:ext cx="1169846" cy="447294"/>
+          </a:xfrm>
+          <a:prstGeom prst="ellipse">
+            <a:avLst/>
+          </a:prstGeom>
+          <a:solidFill>
+            <a:schemeClr val="dk1">
+              <a:alpha val="50000"/>
+            </a:schemeClr>
+          </a:solidFill>
+          <a:ln>
+            <a:noFill/>
+          </a:ln>
+        </p:spPr>
+        <p:style>
+          <a:lnRef idx="0">
+            <a:scrgbClr r="0" g="0" b="0"/>
+          </a:lnRef>
+          <a:fillRef idx="0">
+            <a:scrgbClr r="0" g="0" b="0"/>
+          </a:fillRef>
+          <a:effectRef idx="0">
+            <a:scrgbClr r="0" g="0" b="0"/>
+          </a:effectRef>
+          <a:fontRef idx="minor">
+            <a:schemeClr val="lt1"/>
+          </a:fontRef>
+        </p:style>
+        <p:txBody>
+          <a:bodyPr rtlCol="0" anchor="ctr"/>
+          <a:lstStyle/>
+          <a:p>
+            <a:pPr algn="ctr"/>
+            <a:r>
+              <a:rPr lang="en-GB" sz="1200" dirty="0"/>
+              <a:t>Server</a:t>
+            </a:r>
+          </a:p>
+        </p:txBody>
+      </p:sp>
+      <p:sp>
+        <p:nvSpPr>
+          <p:cNvPr id="85" name="Rectangle 84">
+            <a:extLst>
+              <a:ext uri="{FF2B5EF4-FFF2-40B4-BE49-F238E27FC236}">
+                <a16:creationId xmlns:a16="http://schemas.microsoft.com/office/drawing/2014/main" id="{6B979E13-C137-4143-A0C8-7355854BA2A7}"/>
+              </a:ext>
+            </a:extLst>
+          </p:cNvPr>
+          <p:cNvSpPr/>
+          <p:nvPr/>
+        </p:nvSpPr>
+        <p:spPr>
+          <a:xfrm>
+            <a:off x="5502475" y="3234800"/>
+            <a:ext cx="1187049" cy="283860"/>
+          </a:xfrm>
+          <a:prstGeom prst="rect">
+            <a:avLst/>
+          </a:prstGeom>
+          <a:solidFill>
+            <a:schemeClr val="dk1">
+              <a:alpha val="50000"/>
+            </a:schemeClr>
+          </a:solidFill>
+          <a:ln>
+            <a:noFill/>
+          </a:ln>
+        </p:spPr>
+        <p:style>
+          <a:lnRef idx="0">
+            <a:scrgbClr r="0" g="0" b="0"/>
+          </a:lnRef>
+          <a:fillRef idx="0">
+            <a:scrgbClr r="0" g="0" b="0"/>
+          </a:fillRef>
+          <a:effectRef idx="0">
+            <a:scrgbClr r="0" g="0" b="0"/>
+          </a:effectRef>
+          <a:fontRef idx="minor">
+            <a:schemeClr val="lt1"/>
+          </a:fontRef>
+        </p:style>
+        <p:txBody>
+          <a:bodyPr rtlCol="0" anchor="ctr"/>
+          <a:lstStyle/>
+          <a:p>
+            <a:pPr algn="ctr"/>
+            <a:r>
+              <a:rPr lang="en-GB" sz="1200" dirty="0"/>
+              <a:t>Instructions</a:t>
+            </a:r>
+          </a:p>
+        </p:txBody>
+      </p:sp>
+      <p:cxnSp>
+        <p:nvCxnSpPr>
+          <p:cNvPr id="158" name="Straight Arrow Connector 157">
+            <a:extLst>
+              <a:ext uri="{FF2B5EF4-FFF2-40B4-BE49-F238E27FC236}">
+                <a16:creationId xmlns:a16="http://schemas.microsoft.com/office/drawing/2014/main" id="{D728E2B4-FE25-47DA-9793-94CBB8D351C8}"/>
+              </a:ext>
+            </a:extLst>
+          </p:cNvPr>
+          <p:cNvCxnSpPr>
+            <a:cxnSpLocks/>
+            <a:stCxn id="82" idx="6"/>
+            <a:endCxn id="85" idx="1"/>
+          </p:cNvCxnSpPr>
+          <p:nvPr/>
+        </p:nvCxnSpPr>
+        <p:spPr>
+          <a:xfrm>
+            <a:off x="4960562" y="3376730"/>
+            <a:ext cx="541914" cy="0"/>
+          </a:xfrm>
+          <a:prstGeom prst="straightConnector1">
+            <a:avLst/>
+          </a:prstGeom>
+          <a:ln>
+            <a:tailEnd type="triangle"/>
+          </a:ln>
+        </p:spPr>
+        <p:style>
+          <a:lnRef idx="1">
+            <a:schemeClr val="dk1"/>
+          </a:lnRef>
+          <a:fillRef idx="0">
+            <a:schemeClr val="dk1"/>
+          </a:fillRef>
+          <a:effectRef idx="0">
+            <a:schemeClr val="dk1"/>
+          </a:effectRef>
+          <a:fontRef idx="minor">
+            <a:schemeClr val="tx1"/>
+          </a:fontRef>
+        </p:style>
+      </p:cxnSp>
+      <p:sp>
+        <p:nvSpPr>
+          <p:cNvPr id="167" name="Oval 166">
+            <a:extLst>
+              <a:ext uri="{FF2B5EF4-FFF2-40B4-BE49-F238E27FC236}">
+                <a16:creationId xmlns:a16="http://schemas.microsoft.com/office/drawing/2014/main" id="{BC6E889E-5419-4F82-85A9-D40889E385A5}"/>
+              </a:ext>
+            </a:extLst>
+          </p:cNvPr>
+          <p:cNvSpPr/>
+          <p:nvPr/>
+        </p:nvSpPr>
+        <p:spPr>
+          <a:xfrm>
+            <a:off x="7231438" y="3153083"/>
+            <a:ext cx="1169846" cy="447294"/>
+          </a:xfrm>
+          <a:prstGeom prst="ellipse">
+            <a:avLst/>
+          </a:prstGeom>
+          <a:solidFill>
+            <a:schemeClr val="dk1">
+              <a:alpha val="50000"/>
+            </a:schemeClr>
+          </a:solidFill>
+          <a:ln>
+            <a:noFill/>
+          </a:ln>
+        </p:spPr>
+        <p:style>
+          <a:lnRef idx="0">
+            <a:scrgbClr r="0" g="0" b="0"/>
+          </a:lnRef>
+          <a:fillRef idx="0">
+            <a:scrgbClr r="0" g="0" b="0"/>
+          </a:fillRef>
+          <a:effectRef idx="0">
+            <a:scrgbClr r="0" g="0" b="0"/>
+          </a:effectRef>
+          <a:fontRef idx="minor">
+            <a:schemeClr val="lt1"/>
+          </a:fontRef>
+        </p:style>
+        <p:txBody>
+          <a:bodyPr rtlCol="0" anchor="ctr"/>
+          <a:lstStyle/>
+          <a:p>
+            <a:pPr algn="ctr"/>
+            <a:r>
+              <a:rPr lang="en-GB" sz="1200" dirty="0"/>
+              <a:t>Robot Handler</a:t>
+            </a:r>
+          </a:p>
+        </p:txBody>
+      </p:sp>
+      <p:sp>
+        <p:nvSpPr>
+          <p:cNvPr id="168" name="Oval 167">
+            <a:extLst>
+              <a:ext uri="{FF2B5EF4-FFF2-40B4-BE49-F238E27FC236}">
+                <a16:creationId xmlns:a16="http://schemas.microsoft.com/office/drawing/2014/main" id="{084EDA64-A2A4-4ED2-8068-7789C06C7EDE}"/>
+              </a:ext>
+            </a:extLst>
+          </p:cNvPr>
+          <p:cNvSpPr/>
+          <p:nvPr/>
+        </p:nvSpPr>
+        <p:spPr>
+          <a:xfrm>
+            <a:off x="10672160" y="3153083"/>
+            <a:ext cx="1169846" cy="447294"/>
+          </a:xfrm>
+          <a:prstGeom prst="ellipse">
+            <a:avLst/>
+          </a:prstGeom>
+          <a:solidFill>
+            <a:schemeClr val="dk1">
+              <a:alpha val="50000"/>
+            </a:schemeClr>
+          </a:solidFill>
+          <a:ln>
+            <a:noFill/>
+          </a:ln>
+        </p:spPr>
+        <p:style>
+          <a:lnRef idx="0">
+            <a:scrgbClr r="0" g="0" b="0"/>
+          </a:lnRef>
+          <a:fillRef idx="0">
+            <a:scrgbClr r="0" g="0" b="0"/>
+          </a:fillRef>
+          <a:effectRef idx="0">
+            <a:scrgbClr r="0" g="0" b="0"/>
+          </a:effectRef>
+          <a:fontRef idx="minor">
+            <a:schemeClr val="lt1"/>
+          </a:fontRef>
+        </p:style>
+        <p:txBody>
+          <a:bodyPr rtlCol="0" anchor="ctr"/>
+          <a:lstStyle/>
+          <a:p>
+            <a:pPr algn="ctr"/>
+            <a:r>
+              <a:rPr lang="en-GB" sz="1200" dirty="0"/>
+              <a:t>Robot</a:t>
+            </a:r>
+          </a:p>
+        </p:txBody>
+      </p:sp>
+      <p:sp>
+        <p:nvSpPr>
+          <p:cNvPr id="169" name="Rectangle 168">
+            <a:extLst>
+              <a:ext uri="{FF2B5EF4-FFF2-40B4-BE49-F238E27FC236}">
+                <a16:creationId xmlns:a16="http://schemas.microsoft.com/office/drawing/2014/main" id="{A4CD5C23-F47C-466A-8F1B-08B8521687C8}"/>
+              </a:ext>
+            </a:extLst>
+          </p:cNvPr>
+          <p:cNvSpPr/>
+          <p:nvPr/>
+        </p:nvSpPr>
+        <p:spPr>
+          <a:xfrm>
+            <a:off x="8943198" y="3234800"/>
+            <a:ext cx="1187049" cy="283860"/>
+          </a:xfrm>
+          <a:prstGeom prst="rect">
+            <a:avLst/>
+          </a:prstGeom>
+          <a:solidFill>
+            <a:schemeClr val="dk1">
+              <a:alpha val="50000"/>
+            </a:schemeClr>
+          </a:solidFill>
+          <a:ln>
+            <a:noFill/>
+          </a:ln>
+        </p:spPr>
+        <p:style>
+          <a:lnRef idx="0">
+            <a:scrgbClr r="0" g="0" b="0"/>
+          </a:lnRef>
+          <a:fillRef idx="0">
+            <a:scrgbClr r="0" g="0" b="0"/>
+          </a:fillRef>
+          <a:effectRef idx="0">
+            <a:scrgbClr r="0" g="0" b="0"/>
+          </a:effectRef>
+          <a:fontRef idx="minor">
+            <a:schemeClr val="lt1"/>
+          </a:fontRef>
+        </p:style>
+        <p:txBody>
+          <a:bodyPr rtlCol="0" anchor="ctr"/>
+          <a:lstStyle/>
+          <a:p>
+            <a:pPr algn="ctr"/>
+            <a:r>
+              <a:rPr lang="en-GB" sz="1200" dirty="0"/>
+              <a:t>Instructions</a:t>
+            </a:r>
+          </a:p>
+        </p:txBody>
+      </p:sp>
+      <p:cxnSp>
+        <p:nvCxnSpPr>
+          <p:cNvPr id="170" name="Straight Arrow Connector 169">
+            <a:extLst>
+              <a:ext uri="{FF2B5EF4-FFF2-40B4-BE49-F238E27FC236}">
+                <a16:creationId xmlns:a16="http://schemas.microsoft.com/office/drawing/2014/main" id="{C3BF5BBC-39AB-4FB6-A6E4-7109D84887AF}"/>
+              </a:ext>
+            </a:extLst>
+          </p:cNvPr>
+          <p:cNvCxnSpPr>
+            <a:cxnSpLocks/>
+            <a:stCxn id="167" idx="6"/>
+            <a:endCxn id="169" idx="1"/>
+          </p:cNvCxnSpPr>
+          <p:nvPr/>
+        </p:nvCxnSpPr>
+        <p:spPr>
+          <a:xfrm>
+            <a:off x="8401284" y="3376730"/>
+            <a:ext cx="541914" cy="0"/>
+          </a:xfrm>
+          <a:prstGeom prst="straightConnector1">
+            <a:avLst/>
+          </a:prstGeom>
+          <a:ln>
+            <a:tailEnd type="triangle"/>
+          </a:ln>
+        </p:spPr>
+        <p:style>
+          <a:lnRef idx="1">
+            <a:schemeClr val="dk1"/>
+          </a:lnRef>
+          <a:fillRef idx="0">
+            <a:schemeClr val="dk1"/>
+          </a:fillRef>
+          <a:effectRef idx="0">
+            <a:schemeClr val="dk1"/>
+          </a:effectRef>
+          <a:fontRef idx="minor">
+            <a:schemeClr val="tx1"/>
+          </a:fontRef>
+        </p:style>
+      </p:cxnSp>
+      <p:cxnSp>
+        <p:nvCxnSpPr>
+          <p:cNvPr id="171" name="Straight Arrow Connector 170">
+            <a:extLst>
+              <a:ext uri="{FF2B5EF4-FFF2-40B4-BE49-F238E27FC236}">
+                <a16:creationId xmlns:a16="http://schemas.microsoft.com/office/drawing/2014/main" id="{A0F8DE2E-28D4-474A-BC2D-7F308AEB0558}"/>
+              </a:ext>
+            </a:extLst>
+          </p:cNvPr>
+          <p:cNvCxnSpPr>
+            <a:cxnSpLocks/>
+            <a:stCxn id="169" idx="3"/>
+            <a:endCxn id="168" idx="2"/>
+          </p:cNvCxnSpPr>
+          <p:nvPr/>
+        </p:nvCxnSpPr>
+        <p:spPr>
+          <a:xfrm>
+            <a:off x="10130247" y="3376730"/>
+            <a:ext cx="541914" cy="0"/>
+          </a:xfrm>
+          <a:prstGeom prst="straightConnector1">
+            <a:avLst/>
+          </a:prstGeom>
+          <a:ln>
+            <a:tailEnd type="triangle"/>
+          </a:ln>
+        </p:spPr>
+        <p:style>
+          <a:lnRef idx="1">
+            <a:schemeClr val="dk1"/>
+          </a:lnRef>
+          <a:fillRef idx="0">
+            <a:schemeClr val="dk1"/>
+          </a:fillRef>
+          <a:effectRef idx="0">
+            <a:schemeClr val="dk1"/>
+          </a:effectRef>
+          <a:fontRef idx="minor">
+            <a:schemeClr val="tx1"/>
+          </a:fontRef>
+        </p:style>
+      </p:cxnSp>
+      <p:cxnSp>
+        <p:nvCxnSpPr>
+          <p:cNvPr id="174" name="Straight Arrow Connector 173">
+            <a:extLst>
+              <a:ext uri="{FF2B5EF4-FFF2-40B4-BE49-F238E27FC236}">
+                <a16:creationId xmlns:a16="http://schemas.microsoft.com/office/drawing/2014/main" id="{62F4E14C-0C9E-4465-A28E-E1B822898613}"/>
+              </a:ext>
+            </a:extLst>
+          </p:cNvPr>
+          <p:cNvCxnSpPr>
+            <a:cxnSpLocks/>
+            <a:stCxn id="85" idx="3"/>
+            <a:endCxn id="167" idx="2"/>
+          </p:cNvCxnSpPr>
+          <p:nvPr/>
+        </p:nvCxnSpPr>
+        <p:spPr>
+          <a:xfrm>
+            <a:off x="6689524" y="3376730"/>
+            <a:ext cx="541914" cy="0"/>
+          </a:xfrm>
+          <a:prstGeom prst="straightConnector1">
+            <a:avLst/>
+          </a:prstGeom>
+          <a:ln>
+            <a:tailEnd type="triangle"/>
+          </a:ln>
+        </p:spPr>
+        <p:style>
+          <a:lnRef idx="1">
+            <a:schemeClr val="dk1"/>
+          </a:lnRef>
+          <a:fillRef idx="0">
+            <a:schemeClr val="dk1"/>
+          </a:fillRef>
+          <a:effectRef idx="0">
+            <a:schemeClr val="dk1"/>
+          </a:effectRef>
+          <a:fontRef idx="minor">
+            <a:schemeClr val="tx1"/>
+          </a:fontRef>
+        </p:style>
+      </p:cxnSp>
+      <p:sp>
+        <p:nvSpPr>
+          <p:cNvPr id="181" name="Oval 180">
+            <a:extLst>
+              <a:ext uri="{FF2B5EF4-FFF2-40B4-BE49-F238E27FC236}">
+                <a16:creationId xmlns:a16="http://schemas.microsoft.com/office/drawing/2014/main" id="{462CACF7-7642-4643-B6A8-747233C0270A}"/>
+              </a:ext>
+            </a:extLst>
+          </p:cNvPr>
+          <p:cNvSpPr/>
+          <p:nvPr/>
+        </p:nvSpPr>
+        <p:spPr>
+          <a:xfrm>
+            <a:off x="349994" y="3153083"/>
+            <a:ext cx="1169846" cy="447294"/>
+          </a:xfrm>
+          <a:prstGeom prst="ellipse">
+            <a:avLst/>
+          </a:prstGeom>
+          <a:solidFill>
+            <a:schemeClr val="dk1">
+              <a:alpha val="50000"/>
+            </a:schemeClr>
+          </a:solidFill>
+          <a:ln>
+            <a:noFill/>
+          </a:ln>
+        </p:spPr>
+        <p:style>
+          <a:lnRef idx="0">
+            <a:scrgbClr r="0" g="0" b="0"/>
+          </a:lnRef>
+          <a:fillRef idx="0">
+            <a:scrgbClr r="0" g="0" b="0"/>
+          </a:fillRef>
+          <a:effectRef idx="0">
+            <a:scrgbClr r="0" g="0" b="0"/>
+          </a:effectRef>
+          <a:fontRef idx="minor">
+            <a:schemeClr val="lt1"/>
+          </a:fontRef>
+        </p:style>
+        <p:txBody>
+          <a:bodyPr rtlCol="0" anchor="ctr"/>
+          <a:lstStyle/>
+          <a:p>
+            <a:pPr algn="ctr"/>
+            <a:r>
+              <a:rPr lang="en-GB" sz="1200" dirty="0"/>
+              <a:t>Camera</a:t>
+            </a:r>
+          </a:p>
+        </p:txBody>
+      </p:sp>
+      <p:cxnSp>
+        <p:nvCxnSpPr>
+          <p:cNvPr id="182" name="Straight Arrow Connector 181">
+            <a:extLst>
+              <a:ext uri="{FF2B5EF4-FFF2-40B4-BE49-F238E27FC236}">
+                <a16:creationId xmlns:a16="http://schemas.microsoft.com/office/drawing/2014/main" id="{5708FF3C-6578-479A-A3BF-6371585A3DBB}"/>
+              </a:ext>
+            </a:extLst>
+          </p:cNvPr>
+          <p:cNvCxnSpPr>
+            <a:cxnSpLocks/>
+            <a:stCxn id="181" idx="5"/>
+            <a:endCxn id="187" idx="1"/>
+          </p:cNvCxnSpPr>
+          <p:nvPr/>
+        </p:nvCxnSpPr>
+        <p:spPr>
+          <a:xfrm>
+            <a:off x="1348520" y="3534872"/>
+            <a:ext cx="773446" cy="12192"/>
+          </a:xfrm>
+          <a:prstGeom prst="straightConnector1">
+            <a:avLst/>
+          </a:prstGeom>
+          <a:ln>
+            <a:tailEnd type="triangle"/>
+          </a:ln>
+        </p:spPr>
+        <p:style>
+          <a:lnRef idx="1">
+            <a:schemeClr val="dk1"/>
+          </a:lnRef>
+          <a:fillRef idx="0">
+            <a:schemeClr val="dk1"/>
+          </a:fillRef>
+          <a:effectRef idx="0">
+            <a:schemeClr val="dk1"/>
+          </a:effectRef>
+          <a:fontRef idx="minor">
+            <a:schemeClr val="tx1"/>
+          </a:fontRef>
+        </p:style>
+      </p:cxnSp>
+      <p:cxnSp>
+        <p:nvCxnSpPr>
+          <p:cNvPr id="183" name="Straight Arrow Connector 182">
+            <a:extLst>
+              <a:ext uri="{FF2B5EF4-FFF2-40B4-BE49-F238E27FC236}">
+                <a16:creationId xmlns:a16="http://schemas.microsoft.com/office/drawing/2014/main" id="{60C1D6D1-BFEC-4609-BAE8-4B63B5FBD4FB}"/>
+              </a:ext>
+            </a:extLst>
+          </p:cNvPr>
+          <p:cNvCxnSpPr>
+            <a:cxnSpLocks/>
+            <a:stCxn id="187" idx="3"/>
+            <a:endCxn id="82" idx="3"/>
+          </p:cNvCxnSpPr>
+          <p:nvPr/>
+        </p:nvCxnSpPr>
+        <p:spPr>
+          <a:xfrm flipV="1">
+            <a:off x="3309015" y="3534872"/>
+            <a:ext cx="653021" cy="12192"/>
+          </a:xfrm>
+          <a:prstGeom prst="straightConnector1">
+            <a:avLst/>
+          </a:prstGeom>
+          <a:ln>
+            <a:tailEnd type="triangle"/>
+          </a:ln>
+        </p:spPr>
+        <p:style>
+          <a:lnRef idx="1">
+            <a:schemeClr val="dk1"/>
+          </a:lnRef>
+          <a:fillRef idx="0">
+            <a:schemeClr val="dk1"/>
+          </a:fillRef>
+          <a:effectRef idx="0">
+            <a:schemeClr val="dk1"/>
+          </a:effectRef>
+          <a:fontRef idx="minor">
+            <a:schemeClr val="tx1"/>
+          </a:fontRef>
+        </p:style>
+      </p:cxnSp>
+      <p:cxnSp>
+        <p:nvCxnSpPr>
+          <p:cNvPr id="184" name="Straight Arrow Connector 183">
+            <a:extLst>
+              <a:ext uri="{FF2B5EF4-FFF2-40B4-BE49-F238E27FC236}">
+                <a16:creationId xmlns:a16="http://schemas.microsoft.com/office/drawing/2014/main" id="{EFA5BAD1-08C7-47E7-927F-0F7CEDA7EEC6}"/>
+              </a:ext>
+            </a:extLst>
+          </p:cNvPr>
+          <p:cNvCxnSpPr>
+            <a:cxnSpLocks/>
+            <a:stCxn id="82" idx="1"/>
+            <a:endCxn id="188" idx="3"/>
+          </p:cNvCxnSpPr>
+          <p:nvPr/>
+        </p:nvCxnSpPr>
+        <p:spPr>
+          <a:xfrm flipH="1" flipV="1">
+            <a:off x="3309015" y="3211593"/>
+            <a:ext cx="653021" cy="6995"/>
+          </a:xfrm>
+          <a:prstGeom prst="straightConnector1">
+            <a:avLst/>
+          </a:prstGeom>
+          <a:ln>
+            <a:tailEnd type="triangle"/>
+          </a:ln>
+        </p:spPr>
+        <p:style>
+          <a:lnRef idx="1">
+            <a:schemeClr val="dk1"/>
+          </a:lnRef>
+          <a:fillRef idx="0">
+            <a:schemeClr val="dk1"/>
+          </a:fillRef>
+          <a:effectRef idx="0">
+            <a:schemeClr val="dk1"/>
+          </a:effectRef>
+          <a:fontRef idx="minor">
+            <a:schemeClr val="tx1"/>
+          </a:fontRef>
+        </p:style>
+      </p:cxnSp>
+      <p:cxnSp>
+        <p:nvCxnSpPr>
+          <p:cNvPr id="185" name="Straight Arrow Connector 184">
+            <a:extLst>
+              <a:ext uri="{FF2B5EF4-FFF2-40B4-BE49-F238E27FC236}">
+                <a16:creationId xmlns:a16="http://schemas.microsoft.com/office/drawing/2014/main" id="{DAB31678-084E-4387-A11E-A8663FDAB2B1}"/>
+              </a:ext>
+            </a:extLst>
+          </p:cNvPr>
+          <p:cNvCxnSpPr>
+            <a:cxnSpLocks/>
+            <a:stCxn id="188" idx="1"/>
+            <a:endCxn id="181" idx="7"/>
+          </p:cNvCxnSpPr>
+          <p:nvPr/>
+        </p:nvCxnSpPr>
+        <p:spPr>
+          <a:xfrm flipH="1">
+            <a:off x="1348520" y="3211593"/>
+            <a:ext cx="773446" cy="6995"/>
+          </a:xfrm>
+          <a:prstGeom prst="straightConnector1">
+            <a:avLst/>
+          </a:prstGeom>
+          <a:ln>
+            <a:tailEnd type="triangle"/>
+          </a:ln>
+        </p:spPr>
+        <p:style>
+          <a:lnRef idx="1">
+            <a:schemeClr val="dk1"/>
+          </a:lnRef>
+          <a:fillRef idx="0">
+            <a:schemeClr val="dk1"/>
+          </a:fillRef>
+          <a:effectRef idx="0">
+            <a:schemeClr val="dk1"/>
+          </a:effectRef>
+          <a:fontRef idx="minor">
+            <a:schemeClr val="tx1"/>
+          </a:fontRef>
+        </p:style>
+      </p:cxnSp>
+      <p:sp>
+        <p:nvSpPr>
+          <p:cNvPr id="186" name="Rectangle 185">
+            <a:extLst>
+              <a:ext uri="{FF2B5EF4-FFF2-40B4-BE49-F238E27FC236}">
+                <a16:creationId xmlns:a16="http://schemas.microsoft.com/office/drawing/2014/main" id="{B8C805A2-781A-44BF-BC80-7B1EBDDAF6A2}"/>
+              </a:ext>
+            </a:extLst>
+          </p:cNvPr>
+          <p:cNvSpPr/>
+          <p:nvPr/>
+        </p:nvSpPr>
+        <p:spPr>
+          <a:xfrm>
+            <a:off x="2027081" y="2704087"/>
+            <a:ext cx="1395950" cy="1061426"/>
+          </a:xfrm>
+          <a:prstGeom prst="rect">
+            <a:avLst/>
+          </a:prstGeom>
+          <a:solidFill>
+            <a:schemeClr val="dk1">
+              <a:alpha val="50000"/>
+            </a:schemeClr>
+          </a:solidFill>
+          <a:ln>
+            <a:noFill/>
+          </a:ln>
+        </p:spPr>
+        <p:style>
+          <a:lnRef idx="0">
+            <a:scrgbClr r="0" g="0" b="0"/>
+          </a:lnRef>
+          <a:fillRef idx="0">
+            <a:scrgbClr r="0" g="0" b="0"/>
+          </a:fillRef>
+          <a:effectRef idx="0">
+            <a:scrgbClr r="0" g="0" b="0"/>
+          </a:effectRef>
+          <a:fontRef idx="minor">
+            <a:schemeClr val="lt1"/>
+          </a:fontRef>
+        </p:style>
+        <p:txBody>
+          <a:bodyPr rtlCol="0" anchor="ctr"/>
+          <a:lstStyle/>
+          <a:p>
+            <a:pPr algn="ctr"/>
+            <a:r>
+              <a:rPr lang="en-GB" sz="1200" dirty="0"/>
+              <a:t>Instructions Group</a:t>
+            </a:r>
+          </a:p>
+          <a:p>
+            <a:pPr algn="ctr"/>
+            <a:endParaRPr lang="en-GB" sz="1200" dirty="0"/>
+          </a:p>
+          <a:p>
+            <a:pPr algn="ctr"/>
+            <a:endParaRPr lang="en-GB" sz="1200" dirty="0"/>
+          </a:p>
+          <a:p>
+            <a:pPr algn="ctr"/>
+            <a:endParaRPr lang="en-GB" sz="1200" dirty="0"/>
+          </a:p>
+          <a:p>
+            <a:pPr algn="ctr"/>
+            <a:endParaRPr lang="en-GB" sz="1200" dirty="0"/>
+          </a:p>
+        </p:txBody>
+      </p:sp>
+      <p:sp>
+        <p:nvSpPr>
+          <p:cNvPr id="187" name="Rectangle 186">
+            <a:extLst>
+              <a:ext uri="{FF2B5EF4-FFF2-40B4-BE49-F238E27FC236}">
+                <a16:creationId xmlns:a16="http://schemas.microsoft.com/office/drawing/2014/main" id="{361D5F01-1FA1-4E72-9799-3C95858882C1}"/>
+              </a:ext>
+            </a:extLst>
+          </p:cNvPr>
+          <p:cNvSpPr/>
+          <p:nvPr/>
+        </p:nvSpPr>
+        <p:spPr>
+          <a:xfrm>
+            <a:off x="2121966" y="3405134"/>
+            <a:ext cx="1187049" cy="283860"/>
+          </a:xfrm>
+          <a:prstGeom prst="rect">
+            <a:avLst/>
+          </a:prstGeom>
+          <a:solidFill>
+            <a:schemeClr val="dk1">
+              <a:alpha val="50000"/>
+            </a:schemeClr>
+          </a:solidFill>
+          <a:ln>
+            <a:noFill/>
+          </a:ln>
+        </p:spPr>
+        <p:style>
+          <a:lnRef idx="0">
+            <a:scrgbClr r="0" g="0" b="0"/>
+          </a:lnRef>
+          <a:fillRef idx="0">
+            <a:scrgbClr r="0" g="0" b="0"/>
+          </a:fillRef>
+          <a:effectRef idx="0">
+            <a:scrgbClr r="0" g="0" b="0"/>
+          </a:effectRef>
+          <a:fontRef idx="minor">
+            <a:schemeClr val="lt1"/>
+          </a:fontRef>
+        </p:style>
+        <p:txBody>
+          <a:bodyPr rtlCol="0" anchor="ctr"/>
+          <a:lstStyle/>
+          <a:p>
+            <a:pPr algn="ctr"/>
+            <a:r>
+              <a:rPr lang="en-GB" sz="1200" dirty="0" err="1"/>
+              <a:t>ImageStore</a:t>
+            </a:r>
+            <a:endParaRPr lang="en-GB" sz="1200" dirty="0"/>
+          </a:p>
+        </p:txBody>
+      </p:sp>
+      <p:sp>
+        <p:nvSpPr>
+          <p:cNvPr id="188" name="Rectangle 187">
+            <a:extLst>
+              <a:ext uri="{FF2B5EF4-FFF2-40B4-BE49-F238E27FC236}">
+                <a16:creationId xmlns:a16="http://schemas.microsoft.com/office/drawing/2014/main" id="{830529C0-6E97-47EB-AFC9-6650E015D76B}"/>
+              </a:ext>
+            </a:extLst>
+          </p:cNvPr>
+          <p:cNvSpPr/>
+          <p:nvPr/>
+        </p:nvSpPr>
+        <p:spPr>
+          <a:xfrm>
+            <a:off x="2121966" y="3069663"/>
+            <a:ext cx="1187049" cy="283860"/>
+          </a:xfrm>
+          <a:prstGeom prst="rect">
+            <a:avLst/>
+          </a:prstGeom>
+          <a:solidFill>
+            <a:schemeClr val="dk1">
+              <a:alpha val="50000"/>
+            </a:schemeClr>
+          </a:solidFill>
+          <a:ln>
+            <a:noFill/>
+          </a:ln>
+        </p:spPr>
+        <p:style>
+          <a:lnRef idx="0">
+            <a:scrgbClr r="0" g="0" b="0"/>
+          </a:lnRef>
+          <a:fillRef idx="0">
+            <a:scrgbClr r="0" g="0" b="0"/>
+          </a:fillRef>
+          <a:effectRef idx="0">
+            <a:scrgbClr r="0" g="0" b="0"/>
+          </a:effectRef>
+          <a:fontRef idx="minor">
+            <a:schemeClr val="lt1"/>
+          </a:fontRef>
+        </p:style>
+        <p:txBody>
+          <a:bodyPr rtlCol="0" anchor="ctr"/>
+          <a:lstStyle/>
+          <a:p>
+            <a:pPr algn="ctr"/>
+            <a:r>
+              <a:rPr lang="en-GB" sz="1200" dirty="0"/>
+              <a:t>Snapshot</a:t>
+            </a:r>
+          </a:p>
+        </p:txBody>
+      </p:sp>
+    </p:spTree>
+    <p:extLst>
+      <p:ext uri="{BB962C8B-B14F-4D97-AF65-F5344CB8AC3E}">
+        <p14:creationId xmlns:p14="http://schemas.microsoft.com/office/powerpoint/2010/main" val="2942578486"/>
+      </p:ext>
+    </p:extLst>
+  </p:cSld>
+  <p:clrMapOvr>
+    <a:masterClrMapping/>
+  </p:clrMapOvr>
+</p:sld>
+</file>
+
+<file path=ppt/slides/slide11.xml><?xml version="1.0" encoding="utf-8"?>
+<p:sld xmlns:a="http://schemas.openxmlformats.org/drawingml/2006/main" xmlns:r="http://schemas.openxmlformats.org/officeDocument/2006/relationships" xmlns:p="http://schemas.openxmlformats.org/presentationml/2006/main">
+  <p:cSld>
+    <p:spTree>
+      <p:nvGrpSpPr>
+        <p:cNvPr id="1" name=""/>
+        <p:cNvGrpSpPr/>
+        <p:nvPr/>
+      </p:nvGrpSpPr>
+      <p:grpSpPr>
+        <a:xfrm>
+          <a:off x="0" y="0"/>
+          <a:ext cx="0" cy="0"/>
+          <a:chOff x="0" y="0"/>
+          <a:chExt cx="0" cy="0"/>
+        </a:xfrm>
+      </p:grpSpPr>
+      <p:sp>
+        <p:nvSpPr>
+          <p:cNvPr id="2" name="Title 1">
+            <a:extLst>
+              <a:ext uri="{FF2B5EF4-FFF2-40B4-BE49-F238E27FC236}">
+                <a16:creationId xmlns:a16="http://schemas.microsoft.com/office/drawing/2014/main" id="{CF3E6105-1016-4545-9A5C-12F8198CBBCC}"/>
+              </a:ext>
+            </a:extLst>
+          </p:cNvPr>
+          <p:cNvSpPr>
+            <a:spLocks noGrp="1"/>
+          </p:cNvSpPr>
+          <p:nvPr>
+            <p:ph type="title"/>
+          </p:nvPr>
+        </p:nvSpPr>
+        <p:spPr/>
+        <p:txBody>
+          <a:bodyPr/>
+          <a:lstStyle/>
+          <a:p>
+            <a:r>
+              <a:rPr lang="en-GB" dirty="0"/>
+              <a:t>Task List</a:t>
+            </a:r>
+          </a:p>
+        </p:txBody>
+      </p:sp>
+      <p:sp>
+        <p:nvSpPr>
+          <p:cNvPr id="3" name="Content Placeholder 2">
+            <a:extLst>
+              <a:ext uri="{FF2B5EF4-FFF2-40B4-BE49-F238E27FC236}">
+                <a16:creationId xmlns:a16="http://schemas.microsoft.com/office/drawing/2014/main" id="{3627C162-825A-40CD-876F-EC9F360A9B55}"/>
+              </a:ext>
+            </a:extLst>
+          </p:cNvPr>
+          <p:cNvSpPr>
+            <a:spLocks noGrp="1"/>
+          </p:cNvSpPr>
+          <p:nvPr>
+            <p:ph idx="1"/>
+          </p:nvPr>
+        </p:nvSpPr>
+        <p:spPr>
+          <a:xfrm>
+            <a:off x="838200" y="1825625"/>
+            <a:ext cx="4343400" cy="4351338"/>
+          </a:xfrm>
+        </p:spPr>
+        <p:txBody>
+          <a:bodyPr>
+            <a:normAutofit fontScale="92500" lnSpcReduction="20000"/>
+          </a:bodyPr>
+          <a:lstStyle/>
+          <a:p>
+            <a:r>
+              <a:rPr lang="en-GB" dirty="0"/>
+              <a:t>Functions:</a:t>
+            </a:r>
+          </a:p>
+          <a:p>
+            <a:pPr lvl="1"/>
+            <a:r>
+              <a:rPr lang="en-GB" dirty="0"/>
+              <a:t>Image Acquisition</a:t>
+            </a:r>
+          </a:p>
+          <a:p>
+            <a:pPr lvl="2"/>
+            <a:r>
+              <a:rPr lang="en-GB" dirty="0"/>
+              <a:t>Image Store Replace</a:t>
+            </a:r>
+          </a:p>
+          <a:p>
+            <a:pPr lvl="1"/>
+            <a:r>
+              <a:rPr lang="en-GB" dirty="0"/>
+              <a:t>Background Generation</a:t>
+            </a:r>
+          </a:p>
+          <a:p>
+            <a:pPr lvl="1"/>
+            <a:r>
+              <a:rPr lang="en-GB" dirty="0"/>
+              <a:t>Foreground Extraction</a:t>
+            </a:r>
+          </a:p>
+          <a:p>
+            <a:pPr lvl="2"/>
+            <a:r>
+              <a:rPr lang="en-GB" dirty="0"/>
+              <a:t>Object Identification</a:t>
+            </a:r>
+          </a:p>
+          <a:p>
+            <a:pPr lvl="1"/>
+            <a:r>
+              <a:rPr lang="en-GB" dirty="0"/>
+              <a:t>Trash Label Filter</a:t>
+            </a:r>
+          </a:p>
+          <a:p>
+            <a:pPr lvl="1"/>
+            <a:r>
+              <a:rPr lang="en-GB" dirty="0"/>
+              <a:t>Relative Geo-Position</a:t>
+            </a:r>
+          </a:p>
+          <a:p>
+            <a:pPr lvl="2"/>
+            <a:r>
+              <a:rPr lang="en-GB" dirty="0"/>
+              <a:t>Find Trash positions</a:t>
+            </a:r>
+          </a:p>
+          <a:p>
+            <a:pPr lvl="2"/>
+            <a:r>
+              <a:rPr lang="en-GB" dirty="0"/>
+              <a:t>Find Robot position</a:t>
+            </a:r>
+          </a:p>
+          <a:p>
+            <a:pPr lvl="2"/>
+            <a:r>
+              <a:rPr lang="en-GB" dirty="0"/>
+              <a:t>Calculate Rotation Required</a:t>
+            </a:r>
+          </a:p>
+          <a:p>
+            <a:pPr lvl="2"/>
+            <a:r>
+              <a:rPr lang="en-GB" dirty="0"/>
+              <a:t>Calculate Distance Required</a:t>
+            </a:r>
+          </a:p>
+          <a:p>
+            <a:pPr lvl="1"/>
+            <a:r>
+              <a:rPr lang="en-GB" dirty="0"/>
+              <a:t>Robot Instruction Generation</a:t>
+            </a:r>
+          </a:p>
+          <a:p>
+            <a:pPr lvl="1"/>
+            <a:r>
+              <a:rPr lang="en-GB" dirty="0"/>
+              <a:t>Robot Communication</a:t>
+            </a:r>
+          </a:p>
+          <a:p>
+            <a:endParaRPr lang="en-GB" dirty="0"/>
+          </a:p>
+        </p:txBody>
+      </p:sp>
+      <p:sp>
+        <p:nvSpPr>
+          <p:cNvPr id="4" name="Content Placeholder 2">
+            <a:extLst>
+              <a:ext uri="{FF2B5EF4-FFF2-40B4-BE49-F238E27FC236}">
+                <a16:creationId xmlns:a16="http://schemas.microsoft.com/office/drawing/2014/main" id="{699ADA44-6943-485A-9787-04ED219459C0}"/>
+              </a:ext>
+            </a:extLst>
+          </p:cNvPr>
+          <p:cNvSpPr txBox="1">
+            <a:spLocks/>
+          </p:cNvSpPr>
+          <p:nvPr/>
+        </p:nvSpPr>
+        <p:spPr>
+          <a:xfrm>
+            <a:off x="6096000" y="1825625"/>
+            <a:ext cx="4343400" cy="4351338"/>
+          </a:xfrm>
+          <a:prstGeom prst="rect">
+            <a:avLst/>
+          </a:prstGeom>
+        </p:spPr>
+        <p:txBody>
+          <a:bodyPr vert="horz" lIns="91440" tIns="45720" rIns="91440" bIns="45720" rtlCol="0">
+            <a:normAutofit/>
+          </a:bodyPr>
+          <a:lstStyle>
+            <a:lvl1pPr marL="228600" indent="-228600" algn="l" defTabSz="914400" rtl="0" eaLnBrk="1" latinLnBrk="0" hangingPunct="1">
+              <a:lnSpc>
+                <a:spcPct val="90000"/>
+              </a:lnSpc>
+              <a:spcBef>
+                <a:spcPts val="1000"/>
+              </a:spcBef>
+              <a:buFont typeface="Arial" panose="020B0604020202020204" pitchFamily="34" charset="0"/>
+              <a:buChar char="•"/>
+              <a:defRPr sz="2800" kern="1200">
+                <a:solidFill>
+                  <a:schemeClr val="tx1"/>
+                </a:solidFill>
+                <a:latin typeface="+mn-lt"/>
+                <a:ea typeface="+mn-ea"/>
+                <a:cs typeface="+mn-cs"/>
+              </a:defRPr>
+            </a:lvl1pPr>
+            <a:lvl2pPr marL="685800" indent="-228600" algn="l" defTabSz="914400" rtl="0" eaLnBrk="1" latinLnBrk="0" hangingPunct="1">
+              <a:lnSpc>
+                <a:spcPct val="90000"/>
+              </a:lnSpc>
+              <a:spcBef>
+                <a:spcPts val="500"/>
+              </a:spcBef>
+              <a:buFont typeface="Arial" panose="020B0604020202020204" pitchFamily="34" charset="0"/>
+              <a:buChar char="•"/>
+              <a:defRPr sz="2400" kern="1200">
+                <a:solidFill>
+                  <a:schemeClr val="tx1"/>
+                </a:solidFill>
+                <a:latin typeface="+mn-lt"/>
+                <a:ea typeface="+mn-ea"/>
+                <a:cs typeface="+mn-cs"/>
+              </a:defRPr>
+            </a:lvl2pPr>
+            <a:lvl3pPr marL="1143000" indent="-228600" algn="l" defTabSz="914400" rtl="0" eaLnBrk="1" latinLnBrk="0" hangingPunct="1">
+              <a:lnSpc>
+                <a:spcPct val="90000"/>
+              </a:lnSpc>
+              <a:spcBef>
+                <a:spcPts val="500"/>
+              </a:spcBef>
+              <a:buFont typeface="Arial" panose="020B0604020202020204" pitchFamily="34" charset="0"/>
+              <a:buChar char="•"/>
+              <a:defRPr sz="2000" kern="1200">
+                <a:solidFill>
+                  <a:schemeClr val="tx1"/>
+                </a:solidFill>
+                <a:latin typeface="+mn-lt"/>
+                <a:ea typeface="+mn-ea"/>
+                <a:cs typeface="+mn-cs"/>
+              </a:defRPr>
+            </a:lvl3pPr>
+            <a:lvl4pPr marL="1600200" indent="-228600" algn="l" defTabSz="914400" rtl="0" eaLnBrk="1" latinLnBrk="0" hangingPunct="1">
+              <a:lnSpc>
+                <a:spcPct val="90000"/>
+              </a:lnSpc>
+              <a:spcBef>
+                <a:spcPts val="500"/>
+              </a:spcBef>
+              <a:buFont typeface="Arial" panose="020B0604020202020204" pitchFamily="34" charset="0"/>
+              <a:buChar char="•"/>
+              <a:defRPr sz="1800" kern="1200">
+                <a:solidFill>
+                  <a:schemeClr val="tx1"/>
+                </a:solidFill>
+                <a:latin typeface="+mn-lt"/>
+                <a:ea typeface="+mn-ea"/>
+                <a:cs typeface="+mn-cs"/>
+              </a:defRPr>
+            </a:lvl4pPr>
+            <a:lvl5pPr marL="2057400" indent="-228600" algn="l" defTabSz="914400" rtl="0" eaLnBrk="1" latinLnBrk="0" hangingPunct="1">
+              <a:lnSpc>
+                <a:spcPct val="90000"/>
+              </a:lnSpc>
+              <a:spcBef>
+                <a:spcPts val="500"/>
+              </a:spcBef>
+              <a:buFont typeface="Arial" panose="020B0604020202020204" pitchFamily="34" charset="0"/>
+              <a:buChar char="•"/>
+              <a:defRPr sz="1800" kern="1200">
+                <a:solidFill>
+                  <a:schemeClr val="tx1"/>
+                </a:solidFill>
+                <a:latin typeface="+mn-lt"/>
+                <a:ea typeface="+mn-ea"/>
+                <a:cs typeface="+mn-cs"/>
+              </a:defRPr>
+            </a:lvl5pPr>
+            <a:lvl6pPr marL="2514600" indent="-228600" algn="l" defTabSz="914400" rtl="0" eaLnBrk="1" latinLnBrk="0" hangingPunct="1">
+              <a:lnSpc>
+                <a:spcPct val="90000"/>
+              </a:lnSpc>
+              <a:spcBef>
+                <a:spcPts val="500"/>
+              </a:spcBef>
+              <a:buFont typeface="Arial" panose="020B0604020202020204" pitchFamily="34" charset="0"/>
+              <a:buChar char="•"/>
+              <a:defRPr sz="1800" kern="1200">
+                <a:solidFill>
+                  <a:schemeClr val="tx1"/>
+                </a:solidFill>
+                <a:latin typeface="+mn-lt"/>
+                <a:ea typeface="+mn-ea"/>
+                <a:cs typeface="+mn-cs"/>
+              </a:defRPr>
+            </a:lvl6pPr>
+            <a:lvl7pPr marL="2971800" indent="-228600" algn="l" defTabSz="914400" rtl="0" eaLnBrk="1" latinLnBrk="0" hangingPunct="1">
+              <a:lnSpc>
+                <a:spcPct val="90000"/>
+              </a:lnSpc>
+              <a:spcBef>
+                <a:spcPts val="500"/>
+              </a:spcBef>
+              <a:buFont typeface="Arial" panose="020B0604020202020204" pitchFamily="34" charset="0"/>
+              <a:buChar char="•"/>
+              <a:defRPr sz="1800" kern="1200">
+                <a:solidFill>
+                  <a:schemeClr val="tx1"/>
+                </a:solidFill>
+                <a:latin typeface="+mn-lt"/>
+                <a:ea typeface="+mn-ea"/>
+                <a:cs typeface="+mn-cs"/>
+              </a:defRPr>
+            </a:lvl7pPr>
+            <a:lvl8pPr marL="3429000" indent="-228600" algn="l" defTabSz="914400" rtl="0" eaLnBrk="1" latinLnBrk="0" hangingPunct="1">
+              <a:lnSpc>
+                <a:spcPct val="90000"/>
+              </a:lnSpc>
+              <a:spcBef>
+                <a:spcPts val="500"/>
+              </a:spcBef>
+              <a:buFont typeface="Arial" panose="020B0604020202020204" pitchFamily="34" charset="0"/>
+              <a:buChar char="•"/>
+              <a:defRPr sz="1800" kern="1200">
+                <a:solidFill>
+                  <a:schemeClr val="tx1"/>
+                </a:solidFill>
+                <a:latin typeface="+mn-lt"/>
+                <a:ea typeface="+mn-ea"/>
+                <a:cs typeface="+mn-cs"/>
+              </a:defRPr>
+            </a:lvl8pPr>
+            <a:lvl9pPr marL="3886200" indent="-228600" algn="l" defTabSz="914400" rtl="0" eaLnBrk="1" latinLnBrk="0" hangingPunct="1">
+              <a:lnSpc>
+                <a:spcPct val="90000"/>
+              </a:lnSpc>
+              <a:spcBef>
+                <a:spcPts val="500"/>
+              </a:spcBef>
+              <a:buFont typeface="Arial" panose="020B0604020202020204" pitchFamily="34" charset="0"/>
+              <a:buChar char="•"/>
+              <a:defRPr sz="1800" kern="1200">
+                <a:solidFill>
+                  <a:schemeClr val="tx1"/>
+                </a:solidFill>
+                <a:latin typeface="+mn-lt"/>
+                <a:ea typeface="+mn-ea"/>
+                <a:cs typeface="+mn-cs"/>
+              </a:defRPr>
+            </a:lvl9pPr>
+          </a:lstStyle>
+          <a:p>
+            <a:r>
+              <a:rPr lang="en-GB" dirty="0"/>
+              <a:t>Other:</a:t>
+            </a:r>
+          </a:p>
+          <a:p>
+            <a:pPr lvl="1"/>
+            <a:r>
+              <a:rPr lang="en-GB" dirty="0"/>
+              <a:t>Buy RC Car</a:t>
+            </a:r>
+          </a:p>
+          <a:p>
+            <a:pPr lvl="1"/>
+            <a:r>
+              <a:rPr lang="en-GB" dirty="0"/>
+              <a:t>Set up frame store to system handler connection</a:t>
+            </a:r>
+          </a:p>
+          <a:p>
+            <a:pPr lvl="1"/>
+            <a:r>
+              <a:rPr lang="en-GB" dirty="0"/>
+              <a:t>Set up System handler to Robot handler connection</a:t>
+            </a:r>
+          </a:p>
+          <a:p>
+            <a:pPr lvl="1"/>
+            <a:endParaRPr lang="en-GB" dirty="0"/>
+          </a:p>
+        </p:txBody>
+      </p:sp>
+    </p:spTree>
+    <p:extLst>
+      <p:ext uri="{BB962C8B-B14F-4D97-AF65-F5344CB8AC3E}">
+        <p14:creationId xmlns:p14="http://schemas.microsoft.com/office/powerpoint/2010/main" val="1983263293"/>
+      </p:ext>
+    </p:extLst>
+  </p:cSld>
+  <p:clrMapOvr>
+    <a:masterClrMapping/>
+  </p:clrMapOvr>
+</p:sld>
+</file>
+
+<file path=ppt/slides/slide12.xml><?xml version="1.0" encoding="utf-8"?>
+<p:sld xmlns:a="http://schemas.openxmlformats.org/drawingml/2006/main" xmlns:r="http://schemas.openxmlformats.org/officeDocument/2006/relationships" xmlns:p="http://schemas.openxmlformats.org/presentationml/2006/main">
+  <p:cSld>
     <p:spTree>
       <p:nvGrpSpPr>
         <p:cNvPr id="1" name=""/>
@@ -4133,7 +5505,7 @@
           <p:cNvPr id="4" name="Rectangle 3">
             <a:extLst>
               <a:ext uri="{FF2B5EF4-FFF2-40B4-BE49-F238E27FC236}">
-                <a16:creationId xmlns:a16="http://schemas.microsoft.com/office/drawing/2014/main" xmlns="" id="{B952EAF2-0A12-43B9-9045-FF6DF05D9554}"/>
+                <a16:creationId xmlns:a16="http://schemas.microsoft.com/office/drawing/2014/main" id="{B952EAF2-0A12-43B9-9045-FF6DF05D9554}"/>
               </a:ext>
             </a:extLst>
           </p:cNvPr>
@@ -4188,7 +5560,7 @@
           <p:cNvPr id="6" name="Rectangle 5">
             <a:extLst>
               <a:ext uri="{FF2B5EF4-FFF2-40B4-BE49-F238E27FC236}">
-                <a16:creationId xmlns:a16="http://schemas.microsoft.com/office/drawing/2014/main" xmlns="" id="{BB1785C5-707A-4CE9-BBBE-93504DA2B416}"/>
+                <a16:creationId xmlns:a16="http://schemas.microsoft.com/office/drawing/2014/main" id="{BB1785C5-707A-4CE9-BBBE-93504DA2B416}"/>
               </a:ext>
             </a:extLst>
           </p:cNvPr>
@@ -4240,7 +5612,7 @@
           <p:cNvPr id="8" name="Right Triangle 7">
             <a:extLst>
               <a:ext uri="{FF2B5EF4-FFF2-40B4-BE49-F238E27FC236}">
-                <a16:creationId xmlns:a16="http://schemas.microsoft.com/office/drawing/2014/main" xmlns="" id="{A2D6DE3E-4399-4E4A-B4D0-6B24E5925A58}"/>
+                <a16:creationId xmlns:a16="http://schemas.microsoft.com/office/drawing/2014/main" id="{A2D6DE3E-4399-4E4A-B4D0-6B24E5925A58}"/>
               </a:ext>
             </a:extLst>
           </p:cNvPr>
@@ -4294,7 +5666,7 @@
           <p:cNvPr id="9" name="Right Triangle 8">
             <a:extLst>
               <a:ext uri="{FF2B5EF4-FFF2-40B4-BE49-F238E27FC236}">
-                <a16:creationId xmlns:a16="http://schemas.microsoft.com/office/drawing/2014/main" xmlns="" id="{4492A67D-306C-40E5-A188-25C5B2E8E60E}"/>
+                <a16:creationId xmlns:a16="http://schemas.microsoft.com/office/drawing/2014/main" id="{4492A67D-306C-40E5-A188-25C5B2E8E60E}"/>
               </a:ext>
             </a:extLst>
           </p:cNvPr>
@@ -4346,7 +5718,7 @@
           <p:cNvPr id="10" name="Group 9">
             <a:extLst>
               <a:ext uri="{FF2B5EF4-FFF2-40B4-BE49-F238E27FC236}">
-                <a16:creationId xmlns:a16="http://schemas.microsoft.com/office/drawing/2014/main" xmlns="" id="{7240A447-BF0B-4888-ADEE-D2144CBECB04}"/>
+                <a16:creationId xmlns:a16="http://schemas.microsoft.com/office/drawing/2014/main" id="{7240A447-BF0B-4888-ADEE-D2144CBECB04}"/>
               </a:ext>
             </a:extLst>
           </p:cNvPr>
@@ -4366,7 +5738,7 @@
             <p:cNvPr id="11" name="Oval 10">
               <a:extLst>
                 <a:ext uri="{FF2B5EF4-FFF2-40B4-BE49-F238E27FC236}">
-                  <a16:creationId xmlns:a16="http://schemas.microsoft.com/office/drawing/2014/main" xmlns="" id="{B9E483EF-C8ED-4317-9444-C6D60D009609}"/>
+                  <a16:creationId xmlns:a16="http://schemas.microsoft.com/office/drawing/2014/main" id="{B9E483EF-C8ED-4317-9444-C6D60D009609}"/>
                 </a:ext>
               </a:extLst>
             </p:cNvPr>
@@ -4420,7 +5792,7 @@
             <p:cNvPr id="12" name="Oval 11">
               <a:extLst>
                 <a:ext uri="{FF2B5EF4-FFF2-40B4-BE49-F238E27FC236}">
-                  <a16:creationId xmlns:a16="http://schemas.microsoft.com/office/drawing/2014/main" xmlns="" id="{F5DC7E25-2E03-4DE0-8320-080C922B65CE}"/>
+                  <a16:creationId xmlns:a16="http://schemas.microsoft.com/office/drawing/2014/main" id="{F5DC7E25-2E03-4DE0-8320-080C922B65CE}"/>
                 </a:ext>
               </a:extLst>
             </p:cNvPr>
@@ -4474,7 +5846,7 @@
             <p:cNvPr id="13" name="Rectangle 12">
               <a:extLst>
                 <a:ext uri="{FF2B5EF4-FFF2-40B4-BE49-F238E27FC236}">
-                  <a16:creationId xmlns:a16="http://schemas.microsoft.com/office/drawing/2014/main" xmlns="" id="{DFA46352-C925-404B-9D8C-89CD61D2ADB4}"/>
+                  <a16:creationId xmlns:a16="http://schemas.microsoft.com/office/drawing/2014/main" id="{DFA46352-C925-404B-9D8C-89CD61D2ADB4}"/>
                 </a:ext>
               </a:extLst>
             </p:cNvPr>
@@ -4531,7 +5903,7 @@
             <p:cNvPr id="14" name="Rectangle: Rounded Corners 13">
               <a:extLst>
                 <a:ext uri="{FF2B5EF4-FFF2-40B4-BE49-F238E27FC236}">
-                  <a16:creationId xmlns:a16="http://schemas.microsoft.com/office/drawing/2014/main" xmlns="" id="{2D21F57D-E5CB-4BE7-B1D9-E4F1E8554796}"/>
+                  <a16:creationId xmlns:a16="http://schemas.microsoft.com/office/drawing/2014/main" id="{2D21F57D-E5CB-4BE7-B1D9-E4F1E8554796}"/>
                 </a:ext>
               </a:extLst>
             </p:cNvPr>
@@ -4591,7 +5963,7 @@
           <p:cNvPr id="16" name="Cloud 15">
             <a:extLst>
               <a:ext uri="{FF2B5EF4-FFF2-40B4-BE49-F238E27FC236}">
-                <a16:creationId xmlns:a16="http://schemas.microsoft.com/office/drawing/2014/main" xmlns="" id="{2CE27498-5023-4903-B058-E42EFEAA038E}"/>
+                <a16:creationId xmlns:a16="http://schemas.microsoft.com/office/drawing/2014/main" id="{2CE27498-5023-4903-B058-E42EFEAA038E}"/>
               </a:ext>
             </a:extLst>
           </p:cNvPr>
@@ -4648,7 +6020,7 @@
           <p:cNvPr id="5" name="Rectangle 4">
             <a:extLst>
               <a:ext uri="{FF2B5EF4-FFF2-40B4-BE49-F238E27FC236}">
-                <a16:creationId xmlns:a16="http://schemas.microsoft.com/office/drawing/2014/main" xmlns="" id="{54780F52-5C75-483F-A096-AE5FC390B8FA}"/>
+                <a16:creationId xmlns:a16="http://schemas.microsoft.com/office/drawing/2014/main" id="{54780F52-5C75-483F-A096-AE5FC390B8FA}"/>
               </a:ext>
             </a:extLst>
           </p:cNvPr>
@@ -4734,7 +6106,7 @@
           <p:cNvPr id="21" name="Rectangle 20">
             <a:extLst>
               <a:ext uri="{FF2B5EF4-FFF2-40B4-BE49-F238E27FC236}">
-                <a16:creationId xmlns:a16="http://schemas.microsoft.com/office/drawing/2014/main" xmlns="" id="{BD25B3EC-DB4C-4497-8FF5-572ABA1DC4C4}"/>
+                <a16:creationId xmlns:a16="http://schemas.microsoft.com/office/drawing/2014/main" id="{BD25B3EC-DB4C-4497-8FF5-572ABA1DC4C4}"/>
               </a:ext>
             </a:extLst>
           </p:cNvPr>
@@ -4786,7 +6158,7 @@
           <p:cNvPr id="20" name="Group 19">
             <a:extLst>
               <a:ext uri="{FF2B5EF4-FFF2-40B4-BE49-F238E27FC236}">
-                <a16:creationId xmlns:a16="http://schemas.microsoft.com/office/drawing/2014/main" xmlns="" id="{E9C4BE0C-8811-440A-A293-0B74E20CB15B}"/>
+                <a16:creationId xmlns:a16="http://schemas.microsoft.com/office/drawing/2014/main" id="{E9C4BE0C-8811-440A-A293-0B74E20CB15B}"/>
               </a:ext>
             </a:extLst>
           </p:cNvPr>
@@ -4806,7 +6178,7 @@
             <p:cNvPr id="14" name="Rectangle: Rounded Corners 13">
               <a:extLst>
                 <a:ext uri="{FF2B5EF4-FFF2-40B4-BE49-F238E27FC236}">
-                  <a16:creationId xmlns:a16="http://schemas.microsoft.com/office/drawing/2014/main" xmlns="" id="{F7D747E1-5321-4917-83A5-2C97927CE3D9}"/>
+                  <a16:creationId xmlns:a16="http://schemas.microsoft.com/office/drawing/2014/main" id="{F7D747E1-5321-4917-83A5-2C97927CE3D9}"/>
                 </a:ext>
               </a:extLst>
             </p:cNvPr>
@@ -4865,7 +6237,7 @@
             <p:cNvPr id="19" name="Rectangle: Rounded Corners 18">
               <a:extLst>
                 <a:ext uri="{FF2B5EF4-FFF2-40B4-BE49-F238E27FC236}">
-                  <a16:creationId xmlns:a16="http://schemas.microsoft.com/office/drawing/2014/main" xmlns="" id="{0F5F2F2C-752A-4F44-802C-BBB45CAC38B4}"/>
+                  <a16:creationId xmlns:a16="http://schemas.microsoft.com/office/drawing/2014/main" id="{0F5F2F2C-752A-4F44-802C-BBB45CAC38B4}"/>
                 </a:ext>
               </a:extLst>
             </p:cNvPr>
@@ -4924,7 +6296,7 @@
             <p:cNvPr id="13" name="Rectangle 12">
               <a:extLst>
                 <a:ext uri="{FF2B5EF4-FFF2-40B4-BE49-F238E27FC236}">
-                  <a16:creationId xmlns:a16="http://schemas.microsoft.com/office/drawing/2014/main" xmlns="" id="{F3690F3F-1F02-439A-A3F7-6E4692B1FE3F}"/>
+                  <a16:creationId xmlns:a16="http://schemas.microsoft.com/office/drawing/2014/main" id="{F3690F3F-1F02-439A-A3F7-6E4692B1FE3F}"/>
                 </a:ext>
               </a:extLst>
             </p:cNvPr>
@@ -4981,7 +6353,7 @@
             <p:cNvPr id="11" name="Oval 10">
               <a:extLst>
                 <a:ext uri="{FF2B5EF4-FFF2-40B4-BE49-F238E27FC236}">
-                  <a16:creationId xmlns:a16="http://schemas.microsoft.com/office/drawing/2014/main" xmlns="" id="{A0D0750E-85C8-46C7-A66D-0F4E01652F18}"/>
+                  <a16:creationId xmlns:a16="http://schemas.microsoft.com/office/drawing/2014/main" id="{A0D0750E-85C8-46C7-A66D-0F4E01652F18}"/>
                 </a:ext>
               </a:extLst>
             </p:cNvPr>
@@ -5035,7 +6407,7 @@
             <p:cNvPr id="12" name="Oval 11">
               <a:extLst>
                 <a:ext uri="{FF2B5EF4-FFF2-40B4-BE49-F238E27FC236}">
-                  <a16:creationId xmlns:a16="http://schemas.microsoft.com/office/drawing/2014/main" xmlns="" id="{8026C938-56CA-447F-968E-67A1FE5611D7}"/>
+                  <a16:creationId xmlns:a16="http://schemas.microsoft.com/office/drawing/2014/main" id="{8026C938-56CA-447F-968E-67A1FE5611D7}"/>
                 </a:ext>
               </a:extLst>
             </p:cNvPr>
@@ -5090,7 +6462,7 @@
           <p:cNvPr id="22" name="Cloud 21">
             <a:extLst>
               <a:ext uri="{FF2B5EF4-FFF2-40B4-BE49-F238E27FC236}">
-                <a16:creationId xmlns:a16="http://schemas.microsoft.com/office/drawing/2014/main" xmlns="" id="{7816433F-6710-4BE4-96DD-713A55E9C120}"/>
+                <a16:creationId xmlns:a16="http://schemas.microsoft.com/office/drawing/2014/main" id="{7816433F-6710-4BE4-96DD-713A55E9C120}"/>
               </a:ext>
             </a:extLst>
           </p:cNvPr>
@@ -5177,7 +6549,7 @@
           <p:cNvPr id="21" name="Rectangle 20">
             <a:extLst>
               <a:ext uri="{FF2B5EF4-FFF2-40B4-BE49-F238E27FC236}">
-                <a16:creationId xmlns:a16="http://schemas.microsoft.com/office/drawing/2014/main" xmlns="" id="{BD25B3EC-DB4C-4497-8FF5-572ABA1DC4C4}"/>
+                <a16:creationId xmlns:a16="http://schemas.microsoft.com/office/drawing/2014/main" id="{BD25B3EC-DB4C-4497-8FF5-572ABA1DC4C4}"/>
               </a:ext>
             </a:extLst>
           </p:cNvPr>
@@ -5229,7 +6601,7 @@
           <p:cNvPr id="20" name="Group 19">
             <a:extLst>
               <a:ext uri="{FF2B5EF4-FFF2-40B4-BE49-F238E27FC236}">
-                <a16:creationId xmlns:a16="http://schemas.microsoft.com/office/drawing/2014/main" xmlns="" id="{E9C4BE0C-8811-440A-A293-0B74E20CB15B}"/>
+                <a16:creationId xmlns:a16="http://schemas.microsoft.com/office/drawing/2014/main" id="{E9C4BE0C-8811-440A-A293-0B74E20CB15B}"/>
               </a:ext>
             </a:extLst>
           </p:cNvPr>
@@ -5249,7 +6621,7 @@
             <p:cNvPr id="14" name="Rectangle: Rounded Corners 13">
               <a:extLst>
                 <a:ext uri="{FF2B5EF4-FFF2-40B4-BE49-F238E27FC236}">
-                  <a16:creationId xmlns:a16="http://schemas.microsoft.com/office/drawing/2014/main" xmlns="" id="{F7D747E1-5321-4917-83A5-2C97927CE3D9}"/>
+                  <a16:creationId xmlns:a16="http://schemas.microsoft.com/office/drawing/2014/main" id="{F7D747E1-5321-4917-83A5-2C97927CE3D9}"/>
                 </a:ext>
               </a:extLst>
             </p:cNvPr>
@@ -5308,7 +6680,7 @@
             <p:cNvPr id="19" name="Rectangle: Rounded Corners 18">
               <a:extLst>
                 <a:ext uri="{FF2B5EF4-FFF2-40B4-BE49-F238E27FC236}">
-                  <a16:creationId xmlns:a16="http://schemas.microsoft.com/office/drawing/2014/main" xmlns="" id="{0F5F2F2C-752A-4F44-802C-BBB45CAC38B4}"/>
+                  <a16:creationId xmlns:a16="http://schemas.microsoft.com/office/drawing/2014/main" id="{0F5F2F2C-752A-4F44-802C-BBB45CAC38B4}"/>
                 </a:ext>
               </a:extLst>
             </p:cNvPr>
@@ -5367,7 +6739,7 @@
             <p:cNvPr id="13" name="Rectangle 12">
               <a:extLst>
                 <a:ext uri="{FF2B5EF4-FFF2-40B4-BE49-F238E27FC236}">
-                  <a16:creationId xmlns:a16="http://schemas.microsoft.com/office/drawing/2014/main" xmlns="" id="{F3690F3F-1F02-439A-A3F7-6E4692B1FE3F}"/>
+                  <a16:creationId xmlns:a16="http://schemas.microsoft.com/office/drawing/2014/main" id="{F3690F3F-1F02-439A-A3F7-6E4692B1FE3F}"/>
                 </a:ext>
               </a:extLst>
             </p:cNvPr>
@@ -5424,7 +6796,7 @@
             <p:cNvPr id="11" name="Oval 10">
               <a:extLst>
                 <a:ext uri="{FF2B5EF4-FFF2-40B4-BE49-F238E27FC236}">
-                  <a16:creationId xmlns:a16="http://schemas.microsoft.com/office/drawing/2014/main" xmlns="" id="{A0D0750E-85C8-46C7-A66D-0F4E01652F18}"/>
+                  <a16:creationId xmlns:a16="http://schemas.microsoft.com/office/drawing/2014/main" id="{A0D0750E-85C8-46C7-A66D-0F4E01652F18}"/>
                 </a:ext>
               </a:extLst>
             </p:cNvPr>
@@ -5478,7 +6850,7 @@
             <p:cNvPr id="12" name="Oval 11">
               <a:extLst>
                 <a:ext uri="{FF2B5EF4-FFF2-40B4-BE49-F238E27FC236}">
-                  <a16:creationId xmlns:a16="http://schemas.microsoft.com/office/drawing/2014/main" xmlns="" id="{8026C938-56CA-447F-968E-67A1FE5611D7}"/>
+                  <a16:creationId xmlns:a16="http://schemas.microsoft.com/office/drawing/2014/main" id="{8026C938-56CA-447F-968E-67A1FE5611D7}"/>
                 </a:ext>
               </a:extLst>
             </p:cNvPr>
@@ -5533,7 +6905,7 @@
           <p:cNvPr id="22" name="Cloud 21">
             <a:extLst>
               <a:ext uri="{FF2B5EF4-FFF2-40B4-BE49-F238E27FC236}">
-                <a16:creationId xmlns:a16="http://schemas.microsoft.com/office/drawing/2014/main" xmlns="" id="{7816433F-6710-4BE4-96DD-713A55E9C120}"/>
+                <a16:creationId xmlns:a16="http://schemas.microsoft.com/office/drawing/2014/main" id="{7816433F-6710-4BE4-96DD-713A55E9C120}"/>
               </a:ext>
             </a:extLst>
           </p:cNvPr>
@@ -5590,7 +6962,7 @@
           <p:cNvPr id="18" name="Rectangle 17">
             <a:extLst>
               <a:ext uri="{FF2B5EF4-FFF2-40B4-BE49-F238E27FC236}">
-                <a16:creationId xmlns:a16="http://schemas.microsoft.com/office/drawing/2014/main" xmlns="" id="{1691F04F-5542-4138-AE32-C7ABDADEDD48}"/>
+                <a16:creationId xmlns:a16="http://schemas.microsoft.com/office/drawing/2014/main" id="{1691F04F-5542-4138-AE32-C7ABDADEDD48}"/>
               </a:ext>
             </a:extLst>
           </p:cNvPr>
@@ -5644,7 +7016,7 @@
           <p:cNvPr id="23" name="Oval 22">
             <a:extLst>
               <a:ext uri="{FF2B5EF4-FFF2-40B4-BE49-F238E27FC236}">
-                <a16:creationId xmlns:a16="http://schemas.microsoft.com/office/drawing/2014/main" xmlns="" id="{68F7C2D4-7A61-481E-95A2-C3E0FF07CEB2}"/>
+                <a16:creationId xmlns:a16="http://schemas.microsoft.com/office/drawing/2014/main" id="{68F7C2D4-7A61-481E-95A2-C3E0FF07CEB2}"/>
               </a:ext>
             </a:extLst>
           </p:cNvPr>
@@ -5698,7 +7070,7 @@
           <p:cNvPr id="24" name="Oval 23">
             <a:extLst>
               <a:ext uri="{FF2B5EF4-FFF2-40B4-BE49-F238E27FC236}">
-                <a16:creationId xmlns:a16="http://schemas.microsoft.com/office/drawing/2014/main" xmlns="" id="{39986F21-83F4-47B4-A190-C21573817676}"/>
+                <a16:creationId xmlns:a16="http://schemas.microsoft.com/office/drawing/2014/main" id="{39986F21-83F4-47B4-A190-C21573817676}"/>
               </a:ext>
             </a:extLst>
           </p:cNvPr>
@@ -5752,7 +7124,7 @@
           <p:cNvPr id="25" name="Oval 24">
             <a:extLst>
               <a:ext uri="{FF2B5EF4-FFF2-40B4-BE49-F238E27FC236}">
-                <a16:creationId xmlns:a16="http://schemas.microsoft.com/office/drawing/2014/main" xmlns="" id="{304F4A48-1083-4DC0-BBEA-AD2CB3155009}"/>
+                <a16:creationId xmlns:a16="http://schemas.microsoft.com/office/drawing/2014/main" id="{304F4A48-1083-4DC0-BBEA-AD2CB3155009}"/>
               </a:ext>
             </a:extLst>
           </p:cNvPr>
@@ -5836,7 +7208,7 @@
           <p:cNvPr id="21" name="Rectangle 20">
             <a:extLst>
               <a:ext uri="{FF2B5EF4-FFF2-40B4-BE49-F238E27FC236}">
-                <a16:creationId xmlns:a16="http://schemas.microsoft.com/office/drawing/2014/main" xmlns="" id="{BD25B3EC-DB4C-4497-8FF5-572ABA1DC4C4}"/>
+                <a16:creationId xmlns:a16="http://schemas.microsoft.com/office/drawing/2014/main" id="{BD25B3EC-DB4C-4497-8FF5-572ABA1DC4C4}"/>
               </a:ext>
             </a:extLst>
           </p:cNvPr>
@@ -5888,7 +7260,7 @@
           <p:cNvPr id="20" name="Group 19">
             <a:extLst>
               <a:ext uri="{FF2B5EF4-FFF2-40B4-BE49-F238E27FC236}">
-                <a16:creationId xmlns:a16="http://schemas.microsoft.com/office/drawing/2014/main" xmlns="" id="{E9C4BE0C-8811-440A-A293-0B74E20CB15B}"/>
+                <a16:creationId xmlns:a16="http://schemas.microsoft.com/office/drawing/2014/main" id="{E9C4BE0C-8811-440A-A293-0B74E20CB15B}"/>
               </a:ext>
             </a:extLst>
           </p:cNvPr>
@@ -5908,7 +7280,7 @@
             <p:cNvPr id="14" name="Rectangle: Rounded Corners 13">
               <a:extLst>
                 <a:ext uri="{FF2B5EF4-FFF2-40B4-BE49-F238E27FC236}">
-                  <a16:creationId xmlns:a16="http://schemas.microsoft.com/office/drawing/2014/main" xmlns="" id="{F7D747E1-5321-4917-83A5-2C97927CE3D9}"/>
+                  <a16:creationId xmlns:a16="http://schemas.microsoft.com/office/drawing/2014/main" id="{F7D747E1-5321-4917-83A5-2C97927CE3D9}"/>
                 </a:ext>
               </a:extLst>
             </p:cNvPr>
@@ -5967,7 +7339,7 @@
             <p:cNvPr id="19" name="Rectangle: Rounded Corners 18">
               <a:extLst>
                 <a:ext uri="{FF2B5EF4-FFF2-40B4-BE49-F238E27FC236}">
-                  <a16:creationId xmlns:a16="http://schemas.microsoft.com/office/drawing/2014/main" xmlns="" id="{0F5F2F2C-752A-4F44-802C-BBB45CAC38B4}"/>
+                  <a16:creationId xmlns:a16="http://schemas.microsoft.com/office/drawing/2014/main" id="{0F5F2F2C-752A-4F44-802C-BBB45CAC38B4}"/>
                 </a:ext>
               </a:extLst>
             </p:cNvPr>
@@ -6026,7 +7398,7 @@
             <p:cNvPr id="13" name="Rectangle 12">
               <a:extLst>
                 <a:ext uri="{FF2B5EF4-FFF2-40B4-BE49-F238E27FC236}">
-                  <a16:creationId xmlns:a16="http://schemas.microsoft.com/office/drawing/2014/main" xmlns="" id="{F3690F3F-1F02-439A-A3F7-6E4692B1FE3F}"/>
+                  <a16:creationId xmlns:a16="http://schemas.microsoft.com/office/drawing/2014/main" id="{F3690F3F-1F02-439A-A3F7-6E4692B1FE3F}"/>
                 </a:ext>
               </a:extLst>
             </p:cNvPr>
@@ -6083,7 +7455,7 @@
             <p:cNvPr id="11" name="Oval 10">
               <a:extLst>
                 <a:ext uri="{FF2B5EF4-FFF2-40B4-BE49-F238E27FC236}">
-                  <a16:creationId xmlns:a16="http://schemas.microsoft.com/office/drawing/2014/main" xmlns="" id="{A0D0750E-85C8-46C7-A66D-0F4E01652F18}"/>
+                  <a16:creationId xmlns:a16="http://schemas.microsoft.com/office/drawing/2014/main" id="{A0D0750E-85C8-46C7-A66D-0F4E01652F18}"/>
                 </a:ext>
               </a:extLst>
             </p:cNvPr>
@@ -6137,7 +7509,7 @@
             <p:cNvPr id="12" name="Oval 11">
               <a:extLst>
                 <a:ext uri="{FF2B5EF4-FFF2-40B4-BE49-F238E27FC236}">
-                  <a16:creationId xmlns:a16="http://schemas.microsoft.com/office/drawing/2014/main" xmlns="" id="{8026C938-56CA-447F-968E-67A1FE5611D7}"/>
+                  <a16:creationId xmlns:a16="http://schemas.microsoft.com/office/drawing/2014/main" id="{8026C938-56CA-447F-968E-67A1FE5611D7}"/>
                 </a:ext>
               </a:extLst>
             </p:cNvPr>
@@ -6192,7 +7564,7 @@
           <p:cNvPr id="22" name="Cloud 21">
             <a:extLst>
               <a:ext uri="{FF2B5EF4-FFF2-40B4-BE49-F238E27FC236}">
-                <a16:creationId xmlns:a16="http://schemas.microsoft.com/office/drawing/2014/main" xmlns="" id="{7816433F-6710-4BE4-96DD-713A55E9C120}"/>
+                <a16:creationId xmlns:a16="http://schemas.microsoft.com/office/drawing/2014/main" id="{7816433F-6710-4BE4-96DD-713A55E9C120}"/>
               </a:ext>
             </a:extLst>
           </p:cNvPr>
@@ -6249,7 +7621,7 @@
           <p:cNvPr id="18" name="Rectangle 17">
             <a:extLst>
               <a:ext uri="{FF2B5EF4-FFF2-40B4-BE49-F238E27FC236}">
-                <a16:creationId xmlns:a16="http://schemas.microsoft.com/office/drawing/2014/main" xmlns="" id="{1691F04F-5542-4138-AE32-C7ABDADEDD48}"/>
+                <a16:creationId xmlns:a16="http://schemas.microsoft.com/office/drawing/2014/main" id="{1691F04F-5542-4138-AE32-C7ABDADEDD48}"/>
               </a:ext>
             </a:extLst>
           </p:cNvPr>
@@ -6303,7 +7675,7 @@
           <p:cNvPr id="24" name="Oval 23">
             <a:extLst>
               <a:ext uri="{FF2B5EF4-FFF2-40B4-BE49-F238E27FC236}">
-                <a16:creationId xmlns:a16="http://schemas.microsoft.com/office/drawing/2014/main" xmlns="" id="{39986F21-83F4-47B4-A190-C21573817676}"/>
+                <a16:creationId xmlns:a16="http://schemas.microsoft.com/office/drawing/2014/main" id="{39986F21-83F4-47B4-A190-C21573817676}"/>
               </a:ext>
             </a:extLst>
           </p:cNvPr>
@@ -6357,7 +7729,7 @@
           <p:cNvPr id="3" name="Straight Connector 2">
             <a:extLst>
               <a:ext uri="{FF2B5EF4-FFF2-40B4-BE49-F238E27FC236}">
-                <a16:creationId xmlns:a16="http://schemas.microsoft.com/office/drawing/2014/main" xmlns="" id="{D4FE5C44-DB15-43D7-861A-9E8E750611FA}"/>
+                <a16:creationId xmlns:a16="http://schemas.microsoft.com/office/drawing/2014/main" id="{D4FE5C44-DB15-43D7-861A-9E8E750611FA}"/>
               </a:ext>
             </a:extLst>
           </p:cNvPr>
@@ -6400,7 +7772,7 @@
           <p:cNvPr id="23" name="Oval 22">
             <a:extLst>
               <a:ext uri="{FF2B5EF4-FFF2-40B4-BE49-F238E27FC236}">
-                <a16:creationId xmlns:a16="http://schemas.microsoft.com/office/drawing/2014/main" xmlns="" id="{68F7C2D4-7A61-481E-95A2-C3E0FF07CEB2}"/>
+                <a16:creationId xmlns:a16="http://schemas.microsoft.com/office/drawing/2014/main" id="{68F7C2D4-7A61-481E-95A2-C3E0FF07CEB2}"/>
               </a:ext>
             </a:extLst>
           </p:cNvPr>
@@ -6454,7 +7826,7 @@
           <p:cNvPr id="25" name="Oval 24">
             <a:extLst>
               <a:ext uri="{FF2B5EF4-FFF2-40B4-BE49-F238E27FC236}">
-                <a16:creationId xmlns:a16="http://schemas.microsoft.com/office/drawing/2014/main" xmlns="" id="{304F4A48-1083-4DC0-BBEA-AD2CB3155009}"/>
+                <a16:creationId xmlns:a16="http://schemas.microsoft.com/office/drawing/2014/main" id="{304F4A48-1083-4DC0-BBEA-AD2CB3155009}"/>
               </a:ext>
             </a:extLst>
           </p:cNvPr>
@@ -6508,7 +7880,7 @@
           <p:cNvPr id="5" name="Straight Connector 4">
             <a:extLst>
               <a:ext uri="{FF2B5EF4-FFF2-40B4-BE49-F238E27FC236}">
-                <a16:creationId xmlns:a16="http://schemas.microsoft.com/office/drawing/2014/main" xmlns="" id="{86723112-7FE1-441F-9F8A-F889DE6EF386}"/>
+                <a16:creationId xmlns:a16="http://schemas.microsoft.com/office/drawing/2014/main" id="{86723112-7FE1-441F-9F8A-F889DE6EF386}"/>
               </a:ext>
             </a:extLst>
           </p:cNvPr>
@@ -6551,7 +7923,7 @@
           <p:cNvPr id="8" name="Arrow: Right 7">
             <a:extLst>
               <a:ext uri="{FF2B5EF4-FFF2-40B4-BE49-F238E27FC236}">
-                <a16:creationId xmlns:a16="http://schemas.microsoft.com/office/drawing/2014/main" xmlns="" id="{902D70E0-C0D5-495D-81FF-8718930F7553}"/>
+                <a16:creationId xmlns:a16="http://schemas.microsoft.com/office/drawing/2014/main" id="{902D70E0-C0D5-495D-81FF-8718930F7553}"/>
               </a:ext>
             </a:extLst>
           </p:cNvPr>
@@ -6636,7 +8008,7 @@
           <p:cNvPr id="21" name="Rectangle 20">
             <a:extLst>
               <a:ext uri="{FF2B5EF4-FFF2-40B4-BE49-F238E27FC236}">
-                <a16:creationId xmlns:a16="http://schemas.microsoft.com/office/drawing/2014/main" xmlns="" id="{BD25B3EC-DB4C-4497-8FF5-572ABA1DC4C4}"/>
+                <a16:creationId xmlns:a16="http://schemas.microsoft.com/office/drawing/2014/main" id="{BD25B3EC-DB4C-4497-8FF5-572ABA1DC4C4}"/>
               </a:ext>
             </a:extLst>
           </p:cNvPr>
@@ -6688,7 +8060,7 @@
           <p:cNvPr id="22" name="Cloud 21">
             <a:extLst>
               <a:ext uri="{FF2B5EF4-FFF2-40B4-BE49-F238E27FC236}">
-                <a16:creationId xmlns:a16="http://schemas.microsoft.com/office/drawing/2014/main" xmlns="" id="{7816433F-6710-4BE4-96DD-713A55E9C120}"/>
+                <a16:creationId xmlns:a16="http://schemas.microsoft.com/office/drawing/2014/main" id="{7816433F-6710-4BE4-96DD-713A55E9C120}"/>
               </a:ext>
             </a:extLst>
           </p:cNvPr>
@@ -6745,7 +8117,7 @@
           <p:cNvPr id="36" name="Group 35">
             <a:extLst>
               <a:ext uri="{FF2B5EF4-FFF2-40B4-BE49-F238E27FC236}">
-                <a16:creationId xmlns:a16="http://schemas.microsoft.com/office/drawing/2014/main" xmlns="" id="{9D3C3581-799D-41C4-8A7E-3B1F29D7F724}"/>
+                <a16:creationId xmlns:a16="http://schemas.microsoft.com/office/drawing/2014/main" id="{9D3C3581-799D-41C4-8A7E-3B1F29D7F724}"/>
               </a:ext>
             </a:extLst>
           </p:cNvPr>
@@ -6765,7 +8137,7 @@
             <p:cNvPr id="40" name="Rectangle: Rounded Corners 39">
               <a:extLst>
                 <a:ext uri="{FF2B5EF4-FFF2-40B4-BE49-F238E27FC236}">
-                  <a16:creationId xmlns:a16="http://schemas.microsoft.com/office/drawing/2014/main" xmlns="" id="{342ABA70-F860-492B-BFBC-F4814929B690}"/>
+                  <a16:creationId xmlns:a16="http://schemas.microsoft.com/office/drawing/2014/main" id="{342ABA70-F860-492B-BFBC-F4814929B690}"/>
                 </a:ext>
               </a:extLst>
             </p:cNvPr>
@@ -6824,7 +8196,7 @@
             <p:cNvPr id="41" name="Rectangle: Rounded Corners 40">
               <a:extLst>
                 <a:ext uri="{FF2B5EF4-FFF2-40B4-BE49-F238E27FC236}">
-                  <a16:creationId xmlns:a16="http://schemas.microsoft.com/office/drawing/2014/main" xmlns="" id="{7C3DC209-DCFF-49CD-B4CD-A701A6076BC1}"/>
+                  <a16:creationId xmlns:a16="http://schemas.microsoft.com/office/drawing/2014/main" id="{7C3DC209-DCFF-49CD-B4CD-A701A6076BC1}"/>
                 </a:ext>
               </a:extLst>
             </p:cNvPr>
@@ -6883,7 +8255,7 @@
             <p:cNvPr id="42" name="Rectangle 41">
               <a:extLst>
                 <a:ext uri="{FF2B5EF4-FFF2-40B4-BE49-F238E27FC236}">
-                  <a16:creationId xmlns:a16="http://schemas.microsoft.com/office/drawing/2014/main" xmlns="" id="{0D2D6DD8-D866-4F3D-967E-38D0B5925AD4}"/>
+                  <a16:creationId xmlns:a16="http://schemas.microsoft.com/office/drawing/2014/main" id="{0D2D6DD8-D866-4F3D-967E-38D0B5925AD4}"/>
                 </a:ext>
               </a:extLst>
             </p:cNvPr>
@@ -6940,7 +8312,7 @@
             <p:cNvPr id="43" name="Oval 42">
               <a:extLst>
                 <a:ext uri="{FF2B5EF4-FFF2-40B4-BE49-F238E27FC236}">
-                  <a16:creationId xmlns:a16="http://schemas.microsoft.com/office/drawing/2014/main" xmlns="" id="{68D34BEC-9182-437E-9BA8-AD7FFA4B19EB}"/>
+                  <a16:creationId xmlns:a16="http://schemas.microsoft.com/office/drawing/2014/main" id="{68D34BEC-9182-437E-9BA8-AD7FFA4B19EB}"/>
                 </a:ext>
               </a:extLst>
             </p:cNvPr>
@@ -6994,7 +8366,7 @@
             <p:cNvPr id="44" name="Oval 43">
               <a:extLst>
                 <a:ext uri="{FF2B5EF4-FFF2-40B4-BE49-F238E27FC236}">
-                  <a16:creationId xmlns:a16="http://schemas.microsoft.com/office/drawing/2014/main" xmlns="" id="{BFE920F1-16B1-473C-990F-979542E37EF6}"/>
+                  <a16:creationId xmlns:a16="http://schemas.microsoft.com/office/drawing/2014/main" id="{BFE920F1-16B1-473C-990F-979542E37EF6}"/>
                 </a:ext>
               </a:extLst>
             </p:cNvPr>
@@ -7049,7 +8421,7 @@
           <p:cNvPr id="18" name="Rectangle 17">
             <a:extLst>
               <a:ext uri="{FF2B5EF4-FFF2-40B4-BE49-F238E27FC236}">
-                <a16:creationId xmlns:a16="http://schemas.microsoft.com/office/drawing/2014/main" xmlns="" id="{1691F04F-5542-4138-AE32-C7ABDADEDD48}"/>
+                <a16:creationId xmlns:a16="http://schemas.microsoft.com/office/drawing/2014/main" id="{1691F04F-5542-4138-AE32-C7ABDADEDD48}"/>
               </a:ext>
             </a:extLst>
           </p:cNvPr>
@@ -7103,7 +8475,7 @@
           <p:cNvPr id="3" name="Straight Connector 2">
             <a:extLst>
               <a:ext uri="{FF2B5EF4-FFF2-40B4-BE49-F238E27FC236}">
-                <a16:creationId xmlns:a16="http://schemas.microsoft.com/office/drawing/2014/main" xmlns="" id="{D4FE5C44-DB15-43D7-861A-9E8E750611FA}"/>
+                <a16:creationId xmlns:a16="http://schemas.microsoft.com/office/drawing/2014/main" id="{D4FE5C44-DB15-43D7-861A-9E8E750611FA}"/>
               </a:ext>
             </a:extLst>
           </p:cNvPr>
@@ -7146,7 +8518,7 @@
           <p:cNvPr id="23" name="Oval 22">
             <a:extLst>
               <a:ext uri="{FF2B5EF4-FFF2-40B4-BE49-F238E27FC236}">
-                <a16:creationId xmlns:a16="http://schemas.microsoft.com/office/drawing/2014/main" xmlns="" id="{68F7C2D4-7A61-481E-95A2-C3E0FF07CEB2}"/>
+                <a16:creationId xmlns:a16="http://schemas.microsoft.com/office/drawing/2014/main" id="{68F7C2D4-7A61-481E-95A2-C3E0FF07CEB2}"/>
               </a:ext>
             </a:extLst>
           </p:cNvPr>
@@ -7200,7 +8572,7 @@
           <p:cNvPr id="37" name="Oval 36">
             <a:extLst>
               <a:ext uri="{FF2B5EF4-FFF2-40B4-BE49-F238E27FC236}">
-                <a16:creationId xmlns:a16="http://schemas.microsoft.com/office/drawing/2014/main" xmlns="" id="{9370E720-6E28-4D6C-BB02-7682277CAE3D}"/>
+                <a16:creationId xmlns:a16="http://schemas.microsoft.com/office/drawing/2014/main" id="{9370E720-6E28-4D6C-BB02-7682277CAE3D}"/>
               </a:ext>
             </a:extLst>
           </p:cNvPr>
@@ -7254,7 +8626,7 @@
           <p:cNvPr id="38" name="Oval 37">
             <a:extLst>
               <a:ext uri="{FF2B5EF4-FFF2-40B4-BE49-F238E27FC236}">
-                <a16:creationId xmlns:a16="http://schemas.microsoft.com/office/drawing/2014/main" xmlns="" id="{E1568EDB-529F-481E-9BD9-1A4190F5A051}"/>
+                <a16:creationId xmlns:a16="http://schemas.microsoft.com/office/drawing/2014/main" id="{E1568EDB-529F-481E-9BD9-1A4190F5A051}"/>
               </a:ext>
             </a:extLst>
           </p:cNvPr>
@@ -7338,7 +8710,7 @@
           <p:cNvPr id="21" name="Rectangle 20">
             <a:extLst>
               <a:ext uri="{FF2B5EF4-FFF2-40B4-BE49-F238E27FC236}">
-                <a16:creationId xmlns:a16="http://schemas.microsoft.com/office/drawing/2014/main" xmlns="" id="{BD25B3EC-DB4C-4497-8FF5-572ABA1DC4C4}"/>
+                <a16:creationId xmlns:a16="http://schemas.microsoft.com/office/drawing/2014/main" id="{BD25B3EC-DB4C-4497-8FF5-572ABA1DC4C4}"/>
               </a:ext>
             </a:extLst>
           </p:cNvPr>
@@ -7390,7 +8762,7 @@
           <p:cNvPr id="26" name="Straight Connector 25">
             <a:extLst>
               <a:ext uri="{FF2B5EF4-FFF2-40B4-BE49-F238E27FC236}">
-                <a16:creationId xmlns:a16="http://schemas.microsoft.com/office/drawing/2014/main" xmlns="" id="{8F6E0289-E345-4A0E-9753-7FC8FE3E078D}"/>
+                <a16:creationId xmlns:a16="http://schemas.microsoft.com/office/drawing/2014/main" id="{8F6E0289-E345-4A0E-9753-7FC8FE3E078D}"/>
               </a:ext>
             </a:extLst>
           </p:cNvPr>
@@ -7435,7 +8807,7 @@
           <p:cNvPr id="27" name="Straight Connector 26">
             <a:extLst>
               <a:ext uri="{FF2B5EF4-FFF2-40B4-BE49-F238E27FC236}">
-                <a16:creationId xmlns:a16="http://schemas.microsoft.com/office/drawing/2014/main" xmlns="" id="{0F420222-C32D-4282-B4C1-8EE001FE4EB1}"/>
+                <a16:creationId xmlns:a16="http://schemas.microsoft.com/office/drawing/2014/main" id="{0F420222-C32D-4282-B4C1-8EE001FE4EB1}"/>
               </a:ext>
             </a:extLst>
           </p:cNvPr>
@@ -7480,7 +8852,7 @@
           <p:cNvPr id="22" name="Cloud 21">
             <a:extLst>
               <a:ext uri="{FF2B5EF4-FFF2-40B4-BE49-F238E27FC236}">
-                <a16:creationId xmlns:a16="http://schemas.microsoft.com/office/drawing/2014/main" xmlns="" id="{7816433F-6710-4BE4-96DD-713A55E9C120}"/>
+                <a16:creationId xmlns:a16="http://schemas.microsoft.com/office/drawing/2014/main" id="{7816433F-6710-4BE4-96DD-713A55E9C120}"/>
               </a:ext>
             </a:extLst>
           </p:cNvPr>
@@ -7537,7 +8909,7 @@
           <p:cNvPr id="36" name="Group 35">
             <a:extLst>
               <a:ext uri="{FF2B5EF4-FFF2-40B4-BE49-F238E27FC236}">
-                <a16:creationId xmlns:a16="http://schemas.microsoft.com/office/drawing/2014/main" xmlns="" id="{9D3C3581-799D-41C4-8A7E-3B1F29D7F724}"/>
+                <a16:creationId xmlns:a16="http://schemas.microsoft.com/office/drawing/2014/main" id="{9D3C3581-799D-41C4-8A7E-3B1F29D7F724}"/>
               </a:ext>
             </a:extLst>
           </p:cNvPr>
@@ -7562,7 +8934,7 @@
             <p:cNvPr id="40" name="Rectangle: Rounded Corners 39">
               <a:extLst>
                 <a:ext uri="{FF2B5EF4-FFF2-40B4-BE49-F238E27FC236}">
-                  <a16:creationId xmlns:a16="http://schemas.microsoft.com/office/drawing/2014/main" xmlns="" id="{342ABA70-F860-492B-BFBC-F4814929B690}"/>
+                  <a16:creationId xmlns:a16="http://schemas.microsoft.com/office/drawing/2014/main" id="{342ABA70-F860-492B-BFBC-F4814929B690}"/>
                 </a:ext>
               </a:extLst>
             </p:cNvPr>
@@ -7616,7 +8988,7 @@
             <p:cNvPr id="41" name="Rectangle: Rounded Corners 40">
               <a:extLst>
                 <a:ext uri="{FF2B5EF4-FFF2-40B4-BE49-F238E27FC236}">
-                  <a16:creationId xmlns:a16="http://schemas.microsoft.com/office/drawing/2014/main" xmlns="" id="{7C3DC209-DCFF-49CD-B4CD-A701A6076BC1}"/>
+                  <a16:creationId xmlns:a16="http://schemas.microsoft.com/office/drawing/2014/main" id="{7C3DC209-DCFF-49CD-B4CD-A701A6076BC1}"/>
                 </a:ext>
               </a:extLst>
             </p:cNvPr>
@@ -7670,7 +9042,7 @@
             <p:cNvPr id="42" name="Rectangle 41">
               <a:extLst>
                 <a:ext uri="{FF2B5EF4-FFF2-40B4-BE49-F238E27FC236}">
-                  <a16:creationId xmlns:a16="http://schemas.microsoft.com/office/drawing/2014/main" xmlns="" id="{0D2D6DD8-D866-4F3D-967E-38D0B5925AD4}"/>
+                  <a16:creationId xmlns:a16="http://schemas.microsoft.com/office/drawing/2014/main" id="{0D2D6DD8-D866-4F3D-967E-38D0B5925AD4}"/>
                 </a:ext>
               </a:extLst>
             </p:cNvPr>
@@ -7722,7 +9094,7 @@
             <p:cNvPr id="43" name="Oval 42">
               <a:extLst>
                 <a:ext uri="{FF2B5EF4-FFF2-40B4-BE49-F238E27FC236}">
-                  <a16:creationId xmlns:a16="http://schemas.microsoft.com/office/drawing/2014/main" xmlns="" id="{68D34BEC-9182-437E-9BA8-AD7FFA4B19EB}"/>
+                  <a16:creationId xmlns:a16="http://schemas.microsoft.com/office/drawing/2014/main" id="{68D34BEC-9182-437E-9BA8-AD7FFA4B19EB}"/>
                 </a:ext>
               </a:extLst>
             </p:cNvPr>
@@ -7774,7 +9146,7 @@
             <p:cNvPr id="44" name="Oval 43">
               <a:extLst>
                 <a:ext uri="{FF2B5EF4-FFF2-40B4-BE49-F238E27FC236}">
-                  <a16:creationId xmlns:a16="http://schemas.microsoft.com/office/drawing/2014/main" xmlns="" id="{BFE920F1-16B1-473C-990F-979542E37EF6}"/>
+                  <a16:creationId xmlns:a16="http://schemas.microsoft.com/office/drawing/2014/main" id="{BFE920F1-16B1-473C-990F-979542E37EF6}"/>
                 </a:ext>
               </a:extLst>
             </p:cNvPr>
@@ -7827,7 +9199,7 @@
           <p:cNvPr id="15" name="Group 14">
             <a:extLst>
               <a:ext uri="{FF2B5EF4-FFF2-40B4-BE49-F238E27FC236}">
-                <a16:creationId xmlns:a16="http://schemas.microsoft.com/office/drawing/2014/main" xmlns="" id="{0EB7F6F5-EE0C-4A6A-91A8-4227CAAA66AD}"/>
+                <a16:creationId xmlns:a16="http://schemas.microsoft.com/office/drawing/2014/main" id="{0EB7F6F5-EE0C-4A6A-91A8-4227CAAA66AD}"/>
               </a:ext>
             </a:extLst>
           </p:cNvPr>
@@ -7847,7 +9219,7 @@
             <p:cNvPr id="16" name="Rectangle: Rounded Corners 15">
               <a:extLst>
                 <a:ext uri="{FF2B5EF4-FFF2-40B4-BE49-F238E27FC236}">
-                  <a16:creationId xmlns:a16="http://schemas.microsoft.com/office/drawing/2014/main" xmlns="" id="{4910E712-7CCC-4036-BB7D-5C63E9E5FDAB}"/>
+                  <a16:creationId xmlns:a16="http://schemas.microsoft.com/office/drawing/2014/main" id="{4910E712-7CCC-4036-BB7D-5C63E9E5FDAB}"/>
                 </a:ext>
               </a:extLst>
             </p:cNvPr>
@@ -7906,7 +9278,7 @@
             <p:cNvPr id="17" name="Rectangle: Rounded Corners 16">
               <a:extLst>
                 <a:ext uri="{FF2B5EF4-FFF2-40B4-BE49-F238E27FC236}">
-                  <a16:creationId xmlns:a16="http://schemas.microsoft.com/office/drawing/2014/main" xmlns="" id="{203D6D70-B921-4172-8BB5-E3E2F3045288}"/>
+                  <a16:creationId xmlns:a16="http://schemas.microsoft.com/office/drawing/2014/main" id="{203D6D70-B921-4172-8BB5-E3E2F3045288}"/>
                 </a:ext>
               </a:extLst>
             </p:cNvPr>
@@ -7965,7 +9337,7 @@
             <p:cNvPr id="19" name="Rectangle 18">
               <a:extLst>
                 <a:ext uri="{FF2B5EF4-FFF2-40B4-BE49-F238E27FC236}">
-                  <a16:creationId xmlns:a16="http://schemas.microsoft.com/office/drawing/2014/main" xmlns="" id="{8F9E3AED-DA06-41E3-B4CB-F98B313D387C}"/>
+                  <a16:creationId xmlns:a16="http://schemas.microsoft.com/office/drawing/2014/main" id="{8F9E3AED-DA06-41E3-B4CB-F98B313D387C}"/>
                 </a:ext>
               </a:extLst>
             </p:cNvPr>
@@ -8022,7 +9394,7 @@
             <p:cNvPr id="20" name="Oval 19">
               <a:extLst>
                 <a:ext uri="{FF2B5EF4-FFF2-40B4-BE49-F238E27FC236}">
-                  <a16:creationId xmlns:a16="http://schemas.microsoft.com/office/drawing/2014/main" xmlns="" id="{AE61BD7C-6DB3-4503-ACFA-F76BE066663D}"/>
+                  <a16:creationId xmlns:a16="http://schemas.microsoft.com/office/drawing/2014/main" id="{AE61BD7C-6DB3-4503-ACFA-F76BE066663D}"/>
                 </a:ext>
               </a:extLst>
             </p:cNvPr>
@@ -8076,7 +9448,7 @@
             <p:cNvPr id="24" name="Oval 23">
               <a:extLst>
                 <a:ext uri="{FF2B5EF4-FFF2-40B4-BE49-F238E27FC236}">
-                  <a16:creationId xmlns:a16="http://schemas.microsoft.com/office/drawing/2014/main" xmlns="" id="{077293C1-F0DE-421A-9D7C-E6AFAB90A861}"/>
+                  <a16:creationId xmlns:a16="http://schemas.microsoft.com/office/drawing/2014/main" id="{077293C1-F0DE-421A-9D7C-E6AFAB90A861}"/>
                 </a:ext>
               </a:extLst>
             </p:cNvPr>
@@ -8171,7 +9543,7 @@
           <p:cNvPr id="76" name="Group 75">
             <a:extLst>
               <a:ext uri="{FF2B5EF4-FFF2-40B4-BE49-F238E27FC236}">
-                <a16:creationId xmlns:a16="http://schemas.microsoft.com/office/drawing/2014/main" xmlns="" id="{3DD29CB8-778C-4A7E-B6DA-2B1742D265D8}"/>
+                <a16:creationId xmlns:a16="http://schemas.microsoft.com/office/drawing/2014/main" id="{3DD29CB8-778C-4A7E-B6DA-2B1742D265D8}"/>
               </a:ext>
             </a:extLst>
           </p:cNvPr>
@@ -8191,7 +9563,7 @@
             <p:cNvPr id="77" name="Rectangle 76">
               <a:extLst>
                 <a:ext uri="{FF2B5EF4-FFF2-40B4-BE49-F238E27FC236}">
-                  <a16:creationId xmlns:a16="http://schemas.microsoft.com/office/drawing/2014/main" xmlns="" id="{FF8ECF35-CF58-43D8-A03A-5FE8544A266B}"/>
+                  <a16:creationId xmlns:a16="http://schemas.microsoft.com/office/drawing/2014/main" id="{FF8ECF35-CF58-43D8-A03A-5FE8544A266B}"/>
                 </a:ext>
               </a:extLst>
             </p:cNvPr>
@@ -8246,7 +9618,7 @@
             <p:cNvPr id="78" name="Rectangle 77">
               <a:extLst>
                 <a:ext uri="{FF2B5EF4-FFF2-40B4-BE49-F238E27FC236}">
-                  <a16:creationId xmlns:a16="http://schemas.microsoft.com/office/drawing/2014/main" xmlns="" id="{FF8ECF35-CF58-43D8-A03A-5FE8544A266B}"/>
+                  <a16:creationId xmlns:a16="http://schemas.microsoft.com/office/drawing/2014/main" id="{FF8ECF35-CF58-43D8-A03A-5FE8544A266B}"/>
                 </a:ext>
               </a:extLst>
             </p:cNvPr>
@@ -8301,7 +9673,7 @@
             <p:cNvPr id="96" name="Rectangle 95">
               <a:extLst>
                 <a:ext uri="{FF2B5EF4-FFF2-40B4-BE49-F238E27FC236}">
-                  <a16:creationId xmlns:a16="http://schemas.microsoft.com/office/drawing/2014/main" xmlns="" id="{FF8ECF35-CF58-43D8-A03A-5FE8544A266B}"/>
+                  <a16:creationId xmlns:a16="http://schemas.microsoft.com/office/drawing/2014/main" id="{FF8ECF35-CF58-43D8-A03A-5FE8544A266B}"/>
                 </a:ext>
               </a:extLst>
             </p:cNvPr>
@@ -8489,7 +9861,7 @@
             <p:cNvPr id="149" name="Rectangle 148">
               <a:extLst>
                 <a:ext uri="{FF2B5EF4-FFF2-40B4-BE49-F238E27FC236}">
-                  <a16:creationId xmlns:a16="http://schemas.microsoft.com/office/drawing/2014/main" xmlns="" id="{E67295A5-CD9B-42DF-A06B-173F8F469F8E}"/>
+                  <a16:creationId xmlns:a16="http://schemas.microsoft.com/office/drawing/2014/main" id="{E67295A5-CD9B-42DF-A06B-173F8F469F8E}"/>
                 </a:ext>
               </a:extLst>
             </p:cNvPr>
@@ -8628,7 +10000,7 @@
           <p:cNvPr id="11" name="Straight Arrow Connector 10">
             <a:extLst>
               <a:ext uri="{FF2B5EF4-FFF2-40B4-BE49-F238E27FC236}">
-                <a16:creationId xmlns:a16="http://schemas.microsoft.com/office/drawing/2014/main" xmlns="" id="{30AD2B9B-64B2-4F8A-8BA3-3D5BA859AC6B}"/>
+                <a16:creationId xmlns:a16="http://schemas.microsoft.com/office/drawing/2014/main" id="{30AD2B9B-64B2-4F8A-8BA3-3D5BA859AC6B}"/>
               </a:ext>
             </a:extLst>
           </p:cNvPr>
@@ -8675,7 +10047,7 @@
           <p:cNvPr id="18" name="TextBox 17">
             <a:extLst>
               <a:ext uri="{FF2B5EF4-FFF2-40B4-BE49-F238E27FC236}">
-                <a16:creationId xmlns:a16="http://schemas.microsoft.com/office/drawing/2014/main" xmlns="" id="{C41D69F8-1C98-4A01-95D1-ABD1D10BDD7D}"/>
+                <a16:creationId xmlns:a16="http://schemas.microsoft.com/office/drawing/2014/main" id="{C41D69F8-1C98-4A01-95D1-ABD1D10BDD7D}"/>
               </a:ext>
             </a:extLst>
           </p:cNvPr>
@@ -8718,7 +10090,7 @@
           <p:cNvPr id="33" name="Flowchart: Delay 32">
             <a:extLst>
               <a:ext uri="{FF2B5EF4-FFF2-40B4-BE49-F238E27FC236}">
-                <a16:creationId xmlns:a16="http://schemas.microsoft.com/office/drawing/2014/main" xmlns="" id="{4FFA08B9-25E3-46A3-8F38-170EF9FDDAA3}"/>
+                <a16:creationId xmlns:a16="http://schemas.microsoft.com/office/drawing/2014/main" id="{4FFA08B9-25E3-46A3-8F38-170EF9FDDAA3}"/>
               </a:ext>
             </a:extLst>
           </p:cNvPr>
@@ -8770,7 +10142,7 @@
           <p:cNvPr id="38" name="Straight Arrow Connector 37">
             <a:extLst>
               <a:ext uri="{FF2B5EF4-FFF2-40B4-BE49-F238E27FC236}">
-                <a16:creationId xmlns:a16="http://schemas.microsoft.com/office/drawing/2014/main" xmlns="" id="{6499CFC4-90F7-4835-AE26-D8AB856D5641}"/>
+                <a16:creationId xmlns:a16="http://schemas.microsoft.com/office/drawing/2014/main" id="{6499CFC4-90F7-4835-AE26-D8AB856D5641}"/>
               </a:ext>
             </a:extLst>
           </p:cNvPr>
@@ -8816,7 +10188,7 @@
           <p:cNvPr id="43" name="TextBox 42">
             <a:extLst>
               <a:ext uri="{FF2B5EF4-FFF2-40B4-BE49-F238E27FC236}">
-                <a16:creationId xmlns:a16="http://schemas.microsoft.com/office/drawing/2014/main" xmlns="" id="{358B10D6-A0B4-4434-AACB-C474B6F3546A}"/>
+                <a16:creationId xmlns:a16="http://schemas.microsoft.com/office/drawing/2014/main" id="{358B10D6-A0B4-4434-AACB-C474B6F3546A}"/>
               </a:ext>
             </a:extLst>
           </p:cNvPr>
@@ -8859,7 +10231,7 @@
           <p:cNvPr id="44" name="TextBox 43">
             <a:extLst>
               <a:ext uri="{FF2B5EF4-FFF2-40B4-BE49-F238E27FC236}">
-                <a16:creationId xmlns:a16="http://schemas.microsoft.com/office/drawing/2014/main" xmlns="" id="{BAB3948D-F827-44D1-B40E-A737164AC616}"/>
+                <a16:creationId xmlns:a16="http://schemas.microsoft.com/office/drawing/2014/main" id="{BAB3948D-F827-44D1-B40E-A737164AC616}"/>
               </a:ext>
             </a:extLst>
           </p:cNvPr>
@@ -8942,7 +10314,7 @@
           <p:cNvPr id="41" name="TextBox 40">
             <a:extLst>
               <a:ext uri="{FF2B5EF4-FFF2-40B4-BE49-F238E27FC236}">
-                <a16:creationId xmlns:a16="http://schemas.microsoft.com/office/drawing/2014/main" xmlns="" id="{358B10D6-A0B4-4434-AACB-C474B6F3546A}"/>
+                <a16:creationId xmlns:a16="http://schemas.microsoft.com/office/drawing/2014/main" id="{358B10D6-A0B4-4434-AACB-C474B6F3546A}"/>
               </a:ext>
             </a:extLst>
           </p:cNvPr>
@@ -8985,7 +10357,7 @@
           <p:cNvPr id="92" name="Arrow: Chevron 51">
             <a:extLst>
               <a:ext uri="{FF2B5EF4-FFF2-40B4-BE49-F238E27FC236}">
-                <a16:creationId xmlns:a16="http://schemas.microsoft.com/office/drawing/2014/main" xmlns="" id="{842C5092-8294-4030-A526-A8C839E4F69D}"/>
+                <a16:creationId xmlns:a16="http://schemas.microsoft.com/office/drawing/2014/main" id="{842C5092-8294-4030-A526-A8C839E4F69D}"/>
               </a:ext>
             </a:extLst>
           </p:cNvPr>
@@ -9039,7 +10411,7 @@
           <p:cNvPr id="93" name="Arrow: Chevron 51">
             <a:extLst>
               <a:ext uri="{FF2B5EF4-FFF2-40B4-BE49-F238E27FC236}">
-                <a16:creationId xmlns:a16="http://schemas.microsoft.com/office/drawing/2014/main" xmlns="" id="{842C5092-8294-4030-A526-A8C839E4F69D}"/>
+                <a16:creationId xmlns:a16="http://schemas.microsoft.com/office/drawing/2014/main" id="{842C5092-8294-4030-A526-A8C839E4F69D}"/>
               </a:ext>
             </a:extLst>
           </p:cNvPr>
@@ -9093,7 +10465,7 @@
           <p:cNvPr id="94" name="Arrow: Chevron 51">
             <a:extLst>
               <a:ext uri="{FF2B5EF4-FFF2-40B4-BE49-F238E27FC236}">
-                <a16:creationId xmlns:a16="http://schemas.microsoft.com/office/drawing/2014/main" xmlns="" id="{842C5092-8294-4030-A526-A8C839E4F69D}"/>
+                <a16:creationId xmlns:a16="http://schemas.microsoft.com/office/drawing/2014/main" id="{842C5092-8294-4030-A526-A8C839E4F69D}"/>
               </a:ext>
             </a:extLst>
           </p:cNvPr>
@@ -9147,7 +10519,7 @@
           <p:cNvPr id="95" name="Arrow: Chevron 51">
             <a:extLst>
               <a:ext uri="{FF2B5EF4-FFF2-40B4-BE49-F238E27FC236}">
-                <a16:creationId xmlns:a16="http://schemas.microsoft.com/office/drawing/2014/main" xmlns="" id="{842C5092-8294-4030-A526-A8C839E4F69D}"/>
+                <a16:creationId xmlns:a16="http://schemas.microsoft.com/office/drawing/2014/main" id="{842C5092-8294-4030-A526-A8C839E4F69D}"/>
               </a:ext>
             </a:extLst>
           </p:cNvPr>
@@ -9201,7 +10573,7 @@
           <p:cNvPr id="73" name="Rectangle 72">
             <a:extLst>
               <a:ext uri="{FF2B5EF4-FFF2-40B4-BE49-F238E27FC236}">
-                <a16:creationId xmlns:a16="http://schemas.microsoft.com/office/drawing/2014/main" xmlns="" id="{FF8ECF35-CF58-43D8-A03A-5FE8544A266B}"/>
+                <a16:creationId xmlns:a16="http://schemas.microsoft.com/office/drawing/2014/main" id="{FF8ECF35-CF58-43D8-A03A-5FE8544A266B}"/>
               </a:ext>
             </a:extLst>
           </p:cNvPr>
@@ -9253,7 +10625,7 @@
           <p:cNvPr id="75" name="Rectangle 74">
             <a:extLst>
               <a:ext uri="{FF2B5EF4-FFF2-40B4-BE49-F238E27FC236}">
-                <a16:creationId xmlns:a16="http://schemas.microsoft.com/office/drawing/2014/main" xmlns="" id="{FF8ECF35-CF58-43D8-A03A-5FE8544A266B}"/>
+                <a16:creationId xmlns:a16="http://schemas.microsoft.com/office/drawing/2014/main" id="{FF8ECF35-CF58-43D8-A03A-5FE8544A266B}"/>
               </a:ext>
             </a:extLst>
           </p:cNvPr>
@@ -9305,7 +10677,7 @@
           <p:cNvPr id="100" name="Rectangle 99">
             <a:extLst>
               <a:ext uri="{FF2B5EF4-FFF2-40B4-BE49-F238E27FC236}">
-                <a16:creationId xmlns:a16="http://schemas.microsoft.com/office/drawing/2014/main" xmlns="" id="{FF8ECF35-CF58-43D8-A03A-5FE8544A266B}"/>
+                <a16:creationId xmlns:a16="http://schemas.microsoft.com/office/drawing/2014/main" id="{FF8ECF35-CF58-43D8-A03A-5FE8544A266B}"/>
               </a:ext>
             </a:extLst>
           </p:cNvPr>
@@ -9357,7 +10729,7 @@
           <p:cNvPr id="101" name="Rectangle 100">
             <a:extLst>
               <a:ext uri="{FF2B5EF4-FFF2-40B4-BE49-F238E27FC236}">
-                <a16:creationId xmlns:a16="http://schemas.microsoft.com/office/drawing/2014/main" xmlns="" id="{E67295A5-CD9B-42DF-A06B-173F8F469F8E}"/>
+                <a16:creationId xmlns:a16="http://schemas.microsoft.com/office/drawing/2014/main" id="{E67295A5-CD9B-42DF-A06B-173F8F469F8E}"/>
               </a:ext>
             </a:extLst>
           </p:cNvPr>
@@ -9409,7 +10781,7 @@
           <p:cNvPr id="102" name="Rectangle 101">
             <a:extLst>
               <a:ext uri="{FF2B5EF4-FFF2-40B4-BE49-F238E27FC236}">
-                <a16:creationId xmlns:a16="http://schemas.microsoft.com/office/drawing/2014/main" xmlns="" id="{FF8ECF35-CF58-43D8-A03A-5FE8544A266B}"/>
+                <a16:creationId xmlns:a16="http://schemas.microsoft.com/office/drawing/2014/main" id="{FF8ECF35-CF58-43D8-A03A-5FE8544A266B}"/>
               </a:ext>
             </a:extLst>
           </p:cNvPr>
@@ -9461,7 +10833,7 @@
           <p:cNvPr id="103" name="Rectangle 102">
             <a:extLst>
               <a:ext uri="{FF2B5EF4-FFF2-40B4-BE49-F238E27FC236}">
-                <a16:creationId xmlns:a16="http://schemas.microsoft.com/office/drawing/2014/main" xmlns="" id="{FF8ECF35-CF58-43D8-A03A-5FE8544A266B}"/>
+                <a16:creationId xmlns:a16="http://schemas.microsoft.com/office/drawing/2014/main" id="{FF8ECF35-CF58-43D8-A03A-5FE8544A266B}"/>
               </a:ext>
             </a:extLst>
           </p:cNvPr>
@@ -9513,7 +10885,7 @@
           <p:cNvPr id="104" name="Rectangle 103">
             <a:extLst>
               <a:ext uri="{FF2B5EF4-FFF2-40B4-BE49-F238E27FC236}">
-                <a16:creationId xmlns:a16="http://schemas.microsoft.com/office/drawing/2014/main" xmlns="" id="{E67295A5-CD9B-42DF-A06B-173F8F469F8E}"/>
+                <a16:creationId xmlns:a16="http://schemas.microsoft.com/office/drawing/2014/main" id="{E67295A5-CD9B-42DF-A06B-173F8F469F8E}"/>
               </a:ext>
             </a:extLst>
           </p:cNvPr>
@@ -9776,7 +11148,7 @@
           <p:cNvPr id="110" name="Flowchart: Manual Input 109">
             <a:extLst>
               <a:ext uri="{FF2B5EF4-FFF2-40B4-BE49-F238E27FC236}">
-                <a16:creationId xmlns:a16="http://schemas.microsoft.com/office/drawing/2014/main" xmlns="" id="{BA5F8287-28B2-4933-91CE-CCF8DA7FDCDF}"/>
+                <a16:creationId xmlns:a16="http://schemas.microsoft.com/office/drawing/2014/main" id="{BA5F8287-28B2-4933-91CE-CCF8DA7FDCDF}"/>
               </a:ext>
             </a:extLst>
           </p:cNvPr>
@@ -9828,7 +11200,7 @@
           <p:cNvPr id="111" name="TextBox 110">
             <a:extLst>
               <a:ext uri="{FF2B5EF4-FFF2-40B4-BE49-F238E27FC236}">
-                <a16:creationId xmlns:a16="http://schemas.microsoft.com/office/drawing/2014/main" xmlns="" id="{A92D38FB-61D2-4DD1-B8DC-4C9CB4AF5010}"/>
+                <a16:creationId xmlns:a16="http://schemas.microsoft.com/office/drawing/2014/main" id="{A92D38FB-61D2-4DD1-B8DC-4C9CB4AF5010}"/>
               </a:ext>
             </a:extLst>
           </p:cNvPr>
@@ -9870,7 +11242,7 @@
           <p:cNvPr id="112" name="TextBox 111">
             <a:extLst>
               <a:ext uri="{FF2B5EF4-FFF2-40B4-BE49-F238E27FC236}">
-                <a16:creationId xmlns:a16="http://schemas.microsoft.com/office/drawing/2014/main" xmlns="" id="{751537D2-5CA2-46E9-98DA-5D0BC05C4061}"/>
+                <a16:creationId xmlns:a16="http://schemas.microsoft.com/office/drawing/2014/main" id="{751537D2-5CA2-46E9-98DA-5D0BC05C4061}"/>
               </a:ext>
             </a:extLst>
           </p:cNvPr>
@@ -9916,7 +11288,7 @@
           <p:cNvPr id="113" name="Rectangle 112">
             <a:extLst>
               <a:ext uri="{FF2B5EF4-FFF2-40B4-BE49-F238E27FC236}">
-                <a16:creationId xmlns:a16="http://schemas.microsoft.com/office/drawing/2014/main" xmlns="" id="{ADD36DBD-8DDC-434F-9125-A76A4D4E0292}"/>
+                <a16:creationId xmlns:a16="http://schemas.microsoft.com/office/drawing/2014/main" id="{ADD36DBD-8DDC-434F-9125-A76A4D4E0292}"/>
               </a:ext>
             </a:extLst>
           </p:cNvPr>
@@ -9968,7 +11340,7 @@
           <p:cNvPr id="114" name="TextBox 113">
             <a:extLst>
               <a:ext uri="{FF2B5EF4-FFF2-40B4-BE49-F238E27FC236}">
-                <a16:creationId xmlns:a16="http://schemas.microsoft.com/office/drawing/2014/main" xmlns="" id="{ED06F2CA-B022-4B57-93BA-3A4A5FD519CB}"/>
+                <a16:creationId xmlns:a16="http://schemas.microsoft.com/office/drawing/2014/main" id="{ED06F2CA-B022-4B57-93BA-3A4A5FD519CB}"/>
               </a:ext>
             </a:extLst>
           </p:cNvPr>
@@ -10033,7 +11405,7 @@
           <p:cNvPr id="115" name="Straight Arrow Connector 114">
             <a:extLst>
               <a:ext uri="{FF2B5EF4-FFF2-40B4-BE49-F238E27FC236}">
-                <a16:creationId xmlns:a16="http://schemas.microsoft.com/office/drawing/2014/main" xmlns="" id="{63C8345C-A17E-44D4-B240-B3C2E331255D}"/>
+                <a16:creationId xmlns:a16="http://schemas.microsoft.com/office/drawing/2014/main" id="{63C8345C-A17E-44D4-B240-B3C2E331255D}"/>
               </a:ext>
             </a:extLst>
           </p:cNvPr>
@@ -10079,7 +11451,7 @@
           <p:cNvPr id="116" name="TextBox 115">
             <a:extLst>
               <a:ext uri="{FF2B5EF4-FFF2-40B4-BE49-F238E27FC236}">
-                <a16:creationId xmlns:a16="http://schemas.microsoft.com/office/drawing/2014/main" xmlns="" id="{1ADC0E6E-5955-4431-A055-13C603AF1C44}"/>
+                <a16:creationId xmlns:a16="http://schemas.microsoft.com/office/drawing/2014/main" id="{1ADC0E6E-5955-4431-A055-13C603AF1C44}"/>
               </a:ext>
             </a:extLst>
           </p:cNvPr>
@@ -10115,7 +11487,7 @@
           <p:cNvPr id="117" name="Flowchart: Alternate Process 116">
             <a:extLst>
               <a:ext uri="{FF2B5EF4-FFF2-40B4-BE49-F238E27FC236}">
-                <a16:creationId xmlns:a16="http://schemas.microsoft.com/office/drawing/2014/main" xmlns="" id="{788ACF15-712D-427B-85E3-BFDE6D2778B7}"/>
+                <a16:creationId xmlns:a16="http://schemas.microsoft.com/office/drawing/2014/main" id="{788ACF15-712D-427B-85E3-BFDE6D2778B7}"/>
               </a:ext>
             </a:extLst>
           </p:cNvPr>
@@ -10167,7 +11539,7 @@
           <p:cNvPr id="118" name="TextBox 117">
             <a:extLst>
               <a:ext uri="{FF2B5EF4-FFF2-40B4-BE49-F238E27FC236}">
-                <a16:creationId xmlns:a16="http://schemas.microsoft.com/office/drawing/2014/main" xmlns="" id="{74812398-B0DB-4253-BDA5-F09C7A7449E7}"/>
+                <a16:creationId xmlns:a16="http://schemas.microsoft.com/office/drawing/2014/main" id="{74812398-B0DB-4253-BDA5-F09C7A7449E7}"/>
               </a:ext>
             </a:extLst>
           </p:cNvPr>
@@ -10250,7 +11622,7 @@
           <p:cNvPr id="119" name="Arrow: Chevron 51">
             <a:extLst>
               <a:ext uri="{FF2B5EF4-FFF2-40B4-BE49-F238E27FC236}">
-                <a16:creationId xmlns:a16="http://schemas.microsoft.com/office/drawing/2014/main" xmlns="" id="{842C5092-8294-4030-A526-A8C839E4F69D}"/>
+                <a16:creationId xmlns:a16="http://schemas.microsoft.com/office/drawing/2014/main" id="{842C5092-8294-4030-A526-A8C839E4F69D}"/>
               </a:ext>
             </a:extLst>
           </p:cNvPr>
@@ -10306,7 +11678,7 @@
           <p:cNvPr id="120" name="TextBox 119">
             <a:extLst>
               <a:ext uri="{FF2B5EF4-FFF2-40B4-BE49-F238E27FC236}">
-                <a16:creationId xmlns:a16="http://schemas.microsoft.com/office/drawing/2014/main" xmlns="" id="{5D685C8E-8026-4C55-BE1C-CC18B646995B}"/>
+                <a16:creationId xmlns:a16="http://schemas.microsoft.com/office/drawing/2014/main" id="{5D685C8E-8026-4C55-BE1C-CC18B646995B}"/>
               </a:ext>
             </a:extLst>
           </p:cNvPr>
@@ -10371,7 +11743,7 @@
           <p:cNvPr id="121" name="Straight Arrow Connector 120">
             <a:extLst>
               <a:ext uri="{FF2B5EF4-FFF2-40B4-BE49-F238E27FC236}">
-                <a16:creationId xmlns:a16="http://schemas.microsoft.com/office/drawing/2014/main" xmlns="" id="{D93FAD61-E741-499C-820D-AF2A26A6E4DB}"/>
+                <a16:creationId xmlns:a16="http://schemas.microsoft.com/office/drawing/2014/main" id="{D93FAD61-E741-499C-820D-AF2A26A6E4DB}"/>
               </a:ext>
             </a:extLst>
           </p:cNvPr>
@@ -10417,7 +11789,7 @@
           <p:cNvPr id="122" name="TextBox 121">
             <a:extLst>
               <a:ext uri="{FF2B5EF4-FFF2-40B4-BE49-F238E27FC236}">
-                <a16:creationId xmlns:a16="http://schemas.microsoft.com/office/drawing/2014/main" xmlns="" id="{B32A810F-BF6B-4000-9AFD-8B8D42D80E47}"/>
+                <a16:creationId xmlns:a16="http://schemas.microsoft.com/office/drawing/2014/main" id="{B32A810F-BF6B-4000-9AFD-8B8D42D80E47}"/>
               </a:ext>
             </a:extLst>
           </p:cNvPr>
@@ -10453,7 +11825,7 @@
           <p:cNvPr id="123" name="TextBox 122">
             <a:extLst>
               <a:ext uri="{FF2B5EF4-FFF2-40B4-BE49-F238E27FC236}">
-                <a16:creationId xmlns:a16="http://schemas.microsoft.com/office/drawing/2014/main" xmlns="" id="{F0193D04-3208-4F06-BBA2-FE37BC71626F}"/>
+                <a16:creationId xmlns:a16="http://schemas.microsoft.com/office/drawing/2014/main" id="{F0193D04-3208-4F06-BBA2-FE37BC71626F}"/>
               </a:ext>
             </a:extLst>
           </p:cNvPr>
@@ -10496,7 +11868,7 @@
           <p:cNvPr id="124" name="Rectangle 123">
             <a:extLst>
               <a:ext uri="{FF2B5EF4-FFF2-40B4-BE49-F238E27FC236}">
-                <a16:creationId xmlns:a16="http://schemas.microsoft.com/office/drawing/2014/main" xmlns="" id="{CF30EFBD-3437-4FDF-9081-13DBAAD65887}"/>
+                <a16:creationId xmlns:a16="http://schemas.microsoft.com/office/drawing/2014/main" id="{CF30EFBD-3437-4FDF-9081-13DBAAD65887}"/>
               </a:ext>
             </a:extLst>
           </p:cNvPr>
@@ -10548,7 +11920,7 @@
           <p:cNvPr id="125" name="TextBox 124">
             <a:extLst>
               <a:ext uri="{FF2B5EF4-FFF2-40B4-BE49-F238E27FC236}">
-                <a16:creationId xmlns:a16="http://schemas.microsoft.com/office/drawing/2014/main" xmlns="" id="{4E211EC3-F05E-4D22-B4D7-E50D6AC867AA}"/>
+                <a16:creationId xmlns:a16="http://schemas.microsoft.com/office/drawing/2014/main" id="{4E211EC3-F05E-4D22-B4D7-E50D6AC867AA}"/>
               </a:ext>
             </a:extLst>
           </p:cNvPr>
@@ -10613,7 +11985,7 @@
           <p:cNvPr id="126" name="Straight Arrow Connector 125">
             <a:extLst>
               <a:ext uri="{FF2B5EF4-FFF2-40B4-BE49-F238E27FC236}">
-                <a16:creationId xmlns:a16="http://schemas.microsoft.com/office/drawing/2014/main" xmlns="" id="{EF6A4085-3032-4ED6-B8C5-9D0D4489DE48}"/>
+                <a16:creationId xmlns:a16="http://schemas.microsoft.com/office/drawing/2014/main" id="{EF6A4085-3032-4ED6-B8C5-9D0D4489DE48}"/>
               </a:ext>
             </a:extLst>
           </p:cNvPr>
@@ -10806,7 +12178,7 @@
           <p:cNvPr id="130" name="TextBox 129">
             <a:extLst>
               <a:ext uri="{FF2B5EF4-FFF2-40B4-BE49-F238E27FC236}">
-                <a16:creationId xmlns:a16="http://schemas.microsoft.com/office/drawing/2014/main" xmlns="" id="{F0193D04-3208-4F06-BBA2-FE37BC71626F}"/>
+                <a16:creationId xmlns:a16="http://schemas.microsoft.com/office/drawing/2014/main" id="{F0193D04-3208-4F06-BBA2-FE37BC71626F}"/>
               </a:ext>
             </a:extLst>
           </p:cNvPr>
@@ -10849,7 +12221,7 @@
           <p:cNvPr id="131" name="TextBox 130">
             <a:extLst>
               <a:ext uri="{FF2B5EF4-FFF2-40B4-BE49-F238E27FC236}">
-                <a16:creationId xmlns:a16="http://schemas.microsoft.com/office/drawing/2014/main" xmlns="" id="{B32A810F-BF6B-4000-9AFD-8B8D42D80E47}"/>
+                <a16:creationId xmlns:a16="http://schemas.microsoft.com/office/drawing/2014/main" id="{B32A810F-BF6B-4000-9AFD-8B8D42D80E47}"/>
               </a:ext>
             </a:extLst>
           </p:cNvPr>
@@ -10885,7 +12257,7 @@
           <p:cNvPr id="132" name="Rectangle 131">
             <a:extLst>
               <a:ext uri="{FF2B5EF4-FFF2-40B4-BE49-F238E27FC236}">
-                <a16:creationId xmlns:a16="http://schemas.microsoft.com/office/drawing/2014/main" xmlns="" id="{ADD36DBD-8DDC-434F-9125-A76A4D4E0292}"/>
+                <a16:creationId xmlns:a16="http://schemas.microsoft.com/office/drawing/2014/main" id="{ADD36DBD-8DDC-434F-9125-A76A4D4E0292}"/>
               </a:ext>
             </a:extLst>
           </p:cNvPr>
@@ -10937,7 +12309,7 @@
           <p:cNvPr id="133" name="TextBox 132">
             <a:extLst>
               <a:ext uri="{FF2B5EF4-FFF2-40B4-BE49-F238E27FC236}">
-                <a16:creationId xmlns:a16="http://schemas.microsoft.com/office/drawing/2014/main" xmlns="" id="{ED06F2CA-B022-4B57-93BA-3A4A5FD519CB}"/>
+                <a16:creationId xmlns:a16="http://schemas.microsoft.com/office/drawing/2014/main" id="{ED06F2CA-B022-4B57-93BA-3A4A5FD519CB}"/>
               </a:ext>
             </a:extLst>
           </p:cNvPr>
@@ -11022,7 +12394,7 @@
           <p:cNvPr id="134" name="Straight Arrow Connector 133">
             <a:extLst>
               <a:ext uri="{FF2B5EF4-FFF2-40B4-BE49-F238E27FC236}">
-                <a16:creationId xmlns:a16="http://schemas.microsoft.com/office/drawing/2014/main" xmlns="" id="{D93FAD61-E741-499C-820D-AF2A26A6E4DB}"/>
+                <a16:creationId xmlns:a16="http://schemas.microsoft.com/office/drawing/2014/main" id="{D93FAD61-E741-499C-820D-AF2A26A6E4DB}"/>
               </a:ext>
             </a:extLst>
           </p:cNvPr>
@@ -11068,7 +12440,7 @@
           <p:cNvPr id="135" name="TextBox 134">
             <a:extLst>
               <a:ext uri="{FF2B5EF4-FFF2-40B4-BE49-F238E27FC236}">
-                <a16:creationId xmlns:a16="http://schemas.microsoft.com/office/drawing/2014/main" xmlns="" id="{F0193D04-3208-4F06-BBA2-FE37BC71626F}"/>
+                <a16:creationId xmlns:a16="http://schemas.microsoft.com/office/drawing/2014/main" id="{F0193D04-3208-4F06-BBA2-FE37BC71626F}"/>
               </a:ext>
             </a:extLst>
           </p:cNvPr>
@@ -11111,7 +12483,7 @@
           <p:cNvPr id="136" name="TextBox 135">
             <a:extLst>
               <a:ext uri="{FF2B5EF4-FFF2-40B4-BE49-F238E27FC236}">
-                <a16:creationId xmlns:a16="http://schemas.microsoft.com/office/drawing/2014/main" xmlns="" id="{B32A810F-BF6B-4000-9AFD-8B8D42D80E47}"/>
+                <a16:creationId xmlns:a16="http://schemas.microsoft.com/office/drawing/2014/main" id="{B32A810F-BF6B-4000-9AFD-8B8D42D80E47}"/>
               </a:ext>
             </a:extLst>
           </p:cNvPr>
@@ -11147,7 +12519,7 @@
           <p:cNvPr id="137" name="Group 136">
             <a:extLst>
               <a:ext uri="{FF2B5EF4-FFF2-40B4-BE49-F238E27FC236}">
-                <a16:creationId xmlns:a16="http://schemas.microsoft.com/office/drawing/2014/main" xmlns="" id="{0EB7F6F5-EE0C-4A6A-91A8-4227CAAA66AD}"/>
+                <a16:creationId xmlns:a16="http://schemas.microsoft.com/office/drawing/2014/main" id="{0EB7F6F5-EE0C-4A6A-91A8-4227CAAA66AD}"/>
               </a:ext>
             </a:extLst>
           </p:cNvPr>
@@ -11170,7 +12542,7 @@
             <p:cNvPr id="138" name="Rectangle: Rounded Corners 15">
               <a:extLst>
                 <a:ext uri="{FF2B5EF4-FFF2-40B4-BE49-F238E27FC236}">
-                  <a16:creationId xmlns:a16="http://schemas.microsoft.com/office/drawing/2014/main" xmlns="" id="{4910E712-7CCC-4036-BB7D-5C63E9E5FDAB}"/>
+                  <a16:creationId xmlns:a16="http://schemas.microsoft.com/office/drawing/2014/main" id="{4910E712-7CCC-4036-BB7D-5C63E9E5FDAB}"/>
                 </a:ext>
               </a:extLst>
             </p:cNvPr>
@@ -11224,7 +12596,7 @@
             <p:cNvPr id="139" name="Rectangle: Rounded Corners 16">
               <a:extLst>
                 <a:ext uri="{FF2B5EF4-FFF2-40B4-BE49-F238E27FC236}">
-                  <a16:creationId xmlns:a16="http://schemas.microsoft.com/office/drawing/2014/main" xmlns="" id="{203D6D70-B921-4172-8BB5-E3E2F3045288}"/>
+                  <a16:creationId xmlns:a16="http://schemas.microsoft.com/office/drawing/2014/main" id="{203D6D70-B921-4172-8BB5-E3E2F3045288}"/>
                 </a:ext>
               </a:extLst>
             </p:cNvPr>
@@ -11278,7 +12650,7 @@
             <p:cNvPr id="140" name="Rectangle 139">
               <a:extLst>
                 <a:ext uri="{FF2B5EF4-FFF2-40B4-BE49-F238E27FC236}">
-                  <a16:creationId xmlns:a16="http://schemas.microsoft.com/office/drawing/2014/main" xmlns="" id="{8F9E3AED-DA06-41E3-B4CB-F98B313D387C}"/>
+                  <a16:creationId xmlns:a16="http://schemas.microsoft.com/office/drawing/2014/main" id="{8F9E3AED-DA06-41E3-B4CB-F98B313D387C}"/>
                 </a:ext>
               </a:extLst>
             </p:cNvPr>
@@ -11331,7 +12703,7 @@
           <p:cNvPr id="141" name="Straight Arrow Connector 140">
             <a:extLst>
               <a:ext uri="{FF2B5EF4-FFF2-40B4-BE49-F238E27FC236}">
-                <a16:creationId xmlns:a16="http://schemas.microsoft.com/office/drawing/2014/main" xmlns="" id="{D93FAD61-E741-499C-820D-AF2A26A6E4DB}"/>
+                <a16:creationId xmlns:a16="http://schemas.microsoft.com/office/drawing/2014/main" id="{D93FAD61-E741-499C-820D-AF2A26A6E4DB}"/>
               </a:ext>
             </a:extLst>
           </p:cNvPr>
@@ -11377,7 +12749,7 @@
           <p:cNvPr id="142" name="TextBox 141">
             <a:extLst>
               <a:ext uri="{FF2B5EF4-FFF2-40B4-BE49-F238E27FC236}">
-                <a16:creationId xmlns:a16="http://schemas.microsoft.com/office/drawing/2014/main" xmlns="" id="{4E211EC3-F05E-4D22-B4D7-E50D6AC867AA}"/>
+                <a16:creationId xmlns:a16="http://schemas.microsoft.com/office/drawing/2014/main" id="{4E211EC3-F05E-4D22-B4D7-E50D6AC867AA}"/>
               </a:ext>
             </a:extLst>
           </p:cNvPr>
@@ -11424,7 +12796,7 @@
           <p:cNvPr id="143" name="TextBox 142">
             <a:extLst>
               <a:ext uri="{FF2B5EF4-FFF2-40B4-BE49-F238E27FC236}">
-                <a16:creationId xmlns:a16="http://schemas.microsoft.com/office/drawing/2014/main" xmlns="" id="{F0193D04-3208-4F06-BBA2-FE37BC71626F}"/>
+                <a16:creationId xmlns:a16="http://schemas.microsoft.com/office/drawing/2014/main" id="{F0193D04-3208-4F06-BBA2-FE37BC71626F}"/>
               </a:ext>
             </a:extLst>
           </p:cNvPr>
@@ -11467,7 +12839,7 @@
           <p:cNvPr id="144" name="TextBox 143">
             <a:extLst>
               <a:ext uri="{FF2B5EF4-FFF2-40B4-BE49-F238E27FC236}">
-                <a16:creationId xmlns:a16="http://schemas.microsoft.com/office/drawing/2014/main" xmlns="" id="{F0193D04-3208-4F06-BBA2-FE37BC71626F}"/>
+                <a16:creationId xmlns:a16="http://schemas.microsoft.com/office/drawing/2014/main" id="{F0193D04-3208-4F06-BBA2-FE37BC71626F}"/>
               </a:ext>
             </a:extLst>
           </p:cNvPr>
@@ -11510,7 +12882,7 @@
           <p:cNvPr id="145" name="Flowchart: Document 144">
             <a:extLst>
               <a:ext uri="{FF2B5EF4-FFF2-40B4-BE49-F238E27FC236}">
-                <a16:creationId xmlns:a16="http://schemas.microsoft.com/office/drawing/2014/main" xmlns="" id="{ADD36DBD-8DDC-434F-9125-A76A4D4E0292}"/>
+                <a16:creationId xmlns:a16="http://schemas.microsoft.com/office/drawing/2014/main" id="{ADD36DBD-8DDC-434F-9125-A76A4D4E0292}"/>
               </a:ext>
             </a:extLst>
           </p:cNvPr>
@@ -11564,7 +12936,7 @@
           <p:cNvPr id="146" name="Straight Arrow Connector 145">
             <a:extLst>
               <a:ext uri="{FF2B5EF4-FFF2-40B4-BE49-F238E27FC236}">
-                <a16:creationId xmlns:a16="http://schemas.microsoft.com/office/drawing/2014/main" xmlns="" id="{63C8345C-A17E-44D4-B240-B3C2E331255D}"/>
+                <a16:creationId xmlns:a16="http://schemas.microsoft.com/office/drawing/2014/main" id="{63C8345C-A17E-44D4-B240-B3C2E331255D}"/>
               </a:ext>
             </a:extLst>
           </p:cNvPr>
@@ -11612,7 +12984,7 @@
           <p:cNvPr id="147" name="TextBox 146">
             <a:extLst>
               <a:ext uri="{FF2B5EF4-FFF2-40B4-BE49-F238E27FC236}">
-                <a16:creationId xmlns:a16="http://schemas.microsoft.com/office/drawing/2014/main" xmlns="" id="{1ADC0E6E-5955-4431-A055-13C603AF1C44}"/>
+                <a16:creationId xmlns:a16="http://schemas.microsoft.com/office/drawing/2014/main" id="{1ADC0E6E-5955-4431-A055-13C603AF1C44}"/>
               </a:ext>
             </a:extLst>
           </p:cNvPr>
@@ -11648,7 +13020,7 @@
           <p:cNvPr id="148" name="TextBox 147">
             <a:extLst>
               <a:ext uri="{FF2B5EF4-FFF2-40B4-BE49-F238E27FC236}">
-                <a16:creationId xmlns:a16="http://schemas.microsoft.com/office/drawing/2014/main" xmlns="" id="{ED06F2CA-B022-4B57-93BA-3A4A5FD519CB}"/>
+                <a16:creationId xmlns:a16="http://schemas.microsoft.com/office/drawing/2014/main" id="{ED06F2CA-B022-4B57-93BA-3A4A5FD519CB}"/>
               </a:ext>
             </a:extLst>
           </p:cNvPr>
@@ -11673,7 +13045,7 @@
           <a:p>
             <a:pPr algn="ctr"/>
             <a:r>
-              <a:rPr lang="en-GB" sz="2400" b="1" dirty="0" smtClean="0">
+              <a:rPr lang="en-GB" sz="2400" b="1" dirty="0">
                 <a:solidFill>
                   <a:schemeClr val="bg2"/>
                 </a:solidFill>
@@ -11687,18 +13059,6 @@
               </a:rPr>
               <a:t>Server</a:t>
             </a:r>
-            <a:endParaRPr lang="en-GB" sz="2400" b="1" dirty="0">
-              <a:solidFill>
-                <a:schemeClr val="bg2"/>
-              </a:solidFill>
-              <a:effectLst>
-                <a:glow rad="101600">
-                  <a:schemeClr val="tx1">
-                    <a:alpha val="60000"/>
-                  </a:schemeClr>
-                </a:glow>
-              </a:effectLst>
-            </a:endParaRPr>
           </a:p>
         </p:txBody>
       </p:sp>
@@ -11727,8 +13087,20 @@
                 <a:tableStyleId>{5202B0CA-FC54-4496-8BCA-5EF66A818D29}</a:tableStyleId>
               </a:tblPr>
               <a:tblGrid>
-                <a:gridCol w="1788202"/>
-                <a:gridCol w="1788202"/>
+                <a:gridCol w="1788202">
+                  <a:extLst>
+                    <a:ext uri="{9D8B030D-6E8A-4147-A177-3AD203B41FA5}">
+                      <a16:colId xmlns:a16="http://schemas.microsoft.com/office/drawing/2014/main" val="20000"/>
+                    </a:ext>
+                  </a:extLst>
+                </a:gridCol>
+                <a:gridCol w="1788202">
+                  <a:extLst>
+                    <a:ext uri="{9D8B030D-6E8A-4147-A177-3AD203B41FA5}">
+                      <a16:colId xmlns:a16="http://schemas.microsoft.com/office/drawing/2014/main" val="20001"/>
+                    </a:ext>
+                  </a:extLst>
+                </a:gridCol>
               </a:tblGrid>
               <a:tr h="370840">
                 <a:tc>
@@ -11737,10 +13109,9 @@
                     <a:lstStyle/>
                     <a:p>
                       <a:r>
-                        <a:rPr lang="en-GB" dirty="0" smtClean="0"/>
+                        <a:rPr lang="en-GB" dirty="0"/>
                         <a:t>Type</a:t>
                       </a:r>
-                      <a:endParaRPr lang="en-GB" dirty="0"/>
                     </a:p>
                   </a:txBody>
                   <a:tcPr/>
@@ -11751,14 +13122,18 @@
                     <a:lstStyle/>
                     <a:p>
                       <a:r>
-                        <a:rPr lang="en-GB" dirty="0" smtClean="0"/>
+                        <a:rPr lang="en-GB" dirty="0"/>
                         <a:t>Meaning</a:t>
                       </a:r>
-                      <a:endParaRPr lang="en-GB" dirty="0"/>
                     </a:p>
                   </a:txBody>
                   <a:tcPr/>
                 </a:tc>
+                <a:extLst>
+                  <a:ext uri="{0D108BD9-81ED-4DB2-BD59-A6C34878D82A}">
+                    <a16:rowId xmlns:a16="http://schemas.microsoft.com/office/drawing/2014/main" val="10000"/>
+                  </a:ext>
+                </a:extLst>
               </a:tr>
               <a:tr h="370840">
                 <a:tc>
@@ -11767,10 +13142,9 @@
                     <a:lstStyle/>
                     <a:p>
                       <a:r>
-                        <a:rPr lang="en-GB" dirty="0" smtClean="0"/>
+                        <a:rPr lang="en-GB" dirty="0"/>
                         <a:t>Arrow</a:t>
                       </a:r>
-                      <a:endParaRPr lang="en-GB" dirty="0"/>
                     </a:p>
                   </a:txBody>
                   <a:tcPr/>
@@ -11781,14 +13155,18 @@
                     <a:lstStyle/>
                     <a:p>
                       <a:r>
-                        <a:rPr lang="en-GB" dirty="0" smtClean="0"/>
+                        <a:rPr lang="en-GB" dirty="0"/>
                         <a:t>Data Transfer</a:t>
                       </a:r>
-                      <a:endParaRPr lang="en-GB" dirty="0"/>
                     </a:p>
                   </a:txBody>
                   <a:tcPr/>
                 </a:tc>
+                <a:extLst>
+                  <a:ext uri="{0D108BD9-81ED-4DB2-BD59-A6C34878D82A}">
+                    <a16:rowId xmlns:a16="http://schemas.microsoft.com/office/drawing/2014/main" val="10001"/>
+                  </a:ext>
+                </a:extLst>
               </a:tr>
               <a:tr h="370840">
                 <a:tc>
@@ -11797,10 +13175,9 @@
                     <a:lstStyle/>
                     <a:p>
                       <a:r>
-                        <a:rPr lang="en-GB" dirty="0" smtClean="0"/>
+                        <a:rPr lang="en-GB" dirty="0"/>
                         <a:t>Red</a:t>
                       </a:r>
-                      <a:endParaRPr lang="en-GB" dirty="0"/>
                     </a:p>
                   </a:txBody>
                   <a:tcPr/>
@@ -11811,14 +13188,18 @@
                     <a:lstStyle/>
                     <a:p>
                       <a:r>
-                        <a:rPr lang="en-GB" dirty="0" smtClean="0"/>
+                        <a:rPr lang="en-GB" dirty="0"/>
                         <a:t>Not Started</a:t>
                       </a:r>
-                      <a:endParaRPr lang="en-GB" dirty="0"/>
                     </a:p>
                   </a:txBody>
                   <a:tcPr/>
                 </a:tc>
+                <a:extLst>
+                  <a:ext uri="{0D108BD9-81ED-4DB2-BD59-A6C34878D82A}">
+                    <a16:rowId xmlns:a16="http://schemas.microsoft.com/office/drawing/2014/main" val="10002"/>
+                  </a:ext>
+                </a:extLst>
               </a:tr>
               <a:tr h="370840">
                 <a:tc>
@@ -11827,10 +13208,9 @@
                     <a:lstStyle/>
                     <a:p>
                       <a:r>
-                        <a:rPr lang="en-GB" dirty="0" smtClean="0"/>
+                        <a:rPr lang="en-GB" dirty="0"/>
                         <a:t>Yellow</a:t>
                       </a:r>
-                      <a:endParaRPr lang="en-GB" dirty="0"/>
                     </a:p>
                   </a:txBody>
                   <a:tcPr/>
@@ -11841,20 +13221,24 @@
                     <a:lstStyle/>
                     <a:p>
                       <a:r>
-                        <a:rPr lang="en-GB" dirty="0" smtClean="0"/>
+                        <a:rPr lang="en-GB" dirty="0"/>
                         <a:t>Code Available</a:t>
                       </a:r>
                     </a:p>
                     <a:p>
                       <a:r>
-                        <a:rPr lang="en-GB" dirty="0" smtClean="0"/>
+                        <a:rPr lang="en-GB" dirty="0"/>
                         <a:t>Not Automated</a:t>
                       </a:r>
-                      <a:endParaRPr lang="en-GB" dirty="0"/>
                     </a:p>
                   </a:txBody>
                   <a:tcPr/>
                 </a:tc>
+                <a:extLst>
+                  <a:ext uri="{0D108BD9-81ED-4DB2-BD59-A6C34878D82A}">
+                    <a16:rowId xmlns:a16="http://schemas.microsoft.com/office/drawing/2014/main" val="10003"/>
+                  </a:ext>
+                </a:extLst>
               </a:tr>
               <a:tr h="370840">
                 <a:tc>
@@ -11863,10 +13247,9 @@
                     <a:lstStyle/>
                     <a:p>
                       <a:r>
-                        <a:rPr lang="en-GB" dirty="0" smtClean="0"/>
+                        <a:rPr lang="en-GB" dirty="0"/>
                         <a:t>Green</a:t>
                       </a:r>
-                      <a:endParaRPr lang="en-GB" dirty="0"/>
                     </a:p>
                   </a:txBody>
                   <a:tcPr/>
@@ -11877,14 +13260,18 @@
                     <a:lstStyle/>
                     <a:p>
                       <a:r>
-                        <a:rPr lang="en-GB" dirty="0" smtClean="0"/>
+                        <a:rPr lang="en-GB" dirty="0"/>
                         <a:t>Automated</a:t>
                       </a:r>
-                      <a:endParaRPr lang="en-GB" dirty="0"/>
                     </a:p>
                   </a:txBody>
                   <a:tcPr/>
                 </a:tc>
+                <a:extLst>
+                  <a:ext uri="{0D108BD9-81ED-4DB2-BD59-A6C34878D82A}">
+                    <a16:rowId xmlns:a16="http://schemas.microsoft.com/office/drawing/2014/main" val="10004"/>
+                  </a:ext>
+                </a:extLst>
               </a:tr>
             </a:tbl>
           </a:graphicData>
@@ -11895,7 +13282,7 @@
           <p:cNvPr id="177" name="Right Triangle 176">
             <a:extLst>
               <a:ext uri="{FF2B5EF4-FFF2-40B4-BE49-F238E27FC236}">
-                <a16:creationId xmlns:a16="http://schemas.microsoft.com/office/drawing/2014/main" xmlns="" id="{464F1B2E-5DF7-46D5-BDFC-472B9191165F}"/>
+                <a16:creationId xmlns:a16="http://schemas.microsoft.com/office/drawing/2014/main" id="{464F1B2E-5DF7-46D5-BDFC-472B9191165F}"/>
               </a:ext>
             </a:extLst>
           </p:cNvPr>
@@ -11949,7 +13336,7 @@
           <p:cNvPr id="163" name="TextBox 162">
             <a:extLst>
               <a:ext uri="{FF2B5EF4-FFF2-40B4-BE49-F238E27FC236}">
-                <a16:creationId xmlns:a16="http://schemas.microsoft.com/office/drawing/2014/main" xmlns="" id="{C9845309-04CD-46F6-826C-E8307EB2CC9D}"/>
+                <a16:creationId xmlns:a16="http://schemas.microsoft.com/office/drawing/2014/main" id="{C9845309-04CD-46F6-826C-E8307EB2CC9D}"/>
               </a:ext>
             </a:extLst>
           </p:cNvPr>
@@ -12007,6 +13394,16 @@
 <file path=ppt/slides/slide9.xml><?xml version="1.0" encoding="utf-8"?>
 <p:sld xmlns:a="http://schemas.openxmlformats.org/drawingml/2006/main" xmlns:r="http://schemas.openxmlformats.org/officeDocument/2006/relationships" xmlns:p="http://schemas.openxmlformats.org/presentationml/2006/main">
   <p:cSld>
+    <p:bg>
+      <p:bgPr>
+        <a:solidFill>
+          <a:schemeClr val="bg1">
+            <a:alpha val="0"/>
+          </a:schemeClr>
+        </a:solidFill>
+        <a:effectLst/>
+      </p:bgPr>
+    </p:bg>
     <p:spTree>
       <p:nvGrpSpPr>
         <p:cNvPr id="1" name=""/>
@@ -12023,389 +13420,2181 @@
       </p:grpSpPr>
       <p:sp>
         <p:nvSpPr>
-          <p:cNvPr id="2" name="Title 1">
-            <a:extLst>
-              <a:ext uri="{FF2B5EF4-FFF2-40B4-BE49-F238E27FC236}">
-                <a16:creationId xmlns:a16="http://schemas.microsoft.com/office/drawing/2014/main" xmlns="" id="{CF3E6105-1016-4545-9A5C-12F8198CBBCC}"/>
-              </a:ext>
-            </a:extLst>
-          </p:cNvPr>
-          <p:cNvSpPr>
-            <a:spLocks noGrp="1"/>
-          </p:cNvSpPr>
-          <p:nvPr>
-            <p:ph type="title"/>
-          </p:nvPr>
-        </p:nvSpPr>
-        <p:spPr/>
-        <p:txBody>
-          <a:bodyPr/>
-          <a:lstStyle/>
-          <a:p>
-            <a:r>
-              <a:rPr lang="en-GB" dirty="0"/>
-              <a:t>Task List</a:t>
-            </a:r>
-          </a:p>
-        </p:txBody>
-      </p:sp>
-      <p:sp>
-        <p:nvSpPr>
-          <p:cNvPr id="3" name="Content Placeholder 2">
-            <a:extLst>
-              <a:ext uri="{FF2B5EF4-FFF2-40B4-BE49-F238E27FC236}">
-                <a16:creationId xmlns:a16="http://schemas.microsoft.com/office/drawing/2014/main" xmlns="" id="{3627C162-825A-40CD-876F-EC9F360A9B55}"/>
-              </a:ext>
-            </a:extLst>
-          </p:cNvPr>
-          <p:cNvSpPr>
-            <a:spLocks noGrp="1"/>
-          </p:cNvSpPr>
-          <p:nvPr>
-            <p:ph idx="1"/>
-          </p:nvPr>
+          <p:cNvPr id="89" name="Rectangle 88">
+            <a:extLst>
+              <a:ext uri="{FF2B5EF4-FFF2-40B4-BE49-F238E27FC236}">
+                <a16:creationId xmlns:a16="http://schemas.microsoft.com/office/drawing/2014/main" id="{5F2A9C18-F74F-406D-AFBD-845FAA483F76}"/>
+              </a:ext>
+            </a:extLst>
+          </p:cNvPr>
+          <p:cNvSpPr/>
+          <p:nvPr/>
         </p:nvSpPr>
         <p:spPr>
           <a:xfrm>
-            <a:off x="838200" y="1825625"/>
-            <a:ext cx="4343400" cy="4351338"/>
-          </a:xfrm>
-        </p:spPr>
-        <p:txBody>
-          <a:bodyPr>
-            <a:normAutofit fontScale="92500" lnSpcReduction="20000"/>
-          </a:bodyPr>
-          <a:lstStyle/>
-          <a:p>
-            <a:r>
-              <a:rPr lang="en-GB" dirty="0"/>
-              <a:t>Functions:</a:t>
-            </a:r>
-          </a:p>
-          <a:p>
-            <a:pPr lvl="1"/>
-            <a:r>
-              <a:rPr lang="en-GB" dirty="0"/>
-              <a:t>Image Acquisition</a:t>
-            </a:r>
-          </a:p>
-          <a:p>
-            <a:pPr lvl="2"/>
-            <a:r>
-              <a:rPr lang="en-GB" dirty="0"/>
-              <a:t>Image Store Replace</a:t>
-            </a:r>
-          </a:p>
-          <a:p>
-            <a:pPr lvl="1"/>
-            <a:r>
-              <a:rPr lang="en-GB" dirty="0"/>
-              <a:t>Background Generation</a:t>
-            </a:r>
-          </a:p>
-          <a:p>
-            <a:pPr lvl="1"/>
-            <a:r>
-              <a:rPr lang="en-GB" dirty="0"/>
-              <a:t>Foreground Extraction</a:t>
-            </a:r>
-          </a:p>
-          <a:p>
-            <a:pPr lvl="2"/>
-            <a:r>
-              <a:rPr lang="en-GB" dirty="0"/>
-              <a:t>Object Identification</a:t>
-            </a:r>
-          </a:p>
-          <a:p>
-            <a:pPr lvl="1"/>
-            <a:r>
-              <a:rPr lang="en-GB" dirty="0"/>
-              <a:t>Trash Label Filter</a:t>
-            </a:r>
-          </a:p>
-          <a:p>
-            <a:pPr lvl="1"/>
-            <a:r>
-              <a:rPr lang="en-GB" dirty="0"/>
-              <a:t>Relative Geo-Position</a:t>
-            </a:r>
-          </a:p>
-          <a:p>
-            <a:pPr lvl="2"/>
-            <a:r>
-              <a:rPr lang="en-GB" dirty="0"/>
-              <a:t>Find Trash positions</a:t>
-            </a:r>
-          </a:p>
-          <a:p>
-            <a:pPr lvl="2"/>
-            <a:r>
-              <a:rPr lang="en-GB" dirty="0"/>
-              <a:t>Find Robot position</a:t>
-            </a:r>
-          </a:p>
-          <a:p>
-            <a:pPr lvl="2"/>
-            <a:r>
-              <a:rPr lang="en-GB" dirty="0"/>
-              <a:t>Calculate Rotation Required</a:t>
-            </a:r>
-          </a:p>
-          <a:p>
-            <a:pPr lvl="2"/>
-            <a:r>
-              <a:rPr lang="en-GB" dirty="0"/>
-              <a:t>Calculate Distance Required</a:t>
-            </a:r>
-          </a:p>
-          <a:p>
-            <a:pPr lvl="1"/>
-            <a:r>
-              <a:rPr lang="en-GB" dirty="0"/>
-              <a:t>Robot Instruction Generation</a:t>
-            </a:r>
-          </a:p>
-          <a:p>
-            <a:pPr lvl="1"/>
-            <a:r>
-              <a:rPr lang="en-GB" dirty="0"/>
-              <a:t>Robot Communication</a:t>
-            </a:r>
-          </a:p>
-          <a:p>
-            <a:endParaRPr lang="en-GB" dirty="0"/>
-          </a:p>
-        </p:txBody>
-      </p:sp>
-      <p:sp>
-        <p:nvSpPr>
-          <p:cNvPr id="4" name="Content Placeholder 2">
-            <a:extLst>
-              <a:ext uri="{FF2B5EF4-FFF2-40B4-BE49-F238E27FC236}">
-                <a16:creationId xmlns:a16="http://schemas.microsoft.com/office/drawing/2014/main" xmlns="" id="{699ADA44-6943-485A-9787-04ED219459C0}"/>
-              </a:ext>
-            </a:extLst>
-          </p:cNvPr>
-          <p:cNvSpPr txBox="1">
-            <a:spLocks/>
-          </p:cNvSpPr>
-          <p:nvPr/>
-        </p:nvSpPr>
-        <p:spPr>
-          <a:xfrm>
-            <a:off x="6096000" y="1825625"/>
-            <a:ext cx="4343400" cy="4351338"/>
+            <a:off x="5398025" y="3376730"/>
+            <a:ext cx="1395950" cy="731153"/>
           </a:xfrm>
           <a:prstGeom prst="rect">
             <a:avLst/>
           </a:prstGeom>
-        </p:spPr>
-        <p:txBody>
-          <a:bodyPr vert="horz" lIns="91440" tIns="45720" rIns="91440" bIns="45720" rtlCol="0">
-            <a:normAutofit/>
-          </a:bodyPr>
-          <a:lstStyle>
-            <a:lvl1pPr marL="228600" indent="-228600" algn="l" defTabSz="914400" rtl="0" eaLnBrk="1" latinLnBrk="0" hangingPunct="1">
-              <a:lnSpc>
-                <a:spcPct val="90000"/>
-              </a:lnSpc>
-              <a:spcBef>
-                <a:spcPts val="1000"/>
-              </a:spcBef>
-              <a:buFont typeface="Arial" panose="020B0604020202020204" pitchFamily="34" charset="0"/>
-              <a:buChar char="•"/>
-              <a:defRPr sz="2800" kern="1200">
-                <a:solidFill>
-                  <a:schemeClr val="tx1"/>
-                </a:solidFill>
-                <a:latin typeface="+mn-lt"/>
-                <a:ea typeface="+mn-ea"/>
-                <a:cs typeface="+mn-cs"/>
-              </a:defRPr>
-            </a:lvl1pPr>
-            <a:lvl2pPr marL="685800" indent="-228600" algn="l" defTabSz="914400" rtl="0" eaLnBrk="1" latinLnBrk="0" hangingPunct="1">
-              <a:lnSpc>
-                <a:spcPct val="90000"/>
-              </a:lnSpc>
-              <a:spcBef>
-                <a:spcPts val="500"/>
-              </a:spcBef>
-              <a:buFont typeface="Arial" panose="020B0604020202020204" pitchFamily="34" charset="0"/>
-              <a:buChar char="•"/>
-              <a:defRPr sz="2400" kern="1200">
-                <a:solidFill>
-                  <a:schemeClr val="tx1"/>
-                </a:solidFill>
-                <a:latin typeface="+mn-lt"/>
-                <a:ea typeface="+mn-ea"/>
-                <a:cs typeface="+mn-cs"/>
-              </a:defRPr>
-            </a:lvl2pPr>
-            <a:lvl3pPr marL="1143000" indent="-228600" algn="l" defTabSz="914400" rtl="0" eaLnBrk="1" latinLnBrk="0" hangingPunct="1">
-              <a:lnSpc>
-                <a:spcPct val="90000"/>
-              </a:lnSpc>
-              <a:spcBef>
-                <a:spcPts val="500"/>
-              </a:spcBef>
-              <a:buFont typeface="Arial" panose="020B0604020202020204" pitchFamily="34" charset="0"/>
-              <a:buChar char="•"/>
-              <a:defRPr sz="2000" kern="1200">
-                <a:solidFill>
-                  <a:schemeClr val="tx1"/>
-                </a:solidFill>
-                <a:latin typeface="+mn-lt"/>
-                <a:ea typeface="+mn-ea"/>
-                <a:cs typeface="+mn-cs"/>
-              </a:defRPr>
-            </a:lvl3pPr>
-            <a:lvl4pPr marL="1600200" indent="-228600" algn="l" defTabSz="914400" rtl="0" eaLnBrk="1" latinLnBrk="0" hangingPunct="1">
-              <a:lnSpc>
-                <a:spcPct val="90000"/>
-              </a:lnSpc>
-              <a:spcBef>
-                <a:spcPts val="500"/>
-              </a:spcBef>
-              <a:buFont typeface="Arial" panose="020B0604020202020204" pitchFamily="34" charset="0"/>
-              <a:buChar char="•"/>
-              <a:defRPr sz="1800" kern="1200">
-                <a:solidFill>
-                  <a:schemeClr val="tx1"/>
-                </a:solidFill>
-                <a:latin typeface="+mn-lt"/>
-                <a:ea typeface="+mn-ea"/>
-                <a:cs typeface="+mn-cs"/>
-              </a:defRPr>
-            </a:lvl4pPr>
-            <a:lvl5pPr marL="2057400" indent="-228600" algn="l" defTabSz="914400" rtl="0" eaLnBrk="1" latinLnBrk="0" hangingPunct="1">
-              <a:lnSpc>
-                <a:spcPct val="90000"/>
-              </a:lnSpc>
-              <a:spcBef>
-                <a:spcPts val="500"/>
-              </a:spcBef>
-              <a:buFont typeface="Arial" panose="020B0604020202020204" pitchFamily="34" charset="0"/>
-              <a:buChar char="•"/>
-              <a:defRPr sz="1800" kern="1200">
-                <a:solidFill>
-                  <a:schemeClr val="tx1"/>
-                </a:solidFill>
-                <a:latin typeface="+mn-lt"/>
-                <a:ea typeface="+mn-ea"/>
-                <a:cs typeface="+mn-cs"/>
-              </a:defRPr>
-            </a:lvl5pPr>
-            <a:lvl6pPr marL="2514600" indent="-228600" algn="l" defTabSz="914400" rtl="0" eaLnBrk="1" latinLnBrk="0" hangingPunct="1">
-              <a:lnSpc>
-                <a:spcPct val="90000"/>
-              </a:lnSpc>
-              <a:spcBef>
-                <a:spcPts val="500"/>
-              </a:spcBef>
-              <a:buFont typeface="Arial" panose="020B0604020202020204" pitchFamily="34" charset="0"/>
-              <a:buChar char="•"/>
-              <a:defRPr sz="1800" kern="1200">
-                <a:solidFill>
-                  <a:schemeClr val="tx1"/>
-                </a:solidFill>
-                <a:latin typeface="+mn-lt"/>
-                <a:ea typeface="+mn-ea"/>
-                <a:cs typeface="+mn-cs"/>
-              </a:defRPr>
-            </a:lvl6pPr>
-            <a:lvl7pPr marL="2971800" indent="-228600" algn="l" defTabSz="914400" rtl="0" eaLnBrk="1" latinLnBrk="0" hangingPunct="1">
-              <a:lnSpc>
-                <a:spcPct val="90000"/>
-              </a:lnSpc>
-              <a:spcBef>
-                <a:spcPts val="500"/>
-              </a:spcBef>
-              <a:buFont typeface="Arial" panose="020B0604020202020204" pitchFamily="34" charset="0"/>
-              <a:buChar char="•"/>
-              <a:defRPr sz="1800" kern="1200">
-                <a:solidFill>
-                  <a:schemeClr val="tx1"/>
-                </a:solidFill>
-                <a:latin typeface="+mn-lt"/>
-                <a:ea typeface="+mn-ea"/>
-                <a:cs typeface="+mn-cs"/>
-              </a:defRPr>
-            </a:lvl7pPr>
-            <a:lvl8pPr marL="3429000" indent="-228600" algn="l" defTabSz="914400" rtl="0" eaLnBrk="1" latinLnBrk="0" hangingPunct="1">
-              <a:lnSpc>
-                <a:spcPct val="90000"/>
-              </a:lnSpc>
-              <a:spcBef>
-                <a:spcPts val="500"/>
-              </a:spcBef>
-              <a:buFont typeface="Arial" panose="020B0604020202020204" pitchFamily="34" charset="0"/>
-              <a:buChar char="•"/>
-              <a:defRPr sz="1800" kern="1200">
-                <a:solidFill>
-                  <a:schemeClr val="tx1"/>
-                </a:solidFill>
-                <a:latin typeface="+mn-lt"/>
-                <a:ea typeface="+mn-ea"/>
-                <a:cs typeface="+mn-cs"/>
-              </a:defRPr>
-            </a:lvl8pPr>
-            <a:lvl9pPr marL="3886200" indent="-228600" algn="l" defTabSz="914400" rtl="0" eaLnBrk="1" latinLnBrk="0" hangingPunct="1">
-              <a:lnSpc>
-                <a:spcPct val="90000"/>
-              </a:lnSpc>
-              <a:spcBef>
-                <a:spcPts val="500"/>
-              </a:spcBef>
-              <a:buFont typeface="Arial" panose="020B0604020202020204" pitchFamily="34" charset="0"/>
-              <a:buChar char="•"/>
-              <a:defRPr sz="1800" kern="1200">
-                <a:solidFill>
-                  <a:schemeClr val="tx1"/>
-                </a:solidFill>
-                <a:latin typeface="+mn-lt"/>
-                <a:ea typeface="+mn-ea"/>
-                <a:cs typeface="+mn-cs"/>
-              </a:defRPr>
-            </a:lvl9pPr>
-          </a:lstStyle>
-          <a:p>
+          <a:solidFill>
+            <a:schemeClr val="dk1">
+              <a:alpha val="50000"/>
+            </a:schemeClr>
+          </a:solidFill>
+          <a:ln>
+            <a:noFill/>
+          </a:ln>
+        </p:spPr>
+        <p:style>
+          <a:lnRef idx="0">
+            <a:scrgbClr r="0" g="0" b="0"/>
+          </a:lnRef>
+          <a:fillRef idx="0">
+            <a:scrgbClr r="0" g="0" b="0"/>
+          </a:fillRef>
+          <a:effectRef idx="0">
+            <a:scrgbClr r="0" g="0" b="0"/>
+          </a:effectRef>
+          <a:fontRef idx="minor">
+            <a:schemeClr val="lt1"/>
+          </a:fontRef>
+        </p:style>
+        <p:txBody>
+          <a:bodyPr rtlCol="0" anchor="ctr"/>
+          <a:lstStyle/>
+          <a:p>
+            <a:pPr algn="ctr"/>
             <a:r>
-              <a:rPr lang="en-GB" dirty="0"/>
-              <a:t>Other:</a:t>
+              <a:rPr lang="en-GB" sz="1200" dirty="0"/>
+              <a:t>Instructions Group</a:t>
             </a:r>
           </a:p>
           <a:p>
-            <a:pPr lvl="1"/>
+            <a:pPr algn="ctr"/>
+            <a:endParaRPr lang="en-GB" sz="1200" dirty="0"/>
+          </a:p>
+          <a:p>
+            <a:pPr algn="ctr"/>
+            <a:endParaRPr lang="en-GB" sz="1200" dirty="0"/>
+          </a:p>
+        </p:txBody>
+      </p:sp>
+      <p:sp>
+        <p:nvSpPr>
+          <p:cNvPr id="80" name="Oval 79">
+            <a:extLst>
+              <a:ext uri="{FF2B5EF4-FFF2-40B4-BE49-F238E27FC236}">
+                <a16:creationId xmlns:a16="http://schemas.microsoft.com/office/drawing/2014/main" id="{E3C40A09-2385-4E23-AAEF-1554A8C96461}"/>
+              </a:ext>
+            </a:extLst>
+          </p:cNvPr>
+          <p:cNvSpPr/>
+          <p:nvPr/>
+        </p:nvSpPr>
+        <p:spPr>
+          <a:xfrm>
+            <a:off x="349994" y="4330538"/>
+            <a:ext cx="1169846" cy="447294"/>
+          </a:xfrm>
+          <a:prstGeom prst="ellipse">
+            <a:avLst/>
+          </a:prstGeom>
+          <a:solidFill>
+            <a:schemeClr val="dk1">
+              <a:alpha val="50000"/>
+            </a:schemeClr>
+          </a:solidFill>
+          <a:ln>
+            <a:noFill/>
+          </a:ln>
+        </p:spPr>
+        <p:style>
+          <a:lnRef idx="0">
+            <a:scrgbClr r="0" g="0" b="0"/>
+          </a:lnRef>
+          <a:fillRef idx="0">
+            <a:scrgbClr r="0" g="0" b="0"/>
+          </a:fillRef>
+          <a:effectRef idx="0">
+            <a:scrgbClr r="0" g="0" b="0"/>
+          </a:effectRef>
+          <a:fontRef idx="minor">
+            <a:schemeClr val="lt1"/>
+          </a:fontRef>
+        </p:style>
+        <p:txBody>
+          <a:bodyPr rtlCol="0" anchor="ctr"/>
+          <a:lstStyle/>
+          <a:p>
+            <a:pPr algn="ctr"/>
             <a:r>
-              <a:rPr lang="en-GB" dirty="0"/>
-              <a:t>Buy RC Car</a:t>
+              <a:rPr lang="en-GB" sz="1200" dirty="0"/>
+              <a:t>Camera</a:t>
             </a:r>
           </a:p>
-          <a:p>
-            <a:pPr lvl="1"/>
+        </p:txBody>
+      </p:sp>
+      <p:sp>
+        <p:nvSpPr>
+          <p:cNvPr id="81" name="Oval 80">
+            <a:extLst>
+              <a:ext uri="{FF2B5EF4-FFF2-40B4-BE49-F238E27FC236}">
+                <a16:creationId xmlns:a16="http://schemas.microsoft.com/office/drawing/2014/main" id="{33AFE0B4-2681-4929-AA81-57093572C4E7}"/>
+              </a:ext>
+            </a:extLst>
+          </p:cNvPr>
+          <p:cNvSpPr/>
+          <p:nvPr/>
+        </p:nvSpPr>
+        <p:spPr>
+          <a:xfrm>
+            <a:off x="7231438" y="3664891"/>
+            <a:ext cx="1169846" cy="447294"/>
+          </a:xfrm>
+          <a:prstGeom prst="ellipse">
+            <a:avLst/>
+          </a:prstGeom>
+          <a:solidFill>
+            <a:schemeClr val="dk1">
+              <a:alpha val="50000"/>
+            </a:schemeClr>
+          </a:solidFill>
+          <a:ln>
+            <a:noFill/>
+          </a:ln>
+        </p:spPr>
+        <p:style>
+          <a:lnRef idx="0">
+            <a:scrgbClr r="0" g="0" b="0"/>
+          </a:lnRef>
+          <a:fillRef idx="0">
+            <a:scrgbClr r="0" g="0" b="0"/>
+          </a:fillRef>
+          <a:effectRef idx="0">
+            <a:scrgbClr r="0" g="0" b="0"/>
+          </a:effectRef>
+          <a:fontRef idx="minor">
+            <a:schemeClr val="lt1"/>
+          </a:fontRef>
+        </p:style>
+        <p:txBody>
+          <a:bodyPr rtlCol="0" anchor="ctr"/>
+          <a:lstStyle/>
+          <a:p>
+            <a:pPr algn="ctr"/>
             <a:r>
-              <a:rPr lang="en-GB" dirty="0"/>
-              <a:t>Set up frame store to system handler connection</a:t>
+              <a:rPr lang="en-GB" sz="1200" dirty="0"/>
+              <a:t>Robot Handler 2</a:t>
             </a:r>
           </a:p>
-          <a:p>
-            <a:pPr lvl="1"/>
+        </p:txBody>
+      </p:sp>
+      <p:sp>
+        <p:nvSpPr>
+          <p:cNvPr id="82" name="Oval 81">
+            <a:extLst>
+              <a:ext uri="{FF2B5EF4-FFF2-40B4-BE49-F238E27FC236}">
+                <a16:creationId xmlns:a16="http://schemas.microsoft.com/office/drawing/2014/main" id="{8C1E0B85-9855-46B0-BF00-DA0F406A3698}"/>
+              </a:ext>
+            </a:extLst>
+          </p:cNvPr>
+          <p:cNvSpPr/>
+          <p:nvPr/>
+        </p:nvSpPr>
+        <p:spPr>
+          <a:xfrm>
+            <a:off x="3790716" y="3153083"/>
+            <a:ext cx="1169846" cy="447294"/>
+          </a:xfrm>
+          <a:prstGeom prst="ellipse">
+            <a:avLst/>
+          </a:prstGeom>
+          <a:solidFill>
+            <a:schemeClr val="dk1">
+              <a:alpha val="50000"/>
+            </a:schemeClr>
+          </a:solidFill>
+          <a:ln>
+            <a:noFill/>
+          </a:ln>
+        </p:spPr>
+        <p:style>
+          <a:lnRef idx="0">
+            <a:scrgbClr r="0" g="0" b="0"/>
+          </a:lnRef>
+          <a:fillRef idx="0">
+            <a:scrgbClr r="0" g="0" b="0"/>
+          </a:fillRef>
+          <a:effectRef idx="0">
+            <a:scrgbClr r="0" g="0" b="0"/>
+          </a:effectRef>
+          <a:fontRef idx="minor">
+            <a:schemeClr val="lt1"/>
+          </a:fontRef>
+        </p:style>
+        <p:txBody>
+          <a:bodyPr rtlCol="0" anchor="ctr"/>
+          <a:lstStyle/>
+          <a:p>
+            <a:pPr algn="ctr"/>
             <a:r>
-              <a:rPr lang="en-GB" dirty="0"/>
-              <a:t>Set up System handler to Robot handler connection</a:t>
+              <a:rPr lang="en-GB" sz="1200" dirty="0"/>
+              <a:t>Server</a:t>
             </a:r>
           </a:p>
-          <a:p>
-            <a:pPr lvl="1"/>
-            <a:endParaRPr lang="en-GB" dirty="0"/>
-          </a:p>
-        </p:txBody>
-      </p:sp>
+        </p:txBody>
+      </p:sp>
+      <p:sp>
+        <p:nvSpPr>
+          <p:cNvPr id="85" name="Rectangle 84">
+            <a:extLst>
+              <a:ext uri="{FF2B5EF4-FFF2-40B4-BE49-F238E27FC236}">
+                <a16:creationId xmlns:a16="http://schemas.microsoft.com/office/drawing/2014/main" id="{6B979E13-C137-4143-A0C8-7355854BA2A7}"/>
+              </a:ext>
+            </a:extLst>
+          </p:cNvPr>
+          <p:cNvSpPr/>
+          <p:nvPr/>
+        </p:nvSpPr>
+        <p:spPr>
+          <a:xfrm>
+            <a:off x="5502475" y="3742306"/>
+            <a:ext cx="1187049" cy="283860"/>
+          </a:xfrm>
+          <a:prstGeom prst="rect">
+            <a:avLst/>
+          </a:prstGeom>
+          <a:solidFill>
+            <a:schemeClr val="dk1">
+              <a:alpha val="50000"/>
+            </a:schemeClr>
+          </a:solidFill>
+          <a:ln>
+            <a:noFill/>
+          </a:ln>
+        </p:spPr>
+        <p:style>
+          <a:lnRef idx="0">
+            <a:scrgbClr r="0" g="0" b="0"/>
+          </a:lnRef>
+          <a:fillRef idx="0">
+            <a:scrgbClr r="0" g="0" b="0"/>
+          </a:fillRef>
+          <a:effectRef idx="0">
+            <a:scrgbClr r="0" g="0" b="0"/>
+          </a:effectRef>
+          <a:fontRef idx="minor">
+            <a:schemeClr val="lt1"/>
+          </a:fontRef>
+        </p:style>
+        <p:txBody>
+          <a:bodyPr rtlCol="0" anchor="ctr"/>
+          <a:lstStyle/>
+          <a:p>
+            <a:pPr algn="ctr"/>
+            <a:r>
+              <a:rPr lang="en-GB" sz="1200" dirty="0"/>
+              <a:t>Instructions</a:t>
+            </a:r>
+          </a:p>
+        </p:txBody>
+      </p:sp>
+      <p:sp>
+        <p:nvSpPr>
+          <p:cNvPr id="86" name="Oval 85">
+            <a:extLst>
+              <a:ext uri="{FF2B5EF4-FFF2-40B4-BE49-F238E27FC236}">
+                <a16:creationId xmlns:a16="http://schemas.microsoft.com/office/drawing/2014/main" id="{A0B5E334-81E5-4483-A5DC-4D8AC8D134D0}"/>
+              </a:ext>
+            </a:extLst>
+          </p:cNvPr>
+          <p:cNvSpPr/>
+          <p:nvPr/>
+        </p:nvSpPr>
+        <p:spPr>
+          <a:xfrm>
+            <a:off x="10672160" y="3664891"/>
+            <a:ext cx="1169846" cy="447294"/>
+          </a:xfrm>
+          <a:prstGeom prst="ellipse">
+            <a:avLst/>
+          </a:prstGeom>
+          <a:solidFill>
+            <a:schemeClr val="dk1">
+              <a:alpha val="50000"/>
+            </a:schemeClr>
+          </a:solidFill>
+          <a:ln>
+            <a:noFill/>
+          </a:ln>
+        </p:spPr>
+        <p:style>
+          <a:lnRef idx="0">
+            <a:scrgbClr r="0" g="0" b="0"/>
+          </a:lnRef>
+          <a:fillRef idx="0">
+            <a:scrgbClr r="0" g="0" b="0"/>
+          </a:fillRef>
+          <a:effectRef idx="0">
+            <a:scrgbClr r="0" g="0" b="0"/>
+          </a:effectRef>
+          <a:fontRef idx="minor">
+            <a:schemeClr val="lt1"/>
+          </a:fontRef>
+        </p:style>
+        <p:txBody>
+          <a:bodyPr rtlCol="0" anchor="ctr"/>
+          <a:lstStyle/>
+          <a:p>
+            <a:pPr algn="ctr"/>
+            <a:r>
+              <a:rPr lang="en-GB" sz="1200" dirty="0"/>
+              <a:t>Robot 2-B</a:t>
+            </a:r>
+          </a:p>
+        </p:txBody>
+      </p:sp>
+      <p:sp>
+        <p:nvSpPr>
+          <p:cNvPr id="88" name="Rectangle 87">
+            <a:extLst>
+              <a:ext uri="{FF2B5EF4-FFF2-40B4-BE49-F238E27FC236}">
+                <a16:creationId xmlns:a16="http://schemas.microsoft.com/office/drawing/2014/main" id="{5B27A360-D850-40D1-B5EB-8AFA9A7872B8}"/>
+              </a:ext>
+            </a:extLst>
+          </p:cNvPr>
+          <p:cNvSpPr/>
+          <p:nvPr/>
+        </p:nvSpPr>
+        <p:spPr>
+          <a:xfrm>
+            <a:off x="8943198" y="3746608"/>
+            <a:ext cx="1187049" cy="283860"/>
+          </a:xfrm>
+          <a:prstGeom prst="rect">
+            <a:avLst/>
+          </a:prstGeom>
+          <a:solidFill>
+            <a:schemeClr val="dk1">
+              <a:alpha val="50000"/>
+            </a:schemeClr>
+          </a:solidFill>
+          <a:ln>
+            <a:noFill/>
+          </a:ln>
+        </p:spPr>
+        <p:style>
+          <a:lnRef idx="0">
+            <a:scrgbClr r="0" g="0" b="0"/>
+          </a:lnRef>
+          <a:fillRef idx="0">
+            <a:scrgbClr r="0" g="0" b="0"/>
+          </a:fillRef>
+          <a:effectRef idx="0">
+            <a:scrgbClr r="0" g="0" b="0"/>
+          </a:effectRef>
+          <a:fontRef idx="minor">
+            <a:schemeClr val="lt1"/>
+          </a:fontRef>
+        </p:style>
+        <p:txBody>
+          <a:bodyPr rtlCol="0" anchor="ctr"/>
+          <a:lstStyle/>
+          <a:p>
+            <a:pPr algn="ctr"/>
+            <a:r>
+              <a:rPr lang="en-GB" sz="1200" dirty="0"/>
+              <a:t>Instructions</a:t>
+            </a:r>
+          </a:p>
+        </p:txBody>
+      </p:sp>
+      <p:sp>
+        <p:nvSpPr>
+          <p:cNvPr id="91" name="Oval 90">
+            <a:extLst>
+              <a:ext uri="{FF2B5EF4-FFF2-40B4-BE49-F238E27FC236}">
+                <a16:creationId xmlns:a16="http://schemas.microsoft.com/office/drawing/2014/main" id="{5A2CD1E4-4B9A-471C-A321-A79078ADE513}"/>
+              </a:ext>
+            </a:extLst>
+          </p:cNvPr>
+          <p:cNvSpPr/>
+          <p:nvPr/>
+        </p:nvSpPr>
+        <p:spPr>
+          <a:xfrm>
+            <a:off x="10672160" y="2757400"/>
+            <a:ext cx="1169846" cy="447294"/>
+          </a:xfrm>
+          <a:prstGeom prst="ellipse">
+            <a:avLst/>
+          </a:prstGeom>
+          <a:solidFill>
+            <a:schemeClr val="dk1">
+              <a:alpha val="50000"/>
+            </a:schemeClr>
+          </a:solidFill>
+          <a:ln>
+            <a:noFill/>
+          </a:ln>
+        </p:spPr>
+        <p:style>
+          <a:lnRef idx="0">
+            <a:scrgbClr r="0" g="0" b="0"/>
+          </a:lnRef>
+          <a:fillRef idx="0">
+            <a:scrgbClr r="0" g="0" b="0"/>
+          </a:fillRef>
+          <a:effectRef idx="0">
+            <a:scrgbClr r="0" g="0" b="0"/>
+          </a:effectRef>
+          <a:fontRef idx="minor">
+            <a:schemeClr val="lt1"/>
+          </a:fontRef>
+        </p:style>
+        <p:txBody>
+          <a:bodyPr rtlCol="0" anchor="ctr"/>
+          <a:lstStyle/>
+          <a:p>
+            <a:pPr algn="ctr"/>
+            <a:r>
+              <a:rPr lang="en-GB" sz="1200" dirty="0"/>
+              <a:t>Robot 2-A</a:t>
+            </a:r>
+          </a:p>
+        </p:txBody>
+      </p:sp>
+      <p:sp>
+        <p:nvSpPr>
+          <p:cNvPr id="150" name="Rectangle 149">
+            <a:extLst>
+              <a:ext uri="{FF2B5EF4-FFF2-40B4-BE49-F238E27FC236}">
+                <a16:creationId xmlns:a16="http://schemas.microsoft.com/office/drawing/2014/main" id="{A6C014E7-5DFF-466D-8A8C-661922517543}"/>
+              </a:ext>
+            </a:extLst>
+          </p:cNvPr>
+          <p:cNvSpPr/>
+          <p:nvPr/>
+        </p:nvSpPr>
+        <p:spPr>
+          <a:xfrm>
+            <a:off x="8943198" y="2839117"/>
+            <a:ext cx="1187049" cy="283860"/>
+          </a:xfrm>
+          <a:prstGeom prst="rect">
+            <a:avLst/>
+          </a:prstGeom>
+          <a:solidFill>
+            <a:schemeClr val="dk1">
+              <a:alpha val="50000"/>
+            </a:schemeClr>
+          </a:solidFill>
+          <a:ln>
+            <a:noFill/>
+          </a:ln>
+        </p:spPr>
+        <p:style>
+          <a:lnRef idx="0">
+            <a:scrgbClr r="0" g="0" b="0"/>
+          </a:lnRef>
+          <a:fillRef idx="0">
+            <a:scrgbClr r="0" g="0" b="0"/>
+          </a:fillRef>
+          <a:effectRef idx="0">
+            <a:scrgbClr r="0" g="0" b="0"/>
+          </a:effectRef>
+          <a:fontRef idx="minor">
+            <a:schemeClr val="lt1"/>
+          </a:fontRef>
+        </p:style>
+        <p:txBody>
+          <a:bodyPr rtlCol="0" anchor="ctr"/>
+          <a:lstStyle/>
+          <a:p>
+            <a:pPr algn="ctr"/>
+            <a:r>
+              <a:rPr lang="en-GB" sz="1200" dirty="0"/>
+              <a:t>Instructions</a:t>
+            </a:r>
+          </a:p>
+        </p:txBody>
+      </p:sp>
+      <p:sp>
+        <p:nvSpPr>
+          <p:cNvPr id="151" name="Oval 150">
+            <a:extLst>
+              <a:ext uri="{FF2B5EF4-FFF2-40B4-BE49-F238E27FC236}">
+                <a16:creationId xmlns:a16="http://schemas.microsoft.com/office/drawing/2014/main" id="{4DE0C6C8-0688-494E-9AC2-F9F13ACEC5AF}"/>
+              </a:ext>
+            </a:extLst>
+          </p:cNvPr>
+          <p:cNvSpPr/>
+          <p:nvPr/>
+        </p:nvSpPr>
+        <p:spPr>
+          <a:xfrm>
+            <a:off x="10672160" y="4572381"/>
+            <a:ext cx="1169846" cy="447294"/>
+          </a:xfrm>
+          <a:prstGeom prst="ellipse">
+            <a:avLst/>
+          </a:prstGeom>
+          <a:solidFill>
+            <a:schemeClr val="dk1">
+              <a:alpha val="50000"/>
+            </a:schemeClr>
+          </a:solidFill>
+          <a:ln>
+            <a:noFill/>
+          </a:ln>
+        </p:spPr>
+        <p:style>
+          <a:lnRef idx="0">
+            <a:scrgbClr r="0" g="0" b="0"/>
+          </a:lnRef>
+          <a:fillRef idx="0">
+            <a:scrgbClr r="0" g="0" b="0"/>
+          </a:fillRef>
+          <a:effectRef idx="0">
+            <a:scrgbClr r="0" g="0" b="0"/>
+          </a:effectRef>
+          <a:fontRef idx="minor">
+            <a:schemeClr val="lt1"/>
+          </a:fontRef>
+        </p:style>
+        <p:txBody>
+          <a:bodyPr rtlCol="0" anchor="ctr"/>
+          <a:lstStyle/>
+          <a:p>
+            <a:pPr algn="ctr"/>
+            <a:r>
+              <a:rPr lang="en-GB" sz="1200" dirty="0"/>
+              <a:t>Robot 2-C</a:t>
+            </a:r>
+          </a:p>
+        </p:txBody>
+      </p:sp>
+      <p:sp>
+        <p:nvSpPr>
+          <p:cNvPr id="152" name="Rectangle 151">
+            <a:extLst>
+              <a:ext uri="{FF2B5EF4-FFF2-40B4-BE49-F238E27FC236}">
+                <a16:creationId xmlns:a16="http://schemas.microsoft.com/office/drawing/2014/main" id="{C222B1E4-9889-434E-9439-0CE1060D0372}"/>
+              </a:ext>
+            </a:extLst>
+          </p:cNvPr>
+          <p:cNvSpPr/>
+          <p:nvPr/>
+        </p:nvSpPr>
+        <p:spPr>
+          <a:xfrm>
+            <a:off x="8943198" y="4654098"/>
+            <a:ext cx="1187049" cy="283860"/>
+          </a:xfrm>
+          <a:prstGeom prst="rect">
+            <a:avLst/>
+          </a:prstGeom>
+          <a:solidFill>
+            <a:schemeClr val="dk1">
+              <a:alpha val="50000"/>
+            </a:schemeClr>
+          </a:solidFill>
+          <a:ln>
+            <a:noFill/>
+          </a:ln>
+        </p:spPr>
+        <p:style>
+          <a:lnRef idx="0">
+            <a:scrgbClr r="0" g="0" b="0"/>
+          </a:lnRef>
+          <a:fillRef idx="0">
+            <a:scrgbClr r="0" g="0" b="0"/>
+          </a:fillRef>
+          <a:effectRef idx="0">
+            <a:scrgbClr r="0" g="0" b="0"/>
+          </a:effectRef>
+          <a:fontRef idx="minor">
+            <a:schemeClr val="lt1"/>
+          </a:fontRef>
+        </p:style>
+        <p:txBody>
+          <a:bodyPr rtlCol="0" anchor="ctr"/>
+          <a:lstStyle/>
+          <a:p>
+            <a:pPr algn="ctr"/>
+            <a:r>
+              <a:rPr lang="en-GB" sz="1200" dirty="0"/>
+              <a:t>Instructions</a:t>
+            </a:r>
+          </a:p>
+        </p:txBody>
+      </p:sp>
+      <p:cxnSp>
+        <p:nvCxnSpPr>
+          <p:cNvPr id="4" name="Straight Arrow Connector 3">
+            <a:extLst>
+              <a:ext uri="{FF2B5EF4-FFF2-40B4-BE49-F238E27FC236}">
+                <a16:creationId xmlns:a16="http://schemas.microsoft.com/office/drawing/2014/main" id="{F616EF5D-B3C0-4293-9C00-76135EA6F70A}"/>
+              </a:ext>
+            </a:extLst>
+          </p:cNvPr>
+          <p:cNvCxnSpPr>
+            <a:cxnSpLocks/>
+            <a:stCxn id="80" idx="5"/>
+            <a:endCxn id="2" idx="1"/>
+          </p:cNvCxnSpPr>
+          <p:nvPr/>
+        </p:nvCxnSpPr>
+        <p:spPr>
+          <a:xfrm>
+            <a:off x="1348520" y="4712327"/>
+            <a:ext cx="773446" cy="19187"/>
+          </a:xfrm>
+          <a:prstGeom prst="straightConnector1">
+            <a:avLst/>
+          </a:prstGeom>
+          <a:ln>
+            <a:tailEnd type="triangle"/>
+          </a:ln>
+        </p:spPr>
+        <p:style>
+          <a:lnRef idx="1">
+            <a:schemeClr val="dk1"/>
+          </a:lnRef>
+          <a:fillRef idx="0">
+            <a:schemeClr val="dk1"/>
+          </a:fillRef>
+          <a:effectRef idx="0">
+            <a:schemeClr val="dk1"/>
+          </a:effectRef>
+          <a:fontRef idx="minor">
+            <a:schemeClr val="tx1"/>
+          </a:fontRef>
+        </p:style>
+      </p:cxnSp>
+      <p:cxnSp>
+        <p:nvCxnSpPr>
+          <p:cNvPr id="153" name="Straight Arrow Connector 152">
+            <a:extLst>
+              <a:ext uri="{FF2B5EF4-FFF2-40B4-BE49-F238E27FC236}">
+                <a16:creationId xmlns:a16="http://schemas.microsoft.com/office/drawing/2014/main" id="{97E89223-4B00-4C1C-B9C5-FEF5AC2E95DB}"/>
+              </a:ext>
+            </a:extLst>
+          </p:cNvPr>
+          <p:cNvCxnSpPr>
+            <a:cxnSpLocks/>
+            <a:stCxn id="2" idx="3"/>
+            <a:endCxn id="82" idx="3"/>
+          </p:cNvCxnSpPr>
+          <p:nvPr/>
+        </p:nvCxnSpPr>
+        <p:spPr>
+          <a:xfrm flipV="1">
+            <a:off x="3309015" y="3534872"/>
+            <a:ext cx="653021" cy="1196642"/>
+          </a:xfrm>
+          <a:prstGeom prst="straightConnector1">
+            <a:avLst/>
+          </a:prstGeom>
+          <a:ln>
+            <a:tailEnd type="triangle"/>
+          </a:ln>
+        </p:spPr>
+        <p:style>
+          <a:lnRef idx="1">
+            <a:schemeClr val="dk1"/>
+          </a:lnRef>
+          <a:fillRef idx="0">
+            <a:schemeClr val="dk1"/>
+          </a:fillRef>
+          <a:effectRef idx="0">
+            <a:schemeClr val="dk1"/>
+          </a:effectRef>
+          <a:fontRef idx="minor">
+            <a:schemeClr val="tx1"/>
+          </a:fontRef>
+        </p:style>
+      </p:cxnSp>
+      <p:cxnSp>
+        <p:nvCxnSpPr>
+          <p:cNvPr id="154" name="Straight Arrow Connector 153">
+            <a:extLst>
+              <a:ext uri="{FF2B5EF4-FFF2-40B4-BE49-F238E27FC236}">
+                <a16:creationId xmlns:a16="http://schemas.microsoft.com/office/drawing/2014/main" id="{D5E1C722-284F-40F8-A59F-BE924542C294}"/>
+              </a:ext>
+            </a:extLst>
+          </p:cNvPr>
+          <p:cNvCxnSpPr>
+            <a:cxnSpLocks/>
+            <a:endCxn id="84" idx="3"/>
+          </p:cNvCxnSpPr>
+          <p:nvPr/>
+        </p:nvCxnSpPr>
+        <p:spPr>
+          <a:xfrm flipH="1">
+            <a:off x="3309015" y="3486150"/>
+            <a:ext cx="551479" cy="909893"/>
+          </a:xfrm>
+          <a:prstGeom prst="straightConnector1">
+            <a:avLst/>
+          </a:prstGeom>
+          <a:ln>
+            <a:tailEnd type="triangle"/>
+          </a:ln>
+        </p:spPr>
+        <p:style>
+          <a:lnRef idx="1">
+            <a:schemeClr val="dk1"/>
+          </a:lnRef>
+          <a:fillRef idx="0">
+            <a:schemeClr val="dk1"/>
+          </a:fillRef>
+          <a:effectRef idx="0">
+            <a:schemeClr val="dk1"/>
+          </a:effectRef>
+          <a:fontRef idx="minor">
+            <a:schemeClr val="tx1"/>
+          </a:fontRef>
+        </p:style>
+      </p:cxnSp>
+      <p:cxnSp>
+        <p:nvCxnSpPr>
+          <p:cNvPr id="157" name="Straight Arrow Connector 156">
+            <a:extLst>
+              <a:ext uri="{FF2B5EF4-FFF2-40B4-BE49-F238E27FC236}">
+                <a16:creationId xmlns:a16="http://schemas.microsoft.com/office/drawing/2014/main" id="{1326901A-9F99-4B20-8181-47E47E67A39A}"/>
+              </a:ext>
+            </a:extLst>
+          </p:cNvPr>
+          <p:cNvCxnSpPr>
+            <a:cxnSpLocks/>
+            <a:stCxn id="84" idx="1"/>
+            <a:endCxn id="80" idx="7"/>
+          </p:cNvCxnSpPr>
+          <p:nvPr/>
+        </p:nvCxnSpPr>
+        <p:spPr>
+          <a:xfrm flipH="1">
+            <a:off x="1348520" y="4396043"/>
+            <a:ext cx="773446" cy="0"/>
+          </a:xfrm>
+          <a:prstGeom prst="straightConnector1">
+            <a:avLst/>
+          </a:prstGeom>
+          <a:ln>
+            <a:tailEnd type="triangle"/>
+          </a:ln>
+        </p:spPr>
+        <p:style>
+          <a:lnRef idx="1">
+            <a:schemeClr val="dk1"/>
+          </a:lnRef>
+          <a:fillRef idx="0">
+            <a:schemeClr val="dk1"/>
+          </a:fillRef>
+          <a:effectRef idx="0">
+            <a:schemeClr val="dk1"/>
+          </a:effectRef>
+          <a:fontRef idx="minor">
+            <a:schemeClr val="tx1"/>
+          </a:fontRef>
+        </p:style>
+      </p:cxnSp>
+      <p:cxnSp>
+        <p:nvCxnSpPr>
+          <p:cNvPr id="158" name="Straight Arrow Connector 157">
+            <a:extLst>
+              <a:ext uri="{FF2B5EF4-FFF2-40B4-BE49-F238E27FC236}">
+                <a16:creationId xmlns:a16="http://schemas.microsoft.com/office/drawing/2014/main" id="{D728E2B4-FE25-47DA-9793-94CBB8D351C8}"/>
+              </a:ext>
+            </a:extLst>
+          </p:cNvPr>
+          <p:cNvCxnSpPr>
+            <a:cxnSpLocks/>
+            <a:stCxn id="82" idx="6"/>
+            <a:endCxn id="85" idx="1"/>
+          </p:cNvCxnSpPr>
+          <p:nvPr/>
+        </p:nvCxnSpPr>
+        <p:spPr>
+          <a:xfrm>
+            <a:off x="4960562" y="3376730"/>
+            <a:ext cx="541913" cy="507506"/>
+          </a:xfrm>
+          <a:prstGeom prst="straightConnector1">
+            <a:avLst/>
+          </a:prstGeom>
+          <a:ln>
+            <a:tailEnd type="triangle"/>
+          </a:ln>
+        </p:spPr>
+        <p:style>
+          <a:lnRef idx="1">
+            <a:schemeClr val="dk1"/>
+          </a:lnRef>
+          <a:fillRef idx="0">
+            <a:schemeClr val="dk1"/>
+          </a:fillRef>
+          <a:effectRef idx="0">
+            <a:schemeClr val="dk1"/>
+          </a:effectRef>
+          <a:fontRef idx="minor">
+            <a:schemeClr val="tx1"/>
+          </a:fontRef>
+        </p:style>
+      </p:cxnSp>
+      <p:cxnSp>
+        <p:nvCxnSpPr>
+          <p:cNvPr id="159" name="Straight Arrow Connector 158">
+            <a:extLst>
+              <a:ext uri="{FF2B5EF4-FFF2-40B4-BE49-F238E27FC236}">
+                <a16:creationId xmlns:a16="http://schemas.microsoft.com/office/drawing/2014/main" id="{C4521EA0-29E8-43C1-A766-D19583B8F8C2}"/>
+              </a:ext>
+            </a:extLst>
+          </p:cNvPr>
+          <p:cNvCxnSpPr>
+            <a:cxnSpLocks/>
+            <a:stCxn id="85" idx="3"/>
+            <a:endCxn id="81" idx="2"/>
+          </p:cNvCxnSpPr>
+          <p:nvPr/>
+        </p:nvCxnSpPr>
+        <p:spPr>
+          <a:xfrm>
+            <a:off x="6689524" y="3884236"/>
+            <a:ext cx="541914" cy="4302"/>
+          </a:xfrm>
+          <a:prstGeom prst="straightConnector1">
+            <a:avLst/>
+          </a:prstGeom>
+          <a:ln>
+            <a:tailEnd type="triangle"/>
+          </a:ln>
+        </p:spPr>
+        <p:style>
+          <a:lnRef idx="1">
+            <a:schemeClr val="dk1"/>
+          </a:lnRef>
+          <a:fillRef idx="0">
+            <a:schemeClr val="dk1"/>
+          </a:fillRef>
+          <a:effectRef idx="0">
+            <a:schemeClr val="dk1"/>
+          </a:effectRef>
+          <a:fontRef idx="minor">
+            <a:schemeClr val="tx1"/>
+          </a:fontRef>
+        </p:style>
+      </p:cxnSp>
+      <p:cxnSp>
+        <p:nvCxnSpPr>
+          <p:cNvPr id="160" name="Straight Arrow Connector 159">
+            <a:extLst>
+              <a:ext uri="{FF2B5EF4-FFF2-40B4-BE49-F238E27FC236}">
+                <a16:creationId xmlns:a16="http://schemas.microsoft.com/office/drawing/2014/main" id="{E8B4ED40-61FB-48BB-829E-6CBF91E0654A}"/>
+              </a:ext>
+            </a:extLst>
+          </p:cNvPr>
+          <p:cNvCxnSpPr>
+            <a:cxnSpLocks/>
+            <a:stCxn id="81" idx="7"/>
+            <a:endCxn id="150" idx="1"/>
+          </p:cNvCxnSpPr>
+          <p:nvPr/>
+        </p:nvCxnSpPr>
+        <p:spPr>
+          <a:xfrm flipV="1">
+            <a:off x="8229964" y="2981047"/>
+            <a:ext cx="713234" cy="749348"/>
+          </a:xfrm>
+          <a:prstGeom prst="straightConnector1">
+            <a:avLst/>
+          </a:prstGeom>
+          <a:ln>
+            <a:tailEnd type="triangle"/>
+          </a:ln>
+        </p:spPr>
+        <p:style>
+          <a:lnRef idx="1">
+            <a:schemeClr val="dk1"/>
+          </a:lnRef>
+          <a:fillRef idx="0">
+            <a:schemeClr val="dk1"/>
+          </a:fillRef>
+          <a:effectRef idx="0">
+            <a:schemeClr val="dk1"/>
+          </a:effectRef>
+          <a:fontRef idx="minor">
+            <a:schemeClr val="tx1"/>
+          </a:fontRef>
+        </p:style>
+      </p:cxnSp>
+      <p:cxnSp>
+        <p:nvCxnSpPr>
+          <p:cNvPr id="161" name="Straight Arrow Connector 160">
+            <a:extLst>
+              <a:ext uri="{FF2B5EF4-FFF2-40B4-BE49-F238E27FC236}">
+                <a16:creationId xmlns:a16="http://schemas.microsoft.com/office/drawing/2014/main" id="{7231A6DC-8B0E-45CC-B570-5C9E4A678B3B}"/>
+              </a:ext>
+            </a:extLst>
+          </p:cNvPr>
+          <p:cNvCxnSpPr>
+            <a:cxnSpLocks/>
+            <a:stCxn id="81" idx="5"/>
+            <a:endCxn id="152" idx="1"/>
+          </p:cNvCxnSpPr>
+          <p:nvPr/>
+        </p:nvCxnSpPr>
+        <p:spPr>
+          <a:xfrm>
+            <a:off x="8229964" y="4046680"/>
+            <a:ext cx="713234" cy="749348"/>
+          </a:xfrm>
+          <a:prstGeom prst="straightConnector1">
+            <a:avLst/>
+          </a:prstGeom>
+          <a:ln>
+            <a:tailEnd type="triangle"/>
+          </a:ln>
+        </p:spPr>
+        <p:style>
+          <a:lnRef idx="1">
+            <a:schemeClr val="dk1"/>
+          </a:lnRef>
+          <a:fillRef idx="0">
+            <a:schemeClr val="dk1"/>
+          </a:fillRef>
+          <a:effectRef idx="0">
+            <a:schemeClr val="dk1"/>
+          </a:effectRef>
+          <a:fontRef idx="minor">
+            <a:schemeClr val="tx1"/>
+          </a:fontRef>
+        </p:style>
+      </p:cxnSp>
+      <p:cxnSp>
+        <p:nvCxnSpPr>
+          <p:cNvPr id="162" name="Straight Arrow Connector 161">
+            <a:extLst>
+              <a:ext uri="{FF2B5EF4-FFF2-40B4-BE49-F238E27FC236}">
+                <a16:creationId xmlns:a16="http://schemas.microsoft.com/office/drawing/2014/main" id="{B4422115-DA30-436C-824B-DBD6E45530BF}"/>
+              </a:ext>
+            </a:extLst>
+          </p:cNvPr>
+          <p:cNvCxnSpPr>
+            <a:cxnSpLocks/>
+            <a:stCxn id="81" idx="6"/>
+            <a:endCxn id="88" idx="1"/>
+          </p:cNvCxnSpPr>
+          <p:nvPr/>
+        </p:nvCxnSpPr>
+        <p:spPr>
+          <a:xfrm>
+            <a:off x="8401284" y="3888538"/>
+            <a:ext cx="541914" cy="0"/>
+          </a:xfrm>
+          <a:prstGeom prst="straightConnector1">
+            <a:avLst/>
+          </a:prstGeom>
+          <a:ln>
+            <a:tailEnd type="triangle"/>
+          </a:ln>
+        </p:spPr>
+        <p:style>
+          <a:lnRef idx="1">
+            <a:schemeClr val="dk1"/>
+          </a:lnRef>
+          <a:fillRef idx="0">
+            <a:schemeClr val="dk1"/>
+          </a:fillRef>
+          <a:effectRef idx="0">
+            <a:schemeClr val="dk1"/>
+          </a:effectRef>
+          <a:fontRef idx="minor">
+            <a:schemeClr val="tx1"/>
+          </a:fontRef>
+        </p:style>
+      </p:cxnSp>
+      <p:cxnSp>
+        <p:nvCxnSpPr>
+          <p:cNvPr id="164" name="Straight Arrow Connector 163">
+            <a:extLst>
+              <a:ext uri="{FF2B5EF4-FFF2-40B4-BE49-F238E27FC236}">
+                <a16:creationId xmlns:a16="http://schemas.microsoft.com/office/drawing/2014/main" id="{01DCDC35-2FE0-436B-84EA-4D9AD6175313}"/>
+              </a:ext>
+            </a:extLst>
+          </p:cNvPr>
+          <p:cNvCxnSpPr>
+            <a:cxnSpLocks/>
+            <a:stCxn id="150" idx="3"/>
+            <a:endCxn id="91" idx="2"/>
+          </p:cNvCxnSpPr>
+          <p:nvPr/>
+        </p:nvCxnSpPr>
+        <p:spPr>
+          <a:xfrm>
+            <a:off x="10130247" y="2981047"/>
+            <a:ext cx="541914" cy="0"/>
+          </a:xfrm>
+          <a:prstGeom prst="straightConnector1">
+            <a:avLst/>
+          </a:prstGeom>
+          <a:ln>
+            <a:tailEnd type="triangle"/>
+          </a:ln>
+        </p:spPr>
+        <p:style>
+          <a:lnRef idx="1">
+            <a:schemeClr val="dk1"/>
+          </a:lnRef>
+          <a:fillRef idx="0">
+            <a:schemeClr val="dk1"/>
+          </a:fillRef>
+          <a:effectRef idx="0">
+            <a:schemeClr val="dk1"/>
+          </a:effectRef>
+          <a:fontRef idx="minor">
+            <a:schemeClr val="tx1"/>
+          </a:fontRef>
+        </p:style>
+      </p:cxnSp>
+      <p:cxnSp>
+        <p:nvCxnSpPr>
+          <p:cNvPr id="165" name="Straight Arrow Connector 164">
+            <a:extLst>
+              <a:ext uri="{FF2B5EF4-FFF2-40B4-BE49-F238E27FC236}">
+                <a16:creationId xmlns:a16="http://schemas.microsoft.com/office/drawing/2014/main" id="{1F870178-AB59-4055-9177-AE668B9F7208}"/>
+              </a:ext>
+            </a:extLst>
+          </p:cNvPr>
+          <p:cNvCxnSpPr>
+            <a:cxnSpLocks/>
+            <a:stCxn id="88" idx="3"/>
+            <a:endCxn id="86" idx="2"/>
+          </p:cNvCxnSpPr>
+          <p:nvPr/>
+        </p:nvCxnSpPr>
+        <p:spPr>
+          <a:xfrm>
+            <a:off x="10130247" y="3888538"/>
+            <a:ext cx="541914" cy="0"/>
+          </a:xfrm>
+          <a:prstGeom prst="straightConnector1">
+            <a:avLst/>
+          </a:prstGeom>
+          <a:ln>
+            <a:tailEnd type="triangle"/>
+          </a:ln>
+        </p:spPr>
+        <p:style>
+          <a:lnRef idx="1">
+            <a:schemeClr val="dk1"/>
+          </a:lnRef>
+          <a:fillRef idx="0">
+            <a:schemeClr val="dk1"/>
+          </a:fillRef>
+          <a:effectRef idx="0">
+            <a:schemeClr val="dk1"/>
+          </a:effectRef>
+          <a:fontRef idx="minor">
+            <a:schemeClr val="tx1"/>
+          </a:fontRef>
+        </p:style>
+      </p:cxnSp>
+      <p:cxnSp>
+        <p:nvCxnSpPr>
+          <p:cNvPr id="166" name="Straight Arrow Connector 165">
+            <a:extLst>
+              <a:ext uri="{FF2B5EF4-FFF2-40B4-BE49-F238E27FC236}">
+                <a16:creationId xmlns:a16="http://schemas.microsoft.com/office/drawing/2014/main" id="{8EE5E6C2-C214-4FA5-B5FC-8754278A4B7B}"/>
+              </a:ext>
+            </a:extLst>
+          </p:cNvPr>
+          <p:cNvCxnSpPr>
+            <a:cxnSpLocks/>
+            <a:stCxn id="152" idx="3"/>
+            <a:endCxn id="151" idx="2"/>
+          </p:cNvCxnSpPr>
+          <p:nvPr/>
+        </p:nvCxnSpPr>
+        <p:spPr>
+          <a:xfrm>
+            <a:off x="10130247" y="4796028"/>
+            <a:ext cx="541914" cy="0"/>
+          </a:xfrm>
+          <a:prstGeom prst="straightConnector1">
+            <a:avLst/>
+          </a:prstGeom>
+          <a:ln>
+            <a:tailEnd type="triangle"/>
+          </a:ln>
+        </p:spPr>
+        <p:style>
+          <a:lnRef idx="1">
+            <a:schemeClr val="dk1"/>
+          </a:lnRef>
+          <a:fillRef idx="0">
+            <a:schemeClr val="dk1"/>
+          </a:fillRef>
+          <a:effectRef idx="0">
+            <a:schemeClr val="dk1"/>
+          </a:effectRef>
+          <a:fontRef idx="minor">
+            <a:schemeClr val="tx1"/>
+          </a:fontRef>
+        </p:style>
+      </p:cxnSp>
+      <p:sp>
+        <p:nvSpPr>
+          <p:cNvPr id="167" name="Oval 166">
+            <a:extLst>
+              <a:ext uri="{FF2B5EF4-FFF2-40B4-BE49-F238E27FC236}">
+                <a16:creationId xmlns:a16="http://schemas.microsoft.com/office/drawing/2014/main" id="{BC6E889E-5419-4F82-85A9-D40889E385A5}"/>
+              </a:ext>
+            </a:extLst>
+          </p:cNvPr>
+          <p:cNvSpPr/>
+          <p:nvPr/>
+        </p:nvSpPr>
+        <p:spPr>
+          <a:xfrm>
+            <a:off x="7231438" y="1838325"/>
+            <a:ext cx="1169846" cy="447294"/>
+          </a:xfrm>
+          <a:prstGeom prst="ellipse">
+            <a:avLst/>
+          </a:prstGeom>
+          <a:solidFill>
+            <a:schemeClr val="dk1">
+              <a:alpha val="50000"/>
+            </a:schemeClr>
+          </a:solidFill>
+          <a:ln>
+            <a:noFill/>
+          </a:ln>
+        </p:spPr>
+        <p:style>
+          <a:lnRef idx="0">
+            <a:scrgbClr r="0" g="0" b="0"/>
+          </a:lnRef>
+          <a:fillRef idx="0">
+            <a:scrgbClr r="0" g="0" b="0"/>
+          </a:fillRef>
+          <a:effectRef idx="0">
+            <a:scrgbClr r="0" g="0" b="0"/>
+          </a:effectRef>
+          <a:fontRef idx="minor">
+            <a:schemeClr val="lt1"/>
+          </a:fontRef>
+        </p:style>
+        <p:txBody>
+          <a:bodyPr rtlCol="0" anchor="ctr"/>
+          <a:lstStyle/>
+          <a:p>
+            <a:pPr algn="ctr"/>
+            <a:r>
+              <a:rPr lang="en-GB" sz="1200" dirty="0"/>
+              <a:t>Robot Handler 1</a:t>
+            </a:r>
+          </a:p>
+        </p:txBody>
+      </p:sp>
+      <p:sp>
+        <p:nvSpPr>
+          <p:cNvPr id="168" name="Oval 167">
+            <a:extLst>
+              <a:ext uri="{FF2B5EF4-FFF2-40B4-BE49-F238E27FC236}">
+                <a16:creationId xmlns:a16="http://schemas.microsoft.com/office/drawing/2014/main" id="{084EDA64-A2A4-4ED2-8068-7789C06C7EDE}"/>
+              </a:ext>
+            </a:extLst>
+          </p:cNvPr>
+          <p:cNvSpPr/>
+          <p:nvPr/>
+        </p:nvSpPr>
+        <p:spPr>
+          <a:xfrm>
+            <a:off x="10672160" y="1838325"/>
+            <a:ext cx="1169846" cy="447294"/>
+          </a:xfrm>
+          <a:prstGeom prst="ellipse">
+            <a:avLst/>
+          </a:prstGeom>
+          <a:solidFill>
+            <a:schemeClr val="dk1">
+              <a:alpha val="50000"/>
+            </a:schemeClr>
+          </a:solidFill>
+          <a:ln>
+            <a:noFill/>
+          </a:ln>
+        </p:spPr>
+        <p:style>
+          <a:lnRef idx="0">
+            <a:scrgbClr r="0" g="0" b="0"/>
+          </a:lnRef>
+          <a:fillRef idx="0">
+            <a:scrgbClr r="0" g="0" b="0"/>
+          </a:fillRef>
+          <a:effectRef idx="0">
+            <a:scrgbClr r="0" g="0" b="0"/>
+          </a:effectRef>
+          <a:fontRef idx="minor">
+            <a:schemeClr val="lt1"/>
+          </a:fontRef>
+        </p:style>
+        <p:txBody>
+          <a:bodyPr rtlCol="0" anchor="ctr"/>
+          <a:lstStyle/>
+          <a:p>
+            <a:pPr algn="ctr"/>
+            <a:r>
+              <a:rPr lang="en-GB" sz="1200" dirty="0"/>
+              <a:t>Robot 1-A</a:t>
+            </a:r>
+          </a:p>
+        </p:txBody>
+      </p:sp>
+      <p:sp>
+        <p:nvSpPr>
+          <p:cNvPr id="169" name="Rectangle 168">
+            <a:extLst>
+              <a:ext uri="{FF2B5EF4-FFF2-40B4-BE49-F238E27FC236}">
+                <a16:creationId xmlns:a16="http://schemas.microsoft.com/office/drawing/2014/main" id="{A4CD5C23-F47C-466A-8F1B-08B8521687C8}"/>
+              </a:ext>
+            </a:extLst>
+          </p:cNvPr>
+          <p:cNvSpPr/>
+          <p:nvPr/>
+        </p:nvSpPr>
+        <p:spPr>
+          <a:xfrm>
+            <a:off x="8943198" y="1920042"/>
+            <a:ext cx="1187049" cy="283860"/>
+          </a:xfrm>
+          <a:prstGeom prst="rect">
+            <a:avLst/>
+          </a:prstGeom>
+          <a:solidFill>
+            <a:schemeClr val="dk1">
+              <a:alpha val="50000"/>
+            </a:schemeClr>
+          </a:solidFill>
+          <a:ln>
+            <a:noFill/>
+          </a:ln>
+        </p:spPr>
+        <p:style>
+          <a:lnRef idx="0">
+            <a:scrgbClr r="0" g="0" b="0"/>
+          </a:lnRef>
+          <a:fillRef idx="0">
+            <a:scrgbClr r="0" g="0" b="0"/>
+          </a:fillRef>
+          <a:effectRef idx="0">
+            <a:scrgbClr r="0" g="0" b="0"/>
+          </a:effectRef>
+          <a:fontRef idx="minor">
+            <a:schemeClr val="lt1"/>
+          </a:fontRef>
+        </p:style>
+        <p:txBody>
+          <a:bodyPr rtlCol="0" anchor="ctr"/>
+          <a:lstStyle/>
+          <a:p>
+            <a:pPr algn="ctr"/>
+            <a:r>
+              <a:rPr lang="en-GB" sz="1200" dirty="0"/>
+              <a:t>Instructions</a:t>
+            </a:r>
+          </a:p>
+        </p:txBody>
+      </p:sp>
+      <p:cxnSp>
+        <p:nvCxnSpPr>
+          <p:cNvPr id="170" name="Straight Arrow Connector 169">
+            <a:extLst>
+              <a:ext uri="{FF2B5EF4-FFF2-40B4-BE49-F238E27FC236}">
+                <a16:creationId xmlns:a16="http://schemas.microsoft.com/office/drawing/2014/main" id="{C3BF5BBC-39AB-4FB6-A6E4-7109D84887AF}"/>
+              </a:ext>
+            </a:extLst>
+          </p:cNvPr>
+          <p:cNvCxnSpPr>
+            <a:cxnSpLocks/>
+            <a:stCxn id="167" idx="6"/>
+            <a:endCxn id="169" idx="1"/>
+          </p:cNvCxnSpPr>
+          <p:nvPr/>
+        </p:nvCxnSpPr>
+        <p:spPr>
+          <a:xfrm>
+            <a:off x="8401284" y="2061972"/>
+            <a:ext cx="541914" cy="0"/>
+          </a:xfrm>
+          <a:prstGeom prst="straightConnector1">
+            <a:avLst/>
+          </a:prstGeom>
+          <a:ln>
+            <a:tailEnd type="triangle"/>
+          </a:ln>
+        </p:spPr>
+        <p:style>
+          <a:lnRef idx="1">
+            <a:schemeClr val="dk1"/>
+          </a:lnRef>
+          <a:fillRef idx="0">
+            <a:schemeClr val="dk1"/>
+          </a:fillRef>
+          <a:effectRef idx="0">
+            <a:schemeClr val="dk1"/>
+          </a:effectRef>
+          <a:fontRef idx="minor">
+            <a:schemeClr val="tx1"/>
+          </a:fontRef>
+        </p:style>
+      </p:cxnSp>
+      <p:cxnSp>
+        <p:nvCxnSpPr>
+          <p:cNvPr id="171" name="Straight Arrow Connector 170">
+            <a:extLst>
+              <a:ext uri="{FF2B5EF4-FFF2-40B4-BE49-F238E27FC236}">
+                <a16:creationId xmlns:a16="http://schemas.microsoft.com/office/drawing/2014/main" id="{A0F8DE2E-28D4-474A-BC2D-7F308AEB0558}"/>
+              </a:ext>
+            </a:extLst>
+          </p:cNvPr>
+          <p:cNvCxnSpPr>
+            <a:cxnSpLocks/>
+            <a:stCxn id="169" idx="3"/>
+            <a:endCxn id="168" idx="2"/>
+          </p:cNvCxnSpPr>
+          <p:nvPr/>
+        </p:nvCxnSpPr>
+        <p:spPr>
+          <a:xfrm>
+            <a:off x="10130247" y="2061972"/>
+            <a:ext cx="541914" cy="0"/>
+          </a:xfrm>
+          <a:prstGeom prst="straightConnector1">
+            <a:avLst/>
+          </a:prstGeom>
+          <a:ln>
+            <a:tailEnd type="triangle"/>
+          </a:ln>
+        </p:spPr>
+        <p:style>
+          <a:lnRef idx="1">
+            <a:schemeClr val="dk1"/>
+          </a:lnRef>
+          <a:fillRef idx="0">
+            <a:schemeClr val="dk1"/>
+          </a:fillRef>
+          <a:effectRef idx="0">
+            <a:schemeClr val="dk1"/>
+          </a:effectRef>
+          <a:fontRef idx="minor">
+            <a:schemeClr val="tx1"/>
+          </a:fontRef>
+        </p:style>
+      </p:cxnSp>
+      <p:cxnSp>
+        <p:nvCxnSpPr>
+          <p:cNvPr id="174" name="Straight Arrow Connector 173">
+            <a:extLst>
+              <a:ext uri="{FF2B5EF4-FFF2-40B4-BE49-F238E27FC236}">
+                <a16:creationId xmlns:a16="http://schemas.microsoft.com/office/drawing/2014/main" id="{62F4E14C-0C9E-4465-A28E-E1B822898613}"/>
+              </a:ext>
+            </a:extLst>
+          </p:cNvPr>
+          <p:cNvCxnSpPr>
+            <a:cxnSpLocks/>
+            <a:stCxn id="198" idx="3"/>
+            <a:endCxn id="167" idx="2"/>
+          </p:cNvCxnSpPr>
+          <p:nvPr/>
+        </p:nvCxnSpPr>
+        <p:spPr>
+          <a:xfrm>
+            <a:off x="6689524" y="2061972"/>
+            <a:ext cx="541914" cy="0"/>
+          </a:xfrm>
+          <a:prstGeom prst="straightConnector1">
+            <a:avLst/>
+          </a:prstGeom>
+          <a:ln>
+            <a:tailEnd type="triangle"/>
+          </a:ln>
+        </p:spPr>
+        <p:style>
+          <a:lnRef idx="1">
+            <a:schemeClr val="dk1"/>
+          </a:lnRef>
+          <a:fillRef idx="0">
+            <a:schemeClr val="dk1"/>
+          </a:fillRef>
+          <a:effectRef idx="0">
+            <a:schemeClr val="dk1"/>
+          </a:effectRef>
+          <a:fontRef idx="minor">
+            <a:schemeClr val="tx1"/>
+          </a:fontRef>
+        </p:style>
+      </p:cxnSp>
+      <p:sp>
+        <p:nvSpPr>
+          <p:cNvPr id="176" name="Rectangle 175">
+            <a:extLst>
+              <a:ext uri="{FF2B5EF4-FFF2-40B4-BE49-F238E27FC236}">
+                <a16:creationId xmlns:a16="http://schemas.microsoft.com/office/drawing/2014/main" id="{4B4A2F2B-35C0-404D-9795-82702358F223}"/>
+              </a:ext>
+            </a:extLst>
+          </p:cNvPr>
+          <p:cNvSpPr/>
+          <p:nvPr/>
+        </p:nvSpPr>
+        <p:spPr>
+          <a:xfrm>
+            <a:off x="2027081" y="3888537"/>
+            <a:ext cx="1395950" cy="1061426"/>
+          </a:xfrm>
+          <a:prstGeom prst="rect">
+            <a:avLst/>
+          </a:prstGeom>
+          <a:solidFill>
+            <a:schemeClr val="dk1">
+              <a:alpha val="50000"/>
+            </a:schemeClr>
+          </a:solidFill>
+          <a:ln>
+            <a:noFill/>
+          </a:ln>
+        </p:spPr>
+        <p:style>
+          <a:lnRef idx="0">
+            <a:scrgbClr r="0" g="0" b="0"/>
+          </a:lnRef>
+          <a:fillRef idx="0">
+            <a:scrgbClr r="0" g="0" b="0"/>
+          </a:fillRef>
+          <a:effectRef idx="0">
+            <a:scrgbClr r="0" g="0" b="0"/>
+          </a:effectRef>
+          <a:fontRef idx="minor">
+            <a:schemeClr val="lt1"/>
+          </a:fontRef>
+        </p:style>
+        <p:txBody>
+          <a:bodyPr rtlCol="0" anchor="ctr"/>
+          <a:lstStyle/>
+          <a:p>
+            <a:pPr algn="ctr"/>
+            <a:r>
+              <a:rPr lang="en-GB" sz="1200" dirty="0"/>
+              <a:t>Camera Group</a:t>
+            </a:r>
+          </a:p>
+          <a:p>
+            <a:pPr algn="ctr"/>
+            <a:endParaRPr lang="en-GB" sz="1200" dirty="0"/>
+          </a:p>
+          <a:p>
+            <a:pPr algn="ctr"/>
+            <a:endParaRPr lang="en-GB" sz="1200" dirty="0"/>
+          </a:p>
+          <a:p>
+            <a:pPr algn="ctr"/>
+            <a:endParaRPr lang="en-GB" sz="1200" dirty="0"/>
+          </a:p>
+          <a:p>
+            <a:pPr algn="ctr"/>
+            <a:endParaRPr lang="en-GB" sz="1200" dirty="0"/>
+          </a:p>
+        </p:txBody>
+      </p:sp>
+      <p:sp>
+        <p:nvSpPr>
+          <p:cNvPr id="2" name="Rectangle 1">
+            <a:extLst>
+              <a:ext uri="{FF2B5EF4-FFF2-40B4-BE49-F238E27FC236}">
+                <a16:creationId xmlns:a16="http://schemas.microsoft.com/office/drawing/2014/main" id="{63A941A2-33F5-4CEE-AB64-E29A20FB4314}"/>
+              </a:ext>
+            </a:extLst>
+          </p:cNvPr>
+          <p:cNvSpPr/>
+          <p:nvPr/>
+        </p:nvSpPr>
+        <p:spPr>
+          <a:xfrm>
+            <a:off x="2121966" y="4589584"/>
+            <a:ext cx="1187049" cy="283860"/>
+          </a:xfrm>
+          <a:prstGeom prst="rect">
+            <a:avLst/>
+          </a:prstGeom>
+          <a:solidFill>
+            <a:schemeClr val="dk1">
+              <a:alpha val="50000"/>
+            </a:schemeClr>
+          </a:solidFill>
+          <a:ln>
+            <a:noFill/>
+          </a:ln>
+        </p:spPr>
+        <p:style>
+          <a:lnRef idx="0">
+            <a:scrgbClr r="0" g="0" b="0"/>
+          </a:lnRef>
+          <a:fillRef idx="0">
+            <a:scrgbClr r="0" g="0" b="0"/>
+          </a:fillRef>
+          <a:effectRef idx="0">
+            <a:scrgbClr r="0" g="0" b="0"/>
+          </a:effectRef>
+          <a:fontRef idx="minor">
+            <a:schemeClr val="lt1"/>
+          </a:fontRef>
+        </p:style>
+        <p:txBody>
+          <a:bodyPr rtlCol="0" anchor="ctr"/>
+          <a:lstStyle/>
+          <a:p>
+            <a:pPr algn="ctr"/>
+            <a:r>
+              <a:rPr lang="en-GB" sz="1200" dirty="0" err="1"/>
+              <a:t>ImageStore</a:t>
+            </a:r>
+            <a:endParaRPr lang="en-GB" sz="1200" dirty="0"/>
+          </a:p>
+        </p:txBody>
+      </p:sp>
+      <p:sp>
+        <p:nvSpPr>
+          <p:cNvPr id="84" name="Rectangle 83">
+            <a:extLst>
+              <a:ext uri="{FF2B5EF4-FFF2-40B4-BE49-F238E27FC236}">
+                <a16:creationId xmlns:a16="http://schemas.microsoft.com/office/drawing/2014/main" id="{28FE74E2-66AA-4133-9619-1627541AAEA8}"/>
+              </a:ext>
+            </a:extLst>
+          </p:cNvPr>
+          <p:cNvSpPr/>
+          <p:nvPr/>
+        </p:nvSpPr>
+        <p:spPr>
+          <a:xfrm>
+            <a:off x="2121966" y="4254113"/>
+            <a:ext cx="1187049" cy="283860"/>
+          </a:xfrm>
+          <a:prstGeom prst="rect">
+            <a:avLst/>
+          </a:prstGeom>
+          <a:solidFill>
+            <a:schemeClr val="dk1">
+              <a:alpha val="50000"/>
+            </a:schemeClr>
+          </a:solidFill>
+          <a:ln>
+            <a:noFill/>
+          </a:ln>
+        </p:spPr>
+        <p:style>
+          <a:lnRef idx="0">
+            <a:scrgbClr r="0" g="0" b="0"/>
+          </a:lnRef>
+          <a:fillRef idx="0">
+            <a:scrgbClr r="0" g="0" b="0"/>
+          </a:fillRef>
+          <a:effectRef idx="0">
+            <a:scrgbClr r="0" g="0" b="0"/>
+          </a:effectRef>
+          <a:fontRef idx="minor">
+            <a:schemeClr val="lt1"/>
+          </a:fontRef>
+        </p:style>
+        <p:txBody>
+          <a:bodyPr rtlCol="0" anchor="ctr"/>
+          <a:lstStyle/>
+          <a:p>
+            <a:pPr algn="ctr"/>
+            <a:r>
+              <a:rPr lang="en-GB" sz="1200" dirty="0"/>
+              <a:t>Snapshot</a:t>
+            </a:r>
+          </a:p>
+        </p:txBody>
+      </p:sp>
+      <p:sp>
+        <p:nvSpPr>
+          <p:cNvPr id="181" name="Oval 180">
+            <a:extLst>
+              <a:ext uri="{FF2B5EF4-FFF2-40B4-BE49-F238E27FC236}">
+                <a16:creationId xmlns:a16="http://schemas.microsoft.com/office/drawing/2014/main" id="{462CACF7-7642-4643-B6A8-747233C0270A}"/>
+              </a:ext>
+            </a:extLst>
+          </p:cNvPr>
+          <p:cNvSpPr/>
+          <p:nvPr/>
+        </p:nvSpPr>
+        <p:spPr>
+          <a:xfrm>
+            <a:off x="349994" y="2125448"/>
+            <a:ext cx="1169846" cy="447294"/>
+          </a:xfrm>
+          <a:prstGeom prst="ellipse">
+            <a:avLst/>
+          </a:prstGeom>
+          <a:solidFill>
+            <a:schemeClr val="dk1">
+              <a:alpha val="50000"/>
+            </a:schemeClr>
+          </a:solidFill>
+          <a:ln>
+            <a:noFill/>
+          </a:ln>
+        </p:spPr>
+        <p:style>
+          <a:lnRef idx="0">
+            <a:scrgbClr r="0" g="0" b="0"/>
+          </a:lnRef>
+          <a:fillRef idx="0">
+            <a:scrgbClr r="0" g="0" b="0"/>
+          </a:fillRef>
+          <a:effectRef idx="0">
+            <a:scrgbClr r="0" g="0" b="0"/>
+          </a:effectRef>
+          <a:fontRef idx="minor">
+            <a:schemeClr val="lt1"/>
+          </a:fontRef>
+        </p:style>
+        <p:txBody>
+          <a:bodyPr rtlCol="0" anchor="ctr"/>
+          <a:lstStyle/>
+          <a:p>
+            <a:pPr algn="ctr"/>
+            <a:r>
+              <a:rPr lang="en-GB" sz="1200" dirty="0"/>
+              <a:t>Camera</a:t>
+            </a:r>
+          </a:p>
+        </p:txBody>
+      </p:sp>
+      <p:cxnSp>
+        <p:nvCxnSpPr>
+          <p:cNvPr id="182" name="Straight Arrow Connector 181">
+            <a:extLst>
+              <a:ext uri="{FF2B5EF4-FFF2-40B4-BE49-F238E27FC236}">
+                <a16:creationId xmlns:a16="http://schemas.microsoft.com/office/drawing/2014/main" id="{5708FF3C-6578-479A-A3BF-6371585A3DBB}"/>
+              </a:ext>
+            </a:extLst>
+          </p:cNvPr>
+          <p:cNvCxnSpPr>
+            <a:cxnSpLocks/>
+            <a:stCxn id="181" idx="5"/>
+            <a:endCxn id="187" idx="1"/>
+          </p:cNvCxnSpPr>
+          <p:nvPr/>
+        </p:nvCxnSpPr>
+        <p:spPr>
+          <a:xfrm>
+            <a:off x="1348520" y="2507237"/>
+            <a:ext cx="773446" cy="19187"/>
+          </a:xfrm>
+          <a:prstGeom prst="straightConnector1">
+            <a:avLst/>
+          </a:prstGeom>
+          <a:ln>
+            <a:tailEnd type="triangle"/>
+          </a:ln>
+        </p:spPr>
+        <p:style>
+          <a:lnRef idx="1">
+            <a:schemeClr val="dk1"/>
+          </a:lnRef>
+          <a:fillRef idx="0">
+            <a:schemeClr val="dk1"/>
+          </a:fillRef>
+          <a:effectRef idx="0">
+            <a:schemeClr val="dk1"/>
+          </a:effectRef>
+          <a:fontRef idx="minor">
+            <a:schemeClr val="tx1"/>
+          </a:fontRef>
+        </p:style>
+      </p:cxnSp>
+      <p:cxnSp>
+        <p:nvCxnSpPr>
+          <p:cNvPr id="183" name="Straight Arrow Connector 182">
+            <a:extLst>
+              <a:ext uri="{FF2B5EF4-FFF2-40B4-BE49-F238E27FC236}">
+                <a16:creationId xmlns:a16="http://schemas.microsoft.com/office/drawing/2014/main" id="{60C1D6D1-BFEC-4609-BAE8-4B63B5FBD4FB}"/>
+              </a:ext>
+            </a:extLst>
+          </p:cNvPr>
+          <p:cNvCxnSpPr>
+            <a:cxnSpLocks/>
+            <a:stCxn id="187" idx="3"/>
+          </p:cNvCxnSpPr>
+          <p:nvPr/>
+        </p:nvCxnSpPr>
+        <p:spPr>
+          <a:xfrm>
+            <a:off x="3309015" y="2526424"/>
+            <a:ext cx="537970" cy="678270"/>
+          </a:xfrm>
+          <a:prstGeom prst="straightConnector1">
+            <a:avLst/>
+          </a:prstGeom>
+          <a:ln>
+            <a:tailEnd type="triangle"/>
+          </a:ln>
+        </p:spPr>
+        <p:style>
+          <a:lnRef idx="1">
+            <a:schemeClr val="dk1"/>
+          </a:lnRef>
+          <a:fillRef idx="0">
+            <a:schemeClr val="dk1"/>
+          </a:fillRef>
+          <a:effectRef idx="0">
+            <a:schemeClr val="dk1"/>
+          </a:effectRef>
+          <a:fontRef idx="minor">
+            <a:schemeClr val="tx1"/>
+          </a:fontRef>
+        </p:style>
+      </p:cxnSp>
+      <p:cxnSp>
+        <p:nvCxnSpPr>
+          <p:cNvPr id="184" name="Straight Arrow Connector 183">
+            <a:extLst>
+              <a:ext uri="{FF2B5EF4-FFF2-40B4-BE49-F238E27FC236}">
+                <a16:creationId xmlns:a16="http://schemas.microsoft.com/office/drawing/2014/main" id="{EFA5BAD1-08C7-47E7-927F-0F7CEDA7EEC6}"/>
+              </a:ext>
+            </a:extLst>
+          </p:cNvPr>
+          <p:cNvCxnSpPr>
+            <a:cxnSpLocks/>
+            <a:stCxn id="82" idx="1"/>
+            <a:endCxn id="188" idx="3"/>
+          </p:cNvCxnSpPr>
+          <p:nvPr/>
+        </p:nvCxnSpPr>
+        <p:spPr>
+          <a:xfrm flipH="1" flipV="1">
+            <a:off x="3309015" y="2190953"/>
+            <a:ext cx="653021" cy="1027635"/>
+          </a:xfrm>
+          <a:prstGeom prst="straightConnector1">
+            <a:avLst/>
+          </a:prstGeom>
+          <a:ln>
+            <a:tailEnd type="triangle"/>
+          </a:ln>
+        </p:spPr>
+        <p:style>
+          <a:lnRef idx="1">
+            <a:schemeClr val="dk1"/>
+          </a:lnRef>
+          <a:fillRef idx="0">
+            <a:schemeClr val="dk1"/>
+          </a:fillRef>
+          <a:effectRef idx="0">
+            <a:schemeClr val="dk1"/>
+          </a:effectRef>
+          <a:fontRef idx="minor">
+            <a:schemeClr val="tx1"/>
+          </a:fontRef>
+        </p:style>
+      </p:cxnSp>
+      <p:cxnSp>
+        <p:nvCxnSpPr>
+          <p:cNvPr id="185" name="Straight Arrow Connector 184">
+            <a:extLst>
+              <a:ext uri="{FF2B5EF4-FFF2-40B4-BE49-F238E27FC236}">
+                <a16:creationId xmlns:a16="http://schemas.microsoft.com/office/drawing/2014/main" id="{DAB31678-084E-4387-A11E-A8663FDAB2B1}"/>
+              </a:ext>
+            </a:extLst>
+          </p:cNvPr>
+          <p:cNvCxnSpPr>
+            <a:cxnSpLocks/>
+            <a:stCxn id="188" idx="1"/>
+            <a:endCxn id="181" idx="7"/>
+          </p:cNvCxnSpPr>
+          <p:nvPr/>
+        </p:nvCxnSpPr>
+        <p:spPr>
+          <a:xfrm flipH="1">
+            <a:off x="1348520" y="2190953"/>
+            <a:ext cx="773446" cy="0"/>
+          </a:xfrm>
+          <a:prstGeom prst="straightConnector1">
+            <a:avLst/>
+          </a:prstGeom>
+          <a:ln>
+            <a:tailEnd type="triangle"/>
+          </a:ln>
+        </p:spPr>
+        <p:style>
+          <a:lnRef idx="1">
+            <a:schemeClr val="dk1"/>
+          </a:lnRef>
+          <a:fillRef idx="0">
+            <a:schemeClr val="dk1"/>
+          </a:fillRef>
+          <a:effectRef idx="0">
+            <a:schemeClr val="dk1"/>
+          </a:effectRef>
+          <a:fontRef idx="minor">
+            <a:schemeClr val="tx1"/>
+          </a:fontRef>
+        </p:style>
+      </p:cxnSp>
+      <p:sp>
+        <p:nvSpPr>
+          <p:cNvPr id="186" name="Rectangle 185">
+            <a:extLst>
+              <a:ext uri="{FF2B5EF4-FFF2-40B4-BE49-F238E27FC236}">
+                <a16:creationId xmlns:a16="http://schemas.microsoft.com/office/drawing/2014/main" id="{B8C805A2-781A-44BF-BC80-7B1EBDDAF6A2}"/>
+              </a:ext>
+            </a:extLst>
+          </p:cNvPr>
+          <p:cNvSpPr/>
+          <p:nvPr/>
+        </p:nvSpPr>
+        <p:spPr>
+          <a:xfrm>
+            <a:off x="2027081" y="1683447"/>
+            <a:ext cx="1395950" cy="1061426"/>
+          </a:xfrm>
+          <a:prstGeom prst="rect">
+            <a:avLst/>
+          </a:prstGeom>
+          <a:solidFill>
+            <a:schemeClr val="dk1">
+              <a:alpha val="50000"/>
+            </a:schemeClr>
+          </a:solidFill>
+          <a:ln>
+            <a:noFill/>
+          </a:ln>
+        </p:spPr>
+        <p:style>
+          <a:lnRef idx="0">
+            <a:scrgbClr r="0" g="0" b="0"/>
+          </a:lnRef>
+          <a:fillRef idx="0">
+            <a:scrgbClr r="0" g="0" b="0"/>
+          </a:fillRef>
+          <a:effectRef idx="0">
+            <a:scrgbClr r="0" g="0" b="0"/>
+          </a:effectRef>
+          <a:fontRef idx="minor">
+            <a:schemeClr val="lt1"/>
+          </a:fontRef>
+        </p:style>
+        <p:txBody>
+          <a:bodyPr rtlCol="0" anchor="ctr"/>
+          <a:lstStyle/>
+          <a:p>
+            <a:pPr algn="ctr"/>
+            <a:r>
+              <a:rPr lang="en-GB" sz="1200" dirty="0"/>
+              <a:t>Camera Group</a:t>
+            </a:r>
+          </a:p>
+          <a:p>
+            <a:pPr algn="ctr"/>
+            <a:endParaRPr lang="en-GB" sz="1200" dirty="0"/>
+          </a:p>
+          <a:p>
+            <a:pPr algn="ctr"/>
+            <a:endParaRPr lang="en-GB" sz="1200" dirty="0"/>
+          </a:p>
+          <a:p>
+            <a:pPr algn="ctr"/>
+            <a:endParaRPr lang="en-GB" sz="1200" dirty="0"/>
+          </a:p>
+          <a:p>
+            <a:pPr algn="ctr"/>
+            <a:endParaRPr lang="en-GB" sz="1200" dirty="0"/>
+          </a:p>
+        </p:txBody>
+      </p:sp>
+      <p:sp>
+        <p:nvSpPr>
+          <p:cNvPr id="187" name="Rectangle 186">
+            <a:extLst>
+              <a:ext uri="{FF2B5EF4-FFF2-40B4-BE49-F238E27FC236}">
+                <a16:creationId xmlns:a16="http://schemas.microsoft.com/office/drawing/2014/main" id="{361D5F01-1FA1-4E72-9799-3C95858882C1}"/>
+              </a:ext>
+            </a:extLst>
+          </p:cNvPr>
+          <p:cNvSpPr/>
+          <p:nvPr/>
+        </p:nvSpPr>
+        <p:spPr>
+          <a:xfrm>
+            <a:off x="2121966" y="2384494"/>
+            <a:ext cx="1187049" cy="283860"/>
+          </a:xfrm>
+          <a:prstGeom prst="rect">
+            <a:avLst/>
+          </a:prstGeom>
+          <a:solidFill>
+            <a:schemeClr val="dk1">
+              <a:alpha val="50000"/>
+            </a:schemeClr>
+          </a:solidFill>
+          <a:ln>
+            <a:noFill/>
+          </a:ln>
+        </p:spPr>
+        <p:style>
+          <a:lnRef idx="0">
+            <a:scrgbClr r="0" g="0" b="0"/>
+          </a:lnRef>
+          <a:fillRef idx="0">
+            <a:scrgbClr r="0" g="0" b="0"/>
+          </a:fillRef>
+          <a:effectRef idx="0">
+            <a:scrgbClr r="0" g="0" b="0"/>
+          </a:effectRef>
+          <a:fontRef idx="minor">
+            <a:schemeClr val="lt1"/>
+          </a:fontRef>
+        </p:style>
+        <p:txBody>
+          <a:bodyPr rtlCol="0" anchor="ctr"/>
+          <a:lstStyle/>
+          <a:p>
+            <a:pPr algn="ctr"/>
+            <a:r>
+              <a:rPr lang="en-GB" sz="1200" dirty="0" err="1"/>
+              <a:t>ImageStore</a:t>
+            </a:r>
+            <a:endParaRPr lang="en-GB" sz="1200" dirty="0"/>
+          </a:p>
+        </p:txBody>
+      </p:sp>
+      <p:sp>
+        <p:nvSpPr>
+          <p:cNvPr id="188" name="Rectangle 187">
+            <a:extLst>
+              <a:ext uri="{FF2B5EF4-FFF2-40B4-BE49-F238E27FC236}">
+                <a16:creationId xmlns:a16="http://schemas.microsoft.com/office/drawing/2014/main" id="{830529C0-6E97-47EB-AFC9-6650E015D76B}"/>
+              </a:ext>
+            </a:extLst>
+          </p:cNvPr>
+          <p:cNvSpPr/>
+          <p:nvPr/>
+        </p:nvSpPr>
+        <p:spPr>
+          <a:xfrm>
+            <a:off x="2121966" y="2049023"/>
+            <a:ext cx="1187049" cy="283860"/>
+          </a:xfrm>
+          <a:prstGeom prst="rect">
+            <a:avLst/>
+          </a:prstGeom>
+          <a:solidFill>
+            <a:schemeClr val="dk1">
+              <a:alpha val="50000"/>
+            </a:schemeClr>
+          </a:solidFill>
+          <a:ln>
+            <a:noFill/>
+          </a:ln>
+        </p:spPr>
+        <p:style>
+          <a:lnRef idx="0">
+            <a:scrgbClr r="0" g="0" b="0"/>
+          </a:lnRef>
+          <a:fillRef idx="0">
+            <a:scrgbClr r="0" g="0" b="0"/>
+          </a:fillRef>
+          <a:effectRef idx="0">
+            <a:scrgbClr r="0" g="0" b="0"/>
+          </a:effectRef>
+          <a:fontRef idx="minor">
+            <a:schemeClr val="lt1"/>
+          </a:fontRef>
+        </p:style>
+        <p:txBody>
+          <a:bodyPr rtlCol="0" anchor="ctr"/>
+          <a:lstStyle/>
+          <a:p>
+            <a:pPr algn="ctr"/>
+            <a:r>
+              <a:rPr lang="en-GB" sz="1200" dirty="0"/>
+              <a:t>Snapshot</a:t>
+            </a:r>
+          </a:p>
+        </p:txBody>
+      </p:sp>
+      <p:sp>
+        <p:nvSpPr>
+          <p:cNvPr id="197" name="Rectangle 196">
+            <a:extLst>
+              <a:ext uri="{FF2B5EF4-FFF2-40B4-BE49-F238E27FC236}">
+                <a16:creationId xmlns:a16="http://schemas.microsoft.com/office/drawing/2014/main" id="{49BEE7FB-B1F1-4283-B349-7FE3F5A2C78E}"/>
+              </a:ext>
+            </a:extLst>
+          </p:cNvPr>
+          <p:cNvSpPr/>
+          <p:nvPr/>
+        </p:nvSpPr>
+        <p:spPr>
+          <a:xfrm>
+            <a:off x="5398025" y="1554466"/>
+            <a:ext cx="1395950" cy="731153"/>
+          </a:xfrm>
+          <a:prstGeom prst="rect">
+            <a:avLst/>
+          </a:prstGeom>
+          <a:solidFill>
+            <a:schemeClr val="dk1">
+              <a:alpha val="50000"/>
+            </a:schemeClr>
+          </a:solidFill>
+          <a:ln>
+            <a:noFill/>
+          </a:ln>
+        </p:spPr>
+        <p:style>
+          <a:lnRef idx="0">
+            <a:scrgbClr r="0" g="0" b="0"/>
+          </a:lnRef>
+          <a:fillRef idx="0">
+            <a:scrgbClr r="0" g="0" b="0"/>
+          </a:fillRef>
+          <a:effectRef idx="0">
+            <a:scrgbClr r="0" g="0" b="0"/>
+          </a:effectRef>
+          <a:fontRef idx="minor">
+            <a:schemeClr val="lt1"/>
+          </a:fontRef>
+        </p:style>
+        <p:txBody>
+          <a:bodyPr rtlCol="0" anchor="ctr"/>
+          <a:lstStyle/>
+          <a:p>
+            <a:pPr algn="ctr"/>
+            <a:r>
+              <a:rPr lang="en-GB" sz="1200" dirty="0"/>
+              <a:t>Instructions Group</a:t>
+            </a:r>
+          </a:p>
+          <a:p>
+            <a:pPr algn="ctr"/>
+            <a:endParaRPr lang="en-GB" sz="1200" dirty="0"/>
+          </a:p>
+          <a:p>
+            <a:pPr algn="ctr"/>
+            <a:endParaRPr lang="en-GB" sz="1200" dirty="0"/>
+          </a:p>
+        </p:txBody>
+      </p:sp>
+      <p:sp>
+        <p:nvSpPr>
+          <p:cNvPr id="198" name="Rectangle 197">
+            <a:extLst>
+              <a:ext uri="{FF2B5EF4-FFF2-40B4-BE49-F238E27FC236}">
+                <a16:creationId xmlns:a16="http://schemas.microsoft.com/office/drawing/2014/main" id="{BFDF0221-A888-4B51-92A6-08B3BC24A445}"/>
+              </a:ext>
+            </a:extLst>
+          </p:cNvPr>
+          <p:cNvSpPr/>
+          <p:nvPr/>
+        </p:nvSpPr>
+        <p:spPr>
+          <a:xfrm>
+            <a:off x="5502475" y="1920042"/>
+            <a:ext cx="1187049" cy="283860"/>
+          </a:xfrm>
+          <a:prstGeom prst="rect">
+            <a:avLst/>
+          </a:prstGeom>
+          <a:solidFill>
+            <a:schemeClr val="dk1">
+              <a:alpha val="50000"/>
+            </a:schemeClr>
+          </a:solidFill>
+          <a:ln>
+            <a:noFill/>
+          </a:ln>
+        </p:spPr>
+        <p:style>
+          <a:lnRef idx="0">
+            <a:scrgbClr r="0" g="0" b="0"/>
+          </a:lnRef>
+          <a:fillRef idx="0">
+            <a:scrgbClr r="0" g="0" b="0"/>
+          </a:fillRef>
+          <a:effectRef idx="0">
+            <a:scrgbClr r="0" g="0" b="0"/>
+          </a:effectRef>
+          <a:fontRef idx="minor">
+            <a:schemeClr val="lt1"/>
+          </a:fontRef>
+        </p:style>
+        <p:txBody>
+          <a:bodyPr rtlCol="0" anchor="ctr"/>
+          <a:lstStyle/>
+          <a:p>
+            <a:pPr algn="ctr"/>
+            <a:r>
+              <a:rPr lang="en-GB" sz="1200" dirty="0"/>
+              <a:t>Instructions</a:t>
+            </a:r>
+          </a:p>
+        </p:txBody>
+      </p:sp>
+      <p:cxnSp>
+        <p:nvCxnSpPr>
+          <p:cNvPr id="200" name="Straight Arrow Connector 199">
+            <a:extLst>
+              <a:ext uri="{FF2B5EF4-FFF2-40B4-BE49-F238E27FC236}">
+                <a16:creationId xmlns:a16="http://schemas.microsoft.com/office/drawing/2014/main" id="{234C5FE9-3577-46FB-B3D1-0A18B56F995A}"/>
+              </a:ext>
+            </a:extLst>
+          </p:cNvPr>
+          <p:cNvCxnSpPr>
+            <a:cxnSpLocks/>
+            <a:stCxn id="82" idx="6"/>
+            <a:endCxn id="198" idx="1"/>
+          </p:cNvCxnSpPr>
+          <p:nvPr/>
+        </p:nvCxnSpPr>
+        <p:spPr>
+          <a:xfrm flipV="1">
+            <a:off x="4960562" y="2061972"/>
+            <a:ext cx="541913" cy="1314758"/>
+          </a:xfrm>
+          <a:prstGeom prst="straightConnector1">
+            <a:avLst/>
+          </a:prstGeom>
+          <a:ln>
+            <a:tailEnd type="triangle"/>
+          </a:ln>
+        </p:spPr>
+        <p:style>
+          <a:lnRef idx="1">
+            <a:schemeClr val="dk1"/>
+          </a:lnRef>
+          <a:fillRef idx="0">
+            <a:schemeClr val="dk1"/>
+          </a:fillRef>
+          <a:effectRef idx="0">
+            <a:schemeClr val="dk1"/>
+          </a:effectRef>
+          <a:fontRef idx="minor">
+            <a:schemeClr val="tx1"/>
+          </a:fontRef>
+        </p:style>
+      </p:cxnSp>
     </p:spTree>
     <p:extLst>
       <p:ext uri="{BB962C8B-B14F-4D97-AF65-F5344CB8AC3E}">
-        <p14:creationId xmlns:p14="http://schemas.microsoft.com/office/powerpoint/2010/main" val="1983263293"/>
+        <p14:creationId xmlns:p14="http://schemas.microsoft.com/office/powerpoint/2010/main" val="1531528421"/>
       </p:ext>
     </p:extLst>
   </p:cSld>

--- a/Visual Plan.pptx
+++ b/Visual Plan.pptx
@@ -13,10 +13,11 @@
     <p:sldId id="263" r:id="rId7"/>
     <p:sldId id="264" r:id="rId8"/>
     <p:sldId id="265" r:id="rId9"/>
-    <p:sldId id="268" r:id="rId10"/>
-    <p:sldId id="269" r:id="rId11"/>
-    <p:sldId id="267" r:id="rId12"/>
-    <p:sldId id="266" r:id="rId13"/>
+    <p:sldId id="270" r:id="rId10"/>
+    <p:sldId id="268" r:id="rId11"/>
+    <p:sldId id="269" r:id="rId12"/>
+    <p:sldId id="267" r:id="rId13"/>
+    <p:sldId id="266" r:id="rId14"/>
   </p:sldIdLst>
   <p:sldSz cx="12192000" cy="6858000"/>
   <p:notesSz cx="6858000" cy="9144000"/>
@@ -272,7 +273,7 @@
           <a:p>
             <a:fld id="{5F9021A5-5D2C-4FF7-8FBA-B61BDE30AE1B}" type="datetimeFigureOut">
               <a:rPr lang="en-GB" smtClean="0"/>
-              <a:t>29/01/2019</a:t>
+              <a:t>31/01/2019</a:t>
             </a:fld>
             <a:endParaRPr lang="en-GB" dirty="0"/>
           </a:p>
@@ -472,7 +473,7 @@
           <a:p>
             <a:fld id="{5F9021A5-5D2C-4FF7-8FBA-B61BDE30AE1B}" type="datetimeFigureOut">
               <a:rPr lang="en-GB" smtClean="0"/>
-              <a:t>29/01/2019</a:t>
+              <a:t>31/01/2019</a:t>
             </a:fld>
             <a:endParaRPr lang="en-GB" dirty="0"/>
           </a:p>
@@ -682,7 +683,7 @@
           <a:p>
             <a:fld id="{5F9021A5-5D2C-4FF7-8FBA-B61BDE30AE1B}" type="datetimeFigureOut">
               <a:rPr lang="en-GB" smtClean="0"/>
-              <a:t>29/01/2019</a:t>
+              <a:t>31/01/2019</a:t>
             </a:fld>
             <a:endParaRPr lang="en-GB" dirty="0"/>
           </a:p>
@@ -882,7 +883,7 @@
           <a:p>
             <a:fld id="{5F9021A5-5D2C-4FF7-8FBA-B61BDE30AE1B}" type="datetimeFigureOut">
               <a:rPr lang="en-GB" smtClean="0"/>
-              <a:t>29/01/2019</a:t>
+              <a:t>31/01/2019</a:t>
             </a:fld>
             <a:endParaRPr lang="en-GB" dirty="0"/>
           </a:p>
@@ -1158,7 +1159,7 @@
           <a:p>
             <a:fld id="{5F9021A5-5D2C-4FF7-8FBA-B61BDE30AE1B}" type="datetimeFigureOut">
               <a:rPr lang="en-GB" smtClean="0"/>
-              <a:t>29/01/2019</a:t>
+              <a:t>31/01/2019</a:t>
             </a:fld>
             <a:endParaRPr lang="en-GB" dirty="0"/>
           </a:p>
@@ -1426,7 +1427,7 @@
           <a:p>
             <a:fld id="{5F9021A5-5D2C-4FF7-8FBA-B61BDE30AE1B}" type="datetimeFigureOut">
               <a:rPr lang="en-GB" smtClean="0"/>
-              <a:t>29/01/2019</a:t>
+              <a:t>31/01/2019</a:t>
             </a:fld>
             <a:endParaRPr lang="en-GB" dirty="0"/>
           </a:p>
@@ -1841,7 +1842,7 @@
           <a:p>
             <a:fld id="{5F9021A5-5D2C-4FF7-8FBA-B61BDE30AE1B}" type="datetimeFigureOut">
               <a:rPr lang="en-GB" smtClean="0"/>
-              <a:t>29/01/2019</a:t>
+              <a:t>31/01/2019</a:t>
             </a:fld>
             <a:endParaRPr lang="en-GB" dirty="0"/>
           </a:p>
@@ -1983,7 +1984,7 @@
           <a:p>
             <a:fld id="{5F9021A5-5D2C-4FF7-8FBA-B61BDE30AE1B}" type="datetimeFigureOut">
               <a:rPr lang="en-GB" smtClean="0"/>
-              <a:t>29/01/2019</a:t>
+              <a:t>31/01/2019</a:t>
             </a:fld>
             <a:endParaRPr lang="en-GB" dirty="0"/>
           </a:p>
@@ -2096,7 +2097,7 @@
           <a:p>
             <a:fld id="{5F9021A5-5D2C-4FF7-8FBA-B61BDE30AE1B}" type="datetimeFigureOut">
               <a:rPr lang="en-GB" smtClean="0"/>
-              <a:t>29/01/2019</a:t>
+              <a:t>31/01/2019</a:t>
             </a:fld>
             <a:endParaRPr lang="en-GB" dirty="0"/>
           </a:p>
@@ -2409,7 +2410,7 @@
           <a:p>
             <a:fld id="{5F9021A5-5D2C-4FF7-8FBA-B61BDE30AE1B}" type="datetimeFigureOut">
               <a:rPr lang="en-GB" smtClean="0"/>
-              <a:t>29/01/2019</a:t>
+              <a:t>31/01/2019</a:t>
             </a:fld>
             <a:endParaRPr lang="en-GB" dirty="0"/>
           </a:p>
@@ -2698,7 +2699,7 @@
           <a:p>
             <a:fld id="{5F9021A5-5D2C-4FF7-8FBA-B61BDE30AE1B}" type="datetimeFigureOut">
               <a:rPr lang="en-GB" smtClean="0"/>
-              <a:t>29/01/2019</a:t>
+              <a:t>31/01/2019</a:t>
             </a:fld>
             <a:endParaRPr lang="en-GB" dirty="0"/>
           </a:p>
@@ -2941,7 +2942,7 @@
           <a:p>
             <a:fld id="{5F9021A5-5D2C-4FF7-8FBA-B61BDE30AE1B}" type="datetimeFigureOut">
               <a:rPr lang="en-GB" smtClean="0"/>
-              <a:t>29/01/2019</a:t>
+              <a:t>31/01/2019</a:t>
             </a:fld>
             <a:endParaRPr lang="en-GB" dirty="0"/>
           </a:p>
@@ -4081,7 +4082,7 @@
         </p:nvSpPr>
         <p:spPr>
           <a:xfrm>
-            <a:off x="5398025" y="2869224"/>
+            <a:off x="5398025" y="3376730"/>
             <a:ext cx="1395950" cy="731153"/>
           </a:xfrm>
           <a:prstGeom prst="rect">
@@ -4132,10 +4133,10 @@
       </p:sp>
       <p:sp>
         <p:nvSpPr>
-          <p:cNvPr id="82" name="Oval 81">
-            <a:extLst>
-              <a:ext uri="{FF2B5EF4-FFF2-40B4-BE49-F238E27FC236}">
-                <a16:creationId xmlns:a16="http://schemas.microsoft.com/office/drawing/2014/main" id="{8C1E0B85-9855-46B0-BF00-DA0F406A3698}"/>
+          <p:cNvPr id="80" name="Oval 79">
+            <a:extLst>
+              <a:ext uri="{FF2B5EF4-FFF2-40B4-BE49-F238E27FC236}">
+                <a16:creationId xmlns:a16="http://schemas.microsoft.com/office/drawing/2014/main" id="{E3C40A09-2385-4E23-AAEF-1554A8C96461}"/>
               </a:ext>
             </a:extLst>
           </p:cNvPr>
@@ -4144,7 +4145,7 @@
         </p:nvSpPr>
         <p:spPr>
           <a:xfrm>
-            <a:off x="3790716" y="3153083"/>
+            <a:off x="349994" y="4330538"/>
             <a:ext cx="1169846" cy="447294"/>
           </a:xfrm>
           <a:prstGeom prst="ellipse">
@@ -4180,17 +4181,17 @@
             <a:pPr algn="ctr"/>
             <a:r>
               <a:rPr lang="en-GB" sz="1200" dirty="0"/>
-              <a:t>Server</a:t>
+              <a:t>Camera</a:t>
             </a:r>
           </a:p>
         </p:txBody>
       </p:sp>
       <p:sp>
         <p:nvSpPr>
-          <p:cNvPr id="85" name="Rectangle 84">
-            <a:extLst>
-              <a:ext uri="{FF2B5EF4-FFF2-40B4-BE49-F238E27FC236}">
-                <a16:creationId xmlns:a16="http://schemas.microsoft.com/office/drawing/2014/main" id="{6B979E13-C137-4143-A0C8-7355854BA2A7}"/>
+          <p:cNvPr id="81" name="Oval 80">
+            <a:extLst>
+              <a:ext uri="{FF2B5EF4-FFF2-40B4-BE49-F238E27FC236}">
+                <a16:creationId xmlns:a16="http://schemas.microsoft.com/office/drawing/2014/main" id="{33AFE0B4-2681-4929-AA81-57093572C4E7}"/>
               </a:ext>
             </a:extLst>
           </p:cNvPr>
@@ -4199,10 +4200,10 @@
         </p:nvSpPr>
         <p:spPr>
           <a:xfrm>
-            <a:off x="5502475" y="3234800"/>
-            <a:ext cx="1187049" cy="283860"/>
-          </a:xfrm>
-          <a:prstGeom prst="rect">
+            <a:off x="7231438" y="3664891"/>
+            <a:ext cx="1169846" cy="447294"/>
+          </a:xfrm>
+          <a:prstGeom prst="ellipse">
             <a:avLst/>
           </a:prstGeom>
           <a:solidFill>
@@ -4235,31 +4236,471 @@
             <a:pPr algn="ctr"/>
             <a:r>
               <a:rPr lang="en-GB" sz="1200" dirty="0"/>
+              <a:t>Robot Handler 2</a:t>
+            </a:r>
+          </a:p>
+        </p:txBody>
+      </p:sp>
+      <p:sp>
+        <p:nvSpPr>
+          <p:cNvPr id="82" name="Oval 81">
+            <a:extLst>
+              <a:ext uri="{FF2B5EF4-FFF2-40B4-BE49-F238E27FC236}">
+                <a16:creationId xmlns:a16="http://schemas.microsoft.com/office/drawing/2014/main" id="{8C1E0B85-9855-46B0-BF00-DA0F406A3698}"/>
+              </a:ext>
+            </a:extLst>
+          </p:cNvPr>
+          <p:cNvSpPr/>
+          <p:nvPr/>
+        </p:nvSpPr>
+        <p:spPr>
+          <a:xfrm>
+            <a:off x="3790716" y="3153083"/>
+            <a:ext cx="1169846" cy="447294"/>
+          </a:xfrm>
+          <a:prstGeom prst="ellipse">
+            <a:avLst/>
+          </a:prstGeom>
+          <a:solidFill>
+            <a:schemeClr val="dk1">
+              <a:alpha val="50000"/>
+            </a:schemeClr>
+          </a:solidFill>
+          <a:ln>
+            <a:noFill/>
+          </a:ln>
+        </p:spPr>
+        <p:style>
+          <a:lnRef idx="0">
+            <a:scrgbClr r="0" g="0" b="0"/>
+          </a:lnRef>
+          <a:fillRef idx="0">
+            <a:scrgbClr r="0" g="0" b="0"/>
+          </a:fillRef>
+          <a:effectRef idx="0">
+            <a:scrgbClr r="0" g="0" b="0"/>
+          </a:effectRef>
+          <a:fontRef idx="minor">
+            <a:schemeClr val="lt1"/>
+          </a:fontRef>
+        </p:style>
+        <p:txBody>
+          <a:bodyPr rtlCol="0" anchor="ctr"/>
+          <a:lstStyle/>
+          <a:p>
+            <a:pPr algn="ctr"/>
+            <a:r>
+              <a:rPr lang="en-GB" sz="1200" dirty="0"/>
+              <a:t>Server</a:t>
+            </a:r>
+          </a:p>
+        </p:txBody>
+      </p:sp>
+      <p:sp>
+        <p:nvSpPr>
+          <p:cNvPr id="85" name="Rectangle 84">
+            <a:extLst>
+              <a:ext uri="{FF2B5EF4-FFF2-40B4-BE49-F238E27FC236}">
+                <a16:creationId xmlns:a16="http://schemas.microsoft.com/office/drawing/2014/main" id="{6B979E13-C137-4143-A0C8-7355854BA2A7}"/>
+              </a:ext>
+            </a:extLst>
+          </p:cNvPr>
+          <p:cNvSpPr/>
+          <p:nvPr/>
+        </p:nvSpPr>
+        <p:spPr>
+          <a:xfrm>
+            <a:off x="5502475" y="3742306"/>
+            <a:ext cx="1187049" cy="283860"/>
+          </a:xfrm>
+          <a:prstGeom prst="rect">
+            <a:avLst/>
+          </a:prstGeom>
+          <a:solidFill>
+            <a:schemeClr val="dk1">
+              <a:alpha val="50000"/>
+            </a:schemeClr>
+          </a:solidFill>
+          <a:ln>
+            <a:noFill/>
+          </a:ln>
+        </p:spPr>
+        <p:style>
+          <a:lnRef idx="0">
+            <a:scrgbClr r="0" g="0" b="0"/>
+          </a:lnRef>
+          <a:fillRef idx="0">
+            <a:scrgbClr r="0" g="0" b="0"/>
+          </a:fillRef>
+          <a:effectRef idx="0">
+            <a:scrgbClr r="0" g="0" b="0"/>
+          </a:effectRef>
+          <a:fontRef idx="minor">
+            <a:schemeClr val="lt1"/>
+          </a:fontRef>
+        </p:style>
+        <p:txBody>
+          <a:bodyPr rtlCol="0" anchor="ctr"/>
+          <a:lstStyle/>
+          <a:p>
+            <a:pPr algn="ctr"/>
+            <a:r>
+              <a:rPr lang="en-GB" sz="1200" dirty="0"/>
               <a:t>Instructions</a:t>
             </a:r>
           </a:p>
         </p:txBody>
       </p:sp>
+      <p:sp>
+        <p:nvSpPr>
+          <p:cNvPr id="86" name="Oval 85">
+            <a:extLst>
+              <a:ext uri="{FF2B5EF4-FFF2-40B4-BE49-F238E27FC236}">
+                <a16:creationId xmlns:a16="http://schemas.microsoft.com/office/drawing/2014/main" id="{A0B5E334-81E5-4483-A5DC-4D8AC8D134D0}"/>
+              </a:ext>
+            </a:extLst>
+          </p:cNvPr>
+          <p:cNvSpPr/>
+          <p:nvPr/>
+        </p:nvSpPr>
+        <p:spPr>
+          <a:xfrm>
+            <a:off x="10672160" y="3664891"/>
+            <a:ext cx="1169846" cy="447294"/>
+          </a:xfrm>
+          <a:prstGeom prst="ellipse">
+            <a:avLst/>
+          </a:prstGeom>
+          <a:solidFill>
+            <a:schemeClr val="dk1">
+              <a:alpha val="50000"/>
+            </a:schemeClr>
+          </a:solidFill>
+          <a:ln>
+            <a:noFill/>
+          </a:ln>
+        </p:spPr>
+        <p:style>
+          <a:lnRef idx="0">
+            <a:scrgbClr r="0" g="0" b="0"/>
+          </a:lnRef>
+          <a:fillRef idx="0">
+            <a:scrgbClr r="0" g="0" b="0"/>
+          </a:fillRef>
+          <a:effectRef idx="0">
+            <a:scrgbClr r="0" g="0" b="0"/>
+          </a:effectRef>
+          <a:fontRef idx="minor">
+            <a:schemeClr val="lt1"/>
+          </a:fontRef>
+        </p:style>
+        <p:txBody>
+          <a:bodyPr rtlCol="0" anchor="ctr"/>
+          <a:lstStyle/>
+          <a:p>
+            <a:pPr algn="ctr"/>
+            <a:r>
+              <a:rPr lang="en-GB" sz="1200" dirty="0"/>
+              <a:t>Robot 2-B</a:t>
+            </a:r>
+          </a:p>
+        </p:txBody>
+      </p:sp>
+      <p:sp>
+        <p:nvSpPr>
+          <p:cNvPr id="88" name="Rectangle 87">
+            <a:extLst>
+              <a:ext uri="{FF2B5EF4-FFF2-40B4-BE49-F238E27FC236}">
+                <a16:creationId xmlns:a16="http://schemas.microsoft.com/office/drawing/2014/main" id="{5B27A360-D850-40D1-B5EB-8AFA9A7872B8}"/>
+              </a:ext>
+            </a:extLst>
+          </p:cNvPr>
+          <p:cNvSpPr/>
+          <p:nvPr/>
+        </p:nvSpPr>
+        <p:spPr>
+          <a:xfrm>
+            <a:off x="8943198" y="3746608"/>
+            <a:ext cx="1187049" cy="283860"/>
+          </a:xfrm>
+          <a:prstGeom prst="rect">
+            <a:avLst/>
+          </a:prstGeom>
+          <a:solidFill>
+            <a:schemeClr val="dk1">
+              <a:alpha val="50000"/>
+            </a:schemeClr>
+          </a:solidFill>
+          <a:ln>
+            <a:noFill/>
+          </a:ln>
+        </p:spPr>
+        <p:style>
+          <a:lnRef idx="0">
+            <a:scrgbClr r="0" g="0" b="0"/>
+          </a:lnRef>
+          <a:fillRef idx="0">
+            <a:scrgbClr r="0" g="0" b="0"/>
+          </a:fillRef>
+          <a:effectRef idx="0">
+            <a:scrgbClr r="0" g="0" b="0"/>
+          </a:effectRef>
+          <a:fontRef idx="minor">
+            <a:schemeClr val="lt1"/>
+          </a:fontRef>
+        </p:style>
+        <p:txBody>
+          <a:bodyPr rtlCol="0" anchor="ctr"/>
+          <a:lstStyle/>
+          <a:p>
+            <a:pPr algn="ctr"/>
+            <a:r>
+              <a:rPr lang="en-GB" sz="1200" dirty="0"/>
+              <a:t>Instructions</a:t>
+            </a:r>
+          </a:p>
+        </p:txBody>
+      </p:sp>
+      <p:sp>
+        <p:nvSpPr>
+          <p:cNvPr id="91" name="Oval 90">
+            <a:extLst>
+              <a:ext uri="{FF2B5EF4-FFF2-40B4-BE49-F238E27FC236}">
+                <a16:creationId xmlns:a16="http://schemas.microsoft.com/office/drawing/2014/main" id="{5A2CD1E4-4B9A-471C-A321-A79078ADE513}"/>
+              </a:ext>
+            </a:extLst>
+          </p:cNvPr>
+          <p:cNvSpPr/>
+          <p:nvPr/>
+        </p:nvSpPr>
+        <p:spPr>
+          <a:xfrm>
+            <a:off x="10672160" y="2757400"/>
+            <a:ext cx="1169846" cy="447294"/>
+          </a:xfrm>
+          <a:prstGeom prst="ellipse">
+            <a:avLst/>
+          </a:prstGeom>
+          <a:solidFill>
+            <a:schemeClr val="dk1">
+              <a:alpha val="50000"/>
+            </a:schemeClr>
+          </a:solidFill>
+          <a:ln>
+            <a:noFill/>
+          </a:ln>
+        </p:spPr>
+        <p:style>
+          <a:lnRef idx="0">
+            <a:scrgbClr r="0" g="0" b="0"/>
+          </a:lnRef>
+          <a:fillRef idx="0">
+            <a:scrgbClr r="0" g="0" b="0"/>
+          </a:fillRef>
+          <a:effectRef idx="0">
+            <a:scrgbClr r="0" g="0" b="0"/>
+          </a:effectRef>
+          <a:fontRef idx="minor">
+            <a:schemeClr val="lt1"/>
+          </a:fontRef>
+        </p:style>
+        <p:txBody>
+          <a:bodyPr rtlCol="0" anchor="ctr"/>
+          <a:lstStyle/>
+          <a:p>
+            <a:pPr algn="ctr"/>
+            <a:r>
+              <a:rPr lang="en-GB" sz="1200" dirty="0"/>
+              <a:t>Robot 2-A</a:t>
+            </a:r>
+          </a:p>
+        </p:txBody>
+      </p:sp>
+      <p:sp>
+        <p:nvSpPr>
+          <p:cNvPr id="150" name="Rectangle 149">
+            <a:extLst>
+              <a:ext uri="{FF2B5EF4-FFF2-40B4-BE49-F238E27FC236}">
+                <a16:creationId xmlns:a16="http://schemas.microsoft.com/office/drawing/2014/main" id="{A6C014E7-5DFF-466D-8A8C-661922517543}"/>
+              </a:ext>
+            </a:extLst>
+          </p:cNvPr>
+          <p:cNvSpPr/>
+          <p:nvPr/>
+        </p:nvSpPr>
+        <p:spPr>
+          <a:xfrm>
+            <a:off x="8943198" y="2839117"/>
+            <a:ext cx="1187049" cy="283860"/>
+          </a:xfrm>
+          <a:prstGeom prst="rect">
+            <a:avLst/>
+          </a:prstGeom>
+          <a:solidFill>
+            <a:schemeClr val="dk1">
+              <a:alpha val="50000"/>
+            </a:schemeClr>
+          </a:solidFill>
+          <a:ln>
+            <a:noFill/>
+          </a:ln>
+        </p:spPr>
+        <p:style>
+          <a:lnRef idx="0">
+            <a:scrgbClr r="0" g="0" b="0"/>
+          </a:lnRef>
+          <a:fillRef idx="0">
+            <a:scrgbClr r="0" g="0" b="0"/>
+          </a:fillRef>
+          <a:effectRef idx="0">
+            <a:scrgbClr r="0" g="0" b="0"/>
+          </a:effectRef>
+          <a:fontRef idx="minor">
+            <a:schemeClr val="lt1"/>
+          </a:fontRef>
+        </p:style>
+        <p:txBody>
+          <a:bodyPr rtlCol="0" anchor="ctr"/>
+          <a:lstStyle/>
+          <a:p>
+            <a:pPr algn="ctr"/>
+            <a:r>
+              <a:rPr lang="en-GB" sz="1200" dirty="0"/>
+              <a:t>Instructions</a:t>
+            </a:r>
+          </a:p>
+        </p:txBody>
+      </p:sp>
+      <p:sp>
+        <p:nvSpPr>
+          <p:cNvPr id="151" name="Oval 150">
+            <a:extLst>
+              <a:ext uri="{FF2B5EF4-FFF2-40B4-BE49-F238E27FC236}">
+                <a16:creationId xmlns:a16="http://schemas.microsoft.com/office/drawing/2014/main" id="{4DE0C6C8-0688-494E-9AC2-F9F13ACEC5AF}"/>
+              </a:ext>
+            </a:extLst>
+          </p:cNvPr>
+          <p:cNvSpPr/>
+          <p:nvPr/>
+        </p:nvSpPr>
+        <p:spPr>
+          <a:xfrm>
+            <a:off x="10672160" y="4572381"/>
+            <a:ext cx="1169846" cy="447294"/>
+          </a:xfrm>
+          <a:prstGeom prst="ellipse">
+            <a:avLst/>
+          </a:prstGeom>
+          <a:solidFill>
+            <a:schemeClr val="dk1">
+              <a:alpha val="50000"/>
+            </a:schemeClr>
+          </a:solidFill>
+          <a:ln>
+            <a:noFill/>
+          </a:ln>
+        </p:spPr>
+        <p:style>
+          <a:lnRef idx="0">
+            <a:scrgbClr r="0" g="0" b="0"/>
+          </a:lnRef>
+          <a:fillRef idx="0">
+            <a:scrgbClr r="0" g="0" b="0"/>
+          </a:fillRef>
+          <a:effectRef idx="0">
+            <a:scrgbClr r="0" g="0" b="0"/>
+          </a:effectRef>
+          <a:fontRef idx="minor">
+            <a:schemeClr val="lt1"/>
+          </a:fontRef>
+        </p:style>
+        <p:txBody>
+          <a:bodyPr rtlCol="0" anchor="ctr"/>
+          <a:lstStyle/>
+          <a:p>
+            <a:pPr algn="ctr"/>
+            <a:r>
+              <a:rPr lang="en-GB" sz="1200" dirty="0"/>
+              <a:t>Robot 2-C</a:t>
+            </a:r>
+          </a:p>
+        </p:txBody>
+      </p:sp>
+      <p:sp>
+        <p:nvSpPr>
+          <p:cNvPr id="152" name="Rectangle 151">
+            <a:extLst>
+              <a:ext uri="{FF2B5EF4-FFF2-40B4-BE49-F238E27FC236}">
+                <a16:creationId xmlns:a16="http://schemas.microsoft.com/office/drawing/2014/main" id="{C222B1E4-9889-434E-9439-0CE1060D0372}"/>
+              </a:ext>
+            </a:extLst>
+          </p:cNvPr>
+          <p:cNvSpPr/>
+          <p:nvPr/>
+        </p:nvSpPr>
+        <p:spPr>
+          <a:xfrm>
+            <a:off x="8943198" y="4654098"/>
+            <a:ext cx="1187049" cy="283860"/>
+          </a:xfrm>
+          <a:prstGeom prst="rect">
+            <a:avLst/>
+          </a:prstGeom>
+          <a:solidFill>
+            <a:schemeClr val="dk1">
+              <a:alpha val="50000"/>
+            </a:schemeClr>
+          </a:solidFill>
+          <a:ln>
+            <a:noFill/>
+          </a:ln>
+        </p:spPr>
+        <p:style>
+          <a:lnRef idx="0">
+            <a:scrgbClr r="0" g="0" b="0"/>
+          </a:lnRef>
+          <a:fillRef idx="0">
+            <a:scrgbClr r="0" g="0" b="0"/>
+          </a:fillRef>
+          <a:effectRef idx="0">
+            <a:scrgbClr r="0" g="0" b="0"/>
+          </a:effectRef>
+          <a:fontRef idx="minor">
+            <a:schemeClr val="lt1"/>
+          </a:fontRef>
+        </p:style>
+        <p:txBody>
+          <a:bodyPr rtlCol="0" anchor="ctr"/>
+          <a:lstStyle/>
+          <a:p>
+            <a:pPr algn="ctr"/>
+            <a:r>
+              <a:rPr lang="en-GB" sz="1200" dirty="0"/>
+              <a:t>Instructions</a:t>
+            </a:r>
+          </a:p>
+        </p:txBody>
+      </p:sp>
       <p:cxnSp>
         <p:nvCxnSpPr>
-          <p:cNvPr id="158" name="Straight Arrow Connector 157">
-            <a:extLst>
-              <a:ext uri="{FF2B5EF4-FFF2-40B4-BE49-F238E27FC236}">
-                <a16:creationId xmlns:a16="http://schemas.microsoft.com/office/drawing/2014/main" id="{D728E2B4-FE25-47DA-9793-94CBB8D351C8}"/>
+          <p:cNvPr id="4" name="Straight Arrow Connector 3">
+            <a:extLst>
+              <a:ext uri="{FF2B5EF4-FFF2-40B4-BE49-F238E27FC236}">
+                <a16:creationId xmlns:a16="http://schemas.microsoft.com/office/drawing/2014/main" id="{F616EF5D-B3C0-4293-9C00-76135EA6F70A}"/>
               </a:ext>
             </a:extLst>
           </p:cNvPr>
           <p:cNvCxnSpPr>
             <a:cxnSpLocks/>
-            <a:stCxn id="82" idx="6"/>
-            <a:endCxn id="85" idx="1"/>
+            <a:stCxn id="80" idx="5"/>
+            <a:endCxn id="2" idx="1"/>
           </p:cNvCxnSpPr>
           <p:nvPr/>
         </p:nvCxnSpPr>
         <p:spPr>
           <a:xfrm>
-            <a:off x="4960562" y="3376730"/>
-            <a:ext cx="541914" cy="0"/>
+            <a:off x="1348520" y="4712327"/>
+            <a:ext cx="773446" cy="19187"/>
           </a:xfrm>
           <a:prstGeom prst="straightConnector1">
             <a:avLst/>
@@ -4283,6 +4724,478 @@
           </a:fontRef>
         </p:style>
       </p:cxnSp>
+      <p:cxnSp>
+        <p:nvCxnSpPr>
+          <p:cNvPr id="153" name="Straight Arrow Connector 152">
+            <a:extLst>
+              <a:ext uri="{FF2B5EF4-FFF2-40B4-BE49-F238E27FC236}">
+                <a16:creationId xmlns:a16="http://schemas.microsoft.com/office/drawing/2014/main" id="{97E89223-4B00-4C1C-B9C5-FEF5AC2E95DB}"/>
+              </a:ext>
+            </a:extLst>
+          </p:cNvPr>
+          <p:cNvCxnSpPr>
+            <a:cxnSpLocks/>
+            <a:stCxn id="2" idx="3"/>
+            <a:endCxn id="82" idx="3"/>
+          </p:cNvCxnSpPr>
+          <p:nvPr/>
+        </p:nvCxnSpPr>
+        <p:spPr>
+          <a:xfrm flipV="1">
+            <a:off x="3309015" y="3534872"/>
+            <a:ext cx="653021" cy="1196642"/>
+          </a:xfrm>
+          <a:prstGeom prst="straightConnector1">
+            <a:avLst/>
+          </a:prstGeom>
+          <a:ln>
+            <a:tailEnd type="triangle"/>
+          </a:ln>
+        </p:spPr>
+        <p:style>
+          <a:lnRef idx="1">
+            <a:schemeClr val="dk1"/>
+          </a:lnRef>
+          <a:fillRef idx="0">
+            <a:schemeClr val="dk1"/>
+          </a:fillRef>
+          <a:effectRef idx="0">
+            <a:schemeClr val="dk1"/>
+          </a:effectRef>
+          <a:fontRef idx="minor">
+            <a:schemeClr val="tx1"/>
+          </a:fontRef>
+        </p:style>
+      </p:cxnSp>
+      <p:cxnSp>
+        <p:nvCxnSpPr>
+          <p:cNvPr id="154" name="Straight Arrow Connector 153">
+            <a:extLst>
+              <a:ext uri="{FF2B5EF4-FFF2-40B4-BE49-F238E27FC236}">
+                <a16:creationId xmlns:a16="http://schemas.microsoft.com/office/drawing/2014/main" id="{D5E1C722-284F-40F8-A59F-BE924542C294}"/>
+              </a:ext>
+            </a:extLst>
+          </p:cNvPr>
+          <p:cNvCxnSpPr>
+            <a:cxnSpLocks/>
+            <a:endCxn id="84" idx="3"/>
+          </p:cNvCxnSpPr>
+          <p:nvPr/>
+        </p:nvCxnSpPr>
+        <p:spPr>
+          <a:xfrm flipH="1">
+            <a:off x="3309015" y="3486150"/>
+            <a:ext cx="551479" cy="909893"/>
+          </a:xfrm>
+          <a:prstGeom prst="straightConnector1">
+            <a:avLst/>
+          </a:prstGeom>
+          <a:ln>
+            <a:tailEnd type="triangle"/>
+          </a:ln>
+        </p:spPr>
+        <p:style>
+          <a:lnRef idx="1">
+            <a:schemeClr val="dk1"/>
+          </a:lnRef>
+          <a:fillRef idx="0">
+            <a:schemeClr val="dk1"/>
+          </a:fillRef>
+          <a:effectRef idx="0">
+            <a:schemeClr val="dk1"/>
+          </a:effectRef>
+          <a:fontRef idx="minor">
+            <a:schemeClr val="tx1"/>
+          </a:fontRef>
+        </p:style>
+      </p:cxnSp>
+      <p:cxnSp>
+        <p:nvCxnSpPr>
+          <p:cNvPr id="157" name="Straight Arrow Connector 156">
+            <a:extLst>
+              <a:ext uri="{FF2B5EF4-FFF2-40B4-BE49-F238E27FC236}">
+                <a16:creationId xmlns:a16="http://schemas.microsoft.com/office/drawing/2014/main" id="{1326901A-9F99-4B20-8181-47E47E67A39A}"/>
+              </a:ext>
+            </a:extLst>
+          </p:cNvPr>
+          <p:cNvCxnSpPr>
+            <a:cxnSpLocks/>
+            <a:stCxn id="84" idx="1"/>
+            <a:endCxn id="80" idx="7"/>
+          </p:cNvCxnSpPr>
+          <p:nvPr/>
+        </p:nvCxnSpPr>
+        <p:spPr>
+          <a:xfrm flipH="1">
+            <a:off x="1348520" y="4396043"/>
+            <a:ext cx="773446" cy="0"/>
+          </a:xfrm>
+          <a:prstGeom prst="straightConnector1">
+            <a:avLst/>
+          </a:prstGeom>
+          <a:ln>
+            <a:tailEnd type="triangle"/>
+          </a:ln>
+        </p:spPr>
+        <p:style>
+          <a:lnRef idx="1">
+            <a:schemeClr val="dk1"/>
+          </a:lnRef>
+          <a:fillRef idx="0">
+            <a:schemeClr val="dk1"/>
+          </a:fillRef>
+          <a:effectRef idx="0">
+            <a:schemeClr val="dk1"/>
+          </a:effectRef>
+          <a:fontRef idx="minor">
+            <a:schemeClr val="tx1"/>
+          </a:fontRef>
+        </p:style>
+      </p:cxnSp>
+      <p:cxnSp>
+        <p:nvCxnSpPr>
+          <p:cNvPr id="158" name="Straight Arrow Connector 157">
+            <a:extLst>
+              <a:ext uri="{FF2B5EF4-FFF2-40B4-BE49-F238E27FC236}">
+                <a16:creationId xmlns:a16="http://schemas.microsoft.com/office/drawing/2014/main" id="{D728E2B4-FE25-47DA-9793-94CBB8D351C8}"/>
+              </a:ext>
+            </a:extLst>
+          </p:cNvPr>
+          <p:cNvCxnSpPr>
+            <a:cxnSpLocks/>
+            <a:stCxn id="82" idx="6"/>
+            <a:endCxn id="85" idx="1"/>
+          </p:cNvCxnSpPr>
+          <p:nvPr/>
+        </p:nvCxnSpPr>
+        <p:spPr>
+          <a:xfrm>
+            <a:off x="4960562" y="3376730"/>
+            <a:ext cx="541913" cy="507506"/>
+          </a:xfrm>
+          <a:prstGeom prst="straightConnector1">
+            <a:avLst/>
+          </a:prstGeom>
+          <a:ln>
+            <a:tailEnd type="triangle"/>
+          </a:ln>
+        </p:spPr>
+        <p:style>
+          <a:lnRef idx="1">
+            <a:schemeClr val="dk1"/>
+          </a:lnRef>
+          <a:fillRef idx="0">
+            <a:schemeClr val="dk1"/>
+          </a:fillRef>
+          <a:effectRef idx="0">
+            <a:schemeClr val="dk1"/>
+          </a:effectRef>
+          <a:fontRef idx="minor">
+            <a:schemeClr val="tx1"/>
+          </a:fontRef>
+        </p:style>
+      </p:cxnSp>
+      <p:cxnSp>
+        <p:nvCxnSpPr>
+          <p:cNvPr id="159" name="Straight Arrow Connector 158">
+            <a:extLst>
+              <a:ext uri="{FF2B5EF4-FFF2-40B4-BE49-F238E27FC236}">
+                <a16:creationId xmlns:a16="http://schemas.microsoft.com/office/drawing/2014/main" id="{C4521EA0-29E8-43C1-A766-D19583B8F8C2}"/>
+              </a:ext>
+            </a:extLst>
+          </p:cNvPr>
+          <p:cNvCxnSpPr>
+            <a:cxnSpLocks/>
+            <a:stCxn id="85" idx="3"/>
+            <a:endCxn id="81" idx="2"/>
+          </p:cNvCxnSpPr>
+          <p:nvPr/>
+        </p:nvCxnSpPr>
+        <p:spPr>
+          <a:xfrm>
+            <a:off x="6689524" y="3884236"/>
+            <a:ext cx="541914" cy="4302"/>
+          </a:xfrm>
+          <a:prstGeom prst="straightConnector1">
+            <a:avLst/>
+          </a:prstGeom>
+          <a:ln>
+            <a:tailEnd type="triangle"/>
+          </a:ln>
+        </p:spPr>
+        <p:style>
+          <a:lnRef idx="1">
+            <a:schemeClr val="dk1"/>
+          </a:lnRef>
+          <a:fillRef idx="0">
+            <a:schemeClr val="dk1"/>
+          </a:fillRef>
+          <a:effectRef idx="0">
+            <a:schemeClr val="dk1"/>
+          </a:effectRef>
+          <a:fontRef idx="minor">
+            <a:schemeClr val="tx1"/>
+          </a:fontRef>
+        </p:style>
+      </p:cxnSp>
+      <p:cxnSp>
+        <p:nvCxnSpPr>
+          <p:cNvPr id="160" name="Straight Arrow Connector 159">
+            <a:extLst>
+              <a:ext uri="{FF2B5EF4-FFF2-40B4-BE49-F238E27FC236}">
+                <a16:creationId xmlns:a16="http://schemas.microsoft.com/office/drawing/2014/main" id="{E8B4ED40-61FB-48BB-829E-6CBF91E0654A}"/>
+              </a:ext>
+            </a:extLst>
+          </p:cNvPr>
+          <p:cNvCxnSpPr>
+            <a:cxnSpLocks/>
+            <a:stCxn id="81" idx="7"/>
+            <a:endCxn id="150" idx="1"/>
+          </p:cNvCxnSpPr>
+          <p:nvPr/>
+        </p:nvCxnSpPr>
+        <p:spPr>
+          <a:xfrm flipV="1">
+            <a:off x="8229964" y="2981047"/>
+            <a:ext cx="713234" cy="749348"/>
+          </a:xfrm>
+          <a:prstGeom prst="straightConnector1">
+            <a:avLst/>
+          </a:prstGeom>
+          <a:ln>
+            <a:tailEnd type="triangle"/>
+          </a:ln>
+        </p:spPr>
+        <p:style>
+          <a:lnRef idx="1">
+            <a:schemeClr val="dk1"/>
+          </a:lnRef>
+          <a:fillRef idx="0">
+            <a:schemeClr val="dk1"/>
+          </a:fillRef>
+          <a:effectRef idx="0">
+            <a:schemeClr val="dk1"/>
+          </a:effectRef>
+          <a:fontRef idx="minor">
+            <a:schemeClr val="tx1"/>
+          </a:fontRef>
+        </p:style>
+      </p:cxnSp>
+      <p:cxnSp>
+        <p:nvCxnSpPr>
+          <p:cNvPr id="161" name="Straight Arrow Connector 160">
+            <a:extLst>
+              <a:ext uri="{FF2B5EF4-FFF2-40B4-BE49-F238E27FC236}">
+                <a16:creationId xmlns:a16="http://schemas.microsoft.com/office/drawing/2014/main" id="{7231A6DC-8B0E-45CC-B570-5C9E4A678B3B}"/>
+              </a:ext>
+            </a:extLst>
+          </p:cNvPr>
+          <p:cNvCxnSpPr>
+            <a:cxnSpLocks/>
+            <a:stCxn id="81" idx="5"/>
+            <a:endCxn id="152" idx="1"/>
+          </p:cNvCxnSpPr>
+          <p:nvPr/>
+        </p:nvCxnSpPr>
+        <p:spPr>
+          <a:xfrm>
+            <a:off x="8229964" y="4046680"/>
+            <a:ext cx="713234" cy="749348"/>
+          </a:xfrm>
+          <a:prstGeom prst="straightConnector1">
+            <a:avLst/>
+          </a:prstGeom>
+          <a:ln>
+            <a:tailEnd type="triangle"/>
+          </a:ln>
+        </p:spPr>
+        <p:style>
+          <a:lnRef idx="1">
+            <a:schemeClr val="dk1"/>
+          </a:lnRef>
+          <a:fillRef idx="0">
+            <a:schemeClr val="dk1"/>
+          </a:fillRef>
+          <a:effectRef idx="0">
+            <a:schemeClr val="dk1"/>
+          </a:effectRef>
+          <a:fontRef idx="minor">
+            <a:schemeClr val="tx1"/>
+          </a:fontRef>
+        </p:style>
+      </p:cxnSp>
+      <p:cxnSp>
+        <p:nvCxnSpPr>
+          <p:cNvPr id="162" name="Straight Arrow Connector 161">
+            <a:extLst>
+              <a:ext uri="{FF2B5EF4-FFF2-40B4-BE49-F238E27FC236}">
+                <a16:creationId xmlns:a16="http://schemas.microsoft.com/office/drawing/2014/main" id="{B4422115-DA30-436C-824B-DBD6E45530BF}"/>
+              </a:ext>
+            </a:extLst>
+          </p:cNvPr>
+          <p:cNvCxnSpPr>
+            <a:cxnSpLocks/>
+            <a:stCxn id="81" idx="6"/>
+            <a:endCxn id="88" idx="1"/>
+          </p:cNvCxnSpPr>
+          <p:nvPr/>
+        </p:nvCxnSpPr>
+        <p:spPr>
+          <a:xfrm>
+            <a:off x="8401284" y="3888538"/>
+            <a:ext cx="541914" cy="0"/>
+          </a:xfrm>
+          <a:prstGeom prst="straightConnector1">
+            <a:avLst/>
+          </a:prstGeom>
+          <a:ln>
+            <a:tailEnd type="triangle"/>
+          </a:ln>
+        </p:spPr>
+        <p:style>
+          <a:lnRef idx="1">
+            <a:schemeClr val="dk1"/>
+          </a:lnRef>
+          <a:fillRef idx="0">
+            <a:schemeClr val="dk1"/>
+          </a:fillRef>
+          <a:effectRef idx="0">
+            <a:schemeClr val="dk1"/>
+          </a:effectRef>
+          <a:fontRef idx="minor">
+            <a:schemeClr val="tx1"/>
+          </a:fontRef>
+        </p:style>
+      </p:cxnSp>
+      <p:cxnSp>
+        <p:nvCxnSpPr>
+          <p:cNvPr id="164" name="Straight Arrow Connector 163">
+            <a:extLst>
+              <a:ext uri="{FF2B5EF4-FFF2-40B4-BE49-F238E27FC236}">
+                <a16:creationId xmlns:a16="http://schemas.microsoft.com/office/drawing/2014/main" id="{01DCDC35-2FE0-436B-84EA-4D9AD6175313}"/>
+              </a:ext>
+            </a:extLst>
+          </p:cNvPr>
+          <p:cNvCxnSpPr>
+            <a:cxnSpLocks/>
+            <a:stCxn id="150" idx="3"/>
+            <a:endCxn id="91" idx="2"/>
+          </p:cNvCxnSpPr>
+          <p:nvPr/>
+        </p:nvCxnSpPr>
+        <p:spPr>
+          <a:xfrm>
+            <a:off x="10130247" y="2981047"/>
+            <a:ext cx="541914" cy="0"/>
+          </a:xfrm>
+          <a:prstGeom prst="straightConnector1">
+            <a:avLst/>
+          </a:prstGeom>
+          <a:ln>
+            <a:tailEnd type="triangle"/>
+          </a:ln>
+        </p:spPr>
+        <p:style>
+          <a:lnRef idx="1">
+            <a:schemeClr val="dk1"/>
+          </a:lnRef>
+          <a:fillRef idx="0">
+            <a:schemeClr val="dk1"/>
+          </a:fillRef>
+          <a:effectRef idx="0">
+            <a:schemeClr val="dk1"/>
+          </a:effectRef>
+          <a:fontRef idx="minor">
+            <a:schemeClr val="tx1"/>
+          </a:fontRef>
+        </p:style>
+      </p:cxnSp>
+      <p:cxnSp>
+        <p:nvCxnSpPr>
+          <p:cNvPr id="165" name="Straight Arrow Connector 164">
+            <a:extLst>
+              <a:ext uri="{FF2B5EF4-FFF2-40B4-BE49-F238E27FC236}">
+                <a16:creationId xmlns:a16="http://schemas.microsoft.com/office/drawing/2014/main" id="{1F870178-AB59-4055-9177-AE668B9F7208}"/>
+              </a:ext>
+            </a:extLst>
+          </p:cNvPr>
+          <p:cNvCxnSpPr>
+            <a:cxnSpLocks/>
+            <a:stCxn id="88" idx="3"/>
+            <a:endCxn id="86" idx="2"/>
+          </p:cNvCxnSpPr>
+          <p:nvPr/>
+        </p:nvCxnSpPr>
+        <p:spPr>
+          <a:xfrm>
+            <a:off x="10130247" y="3888538"/>
+            <a:ext cx="541914" cy="0"/>
+          </a:xfrm>
+          <a:prstGeom prst="straightConnector1">
+            <a:avLst/>
+          </a:prstGeom>
+          <a:ln>
+            <a:tailEnd type="triangle"/>
+          </a:ln>
+        </p:spPr>
+        <p:style>
+          <a:lnRef idx="1">
+            <a:schemeClr val="dk1"/>
+          </a:lnRef>
+          <a:fillRef idx="0">
+            <a:schemeClr val="dk1"/>
+          </a:fillRef>
+          <a:effectRef idx="0">
+            <a:schemeClr val="dk1"/>
+          </a:effectRef>
+          <a:fontRef idx="minor">
+            <a:schemeClr val="tx1"/>
+          </a:fontRef>
+        </p:style>
+      </p:cxnSp>
+      <p:cxnSp>
+        <p:nvCxnSpPr>
+          <p:cNvPr id="166" name="Straight Arrow Connector 165">
+            <a:extLst>
+              <a:ext uri="{FF2B5EF4-FFF2-40B4-BE49-F238E27FC236}">
+                <a16:creationId xmlns:a16="http://schemas.microsoft.com/office/drawing/2014/main" id="{8EE5E6C2-C214-4FA5-B5FC-8754278A4B7B}"/>
+              </a:ext>
+            </a:extLst>
+          </p:cNvPr>
+          <p:cNvCxnSpPr>
+            <a:cxnSpLocks/>
+            <a:stCxn id="152" idx="3"/>
+            <a:endCxn id="151" idx="2"/>
+          </p:cNvCxnSpPr>
+          <p:nvPr/>
+        </p:nvCxnSpPr>
+        <p:spPr>
+          <a:xfrm>
+            <a:off x="10130247" y="4796028"/>
+            <a:ext cx="541914" cy="0"/>
+          </a:xfrm>
+          <a:prstGeom prst="straightConnector1">
+            <a:avLst/>
+          </a:prstGeom>
+          <a:ln>
+            <a:tailEnd type="triangle"/>
+          </a:ln>
+        </p:spPr>
+        <p:style>
+          <a:lnRef idx="1">
+            <a:schemeClr val="dk1"/>
+          </a:lnRef>
+          <a:fillRef idx="0">
+            <a:schemeClr val="dk1"/>
+          </a:fillRef>
+          <a:effectRef idx="0">
+            <a:schemeClr val="dk1"/>
+          </a:effectRef>
+          <a:fontRef idx="minor">
+            <a:schemeClr val="tx1"/>
+          </a:fontRef>
+        </p:style>
+      </p:cxnSp>
       <p:sp>
         <p:nvSpPr>
           <p:cNvPr id="167" name="Oval 166">
@@ -4297,7 +5210,7 @@
         </p:nvSpPr>
         <p:spPr>
           <a:xfrm>
-            <a:off x="7231438" y="3153083"/>
+            <a:off x="7231438" y="1838325"/>
             <a:ext cx="1169846" cy="447294"/>
           </a:xfrm>
           <a:prstGeom prst="ellipse">
@@ -4333,7 +5246,7 @@
             <a:pPr algn="ctr"/>
             <a:r>
               <a:rPr lang="en-GB" sz="1200" dirty="0"/>
-              <a:t>Robot Handler</a:t>
+              <a:t>Robot Handler 1</a:t>
             </a:r>
           </a:p>
         </p:txBody>
@@ -4352,7 +5265,7 @@
         </p:nvSpPr>
         <p:spPr>
           <a:xfrm>
-            <a:off x="10672160" y="3153083"/>
+            <a:off x="10672160" y="1838325"/>
             <a:ext cx="1169846" cy="447294"/>
           </a:xfrm>
           <a:prstGeom prst="ellipse">
@@ -4388,7 +5301,7 @@
             <a:pPr algn="ctr"/>
             <a:r>
               <a:rPr lang="en-GB" sz="1200" dirty="0"/>
-              <a:t>Robot</a:t>
+              <a:t>Robot 1-A</a:t>
             </a:r>
           </a:p>
         </p:txBody>
@@ -4407,7 +5320,7 @@
         </p:nvSpPr>
         <p:spPr>
           <a:xfrm>
-            <a:off x="8943198" y="3234800"/>
+            <a:off x="8943198" y="1920042"/>
             <a:ext cx="1187049" cy="283860"/>
           </a:xfrm>
           <a:prstGeom prst="rect">
@@ -4466,7 +5379,7 @@
         </p:nvCxnSpPr>
         <p:spPr>
           <a:xfrm>
-            <a:off x="8401284" y="3376730"/>
+            <a:off x="8401284" y="2061972"/>
             <a:ext cx="541914" cy="0"/>
           </a:xfrm>
           <a:prstGeom prst="straightConnector1">
@@ -4509,7 +5422,7 @@
         </p:nvCxnSpPr>
         <p:spPr>
           <a:xfrm>
-            <a:off x="10130247" y="3376730"/>
+            <a:off x="10130247" y="2061972"/>
             <a:ext cx="541914" cy="0"/>
           </a:xfrm>
           <a:prstGeom prst="straightConnector1">
@@ -4545,14 +5458,14 @@
           </p:cNvPr>
           <p:cNvCxnSpPr>
             <a:cxnSpLocks/>
-            <a:stCxn id="85" idx="3"/>
+            <a:stCxn id="198" idx="3"/>
             <a:endCxn id="167" idx="2"/>
           </p:cNvCxnSpPr>
           <p:nvPr/>
         </p:nvCxnSpPr>
         <p:spPr>
           <a:xfrm>
-            <a:off x="6689524" y="3376730"/>
+            <a:off x="6689524" y="2061972"/>
             <a:ext cx="541914" cy="0"/>
           </a:xfrm>
           <a:prstGeom prst="straightConnector1">
@@ -4579,10 +5492,10 @@
       </p:cxnSp>
       <p:sp>
         <p:nvSpPr>
-          <p:cNvPr id="181" name="Oval 180">
-            <a:extLst>
-              <a:ext uri="{FF2B5EF4-FFF2-40B4-BE49-F238E27FC236}">
-                <a16:creationId xmlns:a16="http://schemas.microsoft.com/office/drawing/2014/main" id="{462CACF7-7642-4643-B6A8-747233C0270A}"/>
+          <p:cNvPr id="176" name="Rectangle 175">
+            <a:extLst>
+              <a:ext uri="{FF2B5EF4-FFF2-40B4-BE49-F238E27FC236}">
+                <a16:creationId xmlns:a16="http://schemas.microsoft.com/office/drawing/2014/main" id="{4B4A2F2B-35C0-404D-9795-82702358F223}"/>
               </a:ext>
             </a:extLst>
           </p:cNvPr>
@@ -4591,10 +5504,10 @@
         </p:nvSpPr>
         <p:spPr>
           <a:xfrm>
-            <a:off x="349994" y="3153083"/>
-            <a:ext cx="1169846" cy="447294"/>
-          </a:xfrm>
-          <a:prstGeom prst="ellipse">
+            <a:off x="2027081" y="3888537"/>
+            <a:ext cx="1395950" cy="1061426"/>
+          </a:xfrm>
+          <a:prstGeom prst="rect">
             <a:avLst/>
           </a:prstGeom>
           <a:solidFill>
@@ -4627,6 +5540,188 @@
             <a:pPr algn="ctr"/>
             <a:r>
               <a:rPr lang="en-GB" sz="1200" dirty="0"/>
+              <a:t>Camera Group</a:t>
+            </a:r>
+          </a:p>
+          <a:p>
+            <a:pPr algn="ctr"/>
+            <a:endParaRPr lang="en-GB" sz="1200" dirty="0"/>
+          </a:p>
+          <a:p>
+            <a:pPr algn="ctr"/>
+            <a:endParaRPr lang="en-GB" sz="1200" dirty="0"/>
+          </a:p>
+          <a:p>
+            <a:pPr algn="ctr"/>
+            <a:endParaRPr lang="en-GB" sz="1200" dirty="0"/>
+          </a:p>
+          <a:p>
+            <a:pPr algn="ctr"/>
+            <a:endParaRPr lang="en-GB" sz="1200" dirty="0"/>
+          </a:p>
+        </p:txBody>
+      </p:sp>
+      <p:sp>
+        <p:nvSpPr>
+          <p:cNvPr id="2" name="Rectangle 1">
+            <a:extLst>
+              <a:ext uri="{FF2B5EF4-FFF2-40B4-BE49-F238E27FC236}">
+                <a16:creationId xmlns:a16="http://schemas.microsoft.com/office/drawing/2014/main" id="{63A941A2-33F5-4CEE-AB64-E29A20FB4314}"/>
+              </a:ext>
+            </a:extLst>
+          </p:cNvPr>
+          <p:cNvSpPr/>
+          <p:nvPr/>
+        </p:nvSpPr>
+        <p:spPr>
+          <a:xfrm>
+            <a:off x="2121966" y="4589584"/>
+            <a:ext cx="1187049" cy="283860"/>
+          </a:xfrm>
+          <a:prstGeom prst="rect">
+            <a:avLst/>
+          </a:prstGeom>
+          <a:solidFill>
+            <a:schemeClr val="dk1">
+              <a:alpha val="50000"/>
+            </a:schemeClr>
+          </a:solidFill>
+          <a:ln>
+            <a:noFill/>
+          </a:ln>
+        </p:spPr>
+        <p:style>
+          <a:lnRef idx="0">
+            <a:scrgbClr r="0" g="0" b="0"/>
+          </a:lnRef>
+          <a:fillRef idx="0">
+            <a:scrgbClr r="0" g="0" b="0"/>
+          </a:fillRef>
+          <a:effectRef idx="0">
+            <a:scrgbClr r="0" g="0" b="0"/>
+          </a:effectRef>
+          <a:fontRef idx="minor">
+            <a:schemeClr val="lt1"/>
+          </a:fontRef>
+        </p:style>
+        <p:txBody>
+          <a:bodyPr rtlCol="0" anchor="ctr"/>
+          <a:lstStyle/>
+          <a:p>
+            <a:pPr algn="ctr"/>
+            <a:r>
+              <a:rPr lang="en-GB" sz="1200" dirty="0" err="1"/>
+              <a:t>ImageStore</a:t>
+            </a:r>
+            <a:endParaRPr lang="en-GB" sz="1200" dirty="0"/>
+          </a:p>
+        </p:txBody>
+      </p:sp>
+      <p:sp>
+        <p:nvSpPr>
+          <p:cNvPr id="84" name="Rectangle 83">
+            <a:extLst>
+              <a:ext uri="{FF2B5EF4-FFF2-40B4-BE49-F238E27FC236}">
+                <a16:creationId xmlns:a16="http://schemas.microsoft.com/office/drawing/2014/main" id="{28FE74E2-66AA-4133-9619-1627541AAEA8}"/>
+              </a:ext>
+            </a:extLst>
+          </p:cNvPr>
+          <p:cNvSpPr/>
+          <p:nvPr/>
+        </p:nvSpPr>
+        <p:spPr>
+          <a:xfrm>
+            <a:off x="2121966" y="4254113"/>
+            <a:ext cx="1187049" cy="283860"/>
+          </a:xfrm>
+          <a:prstGeom prst="rect">
+            <a:avLst/>
+          </a:prstGeom>
+          <a:solidFill>
+            <a:schemeClr val="dk1">
+              <a:alpha val="50000"/>
+            </a:schemeClr>
+          </a:solidFill>
+          <a:ln>
+            <a:noFill/>
+          </a:ln>
+        </p:spPr>
+        <p:style>
+          <a:lnRef idx="0">
+            <a:scrgbClr r="0" g="0" b="0"/>
+          </a:lnRef>
+          <a:fillRef idx="0">
+            <a:scrgbClr r="0" g="0" b="0"/>
+          </a:fillRef>
+          <a:effectRef idx="0">
+            <a:scrgbClr r="0" g="0" b="0"/>
+          </a:effectRef>
+          <a:fontRef idx="minor">
+            <a:schemeClr val="lt1"/>
+          </a:fontRef>
+        </p:style>
+        <p:txBody>
+          <a:bodyPr rtlCol="0" anchor="ctr"/>
+          <a:lstStyle/>
+          <a:p>
+            <a:pPr algn="ctr"/>
+            <a:r>
+              <a:rPr lang="en-GB" sz="1200" dirty="0"/>
+              <a:t>Snapshot</a:t>
+            </a:r>
+          </a:p>
+        </p:txBody>
+      </p:sp>
+      <p:sp>
+        <p:nvSpPr>
+          <p:cNvPr id="181" name="Oval 180">
+            <a:extLst>
+              <a:ext uri="{FF2B5EF4-FFF2-40B4-BE49-F238E27FC236}">
+                <a16:creationId xmlns:a16="http://schemas.microsoft.com/office/drawing/2014/main" id="{462CACF7-7642-4643-B6A8-747233C0270A}"/>
+              </a:ext>
+            </a:extLst>
+          </p:cNvPr>
+          <p:cNvSpPr/>
+          <p:nvPr/>
+        </p:nvSpPr>
+        <p:spPr>
+          <a:xfrm>
+            <a:off x="349994" y="2125448"/>
+            <a:ext cx="1169846" cy="447294"/>
+          </a:xfrm>
+          <a:prstGeom prst="ellipse">
+            <a:avLst/>
+          </a:prstGeom>
+          <a:solidFill>
+            <a:schemeClr val="dk1">
+              <a:alpha val="50000"/>
+            </a:schemeClr>
+          </a:solidFill>
+          <a:ln>
+            <a:noFill/>
+          </a:ln>
+        </p:spPr>
+        <p:style>
+          <a:lnRef idx="0">
+            <a:scrgbClr r="0" g="0" b="0"/>
+          </a:lnRef>
+          <a:fillRef idx="0">
+            <a:scrgbClr r="0" g="0" b="0"/>
+          </a:fillRef>
+          <a:effectRef idx="0">
+            <a:scrgbClr r="0" g="0" b="0"/>
+          </a:effectRef>
+          <a:fontRef idx="minor">
+            <a:schemeClr val="lt1"/>
+          </a:fontRef>
+        </p:style>
+        <p:txBody>
+          <a:bodyPr rtlCol="0" anchor="ctr"/>
+          <a:lstStyle/>
+          <a:p>
+            <a:pPr algn="ctr"/>
+            <a:r>
+              <a:rPr lang="en-GB" sz="1200" dirty="0"/>
               <a:t>Camera</a:t>
             </a:r>
           </a:p>
@@ -4650,8 +5745,8 @@
         </p:nvCxnSpPr>
         <p:spPr>
           <a:xfrm>
-            <a:off x="1348520" y="3534872"/>
-            <a:ext cx="773446" cy="12192"/>
+            <a:off x="1348520" y="2507237"/>
+            <a:ext cx="773446" cy="19187"/>
           </a:xfrm>
           <a:prstGeom prst="straightConnector1">
             <a:avLst/>
@@ -4687,14 +5782,13 @@
           <p:cNvCxnSpPr>
             <a:cxnSpLocks/>
             <a:stCxn id="187" idx="3"/>
-            <a:endCxn id="82" idx="3"/>
           </p:cNvCxnSpPr>
           <p:nvPr/>
         </p:nvCxnSpPr>
         <p:spPr>
-          <a:xfrm flipV="1">
-            <a:off x="3309015" y="3534872"/>
-            <a:ext cx="653021" cy="12192"/>
+          <a:xfrm>
+            <a:off x="3309015" y="2526424"/>
+            <a:ext cx="537970" cy="678270"/>
           </a:xfrm>
           <a:prstGeom prst="straightConnector1">
             <a:avLst/>
@@ -4736,8 +5830,8 @@
         </p:nvCxnSpPr>
         <p:spPr>
           <a:xfrm flipH="1" flipV="1">
-            <a:off x="3309015" y="3211593"/>
-            <a:ext cx="653021" cy="6995"/>
+            <a:off x="3309015" y="2190953"/>
+            <a:ext cx="653021" cy="1027635"/>
           </a:xfrm>
           <a:prstGeom prst="straightConnector1">
             <a:avLst/>
@@ -4779,8 +5873,8 @@
         </p:nvCxnSpPr>
         <p:spPr>
           <a:xfrm flipH="1">
-            <a:off x="1348520" y="3211593"/>
-            <a:ext cx="773446" cy="6995"/>
+            <a:off x="1348520" y="2190953"/>
+            <a:ext cx="773446" cy="0"/>
           </a:xfrm>
           <a:prstGeom prst="straightConnector1">
             <a:avLst/>
@@ -4818,7 +5912,7 @@
         </p:nvSpPr>
         <p:spPr>
           <a:xfrm>
-            <a:off x="2027081" y="2704087"/>
+            <a:off x="2027081" y="1683447"/>
             <a:ext cx="1395950" cy="1061426"/>
           </a:xfrm>
           <a:prstGeom prst="rect">
@@ -4854,7 +5948,7 @@
             <a:pPr algn="ctr"/>
             <a:r>
               <a:rPr lang="en-GB" sz="1200" dirty="0"/>
-              <a:t>Instructions Group</a:t>
+              <a:t>Camera Group</a:t>
             </a:r>
           </a:p>
           <a:p>
@@ -4889,7 +5983,7 @@
         </p:nvSpPr>
         <p:spPr>
           <a:xfrm>
-            <a:off x="2121966" y="3405134"/>
+            <a:off x="2121966" y="2384494"/>
             <a:ext cx="1187049" cy="283860"/>
           </a:xfrm>
           <a:prstGeom prst="rect">
@@ -4945,7 +6039,7 @@
         </p:nvSpPr>
         <p:spPr>
           <a:xfrm>
-            <a:off x="2121966" y="3069663"/>
+            <a:off x="2121966" y="2049023"/>
             <a:ext cx="1187049" cy="283860"/>
           </a:xfrm>
           <a:prstGeom prst="rect">
@@ -4986,6 +6080,1126 @@
           </a:p>
         </p:txBody>
       </p:sp>
+      <p:sp>
+        <p:nvSpPr>
+          <p:cNvPr id="197" name="Rectangle 196">
+            <a:extLst>
+              <a:ext uri="{FF2B5EF4-FFF2-40B4-BE49-F238E27FC236}">
+                <a16:creationId xmlns:a16="http://schemas.microsoft.com/office/drawing/2014/main" id="{49BEE7FB-B1F1-4283-B349-7FE3F5A2C78E}"/>
+              </a:ext>
+            </a:extLst>
+          </p:cNvPr>
+          <p:cNvSpPr/>
+          <p:nvPr/>
+        </p:nvSpPr>
+        <p:spPr>
+          <a:xfrm>
+            <a:off x="5398025" y="1554466"/>
+            <a:ext cx="1395950" cy="731153"/>
+          </a:xfrm>
+          <a:prstGeom prst="rect">
+            <a:avLst/>
+          </a:prstGeom>
+          <a:solidFill>
+            <a:schemeClr val="dk1">
+              <a:alpha val="50000"/>
+            </a:schemeClr>
+          </a:solidFill>
+          <a:ln>
+            <a:noFill/>
+          </a:ln>
+        </p:spPr>
+        <p:style>
+          <a:lnRef idx="0">
+            <a:scrgbClr r="0" g="0" b="0"/>
+          </a:lnRef>
+          <a:fillRef idx="0">
+            <a:scrgbClr r="0" g="0" b="0"/>
+          </a:fillRef>
+          <a:effectRef idx="0">
+            <a:scrgbClr r="0" g="0" b="0"/>
+          </a:effectRef>
+          <a:fontRef idx="minor">
+            <a:schemeClr val="lt1"/>
+          </a:fontRef>
+        </p:style>
+        <p:txBody>
+          <a:bodyPr rtlCol="0" anchor="ctr"/>
+          <a:lstStyle/>
+          <a:p>
+            <a:pPr algn="ctr"/>
+            <a:r>
+              <a:rPr lang="en-GB" sz="1200" dirty="0"/>
+              <a:t>Instructions Group</a:t>
+            </a:r>
+          </a:p>
+          <a:p>
+            <a:pPr algn="ctr"/>
+            <a:endParaRPr lang="en-GB" sz="1200" dirty="0"/>
+          </a:p>
+          <a:p>
+            <a:pPr algn="ctr"/>
+            <a:endParaRPr lang="en-GB" sz="1200" dirty="0"/>
+          </a:p>
+        </p:txBody>
+      </p:sp>
+      <p:sp>
+        <p:nvSpPr>
+          <p:cNvPr id="198" name="Rectangle 197">
+            <a:extLst>
+              <a:ext uri="{FF2B5EF4-FFF2-40B4-BE49-F238E27FC236}">
+                <a16:creationId xmlns:a16="http://schemas.microsoft.com/office/drawing/2014/main" id="{BFDF0221-A888-4B51-92A6-08B3BC24A445}"/>
+              </a:ext>
+            </a:extLst>
+          </p:cNvPr>
+          <p:cNvSpPr/>
+          <p:nvPr/>
+        </p:nvSpPr>
+        <p:spPr>
+          <a:xfrm>
+            <a:off x="5502475" y="1920042"/>
+            <a:ext cx="1187049" cy="283860"/>
+          </a:xfrm>
+          <a:prstGeom prst="rect">
+            <a:avLst/>
+          </a:prstGeom>
+          <a:solidFill>
+            <a:schemeClr val="dk1">
+              <a:alpha val="50000"/>
+            </a:schemeClr>
+          </a:solidFill>
+          <a:ln>
+            <a:noFill/>
+          </a:ln>
+        </p:spPr>
+        <p:style>
+          <a:lnRef idx="0">
+            <a:scrgbClr r="0" g="0" b="0"/>
+          </a:lnRef>
+          <a:fillRef idx="0">
+            <a:scrgbClr r="0" g="0" b="0"/>
+          </a:fillRef>
+          <a:effectRef idx="0">
+            <a:scrgbClr r="0" g="0" b="0"/>
+          </a:effectRef>
+          <a:fontRef idx="minor">
+            <a:schemeClr val="lt1"/>
+          </a:fontRef>
+        </p:style>
+        <p:txBody>
+          <a:bodyPr rtlCol="0" anchor="ctr"/>
+          <a:lstStyle/>
+          <a:p>
+            <a:pPr algn="ctr"/>
+            <a:r>
+              <a:rPr lang="en-GB" sz="1200" dirty="0"/>
+              <a:t>Instructions</a:t>
+            </a:r>
+          </a:p>
+        </p:txBody>
+      </p:sp>
+      <p:cxnSp>
+        <p:nvCxnSpPr>
+          <p:cNvPr id="200" name="Straight Arrow Connector 199">
+            <a:extLst>
+              <a:ext uri="{FF2B5EF4-FFF2-40B4-BE49-F238E27FC236}">
+                <a16:creationId xmlns:a16="http://schemas.microsoft.com/office/drawing/2014/main" id="{234C5FE9-3577-46FB-B3D1-0A18B56F995A}"/>
+              </a:ext>
+            </a:extLst>
+          </p:cNvPr>
+          <p:cNvCxnSpPr>
+            <a:cxnSpLocks/>
+            <a:stCxn id="82" idx="6"/>
+            <a:endCxn id="198" idx="1"/>
+          </p:cNvCxnSpPr>
+          <p:nvPr/>
+        </p:nvCxnSpPr>
+        <p:spPr>
+          <a:xfrm flipV="1">
+            <a:off x="4960562" y="2061972"/>
+            <a:ext cx="541913" cy="1314758"/>
+          </a:xfrm>
+          <a:prstGeom prst="straightConnector1">
+            <a:avLst/>
+          </a:prstGeom>
+          <a:ln>
+            <a:tailEnd type="triangle"/>
+          </a:ln>
+        </p:spPr>
+        <p:style>
+          <a:lnRef idx="1">
+            <a:schemeClr val="dk1"/>
+          </a:lnRef>
+          <a:fillRef idx="0">
+            <a:schemeClr val="dk1"/>
+          </a:fillRef>
+          <a:effectRef idx="0">
+            <a:schemeClr val="dk1"/>
+          </a:effectRef>
+          <a:fontRef idx="minor">
+            <a:schemeClr val="tx1"/>
+          </a:fontRef>
+        </p:style>
+      </p:cxnSp>
+    </p:spTree>
+    <p:extLst>
+      <p:ext uri="{BB962C8B-B14F-4D97-AF65-F5344CB8AC3E}">
+        <p14:creationId xmlns:p14="http://schemas.microsoft.com/office/powerpoint/2010/main" val="1531528421"/>
+      </p:ext>
+    </p:extLst>
+  </p:cSld>
+  <p:clrMapOvr>
+    <a:masterClrMapping/>
+  </p:clrMapOvr>
+</p:sld>
+</file>
+
+<file path=ppt/slides/slide11.xml><?xml version="1.0" encoding="utf-8"?>
+<p:sld xmlns:a="http://schemas.openxmlformats.org/drawingml/2006/main" xmlns:r="http://schemas.openxmlformats.org/officeDocument/2006/relationships" xmlns:p="http://schemas.openxmlformats.org/presentationml/2006/main">
+  <p:cSld>
+    <p:bg>
+      <p:bgPr>
+        <a:solidFill>
+          <a:schemeClr val="bg1">
+            <a:alpha val="0"/>
+          </a:schemeClr>
+        </a:solidFill>
+        <a:effectLst/>
+      </p:bgPr>
+    </p:bg>
+    <p:spTree>
+      <p:nvGrpSpPr>
+        <p:cNvPr id="1" name=""/>
+        <p:cNvGrpSpPr/>
+        <p:nvPr/>
+      </p:nvGrpSpPr>
+      <p:grpSpPr>
+        <a:xfrm>
+          <a:off x="0" y="0"/>
+          <a:ext cx="0" cy="0"/>
+          <a:chOff x="0" y="0"/>
+          <a:chExt cx="0" cy="0"/>
+        </a:xfrm>
+      </p:grpSpPr>
+      <p:sp>
+        <p:nvSpPr>
+          <p:cNvPr id="89" name="Rectangle 88">
+            <a:extLst>
+              <a:ext uri="{FF2B5EF4-FFF2-40B4-BE49-F238E27FC236}">
+                <a16:creationId xmlns:a16="http://schemas.microsoft.com/office/drawing/2014/main" id="{5F2A9C18-F74F-406D-AFBD-845FAA483F76}"/>
+              </a:ext>
+            </a:extLst>
+          </p:cNvPr>
+          <p:cNvSpPr/>
+          <p:nvPr/>
+        </p:nvSpPr>
+        <p:spPr>
+          <a:xfrm>
+            <a:off x="5398025" y="2869224"/>
+            <a:ext cx="1395950" cy="731153"/>
+          </a:xfrm>
+          <a:prstGeom prst="rect">
+            <a:avLst/>
+          </a:prstGeom>
+          <a:solidFill>
+            <a:schemeClr val="dk1">
+              <a:alpha val="50000"/>
+            </a:schemeClr>
+          </a:solidFill>
+          <a:ln>
+            <a:noFill/>
+          </a:ln>
+        </p:spPr>
+        <p:style>
+          <a:lnRef idx="0">
+            <a:scrgbClr r="0" g="0" b="0"/>
+          </a:lnRef>
+          <a:fillRef idx="0">
+            <a:scrgbClr r="0" g="0" b="0"/>
+          </a:fillRef>
+          <a:effectRef idx="0">
+            <a:scrgbClr r="0" g="0" b="0"/>
+          </a:effectRef>
+          <a:fontRef idx="minor">
+            <a:schemeClr val="lt1"/>
+          </a:fontRef>
+        </p:style>
+        <p:txBody>
+          <a:bodyPr rtlCol="0" anchor="ctr"/>
+          <a:lstStyle/>
+          <a:p>
+            <a:pPr algn="ctr"/>
+            <a:r>
+              <a:rPr lang="en-GB" sz="1200" dirty="0"/>
+              <a:t>Instructions Group</a:t>
+            </a:r>
+          </a:p>
+          <a:p>
+            <a:pPr algn="ctr"/>
+            <a:endParaRPr lang="en-GB" sz="1200" dirty="0"/>
+          </a:p>
+          <a:p>
+            <a:pPr algn="ctr"/>
+            <a:endParaRPr lang="en-GB" sz="1200" dirty="0"/>
+          </a:p>
+        </p:txBody>
+      </p:sp>
+      <p:sp>
+        <p:nvSpPr>
+          <p:cNvPr id="82" name="Oval 81">
+            <a:extLst>
+              <a:ext uri="{FF2B5EF4-FFF2-40B4-BE49-F238E27FC236}">
+                <a16:creationId xmlns:a16="http://schemas.microsoft.com/office/drawing/2014/main" id="{8C1E0B85-9855-46B0-BF00-DA0F406A3698}"/>
+              </a:ext>
+            </a:extLst>
+          </p:cNvPr>
+          <p:cNvSpPr/>
+          <p:nvPr/>
+        </p:nvSpPr>
+        <p:spPr>
+          <a:xfrm>
+            <a:off x="3790716" y="3153083"/>
+            <a:ext cx="1169846" cy="447294"/>
+          </a:xfrm>
+          <a:prstGeom prst="ellipse">
+            <a:avLst/>
+          </a:prstGeom>
+          <a:solidFill>
+            <a:schemeClr val="dk1">
+              <a:alpha val="50000"/>
+            </a:schemeClr>
+          </a:solidFill>
+          <a:ln>
+            <a:noFill/>
+          </a:ln>
+        </p:spPr>
+        <p:style>
+          <a:lnRef idx="0">
+            <a:scrgbClr r="0" g="0" b="0"/>
+          </a:lnRef>
+          <a:fillRef idx="0">
+            <a:scrgbClr r="0" g="0" b="0"/>
+          </a:fillRef>
+          <a:effectRef idx="0">
+            <a:scrgbClr r="0" g="0" b="0"/>
+          </a:effectRef>
+          <a:fontRef idx="minor">
+            <a:schemeClr val="lt1"/>
+          </a:fontRef>
+        </p:style>
+        <p:txBody>
+          <a:bodyPr rtlCol="0" anchor="ctr"/>
+          <a:lstStyle/>
+          <a:p>
+            <a:pPr algn="ctr"/>
+            <a:r>
+              <a:rPr lang="en-GB" sz="1200" dirty="0"/>
+              <a:t>Server</a:t>
+            </a:r>
+          </a:p>
+        </p:txBody>
+      </p:sp>
+      <p:sp>
+        <p:nvSpPr>
+          <p:cNvPr id="85" name="Rectangle 84">
+            <a:extLst>
+              <a:ext uri="{FF2B5EF4-FFF2-40B4-BE49-F238E27FC236}">
+                <a16:creationId xmlns:a16="http://schemas.microsoft.com/office/drawing/2014/main" id="{6B979E13-C137-4143-A0C8-7355854BA2A7}"/>
+              </a:ext>
+            </a:extLst>
+          </p:cNvPr>
+          <p:cNvSpPr/>
+          <p:nvPr/>
+        </p:nvSpPr>
+        <p:spPr>
+          <a:xfrm>
+            <a:off x="5502475" y="3234800"/>
+            <a:ext cx="1187049" cy="283860"/>
+          </a:xfrm>
+          <a:prstGeom prst="rect">
+            <a:avLst/>
+          </a:prstGeom>
+          <a:solidFill>
+            <a:schemeClr val="dk1">
+              <a:alpha val="50000"/>
+            </a:schemeClr>
+          </a:solidFill>
+          <a:ln>
+            <a:noFill/>
+          </a:ln>
+        </p:spPr>
+        <p:style>
+          <a:lnRef idx="0">
+            <a:scrgbClr r="0" g="0" b="0"/>
+          </a:lnRef>
+          <a:fillRef idx="0">
+            <a:scrgbClr r="0" g="0" b="0"/>
+          </a:fillRef>
+          <a:effectRef idx="0">
+            <a:scrgbClr r="0" g="0" b="0"/>
+          </a:effectRef>
+          <a:fontRef idx="minor">
+            <a:schemeClr val="lt1"/>
+          </a:fontRef>
+        </p:style>
+        <p:txBody>
+          <a:bodyPr rtlCol="0" anchor="ctr"/>
+          <a:lstStyle/>
+          <a:p>
+            <a:pPr algn="ctr"/>
+            <a:r>
+              <a:rPr lang="en-GB" sz="1200" dirty="0"/>
+              <a:t>Instructions</a:t>
+            </a:r>
+          </a:p>
+        </p:txBody>
+      </p:sp>
+      <p:cxnSp>
+        <p:nvCxnSpPr>
+          <p:cNvPr id="158" name="Straight Arrow Connector 157">
+            <a:extLst>
+              <a:ext uri="{FF2B5EF4-FFF2-40B4-BE49-F238E27FC236}">
+                <a16:creationId xmlns:a16="http://schemas.microsoft.com/office/drawing/2014/main" id="{D728E2B4-FE25-47DA-9793-94CBB8D351C8}"/>
+              </a:ext>
+            </a:extLst>
+          </p:cNvPr>
+          <p:cNvCxnSpPr>
+            <a:cxnSpLocks/>
+            <a:stCxn id="82" idx="6"/>
+            <a:endCxn id="85" idx="1"/>
+          </p:cNvCxnSpPr>
+          <p:nvPr/>
+        </p:nvCxnSpPr>
+        <p:spPr>
+          <a:xfrm>
+            <a:off x="4960562" y="3376730"/>
+            <a:ext cx="541914" cy="0"/>
+          </a:xfrm>
+          <a:prstGeom prst="straightConnector1">
+            <a:avLst/>
+          </a:prstGeom>
+          <a:ln>
+            <a:tailEnd type="triangle"/>
+          </a:ln>
+        </p:spPr>
+        <p:style>
+          <a:lnRef idx="1">
+            <a:schemeClr val="dk1"/>
+          </a:lnRef>
+          <a:fillRef idx="0">
+            <a:schemeClr val="dk1"/>
+          </a:fillRef>
+          <a:effectRef idx="0">
+            <a:schemeClr val="dk1"/>
+          </a:effectRef>
+          <a:fontRef idx="minor">
+            <a:schemeClr val="tx1"/>
+          </a:fontRef>
+        </p:style>
+      </p:cxnSp>
+      <p:sp>
+        <p:nvSpPr>
+          <p:cNvPr id="167" name="Oval 166">
+            <a:extLst>
+              <a:ext uri="{FF2B5EF4-FFF2-40B4-BE49-F238E27FC236}">
+                <a16:creationId xmlns:a16="http://schemas.microsoft.com/office/drawing/2014/main" id="{BC6E889E-5419-4F82-85A9-D40889E385A5}"/>
+              </a:ext>
+            </a:extLst>
+          </p:cNvPr>
+          <p:cNvSpPr/>
+          <p:nvPr/>
+        </p:nvSpPr>
+        <p:spPr>
+          <a:xfrm>
+            <a:off x="7231438" y="3153083"/>
+            <a:ext cx="1169846" cy="447294"/>
+          </a:xfrm>
+          <a:prstGeom prst="ellipse">
+            <a:avLst/>
+          </a:prstGeom>
+          <a:solidFill>
+            <a:schemeClr val="dk1">
+              <a:alpha val="50000"/>
+            </a:schemeClr>
+          </a:solidFill>
+          <a:ln>
+            <a:noFill/>
+          </a:ln>
+        </p:spPr>
+        <p:style>
+          <a:lnRef idx="0">
+            <a:scrgbClr r="0" g="0" b="0"/>
+          </a:lnRef>
+          <a:fillRef idx="0">
+            <a:scrgbClr r="0" g="0" b="0"/>
+          </a:fillRef>
+          <a:effectRef idx="0">
+            <a:scrgbClr r="0" g="0" b="0"/>
+          </a:effectRef>
+          <a:fontRef idx="minor">
+            <a:schemeClr val="lt1"/>
+          </a:fontRef>
+        </p:style>
+        <p:txBody>
+          <a:bodyPr rtlCol="0" anchor="ctr"/>
+          <a:lstStyle/>
+          <a:p>
+            <a:pPr algn="ctr"/>
+            <a:r>
+              <a:rPr lang="en-GB" sz="1200" dirty="0"/>
+              <a:t>Robot Handler</a:t>
+            </a:r>
+          </a:p>
+        </p:txBody>
+      </p:sp>
+      <p:sp>
+        <p:nvSpPr>
+          <p:cNvPr id="168" name="Oval 167">
+            <a:extLst>
+              <a:ext uri="{FF2B5EF4-FFF2-40B4-BE49-F238E27FC236}">
+                <a16:creationId xmlns:a16="http://schemas.microsoft.com/office/drawing/2014/main" id="{084EDA64-A2A4-4ED2-8068-7789C06C7EDE}"/>
+              </a:ext>
+            </a:extLst>
+          </p:cNvPr>
+          <p:cNvSpPr/>
+          <p:nvPr/>
+        </p:nvSpPr>
+        <p:spPr>
+          <a:xfrm>
+            <a:off x="10672160" y="3153083"/>
+            <a:ext cx="1169846" cy="447294"/>
+          </a:xfrm>
+          <a:prstGeom prst="ellipse">
+            <a:avLst/>
+          </a:prstGeom>
+          <a:solidFill>
+            <a:schemeClr val="dk1">
+              <a:alpha val="50000"/>
+            </a:schemeClr>
+          </a:solidFill>
+          <a:ln>
+            <a:noFill/>
+          </a:ln>
+        </p:spPr>
+        <p:style>
+          <a:lnRef idx="0">
+            <a:scrgbClr r="0" g="0" b="0"/>
+          </a:lnRef>
+          <a:fillRef idx="0">
+            <a:scrgbClr r="0" g="0" b="0"/>
+          </a:fillRef>
+          <a:effectRef idx="0">
+            <a:scrgbClr r="0" g="0" b="0"/>
+          </a:effectRef>
+          <a:fontRef idx="minor">
+            <a:schemeClr val="lt1"/>
+          </a:fontRef>
+        </p:style>
+        <p:txBody>
+          <a:bodyPr rtlCol="0" anchor="ctr"/>
+          <a:lstStyle/>
+          <a:p>
+            <a:pPr algn="ctr"/>
+            <a:r>
+              <a:rPr lang="en-GB" sz="1200" dirty="0"/>
+              <a:t>Robot</a:t>
+            </a:r>
+          </a:p>
+        </p:txBody>
+      </p:sp>
+      <p:sp>
+        <p:nvSpPr>
+          <p:cNvPr id="169" name="Rectangle 168">
+            <a:extLst>
+              <a:ext uri="{FF2B5EF4-FFF2-40B4-BE49-F238E27FC236}">
+                <a16:creationId xmlns:a16="http://schemas.microsoft.com/office/drawing/2014/main" id="{A4CD5C23-F47C-466A-8F1B-08B8521687C8}"/>
+              </a:ext>
+            </a:extLst>
+          </p:cNvPr>
+          <p:cNvSpPr/>
+          <p:nvPr/>
+        </p:nvSpPr>
+        <p:spPr>
+          <a:xfrm>
+            <a:off x="8943198" y="3234800"/>
+            <a:ext cx="1187049" cy="283860"/>
+          </a:xfrm>
+          <a:prstGeom prst="rect">
+            <a:avLst/>
+          </a:prstGeom>
+          <a:solidFill>
+            <a:schemeClr val="dk1">
+              <a:alpha val="50000"/>
+            </a:schemeClr>
+          </a:solidFill>
+          <a:ln>
+            <a:noFill/>
+          </a:ln>
+        </p:spPr>
+        <p:style>
+          <a:lnRef idx="0">
+            <a:scrgbClr r="0" g="0" b="0"/>
+          </a:lnRef>
+          <a:fillRef idx="0">
+            <a:scrgbClr r="0" g="0" b="0"/>
+          </a:fillRef>
+          <a:effectRef idx="0">
+            <a:scrgbClr r="0" g="0" b="0"/>
+          </a:effectRef>
+          <a:fontRef idx="minor">
+            <a:schemeClr val="lt1"/>
+          </a:fontRef>
+        </p:style>
+        <p:txBody>
+          <a:bodyPr rtlCol="0" anchor="ctr"/>
+          <a:lstStyle/>
+          <a:p>
+            <a:pPr algn="ctr"/>
+            <a:r>
+              <a:rPr lang="en-GB" sz="1200" dirty="0"/>
+              <a:t>Instructions</a:t>
+            </a:r>
+          </a:p>
+        </p:txBody>
+      </p:sp>
+      <p:cxnSp>
+        <p:nvCxnSpPr>
+          <p:cNvPr id="170" name="Straight Arrow Connector 169">
+            <a:extLst>
+              <a:ext uri="{FF2B5EF4-FFF2-40B4-BE49-F238E27FC236}">
+                <a16:creationId xmlns:a16="http://schemas.microsoft.com/office/drawing/2014/main" id="{C3BF5BBC-39AB-4FB6-A6E4-7109D84887AF}"/>
+              </a:ext>
+            </a:extLst>
+          </p:cNvPr>
+          <p:cNvCxnSpPr>
+            <a:cxnSpLocks/>
+            <a:stCxn id="167" idx="6"/>
+            <a:endCxn id="169" idx="1"/>
+          </p:cNvCxnSpPr>
+          <p:nvPr/>
+        </p:nvCxnSpPr>
+        <p:spPr>
+          <a:xfrm>
+            <a:off x="8401284" y="3376730"/>
+            <a:ext cx="541914" cy="0"/>
+          </a:xfrm>
+          <a:prstGeom prst="straightConnector1">
+            <a:avLst/>
+          </a:prstGeom>
+          <a:ln>
+            <a:tailEnd type="triangle"/>
+          </a:ln>
+        </p:spPr>
+        <p:style>
+          <a:lnRef idx="1">
+            <a:schemeClr val="dk1"/>
+          </a:lnRef>
+          <a:fillRef idx="0">
+            <a:schemeClr val="dk1"/>
+          </a:fillRef>
+          <a:effectRef idx="0">
+            <a:schemeClr val="dk1"/>
+          </a:effectRef>
+          <a:fontRef idx="minor">
+            <a:schemeClr val="tx1"/>
+          </a:fontRef>
+        </p:style>
+      </p:cxnSp>
+      <p:cxnSp>
+        <p:nvCxnSpPr>
+          <p:cNvPr id="171" name="Straight Arrow Connector 170">
+            <a:extLst>
+              <a:ext uri="{FF2B5EF4-FFF2-40B4-BE49-F238E27FC236}">
+                <a16:creationId xmlns:a16="http://schemas.microsoft.com/office/drawing/2014/main" id="{A0F8DE2E-28D4-474A-BC2D-7F308AEB0558}"/>
+              </a:ext>
+            </a:extLst>
+          </p:cNvPr>
+          <p:cNvCxnSpPr>
+            <a:cxnSpLocks/>
+            <a:stCxn id="169" idx="3"/>
+            <a:endCxn id="168" idx="2"/>
+          </p:cNvCxnSpPr>
+          <p:nvPr/>
+        </p:nvCxnSpPr>
+        <p:spPr>
+          <a:xfrm>
+            <a:off x="10130247" y="3376730"/>
+            <a:ext cx="541914" cy="0"/>
+          </a:xfrm>
+          <a:prstGeom prst="straightConnector1">
+            <a:avLst/>
+          </a:prstGeom>
+          <a:ln>
+            <a:tailEnd type="triangle"/>
+          </a:ln>
+        </p:spPr>
+        <p:style>
+          <a:lnRef idx="1">
+            <a:schemeClr val="dk1"/>
+          </a:lnRef>
+          <a:fillRef idx="0">
+            <a:schemeClr val="dk1"/>
+          </a:fillRef>
+          <a:effectRef idx="0">
+            <a:schemeClr val="dk1"/>
+          </a:effectRef>
+          <a:fontRef idx="minor">
+            <a:schemeClr val="tx1"/>
+          </a:fontRef>
+        </p:style>
+      </p:cxnSp>
+      <p:cxnSp>
+        <p:nvCxnSpPr>
+          <p:cNvPr id="174" name="Straight Arrow Connector 173">
+            <a:extLst>
+              <a:ext uri="{FF2B5EF4-FFF2-40B4-BE49-F238E27FC236}">
+                <a16:creationId xmlns:a16="http://schemas.microsoft.com/office/drawing/2014/main" id="{62F4E14C-0C9E-4465-A28E-E1B822898613}"/>
+              </a:ext>
+            </a:extLst>
+          </p:cNvPr>
+          <p:cNvCxnSpPr>
+            <a:cxnSpLocks/>
+            <a:stCxn id="85" idx="3"/>
+            <a:endCxn id="167" idx="2"/>
+          </p:cNvCxnSpPr>
+          <p:nvPr/>
+        </p:nvCxnSpPr>
+        <p:spPr>
+          <a:xfrm>
+            <a:off x="6689524" y="3376730"/>
+            <a:ext cx="541914" cy="0"/>
+          </a:xfrm>
+          <a:prstGeom prst="straightConnector1">
+            <a:avLst/>
+          </a:prstGeom>
+          <a:ln>
+            <a:tailEnd type="triangle"/>
+          </a:ln>
+        </p:spPr>
+        <p:style>
+          <a:lnRef idx="1">
+            <a:schemeClr val="dk1"/>
+          </a:lnRef>
+          <a:fillRef idx="0">
+            <a:schemeClr val="dk1"/>
+          </a:fillRef>
+          <a:effectRef idx="0">
+            <a:schemeClr val="dk1"/>
+          </a:effectRef>
+          <a:fontRef idx="minor">
+            <a:schemeClr val="tx1"/>
+          </a:fontRef>
+        </p:style>
+      </p:cxnSp>
+      <p:sp>
+        <p:nvSpPr>
+          <p:cNvPr id="181" name="Oval 180">
+            <a:extLst>
+              <a:ext uri="{FF2B5EF4-FFF2-40B4-BE49-F238E27FC236}">
+                <a16:creationId xmlns:a16="http://schemas.microsoft.com/office/drawing/2014/main" id="{462CACF7-7642-4643-B6A8-747233C0270A}"/>
+              </a:ext>
+            </a:extLst>
+          </p:cNvPr>
+          <p:cNvSpPr/>
+          <p:nvPr/>
+        </p:nvSpPr>
+        <p:spPr>
+          <a:xfrm>
+            <a:off x="349994" y="3153083"/>
+            <a:ext cx="1169846" cy="447294"/>
+          </a:xfrm>
+          <a:prstGeom prst="ellipse">
+            <a:avLst/>
+          </a:prstGeom>
+          <a:solidFill>
+            <a:schemeClr val="dk1">
+              <a:alpha val="50000"/>
+            </a:schemeClr>
+          </a:solidFill>
+          <a:ln>
+            <a:noFill/>
+          </a:ln>
+        </p:spPr>
+        <p:style>
+          <a:lnRef idx="0">
+            <a:scrgbClr r="0" g="0" b="0"/>
+          </a:lnRef>
+          <a:fillRef idx="0">
+            <a:scrgbClr r="0" g="0" b="0"/>
+          </a:fillRef>
+          <a:effectRef idx="0">
+            <a:scrgbClr r="0" g="0" b="0"/>
+          </a:effectRef>
+          <a:fontRef idx="minor">
+            <a:schemeClr val="lt1"/>
+          </a:fontRef>
+        </p:style>
+        <p:txBody>
+          <a:bodyPr rtlCol="0" anchor="ctr"/>
+          <a:lstStyle/>
+          <a:p>
+            <a:pPr algn="ctr"/>
+            <a:r>
+              <a:rPr lang="en-GB" sz="1200" dirty="0"/>
+              <a:t>Camera</a:t>
+            </a:r>
+          </a:p>
+        </p:txBody>
+      </p:sp>
+      <p:cxnSp>
+        <p:nvCxnSpPr>
+          <p:cNvPr id="182" name="Straight Arrow Connector 181">
+            <a:extLst>
+              <a:ext uri="{FF2B5EF4-FFF2-40B4-BE49-F238E27FC236}">
+                <a16:creationId xmlns:a16="http://schemas.microsoft.com/office/drawing/2014/main" id="{5708FF3C-6578-479A-A3BF-6371585A3DBB}"/>
+              </a:ext>
+            </a:extLst>
+          </p:cNvPr>
+          <p:cNvCxnSpPr>
+            <a:cxnSpLocks/>
+            <a:stCxn id="181" idx="5"/>
+            <a:endCxn id="187" idx="1"/>
+          </p:cNvCxnSpPr>
+          <p:nvPr/>
+        </p:nvCxnSpPr>
+        <p:spPr>
+          <a:xfrm>
+            <a:off x="1348520" y="3534872"/>
+            <a:ext cx="773446" cy="12192"/>
+          </a:xfrm>
+          <a:prstGeom prst="straightConnector1">
+            <a:avLst/>
+          </a:prstGeom>
+          <a:ln>
+            <a:tailEnd type="triangle"/>
+          </a:ln>
+        </p:spPr>
+        <p:style>
+          <a:lnRef idx="1">
+            <a:schemeClr val="dk1"/>
+          </a:lnRef>
+          <a:fillRef idx="0">
+            <a:schemeClr val="dk1"/>
+          </a:fillRef>
+          <a:effectRef idx="0">
+            <a:schemeClr val="dk1"/>
+          </a:effectRef>
+          <a:fontRef idx="minor">
+            <a:schemeClr val="tx1"/>
+          </a:fontRef>
+        </p:style>
+      </p:cxnSp>
+      <p:cxnSp>
+        <p:nvCxnSpPr>
+          <p:cNvPr id="183" name="Straight Arrow Connector 182">
+            <a:extLst>
+              <a:ext uri="{FF2B5EF4-FFF2-40B4-BE49-F238E27FC236}">
+                <a16:creationId xmlns:a16="http://schemas.microsoft.com/office/drawing/2014/main" id="{60C1D6D1-BFEC-4609-BAE8-4B63B5FBD4FB}"/>
+              </a:ext>
+            </a:extLst>
+          </p:cNvPr>
+          <p:cNvCxnSpPr>
+            <a:cxnSpLocks/>
+            <a:stCxn id="187" idx="3"/>
+            <a:endCxn id="82" idx="3"/>
+          </p:cNvCxnSpPr>
+          <p:nvPr/>
+        </p:nvCxnSpPr>
+        <p:spPr>
+          <a:xfrm flipV="1">
+            <a:off x="3309015" y="3534872"/>
+            <a:ext cx="653021" cy="12192"/>
+          </a:xfrm>
+          <a:prstGeom prst="straightConnector1">
+            <a:avLst/>
+          </a:prstGeom>
+          <a:ln>
+            <a:tailEnd type="triangle"/>
+          </a:ln>
+        </p:spPr>
+        <p:style>
+          <a:lnRef idx="1">
+            <a:schemeClr val="dk1"/>
+          </a:lnRef>
+          <a:fillRef idx="0">
+            <a:schemeClr val="dk1"/>
+          </a:fillRef>
+          <a:effectRef idx="0">
+            <a:schemeClr val="dk1"/>
+          </a:effectRef>
+          <a:fontRef idx="minor">
+            <a:schemeClr val="tx1"/>
+          </a:fontRef>
+        </p:style>
+      </p:cxnSp>
+      <p:cxnSp>
+        <p:nvCxnSpPr>
+          <p:cNvPr id="184" name="Straight Arrow Connector 183">
+            <a:extLst>
+              <a:ext uri="{FF2B5EF4-FFF2-40B4-BE49-F238E27FC236}">
+                <a16:creationId xmlns:a16="http://schemas.microsoft.com/office/drawing/2014/main" id="{EFA5BAD1-08C7-47E7-927F-0F7CEDA7EEC6}"/>
+              </a:ext>
+            </a:extLst>
+          </p:cNvPr>
+          <p:cNvCxnSpPr>
+            <a:cxnSpLocks/>
+            <a:stCxn id="82" idx="1"/>
+            <a:endCxn id="188" idx="3"/>
+          </p:cNvCxnSpPr>
+          <p:nvPr/>
+        </p:nvCxnSpPr>
+        <p:spPr>
+          <a:xfrm flipH="1" flipV="1">
+            <a:off x="3309015" y="3211593"/>
+            <a:ext cx="653021" cy="6995"/>
+          </a:xfrm>
+          <a:prstGeom prst="straightConnector1">
+            <a:avLst/>
+          </a:prstGeom>
+          <a:ln>
+            <a:tailEnd type="triangle"/>
+          </a:ln>
+        </p:spPr>
+        <p:style>
+          <a:lnRef idx="1">
+            <a:schemeClr val="dk1"/>
+          </a:lnRef>
+          <a:fillRef idx="0">
+            <a:schemeClr val="dk1"/>
+          </a:fillRef>
+          <a:effectRef idx="0">
+            <a:schemeClr val="dk1"/>
+          </a:effectRef>
+          <a:fontRef idx="minor">
+            <a:schemeClr val="tx1"/>
+          </a:fontRef>
+        </p:style>
+      </p:cxnSp>
+      <p:cxnSp>
+        <p:nvCxnSpPr>
+          <p:cNvPr id="185" name="Straight Arrow Connector 184">
+            <a:extLst>
+              <a:ext uri="{FF2B5EF4-FFF2-40B4-BE49-F238E27FC236}">
+                <a16:creationId xmlns:a16="http://schemas.microsoft.com/office/drawing/2014/main" id="{DAB31678-084E-4387-A11E-A8663FDAB2B1}"/>
+              </a:ext>
+            </a:extLst>
+          </p:cNvPr>
+          <p:cNvCxnSpPr>
+            <a:cxnSpLocks/>
+            <a:stCxn id="188" idx="1"/>
+            <a:endCxn id="181" idx="7"/>
+          </p:cNvCxnSpPr>
+          <p:nvPr/>
+        </p:nvCxnSpPr>
+        <p:spPr>
+          <a:xfrm flipH="1">
+            <a:off x="1348520" y="3211593"/>
+            <a:ext cx="773446" cy="6995"/>
+          </a:xfrm>
+          <a:prstGeom prst="straightConnector1">
+            <a:avLst/>
+          </a:prstGeom>
+          <a:ln>
+            <a:tailEnd type="triangle"/>
+          </a:ln>
+        </p:spPr>
+        <p:style>
+          <a:lnRef idx="1">
+            <a:schemeClr val="dk1"/>
+          </a:lnRef>
+          <a:fillRef idx="0">
+            <a:schemeClr val="dk1"/>
+          </a:fillRef>
+          <a:effectRef idx="0">
+            <a:schemeClr val="dk1"/>
+          </a:effectRef>
+          <a:fontRef idx="minor">
+            <a:schemeClr val="tx1"/>
+          </a:fontRef>
+        </p:style>
+      </p:cxnSp>
+      <p:sp>
+        <p:nvSpPr>
+          <p:cNvPr id="186" name="Rectangle 185">
+            <a:extLst>
+              <a:ext uri="{FF2B5EF4-FFF2-40B4-BE49-F238E27FC236}">
+                <a16:creationId xmlns:a16="http://schemas.microsoft.com/office/drawing/2014/main" id="{B8C805A2-781A-44BF-BC80-7B1EBDDAF6A2}"/>
+              </a:ext>
+            </a:extLst>
+          </p:cNvPr>
+          <p:cNvSpPr/>
+          <p:nvPr/>
+        </p:nvSpPr>
+        <p:spPr>
+          <a:xfrm>
+            <a:off x="2027081" y="2704087"/>
+            <a:ext cx="1395950" cy="1061426"/>
+          </a:xfrm>
+          <a:prstGeom prst="rect">
+            <a:avLst/>
+          </a:prstGeom>
+          <a:solidFill>
+            <a:schemeClr val="dk1">
+              <a:alpha val="50000"/>
+            </a:schemeClr>
+          </a:solidFill>
+          <a:ln>
+            <a:noFill/>
+          </a:ln>
+        </p:spPr>
+        <p:style>
+          <a:lnRef idx="0">
+            <a:scrgbClr r="0" g="0" b="0"/>
+          </a:lnRef>
+          <a:fillRef idx="0">
+            <a:scrgbClr r="0" g="0" b="0"/>
+          </a:fillRef>
+          <a:effectRef idx="0">
+            <a:scrgbClr r="0" g="0" b="0"/>
+          </a:effectRef>
+          <a:fontRef idx="minor">
+            <a:schemeClr val="lt1"/>
+          </a:fontRef>
+        </p:style>
+        <p:txBody>
+          <a:bodyPr rtlCol="0" anchor="ctr"/>
+          <a:lstStyle/>
+          <a:p>
+            <a:pPr algn="ctr"/>
+            <a:r>
+              <a:rPr lang="en-GB" sz="1200" dirty="0"/>
+              <a:t>Instructions Group</a:t>
+            </a:r>
+          </a:p>
+          <a:p>
+            <a:pPr algn="ctr"/>
+            <a:endParaRPr lang="en-GB" sz="1200" dirty="0"/>
+          </a:p>
+          <a:p>
+            <a:pPr algn="ctr"/>
+            <a:endParaRPr lang="en-GB" sz="1200" dirty="0"/>
+          </a:p>
+          <a:p>
+            <a:pPr algn="ctr"/>
+            <a:endParaRPr lang="en-GB" sz="1200" dirty="0"/>
+          </a:p>
+          <a:p>
+            <a:pPr algn="ctr"/>
+            <a:endParaRPr lang="en-GB" sz="1200" dirty="0"/>
+          </a:p>
+        </p:txBody>
+      </p:sp>
+      <p:sp>
+        <p:nvSpPr>
+          <p:cNvPr id="187" name="Rectangle 186">
+            <a:extLst>
+              <a:ext uri="{FF2B5EF4-FFF2-40B4-BE49-F238E27FC236}">
+                <a16:creationId xmlns:a16="http://schemas.microsoft.com/office/drawing/2014/main" id="{361D5F01-1FA1-4E72-9799-3C95858882C1}"/>
+              </a:ext>
+            </a:extLst>
+          </p:cNvPr>
+          <p:cNvSpPr/>
+          <p:nvPr/>
+        </p:nvSpPr>
+        <p:spPr>
+          <a:xfrm>
+            <a:off x="2121966" y="3405134"/>
+            <a:ext cx="1187049" cy="283860"/>
+          </a:xfrm>
+          <a:prstGeom prst="rect">
+            <a:avLst/>
+          </a:prstGeom>
+          <a:solidFill>
+            <a:schemeClr val="dk1">
+              <a:alpha val="50000"/>
+            </a:schemeClr>
+          </a:solidFill>
+          <a:ln>
+            <a:noFill/>
+          </a:ln>
+        </p:spPr>
+        <p:style>
+          <a:lnRef idx="0">
+            <a:scrgbClr r="0" g="0" b="0"/>
+          </a:lnRef>
+          <a:fillRef idx="0">
+            <a:scrgbClr r="0" g="0" b="0"/>
+          </a:fillRef>
+          <a:effectRef idx="0">
+            <a:scrgbClr r="0" g="0" b="0"/>
+          </a:effectRef>
+          <a:fontRef idx="minor">
+            <a:schemeClr val="lt1"/>
+          </a:fontRef>
+        </p:style>
+        <p:txBody>
+          <a:bodyPr rtlCol="0" anchor="ctr"/>
+          <a:lstStyle/>
+          <a:p>
+            <a:pPr algn="ctr"/>
+            <a:r>
+              <a:rPr lang="en-GB" sz="1200" dirty="0" err="1"/>
+              <a:t>ImageStore</a:t>
+            </a:r>
+            <a:endParaRPr lang="en-GB" sz="1200" dirty="0"/>
+          </a:p>
+        </p:txBody>
+      </p:sp>
+      <p:sp>
+        <p:nvSpPr>
+          <p:cNvPr id="188" name="Rectangle 187">
+            <a:extLst>
+              <a:ext uri="{FF2B5EF4-FFF2-40B4-BE49-F238E27FC236}">
+                <a16:creationId xmlns:a16="http://schemas.microsoft.com/office/drawing/2014/main" id="{830529C0-6E97-47EB-AFC9-6650E015D76B}"/>
+              </a:ext>
+            </a:extLst>
+          </p:cNvPr>
+          <p:cNvSpPr/>
+          <p:nvPr/>
+        </p:nvSpPr>
+        <p:spPr>
+          <a:xfrm>
+            <a:off x="2121966" y="3069663"/>
+            <a:ext cx="1187049" cy="283860"/>
+          </a:xfrm>
+          <a:prstGeom prst="rect">
+            <a:avLst/>
+          </a:prstGeom>
+          <a:solidFill>
+            <a:schemeClr val="dk1">
+              <a:alpha val="50000"/>
+            </a:schemeClr>
+          </a:solidFill>
+          <a:ln>
+            <a:noFill/>
+          </a:ln>
+        </p:spPr>
+        <p:style>
+          <a:lnRef idx="0">
+            <a:scrgbClr r="0" g="0" b="0"/>
+          </a:lnRef>
+          <a:fillRef idx="0">
+            <a:scrgbClr r="0" g="0" b="0"/>
+          </a:fillRef>
+          <a:effectRef idx="0">
+            <a:scrgbClr r="0" g="0" b="0"/>
+          </a:effectRef>
+          <a:fontRef idx="minor">
+            <a:schemeClr val="lt1"/>
+          </a:fontRef>
+        </p:style>
+        <p:txBody>
+          <a:bodyPr rtlCol="0" anchor="ctr"/>
+          <a:lstStyle/>
+          <a:p>
+            <a:pPr algn="ctr"/>
+            <a:r>
+              <a:rPr lang="en-GB" sz="1200" dirty="0"/>
+              <a:t>Snapshot</a:t>
+            </a:r>
+          </a:p>
+        </p:txBody>
+      </p:sp>
     </p:spTree>
     <p:extLst>
       <p:ext uri="{BB962C8B-B14F-4D97-AF65-F5344CB8AC3E}">
@@ -4999,7 +7213,7 @@
 </p:sld>
 </file>
 
-<file path=ppt/slides/slide11.xml><?xml version="1.0" encoding="utf-8"?>
+<file path=ppt/slides/slide12.xml><?xml version="1.0" encoding="utf-8"?>
 <p:sld xmlns:a="http://schemas.openxmlformats.org/drawingml/2006/main" xmlns:r="http://schemas.openxmlformats.org/officeDocument/2006/relationships" xmlns:p="http://schemas.openxmlformats.org/presentationml/2006/main">
   <p:cSld>
     <p:spTree>
@@ -5410,7 +7624,7 @@
 </p:sld>
 </file>
 
-<file path=ppt/slides/slide12.xml><?xml version="1.0" encoding="utf-8"?>
+<file path=ppt/slides/slide13.xml><?xml version="1.0" encoding="utf-8"?>
 <p:sld xmlns:a="http://schemas.openxmlformats.org/drawingml/2006/main" xmlns:r="http://schemas.openxmlformats.org/officeDocument/2006/relationships" xmlns:p="http://schemas.openxmlformats.org/presentationml/2006/main">
   <p:cSld>
     <p:spTree>
@@ -10106,7 +12320,9 @@
             <a:avLst/>
           </a:prstGeom>
           <a:solidFill>
-            <a:srgbClr val="FFFF00"/>
+            <a:schemeClr val="accent6">
+              <a:lumMod val="50000"/>
+            </a:schemeClr>
           </a:solidFill>
           <a:ln>
             <a:noFill/>
@@ -11424,7 +13640,9 @@
           </a:prstGeom>
           <a:ln w="76200">
             <a:solidFill>
-              <a:srgbClr val="FFFF00"/>
+              <a:schemeClr val="accent6">
+                <a:lumMod val="50000"/>
+              </a:schemeClr>
             </a:solidFill>
             <a:prstDash val="dash"/>
             <a:headEnd type="triangle"/>
@@ -11460,8 +13678,8 @@
         </p:nvSpPr>
         <p:spPr>
           <a:xfrm>
-            <a:off x="5688510" y="3547774"/>
-            <a:ext cx="1259278" cy="307777"/>
+            <a:off x="6024752" y="3547774"/>
+            <a:ext cx="923035" cy="307777"/>
           </a:xfrm>
           <a:prstGeom prst="rect">
             <a:avLst/>
@@ -11477,7 +13695,7 @@
             <a:pPr algn="r"/>
             <a:r>
               <a:rPr lang="en-GB" sz="1400" dirty="0"/>
-              <a:t>BG + Frame ►</a:t>
+              <a:t>Frame ►</a:t>
             </a:r>
           </a:p>
         </p:txBody>
@@ -12993,8 +15211,8 @@
         </p:nvSpPr>
         <p:spPr>
           <a:xfrm>
-            <a:off x="1705656" y="3547774"/>
-            <a:ext cx="1259278" cy="307777"/>
+            <a:off x="2081564" y="3547774"/>
+            <a:ext cx="883369" cy="307777"/>
           </a:xfrm>
           <a:prstGeom prst="rect">
             <a:avLst/>
@@ -13010,7 +15228,7 @@
             <a:pPr algn="r"/>
             <a:r>
               <a:rPr lang="en-GB" sz="1400" dirty="0"/>
-              <a:t>BG + Frame ►</a:t>
+              <a:t>Frame ►</a:t>
             </a:r>
           </a:p>
         </p:txBody>
@@ -13418,2183 +15636,3948 @@
           <a:chExt cx="0" cy="0"/>
         </a:xfrm>
       </p:grpSpPr>
-      <p:sp>
-        <p:nvSpPr>
-          <p:cNvPr id="89" name="Rectangle 88">
-            <a:extLst>
-              <a:ext uri="{FF2B5EF4-FFF2-40B4-BE49-F238E27FC236}">
-                <a16:creationId xmlns:a16="http://schemas.microsoft.com/office/drawing/2014/main" id="{5F2A9C18-F74F-406D-AFBD-845FAA483F76}"/>
-              </a:ext>
-            </a:extLst>
-          </p:cNvPr>
-          <p:cNvSpPr/>
-          <p:nvPr/>
-        </p:nvSpPr>
-        <p:spPr>
+      <p:grpSp>
+        <p:nvGrpSpPr>
+          <p:cNvPr id="5" name="Group 4">
+            <a:extLst>
+              <a:ext uri="{FF2B5EF4-FFF2-40B4-BE49-F238E27FC236}">
+                <a16:creationId xmlns:a16="http://schemas.microsoft.com/office/drawing/2014/main" id="{B35A414A-369C-4636-B225-EC0281A6C15C}"/>
+              </a:ext>
+            </a:extLst>
+          </p:cNvPr>
+          <p:cNvGrpSpPr/>
+          <p:nvPr/>
+        </p:nvGrpSpPr>
+        <p:grpSpPr>
           <a:xfrm>
-            <a:off x="5398025" y="3376730"/>
-            <a:ext cx="1395950" cy="731153"/>
-          </a:xfrm>
-          <a:prstGeom prst="rect">
-            <a:avLst/>
-          </a:prstGeom>
+            <a:off x="2460260" y="-8238"/>
+            <a:ext cx="7428624" cy="6866238"/>
+            <a:chOff x="2460260" y="-8238"/>
+            <a:chExt cx="7428624" cy="6866238"/>
+          </a:xfrm>
+        </p:grpSpPr>
+        <p:grpSp>
+          <p:nvGrpSpPr>
+            <p:cNvPr id="3" name="Group 2">
+              <a:extLst>
+                <a:ext uri="{FF2B5EF4-FFF2-40B4-BE49-F238E27FC236}">
+                  <a16:creationId xmlns:a16="http://schemas.microsoft.com/office/drawing/2014/main" id="{7BF3915C-C804-4644-B453-7C6FACFD6A55}"/>
+                </a:ext>
+              </a:extLst>
+            </p:cNvPr>
+            <p:cNvGrpSpPr/>
+            <p:nvPr/>
+          </p:nvGrpSpPr>
+          <p:grpSpPr>
+            <a:xfrm>
+              <a:off x="2460260" y="-8238"/>
+              <a:ext cx="3759554" cy="4820544"/>
+              <a:chOff x="2460260" y="-8238"/>
+              <a:chExt cx="3759554" cy="4820544"/>
+            </a:xfrm>
+          </p:grpSpPr>
+          <p:sp>
+            <p:nvSpPr>
+              <p:cNvPr id="84" name="Rectangle 83">
+                <a:extLst>
+                  <a:ext uri="{FF2B5EF4-FFF2-40B4-BE49-F238E27FC236}">
+                    <a16:creationId xmlns:a16="http://schemas.microsoft.com/office/drawing/2014/main" id="{10A04191-803C-4031-8F2F-6BD8A1B4A4D8}"/>
+                  </a:ext>
+                </a:extLst>
+              </p:cNvPr>
+              <p:cNvSpPr/>
+              <p:nvPr/>
+            </p:nvSpPr>
+            <p:spPr>
+              <a:xfrm rot="5400000">
+                <a:off x="3714018" y="3601901"/>
+                <a:ext cx="275537" cy="2145274"/>
+              </a:xfrm>
+              <a:prstGeom prst="rect">
+                <a:avLst/>
+              </a:prstGeom>
+              <a:solidFill>
+                <a:schemeClr val="accent6">
+                  <a:lumMod val="40000"/>
+                  <a:lumOff val="60000"/>
+                </a:schemeClr>
+              </a:solidFill>
+              <a:ln>
+                <a:noFill/>
+              </a:ln>
+            </p:spPr>
+            <p:style>
+              <a:lnRef idx="2">
+                <a:schemeClr val="accent1">
+                  <a:shade val="50000"/>
+                </a:schemeClr>
+              </a:lnRef>
+              <a:fillRef idx="1">
+                <a:schemeClr val="accent1"/>
+              </a:fillRef>
+              <a:effectRef idx="0">
+                <a:schemeClr val="accent1"/>
+              </a:effectRef>
+              <a:fontRef idx="minor">
+                <a:schemeClr val="lt1"/>
+              </a:fontRef>
+            </p:style>
+            <p:txBody>
+              <a:bodyPr rtlCol="0" anchor="ctr"/>
+              <a:lstStyle/>
+              <a:p>
+                <a:pPr algn="ctr"/>
+                <a:endParaRPr lang="en-GB" dirty="0"/>
+              </a:p>
+            </p:txBody>
+          </p:sp>
+          <p:sp>
+            <p:nvSpPr>
+              <p:cNvPr id="149" name="Rectangle 148">
+                <a:extLst>
+                  <a:ext uri="{FF2B5EF4-FFF2-40B4-BE49-F238E27FC236}">
+                    <a16:creationId xmlns:a16="http://schemas.microsoft.com/office/drawing/2014/main" id="{E67295A5-CD9B-42DF-A06B-173F8F469F8E}"/>
+                  </a:ext>
+                </a:extLst>
+              </p:cNvPr>
+              <p:cNvSpPr/>
+              <p:nvPr/>
+            </p:nvSpPr>
+            <p:spPr>
+              <a:xfrm>
+                <a:off x="2460260" y="-8238"/>
+                <a:ext cx="3759554" cy="4570016"/>
+              </a:xfrm>
+              <a:prstGeom prst="rect">
+                <a:avLst/>
+              </a:prstGeom>
+              <a:solidFill>
+                <a:schemeClr val="accent6">
+                  <a:lumMod val="40000"/>
+                  <a:lumOff val="60000"/>
+                </a:schemeClr>
+              </a:solidFill>
+              <a:ln>
+                <a:noFill/>
+              </a:ln>
+            </p:spPr>
+            <p:style>
+              <a:lnRef idx="2">
+                <a:schemeClr val="accent1">
+                  <a:shade val="50000"/>
+                </a:schemeClr>
+              </a:lnRef>
+              <a:fillRef idx="1">
+                <a:schemeClr val="accent1"/>
+              </a:fillRef>
+              <a:effectRef idx="0">
+                <a:schemeClr val="accent1"/>
+              </a:effectRef>
+              <a:fontRef idx="minor">
+                <a:schemeClr val="lt1"/>
+              </a:fontRef>
+            </p:style>
+            <p:txBody>
+              <a:bodyPr rtlCol="0" anchor="ctr"/>
+              <a:lstStyle/>
+              <a:p>
+                <a:pPr algn="ctr"/>
+                <a:endParaRPr lang="en-GB" dirty="0"/>
+              </a:p>
+            </p:txBody>
+          </p:sp>
+        </p:grpSp>
+        <p:grpSp>
+          <p:nvGrpSpPr>
+            <p:cNvPr id="105" name="Group 104"/>
+            <p:cNvGrpSpPr/>
+            <p:nvPr/>
+          </p:nvGrpSpPr>
+          <p:grpSpPr>
+            <a:xfrm>
+              <a:off x="6037818" y="-8238"/>
+              <a:ext cx="3851066" cy="6866238"/>
+              <a:chOff x="4185549" y="-8238"/>
+              <a:chExt cx="3851066" cy="6866238"/>
+            </a:xfrm>
+          </p:grpSpPr>
+          <p:sp>
+            <p:nvSpPr>
+              <p:cNvPr id="106" name="Rectangle 105"/>
+              <p:cNvSpPr/>
+              <p:nvPr/>
+            </p:nvSpPr>
+            <p:spPr>
+              <a:xfrm>
+                <a:off x="7681711" y="5259519"/>
+                <a:ext cx="354904" cy="1400060"/>
+              </a:xfrm>
+              <a:prstGeom prst="rect">
+                <a:avLst/>
+              </a:prstGeom>
+              <a:solidFill>
+                <a:schemeClr val="accent6">
+                  <a:lumMod val="40000"/>
+                  <a:lumOff val="60000"/>
+                </a:schemeClr>
+              </a:solidFill>
+              <a:ln>
+                <a:noFill/>
+              </a:ln>
+            </p:spPr>
+            <p:style>
+              <a:lnRef idx="2">
+                <a:schemeClr val="accent1">
+                  <a:shade val="50000"/>
+                </a:schemeClr>
+              </a:lnRef>
+              <a:fillRef idx="1">
+                <a:schemeClr val="accent1"/>
+              </a:fillRef>
+              <a:effectRef idx="0">
+                <a:schemeClr val="accent1"/>
+              </a:effectRef>
+              <a:fontRef idx="minor">
+                <a:schemeClr val="lt1"/>
+              </a:fontRef>
+            </p:style>
+            <p:txBody>
+              <a:bodyPr rtlCol="0" anchor="ctr"/>
+              <a:lstStyle/>
+              <a:p>
+                <a:pPr algn="ctr"/>
+                <a:endParaRPr lang="en-GB" dirty="0"/>
+              </a:p>
+            </p:txBody>
+          </p:sp>
+          <p:sp>
+            <p:nvSpPr>
+              <p:cNvPr id="107" name="Rectangle 106"/>
+              <p:cNvSpPr/>
+              <p:nvPr/>
+            </p:nvSpPr>
+            <p:spPr>
+              <a:xfrm>
+                <a:off x="4185549" y="-8238"/>
+                <a:ext cx="3496163" cy="6866238"/>
+              </a:xfrm>
+              <a:prstGeom prst="rect">
+                <a:avLst/>
+              </a:prstGeom>
+              <a:solidFill>
+                <a:schemeClr val="accent6">
+                  <a:lumMod val="40000"/>
+                  <a:lumOff val="60000"/>
+                </a:schemeClr>
+              </a:solidFill>
+              <a:ln>
+                <a:noFill/>
+              </a:ln>
+            </p:spPr>
+            <p:style>
+              <a:lnRef idx="2">
+                <a:schemeClr val="accent1">
+                  <a:shade val="50000"/>
+                </a:schemeClr>
+              </a:lnRef>
+              <a:fillRef idx="1">
+                <a:schemeClr val="accent1"/>
+              </a:fillRef>
+              <a:effectRef idx="0">
+                <a:schemeClr val="accent1"/>
+              </a:effectRef>
+              <a:fontRef idx="minor">
+                <a:schemeClr val="lt1"/>
+              </a:fontRef>
+            </p:style>
+            <p:txBody>
+              <a:bodyPr rtlCol="0" anchor="ctr"/>
+              <a:lstStyle/>
+              <a:p>
+                <a:pPr algn="ctr"/>
+                <a:endParaRPr lang="en-GB" dirty="0"/>
+              </a:p>
+            </p:txBody>
+          </p:sp>
+          <p:sp>
+            <p:nvSpPr>
+              <p:cNvPr id="108" name="Rectangle 107"/>
+              <p:cNvSpPr/>
+              <p:nvPr/>
+            </p:nvSpPr>
+            <p:spPr>
+              <a:xfrm>
+                <a:off x="7681711" y="2724851"/>
+                <a:ext cx="354904" cy="1400060"/>
+              </a:xfrm>
+              <a:prstGeom prst="rect">
+                <a:avLst/>
+              </a:prstGeom>
+              <a:solidFill>
+                <a:schemeClr val="accent6">
+                  <a:lumMod val="40000"/>
+                  <a:lumOff val="60000"/>
+                </a:schemeClr>
+              </a:solidFill>
+              <a:ln>
+                <a:noFill/>
+              </a:ln>
+            </p:spPr>
+            <p:style>
+              <a:lnRef idx="2">
+                <a:schemeClr val="accent1">
+                  <a:shade val="50000"/>
+                </a:schemeClr>
+              </a:lnRef>
+              <a:fillRef idx="1">
+                <a:schemeClr val="accent1"/>
+              </a:fillRef>
+              <a:effectRef idx="0">
+                <a:schemeClr val="accent1"/>
+              </a:effectRef>
+              <a:fontRef idx="minor">
+                <a:schemeClr val="lt1"/>
+              </a:fontRef>
+            </p:style>
+            <p:txBody>
+              <a:bodyPr rtlCol="0" anchor="ctr"/>
+              <a:lstStyle/>
+              <a:p>
+                <a:pPr algn="ctr"/>
+                <a:endParaRPr lang="en-GB" dirty="0"/>
+              </a:p>
+            </p:txBody>
+          </p:sp>
+        </p:grpSp>
+      </p:grpSp>
+      <p:grpSp>
+        <p:nvGrpSpPr>
+          <p:cNvPr id="80" name="Group 79">
+            <a:extLst>
+              <a:ext uri="{FF2B5EF4-FFF2-40B4-BE49-F238E27FC236}">
+                <a16:creationId xmlns:a16="http://schemas.microsoft.com/office/drawing/2014/main" id="{EDE0EF86-6B11-403B-931C-498DE9BDC6C2}"/>
+              </a:ext>
+            </a:extLst>
+          </p:cNvPr>
+          <p:cNvGrpSpPr/>
+          <p:nvPr/>
+        </p:nvGrpSpPr>
+        <p:grpSpPr>
+          <a:xfrm>
+            <a:off x="2106510" y="4812511"/>
+            <a:ext cx="3231363" cy="2039351"/>
+            <a:chOff x="4240110" y="2283980"/>
+            <a:chExt cx="3231363" cy="2039351"/>
+          </a:xfrm>
           <a:solidFill>
-            <a:schemeClr val="dk1">
-              <a:alpha val="50000"/>
+            <a:schemeClr val="bg2">
+              <a:lumMod val="75000"/>
             </a:schemeClr>
           </a:solidFill>
-          <a:ln>
-            <a:noFill/>
+        </p:grpSpPr>
+        <p:sp>
+          <p:nvSpPr>
+            <p:cNvPr id="81" name="Rectangle 80">
+              <a:extLst>
+                <a:ext uri="{FF2B5EF4-FFF2-40B4-BE49-F238E27FC236}">
+                  <a16:creationId xmlns:a16="http://schemas.microsoft.com/office/drawing/2014/main" id="{A3DDC1AA-2028-45A6-85FC-C54405C965C2}"/>
+                </a:ext>
+              </a:extLst>
+            </p:cNvPr>
+            <p:cNvSpPr/>
+            <p:nvPr/>
+          </p:nvSpPr>
+          <p:spPr>
+            <a:xfrm>
+              <a:off x="4593860" y="2526430"/>
+              <a:ext cx="2877613" cy="1796901"/>
+            </a:xfrm>
+            <a:prstGeom prst="rect">
+              <a:avLst/>
+            </a:prstGeom>
+            <a:grpFill/>
+            <a:ln>
+              <a:noFill/>
+            </a:ln>
+          </p:spPr>
+          <p:style>
+            <a:lnRef idx="2">
+              <a:schemeClr val="accent1">
+                <a:shade val="50000"/>
+              </a:schemeClr>
+            </a:lnRef>
+            <a:fillRef idx="1">
+              <a:schemeClr val="accent1"/>
+            </a:fillRef>
+            <a:effectRef idx="0">
+              <a:schemeClr val="accent1"/>
+            </a:effectRef>
+            <a:fontRef idx="minor">
+              <a:schemeClr val="lt1"/>
+            </a:fontRef>
+          </p:style>
+          <p:txBody>
+            <a:bodyPr rtlCol="0" anchor="ctr"/>
+            <a:lstStyle/>
+            <a:p>
+              <a:pPr algn="ctr"/>
+              <a:endParaRPr lang="en-GB" dirty="0"/>
+            </a:p>
+          </p:txBody>
+        </p:sp>
+        <p:sp>
+          <p:nvSpPr>
+            <p:cNvPr id="82" name="Rectangle 81">
+              <a:extLst>
+                <a:ext uri="{FF2B5EF4-FFF2-40B4-BE49-F238E27FC236}">
+                  <a16:creationId xmlns:a16="http://schemas.microsoft.com/office/drawing/2014/main" id="{7574A6C8-6A44-4465-9C78-F2707F6F69EB}"/>
+                </a:ext>
+              </a:extLst>
+            </p:cNvPr>
+            <p:cNvSpPr/>
+            <p:nvPr/>
+          </p:nvSpPr>
+          <p:spPr>
+            <a:xfrm rot="5400000">
+              <a:off x="5864163" y="1332568"/>
+              <a:ext cx="242449" cy="2145274"/>
+            </a:xfrm>
+            <a:prstGeom prst="rect">
+              <a:avLst/>
+            </a:prstGeom>
+            <a:grpFill/>
+            <a:ln>
+              <a:noFill/>
+            </a:ln>
+          </p:spPr>
+          <p:style>
+            <a:lnRef idx="2">
+              <a:schemeClr val="accent1">
+                <a:shade val="50000"/>
+              </a:schemeClr>
+            </a:lnRef>
+            <a:fillRef idx="1">
+              <a:schemeClr val="accent1"/>
+            </a:fillRef>
+            <a:effectRef idx="0">
+              <a:schemeClr val="accent1"/>
+            </a:effectRef>
+            <a:fontRef idx="minor">
+              <a:schemeClr val="lt1"/>
+            </a:fontRef>
+          </p:style>
+          <p:txBody>
+            <a:bodyPr rtlCol="0" anchor="ctr"/>
+            <a:lstStyle/>
+            <a:p>
+              <a:pPr algn="ctr"/>
+              <a:endParaRPr lang="en-GB" dirty="0"/>
+            </a:p>
+          </p:txBody>
+        </p:sp>
+        <p:sp>
+          <p:nvSpPr>
+            <p:cNvPr id="83" name="Rectangle 82">
+              <a:extLst>
+                <a:ext uri="{FF2B5EF4-FFF2-40B4-BE49-F238E27FC236}">
+                  <a16:creationId xmlns:a16="http://schemas.microsoft.com/office/drawing/2014/main" id="{47D3A6E4-D227-49EB-92E2-59BA1EA13159}"/>
+                </a:ext>
+              </a:extLst>
+            </p:cNvPr>
+            <p:cNvSpPr/>
+            <p:nvPr/>
+          </p:nvSpPr>
+          <p:spPr>
+            <a:xfrm>
+              <a:off x="4240110" y="2705977"/>
+              <a:ext cx="514553" cy="1400060"/>
+            </a:xfrm>
+            <a:prstGeom prst="rect">
+              <a:avLst/>
+            </a:prstGeom>
+            <a:grpFill/>
+            <a:ln>
+              <a:noFill/>
+            </a:ln>
+          </p:spPr>
+          <p:style>
+            <a:lnRef idx="2">
+              <a:schemeClr val="accent1">
+                <a:shade val="50000"/>
+              </a:schemeClr>
+            </a:lnRef>
+            <a:fillRef idx="1">
+              <a:schemeClr val="accent1"/>
+            </a:fillRef>
+            <a:effectRef idx="0">
+              <a:schemeClr val="accent1"/>
+            </a:effectRef>
+            <a:fontRef idx="minor">
+              <a:schemeClr val="lt1"/>
+            </a:fontRef>
+          </p:style>
+          <p:txBody>
+            <a:bodyPr rtlCol="0" anchor="ctr"/>
+            <a:lstStyle/>
+            <a:p>
+              <a:pPr algn="ctr"/>
+              <a:endParaRPr lang="en-GB" dirty="0"/>
+            </a:p>
+          </p:txBody>
+        </p:sp>
+      </p:grpSp>
+      <p:grpSp>
+        <p:nvGrpSpPr>
+          <p:cNvPr id="76" name="Group 75">
+            <a:extLst>
+              <a:ext uri="{FF2B5EF4-FFF2-40B4-BE49-F238E27FC236}">
+                <a16:creationId xmlns:a16="http://schemas.microsoft.com/office/drawing/2014/main" id="{3DD29CB8-778C-4A7E-B6DA-2B1742D265D8}"/>
+              </a:ext>
+            </a:extLst>
+          </p:cNvPr>
+          <p:cNvGrpSpPr/>
+          <p:nvPr/>
+        </p:nvGrpSpPr>
+        <p:grpSpPr>
+          <a:xfrm>
+            <a:off x="-1740895" y="2501419"/>
+            <a:ext cx="3850517" cy="4350802"/>
+            <a:chOff x="326660" y="-8238"/>
+            <a:chExt cx="3464445" cy="4350802"/>
+          </a:xfrm>
+        </p:grpSpPr>
+        <p:sp>
+          <p:nvSpPr>
+            <p:cNvPr id="77" name="Rectangle 76">
+              <a:extLst>
+                <a:ext uri="{FF2B5EF4-FFF2-40B4-BE49-F238E27FC236}">
+                  <a16:creationId xmlns:a16="http://schemas.microsoft.com/office/drawing/2014/main" id="{FF8ECF35-CF58-43D8-A03A-5FE8544A266B}"/>
+                </a:ext>
+              </a:extLst>
+            </p:cNvPr>
+            <p:cNvSpPr/>
+            <p:nvPr/>
+          </p:nvSpPr>
+          <p:spPr>
+            <a:xfrm>
+              <a:off x="955031" y="2027110"/>
+              <a:ext cx="2176064" cy="216319"/>
+            </a:xfrm>
+            <a:prstGeom prst="rect">
+              <a:avLst/>
+            </a:prstGeom>
+            <a:solidFill>
+              <a:schemeClr val="accent1">
+                <a:lumMod val="40000"/>
+                <a:lumOff val="60000"/>
+              </a:schemeClr>
+            </a:solidFill>
+            <a:ln>
+              <a:noFill/>
+            </a:ln>
+          </p:spPr>
+          <p:style>
+            <a:lnRef idx="2">
+              <a:schemeClr val="accent1">
+                <a:shade val="50000"/>
+              </a:schemeClr>
+            </a:lnRef>
+            <a:fillRef idx="1">
+              <a:schemeClr val="accent1"/>
+            </a:fillRef>
+            <a:effectRef idx="0">
+              <a:schemeClr val="accent1"/>
+            </a:effectRef>
+            <a:fontRef idx="minor">
+              <a:schemeClr val="lt1"/>
+            </a:fontRef>
+          </p:style>
+          <p:txBody>
+            <a:bodyPr rtlCol="0" anchor="ctr"/>
+            <a:lstStyle/>
+            <a:p>
+              <a:pPr algn="ctr"/>
+              <a:endParaRPr lang="en-GB" dirty="0"/>
+            </a:p>
+          </p:txBody>
+        </p:sp>
+        <p:sp>
+          <p:nvSpPr>
+            <p:cNvPr id="78" name="Rectangle 77">
+              <a:extLst>
+                <a:ext uri="{FF2B5EF4-FFF2-40B4-BE49-F238E27FC236}">
+                  <a16:creationId xmlns:a16="http://schemas.microsoft.com/office/drawing/2014/main" id="{FF8ECF35-CF58-43D8-A03A-5FE8544A266B}"/>
+                </a:ext>
+              </a:extLst>
+            </p:cNvPr>
+            <p:cNvSpPr/>
+            <p:nvPr/>
+          </p:nvSpPr>
+          <p:spPr>
+            <a:xfrm>
+              <a:off x="955031" y="2239535"/>
+              <a:ext cx="2176064" cy="206856"/>
+            </a:xfrm>
+            <a:prstGeom prst="rect">
+              <a:avLst/>
+            </a:prstGeom>
+            <a:solidFill>
+              <a:schemeClr val="accent1">
+                <a:lumMod val="40000"/>
+                <a:lumOff val="60000"/>
+              </a:schemeClr>
+            </a:solidFill>
+            <a:ln>
+              <a:noFill/>
+            </a:ln>
+          </p:spPr>
+          <p:style>
+            <a:lnRef idx="2">
+              <a:schemeClr val="accent1">
+                <a:shade val="50000"/>
+              </a:schemeClr>
+            </a:lnRef>
+            <a:fillRef idx="1">
+              <a:schemeClr val="accent1"/>
+            </a:fillRef>
+            <a:effectRef idx="0">
+              <a:schemeClr val="accent1"/>
+            </a:effectRef>
+            <a:fontRef idx="minor">
+              <a:schemeClr val="lt1"/>
+            </a:fontRef>
+          </p:style>
+          <p:txBody>
+            <a:bodyPr rtlCol="0" anchor="ctr"/>
+            <a:lstStyle/>
+            <a:p>
+              <a:pPr algn="ctr"/>
+              <a:endParaRPr lang="en-GB" dirty="0"/>
+            </a:p>
+          </p:txBody>
+        </p:sp>
+        <p:sp>
+          <p:nvSpPr>
+            <p:cNvPr id="96" name="Rectangle 95">
+              <a:extLst>
+                <a:ext uri="{FF2B5EF4-FFF2-40B4-BE49-F238E27FC236}">
+                  <a16:creationId xmlns:a16="http://schemas.microsoft.com/office/drawing/2014/main" id="{FF8ECF35-CF58-43D8-A03A-5FE8544A266B}"/>
+                </a:ext>
+              </a:extLst>
+            </p:cNvPr>
+            <p:cNvSpPr/>
+            <p:nvPr/>
+          </p:nvSpPr>
+          <p:spPr>
+            <a:xfrm>
+              <a:off x="326660" y="-8238"/>
+              <a:ext cx="3157359" cy="2035348"/>
+            </a:xfrm>
+            <a:prstGeom prst="rect">
+              <a:avLst/>
+            </a:prstGeom>
+            <a:solidFill>
+              <a:schemeClr val="accent1">
+                <a:lumMod val="40000"/>
+                <a:lumOff val="60000"/>
+              </a:schemeClr>
+            </a:solidFill>
+            <a:ln>
+              <a:noFill/>
+            </a:ln>
+          </p:spPr>
+          <p:style>
+            <a:lnRef idx="2">
+              <a:schemeClr val="accent1">
+                <a:shade val="50000"/>
+              </a:schemeClr>
+            </a:lnRef>
+            <a:fillRef idx="1">
+              <a:schemeClr val="accent1"/>
+            </a:fillRef>
+            <a:effectRef idx="0">
+              <a:schemeClr val="accent1"/>
+            </a:effectRef>
+            <a:fontRef idx="minor">
+              <a:schemeClr val="lt1"/>
+            </a:fontRef>
+          </p:style>
+          <p:txBody>
+            <a:bodyPr rtlCol="0" anchor="ctr"/>
+            <a:lstStyle/>
+            <a:p>
+              <a:pPr algn="ctr"/>
+              <a:endParaRPr lang="en-GB" dirty="0"/>
+            </a:p>
+          </p:txBody>
+        </p:sp>
+        <p:grpSp>
+          <p:nvGrpSpPr>
+            <p:cNvPr id="97" name="Group 96"/>
+            <p:cNvGrpSpPr/>
+            <p:nvPr/>
+          </p:nvGrpSpPr>
+          <p:grpSpPr>
+            <a:xfrm>
+              <a:off x="326660" y="2446281"/>
+              <a:ext cx="3464445" cy="1896283"/>
+              <a:chOff x="497171" y="2446281"/>
+              <a:chExt cx="3464445" cy="1896283"/>
+            </a:xfrm>
+          </p:grpSpPr>
+          <p:sp>
+            <p:nvSpPr>
+              <p:cNvPr id="98" name="Rectangle 97"/>
+              <p:cNvSpPr/>
+              <p:nvPr/>
+            </p:nvSpPr>
+            <p:spPr>
+              <a:xfrm>
+                <a:off x="497171" y="2446281"/>
+                <a:ext cx="3161916" cy="1896283"/>
+              </a:xfrm>
+              <a:prstGeom prst="rect">
+                <a:avLst/>
+              </a:prstGeom>
+              <a:solidFill>
+                <a:schemeClr val="accent1">
+                  <a:lumMod val="40000"/>
+                  <a:lumOff val="60000"/>
+                </a:schemeClr>
+              </a:solidFill>
+              <a:ln>
+                <a:noFill/>
+              </a:ln>
+            </p:spPr>
+            <p:style>
+              <a:lnRef idx="2">
+                <a:schemeClr val="accent1">
+                  <a:shade val="50000"/>
+                </a:schemeClr>
+              </a:lnRef>
+              <a:fillRef idx="1">
+                <a:schemeClr val="accent1"/>
+              </a:fillRef>
+              <a:effectRef idx="0">
+                <a:schemeClr val="accent1"/>
+              </a:effectRef>
+              <a:fontRef idx="minor">
+                <a:schemeClr val="lt1"/>
+              </a:fontRef>
+            </p:style>
+            <p:txBody>
+              <a:bodyPr rtlCol="0" anchor="ctr"/>
+              <a:lstStyle/>
+              <a:p>
+                <a:pPr algn="ctr"/>
+                <a:endParaRPr lang="en-GB" dirty="0"/>
+              </a:p>
+            </p:txBody>
+          </p:sp>
+          <p:sp>
+            <p:nvSpPr>
+              <p:cNvPr id="99" name="Rectangle 98"/>
+              <p:cNvSpPr/>
+              <p:nvPr/>
+            </p:nvSpPr>
+            <p:spPr>
+              <a:xfrm>
+                <a:off x="3659087" y="2724851"/>
+                <a:ext cx="302529" cy="1400060"/>
+              </a:xfrm>
+              <a:prstGeom prst="rect">
+                <a:avLst/>
+              </a:prstGeom>
+              <a:solidFill>
+                <a:schemeClr val="accent1">
+                  <a:lumMod val="40000"/>
+                  <a:lumOff val="60000"/>
+                </a:schemeClr>
+              </a:solidFill>
+              <a:ln>
+                <a:noFill/>
+              </a:ln>
+            </p:spPr>
+            <p:style>
+              <a:lnRef idx="2">
+                <a:schemeClr val="accent1">
+                  <a:shade val="50000"/>
+                </a:schemeClr>
+              </a:lnRef>
+              <a:fillRef idx="1">
+                <a:schemeClr val="accent1"/>
+              </a:fillRef>
+              <a:effectRef idx="0">
+                <a:schemeClr val="accent1"/>
+              </a:effectRef>
+              <a:fontRef idx="minor">
+                <a:schemeClr val="lt1"/>
+              </a:fontRef>
+            </p:style>
+            <p:txBody>
+              <a:bodyPr rtlCol="0" anchor="ctr"/>
+              <a:lstStyle/>
+              <a:p>
+                <a:pPr algn="ctr"/>
+                <a:endParaRPr lang="en-GB" dirty="0"/>
+              </a:p>
+            </p:txBody>
+          </p:sp>
+        </p:grpSp>
+      </p:grpSp>
+      <p:cxnSp>
+        <p:nvCxnSpPr>
+          <p:cNvPr id="11" name="Straight Arrow Connector 10">
+            <a:extLst>
+              <a:ext uri="{FF2B5EF4-FFF2-40B4-BE49-F238E27FC236}">
+                <a16:creationId xmlns:a16="http://schemas.microsoft.com/office/drawing/2014/main" id="{30AD2B9B-64B2-4F8A-8BA3-3D5BA859AC6B}"/>
+              </a:ext>
+            </a:extLst>
+          </p:cNvPr>
+          <p:cNvCxnSpPr>
+            <a:cxnSpLocks/>
+          </p:cNvCxnSpPr>
+          <p:nvPr/>
+        </p:nvCxnSpPr>
+        <p:spPr>
+          <a:xfrm>
+            <a:off x="-106723" y="3895411"/>
+            <a:ext cx="0" cy="1555001"/>
+          </a:xfrm>
+          <a:prstGeom prst="straightConnector1">
+            <a:avLst/>
+          </a:prstGeom>
+          <a:ln w="76200" cmpd="sng">
+            <a:solidFill>
+              <a:schemeClr val="accent6">
+                <a:lumMod val="50000"/>
+              </a:schemeClr>
+            </a:solidFill>
+            <a:prstDash val="sysDot"/>
+            <a:tailEnd type="triangle"/>
           </a:ln>
         </p:spPr>
         <p:style>
-          <a:lnRef idx="0">
-            <a:scrgbClr r="0" g="0" b="0"/>
+          <a:lnRef idx="1">
+            <a:schemeClr val="accent1"/>
           </a:lnRef>
           <a:fillRef idx="0">
-            <a:scrgbClr r="0" g="0" b="0"/>
+            <a:schemeClr val="accent1"/>
           </a:fillRef>
           <a:effectRef idx="0">
-            <a:scrgbClr r="0" g="0" b="0"/>
-          </a:effectRef>
-          <a:fontRef idx="minor">
-            <a:schemeClr val="lt1"/>
-          </a:fontRef>
-        </p:style>
-        <p:txBody>
-          <a:bodyPr rtlCol="0" anchor="ctr"/>
-          <a:lstStyle/>
-          <a:p>
-            <a:pPr algn="ctr"/>
-            <a:r>
-              <a:rPr lang="en-GB" sz="1200" dirty="0"/>
-              <a:t>Instructions Group</a:t>
-            </a:r>
-          </a:p>
-          <a:p>
-            <a:pPr algn="ctr"/>
-            <a:endParaRPr lang="en-GB" sz="1200" dirty="0"/>
-          </a:p>
-          <a:p>
-            <a:pPr algn="ctr"/>
-            <a:endParaRPr lang="en-GB" sz="1200" dirty="0"/>
-          </a:p>
-        </p:txBody>
-      </p:sp>
-      <p:sp>
-        <p:nvSpPr>
-          <p:cNvPr id="80" name="Oval 79">
-            <a:extLst>
-              <a:ext uri="{FF2B5EF4-FFF2-40B4-BE49-F238E27FC236}">
-                <a16:creationId xmlns:a16="http://schemas.microsoft.com/office/drawing/2014/main" id="{E3C40A09-2385-4E23-AAEF-1554A8C96461}"/>
-              </a:ext>
-            </a:extLst>
-          </p:cNvPr>
-          <p:cNvSpPr/>
-          <p:nvPr/>
-        </p:nvSpPr>
-        <p:spPr>
-          <a:xfrm>
-            <a:off x="349994" y="4330538"/>
-            <a:ext cx="1169846" cy="447294"/>
-          </a:xfrm>
-          <a:prstGeom prst="ellipse">
-            <a:avLst/>
-          </a:prstGeom>
-          <a:solidFill>
-            <a:schemeClr val="dk1">
-              <a:alpha val="50000"/>
-            </a:schemeClr>
-          </a:solidFill>
-          <a:ln>
-            <a:noFill/>
-          </a:ln>
-        </p:spPr>
-        <p:style>
-          <a:lnRef idx="0">
-            <a:scrgbClr r="0" g="0" b="0"/>
-          </a:lnRef>
-          <a:fillRef idx="0">
-            <a:scrgbClr r="0" g="0" b="0"/>
-          </a:fillRef>
-          <a:effectRef idx="0">
-            <a:scrgbClr r="0" g="0" b="0"/>
-          </a:effectRef>
-          <a:fontRef idx="minor">
-            <a:schemeClr val="lt1"/>
-          </a:fontRef>
-        </p:style>
-        <p:txBody>
-          <a:bodyPr rtlCol="0" anchor="ctr"/>
-          <a:lstStyle/>
-          <a:p>
-            <a:pPr algn="ctr"/>
-            <a:r>
-              <a:rPr lang="en-GB" sz="1200" dirty="0"/>
-              <a:t>Camera</a:t>
-            </a:r>
-          </a:p>
-        </p:txBody>
-      </p:sp>
-      <p:sp>
-        <p:nvSpPr>
-          <p:cNvPr id="81" name="Oval 80">
-            <a:extLst>
-              <a:ext uri="{FF2B5EF4-FFF2-40B4-BE49-F238E27FC236}">
-                <a16:creationId xmlns:a16="http://schemas.microsoft.com/office/drawing/2014/main" id="{33AFE0B4-2681-4929-AA81-57093572C4E7}"/>
-              </a:ext>
-            </a:extLst>
-          </p:cNvPr>
-          <p:cNvSpPr/>
-          <p:nvPr/>
-        </p:nvSpPr>
-        <p:spPr>
-          <a:xfrm>
-            <a:off x="7231438" y="3664891"/>
-            <a:ext cx="1169846" cy="447294"/>
-          </a:xfrm>
-          <a:prstGeom prst="ellipse">
-            <a:avLst/>
-          </a:prstGeom>
-          <a:solidFill>
-            <a:schemeClr val="dk1">
-              <a:alpha val="50000"/>
-            </a:schemeClr>
-          </a:solidFill>
-          <a:ln>
-            <a:noFill/>
-          </a:ln>
-        </p:spPr>
-        <p:style>
-          <a:lnRef idx="0">
-            <a:scrgbClr r="0" g="0" b="0"/>
-          </a:lnRef>
-          <a:fillRef idx="0">
-            <a:scrgbClr r="0" g="0" b="0"/>
-          </a:fillRef>
-          <a:effectRef idx="0">
-            <a:scrgbClr r="0" g="0" b="0"/>
-          </a:effectRef>
-          <a:fontRef idx="minor">
-            <a:schemeClr val="lt1"/>
-          </a:fontRef>
-        </p:style>
-        <p:txBody>
-          <a:bodyPr rtlCol="0" anchor="ctr"/>
-          <a:lstStyle/>
-          <a:p>
-            <a:pPr algn="ctr"/>
-            <a:r>
-              <a:rPr lang="en-GB" sz="1200" dirty="0"/>
-              <a:t>Robot Handler 2</a:t>
-            </a:r>
-          </a:p>
-        </p:txBody>
-      </p:sp>
-      <p:sp>
-        <p:nvSpPr>
-          <p:cNvPr id="82" name="Oval 81">
-            <a:extLst>
-              <a:ext uri="{FF2B5EF4-FFF2-40B4-BE49-F238E27FC236}">
-                <a16:creationId xmlns:a16="http://schemas.microsoft.com/office/drawing/2014/main" id="{8C1E0B85-9855-46B0-BF00-DA0F406A3698}"/>
-              </a:ext>
-            </a:extLst>
-          </p:cNvPr>
-          <p:cNvSpPr/>
-          <p:nvPr/>
-        </p:nvSpPr>
-        <p:spPr>
-          <a:xfrm>
-            <a:off x="3790716" y="3153083"/>
-            <a:ext cx="1169846" cy="447294"/>
-          </a:xfrm>
-          <a:prstGeom prst="ellipse">
-            <a:avLst/>
-          </a:prstGeom>
-          <a:solidFill>
-            <a:schemeClr val="dk1">
-              <a:alpha val="50000"/>
-            </a:schemeClr>
-          </a:solidFill>
-          <a:ln>
-            <a:noFill/>
-          </a:ln>
-        </p:spPr>
-        <p:style>
-          <a:lnRef idx="0">
-            <a:scrgbClr r="0" g="0" b="0"/>
-          </a:lnRef>
-          <a:fillRef idx="0">
-            <a:scrgbClr r="0" g="0" b="0"/>
-          </a:fillRef>
-          <a:effectRef idx="0">
-            <a:scrgbClr r="0" g="0" b="0"/>
-          </a:effectRef>
-          <a:fontRef idx="minor">
-            <a:schemeClr val="lt1"/>
-          </a:fontRef>
-        </p:style>
-        <p:txBody>
-          <a:bodyPr rtlCol="0" anchor="ctr"/>
-          <a:lstStyle/>
-          <a:p>
-            <a:pPr algn="ctr"/>
-            <a:r>
-              <a:rPr lang="en-GB" sz="1200" dirty="0"/>
-              <a:t>Server</a:t>
-            </a:r>
-          </a:p>
-        </p:txBody>
-      </p:sp>
-      <p:sp>
-        <p:nvSpPr>
-          <p:cNvPr id="85" name="Rectangle 84">
-            <a:extLst>
-              <a:ext uri="{FF2B5EF4-FFF2-40B4-BE49-F238E27FC236}">
-                <a16:creationId xmlns:a16="http://schemas.microsoft.com/office/drawing/2014/main" id="{6B979E13-C137-4143-A0C8-7355854BA2A7}"/>
-              </a:ext>
-            </a:extLst>
-          </p:cNvPr>
-          <p:cNvSpPr/>
-          <p:nvPr/>
-        </p:nvSpPr>
-        <p:spPr>
-          <a:xfrm>
-            <a:off x="5502475" y="3742306"/>
-            <a:ext cx="1187049" cy="283860"/>
-          </a:xfrm>
-          <a:prstGeom prst="rect">
-            <a:avLst/>
-          </a:prstGeom>
-          <a:solidFill>
-            <a:schemeClr val="dk1">
-              <a:alpha val="50000"/>
-            </a:schemeClr>
-          </a:solidFill>
-          <a:ln>
-            <a:noFill/>
-          </a:ln>
-        </p:spPr>
-        <p:style>
-          <a:lnRef idx="0">
-            <a:scrgbClr r="0" g="0" b="0"/>
-          </a:lnRef>
-          <a:fillRef idx="0">
-            <a:scrgbClr r="0" g="0" b="0"/>
-          </a:fillRef>
-          <a:effectRef idx="0">
-            <a:scrgbClr r="0" g="0" b="0"/>
-          </a:effectRef>
-          <a:fontRef idx="minor">
-            <a:schemeClr val="lt1"/>
-          </a:fontRef>
-        </p:style>
-        <p:txBody>
-          <a:bodyPr rtlCol="0" anchor="ctr"/>
-          <a:lstStyle/>
-          <a:p>
-            <a:pPr algn="ctr"/>
-            <a:r>
-              <a:rPr lang="en-GB" sz="1200" dirty="0"/>
-              <a:t>Instructions</a:t>
-            </a:r>
-          </a:p>
-        </p:txBody>
-      </p:sp>
-      <p:sp>
-        <p:nvSpPr>
-          <p:cNvPr id="86" name="Oval 85">
-            <a:extLst>
-              <a:ext uri="{FF2B5EF4-FFF2-40B4-BE49-F238E27FC236}">
-                <a16:creationId xmlns:a16="http://schemas.microsoft.com/office/drawing/2014/main" id="{A0B5E334-81E5-4483-A5DC-4D8AC8D134D0}"/>
-              </a:ext>
-            </a:extLst>
-          </p:cNvPr>
-          <p:cNvSpPr/>
-          <p:nvPr/>
-        </p:nvSpPr>
-        <p:spPr>
-          <a:xfrm>
-            <a:off x="10672160" y="3664891"/>
-            <a:ext cx="1169846" cy="447294"/>
-          </a:xfrm>
-          <a:prstGeom prst="ellipse">
-            <a:avLst/>
-          </a:prstGeom>
-          <a:solidFill>
-            <a:schemeClr val="dk1">
-              <a:alpha val="50000"/>
-            </a:schemeClr>
-          </a:solidFill>
-          <a:ln>
-            <a:noFill/>
-          </a:ln>
-        </p:spPr>
-        <p:style>
-          <a:lnRef idx="0">
-            <a:scrgbClr r="0" g="0" b="0"/>
-          </a:lnRef>
-          <a:fillRef idx="0">
-            <a:scrgbClr r="0" g="0" b="0"/>
-          </a:fillRef>
-          <a:effectRef idx="0">
-            <a:scrgbClr r="0" g="0" b="0"/>
-          </a:effectRef>
-          <a:fontRef idx="minor">
-            <a:schemeClr val="lt1"/>
-          </a:fontRef>
-        </p:style>
-        <p:txBody>
-          <a:bodyPr rtlCol="0" anchor="ctr"/>
-          <a:lstStyle/>
-          <a:p>
-            <a:pPr algn="ctr"/>
-            <a:r>
-              <a:rPr lang="en-GB" sz="1200" dirty="0"/>
-              <a:t>Robot 2-B</a:t>
-            </a:r>
-          </a:p>
-        </p:txBody>
-      </p:sp>
-      <p:sp>
-        <p:nvSpPr>
-          <p:cNvPr id="88" name="Rectangle 87">
-            <a:extLst>
-              <a:ext uri="{FF2B5EF4-FFF2-40B4-BE49-F238E27FC236}">
-                <a16:creationId xmlns:a16="http://schemas.microsoft.com/office/drawing/2014/main" id="{5B27A360-D850-40D1-B5EB-8AFA9A7872B8}"/>
-              </a:ext>
-            </a:extLst>
-          </p:cNvPr>
-          <p:cNvSpPr/>
-          <p:nvPr/>
-        </p:nvSpPr>
-        <p:spPr>
-          <a:xfrm>
-            <a:off x="8943198" y="3746608"/>
-            <a:ext cx="1187049" cy="283860"/>
-          </a:xfrm>
-          <a:prstGeom prst="rect">
-            <a:avLst/>
-          </a:prstGeom>
-          <a:solidFill>
-            <a:schemeClr val="dk1">
-              <a:alpha val="50000"/>
-            </a:schemeClr>
-          </a:solidFill>
-          <a:ln>
-            <a:noFill/>
-          </a:ln>
-        </p:spPr>
-        <p:style>
-          <a:lnRef idx="0">
-            <a:scrgbClr r="0" g="0" b="0"/>
-          </a:lnRef>
-          <a:fillRef idx="0">
-            <a:scrgbClr r="0" g="0" b="0"/>
-          </a:fillRef>
-          <a:effectRef idx="0">
-            <a:scrgbClr r="0" g="0" b="0"/>
-          </a:effectRef>
-          <a:fontRef idx="minor">
-            <a:schemeClr val="lt1"/>
-          </a:fontRef>
-        </p:style>
-        <p:txBody>
-          <a:bodyPr rtlCol="0" anchor="ctr"/>
-          <a:lstStyle/>
-          <a:p>
-            <a:pPr algn="ctr"/>
-            <a:r>
-              <a:rPr lang="en-GB" sz="1200" dirty="0"/>
-              <a:t>Instructions</a:t>
-            </a:r>
-          </a:p>
-        </p:txBody>
-      </p:sp>
-      <p:sp>
-        <p:nvSpPr>
-          <p:cNvPr id="91" name="Oval 90">
-            <a:extLst>
-              <a:ext uri="{FF2B5EF4-FFF2-40B4-BE49-F238E27FC236}">
-                <a16:creationId xmlns:a16="http://schemas.microsoft.com/office/drawing/2014/main" id="{5A2CD1E4-4B9A-471C-A321-A79078ADE513}"/>
-              </a:ext>
-            </a:extLst>
-          </p:cNvPr>
-          <p:cNvSpPr/>
-          <p:nvPr/>
-        </p:nvSpPr>
-        <p:spPr>
-          <a:xfrm>
-            <a:off x="10672160" y="2757400"/>
-            <a:ext cx="1169846" cy="447294"/>
-          </a:xfrm>
-          <a:prstGeom prst="ellipse">
-            <a:avLst/>
-          </a:prstGeom>
-          <a:solidFill>
-            <a:schemeClr val="dk1">
-              <a:alpha val="50000"/>
-            </a:schemeClr>
-          </a:solidFill>
-          <a:ln>
-            <a:noFill/>
-          </a:ln>
-        </p:spPr>
-        <p:style>
-          <a:lnRef idx="0">
-            <a:scrgbClr r="0" g="0" b="0"/>
-          </a:lnRef>
-          <a:fillRef idx="0">
-            <a:scrgbClr r="0" g="0" b="0"/>
-          </a:fillRef>
-          <a:effectRef idx="0">
-            <a:scrgbClr r="0" g="0" b="0"/>
-          </a:effectRef>
-          <a:fontRef idx="minor">
-            <a:schemeClr val="lt1"/>
-          </a:fontRef>
-        </p:style>
-        <p:txBody>
-          <a:bodyPr rtlCol="0" anchor="ctr"/>
-          <a:lstStyle/>
-          <a:p>
-            <a:pPr algn="ctr"/>
-            <a:r>
-              <a:rPr lang="en-GB" sz="1200" dirty="0"/>
-              <a:t>Robot 2-A</a:t>
-            </a:r>
-          </a:p>
-        </p:txBody>
-      </p:sp>
-      <p:sp>
-        <p:nvSpPr>
-          <p:cNvPr id="150" name="Rectangle 149">
-            <a:extLst>
-              <a:ext uri="{FF2B5EF4-FFF2-40B4-BE49-F238E27FC236}">
-                <a16:creationId xmlns:a16="http://schemas.microsoft.com/office/drawing/2014/main" id="{A6C014E7-5DFF-466D-8A8C-661922517543}"/>
-              </a:ext>
-            </a:extLst>
-          </p:cNvPr>
-          <p:cNvSpPr/>
-          <p:nvPr/>
-        </p:nvSpPr>
-        <p:spPr>
-          <a:xfrm>
-            <a:off x="8943198" y="2839117"/>
-            <a:ext cx="1187049" cy="283860"/>
-          </a:xfrm>
-          <a:prstGeom prst="rect">
-            <a:avLst/>
-          </a:prstGeom>
-          <a:solidFill>
-            <a:schemeClr val="dk1">
-              <a:alpha val="50000"/>
-            </a:schemeClr>
-          </a:solidFill>
-          <a:ln>
-            <a:noFill/>
-          </a:ln>
-        </p:spPr>
-        <p:style>
-          <a:lnRef idx="0">
-            <a:scrgbClr r="0" g="0" b="0"/>
-          </a:lnRef>
-          <a:fillRef idx="0">
-            <a:scrgbClr r="0" g="0" b="0"/>
-          </a:fillRef>
-          <a:effectRef idx="0">
-            <a:scrgbClr r="0" g="0" b="0"/>
-          </a:effectRef>
-          <a:fontRef idx="minor">
-            <a:schemeClr val="lt1"/>
-          </a:fontRef>
-        </p:style>
-        <p:txBody>
-          <a:bodyPr rtlCol="0" anchor="ctr"/>
-          <a:lstStyle/>
-          <a:p>
-            <a:pPr algn="ctr"/>
-            <a:r>
-              <a:rPr lang="en-GB" sz="1200" dirty="0"/>
-              <a:t>Instructions</a:t>
-            </a:r>
-          </a:p>
-        </p:txBody>
-      </p:sp>
-      <p:sp>
-        <p:nvSpPr>
-          <p:cNvPr id="151" name="Oval 150">
-            <a:extLst>
-              <a:ext uri="{FF2B5EF4-FFF2-40B4-BE49-F238E27FC236}">
-                <a16:creationId xmlns:a16="http://schemas.microsoft.com/office/drawing/2014/main" id="{4DE0C6C8-0688-494E-9AC2-F9F13ACEC5AF}"/>
-              </a:ext>
-            </a:extLst>
-          </p:cNvPr>
-          <p:cNvSpPr/>
-          <p:nvPr/>
-        </p:nvSpPr>
-        <p:spPr>
-          <a:xfrm>
-            <a:off x="10672160" y="4572381"/>
-            <a:ext cx="1169846" cy="447294"/>
-          </a:xfrm>
-          <a:prstGeom prst="ellipse">
-            <a:avLst/>
-          </a:prstGeom>
-          <a:solidFill>
-            <a:schemeClr val="dk1">
-              <a:alpha val="50000"/>
-            </a:schemeClr>
-          </a:solidFill>
-          <a:ln>
-            <a:noFill/>
-          </a:ln>
-        </p:spPr>
-        <p:style>
-          <a:lnRef idx="0">
-            <a:scrgbClr r="0" g="0" b="0"/>
-          </a:lnRef>
-          <a:fillRef idx="0">
-            <a:scrgbClr r="0" g="0" b="0"/>
-          </a:fillRef>
-          <a:effectRef idx="0">
-            <a:scrgbClr r="0" g="0" b="0"/>
-          </a:effectRef>
-          <a:fontRef idx="minor">
-            <a:schemeClr val="lt1"/>
-          </a:fontRef>
-        </p:style>
-        <p:txBody>
-          <a:bodyPr rtlCol="0" anchor="ctr"/>
-          <a:lstStyle/>
-          <a:p>
-            <a:pPr algn="ctr"/>
-            <a:r>
-              <a:rPr lang="en-GB" sz="1200" dirty="0"/>
-              <a:t>Robot 2-C</a:t>
-            </a:r>
-          </a:p>
-        </p:txBody>
-      </p:sp>
-      <p:sp>
-        <p:nvSpPr>
-          <p:cNvPr id="152" name="Rectangle 151">
-            <a:extLst>
-              <a:ext uri="{FF2B5EF4-FFF2-40B4-BE49-F238E27FC236}">
-                <a16:creationId xmlns:a16="http://schemas.microsoft.com/office/drawing/2014/main" id="{C222B1E4-9889-434E-9439-0CE1060D0372}"/>
-              </a:ext>
-            </a:extLst>
-          </p:cNvPr>
-          <p:cNvSpPr/>
-          <p:nvPr/>
-        </p:nvSpPr>
-        <p:spPr>
-          <a:xfrm>
-            <a:off x="8943198" y="4654098"/>
-            <a:ext cx="1187049" cy="283860"/>
-          </a:xfrm>
-          <a:prstGeom prst="rect">
-            <a:avLst/>
-          </a:prstGeom>
-          <a:solidFill>
-            <a:schemeClr val="dk1">
-              <a:alpha val="50000"/>
-            </a:schemeClr>
-          </a:solidFill>
-          <a:ln>
-            <a:noFill/>
-          </a:ln>
-        </p:spPr>
-        <p:style>
-          <a:lnRef idx="0">
-            <a:scrgbClr r="0" g="0" b="0"/>
-          </a:lnRef>
-          <a:fillRef idx="0">
-            <a:scrgbClr r="0" g="0" b="0"/>
-          </a:fillRef>
-          <a:effectRef idx="0">
-            <a:scrgbClr r="0" g="0" b="0"/>
-          </a:effectRef>
-          <a:fontRef idx="minor">
-            <a:schemeClr val="lt1"/>
-          </a:fontRef>
-        </p:style>
-        <p:txBody>
-          <a:bodyPr rtlCol="0" anchor="ctr"/>
-          <a:lstStyle/>
-          <a:p>
-            <a:pPr algn="ctr"/>
-            <a:r>
-              <a:rPr lang="en-GB" sz="1200" dirty="0"/>
-              <a:t>Instructions</a:t>
-            </a:r>
-          </a:p>
-        </p:txBody>
-      </p:sp>
-      <p:cxnSp>
-        <p:nvCxnSpPr>
-          <p:cNvPr id="4" name="Straight Arrow Connector 3">
-            <a:extLst>
-              <a:ext uri="{FF2B5EF4-FFF2-40B4-BE49-F238E27FC236}">
-                <a16:creationId xmlns:a16="http://schemas.microsoft.com/office/drawing/2014/main" id="{F616EF5D-B3C0-4293-9C00-76135EA6F70A}"/>
-              </a:ext>
-            </a:extLst>
-          </p:cNvPr>
-          <p:cNvCxnSpPr>
-            <a:cxnSpLocks/>
-            <a:stCxn id="80" idx="5"/>
-            <a:endCxn id="2" idx="1"/>
-          </p:cNvCxnSpPr>
-          <p:nvPr/>
-        </p:nvCxnSpPr>
-        <p:spPr>
-          <a:xfrm>
-            <a:off x="1348520" y="4712327"/>
-            <a:ext cx="773446" cy="19187"/>
-          </a:xfrm>
-          <a:prstGeom prst="straightConnector1">
-            <a:avLst/>
-          </a:prstGeom>
-          <a:ln>
-            <a:tailEnd type="triangle"/>
-          </a:ln>
-        </p:spPr>
-        <p:style>
-          <a:lnRef idx="1">
-            <a:schemeClr val="dk1"/>
-          </a:lnRef>
-          <a:fillRef idx="0">
-            <a:schemeClr val="dk1"/>
-          </a:fillRef>
-          <a:effectRef idx="0">
-            <a:schemeClr val="dk1"/>
+            <a:schemeClr val="accent1"/>
           </a:effectRef>
           <a:fontRef idx="minor">
             <a:schemeClr val="tx1"/>
           </a:fontRef>
         </p:style>
       </p:cxnSp>
+      <p:sp>
+        <p:nvSpPr>
+          <p:cNvPr id="18" name="TextBox 17">
+            <a:extLst>
+              <a:ext uri="{FF2B5EF4-FFF2-40B4-BE49-F238E27FC236}">
+                <a16:creationId xmlns:a16="http://schemas.microsoft.com/office/drawing/2014/main" id="{C41D69F8-1C98-4A01-95D1-ABD1D10BDD7D}"/>
+              </a:ext>
+            </a:extLst>
+          </p:cNvPr>
+          <p:cNvSpPr txBox="1"/>
+          <p:nvPr/>
+        </p:nvSpPr>
+        <p:spPr>
+          <a:xfrm>
+            <a:off x="-1369318" y="4927192"/>
+            <a:ext cx="1248614" cy="523220"/>
+          </a:xfrm>
+          <a:prstGeom prst="rect">
+            <a:avLst/>
+          </a:prstGeom>
+          <a:noFill/>
+        </p:spPr>
+        <p:txBody>
+          <a:bodyPr wrap="square" rtlCol="0">
+            <a:spAutoFit/>
+          </a:bodyPr>
+          <a:lstStyle/>
+          <a:p>
+            <a:pPr algn="ctr"/>
+            <a:r>
+              <a:rPr lang="en-GB" sz="1400" dirty="0"/>
+              <a:t>Image Stream</a:t>
+            </a:r>
+          </a:p>
+          <a:p>
+            <a:pPr algn="ctr"/>
+            <a:r>
+              <a:rPr lang="en-GB" sz="1400" dirty="0"/>
+              <a:t>▼</a:t>
+            </a:r>
+          </a:p>
+        </p:txBody>
+      </p:sp>
+      <p:sp>
+        <p:nvSpPr>
+          <p:cNvPr id="33" name="Flowchart: Delay 32">
+            <a:extLst>
+              <a:ext uri="{FF2B5EF4-FFF2-40B4-BE49-F238E27FC236}">
+                <a16:creationId xmlns:a16="http://schemas.microsoft.com/office/drawing/2014/main" id="{4FFA08B9-25E3-46A3-8F38-170EF9FDDAA3}"/>
+              </a:ext>
+            </a:extLst>
+          </p:cNvPr>
+          <p:cNvSpPr/>
+          <p:nvPr/>
+        </p:nvSpPr>
+        <p:spPr>
+          <a:xfrm rot="5400000">
+            <a:off x="3355511" y="2489362"/>
+            <a:ext cx="1036149" cy="1898064"/>
+          </a:xfrm>
+          <a:prstGeom prst="flowChartDelay">
+            <a:avLst/>
+          </a:prstGeom>
+          <a:solidFill>
+            <a:schemeClr val="accent6">
+              <a:lumMod val="50000"/>
+            </a:schemeClr>
+          </a:solidFill>
+          <a:ln>
+            <a:noFill/>
+          </a:ln>
+        </p:spPr>
+        <p:style>
+          <a:lnRef idx="2">
+            <a:schemeClr val="accent1">
+              <a:shade val="50000"/>
+            </a:schemeClr>
+          </a:lnRef>
+          <a:fillRef idx="1">
+            <a:schemeClr val="accent1"/>
+          </a:fillRef>
+          <a:effectRef idx="0">
+            <a:schemeClr val="accent1"/>
+          </a:effectRef>
+          <a:fontRef idx="minor">
+            <a:schemeClr val="lt1"/>
+          </a:fontRef>
+        </p:style>
+        <p:txBody>
+          <a:bodyPr rtlCol="0" anchor="ctr"/>
+          <a:lstStyle/>
+          <a:p>
+            <a:pPr algn="ctr"/>
+            <a:endParaRPr lang="en-GB" dirty="0"/>
+          </a:p>
+        </p:txBody>
+      </p:sp>
       <p:cxnSp>
         <p:nvCxnSpPr>
-          <p:cNvPr id="153" name="Straight Arrow Connector 152">
-            <a:extLst>
-              <a:ext uri="{FF2B5EF4-FFF2-40B4-BE49-F238E27FC236}">
-                <a16:creationId xmlns:a16="http://schemas.microsoft.com/office/drawing/2014/main" id="{97E89223-4B00-4C1C-B9C5-FEF5AC2E95DB}"/>
+          <p:cNvPr id="38" name="Straight Arrow Connector 37">
+            <a:extLst>
+              <a:ext uri="{FF2B5EF4-FFF2-40B4-BE49-F238E27FC236}">
+                <a16:creationId xmlns:a16="http://schemas.microsoft.com/office/drawing/2014/main" id="{6499CFC4-90F7-4835-AE26-D8AB856D5641}"/>
               </a:ext>
             </a:extLst>
           </p:cNvPr>
           <p:cNvCxnSpPr>
             <a:cxnSpLocks/>
-            <a:stCxn id="2" idx="3"/>
-            <a:endCxn id="82" idx="3"/>
           </p:cNvCxnSpPr>
           <p:nvPr/>
         </p:nvCxnSpPr>
         <p:spPr>
-          <a:xfrm flipV="1">
-            <a:off x="3309015" y="3534872"/>
-            <a:ext cx="653021" cy="1196642"/>
+          <a:xfrm flipH="1" flipV="1">
+            <a:off x="3850030" y="3934483"/>
+            <a:ext cx="20310" cy="1515930"/>
           </a:xfrm>
           <a:prstGeom prst="straightConnector1">
             <a:avLst/>
           </a:prstGeom>
-          <a:ln>
+          <a:ln w="76200">
+            <a:solidFill>
+              <a:schemeClr val="accent6">
+                <a:lumMod val="50000"/>
+              </a:schemeClr>
+            </a:solidFill>
+            <a:prstDash val="dash"/>
+            <a:headEnd type="triangle"/>
             <a:tailEnd type="triangle"/>
           </a:ln>
         </p:spPr>
         <p:style>
           <a:lnRef idx="1">
-            <a:schemeClr val="dk1"/>
+            <a:schemeClr val="accent1"/>
           </a:lnRef>
           <a:fillRef idx="0">
-            <a:schemeClr val="dk1"/>
+            <a:schemeClr val="accent1"/>
           </a:fillRef>
           <a:effectRef idx="0">
-            <a:schemeClr val="dk1"/>
+            <a:schemeClr val="accent1"/>
           </a:effectRef>
           <a:fontRef idx="minor">
             <a:schemeClr val="tx1"/>
           </a:fontRef>
         </p:style>
       </p:cxnSp>
+      <p:sp>
+        <p:nvSpPr>
+          <p:cNvPr id="43" name="TextBox 42">
+            <a:extLst>
+              <a:ext uri="{FF2B5EF4-FFF2-40B4-BE49-F238E27FC236}">
+                <a16:creationId xmlns:a16="http://schemas.microsoft.com/office/drawing/2014/main" id="{358B10D6-A0B4-4434-AACB-C474B6F3546A}"/>
+              </a:ext>
+            </a:extLst>
+          </p:cNvPr>
+          <p:cNvSpPr txBox="1"/>
+          <p:nvPr/>
+        </p:nvSpPr>
+        <p:spPr>
+          <a:xfrm>
+            <a:off x="2999322" y="3934483"/>
+            <a:ext cx="808036" cy="523220"/>
+          </a:xfrm>
+          <a:prstGeom prst="rect">
+            <a:avLst/>
+          </a:prstGeom>
+          <a:noFill/>
+        </p:spPr>
+        <p:txBody>
+          <a:bodyPr wrap="square" rtlCol="0">
+            <a:spAutoFit/>
+          </a:bodyPr>
+          <a:lstStyle/>
+          <a:p>
+            <a:pPr algn="ctr"/>
+            <a:r>
+              <a:rPr lang="en-GB" sz="1400" dirty="0"/>
+              <a:t>▲</a:t>
+            </a:r>
+          </a:p>
+          <a:p>
+            <a:pPr algn="ctr"/>
+            <a:r>
+              <a:rPr lang="en-GB" sz="1400" dirty="0"/>
+              <a:t>Frame</a:t>
+            </a:r>
+          </a:p>
+        </p:txBody>
+      </p:sp>
+      <p:sp>
+        <p:nvSpPr>
+          <p:cNvPr id="44" name="TextBox 43">
+            <a:extLst>
+              <a:ext uri="{FF2B5EF4-FFF2-40B4-BE49-F238E27FC236}">
+                <a16:creationId xmlns:a16="http://schemas.microsoft.com/office/drawing/2014/main" id="{BAB3948D-F827-44D1-B40E-A737164AC616}"/>
+              </a:ext>
+            </a:extLst>
+          </p:cNvPr>
+          <p:cNvSpPr txBox="1"/>
+          <p:nvPr/>
+        </p:nvSpPr>
+        <p:spPr>
+          <a:xfrm>
+            <a:off x="3091457" y="2988086"/>
+            <a:ext cx="1564274" cy="830997"/>
+          </a:xfrm>
+          <a:prstGeom prst="rect">
+            <a:avLst/>
+          </a:prstGeom>
+          <a:noFill/>
+        </p:spPr>
+        <p:txBody>
+          <a:bodyPr wrap="none" rtlCol="0">
+            <a:spAutoFit/>
+          </a:bodyPr>
+          <a:lstStyle/>
+          <a:p>
+            <a:pPr algn="ctr"/>
+            <a:r>
+              <a:rPr lang="en-GB" sz="2400" b="1" dirty="0">
+                <a:solidFill>
+                  <a:schemeClr val="bg2"/>
+                </a:solidFill>
+                <a:effectLst>
+                  <a:glow rad="101600">
+                    <a:schemeClr val="tx1">
+                      <a:alpha val="60000"/>
+                    </a:schemeClr>
+                  </a:glow>
+                </a:effectLst>
+              </a:rPr>
+              <a:t>Download </a:t>
+            </a:r>
+          </a:p>
+          <a:p>
+            <a:pPr algn="ctr"/>
+            <a:r>
+              <a:rPr lang="en-GB" sz="2400" b="1" dirty="0">
+                <a:solidFill>
+                  <a:schemeClr val="bg2"/>
+                </a:solidFill>
+                <a:effectLst>
+                  <a:glow rad="101600">
+                    <a:schemeClr val="tx1">
+                      <a:alpha val="60000"/>
+                    </a:schemeClr>
+                  </a:glow>
+                </a:effectLst>
+              </a:rPr>
+              <a:t>Updates</a:t>
+            </a:r>
+          </a:p>
+        </p:txBody>
+      </p:sp>
+      <p:sp>
+        <p:nvSpPr>
+          <p:cNvPr id="92" name="Arrow: Chevron 51">
+            <a:extLst>
+              <a:ext uri="{FF2B5EF4-FFF2-40B4-BE49-F238E27FC236}">
+                <a16:creationId xmlns:a16="http://schemas.microsoft.com/office/drawing/2014/main" id="{842C5092-8294-4030-A526-A8C839E4F69D}"/>
+              </a:ext>
+            </a:extLst>
+          </p:cNvPr>
+          <p:cNvSpPr/>
+          <p:nvPr/>
+        </p:nvSpPr>
+        <p:spPr>
+          <a:xfrm rot="5400000">
+            <a:off x="14532381" y="-6601077"/>
+            <a:ext cx="1085130" cy="1628250"/>
+          </a:xfrm>
+          <a:prstGeom prst="chevron">
+            <a:avLst>
+              <a:gd name="adj" fmla="val 21142"/>
+            </a:avLst>
+          </a:prstGeom>
+          <a:solidFill>
+            <a:srgbClr val="000000"/>
+          </a:solidFill>
+          <a:ln>
+            <a:noFill/>
+          </a:ln>
+        </p:spPr>
+        <p:style>
+          <a:lnRef idx="2">
+            <a:schemeClr val="accent1">
+              <a:shade val="50000"/>
+            </a:schemeClr>
+          </a:lnRef>
+          <a:fillRef idx="1">
+            <a:schemeClr val="accent1"/>
+          </a:fillRef>
+          <a:effectRef idx="0">
+            <a:schemeClr val="accent1"/>
+          </a:effectRef>
+          <a:fontRef idx="minor">
+            <a:schemeClr val="lt1"/>
+          </a:fontRef>
+        </p:style>
+        <p:txBody>
+          <a:bodyPr rtlCol="0" anchor="ctr"/>
+          <a:lstStyle/>
+          <a:p>
+            <a:pPr algn="ctr"/>
+            <a:endParaRPr lang="en-GB" dirty="0"/>
+          </a:p>
+        </p:txBody>
+      </p:sp>
+      <p:sp>
+        <p:nvSpPr>
+          <p:cNvPr id="93" name="Arrow: Chevron 51">
+            <a:extLst>
+              <a:ext uri="{FF2B5EF4-FFF2-40B4-BE49-F238E27FC236}">
+                <a16:creationId xmlns:a16="http://schemas.microsoft.com/office/drawing/2014/main" id="{842C5092-8294-4030-A526-A8C839E4F69D}"/>
+              </a:ext>
+            </a:extLst>
+          </p:cNvPr>
+          <p:cNvSpPr/>
+          <p:nvPr/>
+        </p:nvSpPr>
+        <p:spPr>
+          <a:xfrm rot="5400000">
+            <a:off x="-3751547" y="-6601077"/>
+            <a:ext cx="1085130" cy="1628250"/>
+          </a:xfrm>
+          <a:prstGeom prst="chevron">
+            <a:avLst>
+              <a:gd name="adj" fmla="val 21142"/>
+            </a:avLst>
+          </a:prstGeom>
+          <a:solidFill>
+            <a:srgbClr val="000000"/>
+          </a:solidFill>
+          <a:ln>
+            <a:noFill/>
+          </a:ln>
+        </p:spPr>
+        <p:style>
+          <a:lnRef idx="2">
+            <a:schemeClr val="accent1">
+              <a:shade val="50000"/>
+            </a:schemeClr>
+          </a:lnRef>
+          <a:fillRef idx="1">
+            <a:schemeClr val="accent1"/>
+          </a:fillRef>
+          <a:effectRef idx="0">
+            <a:schemeClr val="accent1"/>
+          </a:effectRef>
+          <a:fontRef idx="minor">
+            <a:schemeClr val="lt1"/>
+          </a:fontRef>
+        </p:style>
+        <p:txBody>
+          <a:bodyPr rtlCol="0" anchor="ctr"/>
+          <a:lstStyle/>
+          <a:p>
+            <a:pPr algn="ctr"/>
+            <a:endParaRPr lang="en-GB" dirty="0"/>
+          </a:p>
+        </p:txBody>
+      </p:sp>
+      <p:sp>
+        <p:nvSpPr>
+          <p:cNvPr id="94" name="Arrow: Chevron 51">
+            <a:extLst>
+              <a:ext uri="{FF2B5EF4-FFF2-40B4-BE49-F238E27FC236}">
+                <a16:creationId xmlns:a16="http://schemas.microsoft.com/office/drawing/2014/main" id="{842C5092-8294-4030-A526-A8C839E4F69D}"/>
+              </a:ext>
+            </a:extLst>
+          </p:cNvPr>
+          <p:cNvSpPr/>
+          <p:nvPr/>
+        </p:nvSpPr>
+        <p:spPr>
+          <a:xfrm rot="5400000">
+            <a:off x="14532381" y="13751698"/>
+            <a:ext cx="1085130" cy="1628250"/>
+          </a:xfrm>
+          <a:prstGeom prst="chevron">
+            <a:avLst>
+              <a:gd name="adj" fmla="val 21142"/>
+            </a:avLst>
+          </a:prstGeom>
+          <a:solidFill>
+            <a:srgbClr val="000000"/>
+          </a:solidFill>
+          <a:ln>
+            <a:noFill/>
+          </a:ln>
+        </p:spPr>
+        <p:style>
+          <a:lnRef idx="2">
+            <a:schemeClr val="accent1">
+              <a:shade val="50000"/>
+            </a:schemeClr>
+          </a:lnRef>
+          <a:fillRef idx="1">
+            <a:schemeClr val="accent1"/>
+          </a:fillRef>
+          <a:effectRef idx="0">
+            <a:schemeClr val="accent1"/>
+          </a:effectRef>
+          <a:fontRef idx="minor">
+            <a:schemeClr val="lt1"/>
+          </a:fontRef>
+        </p:style>
+        <p:txBody>
+          <a:bodyPr rtlCol="0" anchor="ctr"/>
+          <a:lstStyle/>
+          <a:p>
+            <a:pPr algn="ctr"/>
+            <a:endParaRPr lang="en-GB" dirty="0"/>
+          </a:p>
+        </p:txBody>
+      </p:sp>
+      <p:sp>
+        <p:nvSpPr>
+          <p:cNvPr id="95" name="Arrow: Chevron 51">
+            <a:extLst>
+              <a:ext uri="{FF2B5EF4-FFF2-40B4-BE49-F238E27FC236}">
+                <a16:creationId xmlns:a16="http://schemas.microsoft.com/office/drawing/2014/main" id="{842C5092-8294-4030-A526-A8C839E4F69D}"/>
+              </a:ext>
+            </a:extLst>
+          </p:cNvPr>
+          <p:cNvSpPr/>
+          <p:nvPr/>
+        </p:nvSpPr>
+        <p:spPr>
+          <a:xfrm rot="5400000">
+            <a:off x="-3751547" y="13751698"/>
+            <a:ext cx="1085130" cy="1628250"/>
+          </a:xfrm>
+          <a:prstGeom prst="chevron">
+            <a:avLst>
+              <a:gd name="adj" fmla="val 21142"/>
+            </a:avLst>
+          </a:prstGeom>
+          <a:solidFill>
+            <a:srgbClr val="000000"/>
+          </a:solidFill>
+          <a:ln>
+            <a:noFill/>
+          </a:ln>
+        </p:spPr>
+        <p:style>
+          <a:lnRef idx="2">
+            <a:schemeClr val="accent1">
+              <a:shade val="50000"/>
+            </a:schemeClr>
+          </a:lnRef>
+          <a:fillRef idx="1">
+            <a:schemeClr val="accent1"/>
+          </a:fillRef>
+          <a:effectRef idx="0">
+            <a:schemeClr val="accent1"/>
+          </a:effectRef>
+          <a:fontRef idx="minor">
+            <a:schemeClr val="lt1"/>
+          </a:fontRef>
+        </p:style>
+        <p:txBody>
+          <a:bodyPr rtlCol="0" anchor="ctr"/>
+          <a:lstStyle/>
+          <a:p>
+            <a:pPr algn="ctr"/>
+            <a:endParaRPr lang="en-GB" dirty="0"/>
+          </a:p>
+        </p:txBody>
+      </p:sp>
+      <p:sp>
+        <p:nvSpPr>
+          <p:cNvPr id="73" name="Rectangle 72">
+            <a:extLst>
+              <a:ext uri="{FF2B5EF4-FFF2-40B4-BE49-F238E27FC236}">
+                <a16:creationId xmlns:a16="http://schemas.microsoft.com/office/drawing/2014/main" id="{FF8ECF35-CF58-43D8-A03A-5FE8544A266B}"/>
+              </a:ext>
+            </a:extLst>
+          </p:cNvPr>
+          <p:cNvSpPr/>
+          <p:nvPr/>
+        </p:nvSpPr>
+        <p:spPr>
+          <a:xfrm>
+            <a:off x="10734332" y="2027110"/>
+            <a:ext cx="2176064" cy="216319"/>
+          </a:xfrm>
+          <a:prstGeom prst="rect">
+            <a:avLst/>
+          </a:prstGeom>
+          <a:solidFill>
+            <a:srgbClr val="B85750"/>
+          </a:solidFill>
+          <a:ln>
+            <a:noFill/>
+          </a:ln>
+        </p:spPr>
+        <p:style>
+          <a:lnRef idx="2">
+            <a:schemeClr val="accent1">
+              <a:shade val="50000"/>
+            </a:schemeClr>
+          </a:lnRef>
+          <a:fillRef idx="1">
+            <a:schemeClr val="accent1"/>
+          </a:fillRef>
+          <a:effectRef idx="0">
+            <a:schemeClr val="accent1"/>
+          </a:effectRef>
+          <a:fontRef idx="minor">
+            <a:schemeClr val="lt1"/>
+          </a:fontRef>
+        </p:style>
+        <p:txBody>
+          <a:bodyPr rtlCol="0" anchor="ctr"/>
+          <a:lstStyle/>
+          <a:p>
+            <a:pPr algn="ctr"/>
+            <a:endParaRPr lang="en-GB" dirty="0"/>
+          </a:p>
+        </p:txBody>
+      </p:sp>
+      <p:sp>
+        <p:nvSpPr>
+          <p:cNvPr id="75" name="Rectangle 74">
+            <a:extLst>
+              <a:ext uri="{FF2B5EF4-FFF2-40B4-BE49-F238E27FC236}">
+                <a16:creationId xmlns:a16="http://schemas.microsoft.com/office/drawing/2014/main" id="{FF8ECF35-CF58-43D8-A03A-5FE8544A266B}"/>
+              </a:ext>
+            </a:extLst>
+          </p:cNvPr>
+          <p:cNvSpPr/>
+          <p:nvPr/>
+        </p:nvSpPr>
+        <p:spPr>
+          <a:xfrm>
+            <a:off x="10734332" y="2239535"/>
+            <a:ext cx="2176064" cy="206856"/>
+          </a:xfrm>
+          <a:prstGeom prst="rect">
+            <a:avLst/>
+          </a:prstGeom>
+          <a:solidFill>
+            <a:srgbClr val="B85750"/>
+          </a:solidFill>
+          <a:ln>
+            <a:noFill/>
+          </a:ln>
+        </p:spPr>
+        <p:style>
+          <a:lnRef idx="2">
+            <a:schemeClr val="accent1">
+              <a:shade val="50000"/>
+            </a:schemeClr>
+          </a:lnRef>
+          <a:fillRef idx="1">
+            <a:schemeClr val="accent1"/>
+          </a:fillRef>
+          <a:effectRef idx="0">
+            <a:schemeClr val="accent1"/>
+          </a:effectRef>
+          <a:fontRef idx="minor">
+            <a:schemeClr val="lt1"/>
+          </a:fontRef>
+        </p:style>
+        <p:txBody>
+          <a:bodyPr rtlCol="0" anchor="ctr"/>
+          <a:lstStyle/>
+          <a:p>
+            <a:pPr algn="ctr"/>
+            <a:endParaRPr lang="en-GB" dirty="0"/>
+          </a:p>
+        </p:txBody>
+      </p:sp>
+      <p:sp>
+        <p:nvSpPr>
+          <p:cNvPr id="100" name="Rectangle 99">
+            <a:extLst>
+              <a:ext uri="{FF2B5EF4-FFF2-40B4-BE49-F238E27FC236}">
+                <a16:creationId xmlns:a16="http://schemas.microsoft.com/office/drawing/2014/main" id="{FF8ECF35-CF58-43D8-A03A-5FE8544A266B}"/>
+              </a:ext>
+            </a:extLst>
+          </p:cNvPr>
+          <p:cNvSpPr/>
+          <p:nvPr/>
+        </p:nvSpPr>
+        <p:spPr>
+          <a:xfrm flipH="1">
+            <a:off x="9884620" y="2724851"/>
+            <a:ext cx="354905" cy="1400060"/>
+          </a:xfrm>
+          <a:prstGeom prst="rect">
+            <a:avLst/>
+          </a:prstGeom>
+          <a:solidFill>
+            <a:srgbClr val="B85750"/>
+          </a:solidFill>
+          <a:ln>
+            <a:noFill/>
+          </a:ln>
+        </p:spPr>
+        <p:style>
+          <a:lnRef idx="2">
+            <a:schemeClr val="accent1">
+              <a:shade val="50000"/>
+            </a:schemeClr>
+          </a:lnRef>
+          <a:fillRef idx="1">
+            <a:schemeClr val="accent1"/>
+          </a:fillRef>
+          <a:effectRef idx="0">
+            <a:schemeClr val="accent1"/>
+          </a:effectRef>
+          <a:fontRef idx="minor">
+            <a:schemeClr val="lt1"/>
+          </a:fontRef>
+        </p:style>
+        <p:txBody>
+          <a:bodyPr rtlCol="0" anchor="ctr"/>
+          <a:lstStyle/>
+          <a:p>
+            <a:pPr algn="ctr"/>
+            <a:endParaRPr lang="en-GB" dirty="0"/>
+          </a:p>
+        </p:txBody>
+      </p:sp>
+      <p:sp>
+        <p:nvSpPr>
+          <p:cNvPr id="101" name="Rectangle 100">
+            <a:extLst>
+              <a:ext uri="{FF2B5EF4-FFF2-40B4-BE49-F238E27FC236}">
+                <a16:creationId xmlns:a16="http://schemas.microsoft.com/office/drawing/2014/main" id="{E67295A5-CD9B-42DF-A06B-173F8F469F8E}"/>
+              </a:ext>
+            </a:extLst>
+          </p:cNvPr>
+          <p:cNvSpPr/>
+          <p:nvPr/>
+        </p:nvSpPr>
+        <p:spPr>
+          <a:xfrm>
+            <a:off x="9888885" y="5259519"/>
+            <a:ext cx="373826" cy="1400060"/>
+          </a:xfrm>
+          <a:prstGeom prst="rect">
+            <a:avLst/>
+          </a:prstGeom>
+          <a:solidFill>
+            <a:srgbClr val="FFD757"/>
+          </a:solidFill>
+          <a:ln>
+            <a:noFill/>
+          </a:ln>
+        </p:spPr>
+        <p:style>
+          <a:lnRef idx="2">
+            <a:schemeClr val="accent1">
+              <a:shade val="50000"/>
+            </a:schemeClr>
+          </a:lnRef>
+          <a:fillRef idx="1">
+            <a:schemeClr val="accent1"/>
+          </a:fillRef>
+          <a:effectRef idx="0">
+            <a:schemeClr val="accent1"/>
+          </a:effectRef>
+          <a:fontRef idx="minor">
+            <a:schemeClr val="lt1"/>
+          </a:fontRef>
+        </p:style>
+        <p:txBody>
+          <a:bodyPr rtlCol="0" anchor="ctr"/>
+          <a:lstStyle/>
+          <a:p>
+            <a:pPr algn="ctr"/>
+            <a:endParaRPr lang="en-GB" dirty="0"/>
+          </a:p>
+        </p:txBody>
+      </p:sp>
+      <p:sp>
+        <p:nvSpPr>
+          <p:cNvPr id="102" name="Rectangle 101">
+            <a:extLst>
+              <a:ext uri="{FF2B5EF4-FFF2-40B4-BE49-F238E27FC236}">
+                <a16:creationId xmlns:a16="http://schemas.microsoft.com/office/drawing/2014/main" id="{FF8ECF35-CF58-43D8-A03A-5FE8544A266B}"/>
+              </a:ext>
+            </a:extLst>
+          </p:cNvPr>
+          <p:cNvSpPr/>
+          <p:nvPr/>
+        </p:nvSpPr>
+        <p:spPr>
+          <a:xfrm>
+            <a:off x="10239523" y="-8238"/>
+            <a:ext cx="3157359" cy="2035348"/>
+          </a:xfrm>
+          <a:prstGeom prst="rect">
+            <a:avLst/>
+          </a:prstGeom>
+          <a:solidFill>
+            <a:srgbClr val="B85750"/>
+          </a:solidFill>
+          <a:ln>
+            <a:noFill/>
+          </a:ln>
+        </p:spPr>
+        <p:style>
+          <a:lnRef idx="2">
+            <a:schemeClr val="accent1">
+              <a:shade val="50000"/>
+            </a:schemeClr>
+          </a:lnRef>
+          <a:fillRef idx="1">
+            <a:schemeClr val="accent1"/>
+          </a:fillRef>
+          <a:effectRef idx="0">
+            <a:schemeClr val="accent1"/>
+          </a:effectRef>
+          <a:fontRef idx="minor">
+            <a:schemeClr val="lt1"/>
+          </a:fontRef>
+        </p:style>
+        <p:txBody>
+          <a:bodyPr rtlCol="0" anchor="ctr"/>
+          <a:lstStyle/>
+          <a:p>
+            <a:pPr algn="ctr"/>
+            <a:endParaRPr lang="en-GB" dirty="0"/>
+          </a:p>
+        </p:txBody>
+      </p:sp>
+      <p:sp>
+        <p:nvSpPr>
+          <p:cNvPr id="103" name="Rectangle 102">
+            <a:extLst>
+              <a:ext uri="{FF2B5EF4-FFF2-40B4-BE49-F238E27FC236}">
+                <a16:creationId xmlns:a16="http://schemas.microsoft.com/office/drawing/2014/main" id="{FF8ECF35-CF58-43D8-A03A-5FE8544A266B}"/>
+              </a:ext>
+            </a:extLst>
+          </p:cNvPr>
+          <p:cNvSpPr/>
+          <p:nvPr/>
+        </p:nvSpPr>
+        <p:spPr>
+          <a:xfrm>
+            <a:off x="10239523" y="2446281"/>
+            <a:ext cx="3157359" cy="1890134"/>
+          </a:xfrm>
+          <a:prstGeom prst="rect">
+            <a:avLst/>
+          </a:prstGeom>
+          <a:solidFill>
+            <a:srgbClr val="B85750"/>
+          </a:solidFill>
+          <a:ln>
+            <a:noFill/>
+          </a:ln>
+        </p:spPr>
+        <p:style>
+          <a:lnRef idx="2">
+            <a:schemeClr val="accent1">
+              <a:shade val="50000"/>
+            </a:schemeClr>
+          </a:lnRef>
+          <a:fillRef idx="1">
+            <a:schemeClr val="accent1"/>
+          </a:fillRef>
+          <a:effectRef idx="0">
+            <a:schemeClr val="accent1"/>
+          </a:effectRef>
+          <a:fontRef idx="minor">
+            <a:schemeClr val="lt1"/>
+          </a:fontRef>
+        </p:style>
+        <p:txBody>
+          <a:bodyPr rtlCol="0" anchor="ctr"/>
+          <a:lstStyle/>
+          <a:p>
+            <a:pPr algn="ctr"/>
+            <a:endParaRPr lang="en-GB" dirty="0"/>
+          </a:p>
+        </p:txBody>
+      </p:sp>
+      <p:sp>
+        <p:nvSpPr>
+          <p:cNvPr id="104" name="Rectangle 103">
+            <a:extLst>
+              <a:ext uri="{FF2B5EF4-FFF2-40B4-BE49-F238E27FC236}">
+                <a16:creationId xmlns:a16="http://schemas.microsoft.com/office/drawing/2014/main" id="{E67295A5-CD9B-42DF-A06B-173F8F469F8E}"/>
+              </a:ext>
+            </a:extLst>
+          </p:cNvPr>
+          <p:cNvSpPr/>
+          <p:nvPr/>
+        </p:nvSpPr>
+        <p:spPr>
+          <a:xfrm>
+            <a:off x="10239523" y="5055320"/>
+            <a:ext cx="3134172" cy="1796901"/>
+          </a:xfrm>
+          <a:prstGeom prst="rect">
+            <a:avLst/>
+          </a:prstGeom>
+          <a:solidFill>
+            <a:srgbClr val="FFD757"/>
+          </a:solidFill>
+          <a:ln>
+            <a:noFill/>
+          </a:ln>
+        </p:spPr>
+        <p:style>
+          <a:lnRef idx="2">
+            <a:schemeClr val="accent1">
+              <a:shade val="50000"/>
+            </a:schemeClr>
+          </a:lnRef>
+          <a:fillRef idx="1">
+            <a:schemeClr val="accent1"/>
+          </a:fillRef>
+          <a:effectRef idx="0">
+            <a:schemeClr val="accent1"/>
+          </a:effectRef>
+          <a:fontRef idx="minor">
+            <a:schemeClr val="lt1"/>
+          </a:fontRef>
+        </p:style>
+        <p:txBody>
+          <a:bodyPr rtlCol="0" anchor="ctr"/>
+          <a:lstStyle/>
+          <a:p>
+            <a:pPr algn="ctr"/>
+            <a:endParaRPr lang="en-GB" dirty="0"/>
+          </a:p>
+        </p:txBody>
+      </p:sp>
+      <p:sp>
+        <p:nvSpPr>
+          <p:cNvPr id="110" name="Flowchart: Manual Input 109">
+            <a:extLst>
+              <a:ext uri="{FF2B5EF4-FFF2-40B4-BE49-F238E27FC236}">
+                <a16:creationId xmlns:a16="http://schemas.microsoft.com/office/drawing/2014/main" id="{BA5F8287-28B2-4933-91CE-CCF8DA7FDCDF}"/>
+              </a:ext>
+            </a:extLst>
+          </p:cNvPr>
+          <p:cNvSpPr/>
+          <p:nvPr/>
+        </p:nvSpPr>
+        <p:spPr>
+          <a:xfrm rot="10800000" flipH="1">
+            <a:off x="-1028151" y="5450413"/>
+            <a:ext cx="1820745" cy="976488"/>
+          </a:xfrm>
+          <a:prstGeom prst="flowChartManualInput">
+            <a:avLst/>
+          </a:prstGeom>
+          <a:solidFill>
+            <a:schemeClr val="accent6">
+              <a:lumMod val="50000"/>
+            </a:schemeClr>
+          </a:solidFill>
+          <a:ln>
+            <a:noFill/>
+          </a:ln>
+        </p:spPr>
+        <p:style>
+          <a:lnRef idx="2">
+            <a:schemeClr val="accent1">
+              <a:shade val="50000"/>
+            </a:schemeClr>
+          </a:lnRef>
+          <a:fillRef idx="1">
+            <a:schemeClr val="accent1"/>
+          </a:fillRef>
+          <a:effectRef idx="0">
+            <a:schemeClr val="accent1"/>
+          </a:effectRef>
+          <a:fontRef idx="minor">
+            <a:schemeClr val="lt1"/>
+          </a:fontRef>
+        </p:style>
+        <p:txBody>
+          <a:bodyPr rtlCol="0" anchor="ctr"/>
+          <a:lstStyle/>
+          <a:p>
+            <a:pPr algn="ctr"/>
+            <a:endParaRPr lang="en-GB" dirty="0"/>
+          </a:p>
+        </p:txBody>
+      </p:sp>
+      <p:sp>
+        <p:nvSpPr>
+          <p:cNvPr id="112" name="TextBox 111">
+            <a:extLst>
+              <a:ext uri="{FF2B5EF4-FFF2-40B4-BE49-F238E27FC236}">
+                <a16:creationId xmlns:a16="http://schemas.microsoft.com/office/drawing/2014/main" id="{751537D2-5CA2-46E9-98DA-5D0BC05C4061}"/>
+              </a:ext>
+            </a:extLst>
+          </p:cNvPr>
+          <p:cNvSpPr txBox="1"/>
+          <p:nvPr/>
+        </p:nvSpPr>
+        <p:spPr>
+          <a:xfrm>
+            <a:off x="-1007655" y="5643643"/>
+            <a:ext cx="1792222" cy="461665"/>
+          </a:xfrm>
+          <a:prstGeom prst="rect">
+            <a:avLst/>
+          </a:prstGeom>
+          <a:noFill/>
+        </p:spPr>
+        <p:txBody>
+          <a:bodyPr wrap="none" rtlCol="0">
+            <a:spAutoFit/>
+          </a:bodyPr>
+          <a:lstStyle/>
+          <a:p>
+            <a:r>
+              <a:rPr lang="en-GB" sz="2400" b="1" dirty="0">
+                <a:solidFill>
+                  <a:schemeClr val="bg2"/>
+                </a:solidFill>
+                <a:effectLst>
+                  <a:glow rad="101600">
+                    <a:schemeClr val="tx1">
+                      <a:alpha val="60000"/>
+                    </a:schemeClr>
+                  </a:glow>
+                </a:effectLst>
+              </a:rPr>
+              <a:t>Raspberry Pi</a:t>
+            </a:r>
+          </a:p>
+        </p:txBody>
+      </p:sp>
+      <p:sp>
+        <p:nvSpPr>
+          <p:cNvPr id="113" name="Rectangle 112">
+            <a:extLst>
+              <a:ext uri="{FF2B5EF4-FFF2-40B4-BE49-F238E27FC236}">
+                <a16:creationId xmlns:a16="http://schemas.microsoft.com/office/drawing/2014/main" id="{ADD36DBD-8DDC-434F-9125-A76A4D4E0292}"/>
+              </a:ext>
+            </a:extLst>
+          </p:cNvPr>
+          <p:cNvSpPr/>
+          <p:nvPr/>
+        </p:nvSpPr>
+        <p:spPr>
+          <a:xfrm>
+            <a:off x="6930747" y="2940756"/>
+            <a:ext cx="1831960" cy="976488"/>
+          </a:xfrm>
+          <a:prstGeom prst="rect">
+            <a:avLst/>
+          </a:prstGeom>
+          <a:solidFill>
+            <a:srgbClr val="FF0000"/>
+          </a:solidFill>
+          <a:ln>
+            <a:noFill/>
+          </a:ln>
+        </p:spPr>
+        <p:style>
+          <a:lnRef idx="2">
+            <a:schemeClr val="accent1">
+              <a:shade val="50000"/>
+            </a:schemeClr>
+          </a:lnRef>
+          <a:fillRef idx="1">
+            <a:schemeClr val="accent1"/>
+          </a:fillRef>
+          <a:effectRef idx="0">
+            <a:schemeClr val="accent1"/>
+          </a:effectRef>
+          <a:fontRef idx="minor">
+            <a:schemeClr val="lt1"/>
+          </a:fontRef>
+        </p:style>
+        <p:txBody>
+          <a:bodyPr rtlCol="0" anchor="ctr"/>
+          <a:lstStyle/>
+          <a:p>
+            <a:pPr algn="ctr"/>
+            <a:endParaRPr lang="en-GB" dirty="0"/>
+          </a:p>
+        </p:txBody>
+      </p:sp>
+      <p:sp>
+        <p:nvSpPr>
+          <p:cNvPr id="114" name="TextBox 113">
+            <a:extLst>
+              <a:ext uri="{FF2B5EF4-FFF2-40B4-BE49-F238E27FC236}">
+                <a16:creationId xmlns:a16="http://schemas.microsoft.com/office/drawing/2014/main" id="{ED06F2CA-B022-4B57-93BA-3A4A5FD519CB}"/>
+              </a:ext>
+            </a:extLst>
+          </p:cNvPr>
+          <p:cNvSpPr txBox="1"/>
+          <p:nvPr/>
+        </p:nvSpPr>
+        <p:spPr>
+          <a:xfrm>
+            <a:off x="7270420" y="3013500"/>
+            <a:ext cx="1152623" cy="830997"/>
+          </a:xfrm>
+          <a:prstGeom prst="rect">
+            <a:avLst/>
+          </a:prstGeom>
+          <a:noFill/>
+        </p:spPr>
+        <p:txBody>
+          <a:bodyPr wrap="none" rtlCol="0">
+            <a:spAutoFit/>
+          </a:bodyPr>
+          <a:lstStyle/>
+          <a:p>
+            <a:pPr algn="ctr"/>
+            <a:r>
+              <a:rPr lang="en-GB" sz="2400" b="1" dirty="0">
+                <a:solidFill>
+                  <a:schemeClr val="bg2"/>
+                </a:solidFill>
+                <a:effectLst>
+                  <a:glow rad="101600">
+                    <a:schemeClr val="tx1">
+                      <a:alpha val="60000"/>
+                    </a:schemeClr>
+                  </a:glow>
+                </a:effectLst>
+              </a:rPr>
+              <a:t>Data</a:t>
+            </a:r>
+          </a:p>
+          <a:p>
+            <a:pPr algn="ctr"/>
+            <a:r>
+              <a:rPr lang="en-GB" sz="2400" b="1" dirty="0">
+                <a:solidFill>
+                  <a:schemeClr val="bg2"/>
+                </a:solidFill>
+                <a:effectLst>
+                  <a:glow rad="101600">
+                    <a:schemeClr val="tx1">
+                      <a:alpha val="60000"/>
+                    </a:schemeClr>
+                  </a:glow>
+                </a:effectLst>
+              </a:rPr>
+              <a:t>Storage</a:t>
+            </a:r>
+          </a:p>
+        </p:txBody>
+      </p:sp>
       <p:cxnSp>
         <p:nvCxnSpPr>
-          <p:cNvPr id="154" name="Straight Arrow Connector 153">
-            <a:extLst>
-              <a:ext uri="{FF2B5EF4-FFF2-40B4-BE49-F238E27FC236}">
-                <a16:creationId xmlns:a16="http://schemas.microsoft.com/office/drawing/2014/main" id="{D5E1C722-284F-40F8-A59F-BE924542C294}"/>
+          <p:cNvPr id="115" name="Straight Arrow Connector 114">
+            <a:extLst>
+              <a:ext uri="{FF2B5EF4-FFF2-40B4-BE49-F238E27FC236}">
+                <a16:creationId xmlns:a16="http://schemas.microsoft.com/office/drawing/2014/main" id="{63C8345C-A17E-44D4-B240-B3C2E331255D}"/>
               </a:ext>
             </a:extLst>
           </p:cNvPr>
           <p:cNvCxnSpPr>
             <a:cxnSpLocks/>
-            <a:endCxn id="84" idx="3"/>
           </p:cNvCxnSpPr>
           <p:nvPr/>
         </p:nvCxnSpPr>
         <p:spPr>
-          <a:xfrm flipH="1">
-            <a:off x="3309015" y="3486150"/>
-            <a:ext cx="551479" cy="909893"/>
+          <a:xfrm>
+            <a:off x="4774407" y="3443756"/>
+            <a:ext cx="2156340" cy="0"/>
           </a:xfrm>
           <a:prstGeom prst="straightConnector1">
             <a:avLst/>
           </a:prstGeom>
-          <a:ln>
+          <a:ln w="76200">
+            <a:solidFill>
+              <a:schemeClr val="accent6">
+                <a:lumMod val="50000"/>
+              </a:schemeClr>
+            </a:solidFill>
+            <a:prstDash val="dash"/>
+            <a:headEnd type="triangle"/>
             <a:tailEnd type="triangle"/>
           </a:ln>
         </p:spPr>
         <p:style>
           <a:lnRef idx="1">
-            <a:schemeClr val="dk1"/>
+            <a:schemeClr val="accent1"/>
           </a:lnRef>
           <a:fillRef idx="0">
-            <a:schemeClr val="dk1"/>
+            <a:schemeClr val="accent1"/>
           </a:fillRef>
           <a:effectRef idx="0">
-            <a:schemeClr val="dk1"/>
+            <a:schemeClr val="accent1"/>
           </a:effectRef>
           <a:fontRef idx="minor">
             <a:schemeClr val="tx1"/>
           </a:fontRef>
         </p:style>
       </p:cxnSp>
+      <p:sp>
+        <p:nvSpPr>
+          <p:cNvPr id="116" name="TextBox 115">
+            <a:extLst>
+              <a:ext uri="{FF2B5EF4-FFF2-40B4-BE49-F238E27FC236}">
+                <a16:creationId xmlns:a16="http://schemas.microsoft.com/office/drawing/2014/main" id="{1ADC0E6E-5955-4431-A055-13C603AF1C44}"/>
+              </a:ext>
+            </a:extLst>
+          </p:cNvPr>
+          <p:cNvSpPr txBox="1"/>
+          <p:nvPr/>
+        </p:nvSpPr>
+        <p:spPr>
+          <a:xfrm>
+            <a:off x="5793178" y="3547774"/>
+            <a:ext cx="1218055" cy="307777"/>
+          </a:xfrm>
+          <a:prstGeom prst="rect">
+            <a:avLst/>
+          </a:prstGeom>
+          <a:noFill/>
+        </p:spPr>
+        <p:txBody>
+          <a:bodyPr wrap="square" rtlCol="0">
+            <a:spAutoFit/>
+          </a:bodyPr>
+          <a:lstStyle/>
+          <a:p>
+            <a:pPr algn="r"/>
+            <a:r>
+              <a:rPr lang="en-GB" sz="1400" dirty="0"/>
+              <a:t>Frame +BG ►</a:t>
+            </a:r>
+          </a:p>
+        </p:txBody>
+      </p:sp>
+      <p:sp>
+        <p:nvSpPr>
+          <p:cNvPr id="117" name="Flowchart: Alternate Process 116">
+            <a:extLst>
+              <a:ext uri="{FF2B5EF4-FFF2-40B4-BE49-F238E27FC236}">
+                <a16:creationId xmlns:a16="http://schemas.microsoft.com/office/drawing/2014/main" id="{788ACF15-712D-427B-85E3-BFDE6D2778B7}"/>
+              </a:ext>
+            </a:extLst>
+          </p:cNvPr>
+          <p:cNvSpPr/>
+          <p:nvPr/>
+        </p:nvSpPr>
+        <p:spPr>
+          <a:xfrm>
+            <a:off x="6930751" y="5450413"/>
+            <a:ext cx="1831960" cy="1200330"/>
+          </a:xfrm>
+          <a:prstGeom prst="flowChartAlternateProcess">
+            <a:avLst/>
+          </a:prstGeom>
+          <a:solidFill>
+            <a:srgbClr val="FFFF00"/>
+          </a:solidFill>
+          <a:ln>
+            <a:noFill/>
+          </a:ln>
+        </p:spPr>
+        <p:style>
+          <a:lnRef idx="2">
+            <a:schemeClr val="accent1">
+              <a:shade val="50000"/>
+            </a:schemeClr>
+          </a:lnRef>
+          <a:fillRef idx="1">
+            <a:schemeClr val="accent1"/>
+          </a:fillRef>
+          <a:effectRef idx="0">
+            <a:schemeClr val="accent1"/>
+          </a:effectRef>
+          <a:fontRef idx="minor">
+            <a:schemeClr val="lt1"/>
+          </a:fontRef>
+        </p:style>
+        <p:txBody>
+          <a:bodyPr rtlCol="0" anchor="ctr"/>
+          <a:lstStyle/>
+          <a:p>
+            <a:pPr algn="ctr"/>
+            <a:endParaRPr lang="en-GB" dirty="0"/>
+          </a:p>
+        </p:txBody>
+      </p:sp>
+      <p:sp>
+        <p:nvSpPr>
+          <p:cNvPr id="118" name="TextBox 117">
+            <a:extLst>
+              <a:ext uri="{FF2B5EF4-FFF2-40B4-BE49-F238E27FC236}">
+                <a16:creationId xmlns:a16="http://schemas.microsoft.com/office/drawing/2014/main" id="{74812398-B0DB-4253-BDA5-F09C7A7449E7}"/>
+              </a:ext>
+            </a:extLst>
+          </p:cNvPr>
+          <p:cNvSpPr txBox="1"/>
+          <p:nvPr/>
+        </p:nvSpPr>
+        <p:spPr>
+          <a:xfrm>
+            <a:off x="6982456" y="5441020"/>
+            <a:ext cx="1728550" cy="1200329"/>
+          </a:xfrm>
+          <a:prstGeom prst="rect">
+            <a:avLst/>
+          </a:prstGeom>
+          <a:noFill/>
+        </p:spPr>
+        <p:txBody>
+          <a:bodyPr wrap="none" rtlCol="0">
+            <a:spAutoFit/>
+          </a:bodyPr>
+          <a:lstStyle/>
+          <a:p>
+            <a:pPr algn="ctr"/>
+            <a:r>
+              <a:rPr lang="en-GB" sz="2400" b="1" dirty="0">
+                <a:solidFill>
+                  <a:schemeClr val="bg2"/>
+                </a:solidFill>
+                <a:effectLst>
+                  <a:glow rad="101600">
+                    <a:schemeClr val="tx1">
+                      <a:alpha val="60000"/>
+                    </a:schemeClr>
+                  </a:glow>
+                </a:effectLst>
+              </a:rPr>
+              <a:t>Foreground </a:t>
+            </a:r>
+          </a:p>
+          <a:p>
+            <a:pPr algn="ctr"/>
+            <a:r>
+              <a:rPr lang="en-GB" sz="2400" b="1" dirty="0">
+                <a:solidFill>
+                  <a:schemeClr val="bg2"/>
+                </a:solidFill>
+                <a:effectLst>
+                  <a:glow rad="101600">
+                    <a:schemeClr val="tx1">
+                      <a:alpha val="60000"/>
+                    </a:schemeClr>
+                  </a:glow>
+                </a:effectLst>
+              </a:rPr>
+              <a:t>Extraction </a:t>
+            </a:r>
+          </a:p>
+          <a:p>
+            <a:pPr algn="ctr"/>
+            <a:r>
+              <a:rPr lang="en-GB" sz="2400" b="1" dirty="0">
+                <a:solidFill>
+                  <a:schemeClr val="bg2"/>
+                </a:solidFill>
+                <a:effectLst>
+                  <a:glow rad="101600">
+                    <a:schemeClr val="tx1">
+                      <a:alpha val="60000"/>
+                    </a:schemeClr>
+                  </a:glow>
+                </a:effectLst>
+              </a:rPr>
+              <a:t>System</a:t>
+            </a:r>
+          </a:p>
+        </p:txBody>
+      </p:sp>
+      <p:sp>
+        <p:nvSpPr>
+          <p:cNvPr id="119" name="Arrow: Chevron 51">
+            <a:extLst>
+              <a:ext uri="{FF2B5EF4-FFF2-40B4-BE49-F238E27FC236}">
+                <a16:creationId xmlns:a16="http://schemas.microsoft.com/office/drawing/2014/main" id="{842C5092-8294-4030-A526-A8C839E4F69D}"/>
+              </a:ext>
+            </a:extLst>
+          </p:cNvPr>
+          <p:cNvSpPr/>
+          <p:nvPr/>
+        </p:nvSpPr>
+        <p:spPr>
+          <a:xfrm rot="5400000">
+            <a:off x="11308716" y="5294053"/>
+            <a:ext cx="1085130" cy="1628250"/>
+          </a:xfrm>
+          <a:prstGeom prst="chevron">
+            <a:avLst>
+              <a:gd name="adj" fmla="val 21142"/>
+            </a:avLst>
+          </a:prstGeom>
+          <a:solidFill>
+            <a:schemeClr val="accent6">
+              <a:lumMod val="50000"/>
+            </a:schemeClr>
+          </a:solidFill>
+          <a:ln>
+            <a:noFill/>
+          </a:ln>
+        </p:spPr>
+        <p:style>
+          <a:lnRef idx="2">
+            <a:schemeClr val="accent1">
+              <a:shade val="50000"/>
+            </a:schemeClr>
+          </a:lnRef>
+          <a:fillRef idx="1">
+            <a:schemeClr val="accent1"/>
+          </a:fillRef>
+          <a:effectRef idx="0">
+            <a:schemeClr val="accent1"/>
+          </a:effectRef>
+          <a:fontRef idx="minor">
+            <a:schemeClr val="lt1"/>
+          </a:fontRef>
+        </p:style>
+        <p:txBody>
+          <a:bodyPr rtlCol="0" anchor="ctr"/>
+          <a:lstStyle/>
+          <a:p>
+            <a:pPr algn="ctr"/>
+            <a:endParaRPr lang="en-GB" dirty="0"/>
+          </a:p>
+        </p:txBody>
+      </p:sp>
+      <p:sp>
+        <p:nvSpPr>
+          <p:cNvPr id="120" name="TextBox 119">
+            <a:extLst>
+              <a:ext uri="{FF2B5EF4-FFF2-40B4-BE49-F238E27FC236}">
+                <a16:creationId xmlns:a16="http://schemas.microsoft.com/office/drawing/2014/main" id="{5D685C8E-8026-4C55-BE1C-CC18B646995B}"/>
+              </a:ext>
+            </a:extLst>
+          </p:cNvPr>
+          <p:cNvSpPr txBox="1"/>
+          <p:nvPr/>
+        </p:nvSpPr>
+        <p:spPr>
+          <a:xfrm>
+            <a:off x="11115351" y="5692679"/>
+            <a:ext cx="1471878" cy="830997"/>
+          </a:xfrm>
+          <a:prstGeom prst="rect">
+            <a:avLst/>
+          </a:prstGeom>
+          <a:noFill/>
+        </p:spPr>
+        <p:txBody>
+          <a:bodyPr wrap="none" rtlCol="0">
+            <a:spAutoFit/>
+          </a:bodyPr>
+          <a:lstStyle/>
+          <a:p>
+            <a:pPr algn="ctr"/>
+            <a:r>
+              <a:rPr lang="en-GB" sz="2400" b="1" dirty="0">
+                <a:solidFill>
+                  <a:schemeClr val="bg2"/>
+                </a:solidFill>
+                <a:effectLst>
+                  <a:glow rad="101600">
+                    <a:schemeClr val="tx1">
+                      <a:alpha val="60000"/>
+                    </a:schemeClr>
+                  </a:glow>
+                </a:effectLst>
+              </a:rPr>
+              <a:t>Google </a:t>
+            </a:r>
+          </a:p>
+          <a:p>
+            <a:pPr algn="ctr"/>
+            <a:r>
+              <a:rPr lang="en-GB" sz="2400" b="1" dirty="0">
+                <a:solidFill>
+                  <a:schemeClr val="bg2"/>
+                </a:solidFill>
+                <a:effectLst>
+                  <a:glow rad="101600">
+                    <a:schemeClr val="tx1">
+                      <a:alpha val="60000"/>
+                    </a:schemeClr>
+                  </a:glow>
+                </a:effectLst>
+              </a:rPr>
+              <a:t>Vision API</a:t>
+            </a:r>
+          </a:p>
+        </p:txBody>
+      </p:sp>
       <p:cxnSp>
         <p:nvCxnSpPr>
-          <p:cNvPr id="157" name="Straight Arrow Connector 156">
-            <a:extLst>
-              <a:ext uri="{FF2B5EF4-FFF2-40B4-BE49-F238E27FC236}">
-                <a16:creationId xmlns:a16="http://schemas.microsoft.com/office/drawing/2014/main" id="{1326901A-9F99-4B20-8181-47E47E67A39A}"/>
+          <p:cNvPr id="121" name="Straight Arrow Connector 120">
+            <a:extLst>
+              <a:ext uri="{FF2B5EF4-FFF2-40B4-BE49-F238E27FC236}">
+                <a16:creationId xmlns:a16="http://schemas.microsoft.com/office/drawing/2014/main" id="{D93FAD61-E741-499C-820D-AF2A26A6E4DB}"/>
               </a:ext>
             </a:extLst>
           </p:cNvPr>
           <p:cNvCxnSpPr>
             <a:cxnSpLocks/>
-            <a:stCxn id="84" idx="1"/>
-            <a:endCxn id="80" idx="7"/>
           </p:cNvCxnSpPr>
           <p:nvPr/>
         </p:nvCxnSpPr>
         <p:spPr>
-          <a:xfrm flipH="1">
-            <a:off x="1348520" y="4396043"/>
-            <a:ext cx="773446" cy="0"/>
+          <a:xfrm flipV="1">
+            <a:off x="7876899" y="3894130"/>
+            <a:ext cx="0" cy="1546890"/>
           </a:xfrm>
           <a:prstGeom prst="straightConnector1">
             <a:avLst/>
           </a:prstGeom>
-          <a:ln>
+          <a:ln w="76200">
+            <a:solidFill>
+              <a:srgbClr val="FF0000"/>
+            </a:solidFill>
+            <a:prstDash val="solid"/>
+            <a:headEnd type="triangle"/>
             <a:tailEnd type="triangle"/>
           </a:ln>
         </p:spPr>
         <p:style>
           <a:lnRef idx="1">
-            <a:schemeClr val="dk1"/>
+            <a:schemeClr val="accent1"/>
           </a:lnRef>
           <a:fillRef idx="0">
-            <a:schemeClr val="dk1"/>
+            <a:schemeClr val="accent1"/>
           </a:fillRef>
           <a:effectRef idx="0">
-            <a:schemeClr val="dk1"/>
+            <a:schemeClr val="accent1"/>
           </a:effectRef>
           <a:fontRef idx="minor">
             <a:schemeClr val="tx1"/>
           </a:fontRef>
         </p:style>
       </p:cxnSp>
+      <p:sp>
+        <p:nvSpPr>
+          <p:cNvPr id="122" name="TextBox 121">
+            <a:extLst>
+              <a:ext uri="{FF2B5EF4-FFF2-40B4-BE49-F238E27FC236}">
+                <a16:creationId xmlns:a16="http://schemas.microsoft.com/office/drawing/2014/main" id="{B32A810F-BF6B-4000-9AFD-8B8D42D80E47}"/>
+              </a:ext>
+            </a:extLst>
+          </p:cNvPr>
+          <p:cNvSpPr txBox="1"/>
+          <p:nvPr/>
+        </p:nvSpPr>
+        <p:spPr>
+          <a:xfrm>
+            <a:off x="8762707" y="6050578"/>
+            <a:ext cx="1083912" cy="307777"/>
+          </a:xfrm>
+          <a:prstGeom prst="rect">
+            <a:avLst/>
+          </a:prstGeom>
+          <a:noFill/>
+        </p:spPr>
+        <p:txBody>
+          <a:bodyPr wrap="square" rtlCol="0">
+            <a:spAutoFit/>
+          </a:bodyPr>
+          <a:lstStyle/>
+          <a:p>
+            <a:pPr algn="ctr"/>
+            <a:r>
+              <a:rPr lang="en-GB" sz="1400" dirty="0"/>
+              <a:t>◄ Labels</a:t>
+            </a:r>
+          </a:p>
+        </p:txBody>
+      </p:sp>
+      <p:sp>
+        <p:nvSpPr>
+          <p:cNvPr id="123" name="TextBox 122">
+            <a:extLst>
+              <a:ext uri="{FF2B5EF4-FFF2-40B4-BE49-F238E27FC236}">
+                <a16:creationId xmlns:a16="http://schemas.microsoft.com/office/drawing/2014/main" id="{F0193D04-3208-4F06-BBA2-FE37BC71626F}"/>
+              </a:ext>
+            </a:extLst>
+          </p:cNvPr>
+          <p:cNvSpPr txBox="1"/>
+          <p:nvPr/>
+        </p:nvSpPr>
+        <p:spPr>
+          <a:xfrm>
+            <a:off x="6948546" y="3926637"/>
+            <a:ext cx="802510" cy="738664"/>
+          </a:xfrm>
+          <a:prstGeom prst="rect">
+            <a:avLst/>
+          </a:prstGeom>
+          <a:noFill/>
+        </p:spPr>
+        <p:txBody>
+          <a:bodyPr wrap="square" rtlCol="0">
+            <a:spAutoFit/>
+          </a:bodyPr>
+          <a:lstStyle/>
+          <a:p>
+            <a:pPr algn="ctr"/>
+            <a:r>
+              <a:rPr lang="en-GB" sz="1400" dirty="0"/>
+              <a:t>▲</a:t>
+            </a:r>
+          </a:p>
+          <a:p>
+            <a:pPr algn="ctr"/>
+            <a:r>
+              <a:rPr lang="en-GB" sz="1400" dirty="0"/>
+              <a:t>Labelled Objects</a:t>
+            </a:r>
+          </a:p>
+        </p:txBody>
+      </p:sp>
+      <p:sp>
+        <p:nvSpPr>
+          <p:cNvPr id="124" name="Rectangle 123">
+            <a:extLst>
+              <a:ext uri="{FF2B5EF4-FFF2-40B4-BE49-F238E27FC236}">
+                <a16:creationId xmlns:a16="http://schemas.microsoft.com/office/drawing/2014/main" id="{CF30EFBD-3437-4FDF-9081-13DBAAD65887}"/>
+              </a:ext>
+            </a:extLst>
+          </p:cNvPr>
+          <p:cNvSpPr/>
+          <p:nvPr/>
+        </p:nvSpPr>
+        <p:spPr>
+          <a:xfrm>
+            <a:off x="10913816" y="2940756"/>
+            <a:ext cx="1831960" cy="976488"/>
+          </a:xfrm>
+          <a:prstGeom prst="rect">
+            <a:avLst/>
+          </a:prstGeom>
+          <a:solidFill>
+            <a:srgbClr val="FF0000"/>
+          </a:solidFill>
+          <a:ln>
+            <a:noFill/>
+          </a:ln>
+        </p:spPr>
+        <p:style>
+          <a:lnRef idx="2">
+            <a:schemeClr val="accent1">
+              <a:shade val="50000"/>
+            </a:schemeClr>
+          </a:lnRef>
+          <a:fillRef idx="1">
+            <a:schemeClr val="accent1"/>
+          </a:fillRef>
+          <a:effectRef idx="0">
+            <a:schemeClr val="accent1"/>
+          </a:effectRef>
+          <a:fontRef idx="minor">
+            <a:schemeClr val="lt1"/>
+          </a:fontRef>
+        </p:style>
+        <p:txBody>
+          <a:bodyPr rtlCol="0" anchor="ctr"/>
+          <a:lstStyle/>
+          <a:p>
+            <a:pPr algn="ctr"/>
+            <a:endParaRPr lang="en-GB" dirty="0"/>
+          </a:p>
+        </p:txBody>
+      </p:sp>
+      <p:sp>
+        <p:nvSpPr>
+          <p:cNvPr id="125" name="TextBox 124">
+            <a:extLst>
+              <a:ext uri="{FF2B5EF4-FFF2-40B4-BE49-F238E27FC236}">
+                <a16:creationId xmlns:a16="http://schemas.microsoft.com/office/drawing/2014/main" id="{4E211EC3-F05E-4D22-B4D7-E50D6AC867AA}"/>
+              </a:ext>
+            </a:extLst>
+          </p:cNvPr>
+          <p:cNvSpPr txBox="1"/>
+          <p:nvPr/>
+        </p:nvSpPr>
+        <p:spPr>
+          <a:xfrm>
+            <a:off x="11229314" y="3013500"/>
+            <a:ext cx="1200970" cy="830997"/>
+          </a:xfrm>
+          <a:prstGeom prst="rect">
+            <a:avLst/>
+          </a:prstGeom>
+          <a:noFill/>
+        </p:spPr>
+        <p:txBody>
+          <a:bodyPr wrap="none" rtlCol="0">
+            <a:spAutoFit/>
+          </a:bodyPr>
+          <a:lstStyle/>
+          <a:p>
+            <a:pPr algn="ctr"/>
+            <a:r>
+              <a:rPr lang="en-GB" sz="2400" b="1" dirty="0">
+                <a:solidFill>
+                  <a:schemeClr val="bg2"/>
+                </a:solidFill>
+                <a:effectLst>
+                  <a:glow rad="101600">
+                    <a:schemeClr val="tx1">
+                      <a:alpha val="60000"/>
+                    </a:schemeClr>
+                  </a:glow>
+                </a:effectLst>
+              </a:rPr>
+              <a:t>Robot </a:t>
+            </a:r>
+          </a:p>
+          <a:p>
+            <a:pPr algn="ctr"/>
+            <a:r>
+              <a:rPr lang="en-GB" sz="2400" b="1" dirty="0">
+                <a:solidFill>
+                  <a:schemeClr val="bg2"/>
+                </a:solidFill>
+                <a:effectLst>
+                  <a:glow rad="101600">
+                    <a:schemeClr val="tx1">
+                      <a:alpha val="60000"/>
+                    </a:schemeClr>
+                  </a:glow>
+                </a:effectLst>
+              </a:rPr>
+              <a:t>Handler</a:t>
+            </a:r>
+          </a:p>
+        </p:txBody>
+      </p:sp>
       <p:cxnSp>
         <p:nvCxnSpPr>
-          <p:cNvPr id="158" name="Straight Arrow Connector 157">
-            <a:extLst>
-              <a:ext uri="{FF2B5EF4-FFF2-40B4-BE49-F238E27FC236}">
-                <a16:creationId xmlns:a16="http://schemas.microsoft.com/office/drawing/2014/main" id="{D728E2B4-FE25-47DA-9793-94CBB8D351C8}"/>
+          <p:cNvPr id="126" name="Straight Arrow Connector 125">
+            <a:extLst>
+              <a:ext uri="{FF2B5EF4-FFF2-40B4-BE49-F238E27FC236}">
+                <a16:creationId xmlns:a16="http://schemas.microsoft.com/office/drawing/2014/main" id="{EF6A4085-3032-4ED6-B8C5-9D0D4489DE48}"/>
               </a:ext>
             </a:extLst>
           </p:cNvPr>
           <p:cNvCxnSpPr>
             <a:cxnSpLocks/>
-            <a:stCxn id="82" idx="6"/>
-            <a:endCxn id="85" idx="1"/>
           </p:cNvCxnSpPr>
           <p:nvPr/>
         </p:nvCxnSpPr>
         <p:spPr>
           <a:xfrm>
-            <a:off x="4960562" y="3376730"/>
-            <a:ext cx="541913" cy="507506"/>
+            <a:off x="8776688" y="3443756"/>
+            <a:ext cx="2137128" cy="0"/>
           </a:xfrm>
           <a:prstGeom prst="straightConnector1">
             <a:avLst/>
           </a:prstGeom>
-          <a:ln>
+          <a:ln w="76200" cmpd="sng">
+            <a:solidFill>
+              <a:srgbClr val="FF0000"/>
+            </a:solidFill>
+            <a:prstDash val="dash"/>
+            <a:headEnd type="none"/>
             <a:tailEnd type="triangle"/>
           </a:ln>
         </p:spPr>
         <p:style>
           <a:lnRef idx="1">
-            <a:schemeClr val="dk1"/>
+            <a:schemeClr val="accent1"/>
           </a:lnRef>
           <a:fillRef idx="0">
-            <a:schemeClr val="dk1"/>
+            <a:schemeClr val="accent1"/>
           </a:fillRef>
           <a:effectRef idx="0">
-            <a:schemeClr val="dk1"/>
+            <a:schemeClr val="accent1"/>
           </a:effectRef>
           <a:fontRef idx="minor">
             <a:schemeClr val="tx1"/>
           </a:fontRef>
         </p:style>
       </p:cxnSp>
+      <p:grpSp>
+        <p:nvGrpSpPr>
+          <p:cNvPr id="16" name="Group 15"/>
+          <p:cNvGrpSpPr/>
+          <p:nvPr/>
+        </p:nvGrpSpPr>
+        <p:grpSpPr>
+          <a:xfrm>
+            <a:off x="8762707" y="5857875"/>
+            <a:ext cx="2274449" cy="382118"/>
+            <a:chOff x="8762707" y="5857875"/>
+            <a:chExt cx="2274449" cy="382118"/>
+          </a:xfrm>
+        </p:grpSpPr>
+        <p:cxnSp>
+          <p:nvCxnSpPr>
+            <p:cNvPr id="127" name="Straight Connector 126"/>
+            <p:cNvCxnSpPr/>
+            <p:nvPr/>
+          </p:nvCxnSpPr>
+          <p:spPr>
+            <a:xfrm>
+              <a:off x="9905333" y="6050578"/>
+              <a:ext cx="1131823" cy="0"/>
+            </a:xfrm>
+            <a:prstGeom prst="line">
+              <a:avLst/>
+            </a:prstGeom>
+            <a:ln w="76200">
+              <a:solidFill>
+                <a:schemeClr val="accent6">
+                  <a:lumMod val="50000"/>
+                </a:schemeClr>
+              </a:solidFill>
+              <a:headEnd type="oval"/>
+            </a:ln>
+          </p:spPr>
+          <p:style>
+            <a:lnRef idx="1">
+              <a:schemeClr val="accent1"/>
+            </a:lnRef>
+            <a:fillRef idx="0">
+              <a:schemeClr val="accent1"/>
+            </a:fillRef>
+            <a:effectRef idx="0">
+              <a:schemeClr val="accent1"/>
+            </a:effectRef>
+            <a:fontRef idx="minor">
+              <a:schemeClr val="tx1"/>
+            </a:fontRef>
+          </p:style>
+        </p:cxnSp>
+        <p:cxnSp>
+          <p:nvCxnSpPr>
+            <p:cNvPr id="128" name="Straight Connector 127"/>
+            <p:cNvCxnSpPr/>
+            <p:nvPr/>
+          </p:nvCxnSpPr>
+          <p:spPr>
+            <a:xfrm flipH="1">
+              <a:off x="8762707" y="6050578"/>
+              <a:ext cx="961395" cy="0"/>
+            </a:xfrm>
+            <a:prstGeom prst="line">
+              <a:avLst/>
+            </a:prstGeom>
+            <a:ln w="76200">
+              <a:solidFill>
+                <a:schemeClr val="accent6">
+                  <a:lumMod val="50000"/>
+                </a:schemeClr>
+              </a:solidFill>
+              <a:headEnd type="none"/>
+            </a:ln>
+          </p:spPr>
+          <p:style>
+            <a:lnRef idx="1">
+              <a:schemeClr val="accent1"/>
+            </a:lnRef>
+            <a:fillRef idx="0">
+              <a:schemeClr val="accent1"/>
+            </a:fillRef>
+            <a:effectRef idx="0">
+              <a:schemeClr val="accent1"/>
+            </a:effectRef>
+            <a:fontRef idx="minor">
+              <a:schemeClr val="tx1"/>
+            </a:fontRef>
+          </p:style>
+        </p:cxnSp>
+        <p:sp>
+          <p:nvSpPr>
+            <p:cNvPr id="129" name="Block Arc 128"/>
+            <p:cNvSpPr/>
+            <p:nvPr/>
+          </p:nvSpPr>
+          <p:spPr>
+            <a:xfrm rot="16200000">
+              <a:off x="9715809" y="5857875"/>
+              <a:ext cx="382118" cy="382118"/>
+            </a:xfrm>
+            <a:prstGeom prst="blockArc">
+              <a:avLst>
+                <a:gd name="adj1" fmla="val 10800000"/>
+                <a:gd name="adj2" fmla="val 9152"/>
+                <a:gd name="adj3" fmla="val 10583"/>
+              </a:avLst>
+            </a:prstGeom>
+            <a:solidFill>
+              <a:schemeClr val="accent6">
+                <a:lumMod val="50000"/>
+              </a:schemeClr>
+            </a:solidFill>
+            <a:ln>
+              <a:noFill/>
+            </a:ln>
+          </p:spPr>
+          <p:style>
+            <a:lnRef idx="2">
+              <a:schemeClr val="accent1">
+                <a:shade val="50000"/>
+              </a:schemeClr>
+            </a:lnRef>
+            <a:fillRef idx="1">
+              <a:schemeClr val="accent1"/>
+            </a:fillRef>
+            <a:effectRef idx="0">
+              <a:schemeClr val="accent1"/>
+            </a:effectRef>
+            <a:fontRef idx="minor">
+              <a:schemeClr val="lt1"/>
+            </a:fontRef>
+          </p:style>
+          <p:txBody>
+            <a:bodyPr rtlCol="0" anchor="ctr"/>
+            <a:lstStyle/>
+            <a:p>
+              <a:pPr algn="ctr"/>
+              <a:endParaRPr lang="en-GB" dirty="0">
+                <a:solidFill>
+                  <a:schemeClr val="tx1"/>
+                </a:solidFill>
+              </a:endParaRPr>
+            </a:p>
+          </p:txBody>
+        </p:sp>
+      </p:grpSp>
+      <p:sp>
+        <p:nvSpPr>
+          <p:cNvPr id="130" name="TextBox 129">
+            <a:extLst>
+              <a:ext uri="{FF2B5EF4-FFF2-40B4-BE49-F238E27FC236}">
+                <a16:creationId xmlns:a16="http://schemas.microsoft.com/office/drawing/2014/main" id="{F0193D04-3208-4F06-BBA2-FE37BC71626F}"/>
+              </a:ext>
+            </a:extLst>
+          </p:cNvPr>
+          <p:cNvSpPr txBox="1"/>
+          <p:nvPr/>
+        </p:nvSpPr>
+        <p:spPr>
+          <a:xfrm>
+            <a:off x="6948546" y="4726459"/>
+            <a:ext cx="802510" cy="738664"/>
+          </a:xfrm>
+          <a:prstGeom prst="rect">
+            <a:avLst/>
+          </a:prstGeom>
+          <a:noFill/>
+        </p:spPr>
+        <p:txBody>
+          <a:bodyPr wrap="square" rtlCol="0">
+            <a:spAutoFit/>
+          </a:bodyPr>
+          <a:lstStyle/>
+          <a:p>
+            <a:pPr algn="ctr"/>
+            <a:r>
+              <a:rPr lang="en-GB" sz="1400" dirty="0"/>
+              <a:t>BG + Frame</a:t>
+            </a:r>
+          </a:p>
+          <a:p>
+            <a:pPr algn="ctr"/>
+            <a:r>
+              <a:rPr lang="en-GB" sz="1400" dirty="0"/>
+              <a:t>▼</a:t>
+            </a:r>
+          </a:p>
+        </p:txBody>
+      </p:sp>
+      <p:sp>
+        <p:nvSpPr>
+          <p:cNvPr id="131" name="TextBox 130">
+            <a:extLst>
+              <a:ext uri="{FF2B5EF4-FFF2-40B4-BE49-F238E27FC236}">
+                <a16:creationId xmlns:a16="http://schemas.microsoft.com/office/drawing/2014/main" id="{B32A810F-BF6B-4000-9AFD-8B8D42D80E47}"/>
+              </a:ext>
+            </a:extLst>
+          </p:cNvPr>
+          <p:cNvSpPr txBox="1"/>
+          <p:nvPr/>
+        </p:nvSpPr>
+        <p:spPr>
+          <a:xfrm>
+            <a:off x="9678064" y="3547774"/>
+            <a:ext cx="1276297" cy="307777"/>
+          </a:xfrm>
+          <a:prstGeom prst="rect">
+            <a:avLst/>
+          </a:prstGeom>
+          <a:noFill/>
+        </p:spPr>
+        <p:txBody>
+          <a:bodyPr wrap="square" rtlCol="0">
+            <a:spAutoFit/>
+          </a:bodyPr>
+          <a:lstStyle/>
+          <a:p>
+            <a:pPr algn="ctr"/>
+            <a:r>
+              <a:rPr lang="en-GB" sz="1400" dirty="0"/>
+              <a:t>Instructions ►</a:t>
+            </a:r>
+          </a:p>
+        </p:txBody>
+      </p:sp>
+      <p:sp>
+        <p:nvSpPr>
+          <p:cNvPr id="132" name="Rectangle 131">
+            <a:extLst>
+              <a:ext uri="{FF2B5EF4-FFF2-40B4-BE49-F238E27FC236}">
+                <a16:creationId xmlns:a16="http://schemas.microsoft.com/office/drawing/2014/main" id="{ADD36DBD-8DDC-434F-9125-A76A4D4E0292}"/>
+              </a:ext>
+            </a:extLst>
+          </p:cNvPr>
+          <p:cNvSpPr/>
+          <p:nvPr/>
+        </p:nvSpPr>
+        <p:spPr>
+          <a:xfrm>
+            <a:off x="6930747" y="313220"/>
+            <a:ext cx="1831960" cy="1190158"/>
+          </a:xfrm>
+          <a:prstGeom prst="rect">
+            <a:avLst/>
+          </a:prstGeom>
+          <a:solidFill>
+            <a:srgbClr val="FF0000"/>
+          </a:solidFill>
+          <a:ln>
+            <a:noFill/>
+          </a:ln>
+        </p:spPr>
+        <p:style>
+          <a:lnRef idx="2">
+            <a:schemeClr val="accent1">
+              <a:shade val="50000"/>
+            </a:schemeClr>
+          </a:lnRef>
+          <a:fillRef idx="1">
+            <a:schemeClr val="accent1"/>
+          </a:fillRef>
+          <a:effectRef idx="0">
+            <a:schemeClr val="accent1"/>
+          </a:effectRef>
+          <a:fontRef idx="minor">
+            <a:schemeClr val="lt1"/>
+          </a:fontRef>
+        </p:style>
+        <p:txBody>
+          <a:bodyPr rtlCol="0" anchor="ctr"/>
+          <a:lstStyle/>
+          <a:p>
+            <a:pPr algn="ctr"/>
+            <a:endParaRPr lang="en-GB" dirty="0"/>
+          </a:p>
+        </p:txBody>
+      </p:sp>
+      <p:sp>
+        <p:nvSpPr>
+          <p:cNvPr id="133" name="TextBox 132">
+            <a:extLst>
+              <a:ext uri="{FF2B5EF4-FFF2-40B4-BE49-F238E27FC236}">
+                <a16:creationId xmlns:a16="http://schemas.microsoft.com/office/drawing/2014/main" id="{ED06F2CA-B022-4B57-93BA-3A4A5FD519CB}"/>
+              </a:ext>
+            </a:extLst>
+          </p:cNvPr>
+          <p:cNvSpPr txBox="1"/>
+          <p:nvPr/>
+        </p:nvSpPr>
+        <p:spPr>
+          <a:xfrm>
+            <a:off x="6896864" y="313220"/>
+            <a:ext cx="1899751" cy="1200329"/>
+          </a:xfrm>
+          <a:prstGeom prst="rect">
+            <a:avLst/>
+          </a:prstGeom>
+          <a:noFill/>
+        </p:spPr>
+        <p:txBody>
+          <a:bodyPr wrap="none" rtlCol="0">
+            <a:spAutoFit/>
+          </a:bodyPr>
+          <a:lstStyle/>
+          <a:p>
+            <a:pPr algn="ctr"/>
+            <a:r>
+              <a:rPr lang="en-GB" sz="2400" b="1" dirty="0">
+                <a:solidFill>
+                  <a:schemeClr val="bg2"/>
+                </a:solidFill>
+                <a:effectLst>
+                  <a:glow rad="101600">
+                    <a:schemeClr val="tx1">
+                      <a:alpha val="60000"/>
+                    </a:schemeClr>
+                  </a:glow>
+                </a:effectLst>
+              </a:rPr>
+              <a:t>Relative </a:t>
+            </a:r>
+          </a:p>
+          <a:p>
+            <a:pPr algn="ctr"/>
+            <a:r>
+              <a:rPr lang="en-GB" sz="2400" b="1" dirty="0">
+                <a:solidFill>
+                  <a:schemeClr val="bg2"/>
+                </a:solidFill>
+                <a:effectLst>
+                  <a:glow rad="101600">
+                    <a:schemeClr val="tx1">
+                      <a:alpha val="60000"/>
+                    </a:schemeClr>
+                  </a:glow>
+                </a:effectLst>
+              </a:rPr>
+              <a:t>Geo-Position </a:t>
+            </a:r>
+          </a:p>
+          <a:p>
+            <a:pPr algn="ctr"/>
+            <a:r>
+              <a:rPr lang="en-GB" sz="2400" b="1" dirty="0">
+                <a:solidFill>
+                  <a:schemeClr val="bg2"/>
+                </a:solidFill>
+                <a:effectLst>
+                  <a:glow rad="101600">
+                    <a:schemeClr val="tx1">
+                      <a:alpha val="60000"/>
+                    </a:schemeClr>
+                  </a:glow>
+                </a:effectLst>
+              </a:rPr>
+              <a:t>System</a:t>
+            </a:r>
+          </a:p>
+        </p:txBody>
+      </p:sp>
       <p:cxnSp>
         <p:nvCxnSpPr>
-          <p:cNvPr id="159" name="Straight Arrow Connector 158">
-            <a:extLst>
-              <a:ext uri="{FF2B5EF4-FFF2-40B4-BE49-F238E27FC236}">
-                <a16:creationId xmlns:a16="http://schemas.microsoft.com/office/drawing/2014/main" id="{C4521EA0-29E8-43C1-A766-D19583B8F8C2}"/>
+          <p:cNvPr id="134" name="Straight Arrow Connector 133">
+            <a:extLst>
+              <a:ext uri="{FF2B5EF4-FFF2-40B4-BE49-F238E27FC236}">
+                <a16:creationId xmlns:a16="http://schemas.microsoft.com/office/drawing/2014/main" id="{D93FAD61-E741-499C-820D-AF2A26A6E4DB}"/>
               </a:ext>
             </a:extLst>
           </p:cNvPr>
           <p:cNvCxnSpPr>
             <a:cxnSpLocks/>
-            <a:stCxn id="85" idx="3"/>
-            <a:endCxn id="81" idx="2"/>
           </p:cNvCxnSpPr>
           <p:nvPr/>
         </p:nvCxnSpPr>
         <p:spPr>
-          <a:xfrm>
-            <a:off x="6689524" y="3884236"/>
-            <a:ext cx="541914" cy="4302"/>
+          <a:xfrm flipV="1">
+            <a:off x="7876899" y="1503378"/>
+            <a:ext cx="0" cy="1416941"/>
           </a:xfrm>
           <a:prstGeom prst="straightConnector1">
             <a:avLst/>
           </a:prstGeom>
-          <a:ln>
+          <a:ln w="76200">
+            <a:solidFill>
+              <a:srgbClr val="FF0000"/>
+            </a:solidFill>
+            <a:prstDash val="solid"/>
+            <a:headEnd type="triangle"/>
             <a:tailEnd type="triangle"/>
           </a:ln>
         </p:spPr>
         <p:style>
           <a:lnRef idx="1">
-            <a:schemeClr val="dk1"/>
+            <a:schemeClr val="accent1"/>
           </a:lnRef>
           <a:fillRef idx="0">
-            <a:schemeClr val="dk1"/>
+            <a:schemeClr val="accent1"/>
           </a:fillRef>
           <a:effectRef idx="0">
-            <a:schemeClr val="dk1"/>
+            <a:schemeClr val="accent1"/>
           </a:effectRef>
           <a:fontRef idx="minor">
             <a:schemeClr val="tx1"/>
           </a:fontRef>
         </p:style>
       </p:cxnSp>
+      <p:sp>
+        <p:nvSpPr>
+          <p:cNvPr id="135" name="TextBox 134">
+            <a:extLst>
+              <a:ext uri="{FF2B5EF4-FFF2-40B4-BE49-F238E27FC236}">
+                <a16:creationId xmlns:a16="http://schemas.microsoft.com/office/drawing/2014/main" id="{F0193D04-3208-4F06-BBA2-FE37BC71626F}"/>
+              </a:ext>
+            </a:extLst>
+          </p:cNvPr>
+          <p:cNvSpPr txBox="1"/>
+          <p:nvPr/>
+        </p:nvSpPr>
+        <p:spPr>
+          <a:xfrm>
+            <a:off x="6948546" y="1438096"/>
+            <a:ext cx="802510" cy="523220"/>
+          </a:xfrm>
+          <a:prstGeom prst="rect">
+            <a:avLst/>
+          </a:prstGeom>
+          <a:noFill/>
+        </p:spPr>
+        <p:txBody>
+          <a:bodyPr wrap="square" rtlCol="0">
+            <a:spAutoFit/>
+          </a:bodyPr>
+          <a:lstStyle/>
+          <a:p>
+            <a:pPr algn="ctr"/>
+            <a:r>
+              <a:rPr lang="en-GB" sz="1400" dirty="0"/>
+              <a:t>▲</a:t>
+            </a:r>
+          </a:p>
+          <a:p>
+            <a:pPr algn="ctr"/>
+            <a:r>
+              <a:rPr lang="en-GB" sz="1400" dirty="0"/>
+              <a:t>Objects</a:t>
+            </a:r>
+          </a:p>
+        </p:txBody>
+      </p:sp>
+      <p:sp>
+        <p:nvSpPr>
+          <p:cNvPr id="136" name="TextBox 135">
+            <a:extLst>
+              <a:ext uri="{FF2B5EF4-FFF2-40B4-BE49-F238E27FC236}">
+                <a16:creationId xmlns:a16="http://schemas.microsoft.com/office/drawing/2014/main" id="{B32A810F-BF6B-4000-9AFD-8B8D42D80E47}"/>
+              </a:ext>
+            </a:extLst>
+          </p:cNvPr>
+          <p:cNvSpPr txBox="1"/>
+          <p:nvPr/>
+        </p:nvSpPr>
+        <p:spPr>
+          <a:xfrm>
+            <a:off x="9895866" y="6050578"/>
+            <a:ext cx="1083912" cy="307777"/>
+          </a:xfrm>
+          <a:prstGeom prst="rect">
+            <a:avLst/>
+          </a:prstGeom>
+          <a:noFill/>
+        </p:spPr>
+        <p:txBody>
+          <a:bodyPr wrap="square" rtlCol="0">
+            <a:spAutoFit/>
+          </a:bodyPr>
+          <a:lstStyle/>
+          <a:p>
+            <a:pPr algn="ctr"/>
+            <a:r>
+              <a:rPr lang="en-GB" sz="1400" dirty="0"/>
+              <a:t>Object ►</a:t>
+            </a:r>
+          </a:p>
+        </p:txBody>
+      </p:sp>
+      <p:grpSp>
+        <p:nvGrpSpPr>
+          <p:cNvPr id="137" name="Group 136">
+            <a:extLst>
+              <a:ext uri="{FF2B5EF4-FFF2-40B4-BE49-F238E27FC236}">
+                <a16:creationId xmlns:a16="http://schemas.microsoft.com/office/drawing/2014/main" id="{0EB7F6F5-EE0C-4A6A-91A8-4227CAAA66AD}"/>
+              </a:ext>
+            </a:extLst>
+          </p:cNvPr>
+          <p:cNvGrpSpPr/>
+          <p:nvPr/>
+        </p:nvGrpSpPr>
+        <p:grpSpPr>
+          <a:xfrm rot="16200000">
+            <a:off x="11248582" y="16352"/>
+            <a:ext cx="1156050" cy="1838344"/>
+            <a:chOff x="6960847" y="403740"/>
+            <a:chExt cx="3822539" cy="6078580"/>
+          </a:xfrm>
+          <a:solidFill>
+            <a:srgbClr val="FF0000"/>
+          </a:solidFill>
+        </p:grpSpPr>
+        <p:sp>
+          <p:nvSpPr>
+            <p:cNvPr id="138" name="Rectangle: Rounded Corners 15">
+              <a:extLst>
+                <a:ext uri="{FF2B5EF4-FFF2-40B4-BE49-F238E27FC236}">
+                  <a16:creationId xmlns:a16="http://schemas.microsoft.com/office/drawing/2014/main" id="{4910E712-7CCC-4036-BB7D-5C63E9E5FDAB}"/>
+                </a:ext>
+              </a:extLst>
+            </p:cNvPr>
+            <p:cNvSpPr/>
+            <p:nvPr/>
+          </p:nvSpPr>
+          <p:spPr>
+            <a:xfrm rot="16200000">
+              <a:off x="7295281" y="2966156"/>
+              <a:ext cx="6050521" cy="925689"/>
+            </a:xfrm>
+            <a:prstGeom prst="roundRect">
+              <a:avLst>
+                <a:gd name="adj" fmla="val 50000"/>
+              </a:avLst>
+            </a:prstGeom>
+            <a:grpFill/>
+            <a:ln>
+              <a:solidFill>
+                <a:schemeClr val="tx1"/>
+              </a:solidFill>
+            </a:ln>
+          </p:spPr>
+          <p:style>
+            <a:lnRef idx="2">
+              <a:schemeClr val="accent1">
+                <a:shade val="50000"/>
+              </a:schemeClr>
+            </a:lnRef>
+            <a:fillRef idx="1">
+              <a:schemeClr val="accent1"/>
+            </a:fillRef>
+            <a:effectRef idx="0">
+              <a:schemeClr val="accent1"/>
+            </a:effectRef>
+            <a:fontRef idx="minor">
+              <a:schemeClr val="lt1"/>
+            </a:fontRef>
+          </p:style>
+          <p:txBody>
+            <a:bodyPr rtlCol="0" anchor="ctr"/>
+            <a:lstStyle/>
+            <a:p>
+              <a:pPr algn="ctr"/>
+              <a:endParaRPr lang="en-GB" dirty="0"/>
+            </a:p>
+          </p:txBody>
+        </p:sp>
+        <p:sp>
+          <p:nvSpPr>
+            <p:cNvPr id="139" name="Rectangle: Rounded Corners 16">
+              <a:extLst>
+                <a:ext uri="{FF2B5EF4-FFF2-40B4-BE49-F238E27FC236}">
+                  <a16:creationId xmlns:a16="http://schemas.microsoft.com/office/drawing/2014/main" id="{203D6D70-B921-4172-8BB5-E3E2F3045288}"/>
+                </a:ext>
+              </a:extLst>
+            </p:cNvPr>
+            <p:cNvSpPr/>
+            <p:nvPr/>
+          </p:nvSpPr>
+          <p:spPr>
+            <a:xfrm rot="5400000">
+              <a:off x="4398431" y="2994215"/>
+              <a:ext cx="6050521" cy="925689"/>
+            </a:xfrm>
+            <a:prstGeom prst="roundRect">
+              <a:avLst>
+                <a:gd name="adj" fmla="val 50000"/>
+              </a:avLst>
+            </a:prstGeom>
+            <a:grpFill/>
+            <a:ln>
+              <a:solidFill>
+                <a:schemeClr val="tx1"/>
+              </a:solidFill>
+            </a:ln>
+          </p:spPr>
+          <p:style>
+            <a:lnRef idx="2">
+              <a:schemeClr val="accent1">
+                <a:shade val="50000"/>
+              </a:schemeClr>
+            </a:lnRef>
+            <a:fillRef idx="1">
+              <a:schemeClr val="accent1"/>
+            </a:fillRef>
+            <a:effectRef idx="0">
+              <a:schemeClr val="accent1"/>
+            </a:effectRef>
+            <a:fontRef idx="minor">
+              <a:schemeClr val="lt1"/>
+            </a:fontRef>
+          </p:style>
+          <p:txBody>
+            <a:bodyPr rtlCol="0" anchor="ctr"/>
+            <a:lstStyle/>
+            <a:p>
+              <a:pPr algn="ctr"/>
+              <a:endParaRPr lang="en-GB" dirty="0"/>
+            </a:p>
+          </p:txBody>
+        </p:sp>
+        <p:sp>
+          <p:nvSpPr>
+            <p:cNvPr id="140" name="Rectangle 139">
+              <a:extLst>
+                <a:ext uri="{FF2B5EF4-FFF2-40B4-BE49-F238E27FC236}">
+                  <a16:creationId xmlns:a16="http://schemas.microsoft.com/office/drawing/2014/main" id="{8F9E3AED-DA06-41E3-B4CB-F98B313D387C}"/>
+                </a:ext>
+              </a:extLst>
+            </p:cNvPr>
+            <p:cNvSpPr/>
+            <p:nvPr/>
+          </p:nvSpPr>
+          <p:spPr>
+            <a:xfrm rot="16200000">
+              <a:off x="6524490" y="2193194"/>
+              <a:ext cx="4763911" cy="2527730"/>
+            </a:xfrm>
+            <a:prstGeom prst="rect">
+              <a:avLst/>
+            </a:prstGeom>
+            <a:grpFill/>
+            <a:ln>
+              <a:solidFill>
+                <a:schemeClr val="tx1"/>
+              </a:solidFill>
+            </a:ln>
+          </p:spPr>
+          <p:style>
+            <a:lnRef idx="2">
+              <a:schemeClr val="accent1">
+                <a:shade val="50000"/>
+              </a:schemeClr>
+            </a:lnRef>
+            <a:fillRef idx="1">
+              <a:schemeClr val="accent1"/>
+            </a:fillRef>
+            <a:effectRef idx="0">
+              <a:schemeClr val="accent1"/>
+            </a:effectRef>
+            <a:fontRef idx="minor">
+              <a:schemeClr val="lt1"/>
+            </a:fontRef>
+          </p:style>
+          <p:txBody>
+            <a:bodyPr rtlCol="0" anchor="ctr"/>
+            <a:lstStyle/>
+            <a:p>
+              <a:pPr algn="ctr"/>
+              <a:endParaRPr lang="en-GB" dirty="0"/>
+            </a:p>
+          </p:txBody>
+        </p:sp>
+      </p:grpSp>
       <p:cxnSp>
         <p:nvCxnSpPr>
-          <p:cNvPr id="160" name="Straight Arrow Connector 159">
-            <a:extLst>
-              <a:ext uri="{FF2B5EF4-FFF2-40B4-BE49-F238E27FC236}">
-                <a16:creationId xmlns:a16="http://schemas.microsoft.com/office/drawing/2014/main" id="{E8B4ED40-61FB-48BB-829E-6CBF91E0654A}"/>
+          <p:cNvPr id="141" name="Straight Arrow Connector 140">
+            <a:extLst>
+              <a:ext uri="{FF2B5EF4-FFF2-40B4-BE49-F238E27FC236}">
+                <a16:creationId xmlns:a16="http://schemas.microsoft.com/office/drawing/2014/main" id="{D93FAD61-E741-499C-820D-AF2A26A6E4DB}"/>
               </a:ext>
             </a:extLst>
           </p:cNvPr>
           <p:cNvCxnSpPr>
             <a:cxnSpLocks/>
-            <a:stCxn id="81" idx="7"/>
-            <a:endCxn id="150" idx="1"/>
           </p:cNvCxnSpPr>
           <p:nvPr/>
         </p:nvCxnSpPr>
         <p:spPr>
           <a:xfrm flipV="1">
-            <a:off x="8229964" y="2981047"/>
-            <a:ext cx="713234" cy="749348"/>
+            <a:off x="11822364" y="1503379"/>
+            <a:ext cx="0" cy="1437376"/>
           </a:xfrm>
           <a:prstGeom prst="straightConnector1">
             <a:avLst/>
           </a:prstGeom>
-          <a:ln>
+          <a:ln w="76200">
+            <a:solidFill>
+              <a:srgbClr val="FF0000"/>
+            </a:solidFill>
+            <a:prstDash val="sysDot"/>
+            <a:headEnd type="none"/>
             <a:tailEnd type="triangle"/>
           </a:ln>
         </p:spPr>
         <p:style>
           <a:lnRef idx="1">
-            <a:schemeClr val="dk1"/>
+            <a:schemeClr val="accent1"/>
           </a:lnRef>
           <a:fillRef idx="0">
-            <a:schemeClr val="dk1"/>
+            <a:schemeClr val="accent1"/>
           </a:fillRef>
           <a:effectRef idx="0">
-            <a:schemeClr val="dk1"/>
+            <a:schemeClr val="accent1"/>
           </a:effectRef>
           <a:fontRef idx="minor">
             <a:schemeClr val="tx1"/>
           </a:fontRef>
         </p:style>
       </p:cxnSp>
+      <p:sp>
+        <p:nvSpPr>
+          <p:cNvPr id="142" name="TextBox 141">
+            <a:extLst>
+              <a:ext uri="{FF2B5EF4-FFF2-40B4-BE49-F238E27FC236}">
+                <a16:creationId xmlns:a16="http://schemas.microsoft.com/office/drawing/2014/main" id="{4E211EC3-F05E-4D22-B4D7-E50D6AC867AA}"/>
+              </a:ext>
+            </a:extLst>
+          </p:cNvPr>
+          <p:cNvSpPr txBox="1"/>
+          <p:nvPr/>
+        </p:nvSpPr>
+        <p:spPr>
+          <a:xfrm>
+            <a:off x="11317768" y="682551"/>
+            <a:ext cx="1024062" cy="461665"/>
+          </a:xfrm>
+          <a:prstGeom prst="rect">
+            <a:avLst/>
+          </a:prstGeom>
+          <a:noFill/>
+        </p:spPr>
+        <p:txBody>
+          <a:bodyPr wrap="none" rtlCol="0">
+            <a:spAutoFit/>
+          </a:bodyPr>
+          <a:lstStyle/>
+          <a:p>
+            <a:pPr algn="ctr"/>
+            <a:r>
+              <a:rPr lang="en-GB" sz="2400" b="1" dirty="0">
+                <a:solidFill>
+                  <a:schemeClr val="bg2"/>
+                </a:solidFill>
+                <a:effectLst>
+                  <a:glow rad="101600">
+                    <a:schemeClr val="tx1">
+                      <a:alpha val="60000"/>
+                    </a:schemeClr>
+                  </a:glow>
+                </a:effectLst>
+              </a:rPr>
+              <a:t>Robot </a:t>
+            </a:r>
+          </a:p>
+        </p:txBody>
+      </p:sp>
+      <p:sp>
+        <p:nvSpPr>
+          <p:cNvPr id="143" name="TextBox 142">
+            <a:extLst>
+              <a:ext uri="{FF2B5EF4-FFF2-40B4-BE49-F238E27FC236}">
+                <a16:creationId xmlns:a16="http://schemas.microsoft.com/office/drawing/2014/main" id="{F0193D04-3208-4F06-BBA2-FE37BC71626F}"/>
+              </a:ext>
+            </a:extLst>
+          </p:cNvPr>
+          <p:cNvSpPr txBox="1"/>
+          <p:nvPr/>
+        </p:nvSpPr>
+        <p:spPr>
+          <a:xfrm>
+            <a:off x="6948546" y="2366644"/>
+            <a:ext cx="802510" cy="523220"/>
+          </a:xfrm>
+          <a:prstGeom prst="rect">
+            <a:avLst/>
+          </a:prstGeom>
+          <a:noFill/>
+        </p:spPr>
+        <p:txBody>
+          <a:bodyPr wrap="square" rtlCol="0">
+            <a:spAutoFit/>
+          </a:bodyPr>
+          <a:lstStyle/>
+          <a:p>
+            <a:pPr algn="ctr"/>
+            <a:r>
+              <a:rPr lang="en-GB" sz="1400" dirty="0"/>
+              <a:t>Position</a:t>
+            </a:r>
+          </a:p>
+          <a:p>
+            <a:pPr algn="ctr"/>
+            <a:r>
+              <a:rPr lang="en-GB" sz="1400" dirty="0"/>
+              <a:t>▼</a:t>
+            </a:r>
+          </a:p>
+        </p:txBody>
+      </p:sp>
+      <p:sp>
+        <p:nvSpPr>
+          <p:cNvPr id="144" name="TextBox 143">
+            <a:extLst>
+              <a:ext uri="{FF2B5EF4-FFF2-40B4-BE49-F238E27FC236}">
+                <a16:creationId xmlns:a16="http://schemas.microsoft.com/office/drawing/2014/main" id="{F0193D04-3208-4F06-BBA2-FE37BC71626F}"/>
+              </a:ext>
+            </a:extLst>
+          </p:cNvPr>
+          <p:cNvSpPr txBox="1"/>
+          <p:nvPr/>
+        </p:nvSpPr>
+        <p:spPr>
+          <a:xfrm>
+            <a:off x="10762512" y="1508158"/>
+            <a:ext cx="1087508" cy="523220"/>
+          </a:xfrm>
+          <a:prstGeom prst="rect">
+            <a:avLst/>
+          </a:prstGeom>
+          <a:noFill/>
+        </p:spPr>
+        <p:txBody>
+          <a:bodyPr wrap="square" rtlCol="0">
+            <a:spAutoFit/>
+          </a:bodyPr>
+          <a:lstStyle/>
+          <a:p>
+            <a:pPr algn="ctr"/>
+            <a:r>
+              <a:rPr lang="en-GB" sz="1400" dirty="0"/>
+              <a:t>▲</a:t>
+            </a:r>
+          </a:p>
+          <a:p>
+            <a:pPr algn="ctr"/>
+            <a:r>
+              <a:rPr lang="en-GB" sz="1400" dirty="0"/>
+              <a:t>Instruction</a:t>
+            </a:r>
+          </a:p>
+        </p:txBody>
+      </p:sp>
+      <p:sp>
+        <p:nvSpPr>
+          <p:cNvPr id="145" name="Flowchart: Document 144">
+            <a:extLst>
+              <a:ext uri="{FF2B5EF4-FFF2-40B4-BE49-F238E27FC236}">
+                <a16:creationId xmlns:a16="http://schemas.microsoft.com/office/drawing/2014/main" id="{ADD36DBD-8DDC-434F-9125-A76A4D4E0292}"/>
+              </a:ext>
+            </a:extLst>
+          </p:cNvPr>
+          <p:cNvSpPr/>
+          <p:nvPr/>
+        </p:nvSpPr>
+        <p:spPr>
+          <a:xfrm>
+            <a:off x="2960537" y="5450413"/>
+            <a:ext cx="1831960" cy="976488"/>
+          </a:xfrm>
+          <a:prstGeom prst="flowChartDocument">
+            <a:avLst/>
+          </a:prstGeom>
+          <a:solidFill>
+            <a:schemeClr val="accent6">
+              <a:lumMod val="50000"/>
+            </a:schemeClr>
+          </a:solidFill>
+          <a:ln>
+            <a:noFill/>
+          </a:ln>
+        </p:spPr>
+        <p:style>
+          <a:lnRef idx="2">
+            <a:schemeClr val="accent1">
+              <a:shade val="50000"/>
+            </a:schemeClr>
+          </a:lnRef>
+          <a:fillRef idx="1">
+            <a:schemeClr val="accent1"/>
+          </a:fillRef>
+          <a:effectRef idx="0">
+            <a:schemeClr val="accent1"/>
+          </a:effectRef>
+          <a:fontRef idx="minor">
+            <a:schemeClr val="lt1"/>
+          </a:fontRef>
+        </p:style>
+        <p:txBody>
+          <a:bodyPr rtlCol="0" anchor="ctr"/>
+          <a:lstStyle/>
+          <a:p>
+            <a:pPr algn="ctr"/>
+            <a:endParaRPr lang="en-GB" dirty="0"/>
+          </a:p>
+        </p:txBody>
+      </p:sp>
       <p:cxnSp>
         <p:nvCxnSpPr>
-          <p:cNvPr id="161" name="Straight Arrow Connector 160">
-            <a:extLst>
-              <a:ext uri="{FF2B5EF4-FFF2-40B4-BE49-F238E27FC236}">
-                <a16:creationId xmlns:a16="http://schemas.microsoft.com/office/drawing/2014/main" id="{7231A6DC-8B0E-45CC-B570-5C9E4A678B3B}"/>
+          <p:cNvPr id="146" name="Straight Arrow Connector 145">
+            <a:extLst>
+              <a:ext uri="{FF2B5EF4-FFF2-40B4-BE49-F238E27FC236}">
+                <a16:creationId xmlns:a16="http://schemas.microsoft.com/office/drawing/2014/main" id="{63C8345C-A17E-44D4-B240-B3C2E331255D}"/>
               </a:ext>
             </a:extLst>
           </p:cNvPr>
           <p:cNvCxnSpPr>
             <a:cxnSpLocks/>
-            <a:stCxn id="81" idx="5"/>
-            <a:endCxn id="152" idx="1"/>
           </p:cNvCxnSpPr>
           <p:nvPr/>
         </p:nvCxnSpPr>
         <p:spPr>
           <a:xfrm>
-            <a:off x="8229964" y="4046680"/>
-            <a:ext cx="713234" cy="749348"/>
+            <a:off x="792594" y="5953413"/>
+            <a:ext cx="2156340" cy="0"/>
           </a:xfrm>
           <a:prstGeom prst="straightConnector1">
             <a:avLst/>
           </a:prstGeom>
-          <a:ln>
+          <a:ln w="76200">
+            <a:solidFill>
+              <a:schemeClr val="accent6">
+                <a:lumMod val="50000"/>
+              </a:schemeClr>
+            </a:solidFill>
+            <a:prstDash val="dash"/>
+            <a:headEnd type="none"/>
             <a:tailEnd type="triangle"/>
           </a:ln>
         </p:spPr>
         <p:style>
           <a:lnRef idx="1">
-            <a:schemeClr val="dk1"/>
+            <a:schemeClr val="accent1"/>
           </a:lnRef>
           <a:fillRef idx="0">
-            <a:schemeClr val="dk1"/>
+            <a:schemeClr val="accent1"/>
           </a:fillRef>
           <a:effectRef idx="0">
-            <a:schemeClr val="dk1"/>
+            <a:schemeClr val="accent1"/>
           </a:effectRef>
           <a:fontRef idx="minor">
             <a:schemeClr val="tx1"/>
           </a:fontRef>
         </p:style>
       </p:cxnSp>
+      <p:sp>
+        <p:nvSpPr>
+          <p:cNvPr id="147" name="TextBox 146">
+            <a:extLst>
+              <a:ext uri="{FF2B5EF4-FFF2-40B4-BE49-F238E27FC236}">
+                <a16:creationId xmlns:a16="http://schemas.microsoft.com/office/drawing/2014/main" id="{1ADC0E6E-5955-4431-A055-13C603AF1C44}"/>
+              </a:ext>
+            </a:extLst>
+          </p:cNvPr>
+          <p:cNvSpPr txBox="1"/>
+          <p:nvPr/>
+        </p:nvSpPr>
+        <p:spPr>
+          <a:xfrm>
+            <a:off x="2081564" y="6057431"/>
+            <a:ext cx="883369" cy="307777"/>
+          </a:xfrm>
+          <a:prstGeom prst="rect">
+            <a:avLst/>
+          </a:prstGeom>
+          <a:noFill/>
+        </p:spPr>
+        <p:txBody>
+          <a:bodyPr wrap="square" rtlCol="0">
+            <a:spAutoFit/>
+          </a:bodyPr>
+          <a:lstStyle/>
+          <a:p>
+            <a:pPr algn="r"/>
+            <a:r>
+              <a:rPr lang="en-GB" sz="1400" dirty="0"/>
+              <a:t>Frame ►</a:t>
+            </a:r>
+          </a:p>
+        </p:txBody>
+      </p:sp>
+      <p:sp>
+        <p:nvSpPr>
+          <p:cNvPr id="148" name="TextBox 147">
+            <a:extLst>
+              <a:ext uri="{FF2B5EF4-FFF2-40B4-BE49-F238E27FC236}">
+                <a16:creationId xmlns:a16="http://schemas.microsoft.com/office/drawing/2014/main" id="{ED06F2CA-B022-4B57-93BA-3A4A5FD519CB}"/>
+              </a:ext>
+            </a:extLst>
+          </p:cNvPr>
+          <p:cNvSpPr txBox="1"/>
+          <p:nvPr/>
+        </p:nvSpPr>
+        <p:spPr>
+          <a:xfrm>
+            <a:off x="3332613" y="5722580"/>
+            <a:ext cx="1005212" cy="461665"/>
+          </a:xfrm>
+          <a:prstGeom prst="rect">
+            <a:avLst/>
+          </a:prstGeom>
+          <a:noFill/>
+        </p:spPr>
+        <p:txBody>
+          <a:bodyPr wrap="none" rtlCol="0">
+            <a:spAutoFit/>
+          </a:bodyPr>
+          <a:lstStyle/>
+          <a:p>
+            <a:pPr algn="ctr"/>
+            <a:r>
+              <a:rPr lang="en-GB" sz="2400" b="1" dirty="0">
+                <a:solidFill>
+                  <a:schemeClr val="bg2"/>
+                </a:solidFill>
+                <a:effectLst>
+                  <a:glow rad="101600">
+                    <a:schemeClr val="tx1">
+                      <a:alpha val="60000"/>
+                    </a:schemeClr>
+                  </a:glow>
+                </a:effectLst>
+              </a:rPr>
+              <a:t>Server</a:t>
+            </a:r>
+          </a:p>
+        </p:txBody>
+      </p:sp>
+      <p:sp>
+        <p:nvSpPr>
+          <p:cNvPr id="177" name="Right Triangle 176">
+            <a:extLst>
+              <a:ext uri="{FF2B5EF4-FFF2-40B4-BE49-F238E27FC236}">
+                <a16:creationId xmlns:a16="http://schemas.microsoft.com/office/drawing/2014/main" id="{464F1B2E-5DF7-46D5-BDFC-472B9191165F}"/>
+              </a:ext>
+            </a:extLst>
+          </p:cNvPr>
+          <p:cNvSpPr/>
+          <p:nvPr/>
+        </p:nvSpPr>
+        <p:spPr>
+          <a:xfrm>
+            <a:off x="-954677" y="3007414"/>
+            <a:ext cx="1684684" cy="894643"/>
+          </a:xfrm>
+          <a:prstGeom prst="rtTriangle">
+            <a:avLst/>
+          </a:prstGeom>
+          <a:solidFill>
+            <a:schemeClr val="accent6">
+              <a:lumMod val="50000"/>
+            </a:schemeClr>
+          </a:solidFill>
+          <a:ln>
+            <a:noFill/>
+          </a:ln>
+        </p:spPr>
+        <p:style>
+          <a:lnRef idx="2">
+            <a:schemeClr val="accent1">
+              <a:shade val="50000"/>
+            </a:schemeClr>
+          </a:lnRef>
+          <a:fillRef idx="1">
+            <a:schemeClr val="accent1"/>
+          </a:fillRef>
+          <a:effectRef idx="0">
+            <a:schemeClr val="accent1"/>
+          </a:effectRef>
+          <a:fontRef idx="minor">
+            <a:schemeClr val="lt1"/>
+          </a:fontRef>
+        </p:style>
+        <p:txBody>
+          <a:bodyPr rtlCol="0" anchor="ctr"/>
+          <a:lstStyle/>
+          <a:p>
+            <a:pPr algn="ctr"/>
+            <a:endParaRPr lang="en-GB" dirty="0"/>
+          </a:p>
+        </p:txBody>
+      </p:sp>
+      <p:sp>
+        <p:nvSpPr>
+          <p:cNvPr id="163" name="TextBox 162">
+            <a:extLst>
+              <a:ext uri="{FF2B5EF4-FFF2-40B4-BE49-F238E27FC236}">
+                <a16:creationId xmlns:a16="http://schemas.microsoft.com/office/drawing/2014/main" id="{C9845309-04CD-46F6-826C-E8307EB2CC9D}"/>
+              </a:ext>
+            </a:extLst>
+          </p:cNvPr>
+          <p:cNvSpPr txBox="1"/>
+          <p:nvPr/>
+        </p:nvSpPr>
+        <p:spPr>
+          <a:xfrm>
+            <a:off x="-692622" y="3227904"/>
+            <a:ext cx="1160574" cy="461665"/>
+          </a:xfrm>
+          <a:prstGeom prst="rect">
+            <a:avLst/>
+          </a:prstGeom>
+          <a:noFill/>
+        </p:spPr>
+        <p:txBody>
+          <a:bodyPr wrap="none" rtlCol="0">
+            <a:spAutoFit/>
+          </a:bodyPr>
+          <a:lstStyle/>
+          <a:p>
+            <a:pPr algn="ctr"/>
+            <a:r>
+              <a:rPr lang="en-GB" sz="2400" b="1" dirty="0">
+                <a:solidFill>
+                  <a:schemeClr val="bg2"/>
+                </a:solidFill>
+                <a:effectLst>
+                  <a:glow rad="101600">
+                    <a:schemeClr val="tx1">
+                      <a:alpha val="60000"/>
+                    </a:schemeClr>
+                  </a:glow>
+                </a:effectLst>
+              </a:rPr>
+              <a:t>Camera</a:t>
+            </a:r>
+          </a:p>
+        </p:txBody>
+      </p:sp>
+      <p:sp>
+        <p:nvSpPr>
+          <p:cNvPr id="88" name="Rectangle 87">
+            <a:extLst>
+              <a:ext uri="{FF2B5EF4-FFF2-40B4-BE49-F238E27FC236}">
+                <a16:creationId xmlns:a16="http://schemas.microsoft.com/office/drawing/2014/main" id="{B79BBEC3-300B-4F00-B147-759716F56CAB}"/>
+              </a:ext>
+            </a:extLst>
+          </p:cNvPr>
+          <p:cNvSpPr/>
+          <p:nvPr/>
+        </p:nvSpPr>
+        <p:spPr>
+          <a:xfrm>
+            <a:off x="2955724" y="313220"/>
+            <a:ext cx="1831960" cy="1190158"/>
+          </a:xfrm>
+          <a:prstGeom prst="rect">
+            <a:avLst/>
+          </a:prstGeom>
+          <a:solidFill>
+            <a:schemeClr val="accent6">
+              <a:lumMod val="50000"/>
+            </a:schemeClr>
+          </a:solidFill>
+          <a:ln>
+            <a:noFill/>
+          </a:ln>
+        </p:spPr>
+        <p:style>
+          <a:lnRef idx="2">
+            <a:schemeClr val="accent1">
+              <a:shade val="50000"/>
+            </a:schemeClr>
+          </a:lnRef>
+          <a:fillRef idx="1">
+            <a:schemeClr val="accent1"/>
+          </a:fillRef>
+          <a:effectRef idx="0">
+            <a:schemeClr val="accent1"/>
+          </a:effectRef>
+          <a:fontRef idx="minor">
+            <a:schemeClr val="lt1"/>
+          </a:fontRef>
+        </p:style>
+        <p:txBody>
+          <a:bodyPr rtlCol="0" anchor="ctr"/>
+          <a:lstStyle/>
+          <a:p>
+            <a:pPr algn="ctr"/>
+            <a:endParaRPr lang="en-GB" dirty="0"/>
+          </a:p>
+        </p:txBody>
+      </p:sp>
+      <p:sp>
+        <p:nvSpPr>
+          <p:cNvPr id="89" name="TextBox 88">
+            <a:extLst>
+              <a:ext uri="{FF2B5EF4-FFF2-40B4-BE49-F238E27FC236}">
+                <a16:creationId xmlns:a16="http://schemas.microsoft.com/office/drawing/2014/main" id="{E2A4DFB0-8330-4380-8F72-AE0390F9C2D7}"/>
+              </a:ext>
+            </a:extLst>
+          </p:cNvPr>
+          <p:cNvSpPr txBox="1"/>
+          <p:nvPr/>
+        </p:nvSpPr>
+        <p:spPr>
+          <a:xfrm>
+            <a:off x="2988596" y="476375"/>
+            <a:ext cx="1766253" cy="830997"/>
+          </a:xfrm>
+          <a:prstGeom prst="rect">
+            <a:avLst/>
+          </a:prstGeom>
+          <a:noFill/>
+        </p:spPr>
+        <p:txBody>
+          <a:bodyPr wrap="none" rtlCol="0">
+            <a:spAutoFit/>
+          </a:bodyPr>
+          <a:lstStyle/>
+          <a:p>
+            <a:pPr algn="ctr"/>
+            <a:r>
+              <a:rPr lang="en-GB" sz="2400" b="1" dirty="0">
+                <a:solidFill>
+                  <a:schemeClr val="bg2"/>
+                </a:solidFill>
+                <a:effectLst>
+                  <a:glow rad="101600">
+                    <a:schemeClr val="tx1">
+                      <a:alpha val="60000"/>
+                    </a:schemeClr>
+                  </a:glow>
+                </a:effectLst>
+              </a:rPr>
+              <a:t>Background </a:t>
+            </a:r>
+          </a:p>
+          <a:p>
+            <a:pPr algn="ctr"/>
+            <a:r>
+              <a:rPr lang="en-GB" sz="2400" b="1" dirty="0">
+                <a:solidFill>
+                  <a:schemeClr val="bg2"/>
+                </a:solidFill>
+                <a:effectLst>
+                  <a:glow rad="101600">
+                    <a:schemeClr val="tx1">
+                      <a:alpha val="60000"/>
+                    </a:schemeClr>
+                  </a:glow>
+                </a:effectLst>
+              </a:rPr>
+              <a:t>Extraction</a:t>
+            </a:r>
+          </a:p>
+        </p:txBody>
+      </p:sp>
       <p:cxnSp>
         <p:nvCxnSpPr>
-          <p:cNvPr id="162" name="Straight Arrow Connector 161">
-            <a:extLst>
-              <a:ext uri="{FF2B5EF4-FFF2-40B4-BE49-F238E27FC236}">
-                <a16:creationId xmlns:a16="http://schemas.microsoft.com/office/drawing/2014/main" id="{B4422115-DA30-436C-824B-DBD6E45530BF}"/>
+          <p:cNvPr id="90" name="Straight Arrow Connector 89">
+            <a:extLst>
+              <a:ext uri="{FF2B5EF4-FFF2-40B4-BE49-F238E27FC236}">
+                <a16:creationId xmlns:a16="http://schemas.microsoft.com/office/drawing/2014/main" id="{0D2BB85B-A832-449A-B3C2-FECDAA1E4F32}"/>
               </a:ext>
             </a:extLst>
           </p:cNvPr>
           <p:cNvCxnSpPr>
             <a:cxnSpLocks/>
-            <a:stCxn id="81" idx="6"/>
-            <a:endCxn id="88" idx="1"/>
           </p:cNvCxnSpPr>
           <p:nvPr/>
         </p:nvCxnSpPr>
         <p:spPr>
-          <a:xfrm>
-            <a:off x="8401284" y="3888538"/>
-            <a:ext cx="541914" cy="0"/>
+          <a:xfrm flipV="1">
+            <a:off x="3901876" y="1503378"/>
+            <a:ext cx="0" cy="1416941"/>
           </a:xfrm>
           <a:prstGeom prst="straightConnector1">
             <a:avLst/>
           </a:prstGeom>
-          <a:ln>
+          <a:ln w="76200">
+            <a:solidFill>
+              <a:schemeClr val="accent6">
+                <a:lumMod val="50000"/>
+              </a:schemeClr>
+            </a:solidFill>
+            <a:prstDash val="solid"/>
+            <a:headEnd type="triangle"/>
             <a:tailEnd type="triangle"/>
           </a:ln>
         </p:spPr>
         <p:style>
           <a:lnRef idx="1">
-            <a:schemeClr val="dk1"/>
+            <a:schemeClr val="accent1"/>
           </a:lnRef>
           <a:fillRef idx="0">
-            <a:schemeClr val="dk1"/>
+            <a:schemeClr val="accent1"/>
           </a:fillRef>
           <a:effectRef idx="0">
-            <a:schemeClr val="dk1"/>
+            <a:schemeClr val="accent1"/>
           </a:effectRef>
           <a:fontRef idx="minor">
             <a:schemeClr val="tx1"/>
           </a:fontRef>
         </p:style>
       </p:cxnSp>
-      <p:cxnSp>
-        <p:nvCxnSpPr>
-          <p:cNvPr id="164" name="Straight Arrow Connector 163">
-            <a:extLst>
-              <a:ext uri="{FF2B5EF4-FFF2-40B4-BE49-F238E27FC236}">
-                <a16:creationId xmlns:a16="http://schemas.microsoft.com/office/drawing/2014/main" id="{01DCDC35-2FE0-436B-84EA-4D9AD6175313}"/>
-              </a:ext>
-            </a:extLst>
-          </p:cNvPr>
-          <p:cNvCxnSpPr>
-            <a:cxnSpLocks/>
-            <a:stCxn id="150" idx="3"/>
-            <a:endCxn id="91" idx="2"/>
-          </p:cNvCxnSpPr>
-          <p:nvPr/>
-        </p:nvCxnSpPr>
+      <p:sp>
+        <p:nvSpPr>
+          <p:cNvPr id="91" name="TextBox 90">
+            <a:extLst>
+              <a:ext uri="{FF2B5EF4-FFF2-40B4-BE49-F238E27FC236}">
+                <a16:creationId xmlns:a16="http://schemas.microsoft.com/office/drawing/2014/main" id="{02209134-28C0-43CF-8C07-7119AEB94E44}"/>
+              </a:ext>
+            </a:extLst>
+          </p:cNvPr>
+          <p:cNvSpPr txBox="1"/>
+          <p:nvPr/>
+        </p:nvSpPr>
         <p:spPr>
           <a:xfrm>
-            <a:off x="10130247" y="2981047"/>
-            <a:ext cx="541914" cy="0"/>
-          </a:xfrm>
-          <a:prstGeom prst="straightConnector1">
-            <a:avLst/>
-          </a:prstGeom>
-          <a:ln>
-            <a:tailEnd type="triangle"/>
-          </a:ln>
-        </p:spPr>
-        <p:style>
-          <a:lnRef idx="1">
-            <a:schemeClr val="dk1"/>
-          </a:lnRef>
-          <a:fillRef idx="0">
-            <a:schemeClr val="dk1"/>
-          </a:fillRef>
-          <a:effectRef idx="0">
-            <a:schemeClr val="dk1"/>
-          </a:effectRef>
-          <a:fontRef idx="minor">
-            <a:schemeClr val="tx1"/>
-          </a:fontRef>
-        </p:style>
-      </p:cxnSp>
-      <p:cxnSp>
-        <p:nvCxnSpPr>
-          <p:cNvPr id="165" name="Straight Arrow Connector 164">
-            <a:extLst>
-              <a:ext uri="{FF2B5EF4-FFF2-40B4-BE49-F238E27FC236}">
-                <a16:creationId xmlns:a16="http://schemas.microsoft.com/office/drawing/2014/main" id="{1F870178-AB59-4055-9177-AE668B9F7208}"/>
-              </a:ext>
-            </a:extLst>
-          </p:cNvPr>
-          <p:cNvCxnSpPr>
-            <a:cxnSpLocks/>
-            <a:stCxn id="88" idx="3"/>
-            <a:endCxn id="86" idx="2"/>
-          </p:cNvCxnSpPr>
-          <p:nvPr/>
-        </p:nvCxnSpPr>
-        <p:spPr>
-          <a:xfrm>
-            <a:off x="10130247" y="3888538"/>
-            <a:ext cx="541914" cy="0"/>
-          </a:xfrm>
-          <a:prstGeom prst="straightConnector1">
-            <a:avLst/>
-          </a:prstGeom>
-          <a:ln>
-            <a:tailEnd type="triangle"/>
-          </a:ln>
-        </p:spPr>
-        <p:style>
-          <a:lnRef idx="1">
-            <a:schemeClr val="dk1"/>
-          </a:lnRef>
-          <a:fillRef idx="0">
-            <a:schemeClr val="dk1"/>
-          </a:fillRef>
-          <a:effectRef idx="0">
-            <a:schemeClr val="dk1"/>
-          </a:effectRef>
-          <a:fontRef idx="minor">
-            <a:schemeClr val="tx1"/>
-          </a:fontRef>
-        </p:style>
-      </p:cxnSp>
-      <p:cxnSp>
-        <p:nvCxnSpPr>
-          <p:cNvPr id="166" name="Straight Arrow Connector 165">
-            <a:extLst>
-              <a:ext uri="{FF2B5EF4-FFF2-40B4-BE49-F238E27FC236}">
-                <a16:creationId xmlns:a16="http://schemas.microsoft.com/office/drawing/2014/main" id="{8EE5E6C2-C214-4FA5-B5FC-8754278A4B7B}"/>
-              </a:ext>
-            </a:extLst>
-          </p:cNvPr>
-          <p:cNvCxnSpPr>
-            <a:cxnSpLocks/>
-            <a:stCxn id="152" idx="3"/>
-            <a:endCxn id="151" idx="2"/>
-          </p:cNvCxnSpPr>
-          <p:nvPr/>
-        </p:nvCxnSpPr>
-        <p:spPr>
-          <a:xfrm>
-            <a:off x="10130247" y="4796028"/>
-            <a:ext cx="541914" cy="0"/>
-          </a:xfrm>
-          <a:prstGeom prst="straightConnector1">
-            <a:avLst/>
-          </a:prstGeom>
-          <a:ln>
-            <a:tailEnd type="triangle"/>
-          </a:ln>
-        </p:spPr>
-        <p:style>
-          <a:lnRef idx="1">
-            <a:schemeClr val="dk1"/>
-          </a:lnRef>
-          <a:fillRef idx="0">
-            <a:schemeClr val="dk1"/>
-          </a:fillRef>
-          <a:effectRef idx="0">
-            <a:schemeClr val="dk1"/>
-          </a:effectRef>
-          <a:fontRef idx="minor">
-            <a:schemeClr val="tx1"/>
-          </a:fontRef>
-        </p:style>
-      </p:cxnSp>
-      <p:sp>
-        <p:nvSpPr>
-          <p:cNvPr id="167" name="Oval 166">
-            <a:extLst>
-              <a:ext uri="{FF2B5EF4-FFF2-40B4-BE49-F238E27FC236}">
-                <a16:creationId xmlns:a16="http://schemas.microsoft.com/office/drawing/2014/main" id="{BC6E889E-5419-4F82-85A9-D40889E385A5}"/>
-              </a:ext>
-            </a:extLst>
-          </p:cNvPr>
-          <p:cNvSpPr/>
-          <p:nvPr/>
-        </p:nvSpPr>
-        <p:spPr>
-          <a:xfrm>
-            <a:off x="7231438" y="1838325"/>
-            <a:ext cx="1169846" cy="447294"/>
-          </a:xfrm>
-          <a:prstGeom prst="ellipse">
-            <a:avLst/>
-          </a:prstGeom>
-          <a:solidFill>
-            <a:schemeClr val="dk1">
-              <a:alpha val="50000"/>
-            </a:schemeClr>
-          </a:solidFill>
-          <a:ln>
-            <a:noFill/>
-          </a:ln>
-        </p:spPr>
-        <p:style>
-          <a:lnRef idx="0">
-            <a:scrgbClr r="0" g="0" b="0"/>
-          </a:lnRef>
-          <a:fillRef idx="0">
-            <a:scrgbClr r="0" g="0" b="0"/>
-          </a:fillRef>
-          <a:effectRef idx="0">
-            <a:scrgbClr r="0" g="0" b="0"/>
-          </a:effectRef>
-          <a:fontRef idx="minor">
-            <a:schemeClr val="lt1"/>
-          </a:fontRef>
-        </p:style>
-        <p:txBody>
-          <a:bodyPr rtlCol="0" anchor="ctr"/>
-          <a:lstStyle/>
-          <a:p>
-            <a:pPr algn="ctr"/>
-            <a:r>
-              <a:rPr lang="en-GB" sz="1200" dirty="0"/>
-              <a:t>Robot Handler 1</a:t>
-            </a:r>
-          </a:p>
-        </p:txBody>
-      </p:sp>
-      <p:sp>
-        <p:nvSpPr>
-          <p:cNvPr id="168" name="Oval 167">
-            <a:extLst>
-              <a:ext uri="{FF2B5EF4-FFF2-40B4-BE49-F238E27FC236}">
-                <a16:creationId xmlns:a16="http://schemas.microsoft.com/office/drawing/2014/main" id="{084EDA64-A2A4-4ED2-8068-7789C06C7EDE}"/>
-              </a:ext>
-            </a:extLst>
-          </p:cNvPr>
-          <p:cNvSpPr/>
-          <p:nvPr/>
-        </p:nvSpPr>
-        <p:spPr>
-          <a:xfrm>
-            <a:off x="10672160" y="1838325"/>
-            <a:ext cx="1169846" cy="447294"/>
-          </a:xfrm>
-          <a:prstGeom prst="ellipse">
-            <a:avLst/>
-          </a:prstGeom>
-          <a:solidFill>
-            <a:schemeClr val="dk1">
-              <a:alpha val="50000"/>
-            </a:schemeClr>
-          </a:solidFill>
-          <a:ln>
-            <a:noFill/>
-          </a:ln>
-        </p:spPr>
-        <p:style>
-          <a:lnRef idx="0">
-            <a:scrgbClr r="0" g="0" b="0"/>
-          </a:lnRef>
-          <a:fillRef idx="0">
-            <a:scrgbClr r="0" g="0" b="0"/>
-          </a:fillRef>
-          <a:effectRef idx="0">
-            <a:scrgbClr r="0" g="0" b="0"/>
-          </a:effectRef>
-          <a:fontRef idx="minor">
-            <a:schemeClr val="lt1"/>
-          </a:fontRef>
-        </p:style>
-        <p:txBody>
-          <a:bodyPr rtlCol="0" anchor="ctr"/>
-          <a:lstStyle/>
-          <a:p>
-            <a:pPr algn="ctr"/>
-            <a:r>
-              <a:rPr lang="en-GB" sz="1200" dirty="0"/>
-              <a:t>Robot 1-A</a:t>
-            </a:r>
-          </a:p>
-        </p:txBody>
-      </p:sp>
-      <p:sp>
-        <p:nvSpPr>
-          <p:cNvPr id="169" name="Rectangle 168">
-            <a:extLst>
-              <a:ext uri="{FF2B5EF4-FFF2-40B4-BE49-F238E27FC236}">
-                <a16:creationId xmlns:a16="http://schemas.microsoft.com/office/drawing/2014/main" id="{A4CD5C23-F47C-466A-8F1B-08B8521687C8}"/>
-              </a:ext>
-            </a:extLst>
-          </p:cNvPr>
-          <p:cNvSpPr/>
-          <p:nvPr/>
-        </p:nvSpPr>
-        <p:spPr>
-          <a:xfrm>
-            <a:off x="8943198" y="1920042"/>
-            <a:ext cx="1187049" cy="283860"/>
+            <a:off x="2973523" y="1438096"/>
+            <a:ext cx="802510" cy="523220"/>
           </a:xfrm>
           <a:prstGeom prst="rect">
             <a:avLst/>
           </a:prstGeom>
-          <a:solidFill>
-            <a:schemeClr val="dk1">
-              <a:alpha val="50000"/>
-            </a:schemeClr>
-          </a:solidFill>
-          <a:ln>
-            <a:noFill/>
-          </a:ln>
-        </p:spPr>
-        <p:style>
-          <a:lnRef idx="0">
-            <a:scrgbClr r="0" g="0" b="0"/>
-          </a:lnRef>
-          <a:fillRef idx="0">
-            <a:scrgbClr r="0" g="0" b="0"/>
-          </a:fillRef>
-          <a:effectRef idx="0">
-            <a:scrgbClr r="0" g="0" b="0"/>
-          </a:effectRef>
-          <a:fontRef idx="minor">
-            <a:schemeClr val="lt1"/>
-          </a:fontRef>
-        </p:style>
-        <p:txBody>
-          <a:bodyPr rtlCol="0" anchor="ctr"/>
+          <a:noFill/>
+        </p:spPr>
+        <p:txBody>
+          <a:bodyPr wrap="square" rtlCol="0">
+            <a:spAutoFit/>
+          </a:bodyPr>
           <a:lstStyle/>
           <a:p>
             <a:pPr algn="ctr"/>
             <a:r>
-              <a:rPr lang="en-GB" sz="1200" dirty="0"/>
-              <a:t>Instructions</a:t>
+              <a:rPr lang="en-GB" sz="1400" dirty="0"/>
+              <a:t>▲</a:t>
             </a:r>
           </a:p>
-        </p:txBody>
-      </p:sp>
-      <p:cxnSp>
-        <p:nvCxnSpPr>
-          <p:cNvPr id="170" name="Straight Arrow Connector 169">
-            <a:extLst>
-              <a:ext uri="{FF2B5EF4-FFF2-40B4-BE49-F238E27FC236}">
-                <a16:creationId xmlns:a16="http://schemas.microsoft.com/office/drawing/2014/main" id="{C3BF5BBC-39AB-4FB6-A6E4-7109D84887AF}"/>
-              </a:ext>
-            </a:extLst>
-          </p:cNvPr>
-          <p:cNvCxnSpPr>
-            <a:cxnSpLocks/>
-            <a:stCxn id="167" idx="6"/>
-            <a:endCxn id="169" idx="1"/>
-          </p:cNvCxnSpPr>
-          <p:nvPr/>
-        </p:nvCxnSpPr>
+          <a:p>
+            <a:pPr algn="ctr"/>
+            <a:r>
+              <a:rPr lang="en-GB" sz="1400" dirty="0"/>
+              <a:t>Frames</a:t>
+            </a:r>
+          </a:p>
+        </p:txBody>
+      </p:sp>
+      <p:sp>
+        <p:nvSpPr>
+          <p:cNvPr id="150" name="TextBox 149">
+            <a:extLst>
+              <a:ext uri="{FF2B5EF4-FFF2-40B4-BE49-F238E27FC236}">
+                <a16:creationId xmlns:a16="http://schemas.microsoft.com/office/drawing/2014/main" id="{92F808CD-940F-4BDB-A637-ABBFA7641DE9}"/>
+              </a:ext>
+            </a:extLst>
+          </p:cNvPr>
+          <p:cNvSpPr txBox="1"/>
+          <p:nvPr/>
+        </p:nvSpPr>
         <p:spPr>
           <a:xfrm>
-            <a:off x="8401284" y="2061972"/>
-            <a:ext cx="541914" cy="0"/>
-          </a:xfrm>
-          <a:prstGeom prst="straightConnector1">
-            <a:avLst/>
-          </a:prstGeom>
-          <a:ln>
-            <a:tailEnd type="triangle"/>
-          </a:ln>
-        </p:spPr>
-        <p:style>
-          <a:lnRef idx="1">
-            <a:schemeClr val="dk1"/>
-          </a:lnRef>
-          <a:fillRef idx="0">
-            <a:schemeClr val="dk1"/>
-          </a:fillRef>
-          <a:effectRef idx="0">
-            <a:schemeClr val="dk1"/>
-          </a:effectRef>
-          <a:fontRef idx="minor">
-            <a:schemeClr val="tx1"/>
-          </a:fontRef>
-        </p:style>
-      </p:cxnSp>
-      <p:cxnSp>
-        <p:nvCxnSpPr>
-          <p:cNvPr id="171" name="Straight Arrow Connector 170">
-            <a:extLst>
-              <a:ext uri="{FF2B5EF4-FFF2-40B4-BE49-F238E27FC236}">
-                <a16:creationId xmlns:a16="http://schemas.microsoft.com/office/drawing/2014/main" id="{A0F8DE2E-28D4-474A-BC2D-7F308AEB0558}"/>
-              </a:ext>
-            </a:extLst>
-          </p:cNvPr>
-          <p:cNvCxnSpPr>
-            <a:cxnSpLocks/>
-            <a:stCxn id="169" idx="3"/>
-            <a:endCxn id="168" idx="2"/>
-          </p:cNvCxnSpPr>
-          <p:nvPr/>
-        </p:nvCxnSpPr>
-        <p:spPr>
-          <a:xfrm>
-            <a:off x="10130247" y="2061972"/>
-            <a:ext cx="541914" cy="0"/>
-          </a:xfrm>
-          <a:prstGeom prst="straightConnector1">
-            <a:avLst/>
-          </a:prstGeom>
-          <a:ln>
-            <a:tailEnd type="triangle"/>
-          </a:ln>
-        </p:spPr>
-        <p:style>
-          <a:lnRef idx="1">
-            <a:schemeClr val="dk1"/>
-          </a:lnRef>
-          <a:fillRef idx="0">
-            <a:schemeClr val="dk1"/>
-          </a:fillRef>
-          <a:effectRef idx="0">
-            <a:schemeClr val="dk1"/>
-          </a:effectRef>
-          <a:fontRef idx="minor">
-            <a:schemeClr val="tx1"/>
-          </a:fontRef>
-        </p:style>
-      </p:cxnSp>
-      <p:cxnSp>
-        <p:nvCxnSpPr>
-          <p:cNvPr id="174" name="Straight Arrow Connector 173">
-            <a:extLst>
-              <a:ext uri="{FF2B5EF4-FFF2-40B4-BE49-F238E27FC236}">
-                <a16:creationId xmlns:a16="http://schemas.microsoft.com/office/drawing/2014/main" id="{62F4E14C-0C9E-4465-A28E-E1B822898613}"/>
-              </a:ext>
-            </a:extLst>
-          </p:cNvPr>
-          <p:cNvCxnSpPr>
-            <a:cxnSpLocks/>
-            <a:stCxn id="198" idx="3"/>
-            <a:endCxn id="167" idx="2"/>
-          </p:cNvCxnSpPr>
-          <p:nvPr/>
-        </p:nvCxnSpPr>
-        <p:spPr>
-          <a:xfrm>
-            <a:off x="6689524" y="2061972"/>
-            <a:ext cx="541914" cy="0"/>
-          </a:xfrm>
-          <a:prstGeom prst="straightConnector1">
-            <a:avLst/>
-          </a:prstGeom>
-          <a:ln>
-            <a:tailEnd type="triangle"/>
-          </a:ln>
-        </p:spPr>
-        <p:style>
-          <a:lnRef idx="1">
-            <a:schemeClr val="dk1"/>
-          </a:lnRef>
-          <a:fillRef idx="0">
-            <a:schemeClr val="dk1"/>
-          </a:fillRef>
-          <a:effectRef idx="0">
-            <a:schemeClr val="dk1"/>
-          </a:effectRef>
-          <a:fontRef idx="minor">
-            <a:schemeClr val="tx1"/>
-          </a:fontRef>
-        </p:style>
-      </p:cxnSp>
-      <p:sp>
-        <p:nvSpPr>
-          <p:cNvPr id="176" name="Rectangle 175">
-            <a:extLst>
-              <a:ext uri="{FF2B5EF4-FFF2-40B4-BE49-F238E27FC236}">
-                <a16:creationId xmlns:a16="http://schemas.microsoft.com/office/drawing/2014/main" id="{4B4A2F2B-35C0-404D-9795-82702358F223}"/>
-              </a:ext>
-            </a:extLst>
-          </p:cNvPr>
-          <p:cNvSpPr/>
-          <p:nvPr/>
-        </p:nvSpPr>
-        <p:spPr>
-          <a:xfrm>
-            <a:off x="2027081" y="3888537"/>
-            <a:ext cx="1395950" cy="1061426"/>
+            <a:off x="2847681" y="2366644"/>
+            <a:ext cx="1054194" cy="523220"/>
           </a:xfrm>
           <a:prstGeom prst="rect">
             <a:avLst/>
           </a:prstGeom>
-          <a:solidFill>
-            <a:schemeClr val="dk1">
-              <a:alpha val="50000"/>
-            </a:schemeClr>
-          </a:solidFill>
-          <a:ln>
-            <a:noFill/>
-          </a:ln>
-        </p:spPr>
-        <p:style>
-          <a:lnRef idx="0">
-            <a:scrgbClr r="0" g="0" b="0"/>
-          </a:lnRef>
-          <a:fillRef idx="0">
-            <a:scrgbClr r="0" g="0" b="0"/>
-          </a:fillRef>
-          <a:effectRef idx="0">
-            <a:scrgbClr r="0" g="0" b="0"/>
-          </a:effectRef>
-          <a:fontRef idx="minor">
-            <a:schemeClr val="lt1"/>
-          </a:fontRef>
-        </p:style>
-        <p:txBody>
-          <a:bodyPr rtlCol="0" anchor="ctr"/>
+          <a:noFill/>
+        </p:spPr>
+        <p:txBody>
+          <a:bodyPr wrap="square" rtlCol="0">
+            <a:spAutoFit/>
+          </a:bodyPr>
           <a:lstStyle/>
           <a:p>
             <a:pPr algn="ctr"/>
             <a:r>
-              <a:rPr lang="en-GB" sz="1200" dirty="0"/>
-              <a:t>Camera Group</a:t>
+              <a:rPr lang="en-GB" sz="1400" dirty="0"/>
+              <a:t>Background</a:t>
             </a:r>
           </a:p>
           <a:p>
             <a:pPr algn="ctr"/>
-            <a:endParaRPr lang="en-GB" sz="1200" dirty="0"/>
-          </a:p>
-          <a:p>
-            <a:pPr algn="ctr"/>
-            <a:endParaRPr lang="en-GB" sz="1200" dirty="0"/>
-          </a:p>
-          <a:p>
-            <a:pPr algn="ctr"/>
-            <a:endParaRPr lang="en-GB" sz="1200" dirty="0"/>
-          </a:p>
-          <a:p>
-            <a:pPr algn="ctr"/>
-            <a:endParaRPr lang="en-GB" sz="1200" dirty="0"/>
-          </a:p>
-        </p:txBody>
-      </p:sp>
-      <p:sp>
-        <p:nvSpPr>
-          <p:cNvPr id="2" name="Rectangle 1">
-            <a:extLst>
-              <a:ext uri="{FF2B5EF4-FFF2-40B4-BE49-F238E27FC236}">
-                <a16:creationId xmlns:a16="http://schemas.microsoft.com/office/drawing/2014/main" id="{63A941A2-33F5-4CEE-AB64-E29A20FB4314}"/>
-              </a:ext>
-            </a:extLst>
-          </p:cNvPr>
-          <p:cNvSpPr/>
+            <a:r>
+              <a:rPr lang="en-GB" sz="1400" dirty="0"/>
+              <a:t>▼</a:t>
+            </a:r>
+          </a:p>
+        </p:txBody>
+      </p:sp>
+      <p:sp>
+        <p:nvSpPr>
+          <p:cNvPr id="151" name="TextBox 150">
+            <a:extLst>
+              <a:ext uri="{FF2B5EF4-FFF2-40B4-BE49-F238E27FC236}">
+                <a16:creationId xmlns:a16="http://schemas.microsoft.com/office/drawing/2014/main" id="{5023E0BB-26F9-4C5B-8582-848D7145923D}"/>
+              </a:ext>
+            </a:extLst>
+          </p:cNvPr>
+          <p:cNvSpPr txBox="1"/>
           <p:nvPr/>
         </p:nvSpPr>
         <p:spPr>
           <a:xfrm>
-            <a:off x="2121966" y="4589584"/>
-            <a:ext cx="1187049" cy="283860"/>
+            <a:off x="4620963" y="3547774"/>
+            <a:ext cx="964686" cy="307777"/>
           </a:xfrm>
           <a:prstGeom prst="rect">
             <a:avLst/>
           </a:prstGeom>
-          <a:solidFill>
-            <a:schemeClr val="dk1">
-              <a:alpha val="50000"/>
-            </a:schemeClr>
-          </a:solidFill>
-          <a:ln>
-            <a:noFill/>
-          </a:ln>
-        </p:spPr>
-        <p:style>
-          <a:lnRef idx="0">
-            <a:scrgbClr r="0" g="0" b="0"/>
-          </a:lnRef>
-          <a:fillRef idx="0">
-            <a:scrgbClr r="0" g="0" b="0"/>
-          </a:fillRef>
-          <a:effectRef idx="0">
-            <a:scrgbClr r="0" g="0" b="0"/>
-          </a:effectRef>
-          <a:fontRef idx="minor">
-            <a:schemeClr val="lt1"/>
-          </a:fontRef>
-        </p:style>
-        <p:txBody>
-          <a:bodyPr rtlCol="0" anchor="ctr"/>
-          <a:lstStyle/>
-          <a:p>
-            <a:pPr algn="ctr"/>
+          <a:noFill/>
+        </p:spPr>
+        <p:txBody>
+          <a:bodyPr wrap="square" rtlCol="0">
+            <a:spAutoFit/>
+          </a:bodyPr>
+          <a:lstStyle/>
+          <a:p>
+            <a:pPr algn="r"/>
             <a:r>
-              <a:rPr lang="en-GB" sz="1200" dirty="0" err="1"/>
-              <a:t>ImageStore</a:t>
+              <a:rPr lang="en-GB" sz="1400" dirty="0"/>
+              <a:t>◄ Frames</a:t>
             </a:r>
-            <a:endParaRPr lang="en-GB" sz="1200" dirty="0"/>
-          </a:p>
-        </p:txBody>
-      </p:sp>
-      <p:sp>
-        <p:nvSpPr>
-          <p:cNvPr id="84" name="Rectangle 83">
-            <a:extLst>
-              <a:ext uri="{FF2B5EF4-FFF2-40B4-BE49-F238E27FC236}">
-                <a16:creationId xmlns:a16="http://schemas.microsoft.com/office/drawing/2014/main" id="{28FE74E2-66AA-4133-9619-1627541AAEA8}"/>
-              </a:ext>
-            </a:extLst>
-          </p:cNvPr>
-          <p:cNvSpPr/>
-          <p:nvPr/>
-        </p:nvSpPr>
-        <p:spPr>
-          <a:xfrm>
-            <a:off x="2121966" y="4254113"/>
-            <a:ext cx="1187049" cy="283860"/>
-          </a:xfrm>
-          <a:prstGeom prst="rect">
-            <a:avLst/>
-          </a:prstGeom>
-          <a:solidFill>
-            <a:schemeClr val="dk1">
-              <a:alpha val="50000"/>
-            </a:schemeClr>
-          </a:solidFill>
-          <a:ln>
-            <a:noFill/>
-          </a:ln>
-        </p:spPr>
-        <p:style>
-          <a:lnRef idx="0">
-            <a:scrgbClr r="0" g="0" b="0"/>
-          </a:lnRef>
-          <a:fillRef idx="0">
-            <a:scrgbClr r="0" g="0" b="0"/>
-          </a:fillRef>
-          <a:effectRef idx="0">
-            <a:scrgbClr r="0" g="0" b="0"/>
-          </a:effectRef>
-          <a:fontRef idx="minor">
-            <a:schemeClr val="lt1"/>
-          </a:fontRef>
-        </p:style>
-        <p:txBody>
-          <a:bodyPr rtlCol="0" anchor="ctr"/>
-          <a:lstStyle/>
-          <a:p>
-            <a:pPr algn="ctr"/>
-            <a:r>
-              <a:rPr lang="en-GB" sz="1200" dirty="0"/>
-              <a:t>Snapshot</a:t>
-            </a:r>
-          </a:p>
-        </p:txBody>
-      </p:sp>
-      <p:sp>
-        <p:nvSpPr>
-          <p:cNvPr id="181" name="Oval 180">
-            <a:extLst>
-              <a:ext uri="{FF2B5EF4-FFF2-40B4-BE49-F238E27FC236}">
-                <a16:creationId xmlns:a16="http://schemas.microsoft.com/office/drawing/2014/main" id="{462CACF7-7642-4643-B6A8-747233C0270A}"/>
-              </a:ext>
-            </a:extLst>
-          </p:cNvPr>
-          <p:cNvSpPr/>
-          <p:nvPr/>
-        </p:nvSpPr>
-        <p:spPr>
-          <a:xfrm>
-            <a:off x="349994" y="2125448"/>
-            <a:ext cx="1169846" cy="447294"/>
-          </a:xfrm>
-          <a:prstGeom prst="ellipse">
-            <a:avLst/>
-          </a:prstGeom>
-          <a:solidFill>
-            <a:schemeClr val="dk1">
-              <a:alpha val="50000"/>
-            </a:schemeClr>
-          </a:solidFill>
-          <a:ln>
-            <a:noFill/>
-          </a:ln>
-        </p:spPr>
-        <p:style>
-          <a:lnRef idx="0">
-            <a:scrgbClr r="0" g="0" b="0"/>
-          </a:lnRef>
-          <a:fillRef idx="0">
-            <a:scrgbClr r="0" g="0" b="0"/>
-          </a:fillRef>
-          <a:effectRef idx="0">
-            <a:scrgbClr r="0" g="0" b="0"/>
-          </a:effectRef>
-          <a:fontRef idx="minor">
-            <a:schemeClr val="lt1"/>
-          </a:fontRef>
-        </p:style>
-        <p:txBody>
-          <a:bodyPr rtlCol="0" anchor="ctr"/>
-          <a:lstStyle/>
-          <a:p>
-            <a:pPr algn="ctr"/>
-            <a:r>
-              <a:rPr lang="en-GB" sz="1200" dirty="0"/>
-              <a:t>Camera</a:t>
-            </a:r>
-          </a:p>
-        </p:txBody>
-      </p:sp>
-      <p:cxnSp>
-        <p:nvCxnSpPr>
-          <p:cNvPr id="182" name="Straight Arrow Connector 181">
-            <a:extLst>
-              <a:ext uri="{FF2B5EF4-FFF2-40B4-BE49-F238E27FC236}">
-                <a16:creationId xmlns:a16="http://schemas.microsoft.com/office/drawing/2014/main" id="{5708FF3C-6578-479A-A3BF-6371585A3DBB}"/>
-              </a:ext>
-            </a:extLst>
-          </p:cNvPr>
-          <p:cNvCxnSpPr>
-            <a:cxnSpLocks/>
-            <a:stCxn id="181" idx="5"/>
-            <a:endCxn id="187" idx="1"/>
-          </p:cNvCxnSpPr>
-          <p:nvPr/>
-        </p:nvCxnSpPr>
-        <p:spPr>
-          <a:xfrm>
-            <a:off x="1348520" y="2507237"/>
-            <a:ext cx="773446" cy="19187"/>
-          </a:xfrm>
-          <a:prstGeom prst="straightConnector1">
-            <a:avLst/>
-          </a:prstGeom>
-          <a:ln>
-            <a:tailEnd type="triangle"/>
-          </a:ln>
-        </p:spPr>
-        <p:style>
-          <a:lnRef idx="1">
-            <a:schemeClr val="dk1"/>
-          </a:lnRef>
-          <a:fillRef idx="0">
-            <a:schemeClr val="dk1"/>
-          </a:fillRef>
-          <a:effectRef idx="0">
-            <a:schemeClr val="dk1"/>
-          </a:effectRef>
-          <a:fontRef idx="minor">
-            <a:schemeClr val="tx1"/>
-          </a:fontRef>
-        </p:style>
-      </p:cxnSp>
-      <p:cxnSp>
-        <p:nvCxnSpPr>
-          <p:cNvPr id="183" name="Straight Arrow Connector 182">
-            <a:extLst>
-              <a:ext uri="{FF2B5EF4-FFF2-40B4-BE49-F238E27FC236}">
-                <a16:creationId xmlns:a16="http://schemas.microsoft.com/office/drawing/2014/main" id="{60C1D6D1-BFEC-4609-BAE8-4B63B5FBD4FB}"/>
-              </a:ext>
-            </a:extLst>
-          </p:cNvPr>
-          <p:cNvCxnSpPr>
-            <a:cxnSpLocks/>
-            <a:stCxn id="187" idx="3"/>
-          </p:cNvCxnSpPr>
-          <p:nvPr/>
-        </p:nvCxnSpPr>
-        <p:spPr>
-          <a:xfrm>
-            <a:off x="3309015" y="2526424"/>
-            <a:ext cx="537970" cy="678270"/>
-          </a:xfrm>
-          <a:prstGeom prst="straightConnector1">
-            <a:avLst/>
-          </a:prstGeom>
-          <a:ln>
-            <a:tailEnd type="triangle"/>
-          </a:ln>
-        </p:spPr>
-        <p:style>
-          <a:lnRef idx="1">
-            <a:schemeClr val="dk1"/>
-          </a:lnRef>
-          <a:fillRef idx="0">
-            <a:schemeClr val="dk1"/>
-          </a:fillRef>
-          <a:effectRef idx="0">
-            <a:schemeClr val="dk1"/>
-          </a:effectRef>
-          <a:fontRef idx="minor">
-            <a:schemeClr val="tx1"/>
-          </a:fontRef>
-        </p:style>
-      </p:cxnSp>
-      <p:cxnSp>
-        <p:nvCxnSpPr>
-          <p:cNvPr id="184" name="Straight Arrow Connector 183">
-            <a:extLst>
-              <a:ext uri="{FF2B5EF4-FFF2-40B4-BE49-F238E27FC236}">
-                <a16:creationId xmlns:a16="http://schemas.microsoft.com/office/drawing/2014/main" id="{EFA5BAD1-08C7-47E7-927F-0F7CEDA7EEC6}"/>
-              </a:ext>
-            </a:extLst>
-          </p:cNvPr>
-          <p:cNvCxnSpPr>
-            <a:cxnSpLocks/>
-            <a:stCxn id="82" idx="1"/>
-            <a:endCxn id="188" idx="3"/>
-          </p:cNvCxnSpPr>
-          <p:nvPr/>
-        </p:nvCxnSpPr>
-        <p:spPr>
-          <a:xfrm flipH="1" flipV="1">
-            <a:off x="3309015" y="2190953"/>
-            <a:ext cx="653021" cy="1027635"/>
-          </a:xfrm>
-          <a:prstGeom prst="straightConnector1">
-            <a:avLst/>
-          </a:prstGeom>
-          <a:ln>
-            <a:tailEnd type="triangle"/>
-          </a:ln>
-        </p:spPr>
-        <p:style>
-          <a:lnRef idx="1">
-            <a:schemeClr val="dk1"/>
-          </a:lnRef>
-          <a:fillRef idx="0">
-            <a:schemeClr val="dk1"/>
-          </a:fillRef>
-          <a:effectRef idx="0">
-            <a:schemeClr val="dk1"/>
-          </a:effectRef>
-          <a:fontRef idx="minor">
-            <a:schemeClr val="tx1"/>
-          </a:fontRef>
-        </p:style>
-      </p:cxnSp>
-      <p:cxnSp>
-        <p:nvCxnSpPr>
-          <p:cNvPr id="185" name="Straight Arrow Connector 184">
-            <a:extLst>
-              <a:ext uri="{FF2B5EF4-FFF2-40B4-BE49-F238E27FC236}">
-                <a16:creationId xmlns:a16="http://schemas.microsoft.com/office/drawing/2014/main" id="{DAB31678-084E-4387-A11E-A8663FDAB2B1}"/>
-              </a:ext>
-            </a:extLst>
-          </p:cNvPr>
-          <p:cNvCxnSpPr>
-            <a:cxnSpLocks/>
-            <a:stCxn id="188" idx="1"/>
-            <a:endCxn id="181" idx="7"/>
-          </p:cNvCxnSpPr>
-          <p:nvPr/>
-        </p:nvCxnSpPr>
-        <p:spPr>
-          <a:xfrm flipH="1">
-            <a:off x="1348520" y="2190953"/>
-            <a:ext cx="773446" cy="0"/>
-          </a:xfrm>
-          <a:prstGeom prst="straightConnector1">
-            <a:avLst/>
-          </a:prstGeom>
-          <a:ln>
-            <a:tailEnd type="triangle"/>
-          </a:ln>
-        </p:spPr>
-        <p:style>
-          <a:lnRef idx="1">
-            <a:schemeClr val="dk1"/>
-          </a:lnRef>
-          <a:fillRef idx="0">
-            <a:schemeClr val="dk1"/>
-          </a:fillRef>
-          <a:effectRef idx="0">
-            <a:schemeClr val="dk1"/>
-          </a:effectRef>
-          <a:fontRef idx="minor">
-            <a:schemeClr val="tx1"/>
-          </a:fontRef>
-        </p:style>
-      </p:cxnSp>
-      <p:sp>
-        <p:nvSpPr>
-          <p:cNvPr id="186" name="Rectangle 185">
-            <a:extLst>
-              <a:ext uri="{FF2B5EF4-FFF2-40B4-BE49-F238E27FC236}">
-                <a16:creationId xmlns:a16="http://schemas.microsoft.com/office/drawing/2014/main" id="{B8C805A2-781A-44BF-BC80-7B1EBDDAF6A2}"/>
-              </a:ext>
-            </a:extLst>
-          </p:cNvPr>
-          <p:cNvSpPr/>
-          <p:nvPr/>
-        </p:nvSpPr>
-        <p:spPr>
-          <a:xfrm>
-            <a:off x="2027081" y="1683447"/>
-            <a:ext cx="1395950" cy="1061426"/>
-          </a:xfrm>
-          <a:prstGeom prst="rect">
-            <a:avLst/>
-          </a:prstGeom>
-          <a:solidFill>
-            <a:schemeClr val="dk1">
-              <a:alpha val="50000"/>
-            </a:schemeClr>
-          </a:solidFill>
-          <a:ln>
-            <a:noFill/>
-          </a:ln>
-        </p:spPr>
-        <p:style>
-          <a:lnRef idx="0">
-            <a:scrgbClr r="0" g="0" b="0"/>
-          </a:lnRef>
-          <a:fillRef idx="0">
-            <a:scrgbClr r="0" g="0" b="0"/>
-          </a:fillRef>
-          <a:effectRef idx="0">
-            <a:scrgbClr r="0" g="0" b="0"/>
-          </a:effectRef>
-          <a:fontRef idx="minor">
-            <a:schemeClr val="lt1"/>
-          </a:fontRef>
-        </p:style>
-        <p:txBody>
-          <a:bodyPr rtlCol="0" anchor="ctr"/>
-          <a:lstStyle/>
-          <a:p>
-            <a:pPr algn="ctr"/>
-            <a:r>
-              <a:rPr lang="en-GB" sz="1200" dirty="0"/>
-              <a:t>Camera Group</a:t>
-            </a:r>
-          </a:p>
-          <a:p>
-            <a:pPr algn="ctr"/>
-            <a:endParaRPr lang="en-GB" sz="1200" dirty="0"/>
-          </a:p>
-          <a:p>
-            <a:pPr algn="ctr"/>
-            <a:endParaRPr lang="en-GB" sz="1200" dirty="0"/>
-          </a:p>
-          <a:p>
-            <a:pPr algn="ctr"/>
-            <a:endParaRPr lang="en-GB" sz="1200" dirty="0"/>
-          </a:p>
-          <a:p>
-            <a:pPr algn="ctr"/>
-            <a:endParaRPr lang="en-GB" sz="1200" dirty="0"/>
-          </a:p>
-        </p:txBody>
-      </p:sp>
-      <p:sp>
-        <p:nvSpPr>
-          <p:cNvPr id="187" name="Rectangle 186">
-            <a:extLst>
-              <a:ext uri="{FF2B5EF4-FFF2-40B4-BE49-F238E27FC236}">
-                <a16:creationId xmlns:a16="http://schemas.microsoft.com/office/drawing/2014/main" id="{361D5F01-1FA1-4E72-9799-3C95858882C1}"/>
-              </a:ext>
-            </a:extLst>
-          </p:cNvPr>
-          <p:cNvSpPr/>
-          <p:nvPr/>
-        </p:nvSpPr>
-        <p:spPr>
-          <a:xfrm>
-            <a:off x="2121966" y="2384494"/>
-            <a:ext cx="1187049" cy="283860"/>
-          </a:xfrm>
-          <a:prstGeom prst="rect">
-            <a:avLst/>
-          </a:prstGeom>
-          <a:solidFill>
-            <a:schemeClr val="dk1">
-              <a:alpha val="50000"/>
-            </a:schemeClr>
-          </a:solidFill>
-          <a:ln>
-            <a:noFill/>
-          </a:ln>
-        </p:spPr>
-        <p:style>
-          <a:lnRef idx="0">
-            <a:scrgbClr r="0" g="0" b="0"/>
-          </a:lnRef>
-          <a:fillRef idx="0">
-            <a:scrgbClr r="0" g="0" b="0"/>
-          </a:fillRef>
-          <a:effectRef idx="0">
-            <a:scrgbClr r="0" g="0" b="0"/>
-          </a:effectRef>
-          <a:fontRef idx="minor">
-            <a:schemeClr val="lt1"/>
-          </a:fontRef>
-        </p:style>
-        <p:txBody>
-          <a:bodyPr rtlCol="0" anchor="ctr"/>
-          <a:lstStyle/>
-          <a:p>
-            <a:pPr algn="ctr"/>
-            <a:r>
-              <a:rPr lang="en-GB" sz="1200" dirty="0" err="1"/>
-              <a:t>ImageStore</a:t>
-            </a:r>
-            <a:endParaRPr lang="en-GB" sz="1200" dirty="0"/>
-          </a:p>
-        </p:txBody>
-      </p:sp>
-      <p:sp>
-        <p:nvSpPr>
-          <p:cNvPr id="188" name="Rectangle 187">
-            <a:extLst>
-              <a:ext uri="{FF2B5EF4-FFF2-40B4-BE49-F238E27FC236}">
-                <a16:creationId xmlns:a16="http://schemas.microsoft.com/office/drawing/2014/main" id="{830529C0-6E97-47EB-AFC9-6650E015D76B}"/>
-              </a:ext>
-            </a:extLst>
-          </p:cNvPr>
-          <p:cNvSpPr/>
-          <p:nvPr/>
-        </p:nvSpPr>
-        <p:spPr>
-          <a:xfrm>
-            <a:off x="2121966" y="2049023"/>
-            <a:ext cx="1187049" cy="283860"/>
-          </a:xfrm>
-          <a:prstGeom prst="rect">
-            <a:avLst/>
-          </a:prstGeom>
-          <a:solidFill>
-            <a:schemeClr val="dk1">
-              <a:alpha val="50000"/>
-            </a:schemeClr>
-          </a:solidFill>
-          <a:ln>
-            <a:noFill/>
-          </a:ln>
-        </p:spPr>
-        <p:style>
-          <a:lnRef idx="0">
-            <a:scrgbClr r="0" g="0" b="0"/>
-          </a:lnRef>
-          <a:fillRef idx="0">
-            <a:scrgbClr r="0" g="0" b="0"/>
-          </a:fillRef>
-          <a:effectRef idx="0">
-            <a:scrgbClr r="0" g="0" b="0"/>
-          </a:effectRef>
-          <a:fontRef idx="minor">
-            <a:schemeClr val="lt1"/>
-          </a:fontRef>
-        </p:style>
-        <p:txBody>
-          <a:bodyPr rtlCol="0" anchor="ctr"/>
-          <a:lstStyle/>
-          <a:p>
-            <a:pPr algn="ctr"/>
-            <a:r>
-              <a:rPr lang="en-GB" sz="1200" dirty="0"/>
-              <a:t>Snapshot</a:t>
-            </a:r>
-          </a:p>
-        </p:txBody>
-      </p:sp>
-      <p:sp>
-        <p:nvSpPr>
-          <p:cNvPr id="197" name="Rectangle 196">
-            <a:extLst>
-              <a:ext uri="{FF2B5EF4-FFF2-40B4-BE49-F238E27FC236}">
-                <a16:creationId xmlns:a16="http://schemas.microsoft.com/office/drawing/2014/main" id="{49BEE7FB-B1F1-4283-B349-7FE3F5A2C78E}"/>
-              </a:ext>
-            </a:extLst>
-          </p:cNvPr>
-          <p:cNvSpPr/>
-          <p:nvPr/>
-        </p:nvSpPr>
-        <p:spPr>
-          <a:xfrm>
-            <a:off x="5398025" y="1554466"/>
-            <a:ext cx="1395950" cy="731153"/>
-          </a:xfrm>
-          <a:prstGeom prst="rect">
-            <a:avLst/>
-          </a:prstGeom>
-          <a:solidFill>
-            <a:schemeClr val="dk1">
-              <a:alpha val="50000"/>
-            </a:schemeClr>
-          </a:solidFill>
-          <a:ln>
-            <a:noFill/>
-          </a:ln>
-        </p:spPr>
-        <p:style>
-          <a:lnRef idx="0">
-            <a:scrgbClr r="0" g="0" b="0"/>
-          </a:lnRef>
-          <a:fillRef idx="0">
-            <a:scrgbClr r="0" g="0" b="0"/>
-          </a:fillRef>
-          <a:effectRef idx="0">
-            <a:scrgbClr r="0" g="0" b="0"/>
-          </a:effectRef>
-          <a:fontRef idx="minor">
-            <a:schemeClr val="lt1"/>
-          </a:fontRef>
-        </p:style>
-        <p:txBody>
-          <a:bodyPr rtlCol="0" anchor="ctr"/>
-          <a:lstStyle/>
-          <a:p>
-            <a:pPr algn="ctr"/>
-            <a:r>
-              <a:rPr lang="en-GB" sz="1200" dirty="0"/>
-              <a:t>Instructions Group</a:t>
-            </a:r>
-          </a:p>
-          <a:p>
-            <a:pPr algn="ctr"/>
-            <a:endParaRPr lang="en-GB" sz="1200" dirty="0"/>
-          </a:p>
-          <a:p>
-            <a:pPr algn="ctr"/>
-            <a:endParaRPr lang="en-GB" sz="1200" dirty="0"/>
-          </a:p>
-        </p:txBody>
-      </p:sp>
-      <p:sp>
-        <p:nvSpPr>
-          <p:cNvPr id="198" name="Rectangle 197">
-            <a:extLst>
-              <a:ext uri="{FF2B5EF4-FFF2-40B4-BE49-F238E27FC236}">
-                <a16:creationId xmlns:a16="http://schemas.microsoft.com/office/drawing/2014/main" id="{BFDF0221-A888-4B51-92A6-08B3BC24A445}"/>
-              </a:ext>
-            </a:extLst>
-          </p:cNvPr>
-          <p:cNvSpPr/>
-          <p:nvPr/>
-        </p:nvSpPr>
-        <p:spPr>
-          <a:xfrm>
-            <a:off x="5502475" y="1920042"/>
-            <a:ext cx="1187049" cy="283860"/>
-          </a:xfrm>
-          <a:prstGeom prst="rect">
-            <a:avLst/>
-          </a:prstGeom>
-          <a:solidFill>
-            <a:schemeClr val="dk1">
-              <a:alpha val="50000"/>
-            </a:schemeClr>
-          </a:solidFill>
-          <a:ln>
-            <a:noFill/>
-          </a:ln>
-        </p:spPr>
-        <p:style>
-          <a:lnRef idx="0">
-            <a:scrgbClr r="0" g="0" b="0"/>
-          </a:lnRef>
-          <a:fillRef idx="0">
-            <a:scrgbClr r="0" g="0" b="0"/>
-          </a:fillRef>
-          <a:effectRef idx="0">
-            <a:scrgbClr r="0" g="0" b="0"/>
-          </a:effectRef>
-          <a:fontRef idx="minor">
-            <a:schemeClr val="lt1"/>
-          </a:fontRef>
-        </p:style>
-        <p:txBody>
-          <a:bodyPr rtlCol="0" anchor="ctr"/>
-          <a:lstStyle/>
-          <a:p>
-            <a:pPr algn="ctr"/>
-            <a:r>
-              <a:rPr lang="en-GB" sz="1200" dirty="0"/>
-              <a:t>Instructions</a:t>
-            </a:r>
-          </a:p>
-        </p:txBody>
-      </p:sp>
-      <p:cxnSp>
-        <p:nvCxnSpPr>
-          <p:cNvPr id="200" name="Straight Arrow Connector 199">
-            <a:extLst>
-              <a:ext uri="{FF2B5EF4-FFF2-40B4-BE49-F238E27FC236}">
-                <a16:creationId xmlns:a16="http://schemas.microsoft.com/office/drawing/2014/main" id="{234C5FE9-3577-46FB-B3D1-0A18B56F995A}"/>
-              </a:ext>
-            </a:extLst>
-          </p:cNvPr>
-          <p:cNvCxnSpPr>
-            <a:cxnSpLocks/>
-            <a:stCxn id="82" idx="6"/>
-            <a:endCxn id="198" idx="1"/>
-          </p:cNvCxnSpPr>
-          <p:nvPr/>
-        </p:nvCxnSpPr>
-        <p:spPr>
-          <a:xfrm flipV="1">
-            <a:off x="4960562" y="2061972"/>
-            <a:ext cx="541913" cy="1314758"/>
-          </a:xfrm>
-          <a:prstGeom prst="straightConnector1">
-            <a:avLst/>
-          </a:prstGeom>
-          <a:ln>
-            <a:tailEnd type="triangle"/>
-          </a:ln>
-        </p:spPr>
-        <p:style>
-          <a:lnRef idx="1">
-            <a:schemeClr val="dk1"/>
-          </a:lnRef>
-          <a:fillRef idx="0">
-            <a:schemeClr val="dk1"/>
-          </a:fillRef>
-          <a:effectRef idx="0">
-            <a:schemeClr val="dk1"/>
-          </a:effectRef>
-          <a:fontRef idx="minor">
-            <a:schemeClr val="tx1"/>
-          </a:fontRef>
-        </p:style>
-      </p:cxnSp>
+          </a:p>
+        </p:txBody>
+      </p:sp>
     </p:spTree>
     <p:extLst>
       <p:ext uri="{BB962C8B-B14F-4D97-AF65-F5344CB8AC3E}">
-        <p14:creationId xmlns:p14="http://schemas.microsoft.com/office/powerpoint/2010/main" val="1531528421"/>
+        <p14:creationId xmlns:p14="http://schemas.microsoft.com/office/powerpoint/2010/main" val="4213920257"/>
       </p:ext>
     </p:extLst>
   </p:cSld>

--- a/Visual Plan.pptx
+++ b/Visual Plan.pptx
@@ -12,7 +12,7 @@
     <p:sldId id="261" r:id="rId6"/>
     <p:sldId id="263" r:id="rId7"/>
     <p:sldId id="264" r:id="rId8"/>
-    <p:sldId id="265" r:id="rId9"/>
+    <p:sldId id="271" r:id="rId9"/>
     <p:sldId id="270" r:id="rId10"/>
     <p:sldId id="268" r:id="rId11"/>
     <p:sldId id="269" r:id="rId12"/>
@@ -273,7 +273,7 @@
           <a:p>
             <a:fld id="{5F9021A5-5D2C-4FF7-8FBA-B61BDE30AE1B}" type="datetimeFigureOut">
               <a:rPr lang="en-GB" smtClean="0"/>
-              <a:t>31/01/2019</a:t>
+              <a:t>01/02/2019</a:t>
             </a:fld>
             <a:endParaRPr lang="en-GB" dirty="0"/>
           </a:p>
@@ -473,7 +473,7 @@
           <a:p>
             <a:fld id="{5F9021A5-5D2C-4FF7-8FBA-B61BDE30AE1B}" type="datetimeFigureOut">
               <a:rPr lang="en-GB" smtClean="0"/>
-              <a:t>31/01/2019</a:t>
+              <a:t>01/02/2019</a:t>
             </a:fld>
             <a:endParaRPr lang="en-GB" dirty="0"/>
           </a:p>
@@ -683,7 +683,7 @@
           <a:p>
             <a:fld id="{5F9021A5-5D2C-4FF7-8FBA-B61BDE30AE1B}" type="datetimeFigureOut">
               <a:rPr lang="en-GB" smtClean="0"/>
-              <a:t>31/01/2019</a:t>
+              <a:t>01/02/2019</a:t>
             </a:fld>
             <a:endParaRPr lang="en-GB" dirty="0"/>
           </a:p>
@@ -883,7 +883,7 @@
           <a:p>
             <a:fld id="{5F9021A5-5D2C-4FF7-8FBA-B61BDE30AE1B}" type="datetimeFigureOut">
               <a:rPr lang="en-GB" smtClean="0"/>
-              <a:t>31/01/2019</a:t>
+              <a:t>01/02/2019</a:t>
             </a:fld>
             <a:endParaRPr lang="en-GB" dirty="0"/>
           </a:p>
@@ -1159,7 +1159,7 @@
           <a:p>
             <a:fld id="{5F9021A5-5D2C-4FF7-8FBA-B61BDE30AE1B}" type="datetimeFigureOut">
               <a:rPr lang="en-GB" smtClean="0"/>
-              <a:t>31/01/2019</a:t>
+              <a:t>01/02/2019</a:t>
             </a:fld>
             <a:endParaRPr lang="en-GB" dirty="0"/>
           </a:p>
@@ -1427,7 +1427,7 @@
           <a:p>
             <a:fld id="{5F9021A5-5D2C-4FF7-8FBA-B61BDE30AE1B}" type="datetimeFigureOut">
               <a:rPr lang="en-GB" smtClean="0"/>
-              <a:t>31/01/2019</a:t>
+              <a:t>01/02/2019</a:t>
             </a:fld>
             <a:endParaRPr lang="en-GB" dirty="0"/>
           </a:p>
@@ -1842,7 +1842,7 @@
           <a:p>
             <a:fld id="{5F9021A5-5D2C-4FF7-8FBA-B61BDE30AE1B}" type="datetimeFigureOut">
               <a:rPr lang="en-GB" smtClean="0"/>
-              <a:t>31/01/2019</a:t>
+              <a:t>01/02/2019</a:t>
             </a:fld>
             <a:endParaRPr lang="en-GB" dirty="0"/>
           </a:p>
@@ -1984,7 +1984,7 @@
           <a:p>
             <a:fld id="{5F9021A5-5D2C-4FF7-8FBA-B61BDE30AE1B}" type="datetimeFigureOut">
               <a:rPr lang="en-GB" smtClean="0"/>
-              <a:t>31/01/2019</a:t>
+              <a:t>01/02/2019</a:t>
             </a:fld>
             <a:endParaRPr lang="en-GB" dirty="0"/>
           </a:p>
@@ -2097,7 +2097,7 @@
           <a:p>
             <a:fld id="{5F9021A5-5D2C-4FF7-8FBA-B61BDE30AE1B}" type="datetimeFigureOut">
               <a:rPr lang="en-GB" smtClean="0"/>
-              <a:t>31/01/2019</a:t>
+              <a:t>01/02/2019</a:t>
             </a:fld>
             <a:endParaRPr lang="en-GB" dirty="0"/>
           </a:p>
@@ -2410,7 +2410,7 @@
           <a:p>
             <a:fld id="{5F9021A5-5D2C-4FF7-8FBA-B61BDE30AE1B}" type="datetimeFigureOut">
               <a:rPr lang="en-GB" smtClean="0"/>
-              <a:t>31/01/2019</a:t>
+              <a:t>01/02/2019</a:t>
             </a:fld>
             <a:endParaRPr lang="en-GB" dirty="0"/>
           </a:p>
@@ -2699,7 +2699,7 @@
           <a:p>
             <a:fld id="{5F9021A5-5D2C-4FF7-8FBA-B61BDE30AE1B}" type="datetimeFigureOut">
               <a:rPr lang="en-GB" smtClean="0"/>
-              <a:t>31/01/2019</a:t>
+              <a:t>01/02/2019</a:t>
             </a:fld>
             <a:endParaRPr lang="en-GB" dirty="0"/>
           </a:p>
@@ -2942,7 +2942,7 @@
           <a:p>
             <a:fld id="{5F9021A5-5D2C-4FF7-8FBA-B61BDE30AE1B}" type="datetimeFigureOut">
               <a:rPr lang="en-GB" smtClean="0"/>
-              <a:t>31/01/2019</a:t>
+              <a:t>01/02/2019</a:t>
             </a:fld>
             <a:endParaRPr lang="en-GB" dirty="0"/>
           </a:p>
@@ -7294,21 +7294,39 @@
           <a:p>
             <a:pPr lvl="1"/>
             <a:r>
-              <a:rPr lang="en-GB" dirty="0"/>
+              <a:rPr lang="en-GB" dirty="0">
+                <a:solidFill>
+                  <a:schemeClr val="accent6">
+                    <a:lumMod val="50000"/>
+                  </a:schemeClr>
+                </a:solidFill>
+              </a:rPr>
               <a:t>Image Acquisition</a:t>
             </a:r>
           </a:p>
           <a:p>
             <a:pPr lvl="2"/>
             <a:r>
-              <a:rPr lang="en-GB" dirty="0"/>
+              <a:rPr lang="en-GB" dirty="0">
+                <a:solidFill>
+                  <a:schemeClr val="accent6">
+                    <a:lumMod val="50000"/>
+                  </a:schemeClr>
+                </a:solidFill>
+              </a:rPr>
               <a:t>Image Store Replace</a:t>
             </a:r>
           </a:p>
           <a:p>
             <a:pPr lvl="1"/>
             <a:r>
-              <a:rPr lang="en-GB" dirty="0"/>
+              <a:rPr lang="en-GB" dirty="0">
+                <a:solidFill>
+                  <a:schemeClr val="accent6">
+                    <a:lumMod val="50000"/>
+                  </a:schemeClr>
+                </a:solidFill>
+              </a:rPr>
               <a:t>Background Generation</a:t>
             </a:r>
           </a:p>
@@ -7594,7 +7612,13 @@
           <a:p>
             <a:pPr lvl="1"/>
             <a:r>
-              <a:rPr lang="en-GB" dirty="0"/>
+              <a:rPr lang="en-GB" dirty="0">
+                <a:solidFill>
+                  <a:schemeClr val="accent6">
+                    <a:lumMod val="50000"/>
+                  </a:schemeClr>
+                </a:solidFill>
+              </a:rPr>
               <a:t>Set up frame store to system handler connection</a:t>
             </a:r>
           </a:p>
@@ -11728,16 +11752,6 @@
 <file path=ppt/slides/slide8.xml><?xml version="1.0" encoding="utf-8"?>
 <p:sld xmlns:a="http://schemas.openxmlformats.org/drawingml/2006/main" xmlns:r="http://schemas.openxmlformats.org/officeDocument/2006/relationships" xmlns:p="http://schemas.openxmlformats.org/presentationml/2006/main">
   <p:cSld>
-    <p:bg>
-      <p:bgPr>
-        <a:solidFill>
-          <a:schemeClr val="bg1">
-            <a:alpha val="0"/>
-          </a:schemeClr>
-        </a:solidFill>
-        <a:effectLst/>
-      </p:bgPr>
-    </p:bg>
     <p:spTree>
       <p:nvGrpSpPr>
         <p:cNvPr id="1" name=""/>
@@ -11752,3854 +11766,40 @@
           <a:chExt cx="0" cy="0"/>
         </a:xfrm>
       </p:grpSpPr>
-      <p:grpSp>
-        <p:nvGrpSpPr>
-          <p:cNvPr id="76" name="Group 75">
-            <a:extLst>
-              <a:ext uri="{FF2B5EF4-FFF2-40B4-BE49-F238E27FC236}">
-                <a16:creationId xmlns:a16="http://schemas.microsoft.com/office/drawing/2014/main" id="{3DD29CB8-778C-4A7E-B6DA-2B1742D265D8}"/>
-              </a:ext>
-            </a:extLst>
-          </p:cNvPr>
-          <p:cNvGrpSpPr/>
-          <p:nvPr/>
-        </p:nvGrpSpPr>
-        <p:grpSpPr>
+      <p:pic>
+        <p:nvPicPr>
+          <p:cNvPr id="4" name="Picture 3">
+            <a:extLst>
+              <a:ext uri="{FF2B5EF4-FFF2-40B4-BE49-F238E27FC236}">
+                <a16:creationId xmlns:a16="http://schemas.microsoft.com/office/drawing/2014/main" id="{B3C4A1FE-1310-4A5F-AFD9-45824FD6B123}"/>
+              </a:ext>
+            </a:extLst>
+          </p:cNvPr>
+          <p:cNvPicPr>
+            <a:picLocks noChangeAspect="1"/>
+          </p:cNvPicPr>
+          <p:nvPr/>
+        </p:nvPicPr>
+        <p:blipFill>
+          <a:blip r:embed="rId2"/>
+          <a:stretch>
+            <a:fillRect/>
+          </a:stretch>
+        </p:blipFill>
+        <p:spPr>
           <a:xfrm>
-            <a:off x="-1740895" y="-8238"/>
-            <a:ext cx="3850517" cy="6866238"/>
-            <a:chOff x="326660" y="-8238"/>
-            <a:chExt cx="3464445" cy="6866238"/>
-          </a:xfrm>
-        </p:grpSpPr>
-        <p:sp>
-          <p:nvSpPr>
-            <p:cNvPr id="77" name="Rectangle 76">
-              <a:extLst>
-                <a:ext uri="{FF2B5EF4-FFF2-40B4-BE49-F238E27FC236}">
-                  <a16:creationId xmlns:a16="http://schemas.microsoft.com/office/drawing/2014/main" id="{FF8ECF35-CF58-43D8-A03A-5FE8544A266B}"/>
-                </a:ext>
-              </a:extLst>
-            </p:cNvPr>
-            <p:cNvSpPr/>
-            <p:nvPr/>
-          </p:nvSpPr>
-          <p:spPr>
-            <a:xfrm>
-              <a:off x="955031" y="2027110"/>
-              <a:ext cx="2176064" cy="216319"/>
-            </a:xfrm>
-            <a:prstGeom prst="rect">
-              <a:avLst/>
-            </a:prstGeom>
-            <a:solidFill>
-              <a:schemeClr val="accent1">
-                <a:lumMod val="40000"/>
-                <a:lumOff val="60000"/>
-              </a:schemeClr>
-            </a:solidFill>
-            <a:ln>
-              <a:noFill/>
-            </a:ln>
-          </p:spPr>
-          <p:style>
-            <a:lnRef idx="2">
-              <a:schemeClr val="accent1">
-                <a:shade val="50000"/>
-              </a:schemeClr>
-            </a:lnRef>
-            <a:fillRef idx="1">
-              <a:schemeClr val="accent1"/>
-            </a:fillRef>
-            <a:effectRef idx="0">
-              <a:schemeClr val="accent1"/>
-            </a:effectRef>
-            <a:fontRef idx="minor">
-              <a:schemeClr val="lt1"/>
-            </a:fontRef>
-          </p:style>
-          <p:txBody>
-            <a:bodyPr rtlCol="0" anchor="ctr"/>
-            <a:lstStyle/>
-            <a:p>
-              <a:pPr algn="ctr"/>
-              <a:endParaRPr lang="en-GB" dirty="0"/>
-            </a:p>
-          </p:txBody>
-        </p:sp>
-        <p:sp>
-          <p:nvSpPr>
-            <p:cNvPr id="78" name="Rectangle 77">
-              <a:extLst>
-                <a:ext uri="{FF2B5EF4-FFF2-40B4-BE49-F238E27FC236}">
-                  <a16:creationId xmlns:a16="http://schemas.microsoft.com/office/drawing/2014/main" id="{FF8ECF35-CF58-43D8-A03A-5FE8544A266B}"/>
-                </a:ext>
-              </a:extLst>
-            </p:cNvPr>
-            <p:cNvSpPr/>
-            <p:nvPr/>
-          </p:nvSpPr>
-          <p:spPr>
-            <a:xfrm>
-              <a:off x="955031" y="2239535"/>
-              <a:ext cx="2176064" cy="206856"/>
-            </a:xfrm>
-            <a:prstGeom prst="rect">
-              <a:avLst/>
-            </a:prstGeom>
-            <a:solidFill>
-              <a:schemeClr val="accent1">
-                <a:lumMod val="40000"/>
-                <a:lumOff val="60000"/>
-              </a:schemeClr>
-            </a:solidFill>
-            <a:ln>
-              <a:noFill/>
-            </a:ln>
-          </p:spPr>
-          <p:style>
-            <a:lnRef idx="2">
-              <a:schemeClr val="accent1">
-                <a:shade val="50000"/>
-              </a:schemeClr>
-            </a:lnRef>
-            <a:fillRef idx="1">
-              <a:schemeClr val="accent1"/>
-            </a:fillRef>
-            <a:effectRef idx="0">
-              <a:schemeClr val="accent1"/>
-            </a:effectRef>
-            <a:fontRef idx="minor">
-              <a:schemeClr val="lt1"/>
-            </a:fontRef>
-          </p:style>
-          <p:txBody>
-            <a:bodyPr rtlCol="0" anchor="ctr"/>
-            <a:lstStyle/>
-            <a:p>
-              <a:pPr algn="ctr"/>
-              <a:endParaRPr lang="en-GB" dirty="0"/>
-            </a:p>
-          </p:txBody>
-        </p:sp>
-        <p:sp>
-          <p:nvSpPr>
-            <p:cNvPr id="96" name="Rectangle 95">
-              <a:extLst>
-                <a:ext uri="{FF2B5EF4-FFF2-40B4-BE49-F238E27FC236}">
-                  <a16:creationId xmlns:a16="http://schemas.microsoft.com/office/drawing/2014/main" id="{FF8ECF35-CF58-43D8-A03A-5FE8544A266B}"/>
-                </a:ext>
-              </a:extLst>
-            </p:cNvPr>
-            <p:cNvSpPr/>
-            <p:nvPr/>
-          </p:nvSpPr>
-          <p:spPr>
-            <a:xfrm>
-              <a:off x="326660" y="-8238"/>
-              <a:ext cx="3157359" cy="2035348"/>
-            </a:xfrm>
-            <a:prstGeom prst="rect">
-              <a:avLst/>
-            </a:prstGeom>
-            <a:solidFill>
-              <a:schemeClr val="accent1">
-                <a:lumMod val="40000"/>
-                <a:lumOff val="60000"/>
-              </a:schemeClr>
-            </a:solidFill>
-            <a:ln>
-              <a:noFill/>
-            </a:ln>
-          </p:spPr>
-          <p:style>
-            <a:lnRef idx="2">
-              <a:schemeClr val="accent1">
-                <a:shade val="50000"/>
-              </a:schemeClr>
-            </a:lnRef>
-            <a:fillRef idx="1">
-              <a:schemeClr val="accent1"/>
-            </a:fillRef>
-            <a:effectRef idx="0">
-              <a:schemeClr val="accent1"/>
-            </a:effectRef>
-            <a:fontRef idx="minor">
-              <a:schemeClr val="lt1"/>
-            </a:fontRef>
-          </p:style>
-          <p:txBody>
-            <a:bodyPr rtlCol="0" anchor="ctr"/>
-            <a:lstStyle/>
-            <a:p>
-              <a:pPr algn="ctr"/>
-              <a:endParaRPr lang="en-GB" dirty="0"/>
-            </a:p>
-          </p:txBody>
-        </p:sp>
-        <p:grpSp>
-          <p:nvGrpSpPr>
-            <p:cNvPr id="97" name="Group 96"/>
-            <p:cNvGrpSpPr/>
-            <p:nvPr/>
-          </p:nvGrpSpPr>
-          <p:grpSpPr>
-            <a:xfrm>
-              <a:off x="326660" y="2446281"/>
-              <a:ext cx="3464445" cy="4411719"/>
-              <a:chOff x="497171" y="2446281"/>
-              <a:chExt cx="3464445" cy="4411719"/>
-            </a:xfrm>
-          </p:grpSpPr>
-          <p:sp>
-            <p:nvSpPr>
-              <p:cNvPr id="98" name="Rectangle 97"/>
-              <p:cNvSpPr/>
-              <p:nvPr/>
-            </p:nvSpPr>
-            <p:spPr>
-              <a:xfrm>
-                <a:off x="497171" y="2446281"/>
-                <a:ext cx="3161916" cy="4411719"/>
-              </a:xfrm>
-              <a:prstGeom prst="rect">
-                <a:avLst/>
-              </a:prstGeom>
-              <a:solidFill>
-                <a:schemeClr val="accent1">
-                  <a:lumMod val="40000"/>
-                  <a:lumOff val="60000"/>
-                </a:schemeClr>
-              </a:solidFill>
-              <a:ln>
-                <a:noFill/>
-              </a:ln>
-            </p:spPr>
-            <p:style>
-              <a:lnRef idx="2">
-                <a:schemeClr val="accent1">
-                  <a:shade val="50000"/>
-                </a:schemeClr>
-              </a:lnRef>
-              <a:fillRef idx="1">
-                <a:schemeClr val="accent1"/>
-              </a:fillRef>
-              <a:effectRef idx="0">
-                <a:schemeClr val="accent1"/>
-              </a:effectRef>
-              <a:fontRef idx="minor">
-                <a:schemeClr val="lt1"/>
-              </a:fontRef>
-            </p:style>
-            <p:txBody>
-              <a:bodyPr rtlCol="0" anchor="ctr"/>
-              <a:lstStyle/>
-              <a:p>
-                <a:pPr algn="ctr"/>
-                <a:endParaRPr lang="en-GB" dirty="0"/>
-              </a:p>
-            </p:txBody>
-          </p:sp>
-          <p:sp>
-            <p:nvSpPr>
-              <p:cNvPr id="99" name="Rectangle 98"/>
-              <p:cNvSpPr/>
-              <p:nvPr/>
-            </p:nvSpPr>
-            <p:spPr>
-              <a:xfrm>
-                <a:off x="3659087" y="2724851"/>
-                <a:ext cx="302529" cy="1400060"/>
-              </a:xfrm>
-              <a:prstGeom prst="rect">
-                <a:avLst/>
-              </a:prstGeom>
-              <a:solidFill>
-                <a:schemeClr val="accent1">
-                  <a:lumMod val="40000"/>
-                  <a:lumOff val="60000"/>
-                </a:schemeClr>
-              </a:solidFill>
-              <a:ln>
-                <a:noFill/>
-              </a:ln>
-            </p:spPr>
-            <p:style>
-              <a:lnRef idx="2">
-                <a:schemeClr val="accent1">
-                  <a:shade val="50000"/>
-                </a:schemeClr>
-              </a:lnRef>
-              <a:fillRef idx="1">
-                <a:schemeClr val="accent1"/>
-              </a:fillRef>
-              <a:effectRef idx="0">
-                <a:schemeClr val="accent1"/>
-              </a:effectRef>
-              <a:fontRef idx="minor">
-                <a:schemeClr val="lt1"/>
-              </a:fontRef>
-            </p:style>
-            <p:txBody>
-              <a:bodyPr rtlCol="0" anchor="ctr"/>
-              <a:lstStyle/>
-              <a:p>
-                <a:pPr algn="ctr"/>
-                <a:endParaRPr lang="en-GB" dirty="0"/>
-              </a:p>
-            </p:txBody>
-          </p:sp>
-        </p:grpSp>
-      </p:grpSp>
-      <p:grpSp>
-        <p:nvGrpSpPr>
-          <p:cNvPr id="7" name="Group 6"/>
-          <p:cNvGrpSpPr/>
-          <p:nvPr/>
-        </p:nvGrpSpPr>
-        <p:grpSpPr>
-          <a:xfrm>
-            <a:off x="2106510" y="2526430"/>
-            <a:ext cx="3588314" cy="1796901"/>
-            <a:chOff x="4240110" y="2526430"/>
-            <a:chExt cx="3588314" cy="1796901"/>
-          </a:xfrm>
-          <a:solidFill>
-            <a:schemeClr val="bg2">
-              <a:lumMod val="75000"/>
-            </a:schemeClr>
-          </a:solidFill>
-        </p:grpSpPr>
-        <p:sp>
-          <p:nvSpPr>
-            <p:cNvPr id="149" name="Rectangle 148">
-              <a:extLst>
-                <a:ext uri="{FF2B5EF4-FFF2-40B4-BE49-F238E27FC236}">
-                  <a16:creationId xmlns:a16="http://schemas.microsoft.com/office/drawing/2014/main" id="{E67295A5-CD9B-42DF-A06B-173F8F469F8E}"/>
-                </a:ext>
-              </a:extLst>
-            </p:cNvPr>
-            <p:cNvSpPr/>
-            <p:nvPr/>
-          </p:nvSpPr>
-          <p:spPr>
-            <a:xfrm>
-              <a:off x="4593860" y="2526430"/>
-              <a:ext cx="2877613" cy="1796901"/>
-            </a:xfrm>
-            <a:prstGeom prst="rect">
-              <a:avLst/>
-            </a:prstGeom>
-            <a:grpFill/>
-            <a:ln>
-              <a:noFill/>
-            </a:ln>
-          </p:spPr>
-          <p:style>
-            <a:lnRef idx="2">
-              <a:schemeClr val="accent1">
-                <a:shade val="50000"/>
-              </a:schemeClr>
-            </a:lnRef>
-            <a:fillRef idx="1">
-              <a:schemeClr val="accent1"/>
-            </a:fillRef>
-            <a:effectRef idx="0">
-              <a:schemeClr val="accent1"/>
-            </a:effectRef>
-            <a:fontRef idx="minor">
-              <a:schemeClr val="lt1"/>
-            </a:fontRef>
-          </p:style>
-          <p:txBody>
-            <a:bodyPr rtlCol="0" anchor="ctr"/>
-            <a:lstStyle/>
-            <a:p>
-              <a:pPr algn="ctr"/>
-              <a:endParaRPr lang="en-GB" dirty="0"/>
-            </a:p>
-          </p:txBody>
-        </p:sp>
-        <p:sp>
-          <p:nvSpPr>
-            <p:cNvPr id="155" name="Rectangle 154"/>
-            <p:cNvSpPr/>
-            <p:nvPr/>
-          </p:nvSpPr>
-          <p:spPr>
-            <a:xfrm>
-              <a:off x="7335628" y="2724850"/>
-              <a:ext cx="492796" cy="1400060"/>
-            </a:xfrm>
-            <a:prstGeom prst="rect">
-              <a:avLst/>
-            </a:prstGeom>
-            <a:grpFill/>
-            <a:ln>
-              <a:noFill/>
-            </a:ln>
-          </p:spPr>
-          <p:style>
-            <a:lnRef idx="2">
-              <a:schemeClr val="accent1">
-                <a:shade val="50000"/>
-              </a:schemeClr>
-            </a:lnRef>
-            <a:fillRef idx="1">
-              <a:schemeClr val="accent1"/>
-            </a:fillRef>
-            <a:effectRef idx="0">
-              <a:schemeClr val="accent1"/>
-            </a:effectRef>
-            <a:fontRef idx="minor">
-              <a:schemeClr val="lt1"/>
-            </a:fontRef>
-          </p:style>
-          <p:txBody>
-            <a:bodyPr rtlCol="0" anchor="ctr"/>
-            <a:lstStyle/>
-            <a:p>
-              <a:pPr algn="ctr"/>
-              <a:endParaRPr lang="en-GB" dirty="0"/>
-            </a:p>
-          </p:txBody>
-        </p:sp>
-        <p:sp>
-          <p:nvSpPr>
-            <p:cNvPr id="156" name="Rectangle 155"/>
-            <p:cNvSpPr/>
-            <p:nvPr/>
-          </p:nvSpPr>
-          <p:spPr>
-            <a:xfrm>
-              <a:off x="4240110" y="2724850"/>
-              <a:ext cx="514553" cy="1400060"/>
-            </a:xfrm>
-            <a:prstGeom prst="rect">
-              <a:avLst/>
-            </a:prstGeom>
-            <a:grpFill/>
-            <a:ln>
-              <a:noFill/>
-            </a:ln>
-          </p:spPr>
-          <p:style>
-            <a:lnRef idx="2">
-              <a:schemeClr val="accent1">
-                <a:shade val="50000"/>
-              </a:schemeClr>
-            </a:lnRef>
-            <a:fillRef idx="1">
-              <a:schemeClr val="accent1"/>
-            </a:fillRef>
-            <a:effectRef idx="0">
-              <a:schemeClr val="accent1"/>
-            </a:effectRef>
-            <a:fontRef idx="minor">
-              <a:schemeClr val="lt1"/>
-            </a:fontRef>
-          </p:style>
-          <p:txBody>
-            <a:bodyPr rtlCol="0" anchor="ctr"/>
-            <a:lstStyle/>
-            <a:p>
-              <a:pPr algn="ctr"/>
-              <a:endParaRPr lang="en-GB" dirty="0"/>
-            </a:p>
-          </p:txBody>
-        </p:sp>
-      </p:grpSp>
-      <p:cxnSp>
-        <p:nvCxnSpPr>
-          <p:cNvPr id="11" name="Straight Arrow Connector 10">
-            <a:extLst>
-              <a:ext uri="{FF2B5EF4-FFF2-40B4-BE49-F238E27FC236}">
-                <a16:creationId xmlns:a16="http://schemas.microsoft.com/office/drawing/2014/main" id="{30AD2B9B-64B2-4F8A-8BA3-3D5BA859AC6B}"/>
-              </a:ext>
-            </a:extLst>
-          </p:cNvPr>
-          <p:cNvCxnSpPr>
-            <a:cxnSpLocks/>
-          </p:cNvCxnSpPr>
-          <p:nvPr/>
-        </p:nvCxnSpPr>
-        <p:spPr>
-          <a:xfrm>
-            <a:off x="-106723" y="1385754"/>
-            <a:ext cx="0" cy="1555001"/>
-          </a:xfrm>
-          <a:prstGeom prst="straightConnector1">
-            <a:avLst/>
-          </a:prstGeom>
-          <a:ln w="76200" cmpd="sng">
-            <a:solidFill>
-              <a:schemeClr val="accent6">
-                <a:lumMod val="50000"/>
-              </a:schemeClr>
-            </a:solidFill>
-            <a:prstDash val="sysDot"/>
-            <a:tailEnd type="triangle"/>
-          </a:ln>
-        </p:spPr>
-        <p:style>
-          <a:lnRef idx="1">
-            <a:schemeClr val="accent1"/>
-          </a:lnRef>
-          <a:fillRef idx="0">
-            <a:schemeClr val="accent1"/>
-          </a:fillRef>
-          <a:effectRef idx="0">
-            <a:schemeClr val="accent1"/>
-          </a:effectRef>
-          <a:fontRef idx="minor">
-            <a:schemeClr val="tx1"/>
-          </a:fontRef>
-        </p:style>
-      </p:cxnSp>
-      <p:sp>
-        <p:nvSpPr>
-          <p:cNvPr id="18" name="TextBox 17">
-            <a:extLst>
-              <a:ext uri="{FF2B5EF4-FFF2-40B4-BE49-F238E27FC236}">
-                <a16:creationId xmlns:a16="http://schemas.microsoft.com/office/drawing/2014/main" id="{C41D69F8-1C98-4A01-95D1-ABD1D10BDD7D}"/>
-              </a:ext>
-            </a:extLst>
-          </p:cNvPr>
-          <p:cNvSpPr txBox="1"/>
-          <p:nvPr/>
-        </p:nvSpPr>
-        <p:spPr>
-          <a:xfrm>
-            <a:off x="-1369318" y="2417535"/>
-            <a:ext cx="1248614" cy="523220"/>
+            <a:off x="0" y="1673"/>
+            <a:ext cx="12192000" cy="6854653"/>
           </a:xfrm>
           <a:prstGeom prst="rect">
             <a:avLst/>
           </a:prstGeom>
-          <a:noFill/>
-        </p:spPr>
-        <p:txBody>
-          <a:bodyPr wrap="square" rtlCol="0">
-            <a:spAutoFit/>
-          </a:bodyPr>
-          <a:lstStyle/>
-          <a:p>
-            <a:pPr algn="ctr"/>
-            <a:r>
-              <a:rPr lang="en-GB" sz="1400" dirty="0"/>
-              <a:t>Image Stream</a:t>
-            </a:r>
-          </a:p>
-          <a:p>
-            <a:pPr algn="ctr"/>
-            <a:r>
-              <a:rPr lang="en-GB" sz="1400" dirty="0"/>
-              <a:t>▼</a:t>
-            </a:r>
-          </a:p>
-        </p:txBody>
-      </p:sp>
-      <p:sp>
-        <p:nvSpPr>
-          <p:cNvPr id="33" name="Flowchart: Delay 32">
-            <a:extLst>
-              <a:ext uri="{FF2B5EF4-FFF2-40B4-BE49-F238E27FC236}">
-                <a16:creationId xmlns:a16="http://schemas.microsoft.com/office/drawing/2014/main" id="{4FFA08B9-25E3-46A3-8F38-170EF9FDDAA3}"/>
-              </a:ext>
-            </a:extLst>
-          </p:cNvPr>
-          <p:cNvSpPr/>
-          <p:nvPr/>
-        </p:nvSpPr>
-        <p:spPr>
-          <a:xfrm rot="5400000">
-            <a:off x="-690701" y="5097731"/>
-            <a:ext cx="1200328" cy="1898064"/>
-          </a:xfrm>
-          <a:prstGeom prst="flowChartDelay">
-            <a:avLst/>
-          </a:prstGeom>
-          <a:solidFill>
-            <a:schemeClr val="accent6">
-              <a:lumMod val="50000"/>
-            </a:schemeClr>
-          </a:solidFill>
-          <a:ln>
-            <a:noFill/>
-          </a:ln>
-        </p:spPr>
-        <p:style>
-          <a:lnRef idx="2">
-            <a:schemeClr val="accent1">
-              <a:shade val="50000"/>
-            </a:schemeClr>
-          </a:lnRef>
-          <a:fillRef idx="1">
-            <a:schemeClr val="accent1"/>
-          </a:fillRef>
-          <a:effectRef idx="0">
-            <a:schemeClr val="accent1"/>
-          </a:effectRef>
-          <a:fontRef idx="minor">
-            <a:schemeClr val="lt1"/>
-          </a:fontRef>
-        </p:style>
-        <p:txBody>
-          <a:bodyPr rtlCol="0" anchor="ctr"/>
-          <a:lstStyle/>
-          <a:p>
-            <a:pPr algn="ctr"/>
-            <a:endParaRPr lang="en-GB" dirty="0"/>
-          </a:p>
-        </p:txBody>
-      </p:sp>
-      <p:cxnSp>
-        <p:nvCxnSpPr>
-          <p:cNvPr id="38" name="Straight Arrow Connector 37">
-            <a:extLst>
-              <a:ext uri="{FF2B5EF4-FFF2-40B4-BE49-F238E27FC236}">
-                <a16:creationId xmlns:a16="http://schemas.microsoft.com/office/drawing/2014/main" id="{6499CFC4-90F7-4835-AE26-D8AB856D5641}"/>
-              </a:ext>
-            </a:extLst>
-          </p:cNvPr>
-          <p:cNvCxnSpPr>
-            <a:cxnSpLocks/>
-          </p:cNvCxnSpPr>
-          <p:nvPr/>
-        </p:nvCxnSpPr>
-        <p:spPr>
-          <a:xfrm flipH="1" flipV="1">
-            <a:off x="-112335" y="3819595"/>
-            <a:ext cx="21798" cy="1627004"/>
-          </a:xfrm>
-          <a:prstGeom prst="straightConnector1">
-            <a:avLst/>
-          </a:prstGeom>
-          <a:ln w="76200">
-            <a:solidFill>
-              <a:srgbClr val="FF0000"/>
-            </a:solidFill>
-            <a:prstDash val="solid"/>
-            <a:headEnd type="triangle"/>
-            <a:tailEnd type="triangle"/>
-          </a:ln>
-        </p:spPr>
-        <p:style>
-          <a:lnRef idx="1">
-            <a:schemeClr val="accent1"/>
-          </a:lnRef>
-          <a:fillRef idx="0">
-            <a:schemeClr val="accent1"/>
-          </a:fillRef>
-          <a:effectRef idx="0">
-            <a:schemeClr val="accent1"/>
-          </a:effectRef>
-          <a:fontRef idx="minor">
-            <a:schemeClr val="tx1"/>
-          </a:fontRef>
-        </p:style>
-      </p:cxnSp>
-      <p:sp>
-        <p:nvSpPr>
-          <p:cNvPr id="43" name="TextBox 42">
-            <a:extLst>
-              <a:ext uri="{FF2B5EF4-FFF2-40B4-BE49-F238E27FC236}">
-                <a16:creationId xmlns:a16="http://schemas.microsoft.com/office/drawing/2014/main" id="{358B10D6-A0B4-4434-AACB-C474B6F3546A}"/>
-              </a:ext>
-            </a:extLst>
-          </p:cNvPr>
-          <p:cNvSpPr txBox="1"/>
-          <p:nvPr/>
-        </p:nvSpPr>
-        <p:spPr>
-          <a:xfrm>
-            <a:off x="-1346576" y="3803290"/>
-            <a:ext cx="1203129" cy="523220"/>
-          </a:xfrm>
-          <a:prstGeom prst="rect">
-            <a:avLst/>
-          </a:prstGeom>
-          <a:noFill/>
-        </p:spPr>
-        <p:txBody>
-          <a:bodyPr wrap="square" rtlCol="0">
-            <a:spAutoFit/>
-          </a:bodyPr>
-          <a:lstStyle/>
-          <a:p>
-            <a:pPr algn="ctr"/>
-            <a:r>
-              <a:rPr lang="en-GB" sz="1400" dirty="0"/>
-              <a:t>▲</a:t>
-            </a:r>
-          </a:p>
-          <a:p>
-            <a:pPr algn="ctr"/>
-            <a:r>
-              <a:rPr lang="en-GB" sz="1400" dirty="0"/>
-              <a:t>Background</a:t>
-            </a:r>
-          </a:p>
-        </p:txBody>
-      </p:sp>
-      <p:sp>
-        <p:nvSpPr>
-          <p:cNvPr id="44" name="TextBox 43">
-            <a:extLst>
-              <a:ext uri="{FF2B5EF4-FFF2-40B4-BE49-F238E27FC236}">
-                <a16:creationId xmlns:a16="http://schemas.microsoft.com/office/drawing/2014/main" id="{BAB3948D-F827-44D1-B40E-A737164AC616}"/>
-              </a:ext>
-            </a:extLst>
-          </p:cNvPr>
-          <p:cNvSpPr txBox="1"/>
-          <p:nvPr/>
-        </p:nvSpPr>
-        <p:spPr>
-          <a:xfrm>
-            <a:off x="-973659" y="5446597"/>
-            <a:ext cx="1766253" cy="1200329"/>
-          </a:xfrm>
-          <a:prstGeom prst="rect">
-            <a:avLst/>
-          </a:prstGeom>
-          <a:noFill/>
-        </p:spPr>
-        <p:txBody>
-          <a:bodyPr wrap="none" rtlCol="0">
-            <a:spAutoFit/>
-          </a:bodyPr>
-          <a:lstStyle/>
-          <a:p>
-            <a:pPr algn="ctr"/>
-            <a:r>
-              <a:rPr lang="en-GB" sz="2400" b="1" dirty="0">
-                <a:solidFill>
-                  <a:schemeClr val="bg2"/>
-                </a:solidFill>
-                <a:effectLst>
-                  <a:glow rad="101600">
-                    <a:schemeClr val="tx1">
-                      <a:alpha val="60000"/>
-                    </a:schemeClr>
-                  </a:glow>
-                </a:effectLst>
-              </a:rPr>
-              <a:t>Background </a:t>
-            </a:r>
-          </a:p>
-          <a:p>
-            <a:pPr algn="ctr"/>
-            <a:r>
-              <a:rPr lang="en-GB" sz="2400" b="1" dirty="0">
-                <a:solidFill>
-                  <a:schemeClr val="bg2"/>
-                </a:solidFill>
-                <a:effectLst>
-                  <a:glow rad="101600">
-                    <a:schemeClr val="tx1">
-                      <a:alpha val="60000"/>
-                    </a:schemeClr>
-                  </a:glow>
-                </a:effectLst>
-              </a:rPr>
-              <a:t>Generation </a:t>
-            </a:r>
-          </a:p>
-          <a:p>
-            <a:pPr algn="ctr"/>
-            <a:r>
-              <a:rPr lang="en-GB" sz="2400" b="1" dirty="0">
-                <a:solidFill>
-                  <a:schemeClr val="bg2"/>
-                </a:solidFill>
-                <a:effectLst>
-                  <a:glow rad="101600">
-                    <a:schemeClr val="tx1">
-                      <a:alpha val="60000"/>
-                    </a:schemeClr>
-                  </a:glow>
-                </a:effectLst>
-              </a:rPr>
-              <a:t>System</a:t>
-            </a:r>
-          </a:p>
-        </p:txBody>
-      </p:sp>
-      <p:sp>
-        <p:nvSpPr>
-          <p:cNvPr id="41" name="TextBox 40">
-            <a:extLst>
-              <a:ext uri="{FF2B5EF4-FFF2-40B4-BE49-F238E27FC236}">
-                <a16:creationId xmlns:a16="http://schemas.microsoft.com/office/drawing/2014/main" id="{358B10D6-A0B4-4434-AACB-C474B6F3546A}"/>
-              </a:ext>
-            </a:extLst>
-          </p:cNvPr>
-          <p:cNvSpPr txBox="1"/>
-          <p:nvPr/>
-        </p:nvSpPr>
-        <p:spPr>
-          <a:xfrm>
-            <a:off x="-1105410" y="4889474"/>
-            <a:ext cx="720799" cy="523220"/>
-          </a:xfrm>
-          <a:prstGeom prst="rect">
-            <a:avLst/>
-          </a:prstGeom>
-          <a:noFill/>
-        </p:spPr>
-        <p:txBody>
-          <a:bodyPr wrap="square" rtlCol="0">
-            <a:spAutoFit/>
-          </a:bodyPr>
-          <a:lstStyle/>
-          <a:p>
-            <a:pPr algn="ctr"/>
-            <a:r>
-              <a:rPr lang="en-GB" sz="1400" dirty="0"/>
-              <a:t>Frames</a:t>
-            </a:r>
-          </a:p>
-          <a:p>
-            <a:pPr algn="ctr"/>
-            <a:r>
-              <a:rPr lang="en-GB" sz="1400" dirty="0"/>
-              <a:t>▼</a:t>
-            </a:r>
-          </a:p>
-        </p:txBody>
-      </p:sp>
-      <p:sp>
-        <p:nvSpPr>
-          <p:cNvPr id="92" name="Arrow: Chevron 51">
-            <a:extLst>
-              <a:ext uri="{FF2B5EF4-FFF2-40B4-BE49-F238E27FC236}">
-                <a16:creationId xmlns:a16="http://schemas.microsoft.com/office/drawing/2014/main" id="{842C5092-8294-4030-A526-A8C839E4F69D}"/>
-              </a:ext>
-            </a:extLst>
-          </p:cNvPr>
-          <p:cNvSpPr/>
-          <p:nvPr/>
-        </p:nvSpPr>
-        <p:spPr>
-          <a:xfrm rot="5400000">
-            <a:off x="14532381" y="-6601077"/>
-            <a:ext cx="1085130" cy="1628250"/>
-          </a:xfrm>
-          <a:prstGeom prst="chevron">
-            <a:avLst>
-              <a:gd name="adj" fmla="val 21142"/>
-            </a:avLst>
-          </a:prstGeom>
-          <a:solidFill>
-            <a:srgbClr val="000000"/>
-          </a:solidFill>
-          <a:ln>
-            <a:noFill/>
-          </a:ln>
-        </p:spPr>
-        <p:style>
-          <a:lnRef idx="2">
-            <a:schemeClr val="accent1">
-              <a:shade val="50000"/>
-            </a:schemeClr>
-          </a:lnRef>
-          <a:fillRef idx="1">
-            <a:schemeClr val="accent1"/>
-          </a:fillRef>
-          <a:effectRef idx="0">
-            <a:schemeClr val="accent1"/>
-          </a:effectRef>
-          <a:fontRef idx="minor">
-            <a:schemeClr val="lt1"/>
-          </a:fontRef>
-        </p:style>
-        <p:txBody>
-          <a:bodyPr rtlCol="0" anchor="ctr"/>
-          <a:lstStyle/>
-          <a:p>
-            <a:pPr algn="ctr"/>
-            <a:endParaRPr lang="en-GB" dirty="0"/>
-          </a:p>
-        </p:txBody>
-      </p:sp>
-      <p:sp>
-        <p:nvSpPr>
-          <p:cNvPr id="93" name="Arrow: Chevron 51">
-            <a:extLst>
-              <a:ext uri="{FF2B5EF4-FFF2-40B4-BE49-F238E27FC236}">
-                <a16:creationId xmlns:a16="http://schemas.microsoft.com/office/drawing/2014/main" id="{842C5092-8294-4030-A526-A8C839E4F69D}"/>
-              </a:ext>
-            </a:extLst>
-          </p:cNvPr>
-          <p:cNvSpPr/>
-          <p:nvPr/>
-        </p:nvSpPr>
-        <p:spPr>
-          <a:xfrm rot="5400000">
-            <a:off x="-3751547" y="-6601077"/>
-            <a:ext cx="1085130" cy="1628250"/>
-          </a:xfrm>
-          <a:prstGeom prst="chevron">
-            <a:avLst>
-              <a:gd name="adj" fmla="val 21142"/>
-            </a:avLst>
-          </a:prstGeom>
-          <a:solidFill>
-            <a:srgbClr val="000000"/>
-          </a:solidFill>
-          <a:ln>
-            <a:noFill/>
-          </a:ln>
-        </p:spPr>
-        <p:style>
-          <a:lnRef idx="2">
-            <a:schemeClr val="accent1">
-              <a:shade val="50000"/>
-            </a:schemeClr>
-          </a:lnRef>
-          <a:fillRef idx="1">
-            <a:schemeClr val="accent1"/>
-          </a:fillRef>
-          <a:effectRef idx="0">
-            <a:schemeClr val="accent1"/>
-          </a:effectRef>
-          <a:fontRef idx="minor">
-            <a:schemeClr val="lt1"/>
-          </a:fontRef>
-        </p:style>
-        <p:txBody>
-          <a:bodyPr rtlCol="0" anchor="ctr"/>
-          <a:lstStyle/>
-          <a:p>
-            <a:pPr algn="ctr"/>
-            <a:endParaRPr lang="en-GB" dirty="0"/>
-          </a:p>
-        </p:txBody>
-      </p:sp>
-      <p:sp>
-        <p:nvSpPr>
-          <p:cNvPr id="94" name="Arrow: Chevron 51">
-            <a:extLst>
-              <a:ext uri="{FF2B5EF4-FFF2-40B4-BE49-F238E27FC236}">
-                <a16:creationId xmlns:a16="http://schemas.microsoft.com/office/drawing/2014/main" id="{842C5092-8294-4030-A526-A8C839E4F69D}"/>
-              </a:ext>
-            </a:extLst>
-          </p:cNvPr>
-          <p:cNvSpPr/>
-          <p:nvPr/>
-        </p:nvSpPr>
-        <p:spPr>
-          <a:xfrm rot="5400000">
-            <a:off x="14532381" y="13751698"/>
-            <a:ext cx="1085130" cy="1628250"/>
-          </a:xfrm>
-          <a:prstGeom prst="chevron">
-            <a:avLst>
-              <a:gd name="adj" fmla="val 21142"/>
-            </a:avLst>
-          </a:prstGeom>
-          <a:solidFill>
-            <a:srgbClr val="000000"/>
-          </a:solidFill>
-          <a:ln>
-            <a:noFill/>
-          </a:ln>
-        </p:spPr>
-        <p:style>
-          <a:lnRef idx="2">
-            <a:schemeClr val="accent1">
-              <a:shade val="50000"/>
-            </a:schemeClr>
-          </a:lnRef>
-          <a:fillRef idx="1">
-            <a:schemeClr val="accent1"/>
-          </a:fillRef>
-          <a:effectRef idx="0">
-            <a:schemeClr val="accent1"/>
-          </a:effectRef>
-          <a:fontRef idx="minor">
-            <a:schemeClr val="lt1"/>
-          </a:fontRef>
-        </p:style>
-        <p:txBody>
-          <a:bodyPr rtlCol="0" anchor="ctr"/>
-          <a:lstStyle/>
-          <a:p>
-            <a:pPr algn="ctr"/>
-            <a:endParaRPr lang="en-GB" dirty="0"/>
-          </a:p>
-        </p:txBody>
-      </p:sp>
-      <p:sp>
-        <p:nvSpPr>
-          <p:cNvPr id="95" name="Arrow: Chevron 51">
-            <a:extLst>
-              <a:ext uri="{FF2B5EF4-FFF2-40B4-BE49-F238E27FC236}">
-                <a16:creationId xmlns:a16="http://schemas.microsoft.com/office/drawing/2014/main" id="{842C5092-8294-4030-A526-A8C839E4F69D}"/>
-              </a:ext>
-            </a:extLst>
-          </p:cNvPr>
-          <p:cNvSpPr/>
-          <p:nvPr/>
-        </p:nvSpPr>
-        <p:spPr>
-          <a:xfrm rot="5400000">
-            <a:off x="-3751547" y="13751698"/>
-            <a:ext cx="1085130" cy="1628250"/>
-          </a:xfrm>
-          <a:prstGeom prst="chevron">
-            <a:avLst>
-              <a:gd name="adj" fmla="val 21142"/>
-            </a:avLst>
-          </a:prstGeom>
-          <a:solidFill>
-            <a:srgbClr val="000000"/>
-          </a:solidFill>
-          <a:ln>
-            <a:noFill/>
-          </a:ln>
-        </p:spPr>
-        <p:style>
-          <a:lnRef idx="2">
-            <a:schemeClr val="accent1">
-              <a:shade val="50000"/>
-            </a:schemeClr>
-          </a:lnRef>
-          <a:fillRef idx="1">
-            <a:schemeClr val="accent1"/>
-          </a:fillRef>
-          <a:effectRef idx="0">
-            <a:schemeClr val="accent1"/>
-          </a:effectRef>
-          <a:fontRef idx="minor">
-            <a:schemeClr val="lt1"/>
-          </a:fontRef>
-        </p:style>
-        <p:txBody>
-          <a:bodyPr rtlCol="0" anchor="ctr"/>
-          <a:lstStyle/>
-          <a:p>
-            <a:pPr algn="ctr"/>
-            <a:endParaRPr lang="en-GB" dirty="0"/>
-          </a:p>
-        </p:txBody>
-      </p:sp>
-      <p:sp>
-        <p:nvSpPr>
-          <p:cNvPr id="73" name="Rectangle 72">
-            <a:extLst>
-              <a:ext uri="{FF2B5EF4-FFF2-40B4-BE49-F238E27FC236}">
-                <a16:creationId xmlns:a16="http://schemas.microsoft.com/office/drawing/2014/main" id="{FF8ECF35-CF58-43D8-A03A-5FE8544A266B}"/>
-              </a:ext>
-            </a:extLst>
-          </p:cNvPr>
-          <p:cNvSpPr/>
-          <p:nvPr/>
-        </p:nvSpPr>
-        <p:spPr>
-          <a:xfrm>
-            <a:off x="10734332" y="2027110"/>
-            <a:ext cx="2176064" cy="216319"/>
-          </a:xfrm>
-          <a:prstGeom prst="rect">
-            <a:avLst/>
-          </a:prstGeom>
-          <a:solidFill>
-            <a:srgbClr val="B85750"/>
-          </a:solidFill>
-          <a:ln>
-            <a:noFill/>
-          </a:ln>
-        </p:spPr>
-        <p:style>
-          <a:lnRef idx="2">
-            <a:schemeClr val="accent1">
-              <a:shade val="50000"/>
-            </a:schemeClr>
-          </a:lnRef>
-          <a:fillRef idx="1">
-            <a:schemeClr val="accent1"/>
-          </a:fillRef>
-          <a:effectRef idx="0">
-            <a:schemeClr val="accent1"/>
-          </a:effectRef>
-          <a:fontRef idx="minor">
-            <a:schemeClr val="lt1"/>
-          </a:fontRef>
-        </p:style>
-        <p:txBody>
-          <a:bodyPr rtlCol="0" anchor="ctr"/>
-          <a:lstStyle/>
-          <a:p>
-            <a:pPr algn="ctr"/>
-            <a:endParaRPr lang="en-GB" dirty="0"/>
-          </a:p>
-        </p:txBody>
-      </p:sp>
-      <p:sp>
-        <p:nvSpPr>
-          <p:cNvPr id="75" name="Rectangle 74">
-            <a:extLst>
-              <a:ext uri="{FF2B5EF4-FFF2-40B4-BE49-F238E27FC236}">
-                <a16:creationId xmlns:a16="http://schemas.microsoft.com/office/drawing/2014/main" id="{FF8ECF35-CF58-43D8-A03A-5FE8544A266B}"/>
-              </a:ext>
-            </a:extLst>
-          </p:cNvPr>
-          <p:cNvSpPr/>
-          <p:nvPr/>
-        </p:nvSpPr>
-        <p:spPr>
-          <a:xfrm>
-            <a:off x="10734332" y="2239535"/>
-            <a:ext cx="2176064" cy="206856"/>
-          </a:xfrm>
-          <a:prstGeom prst="rect">
-            <a:avLst/>
-          </a:prstGeom>
-          <a:solidFill>
-            <a:srgbClr val="B85750"/>
-          </a:solidFill>
-          <a:ln>
-            <a:noFill/>
-          </a:ln>
-        </p:spPr>
-        <p:style>
-          <a:lnRef idx="2">
-            <a:schemeClr val="accent1">
-              <a:shade val="50000"/>
-            </a:schemeClr>
-          </a:lnRef>
-          <a:fillRef idx="1">
-            <a:schemeClr val="accent1"/>
-          </a:fillRef>
-          <a:effectRef idx="0">
-            <a:schemeClr val="accent1"/>
-          </a:effectRef>
-          <a:fontRef idx="minor">
-            <a:schemeClr val="lt1"/>
-          </a:fontRef>
-        </p:style>
-        <p:txBody>
-          <a:bodyPr rtlCol="0" anchor="ctr"/>
-          <a:lstStyle/>
-          <a:p>
-            <a:pPr algn="ctr"/>
-            <a:endParaRPr lang="en-GB" dirty="0"/>
-          </a:p>
-        </p:txBody>
-      </p:sp>
-      <p:sp>
-        <p:nvSpPr>
-          <p:cNvPr id="100" name="Rectangle 99">
-            <a:extLst>
-              <a:ext uri="{FF2B5EF4-FFF2-40B4-BE49-F238E27FC236}">
-                <a16:creationId xmlns:a16="http://schemas.microsoft.com/office/drawing/2014/main" id="{FF8ECF35-CF58-43D8-A03A-5FE8544A266B}"/>
-              </a:ext>
-            </a:extLst>
-          </p:cNvPr>
-          <p:cNvSpPr/>
-          <p:nvPr/>
-        </p:nvSpPr>
-        <p:spPr>
-          <a:xfrm flipH="1">
-            <a:off x="9884620" y="2724851"/>
-            <a:ext cx="354905" cy="1400060"/>
-          </a:xfrm>
-          <a:prstGeom prst="rect">
-            <a:avLst/>
-          </a:prstGeom>
-          <a:solidFill>
-            <a:srgbClr val="B85750"/>
-          </a:solidFill>
-          <a:ln>
-            <a:noFill/>
-          </a:ln>
-        </p:spPr>
-        <p:style>
-          <a:lnRef idx="2">
-            <a:schemeClr val="accent1">
-              <a:shade val="50000"/>
-            </a:schemeClr>
-          </a:lnRef>
-          <a:fillRef idx="1">
-            <a:schemeClr val="accent1"/>
-          </a:fillRef>
-          <a:effectRef idx="0">
-            <a:schemeClr val="accent1"/>
-          </a:effectRef>
-          <a:fontRef idx="minor">
-            <a:schemeClr val="lt1"/>
-          </a:fontRef>
-        </p:style>
-        <p:txBody>
-          <a:bodyPr rtlCol="0" anchor="ctr"/>
-          <a:lstStyle/>
-          <a:p>
-            <a:pPr algn="ctr"/>
-            <a:endParaRPr lang="en-GB" dirty="0"/>
-          </a:p>
-        </p:txBody>
-      </p:sp>
-      <p:sp>
-        <p:nvSpPr>
-          <p:cNvPr id="101" name="Rectangle 100">
-            <a:extLst>
-              <a:ext uri="{FF2B5EF4-FFF2-40B4-BE49-F238E27FC236}">
-                <a16:creationId xmlns:a16="http://schemas.microsoft.com/office/drawing/2014/main" id="{E67295A5-CD9B-42DF-A06B-173F8F469F8E}"/>
-              </a:ext>
-            </a:extLst>
-          </p:cNvPr>
-          <p:cNvSpPr/>
-          <p:nvPr/>
-        </p:nvSpPr>
-        <p:spPr>
-          <a:xfrm>
-            <a:off x="9888885" y="5259519"/>
-            <a:ext cx="373826" cy="1400060"/>
-          </a:xfrm>
-          <a:prstGeom prst="rect">
-            <a:avLst/>
-          </a:prstGeom>
-          <a:solidFill>
-            <a:srgbClr val="FFD757"/>
-          </a:solidFill>
-          <a:ln>
-            <a:noFill/>
-          </a:ln>
-        </p:spPr>
-        <p:style>
-          <a:lnRef idx="2">
-            <a:schemeClr val="accent1">
-              <a:shade val="50000"/>
-            </a:schemeClr>
-          </a:lnRef>
-          <a:fillRef idx="1">
-            <a:schemeClr val="accent1"/>
-          </a:fillRef>
-          <a:effectRef idx="0">
-            <a:schemeClr val="accent1"/>
-          </a:effectRef>
-          <a:fontRef idx="minor">
-            <a:schemeClr val="lt1"/>
-          </a:fontRef>
-        </p:style>
-        <p:txBody>
-          <a:bodyPr rtlCol="0" anchor="ctr"/>
-          <a:lstStyle/>
-          <a:p>
-            <a:pPr algn="ctr"/>
-            <a:endParaRPr lang="en-GB" dirty="0"/>
-          </a:p>
-        </p:txBody>
-      </p:sp>
-      <p:sp>
-        <p:nvSpPr>
-          <p:cNvPr id="102" name="Rectangle 101">
-            <a:extLst>
-              <a:ext uri="{FF2B5EF4-FFF2-40B4-BE49-F238E27FC236}">
-                <a16:creationId xmlns:a16="http://schemas.microsoft.com/office/drawing/2014/main" id="{FF8ECF35-CF58-43D8-A03A-5FE8544A266B}"/>
-              </a:ext>
-            </a:extLst>
-          </p:cNvPr>
-          <p:cNvSpPr/>
-          <p:nvPr/>
-        </p:nvSpPr>
-        <p:spPr>
-          <a:xfrm>
-            <a:off x="10239523" y="-8238"/>
-            <a:ext cx="3157359" cy="2035348"/>
-          </a:xfrm>
-          <a:prstGeom prst="rect">
-            <a:avLst/>
-          </a:prstGeom>
-          <a:solidFill>
-            <a:srgbClr val="B85750"/>
-          </a:solidFill>
-          <a:ln>
-            <a:noFill/>
-          </a:ln>
-        </p:spPr>
-        <p:style>
-          <a:lnRef idx="2">
-            <a:schemeClr val="accent1">
-              <a:shade val="50000"/>
-            </a:schemeClr>
-          </a:lnRef>
-          <a:fillRef idx="1">
-            <a:schemeClr val="accent1"/>
-          </a:fillRef>
-          <a:effectRef idx="0">
-            <a:schemeClr val="accent1"/>
-          </a:effectRef>
-          <a:fontRef idx="minor">
-            <a:schemeClr val="lt1"/>
-          </a:fontRef>
-        </p:style>
-        <p:txBody>
-          <a:bodyPr rtlCol="0" anchor="ctr"/>
-          <a:lstStyle/>
-          <a:p>
-            <a:pPr algn="ctr"/>
-            <a:endParaRPr lang="en-GB" dirty="0"/>
-          </a:p>
-        </p:txBody>
-      </p:sp>
-      <p:sp>
-        <p:nvSpPr>
-          <p:cNvPr id="103" name="Rectangle 102">
-            <a:extLst>
-              <a:ext uri="{FF2B5EF4-FFF2-40B4-BE49-F238E27FC236}">
-                <a16:creationId xmlns:a16="http://schemas.microsoft.com/office/drawing/2014/main" id="{FF8ECF35-CF58-43D8-A03A-5FE8544A266B}"/>
-              </a:ext>
-            </a:extLst>
-          </p:cNvPr>
-          <p:cNvSpPr/>
-          <p:nvPr/>
-        </p:nvSpPr>
-        <p:spPr>
-          <a:xfrm>
-            <a:off x="10239523" y="2446281"/>
-            <a:ext cx="3157359" cy="1890134"/>
-          </a:xfrm>
-          <a:prstGeom prst="rect">
-            <a:avLst/>
-          </a:prstGeom>
-          <a:solidFill>
-            <a:srgbClr val="B85750"/>
-          </a:solidFill>
-          <a:ln>
-            <a:noFill/>
-          </a:ln>
-        </p:spPr>
-        <p:style>
-          <a:lnRef idx="2">
-            <a:schemeClr val="accent1">
-              <a:shade val="50000"/>
-            </a:schemeClr>
-          </a:lnRef>
-          <a:fillRef idx="1">
-            <a:schemeClr val="accent1"/>
-          </a:fillRef>
-          <a:effectRef idx="0">
-            <a:schemeClr val="accent1"/>
-          </a:effectRef>
-          <a:fontRef idx="minor">
-            <a:schemeClr val="lt1"/>
-          </a:fontRef>
-        </p:style>
-        <p:txBody>
-          <a:bodyPr rtlCol="0" anchor="ctr"/>
-          <a:lstStyle/>
-          <a:p>
-            <a:pPr algn="ctr"/>
-            <a:endParaRPr lang="en-GB" dirty="0"/>
-          </a:p>
-        </p:txBody>
-      </p:sp>
-      <p:sp>
-        <p:nvSpPr>
-          <p:cNvPr id="104" name="Rectangle 103">
-            <a:extLst>
-              <a:ext uri="{FF2B5EF4-FFF2-40B4-BE49-F238E27FC236}">
-                <a16:creationId xmlns:a16="http://schemas.microsoft.com/office/drawing/2014/main" id="{E67295A5-CD9B-42DF-A06B-173F8F469F8E}"/>
-              </a:ext>
-            </a:extLst>
-          </p:cNvPr>
-          <p:cNvSpPr/>
-          <p:nvPr/>
-        </p:nvSpPr>
-        <p:spPr>
-          <a:xfrm>
-            <a:off x="10239523" y="5055320"/>
-            <a:ext cx="3134172" cy="1796901"/>
-          </a:xfrm>
-          <a:prstGeom prst="rect">
-            <a:avLst/>
-          </a:prstGeom>
-          <a:solidFill>
-            <a:srgbClr val="FFD757"/>
-          </a:solidFill>
-          <a:ln>
-            <a:noFill/>
-          </a:ln>
-        </p:spPr>
-        <p:style>
-          <a:lnRef idx="2">
-            <a:schemeClr val="accent1">
-              <a:shade val="50000"/>
-            </a:schemeClr>
-          </a:lnRef>
-          <a:fillRef idx="1">
-            <a:schemeClr val="accent1"/>
-          </a:fillRef>
-          <a:effectRef idx="0">
-            <a:schemeClr val="accent1"/>
-          </a:effectRef>
-          <a:fontRef idx="minor">
-            <a:schemeClr val="lt1"/>
-          </a:fontRef>
-        </p:style>
-        <p:txBody>
-          <a:bodyPr rtlCol="0" anchor="ctr"/>
-          <a:lstStyle/>
-          <a:p>
-            <a:pPr algn="ctr"/>
-            <a:endParaRPr lang="en-GB" dirty="0"/>
-          </a:p>
-        </p:txBody>
-      </p:sp>
-      <p:grpSp>
-        <p:nvGrpSpPr>
-          <p:cNvPr id="105" name="Group 104"/>
-          <p:cNvGrpSpPr/>
-          <p:nvPr/>
-        </p:nvGrpSpPr>
-        <p:grpSpPr>
-          <a:xfrm>
-            <a:off x="5688511" y="-8238"/>
-            <a:ext cx="4200373" cy="6866238"/>
-            <a:chOff x="3836242" y="-8238"/>
-            <a:chExt cx="4200373" cy="6866238"/>
-          </a:xfrm>
-        </p:grpSpPr>
-        <p:sp>
-          <p:nvSpPr>
-            <p:cNvPr id="106" name="Rectangle 105"/>
-            <p:cNvSpPr/>
-            <p:nvPr/>
-          </p:nvSpPr>
-          <p:spPr>
-            <a:xfrm>
-              <a:off x="7681711" y="5259519"/>
-              <a:ext cx="354904" cy="1400060"/>
-            </a:xfrm>
-            <a:prstGeom prst="rect">
-              <a:avLst/>
-            </a:prstGeom>
-            <a:solidFill>
-              <a:schemeClr val="accent6">
-                <a:lumMod val="40000"/>
-                <a:lumOff val="60000"/>
-              </a:schemeClr>
-            </a:solidFill>
-            <a:ln>
-              <a:noFill/>
-            </a:ln>
-          </p:spPr>
-          <p:style>
-            <a:lnRef idx="2">
-              <a:schemeClr val="accent1">
-                <a:shade val="50000"/>
-              </a:schemeClr>
-            </a:lnRef>
-            <a:fillRef idx="1">
-              <a:schemeClr val="accent1"/>
-            </a:fillRef>
-            <a:effectRef idx="0">
-              <a:schemeClr val="accent1"/>
-            </a:effectRef>
-            <a:fontRef idx="minor">
-              <a:schemeClr val="lt1"/>
-            </a:fontRef>
-          </p:style>
-          <p:txBody>
-            <a:bodyPr rtlCol="0" anchor="ctr"/>
-            <a:lstStyle/>
-            <a:p>
-              <a:pPr algn="ctr"/>
-              <a:endParaRPr lang="en-GB" dirty="0"/>
-            </a:p>
-          </p:txBody>
-        </p:sp>
-        <p:sp>
-          <p:nvSpPr>
-            <p:cNvPr id="107" name="Rectangle 106"/>
-            <p:cNvSpPr/>
-            <p:nvPr/>
-          </p:nvSpPr>
-          <p:spPr>
-            <a:xfrm>
-              <a:off x="4185549" y="-8238"/>
-              <a:ext cx="3496163" cy="6866238"/>
-            </a:xfrm>
-            <a:prstGeom prst="rect">
-              <a:avLst/>
-            </a:prstGeom>
-            <a:solidFill>
-              <a:schemeClr val="accent6">
-                <a:lumMod val="40000"/>
-                <a:lumOff val="60000"/>
-              </a:schemeClr>
-            </a:solidFill>
-            <a:ln>
-              <a:noFill/>
-            </a:ln>
-          </p:spPr>
-          <p:style>
-            <a:lnRef idx="2">
-              <a:schemeClr val="accent1">
-                <a:shade val="50000"/>
-              </a:schemeClr>
-            </a:lnRef>
-            <a:fillRef idx="1">
-              <a:schemeClr val="accent1"/>
-            </a:fillRef>
-            <a:effectRef idx="0">
-              <a:schemeClr val="accent1"/>
-            </a:effectRef>
-            <a:fontRef idx="minor">
-              <a:schemeClr val="lt1"/>
-            </a:fontRef>
-          </p:style>
-          <p:txBody>
-            <a:bodyPr rtlCol="0" anchor="ctr"/>
-            <a:lstStyle/>
-            <a:p>
-              <a:pPr algn="ctr"/>
-              <a:endParaRPr lang="en-GB" dirty="0"/>
-            </a:p>
-          </p:txBody>
-        </p:sp>
-        <p:sp>
-          <p:nvSpPr>
-            <p:cNvPr id="108" name="Rectangle 107"/>
-            <p:cNvSpPr/>
-            <p:nvPr/>
-          </p:nvSpPr>
-          <p:spPr>
-            <a:xfrm>
-              <a:off x="7681711" y="2724851"/>
-              <a:ext cx="354904" cy="1400060"/>
-            </a:xfrm>
-            <a:prstGeom prst="rect">
-              <a:avLst/>
-            </a:prstGeom>
-            <a:solidFill>
-              <a:schemeClr val="accent6">
-                <a:lumMod val="40000"/>
-                <a:lumOff val="60000"/>
-              </a:schemeClr>
-            </a:solidFill>
-            <a:ln>
-              <a:noFill/>
-            </a:ln>
-          </p:spPr>
-          <p:style>
-            <a:lnRef idx="2">
-              <a:schemeClr val="accent1">
-                <a:shade val="50000"/>
-              </a:schemeClr>
-            </a:lnRef>
-            <a:fillRef idx="1">
-              <a:schemeClr val="accent1"/>
-            </a:fillRef>
-            <a:effectRef idx="0">
-              <a:schemeClr val="accent1"/>
-            </a:effectRef>
-            <a:fontRef idx="minor">
-              <a:schemeClr val="lt1"/>
-            </a:fontRef>
-          </p:style>
-          <p:txBody>
-            <a:bodyPr rtlCol="0" anchor="ctr"/>
-            <a:lstStyle/>
-            <a:p>
-              <a:pPr algn="ctr"/>
-              <a:endParaRPr lang="en-GB" dirty="0"/>
-            </a:p>
-          </p:txBody>
-        </p:sp>
-        <p:sp>
-          <p:nvSpPr>
-            <p:cNvPr id="109" name="Rectangle 108"/>
-            <p:cNvSpPr/>
-            <p:nvPr/>
-          </p:nvSpPr>
-          <p:spPr>
-            <a:xfrm>
-              <a:off x="3836242" y="2724851"/>
-              <a:ext cx="363264" cy="1400060"/>
-            </a:xfrm>
-            <a:prstGeom prst="rect">
-              <a:avLst/>
-            </a:prstGeom>
-            <a:solidFill>
-              <a:schemeClr val="accent6">
-                <a:lumMod val="40000"/>
-                <a:lumOff val="60000"/>
-              </a:schemeClr>
-            </a:solidFill>
-            <a:ln>
-              <a:noFill/>
-            </a:ln>
-          </p:spPr>
-          <p:style>
-            <a:lnRef idx="2">
-              <a:schemeClr val="accent1">
-                <a:shade val="50000"/>
-              </a:schemeClr>
-            </a:lnRef>
-            <a:fillRef idx="1">
-              <a:schemeClr val="accent1"/>
-            </a:fillRef>
-            <a:effectRef idx="0">
-              <a:schemeClr val="accent1"/>
-            </a:effectRef>
-            <a:fontRef idx="minor">
-              <a:schemeClr val="lt1"/>
-            </a:fontRef>
-          </p:style>
-          <p:txBody>
-            <a:bodyPr rtlCol="0" anchor="ctr"/>
-            <a:lstStyle/>
-            <a:p>
-              <a:pPr algn="ctr"/>
-              <a:endParaRPr lang="en-GB" dirty="0"/>
-            </a:p>
-          </p:txBody>
-        </p:sp>
-      </p:grpSp>
-      <p:sp>
-        <p:nvSpPr>
-          <p:cNvPr id="110" name="Flowchart: Manual Input 109">
-            <a:extLst>
-              <a:ext uri="{FF2B5EF4-FFF2-40B4-BE49-F238E27FC236}">
-                <a16:creationId xmlns:a16="http://schemas.microsoft.com/office/drawing/2014/main" id="{BA5F8287-28B2-4933-91CE-CCF8DA7FDCDF}"/>
-              </a:ext>
-            </a:extLst>
-          </p:cNvPr>
-          <p:cNvSpPr/>
-          <p:nvPr/>
-        </p:nvSpPr>
-        <p:spPr>
-          <a:xfrm rot="10800000" flipH="1">
-            <a:off x="-1028151" y="2940756"/>
-            <a:ext cx="1820745" cy="976488"/>
-          </a:xfrm>
-          <a:prstGeom prst="flowChartManualInput">
-            <a:avLst/>
-          </a:prstGeom>
-          <a:solidFill>
-            <a:srgbClr val="FF0000"/>
-          </a:solidFill>
-          <a:ln>
-            <a:noFill/>
-          </a:ln>
-        </p:spPr>
-        <p:style>
-          <a:lnRef idx="2">
-            <a:schemeClr val="accent1">
-              <a:shade val="50000"/>
-            </a:schemeClr>
-          </a:lnRef>
-          <a:fillRef idx="1">
-            <a:schemeClr val="accent1"/>
-          </a:fillRef>
-          <a:effectRef idx="0">
-            <a:schemeClr val="accent1"/>
-          </a:effectRef>
-          <a:fontRef idx="minor">
-            <a:schemeClr val="lt1"/>
-          </a:fontRef>
-        </p:style>
-        <p:txBody>
-          <a:bodyPr rtlCol="0" anchor="ctr"/>
-          <a:lstStyle/>
-          <a:p>
-            <a:pPr algn="ctr"/>
-            <a:endParaRPr lang="en-GB" dirty="0"/>
-          </a:p>
-        </p:txBody>
-      </p:sp>
-      <p:sp>
-        <p:nvSpPr>
-          <p:cNvPr id="111" name="TextBox 110">
-            <a:extLst>
-              <a:ext uri="{FF2B5EF4-FFF2-40B4-BE49-F238E27FC236}">
-                <a16:creationId xmlns:a16="http://schemas.microsoft.com/office/drawing/2014/main" id="{A92D38FB-61D2-4DD1-B8DC-4C9CB4AF5010}"/>
-              </a:ext>
-            </a:extLst>
-          </p:cNvPr>
-          <p:cNvSpPr txBox="1"/>
-          <p:nvPr/>
-        </p:nvSpPr>
-        <p:spPr>
-          <a:xfrm>
-            <a:off x="-907706" y="2974191"/>
-            <a:ext cx="1591077" cy="276999"/>
-          </a:xfrm>
-          <a:prstGeom prst="rect">
-            <a:avLst/>
-          </a:prstGeom>
-          <a:noFill/>
-        </p:spPr>
-        <p:txBody>
-          <a:bodyPr wrap="none" rtlCol="0">
-            <a:spAutoFit/>
-          </a:bodyPr>
-          <a:lstStyle/>
-          <a:p>
-            <a:pPr algn="ctr"/>
-            <a:r>
-              <a:rPr lang="en-GB" sz="1200" i="1" dirty="0">
-                <a:solidFill>
-                  <a:schemeClr val="bg1">
-                    <a:lumMod val="65000"/>
-                  </a:schemeClr>
-                </a:solidFill>
-              </a:rPr>
-              <a:t>Replaces Oldest Frame</a:t>
-            </a:r>
-          </a:p>
-        </p:txBody>
-      </p:sp>
-      <p:sp>
-        <p:nvSpPr>
-          <p:cNvPr id="112" name="TextBox 111">
-            <a:extLst>
-              <a:ext uri="{FF2B5EF4-FFF2-40B4-BE49-F238E27FC236}">
-                <a16:creationId xmlns:a16="http://schemas.microsoft.com/office/drawing/2014/main" id="{751537D2-5CA2-46E9-98DA-5D0BC05C4061}"/>
-              </a:ext>
-            </a:extLst>
-          </p:cNvPr>
-          <p:cNvSpPr txBox="1"/>
-          <p:nvPr/>
-        </p:nvSpPr>
-        <p:spPr>
-          <a:xfrm>
-            <a:off x="-968236" y="3198167"/>
-            <a:ext cx="1731180" cy="461665"/>
-          </a:xfrm>
-          <a:prstGeom prst="rect">
-            <a:avLst/>
-          </a:prstGeom>
-          <a:noFill/>
-        </p:spPr>
-        <p:txBody>
-          <a:bodyPr wrap="none" rtlCol="0">
-            <a:spAutoFit/>
-          </a:bodyPr>
-          <a:lstStyle/>
-          <a:p>
-            <a:r>
-              <a:rPr lang="en-GB" sz="2400" b="1" dirty="0">
-                <a:solidFill>
-                  <a:schemeClr val="bg2"/>
-                </a:solidFill>
-                <a:effectLst>
-                  <a:glow rad="101600">
-                    <a:schemeClr val="tx1">
-                      <a:alpha val="60000"/>
-                    </a:schemeClr>
-                  </a:glow>
-                </a:effectLst>
-              </a:rPr>
-              <a:t>Frame Store</a:t>
-            </a:r>
-          </a:p>
-        </p:txBody>
-      </p:sp>
-      <p:sp>
-        <p:nvSpPr>
-          <p:cNvPr id="113" name="Rectangle 112">
-            <a:extLst>
-              <a:ext uri="{FF2B5EF4-FFF2-40B4-BE49-F238E27FC236}">
-                <a16:creationId xmlns:a16="http://schemas.microsoft.com/office/drawing/2014/main" id="{ADD36DBD-8DDC-434F-9125-A76A4D4E0292}"/>
-              </a:ext>
-            </a:extLst>
-          </p:cNvPr>
-          <p:cNvSpPr/>
-          <p:nvPr/>
-        </p:nvSpPr>
-        <p:spPr>
-          <a:xfrm>
-            <a:off x="6930747" y="2940756"/>
-            <a:ext cx="1831960" cy="976488"/>
-          </a:xfrm>
-          <a:prstGeom prst="rect">
-            <a:avLst/>
-          </a:prstGeom>
-          <a:solidFill>
-            <a:srgbClr val="FF0000"/>
-          </a:solidFill>
-          <a:ln>
-            <a:noFill/>
-          </a:ln>
-        </p:spPr>
-        <p:style>
-          <a:lnRef idx="2">
-            <a:schemeClr val="accent1">
-              <a:shade val="50000"/>
-            </a:schemeClr>
-          </a:lnRef>
-          <a:fillRef idx="1">
-            <a:schemeClr val="accent1"/>
-          </a:fillRef>
-          <a:effectRef idx="0">
-            <a:schemeClr val="accent1"/>
-          </a:effectRef>
-          <a:fontRef idx="minor">
-            <a:schemeClr val="lt1"/>
-          </a:fontRef>
-        </p:style>
-        <p:txBody>
-          <a:bodyPr rtlCol="0" anchor="ctr"/>
-          <a:lstStyle/>
-          <a:p>
-            <a:pPr algn="ctr"/>
-            <a:endParaRPr lang="en-GB" dirty="0"/>
-          </a:p>
-        </p:txBody>
-      </p:sp>
-      <p:sp>
-        <p:nvSpPr>
-          <p:cNvPr id="114" name="TextBox 113">
-            <a:extLst>
-              <a:ext uri="{FF2B5EF4-FFF2-40B4-BE49-F238E27FC236}">
-                <a16:creationId xmlns:a16="http://schemas.microsoft.com/office/drawing/2014/main" id="{ED06F2CA-B022-4B57-93BA-3A4A5FD519CB}"/>
-              </a:ext>
-            </a:extLst>
-          </p:cNvPr>
-          <p:cNvSpPr txBox="1"/>
-          <p:nvPr/>
-        </p:nvSpPr>
-        <p:spPr>
-          <a:xfrm>
-            <a:off x="7246245" y="3013500"/>
-            <a:ext cx="1200970" cy="830997"/>
-          </a:xfrm>
-          <a:prstGeom prst="rect">
-            <a:avLst/>
-          </a:prstGeom>
-          <a:noFill/>
-        </p:spPr>
-        <p:txBody>
-          <a:bodyPr wrap="none" rtlCol="0">
-            <a:spAutoFit/>
-          </a:bodyPr>
-          <a:lstStyle/>
-          <a:p>
-            <a:pPr algn="ctr"/>
-            <a:r>
-              <a:rPr lang="en-GB" sz="2400" b="1" dirty="0">
-                <a:solidFill>
-                  <a:schemeClr val="bg2"/>
-                </a:solidFill>
-                <a:effectLst>
-                  <a:glow rad="101600">
-                    <a:schemeClr val="tx1">
-                      <a:alpha val="60000"/>
-                    </a:schemeClr>
-                  </a:glow>
-                </a:effectLst>
-              </a:rPr>
-              <a:t>System </a:t>
-            </a:r>
-          </a:p>
-          <a:p>
-            <a:pPr algn="ctr"/>
-            <a:r>
-              <a:rPr lang="en-GB" sz="2400" b="1" dirty="0">
-                <a:solidFill>
-                  <a:schemeClr val="bg2"/>
-                </a:solidFill>
-                <a:effectLst>
-                  <a:glow rad="101600">
-                    <a:schemeClr val="tx1">
-                      <a:alpha val="60000"/>
-                    </a:schemeClr>
-                  </a:glow>
-                </a:effectLst>
-              </a:rPr>
-              <a:t>Handler</a:t>
-            </a:r>
-          </a:p>
-        </p:txBody>
-      </p:sp>
-      <p:cxnSp>
-        <p:nvCxnSpPr>
-          <p:cNvPr id="115" name="Straight Arrow Connector 114">
-            <a:extLst>
-              <a:ext uri="{FF2B5EF4-FFF2-40B4-BE49-F238E27FC236}">
-                <a16:creationId xmlns:a16="http://schemas.microsoft.com/office/drawing/2014/main" id="{63C8345C-A17E-44D4-B240-B3C2E331255D}"/>
-              </a:ext>
-            </a:extLst>
-          </p:cNvPr>
-          <p:cNvCxnSpPr>
-            <a:cxnSpLocks/>
-          </p:cNvCxnSpPr>
-          <p:nvPr/>
-        </p:nvCxnSpPr>
-        <p:spPr>
-          <a:xfrm>
-            <a:off x="4774407" y="3443756"/>
-            <a:ext cx="2156340" cy="0"/>
-          </a:xfrm>
-          <a:prstGeom prst="straightConnector1">
-            <a:avLst/>
-          </a:prstGeom>
-          <a:ln w="76200">
-            <a:solidFill>
-              <a:schemeClr val="accent6">
-                <a:lumMod val="50000"/>
-              </a:schemeClr>
-            </a:solidFill>
-            <a:prstDash val="dash"/>
-            <a:headEnd type="triangle"/>
-            <a:tailEnd type="triangle"/>
-          </a:ln>
-        </p:spPr>
-        <p:style>
-          <a:lnRef idx="1">
-            <a:schemeClr val="accent1"/>
-          </a:lnRef>
-          <a:fillRef idx="0">
-            <a:schemeClr val="accent1"/>
-          </a:fillRef>
-          <a:effectRef idx="0">
-            <a:schemeClr val="accent1"/>
-          </a:effectRef>
-          <a:fontRef idx="minor">
-            <a:schemeClr val="tx1"/>
-          </a:fontRef>
-        </p:style>
-      </p:cxnSp>
-      <p:sp>
-        <p:nvSpPr>
-          <p:cNvPr id="116" name="TextBox 115">
-            <a:extLst>
-              <a:ext uri="{FF2B5EF4-FFF2-40B4-BE49-F238E27FC236}">
-                <a16:creationId xmlns:a16="http://schemas.microsoft.com/office/drawing/2014/main" id="{1ADC0E6E-5955-4431-A055-13C603AF1C44}"/>
-              </a:ext>
-            </a:extLst>
-          </p:cNvPr>
-          <p:cNvSpPr txBox="1"/>
-          <p:nvPr/>
-        </p:nvSpPr>
-        <p:spPr>
-          <a:xfrm>
-            <a:off x="6024752" y="3547774"/>
-            <a:ext cx="923035" cy="307777"/>
-          </a:xfrm>
-          <a:prstGeom prst="rect">
-            <a:avLst/>
-          </a:prstGeom>
-          <a:noFill/>
-        </p:spPr>
-        <p:txBody>
-          <a:bodyPr wrap="square" rtlCol="0">
-            <a:spAutoFit/>
-          </a:bodyPr>
-          <a:lstStyle/>
-          <a:p>
-            <a:pPr algn="r"/>
-            <a:r>
-              <a:rPr lang="en-GB" sz="1400" dirty="0"/>
-              <a:t>Frame ►</a:t>
-            </a:r>
-          </a:p>
-        </p:txBody>
-      </p:sp>
-      <p:sp>
-        <p:nvSpPr>
-          <p:cNvPr id="117" name="Flowchart: Alternate Process 116">
-            <a:extLst>
-              <a:ext uri="{FF2B5EF4-FFF2-40B4-BE49-F238E27FC236}">
-                <a16:creationId xmlns:a16="http://schemas.microsoft.com/office/drawing/2014/main" id="{788ACF15-712D-427B-85E3-BFDE6D2778B7}"/>
-              </a:ext>
-            </a:extLst>
-          </p:cNvPr>
-          <p:cNvSpPr/>
-          <p:nvPr/>
-        </p:nvSpPr>
-        <p:spPr>
-          <a:xfrm>
-            <a:off x="6930751" y="5450413"/>
-            <a:ext cx="1831960" cy="1200330"/>
-          </a:xfrm>
-          <a:prstGeom prst="flowChartAlternateProcess">
-            <a:avLst/>
-          </a:prstGeom>
-          <a:solidFill>
-            <a:srgbClr val="FFFF00"/>
-          </a:solidFill>
-          <a:ln>
-            <a:noFill/>
-          </a:ln>
-        </p:spPr>
-        <p:style>
-          <a:lnRef idx="2">
-            <a:schemeClr val="accent1">
-              <a:shade val="50000"/>
-            </a:schemeClr>
-          </a:lnRef>
-          <a:fillRef idx="1">
-            <a:schemeClr val="accent1"/>
-          </a:fillRef>
-          <a:effectRef idx="0">
-            <a:schemeClr val="accent1"/>
-          </a:effectRef>
-          <a:fontRef idx="minor">
-            <a:schemeClr val="lt1"/>
-          </a:fontRef>
-        </p:style>
-        <p:txBody>
-          <a:bodyPr rtlCol="0" anchor="ctr"/>
-          <a:lstStyle/>
-          <a:p>
-            <a:pPr algn="ctr"/>
-            <a:endParaRPr lang="en-GB" dirty="0"/>
-          </a:p>
-        </p:txBody>
-      </p:sp>
-      <p:sp>
-        <p:nvSpPr>
-          <p:cNvPr id="118" name="TextBox 117">
-            <a:extLst>
-              <a:ext uri="{FF2B5EF4-FFF2-40B4-BE49-F238E27FC236}">
-                <a16:creationId xmlns:a16="http://schemas.microsoft.com/office/drawing/2014/main" id="{74812398-B0DB-4253-BDA5-F09C7A7449E7}"/>
-              </a:ext>
-            </a:extLst>
-          </p:cNvPr>
-          <p:cNvSpPr txBox="1"/>
-          <p:nvPr/>
-        </p:nvSpPr>
-        <p:spPr>
-          <a:xfrm>
-            <a:off x="6982456" y="5441020"/>
-            <a:ext cx="1728550" cy="1200329"/>
-          </a:xfrm>
-          <a:prstGeom prst="rect">
-            <a:avLst/>
-          </a:prstGeom>
-          <a:noFill/>
-        </p:spPr>
-        <p:txBody>
-          <a:bodyPr wrap="none" rtlCol="0">
-            <a:spAutoFit/>
-          </a:bodyPr>
-          <a:lstStyle/>
-          <a:p>
-            <a:pPr algn="ctr"/>
-            <a:r>
-              <a:rPr lang="en-GB" sz="2400" b="1" dirty="0">
-                <a:solidFill>
-                  <a:schemeClr val="bg2"/>
-                </a:solidFill>
-                <a:effectLst>
-                  <a:glow rad="101600">
-                    <a:schemeClr val="tx1">
-                      <a:alpha val="60000"/>
-                    </a:schemeClr>
-                  </a:glow>
-                </a:effectLst>
-              </a:rPr>
-              <a:t>Foreground </a:t>
-            </a:r>
-          </a:p>
-          <a:p>
-            <a:pPr algn="ctr"/>
-            <a:r>
-              <a:rPr lang="en-GB" sz="2400" b="1" dirty="0">
-                <a:solidFill>
-                  <a:schemeClr val="bg2"/>
-                </a:solidFill>
-                <a:effectLst>
-                  <a:glow rad="101600">
-                    <a:schemeClr val="tx1">
-                      <a:alpha val="60000"/>
-                    </a:schemeClr>
-                  </a:glow>
-                </a:effectLst>
-              </a:rPr>
-              <a:t>Extraction </a:t>
-            </a:r>
-          </a:p>
-          <a:p>
-            <a:pPr algn="ctr"/>
-            <a:r>
-              <a:rPr lang="en-GB" sz="2400" b="1" dirty="0">
-                <a:solidFill>
-                  <a:schemeClr val="bg2"/>
-                </a:solidFill>
-                <a:effectLst>
-                  <a:glow rad="101600">
-                    <a:schemeClr val="tx1">
-                      <a:alpha val="60000"/>
-                    </a:schemeClr>
-                  </a:glow>
-                </a:effectLst>
-              </a:rPr>
-              <a:t>System</a:t>
-            </a:r>
-          </a:p>
-        </p:txBody>
-      </p:sp>
-      <p:sp>
-        <p:nvSpPr>
-          <p:cNvPr id="119" name="Arrow: Chevron 51">
-            <a:extLst>
-              <a:ext uri="{FF2B5EF4-FFF2-40B4-BE49-F238E27FC236}">
-                <a16:creationId xmlns:a16="http://schemas.microsoft.com/office/drawing/2014/main" id="{842C5092-8294-4030-A526-A8C839E4F69D}"/>
-              </a:ext>
-            </a:extLst>
-          </p:cNvPr>
-          <p:cNvSpPr/>
-          <p:nvPr/>
-        </p:nvSpPr>
-        <p:spPr>
-          <a:xfrm rot="5400000">
-            <a:off x="11308716" y="5294053"/>
-            <a:ext cx="1085130" cy="1628250"/>
-          </a:xfrm>
-          <a:prstGeom prst="chevron">
-            <a:avLst>
-              <a:gd name="adj" fmla="val 21142"/>
-            </a:avLst>
-          </a:prstGeom>
-          <a:solidFill>
-            <a:schemeClr val="accent6">
-              <a:lumMod val="50000"/>
-            </a:schemeClr>
-          </a:solidFill>
-          <a:ln>
-            <a:noFill/>
-          </a:ln>
-        </p:spPr>
-        <p:style>
-          <a:lnRef idx="2">
-            <a:schemeClr val="accent1">
-              <a:shade val="50000"/>
-            </a:schemeClr>
-          </a:lnRef>
-          <a:fillRef idx="1">
-            <a:schemeClr val="accent1"/>
-          </a:fillRef>
-          <a:effectRef idx="0">
-            <a:schemeClr val="accent1"/>
-          </a:effectRef>
-          <a:fontRef idx="minor">
-            <a:schemeClr val="lt1"/>
-          </a:fontRef>
-        </p:style>
-        <p:txBody>
-          <a:bodyPr rtlCol="0" anchor="ctr"/>
-          <a:lstStyle/>
-          <a:p>
-            <a:pPr algn="ctr"/>
-            <a:endParaRPr lang="en-GB" dirty="0"/>
-          </a:p>
-        </p:txBody>
-      </p:sp>
-      <p:sp>
-        <p:nvSpPr>
-          <p:cNvPr id="120" name="TextBox 119">
-            <a:extLst>
-              <a:ext uri="{FF2B5EF4-FFF2-40B4-BE49-F238E27FC236}">
-                <a16:creationId xmlns:a16="http://schemas.microsoft.com/office/drawing/2014/main" id="{5D685C8E-8026-4C55-BE1C-CC18B646995B}"/>
-              </a:ext>
-            </a:extLst>
-          </p:cNvPr>
-          <p:cNvSpPr txBox="1"/>
-          <p:nvPr/>
-        </p:nvSpPr>
-        <p:spPr>
-          <a:xfrm>
-            <a:off x="11115351" y="5692679"/>
-            <a:ext cx="1471878" cy="830997"/>
-          </a:xfrm>
-          <a:prstGeom prst="rect">
-            <a:avLst/>
-          </a:prstGeom>
-          <a:noFill/>
-        </p:spPr>
-        <p:txBody>
-          <a:bodyPr wrap="none" rtlCol="0">
-            <a:spAutoFit/>
-          </a:bodyPr>
-          <a:lstStyle/>
-          <a:p>
-            <a:pPr algn="ctr"/>
-            <a:r>
-              <a:rPr lang="en-GB" sz="2400" b="1" dirty="0">
-                <a:solidFill>
-                  <a:schemeClr val="bg2"/>
-                </a:solidFill>
-                <a:effectLst>
-                  <a:glow rad="101600">
-                    <a:schemeClr val="tx1">
-                      <a:alpha val="60000"/>
-                    </a:schemeClr>
-                  </a:glow>
-                </a:effectLst>
-              </a:rPr>
-              <a:t>Google </a:t>
-            </a:r>
-          </a:p>
-          <a:p>
-            <a:pPr algn="ctr"/>
-            <a:r>
-              <a:rPr lang="en-GB" sz="2400" b="1" dirty="0">
-                <a:solidFill>
-                  <a:schemeClr val="bg2"/>
-                </a:solidFill>
-                <a:effectLst>
-                  <a:glow rad="101600">
-                    <a:schemeClr val="tx1">
-                      <a:alpha val="60000"/>
-                    </a:schemeClr>
-                  </a:glow>
-                </a:effectLst>
-              </a:rPr>
-              <a:t>Vision API</a:t>
-            </a:r>
-          </a:p>
-        </p:txBody>
-      </p:sp>
-      <p:cxnSp>
-        <p:nvCxnSpPr>
-          <p:cNvPr id="121" name="Straight Arrow Connector 120">
-            <a:extLst>
-              <a:ext uri="{FF2B5EF4-FFF2-40B4-BE49-F238E27FC236}">
-                <a16:creationId xmlns:a16="http://schemas.microsoft.com/office/drawing/2014/main" id="{D93FAD61-E741-499C-820D-AF2A26A6E4DB}"/>
-              </a:ext>
-            </a:extLst>
-          </p:cNvPr>
-          <p:cNvCxnSpPr>
-            <a:cxnSpLocks/>
-          </p:cNvCxnSpPr>
-          <p:nvPr/>
-        </p:nvCxnSpPr>
-        <p:spPr>
-          <a:xfrm flipV="1">
-            <a:off x="7876899" y="3894130"/>
-            <a:ext cx="0" cy="1546890"/>
-          </a:xfrm>
-          <a:prstGeom prst="straightConnector1">
-            <a:avLst/>
-          </a:prstGeom>
-          <a:ln w="76200">
-            <a:solidFill>
-              <a:srgbClr val="FF0000"/>
-            </a:solidFill>
-            <a:prstDash val="solid"/>
-            <a:headEnd type="triangle"/>
-            <a:tailEnd type="triangle"/>
-          </a:ln>
-        </p:spPr>
-        <p:style>
-          <a:lnRef idx="1">
-            <a:schemeClr val="accent1"/>
-          </a:lnRef>
-          <a:fillRef idx="0">
-            <a:schemeClr val="accent1"/>
-          </a:fillRef>
-          <a:effectRef idx="0">
-            <a:schemeClr val="accent1"/>
-          </a:effectRef>
-          <a:fontRef idx="minor">
-            <a:schemeClr val="tx1"/>
-          </a:fontRef>
-        </p:style>
-      </p:cxnSp>
-      <p:sp>
-        <p:nvSpPr>
-          <p:cNvPr id="122" name="TextBox 121">
-            <a:extLst>
-              <a:ext uri="{FF2B5EF4-FFF2-40B4-BE49-F238E27FC236}">
-                <a16:creationId xmlns:a16="http://schemas.microsoft.com/office/drawing/2014/main" id="{B32A810F-BF6B-4000-9AFD-8B8D42D80E47}"/>
-              </a:ext>
-            </a:extLst>
-          </p:cNvPr>
-          <p:cNvSpPr txBox="1"/>
-          <p:nvPr/>
-        </p:nvSpPr>
-        <p:spPr>
-          <a:xfrm>
-            <a:off x="8762707" y="6050578"/>
-            <a:ext cx="1083912" cy="307777"/>
-          </a:xfrm>
-          <a:prstGeom prst="rect">
-            <a:avLst/>
-          </a:prstGeom>
-          <a:noFill/>
-        </p:spPr>
-        <p:txBody>
-          <a:bodyPr wrap="square" rtlCol="0">
-            <a:spAutoFit/>
-          </a:bodyPr>
-          <a:lstStyle/>
-          <a:p>
-            <a:pPr algn="ctr"/>
-            <a:r>
-              <a:rPr lang="en-GB" sz="1400" dirty="0"/>
-              <a:t>◄ Labels</a:t>
-            </a:r>
-          </a:p>
-        </p:txBody>
-      </p:sp>
-      <p:sp>
-        <p:nvSpPr>
-          <p:cNvPr id="123" name="TextBox 122">
-            <a:extLst>
-              <a:ext uri="{FF2B5EF4-FFF2-40B4-BE49-F238E27FC236}">
-                <a16:creationId xmlns:a16="http://schemas.microsoft.com/office/drawing/2014/main" id="{F0193D04-3208-4F06-BBA2-FE37BC71626F}"/>
-              </a:ext>
-            </a:extLst>
-          </p:cNvPr>
-          <p:cNvSpPr txBox="1"/>
-          <p:nvPr/>
-        </p:nvSpPr>
-        <p:spPr>
-          <a:xfrm>
-            <a:off x="6948546" y="3926637"/>
-            <a:ext cx="802510" cy="738664"/>
-          </a:xfrm>
-          <a:prstGeom prst="rect">
-            <a:avLst/>
-          </a:prstGeom>
-          <a:noFill/>
-        </p:spPr>
-        <p:txBody>
-          <a:bodyPr wrap="square" rtlCol="0">
-            <a:spAutoFit/>
-          </a:bodyPr>
-          <a:lstStyle/>
-          <a:p>
-            <a:pPr algn="ctr"/>
-            <a:r>
-              <a:rPr lang="en-GB" sz="1400" dirty="0"/>
-              <a:t>▲</a:t>
-            </a:r>
-          </a:p>
-          <a:p>
-            <a:pPr algn="ctr"/>
-            <a:r>
-              <a:rPr lang="en-GB" sz="1400" dirty="0"/>
-              <a:t>Labelled Objects</a:t>
-            </a:r>
-          </a:p>
-        </p:txBody>
-      </p:sp>
-      <p:sp>
-        <p:nvSpPr>
-          <p:cNvPr id="124" name="Rectangle 123">
-            <a:extLst>
-              <a:ext uri="{FF2B5EF4-FFF2-40B4-BE49-F238E27FC236}">
-                <a16:creationId xmlns:a16="http://schemas.microsoft.com/office/drawing/2014/main" id="{CF30EFBD-3437-4FDF-9081-13DBAAD65887}"/>
-              </a:ext>
-            </a:extLst>
-          </p:cNvPr>
-          <p:cNvSpPr/>
-          <p:nvPr/>
-        </p:nvSpPr>
-        <p:spPr>
-          <a:xfrm>
-            <a:off x="10913816" y="2940756"/>
-            <a:ext cx="1831960" cy="976488"/>
-          </a:xfrm>
-          <a:prstGeom prst="rect">
-            <a:avLst/>
-          </a:prstGeom>
-          <a:solidFill>
-            <a:srgbClr val="FF0000"/>
-          </a:solidFill>
-          <a:ln>
-            <a:noFill/>
-          </a:ln>
-        </p:spPr>
-        <p:style>
-          <a:lnRef idx="2">
-            <a:schemeClr val="accent1">
-              <a:shade val="50000"/>
-            </a:schemeClr>
-          </a:lnRef>
-          <a:fillRef idx="1">
-            <a:schemeClr val="accent1"/>
-          </a:fillRef>
-          <a:effectRef idx="0">
-            <a:schemeClr val="accent1"/>
-          </a:effectRef>
-          <a:fontRef idx="minor">
-            <a:schemeClr val="lt1"/>
-          </a:fontRef>
-        </p:style>
-        <p:txBody>
-          <a:bodyPr rtlCol="0" anchor="ctr"/>
-          <a:lstStyle/>
-          <a:p>
-            <a:pPr algn="ctr"/>
-            <a:endParaRPr lang="en-GB" dirty="0"/>
-          </a:p>
-        </p:txBody>
-      </p:sp>
-      <p:sp>
-        <p:nvSpPr>
-          <p:cNvPr id="125" name="TextBox 124">
-            <a:extLst>
-              <a:ext uri="{FF2B5EF4-FFF2-40B4-BE49-F238E27FC236}">
-                <a16:creationId xmlns:a16="http://schemas.microsoft.com/office/drawing/2014/main" id="{4E211EC3-F05E-4D22-B4D7-E50D6AC867AA}"/>
-              </a:ext>
-            </a:extLst>
-          </p:cNvPr>
-          <p:cNvSpPr txBox="1"/>
-          <p:nvPr/>
-        </p:nvSpPr>
-        <p:spPr>
-          <a:xfrm>
-            <a:off x="11229314" y="3013500"/>
-            <a:ext cx="1200970" cy="830997"/>
-          </a:xfrm>
-          <a:prstGeom prst="rect">
-            <a:avLst/>
-          </a:prstGeom>
-          <a:noFill/>
-        </p:spPr>
-        <p:txBody>
-          <a:bodyPr wrap="none" rtlCol="0">
-            <a:spAutoFit/>
-          </a:bodyPr>
-          <a:lstStyle/>
-          <a:p>
-            <a:pPr algn="ctr"/>
-            <a:r>
-              <a:rPr lang="en-GB" sz="2400" b="1" dirty="0">
-                <a:solidFill>
-                  <a:schemeClr val="bg2"/>
-                </a:solidFill>
-                <a:effectLst>
-                  <a:glow rad="101600">
-                    <a:schemeClr val="tx1">
-                      <a:alpha val="60000"/>
-                    </a:schemeClr>
-                  </a:glow>
-                </a:effectLst>
-              </a:rPr>
-              <a:t>Robot </a:t>
-            </a:r>
-          </a:p>
-          <a:p>
-            <a:pPr algn="ctr"/>
-            <a:r>
-              <a:rPr lang="en-GB" sz="2400" b="1" dirty="0">
-                <a:solidFill>
-                  <a:schemeClr val="bg2"/>
-                </a:solidFill>
-                <a:effectLst>
-                  <a:glow rad="101600">
-                    <a:schemeClr val="tx1">
-                      <a:alpha val="60000"/>
-                    </a:schemeClr>
-                  </a:glow>
-                </a:effectLst>
-              </a:rPr>
-              <a:t>Handler</a:t>
-            </a:r>
-          </a:p>
-        </p:txBody>
-      </p:sp>
-      <p:cxnSp>
-        <p:nvCxnSpPr>
-          <p:cNvPr id="126" name="Straight Arrow Connector 125">
-            <a:extLst>
-              <a:ext uri="{FF2B5EF4-FFF2-40B4-BE49-F238E27FC236}">
-                <a16:creationId xmlns:a16="http://schemas.microsoft.com/office/drawing/2014/main" id="{EF6A4085-3032-4ED6-B8C5-9D0D4489DE48}"/>
-              </a:ext>
-            </a:extLst>
-          </p:cNvPr>
-          <p:cNvCxnSpPr>
-            <a:cxnSpLocks/>
-          </p:cNvCxnSpPr>
-          <p:nvPr/>
-        </p:nvCxnSpPr>
-        <p:spPr>
-          <a:xfrm>
-            <a:off x="8776688" y="3443756"/>
-            <a:ext cx="2137128" cy="0"/>
-          </a:xfrm>
-          <a:prstGeom prst="straightConnector1">
-            <a:avLst/>
-          </a:prstGeom>
-          <a:ln w="76200" cmpd="sng">
-            <a:solidFill>
-              <a:srgbClr val="FF0000"/>
-            </a:solidFill>
-            <a:prstDash val="dash"/>
-            <a:headEnd type="none"/>
-            <a:tailEnd type="triangle"/>
-          </a:ln>
-        </p:spPr>
-        <p:style>
-          <a:lnRef idx="1">
-            <a:schemeClr val="accent1"/>
-          </a:lnRef>
-          <a:fillRef idx="0">
-            <a:schemeClr val="accent1"/>
-          </a:fillRef>
-          <a:effectRef idx="0">
-            <a:schemeClr val="accent1"/>
-          </a:effectRef>
-          <a:fontRef idx="minor">
-            <a:schemeClr val="tx1"/>
-          </a:fontRef>
-        </p:style>
-      </p:cxnSp>
-      <p:grpSp>
-        <p:nvGrpSpPr>
-          <p:cNvPr id="16" name="Group 15"/>
-          <p:cNvGrpSpPr/>
-          <p:nvPr/>
-        </p:nvGrpSpPr>
-        <p:grpSpPr>
-          <a:xfrm>
-            <a:off x="8762707" y="5857875"/>
-            <a:ext cx="2274449" cy="382118"/>
-            <a:chOff x="8762707" y="5857875"/>
-            <a:chExt cx="2274449" cy="382118"/>
-          </a:xfrm>
-        </p:grpSpPr>
-        <p:cxnSp>
-          <p:nvCxnSpPr>
-            <p:cNvPr id="127" name="Straight Connector 126"/>
-            <p:cNvCxnSpPr/>
-            <p:nvPr/>
-          </p:nvCxnSpPr>
-          <p:spPr>
-            <a:xfrm>
-              <a:off x="9905333" y="6050578"/>
-              <a:ext cx="1131823" cy="0"/>
-            </a:xfrm>
-            <a:prstGeom prst="line">
-              <a:avLst/>
-            </a:prstGeom>
-            <a:ln w="76200">
-              <a:solidFill>
-                <a:schemeClr val="accent6">
-                  <a:lumMod val="50000"/>
-                </a:schemeClr>
-              </a:solidFill>
-              <a:headEnd type="oval"/>
-            </a:ln>
-          </p:spPr>
-          <p:style>
-            <a:lnRef idx="1">
-              <a:schemeClr val="accent1"/>
-            </a:lnRef>
-            <a:fillRef idx="0">
-              <a:schemeClr val="accent1"/>
-            </a:fillRef>
-            <a:effectRef idx="0">
-              <a:schemeClr val="accent1"/>
-            </a:effectRef>
-            <a:fontRef idx="minor">
-              <a:schemeClr val="tx1"/>
-            </a:fontRef>
-          </p:style>
-        </p:cxnSp>
-        <p:cxnSp>
-          <p:nvCxnSpPr>
-            <p:cNvPr id="128" name="Straight Connector 127"/>
-            <p:cNvCxnSpPr/>
-            <p:nvPr/>
-          </p:nvCxnSpPr>
-          <p:spPr>
-            <a:xfrm flipH="1">
-              <a:off x="8762707" y="6050578"/>
-              <a:ext cx="961395" cy="0"/>
-            </a:xfrm>
-            <a:prstGeom prst="line">
-              <a:avLst/>
-            </a:prstGeom>
-            <a:ln w="76200">
-              <a:solidFill>
-                <a:schemeClr val="accent6">
-                  <a:lumMod val="50000"/>
-                </a:schemeClr>
-              </a:solidFill>
-              <a:headEnd type="none"/>
-            </a:ln>
-          </p:spPr>
-          <p:style>
-            <a:lnRef idx="1">
-              <a:schemeClr val="accent1"/>
-            </a:lnRef>
-            <a:fillRef idx="0">
-              <a:schemeClr val="accent1"/>
-            </a:fillRef>
-            <a:effectRef idx="0">
-              <a:schemeClr val="accent1"/>
-            </a:effectRef>
-            <a:fontRef idx="minor">
-              <a:schemeClr val="tx1"/>
-            </a:fontRef>
-          </p:style>
-        </p:cxnSp>
-        <p:sp>
-          <p:nvSpPr>
-            <p:cNvPr id="129" name="Block Arc 128"/>
-            <p:cNvSpPr/>
-            <p:nvPr/>
-          </p:nvSpPr>
-          <p:spPr>
-            <a:xfrm rot="16200000">
-              <a:off x="9715809" y="5857875"/>
-              <a:ext cx="382118" cy="382118"/>
-            </a:xfrm>
-            <a:prstGeom prst="blockArc">
-              <a:avLst>
-                <a:gd name="adj1" fmla="val 10800000"/>
-                <a:gd name="adj2" fmla="val 9152"/>
-                <a:gd name="adj3" fmla="val 10583"/>
-              </a:avLst>
-            </a:prstGeom>
-            <a:solidFill>
-              <a:schemeClr val="accent6">
-                <a:lumMod val="50000"/>
-              </a:schemeClr>
-            </a:solidFill>
-            <a:ln>
-              <a:noFill/>
-            </a:ln>
-          </p:spPr>
-          <p:style>
-            <a:lnRef idx="2">
-              <a:schemeClr val="accent1">
-                <a:shade val="50000"/>
-              </a:schemeClr>
-            </a:lnRef>
-            <a:fillRef idx="1">
-              <a:schemeClr val="accent1"/>
-            </a:fillRef>
-            <a:effectRef idx="0">
-              <a:schemeClr val="accent1"/>
-            </a:effectRef>
-            <a:fontRef idx="minor">
-              <a:schemeClr val="lt1"/>
-            </a:fontRef>
-          </p:style>
-          <p:txBody>
-            <a:bodyPr rtlCol="0" anchor="ctr"/>
-            <a:lstStyle/>
-            <a:p>
-              <a:pPr algn="ctr"/>
-              <a:endParaRPr lang="en-GB" dirty="0">
-                <a:solidFill>
-                  <a:schemeClr val="tx1"/>
-                </a:solidFill>
-              </a:endParaRPr>
-            </a:p>
-          </p:txBody>
-        </p:sp>
-      </p:grpSp>
-      <p:sp>
-        <p:nvSpPr>
-          <p:cNvPr id="130" name="TextBox 129">
-            <a:extLst>
-              <a:ext uri="{FF2B5EF4-FFF2-40B4-BE49-F238E27FC236}">
-                <a16:creationId xmlns:a16="http://schemas.microsoft.com/office/drawing/2014/main" id="{F0193D04-3208-4F06-BBA2-FE37BC71626F}"/>
-              </a:ext>
-            </a:extLst>
-          </p:cNvPr>
-          <p:cNvSpPr txBox="1"/>
-          <p:nvPr/>
-        </p:nvSpPr>
-        <p:spPr>
-          <a:xfrm>
-            <a:off x="6948546" y="4726459"/>
-            <a:ext cx="802510" cy="738664"/>
-          </a:xfrm>
-          <a:prstGeom prst="rect">
-            <a:avLst/>
-          </a:prstGeom>
-          <a:noFill/>
-        </p:spPr>
-        <p:txBody>
-          <a:bodyPr wrap="square" rtlCol="0">
-            <a:spAutoFit/>
-          </a:bodyPr>
-          <a:lstStyle/>
-          <a:p>
-            <a:pPr algn="ctr"/>
-            <a:r>
-              <a:rPr lang="en-GB" sz="1400" dirty="0"/>
-              <a:t>BG + Frame</a:t>
-            </a:r>
-          </a:p>
-          <a:p>
-            <a:pPr algn="ctr"/>
-            <a:r>
-              <a:rPr lang="en-GB" sz="1400" dirty="0"/>
-              <a:t>▼</a:t>
-            </a:r>
-          </a:p>
-        </p:txBody>
-      </p:sp>
-      <p:sp>
-        <p:nvSpPr>
-          <p:cNvPr id="131" name="TextBox 130">
-            <a:extLst>
-              <a:ext uri="{FF2B5EF4-FFF2-40B4-BE49-F238E27FC236}">
-                <a16:creationId xmlns:a16="http://schemas.microsoft.com/office/drawing/2014/main" id="{B32A810F-BF6B-4000-9AFD-8B8D42D80E47}"/>
-              </a:ext>
-            </a:extLst>
-          </p:cNvPr>
-          <p:cNvSpPr txBox="1"/>
-          <p:nvPr/>
-        </p:nvSpPr>
-        <p:spPr>
-          <a:xfrm>
-            <a:off x="9678064" y="3547774"/>
-            <a:ext cx="1276297" cy="307777"/>
-          </a:xfrm>
-          <a:prstGeom prst="rect">
-            <a:avLst/>
-          </a:prstGeom>
-          <a:noFill/>
-        </p:spPr>
-        <p:txBody>
-          <a:bodyPr wrap="square" rtlCol="0">
-            <a:spAutoFit/>
-          </a:bodyPr>
-          <a:lstStyle/>
-          <a:p>
-            <a:pPr algn="ctr"/>
-            <a:r>
-              <a:rPr lang="en-GB" sz="1400" dirty="0"/>
-              <a:t>Instructions ►</a:t>
-            </a:r>
-          </a:p>
-        </p:txBody>
-      </p:sp>
-      <p:sp>
-        <p:nvSpPr>
-          <p:cNvPr id="132" name="Rectangle 131">
-            <a:extLst>
-              <a:ext uri="{FF2B5EF4-FFF2-40B4-BE49-F238E27FC236}">
-                <a16:creationId xmlns:a16="http://schemas.microsoft.com/office/drawing/2014/main" id="{ADD36DBD-8DDC-434F-9125-A76A4D4E0292}"/>
-              </a:ext>
-            </a:extLst>
-          </p:cNvPr>
-          <p:cNvSpPr/>
-          <p:nvPr/>
-        </p:nvSpPr>
-        <p:spPr>
-          <a:xfrm>
-            <a:off x="6930747" y="313220"/>
-            <a:ext cx="1831960" cy="1190158"/>
-          </a:xfrm>
-          <a:prstGeom prst="rect">
-            <a:avLst/>
-          </a:prstGeom>
-          <a:solidFill>
-            <a:srgbClr val="000000"/>
-          </a:solidFill>
-          <a:ln>
-            <a:noFill/>
-          </a:ln>
-        </p:spPr>
-        <p:style>
-          <a:lnRef idx="2">
-            <a:schemeClr val="accent1">
-              <a:shade val="50000"/>
-            </a:schemeClr>
-          </a:lnRef>
-          <a:fillRef idx="1">
-            <a:schemeClr val="accent1"/>
-          </a:fillRef>
-          <a:effectRef idx="0">
-            <a:schemeClr val="accent1"/>
-          </a:effectRef>
-          <a:fontRef idx="minor">
-            <a:schemeClr val="lt1"/>
-          </a:fontRef>
-        </p:style>
-        <p:txBody>
-          <a:bodyPr rtlCol="0" anchor="ctr"/>
-          <a:lstStyle/>
-          <a:p>
-            <a:pPr algn="ctr"/>
-            <a:endParaRPr lang="en-GB" dirty="0"/>
-          </a:p>
-        </p:txBody>
-      </p:sp>
-      <p:sp>
-        <p:nvSpPr>
-          <p:cNvPr id="133" name="TextBox 132">
-            <a:extLst>
-              <a:ext uri="{FF2B5EF4-FFF2-40B4-BE49-F238E27FC236}">
-                <a16:creationId xmlns:a16="http://schemas.microsoft.com/office/drawing/2014/main" id="{ED06F2CA-B022-4B57-93BA-3A4A5FD519CB}"/>
-              </a:ext>
-            </a:extLst>
-          </p:cNvPr>
-          <p:cNvSpPr txBox="1"/>
-          <p:nvPr/>
-        </p:nvSpPr>
-        <p:spPr>
-          <a:xfrm>
-            <a:off x="6896864" y="313220"/>
-            <a:ext cx="1899751" cy="1200329"/>
-          </a:xfrm>
-          <a:prstGeom prst="rect">
-            <a:avLst/>
-          </a:prstGeom>
-          <a:solidFill>
-            <a:srgbClr val="FF0000"/>
-          </a:solidFill>
-        </p:spPr>
-        <p:txBody>
-          <a:bodyPr wrap="none" rtlCol="0">
-            <a:spAutoFit/>
-          </a:bodyPr>
-          <a:lstStyle/>
-          <a:p>
-            <a:pPr algn="ctr"/>
-            <a:r>
-              <a:rPr lang="en-GB" sz="2400" b="1" dirty="0">
-                <a:solidFill>
-                  <a:schemeClr val="bg2"/>
-                </a:solidFill>
-                <a:effectLst>
-                  <a:glow rad="101600">
-                    <a:schemeClr val="tx1">
-                      <a:alpha val="60000"/>
-                    </a:schemeClr>
-                  </a:glow>
-                </a:effectLst>
-              </a:rPr>
-              <a:t>Relative </a:t>
-            </a:r>
-          </a:p>
-          <a:p>
-            <a:pPr algn="ctr"/>
-            <a:r>
-              <a:rPr lang="en-GB" sz="2400" b="1" dirty="0">
-                <a:solidFill>
-                  <a:schemeClr val="bg2"/>
-                </a:solidFill>
-                <a:effectLst>
-                  <a:glow rad="101600">
-                    <a:schemeClr val="tx1">
-                      <a:alpha val="60000"/>
-                    </a:schemeClr>
-                  </a:glow>
-                </a:effectLst>
-              </a:rPr>
-              <a:t>Geo-Position </a:t>
-            </a:r>
-          </a:p>
-          <a:p>
-            <a:pPr algn="ctr"/>
-            <a:r>
-              <a:rPr lang="en-GB" sz="2400" b="1" dirty="0">
-                <a:solidFill>
-                  <a:schemeClr val="bg2"/>
-                </a:solidFill>
-                <a:effectLst>
-                  <a:glow rad="101600">
-                    <a:schemeClr val="tx1">
-                      <a:alpha val="60000"/>
-                    </a:schemeClr>
-                  </a:glow>
-                </a:effectLst>
-              </a:rPr>
-              <a:t>System</a:t>
-            </a:r>
-          </a:p>
-        </p:txBody>
-      </p:sp>
-      <p:cxnSp>
-        <p:nvCxnSpPr>
-          <p:cNvPr id="134" name="Straight Arrow Connector 133">
-            <a:extLst>
-              <a:ext uri="{FF2B5EF4-FFF2-40B4-BE49-F238E27FC236}">
-                <a16:creationId xmlns:a16="http://schemas.microsoft.com/office/drawing/2014/main" id="{D93FAD61-E741-499C-820D-AF2A26A6E4DB}"/>
-              </a:ext>
-            </a:extLst>
-          </p:cNvPr>
-          <p:cNvCxnSpPr>
-            <a:cxnSpLocks/>
-          </p:cNvCxnSpPr>
-          <p:nvPr/>
-        </p:nvCxnSpPr>
-        <p:spPr>
-          <a:xfrm flipV="1">
-            <a:off x="7876899" y="1503378"/>
-            <a:ext cx="0" cy="1416941"/>
-          </a:xfrm>
-          <a:prstGeom prst="straightConnector1">
-            <a:avLst/>
-          </a:prstGeom>
-          <a:ln w="76200">
-            <a:solidFill>
-              <a:srgbClr val="FF0000"/>
-            </a:solidFill>
-            <a:prstDash val="solid"/>
-            <a:headEnd type="triangle"/>
-            <a:tailEnd type="triangle"/>
-          </a:ln>
-        </p:spPr>
-        <p:style>
-          <a:lnRef idx="1">
-            <a:schemeClr val="accent1"/>
-          </a:lnRef>
-          <a:fillRef idx="0">
-            <a:schemeClr val="accent1"/>
-          </a:fillRef>
-          <a:effectRef idx="0">
-            <a:schemeClr val="accent1"/>
-          </a:effectRef>
-          <a:fontRef idx="minor">
-            <a:schemeClr val="tx1"/>
-          </a:fontRef>
-        </p:style>
-      </p:cxnSp>
-      <p:sp>
-        <p:nvSpPr>
-          <p:cNvPr id="135" name="TextBox 134">
-            <a:extLst>
-              <a:ext uri="{FF2B5EF4-FFF2-40B4-BE49-F238E27FC236}">
-                <a16:creationId xmlns:a16="http://schemas.microsoft.com/office/drawing/2014/main" id="{F0193D04-3208-4F06-BBA2-FE37BC71626F}"/>
-              </a:ext>
-            </a:extLst>
-          </p:cNvPr>
-          <p:cNvSpPr txBox="1"/>
-          <p:nvPr/>
-        </p:nvSpPr>
-        <p:spPr>
-          <a:xfrm>
-            <a:off x="6948546" y="1438096"/>
-            <a:ext cx="802510" cy="523220"/>
-          </a:xfrm>
-          <a:prstGeom prst="rect">
-            <a:avLst/>
-          </a:prstGeom>
-          <a:noFill/>
-        </p:spPr>
-        <p:txBody>
-          <a:bodyPr wrap="square" rtlCol="0">
-            <a:spAutoFit/>
-          </a:bodyPr>
-          <a:lstStyle/>
-          <a:p>
-            <a:pPr algn="ctr"/>
-            <a:r>
-              <a:rPr lang="en-GB" sz="1400" dirty="0"/>
-              <a:t>▲</a:t>
-            </a:r>
-          </a:p>
-          <a:p>
-            <a:pPr algn="ctr"/>
-            <a:r>
-              <a:rPr lang="en-GB" sz="1400" dirty="0"/>
-              <a:t>Objects</a:t>
-            </a:r>
-          </a:p>
-        </p:txBody>
-      </p:sp>
-      <p:sp>
-        <p:nvSpPr>
-          <p:cNvPr id="136" name="TextBox 135">
-            <a:extLst>
-              <a:ext uri="{FF2B5EF4-FFF2-40B4-BE49-F238E27FC236}">
-                <a16:creationId xmlns:a16="http://schemas.microsoft.com/office/drawing/2014/main" id="{B32A810F-BF6B-4000-9AFD-8B8D42D80E47}"/>
-              </a:ext>
-            </a:extLst>
-          </p:cNvPr>
-          <p:cNvSpPr txBox="1"/>
-          <p:nvPr/>
-        </p:nvSpPr>
-        <p:spPr>
-          <a:xfrm>
-            <a:off x="9895866" y="6050578"/>
-            <a:ext cx="1083912" cy="307777"/>
-          </a:xfrm>
-          <a:prstGeom prst="rect">
-            <a:avLst/>
-          </a:prstGeom>
-          <a:noFill/>
-        </p:spPr>
-        <p:txBody>
-          <a:bodyPr wrap="square" rtlCol="0">
-            <a:spAutoFit/>
-          </a:bodyPr>
-          <a:lstStyle/>
-          <a:p>
-            <a:pPr algn="ctr"/>
-            <a:r>
-              <a:rPr lang="en-GB" sz="1400" dirty="0"/>
-              <a:t>Object ►</a:t>
-            </a:r>
-          </a:p>
-        </p:txBody>
-      </p:sp>
-      <p:grpSp>
-        <p:nvGrpSpPr>
-          <p:cNvPr id="137" name="Group 136">
-            <a:extLst>
-              <a:ext uri="{FF2B5EF4-FFF2-40B4-BE49-F238E27FC236}">
-                <a16:creationId xmlns:a16="http://schemas.microsoft.com/office/drawing/2014/main" id="{0EB7F6F5-EE0C-4A6A-91A8-4227CAAA66AD}"/>
-              </a:ext>
-            </a:extLst>
-          </p:cNvPr>
-          <p:cNvGrpSpPr/>
-          <p:nvPr/>
-        </p:nvGrpSpPr>
-        <p:grpSpPr>
-          <a:xfrm rot="16200000">
-            <a:off x="11248582" y="16352"/>
-            <a:ext cx="1156050" cy="1838344"/>
-            <a:chOff x="6960847" y="403740"/>
-            <a:chExt cx="3822539" cy="6078580"/>
-          </a:xfrm>
-          <a:solidFill>
-            <a:srgbClr val="FF0000"/>
-          </a:solidFill>
-        </p:grpSpPr>
-        <p:sp>
-          <p:nvSpPr>
-            <p:cNvPr id="138" name="Rectangle: Rounded Corners 15">
-              <a:extLst>
-                <a:ext uri="{FF2B5EF4-FFF2-40B4-BE49-F238E27FC236}">
-                  <a16:creationId xmlns:a16="http://schemas.microsoft.com/office/drawing/2014/main" id="{4910E712-7CCC-4036-BB7D-5C63E9E5FDAB}"/>
-                </a:ext>
-              </a:extLst>
-            </p:cNvPr>
-            <p:cNvSpPr/>
-            <p:nvPr/>
-          </p:nvSpPr>
-          <p:spPr>
-            <a:xfrm rot="16200000">
-              <a:off x="7295281" y="2966156"/>
-              <a:ext cx="6050521" cy="925689"/>
-            </a:xfrm>
-            <a:prstGeom prst="roundRect">
-              <a:avLst>
-                <a:gd name="adj" fmla="val 50000"/>
-              </a:avLst>
-            </a:prstGeom>
-            <a:grpFill/>
-            <a:ln>
-              <a:solidFill>
-                <a:schemeClr val="tx1"/>
-              </a:solidFill>
-            </a:ln>
-          </p:spPr>
-          <p:style>
-            <a:lnRef idx="2">
-              <a:schemeClr val="accent1">
-                <a:shade val="50000"/>
-              </a:schemeClr>
-            </a:lnRef>
-            <a:fillRef idx="1">
-              <a:schemeClr val="accent1"/>
-            </a:fillRef>
-            <a:effectRef idx="0">
-              <a:schemeClr val="accent1"/>
-            </a:effectRef>
-            <a:fontRef idx="minor">
-              <a:schemeClr val="lt1"/>
-            </a:fontRef>
-          </p:style>
-          <p:txBody>
-            <a:bodyPr rtlCol="0" anchor="ctr"/>
-            <a:lstStyle/>
-            <a:p>
-              <a:pPr algn="ctr"/>
-              <a:endParaRPr lang="en-GB" dirty="0"/>
-            </a:p>
-          </p:txBody>
-        </p:sp>
-        <p:sp>
-          <p:nvSpPr>
-            <p:cNvPr id="139" name="Rectangle: Rounded Corners 16">
-              <a:extLst>
-                <a:ext uri="{FF2B5EF4-FFF2-40B4-BE49-F238E27FC236}">
-                  <a16:creationId xmlns:a16="http://schemas.microsoft.com/office/drawing/2014/main" id="{203D6D70-B921-4172-8BB5-E3E2F3045288}"/>
-                </a:ext>
-              </a:extLst>
-            </p:cNvPr>
-            <p:cNvSpPr/>
-            <p:nvPr/>
-          </p:nvSpPr>
-          <p:spPr>
-            <a:xfrm rot="5400000">
-              <a:off x="4398431" y="2994215"/>
-              <a:ext cx="6050521" cy="925689"/>
-            </a:xfrm>
-            <a:prstGeom prst="roundRect">
-              <a:avLst>
-                <a:gd name="adj" fmla="val 50000"/>
-              </a:avLst>
-            </a:prstGeom>
-            <a:grpFill/>
-            <a:ln>
-              <a:solidFill>
-                <a:schemeClr val="tx1"/>
-              </a:solidFill>
-            </a:ln>
-          </p:spPr>
-          <p:style>
-            <a:lnRef idx="2">
-              <a:schemeClr val="accent1">
-                <a:shade val="50000"/>
-              </a:schemeClr>
-            </a:lnRef>
-            <a:fillRef idx="1">
-              <a:schemeClr val="accent1"/>
-            </a:fillRef>
-            <a:effectRef idx="0">
-              <a:schemeClr val="accent1"/>
-            </a:effectRef>
-            <a:fontRef idx="minor">
-              <a:schemeClr val="lt1"/>
-            </a:fontRef>
-          </p:style>
-          <p:txBody>
-            <a:bodyPr rtlCol="0" anchor="ctr"/>
-            <a:lstStyle/>
-            <a:p>
-              <a:pPr algn="ctr"/>
-              <a:endParaRPr lang="en-GB" dirty="0"/>
-            </a:p>
-          </p:txBody>
-        </p:sp>
-        <p:sp>
-          <p:nvSpPr>
-            <p:cNvPr id="140" name="Rectangle 139">
-              <a:extLst>
-                <a:ext uri="{FF2B5EF4-FFF2-40B4-BE49-F238E27FC236}">
-                  <a16:creationId xmlns:a16="http://schemas.microsoft.com/office/drawing/2014/main" id="{8F9E3AED-DA06-41E3-B4CB-F98B313D387C}"/>
-                </a:ext>
-              </a:extLst>
-            </p:cNvPr>
-            <p:cNvSpPr/>
-            <p:nvPr/>
-          </p:nvSpPr>
-          <p:spPr>
-            <a:xfrm rot="16200000">
-              <a:off x="6524490" y="2193194"/>
-              <a:ext cx="4763911" cy="2527730"/>
-            </a:xfrm>
-            <a:prstGeom prst="rect">
-              <a:avLst/>
-            </a:prstGeom>
-            <a:grpFill/>
-            <a:ln>
-              <a:solidFill>
-                <a:schemeClr val="tx1"/>
-              </a:solidFill>
-            </a:ln>
-          </p:spPr>
-          <p:style>
-            <a:lnRef idx="2">
-              <a:schemeClr val="accent1">
-                <a:shade val="50000"/>
-              </a:schemeClr>
-            </a:lnRef>
-            <a:fillRef idx="1">
-              <a:schemeClr val="accent1"/>
-            </a:fillRef>
-            <a:effectRef idx="0">
-              <a:schemeClr val="accent1"/>
-            </a:effectRef>
-            <a:fontRef idx="minor">
-              <a:schemeClr val="lt1"/>
-            </a:fontRef>
-          </p:style>
-          <p:txBody>
-            <a:bodyPr rtlCol="0" anchor="ctr"/>
-            <a:lstStyle/>
-            <a:p>
-              <a:pPr algn="ctr"/>
-              <a:endParaRPr lang="en-GB" dirty="0"/>
-            </a:p>
-          </p:txBody>
-        </p:sp>
-      </p:grpSp>
-      <p:cxnSp>
-        <p:nvCxnSpPr>
-          <p:cNvPr id="141" name="Straight Arrow Connector 140">
-            <a:extLst>
-              <a:ext uri="{FF2B5EF4-FFF2-40B4-BE49-F238E27FC236}">
-                <a16:creationId xmlns:a16="http://schemas.microsoft.com/office/drawing/2014/main" id="{D93FAD61-E741-499C-820D-AF2A26A6E4DB}"/>
-              </a:ext>
-            </a:extLst>
-          </p:cNvPr>
-          <p:cNvCxnSpPr>
-            <a:cxnSpLocks/>
-          </p:cNvCxnSpPr>
-          <p:nvPr/>
-        </p:nvCxnSpPr>
-        <p:spPr>
-          <a:xfrm flipV="1">
-            <a:off x="11822364" y="1503379"/>
-            <a:ext cx="0" cy="1437376"/>
-          </a:xfrm>
-          <a:prstGeom prst="straightConnector1">
-            <a:avLst/>
-          </a:prstGeom>
-          <a:ln w="76200">
-            <a:solidFill>
-              <a:srgbClr val="FF0000"/>
-            </a:solidFill>
-            <a:prstDash val="sysDot"/>
-            <a:headEnd type="none"/>
-            <a:tailEnd type="triangle"/>
-          </a:ln>
-        </p:spPr>
-        <p:style>
-          <a:lnRef idx="1">
-            <a:schemeClr val="accent1"/>
-          </a:lnRef>
-          <a:fillRef idx="0">
-            <a:schemeClr val="accent1"/>
-          </a:fillRef>
-          <a:effectRef idx="0">
-            <a:schemeClr val="accent1"/>
-          </a:effectRef>
-          <a:fontRef idx="minor">
-            <a:schemeClr val="tx1"/>
-          </a:fontRef>
-        </p:style>
-      </p:cxnSp>
-      <p:sp>
-        <p:nvSpPr>
-          <p:cNvPr id="142" name="TextBox 141">
-            <a:extLst>
-              <a:ext uri="{FF2B5EF4-FFF2-40B4-BE49-F238E27FC236}">
-                <a16:creationId xmlns:a16="http://schemas.microsoft.com/office/drawing/2014/main" id="{4E211EC3-F05E-4D22-B4D7-E50D6AC867AA}"/>
-              </a:ext>
-            </a:extLst>
-          </p:cNvPr>
-          <p:cNvSpPr txBox="1"/>
-          <p:nvPr/>
-        </p:nvSpPr>
-        <p:spPr>
-          <a:xfrm>
-            <a:off x="11317768" y="682551"/>
-            <a:ext cx="1024062" cy="461665"/>
-          </a:xfrm>
-          <a:prstGeom prst="rect">
-            <a:avLst/>
-          </a:prstGeom>
-          <a:noFill/>
-        </p:spPr>
-        <p:txBody>
-          <a:bodyPr wrap="none" rtlCol="0">
-            <a:spAutoFit/>
-          </a:bodyPr>
-          <a:lstStyle/>
-          <a:p>
-            <a:pPr algn="ctr"/>
-            <a:r>
-              <a:rPr lang="en-GB" sz="2400" b="1" dirty="0">
-                <a:solidFill>
-                  <a:schemeClr val="bg2"/>
-                </a:solidFill>
-                <a:effectLst>
-                  <a:glow rad="101600">
-                    <a:schemeClr val="tx1">
-                      <a:alpha val="60000"/>
-                    </a:schemeClr>
-                  </a:glow>
-                </a:effectLst>
-              </a:rPr>
-              <a:t>Robot </a:t>
-            </a:r>
-          </a:p>
-        </p:txBody>
-      </p:sp>
-      <p:sp>
-        <p:nvSpPr>
-          <p:cNvPr id="143" name="TextBox 142">
-            <a:extLst>
-              <a:ext uri="{FF2B5EF4-FFF2-40B4-BE49-F238E27FC236}">
-                <a16:creationId xmlns:a16="http://schemas.microsoft.com/office/drawing/2014/main" id="{F0193D04-3208-4F06-BBA2-FE37BC71626F}"/>
-              </a:ext>
-            </a:extLst>
-          </p:cNvPr>
-          <p:cNvSpPr txBox="1"/>
-          <p:nvPr/>
-        </p:nvSpPr>
-        <p:spPr>
-          <a:xfrm>
-            <a:off x="6948546" y="2366644"/>
-            <a:ext cx="802510" cy="523220"/>
-          </a:xfrm>
-          <a:prstGeom prst="rect">
-            <a:avLst/>
-          </a:prstGeom>
-          <a:noFill/>
-        </p:spPr>
-        <p:txBody>
-          <a:bodyPr wrap="square" rtlCol="0">
-            <a:spAutoFit/>
-          </a:bodyPr>
-          <a:lstStyle/>
-          <a:p>
-            <a:pPr algn="ctr"/>
-            <a:r>
-              <a:rPr lang="en-GB" sz="1400" dirty="0"/>
-              <a:t>Position</a:t>
-            </a:r>
-          </a:p>
-          <a:p>
-            <a:pPr algn="ctr"/>
-            <a:r>
-              <a:rPr lang="en-GB" sz="1400" dirty="0"/>
-              <a:t>▼</a:t>
-            </a:r>
-          </a:p>
-        </p:txBody>
-      </p:sp>
-      <p:sp>
-        <p:nvSpPr>
-          <p:cNvPr id="144" name="TextBox 143">
-            <a:extLst>
-              <a:ext uri="{FF2B5EF4-FFF2-40B4-BE49-F238E27FC236}">
-                <a16:creationId xmlns:a16="http://schemas.microsoft.com/office/drawing/2014/main" id="{F0193D04-3208-4F06-BBA2-FE37BC71626F}"/>
-              </a:ext>
-            </a:extLst>
-          </p:cNvPr>
-          <p:cNvSpPr txBox="1"/>
-          <p:nvPr/>
-        </p:nvSpPr>
-        <p:spPr>
-          <a:xfrm>
-            <a:off x="10762512" y="1508158"/>
-            <a:ext cx="1087508" cy="523220"/>
-          </a:xfrm>
-          <a:prstGeom prst="rect">
-            <a:avLst/>
-          </a:prstGeom>
-          <a:noFill/>
-        </p:spPr>
-        <p:txBody>
-          <a:bodyPr wrap="square" rtlCol="0">
-            <a:spAutoFit/>
-          </a:bodyPr>
-          <a:lstStyle/>
-          <a:p>
-            <a:pPr algn="ctr"/>
-            <a:r>
-              <a:rPr lang="en-GB" sz="1400" dirty="0"/>
-              <a:t>▲</a:t>
-            </a:r>
-          </a:p>
-          <a:p>
-            <a:pPr algn="ctr"/>
-            <a:r>
-              <a:rPr lang="en-GB" sz="1400" dirty="0"/>
-              <a:t>Instruction</a:t>
-            </a:r>
-          </a:p>
-        </p:txBody>
-      </p:sp>
-      <p:sp>
-        <p:nvSpPr>
-          <p:cNvPr id="145" name="Flowchart: Document 144">
-            <a:extLst>
-              <a:ext uri="{FF2B5EF4-FFF2-40B4-BE49-F238E27FC236}">
-                <a16:creationId xmlns:a16="http://schemas.microsoft.com/office/drawing/2014/main" id="{ADD36DBD-8DDC-434F-9125-A76A4D4E0292}"/>
-              </a:ext>
-            </a:extLst>
-          </p:cNvPr>
-          <p:cNvSpPr/>
-          <p:nvPr/>
-        </p:nvSpPr>
-        <p:spPr>
-          <a:xfrm>
-            <a:off x="2960537" y="2940756"/>
-            <a:ext cx="1831960" cy="976488"/>
-          </a:xfrm>
-          <a:prstGeom prst="flowChartDocument">
-            <a:avLst/>
-          </a:prstGeom>
-          <a:solidFill>
-            <a:schemeClr val="accent6">
-              <a:lumMod val="50000"/>
-            </a:schemeClr>
-          </a:solidFill>
-          <a:ln>
-            <a:noFill/>
-          </a:ln>
-        </p:spPr>
-        <p:style>
-          <a:lnRef idx="2">
-            <a:schemeClr val="accent1">
-              <a:shade val="50000"/>
-            </a:schemeClr>
-          </a:lnRef>
-          <a:fillRef idx="1">
-            <a:schemeClr val="accent1"/>
-          </a:fillRef>
-          <a:effectRef idx="0">
-            <a:schemeClr val="accent1"/>
-          </a:effectRef>
-          <a:fontRef idx="minor">
-            <a:schemeClr val="lt1"/>
-          </a:fontRef>
-        </p:style>
-        <p:txBody>
-          <a:bodyPr rtlCol="0" anchor="ctr"/>
-          <a:lstStyle/>
-          <a:p>
-            <a:pPr algn="ctr"/>
-            <a:endParaRPr lang="en-GB" dirty="0"/>
-          </a:p>
-        </p:txBody>
-      </p:sp>
-      <p:cxnSp>
-        <p:nvCxnSpPr>
-          <p:cNvPr id="146" name="Straight Arrow Connector 145">
-            <a:extLst>
-              <a:ext uri="{FF2B5EF4-FFF2-40B4-BE49-F238E27FC236}">
-                <a16:creationId xmlns:a16="http://schemas.microsoft.com/office/drawing/2014/main" id="{63C8345C-A17E-44D4-B240-B3C2E331255D}"/>
-              </a:ext>
-            </a:extLst>
-          </p:cNvPr>
-          <p:cNvCxnSpPr>
-            <a:cxnSpLocks/>
-          </p:cNvCxnSpPr>
-          <p:nvPr/>
-        </p:nvCxnSpPr>
-        <p:spPr>
-          <a:xfrm>
-            <a:off x="792594" y="3443756"/>
-            <a:ext cx="2156340" cy="0"/>
-          </a:xfrm>
-          <a:prstGeom prst="straightConnector1">
-            <a:avLst/>
-          </a:prstGeom>
-          <a:ln w="76200">
-            <a:solidFill>
-              <a:schemeClr val="accent6">
-                <a:lumMod val="50000"/>
-              </a:schemeClr>
-            </a:solidFill>
-            <a:prstDash val="dash"/>
-            <a:headEnd type="none"/>
-            <a:tailEnd type="triangle"/>
-          </a:ln>
-        </p:spPr>
-        <p:style>
-          <a:lnRef idx="1">
-            <a:schemeClr val="accent1"/>
-          </a:lnRef>
-          <a:fillRef idx="0">
-            <a:schemeClr val="accent1"/>
-          </a:fillRef>
-          <a:effectRef idx="0">
-            <a:schemeClr val="accent1"/>
-          </a:effectRef>
-          <a:fontRef idx="minor">
-            <a:schemeClr val="tx1"/>
-          </a:fontRef>
-        </p:style>
-      </p:cxnSp>
-      <p:sp>
-        <p:nvSpPr>
-          <p:cNvPr id="147" name="TextBox 146">
-            <a:extLst>
-              <a:ext uri="{FF2B5EF4-FFF2-40B4-BE49-F238E27FC236}">
-                <a16:creationId xmlns:a16="http://schemas.microsoft.com/office/drawing/2014/main" id="{1ADC0E6E-5955-4431-A055-13C603AF1C44}"/>
-              </a:ext>
-            </a:extLst>
-          </p:cNvPr>
-          <p:cNvSpPr txBox="1"/>
-          <p:nvPr/>
-        </p:nvSpPr>
-        <p:spPr>
-          <a:xfrm>
-            <a:off x="2081564" y="3547774"/>
-            <a:ext cx="883369" cy="307777"/>
-          </a:xfrm>
-          <a:prstGeom prst="rect">
-            <a:avLst/>
-          </a:prstGeom>
-          <a:noFill/>
-        </p:spPr>
-        <p:txBody>
-          <a:bodyPr wrap="square" rtlCol="0">
-            <a:spAutoFit/>
-          </a:bodyPr>
-          <a:lstStyle/>
-          <a:p>
-            <a:pPr algn="r"/>
-            <a:r>
-              <a:rPr lang="en-GB" sz="1400" dirty="0"/>
-              <a:t>Frame ►</a:t>
-            </a:r>
-          </a:p>
-        </p:txBody>
-      </p:sp>
-      <p:sp>
-        <p:nvSpPr>
-          <p:cNvPr id="148" name="TextBox 147">
-            <a:extLst>
-              <a:ext uri="{FF2B5EF4-FFF2-40B4-BE49-F238E27FC236}">
-                <a16:creationId xmlns:a16="http://schemas.microsoft.com/office/drawing/2014/main" id="{ED06F2CA-B022-4B57-93BA-3A4A5FD519CB}"/>
-              </a:ext>
-            </a:extLst>
-          </p:cNvPr>
-          <p:cNvSpPr txBox="1"/>
-          <p:nvPr/>
-        </p:nvSpPr>
-        <p:spPr>
-          <a:xfrm>
-            <a:off x="3332613" y="3212923"/>
-            <a:ext cx="1005212" cy="461665"/>
-          </a:xfrm>
-          <a:prstGeom prst="rect">
-            <a:avLst/>
-          </a:prstGeom>
-          <a:noFill/>
-        </p:spPr>
-        <p:txBody>
-          <a:bodyPr wrap="none" rtlCol="0">
-            <a:spAutoFit/>
-          </a:bodyPr>
-          <a:lstStyle/>
-          <a:p>
-            <a:pPr algn="ctr"/>
-            <a:r>
-              <a:rPr lang="en-GB" sz="2400" b="1" dirty="0">
-                <a:solidFill>
-                  <a:schemeClr val="bg2"/>
-                </a:solidFill>
-                <a:effectLst>
-                  <a:glow rad="101600">
-                    <a:schemeClr val="tx1">
-                      <a:alpha val="60000"/>
-                    </a:schemeClr>
-                  </a:glow>
-                </a:effectLst>
-              </a:rPr>
-              <a:t>Server</a:t>
-            </a:r>
-          </a:p>
-        </p:txBody>
-      </p:sp>
-      <p:graphicFrame>
-        <p:nvGraphicFramePr>
-          <p:cNvPr id="10" name="Table 9"/>
-          <p:cNvGraphicFramePr>
-            <a:graphicFrameLocks noGrp="1"/>
-          </p:cNvGraphicFramePr>
-          <p:nvPr>
-            <p:extLst>
-              <p:ext uri="{D42A27DB-BD31-4B8C-83A1-F6EECF244321}">
-                <p14:modId xmlns:p14="http://schemas.microsoft.com/office/powerpoint/2010/main" val="3761072484"/>
-              </p:ext>
-            </p:extLst>
-          </p:nvPr>
-        </p:nvGraphicFramePr>
-        <p:xfrm>
-          <a:off x="2114864" y="938"/>
-          <a:ext cx="3576404" cy="2123440"/>
-        </p:xfrm>
-        <a:graphic>
-          <a:graphicData uri="http://schemas.openxmlformats.org/drawingml/2006/table">
-            <a:tbl>
-              <a:tblPr firstRow="1" bandRow="1">
-                <a:tableStyleId>{5202B0CA-FC54-4496-8BCA-5EF66A818D29}</a:tableStyleId>
-              </a:tblPr>
-              <a:tblGrid>
-                <a:gridCol w="1788202">
-                  <a:extLst>
-                    <a:ext uri="{9D8B030D-6E8A-4147-A177-3AD203B41FA5}">
-                      <a16:colId xmlns:a16="http://schemas.microsoft.com/office/drawing/2014/main" val="20000"/>
-                    </a:ext>
-                  </a:extLst>
-                </a:gridCol>
-                <a:gridCol w="1788202">
-                  <a:extLst>
-                    <a:ext uri="{9D8B030D-6E8A-4147-A177-3AD203B41FA5}">
-                      <a16:colId xmlns:a16="http://schemas.microsoft.com/office/drawing/2014/main" val="20001"/>
-                    </a:ext>
-                  </a:extLst>
-                </a:gridCol>
-              </a:tblGrid>
-              <a:tr h="370840">
-                <a:tc>
-                  <a:txBody>
-                    <a:bodyPr/>
-                    <a:lstStyle/>
-                    <a:p>
-                      <a:r>
-                        <a:rPr lang="en-GB" dirty="0"/>
-                        <a:t>Type</a:t>
-                      </a:r>
-                    </a:p>
-                  </a:txBody>
-                  <a:tcPr/>
-                </a:tc>
-                <a:tc>
-                  <a:txBody>
-                    <a:bodyPr/>
-                    <a:lstStyle/>
-                    <a:p>
-                      <a:r>
-                        <a:rPr lang="en-GB" dirty="0"/>
-                        <a:t>Meaning</a:t>
-                      </a:r>
-                    </a:p>
-                  </a:txBody>
-                  <a:tcPr/>
-                </a:tc>
-                <a:extLst>
-                  <a:ext uri="{0D108BD9-81ED-4DB2-BD59-A6C34878D82A}">
-                    <a16:rowId xmlns:a16="http://schemas.microsoft.com/office/drawing/2014/main" val="10000"/>
-                  </a:ext>
-                </a:extLst>
-              </a:tr>
-              <a:tr h="370840">
-                <a:tc>
-                  <a:txBody>
-                    <a:bodyPr/>
-                    <a:lstStyle/>
-                    <a:p>
-                      <a:r>
-                        <a:rPr lang="en-GB" dirty="0"/>
-                        <a:t>Arrow</a:t>
-                      </a:r>
-                    </a:p>
-                  </a:txBody>
-                  <a:tcPr/>
-                </a:tc>
-                <a:tc>
-                  <a:txBody>
-                    <a:bodyPr/>
-                    <a:lstStyle/>
-                    <a:p>
-                      <a:r>
-                        <a:rPr lang="en-GB" dirty="0"/>
-                        <a:t>Data Transfer</a:t>
-                      </a:r>
-                    </a:p>
-                  </a:txBody>
-                  <a:tcPr/>
-                </a:tc>
-                <a:extLst>
-                  <a:ext uri="{0D108BD9-81ED-4DB2-BD59-A6C34878D82A}">
-                    <a16:rowId xmlns:a16="http://schemas.microsoft.com/office/drawing/2014/main" val="10001"/>
-                  </a:ext>
-                </a:extLst>
-              </a:tr>
-              <a:tr h="370840">
-                <a:tc>
-                  <a:txBody>
-                    <a:bodyPr/>
-                    <a:lstStyle/>
-                    <a:p>
-                      <a:r>
-                        <a:rPr lang="en-GB" dirty="0"/>
-                        <a:t>Red</a:t>
-                      </a:r>
-                    </a:p>
-                  </a:txBody>
-                  <a:tcPr/>
-                </a:tc>
-                <a:tc>
-                  <a:txBody>
-                    <a:bodyPr/>
-                    <a:lstStyle/>
-                    <a:p>
-                      <a:r>
-                        <a:rPr lang="en-GB" dirty="0"/>
-                        <a:t>Not Started</a:t>
-                      </a:r>
-                    </a:p>
-                  </a:txBody>
-                  <a:tcPr/>
-                </a:tc>
-                <a:extLst>
-                  <a:ext uri="{0D108BD9-81ED-4DB2-BD59-A6C34878D82A}">
-                    <a16:rowId xmlns:a16="http://schemas.microsoft.com/office/drawing/2014/main" val="10002"/>
-                  </a:ext>
-                </a:extLst>
-              </a:tr>
-              <a:tr h="370840">
-                <a:tc>
-                  <a:txBody>
-                    <a:bodyPr/>
-                    <a:lstStyle/>
-                    <a:p>
-                      <a:r>
-                        <a:rPr lang="en-GB" dirty="0"/>
-                        <a:t>Yellow</a:t>
-                      </a:r>
-                    </a:p>
-                  </a:txBody>
-                  <a:tcPr/>
-                </a:tc>
-                <a:tc>
-                  <a:txBody>
-                    <a:bodyPr/>
-                    <a:lstStyle/>
-                    <a:p>
-                      <a:r>
-                        <a:rPr lang="en-GB" dirty="0"/>
-                        <a:t>Code Available</a:t>
-                      </a:r>
-                    </a:p>
-                    <a:p>
-                      <a:r>
-                        <a:rPr lang="en-GB" dirty="0"/>
-                        <a:t>Not Automated</a:t>
-                      </a:r>
-                    </a:p>
-                  </a:txBody>
-                  <a:tcPr/>
-                </a:tc>
-                <a:extLst>
-                  <a:ext uri="{0D108BD9-81ED-4DB2-BD59-A6C34878D82A}">
-                    <a16:rowId xmlns:a16="http://schemas.microsoft.com/office/drawing/2014/main" val="10003"/>
-                  </a:ext>
-                </a:extLst>
-              </a:tr>
-              <a:tr h="370840">
-                <a:tc>
-                  <a:txBody>
-                    <a:bodyPr/>
-                    <a:lstStyle/>
-                    <a:p>
-                      <a:r>
-                        <a:rPr lang="en-GB" dirty="0"/>
-                        <a:t>Green</a:t>
-                      </a:r>
-                    </a:p>
-                  </a:txBody>
-                  <a:tcPr/>
-                </a:tc>
-                <a:tc>
-                  <a:txBody>
-                    <a:bodyPr/>
-                    <a:lstStyle/>
-                    <a:p>
-                      <a:r>
-                        <a:rPr lang="en-GB" dirty="0"/>
-                        <a:t>Automated</a:t>
-                      </a:r>
-                    </a:p>
-                  </a:txBody>
-                  <a:tcPr/>
-                </a:tc>
-                <a:extLst>
-                  <a:ext uri="{0D108BD9-81ED-4DB2-BD59-A6C34878D82A}">
-                    <a16:rowId xmlns:a16="http://schemas.microsoft.com/office/drawing/2014/main" val="10004"/>
-                  </a:ext>
-                </a:extLst>
-              </a:tr>
-            </a:tbl>
-          </a:graphicData>
-        </a:graphic>
-      </p:graphicFrame>
-      <p:sp>
-        <p:nvSpPr>
-          <p:cNvPr id="177" name="Right Triangle 176">
-            <a:extLst>
-              <a:ext uri="{FF2B5EF4-FFF2-40B4-BE49-F238E27FC236}">
-                <a16:creationId xmlns:a16="http://schemas.microsoft.com/office/drawing/2014/main" id="{464F1B2E-5DF7-46D5-BDFC-472B9191165F}"/>
-              </a:ext>
-            </a:extLst>
-          </p:cNvPr>
-          <p:cNvSpPr/>
-          <p:nvPr/>
-        </p:nvSpPr>
-        <p:spPr>
-          <a:xfrm>
-            <a:off x="-954677" y="497757"/>
-            <a:ext cx="1684684" cy="894643"/>
-          </a:xfrm>
-          <a:prstGeom prst="rtTriangle">
-            <a:avLst/>
-          </a:prstGeom>
-          <a:solidFill>
-            <a:schemeClr val="accent6">
-              <a:lumMod val="50000"/>
-            </a:schemeClr>
-          </a:solidFill>
-          <a:ln>
-            <a:noFill/>
-          </a:ln>
-        </p:spPr>
-        <p:style>
-          <a:lnRef idx="2">
-            <a:schemeClr val="accent1">
-              <a:shade val="50000"/>
-            </a:schemeClr>
-          </a:lnRef>
-          <a:fillRef idx="1">
-            <a:schemeClr val="accent1"/>
-          </a:fillRef>
-          <a:effectRef idx="0">
-            <a:schemeClr val="accent1"/>
-          </a:effectRef>
-          <a:fontRef idx="minor">
-            <a:schemeClr val="lt1"/>
-          </a:fontRef>
-        </p:style>
-        <p:txBody>
-          <a:bodyPr rtlCol="0" anchor="ctr"/>
-          <a:lstStyle/>
-          <a:p>
-            <a:pPr algn="ctr"/>
-            <a:endParaRPr lang="en-GB" dirty="0"/>
-          </a:p>
-        </p:txBody>
-      </p:sp>
-      <p:sp>
-        <p:nvSpPr>
-          <p:cNvPr id="163" name="TextBox 162">
-            <a:extLst>
-              <a:ext uri="{FF2B5EF4-FFF2-40B4-BE49-F238E27FC236}">
-                <a16:creationId xmlns:a16="http://schemas.microsoft.com/office/drawing/2014/main" id="{C9845309-04CD-46F6-826C-E8307EB2CC9D}"/>
-              </a:ext>
-            </a:extLst>
-          </p:cNvPr>
-          <p:cNvSpPr txBox="1"/>
-          <p:nvPr/>
-        </p:nvSpPr>
-        <p:spPr>
-          <a:xfrm>
-            <a:off x="-692622" y="718247"/>
-            <a:ext cx="1160574" cy="461665"/>
-          </a:xfrm>
-          <a:prstGeom prst="rect">
-            <a:avLst/>
-          </a:prstGeom>
-          <a:noFill/>
-        </p:spPr>
-        <p:txBody>
-          <a:bodyPr wrap="none" rtlCol="0">
-            <a:spAutoFit/>
-          </a:bodyPr>
-          <a:lstStyle/>
-          <a:p>
-            <a:pPr algn="ctr"/>
-            <a:r>
-              <a:rPr lang="en-GB" sz="2400" b="1" dirty="0">
-                <a:solidFill>
-                  <a:schemeClr val="bg2"/>
-                </a:solidFill>
-                <a:effectLst>
-                  <a:glow rad="101600">
-                    <a:schemeClr val="tx1">
-                      <a:alpha val="60000"/>
-                    </a:schemeClr>
-                  </a:glow>
-                </a:effectLst>
-              </a:rPr>
-              <a:t>Camera</a:t>
-            </a:r>
-          </a:p>
-        </p:txBody>
-      </p:sp>
+        </p:spPr>
+      </p:pic>
     </p:spTree>
     <p:extLst>
       <p:ext uri="{BB962C8B-B14F-4D97-AF65-F5344CB8AC3E}">
-        <p14:creationId xmlns:p14="http://schemas.microsoft.com/office/powerpoint/2010/main" val="2754960614"/>
+        <p14:creationId xmlns:p14="http://schemas.microsoft.com/office/powerpoint/2010/main" val="3378807926"/>
       </p:ext>
     </p:extLst>
   </p:cSld>

--- a/Visual Plan.pptx
+++ b/Visual Plan.pptx
@@ -18,6 +18,7 @@
     <p:sldId id="269" r:id="rId12"/>
     <p:sldId id="267" r:id="rId13"/>
     <p:sldId id="266" r:id="rId14"/>
+    <p:sldId id="272" r:id="rId15"/>
   </p:sldIdLst>
   <p:sldSz cx="12192000" cy="6858000"/>
   <p:notesSz cx="6858000" cy="9144000"/>
@@ -273,7 +274,7 @@
           <a:p>
             <a:fld id="{5F9021A5-5D2C-4FF7-8FBA-B61BDE30AE1B}" type="datetimeFigureOut">
               <a:rPr lang="en-GB" smtClean="0"/>
-              <a:t>01/02/2019</a:t>
+              <a:t>02/02/2019</a:t>
             </a:fld>
             <a:endParaRPr lang="en-GB" dirty="0"/>
           </a:p>
@@ -473,7 +474,7 @@
           <a:p>
             <a:fld id="{5F9021A5-5D2C-4FF7-8FBA-B61BDE30AE1B}" type="datetimeFigureOut">
               <a:rPr lang="en-GB" smtClean="0"/>
-              <a:t>01/02/2019</a:t>
+              <a:t>02/02/2019</a:t>
             </a:fld>
             <a:endParaRPr lang="en-GB" dirty="0"/>
           </a:p>
@@ -683,7 +684,7 @@
           <a:p>
             <a:fld id="{5F9021A5-5D2C-4FF7-8FBA-B61BDE30AE1B}" type="datetimeFigureOut">
               <a:rPr lang="en-GB" smtClean="0"/>
-              <a:t>01/02/2019</a:t>
+              <a:t>02/02/2019</a:t>
             </a:fld>
             <a:endParaRPr lang="en-GB" dirty="0"/>
           </a:p>
@@ -883,7 +884,7 @@
           <a:p>
             <a:fld id="{5F9021A5-5D2C-4FF7-8FBA-B61BDE30AE1B}" type="datetimeFigureOut">
               <a:rPr lang="en-GB" smtClean="0"/>
-              <a:t>01/02/2019</a:t>
+              <a:t>02/02/2019</a:t>
             </a:fld>
             <a:endParaRPr lang="en-GB" dirty="0"/>
           </a:p>
@@ -1159,7 +1160,7 @@
           <a:p>
             <a:fld id="{5F9021A5-5D2C-4FF7-8FBA-B61BDE30AE1B}" type="datetimeFigureOut">
               <a:rPr lang="en-GB" smtClean="0"/>
-              <a:t>01/02/2019</a:t>
+              <a:t>02/02/2019</a:t>
             </a:fld>
             <a:endParaRPr lang="en-GB" dirty="0"/>
           </a:p>
@@ -1427,7 +1428,7 @@
           <a:p>
             <a:fld id="{5F9021A5-5D2C-4FF7-8FBA-B61BDE30AE1B}" type="datetimeFigureOut">
               <a:rPr lang="en-GB" smtClean="0"/>
-              <a:t>01/02/2019</a:t>
+              <a:t>02/02/2019</a:t>
             </a:fld>
             <a:endParaRPr lang="en-GB" dirty="0"/>
           </a:p>
@@ -1842,7 +1843,7 @@
           <a:p>
             <a:fld id="{5F9021A5-5D2C-4FF7-8FBA-B61BDE30AE1B}" type="datetimeFigureOut">
               <a:rPr lang="en-GB" smtClean="0"/>
-              <a:t>01/02/2019</a:t>
+              <a:t>02/02/2019</a:t>
             </a:fld>
             <a:endParaRPr lang="en-GB" dirty="0"/>
           </a:p>
@@ -1984,7 +1985,7 @@
           <a:p>
             <a:fld id="{5F9021A5-5D2C-4FF7-8FBA-B61BDE30AE1B}" type="datetimeFigureOut">
               <a:rPr lang="en-GB" smtClean="0"/>
-              <a:t>01/02/2019</a:t>
+              <a:t>02/02/2019</a:t>
             </a:fld>
             <a:endParaRPr lang="en-GB" dirty="0"/>
           </a:p>
@@ -2097,7 +2098,7 @@
           <a:p>
             <a:fld id="{5F9021A5-5D2C-4FF7-8FBA-B61BDE30AE1B}" type="datetimeFigureOut">
               <a:rPr lang="en-GB" smtClean="0"/>
-              <a:t>01/02/2019</a:t>
+              <a:t>02/02/2019</a:t>
             </a:fld>
             <a:endParaRPr lang="en-GB" dirty="0"/>
           </a:p>
@@ -2410,7 +2411,7 @@
           <a:p>
             <a:fld id="{5F9021A5-5D2C-4FF7-8FBA-B61BDE30AE1B}" type="datetimeFigureOut">
               <a:rPr lang="en-GB" smtClean="0"/>
-              <a:t>01/02/2019</a:t>
+              <a:t>02/02/2019</a:t>
             </a:fld>
             <a:endParaRPr lang="en-GB" dirty="0"/>
           </a:p>
@@ -2699,7 +2700,7 @@
           <a:p>
             <a:fld id="{5F9021A5-5D2C-4FF7-8FBA-B61BDE30AE1B}" type="datetimeFigureOut">
               <a:rPr lang="en-GB" smtClean="0"/>
-              <a:t>01/02/2019</a:t>
+              <a:t>02/02/2019</a:t>
             </a:fld>
             <a:endParaRPr lang="en-GB" dirty="0"/>
           </a:p>
@@ -2942,7 +2943,7 @@
           <a:p>
             <a:fld id="{5F9021A5-5D2C-4FF7-8FBA-B61BDE30AE1B}" type="datetimeFigureOut">
               <a:rPr lang="en-GB" smtClean="0"/>
-              <a:t>01/02/2019</a:t>
+              <a:t>02/02/2019</a:t>
             </a:fld>
             <a:endParaRPr lang="en-GB" dirty="0"/>
           </a:p>
@@ -7721,6 +7722,2043 @@
 </p:sld>
 </file>
 
+<file path=ppt/slides/slide14.xml><?xml version="1.0" encoding="utf-8"?>
+<p:sld xmlns:a="http://schemas.openxmlformats.org/drawingml/2006/main" xmlns:r="http://schemas.openxmlformats.org/officeDocument/2006/relationships" xmlns:p="http://schemas.openxmlformats.org/presentationml/2006/main">
+  <p:cSld>
+    <p:spTree>
+      <p:nvGrpSpPr>
+        <p:cNvPr id="1" name=""/>
+        <p:cNvGrpSpPr/>
+        <p:nvPr/>
+      </p:nvGrpSpPr>
+      <p:grpSpPr>
+        <a:xfrm>
+          <a:off x="0" y="0"/>
+          <a:ext cx="0" cy="0"/>
+          <a:chOff x="0" y="0"/>
+          <a:chExt cx="0" cy="0"/>
+        </a:xfrm>
+      </p:grpSpPr>
+      <p:graphicFrame>
+        <p:nvGraphicFramePr>
+          <p:cNvPr id="5" name="Table 4">
+            <a:extLst>
+              <a:ext uri="{FF2B5EF4-FFF2-40B4-BE49-F238E27FC236}">
+                <a16:creationId xmlns:a16="http://schemas.microsoft.com/office/drawing/2014/main" id="{D528883E-3465-4CBF-995A-5DF989D396B3}"/>
+              </a:ext>
+            </a:extLst>
+          </p:cNvPr>
+          <p:cNvGraphicFramePr>
+            <a:graphicFrameLocks noGrp="1"/>
+          </p:cNvGraphicFramePr>
+          <p:nvPr>
+            <p:extLst>
+              <p:ext uri="{D42A27DB-BD31-4B8C-83A1-F6EECF244321}">
+                <p14:modId xmlns:p14="http://schemas.microsoft.com/office/powerpoint/2010/main" val="1552530001"/>
+              </p:ext>
+            </p:extLst>
+          </p:nvPr>
+        </p:nvGraphicFramePr>
+        <p:xfrm>
+          <a:off x="1723656" y="1211245"/>
+          <a:ext cx="8127999" cy="2225040"/>
+        </p:xfrm>
+        <a:graphic>
+          <a:graphicData uri="http://schemas.openxmlformats.org/drawingml/2006/table">
+            <a:tbl>
+              <a:tblPr firstRow="1" bandRow="1">
+                <a:tableStyleId>{2D5ABB26-0587-4C30-8999-92F81FD0307C}</a:tableStyleId>
+              </a:tblPr>
+              <a:tblGrid>
+                <a:gridCol w="903111">
+                  <a:extLst>
+                    <a:ext uri="{9D8B030D-6E8A-4147-A177-3AD203B41FA5}">
+                      <a16:colId xmlns:a16="http://schemas.microsoft.com/office/drawing/2014/main" val="2748064566"/>
+                    </a:ext>
+                  </a:extLst>
+                </a:gridCol>
+                <a:gridCol w="903111">
+                  <a:extLst>
+                    <a:ext uri="{9D8B030D-6E8A-4147-A177-3AD203B41FA5}">
+                      <a16:colId xmlns:a16="http://schemas.microsoft.com/office/drawing/2014/main" val="2637987764"/>
+                    </a:ext>
+                  </a:extLst>
+                </a:gridCol>
+                <a:gridCol w="903111">
+                  <a:extLst>
+                    <a:ext uri="{9D8B030D-6E8A-4147-A177-3AD203B41FA5}">
+                      <a16:colId xmlns:a16="http://schemas.microsoft.com/office/drawing/2014/main" val="2776984181"/>
+                    </a:ext>
+                  </a:extLst>
+                </a:gridCol>
+                <a:gridCol w="903111">
+                  <a:extLst>
+                    <a:ext uri="{9D8B030D-6E8A-4147-A177-3AD203B41FA5}">
+                      <a16:colId xmlns:a16="http://schemas.microsoft.com/office/drawing/2014/main" val="1152397279"/>
+                    </a:ext>
+                  </a:extLst>
+                </a:gridCol>
+                <a:gridCol w="903111">
+                  <a:extLst>
+                    <a:ext uri="{9D8B030D-6E8A-4147-A177-3AD203B41FA5}">
+                      <a16:colId xmlns:a16="http://schemas.microsoft.com/office/drawing/2014/main" val="613546170"/>
+                    </a:ext>
+                  </a:extLst>
+                </a:gridCol>
+                <a:gridCol w="903111">
+                  <a:extLst>
+                    <a:ext uri="{9D8B030D-6E8A-4147-A177-3AD203B41FA5}">
+                      <a16:colId xmlns:a16="http://schemas.microsoft.com/office/drawing/2014/main" val="205554848"/>
+                    </a:ext>
+                  </a:extLst>
+                </a:gridCol>
+                <a:gridCol w="903111">
+                  <a:extLst>
+                    <a:ext uri="{9D8B030D-6E8A-4147-A177-3AD203B41FA5}">
+                      <a16:colId xmlns:a16="http://schemas.microsoft.com/office/drawing/2014/main" val="1357225310"/>
+                    </a:ext>
+                  </a:extLst>
+                </a:gridCol>
+                <a:gridCol w="903111">
+                  <a:extLst>
+                    <a:ext uri="{9D8B030D-6E8A-4147-A177-3AD203B41FA5}">
+                      <a16:colId xmlns:a16="http://schemas.microsoft.com/office/drawing/2014/main" val="361452095"/>
+                    </a:ext>
+                  </a:extLst>
+                </a:gridCol>
+                <a:gridCol w="903111">
+                  <a:extLst>
+                    <a:ext uri="{9D8B030D-6E8A-4147-A177-3AD203B41FA5}">
+                      <a16:colId xmlns:a16="http://schemas.microsoft.com/office/drawing/2014/main" val="26319354"/>
+                    </a:ext>
+                  </a:extLst>
+                </a:gridCol>
+              </a:tblGrid>
+              <a:tr h="370840">
+                <a:tc>
+                  <a:txBody>
+                    <a:bodyPr/>
+                    <a:lstStyle/>
+                    <a:p>
+                      <a:r>
+                        <a:rPr lang="en-GB" dirty="0"/>
+                        <a:t>0</a:t>
+                      </a:r>
+                    </a:p>
+                  </a:txBody>
+                  <a:tcPr>
+                    <a:lnL w="12700" cap="flat" cmpd="sng" algn="ctr">
+                      <a:noFill/>
+                      <a:prstDash val="solid"/>
+                      <a:round/>
+                      <a:headEnd type="none" w="med" len="med"/>
+                      <a:tailEnd type="none" w="med" len="med"/>
+                    </a:lnL>
+                    <a:lnR>
+                      <a:noFill/>
+                    </a:lnR>
+                    <a:lnT w="12700" cap="flat" cmpd="sng" algn="ctr">
+                      <a:noFill/>
+                      <a:prstDash val="solid"/>
+                      <a:round/>
+                      <a:headEnd type="none" w="med" len="med"/>
+                      <a:tailEnd type="none" w="med" len="med"/>
+                    </a:lnT>
+                    <a:lnB>
+                      <a:noFill/>
+                    </a:lnB>
+                    <a:lnTlToBr w="12700" cmpd="sng">
+                      <a:noFill/>
+                      <a:prstDash val="solid"/>
+                    </a:lnTlToBr>
+                    <a:lnBlToTr w="12700" cmpd="sng">
+                      <a:noFill/>
+                      <a:prstDash val="solid"/>
+                    </a:lnBlToTr>
+                  </a:tcPr>
+                </a:tc>
+                <a:tc>
+                  <a:txBody>
+                    <a:bodyPr/>
+                    <a:lstStyle/>
+                    <a:p>
+                      <a:r>
+                        <a:rPr lang="en-GB" dirty="0"/>
+                        <a:t>3</a:t>
+                      </a:r>
+                    </a:p>
+                  </a:txBody>
+                  <a:tcPr>
+                    <a:lnL>
+                      <a:noFill/>
+                    </a:lnL>
+                    <a:lnR>
+                      <a:noFill/>
+                    </a:lnR>
+                    <a:lnT w="12700" cap="flat" cmpd="sng" algn="ctr">
+                      <a:noFill/>
+                      <a:prstDash val="solid"/>
+                      <a:round/>
+                      <a:headEnd type="none" w="med" len="med"/>
+                      <a:tailEnd type="none" w="med" len="med"/>
+                    </a:lnT>
+                    <a:lnB>
+                      <a:noFill/>
+                    </a:lnB>
+                    <a:lnTlToBr w="12700" cmpd="sng">
+                      <a:noFill/>
+                      <a:prstDash val="solid"/>
+                    </a:lnTlToBr>
+                    <a:lnBlToTr w="12700" cmpd="sng">
+                      <a:noFill/>
+                      <a:prstDash val="solid"/>
+                    </a:lnBlToTr>
+                  </a:tcPr>
+                </a:tc>
+                <a:tc>
+                  <a:txBody>
+                    <a:bodyPr/>
+                    <a:lstStyle/>
+                    <a:p>
+                      <a:r>
+                        <a:rPr lang="en-GB" dirty="0"/>
+                        <a:t>1</a:t>
+                      </a:r>
+                    </a:p>
+                  </a:txBody>
+                  <a:tcPr>
+                    <a:lnL>
+                      <a:noFill/>
+                    </a:lnL>
+                    <a:lnR>
+                      <a:noFill/>
+                    </a:lnR>
+                    <a:lnT w="12700" cap="flat" cmpd="sng" algn="ctr">
+                      <a:noFill/>
+                      <a:prstDash val="solid"/>
+                      <a:round/>
+                      <a:headEnd type="none" w="med" len="med"/>
+                      <a:tailEnd type="none" w="med" len="med"/>
+                    </a:lnT>
+                    <a:lnB>
+                      <a:noFill/>
+                    </a:lnB>
+                    <a:lnTlToBr w="12700" cmpd="sng">
+                      <a:noFill/>
+                      <a:prstDash val="solid"/>
+                    </a:lnTlToBr>
+                    <a:lnBlToTr w="12700" cmpd="sng">
+                      <a:noFill/>
+                      <a:prstDash val="solid"/>
+                    </a:lnBlToTr>
+                  </a:tcPr>
+                </a:tc>
+                <a:tc>
+                  <a:txBody>
+                    <a:bodyPr/>
+                    <a:lstStyle/>
+                    <a:p>
+                      <a:r>
+                        <a:rPr lang="en-GB" dirty="0"/>
+                        <a:t>1</a:t>
+                      </a:r>
+                    </a:p>
+                  </a:txBody>
+                  <a:tcPr>
+                    <a:lnL>
+                      <a:noFill/>
+                    </a:lnL>
+                    <a:lnR>
+                      <a:noFill/>
+                    </a:lnR>
+                    <a:lnT w="12700" cap="flat" cmpd="sng" algn="ctr">
+                      <a:noFill/>
+                      <a:prstDash val="solid"/>
+                      <a:round/>
+                      <a:headEnd type="none" w="med" len="med"/>
+                      <a:tailEnd type="none" w="med" len="med"/>
+                    </a:lnT>
+                    <a:lnB>
+                      <a:noFill/>
+                    </a:lnB>
+                    <a:lnTlToBr w="12700" cmpd="sng">
+                      <a:noFill/>
+                      <a:prstDash val="solid"/>
+                    </a:lnTlToBr>
+                    <a:lnBlToTr w="12700" cmpd="sng">
+                      <a:noFill/>
+                      <a:prstDash val="solid"/>
+                    </a:lnBlToTr>
+                  </a:tcPr>
+                </a:tc>
+                <a:tc>
+                  <a:txBody>
+                    <a:bodyPr/>
+                    <a:lstStyle/>
+                    <a:p>
+                      <a:r>
+                        <a:rPr lang="en-GB" dirty="0"/>
+                        <a:t>3</a:t>
+                      </a:r>
+                    </a:p>
+                  </a:txBody>
+                  <a:tcPr>
+                    <a:lnL>
+                      <a:noFill/>
+                    </a:lnL>
+                    <a:lnR>
+                      <a:noFill/>
+                    </a:lnR>
+                    <a:lnT w="12700" cap="flat" cmpd="sng" algn="ctr">
+                      <a:noFill/>
+                      <a:prstDash val="solid"/>
+                      <a:round/>
+                      <a:headEnd type="none" w="med" len="med"/>
+                      <a:tailEnd type="none" w="med" len="med"/>
+                    </a:lnT>
+                    <a:lnB>
+                      <a:noFill/>
+                    </a:lnB>
+                    <a:lnTlToBr w="12700" cmpd="sng">
+                      <a:noFill/>
+                      <a:prstDash val="solid"/>
+                    </a:lnTlToBr>
+                    <a:lnBlToTr w="12700" cmpd="sng">
+                      <a:noFill/>
+                      <a:prstDash val="solid"/>
+                    </a:lnBlToTr>
+                  </a:tcPr>
+                </a:tc>
+                <a:tc>
+                  <a:txBody>
+                    <a:bodyPr/>
+                    <a:lstStyle/>
+                    <a:p>
+                      <a:r>
+                        <a:rPr lang="en-GB" dirty="0"/>
+                        <a:t>0</a:t>
+                      </a:r>
+                    </a:p>
+                  </a:txBody>
+                  <a:tcPr>
+                    <a:lnL>
+                      <a:noFill/>
+                    </a:lnL>
+                    <a:lnR>
+                      <a:noFill/>
+                    </a:lnR>
+                    <a:lnT w="12700" cap="flat" cmpd="sng" algn="ctr">
+                      <a:noFill/>
+                      <a:prstDash val="solid"/>
+                      <a:round/>
+                      <a:headEnd type="none" w="med" len="med"/>
+                      <a:tailEnd type="none" w="med" len="med"/>
+                    </a:lnT>
+                    <a:lnB>
+                      <a:noFill/>
+                    </a:lnB>
+                    <a:lnTlToBr w="12700" cmpd="sng">
+                      <a:noFill/>
+                      <a:prstDash val="solid"/>
+                    </a:lnTlToBr>
+                    <a:lnBlToTr w="12700" cmpd="sng">
+                      <a:noFill/>
+                      <a:prstDash val="solid"/>
+                    </a:lnBlToTr>
+                  </a:tcPr>
+                </a:tc>
+                <a:tc>
+                  <a:txBody>
+                    <a:bodyPr/>
+                    <a:lstStyle/>
+                    <a:p>
+                      <a:r>
+                        <a:rPr lang="en-GB" dirty="0"/>
+                        <a:t>3</a:t>
+                      </a:r>
+                    </a:p>
+                  </a:txBody>
+                  <a:tcPr>
+                    <a:lnL>
+                      <a:noFill/>
+                    </a:lnL>
+                    <a:lnR>
+                      <a:noFill/>
+                    </a:lnR>
+                    <a:lnT w="12700" cap="flat" cmpd="sng" algn="ctr">
+                      <a:noFill/>
+                      <a:prstDash val="solid"/>
+                      <a:round/>
+                      <a:headEnd type="none" w="med" len="med"/>
+                      <a:tailEnd type="none" w="med" len="med"/>
+                    </a:lnT>
+                    <a:lnB>
+                      <a:noFill/>
+                    </a:lnB>
+                    <a:lnTlToBr w="12700" cmpd="sng">
+                      <a:noFill/>
+                      <a:prstDash val="solid"/>
+                    </a:lnTlToBr>
+                    <a:lnBlToTr w="12700" cmpd="sng">
+                      <a:noFill/>
+                      <a:prstDash val="solid"/>
+                    </a:lnBlToTr>
+                  </a:tcPr>
+                </a:tc>
+                <a:tc>
+                  <a:txBody>
+                    <a:bodyPr/>
+                    <a:lstStyle/>
+                    <a:p>
+                      <a:r>
+                        <a:rPr lang="en-GB" dirty="0"/>
+                        <a:t>1</a:t>
+                      </a:r>
+                    </a:p>
+                  </a:txBody>
+                  <a:tcPr>
+                    <a:lnL>
+                      <a:noFill/>
+                    </a:lnL>
+                    <a:lnR>
+                      <a:noFill/>
+                    </a:lnR>
+                    <a:lnT w="12700" cap="flat" cmpd="sng" algn="ctr">
+                      <a:noFill/>
+                      <a:prstDash val="solid"/>
+                      <a:round/>
+                      <a:headEnd type="none" w="med" len="med"/>
+                      <a:tailEnd type="none" w="med" len="med"/>
+                    </a:lnT>
+                    <a:lnB>
+                      <a:noFill/>
+                    </a:lnB>
+                    <a:lnTlToBr w="12700" cmpd="sng">
+                      <a:noFill/>
+                      <a:prstDash val="solid"/>
+                    </a:lnTlToBr>
+                    <a:lnBlToTr w="12700" cmpd="sng">
+                      <a:noFill/>
+                      <a:prstDash val="solid"/>
+                    </a:lnBlToTr>
+                  </a:tcPr>
+                </a:tc>
+                <a:tc>
+                  <a:txBody>
+                    <a:bodyPr/>
+                    <a:lstStyle/>
+                    <a:p>
+                      <a:r>
+                        <a:rPr lang="en-GB" dirty="0"/>
+                        <a:t>3</a:t>
+                      </a:r>
+                    </a:p>
+                  </a:txBody>
+                  <a:tcPr>
+                    <a:lnL>
+                      <a:noFill/>
+                    </a:lnL>
+                    <a:lnR w="12700" cap="flat" cmpd="sng" algn="ctr">
+                      <a:noFill/>
+                      <a:prstDash val="solid"/>
+                      <a:round/>
+                      <a:headEnd type="none" w="med" len="med"/>
+                      <a:tailEnd type="none" w="med" len="med"/>
+                    </a:lnR>
+                    <a:lnT w="12700" cap="flat" cmpd="sng" algn="ctr">
+                      <a:noFill/>
+                      <a:prstDash val="solid"/>
+                      <a:round/>
+                      <a:headEnd type="none" w="med" len="med"/>
+                      <a:tailEnd type="none" w="med" len="med"/>
+                    </a:lnT>
+                    <a:lnB>
+                      <a:noFill/>
+                    </a:lnB>
+                    <a:lnTlToBr w="12700" cmpd="sng">
+                      <a:noFill/>
+                      <a:prstDash val="solid"/>
+                    </a:lnTlToBr>
+                    <a:lnBlToTr w="12700" cmpd="sng">
+                      <a:noFill/>
+                      <a:prstDash val="solid"/>
+                    </a:lnBlToTr>
+                  </a:tcPr>
+                </a:tc>
+                <a:extLst>
+                  <a:ext uri="{0D108BD9-81ED-4DB2-BD59-A6C34878D82A}">
+                    <a16:rowId xmlns:a16="http://schemas.microsoft.com/office/drawing/2014/main" val="125841312"/>
+                  </a:ext>
+                </a:extLst>
+              </a:tr>
+              <a:tr h="370840">
+                <a:tc>
+                  <a:txBody>
+                    <a:bodyPr/>
+                    <a:lstStyle/>
+                    <a:p>
+                      <a:r>
+                        <a:rPr lang="en-GB" dirty="0"/>
+                        <a:t>0</a:t>
+                      </a:r>
+                    </a:p>
+                  </a:txBody>
+                  <a:tcPr>
+                    <a:lnL w="12700" cap="flat" cmpd="sng" algn="ctr">
+                      <a:noFill/>
+                      <a:prstDash val="solid"/>
+                      <a:round/>
+                      <a:headEnd type="none" w="med" len="med"/>
+                      <a:tailEnd type="none" w="med" len="med"/>
+                    </a:lnL>
+                    <a:lnR>
+                      <a:noFill/>
+                    </a:lnR>
+                    <a:lnT>
+                      <a:noFill/>
+                    </a:lnT>
+                    <a:lnB>
+                      <a:noFill/>
+                    </a:lnB>
+                    <a:lnTlToBr w="12700" cmpd="sng">
+                      <a:noFill/>
+                      <a:prstDash val="solid"/>
+                    </a:lnTlToBr>
+                    <a:lnBlToTr w="12700" cmpd="sng">
+                      <a:noFill/>
+                      <a:prstDash val="solid"/>
+                    </a:lnBlToTr>
+                  </a:tcPr>
+                </a:tc>
+                <a:tc>
+                  <a:txBody>
+                    <a:bodyPr/>
+                    <a:lstStyle/>
+                    <a:p>
+                      <a:r>
+                        <a:rPr lang="en-GB" dirty="0"/>
+                        <a:t>0</a:t>
+                      </a:r>
+                    </a:p>
+                  </a:txBody>
+                  <a:tcPr>
+                    <a:lnL>
+                      <a:noFill/>
+                    </a:lnL>
+                    <a:lnR>
+                      <a:noFill/>
+                    </a:lnR>
+                    <a:lnT>
+                      <a:noFill/>
+                    </a:lnT>
+                    <a:lnB>
+                      <a:noFill/>
+                    </a:lnB>
+                    <a:lnTlToBr w="12700" cmpd="sng">
+                      <a:noFill/>
+                      <a:prstDash val="solid"/>
+                    </a:lnTlToBr>
+                    <a:lnBlToTr w="12700" cmpd="sng">
+                      <a:noFill/>
+                      <a:prstDash val="solid"/>
+                    </a:lnBlToTr>
+                  </a:tcPr>
+                </a:tc>
+                <a:tc>
+                  <a:txBody>
+                    <a:bodyPr/>
+                    <a:lstStyle/>
+                    <a:p>
+                      <a:r>
+                        <a:rPr lang="en-GB" dirty="0"/>
+                        <a:t>1</a:t>
+                      </a:r>
+                    </a:p>
+                  </a:txBody>
+                  <a:tcPr>
+                    <a:lnL>
+                      <a:noFill/>
+                    </a:lnL>
+                    <a:lnR>
+                      <a:noFill/>
+                    </a:lnR>
+                    <a:lnT>
+                      <a:noFill/>
+                    </a:lnT>
+                    <a:lnB>
+                      <a:noFill/>
+                    </a:lnB>
+                    <a:lnTlToBr w="12700" cmpd="sng">
+                      <a:noFill/>
+                      <a:prstDash val="solid"/>
+                    </a:lnTlToBr>
+                    <a:lnBlToTr w="12700" cmpd="sng">
+                      <a:noFill/>
+                      <a:prstDash val="solid"/>
+                    </a:lnBlToTr>
+                  </a:tcPr>
+                </a:tc>
+                <a:tc>
+                  <a:txBody>
+                    <a:bodyPr/>
+                    <a:lstStyle/>
+                    <a:p>
+                      <a:r>
+                        <a:rPr lang="en-GB" dirty="0"/>
+                        <a:t>1</a:t>
+                      </a:r>
+                    </a:p>
+                  </a:txBody>
+                  <a:tcPr>
+                    <a:lnL>
+                      <a:noFill/>
+                    </a:lnL>
+                    <a:lnR>
+                      <a:noFill/>
+                    </a:lnR>
+                    <a:lnT>
+                      <a:noFill/>
+                    </a:lnT>
+                    <a:lnB>
+                      <a:noFill/>
+                    </a:lnB>
+                    <a:lnTlToBr w="12700" cmpd="sng">
+                      <a:noFill/>
+                      <a:prstDash val="solid"/>
+                    </a:lnTlToBr>
+                    <a:lnBlToTr w="12700" cmpd="sng">
+                      <a:noFill/>
+                      <a:prstDash val="solid"/>
+                    </a:lnBlToTr>
+                  </a:tcPr>
+                </a:tc>
+                <a:tc>
+                  <a:txBody>
+                    <a:bodyPr/>
+                    <a:lstStyle/>
+                    <a:p>
+                      <a:r>
+                        <a:rPr lang="en-GB" dirty="0"/>
+                        <a:t>1</a:t>
+                      </a:r>
+                    </a:p>
+                  </a:txBody>
+                  <a:tcPr>
+                    <a:lnL>
+                      <a:noFill/>
+                    </a:lnL>
+                    <a:lnR>
+                      <a:noFill/>
+                    </a:lnR>
+                    <a:lnT>
+                      <a:noFill/>
+                    </a:lnT>
+                    <a:lnB>
+                      <a:noFill/>
+                    </a:lnB>
+                    <a:lnTlToBr w="12700" cmpd="sng">
+                      <a:noFill/>
+                      <a:prstDash val="solid"/>
+                    </a:lnTlToBr>
+                    <a:lnBlToTr w="12700" cmpd="sng">
+                      <a:noFill/>
+                      <a:prstDash val="solid"/>
+                    </a:lnBlToTr>
+                  </a:tcPr>
+                </a:tc>
+                <a:tc>
+                  <a:txBody>
+                    <a:bodyPr/>
+                    <a:lstStyle/>
+                    <a:p>
+                      <a:r>
+                        <a:rPr lang="en-GB" dirty="0"/>
+                        <a:t>3</a:t>
+                      </a:r>
+                    </a:p>
+                  </a:txBody>
+                  <a:tcPr>
+                    <a:lnL>
+                      <a:noFill/>
+                    </a:lnL>
+                    <a:lnR>
+                      <a:noFill/>
+                    </a:lnR>
+                    <a:lnT>
+                      <a:noFill/>
+                    </a:lnT>
+                    <a:lnB>
+                      <a:noFill/>
+                    </a:lnB>
+                    <a:lnTlToBr w="12700" cmpd="sng">
+                      <a:noFill/>
+                      <a:prstDash val="solid"/>
+                    </a:lnTlToBr>
+                    <a:lnBlToTr w="12700" cmpd="sng">
+                      <a:noFill/>
+                      <a:prstDash val="solid"/>
+                    </a:lnBlToTr>
+                  </a:tcPr>
+                </a:tc>
+                <a:tc>
+                  <a:txBody>
+                    <a:bodyPr/>
+                    <a:lstStyle/>
+                    <a:p>
+                      <a:r>
+                        <a:rPr lang="en-GB" dirty="0"/>
+                        <a:t>3</a:t>
+                      </a:r>
+                    </a:p>
+                  </a:txBody>
+                  <a:tcPr>
+                    <a:lnL>
+                      <a:noFill/>
+                    </a:lnL>
+                    <a:lnR>
+                      <a:noFill/>
+                    </a:lnR>
+                    <a:lnT>
+                      <a:noFill/>
+                    </a:lnT>
+                    <a:lnB>
+                      <a:noFill/>
+                    </a:lnB>
+                    <a:lnTlToBr w="12700" cmpd="sng">
+                      <a:noFill/>
+                      <a:prstDash val="solid"/>
+                    </a:lnTlToBr>
+                    <a:lnBlToTr w="12700" cmpd="sng">
+                      <a:noFill/>
+                      <a:prstDash val="solid"/>
+                    </a:lnBlToTr>
+                  </a:tcPr>
+                </a:tc>
+                <a:tc>
+                  <a:txBody>
+                    <a:bodyPr/>
+                    <a:lstStyle/>
+                    <a:p>
+                      <a:r>
+                        <a:rPr lang="en-GB" dirty="0"/>
+                        <a:t>3</a:t>
+                      </a:r>
+                    </a:p>
+                  </a:txBody>
+                  <a:tcPr>
+                    <a:lnL>
+                      <a:noFill/>
+                    </a:lnL>
+                    <a:lnR>
+                      <a:noFill/>
+                    </a:lnR>
+                    <a:lnT>
+                      <a:noFill/>
+                    </a:lnT>
+                    <a:lnB>
+                      <a:noFill/>
+                    </a:lnB>
+                    <a:lnTlToBr w="12700" cmpd="sng">
+                      <a:noFill/>
+                      <a:prstDash val="solid"/>
+                    </a:lnTlToBr>
+                    <a:lnBlToTr w="12700" cmpd="sng">
+                      <a:noFill/>
+                      <a:prstDash val="solid"/>
+                    </a:lnBlToTr>
+                  </a:tcPr>
+                </a:tc>
+                <a:tc>
+                  <a:txBody>
+                    <a:bodyPr/>
+                    <a:lstStyle/>
+                    <a:p>
+                      <a:r>
+                        <a:rPr lang="en-GB" dirty="0"/>
+                        <a:t>3</a:t>
+                      </a:r>
+                    </a:p>
+                  </a:txBody>
+                  <a:tcPr>
+                    <a:lnL>
+                      <a:noFill/>
+                    </a:lnL>
+                    <a:lnR w="12700" cap="flat" cmpd="sng" algn="ctr">
+                      <a:noFill/>
+                      <a:prstDash val="solid"/>
+                      <a:round/>
+                      <a:headEnd type="none" w="med" len="med"/>
+                      <a:tailEnd type="none" w="med" len="med"/>
+                    </a:lnR>
+                    <a:lnT>
+                      <a:noFill/>
+                    </a:lnT>
+                    <a:lnB>
+                      <a:noFill/>
+                    </a:lnB>
+                    <a:lnTlToBr w="12700" cmpd="sng">
+                      <a:noFill/>
+                      <a:prstDash val="solid"/>
+                    </a:lnTlToBr>
+                    <a:lnBlToTr w="12700" cmpd="sng">
+                      <a:noFill/>
+                      <a:prstDash val="solid"/>
+                    </a:lnBlToTr>
+                  </a:tcPr>
+                </a:tc>
+                <a:extLst>
+                  <a:ext uri="{0D108BD9-81ED-4DB2-BD59-A6C34878D82A}">
+                    <a16:rowId xmlns:a16="http://schemas.microsoft.com/office/drawing/2014/main" val="2225464291"/>
+                  </a:ext>
+                </a:extLst>
+              </a:tr>
+              <a:tr h="370840">
+                <a:tc>
+                  <a:txBody>
+                    <a:bodyPr/>
+                    <a:lstStyle/>
+                    <a:p>
+                      <a:endParaRPr lang="en-GB"/>
+                    </a:p>
+                  </a:txBody>
+                  <a:tcPr>
+                    <a:lnL w="12700" cap="flat" cmpd="sng" algn="ctr">
+                      <a:noFill/>
+                      <a:prstDash val="solid"/>
+                      <a:round/>
+                      <a:headEnd type="none" w="med" len="med"/>
+                      <a:tailEnd type="none" w="med" len="med"/>
+                    </a:lnL>
+                    <a:lnR>
+                      <a:noFill/>
+                    </a:lnR>
+                    <a:lnT>
+                      <a:noFill/>
+                    </a:lnT>
+                    <a:lnB>
+                      <a:noFill/>
+                    </a:lnB>
+                    <a:lnTlToBr w="12700" cmpd="sng">
+                      <a:noFill/>
+                      <a:prstDash val="solid"/>
+                    </a:lnTlToBr>
+                    <a:lnBlToTr w="12700" cmpd="sng">
+                      <a:noFill/>
+                      <a:prstDash val="solid"/>
+                    </a:lnBlToTr>
+                  </a:tcPr>
+                </a:tc>
+                <a:tc>
+                  <a:txBody>
+                    <a:bodyPr/>
+                    <a:lstStyle/>
+                    <a:p>
+                      <a:endParaRPr lang="en-GB" dirty="0"/>
+                    </a:p>
+                  </a:txBody>
+                  <a:tcPr>
+                    <a:lnL>
+                      <a:noFill/>
+                    </a:lnL>
+                    <a:lnR>
+                      <a:noFill/>
+                    </a:lnR>
+                    <a:lnT>
+                      <a:noFill/>
+                    </a:lnT>
+                    <a:lnB>
+                      <a:noFill/>
+                    </a:lnB>
+                    <a:lnTlToBr w="12700" cmpd="sng">
+                      <a:noFill/>
+                      <a:prstDash val="solid"/>
+                    </a:lnTlToBr>
+                    <a:lnBlToTr w="12700" cmpd="sng">
+                      <a:noFill/>
+                      <a:prstDash val="solid"/>
+                    </a:lnBlToTr>
+                  </a:tcPr>
+                </a:tc>
+                <a:tc>
+                  <a:txBody>
+                    <a:bodyPr/>
+                    <a:lstStyle/>
+                    <a:p>
+                      <a:endParaRPr lang="en-GB"/>
+                    </a:p>
+                  </a:txBody>
+                  <a:tcPr>
+                    <a:lnL>
+                      <a:noFill/>
+                    </a:lnL>
+                    <a:lnR>
+                      <a:noFill/>
+                    </a:lnR>
+                    <a:lnT>
+                      <a:noFill/>
+                    </a:lnT>
+                    <a:lnB>
+                      <a:noFill/>
+                    </a:lnB>
+                    <a:lnTlToBr w="12700" cmpd="sng">
+                      <a:noFill/>
+                      <a:prstDash val="solid"/>
+                    </a:lnTlToBr>
+                    <a:lnBlToTr w="12700" cmpd="sng">
+                      <a:noFill/>
+                      <a:prstDash val="solid"/>
+                    </a:lnBlToTr>
+                  </a:tcPr>
+                </a:tc>
+                <a:tc>
+                  <a:txBody>
+                    <a:bodyPr/>
+                    <a:lstStyle/>
+                    <a:p>
+                      <a:endParaRPr lang="en-GB"/>
+                    </a:p>
+                  </a:txBody>
+                  <a:tcPr>
+                    <a:lnL>
+                      <a:noFill/>
+                    </a:lnL>
+                    <a:lnR>
+                      <a:noFill/>
+                    </a:lnR>
+                    <a:lnT>
+                      <a:noFill/>
+                    </a:lnT>
+                    <a:lnB>
+                      <a:noFill/>
+                    </a:lnB>
+                    <a:lnTlToBr w="12700" cmpd="sng">
+                      <a:noFill/>
+                      <a:prstDash val="solid"/>
+                    </a:lnTlToBr>
+                    <a:lnBlToTr w="12700" cmpd="sng">
+                      <a:noFill/>
+                      <a:prstDash val="solid"/>
+                    </a:lnBlToTr>
+                  </a:tcPr>
+                </a:tc>
+                <a:tc>
+                  <a:txBody>
+                    <a:bodyPr/>
+                    <a:lstStyle/>
+                    <a:p>
+                      <a:endParaRPr lang="en-GB"/>
+                    </a:p>
+                  </a:txBody>
+                  <a:tcPr>
+                    <a:lnL>
+                      <a:noFill/>
+                    </a:lnL>
+                    <a:lnR>
+                      <a:noFill/>
+                    </a:lnR>
+                    <a:lnT>
+                      <a:noFill/>
+                    </a:lnT>
+                    <a:lnB>
+                      <a:noFill/>
+                    </a:lnB>
+                    <a:lnTlToBr w="12700" cmpd="sng">
+                      <a:noFill/>
+                      <a:prstDash val="solid"/>
+                    </a:lnTlToBr>
+                    <a:lnBlToTr w="12700" cmpd="sng">
+                      <a:noFill/>
+                      <a:prstDash val="solid"/>
+                    </a:lnBlToTr>
+                  </a:tcPr>
+                </a:tc>
+                <a:tc>
+                  <a:txBody>
+                    <a:bodyPr/>
+                    <a:lstStyle/>
+                    <a:p>
+                      <a:endParaRPr lang="en-GB" dirty="0"/>
+                    </a:p>
+                  </a:txBody>
+                  <a:tcPr>
+                    <a:lnL>
+                      <a:noFill/>
+                    </a:lnL>
+                    <a:lnR>
+                      <a:noFill/>
+                    </a:lnR>
+                    <a:lnT>
+                      <a:noFill/>
+                    </a:lnT>
+                    <a:lnB>
+                      <a:noFill/>
+                    </a:lnB>
+                    <a:lnTlToBr w="12700" cmpd="sng">
+                      <a:noFill/>
+                      <a:prstDash val="solid"/>
+                    </a:lnTlToBr>
+                    <a:lnBlToTr w="12700" cmpd="sng">
+                      <a:noFill/>
+                      <a:prstDash val="solid"/>
+                    </a:lnBlToTr>
+                  </a:tcPr>
+                </a:tc>
+                <a:tc>
+                  <a:txBody>
+                    <a:bodyPr/>
+                    <a:lstStyle/>
+                    <a:p>
+                      <a:endParaRPr lang="en-GB"/>
+                    </a:p>
+                  </a:txBody>
+                  <a:tcPr>
+                    <a:lnL>
+                      <a:noFill/>
+                    </a:lnL>
+                    <a:lnR>
+                      <a:noFill/>
+                    </a:lnR>
+                    <a:lnT>
+                      <a:noFill/>
+                    </a:lnT>
+                    <a:lnB>
+                      <a:noFill/>
+                    </a:lnB>
+                    <a:lnTlToBr w="12700" cmpd="sng">
+                      <a:noFill/>
+                      <a:prstDash val="solid"/>
+                    </a:lnTlToBr>
+                    <a:lnBlToTr w="12700" cmpd="sng">
+                      <a:noFill/>
+                      <a:prstDash val="solid"/>
+                    </a:lnBlToTr>
+                  </a:tcPr>
+                </a:tc>
+                <a:tc>
+                  <a:txBody>
+                    <a:bodyPr/>
+                    <a:lstStyle/>
+                    <a:p>
+                      <a:endParaRPr lang="en-GB"/>
+                    </a:p>
+                  </a:txBody>
+                  <a:tcPr>
+                    <a:lnL>
+                      <a:noFill/>
+                    </a:lnL>
+                    <a:lnR>
+                      <a:noFill/>
+                    </a:lnR>
+                    <a:lnT>
+                      <a:noFill/>
+                    </a:lnT>
+                    <a:lnB>
+                      <a:noFill/>
+                    </a:lnB>
+                    <a:lnTlToBr w="12700" cmpd="sng">
+                      <a:noFill/>
+                      <a:prstDash val="solid"/>
+                    </a:lnTlToBr>
+                    <a:lnBlToTr w="12700" cmpd="sng">
+                      <a:noFill/>
+                      <a:prstDash val="solid"/>
+                    </a:lnBlToTr>
+                  </a:tcPr>
+                </a:tc>
+                <a:tc>
+                  <a:txBody>
+                    <a:bodyPr/>
+                    <a:lstStyle/>
+                    <a:p>
+                      <a:endParaRPr lang="en-GB"/>
+                    </a:p>
+                  </a:txBody>
+                  <a:tcPr>
+                    <a:lnL>
+                      <a:noFill/>
+                    </a:lnL>
+                    <a:lnR w="12700" cap="flat" cmpd="sng" algn="ctr">
+                      <a:noFill/>
+                      <a:prstDash val="solid"/>
+                      <a:round/>
+                      <a:headEnd type="none" w="med" len="med"/>
+                      <a:tailEnd type="none" w="med" len="med"/>
+                    </a:lnR>
+                    <a:lnT>
+                      <a:noFill/>
+                    </a:lnT>
+                    <a:lnB>
+                      <a:noFill/>
+                    </a:lnB>
+                    <a:lnTlToBr w="12700" cmpd="sng">
+                      <a:noFill/>
+                      <a:prstDash val="solid"/>
+                    </a:lnTlToBr>
+                    <a:lnBlToTr w="12700" cmpd="sng">
+                      <a:noFill/>
+                      <a:prstDash val="solid"/>
+                    </a:lnBlToTr>
+                  </a:tcPr>
+                </a:tc>
+                <a:extLst>
+                  <a:ext uri="{0D108BD9-81ED-4DB2-BD59-A6C34878D82A}">
+                    <a16:rowId xmlns:a16="http://schemas.microsoft.com/office/drawing/2014/main" val="712895918"/>
+                  </a:ext>
+                </a:extLst>
+              </a:tr>
+              <a:tr h="370840">
+                <a:tc>
+                  <a:txBody>
+                    <a:bodyPr/>
+                    <a:lstStyle/>
+                    <a:p>
+                      <a:r>
+                        <a:rPr lang="en-GB" dirty="0"/>
+                        <a:t>Med:</a:t>
+                      </a:r>
+                    </a:p>
+                  </a:txBody>
+                  <a:tcPr>
+                    <a:lnL w="12700" cap="flat" cmpd="sng" algn="ctr">
+                      <a:noFill/>
+                      <a:prstDash val="solid"/>
+                      <a:round/>
+                      <a:headEnd type="none" w="med" len="med"/>
+                      <a:tailEnd type="none" w="med" len="med"/>
+                    </a:lnL>
+                    <a:lnR>
+                      <a:noFill/>
+                    </a:lnR>
+                    <a:lnT>
+                      <a:noFill/>
+                    </a:lnT>
+                    <a:lnB>
+                      <a:noFill/>
+                    </a:lnB>
+                    <a:lnTlToBr w="12700" cmpd="sng">
+                      <a:noFill/>
+                      <a:prstDash val="solid"/>
+                    </a:lnTlToBr>
+                    <a:lnBlToTr w="12700" cmpd="sng">
+                      <a:noFill/>
+                      <a:prstDash val="solid"/>
+                    </a:lnBlToTr>
+                  </a:tcPr>
+                </a:tc>
+                <a:tc>
+                  <a:txBody>
+                    <a:bodyPr/>
+                    <a:lstStyle/>
+                    <a:p>
+                      <a:r>
+                        <a:rPr lang="en-GB" dirty="0"/>
+                        <a:t>1</a:t>
+                      </a:r>
+                    </a:p>
+                  </a:txBody>
+                  <a:tcPr>
+                    <a:lnL>
+                      <a:noFill/>
+                    </a:lnL>
+                    <a:lnR>
+                      <a:noFill/>
+                    </a:lnR>
+                    <a:lnT>
+                      <a:noFill/>
+                    </a:lnT>
+                    <a:lnB>
+                      <a:noFill/>
+                    </a:lnB>
+                    <a:lnTlToBr w="12700" cmpd="sng">
+                      <a:noFill/>
+                      <a:prstDash val="solid"/>
+                    </a:lnTlToBr>
+                    <a:lnBlToTr w="12700" cmpd="sng">
+                      <a:noFill/>
+                      <a:prstDash val="solid"/>
+                    </a:lnBlToTr>
+                  </a:tcPr>
+                </a:tc>
+                <a:tc>
+                  <a:txBody>
+                    <a:bodyPr/>
+                    <a:lstStyle/>
+                    <a:p>
+                      <a:endParaRPr lang="en-GB" dirty="0"/>
+                    </a:p>
+                  </a:txBody>
+                  <a:tcPr>
+                    <a:lnL>
+                      <a:noFill/>
+                    </a:lnL>
+                    <a:lnR>
+                      <a:noFill/>
+                    </a:lnR>
+                    <a:lnT>
+                      <a:noFill/>
+                    </a:lnT>
+                    <a:lnB>
+                      <a:noFill/>
+                    </a:lnB>
+                    <a:lnTlToBr w="12700" cmpd="sng">
+                      <a:noFill/>
+                      <a:prstDash val="solid"/>
+                    </a:lnTlToBr>
+                    <a:lnBlToTr w="12700" cmpd="sng">
+                      <a:noFill/>
+                      <a:prstDash val="solid"/>
+                    </a:lnBlToTr>
+                  </a:tcPr>
+                </a:tc>
+                <a:tc>
+                  <a:txBody>
+                    <a:bodyPr/>
+                    <a:lstStyle/>
+                    <a:p>
+                      <a:endParaRPr lang="en-GB" dirty="0"/>
+                    </a:p>
+                  </a:txBody>
+                  <a:tcPr>
+                    <a:lnL>
+                      <a:noFill/>
+                    </a:lnL>
+                    <a:lnR>
+                      <a:noFill/>
+                    </a:lnR>
+                    <a:lnT>
+                      <a:noFill/>
+                    </a:lnT>
+                    <a:lnB>
+                      <a:noFill/>
+                    </a:lnB>
+                    <a:lnTlToBr w="12700" cmpd="sng">
+                      <a:noFill/>
+                      <a:prstDash val="solid"/>
+                    </a:lnTlToBr>
+                    <a:lnBlToTr w="12700" cmpd="sng">
+                      <a:noFill/>
+                      <a:prstDash val="solid"/>
+                    </a:lnBlToTr>
+                  </a:tcPr>
+                </a:tc>
+                <a:tc>
+                  <a:txBody>
+                    <a:bodyPr/>
+                    <a:lstStyle/>
+                    <a:p>
+                      <a:endParaRPr lang="en-GB" dirty="0"/>
+                    </a:p>
+                  </a:txBody>
+                  <a:tcPr>
+                    <a:lnL>
+                      <a:noFill/>
+                    </a:lnL>
+                    <a:lnR>
+                      <a:noFill/>
+                    </a:lnR>
+                    <a:lnT>
+                      <a:noFill/>
+                    </a:lnT>
+                    <a:lnB>
+                      <a:noFill/>
+                    </a:lnB>
+                    <a:lnTlToBr w="12700" cmpd="sng">
+                      <a:noFill/>
+                      <a:prstDash val="solid"/>
+                    </a:lnTlToBr>
+                    <a:lnBlToTr w="12700" cmpd="sng">
+                      <a:noFill/>
+                      <a:prstDash val="solid"/>
+                    </a:lnBlToTr>
+                  </a:tcPr>
+                </a:tc>
+                <a:tc>
+                  <a:txBody>
+                    <a:bodyPr/>
+                    <a:lstStyle/>
+                    <a:p>
+                      <a:endParaRPr lang="en-GB" dirty="0"/>
+                    </a:p>
+                  </a:txBody>
+                  <a:tcPr>
+                    <a:lnL>
+                      <a:noFill/>
+                    </a:lnL>
+                    <a:lnR>
+                      <a:noFill/>
+                    </a:lnR>
+                    <a:lnT>
+                      <a:noFill/>
+                    </a:lnT>
+                    <a:lnB>
+                      <a:noFill/>
+                    </a:lnB>
+                    <a:lnTlToBr w="12700" cmpd="sng">
+                      <a:noFill/>
+                      <a:prstDash val="solid"/>
+                    </a:lnTlToBr>
+                    <a:lnBlToTr w="12700" cmpd="sng">
+                      <a:noFill/>
+                      <a:prstDash val="solid"/>
+                    </a:lnBlToTr>
+                  </a:tcPr>
+                </a:tc>
+                <a:tc>
+                  <a:txBody>
+                    <a:bodyPr/>
+                    <a:lstStyle/>
+                    <a:p>
+                      <a:endParaRPr lang="en-GB"/>
+                    </a:p>
+                  </a:txBody>
+                  <a:tcPr>
+                    <a:lnL>
+                      <a:noFill/>
+                    </a:lnL>
+                    <a:lnR>
+                      <a:noFill/>
+                    </a:lnR>
+                    <a:lnT>
+                      <a:noFill/>
+                    </a:lnT>
+                    <a:lnB>
+                      <a:noFill/>
+                    </a:lnB>
+                    <a:lnTlToBr w="12700" cmpd="sng">
+                      <a:noFill/>
+                      <a:prstDash val="solid"/>
+                    </a:lnTlToBr>
+                    <a:lnBlToTr w="12700" cmpd="sng">
+                      <a:noFill/>
+                      <a:prstDash val="solid"/>
+                    </a:lnBlToTr>
+                  </a:tcPr>
+                </a:tc>
+                <a:tc>
+                  <a:txBody>
+                    <a:bodyPr/>
+                    <a:lstStyle/>
+                    <a:p>
+                      <a:endParaRPr lang="en-GB"/>
+                    </a:p>
+                  </a:txBody>
+                  <a:tcPr>
+                    <a:lnL>
+                      <a:noFill/>
+                    </a:lnL>
+                    <a:lnR>
+                      <a:noFill/>
+                    </a:lnR>
+                    <a:lnT>
+                      <a:noFill/>
+                    </a:lnT>
+                    <a:lnB>
+                      <a:noFill/>
+                    </a:lnB>
+                    <a:lnTlToBr w="12700" cmpd="sng">
+                      <a:noFill/>
+                      <a:prstDash val="solid"/>
+                    </a:lnTlToBr>
+                    <a:lnBlToTr w="12700" cmpd="sng">
+                      <a:noFill/>
+                      <a:prstDash val="solid"/>
+                    </a:lnBlToTr>
+                  </a:tcPr>
+                </a:tc>
+                <a:tc>
+                  <a:txBody>
+                    <a:bodyPr/>
+                    <a:lstStyle/>
+                    <a:p>
+                      <a:endParaRPr lang="en-GB"/>
+                    </a:p>
+                  </a:txBody>
+                  <a:tcPr>
+                    <a:lnL>
+                      <a:noFill/>
+                    </a:lnL>
+                    <a:lnR w="12700" cap="flat" cmpd="sng" algn="ctr">
+                      <a:noFill/>
+                      <a:prstDash val="solid"/>
+                      <a:round/>
+                      <a:headEnd type="none" w="med" len="med"/>
+                      <a:tailEnd type="none" w="med" len="med"/>
+                    </a:lnR>
+                    <a:lnT>
+                      <a:noFill/>
+                    </a:lnT>
+                    <a:lnB>
+                      <a:noFill/>
+                    </a:lnB>
+                    <a:lnTlToBr w="12700" cmpd="sng">
+                      <a:noFill/>
+                      <a:prstDash val="solid"/>
+                    </a:lnTlToBr>
+                    <a:lnBlToTr w="12700" cmpd="sng">
+                      <a:noFill/>
+                      <a:prstDash val="solid"/>
+                    </a:lnBlToTr>
+                  </a:tcPr>
+                </a:tc>
+                <a:extLst>
+                  <a:ext uri="{0D108BD9-81ED-4DB2-BD59-A6C34878D82A}">
+                    <a16:rowId xmlns:a16="http://schemas.microsoft.com/office/drawing/2014/main" val="2971285785"/>
+                  </a:ext>
+                </a:extLst>
+              </a:tr>
+              <a:tr h="370840">
+                <a:tc>
+                  <a:txBody>
+                    <a:bodyPr/>
+                    <a:lstStyle/>
+                    <a:p>
+                      <a:r>
+                        <a:rPr lang="en-GB" dirty="0"/>
+                        <a:t>Mode:</a:t>
+                      </a:r>
+                    </a:p>
+                  </a:txBody>
+                  <a:tcPr>
+                    <a:lnL w="12700" cap="flat" cmpd="sng" algn="ctr">
+                      <a:noFill/>
+                      <a:prstDash val="solid"/>
+                      <a:round/>
+                      <a:headEnd type="none" w="med" len="med"/>
+                      <a:tailEnd type="none" w="med" len="med"/>
+                    </a:lnL>
+                    <a:lnR>
+                      <a:noFill/>
+                    </a:lnR>
+                    <a:lnT>
+                      <a:noFill/>
+                    </a:lnT>
+                    <a:lnB>
+                      <a:noFill/>
+                    </a:lnB>
+                    <a:lnTlToBr w="12700" cmpd="sng">
+                      <a:noFill/>
+                      <a:prstDash val="solid"/>
+                    </a:lnTlToBr>
+                    <a:lnBlToTr w="12700" cmpd="sng">
+                      <a:noFill/>
+                      <a:prstDash val="solid"/>
+                    </a:lnBlToTr>
+                  </a:tcPr>
+                </a:tc>
+                <a:tc>
+                  <a:txBody>
+                    <a:bodyPr/>
+                    <a:lstStyle/>
+                    <a:p>
+                      <a:r>
+                        <a:rPr lang="en-GB" dirty="0"/>
+                        <a:t>3</a:t>
+                      </a:r>
+                    </a:p>
+                  </a:txBody>
+                  <a:tcPr>
+                    <a:lnL>
+                      <a:noFill/>
+                    </a:lnL>
+                    <a:lnR>
+                      <a:noFill/>
+                    </a:lnR>
+                    <a:lnT>
+                      <a:noFill/>
+                    </a:lnT>
+                    <a:lnB>
+                      <a:noFill/>
+                    </a:lnB>
+                    <a:lnTlToBr w="12700" cmpd="sng">
+                      <a:noFill/>
+                      <a:prstDash val="solid"/>
+                    </a:lnTlToBr>
+                    <a:lnBlToTr w="12700" cmpd="sng">
+                      <a:noFill/>
+                      <a:prstDash val="solid"/>
+                    </a:lnBlToTr>
+                  </a:tcPr>
+                </a:tc>
+                <a:tc>
+                  <a:txBody>
+                    <a:bodyPr/>
+                    <a:lstStyle/>
+                    <a:p>
+                      <a:endParaRPr lang="en-GB"/>
+                    </a:p>
+                  </a:txBody>
+                  <a:tcPr>
+                    <a:lnL>
+                      <a:noFill/>
+                    </a:lnL>
+                    <a:lnR>
+                      <a:noFill/>
+                    </a:lnR>
+                    <a:lnT>
+                      <a:noFill/>
+                    </a:lnT>
+                    <a:lnB>
+                      <a:noFill/>
+                    </a:lnB>
+                    <a:lnTlToBr w="12700" cmpd="sng">
+                      <a:noFill/>
+                      <a:prstDash val="solid"/>
+                    </a:lnTlToBr>
+                    <a:lnBlToTr w="12700" cmpd="sng">
+                      <a:noFill/>
+                      <a:prstDash val="solid"/>
+                    </a:lnBlToTr>
+                  </a:tcPr>
+                </a:tc>
+                <a:tc>
+                  <a:txBody>
+                    <a:bodyPr/>
+                    <a:lstStyle/>
+                    <a:p>
+                      <a:endParaRPr lang="en-GB"/>
+                    </a:p>
+                  </a:txBody>
+                  <a:tcPr>
+                    <a:lnL>
+                      <a:noFill/>
+                    </a:lnL>
+                    <a:lnR>
+                      <a:noFill/>
+                    </a:lnR>
+                    <a:lnT>
+                      <a:noFill/>
+                    </a:lnT>
+                    <a:lnB>
+                      <a:noFill/>
+                    </a:lnB>
+                    <a:lnTlToBr w="12700" cmpd="sng">
+                      <a:noFill/>
+                      <a:prstDash val="solid"/>
+                    </a:lnTlToBr>
+                    <a:lnBlToTr w="12700" cmpd="sng">
+                      <a:noFill/>
+                      <a:prstDash val="solid"/>
+                    </a:lnBlToTr>
+                  </a:tcPr>
+                </a:tc>
+                <a:tc>
+                  <a:txBody>
+                    <a:bodyPr/>
+                    <a:lstStyle/>
+                    <a:p>
+                      <a:endParaRPr lang="en-GB"/>
+                    </a:p>
+                  </a:txBody>
+                  <a:tcPr>
+                    <a:lnL>
+                      <a:noFill/>
+                    </a:lnL>
+                    <a:lnR>
+                      <a:noFill/>
+                    </a:lnR>
+                    <a:lnT>
+                      <a:noFill/>
+                    </a:lnT>
+                    <a:lnB>
+                      <a:noFill/>
+                    </a:lnB>
+                    <a:lnTlToBr w="12700" cmpd="sng">
+                      <a:noFill/>
+                      <a:prstDash val="solid"/>
+                    </a:lnTlToBr>
+                    <a:lnBlToTr w="12700" cmpd="sng">
+                      <a:noFill/>
+                      <a:prstDash val="solid"/>
+                    </a:lnBlToTr>
+                  </a:tcPr>
+                </a:tc>
+                <a:tc>
+                  <a:txBody>
+                    <a:bodyPr/>
+                    <a:lstStyle/>
+                    <a:p>
+                      <a:endParaRPr lang="en-GB"/>
+                    </a:p>
+                  </a:txBody>
+                  <a:tcPr>
+                    <a:lnL>
+                      <a:noFill/>
+                    </a:lnL>
+                    <a:lnR>
+                      <a:noFill/>
+                    </a:lnR>
+                    <a:lnT>
+                      <a:noFill/>
+                    </a:lnT>
+                    <a:lnB>
+                      <a:noFill/>
+                    </a:lnB>
+                    <a:lnTlToBr w="12700" cmpd="sng">
+                      <a:noFill/>
+                      <a:prstDash val="solid"/>
+                    </a:lnTlToBr>
+                    <a:lnBlToTr w="12700" cmpd="sng">
+                      <a:noFill/>
+                      <a:prstDash val="solid"/>
+                    </a:lnBlToTr>
+                  </a:tcPr>
+                </a:tc>
+                <a:tc>
+                  <a:txBody>
+                    <a:bodyPr/>
+                    <a:lstStyle/>
+                    <a:p>
+                      <a:endParaRPr lang="en-GB"/>
+                    </a:p>
+                  </a:txBody>
+                  <a:tcPr>
+                    <a:lnL>
+                      <a:noFill/>
+                    </a:lnL>
+                    <a:lnR>
+                      <a:noFill/>
+                    </a:lnR>
+                    <a:lnT>
+                      <a:noFill/>
+                    </a:lnT>
+                    <a:lnB>
+                      <a:noFill/>
+                    </a:lnB>
+                    <a:lnTlToBr w="12700" cmpd="sng">
+                      <a:noFill/>
+                      <a:prstDash val="solid"/>
+                    </a:lnTlToBr>
+                    <a:lnBlToTr w="12700" cmpd="sng">
+                      <a:noFill/>
+                      <a:prstDash val="solid"/>
+                    </a:lnBlToTr>
+                  </a:tcPr>
+                </a:tc>
+                <a:tc>
+                  <a:txBody>
+                    <a:bodyPr/>
+                    <a:lstStyle/>
+                    <a:p>
+                      <a:endParaRPr lang="en-GB"/>
+                    </a:p>
+                  </a:txBody>
+                  <a:tcPr>
+                    <a:lnL>
+                      <a:noFill/>
+                    </a:lnL>
+                    <a:lnR>
+                      <a:noFill/>
+                    </a:lnR>
+                    <a:lnT>
+                      <a:noFill/>
+                    </a:lnT>
+                    <a:lnB>
+                      <a:noFill/>
+                    </a:lnB>
+                    <a:lnTlToBr w="12700" cmpd="sng">
+                      <a:noFill/>
+                      <a:prstDash val="solid"/>
+                    </a:lnTlToBr>
+                    <a:lnBlToTr w="12700" cmpd="sng">
+                      <a:noFill/>
+                      <a:prstDash val="solid"/>
+                    </a:lnBlToTr>
+                  </a:tcPr>
+                </a:tc>
+                <a:tc>
+                  <a:txBody>
+                    <a:bodyPr/>
+                    <a:lstStyle/>
+                    <a:p>
+                      <a:endParaRPr lang="en-GB"/>
+                    </a:p>
+                  </a:txBody>
+                  <a:tcPr>
+                    <a:lnL>
+                      <a:noFill/>
+                    </a:lnL>
+                    <a:lnR w="12700" cap="flat" cmpd="sng" algn="ctr">
+                      <a:noFill/>
+                      <a:prstDash val="solid"/>
+                      <a:round/>
+                      <a:headEnd type="none" w="med" len="med"/>
+                      <a:tailEnd type="none" w="med" len="med"/>
+                    </a:lnR>
+                    <a:lnT>
+                      <a:noFill/>
+                    </a:lnT>
+                    <a:lnB>
+                      <a:noFill/>
+                    </a:lnB>
+                    <a:lnTlToBr w="12700" cmpd="sng">
+                      <a:noFill/>
+                      <a:prstDash val="solid"/>
+                    </a:lnTlToBr>
+                    <a:lnBlToTr w="12700" cmpd="sng">
+                      <a:noFill/>
+                      <a:prstDash val="solid"/>
+                    </a:lnBlToTr>
+                  </a:tcPr>
+                </a:tc>
+                <a:extLst>
+                  <a:ext uri="{0D108BD9-81ED-4DB2-BD59-A6C34878D82A}">
+                    <a16:rowId xmlns:a16="http://schemas.microsoft.com/office/drawing/2014/main" val="2204902546"/>
+                  </a:ext>
+                </a:extLst>
+              </a:tr>
+              <a:tr h="370840">
+                <a:tc>
+                  <a:txBody>
+                    <a:bodyPr/>
+                    <a:lstStyle/>
+                    <a:p>
+                      <a:r>
+                        <a:rPr lang="en-GB" dirty="0"/>
+                        <a:t>Mean:</a:t>
+                      </a:r>
+                    </a:p>
+                  </a:txBody>
+                  <a:tcPr>
+                    <a:lnL w="12700" cap="flat" cmpd="sng" algn="ctr">
+                      <a:noFill/>
+                      <a:prstDash val="solid"/>
+                      <a:round/>
+                      <a:headEnd type="none" w="med" len="med"/>
+                      <a:tailEnd type="none" w="med" len="med"/>
+                    </a:lnL>
+                    <a:lnR>
+                      <a:noFill/>
+                    </a:lnR>
+                    <a:lnT>
+                      <a:noFill/>
+                    </a:lnT>
+                    <a:lnB w="12700" cap="flat" cmpd="sng" algn="ctr">
+                      <a:noFill/>
+                      <a:prstDash val="solid"/>
+                      <a:round/>
+                      <a:headEnd type="none" w="med" len="med"/>
+                      <a:tailEnd type="none" w="med" len="med"/>
+                    </a:lnB>
+                    <a:lnTlToBr w="12700" cmpd="sng">
+                      <a:noFill/>
+                      <a:prstDash val="solid"/>
+                    </a:lnTlToBr>
+                    <a:lnBlToTr w="12700" cmpd="sng">
+                      <a:noFill/>
+                      <a:prstDash val="solid"/>
+                    </a:lnBlToTr>
+                  </a:tcPr>
+                </a:tc>
+                <a:tc>
+                  <a:txBody>
+                    <a:bodyPr/>
+                    <a:lstStyle/>
+                    <a:p>
+                      <a:r>
+                        <a:rPr lang="en-GB" dirty="0"/>
+                        <a:t>1.66</a:t>
+                      </a:r>
+                    </a:p>
+                  </a:txBody>
+                  <a:tcPr>
+                    <a:lnL>
+                      <a:noFill/>
+                    </a:lnL>
+                    <a:lnR>
+                      <a:noFill/>
+                    </a:lnR>
+                    <a:lnT>
+                      <a:noFill/>
+                    </a:lnT>
+                    <a:lnB w="12700" cap="flat" cmpd="sng" algn="ctr">
+                      <a:noFill/>
+                      <a:prstDash val="solid"/>
+                      <a:round/>
+                      <a:headEnd type="none" w="med" len="med"/>
+                      <a:tailEnd type="none" w="med" len="med"/>
+                    </a:lnB>
+                    <a:lnTlToBr w="12700" cmpd="sng">
+                      <a:noFill/>
+                      <a:prstDash val="solid"/>
+                    </a:lnTlToBr>
+                    <a:lnBlToTr w="12700" cmpd="sng">
+                      <a:noFill/>
+                      <a:prstDash val="solid"/>
+                    </a:lnBlToTr>
+                  </a:tcPr>
+                </a:tc>
+                <a:tc>
+                  <a:txBody>
+                    <a:bodyPr/>
+                    <a:lstStyle/>
+                    <a:p>
+                      <a:endParaRPr lang="en-GB" dirty="0"/>
+                    </a:p>
+                  </a:txBody>
+                  <a:tcPr>
+                    <a:lnL>
+                      <a:noFill/>
+                    </a:lnL>
+                    <a:lnR>
+                      <a:noFill/>
+                    </a:lnR>
+                    <a:lnT>
+                      <a:noFill/>
+                    </a:lnT>
+                    <a:lnB w="12700" cap="flat" cmpd="sng" algn="ctr">
+                      <a:noFill/>
+                      <a:prstDash val="solid"/>
+                      <a:round/>
+                      <a:headEnd type="none" w="med" len="med"/>
+                      <a:tailEnd type="none" w="med" len="med"/>
+                    </a:lnB>
+                    <a:lnTlToBr w="12700" cmpd="sng">
+                      <a:noFill/>
+                      <a:prstDash val="solid"/>
+                    </a:lnTlToBr>
+                    <a:lnBlToTr w="12700" cmpd="sng">
+                      <a:noFill/>
+                      <a:prstDash val="solid"/>
+                    </a:lnBlToTr>
+                  </a:tcPr>
+                </a:tc>
+                <a:tc>
+                  <a:txBody>
+                    <a:bodyPr/>
+                    <a:lstStyle/>
+                    <a:p>
+                      <a:endParaRPr lang="en-GB" dirty="0"/>
+                    </a:p>
+                  </a:txBody>
+                  <a:tcPr>
+                    <a:lnL>
+                      <a:noFill/>
+                    </a:lnL>
+                    <a:lnR>
+                      <a:noFill/>
+                    </a:lnR>
+                    <a:lnT>
+                      <a:noFill/>
+                    </a:lnT>
+                    <a:lnB w="12700" cap="flat" cmpd="sng" algn="ctr">
+                      <a:noFill/>
+                      <a:prstDash val="solid"/>
+                      <a:round/>
+                      <a:headEnd type="none" w="med" len="med"/>
+                      <a:tailEnd type="none" w="med" len="med"/>
+                    </a:lnB>
+                    <a:lnTlToBr w="12700" cmpd="sng">
+                      <a:noFill/>
+                      <a:prstDash val="solid"/>
+                    </a:lnTlToBr>
+                    <a:lnBlToTr w="12700" cmpd="sng">
+                      <a:noFill/>
+                      <a:prstDash val="solid"/>
+                    </a:lnBlToTr>
+                  </a:tcPr>
+                </a:tc>
+                <a:tc>
+                  <a:txBody>
+                    <a:bodyPr/>
+                    <a:lstStyle/>
+                    <a:p>
+                      <a:endParaRPr lang="en-GB"/>
+                    </a:p>
+                  </a:txBody>
+                  <a:tcPr>
+                    <a:lnL>
+                      <a:noFill/>
+                    </a:lnL>
+                    <a:lnR>
+                      <a:noFill/>
+                    </a:lnR>
+                    <a:lnT>
+                      <a:noFill/>
+                    </a:lnT>
+                    <a:lnB w="12700" cap="flat" cmpd="sng" algn="ctr">
+                      <a:noFill/>
+                      <a:prstDash val="solid"/>
+                      <a:round/>
+                      <a:headEnd type="none" w="med" len="med"/>
+                      <a:tailEnd type="none" w="med" len="med"/>
+                    </a:lnB>
+                    <a:lnTlToBr w="12700" cmpd="sng">
+                      <a:noFill/>
+                      <a:prstDash val="solid"/>
+                    </a:lnTlToBr>
+                    <a:lnBlToTr w="12700" cmpd="sng">
+                      <a:noFill/>
+                      <a:prstDash val="solid"/>
+                    </a:lnBlToTr>
+                  </a:tcPr>
+                </a:tc>
+                <a:tc>
+                  <a:txBody>
+                    <a:bodyPr/>
+                    <a:lstStyle/>
+                    <a:p>
+                      <a:endParaRPr lang="en-GB"/>
+                    </a:p>
+                  </a:txBody>
+                  <a:tcPr>
+                    <a:lnL>
+                      <a:noFill/>
+                    </a:lnL>
+                    <a:lnR>
+                      <a:noFill/>
+                    </a:lnR>
+                    <a:lnT>
+                      <a:noFill/>
+                    </a:lnT>
+                    <a:lnB w="12700" cap="flat" cmpd="sng" algn="ctr">
+                      <a:noFill/>
+                      <a:prstDash val="solid"/>
+                      <a:round/>
+                      <a:headEnd type="none" w="med" len="med"/>
+                      <a:tailEnd type="none" w="med" len="med"/>
+                    </a:lnB>
+                    <a:lnTlToBr w="12700" cmpd="sng">
+                      <a:noFill/>
+                      <a:prstDash val="solid"/>
+                    </a:lnTlToBr>
+                    <a:lnBlToTr w="12700" cmpd="sng">
+                      <a:noFill/>
+                      <a:prstDash val="solid"/>
+                    </a:lnBlToTr>
+                  </a:tcPr>
+                </a:tc>
+                <a:tc>
+                  <a:txBody>
+                    <a:bodyPr/>
+                    <a:lstStyle/>
+                    <a:p>
+                      <a:endParaRPr lang="en-GB"/>
+                    </a:p>
+                  </a:txBody>
+                  <a:tcPr>
+                    <a:lnL>
+                      <a:noFill/>
+                    </a:lnL>
+                    <a:lnR>
+                      <a:noFill/>
+                    </a:lnR>
+                    <a:lnT>
+                      <a:noFill/>
+                    </a:lnT>
+                    <a:lnB w="12700" cap="flat" cmpd="sng" algn="ctr">
+                      <a:noFill/>
+                      <a:prstDash val="solid"/>
+                      <a:round/>
+                      <a:headEnd type="none" w="med" len="med"/>
+                      <a:tailEnd type="none" w="med" len="med"/>
+                    </a:lnB>
+                    <a:lnTlToBr w="12700" cmpd="sng">
+                      <a:noFill/>
+                      <a:prstDash val="solid"/>
+                    </a:lnTlToBr>
+                    <a:lnBlToTr w="12700" cmpd="sng">
+                      <a:noFill/>
+                      <a:prstDash val="solid"/>
+                    </a:lnBlToTr>
+                  </a:tcPr>
+                </a:tc>
+                <a:tc>
+                  <a:txBody>
+                    <a:bodyPr/>
+                    <a:lstStyle/>
+                    <a:p>
+                      <a:endParaRPr lang="en-GB"/>
+                    </a:p>
+                  </a:txBody>
+                  <a:tcPr>
+                    <a:lnL>
+                      <a:noFill/>
+                    </a:lnL>
+                    <a:lnR>
+                      <a:noFill/>
+                    </a:lnR>
+                    <a:lnT>
+                      <a:noFill/>
+                    </a:lnT>
+                    <a:lnB w="12700" cap="flat" cmpd="sng" algn="ctr">
+                      <a:noFill/>
+                      <a:prstDash val="solid"/>
+                      <a:round/>
+                      <a:headEnd type="none" w="med" len="med"/>
+                      <a:tailEnd type="none" w="med" len="med"/>
+                    </a:lnB>
+                    <a:lnTlToBr w="12700" cmpd="sng">
+                      <a:noFill/>
+                      <a:prstDash val="solid"/>
+                    </a:lnTlToBr>
+                    <a:lnBlToTr w="12700" cmpd="sng">
+                      <a:noFill/>
+                      <a:prstDash val="solid"/>
+                    </a:lnBlToTr>
+                  </a:tcPr>
+                </a:tc>
+                <a:tc>
+                  <a:txBody>
+                    <a:bodyPr/>
+                    <a:lstStyle/>
+                    <a:p>
+                      <a:endParaRPr lang="en-GB" dirty="0"/>
+                    </a:p>
+                  </a:txBody>
+                  <a:tcPr>
+                    <a:lnL>
+                      <a:noFill/>
+                    </a:lnL>
+                    <a:lnR w="12700" cap="flat" cmpd="sng" algn="ctr">
+                      <a:noFill/>
+                      <a:prstDash val="solid"/>
+                      <a:round/>
+                      <a:headEnd type="none" w="med" len="med"/>
+                      <a:tailEnd type="none" w="med" len="med"/>
+                    </a:lnR>
+                    <a:lnT>
+                      <a:noFill/>
+                    </a:lnT>
+                    <a:lnB w="12700" cap="flat" cmpd="sng" algn="ctr">
+                      <a:noFill/>
+                      <a:prstDash val="solid"/>
+                      <a:round/>
+                      <a:headEnd type="none" w="med" len="med"/>
+                      <a:tailEnd type="none" w="med" len="med"/>
+                    </a:lnB>
+                    <a:lnTlToBr w="12700" cmpd="sng">
+                      <a:noFill/>
+                      <a:prstDash val="solid"/>
+                    </a:lnTlToBr>
+                    <a:lnBlToTr w="12700" cmpd="sng">
+                      <a:noFill/>
+                      <a:prstDash val="solid"/>
+                    </a:lnBlToTr>
+                  </a:tcPr>
+                </a:tc>
+                <a:extLst>
+                  <a:ext uri="{0D108BD9-81ED-4DB2-BD59-A6C34878D82A}">
+                    <a16:rowId xmlns:a16="http://schemas.microsoft.com/office/drawing/2014/main" val="965283140"/>
+                  </a:ext>
+                </a:extLst>
+              </a:tr>
+            </a:tbl>
+          </a:graphicData>
+        </a:graphic>
+      </p:graphicFrame>
+    </p:spTree>
+    <p:extLst>
+      <p:ext uri="{BB962C8B-B14F-4D97-AF65-F5344CB8AC3E}">
+        <p14:creationId xmlns:p14="http://schemas.microsoft.com/office/powerpoint/2010/main" val="187073184"/>
+      </p:ext>
+    </p:extLst>
+  </p:cSld>
+  <p:clrMapOvr>
+    <a:masterClrMapping/>
+  </p:clrMapOvr>
+</p:sld>
+</file>
+
 <file path=ppt/slides/slide2.xml><?xml version="1.0" encoding="utf-8"?>
 <p:sld xmlns:a="http://schemas.openxmlformats.org/drawingml/2006/main" xmlns:r="http://schemas.openxmlformats.org/officeDocument/2006/relationships" xmlns:p="http://schemas.openxmlformats.org/presentationml/2006/main">
   <p:cSld>

--- a/Visual Plan.pptx
+++ b/Visual Plan.pptx
@@ -274,7 +274,7 @@
           <a:p>
             <a:fld id="{5F9021A5-5D2C-4FF7-8FBA-B61BDE30AE1B}" type="datetimeFigureOut">
               <a:rPr lang="en-GB" smtClean="0"/>
-              <a:t>02/02/2019</a:t>
+              <a:t>14/03/2019</a:t>
             </a:fld>
             <a:endParaRPr lang="en-GB" dirty="0"/>
           </a:p>
@@ -474,7 +474,7 @@
           <a:p>
             <a:fld id="{5F9021A5-5D2C-4FF7-8FBA-B61BDE30AE1B}" type="datetimeFigureOut">
               <a:rPr lang="en-GB" smtClean="0"/>
-              <a:t>02/02/2019</a:t>
+              <a:t>14/03/2019</a:t>
             </a:fld>
             <a:endParaRPr lang="en-GB" dirty="0"/>
           </a:p>
@@ -684,7 +684,7 @@
           <a:p>
             <a:fld id="{5F9021A5-5D2C-4FF7-8FBA-B61BDE30AE1B}" type="datetimeFigureOut">
               <a:rPr lang="en-GB" smtClean="0"/>
-              <a:t>02/02/2019</a:t>
+              <a:t>14/03/2019</a:t>
             </a:fld>
             <a:endParaRPr lang="en-GB" dirty="0"/>
           </a:p>
@@ -884,7 +884,7 @@
           <a:p>
             <a:fld id="{5F9021A5-5D2C-4FF7-8FBA-B61BDE30AE1B}" type="datetimeFigureOut">
               <a:rPr lang="en-GB" smtClean="0"/>
-              <a:t>02/02/2019</a:t>
+              <a:t>14/03/2019</a:t>
             </a:fld>
             <a:endParaRPr lang="en-GB" dirty="0"/>
           </a:p>
@@ -1160,7 +1160,7 @@
           <a:p>
             <a:fld id="{5F9021A5-5D2C-4FF7-8FBA-B61BDE30AE1B}" type="datetimeFigureOut">
               <a:rPr lang="en-GB" smtClean="0"/>
-              <a:t>02/02/2019</a:t>
+              <a:t>14/03/2019</a:t>
             </a:fld>
             <a:endParaRPr lang="en-GB" dirty="0"/>
           </a:p>
@@ -1428,7 +1428,7 @@
           <a:p>
             <a:fld id="{5F9021A5-5D2C-4FF7-8FBA-B61BDE30AE1B}" type="datetimeFigureOut">
               <a:rPr lang="en-GB" smtClean="0"/>
-              <a:t>02/02/2019</a:t>
+              <a:t>14/03/2019</a:t>
             </a:fld>
             <a:endParaRPr lang="en-GB" dirty="0"/>
           </a:p>
@@ -1843,7 +1843,7 @@
           <a:p>
             <a:fld id="{5F9021A5-5D2C-4FF7-8FBA-B61BDE30AE1B}" type="datetimeFigureOut">
               <a:rPr lang="en-GB" smtClean="0"/>
-              <a:t>02/02/2019</a:t>
+              <a:t>14/03/2019</a:t>
             </a:fld>
             <a:endParaRPr lang="en-GB" dirty="0"/>
           </a:p>
@@ -1985,7 +1985,7 @@
           <a:p>
             <a:fld id="{5F9021A5-5D2C-4FF7-8FBA-B61BDE30AE1B}" type="datetimeFigureOut">
               <a:rPr lang="en-GB" smtClean="0"/>
-              <a:t>02/02/2019</a:t>
+              <a:t>14/03/2019</a:t>
             </a:fld>
             <a:endParaRPr lang="en-GB" dirty="0"/>
           </a:p>
@@ -2098,7 +2098,7 @@
           <a:p>
             <a:fld id="{5F9021A5-5D2C-4FF7-8FBA-B61BDE30AE1B}" type="datetimeFigureOut">
               <a:rPr lang="en-GB" smtClean="0"/>
-              <a:t>02/02/2019</a:t>
+              <a:t>14/03/2019</a:t>
             </a:fld>
             <a:endParaRPr lang="en-GB" dirty="0"/>
           </a:p>
@@ -2411,7 +2411,7 @@
           <a:p>
             <a:fld id="{5F9021A5-5D2C-4FF7-8FBA-B61BDE30AE1B}" type="datetimeFigureOut">
               <a:rPr lang="en-GB" smtClean="0"/>
-              <a:t>02/02/2019</a:t>
+              <a:t>14/03/2019</a:t>
             </a:fld>
             <a:endParaRPr lang="en-GB" dirty="0"/>
           </a:p>
@@ -2700,7 +2700,7 @@
           <a:p>
             <a:fld id="{5F9021A5-5D2C-4FF7-8FBA-B61BDE30AE1B}" type="datetimeFigureOut">
               <a:rPr lang="en-GB" smtClean="0"/>
-              <a:t>02/02/2019</a:t>
+              <a:t>14/03/2019</a:t>
             </a:fld>
             <a:endParaRPr lang="en-GB" dirty="0"/>
           </a:p>
@@ -2943,7 +2943,7 @@
           <a:p>
             <a:fld id="{5F9021A5-5D2C-4FF7-8FBA-B61BDE30AE1B}" type="datetimeFigureOut">
               <a:rPr lang="en-GB" smtClean="0"/>
-              <a:t>02/02/2019</a:t>
+              <a:t>14/03/2019</a:t>
             </a:fld>
             <a:endParaRPr lang="en-GB" dirty="0"/>
           </a:p>

--- a/Visual Plan.pptx
+++ b/Visual Plan.pptx
@@ -147,7 +147,7 @@
           <p:cNvPr id="2" name="Title 1">
             <a:extLst>
               <a:ext uri="{FF2B5EF4-FFF2-40B4-BE49-F238E27FC236}">
-                <a16:creationId xmlns:a16="http://schemas.microsoft.com/office/drawing/2014/main" id="{43893EEA-2329-4BD0-B478-739A6C7ABCF0}"/>
+                <a16:creationId xmlns:a16="http://schemas.microsoft.com/office/drawing/2014/main" xmlns="" id="{43893EEA-2329-4BD0-B478-739A6C7ABCF0}"/>
               </a:ext>
             </a:extLst>
           </p:cNvPr>
@@ -185,7 +185,7 @@
           <p:cNvPr id="3" name="Subtitle 2">
             <a:extLst>
               <a:ext uri="{FF2B5EF4-FFF2-40B4-BE49-F238E27FC236}">
-                <a16:creationId xmlns:a16="http://schemas.microsoft.com/office/drawing/2014/main" id="{531605D0-F659-4B16-AC48-FAB20C96C441}"/>
+                <a16:creationId xmlns:a16="http://schemas.microsoft.com/office/drawing/2014/main" xmlns="" id="{531605D0-F659-4B16-AC48-FAB20C96C441}"/>
               </a:ext>
             </a:extLst>
           </p:cNvPr>
@@ -256,7 +256,7 @@
           <p:cNvPr id="4" name="Date Placeholder 3">
             <a:extLst>
               <a:ext uri="{FF2B5EF4-FFF2-40B4-BE49-F238E27FC236}">
-                <a16:creationId xmlns:a16="http://schemas.microsoft.com/office/drawing/2014/main" id="{93D4AC05-CC9D-42D0-84E8-09581B533C5C}"/>
+                <a16:creationId xmlns:a16="http://schemas.microsoft.com/office/drawing/2014/main" xmlns="" id="{93D4AC05-CC9D-42D0-84E8-09581B533C5C}"/>
               </a:ext>
             </a:extLst>
           </p:cNvPr>
@@ -274,7 +274,7 @@
           <a:p>
             <a:fld id="{5F9021A5-5D2C-4FF7-8FBA-B61BDE30AE1B}" type="datetimeFigureOut">
               <a:rPr lang="en-GB" smtClean="0"/>
-              <a:t>14/03/2019</a:t>
+              <a:t>30/03/2019</a:t>
             </a:fld>
             <a:endParaRPr lang="en-GB" dirty="0"/>
           </a:p>
@@ -285,7 +285,7 @@
           <p:cNvPr id="5" name="Footer Placeholder 4">
             <a:extLst>
               <a:ext uri="{FF2B5EF4-FFF2-40B4-BE49-F238E27FC236}">
-                <a16:creationId xmlns:a16="http://schemas.microsoft.com/office/drawing/2014/main" id="{46743398-C54D-4A57-BF5E-2F9CCBF7AD8E}"/>
+                <a16:creationId xmlns:a16="http://schemas.microsoft.com/office/drawing/2014/main" xmlns="" id="{46743398-C54D-4A57-BF5E-2F9CCBF7AD8E}"/>
               </a:ext>
             </a:extLst>
           </p:cNvPr>
@@ -310,7 +310,7 @@
           <p:cNvPr id="6" name="Slide Number Placeholder 5">
             <a:extLst>
               <a:ext uri="{FF2B5EF4-FFF2-40B4-BE49-F238E27FC236}">
-                <a16:creationId xmlns:a16="http://schemas.microsoft.com/office/drawing/2014/main" id="{293D33B5-B583-4617-A9FB-E821C101CC1C}"/>
+                <a16:creationId xmlns:a16="http://schemas.microsoft.com/office/drawing/2014/main" xmlns="" id="{293D33B5-B583-4617-A9FB-E821C101CC1C}"/>
               </a:ext>
             </a:extLst>
           </p:cNvPr>
@@ -369,7 +369,7 @@
           <p:cNvPr id="2" name="Title 1">
             <a:extLst>
               <a:ext uri="{FF2B5EF4-FFF2-40B4-BE49-F238E27FC236}">
-                <a16:creationId xmlns:a16="http://schemas.microsoft.com/office/drawing/2014/main" id="{314ADEF8-05FE-4481-A0CD-4171AAE11D48}"/>
+                <a16:creationId xmlns:a16="http://schemas.microsoft.com/office/drawing/2014/main" xmlns="" id="{314ADEF8-05FE-4481-A0CD-4171AAE11D48}"/>
               </a:ext>
             </a:extLst>
           </p:cNvPr>
@@ -398,7 +398,7 @@
           <p:cNvPr id="3" name="Vertical Text Placeholder 2">
             <a:extLst>
               <a:ext uri="{FF2B5EF4-FFF2-40B4-BE49-F238E27FC236}">
-                <a16:creationId xmlns:a16="http://schemas.microsoft.com/office/drawing/2014/main" id="{5E908463-0914-4437-A47B-D68282B6FB8C}"/>
+                <a16:creationId xmlns:a16="http://schemas.microsoft.com/office/drawing/2014/main" xmlns="" id="{5E908463-0914-4437-A47B-D68282B6FB8C}"/>
               </a:ext>
             </a:extLst>
           </p:cNvPr>
@@ -456,7 +456,7 @@
           <p:cNvPr id="4" name="Date Placeholder 3">
             <a:extLst>
               <a:ext uri="{FF2B5EF4-FFF2-40B4-BE49-F238E27FC236}">
-                <a16:creationId xmlns:a16="http://schemas.microsoft.com/office/drawing/2014/main" id="{81D83EF5-AF96-4C6C-B681-1D0F9EA551CA}"/>
+                <a16:creationId xmlns:a16="http://schemas.microsoft.com/office/drawing/2014/main" xmlns="" id="{81D83EF5-AF96-4C6C-B681-1D0F9EA551CA}"/>
               </a:ext>
             </a:extLst>
           </p:cNvPr>
@@ -474,7 +474,7 @@
           <a:p>
             <a:fld id="{5F9021A5-5D2C-4FF7-8FBA-B61BDE30AE1B}" type="datetimeFigureOut">
               <a:rPr lang="en-GB" smtClean="0"/>
-              <a:t>14/03/2019</a:t>
+              <a:t>30/03/2019</a:t>
             </a:fld>
             <a:endParaRPr lang="en-GB" dirty="0"/>
           </a:p>
@@ -485,7 +485,7 @@
           <p:cNvPr id="5" name="Footer Placeholder 4">
             <a:extLst>
               <a:ext uri="{FF2B5EF4-FFF2-40B4-BE49-F238E27FC236}">
-                <a16:creationId xmlns:a16="http://schemas.microsoft.com/office/drawing/2014/main" id="{879BFB5F-577E-4981-9AE6-B24D3E539B48}"/>
+                <a16:creationId xmlns:a16="http://schemas.microsoft.com/office/drawing/2014/main" xmlns="" id="{879BFB5F-577E-4981-9AE6-B24D3E539B48}"/>
               </a:ext>
             </a:extLst>
           </p:cNvPr>
@@ -510,7 +510,7 @@
           <p:cNvPr id="6" name="Slide Number Placeholder 5">
             <a:extLst>
               <a:ext uri="{FF2B5EF4-FFF2-40B4-BE49-F238E27FC236}">
-                <a16:creationId xmlns:a16="http://schemas.microsoft.com/office/drawing/2014/main" id="{D7820A4B-1CBA-4F7A-80C2-D60C2D0EF088}"/>
+                <a16:creationId xmlns:a16="http://schemas.microsoft.com/office/drawing/2014/main" xmlns="" id="{D7820A4B-1CBA-4F7A-80C2-D60C2D0EF088}"/>
               </a:ext>
             </a:extLst>
           </p:cNvPr>
@@ -569,7 +569,7 @@
           <p:cNvPr id="2" name="Vertical Title 1">
             <a:extLst>
               <a:ext uri="{FF2B5EF4-FFF2-40B4-BE49-F238E27FC236}">
-                <a16:creationId xmlns:a16="http://schemas.microsoft.com/office/drawing/2014/main" id="{DB1495EA-AD95-4217-ADFE-C74EE06F7230}"/>
+                <a16:creationId xmlns:a16="http://schemas.microsoft.com/office/drawing/2014/main" xmlns="" id="{DB1495EA-AD95-4217-ADFE-C74EE06F7230}"/>
               </a:ext>
             </a:extLst>
           </p:cNvPr>
@@ -603,7 +603,7 @@
           <p:cNvPr id="3" name="Vertical Text Placeholder 2">
             <a:extLst>
               <a:ext uri="{FF2B5EF4-FFF2-40B4-BE49-F238E27FC236}">
-                <a16:creationId xmlns:a16="http://schemas.microsoft.com/office/drawing/2014/main" id="{48459CC8-1F49-4AD5-B4F5-DE425DE64018}"/>
+                <a16:creationId xmlns:a16="http://schemas.microsoft.com/office/drawing/2014/main" xmlns="" id="{48459CC8-1F49-4AD5-B4F5-DE425DE64018}"/>
               </a:ext>
             </a:extLst>
           </p:cNvPr>
@@ -666,7 +666,7 @@
           <p:cNvPr id="4" name="Date Placeholder 3">
             <a:extLst>
               <a:ext uri="{FF2B5EF4-FFF2-40B4-BE49-F238E27FC236}">
-                <a16:creationId xmlns:a16="http://schemas.microsoft.com/office/drawing/2014/main" id="{646BFF7C-62E9-445A-AA43-951D025A0B29}"/>
+                <a16:creationId xmlns:a16="http://schemas.microsoft.com/office/drawing/2014/main" xmlns="" id="{646BFF7C-62E9-445A-AA43-951D025A0B29}"/>
               </a:ext>
             </a:extLst>
           </p:cNvPr>
@@ -684,7 +684,7 @@
           <a:p>
             <a:fld id="{5F9021A5-5D2C-4FF7-8FBA-B61BDE30AE1B}" type="datetimeFigureOut">
               <a:rPr lang="en-GB" smtClean="0"/>
-              <a:t>14/03/2019</a:t>
+              <a:t>30/03/2019</a:t>
             </a:fld>
             <a:endParaRPr lang="en-GB" dirty="0"/>
           </a:p>
@@ -695,7 +695,7 @@
           <p:cNvPr id="5" name="Footer Placeholder 4">
             <a:extLst>
               <a:ext uri="{FF2B5EF4-FFF2-40B4-BE49-F238E27FC236}">
-                <a16:creationId xmlns:a16="http://schemas.microsoft.com/office/drawing/2014/main" id="{3F3DF7E9-367F-4DF0-B4C9-6DB26AA61F6F}"/>
+                <a16:creationId xmlns:a16="http://schemas.microsoft.com/office/drawing/2014/main" xmlns="" id="{3F3DF7E9-367F-4DF0-B4C9-6DB26AA61F6F}"/>
               </a:ext>
             </a:extLst>
           </p:cNvPr>
@@ -720,7 +720,7 @@
           <p:cNvPr id="6" name="Slide Number Placeholder 5">
             <a:extLst>
               <a:ext uri="{FF2B5EF4-FFF2-40B4-BE49-F238E27FC236}">
-                <a16:creationId xmlns:a16="http://schemas.microsoft.com/office/drawing/2014/main" id="{636A9102-5136-4872-BE70-EC792DFF0419}"/>
+                <a16:creationId xmlns:a16="http://schemas.microsoft.com/office/drawing/2014/main" xmlns="" id="{636A9102-5136-4872-BE70-EC792DFF0419}"/>
               </a:ext>
             </a:extLst>
           </p:cNvPr>
@@ -779,7 +779,7 @@
           <p:cNvPr id="2" name="Title 1">
             <a:extLst>
               <a:ext uri="{FF2B5EF4-FFF2-40B4-BE49-F238E27FC236}">
-                <a16:creationId xmlns:a16="http://schemas.microsoft.com/office/drawing/2014/main" id="{ED3170B7-C55B-43D2-87DB-7F752FE3F129}"/>
+                <a16:creationId xmlns:a16="http://schemas.microsoft.com/office/drawing/2014/main" xmlns="" id="{ED3170B7-C55B-43D2-87DB-7F752FE3F129}"/>
               </a:ext>
             </a:extLst>
           </p:cNvPr>
@@ -808,7 +808,7 @@
           <p:cNvPr id="3" name="Content Placeholder 2">
             <a:extLst>
               <a:ext uri="{FF2B5EF4-FFF2-40B4-BE49-F238E27FC236}">
-                <a16:creationId xmlns:a16="http://schemas.microsoft.com/office/drawing/2014/main" id="{EBEFDF05-3DA5-468F-9962-9DEBFA346A5E}"/>
+                <a16:creationId xmlns:a16="http://schemas.microsoft.com/office/drawing/2014/main" xmlns="" id="{EBEFDF05-3DA5-468F-9962-9DEBFA346A5E}"/>
               </a:ext>
             </a:extLst>
           </p:cNvPr>
@@ -866,7 +866,7 @@
           <p:cNvPr id="4" name="Date Placeholder 3">
             <a:extLst>
               <a:ext uri="{FF2B5EF4-FFF2-40B4-BE49-F238E27FC236}">
-                <a16:creationId xmlns:a16="http://schemas.microsoft.com/office/drawing/2014/main" id="{4C6D3837-121B-454C-9B58-89764A7CDCF4}"/>
+                <a16:creationId xmlns:a16="http://schemas.microsoft.com/office/drawing/2014/main" xmlns="" id="{4C6D3837-121B-454C-9B58-89764A7CDCF4}"/>
               </a:ext>
             </a:extLst>
           </p:cNvPr>
@@ -884,7 +884,7 @@
           <a:p>
             <a:fld id="{5F9021A5-5D2C-4FF7-8FBA-B61BDE30AE1B}" type="datetimeFigureOut">
               <a:rPr lang="en-GB" smtClean="0"/>
-              <a:t>14/03/2019</a:t>
+              <a:t>30/03/2019</a:t>
             </a:fld>
             <a:endParaRPr lang="en-GB" dirty="0"/>
           </a:p>
@@ -895,7 +895,7 @@
           <p:cNvPr id="5" name="Footer Placeholder 4">
             <a:extLst>
               <a:ext uri="{FF2B5EF4-FFF2-40B4-BE49-F238E27FC236}">
-                <a16:creationId xmlns:a16="http://schemas.microsoft.com/office/drawing/2014/main" id="{92837F7C-94A1-499C-B0B9-FEB23234D3A1}"/>
+                <a16:creationId xmlns:a16="http://schemas.microsoft.com/office/drawing/2014/main" xmlns="" id="{92837F7C-94A1-499C-B0B9-FEB23234D3A1}"/>
               </a:ext>
             </a:extLst>
           </p:cNvPr>
@@ -920,7 +920,7 @@
           <p:cNvPr id="6" name="Slide Number Placeholder 5">
             <a:extLst>
               <a:ext uri="{FF2B5EF4-FFF2-40B4-BE49-F238E27FC236}">
-                <a16:creationId xmlns:a16="http://schemas.microsoft.com/office/drawing/2014/main" id="{5A9AB361-1F50-493B-9CEA-1C308245FCAC}"/>
+                <a16:creationId xmlns:a16="http://schemas.microsoft.com/office/drawing/2014/main" xmlns="" id="{5A9AB361-1F50-493B-9CEA-1C308245FCAC}"/>
               </a:ext>
             </a:extLst>
           </p:cNvPr>
@@ -979,7 +979,7 @@
           <p:cNvPr id="2" name="Title 1">
             <a:extLst>
               <a:ext uri="{FF2B5EF4-FFF2-40B4-BE49-F238E27FC236}">
-                <a16:creationId xmlns:a16="http://schemas.microsoft.com/office/drawing/2014/main" id="{A17FBDA1-9A04-4813-999D-D3EF005F657B}"/>
+                <a16:creationId xmlns:a16="http://schemas.microsoft.com/office/drawing/2014/main" xmlns="" id="{A17FBDA1-9A04-4813-999D-D3EF005F657B}"/>
               </a:ext>
             </a:extLst>
           </p:cNvPr>
@@ -1017,7 +1017,7 @@
           <p:cNvPr id="3" name="Text Placeholder 2">
             <a:extLst>
               <a:ext uri="{FF2B5EF4-FFF2-40B4-BE49-F238E27FC236}">
-                <a16:creationId xmlns:a16="http://schemas.microsoft.com/office/drawing/2014/main" id="{49A7C322-5A28-4763-9759-05815EBAF58D}"/>
+                <a16:creationId xmlns:a16="http://schemas.microsoft.com/office/drawing/2014/main" xmlns="" id="{49A7C322-5A28-4763-9759-05815EBAF58D}"/>
               </a:ext>
             </a:extLst>
           </p:cNvPr>
@@ -1142,7 +1142,7 @@
           <p:cNvPr id="4" name="Date Placeholder 3">
             <a:extLst>
               <a:ext uri="{FF2B5EF4-FFF2-40B4-BE49-F238E27FC236}">
-                <a16:creationId xmlns:a16="http://schemas.microsoft.com/office/drawing/2014/main" id="{43B08A97-8825-4B0E-B6FA-C30D395BE6D1}"/>
+                <a16:creationId xmlns:a16="http://schemas.microsoft.com/office/drawing/2014/main" xmlns="" id="{43B08A97-8825-4B0E-B6FA-C30D395BE6D1}"/>
               </a:ext>
             </a:extLst>
           </p:cNvPr>
@@ -1160,7 +1160,7 @@
           <a:p>
             <a:fld id="{5F9021A5-5D2C-4FF7-8FBA-B61BDE30AE1B}" type="datetimeFigureOut">
               <a:rPr lang="en-GB" smtClean="0"/>
-              <a:t>14/03/2019</a:t>
+              <a:t>30/03/2019</a:t>
             </a:fld>
             <a:endParaRPr lang="en-GB" dirty="0"/>
           </a:p>
@@ -1171,7 +1171,7 @@
           <p:cNvPr id="5" name="Footer Placeholder 4">
             <a:extLst>
               <a:ext uri="{FF2B5EF4-FFF2-40B4-BE49-F238E27FC236}">
-                <a16:creationId xmlns:a16="http://schemas.microsoft.com/office/drawing/2014/main" id="{E2A7D5A2-489A-44BE-95BA-C41FF13D1C65}"/>
+                <a16:creationId xmlns:a16="http://schemas.microsoft.com/office/drawing/2014/main" xmlns="" id="{E2A7D5A2-489A-44BE-95BA-C41FF13D1C65}"/>
               </a:ext>
             </a:extLst>
           </p:cNvPr>
@@ -1196,7 +1196,7 @@
           <p:cNvPr id="6" name="Slide Number Placeholder 5">
             <a:extLst>
               <a:ext uri="{FF2B5EF4-FFF2-40B4-BE49-F238E27FC236}">
-                <a16:creationId xmlns:a16="http://schemas.microsoft.com/office/drawing/2014/main" id="{7772E596-F9BA-4EA1-B777-69A74090D7FB}"/>
+                <a16:creationId xmlns:a16="http://schemas.microsoft.com/office/drawing/2014/main" xmlns="" id="{7772E596-F9BA-4EA1-B777-69A74090D7FB}"/>
               </a:ext>
             </a:extLst>
           </p:cNvPr>
@@ -1255,7 +1255,7 @@
           <p:cNvPr id="2" name="Title 1">
             <a:extLst>
               <a:ext uri="{FF2B5EF4-FFF2-40B4-BE49-F238E27FC236}">
-                <a16:creationId xmlns:a16="http://schemas.microsoft.com/office/drawing/2014/main" id="{AA18BF10-E166-4004-B0EB-5269B3668265}"/>
+                <a16:creationId xmlns:a16="http://schemas.microsoft.com/office/drawing/2014/main" xmlns="" id="{AA18BF10-E166-4004-B0EB-5269B3668265}"/>
               </a:ext>
             </a:extLst>
           </p:cNvPr>
@@ -1284,7 +1284,7 @@
           <p:cNvPr id="3" name="Content Placeholder 2">
             <a:extLst>
               <a:ext uri="{FF2B5EF4-FFF2-40B4-BE49-F238E27FC236}">
-                <a16:creationId xmlns:a16="http://schemas.microsoft.com/office/drawing/2014/main" id="{333510AE-E4AB-4DF1-875B-EC5FD0F0F1A5}"/>
+                <a16:creationId xmlns:a16="http://schemas.microsoft.com/office/drawing/2014/main" xmlns="" id="{333510AE-E4AB-4DF1-875B-EC5FD0F0F1A5}"/>
               </a:ext>
             </a:extLst>
           </p:cNvPr>
@@ -1347,7 +1347,7 @@
           <p:cNvPr id="4" name="Content Placeholder 3">
             <a:extLst>
               <a:ext uri="{FF2B5EF4-FFF2-40B4-BE49-F238E27FC236}">
-                <a16:creationId xmlns:a16="http://schemas.microsoft.com/office/drawing/2014/main" id="{5403E092-1374-49AB-991A-C900840AB9C5}"/>
+                <a16:creationId xmlns:a16="http://schemas.microsoft.com/office/drawing/2014/main" xmlns="" id="{5403E092-1374-49AB-991A-C900840AB9C5}"/>
               </a:ext>
             </a:extLst>
           </p:cNvPr>
@@ -1410,7 +1410,7 @@
           <p:cNvPr id="5" name="Date Placeholder 4">
             <a:extLst>
               <a:ext uri="{FF2B5EF4-FFF2-40B4-BE49-F238E27FC236}">
-                <a16:creationId xmlns:a16="http://schemas.microsoft.com/office/drawing/2014/main" id="{3A5F1F22-838A-4EC3-8DE2-25F126F5BE77}"/>
+                <a16:creationId xmlns:a16="http://schemas.microsoft.com/office/drawing/2014/main" xmlns="" id="{3A5F1F22-838A-4EC3-8DE2-25F126F5BE77}"/>
               </a:ext>
             </a:extLst>
           </p:cNvPr>
@@ -1428,7 +1428,7 @@
           <a:p>
             <a:fld id="{5F9021A5-5D2C-4FF7-8FBA-B61BDE30AE1B}" type="datetimeFigureOut">
               <a:rPr lang="en-GB" smtClean="0"/>
-              <a:t>14/03/2019</a:t>
+              <a:t>30/03/2019</a:t>
             </a:fld>
             <a:endParaRPr lang="en-GB" dirty="0"/>
           </a:p>
@@ -1439,7 +1439,7 @@
           <p:cNvPr id="6" name="Footer Placeholder 5">
             <a:extLst>
               <a:ext uri="{FF2B5EF4-FFF2-40B4-BE49-F238E27FC236}">
-                <a16:creationId xmlns:a16="http://schemas.microsoft.com/office/drawing/2014/main" id="{884FA1F6-2855-4448-8E6C-887074463914}"/>
+                <a16:creationId xmlns:a16="http://schemas.microsoft.com/office/drawing/2014/main" xmlns="" id="{884FA1F6-2855-4448-8E6C-887074463914}"/>
               </a:ext>
             </a:extLst>
           </p:cNvPr>
@@ -1464,7 +1464,7 @@
           <p:cNvPr id="7" name="Slide Number Placeholder 6">
             <a:extLst>
               <a:ext uri="{FF2B5EF4-FFF2-40B4-BE49-F238E27FC236}">
-                <a16:creationId xmlns:a16="http://schemas.microsoft.com/office/drawing/2014/main" id="{192DFC1C-DC54-4391-BC39-EFE932710B9D}"/>
+                <a16:creationId xmlns:a16="http://schemas.microsoft.com/office/drawing/2014/main" xmlns="" id="{192DFC1C-DC54-4391-BC39-EFE932710B9D}"/>
               </a:ext>
             </a:extLst>
           </p:cNvPr>
@@ -1523,7 +1523,7 @@
           <p:cNvPr id="2" name="Title 1">
             <a:extLst>
               <a:ext uri="{FF2B5EF4-FFF2-40B4-BE49-F238E27FC236}">
-                <a16:creationId xmlns:a16="http://schemas.microsoft.com/office/drawing/2014/main" id="{F35FB1A5-06D9-45FF-9AFB-C4F0C69E68D7}"/>
+                <a16:creationId xmlns:a16="http://schemas.microsoft.com/office/drawing/2014/main" xmlns="" id="{F35FB1A5-06D9-45FF-9AFB-C4F0C69E68D7}"/>
               </a:ext>
             </a:extLst>
           </p:cNvPr>
@@ -1557,7 +1557,7 @@
           <p:cNvPr id="3" name="Text Placeholder 2">
             <a:extLst>
               <a:ext uri="{FF2B5EF4-FFF2-40B4-BE49-F238E27FC236}">
-                <a16:creationId xmlns:a16="http://schemas.microsoft.com/office/drawing/2014/main" id="{50084235-CC21-448C-98EE-C8FED28F8B67}"/>
+                <a16:creationId xmlns:a16="http://schemas.microsoft.com/office/drawing/2014/main" xmlns="" id="{50084235-CC21-448C-98EE-C8FED28F8B67}"/>
               </a:ext>
             </a:extLst>
           </p:cNvPr>
@@ -1628,7 +1628,7 @@
           <p:cNvPr id="4" name="Content Placeholder 3">
             <a:extLst>
               <a:ext uri="{FF2B5EF4-FFF2-40B4-BE49-F238E27FC236}">
-                <a16:creationId xmlns:a16="http://schemas.microsoft.com/office/drawing/2014/main" id="{7D6955AF-5C0F-4296-A116-5CD28C92E290}"/>
+                <a16:creationId xmlns:a16="http://schemas.microsoft.com/office/drawing/2014/main" xmlns="" id="{7D6955AF-5C0F-4296-A116-5CD28C92E290}"/>
               </a:ext>
             </a:extLst>
           </p:cNvPr>
@@ -1691,7 +1691,7 @@
           <p:cNvPr id="5" name="Text Placeholder 4">
             <a:extLst>
               <a:ext uri="{FF2B5EF4-FFF2-40B4-BE49-F238E27FC236}">
-                <a16:creationId xmlns:a16="http://schemas.microsoft.com/office/drawing/2014/main" id="{58A0C3B2-4658-4D67-A3FF-49F1C083E97E}"/>
+                <a16:creationId xmlns:a16="http://schemas.microsoft.com/office/drawing/2014/main" xmlns="" id="{58A0C3B2-4658-4D67-A3FF-49F1C083E97E}"/>
               </a:ext>
             </a:extLst>
           </p:cNvPr>
@@ -1762,7 +1762,7 @@
           <p:cNvPr id="6" name="Content Placeholder 5">
             <a:extLst>
               <a:ext uri="{FF2B5EF4-FFF2-40B4-BE49-F238E27FC236}">
-                <a16:creationId xmlns:a16="http://schemas.microsoft.com/office/drawing/2014/main" id="{21D4CD37-FE65-4127-B060-B3E7323C5C93}"/>
+                <a16:creationId xmlns:a16="http://schemas.microsoft.com/office/drawing/2014/main" xmlns="" id="{21D4CD37-FE65-4127-B060-B3E7323C5C93}"/>
               </a:ext>
             </a:extLst>
           </p:cNvPr>
@@ -1825,7 +1825,7 @@
           <p:cNvPr id="7" name="Date Placeholder 6">
             <a:extLst>
               <a:ext uri="{FF2B5EF4-FFF2-40B4-BE49-F238E27FC236}">
-                <a16:creationId xmlns:a16="http://schemas.microsoft.com/office/drawing/2014/main" id="{645BB935-10CF-49D0-9C83-6AE073BB7BA2}"/>
+                <a16:creationId xmlns:a16="http://schemas.microsoft.com/office/drawing/2014/main" xmlns="" id="{645BB935-10CF-49D0-9C83-6AE073BB7BA2}"/>
               </a:ext>
             </a:extLst>
           </p:cNvPr>
@@ -1843,7 +1843,7 @@
           <a:p>
             <a:fld id="{5F9021A5-5D2C-4FF7-8FBA-B61BDE30AE1B}" type="datetimeFigureOut">
               <a:rPr lang="en-GB" smtClean="0"/>
-              <a:t>14/03/2019</a:t>
+              <a:t>30/03/2019</a:t>
             </a:fld>
             <a:endParaRPr lang="en-GB" dirty="0"/>
           </a:p>
@@ -1854,7 +1854,7 @@
           <p:cNvPr id="8" name="Footer Placeholder 7">
             <a:extLst>
               <a:ext uri="{FF2B5EF4-FFF2-40B4-BE49-F238E27FC236}">
-                <a16:creationId xmlns:a16="http://schemas.microsoft.com/office/drawing/2014/main" id="{66189B88-9CE4-44FF-BC06-2CA077FFA825}"/>
+                <a16:creationId xmlns:a16="http://schemas.microsoft.com/office/drawing/2014/main" xmlns="" id="{66189B88-9CE4-44FF-BC06-2CA077FFA825}"/>
               </a:ext>
             </a:extLst>
           </p:cNvPr>
@@ -1879,7 +1879,7 @@
           <p:cNvPr id="9" name="Slide Number Placeholder 8">
             <a:extLst>
               <a:ext uri="{FF2B5EF4-FFF2-40B4-BE49-F238E27FC236}">
-                <a16:creationId xmlns:a16="http://schemas.microsoft.com/office/drawing/2014/main" id="{05E0D7D3-5513-4B83-B7B5-23F6F2952FBE}"/>
+                <a16:creationId xmlns:a16="http://schemas.microsoft.com/office/drawing/2014/main" xmlns="" id="{05E0D7D3-5513-4B83-B7B5-23F6F2952FBE}"/>
               </a:ext>
             </a:extLst>
           </p:cNvPr>
@@ -1938,7 +1938,7 @@
           <p:cNvPr id="2" name="Title 1">
             <a:extLst>
               <a:ext uri="{FF2B5EF4-FFF2-40B4-BE49-F238E27FC236}">
-                <a16:creationId xmlns:a16="http://schemas.microsoft.com/office/drawing/2014/main" id="{200DF880-9650-47A3-B764-4A8EE9FF4B53}"/>
+                <a16:creationId xmlns:a16="http://schemas.microsoft.com/office/drawing/2014/main" xmlns="" id="{200DF880-9650-47A3-B764-4A8EE9FF4B53}"/>
               </a:ext>
             </a:extLst>
           </p:cNvPr>
@@ -1967,7 +1967,7 @@
           <p:cNvPr id="3" name="Date Placeholder 2">
             <a:extLst>
               <a:ext uri="{FF2B5EF4-FFF2-40B4-BE49-F238E27FC236}">
-                <a16:creationId xmlns:a16="http://schemas.microsoft.com/office/drawing/2014/main" id="{74259FFF-FD9C-4749-98DA-29A82BEBA21F}"/>
+                <a16:creationId xmlns:a16="http://schemas.microsoft.com/office/drawing/2014/main" xmlns="" id="{74259FFF-FD9C-4749-98DA-29A82BEBA21F}"/>
               </a:ext>
             </a:extLst>
           </p:cNvPr>
@@ -1985,7 +1985,7 @@
           <a:p>
             <a:fld id="{5F9021A5-5D2C-4FF7-8FBA-B61BDE30AE1B}" type="datetimeFigureOut">
               <a:rPr lang="en-GB" smtClean="0"/>
-              <a:t>14/03/2019</a:t>
+              <a:t>30/03/2019</a:t>
             </a:fld>
             <a:endParaRPr lang="en-GB" dirty="0"/>
           </a:p>
@@ -1996,7 +1996,7 @@
           <p:cNvPr id="4" name="Footer Placeholder 3">
             <a:extLst>
               <a:ext uri="{FF2B5EF4-FFF2-40B4-BE49-F238E27FC236}">
-                <a16:creationId xmlns:a16="http://schemas.microsoft.com/office/drawing/2014/main" id="{0C93E6D4-42C7-4396-83F5-C706FABE2BB2}"/>
+                <a16:creationId xmlns:a16="http://schemas.microsoft.com/office/drawing/2014/main" xmlns="" id="{0C93E6D4-42C7-4396-83F5-C706FABE2BB2}"/>
               </a:ext>
             </a:extLst>
           </p:cNvPr>
@@ -2021,7 +2021,7 @@
           <p:cNvPr id="5" name="Slide Number Placeholder 4">
             <a:extLst>
               <a:ext uri="{FF2B5EF4-FFF2-40B4-BE49-F238E27FC236}">
-                <a16:creationId xmlns:a16="http://schemas.microsoft.com/office/drawing/2014/main" id="{751E6D9E-3936-46CA-85A8-0E03995DC49A}"/>
+                <a16:creationId xmlns:a16="http://schemas.microsoft.com/office/drawing/2014/main" xmlns="" id="{751E6D9E-3936-46CA-85A8-0E03995DC49A}"/>
               </a:ext>
             </a:extLst>
           </p:cNvPr>
@@ -2080,7 +2080,7 @@
           <p:cNvPr id="2" name="Date Placeholder 1">
             <a:extLst>
               <a:ext uri="{FF2B5EF4-FFF2-40B4-BE49-F238E27FC236}">
-                <a16:creationId xmlns:a16="http://schemas.microsoft.com/office/drawing/2014/main" id="{FE2556F9-C98E-4E78-AE79-E9A3E8EC0A1F}"/>
+                <a16:creationId xmlns:a16="http://schemas.microsoft.com/office/drawing/2014/main" xmlns="" id="{FE2556F9-C98E-4E78-AE79-E9A3E8EC0A1F}"/>
               </a:ext>
             </a:extLst>
           </p:cNvPr>
@@ -2098,7 +2098,7 @@
           <a:p>
             <a:fld id="{5F9021A5-5D2C-4FF7-8FBA-B61BDE30AE1B}" type="datetimeFigureOut">
               <a:rPr lang="en-GB" smtClean="0"/>
-              <a:t>14/03/2019</a:t>
+              <a:t>30/03/2019</a:t>
             </a:fld>
             <a:endParaRPr lang="en-GB" dirty="0"/>
           </a:p>
@@ -2109,7 +2109,7 @@
           <p:cNvPr id="3" name="Footer Placeholder 2">
             <a:extLst>
               <a:ext uri="{FF2B5EF4-FFF2-40B4-BE49-F238E27FC236}">
-                <a16:creationId xmlns:a16="http://schemas.microsoft.com/office/drawing/2014/main" id="{5E58EFB7-EF90-4E5C-88BB-C67B2E6D5FCA}"/>
+                <a16:creationId xmlns:a16="http://schemas.microsoft.com/office/drawing/2014/main" xmlns="" id="{5E58EFB7-EF90-4E5C-88BB-C67B2E6D5FCA}"/>
               </a:ext>
             </a:extLst>
           </p:cNvPr>
@@ -2134,7 +2134,7 @@
           <p:cNvPr id="4" name="Slide Number Placeholder 3">
             <a:extLst>
               <a:ext uri="{FF2B5EF4-FFF2-40B4-BE49-F238E27FC236}">
-                <a16:creationId xmlns:a16="http://schemas.microsoft.com/office/drawing/2014/main" id="{E9539145-7624-4814-9BFE-B315EDCE9F72}"/>
+                <a16:creationId xmlns:a16="http://schemas.microsoft.com/office/drawing/2014/main" xmlns="" id="{E9539145-7624-4814-9BFE-B315EDCE9F72}"/>
               </a:ext>
             </a:extLst>
           </p:cNvPr>
@@ -2193,7 +2193,7 @@
           <p:cNvPr id="2" name="Title 1">
             <a:extLst>
               <a:ext uri="{FF2B5EF4-FFF2-40B4-BE49-F238E27FC236}">
-                <a16:creationId xmlns:a16="http://schemas.microsoft.com/office/drawing/2014/main" id="{14E37E2D-94B8-4937-9D19-073CF5073DCA}"/>
+                <a16:creationId xmlns:a16="http://schemas.microsoft.com/office/drawing/2014/main" xmlns="" id="{14E37E2D-94B8-4937-9D19-073CF5073DCA}"/>
               </a:ext>
             </a:extLst>
           </p:cNvPr>
@@ -2231,7 +2231,7 @@
           <p:cNvPr id="3" name="Content Placeholder 2">
             <a:extLst>
               <a:ext uri="{FF2B5EF4-FFF2-40B4-BE49-F238E27FC236}">
-                <a16:creationId xmlns:a16="http://schemas.microsoft.com/office/drawing/2014/main" id="{26BF1181-E9F7-4D60-B81C-A8AC8024327A}"/>
+                <a16:creationId xmlns:a16="http://schemas.microsoft.com/office/drawing/2014/main" xmlns="" id="{26BF1181-E9F7-4D60-B81C-A8AC8024327A}"/>
               </a:ext>
             </a:extLst>
           </p:cNvPr>
@@ -2322,7 +2322,7 @@
           <p:cNvPr id="4" name="Text Placeholder 3">
             <a:extLst>
               <a:ext uri="{FF2B5EF4-FFF2-40B4-BE49-F238E27FC236}">
-                <a16:creationId xmlns:a16="http://schemas.microsoft.com/office/drawing/2014/main" id="{9433EB85-D118-401F-92A7-15F6C5BBAD38}"/>
+                <a16:creationId xmlns:a16="http://schemas.microsoft.com/office/drawing/2014/main" xmlns="" id="{9433EB85-D118-401F-92A7-15F6C5BBAD38}"/>
               </a:ext>
             </a:extLst>
           </p:cNvPr>
@@ -2393,7 +2393,7 @@
           <p:cNvPr id="5" name="Date Placeholder 4">
             <a:extLst>
               <a:ext uri="{FF2B5EF4-FFF2-40B4-BE49-F238E27FC236}">
-                <a16:creationId xmlns:a16="http://schemas.microsoft.com/office/drawing/2014/main" id="{DA607528-5B49-4DD3-9132-30881DE87B4D}"/>
+                <a16:creationId xmlns:a16="http://schemas.microsoft.com/office/drawing/2014/main" xmlns="" id="{DA607528-5B49-4DD3-9132-30881DE87B4D}"/>
               </a:ext>
             </a:extLst>
           </p:cNvPr>
@@ -2411,7 +2411,7 @@
           <a:p>
             <a:fld id="{5F9021A5-5D2C-4FF7-8FBA-B61BDE30AE1B}" type="datetimeFigureOut">
               <a:rPr lang="en-GB" smtClean="0"/>
-              <a:t>14/03/2019</a:t>
+              <a:t>30/03/2019</a:t>
             </a:fld>
             <a:endParaRPr lang="en-GB" dirty="0"/>
           </a:p>
@@ -2422,7 +2422,7 @@
           <p:cNvPr id="6" name="Footer Placeholder 5">
             <a:extLst>
               <a:ext uri="{FF2B5EF4-FFF2-40B4-BE49-F238E27FC236}">
-                <a16:creationId xmlns:a16="http://schemas.microsoft.com/office/drawing/2014/main" id="{455BA862-992C-43CA-B5C2-4C0430B2F039}"/>
+                <a16:creationId xmlns:a16="http://schemas.microsoft.com/office/drawing/2014/main" xmlns="" id="{455BA862-992C-43CA-B5C2-4C0430B2F039}"/>
               </a:ext>
             </a:extLst>
           </p:cNvPr>
@@ -2447,7 +2447,7 @@
           <p:cNvPr id="7" name="Slide Number Placeholder 6">
             <a:extLst>
               <a:ext uri="{FF2B5EF4-FFF2-40B4-BE49-F238E27FC236}">
-                <a16:creationId xmlns:a16="http://schemas.microsoft.com/office/drawing/2014/main" id="{38D26D8D-2712-4B8C-BF2E-9C5B39AEBD41}"/>
+                <a16:creationId xmlns:a16="http://schemas.microsoft.com/office/drawing/2014/main" xmlns="" id="{38D26D8D-2712-4B8C-BF2E-9C5B39AEBD41}"/>
               </a:ext>
             </a:extLst>
           </p:cNvPr>
@@ -2506,7 +2506,7 @@
           <p:cNvPr id="2" name="Title 1">
             <a:extLst>
               <a:ext uri="{FF2B5EF4-FFF2-40B4-BE49-F238E27FC236}">
-                <a16:creationId xmlns:a16="http://schemas.microsoft.com/office/drawing/2014/main" id="{17A725E2-032B-437C-AB44-582C1073A509}"/>
+                <a16:creationId xmlns:a16="http://schemas.microsoft.com/office/drawing/2014/main" xmlns="" id="{17A725E2-032B-437C-AB44-582C1073A509}"/>
               </a:ext>
             </a:extLst>
           </p:cNvPr>
@@ -2544,7 +2544,7 @@
           <p:cNvPr id="3" name="Picture Placeholder 2">
             <a:extLst>
               <a:ext uri="{FF2B5EF4-FFF2-40B4-BE49-F238E27FC236}">
-                <a16:creationId xmlns:a16="http://schemas.microsoft.com/office/drawing/2014/main" id="{5F439274-0057-4242-9680-1D7A9CE6634D}"/>
+                <a16:creationId xmlns:a16="http://schemas.microsoft.com/office/drawing/2014/main" xmlns="" id="{5F439274-0057-4242-9680-1D7A9CE6634D}"/>
               </a:ext>
             </a:extLst>
           </p:cNvPr>
@@ -2611,7 +2611,7 @@
           <p:cNvPr id="4" name="Text Placeholder 3">
             <a:extLst>
               <a:ext uri="{FF2B5EF4-FFF2-40B4-BE49-F238E27FC236}">
-                <a16:creationId xmlns:a16="http://schemas.microsoft.com/office/drawing/2014/main" id="{6E3FE9FB-8CAF-425A-9101-BDEF14014742}"/>
+                <a16:creationId xmlns:a16="http://schemas.microsoft.com/office/drawing/2014/main" xmlns="" id="{6E3FE9FB-8CAF-425A-9101-BDEF14014742}"/>
               </a:ext>
             </a:extLst>
           </p:cNvPr>
@@ -2682,7 +2682,7 @@
           <p:cNvPr id="5" name="Date Placeholder 4">
             <a:extLst>
               <a:ext uri="{FF2B5EF4-FFF2-40B4-BE49-F238E27FC236}">
-                <a16:creationId xmlns:a16="http://schemas.microsoft.com/office/drawing/2014/main" id="{50C55AAC-CB8E-429F-8B0E-F46731F2830B}"/>
+                <a16:creationId xmlns:a16="http://schemas.microsoft.com/office/drawing/2014/main" xmlns="" id="{50C55AAC-CB8E-429F-8B0E-F46731F2830B}"/>
               </a:ext>
             </a:extLst>
           </p:cNvPr>
@@ -2700,7 +2700,7 @@
           <a:p>
             <a:fld id="{5F9021A5-5D2C-4FF7-8FBA-B61BDE30AE1B}" type="datetimeFigureOut">
               <a:rPr lang="en-GB" smtClean="0"/>
-              <a:t>14/03/2019</a:t>
+              <a:t>30/03/2019</a:t>
             </a:fld>
             <a:endParaRPr lang="en-GB" dirty="0"/>
           </a:p>
@@ -2711,7 +2711,7 @@
           <p:cNvPr id="6" name="Footer Placeholder 5">
             <a:extLst>
               <a:ext uri="{FF2B5EF4-FFF2-40B4-BE49-F238E27FC236}">
-                <a16:creationId xmlns:a16="http://schemas.microsoft.com/office/drawing/2014/main" id="{C2F8A79E-3DA5-4A2B-86FA-8C19825DEB33}"/>
+                <a16:creationId xmlns:a16="http://schemas.microsoft.com/office/drawing/2014/main" xmlns="" id="{C2F8A79E-3DA5-4A2B-86FA-8C19825DEB33}"/>
               </a:ext>
             </a:extLst>
           </p:cNvPr>
@@ -2736,7 +2736,7 @@
           <p:cNvPr id="7" name="Slide Number Placeholder 6">
             <a:extLst>
               <a:ext uri="{FF2B5EF4-FFF2-40B4-BE49-F238E27FC236}">
-                <a16:creationId xmlns:a16="http://schemas.microsoft.com/office/drawing/2014/main" id="{B5008AA0-F7C3-4DA3-B1D9-3420F7D2567D}"/>
+                <a16:creationId xmlns:a16="http://schemas.microsoft.com/office/drawing/2014/main" xmlns="" id="{B5008AA0-F7C3-4DA3-B1D9-3420F7D2567D}"/>
               </a:ext>
             </a:extLst>
           </p:cNvPr>
@@ -2800,7 +2800,7 @@
           <p:cNvPr id="2" name="Title Placeholder 1">
             <a:extLst>
               <a:ext uri="{FF2B5EF4-FFF2-40B4-BE49-F238E27FC236}">
-                <a16:creationId xmlns:a16="http://schemas.microsoft.com/office/drawing/2014/main" id="{525AF961-B3D1-4104-86B8-C10BAD57B953}"/>
+                <a16:creationId xmlns:a16="http://schemas.microsoft.com/office/drawing/2014/main" xmlns="" id="{525AF961-B3D1-4104-86B8-C10BAD57B953}"/>
               </a:ext>
             </a:extLst>
           </p:cNvPr>
@@ -2839,7 +2839,7 @@
           <p:cNvPr id="3" name="Text Placeholder 2">
             <a:extLst>
               <a:ext uri="{FF2B5EF4-FFF2-40B4-BE49-F238E27FC236}">
-                <a16:creationId xmlns:a16="http://schemas.microsoft.com/office/drawing/2014/main" id="{2F27F852-475F-4869-A573-AD1D51B3D236}"/>
+                <a16:creationId xmlns:a16="http://schemas.microsoft.com/office/drawing/2014/main" xmlns="" id="{2F27F852-475F-4869-A573-AD1D51B3D236}"/>
               </a:ext>
             </a:extLst>
           </p:cNvPr>
@@ -2907,7 +2907,7 @@
           <p:cNvPr id="4" name="Date Placeholder 3">
             <a:extLst>
               <a:ext uri="{FF2B5EF4-FFF2-40B4-BE49-F238E27FC236}">
-                <a16:creationId xmlns:a16="http://schemas.microsoft.com/office/drawing/2014/main" id="{59156039-19C9-44ED-84AF-BBFA5A788067}"/>
+                <a16:creationId xmlns:a16="http://schemas.microsoft.com/office/drawing/2014/main" xmlns="" id="{59156039-19C9-44ED-84AF-BBFA5A788067}"/>
               </a:ext>
             </a:extLst>
           </p:cNvPr>
@@ -2943,7 +2943,7 @@
           <a:p>
             <a:fld id="{5F9021A5-5D2C-4FF7-8FBA-B61BDE30AE1B}" type="datetimeFigureOut">
               <a:rPr lang="en-GB" smtClean="0"/>
-              <a:t>14/03/2019</a:t>
+              <a:t>30/03/2019</a:t>
             </a:fld>
             <a:endParaRPr lang="en-GB" dirty="0"/>
           </a:p>
@@ -2954,7 +2954,7 @@
           <p:cNvPr id="5" name="Footer Placeholder 4">
             <a:extLst>
               <a:ext uri="{FF2B5EF4-FFF2-40B4-BE49-F238E27FC236}">
-                <a16:creationId xmlns:a16="http://schemas.microsoft.com/office/drawing/2014/main" id="{F60107FF-CCD1-4AB6-9759-47FC7DB3CA12}"/>
+                <a16:creationId xmlns:a16="http://schemas.microsoft.com/office/drawing/2014/main" xmlns="" id="{F60107FF-CCD1-4AB6-9759-47FC7DB3CA12}"/>
               </a:ext>
             </a:extLst>
           </p:cNvPr>
@@ -2997,7 +2997,7 @@
           <p:cNvPr id="6" name="Slide Number Placeholder 5">
             <a:extLst>
               <a:ext uri="{FF2B5EF4-FFF2-40B4-BE49-F238E27FC236}">
-                <a16:creationId xmlns:a16="http://schemas.microsoft.com/office/drawing/2014/main" id="{265A53F5-9A94-4878-984D-EDCC813187E2}"/>
+                <a16:creationId xmlns:a16="http://schemas.microsoft.com/office/drawing/2014/main" xmlns="" id="{265A53F5-9A94-4878-984D-EDCC813187E2}"/>
               </a:ext>
             </a:extLst>
           </p:cNvPr>
@@ -3365,7 +3365,7 @@
           <p:cNvPr id="10" name="Group 9">
             <a:extLst>
               <a:ext uri="{FF2B5EF4-FFF2-40B4-BE49-F238E27FC236}">
-                <a16:creationId xmlns:a16="http://schemas.microsoft.com/office/drawing/2014/main" id="{DE565E46-0409-49DC-A628-3A9D99FF49A4}"/>
+                <a16:creationId xmlns:a16="http://schemas.microsoft.com/office/drawing/2014/main" xmlns="" id="{DE565E46-0409-49DC-A628-3A9D99FF49A4}"/>
               </a:ext>
             </a:extLst>
           </p:cNvPr>
@@ -3385,7 +3385,7 @@
             <p:cNvPr id="6" name="Oval 5">
               <a:extLst>
                 <a:ext uri="{FF2B5EF4-FFF2-40B4-BE49-F238E27FC236}">
-                  <a16:creationId xmlns:a16="http://schemas.microsoft.com/office/drawing/2014/main" id="{0AF1B685-5947-4FCA-8578-2E2573B50500}"/>
+                  <a16:creationId xmlns:a16="http://schemas.microsoft.com/office/drawing/2014/main" xmlns="" id="{0AF1B685-5947-4FCA-8578-2E2573B50500}"/>
                 </a:ext>
               </a:extLst>
             </p:cNvPr>
@@ -3439,7 +3439,7 @@
             <p:cNvPr id="7" name="Oval 6">
               <a:extLst>
                 <a:ext uri="{FF2B5EF4-FFF2-40B4-BE49-F238E27FC236}">
-                  <a16:creationId xmlns:a16="http://schemas.microsoft.com/office/drawing/2014/main" id="{78C829D8-8AEA-46B0-B52D-267C3E7DC429}"/>
+                  <a16:creationId xmlns:a16="http://schemas.microsoft.com/office/drawing/2014/main" xmlns="" id="{78C829D8-8AEA-46B0-B52D-267C3E7DC429}"/>
                 </a:ext>
               </a:extLst>
             </p:cNvPr>
@@ -3493,7 +3493,7 @@
             <p:cNvPr id="4" name="Rectangle 3">
               <a:extLst>
                 <a:ext uri="{FF2B5EF4-FFF2-40B4-BE49-F238E27FC236}">
-                  <a16:creationId xmlns:a16="http://schemas.microsoft.com/office/drawing/2014/main" id="{E0980DD5-50C4-4F70-81B9-C85FF23D25A0}"/>
+                  <a16:creationId xmlns:a16="http://schemas.microsoft.com/office/drawing/2014/main" xmlns="" id="{E0980DD5-50C4-4F70-81B9-C85FF23D25A0}"/>
                 </a:ext>
               </a:extLst>
             </p:cNvPr>
@@ -3550,7 +3550,7 @@
             <p:cNvPr id="9" name="Rectangle 8">
               <a:extLst>
                 <a:ext uri="{FF2B5EF4-FFF2-40B4-BE49-F238E27FC236}">
-                  <a16:creationId xmlns:a16="http://schemas.microsoft.com/office/drawing/2014/main" id="{1100EAFF-8FCD-4A65-86ED-0BB35E12F79B}"/>
+                  <a16:creationId xmlns:a16="http://schemas.microsoft.com/office/drawing/2014/main" xmlns="" id="{1100EAFF-8FCD-4A65-86ED-0BB35E12F79B}"/>
                 </a:ext>
               </a:extLst>
             </p:cNvPr>
@@ -3610,7 +3610,7 @@
             <p:cNvPr id="5" name="Rectangle: Rounded Corners 4">
               <a:extLst>
                 <a:ext uri="{FF2B5EF4-FFF2-40B4-BE49-F238E27FC236}">
-                  <a16:creationId xmlns:a16="http://schemas.microsoft.com/office/drawing/2014/main" id="{33339975-1307-4621-80CE-599D1FDB2CC6}"/>
+                  <a16:creationId xmlns:a16="http://schemas.microsoft.com/office/drawing/2014/main" xmlns="" id="{33339975-1307-4621-80CE-599D1FDB2CC6}"/>
                 </a:ext>
               </a:extLst>
             </p:cNvPr>
@@ -3670,7 +3670,7 @@
           <p:cNvPr id="18" name="Group 17">
             <a:extLst>
               <a:ext uri="{FF2B5EF4-FFF2-40B4-BE49-F238E27FC236}">
-                <a16:creationId xmlns:a16="http://schemas.microsoft.com/office/drawing/2014/main" id="{BF308BC8-91B1-4840-864B-D6FE046F3045}"/>
+                <a16:creationId xmlns:a16="http://schemas.microsoft.com/office/drawing/2014/main" xmlns="" id="{BF308BC8-91B1-4840-864B-D6FE046F3045}"/>
               </a:ext>
             </a:extLst>
           </p:cNvPr>
@@ -3690,7 +3690,7 @@
             <p:cNvPr id="12" name="Rectangle: Rounded Corners 11">
               <a:extLst>
                 <a:ext uri="{FF2B5EF4-FFF2-40B4-BE49-F238E27FC236}">
-                  <a16:creationId xmlns:a16="http://schemas.microsoft.com/office/drawing/2014/main" id="{C5845180-84DB-49CB-B0F6-026F0F03AE96}"/>
+                  <a16:creationId xmlns:a16="http://schemas.microsoft.com/office/drawing/2014/main" xmlns="" id="{C5845180-84DB-49CB-B0F6-026F0F03AE96}"/>
                 </a:ext>
               </a:extLst>
             </p:cNvPr>
@@ -3749,7 +3749,7 @@
             <p:cNvPr id="13" name="Rectangle: Rounded Corners 12">
               <a:extLst>
                 <a:ext uri="{FF2B5EF4-FFF2-40B4-BE49-F238E27FC236}">
-                  <a16:creationId xmlns:a16="http://schemas.microsoft.com/office/drawing/2014/main" id="{47DDA1CF-AEEC-4455-9B8D-E1712A4F4D07}"/>
+                  <a16:creationId xmlns:a16="http://schemas.microsoft.com/office/drawing/2014/main" xmlns="" id="{47DDA1CF-AEEC-4455-9B8D-E1712A4F4D07}"/>
                 </a:ext>
               </a:extLst>
             </p:cNvPr>
@@ -3808,7 +3808,7 @@
             <p:cNvPr id="14" name="Rectangle 13">
               <a:extLst>
                 <a:ext uri="{FF2B5EF4-FFF2-40B4-BE49-F238E27FC236}">
-                  <a16:creationId xmlns:a16="http://schemas.microsoft.com/office/drawing/2014/main" id="{C3831AE5-FC33-405D-BBC0-AC1C9DBAE6FF}"/>
+                  <a16:creationId xmlns:a16="http://schemas.microsoft.com/office/drawing/2014/main" xmlns="" id="{C3831AE5-FC33-405D-BBC0-AC1C9DBAE6FF}"/>
                 </a:ext>
               </a:extLst>
             </p:cNvPr>
@@ -3865,7 +3865,7 @@
             <p:cNvPr id="15" name="Oval 14">
               <a:extLst>
                 <a:ext uri="{FF2B5EF4-FFF2-40B4-BE49-F238E27FC236}">
-                  <a16:creationId xmlns:a16="http://schemas.microsoft.com/office/drawing/2014/main" id="{4B3618A2-8B15-4867-9E8E-B4200276EF37}"/>
+                  <a16:creationId xmlns:a16="http://schemas.microsoft.com/office/drawing/2014/main" xmlns="" id="{4B3618A2-8B15-4867-9E8E-B4200276EF37}"/>
                 </a:ext>
               </a:extLst>
             </p:cNvPr>
@@ -3919,7 +3919,7 @@
             <p:cNvPr id="16" name="Oval 15">
               <a:extLst>
                 <a:ext uri="{FF2B5EF4-FFF2-40B4-BE49-F238E27FC236}">
-                  <a16:creationId xmlns:a16="http://schemas.microsoft.com/office/drawing/2014/main" id="{2DA9BCD9-B90C-42B3-B7F5-A0685BBE0EBE}"/>
+                  <a16:creationId xmlns:a16="http://schemas.microsoft.com/office/drawing/2014/main" xmlns="" id="{2DA9BCD9-B90C-42B3-B7F5-A0685BBE0EBE}"/>
                 </a:ext>
               </a:extLst>
             </p:cNvPr>
@@ -3973,7 +3973,7 @@
             <p:cNvPr id="17" name="Rectangle 16">
               <a:extLst>
                 <a:ext uri="{FF2B5EF4-FFF2-40B4-BE49-F238E27FC236}">
-                  <a16:creationId xmlns:a16="http://schemas.microsoft.com/office/drawing/2014/main" id="{BD56E8A5-511F-4FDD-903A-9764C059A1F0}"/>
+                  <a16:creationId xmlns:a16="http://schemas.microsoft.com/office/drawing/2014/main" xmlns="" id="{BD56E8A5-511F-4FDD-903A-9764C059A1F0}"/>
                 </a:ext>
               </a:extLst>
             </p:cNvPr>
@@ -4071,10 +4071,10 @@
       </p:grpSpPr>
       <p:sp>
         <p:nvSpPr>
-          <p:cNvPr id="89" name="Rectangle 88">
-            <a:extLst>
-              <a:ext uri="{FF2B5EF4-FFF2-40B4-BE49-F238E27FC236}">
-                <a16:creationId xmlns:a16="http://schemas.microsoft.com/office/drawing/2014/main" id="{5F2A9C18-F74F-406D-AFBD-845FAA483F76}"/>
+          <p:cNvPr id="92" name="Rectangle 91">
+            <a:extLst>
+              <a:ext uri="{FF2B5EF4-FFF2-40B4-BE49-F238E27FC236}">
+                <a16:creationId xmlns:a16="http://schemas.microsoft.com/office/drawing/2014/main" xmlns="" id="{FF8ECF35-CF58-43D8-A03A-5FE8544A266B}"/>
               </a:ext>
             </a:extLst>
           </p:cNvPr>
@@ -4083,8 +4083,60 @@
         </p:nvSpPr>
         <p:spPr>
           <a:xfrm>
-            <a:off x="5398025" y="3376730"/>
-            <a:ext cx="1395950" cy="731153"/>
+            <a:off x="-2249302" y="-804600"/>
+            <a:ext cx="16746351" cy="8443650"/>
+          </a:xfrm>
+          <a:prstGeom prst="rect">
+            <a:avLst/>
+          </a:prstGeom>
+          <a:solidFill>
+            <a:schemeClr val="bg1"/>
+          </a:solidFill>
+          <a:ln>
+            <a:noFill/>
+          </a:ln>
+        </p:spPr>
+        <p:style>
+          <a:lnRef idx="2">
+            <a:schemeClr val="accent1">
+              <a:shade val="50000"/>
+            </a:schemeClr>
+          </a:lnRef>
+          <a:fillRef idx="1">
+            <a:schemeClr val="accent1"/>
+          </a:fillRef>
+          <a:effectRef idx="0">
+            <a:schemeClr val="accent1"/>
+          </a:effectRef>
+          <a:fontRef idx="minor">
+            <a:schemeClr val="lt1"/>
+          </a:fontRef>
+        </p:style>
+        <p:txBody>
+          <a:bodyPr rtlCol="0" anchor="ctr"/>
+          <a:lstStyle/>
+          <a:p>
+            <a:pPr algn="ctr"/>
+            <a:endParaRPr lang="en-GB" dirty="0"/>
+          </a:p>
+        </p:txBody>
+      </p:sp>
+      <p:sp>
+        <p:nvSpPr>
+          <p:cNvPr id="66" name="Rectangle 65">
+            <a:extLst>
+              <a:ext uri="{FF2B5EF4-FFF2-40B4-BE49-F238E27FC236}">
+                <a16:creationId xmlns:a16="http://schemas.microsoft.com/office/drawing/2014/main" xmlns="" id="{5F2A9C18-F74F-406D-AFBD-845FAA483F76}"/>
+              </a:ext>
+            </a:extLst>
+          </p:cNvPr>
+          <p:cNvSpPr/>
+          <p:nvPr/>
+        </p:nvSpPr>
+        <p:spPr>
+          <a:xfrm>
+            <a:off x="8838748" y="1551151"/>
+            <a:ext cx="1395950" cy="721455"/>
           </a:xfrm>
           <a:prstGeom prst="rect">
             <a:avLst/>
@@ -4134,10 +4186,10 @@
       </p:sp>
       <p:sp>
         <p:nvSpPr>
-          <p:cNvPr id="80" name="Oval 79">
-            <a:extLst>
-              <a:ext uri="{FF2B5EF4-FFF2-40B4-BE49-F238E27FC236}">
-                <a16:creationId xmlns:a16="http://schemas.microsoft.com/office/drawing/2014/main" id="{E3C40A09-2385-4E23-AAEF-1554A8C96461}"/>
+          <p:cNvPr id="48" name="Rectangle 47">
+            <a:extLst>
+              <a:ext uri="{FF2B5EF4-FFF2-40B4-BE49-F238E27FC236}">
+                <a16:creationId xmlns:a16="http://schemas.microsoft.com/office/drawing/2014/main" xmlns="" id="{5F2A9C18-F74F-406D-AFBD-845FAA483F76}"/>
               </a:ext>
             </a:extLst>
           </p:cNvPr>
@@ -4146,7 +4198,145 @@
         </p:nvSpPr>
         <p:spPr>
           <a:xfrm>
-            <a:off x="349994" y="4330538"/>
+            <a:off x="8838748" y="3038673"/>
+            <a:ext cx="1395950" cy="1357370"/>
+          </a:xfrm>
+          <a:prstGeom prst="rect">
+            <a:avLst/>
+          </a:prstGeom>
+          <a:solidFill>
+            <a:schemeClr val="dk1">
+              <a:alpha val="50000"/>
+            </a:schemeClr>
+          </a:solidFill>
+          <a:ln>
+            <a:noFill/>
+          </a:ln>
+        </p:spPr>
+        <p:style>
+          <a:lnRef idx="0">
+            <a:scrgbClr r="0" g="0" b="0"/>
+          </a:lnRef>
+          <a:fillRef idx="0">
+            <a:scrgbClr r="0" g="0" b="0"/>
+          </a:fillRef>
+          <a:effectRef idx="0">
+            <a:scrgbClr r="0" g="0" b="0"/>
+          </a:effectRef>
+          <a:fontRef idx="minor">
+            <a:schemeClr val="lt1"/>
+          </a:fontRef>
+        </p:style>
+        <p:txBody>
+          <a:bodyPr rtlCol="0" anchor="ctr"/>
+          <a:lstStyle/>
+          <a:p>
+            <a:pPr algn="ctr"/>
+            <a:r>
+              <a:rPr lang="en-GB" sz="1200" dirty="0"/>
+              <a:t>Instructions Group</a:t>
+            </a:r>
+          </a:p>
+          <a:p>
+            <a:pPr algn="ctr"/>
+            <a:endParaRPr lang="en-GB" sz="1200" dirty="0" smtClean="0"/>
+          </a:p>
+          <a:p>
+            <a:pPr algn="ctr"/>
+            <a:endParaRPr lang="en-GB" sz="1200" dirty="0"/>
+          </a:p>
+          <a:p>
+            <a:pPr algn="ctr"/>
+            <a:endParaRPr lang="en-GB" sz="1200" dirty="0" smtClean="0"/>
+          </a:p>
+          <a:p>
+            <a:pPr algn="ctr"/>
+            <a:endParaRPr lang="en-GB" sz="1200" dirty="0"/>
+          </a:p>
+          <a:p>
+            <a:pPr algn="ctr"/>
+            <a:endParaRPr lang="en-GB" sz="1200" dirty="0"/>
+          </a:p>
+        </p:txBody>
+      </p:sp>
+      <p:sp>
+        <p:nvSpPr>
+          <p:cNvPr id="89" name="Rectangle 88">
+            <a:extLst>
+              <a:ext uri="{FF2B5EF4-FFF2-40B4-BE49-F238E27FC236}">
+                <a16:creationId xmlns:a16="http://schemas.microsoft.com/office/drawing/2014/main" xmlns="" id="{5F2A9C18-F74F-406D-AFBD-845FAA483F76}"/>
+              </a:ext>
+            </a:extLst>
+          </p:cNvPr>
+          <p:cNvSpPr/>
+          <p:nvPr/>
+        </p:nvSpPr>
+        <p:spPr>
+          <a:xfrm>
+            <a:off x="5398025" y="2531167"/>
+            <a:ext cx="1395950" cy="731153"/>
+          </a:xfrm>
+          <a:prstGeom prst="rect">
+            <a:avLst/>
+          </a:prstGeom>
+          <a:solidFill>
+            <a:schemeClr val="dk1">
+              <a:alpha val="50000"/>
+            </a:schemeClr>
+          </a:solidFill>
+          <a:ln>
+            <a:noFill/>
+          </a:ln>
+        </p:spPr>
+        <p:style>
+          <a:lnRef idx="0">
+            <a:scrgbClr r="0" g="0" b="0"/>
+          </a:lnRef>
+          <a:fillRef idx="0">
+            <a:scrgbClr r="0" g="0" b="0"/>
+          </a:fillRef>
+          <a:effectRef idx="0">
+            <a:scrgbClr r="0" g="0" b="0"/>
+          </a:effectRef>
+          <a:fontRef idx="minor">
+            <a:schemeClr val="lt1"/>
+          </a:fontRef>
+        </p:style>
+        <p:txBody>
+          <a:bodyPr rtlCol="0" anchor="ctr"/>
+          <a:lstStyle/>
+          <a:p>
+            <a:pPr algn="ctr"/>
+            <a:r>
+              <a:rPr lang="en-GB" sz="1200" dirty="0"/>
+              <a:t>Instructions Group</a:t>
+            </a:r>
+          </a:p>
+          <a:p>
+            <a:pPr algn="ctr"/>
+            <a:endParaRPr lang="en-GB" sz="1200" dirty="0"/>
+          </a:p>
+          <a:p>
+            <a:pPr algn="ctr"/>
+            <a:endParaRPr lang="en-GB" sz="1200" dirty="0"/>
+          </a:p>
+        </p:txBody>
+      </p:sp>
+      <p:sp>
+        <p:nvSpPr>
+          <p:cNvPr id="80" name="Oval 79">
+            <a:extLst>
+              <a:ext uri="{FF2B5EF4-FFF2-40B4-BE49-F238E27FC236}">
+                <a16:creationId xmlns:a16="http://schemas.microsoft.com/office/drawing/2014/main" xmlns="" id="{E3C40A09-2385-4E23-AAEF-1554A8C96461}"/>
+              </a:ext>
+            </a:extLst>
+          </p:cNvPr>
+          <p:cNvSpPr/>
+          <p:nvPr/>
+        </p:nvSpPr>
+        <p:spPr>
+          <a:xfrm>
+            <a:off x="349994" y="3080359"/>
             <a:ext cx="1169846" cy="447294"/>
           </a:xfrm>
           <a:prstGeom prst="ellipse">
@@ -4181,9 +4371,10 @@
           <a:p>
             <a:pPr algn="ctr"/>
             <a:r>
-              <a:rPr lang="en-GB" sz="1200" dirty="0"/>
-              <a:t>Camera</a:t>
+              <a:rPr lang="en-GB" sz="1200" dirty="0" smtClean="0"/>
+              <a:t>Camera 2</a:t>
             </a:r>
+            <a:endParaRPr lang="en-GB" sz="1200" dirty="0"/>
           </a:p>
         </p:txBody>
       </p:sp>
@@ -4192,7 +4383,7 @@
           <p:cNvPr id="81" name="Oval 80">
             <a:extLst>
               <a:ext uri="{FF2B5EF4-FFF2-40B4-BE49-F238E27FC236}">
-                <a16:creationId xmlns:a16="http://schemas.microsoft.com/office/drawing/2014/main" id="{33AFE0B4-2681-4929-AA81-57093572C4E7}"/>
+                <a16:creationId xmlns:a16="http://schemas.microsoft.com/office/drawing/2014/main" xmlns="" id="{33AFE0B4-2681-4929-AA81-57093572C4E7}"/>
               </a:ext>
             </a:extLst>
           </p:cNvPr>
@@ -4247,7 +4438,7 @@
           <p:cNvPr id="82" name="Oval 81">
             <a:extLst>
               <a:ext uri="{FF2B5EF4-FFF2-40B4-BE49-F238E27FC236}">
-                <a16:creationId xmlns:a16="http://schemas.microsoft.com/office/drawing/2014/main" id="{8C1E0B85-9855-46B0-BF00-DA0F406A3698}"/>
+                <a16:creationId xmlns:a16="http://schemas.microsoft.com/office/drawing/2014/main" xmlns="" id="{8C1E0B85-9855-46B0-BF00-DA0F406A3698}"/>
               </a:ext>
             </a:extLst>
           </p:cNvPr>
@@ -4256,7 +4447,7 @@
         </p:nvSpPr>
         <p:spPr>
           <a:xfrm>
-            <a:off x="3790716" y="3153083"/>
+            <a:off x="3790716" y="2815026"/>
             <a:ext cx="1169846" cy="447294"/>
           </a:xfrm>
           <a:prstGeom prst="ellipse">
@@ -4302,7 +4493,7 @@
           <p:cNvPr id="85" name="Rectangle 84">
             <a:extLst>
               <a:ext uri="{FF2B5EF4-FFF2-40B4-BE49-F238E27FC236}">
-                <a16:creationId xmlns:a16="http://schemas.microsoft.com/office/drawing/2014/main" id="{6B979E13-C137-4143-A0C8-7355854BA2A7}"/>
+                <a16:creationId xmlns:a16="http://schemas.microsoft.com/office/drawing/2014/main" xmlns="" id="{6B979E13-C137-4143-A0C8-7355854BA2A7}"/>
               </a:ext>
             </a:extLst>
           </p:cNvPr>
@@ -4311,7 +4502,7 @@
         </p:nvSpPr>
         <p:spPr>
           <a:xfrm>
-            <a:off x="5502475" y="3742306"/>
+            <a:off x="5502475" y="2896743"/>
             <a:ext cx="1187049" cy="283860"/>
           </a:xfrm>
           <a:prstGeom prst="rect">
@@ -4357,7 +4548,7 @@
           <p:cNvPr id="86" name="Oval 85">
             <a:extLst>
               <a:ext uri="{FF2B5EF4-FFF2-40B4-BE49-F238E27FC236}">
-                <a16:creationId xmlns:a16="http://schemas.microsoft.com/office/drawing/2014/main" id="{A0B5E334-81E5-4483-A5DC-4D8AC8D134D0}"/>
+                <a16:creationId xmlns:a16="http://schemas.microsoft.com/office/drawing/2014/main" xmlns="" id="{A0B5E334-81E5-4483-A5DC-4D8AC8D134D0}"/>
               </a:ext>
             </a:extLst>
           </p:cNvPr>
@@ -4412,7 +4603,7 @@
           <p:cNvPr id="88" name="Rectangle 87">
             <a:extLst>
               <a:ext uri="{FF2B5EF4-FFF2-40B4-BE49-F238E27FC236}">
-                <a16:creationId xmlns:a16="http://schemas.microsoft.com/office/drawing/2014/main" id="{5B27A360-D850-40D1-B5EB-8AFA9A7872B8}"/>
+                <a16:creationId xmlns:a16="http://schemas.microsoft.com/office/drawing/2014/main" xmlns="" id="{5B27A360-D850-40D1-B5EB-8AFA9A7872B8}"/>
               </a:ext>
             </a:extLst>
           </p:cNvPr>
@@ -4421,7 +4612,7 @@
         </p:nvSpPr>
         <p:spPr>
           <a:xfrm>
-            <a:off x="8943198" y="3746608"/>
+            <a:off x="8943198" y="3739722"/>
             <a:ext cx="1187049" cy="283860"/>
           </a:xfrm>
           <a:prstGeom prst="rect">
@@ -4467,7 +4658,7 @@
           <p:cNvPr id="91" name="Oval 90">
             <a:extLst>
               <a:ext uri="{FF2B5EF4-FFF2-40B4-BE49-F238E27FC236}">
-                <a16:creationId xmlns:a16="http://schemas.microsoft.com/office/drawing/2014/main" id="{5A2CD1E4-4B9A-471C-A321-A79078ADE513}"/>
+                <a16:creationId xmlns:a16="http://schemas.microsoft.com/office/drawing/2014/main" xmlns="" id="{5A2CD1E4-4B9A-471C-A321-A79078ADE513}"/>
               </a:ext>
             </a:extLst>
           </p:cNvPr>
@@ -4522,7 +4713,7 @@
           <p:cNvPr id="150" name="Rectangle 149">
             <a:extLst>
               <a:ext uri="{FF2B5EF4-FFF2-40B4-BE49-F238E27FC236}">
-                <a16:creationId xmlns:a16="http://schemas.microsoft.com/office/drawing/2014/main" id="{A6C014E7-5DFF-466D-8A8C-661922517543}"/>
+                <a16:creationId xmlns:a16="http://schemas.microsoft.com/office/drawing/2014/main" xmlns="" id="{A6C014E7-5DFF-466D-8A8C-661922517543}"/>
               </a:ext>
             </a:extLst>
           </p:cNvPr>
@@ -4531,7 +4722,7 @@
         </p:nvSpPr>
         <p:spPr>
           <a:xfrm>
-            <a:off x="8943198" y="2839117"/>
+            <a:off x="8943198" y="3434160"/>
             <a:ext cx="1187049" cy="283860"/>
           </a:xfrm>
           <a:prstGeom prst="rect">
@@ -4577,7 +4768,7 @@
           <p:cNvPr id="151" name="Oval 150">
             <a:extLst>
               <a:ext uri="{FF2B5EF4-FFF2-40B4-BE49-F238E27FC236}">
-                <a16:creationId xmlns:a16="http://schemas.microsoft.com/office/drawing/2014/main" id="{4DE0C6C8-0688-494E-9AC2-F9F13ACEC5AF}"/>
+                <a16:creationId xmlns:a16="http://schemas.microsoft.com/office/drawing/2014/main" xmlns="" id="{4DE0C6C8-0688-494E-9AC2-F9F13ACEC5AF}"/>
               </a:ext>
             </a:extLst>
           </p:cNvPr>
@@ -4632,7 +4823,7 @@
           <p:cNvPr id="152" name="Rectangle 151">
             <a:extLst>
               <a:ext uri="{FF2B5EF4-FFF2-40B4-BE49-F238E27FC236}">
-                <a16:creationId xmlns:a16="http://schemas.microsoft.com/office/drawing/2014/main" id="{C222B1E4-9889-434E-9439-0CE1060D0372}"/>
+                <a16:creationId xmlns:a16="http://schemas.microsoft.com/office/drawing/2014/main" xmlns="" id="{C222B1E4-9889-434E-9439-0CE1060D0372}"/>
               </a:ext>
             </a:extLst>
           </p:cNvPr>
@@ -4641,7 +4832,7 @@
         </p:nvSpPr>
         <p:spPr>
           <a:xfrm>
-            <a:off x="8943198" y="4654098"/>
+            <a:off x="8943198" y="4061695"/>
             <a:ext cx="1187049" cy="283860"/>
           </a:xfrm>
           <a:prstGeom prst="rect">
@@ -4687,21 +4878,21 @@
           <p:cNvPr id="4" name="Straight Arrow Connector 3">
             <a:extLst>
               <a:ext uri="{FF2B5EF4-FFF2-40B4-BE49-F238E27FC236}">
-                <a16:creationId xmlns:a16="http://schemas.microsoft.com/office/drawing/2014/main" id="{F616EF5D-B3C0-4293-9C00-76135EA6F70A}"/>
+                <a16:creationId xmlns:a16="http://schemas.microsoft.com/office/drawing/2014/main" xmlns="" id="{F616EF5D-B3C0-4293-9C00-76135EA6F70A}"/>
               </a:ext>
             </a:extLst>
           </p:cNvPr>
           <p:cNvCxnSpPr>
             <a:cxnSpLocks/>
-            <a:stCxn id="80" idx="5"/>
+            <a:stCxn id="80" idx="6"/>
             <a:endCxn id="2" idx="1"/>
           </p:cNvCxnSpPr>
           <p:nvPr/>
         </p:nvCxnSpPr>
         <p:spPr>
-          <a:xfrm>
-            <a:off x="1348520" y="4712327"/>
-            <a:ext cx="773446" cy="19187"/>
+          <a:xfrm flipV="1">
+            <a:off x="1519840" y="3209007"/>
+            <a:ext cx="602126" cy="94999"/>
           </a:xfrm>
           <a:prstGeom prst="straightConnector1">
             <a:avLst/>
@@ -4730,21 +4921,21 @@
           <p:cNvPr id="153" name="Straight Arrow Connector 152">
             <a:extLst>
               <a:ext uri="{FF2B5EF4-FFF2-40B4-BE49-F238E27FC236}">
-                <a16:creationId xmlns:a16="http://schemas.microsoft.com/office/drawing/2014/main" id="{97E89223-4B00-4C1C-B9C5-FEF5AC2E95DB}"/>
+                <a16:creationId xmlns:a16="http://schemas.microsoft.com/office/drawing/2014/main" xmlns="" id="{97E89223-4B00-4C1C-B9C5-FEF5AC2E95DB}"/>
               </a:ext>
             </a:extLst>
           </p:cNvPr>
           <p:cNvCxnSpPr>
             <a:cxnSpLocks/>
             <a:stCxn id="2" idx="3"/>
-            <a:endCxn id="82" idx="3"/>
+            <a:endCxn id="82" idx="2"/>
           </p:cNvCxnSpPr>
           <p:nvPr/>
         </p:nvCxnSpPr>
         <p:spPr>
           <a:xfrm flipV="1">
-            <a:off x="3309015" y="3534872"/>
-            <a:ext cx="653021" cy="1196642"/>
+            <a:off x="3309015" y="3038673"/>
+            <a:ext cx="481701" cy="170334"/>
           </a:xfrm>
           <a:prstGeom prst="straightConnector1">
             <a:avLst/>
@@ -4773,20 +4964,21 @@
           <p:cNvPr id="154" name="Straight Arrow Connector 153">
             <a:extLst>
               <a:ext uri="{FF2B5EF4-FFF2-40B4-BE49-F238E27FC236}">
-                <a16:creationId xmlns:a16="http://schemas.microsoft.com/office/drawing/2014/main" id="{D5E1C722-284F-40F8-A59F-BE924542C294}"/>
+                <a16:creationId xmlns:a16="http://schemas.microsoft.com/office/drawing/2014/main" xmlns="" id="{D5E1C722-284F-40F8-A59F-BE924542C294}"/>
               </a:ext>
             </a:extLst>
           </p:cNvPr>
           <p:cNvCxnSpPr>
             <a:cxnSpLocks/>
+            <a:stCxn id="82" idx="2"/>
             <a:endCxn id="84" idx="3"/>
           </p:cNvCxnSpPr>
           <p:nvPr/>
         </p:nvCxnSpPr>
         <p:spPr>
-          <a:xfrm flipH="1">
-            <a:off x="3309015" y="3486150"/>
-            <a:ext cx="551479" cy="909893"/>
+          <a:xfrm flipH="1" flipV="1">
+            <a:off x="3309015" y="2873536"/>
+            <a:ext cx="481701" cy="165137"/>
           </a:xfrm>
           <a:prstGeom prst="straightConnector1">
             <a:avLst/>
@@ -4815,7 +5007,7 @@
           <p:cNvPr id="157" name="Straight Arrow Connector 156">
             <a:extLst>
               <a:ext uri="{FF2B5EF4-FFF2-40B4-BE49-F238E27FC236}">
-                <a16:creationId xmlns:a16="http://schemas.microsoft.com/office/drawing/2014/main" id="{1326901A-9F99-4B20-8181-47E47E67A39A}"/>
+                <a16:creationId xmlns:a16="http://schemas.microsoft.com/office/drawing/2014/main" xmlns="" id="{1326901A-9F99-4B20-8181-47E47E67A39A}"/>
               </a:ext>
             </a:extLst>
           </p:cNvPr>
@@ -4828,8 +5020,8 @@
         </p:nvCxnSpPr>
         <p:spPr>
           <a:xfrm flipH="1">
-            <a:off x="1348520" y="4396043"/>
-            <a:ext cx="773446" cy="0"/>
+            <a:off x="1348520" y="2873536"/>
+            <a:ext cx="773446" cy="272328"/>
           </a:xfrm>
           <a:prstGeom prst="straightConnector1">
             <a:avLst/>
@@ -4858,7 +5050,7 @@
           <p:cNvPr id="158" name="Straight Arrow Connector 157">
             <a:extLst>
               <a:ext uri="{FF2B5EF4-FFF2-40B4-BE49-F238E27FC236}">
-                <a16:creationId xmlns:a16="http://schemas.microsoft.com/office/drawing/2014/main" id="{D728E2B4-FE25-47DA-9793-94CBB8D351C8}"/>
+                <a16:creationId xmlns:a16="http://schemas.microsoft.com/office/drawing/2014/main" xmlns="" id="{D728E2B4-FE25-47DA-9793-94CBB8D351C8}"/>
               </a:ext>
             </a:extLst>
           </p:cNvPr>
@@ -4871,8 +5063,8 @@
         </p:nvCxnSpPr>
         <p:spPr>
           <a:xfrm>
-            <a:off x="4960562" y="3376730"/>
-            <a:ext cx="541913" cy="507506"/>
+            <a:off x="4960562" y="3038673"/>
+            <a:ext cx="541913" cy="0"/>
           </a:xfrm>
           <a:prstGeom prst="straightConnector1">
             <a:avLst/>
@@ -4901,7 +5093,7 @@
           <p:cNvPr id="159" name="Straight Arrow Connector 158">
             <a:extLst>
               <a:ext uri="{FF2B5EF4-FFF2-40B4-BE49-F238E27FC236}">
-                <a16:creationId xmlns:a16="http://schemas.microsoft.com/office/drawing/2014/main" id="{C4521EA0-29E8-43C1-A766-D19583B8F8C2}"/>
+                <a16:creationId xmlns:a16="http://schemas.microsoft.com/office/drawing/2014/main" xmlns="" id="{C4521EA0-29E8-43C1-A766-D19583B8F8C2}"/>
               </a:ext>
             </a:extLst>
           </p:cNvPr>
@@ -4914,8 +5106,8 @@
         </p:nvCxnSpPr>
         <p:spPr>
           <a:xfrm>
-            <a:off x="6689524" y="3884236"/>
-            <a:ext cx="541914" cy="4302"/>
+            <a:off x="6689524" y="3038673"/>
+            <a:ext cx="541914" cy="849865"/>
           </a:xfrm>
           <a:prstGeom prst="straightConnector1">
             <a:avLst/>
@@ -4944,21 +5136,21 @@
           <p:cNvPr id="160" name="Straight Arrow Connector 159">
             <a:extLst>
               <a:ext uri="{FF2B5EF4-FFF2-40B4-BE49-F238E27FC236}">
-                <a16:creationId xmlns:a16="http://schemas.microsoft.com/office/drawing/2014/main" id="{E8B4ED40-61FB-48BB-829E-6CBF91E0654A}"/>
+                <a16:creationId xmlns:a16="http://schemas.microsoft.com/office/drawing/2014/main" xmlns="" id="{E8B4ED40-61FB-48BB-829E-6CBF91E0654A}"/>
               </a:ext>
             </a:extLst>
           </p:cNvPr>
           <p:cNvCxnSpPr>
             <a:cxnSpLocks/>
-            <a:stCxn id="81" idx="7"/>
+            <a:stCxn id="81" idx="6"/>
             <a:endCxn id="150" idx="1"/>
           </p:cNvCxnSpPr>
           <p:nvPr/>
         </p:nvCxnSpPr>
         <p:spPr>
           <a:xfrm flipV="1">
-            <a:off x="8229964" y="2981047"/>
-            <a:ext cx="713234" cy="749348"/>
+            <a:off x="8401284" y="3576090"/>
+            <a:ext cx="541914" cy="312448"/>
           </a:xfrm>
           <a:prstGeom prst="straightConnector1">
             <a:avLst/>
@@ -4987,21 +5179,21 @@
           <p:cNvPr id="161" name="Straight Arrow Connector 160">
             <a:extLst>
               <a:ext uri="{FF2B5EF4-FFF2-40B4-BE49-F238E27FC236}">
-                <a16:creationId xmlns:a16="http://schemas.microsoft.com/office/drawing/2014/main" id="{7231A6DC-8B0E-45CC-B570-5C9E4A678B3B}"/>
+                <a16:creationId xmlns:a16="http://schemas.microsoft.com/office/drawing/2014/main" xmlns="" id="{7231A6DC-8B0E-45CC-B570-5C9E4A678B3B}"/>
               </a:ext>
             </a:extLst>
           </p:cNvPr>
           <p:cNvCxnSpPr>
             <a:cxnSpLocks/>
-            <a:stCxn id="81" idx="5"/>
+            <a:stCxn id="81" idx="6"/>
             <a:endCxn id="152" idx="1"/>
           </p:cNvCxnSpPr>
           <p:nvPr/>
         </p:nvCxnSpPr>
         <p:spPr>
           <a:xfrm>
-            <a:off x="8229964" y="4046680"/>
-            <a:ext cx="713234" cy="749348"/>
+            <a:off x="8401284" y="3888538"/>
+            <a:ext cx="541914" cy="315087"/>
           </a:xfrm>
           <a:prstGeom prst="straightConnector1">
             <a:avLst/>
@@ -5030,7 +5222,7 @@
           <p:cNvPr id="162" name="Straight Arrow Connector 161">
             <a:extLst>
               <a:ext uri="{FF2B5EF4-FFF2-40B4-BE49-F238E27FC236}">
-                <a16:creationId xmlns:a16="http://schemas.microsoft.com/office/drawing/2014/main" id="{B4422115-DA30-436C-824B-DBD6E45530BF}"/>
+                <a16:creationId xmlns:a16="http://schemas.microsoft.com/office/drawing/2014/main" xmlns="" id="{B4422115-DA30-436C-824B-DBD6E45530BF}"/>
               </a:ext>
             </a:extLst>
           </p:cNvPr>
@@ -5042,9 +5234,9 @@
           <p:nvPr/>
         </p:nvCxnSpPr>
         <p:spPr>
-          <a:xfrm>
-            <a:off x="8401284" y="3888538"/>
-            <a:ext cx="541914" cy="0"/>
+          <a:xfrm flipV="1">
+            <a:off x="8401284" y="3881652"/>
+            <a:ext cx="541914" cy="6886"/>
           </a:xfrm>
           <a:prstGeom prst="straightConnector1">
             <a:avLst/>
@@ -5073,7 +5265,7 @@
           <p:cNvPr id="164" name="Straight Arrow Connector 163">
             <a:extLst>
               <a:ext uri="{FF2B5EF4-FFF2-40B4-BE49-F238E27FC236}">
-                <a16:creationId xmlns:a16="http://schemas.microsoft.com/office/drawing/2014/main" id="{01DCDC35-2FE0-436B-84EA-4D9AD6175313}"/>
+                <a16:creationId xmlns:a16="http://schemas.microsoft.com/office/drawing/2014/main" xmlns="" id="{01DCDC35-2FE0-436B-84EA-4D9AD6175313}"/>
               </a:ext>
             </a:extLst>
           </p:cNvPr>
@@ -5085,9 +5277,9 @@
           <p:nvPr/>
         </p:nvCxnSpPr>
         <p:spPr>
-          <a:xfrm>
+          <a:xfrm flipV="1">
             <a:off x="10130247" y="2981047"/>
-            <a:ext cx="541914" cy="0"/>
+            <a:ext cx="541913" cy="595043"/>
           </a:xfrm>
           <a:prstGeom prst="straightConnector1">
             <a:avLst/>
@@ -5116,7 +5308,7 @@
           <p:cNvPr id="165" name="Straight Arrow Connector 164">
             <a:extLst>
               <a:ext uri="{FF2B5EF4-FFF2-40B4-BE49-F238E27FC236}">
-                <a16:creationId xmlns:a16="http://schemas.microsoft.com/office/drawing/2014/main" id="{1F870178-AB59-4055-9177-AE668B9F7208}"/>
+                <a16:creationId xmlns:a16="http://schemas.microsoft.com/office/drawing/2014/main" xmlns="" id="{1F870178-AB59-4055-9177-AE668B9F7208}"/>
               </a:ext>
             </a:extLst>
           </p:cNvPr>
@@ -5129,8 +5321,8 @@
         </p:nvCxnSpPr>
         <p:spPr>
           <a:xfrm>
-            <a:off x="10130247" y="3888538"/>
-            <a:ext cx="541914" cy="0"/>
+            <a:off x="10130247" y="3881652"/>
+            <a:ext cx="541913" cy="6886"/>
           </a:xfrm>
           <a:prstGeom prst="straightConnector1">
             <a:avLst/>
@@ -5159,7 +5351,7 @@
           <p:cNvPr id="166" name="Straight Arrow Connector 165">
             <a:extLst>
               <a:ext uri="{FF2B5EF4-FFF2-40B4-BE49-F238E27FC236}">
-                <a16:creationId xmlns:a16="http://schemas.microsoft.com/office/drawing/2014/main" id="{8EE5E6C2-C214-4FA5-B5FC-8754278A4B7B}"/>
+                <a16:creationId xmlns:a16="http://schemas.microsoft.com/office/drawing/2014/main" xmlns="" id="{8EE5E6C2-C214-4FA5-B5FC-8754278A4B7B}"/>
               </a:ext>
             </a:extLst>
           </p:cNvPr>
@@ -5172,8 +5364,8 @@
         </p:nvCxnSpPr>
         <p:spPr>
           <a:xfrm>
-            <a:off x="10130247" y="4796028"/>
-            <a:ext cx="541914" cy="0"/>
+            <a:off x="10130247" y="4203625"/>
+            <a:ext cx="541913" cy="592403"/>
           </a:xfrm>
           <a:prstGeom prst="straightConnector1">
             <a:avLst/>
@@ -5202,7 +5394,7 @@
           <p:cNvPr id="167" name="Oval 166">
             <a:extLst>
               <a:ext uri="{FF2B5EF4-FFF2-40B4-BE49-F238E27FC236}">
-                <a16:creationId xmlns:a16="http://schemas.microsoft.com/office/drawing/2014/main" id="{BC6E889E-5419-4F82-85A9-D40889E385A5}"/>
+                <a16:creationId xmlns:a16="http://schemas.microsoft.com/office/drawing/2014/main" xmlns="" id="{BC6E889E-5419-4F82-85A9-D40889E385A5}"/>
               </a:ext>
             </a:extLst>
           </p:cNvPr>
@@ -5257,7 +5449,7 @@
           <p:cNvPr id="168" name="Oval 167">
             <a:extLst>
               <a:ext uri="{FF2B5EF4-FFF2-40B4-BE49-F238E27FC236}">
-                <a16:creationId xmlns:a16="http://schemas.microsoft.com/office/drawing/2014/main" id="{084EDA64-A2A4-4ED2-8068-7789C06C7EDE}"/>
+                <a16:creationId xmlns:a16="http://schemas.microsoft.com/office/drawing/2014/main" xmlns="" id="{084EDA64-A2A4-4ED2-8068-7789C06C7EDE}"/>
               </a:ext>
             </a:extLst>
           </p:cNvPr>
@@ -5312,7 +5504,7 @@
           <p:cNvPr id="169" name="Rectangle 168">
             <a:extLst>
               <a:ext uri="{FF2B5EF4-FFF2-40B4-BE49-F238E27FC236}">
-                <a16:creationId xmlns:a16="http://schemas.microsoft.com/office/drawing/2014/main" id="{A4CD5C23-F47C-466A-8F1B-08B8521687C8}"/>
+                <a16:creationId xmlns:a16="http://schemas.microsoft.com/office/drawing/2014/main" xmlns="" id="{A4CD5C23-F47C-466A-8F1B-08B8521687C8}"/>
               </a:ext>
             </a:extLst>
           </p:cNvPr>
@@ -5367,7 +5559,7 @@
           <p:cNvPr id="170" name="Straight Arrow Connector 169">
             <a:extLst>
               <a:ext uri="{FF2B5EF4-FFF2-40B4-BE49-F238E27FC236}">
-                <a16:creationId xmlns:a16="http://schemas.microsoft.com/office/drawing/2014/main" id="{C3BF5BBC-39AB-4FB6-A6E4-7109D84887AF}"/>
+                <a16:creationId xmlns:a16="http://schemas.microsoft.com/office/drawing/2014/main" xmlns="" id="{C3BF5BBC-39AB-4FB6-A6E4-7109D84887AF}"/>
               </a:ext>
             </a:extLst>
           </p:cNvPr>
@@ -5410,7 +5602,7 @@
           <p:cNvPr id="171" name="Straight Arrow Connector 170">
             <a:extLst>
               <a:ext uri="{FF2B5EF4-FFF2-40B4-BE49-F238E27FC236}">
-                <a16:creationId xmlns:a16="http://schemas.microsoft.com/office/drawing/2014/main" id="{A0F8DE2E-28D4-474A-BC2D-7F308AEB0558}"/>
+                <a16:creationId xmlns:a16="http://schemas.microsoft.com/office/drawing/2014/main" xmlns="" id="{A0F8DE2E-28D4-474A-BC2D-7F308AEB0558}"/>
               </a:ext>
             </a:extLst>
           </p:cNvPr>
@@ -5453,21 +5645,21 @@
           <p:cNvPr id="174" name="Straight Arrow Connector 173">
             <a:extLst>
               <a:ext uri="{FF2B5EF4-FFF2-40B4-BE49-F238E27FC236}">
-                <a16:creationId xmlns:a16="http://schemas.microsoft.com/office/drawing/2014/main" id="{62F4E14C-0C9E-4465-A28E-E1B822898613}"/>
+                <a16:creationId xmlns:a16="http://schemas.microsoft.com/office/drawing/2014/main" xmlns="" id="{62F4E14C-0C9E-4465-A28E-E1B822898613}"/>
               </a:ext>
             </a:extLst>
           </p:cNvPr>
           <p:cNvCxnSpPr>
             <a:cxnSpLocks/>
-            <a:stCxn id="198" idx="3"/>
+            <a:stCxn id="85" idx="3"/>
             <a:endCxn id="167" idx="2"/>
           </p:cNvCxnSpPr>
           <p:nvPr/>
         </p:nvCxnSpPr>
         <p:spPr>
-          <a:xfrm>
+          <a:xfrm flipV="1">
             <a:off x="6689524" y="2061972"/>
-            <a:ext cx="541914" cy="0"/>
+            <a:ext cx="541914" cy="976701"/>
           </a:xfrm>
           <a:prstGeom prst="straightConnector1">
             <a:avLst/>
@@ -5496,7 +5688,7 @@
           <p:cNvPr id="176" name="Rectangle 175">
             <a:extLst>
               <a:ext uri="{FF2B5EF4-FFF2-40B4-BE49-F238E27FC236}">
-                <a16:creationId xmlns:a16="http://schemas.microsoft.com/office/drawing/2014/main" id="{4B4A2F2B-35C0-404D-9795-82702358F223}"/>
+                <a16:creationId xmlns:a16="http://schemas.microsoft.com/office/drawing/2014/main" xmlns="" id="{4B4A2F2B-35C0-404D-9795-82702358F223}"/>
               </a:ext>
             </a:extLst>
           </p:cNvPr>
@@ -5505,7 +5697,7 @@
         </p:nvSpPr>
         <p:spPr>
           <a:xfrm>
-            <a:off x="2027081" y="3888537"/>
+            <a:off x="2027081" y="2366030"/>
             <a:ext cx="1395950" cy="1061426"/>
           </a:xfrm>
           <a:prstGeom prst="rect">
@@ -5567,7 +5759,7 @@
           <p:cNvPr id="2" name="Rectangle 1">
             <a:extLst>
               <a:ext uri="{FF2B5EF4-FFF2-40B4-BE49-F238E27FC236}">
-                <a16:creationId xmlns:a16="http://schemas.microsoft.com/office/drawing/2014/main" id="{63A941A2-33F5-4CEE-AB64-E29A20FB4314}"/>
+                <a16:creationId xmlns:a16="http://schemas.microsoft.com/office/drawing/2014/main" xmlns="" id="{63A941A2-33F5-4CEE-AB64-E29A20FB4314}"/>
               </a:ext>
             </a:extLst>
           </p:cNvPr>
@@ -5576,7 +5768,7 @@
         </p:nvSpPr>
         <p:spPr>
           <a:xfrm>
-            <a:off x="2121966" y="4589584"/>
+            <a:off x="2121966" y="3067077"/>
             <a:ext cx="1187049" cy="283860"/>
           </a:xfrm>
           <a:prstGeom prst="rect">
@@ -5623,7 +5815,7 @@
           <p:cNvPr id="84" name="Rectangle 83">
             <a:extLst>
               <a:ext uri="{FF2B5EF4-FFF2-40B4-BE49-F238E27FC236}">
-                <a16:creationId xmlns:a16="http://schemas.microsoft.com/office/drawing/2014/main" id="{28FE74E2-66AA-4133-9619-1627541AAEA8}"/>
+                <a16:creationId xmlns:a16="http://schemas.microsoft.com/office/drawing/2014/main" xmlns="" id="{28FE74E2-66AA-4133-9619-1627541AAEA8}"/>
               </a:ext>
             </a:extLst>
           </p:cNvPr>
@@ -5632,7 +5824,7 @@
         </p:nvSpPr>
         <p:spPr>
           <a:xfrm>
-            <a:off x="2121966" y="4254113"/>
+            <a:off x="2121966" y="2731606"/>
             <a:ext cx="1187049" cy="283860"/>
           </a:xfrm>
           <a:prstGeom prst="rect">
@@ -5678,7 +5870,7 @@
           <p:cNvPr id="181" name="Oval 180">
             <a:extLst>
               <a:ext uri="{FF2B5EF4-FFF2-40B4-BE49-F238E27FC236}">
-                <a16:creationId xmlns:a16="http://schemas.microsoft.com/office/drawing/2014/main" id="{462CACF7-7642-4643-B6A8-747233C0270A}"/>
+                <a16:creationId xmlns:a16="http://schemas.microsoft.com/office/drawing/2014/main" xmlns="" id="{462CACF7-7642-4643-B6A8-747233C0270A}"/>
               </a:ext>
             </a:extLst>
           </p:cNvPr>
@@ -5687,7 +5879,7 @@
         </p:nvSpPr>
         <p:spPr>
           <a:xfrm>
-            <a:off x="349994" y="2125448"/>
+            <a:off x="349994" y="2481987"/>
             <a:ext cx="1169846" cy="447294"/>
           </a:xfrm>
           <a:prstGeom prst="ellipse">
@@ -5722,9 +5914,10 @@
           <a:p>
             <a:pPr algn="ctr"/>
             <a:r>
-              <a:rPr lang="en-GB" sz="1200" dirty="0"/>
-              <a:t>Camera</a:t>
+              <a:rPr lang="en-GB" sz="1200" dirty="0" smtClean="0"/>
+              <a:t>Camera 1</a:t>
             </a:r>
+            <a:endParaRPr lang="en-GB" sz="1200" dirty="0"/>
           </a:p>
         </p:txBody>
       </p:sp>
@@ -5733,106 +5926,21 @@
           <p:cNvPr id="182" name="Straight Arrow Connector 181">
             <a:extLst>
               <a:ext uri="{FF2B5EF4-FFF2-40B4-BE49-F238E27FC236}">
-                <a16:creationId xmlns:a16="http://schemas.microsoft.com/office/drawing/2014/main" id="{5708FF3C-6578-479A-A3BF-6371585A3DBB}"/>
+                <a16:creationId xmlns:a16="http://schemas.microsoft.com/office/drawing/2014/main" xmlns="" id="{5708FF3C-6578-479A-A3BF-6371585A3DBB}"/>
               </a:ext>
             </a:extLst>
           </p:cNvPr>
           <p:cNvCxnSpPr>
             <a:cxnSpLocks/>
             <a:stCxn id="181" idx="5"/>
-            <a:endCxn id="187" idx="1"/>
+            <a:endCxn id="2" idx="1"/>
           </p:cNvCxnSpPr>
           <p:nvPr/>
         </p:nvCxnSpPr>
         <p:spPr>
           <a:xfrm>
-            <a:off x="1348520" y="2507237"/>
-            <a:ext cx="773446" cy="19187"/>
-          </a:xfrm>
-          <a:prstGeom prst="straightConnector1">
-            <a:avLst/>
-          </a:prstGeom>
-          <a:ln>
-            <a:tailEnd type="triangle"/>
-          </a:ln>
-        </p:spPr>
-        <p:style>
-          <a:lnRef idx="1">
-            <a:schemeClr val="dk1"/>
-          </a:lnRef>
-          <a:fillRef idx="0">
-            <a:schemeClr val="dk1"/>
-          </a:fillRef>
-          <a:effectRef idx="0">
-            <a:schemeClr val="dk1"/>
-          </a:effectRef>
-          <a:fontRef idx="minor">
-            <a:schemeClr val="tx1"/>
-          </a:fontRef>
-        </p:style>
-      </p:cxnSp>
-      <p:cxnSp>
-        <p:nvCxnSpPr>
-          <p:cNvPr id="183" name="Straight Arrow Connector 182">
-            <a:extLst>
-              <a:ext uri="{FF2B5EF4-FFF2-40B4-BE49-F238E27FC236}">
-                <a16:creationId xmlns:a16="http://schemas.microsoft.com/office/drawing/2014/main" id="{60C1D6D1-BFEC-4609-BAE8-4B63B5FBD4FB}"/>
-              </a:ext>
-            </a:extLst>
-          </p:cNvPr>
-          <p:cNvCxnSpPr>
-            <a:cxnSpLocks/>
-            <a:stCxn id="187" idx="3"/>
-          </p:cNvCxnSpPr>
-          <p:nvPr/>
-        </p:nvCxnSpPr>
-        <p:spPr>
-          <a:xfrm>
-            <a:off x="3309015" y="2526424"/>
-            <a:ext cx="537970" cy="678270"/>
-          </a:xfrm>
-          <a:prstGeom prst="straightConnector1">
-            <a:avLst/>
-          </a:prstGeom>
-          <a:ln>
-            <a:tailEnd type="triangle"/>
-          </a:ln>
-        </p:spPr>
-        <p:style>
-          <a:lnRef idx="1">
-            <a:schemeClr val="dk1"/>
-          </a:lnRef>
-          <a:fillRef idx="0">
-            <a:schemeClr val="dk1"/>
-          </a:fillRef>
-          <a:effectRef idx="0">
-            <a:schemeClr val="dk1"/>
-          </a:effectRef>
-          <a:fontRef idx="minor">
-            <a:schemeClr val="tx1"/>
-          </a:fontRef>
-        </p:style>
-      </p:cxnSp>
-      <p:cxnSp>
-        <p:nvCxnSpPr>
-          <p:cNvPr id="184" name="Straight Arrow Connector 183">
-            <a:extLst>
-              <a:ext uri="{FF2B5EF4-FFF2-40B4-BE49-F238E27FC236}">
-                <a16:creationId xmlns:a16="http://schemas.microsoft.com/office/drawing/2014/main" id="{EFA5BAD1-08C7-47E7-927F-0F7CEDA7EEC6}"/>
-              </a:ext>
-            </a:extLst>
-          </p:cNvPr>
-          <p:cNvCxnSpPr>
-            <a:cxnSpLocks/>
-            <a:stCxn id="82" idx="1"/>
-            <a:endCxn id="188" idx="3"/>
-          </p:cNvCxnSpPr>
-          <p:nvPr/>
-        </p:nvCxnSpPr>
-        <p:spPr>
-          <a:xfrm flipH="1" flipV="1">
-            <a:off x="3309015" y="2190953"/>
-            <a:ext cx="653021" cy="1027635"/>
+            <a:off x="1348520" y="2863776"/>
+            <a:ext cx="773446" cy="345231"/>
           </a:xfrm>
           <a:prstGeom prst="straightConnector1">
             <a:avLst/>
@@ -5861,364 +5969,21 @@
           <p:cNvPr id="185" name="Straight Arrow Connector 184">
             <a:extLst>
               <a:ext uri="{FF2B5EF4-FFF2-40B4-BE49-F238E27FC236}">
-                <a16:creationId xmlns:a16="http://schemas.microsoft.com/office/drawing/2014/main" id="{DAB31678-084E-4387-A11E-A8663FDAB2B1}"/>
+                <a16:creationId xmlns:a16="http://schemas.microsoft.com/office/drawing/2014/main" xmlns="" id="{DAB31678-084E-4387-A11E-A8663FDAB2B1}"/>
               </a:ext>
             </a:extLst>
           </p:cNvPr>
           <p:cNvCxnSpPr>
             <a:cxnSpLocks/>
-            <a:stCxn id="188" idx="1"/>
-            <a:endCxn id="181" idx="7"/>
+            <a:stCxn id="84" idx="1"/>
+            <a:endCxn id="181" idx="6"/>
           </p:cNvCxnSpPr>
           <p:nvPr/>
         </p:nvCxnSpPr>
         <p:spPr>
-          <a:xfrm flipH="1">
-            <a:off x="1348520" y="2190953"/>
-            <a:ext cx="773446" cy="0"/>
-          </a:xfrm>
-          <a:prstGeom prst="straightConnector1">
-            <a:avLst/>
-          </a:prstGeom>
-          <a:ln>
-            <a:tailEnd type="triangle"/>
-          </a:ln>
-        </p:spPr>
-        <p:style>
-          <a:lnRef idx="1">
-            <a:schemeClr val="dk1"/>
-          </a:lnRef>
-          <a:fillRef idx="0">
-            <a:schemeClr val="dk1"/>
-          </a:fillRef>
-          <a:effectRef idx="0">
-            <a:schemeClr val="dk1"/>
-          </a:effectRef>
-          <a:fontRef idx="minor">
-            <a:schemeClr val="tx1"/>
-          </a:fontRef>
-        </p:style>
-      </p:cxnSp>
-      <p:sp>
-        <p:nvSpPr>
-          <p:cNvPr id="186" name="Rectangle 185">
-            <a:extLst>
-              <a:ext uri="{FF2B5EF4-FFF2-40B4-BE49-F238E27FC236}">
-                <a16:creationId xmlns:a16="http://schemas.microsoft.com/office/drawing/2014/main" id="{B8C805A2-781A-44BF-BC80-7B1EBDDAF6A2}"/>
-              </a:ext>
-            </a:extLst>
-          </p:cNvPr>
-          <p:cNvSpPr/>
-          <p:nvPr/>
-        </p:nvSpPr>
-        <p:spPr>
-          <a:xfrm>
-            <a:off x="2027081" y="1683447"/>
-            <a:ext cx="1395950" cy="1061426"/>
-          </a:xfrm>
-          <a:prstGeom prst="rect">
-            <a:avLst/>
-          </a:prstGeom>
-          <a:solidFill>
-            <a:schemeClr val="dk1">
-              <a:alpha val="50000"/>
-            </a:schemeClr>
-          </a:solidFill>
-          <a:ln>
-            <a:noFill/>
-          </a:ln>
-        </p:spPr>
-        <p:style>
-          <a:lnRef idx="0">
-            <a:scrgbClr r="0" g="0" b="0"/>
-          </a:lnRef>
-          <a:fillRef idx="0">
-            <a:scrgbClr r="0" g="0" b="0"/>
-          </a:fillRef>
-          <a:effectRef idx="0">
-            <a:scrgbClr r="0" g="0" b="0"/>
-          </a:effectRef>
-          <a:fontRef idx="minor">
-            <a:schemeClr val="lt1"/>
-          </a:fontRef>
-        </p:style>
-        <p:txBody>
-          <a:bodyPr rtlCol="0" anchor="ctr"/>
-          <a:lstStyle/>
-          <a:p>
-            <a:pPr algn="ctr"/>
-            <a:r>
-              <a:rPr lang="en-GB" sz="1200" dirty="0"/>
-              <a:t>Camera Group</a:t>
-            </a:r>
-          </a:p>
-          <a:p>
-            <a:pPr algn="ctr"/>
-            <a:endParaRPr lang="en-GB" sz="1200" dirty="0"/>
-          </a:p>
-          <a:p>
-            <a:pPr algn="ctr"/>
-            <a:endParaRPr lang="en-GB" sz="1200" dirty="0"/>
-          </a:p>
-          <a:p>
-            <a:pPr algn="ctr"/>
-            <a:endParaRPr lang="en-GB" sz="1200" dirty="0"/>
-          </a:p>
-          <a:p>
-            <a:pPr algn="ctr"/>
-            <a:endParaRPr lang="en-GB" sz="1200" dirty="0"/>
-          </a:p>
-        </p:txBody>
-      </p:sp>
-      <p:sp>
-        <p:nvSpPr>
-          <p:cNvPr id="187" name="Rectangle 186">
-            <a:extLst>
-              <a:ext uri="{FF2B5EF4-FFF2-40B4-BE49-F238E27FC236}">
-                <a16:creationId xmlns:a16="http://schemas.microsoft.com/office/drawing/2014/main" id="{361D5F01-1FA1-4E72-9799-3C95858882C1}"/>
-              </a:ext>
-            </a:extLst>
-          </p:cNvPr>
-          <p:cNvSpPr/>
-          <p:nvPr/>
-        </p:nvSpPr>
-        <p:spPr>
-          <a:xfrm>
-            <a:off x="2121966" y="2384494"/>
-            <a:ext cx="1187049" cy="283860"/>
-          </a:xfrm>
-          <a:prstGeom prst="rect">
-            <a:avLst/>
-          </a:prstGeom>
-          <a:solidFill>
-            <a:schemeClr val="dk1">
-              <a:alpha val="50000"/>
-            </a:schemeClr>
-          </a:solidFill>
-          <a:ln>
-            <a:noFill/>
-          </a:ln>
-        </p:spPr>
-        <p:style>
-          <a:lnRef idx="0">
-            <a:scrgbClr r="0" g="0" b="0"/>
-          </a:lnRef>
-          <a:fillRef idx="0">
-            <a:scrgbClr r="0" g="0" b="0"/>
-          </a:fillRef>
-          <a:effectRef idx="0">
-            <a:scrgbClr r="0" g="0" b="0"/>
-          </a:effectRef>
-          <a:fontRef idx="minor">
-            <a:schemeClr val="lt1"/>
-          </a:fontRef>
-        </p:style>
-        <p:txBody>
-          <a:bodyPr rtlCol="0" anchor="ctr"/>
-          <a:lstStyle/>
-          <a:p>
-            <a:pPr algn="ctr"/>
-            <a:r>
-              <a:rPr lang="en-GB" sz="1200" dirty="0" err="1"/>
-              <a:t>ImageStore</a:t>
-            </a:r>
-            <a:endParaRPr lang="en-GB" sz="1200" dirty="0"/>
-          </a:p>
-        </p:txBody>
-      </p:sp>
-      <p:sp>
-        <p:nvSpPr>
-          <p:cNvPr id="188" name="Rectangle 187">
-            <a:extLst>
-              <a:ext uri="{FF2B5EF4-FFF2-40B4-BE49-F238E27FC236}">
-                <a16:creationId xmlns:a16="http://schemas.microsoft.com/office/drawing/2014/main" id="{830529C0-6E97-47EB-AFC9-6650E015D76B}"/>
-              </a:ext>
-            </a:extLst>
-          </p:cNvPr>
-          <p:cNvSpPr/>
-          <p:nvPr/>
-        </p:nvSpPr>
-        <p:spPr>
-          <a:xfrm>
-            <a:off x="2121966" y="2049023"/>
-            <a:ext cx="1187049" cy="283860"/>
-          </a:xfrm>
-          <a:prstGeom prst="rect">
-            <a:avLst/>
-          </a:prstGeom>
-          <a:solidFill>
-            <a:schemeClr val="dk1">
-              <a:alpha val="50000"/>
-            </a:schemeClr>
-          </a:solidFill>
-          <a:ln>
-            <a:noFill/>
-          </a:ln>
-        </p:spPr>
-        <p:style>
-          <a:lnRef idx="0">
-            <a:scrgbClr r="0" g="0" b="0"/>
-          </a:lnRef>
-          <a:fillRef idx="0">
-            <a:scrgbClr r="0" g="0" b="0"/>
-          </a:fillRef>
-          <a:effectRef idx="0">
-            <a:scrgbClr r="0" g="0" b="0"/>
-          </a:effectRef>
-          <a:fontRef idx="minor">
-            <a:schemeClr val="lt1"/>
-          </a:fontRef>
-        </p:style>
-        <p:txBody>
-          <a:bodyPr rtlCol="0" anchor="ctr"/>
-          <a:lstStyle/>
-          <a:p>
-            <a:pPr algn="ctr"/>
-            <a:r>
-              <a:rPr lang="en-GB" sz="1200" dirty="0"/>
-              <a:t>Snapshot</a:t>
-            </a:r>
-          </a:p>
-        </p:txBody>
-      </p:sp>
-      <p:sp>
-        <p:nvSpPr>
-          <p:cNvPr id="197" name="Rectangle 196">
-            <a:extLst>
-              <a:ext uri="{FF2B5EF4-FFF2-40B4-BE49-F238E27FC236}">
-                <a16:creationId xmlns:a16="http://schemas.microsoft.com/office/drawing/2014/main" id="{49BEE7FB-B1F1-4283-B349-7FE3F5A2C78E}"/>
-              </a:ext>
-            </a:extLst>
-          </p:cNvPr>
-          <p:cNvSpPr/>
-          <p:nvPr/>
-        </p:nvSpPr>
-        <p:spPr>
-          <a:xfrm>
-            <a:off x="5398025" y="1554466"/>
-            <a:ext cx="1395950" cy="731153"/>
-          </a:xfrm>
-          <a:prstGeom prst="rect">
-            <a:avLst/>
-          </a:prstGeom>
-          <a:solidFill>
-            <a:schemeClr val="dk1">
-              <a:alpha val="50000"/>
-            </a:schemeClr>
-          </a:solidFill>
-          <a:ln>
-            <a:noFill/>
-          </a:ln>
-        </p:spPr>
-        <p:style>
-          <a:lnRef idx="0">
-            <a:scrgbClr r="0" g="0" b="0"/>
-          </a:lnRef>
-          <a:fillRef idx="0">
-            <a:scrgbClr r="0" g="0" b="0"/>
-          </a:fillRef>
-          <a:effectRef idx="0">
-            <a:scrgbClr r="0" g="0" b="0"/>
-          </a:effectRef>
-          <a:fontRef idx="minor">
-            <a:schemeClr val="lt1"/>
-          </a:fontRef>
-        </p:style>
-        <p:txBody>
-          <a:bodyPr rtlCol="0" anchor="ctr"/>
-          <a:lstStyle/>
-          <a:p>
-            <a:pPr algn="ctr"/>
-            <a:r>
-              <a:rPr lang="en-GB" sz="1200" dirty="0"/>
-              <a:t>Instructions Group</a:t>
-            </a:r>
-          </a:p>
-          <a:p>
-            <a:pPr algn="ctr"/>
-            <a:endParaRPr lang="en-GB" sz="1200" dirty="0"/>
-          </a:p>
-          <a:p>
-            <a:pPr algn="ctr"/>
-            <a:endParaRPr lang="en-GB" sz="1200" dirty="0"/>
-          </a:p>
-        </p:txBody>
-      </p:sp>
-      <p:sp>
-        <p:nvSpPr>
-          <p:cNvPr id="198" name="Rectangle 197">
-            <a:extLst>
-              <a:ext uri="{FF2B5EF4-FFF2-40B4-BE49-F238E27FC236}">
-                <a16:creationId xmlns:a16="http://schemas.microsoft.com/office/drawing/2014/main" id="{BFDF0221-A888-4B51-92A6-08B3BC24A445}"/>
-              </a:ext>
-            </a:extLst>
-          </p:cNvPr>
-          <p:cNvSpPr/>
-          <p:nvPr/>
-        </p:nvSpPr>
-        <p:spPr>
-          <a:xfrm>
-            <a:off x="5502475" y="1920042"/>
-            <a:ext cx="1187049" cy="283860"/>
-          </a:xfrm>
-          <a:prstGeom prst="rect">
-            <a:avLst/>
-          </a:prstGeom>
-          <a:solidFill>
-            <a:schemeClr val="dk1">
-              <a:alpha val="50000"/>
-            </a:schemeClr>
-          </a:solidFill>
-          <a:ln>
-            <a:noFill/>
-          </a:ln>
-        </p:spPr>
-        <p:style>
-          <a:lnRef idx="0">
-            <a:scrgbClr r="0" g="0" b="0"/>
-          </a:lnRef>
-          <a:fillRef idx="0">
-            <a:scrgbClr r="0" g="0" b="0"/>
-          </a:fillRef>
-          <a:effectRef idx="0">
-            <a:scrgbClr r="0" g="0" b="0"/>
-          </a:effectRef>
-          <a:fontRef idx="minor">
-            <a:schemeClr val="lt1"/>
-          </a:fontRef>
-        </p:style>
-        <p:txBody>
-          <a:bodyPr rtlCol="0" anchor="ctr"/>
-          <a:lstStyle/>
-          <a:p>
-            <a:pPr algn="ctr"/>
-            <a:r>
-              <a:rPr lang="en-GB" sz="1200" dirty="0"/>
-              <a:t>Instructions</a:t>
-            </a:r>
-          </a:p>
-        </p:txBody>
-      </p:sp>
-      <p:cxnSp>
-        <p:nvCxnSpPr>
-          <p:cNvPr id="200" name="Straight Arrow Connector 199">
-            <a:extLst>
-              <a:ext uri="{FF2B5EF4-FFF2-40B4-BE49-F238E27FC236}">
-                <a16:creationId xmlns:a16="http://schemas.microsoft.com/office/drawing/2014/main" id="{234C5FE9-3577-46FB-B3D1-0A18B56F995A}"/>
-              </a:ext>
-            </a:extLst>
-          </p:cNvPr>
-          <p:cNvCxnSpPr>
-            <a:cxnSpLocks/>
-            <a:stCxn id="82" idx="6"/>
-            <a:endCxn id="198" idx="1"/>
-          </p:cNvCxnSpPr>
-          <p:nvPr/>
-        </p:nvCxnSpPr>
-        <p:spPr>
-          <a:xfrm flipV="1">
-            <a:off x="4960562" y="2061972"/>
-            <a:ext cx="541913" cy="1314758"/>
+          <a:xfrm flipH="1" flipV="1">
+            <a:off x="1519840" y="2705634"/>
+            <a:ext cx="602126" cy="167902"/>
           </a:xfrm>
           <a:prstGeom prst="straightConnector1">
             <a:avLst/>
@@ -6287,7 +6052,7 @@
           <p:cNvPr id="89" name="Rectangle 88">
             <a:extLst>
               <a:ext uri="{FF2B5EF4-FFF2-40B4-BE49-F238E27FC236}">
-                <a16:creationId xmlns:a16="http://schemas.microsoft.com/office/drawing/2014/main" id="{5F2A9C18-F74F-406D-AFBD-845FAA483F76}"/>
+                <a16:creationId xmlns:a16="http://schemas.microsoft.com/office/drawing/2014/main" xmlns="" id="{5F2A9C18-F74F-406D-AFBD-845FAA483F76}"/>
               </a:ext>
             </a:extLst>
           </p:cNvPr>
@@ -6350,7 +6115,7 @@
           <p:cNvPr id="82" name="Oval 81">
             <a:extLst>
               <a:ext uri="{FF2B5EF4-FFF2-40B4-BE49-F238E27FC236}">
-                <a16:creationId xmlns:a16="http://schemas.microsoft.com/office/drawing/2014/main" id="{8C1E0B85-9855-46B0-BF00-DA0F406A3698}"/>
+                <a16:creationId xmlns:a16="http://schemas.microsoft.com/office/drawing/2014/main" xmlns="" id="{8C1E0B85-9855-46B0-BF00-DA0F406A3698}"/>
               </a:ext>
             </a:extLst>
           </p:cNvPr>
@@ -6405,7 +6170,7 @@
           <p:cNvPr id="85" name="Rectangle 84">
             <a:extLst>
               <a:ext uri="{FF2B5EF4-FFF2-40B4-BE49-F238E27FC236}">
-                <a16:creationId xmlns:a16="http://schemas.microsoft.com/office/drawing/2014/main" id="{6B979E13-C137-4143-A0C8-7355854BA2A7}"/>
+                <a16:creationId xmlns:a16="http://schemas.microsoft.com/office/drawing/2014/main" xmlns="" id="{6B979E13-C137-4143-A0C8-7355854BA2A7}"/>
               </a:ext>
             </a:extLst>
           </p:cNvPr>
@@ -6460,7 +6225,7 @@
           <p:cNvPr id="158" name="Straight Arrow Connector 157">
             <a:extLst>
               <a:ext uri="{FF2B5EF4-FFF2-40B4-BE49-F238E27FC236}">
-                <a16:creationId xmlns:a16="http://schemas.microsoft.com/office/drawing/2014/main" id="{D728E2B4-FE25-47DA-9793-94CBB8D351C8}"/>
+                <a16:creationId xmlns:a16="http://schemas.microsoft.com/office/drawing/2014/main" xmlns="" id="{D728E2B4-FE25-47DA-9793-94CBB8D351C8}"/>
               </a:ext>
             </a:extLst>
           </p:cNvPr>
@@ -6503,7 +6268,7 @@
           <p:cNvPr id="167" name="Oval 166">
             <a:extLst>
               <a:ext uri="{FF2B5EF4-FFF2-40B4-BE49-F238E27FC236}">
-                <a16:creationId xmlns:a16="http://schemas.microsoft.com/office/drawing/2014/main" id="{BC6E889E-5419-4F82-85A9-D40889E385A5}"/>
+                <a16:creationId xmlns:a16="http://schemas.microsoft.com/office/drawing/2014/main" xmlns="" id="{BC6E889E-5419-4F82-85A9-D40889E385A5}"/>
               </a:ext>
             </a:extLst>
           </p:cNvPr>
@@ -6558,7 +6323,7 @@
           <p:cNvPr id="168" name="Oval 167">
             <a:extLst>
               <a:ext uri="{FF2B5EF4-FFF2-40B4-BE49-F238E27FC236}">
-                <a16:creationId xmlns:a16="http://schemas.microsoft.com/office/drawing/2014/main" id="{084EDA64-A2A4-4ED2-8068-7789C06C7EDE}"/>
+                <a16:creationId xmlns:a16="http://schemas.microsoft.com/office/drawing/2014/main" xmlns="" id="{084EDA64-A2A4-4ED2-8068-7789C06C7EDE}"/>
               </a:ext>
             </a:extLst>
           </p:cNvPr>
@@ -6613,7 +6378,7 @@
           <p:cNvPr id="169" name="Rectangle 168">
             <a:extLst>
               <a:ext uri="{FF2B5EF4-FFF2-40B4-BE49-F238E27FC236}">
-                <a16:creationId xmlns:a16="http://schemas.microsoft.com/office/drawing/2014/main" id="{A4CD5C23-F47C-466A-8F1B-08B8521687C8}"/>
+                <a16:creationId xmlns:a16="http://schemas.microsoft.com/office/drawing/2014/main" xmlns="" id="{A4CD5C23-F47C-466A-8F1B-08B8521687C8}"/>
               </a:ext>
             </a:extLst>
           </p:cNvPr>
@@ -6668,7 +6433,7 @@
           <p:cNvPr id="170" name="Straight Arrow Connector 169">
             <a:extLst>
               <a:ext uri="{FF2B5EF4-FFF2-40B4-BE49-F238E27FC236}">
-                <a16:creationId xmlns:a16="http://schemas.microsoft.com/office/drawing/2014/main" id="{C3BF5BBC-39AB-4FB6-A6E4-7109D84887AF}"/>
+                <a16:creationId xmlns:a16="http://schemas.microsoft.com/office/drawing/2014/main" xmlns="" id="{C3BF5BBC-39AB-4FB6-A6E4-7109D84887AF}"/>
               </a:ext>
             </a:extLst>
           </p:cNvPr>
@@ -6711,7 +6476,7 @@
           <p:cNvPr id="171" name="Straight Arrow Connector 170">
             <a:extLst>
               <a:ext uri="{FF2B5EF4-FFF2-40B4-BE49-F238E27FC236}">
-                <a16:creationId xmlns:a16="http://schemas.microsoft.com/office/drawing/2014/main" id="{A0F8DE2E-28D4-474A-BC2D-7F308AEB0558}"/>
+                <a16:creationId xmlns:a16="http://schemas.microsoft.com/office/drawing/2014/main" xmlns="" id="{A0F8DE2E-28D4-474A-BC2D-7F308AEB0558}"/>
               </a:ext>
             </a:extLst>
           </p:cNvPr>
@@ -6754,7 +6519,7 @@
           <p:cNvPr id="174" name="Straight Arrow Connector 173">
             <a:extLst>
               <a:ext uri="{FF2B5EF4-FFF2-40B4-BE49-F238E27FC236}">
-                <a16:creationId xmlns:a16="http://schemas.microsoft.com/office/drawing/2014/main" id="{62F4E14C-0C9E-4465-A28E-E1B822898613}"/>
+                <a16:creationId xmlns:a16="http://schemas.microsoft.com/office/drawing/2014/main" xmlns="" id="{62F4E14C-0C9E-4465-A28E-E1B822898613}"/>
               </a:ext>
             </a:extLst>
           </p:cNvPr>
@@ -6797,7 +6562,7 @@
           <p:cNvPr id="181" name="Oval 180">
             <a:extLst>
               <a:ext uri="{FF2B5EF4-FFF2-40B4-BE49-F238E27FC236}">
-                <a16:creationId xmlns:a16="http://schemas.microsoft.com/office/drawing/2014/main" id="{462CACF7-7642-4643-B6A8-747233C0270A}"/>
+                <a16:creationId xmlns:a16="http://schemas.microsoft.com/office/drawing/2014/main" xmlns="" id="{462CACF7-7642-4643-B6A8-747233C0270A}"/>
               </a:ext>
             </a:extLst>
           </p:cNvPr>
@@ -6852,7 +6617,7 @@
           <p:cNvPr id="182" name="Straight Arrow Connector 181">
             <a:extLst>
               <a:ext uri="{FF2B5EF4-FFF2-40B4-BE49-F238E27FC236}">
-                <a16:creationId xmlns:a16="http://schemas.microsoft.com/office/drawing/2014/main" id="{5708FF3C-6578-479A-A3BF-6371585A3DBB}"/>
+                <a16:creationId xmlns:a16="http://schemas.microsoft.com/office/drawing/2014/main" xmlns="" id="{5708FF3C-6578-479A-A3BF-6371585A3DBB}"/>
               </a:ext>
             </a:extLst>
           </p:cNvPr>
@@ -6895,7 +6660,7 @@
           <p:cNvPr id="183" name="Straight Arrow Connector 182">
             <a:extLst>
               <a:ext uri="{FF2B5EF4-FFF2-40B4-BE49-F238E27FC236}">
-                <a16:creationId xmlns:a16="http://schemas.microsoft.com/office/drawing/2014/main" id="{60C1D6D1-BFEC-4609-BAE8-4B63B5FBD4FB}"/>
+                <a16:creationId xmlns:a16="http://schemas.microsoft.com/office/drawing/2014/main" xmlns="" id="{60C1D6D1-BFEC-4609-BAE8-4B63B5FBD4FB}"/>
               </a:ext>
             </a:extLst>
           </p:cNvPr>
@@ -6938,7 +6703,7 @@
           <p:cNvPr id="184" name="Straight Arrow Connector 183">
             <a:extLst>
               <a:ext uri="{FF2B5EF4-FFF2-40B4-BE49-F238E27FC236}">
-                <a16:creationId xmlns:a16="http://schemas.microsoft.com/office/drawing/2014/main" id="{EFA5BAD1-08C7-47E7-927F-0F7CEDA7EEC6}"/>
+                <a16:creationId xmlns:a16="http://schemas.microsoft.com/office/drawing/2014/main" xmlns="" id="{EFA5BAD1-08C7-47E7-927F-0F7CEDA7EEC6}"/>
               </a:ext>
             </a:extLst>
           </p:cNvPr>
@@ -6981,7 +6746,7 @@
           <p:cNvPr id="185" name="Straight Arrow Connector 184">
             <a:extLst>
               <a:ext uri="{FF2B5EF4-FFF2-40B4-BE49-F238E27FC236}">
-                <a16:creationId xmlns:a16="http://schemas.microsoft.com/office/drawing/2014/main" id="{DAB31678-084E-4387-A11E-A8663FDAB2B1}"/>
+                <a16:creationId xmlns:a16="http://schemas.microsoft.com/office/drawing/2014/main" xmlns="" id="{DAB31678-084E-4387-A11E-A8663FDAB2B1}"/>
               </a:ext>
             </a:extLst>
           </p:cNvPr>
@@ -7024,7 +6789,7 @@
           <p:cNvPr id="186" name="Rectangle 185">
             <a:extLst>
               <a:ext uri="{FF2B5EF4-FFF2-40B4-BE49-F238E27FC236}">
-                <a16:creationId xmlns:a16="http://schemas.microsoft.com/office/drawing/2014/main" id="{B8C805A2-781A-44BF-BC80-7B1EBDDAF6A2}"/>
+                <a16:creationId xmlns:a16="http://schemas.microsoft.com/office/drawing/2014/main" xmlns="" id="{B8C805A2-781A-44BF-BC80-7B1EBDDAF6A2}"/>
               </a:ext>
             </a:extLst>
           </p:cNvPr>
@@ -7095,7 +6860,7 @@
           <p:cNvPr id="187" name="Rectangle 186">
             <a:extLst>
               <a:ext uri="{FF2B5EF4-FFF2-40B4-BE49-F238E27FC236}">
-                <a16:creationId xmlns:a16="http://schemas.microsoft.com/office/drawing/2014/main" id="{361D5F01-1FA1-4E72-9799-3C95858882C1}"/>
+                <a16:creationId xmlns:a16="http://schemas.microsoft.com/office/drawing/2014/main" xmlns="" id="{361D5F01-1FA1-4E72-9799-3C95858882C1}"/>
               </a:ext>
             </a:extLst>
           </p:cNvPr>
@@ -7151,7 +6916,7 @@
           <p:cNvPr id="188" name="Rectangle 187">
             <a:extLst>
               <a:ext uri="{FF2B5EF4-FFF2-40B4-BE49-F238E27FC236}">
-                <a16:creationId xmlns:a16="http://schemas.microsoft.com/office/drawing/2014/main" id="{830529C0-6E97-47EB-AFC9-6650E015D76B}"/>
+                <a16:creationId xmlns:a16="http://schemas.microsoft.com/office/drawing/2014/main" xmlns="" id="{830529C0-6E97-47EB-AFC9-6650E015D76B}"/>
               </a:ext>
             </a:extLst>
           </p:cNvPr>
@@ -7236,7 +7001,7 @@
           <p:cNvPr id="2" name="Title 1">
             <a:extLst>
               <a:ext uri="{FF2B5EF4-FFF2-40B4-BE49-F238E27FC236}">
-                <a16:creationId xmlns:a16="http://schemas.microsoft.com/office/drawing/2014/main" id="{CF3E6105-1016-4545-9A5C-12F8198CBBCC}"/>
+                <a16:creationId xmlns:a16="http://schemas.microsoft.com/office/drawing/2014/main" xmlns="" id="{CF3E6105-1016-4545-9A5C-12F8198CBBCC}"/>
               </a:ext>
             </a:extLst>
           </p:cNvPr>
@@ -7264,7 +7029,7 @@
           <p:cNvPr id="3" name="Content Placeholder 2">
             <a:extLst>
               <a:ext uri="{FF2B5EF4-FFF2-40B4-BE49-F238E27FC236}">
-                <a16:creationId xmlns:a16="http://schemas.microsoft.com/office/drawing/2014/main" id="{3627C162-825A-40CD-876F-EC9F360A9B55}"/>
+                <a16:creationId xmlns:a16="http://schemas.microsoft.com/office/drawing/2014/main" xmlns="" id="{3627C162-825A-40CD-876F-EC9F360A9B55}"/>
               </a:ext>
             </a:extLst>
           </p:cNvPr>
@@ -7411,7 +7176,7 @@
           <p:cNvPr id="4" name="Content Placeholder 2">
             <a:extLst>
               <a:ext uri="{FF2B5EF4-FFF2-40B4-BE49-F238E27FC236}">
-                <a16:creationId xmlns:a16="http://schemas.microsoft.com/office/drawing/2014/main" id="{699ADA44-6943-485A-9787-04ED219459C0}"/>
+                <a16:creationId xmlns:a16="http://schemas.microsoft.com/office/drawing/2014/main" xmlns="" id="{699ADA44-6943-485A-9787-04ED219459C0}"/>
               </a:ext>
             </a:extLst>
           </p:cNvPr>
@@ -7744,7 +7509,7 @@
           <p:cNvPr id="5" name="Table 4">
             <a:extLst>
               <a:ext uri="{FF2B5EF4-FFF2-40B4-BE49-F238E27FC236}">
-                <a16:creationId xmlns:a16="http://schemas.microsoft.com/office/drawing/2014/main" id="{D528883E-3465-4CBF-995A-5DF989D396B3}"/>
+                <a16:creationId xmlns:a16="http://schemas.microsoft.com/office/drawing/2014/main" xmlns="" id="{D528883E-3465-4CBF-995A-5DF989D396B3}"/>
               </a:ext>
             </a:extLst>
           </p:cNvPr>
@@ -7773,63 +7538,63 @@
                 <a:gridCol w="903111">
                   <a:extLst>
                     <a:ext uri="{9D8B030D-6E8A-4147-A177-3AD203B41FA5}">
-                      <a16:colId xmlns:a16="http://schemas.microsoft.com/office/drawing/2014/main" val="2748064566"/>
+                      <a16:colId xmlns:a16="http://schemas.microsoft.com/office/drawing/2014/main" xmlns="" val="2748064566"/>
                     </a:ext>
                   </a:extLst>
                 </a:gridCol>
                 <a:gridCol w="903111">
                   <a:extLst>
                     <a:ext uri="{9D8B030D-6E8A-4147-A177-3AD203B41FA5}">
-                      <a16:colId xmlns:a16="http://schemas.microsoft.com/office/drawing/2014/main" val="2637987764"/>
+                      <a16:colId xmlns:a16="http://schemas.microsoft.com/office/drawing/2014/main" xmlns="" val="2637987764"/>
                     </a:ext>
                   </a:extLst>
                 </a:gridCol>
                 <a:gridCol w="903111">
                   <a:extLst>
                     <a:ext uri="{9D8B030D-6E8A-4147-A177-3AD203B41FA5}">
-                      <a16:colId xmlns:a16="http://schemas.microsoft.com/office/drawing/2014/main" val="2776984181"/>
+                      <a16:colId xmlns:a16="http://schemas.microsoft.com/office/drawing/2014/main" xmlns="" val="2776984181"/>
                     </a:ext>
                   </a:extLst>
                 </a:gridCol>
                 <a:gridCol w="903111">
                   <a:extLst>
                     <a:ext uri="{9D8B030D-6E8A-4147-A177-3AD203B41FA5}">
-                      <a16:colId xmlns:a16="http://schemas.microsoft.com/office/drawing/2014/main" val="1152397279"/>
+                      <a16:colId xmlns:a16="http://schemas.microsoft.com/office/drawing/2014/main" xmlns="" val="1152397279"/>
                     </a:ext>
                   </a:extLst>
                 </a:gridCol>
                 <a:gridCol w="903111">
                   <a:extLst>
                     <a:ext uri="{9D8B030D-6E8A-4147-A177-3AD203B41FA5}">
-                      <a16:colId xmlns:a16="http://schemas.microsoft.com/office/drawing/2014/main" val="613546170"/>
+                      <a16:colId xmlns:a16="http://schemas.microsoft.com/office/drawing/2014/main" xmlns="" val="613546170"/>
                     </a:ext>
                   </a:extLst>
                 </a:gridCol>
                 <a:gridCol w="903111">
                   <a:extLst>
                     <a:ext uri="{9D8B030D-6E8A-4147-A177-3AD203B41FA5}">
-                      <a16:colId xmlns:a16="http://schemas.microsoft.com/office/drawing/2014/main" val="205554848"/>
+                      <a16:colId xmlns:a16="http://schemas.microsoft.com/office/drawing/2014/main" xmlns="" val="205554848"/>
                     </a:ext>
                   </a:extLst>
                 </a:gridCol>
                 <a:gridCol w="903111">
                   <a:extLst>
                     <a:ext uri="{9D8B030D-6E8A-4147-A177-3AD203B41FA5}">
-                      <a16:colId xmlns:a16="http://schemas.microsoft.com/office/drawing/2014/main" val="1357225310"/>
+                      <a16:colId xmlns:a16="http://schemas.microsoft.com/office/drawing/2014/main" xmlns="" val="1357225310"/>
                     </a:ext>
                   </a:extLst>
                 </a:gridCol>
                 <a:gridCol w="903111">
                   <a:extLst>
                     <a:ext uri="{9D8B030D-6E8A-4147-A177-3AD203B41FA5}">
-                      <a16:colId xmlns:a16="http://schemas.microsoft.com/office/drawing/2014/main" val="361452095"/>
+                      <a16:colId xmlns:a16="http://schemas.microsoft.com/office/drawing/2014/main" xmlns="" val="361452095"/>
                     </a:ext>
                   </a:extLst>
                 </a:gridCol>
                 <a:gridCol w="903111">
                   <a:extLst>
                     <a:ext uri="{9D8B030D-6E8A-4147-A177-3AD203B41FA5}">
-                      <a16:colId xmlns:a16="http://schemas.microsoft.com/office/drawing/2014/main" val="26319354"/>
+                      <a16:colId xmlns:a16="http://schemas.microsoft.com/office/drawing/2014/main" xmlns="" val="26319354"/>
                     </a:ext>
                   </a:extLst>
                 </a:gridCol>
@@ -8187,7 +7952,7 @@
                 </a:tc>
                 <a:extLst>
                   <a:ext uri="{0D108BD9-81ED-4DB2-BD59-A6C34878D82A}">
-                    <a16:rowId xmlns:a16="http://schemas.microsoft.com/office/drawing/2014/main" val="125841312"/>
+                    <a16:rowId xmlns:a16="http://schemas.microsoft.com/office/drawing/2014/main" xmlns="" val="125841312"/>
                   </a:ext>
                 </a:extLst>
               </a:tr>
@@ -8508,7 +8273,7 @@
                 </a:tc>
                 <a:extLst>
                   <a:ext uri="{0D108BD9-81ED-4DB2-BD59-A6C34878D82A}">
-                    <a16:rowId xmlns:a16="http://schemas.microsoft.com/office/drawing/2014/main" val="2225464291"/>
+                    <a16:rowId xmlns:a16="http://schemas.microsoft.com/office/drawing/2014/main" xmlns="" val="2225464291"/>
                   </a:ext>
                 </a:extLst>
               </a:tr>
@@ -8802,7 +8567,7 @@
                 </a:tc>
                 <a:extLst>
                   <a:ext uri="{0D108BD9-81ED-4DB2-BD59-A6C34878D82A}">
-                    <a16:rowId xmlns:a16="http://schemas.microsoft.com/office/drawing/2014/main" val="712895918"/>
+                    <a16:rowId xmlns:a16="http://schemas.microsoft.com/office/drawing/2014/main" xmlns="" val="712895918"/>
                   </a:ext>
                 </a:extLst>
               </a:tr>
@@ -9102,7 +8867,7 @@
                 </a:tc>
                 <a:extLst>
                   <a:ext uri="{0D108BD9-81ED-4DB2-BD59-A6C34878D82A}">
-                    <a16:rowId xmlns:a16="http://schemas.microsoft.com/office/drawing/2014/main" val="2971285785"/>
+                    <a16:rowId xmlns:a16="http://schemas.microsoft.com/office/drawing/2014/main" xmlns="" val="2971285785"/>
                   </a:ext>
                 </a:extLst>
               </a:tr>
@@ -9402,7 +9167,7 @@
                 </a:tc>
                 <a:extLst>
                   <a:ext uri="{0D108BD9-81ED-4DB2-BD59-A6C34878D82A}">
-                    <a16:rowId xmlns:a16="http://schemas.microsoft.com/office/drawing/2014/main" val="2204902546"/>
+                    <a16:rowId xmlns:a16="http://schemas.microsoft.com/office/drawing/2014/main" xmlns="" val="2204902546"/>
                   </a:ext>
                 </a:extLst>
               </a:tr>
@@ -9738,7 +9503,7 @@
                 </a:tc>
                 <a:extLst>
                   <a:ext uri="{0D108BD9-81ED-4DB2-BD59-A6C34878D82A}">
-                    <a16:rowId xmlns:a16="http://schemas.microsoft.com/office/drawing/2014/main" val="965283140"/>
+                    <a16:rowId xmlns:a16="http://schemas.microsoft.com/office/drawing/2014/main" xmlns="" val="965283140"/>
                   </a:ext>
                 </a:extLst>
               </a:tr>
@@ -9781,7 +9546,7 @@
           <p:cNvPr id="4" name="Rectangle 3">
             <a:extLst>
               <a:ext uri="{FF2B5EF4-FFF2-40B4-BE49-F238E27FC236}">
-                <a16:creationId xmlns:a16="http://schemas.microsoft.com/office/drawing/2014/main" id="{B952EAF2-0A12-43B9-9045-FF6DF05D9554}"/>
+                <a16:creationId xmlns:a16="http://schemas.microsoft.com/office/drawing/2014/main" xmlns="" id="{B952EAF2-0A12-43B9-9045-FF6DF05D9554}"/>
               </a:ext>
             </a:extLst>
           </p:cNvPr>
@@ -9836,7 +9601,7 @@
           <p:cNvPr id="6" name="Rectangle 5">
             <a:extLst>
               <a:ext uri="{FF2B5EF4-FFF2-40B4-BE49-F238E27FC236}">
-                <a16:creationId xmlns:a16="http://schemas.microsoft.com/office/drawing/2014/main" id="{BB1785C5-707A-4CE9-BBBE-93504DA2B416}"/>
+                <a16:creationId xmlns:a16="http://schemas.microsoft.com/office/drawing/2014/main" xmlns="" id="{BB1785C5-707A-4CE9-BBBE-93504DA2B416}"/>
               </a:ext>
             </a:extLst>
           </p:cNvPr>
@@ -9888,7 +9653,7 @@
           <p:cNvPr id="8" name="Right Triangle 7">
             <a:extLst>
               <a:ext uri="{FF2B5EF4-FFF2-40B4-BE49-F238E27FC236}">
-                <a16:creationId xmlns:a16="http://schemas.microsoft.com/office/drawing/2014/main" id="{A2D6DE3E-4399-4E4A-B4D0-6B24E5925A58}"/>
+                <a16:creationId xmlns:a16="http://schemas.microsoft.com/office/drawing/2014/main" xmlns="" id="{A2D6DE3E-4399-4E4A-B4D0-6B24E5925A58}"/>
               </a:ext>
             </a:extLst>
           </p:cNvPr>
@@ -9942,7 +9707,7 @@
           <p:cNvPr id="9" name="Right Triangle 8">
             <a:extLst>
               <a:ext uri="{FF2B5EF4-FFF2-40B4-BE49-F238E27FC236}">
-                <a16:creationId xmlns:a16="http://schemas.microsoft.com/office/drawing/2014/main" id="{4492A67D-306C-40E5-A188-25C5B2E8E60E}"/>
+                <a16:creationId xmlns:a16="http://schemas.microsoft.com/office/drawing/2014/main" xmlns="" id="{4492A67D-306C-40E5-A188-25C5B2E8E60E}"/>
               </a:ext>
             </a:extLst>
           </p:cNvPr>
@@ -9994,7 +9759,7 @@
           <p:cNvPr id="10" name="Group 9">
             <a:extLst>
               <a:ext uri="{FF2B5EF4-FFF2-40B4-BE49-F238E27FC236}">
-                <a16:creationId xmlns:a16="http://schemas.microsoft.com/office/drawing/2014/main" id="{7240A447-BF0B-4888-ADEE-D2144CBECB04}"/>
+                <a16:creationId xmlns:a16="http://schemas.microsoft.com/office/drawing/2014/main" xmlns="" id="{7240A447-BF0B-4888-ADEE-D2144CBECB04}"/>
               </a:ext>
             </a:extLst>
           </p:cNvPr>
@@ -10014,7 +9779,7 @@
             <p:cNvPr id="11" name="Oval 10">
               <a:extLst>
                 <a:ext uri="{FF2B5EF4-FFF2-40B4-BE49-F238E27FC236}">
-                  <a16:creationId xmlns:a16="http://schemas.microsoft.com/office/drawing/2014/main" id="{B9E483EF-C8ED-4317-9444-C6D60D009609}"/>
+                  <a16:creationId xmlns:a16="http://schemas.microsoft.com/office/drawing/2014/main" xmlns="" id="{B9E483EF-C8ED-4317-9444-C6D60D009609}"/>
                 </a:ext>
               </a:extLst>
             </p:cNvPr>
@@ -10068,7 +9833,7 @@
             <p:cNvPr id="12" name="Oval 11">
               <a:extLst>
                 <a:ext uri="{FF2B5EF4-FFF2-40B4-BE49-F238E27FC236}">
-                  <a16:creationId xmlns:a16="http://schemas.microsoft.com/office/drawing/2014/main" id="{F5DC7E25-2E03-4DE0-8320-080C922B65CE}"/>
+                  <a16:creationId xmlns:a16="http://schemas.microsoft.com/office/drawing/2014/main" xmlns="" id="{F5DC7E25-2E03-4DE0-8320-080C922B65CE}"/>
                 </a:ext>
               </a:extLst>
             </p:cNvPr>
@@ -10122,7 +9887,7 @@
             <p:cNvPr id="13" name="Rectangle 12">
               <a:extLst>
                 <a:ext uri="{FF2B5EF4-FFF2-40B4-BE49-F238E27FC236}">
-                  <a16:creationId xmlns:a16="http://schemas.microsoft.com/office/drawing/2014/main" id="{DFA46352-C925-404B-9D8C-89CD61D2ADB4}"/>
+                  <a16:creationId xmlns:a16="http://schemas.microsoft.com/office/drawing/2014/main" xmlns="" id="{DFA46352-C925-404B-9D8C-89CD61D2ADB4}"/>
                 </a:ext>
               </a:extLst>
             </p:cNvPr>
@@ -10179,7 +9944,7 @@
             <p:cNvPr id="14" name="Rectangle: Rounded Corners 13">
               <a:extLst>
                 <a:ext uri="{FF2B5EF4-FFF2-40B4-BE49-F238E27FC236}">
-                  <a16:creationId xmlns:a16="http://schemas.microsoft.com/office/drawing/2014/main" id="{2D21F57D-E5CB-4BE7-B1D9-E4F1E8554796}"/>
+                  <a16:creationId xmlns:a16="http://schemas.microsoft.com/office/drawing/2014/main" xmlns="" id="{2D21F57D-E5CB-4BE7-B1D9-E4F1E8554796}"/>
                 </a:ext>
               </a:extLst>
             </p:cNvPr>
@@ -10239,7 +10004,7 @@
           <p:cNvPr id="16" name="Cloud 15">
             <a:extLst>
               <a:ext uri="{FF2B5EF4-FFF2-40B4-BE49-F238E27FC236}">
-                <a16:creationId xmlns:a16="http://schemas.microsoft.com/office/drawing/2014/main" id="{2CE27498-5023-4903-B058-E42EFEAA038E}"/>
+                <a16:creationId xmlns:a16="http://schemas.microsoft.com/office/drawing/2014/main" xmlns="" id="{2CE27498-5023-4903-B058-E42EFEAA038E}"/>
               </a:ext>
             </a:extLst>
           </p:cNvPr>
@@ -10296,7 +10061,7 @@
           <p:cNvPr id="5" name="Rectangle 4">
             <a:extLst>
               <a:ext uri="{FF2B5EF4-FFF2-40B4-BE49-F238E27FC236}">
-                <a16:creationId xmlns:a16="http://schemas.microsoft.com/office/drawing/2014/main" id="{54780F52-5C75-483F-A096-AE5FC390B8FA}"/>
+                <a16:creationId xmlns:a16="http://schemas.microsoft.com/office/drawing/2014/main" xmlns="" id="{54780F52-5C75-483F-A096-AE5FC390B8FA}"/>
               </a:ext>
             </a:extLst>
           </p:cNvPr>
@@ -10382,7 +10147,7 @@
           <p:cNvPr id="21" name="Rectangle 20">
             <a:extLst>
               <a:ext uri="{FF2B5EF4-FFF2-40B4-BE49-F238E27FC236}">
-                <a16:creationId xmlns:a16="http://schemas.microsoft.com/office/drawing/2014/main" id="{BD25B3EC-DB4C-4497-8FF5-572ABA1DC4C4}"/>
+                <a16:creationId xmlns:a16="http://schemas.microsoft.com/office/drawing/2014/main" xmlns="" id="{BD25B3EC-DB4C-4497-8FF5-572ABA1DC4C4}"/>
               </a:ext>
             </a:extLst>
           </p:cNvPr>
@@ -10434,7 +10199,7 @@
           <p:cNvPr id="20" name="Group 19">
             <a:extLst>
               <a:ext uri="{FF2B5EF4-FFF2-40B4-BE49-F238E27FC236}">
-                <a16:creationId xmlns:a16="http://schemas.microsoft.com/office/drawing/2014/main" id="{E9C4BE0C-8811-440A-A293-0B74E20CB15B}"/>
+                <a16:creationId xmlns:a16="http://schemas.microsoft.com/office/drawing/2014/main" xmlns="" id="{E9C4BE0C-8811-440A-A293-0B74E20CB15B}"/>
               </a:ext>
             </a:extLst>
           </p:cNvPr>
@@ -10454,7 +10219,7 @@
             <p:cNvPr id="14" name="Rectangle: Rounded Corners 13">
               <a:extLst>
                 <a:ext uri="{FF2B5EF4-FFF2-40B4-BE49-F238E27FC236}">
-                  <a16:creationId xmlns:a16="http://schemas.microsoft.com/office/drawing/2014/main" id="{F7D747E1-5321-4917-83A5-2C97927CE3D9}"/>
+                  <a16:creationId xmlns:a16="http://schemas.microsoft.com/office/drawing/2014/main" xmlns="" id="{F7D747E1-5321-4917-83A5-2C97927CE3D9}"/>
                 </a:ext>
               </a:extLst>
             </p:cNvPr>
@@ -10513,7 +10278,7 @@
             <p:cNvPr id="19" name="Rectangle: Rounded Corners 18">
               <a:extLst>
                 <a:ext uri="{FF2B5EF4-FFF2-40B4-BE49-F238E27FC236}">
-                  <a16:creationId xmlns:a16="http://schemas.microsoft.com/office/drawing/2014/main" id="{0F5F2F2C-752A-4F44-802C-BBB45CAC38B4}"/>
+                  <a16:creationId xmlns:a16="http://schemas.microsoft.com/office/drawing/2014/main" xmlns="" id="{0F5F2F2C-752A-4F44-802C-BBB45CAC38B4}"/>
                 </a:ext>
               </a:extLst>
             </p:cNvPr>
@@ -10572,7 +10337,7 @@
             <p:cNvPr id="13" name="Rectangle 12">
               <a:extLst>
                 <a:ext uri="{FF2B5EF4-FFF2-40B4-BE49-F238E27FC236}">
-                  <a16:creationId xmlns:a16="http://schemas.microsoft.com/office/drawing/2014/main" id="{F3690F3F-1F02-439A-A3F7-6E4692B1FE3F}"/>
+                  <a16:creationId xmlns:a16="http://schemas.microsoft.com/office/drawing/2014/main" xmlns="" id="{F3690F3F-1F02-439A-A3F7-6E4692B1FE3F}"/>
                 </a:ext>
               </a:extLst>
             </p:cNvPr>
@@ -10629,7 +10394,7 @@
             <p:cNvPr id="11" name="Oval 10">
               <a:extLst>
                 <a:ext uri="{FF2B5EF4-FFF2-40B4-BE49-F238E27FC236}">
-                  <a16:creationId xmlns:a16="http://schemas.microsoft.com/office/drawing/2014/main" id="{A0D0750E-85C8-46C7-A66D-0F4E01652F18}"/>
+                  <a16:creationId xmlns:a16="http://schemas.microsoft.com/office/drawing/2014/main" xmlns="" id="{A0D0750E-85C8-46C7-A66D-0F4E01652F18}"/>
                 </a:ext>
               </a:extLst>
             </p:cNvPr>
@@ -10683,7 +10448,7 @@
             <p:cNvPr id="12" name="Oval 11">
               <a:extLst>
                 <a:ext uri="{FF2B5EF4-FFF2-40B4-BE49-F238E27FC236}">
-                  <a16:creationId xmlns:a16="http://schemas.microsoft.com/office/drawing/2014/main" id="{8026C938-56CA-447F-968E-67A1FE5611D7}"/>
+                  <a16:creationId xmlns:a16="http://schemas.microsoft.com/office/drawing/2014/main" xmlns="" id="{8026C938-56CA-447F-968E-67A1FE5611D7}"/>
                 </a:ext>
               </a:extLst>
             </p:cNvPr>
@@ -10738,7 +10503,7 @@
           <p:cNvPr id="22" name="Cloud 21">
             <a:extLst>
               <a:ext uri="{FF2B5EF4-FFF2-40B4-BE49-F238E27FC236}">
-                <a16:creationId xmlns:a16="http://schemas.microsoft.com/office/drawing/2014/main" id="{7816433F-6710-4BE4-96DD-713A55E9C120}"/>
+                <a16:creationId xmlns:a16="http://schemas.microsoft.com/office/drawing/2014/main" xmlns="" id="{7816433F-6710-4BE4-96DD-713A55E9C120}"/>
               </a:ext>
             </a:extLst>
           </p:cNvPr>
@@ -10825,7 +10590,7 @@
           <p:cNvPr id="21" name="Rectangle 20">
             <a:extLst>
               <a:ext uri="{FF2B5EF4-FFF2-40B4-BE49-F238E27FC236}">
-                <a16:creationId xmlns:a16="http://schemas.microsoft.com/office/drawing/2014/main" id="{BD25B3EC-DB4C-4497-8FF5-572ABA1DC4C4}"/>
+                <a16:creationId xmlns:a16="http://schemas.microsoft.com/office/drawing/2014/main" xmlns="" id="{BD25B3EC-DB4C-4497-8FF5-572ABA1DC4C4}"/>
               </a:ext>
             </a:extLst>
           </p:cNvPr>
@@ -10877,7 +10642,7 @@
           <p:cNvPr id="20" name="Group 19">
             <a:extLst>
               <a:ext uri="{FF2B5EF4-FFF2-40B4-BE49-F238E27FC236}">
-                <a16:creationId xmlns:a16="http://schemas.microsoft.com/office/drawing/2014/main" id="{E9C4BE0C-8811-440A-A293-0B74E20CB15B}"/>
+                <a16:creationId xmlns:a16="http://schemas.microsoft.com/office/drawing/2014/main" xmlns="" id="{E9C4BE0C-8811-440A-A293-0B74E20CB15B}"/>
               </a:ext>
             </a:extLst>
           </p:cNvPr>
@@ -10897,7 +10662,7 @@
             <p:cNvPr id="14" name="Rectangle: Rounded Corners 13">
               <a:extLst>
                 <a:ext uri="{FF2B5EF4-FFF2-40B4-BE49-F238E27FC236}">
-                  <a16:creationId xmlns:a16="http://schemas.microsoft.com/office/drawing/2014/main" id="{F7D747E1-5321-4917-83A5-2C97927CE3D9}"/>
+                  <a16:creationId xmlns:a16="http://schemas.microsoft.com/office/drawing/2014/main" xmlns="" id="{F7D747E1-5321-4917-83A5-2C97927CE3D9}"/>
                 </a:ext>
               </a:extLst>
             </p:cNvPr>
@@ -10956,7 +10721,7 @@
             <p:cNvPr id="19" name="Rectangle: Rounded Corners 18">
               <a:extLst>
                 <a:ext uri="{FF2B5EF4-FFF2-40B4-BE49-F238E27FC236}">
-                  <a16:creationId xmlns:a16="http://schemas.microsoft.com/office/drawing/2014/main" id="{0F5F2F2C-752A-4F44-802C-BBB45CAC38B4}"/>
+                  <a16:creationId xmlns:a16="http://schemas.microsoft.com/office/drawing/2014/main" xmlns="" id="{0F5F2F2C-752A-4F44-802C-BBB45CAC38B4}"/>
                 </a:ext>
               </a:extLst>
             </p:cNvPr>
@@ -11015,7 +10780,7 @@
             <p:cNvPr id="13" name="Rectangle 12">
               <a:extLst>
                 <a:ext uri="{FF2B5EF4-FFF2-40B4-BE49-F238E27FC236}">
-                  <a16:creationId xmlns:a16="http://schemas.microsoft.com/office/drawing/2014/main" id="{F3690F3F-1F02-439A-A3F7-6E4692B1FE3F}"/>
+                  <a16:creationId xmlns:a16="http://schemas.microsoft.com/office/drawing/2014/main" xmlns="" id="{F3690F3F-1F02-439A-A3F7-6E4692B1FE3F}"/>
                 </a:ext>
               </a:extLst>
             </p:cNvPr>
@@ -11072,7 +10837,7 @@
             <p:cNvPr id="11" name="Oval 10">
               <a:extLst>
                 <a:ext uri="{FF2B5EF4-FFF2-40B4-BE49-F238E27FC236}">
-                  <a16:creationId xmlns:a16="http://schemas.microsoft.com/office/drawing/2014/main" id="{A0D0750E-85C8-46C7-A66D-0F4E01652F18}"/>
+                  <a16:creationId xmlns:a16="http://schemas.microsoft.com/office/drawing/2014/main" xmlns="" id="{A0D0750E-85C8-46C7-A66D-0F4E01652F18}"/>
                 </a:ext>
               </a:extLst>
             </p:cNvPr>
@@ -11126,7 +10891,7 @@
             <p:cNvPr id="12" name="Oval 11">
               <a:extLst>
                 <a:ext uri="{FF2B5EF4-FFF2-40B4-BE49-F238E27FC236}">
-                  <a16:creationId xmlns:a16="http://schemas.microsoft.com/office/drawing/2014/main" id="{8026C938-56CA-447F-968E-67A1FE5611D7}"/>
+                  <a16:creationId xmlns:a16="http://schemas.microsoft.com/office/drawing/2014/main" xmlns="" id="{8026C938-56CA-447F-968E-67A1FE5611D7}"/>
                 </a:ext>
               </a:extLst>
             </p:cNvPr>
@@ -11181,7 +10946,7 @@
           <p:cNvPr id="22" name="Cloud 21">
             <a:extLst>
               <a:ext uri="{FF2B5EF4-FFF2-40B4-BE49-F238E27FC236}">
-                <a16:creationId xmlns:a16="http://schemas.microsoft.com/office/drawing/2014/main" id="{7816433F-6710-4BE4-96DD-713A55E9C120}"/>
+                <a16:creationId xmlns:a16="http://schemas.microsoft.com/office/drawing/2014/main" xmlns="" id="{7816433F-6710-4BE4-96DD-713A55E9C120}"/>
               </a:ext>
             </a:extLst>
           </p:cNvPr>
@@ -11238,7 +11003,7 @@
           <p:cNvPr id="18" name="Rectangle 17">
             <a:extLst>
               <a:ext uri="{FF2B5EF4-FFF2-40B4-BE49-F238E27FC236}">
-                <a16:creationId xmlns:a16="http://schemas.microsoft.com/office/drawing/2014/main" id="{1691F04F-5542-4138-AE32-C7ABDADEDD48}"/>
+                <a16:creationId xmlns:a16="http://schemas.microsoft.com/office/drawing/2014/main" xmlns="" id="{1691F04F-5542-4138-AE32-C7ABDADEDD48}"/>
               </a:ext>
             </a:extLst>
           </p:cNvPr>
@@ -11292,7 +11057,7 @@
           <p:cNvPr id="23" name="Oval 22">
             <a:extLst>
               <a:ext uri="{FF2B5EF4-FFF2-40B4-BE49-F238E27FC236}">
-                <a16:creationId xmlns:a16="http://schemas.microsoft.com/office/drawing/2014/main" id="{68F7C2D4-7A61-481E-95A2-C3E0FF07CEB2}"/>
+                <a16:creationId xmlns:a16="http://schemas.microsoft.com/office/drawing/2014/main" xmlns="" id="{68F7C2D4-7A61-481E-95A2-C3E0FF07CEB2}"/>
               </a:ext>
             </a:extLst>
           </p:cNvPr>
@@ -11346,7 +11111,7 @@
           <p:cNvPr id="24" name="Oval 23">
             <a:extLst>
               <a:ext uri="{FF2B5EF4-FFF2-40B4-BE49-F238E27FC236}">
-                <a16:creationId xmlns:a16="http://schemas.microsoft.com/office/drawing/2014/main" id="{39986F21-83F4-47B4-A190-C21573817676}"/>
+                <a16:creationId xmlns:a16="http://schemas.microsoft.com/office/drawing/2014/main" xmlns="" id="{39986F21-83F4-47B4-A190-C21573817676}"/>
               </a:ext>
             </a:extLst>
           </p:cNvPr>
@@ -11400,7 +11165,7 @@
           <p:cNvPr id="25" name="Oval 24">
             <a:extLst>
               <a:ext uri="{FF2B5EF4-FFF2-40B4-BE49-F238E27FC236}">
-                <a16:creationId xmlns:a16="http://schemas.microsoft.com/office/drawing/2014/main" id="{304F4A48-1083-4DC0-BBEA-AD2CB3155009}"/>
+                <a16:creationId xmlns:a16="http://schemas.microsoft.com/office/drawing/2014/main" xmlns="" id="{304F4A48-1083-4DC0-BBEA-AD2CB3155009}"/>
               </a:ext>
             </a:extLst>
           </p:cNvPr>
@@ -11484,7 +11249,7 @@
           <p:cNvPr id="21" name="Rectangle 20">
             <a:extLst>
               <a:ext uri="{FF2B5EF4-FFF2-40B4-BE49-F238E27FC236}">
-                <a16:creationId xmlns:a16="http://schemas.microsoft.com/office/drawing/2014/main" id="{BD25B3EC-DB4C-4497-8FF5-572ABA1DC4C4}"/>
+                <a16:creationId xmlns:a16="http://schemas.microsoft.com/office/drawing/2014/main" xmlns="" id="{BD25B3EC-DB4C-4497-8FF5-572ABA1DC4C4}"/>
               </a:ext>
             </a:extLst>
           </p:cNvPr>
@@ -11536,7 +11301,7 @@
           <p:cNvPr id="20" name="Group 19">
             <a:extLst>
               <a:ext uri="{FF2B5EF4-FFF2-40B4-BE49-F238E27FC236}">
-                <a16:creationId xmlns:a16="http://schemas.microsoft.com/office/drawing/2014/main" id="{E9C4BE0C-8811-440A-A293-0B74E20CB15B}"/>
+                <a16:creationId xmlns:a16="http://schemas.microsoft.com/office/drawing/2014/main" xmlns="" id="{E9C4BE0C-8811-440A-A293-0B74E20CB15B}"/>
               </a:ext>
             </a:extLst>
           </p:cNvPr>
@@ -11556,7 +11321,7 @@
             <p:cNvPr id="14" name="Rectangle: Rounded Corners 13">
               <a:extLst>
                 <a:ext uri="{FF2B5EF4-FFF2-40B4-BE49-F238E27FC236}">
-                  <a16:creationId xmlns:a16="http://schemas.microsoft.com/office/drawing/2014/main" id="{F7D747E1-5321-4917-83A5-2C97927CE3D9}"/>
+                  <a16:creationId xmlns:a16="http://schemas.microsoft.com/office/drawing/2014/main" xmlns="" id="{F7D747E1-5321-4917-83A5-2C97927CE3D9}"/>
                 </a:ext>
               </a:extLst>
             </p:cNvPr>
@@ -11615,7 +11380,7 @@
             <p:cNvPr id="19" name="Rectangle: Rounded Corners 18">
               <a:extLst>
                 <a:ext uri="{FF2B5EF4-FFF2-40B4-BE49-F238E27FC236}">
-                  <a16:creationId xmlns:a16="http://schemas.microsoft.com/office/drawing/2014/main" id="{0F5F2F2C-752A-4F44-802C-BBB45CAC38B4}"/>
+                  <a16:creationId xmlns:a16="http://schemas.microsoft.com/office/drawing/2014/main" xmlns="" id="{0F5F2F2C-752A-4F44-802C-BBB45CAC38B4}"/>
                 </a:ext>
               </a:extLst>
             </p:cNvPr>
@@ -11674,7 +11439,7 @@
             <p:cNvPr id="13" name="Rectangle 12">
               <a:extLst>
                 <a:ext uri="{FF2B5EF4-FFF2-40B4-BE49-F238E27FC236}">
-                  <a16:creationId xmlns:a16="http://schemas.microsoft.com/office/drawing/2014/main" id="{F3690F3F-1F02-439A-A3F7-6E4692B1FE3F}"/>
+                  <a16:creationId xmlns:a16="http://schemas.microsoft.com/office/drawing/2014/main" xmlns="" id="{F3690F3F-1F02-439A-A3F7-6E4692B1FE3F}"/>
                 </a:ext>
               </a:extLst>
             </p:cNvPr>
@@ -11731,7 +11496,7 @@
             <p:cNvPr id="11" name="Oval 10">
               <a:extLst>
                 <a:ext uri="{FF2B5EF4-FFF2-40B4-BE49-F238E27FC236}">
-                  <a16:creationId xmlns:a16="http://schemas.microsoft.com/office/drawing/2014/main" id="{A0D0750E-85C8-46C7-A66D-0F4E01652F18}"/>
+                  <a16:creationId xmlns:a16="http://schemas.microsoft.com/office/drawing/2014/main" xmlns="" id="{A0D0750E-85C8-46C7-A66D-0F4E01652F18}"/>
                 </a:ext>
               </a:extLst>
             </p:cNvPr>
@@ -11785,7 +11550,7 @@
             <p:cNvPr id="12" name="Oval 11">
               <a:extLst>
                 <a:ext uri="{FF2B5EF4-FFF2-40B4-BE49-F238E27FC236}">
-                  <a16:creationId xmlns:a16="http://schemas.microsoft.com/office/drawing/2014/main" id="{8026C938-56CA-447F-968E-67A1FE5611D7}"/>
+                  <a16:creationId xmlns:a16="http://schemas.microsoft.com/office/drawing/2014/main" xmlns="" id="{8026C938-56CA-447F-968E-67A1FE5611D7}"/>
                 </a:ext>
               </a:extLst>
             </p:cNvPr>
@@ -11840,7 +11605,7 @@
           <p:cNvPr id="22" name="Cloud 21">
             <a:extLst>
               <a:ext uri="{FF2B5EF4-FFF2-40B4-BE49-F238E27FC236}">
-                <a16:creationId xmlns:a16="http://schemas.microsoft.com/office/drawing/2014/main" id="{7816433F-6710-4BE4-96DD-713A55E9C120}"/>
+                <a16:creationId xmlns:a16="http://schemas.microsoft.com/office/drawing/2014/main" xmlns="" id="{7816433F-6710-4BE4-96DD-713A55E9C120}"/>
               </a:ext>
             </a:extLst>
           </p:cNvPr>
@@ -11897,7 +11662,7 @@
           <p:cNvPr id="18" name="Rectangle 17">
             <a:extLst>
               <a:ext uri="{FF2B5EF4-FFF2-40B4-BE49-F238E27FC236}">
-                <a16:creationId xmlns:a16="http://schemas.microsoft.com/office/drawing/2014/main" id="{1691F04F-5542-4138-AE32-C7ABDADEDD48}"/>
+                <a16:creationId xmlns:a16="http://schemas.microsoft.com/office/drawing/2014/main" xmlns="" id="{1691F04F-5542-4138-AE32-C7ABDADEDD48}"/>
               </a:ext>
             </a:extLst>
           </p:cNvPr>
@@ -11951,7 +11716,7 @@
           <p:cNvPr id="24" name="Oval 23">
             <a:extLst>
               <a:ext uri="{FF2B5EF4-FFF2-40B4-BE49-F238E27FC236}">
-                <a16:creationId xmlns:a16="http://schemas.microsoft.com/office/drawing/2014/main" id="{39986F21-83F4-47B4-A190-C21573817676}"/>
+                <a16:creationId xmlns:a16="http://schemas.microsoft.com/office/drawing/2014/main" xmlns="" id="{39986F21-83F4-47B4-A190-C21573817676}"/>
               </a:ext>
             </a:extLst>
           </p:cNvPr>
@@ -12005,7 +11770,7 @@
           <p:cNvPr id="3" name="Straight Connector 2">
             <a:extLst>
               <a:ext uri="{FF2B5EF4-FFF2-40B4-BE49-F238E27FC236}">
-                <a16:creationId xmlns:a16="http://schemas.microsoft.com/office/drawing/2014/main" id="{D4FE5C44-DB15-43D7-861A-9E8E750611FA}"/>
+                <a16:creationId xmlns:a16="http://schemas.microsoft.com/office/drawing/2014/main" xmlns="" id="{D4FE5C44-DB15-43D7-861A-9E8E750611FA}"/>
               </a:ext>
             </a:extLst>
           </p:cNvPr>
@@ -12048,7 +11813,7 @@
           <p:cNvPr id="23" name="Oval 22">
             <a:extLst>
               <a:ext uri="{FF2B5EF4-FFF2-40B4-BE49-F238E27FC236}">
-                <a16:creationId xmlns:a16="http://schemas.microsoft.com/office/drawing/2014/main" id="{68F7C2D4-7A61-481E-95A2-C3E0FF07CEB2}"/>
+                <a16:creationId xmlns:a16="http://schemas.microsoft.com/office/drawing/2014/main" xmlns="" id="{68F7C2D4-7A61-481E-95A2-C3E0FF07CEB2}"/>
               </a:ext>
             </a:extLst>
           </p:cNvPr>
@@ -12102,7 +11867,7 @@
           <p:cNvPr id="25" name="Oval 24">
             <a:extLst>
               <a:ext uri="{FF2B5EF4-FFF2-40B4-BE49-F238E27FC236}">
-                <a16:creationId xmlns:a16="http://schemas.microsoft.com/office/drawing/2014/main" id="{304F4A48-1083-4DC0-BBEA-AD2CB3155009}"/>
+                <a16:creationId xmlns:a16="http://schemas.microsoft.com/office/drawing/2014/main" xmlns="" id="{304F4A48-1083-4DC0-BBEA-AD2CB3155009}"/>
               </a:ext>
             </a:extLst>
           </p:cNvPr>
@@ -12156,7 +11921,7 @@
           <p:cNvPr id="5" name="Straight Connector 4">
             <a:extLst>
               <a:ext uri="{FF2B5EF4-FFF2-40B4-BE49-F238E27FC236}">
-                <a16:creationId xmlns:a16="http://schemas.microsoft.com/office/drawing/2014/main" id="{86723112-7FE1-441F-9F8A-F889DE6EF386}"/>
+                <a16:creationId xmlns:a16="http://schemas.microsoft.com/office/drawing/2014/main" xmlns="" id="{86723112-7FE1-441F-9F8A-F889DE6EF386}"/>
               </a:ext>
             </a:extLst>
           </p:cNvPr>
@@ -12199,7 +11964,7 @@
           <p:cNvPr id="8" name="Arrow: Right 7">
             <a:extLst>
               <a:ext uri="{FF2B5EF4-FFF2-40B4-BE49-F238E27FC236}">
-                <a16:creationId xmlns:a16="http://schemas.microsoft.com/office/drawing/2014/main" id="{902D70E0-C0D5-495D-81FF-8718930F7553}"/>
+                <a16:creationId xmlns:a16="http://schemas.microsoft.com/office/drawing/2014/main" xmlns="" id="{902D70E0-C0D5-495D-81FF-8718930F7553}"/>
               </a:ext>
             </a:extLst>
           </p:cNvPr>
@@ -12284,7 +12049,7 @@
           <p:cNvPr id="21" name="Rectangle 20">
             <a:extLst>
               <a:ext uri="{FF2B5EF4-FFF2-40B4-BE49-F238E27FC236}">
-                <a16:creationId xmlns:a16="http://schemas.microsoft.com/office/drawing/2014/main" id="{BD25B3EC-DB4C-4497-8FF5-572ABA1DC4C4}"/>
+                <a16:creationId xmlns:a16="http://schemas.microsoft.com/office/drawing/2014/main" xmlns="" id="{BD25B3EC-DB4C-4497-8FF5-572ABA1DC4C4}"/>
               </a:ext>
             </a:extLst>
           </p:cNvPr>
@@ -12336,7 +12101,7 @@
           <p:cNvPr id="22" name="Cloud 21">
             <a:extLst>
               <a:ext uri="{FF2B5EF4-FFF2-40B4-BE49-F238E27FC236}">
-                <a16:creationId xmlns:a16="http://schemas.microsoft.com/office/drawing/2014/main" id="{7816433F-6710-4BE4-96DD-713A55E9C120}"/>
+                <a16:creationId xmlns:a16="http://schemas.microsoft.com/office/drawing/2014/main" xmlns="" id="{7816433F-6710-4BE4-96DD-713A55E9C120}"/>
               </a:ext>
             </a:extLst>
           </p:cNvPr>
@@ -12393,7 +12158,7 @@
           <p:cNvPr id="36" name="Group 35">
             <a:extLst>
               <a:ext uri="{FF2B5EF4-FFF2-40B4-BE49-F238E27FC236}">
-                <a16:creationId xmlns:a16="http://schemas.microsoft.com/office/drawing/2014/main" id="{9D3C3581-799D-41C4-8A7E-3B1F29D7F724}"/>
+                <a16:creationId xmlns:a16="http://schemas.microsoft.com/office/drawing/2014/main" xmlns="" id="{9D3C3581-799D-41C4-8A7E-3B1F29D7F724}"/>
               </a:ext>
             </a:extLst>
           </p:cNvPr>
@@ -12413,7 +12178,7 @@
             <p:cNvPr id="40" name="Rectangle: Rounded Corners 39">
               <a:extLst>
                 <a:ext uri="{FF2B5EF4-FFF2-40B4-BE49-F238E27FC236}">
-                  <a16:creationId xmlns:a16="http://schemas.microsoft.com/office/drawing/2014/main" id="{342ABA70-F860-492B-BFBC-F4814929B690}"/>
+                  <a16:creationId xmlns:a16="http://schemas.microsoft.com/office/drawing/2014/main" xmlns="" id="{342ABA70-F860-492B-BFBC-F4814929B690}"/>
                 </a:ext>
               </a:extLst>
             </p:cNvPr>
@@ -12472,7 +12237,7 @@
             <p:cNvPr id="41" name="Rectangle: Rounded Corners 40">
               <a:extLst>
                 <a:ext uri="{FF2B5EF4-FFF2-40B4-BE49-F238E27FC236}">
-                  <a16:creationId xmlns:a16="http://schemas.microsoft.com/office/drawing/2014/main" id="{7C3DC209-DCFF-49CD-B4CD-A701A6076BC1}"/>
+                  <a16:creationId xmlns:a16="http://schemas.microsoft.com/office/drawing/2014/main" xmlns="" id="{7C3DC209-DCFF-49CD-B4CD-A701A6076BC1}"/>
                 </a:ext>
               </a:extLst>
             </p:cNvPr>
@@ -12531,7 +12296,7 @@
             <p:cNvPr id="42" name="Rectangle 41">
               <a:extLst>
                 <a:ext uri="{FF2B5EF4-FFF2-40B4-BE49-F238E27FC236}">
-                  <a16:creationId xmlns:a16="http://schemas.microsoft.com/office/drawing/2014/main" id="{0D2D6DD8-D866-4F3D-967E-38D0B5925AD4}"/>
+                  <a16:creationId xmlns:a16="http://schemas.microsoft.com/office/drawing/2014/main" xmlns="" id="{0D2D6DD8-D866-4F3D-967E-38D0B5925AD4}"/>
                 </a:ext>
               </a:extLst>
             </p:cNvPr>
@@ -12588,7 +12353,7 @@
             <p:cNvPr id="43" name="Oval 42">
               <a:extLst>
                 <a:ext uri="{FF2B5EF4-FFF2-40B4-BE49-F238E27FC236}">
-                  <a16:creationId xmlns:a16="http://schemas.microsoft.com/office/drawing/2014/main" id="{68D34BEC-9182-437E-9BA8-AD7FFA4B19EB}"/>
+                  <a16:creationId xmlns:a16="http://schemas.microsoft.com/office/drawing/2014/main" xmlns="" id="{68D34BEC-9182-437E-9BA8-AD7FFA4B19EB}"/>
                 </a:ext>
               </a:extLst>
             </p:cNvPr>
@@ -12642,7 +12407,7 @@
             <p:cNvPr id="44" name="Oval 43">
               <a:extLst>
                 <a:ext uri="{FF2B5EF4-FFF2-40B4-BE49-F238E27FC236}">
-                  <a16:creationId xmlns:a16="http://schemas.microsoft.com/office/drawing/2014/main" id="{BFE920F1-16B1-473C-990F-979542E37EF6}"/>
+                  <a16:creationId xmlns:a16="http://schemas.microsoft.com/office/drawing/2014/main" xmlns="" id="{BFE920F1-16B1-473C-990F-979542E37EF6}"/>
                 </a:ext>
               </a:extLst>
             </p:cNvPr>
@@ -12697,7 +12462,7 @@
           <p:cNvPr id="18" name="Rectangle 17">
             <a:extLst>
               <a:ext uri="{FF2B5EF4-FFF2-40B4-BE49-F238E27FC236}">
-                <a16:creationId xmlns:a16="http://schemas.microsoft.com/office/drawing/2014/main" id="{1691F04F-5542-4138-AE32-C7ABDADEDD48}"/>
+                <a16:creationId xmlns:a16="http://schemas.microsoft.com/office/drawing/2014/main" xmlns="" id="{1691F04F-5542-4138-AE32-C7ABDADEDD48}"/>
               </a:ext>
             </a:extLst>
           </p:cNvPr>
@@ -12751,7 +12516,7 @@
           <p:cNvPr id="3" name="Straight Connector 2">
             <a:extLst>
               <a:ext uri="{FF2B5EF4-FFF2-40B4-BE49-F238E27FC236}">
-                <a16:creationId xmlns:a16="http://schemas.microsoft.com/office/drawing/2014/main" id="{D4FE5C44-DB15-43D7-861A-9E8E750611FA}"/>
+                <a16:creationId xmlns:a16="http://schemas.microsoft.com/office/drawing/2014/main" xmlns="" id="{D4FE5C44-DB15-43D7-861A-9E8E750611FA}"/>
               </a:ext>
             </a:extLst>
           </p:cNvPr>
@@ -12794,7 +12559,7 @@
           <p:cNvPr id="23" name="Oval 22">
             <a:extLst>
               <a:ext uri="{FF2B5EF4-FFF2-40B4-BE49-F238E27FC236}">
-                <a16:creationId xmlns:a16="http://schemas.microsoft.com/office/drawing/2014/main" id="{68F7C2D4-7A61-481E-95A2-C3E0FF07CEB2}"/>
+                <a16:creationId xmlns:a16="http://schemas.microsoft.com/office/drawing/2014/main" xmlns="" id="{68F7C2D4-7A61-481E-95A2-C3E0FF07CEB2}"/>
               </a:ext>
             </a:extLst>
           </p:cNvPr>
@@ -12848,7 +12613,7 @@
           <p:cNvPr id="37" name="Oval 36">
             <a:extLst>
               <a:ext uri="{FF2B5EF4-FFF2-40B4-BE49-F238E27FC236}">
-                <a16:creationId xmlns:a16="http://schemas.microsoft.com/office/drawing/2014/main" id="{9370E720-6E28-4D6C-BB02-7682277CAE3D}"/>
+                <a16:creationId xmlns:a16="http://schemas.microsoft.com/office/drawing/2014/main" xmlns="" id="{9370E720-6E28-4D6C-BB02-7682277CAE3D}"/>
               </a:ext>
             </a:extLst>
           </p:cNvPr>
@@ -12902,7 +12667,7 @@
           <p:cNvPr id="38" name="Oval 37">
             <a:extLst>
               <a:ext uri="{FF2B5EF4-FFF2-40B4-BE49-F238E27FC236}">
-                <a16:creationId xmlns:a16="http://schemas.microsoft.com/office/drawing/2014/main" id="{E1568EDB-529F-481E-9BD9-1A4190F5A051}"/>
+                <a16:creationId xmlns:a16="http://schemas.microsoft.com/office/drawing/2014/main" xmlns="" id="{E1568EDB-529F-481E-9BD9-1A4190F5A051}"/>
               </a:ext>
             </a:extLst>
           </p:cNvPr>
@@ -12986,7 +12751,7 @@
           <p:cNvPr id="21" name="Rectangle 20">
             <a:extLst>
               <a:ext uri="{FF2B5EF4-FFF2-40B4-BE49-F238E27FC236}">
-                <a16:creationId xmlns:a16="http://schemas.microsoft.com/office/drawing/2014/main" id="{BD25B3EC-DB4C-4497-8FF5-572ABA1DC4C4}"/>
+                <a16:creationId xmlns:a16="http://schemas.microsoft.com/office/drawing/2014/main" xmlns="" id="{BD25B3EC-DB4C-4497-8FF5-572ABA1DC4C4}"/>
               </a:ext>
             </a:extLst>
           </p:cNvPr>
@@ -13038,7 +12803,7 @@
           <p:cNvPr id="26" name="Straight Connector 25">
             <a:extLst>
               <a:ext uri="{FF2B5EF4-FFF2-40B4-BE49-F238E27FC236}">
-                <a16:creationId xmlns:a16="http://schemas.microsoft.com/office/drawing/2014/main" id="{8F6E0289-E345-4A0E-9753-7FC8FE3E078D}"/>
+                <a16:creationId xmlns:a16="http://schemas.microsoft.com/office/drawing/2014/main" xmlns="" id="{8F6E0289-E345-4A0E-9753-7FC8FE3E078D}"/>
               </a:ext>
             </a:extLst>
           </p:cNvPr>
@@ -13083,7 +12848,7 @@
           <p:cNvPr id="27" name="Straight Connector 26">
             <a:extLst>
               <a:ext uri="{FF2B5EF4-FFF2-40B4-BE49-F238E27FC236}">
-                <a16:creationId xmlns:a16="http://schemas.microsoft.com/office/drawing/2014/main" id="{0F420222-C32D-4282-B4C1-8EE001FE4EB1}"/>
+                <a16:creationId xmlns:a16="http://schemas.microsoft.com/office/drawing/2014/main" xmlns="" id="{0F420222-C32D-4282-B4C1-8EE001FE4EB1}"/>
               </a:ext>
             </a:extLst>
           </p:cNvPr>
@@ -13128,7 +12893,7 @@
           <p:cNvPr id="22" name="Cloud 21">
             <a:extLst>
               <a:ext uri="{FF2B5EF4-FFF2-40B4-BE49-F238E27FC236}">
-                <a16:creationId xmlns:a16="http://schemas.microsoft.com/office/drawing/2014/main" id="{7816433F-6710-4BE4-96DD-713A55E9C120}"/>
+                <a16:creationId xmlns:a16="http://schemas.microsoft.com/office/drawing/2014/main" xmlns="" id="{7816433F-6710-4BE4-96DD-713A55E9C120}"/>
               </a:ext>
             </a:extLst>
           </p:cNvPr>
@@ -13185,7 +12950,7 @@
           <p:cNvPr id="36" name="Group 35">
             <a:extLst>
               <a:ext uri="{FF2B5EF4-FFF2-40B4-BE49-F238E27FC236}">
-                <a16:creationId xmlns:a16="http://schemas.microsoft.com/office/drawing/2014/main" id="{9D3C3581-799D-41C4-8A7E-3B1F29D7F724}"/>
+                <a16:creationId xmlns:a16="http://schemas.microsoft.com/office/drawing/2014/main" xmlns="" id="{9D3C3581-799D-41C4-8A7E-3B1F29D7F724}"/>
               </a:ext>
             </a:extLst>
           </p:cNvPr>
@@ -13210,7 +12975,7 @@
             <p:cNvPr id="40" name="Rectangle: Rounded Corners 39">
               <a:extLst>
                 <a:ext uri="{FF2B5EF4-FFF2-40B4-BE49-F238E27FC236}">
-                  <a16:creationId xmlns:a16="http://schemas.microsoft.com/office/drawing/2014/main" id="{342ABA70-F860-492B-BFBC-F4814929B690}"/>
+                  <a16:creationId xmlns:a16="http://schemas.microsoft.com/office/drawing/2014/main" xmlns="" id="{342ABA70-F860-492B-BFBC-F4814929B690}"/>
                 </a:ext>
               </a:extLst>
             </p:cNvPr>
@@ -13264,7 +13029,7 @@
             <p:cNvPr id="41" name="Rectangle: Rounded Corners 40">
               <a:extLst>
                 <a:ext uri="{FF2B5EF4-FFF2-40B4-BE49-F238E27FC236}">
-                  <a16:creationId xmlns:a16="http://schemas.microsoft.com/office/drawing/2014/main" id="{7C3DC209-DCFF-49CD-B4CD-A701A6076BC1}"/>
+                  <a16:creationId xmlns:a16="http://schemas.microsoft.com/office/drawing/2014/main" xmlns="" id="{7C3DC209-DCFF-49CD-B4CD-A701A6076BC1}"/>
                 </a:ext>
               </a:extLst>
             </p:cNvPr>
@@ -13318,7 +13083,7 @@
             <p:cNvPr id="42" name="Rectangle 41">
               <a:extLst>
                 <a:ext uri="{FF2B5EF4-FFF2-40B4-BE49-F238E27FC236}">
-                  <a16:creationId xmlns:a16="http://schemas.microsoft.com/office/drawing/2014/main" id="{0D2D6DD8-D866-4F3D-967E-38D0B5925AD4}"/>
+                  <a16:creationId xmlns:a16="http://schemas.microsoft.com/office/drawing/2014/main" xmlns="" id="{0D2D6DD8-D866-4F3D-967E-38D0B5925AD4}"/>
                 </a:ext>
               </a:extLst>
             </p:cNvPr>
@@ -13370,7 +13135,7 @@
             <p:cNvPr id="43" name="Oval 42">
               <a:extLst>
                 <a:ext uri="{FF2B5EF4-FFF2-40B4-BE49-F238E27FC236}">
-                  <a16:creationId xmlns:a16="http://schemas.microsoft.com/office/drawing/2014/main" id="{68D34BEC-9182-437E-9BA8-AD7FFA4B19EB}"/>
+                  <a16:creationId xmlns:a16="http://schemas.microsoft.com/office/drawing/2014/main" xmlns="" id="{68D34BEC-9182-437E-9BA8-AD7FFA4B19EB}"/>
                 </a:ext>
               </a:extLst>
             </p:cNvPr>
@@ -13422,7 +13187,7 @@
             <p:cNvPr id="44" name="Oval 43">
               <a:extLst>
                 <a:ext uri="{FF2B5EF4-FFF2-40B4-BE49-F238E27FC236}">
-                  <a16:creationId xmlns:a16="http://schemas.microsoft.com/office/drawing/2014/main" id="{BFE920F1-16B1-473C-990F-979542E37EF6}"/>
+                  <a16:creationId xmlns:a16="http://schemas.microsoft.com/office/drawing/2014/main" xmlns="" id="{BFE920F1-16B1-473C-990F-979542E37EF6}"/>
                 </a:ext>
               </a:extLst>
             </p:cNvPr>
@@ -13475,7 +13240,7 @@
           <p:cNvPr id="15" name="Group 14">
             <a:extLst>
               <a:ext uri="{FF2B5EF4-FFF2-40B4-BE49-F238E27FC236}">
-                <a16:creationId xmlns:a16="http://schemas.microsoft.com/office/drawing/2014/main" id="{0EB7F6F5-EE0C-4A6A-91A8-4227CAAA66AD}"/>
+                <a16:creationId xmlns:a16="http://schemas.microsoft.com/office/drawing/2014/main" xmlns="" id="{0EB7F6F5-EE0C-4A6A-91A8-4227CAAA66AD}"/>
               </a:ext>
             </a:extLst>
           </p:cNvPr>
@@ -13495,7 +13260,7 @@
             <p:cNvPr id="16" name="Rectangle: Rounded Corners 15">
               <a:extLst>
                 <a:ext uri="{FF2B5EF4-FFF2-40B4-BE49-F238E27FC236}">
-                  <a16:creationId xmlns:a16="http://schemas.microsoft.com/office/drawing/2014/main" id="{4910E712-7CCC-4036-BB7D-5C63E9E5FDAB}"/>
+                  <a16:creationId xmlns:a16="http://schemas.microsoft.com/office/drawing/2014/main" xmlns="" id="{4910E712-7CCC-4036-BB7D-5C63E9E5FDAB}"/>
                 </a:ext>
               </a:extLst>
             </p:cNvPr>
@@ -13554,7 +13319,7 @@
             <p:cNvPr id="17" name="Rectangle: Rounded Corners 16">
               <a:extLst>
                 <a:ext uri="{FF2B5EF4-FFF2-40B4-BE49-F238E27FC236}">
-                  <a16:creationId xmlns:a16="http://schemas.microsoft.com/office/drawing/2014/main" id="{203D6D70-B921-4172-8BB5-E3E2F3045288}"/>
+                  <a16:creationId xmlns:a16="http://schemas.microsoft.com/office/drawing/2014/main" xmlns="" id="{203D6D70-B921-4172-8BB5-E3E2F3045288}"/>
                 </a:ext>
               </a:extLst>
             </p:cNvPr>
@@ -13613,7 +13378,7 @@
             <p:cNvPr id="19" name="Rectangle 18">
               <a:extLst>
                 <a:ext uri="{FF2B5EF4-FFF2-40B4-BE49-F238E27FC236}">
-                  <a16:creationId xmlns:a16="http://schemas.microsoft.com/office/drawing/2014/main" id="{8F9E3AED-DA06-41E3-B4CB-F98B313D387C}"/>
+                  <a16:creationId xmlns:a16="http://schemas.microsoft.com/office/drawing/2014/main" xmlns="" id="{8F9E3AED-DA06-41E3-B4CB-F98B313D387C}"/>
                 </a:ext>
               </a:extLst>
             </p:cNvPr>
@@ -13670,7 +13435,7 @@
             <p:cNvPr id="20" name="Oval 19">
               <a:extLst>
                 <a:ext uri="{FF2B5EF4-FFF2-40B4-BE49-F238E27FC236}">
-                  <a16:creationId xmlns:a16="http://schemas.microsoft.com/office/drawing/2014/main" id="{AE61BD7C-6DB3-4503-ACFA-F76BE066663D}"/>
+                  <a16:creationId xmlns:a16="http://schemas.microsoft.com/office/drawing/2014/main" xmlns="" id="{AE61BD7C-6DB3-4503-ACFA-F76BE066663D}"/>
                 </a:ext>
               </a:extLst>
             </p:cNvPr>
@@ -13724,7 +13489,7 @@
             <p:cNvPr id="24" name="Oval 23">
               <a:extLst>
                 <a:ext uri="{FF2B5EF4-FFF2-40B4-BE49-F238E27FC236}">
-                  <a16:creationId xmlns:a16="http://schemas.microsoft.com/office/drawing/2014/main" id="{077293C1-F0DE-421A-9D7C-E6AFAB90A861}"/>
+                  <a16:creationId xmlns:a16="http://schemas.microsoft.com/office/drawing/2014/main" xmlns="" id="{077293C1-F0DE-421A-9D7C-E6AFAB90A861}"/>
                 </a:ext>
               </a:extLst>
             </p:cNvPr>
@@ -13809,7 +13574,7 @@
           <p:cNvPr id="4" name="Picture 3">
             <a:extLst>
               <a:ext uri="{FF2B5EF4-FFF2-40B4-BE49-F238E27FC236}">
-                <a16:creationId xmlns:a16="http://schemas.microsoft.com/office/drawing/2014/main" id="{B3C4A1FE-1310-4A5F-AFD9-45824FD6B123}"/>
+                <a16:creationId xmlns:a16="http://schemas.microsoft.com/office/drawing/2014/main" xmlns="" id="{B3C4A1FE-1310-4A5F-AFD9-45824FD6B123}"/>
               </a:ext>
             </a:extLst>
           </p:cNvPr>
@@ -13874,12 +13639,64 @@
           <a:chExt cx="0" cy="0"/>
         </a:xfrm>
       </p:grpSpPr>
+      <p:sp>
+        <p:nvSpPr>
+          <p:cNvPr id="85" name="Rectangle 84">
+            <a:extLst>
+              <a:ext uri="{FF2B5EF4-FFF2-40B4-BE49-F238E27FC236}">
+                <a16:creationId xmlns:a16="http://schemas.microsoft.com/office/drawing/2014/main" xmlns="" id="{FF8ECF35-CF58-43D8-A03A-5FE8544A266B}"/>
+              </a:ext>
+            </a:extLst>
+          </p:cNvPr>
+          <p:cNvSpPr/>
+          <p:nvPr/>
+        </p:nvSpPr>
+        <p:spPr>
+          <a:xfrm>
+            <a:off x="-2249302" y="-804600"/>
+            <a:ext cx="16746351" cy="8443650"/>
+          </a:xfrm>
+          <a:prstGeom prst="rect">
+            <a:avLst/>
+          </a:prstGeom>
+          <a:solidFill>
+            <a:schemeClr val="bg1"/>
+          </a:solidFill>
+          <a:ln>
+            <a:noFill/>
+          </a:ln>
+        </p:spPr>
+        <p:style>
+          <a:lnRef idx="2">
+            <a:schemeClr val="accent1">
+              <a:shade val="50000"/>
+            </a:schemeClr>
+          </a:lnRef>
+          <a:fillRef idx="1">
+            <a:schemeClr val="accent1"/>
+          </a:fillRef>
+          <a:effectRef idx="0">
+            <a:schemeClr val="accent1"/>
+          </a:effectRef>
+          <a:fontRef idx="minor">
+            <a:schemeClr val="lt1"/>
+          </a:fontRef>
+        </p:style>
+        <p:txBody>
+          <a:bodyPr rtlCol="0" anchor="ctr"/>
+          <a:lstStyle/>
+          <a:p>
+            <a:pPr algn="ctr"/>
+            <a:endParaRPr lang="en-GB" dirty="0"/>
+          </a:p>
+        </p:txBody>
+      </p:sp>
       <p:grpSp>
         <p:nvGrpSpPr>
           <p:cNvPr id="5" name="Group 4">
             <a:extLst>
               <a:ext uri="{FF2B5EF4-FFF2-40B4-BE49-F238E27FC236}">
-                <a16:creationId xmlns:a16="http://schemas.microsoft.com/office/drawing/2014/main" id="{B35A414A-369C-4636-B225-EC0281A6C15C}"/>
+                <a16:creationId xmlns:a16="http://schemas.microsoft.com/office/drawing/2014/main" xmlns="" id="{B35A414A-369C-4636-B225-EC0281A6C15C}"/>
               </a:ext>
             </a:extLst>
           </p:cNvPr>
@@ -13899,7 +13716,7 @@
             <p:cNvPr id="3" name="Group 2">
               <a:extLst>
                 <a:ext uri="{FF2B5EF4-FFF2-40B4-BE49-F238E27FC236}">
-                  <a16:creationId xmlns:a16="http://schemas.microsoft.com/office/drawing/2014/main" id="{7BF3915C-C804-4644-B453-7C6FACFD6A55}"/>
+                  <a16:creationId xmlns:a16="http://schemas.microsoft.com/office/drawing/2014/main" xmlns="" id="{7BF3915C-C804-4644-B453-7C6FACFD6A55}"/>
                 </a:ext>
               </a:extLst>
             </p:cNvPr>
@@ -13919,7 +13736,7 @@
               <p:cNvPr id="84" name="Rectangle 83">
                 <a:extLst>
                   <a:ext uri="{FF2B5EF4-FFF2-40B4-BE49-F238E27FC236}">
-                    <a16:creationId xmlns:a16="http://schemas.microsoft.com/office/drawing/2014/main" id="{10A04191-803C-4031-8F2F-6BD8A1B4A4D8}"/>
+                    <a16:creationId xmlns:a16="http://schemas.microsoft.com/office/drawing/2014/main" xmlns="" id="{10A04191-803C-4031-8F2F-6BD8A1B4A4D8}"/>
                   </a:ext>
                 </a:extLst>
               </p:cNvPr>
@@ -13974,7 +13791,7 @@
               <p:cNvPr id="149" name="Rectangle 148">
                 <a:extLst>
                   <a:ext uri="{FF2B5EF4-FFF2-40B4-BE49-F238E27FC236}">
-                    <a16:creationId xmlns:a16="http://schemas.microsoft.com/office/drawing/2014/main" id="{E67295A5-CD9B-42DF-A06B-173F8F469F8E}"/>
+                    <a16:creationId xmlns:a16="http://schemas.microsoft.com/office/drawing/2014/main" xmlns="" id="{E67295A5-CD9B-42DF-A06B-173F8F469F8E}"/>
                   </a:ext>
                 </a:extLst>
               </p:cNvPr>
@@ -14193,7 +14010,7 @@
           <p:cNvPr id="80" name="Group 79">
             <a:extLst>
               <a:ext uri="{FF2B5EF4-FFF2-40B4-BE49-F238E27FC236}">
-                <a16:creationId xmlns:a16="http://schemas.microsoft.com/office/drawing/2014/main" id="{EDE0EF86-6B11-403B-931C-498DE9BDC6C2}"/>
+                <a16:creationId xmlns:a16="http://schemas.microsoft.com/office/drawing/2014/main" xmlns="" id="{EDE0EF86-6B11-403B-931C-498DE9BDC6C2}"/>
               </a:ext>
             </a:extLst>
           </p:cNvPr>
@@ -14218,7 +14035,7 @@
             <p:cNvPr id="81" name="Rectangle 80">
               <a:extLst>
                 <a:ext uri="{FF2B5EF4-FFF2-40B4-BE49-F238E27FC236}">
-                  <a16:creationId xmlns:a16="http://schemas.microsoft.com/office/drawing/2014/main" id="{A3DDC1AA-2028-45A6-85FC-C54405C965C2}"/>
+                  <a16:creationId xmlns:a16="http://schemas.microsoft.com/office/drawing/2014/main" xmlns="" id="{A3DDC1AA-2028-45A6-85FC-C54405C965C2}"/>
                 </a:ext>
               </a:extLst>
             </p:cNvPr>
@@ -14268,7 +14085,7 @@
             <p:cNvPr id="82" name="Rectangle 81">
               <a:extLst>
                 <a:ext uri="{FF2B5EF4-FFF2-40B4-BE49-F238E27FC236}">
-                  <a16:creationId xmlns:a16="http://schemas.microsoft.com/office/drawing/2014/main" id="{7574A6C8-6A44-4465-9C78-F2707F6F69EB}"/>
+                  <a16:creationId xmlns:a16="http://schemas.microsoft.com/office/drawing/2014/main" xmlns="" id="{7574A6C8-6A44-4465-9C78-F2707F6F69EB}"/>
                 </a:ext>
               </a:extLst>
             </p:cNvPr>
@@ -14318,7 +14135,7 @@
             <p:cNvPr id="83" name="Rectangle 82">
               <a:extLst>
                 <a:ext uri="{FF2B5EF4-FFF2-40B4-BE49-F238E27FC236}">
-                  <a16:creationId xmlns:a16="http://schemas.microsoft.com/office/drawing/2014/main" id="{47D3A6E4-D227-49EB-92E2-59BA1EA13159}"/>
+                  <a16:creationId xmlns:a16="http://schemas.microsoft.com/office/drawing/2014/main" xmlns="" id="{47D3A6E4-D227-49EB-92E2-59BA1EA13159}"/>
                 </a:ext>
               </a:extLst>
             </p:cNvPr>
@@ -14369,7 +14186,7 @@
           <p:cNvPr id="76" name="Group 75">
             <a:extLst>
               <a:ext uri="{FF2B5EF4-FFF2-40B4-BE49-F238E27FC236}">
-                <a16:creationId xmlns:a16="http://schemas.microsoft.com/office/drawing/2014/main" id="{3DD29CB8-778C-4A7E-B6DA-2B1742D265D8}"/>
+                <a16:creationId xmlns:a16="http://schemas.microsoft.com/office/drawing/2014/main" xmlns="" id="{3DD29CB8-778C-4A7E-B6DA-2B1742D265D8}"/>
               </a:ext>
             </a:extLst>
           </p:cNvPr>
@@ -14389,7 +14206,7 @@
             <p:cNvPr id="77" name="Rectangle 76">
               <a:extLst>
                 <a:ext uri="{FF2B5EF4-FFF2-40B4-BE49-F238E27FC236}">
-                  <a16:creationId xmlns:a16="http://schemas.microsoft.com/office/drawing/2014/main" id="{FF8ECF35-CF58-43D8-A03A-5FE8544A266B}"/>
+                  <a16:creationId xmlns:a16="http://schemas.microsoft.com/office/drawing/2014/main" xmlns="" id="{FF8ECF35-CF58-43D8-A03A-5FE8544A266B}"/>
                 </a:ext>
               </a:extLst>
             </p:cNvPr>
@@ -14444,7 +14261,7 @@
             <p:cNvPr id="78" name="Rectangle 77">
               <a:extLst>
                 <a:ext uri="{FF2B5EF4-FFF2-40B4-BE49-F238E27FC236}">
-                  <a16:creationId xmlns:a16="http://schemas.microsoft.com/office/drawing/2014/main" id="{FF8ECF35-CF58-43D8-A03A-5FE8544A266B}"/>
+                  <a16:creationId xmlns:a16="http://schemas.microsoft.com/office/drawing/2014/main" xmlns="" id="{FF8ECF35-CF58-43D8-A03A-5FE8544A266B}"/>
                 </a:ext>
               </a:extLst>
             </p:cNvPr>
@@ -14499,7 +14316,7 @@
             <p:cNvPr id="96" name="Rectangle 95">
               <a:extLst>
                 <a:ext uri="{FF2B5EF4-FFF2-40B4-BE49-F238E27FC236}">
-                  <a16:creationId xmlns:a16="http://schemas.microsoft.com/office/drawing/2014/main" id="{FF8ECF35-CF58-43D8-A03A-5FE8544A266B}"/>
+                  <a16:creationId xmlns:a16="http://schemas.microsoft.com/office/drawing/2014/main" xmlns="" id="{FF8ECF35-CF58-43D8-A03A-5FE8544A266B}"/>
                 </a:ext>
               </a:extLst>
             </p:cNvPr>
@@ -14668,7 +14485,7 @@
           <p:cNvPr id="11" name="Straight Arrow Connector 10">
             <a:extLst>
               <a:ext uri="{FF2B5EF4-FFF2-40B4-BE49-F238E27FC236}">
-                <a16:creationId xmlns:a16="http://schemas.microsoft.com/office/drawing/2014/main" id="{30AD2B9B-64B2-4F8A-8BA3-3D5BA859AC6B}"/>
+                <a16:creationId xmlns:a16="http://schemas.microsoft.com/office/drawing/2014/main" xmlns="" id="{30AD2B9B-64B2-4F8A-8BA3-3D5BA859AC6B}"/>
               </a:ext>
             </a:extLst>
           </p:cNvPr>
@@ -14715,7 +14532,7 @@
           <p:cNvPr id="18" name="TextBox 17">
             <a:extLst>
               <a:ext uri="{FF2B5EF4-FFF2-40B4-BE49-F238E27FC236}">
-                <a16:creationId xmlns:a16="http://schemas.microsoft.com/office/drawing/2014/main" id="{C41D69F8-1C98-4A01-95D1-ABD1D10BDD7D}"/>
+                <a16:creationId xmlns:a16="http://schemas.microsoft.com/office/drawing/2014/main" xmlns="" id="{C41D69F8-1C98-4A01-95D1-ABD1D10BDD7D}"/>
               </a:ext>
             </a:extLst>
           </p:cNvPr>
@@ -14758,7 +14575,7 @@
           <p:cNvPr id="33" name="Flowchart: Delay 32">
             <a:extLst>
               <a:ext uri="{FF2B5EF4-FFF2-40B4-BE49-F238E27FC236}">
-                <a16:creationId xmlns:a16="http://schemas.microsoft.com/office/drawing/2014/main" id="{4FFA08B9-25E3-46A3-8F38-170EF9FDDAA3}"/>
+                <a16:creationId xmlns:a16="http://schemas.microsoft.com/office/drawing/2014/main" xmlns="" id="{4FFA08B9-25E3-46A3-8F38-170EF9FDDAA3}"/>
               </a:ext>
             </a:extLst>
           </p:cNvPr>
@@ -14812,7 +14629,7 @@
           <p:cNvPr id="38" name="Straight Arrow Connector 37">
             <a:extLst>
               <a:ext uri="{FF2B5EF4-FFF2-40B4-BE49-F238E27FC236}">
-                <a16:creationId xmlns:a16="http://schemas.microsoft.com/office/drawing/2014/main" id="{6499CFC4-90F7-4835-AE26-D8AB856D5641}"/>
+                <a16:creationId xmlns:a16="http://schemas.microsoft.com/office/drawing/2014/main" xmlns="" id="{6499CFC4-90F7-4835-AE26-D8AB856D5641}"/>
               </a:ext>
             </a:extLst>
           </p:cNvPr>
@@ -14860,7 +14677,7 @@
           <p:cNvPr id="43" name="TextBox 42">
             <a:extLst>
               <a:ext uri="{FF2B5EF4-FFF2-40B4-BE49-F238E27FC236}">
-                <a16:creationId xmlns:a16="http://schemas.microsoft.com/office/drawing/2014/main" id="{358B10D6-A0B4-4434-AACB-C474B6F3546A}"/>
+                <a16:creationId xmlns:a16="http://schemas.microsoft.com/office/drawing/2014/main" xmlns="" id="{358B10D6-A0B4-4434-AACB-C474B6F3546A}"/>
               </a:ext>
             </a:extLst>
           </p:cNvPr>
@@ -14903,7 +14720,7 @@
           <p:cNvPr id="44" name="TextBox 43">
             <a:extLst>
               <a:ext uri="{FF2B5EF4-FFF2-40B4-BE49-F238E27FC236}">
-                <a16:creationId xmlns:a16="http://schemas.microsoft.com/office/drawing/2014/main" id="{BAB3948D-F827-44D1-B40E-A737164AC616}"/>
+                <a16:creationId xmlns:a16="http://schemas.microsoft.com/office/drawing/2014/main" xmlns="" id="{BAB3948D-F827-44D1-B40E-A737164AC616}"/>
               </a:ext>
             </a:extLst>
           </p:cNvPr>
@@ -14968,7 +14785,7 @@
           <p:cNvPr id="92" name="Arrow: Chevron 51">
             <a:extLst>
               <a:ext uri="{FF2B5EF4-FFF2-40B4-BE49-F238E27FC236}">
-                <a16:creationId xmlns:a16="http://schemas.microsoft.com/office/drawing/2014/main" id="{842C5092-8294-4030-A526-A8C839E4F69D}"/>
+                <a16:creationId xmlns:a16="http://schemas.microsoft.com/office/drawing/2014/main" xmlns="" id="{842C5092-8294-4030-A526-A8C839E4F69D}"/>
               </a:ext>
             </a:extLst>
           </p:cNvPr>
@@ -15022,7 +14839,7 @@
           <p:cNvPr id="93" name="Arrow: Chevron 51">
             <a:extLst>
               <a:ext uri="{FF2B5EF4-FFF2-40B4-BE49-F238E27FC236}">
-                <a16:creationId xmlns:a16="http://schemas.microsoft.com/office/drawing/2014/main" id="{842C5092-8294-4030-A526-A8C839E4F69D}"/>
+                <a16:creationId xmlns:a16="http://schemas.microsoft.com/office/drawing/2014/main" xmlns="" id="{842C5092-8294-4030-A526-A8C839E4F69D}"/>
               </a:ext>
             </a:extLst>
           </p:cNvPr>
@@ -15076,7 +14893,7 @@
           <p:cNvPr id="94" name="Arrow: Chevron 51">
             <a:extLst>
               <a:ext uri="{FF2B5EF4-FFF2-40B4-BE49-F238E27FC236}">
-                <a16:creationId xmlns:a16="http://schemas.microsoft.com/office/drawing/2014/main" id="{842C5092-8294-4030-A526-A8C839E4F69D}"/>
+                <a16:creationId xmlns:a16="http://schemas.microsoft.com/office/drawing/2014/main" xmlns="" id="{842C5092-8294-4030-A526-A8C839E4F69D}"/>
               </a:ext>
             </a:extLst>
           </p:cNvPr>
@@ -15130,7 +14947,7 @@
           <p:cNvPr id="95" name="Arrow: Chevron 51">
             <a:extLst>
               <a:ext uri="{FF2B5EF4-FFF2-40B4-BE49-F238E27FC236}">
-                <a16:creationId xmlns:a16="http://schemas.microsoft.com/office/drawing/2014/main" id="{842C5092-8294-4030-A526-A8C839E4F69D}"/>
+                <a16:creationId xmlns:a16="http://schemas.microsoft.com/office/drawing/2014/main" xmlns="" id="{842C5092-8294-4030-A526-A8C839E4F69D}"/>
               </a:ext>
             </a:extLst>
           </p:cNvPr>
@@ -15184,7 +15001,7 @@
           <p:cNvPr id="73" name="Rectangle 72">
             <a:extLst>
               <a:ext uri="{FF2B5EF4-FFF2-40B4-BE49-F238E27FC236}">
-                <a16:creationId xmlns:a16="http://schemas.microsoft.com/office/drawing/2014/main" id="{FF8ECF35-CF58-43D8-A03A-5FE8544A266B}"/>
+                <a16:creationId xmlns:a16="http://schemas.microsoft.com/office/drawing/2014/main" xmlns="" id="{FF8ECF35-CF58-43D8-A03A-5FE8544A266B}"/>
               </a:ext>
             </a:extLst>
           </p:cNvPr>
@@ -15236,7 +15053,7 @@
           <p:cNvPr id="75" name="Rectangle 74">
             <a:extLst>
               <a:ext uri="{FF2B5EF4-FFF2-40B4-BE49-F238E27FC236}">
-                <a16:creationId xmlns:a16="http://schemas.microsoft.com/office/drawing/2014/main" id="{FF8ECF35-CF58-43D8-A03A-5FE8544A266B}"/>
+                <a16:creationId xmlns:a16="http://schemas.microsoft.com/office/drawing/2014/main" xmlns="" id="{FF8ECF35-CF58-43D8-A03A-5FE8544A266B}"/>
               </a:ext>
             </a:extLst>
           </p:cNvPr>
@@ -15288,7 +15105,7 @@
           <p:cNvPr id="100" name="Rectangle 99">
             <a:extLst>
               <a:ext uri="{FF2B5EF4-FFF2-40B4-BE49-F238E27FC236}">
-                <a16:creationId xmlns:a16="http://schemas.microsoft.com/office/drawing/2014/main" id="{FF8ECF35-CF58-43D8-A03A-5FE8544A266B}"/>
+                <a16:creationId xmlns:a16="http://schemas.microsoft.com/office/drawing/2014/main" xmlns="" id="{FF8ECF35-CF58-43D8-A03A-5FE8544A266B}"/>
               </a:ext>
             </a:extLst>
           </p:cNvPr>
@@ -15340,7 +15157,7 @@
           <p:cNvPr id="101" name="Rectangle 100">
             <a:extLst>
               <a:ext uri="{FF2B5EF4-FFF2-40B4-BE49-F238E27FC236}">
-                <a16:creationId xmlns:a16="http://schemas.microsoft.com/office/drawing/2014/main" id="{E67295A5-CD9B-42DF-A06B-173F8F469F8E}"/>
+                <a16:creationId xmlns:a16="http://schemas.microsoft.com/office/drawing/2014/main" xmlns="" id="{E67295A5-CD9B-42DF-A06B-173F8F469F8E}"/>
               </a:ext>
             </a:extLst>
           </p:cNvPr>
@@ -15392,7 +15209,7 @@
           <p:cNvPr id="102" name="Rectangle 101">
             <a:extLst>
               <a:ext uri="{FF2B5EF4-FFF2-40B4-BE49-F238E27FC236}">
-                <a16:creationId xmlns:a16="http://schemas.microsoft.com/office/drawing/2014/main" id="{FF8ECF35-CF58-43D8-A03A-5FE8544A266B}"/>
+                <a16:creationId xmlns:a16="http://schemas.microsoft.com/office/drawing/2014/main" xmlns="" id="{FF8ECF35-CF58-43D8-A03A-5FE8544A266B}"/>
               </a:ext>
             </a:extLst>
           </p:cNvPr>
@@ -15444,7 +15261,7 @@
           <p:cNvPr id="103" name="Rectangle 102">
             <a:extLst>
               <a:ext uri="{FF2B5EF4-FFF2-40B4-BE49-F238E27FC236}">
-                <a16:creationId xmlns:a16="http://schemas.microsoft.com/office/drawing/2014/main" id="{FF8ECF35-CF58-43D8-A03A-5FE8544A266B}"/>
+                <a16:creationId xmlns:a16="http://schemas.microsoft.com/office/drawing/2014/main" xmlns="" id="{FF8ECF35-CF58-43D8-A03A-5FE8544A266B}"/>
               </a:ext>
             </a:extLst>
           </p:cNvPr>
@@ -15496,7 +15313,7 @@
           <p:cNvPr id="104" name="Rectangle 103">
             <a:extLst>
               <a:ext uri="{FF2B5EF4-FFF2-40B4-BE49-F238E27FC236}">
-                <a16:creationId xmlns:a16="http://schemas.microsoft.com/office/drawing/2014/main" id="{E67295A5-CD9B-42DF-A06B-173F8F469F8E}"/>
+                <a16:creationId xmlns:a16="http://schemas.microsoft.com/office/drawing/2014/main" xmlns="" id="{E67295A5-CD9B-42DF-A06B-173F8F469F8E}"/>
               </a:ext>
             </a:extLst>
           </p:cNvPr>
@@ -15548,7 +15365,7 @@
           <p:cNvPr id="110" name="Flowchart: Manual Input 109">
             <a:extLst>
               <a:ext uri="{FF2B5EF4-FFF2-40B4-BE49-F238E27FC236}">
-                <a16:creationId xmlns:a16="http://schemas.microsoft.com/office/drawing/2014/main" id="{BA5F8287-28B2-4933-91CE-CCF8DA7FDCDF}"/>
+                <a16:creationId xmlns:a16="http://schemas.microsoft.com/office/drawing/2014/main" xmlns="" id="{BA5F8287-28B2-4933-91CE-CCF8DA7FDCDF}"/>
               </a:ext>
             </a:extLst>
           </p:cNvPr>
@@ -15602,7 +15419,7 @@
           <p:cNvPr id="112" name="TextBox 111">
             <a:extLst>
               <a:ext uri="{FF2B5EF4-FFF2-40B4-BE49-F238E27FC236}">
-                <a16:creationId xmlns:a16="http://schemas.microsoft.com/office/drawing/2014/main" id="{751537D2-5CA2-46E9-98DA-5D0BC05C4061}"/>
+                <a16:creationId xmlns:a16="http://schemas.microsoft.com/office/drawing/2014/main" xmlns="" id="{751537D2-5CA2-46E9-98DA-5D0BC05C4061}"/>
               </a:ext>
             </a:extLst>
           </p:cNvPr>
@@ -15648,7 +15465,7 @@
           <p:cNvPr id="113" name="Rectangle 112">
             <a:extLst>
               <a:ext uri="{FF2B5EF4-FFF2-40B4-BE49-F238E27FC236}">
-                <a16:creationId xmlns:a16="http://schemas.microsoft.com/office/drawing/2014/main" id="{ADD36DBD-8DDC-434F-9125-A76A4D4E0292}"/>
+                <a16:creationId xmlns:a16="http://schemas.microsoft.com/office/drawing/2014/main" xmlns="" id="{ADD36DBD-8DDC-434F-9125-A76A4D4E0292}"/>
               </a:ext>
             </a:extLst>
           </p:cNvPr>
@@ -15700,7 +15517,7 @@
           <p:cNvPr id="114" name="TextBox 113">
             <a:extLst>
               <a:ext uri="{FF2B5EF4-FFF2-40B4-BE49-F238E27FC236}">
-                <a16:creationId xmlns:a16="http://schemas.microsoft.com/office/drawing/2014/main" id="{ED06F2CA-B022-4B57-93BA-3A4A5FD519CB}"/>
+                <a16:creationId xmlns:a16="http://schemas.microsoft.com/office/drawing/2014/main" xmlns="" id="{ED06F2CA-B022-4B57-93BA-3A4A5FD519CB}"/>
               </a:ext>
             </a:extLst>
           </p:cNvPr>
@@ -15765,7 +15582,7 @@
           <p:cNvPr id="115" name="Straight Arrow Connector 114">
             <a:extLst>
               <a:ext uri="{FF2B5EF4-FFF2-40B4-BE49-F238E27FC236}">
-                <a16:creationId xmlns:a16="http://schemas.microsoft.com/office/drawing/2014/main" id="{63C8345C-A17E-44D4-B240-B3C2E331255D}"/>
+                <a16:creationId xmlns:a16="http://schemas.microsoft.com/office/drawing/2014/main" xmlns="" id="{63C8345C-A17E-44D4-B240-B3C2E331255D}"/>
               </a:ext>
             </a:extLst>
           </p:cNvPr>
@@ -15813,7 +15630,7 @@
           <p:cNvPr id="116" name="TextBox 115">
             <a:extLst>
               <a:ext uri="{FF2B5EF4-FFF2-40B4-BE49-F238E27FC236}">
-                <a16:creationId xmlns:a16="http://schemas.microsoft.com/office/drawing/2014/main" id="{1ADC0E6E-5955-4431-A055-13C603AF1C44}"/>
+                <a16:creationId xmlns:a16="http://schemas.microsoft.com/office/drawing/2014/main" xmlns="" id="{1ADC0E6E-5955-4431-A055-13C603AF1C44}"/>
               </a:ext>
             </a:extLst>
           </p:cNvPr>
@@ -15849,7 +15666,7 @@
           <p:cNvPr id="117" name="Flowchart: Alternate Process 116">
             <a:extLst>
               <a:ext uri="{FF2B5EF4-FFF2-40B4-BE49-F238E27FC236}">
-                <a16:creationId xmlns:a16="http://schemas.microsoft.com/office/drawing/2014/main" id="{788ACF15-712D-427B-85E3-BFDE6D2778B7}"/>
+                <a16:creationId xmlns:a16="http://schemas.microsoft.com/office/drawing/2014/main" xmlns="" id="{788ACF15-712D-427B-85E3-BFDE6D2778B7}"/>
               </a:ext>
             </a:extLst>
           </p:cNvPr>
@@ -15901,7 +15718,7 @@
           <p:cNvPr id="118" name="TextBox 117">
             <a:extLst>
               <a:ext uri="{FF2B5EF4-FFF2-40B4-BE49-F238E27FC236}">
-                <a16:creationId xmlns:a16="http://schemas.microsoft.com/office/drawing/2014/main" id="{74812398-B0DB-4253-BDA5-F09C7A7449E7}"/>
+                <a16:creationId xmlns:a16="http://schemas.microsoft.com/office/drawing/2014/main" xmlns="" id="{74812398-B0DB-4253-BDA5-F09C7A7449E7}"/>
               </a:ext>
             </a:extLst>
           </p:cNvPr>
@@ -15984,7 +15801,7 @@
           <p:cNvPr id="119" name="Arrow: Chevron 51">
             <a:extLst>
               <a:ext uri="{FF2B5EF4-FFF2-40B4-BE49-F238E27FC236}">
-                <a16:creationId xmlns:a16="http://schemas.microsoft.com/office/drawing/2014/main" id="{842C5092-8294-4030-A526-A8C839E4F69D}"/>
+                <a16:creationId xmlns:a16="http://schemas.microsoft.com/office/drawing/2014/main" xmlns="" id="{842C5092-8294-4030-A526-A8C839E4F69D}"/>
               </a:ext>
             </a:extLst>
           </p:cNvPr>
@@ -16040,7 +15857,7 @@
           <p:cNvPr id="120" name="TextBox 119">
             <a:extLst>
               <a:ext uri="{FF2B5EF4-FFF2-40B4-BE49-F238E27FC236}">
-                <a16:creationId xmlns:a16="http://schemas.microsoft.com/office/drawing/2014/main" id="{5D685C8E-8026-4C55-BE1C-CC18B646995B}"/>
+                <a16:creationId xmlns:a16="http://schemas.microsoft.com/office/drawing/2014/main" xmlns="" id="{5D685C8E-8026-4C55-BE1C-CC18B646995B}"/>
               </a:ext>
             </a:extLst>
           </p:cNvPr>
@@ -16105,7 +15922,7 @@
           <p:cNvPr id="121" name="Straight Arrow Connector 120">
             <a:extLst>
               <a:ext uri="{FF2B5EF4-FFF2-40B4-BE49-F238E27FC236}">
-                <a16:creationId xmlns:a16="http://schemas.microsoft.com/office/drawing/2014/main" id="{D93FAD61-E741-499C-820D-AF2A26A6E4DB}"/>
+                <a16:creationId xmlns:a16="http://schemas.microsoft.com/office/drawing/2014/main" xmlns="" id="{D93FAD61-E741-499C-820D-AF2A26A6E4DB}"/>
               </a:ext>
             </a:extLst>
           </p:cNvPr>
@@ -16151,7 +15968,7 @@
           <p:cNvPr id="122" name="TextBox 121">
             <a:extLst>
               <a:ext uri="{FF2B5EF4-FFF2-40B4-BE49-F238E27FC236}">
-                <a16:creationId xmlns:a16="http://schemas.microsoft.com/office/drawing/2014/main" id="{B32A810F-BF6B-4000-9AFD-8B8D42D80E47}"/>
+                <a16:creationId xmlns:a16="http://schemas.microsoft.com/office/drawing/2014/main" xmlns="" id="{B32A810F-BF6B-4000-9AFD-8B8D42D80E47}"/>
               </a:ext>
             </a:extLst>
           </p:cNvPr>
@@ -16187,7 +16004,7 @@
           <p:cNvPr id="123" name="TextBox 122">
             <a:extLst>
               <a:ext uri="{FF2B5EF4-FFF2-40B4-BE49-F238E27FC236}">
-                <a16:creationId xmlns:a16="http://schemas.microsoft.com/office/drawing/2014/main" id="{F0193D04-3208-4F06-BBA2-FE37BC71626F}"/>
+                <a16:creationId xmlns:a16="http://schemas.microsoft.com/office/drawing/2014/main" xmlns="" id="{F0193D04-3208-4F06-BBA2-FE37BC71626F}"/>
               </a:ext>
             </a:extLst>
           </p:cNvPr>
@@ -16230,7 +16047,7 @@
           <p:cNvPr id="124" name="Rectangle 123">
             <a:extLst>
               <a:ext uri="{FF2B5EF4-FFF2-40B4-BE49-F238E27FC236}">
-                <a16:creationId xmlns:a16="http://schemas.microsoft.com/office/drawing/2014/main" id="{CF30EFBD-3437-4FDF-9081-13DBAAD65887}"/>
+                <a16:creationId xmlns:a16="http://schemas.microsoft.com/office/drawing/2014/main" xmlns="" id="{CF30EFBD-3437-4FDF-9081-13DBAAD65887}"/>
               </a:ext>
             </a:extLst>
           </p:cNvPr>
@@ -16246,7 +16063,7 @@
             <a:avLst/>
           </a:prstGeom>
           <a:solidFill>
-            <a:srgbClr val="FF0000"/>
+            <a:srgbClr val="FFFF00"/>
           </a:solidFill>
           <a:ln>
             <a:noFill/>
@@ -16282,7 +16099,7 @@
           <p:cNvPr id="125" name="TextBox 124">
             <a:extLst>
               <a:ext uri="{FF2B5EF4-FFF2-40B4-BE49-F238E27FC236}">
-                <a16:creationId xmlns:a16="http://schemas.microsoft.com/office/drawing/2014/main" id="{4E211EC3-F05E-4D22-B4D7-E50D6AC867AA}"/>
+                <a16:creationId xmlns:a16="http://schemas.microsoft.com/office/drawing/2014/main" xmlns="" id="{4E211EC3-F05E-4D22-B4D7-E50D6AC867AA}"/>
               </a:ext>
             </a:extLst>
           </p:cNvPr>
@@ -16347,7 +16164,7 @@
           <p:cNvPr id="126" name="Straight Arrow Connector 125">
             <a:extLst>
               <a:ext uri="{FF2B5EF4-FFF2-40B4-BE49-F238E27FC236}">
-                <a16:creationId xmlns:a16="http://schemas.microsoft.com/office/drawing/2014/main" id="{EF6A4085-3032-4ED6-B8C5-9D0D4489DE48}"/>
+                <a16:creationId xmlns:a16="http://schemas.microsoft.com/office/drawing/2014/main" xmlns="" id="{EF6A4085-3032-4ED6-B8C5-9D0D4489DE48}"/>
               </a:ext>
             </a:extLst>
           </p:cNvPr>
@@ -16366,7 +16183,9 @@
           </a:prstGeom>
           <a:ln w="76200" cmpd="sng">
             <a:solidFill>
-              <a:srgbClr val="FF0000"/>
+              <a:schemeClr val="accent6">
+                <a:lumMod val="75000"/>
+              </a:schemeClr>
             </a:solidFill>
             <a:prstDash val="dash"/>
             <a:headEnd type="none"/>
@@ -16540,7 +16359,7 @@
           <p:cNvPr id="130" name="TextBox 129">
             <a:extLst>
               <a:ext uri="{FF2B5EF4-FFF2-40B4-BE49-F238E27FC236}">
-                <a16:creationId xmlns:a16="http://schemas.microsoft.com/office/drawing/2014/main" id="{F0193D04-3208-4F06-BBA2-FE37BC71626F}"/>
+                <a16:creationId xmlns:a16="http://schemas.microsoft.com/office/drawing/2014/main" xmlns="" id="{F0193D04-3208-4F06-BBA2-FE37BC71626F}"/>
               </a:ext>
             </a:extLst>
           </p:cNvPr>
@@ -16583,7 +16402,7 @@
           <p:cNvPr id="131" name="TextBox 130">
             <a:extLst>
               <a:ext uri="{FF2B5EF4-FFF2-40B4-BE49-F238E27FC236}">
-                <a16:creationId xmlns:a16="http://schemas.microsoft.com/office/drawing/2014/main" id="{B32A810F-BF6B-4000-9AFD-8B8D42D80E47}"/>
+                <a16:creationId xmlns:a16="http://schemas.microsoft.com/office/drawing/2014/main" xmlns="" id="{B32A810F-BF6B-4000-9AFD-8B8D42D80E47}"/>
               </a:ext>
             </a:extLst>
           </p:cNvPr>
@@ -16619,7 +16438,7 @@
           <p:cNvPr id="132" name="Rectangle 131">
             <a:extLst>
               <a:ext uri="{FF2B5EF4-FFF2-40B4-BE49-F238E27FC236}">
-                <a16:creationId xmlns:a16="http://schemas.microsoft.com/office/drawing/2014/main" id="{ADD36DBD-8DDC-434F-9125-A76A4D4E0292}"/>
+                <a16:creationId xmlns:a16="http://schemas.microsoft.com/office/drawing/2014/main" xmlns="" id="{ADD36DBD-8DDC-434F-9125-A76A4D4E0292}"/>
               </a:ext>
             </a:extLst>
           </p:cNvPr>
@@ -16671,7 +16490,7 @@
           <p:cNvPr id="133" name="TextBox 132">
             <a:extLst>
               <a:ext uri="{FF2B5EF4-FFF2-40B4-BE49-F238E27FC236}">
-                <a16:creationId xmlns:a16="http://schemas.microsoft.com/office/drawing/2014/main" id="{ED06F2CA-B022-4B57-93BA-3A4A5FD519CB}"/>
+                <a16:creationId xmlns:a16="http://schemas.microsoft.com/office/drawing/2014/main" xmlns="" id="{ED06F2CA-B022-4B57-93BA-3A4A5FD519CB}"/>
               </a:ext>
             </a:extLst>
           </p:cNvPr>
@@ -16754,7 +16573,7 @@
           <p:cNvPr id="134" name="Straight Arrow Connector 133">
             <a:extLst>
               <a:ext uri="{FF2B5EF4-FFF2-40B4-BE49-F238E27FC236}">
-                <a16:creationId xmlns:a16="http://schemas.microsoft.com/office/drawing/2014/main" id="{D93FAD61-E741-499C-820D-AF2A26A6E4DB}"/>
+                <a16:creationId xmlns:a16="http://schemas.microsoft.com/office/drawing/2014/main" xmlns="" id="{D93FAD61-E741-499C-820D-AF2A26A6E4DB}"/>
               </a:ext>
             </a:extLst>
           </p:cNvPr>
@@ -16800,7 +16619,7 @@
           <p:cNvPr id="135" name="TextBox 134">
             <a:extLst>
               <a:ext uri="{FF2B5EF4-FFF2-40B4-BE49-F238E27FC236}">
-                <a16:creationId xmlns:a16="http://schemas.microsoft.com/office/drawing/2014/main" id="{F0193D04-3208-4F06-BBA2-FE37BC71626F}"/>
+                <a16:creationId xmlns:a16="http://schemas.microsoft.com/office/drawing/2014/main" xmlns="" id="{F0193D04-3208-4F06-BBA2-FE37BC71626F}"/>
               </a:ext>
             </a:extLst>
           </p:cNvPr>
@@ -16843,7 +16662,7 @@
           <p:cNvPr id="136" name="TextBox 135">
             <a:extLst>
               <a:ext uri="{FF2B5EF4-FFF2-40B4-BE49-F238E27FC236}">
-                <a16:creationId xmlns:a16="http://schemas.microsoft.com/office/drawing/2014/main" id="{B32A810F-BF6B-4000-9AFD-8B8D42D80E47}"/>
+                <a16:creationId xmlns:a16="http://schemas.microsoft.com/office/drawing/2014/main" xmlns="" id="{B32A810F-BF6B-4000-9AFD-8B8D42D80E47}"/>
               </a:ext>
             </a:extLst>
           </p:cNvPr>
@@ -16879,7 +16698,7 @@
           <p:cNvPr id="137" name="Group 136">
             <a:extLst>
               <a:ext uri="{FF2B5EF4-FFF2-40B4-BE49-F238E27FC236}">
-                <a16:creationId xmlns:a16="http://schemas.microsoft.com/office/drawing/2014/main" id="{0EB7F6F5-EE0C-4A6A-91A8-4227CAAA66AD}"/>
+                <a16:creationId xmlns:a16="http://schemas.microsoft.com/office/drawing/2014/main" xmlns="" id="{0EB7F6F5-EE0C-4A6A-91A8-4227CAAA66AD}"/>
               </a:ext>
             </a:extLst>
           </p:cNvPr>
@@ -16894,7 +16713,7 @@
             <a:chExt cx="3822539" cy="6078580"/>
           </a:xfrm>
           <a:solidFill>
-            <a:srgbClr val="FF0000"/>
+            <a:srgbClr val="FFFF00"/>
           </a:solidFill>
         </p:grpSpPr>
         <p:sp>
@@ -16902,7 +16721,7 @@
             <p:cNvPr id="138" name="Rectangle: Rounded Corners 15">
               <a:extLst>
                 <a:ext uri="{FF2B5EF4-FFF2-40B4-BE49-F238E27FC236}">
-                  <a16:creationId xmlns:a16="http://schemas.microsoft.com/office/drawing/2014/main" id="{4910E712-7CCC-4036-BB7D-5C63E9E5FDAB}"/>
+                  <a16:creationId xmlns:a16="http://schemas.microsoft.com/office/drawing/2014/main" xmlns="" id="{4910E712-7CCC-4036-BB7D-5C63E9E5FDAB}"/>
                 </a:ext>
               </a:extLst>
             </p:cNvPr>
@@ -16956,7 +16775,7 @@
             <p:cNvPr id="139" name="Rectangle: Rounded Corners 16">
               <a:extLst>
                 <a:ext uri="{FF2B5EF4-FFF2-40B4-BE49-F238E27FC236}">
-                  <a16:creationId xmlns:a16="http://schemas.microsoft.com/office/drawing/2014/main" id="{203D6D70-B921-4172-8BB5-E3E2F3045288}"/>
+                  <a16:creationId xmlns:a16="http://schemas.microsoft.com/office/drawing/2014/main" xmlns="" id="{203D6D70-B921-4172-8BB5-E3E2F3045288}"/>
                 </a:ext>
               </a:extLst>
             </p:cNvPr>
@@ -17010,7 +16829,7 @@
             <p:cNvPr id="140" name="Rectangle 139">
               <a:extLst>
                 <a:ext uri="{FF2B5EF4-FFF2-40B4-BE49-F238E27FC236}">
-                  <a16:creationId xmlns:a16="http://schemas.microsoft.com/office/drawing/2014/main" id="{8F9E3AED-DA06-41E3-B4CB-F98B313D387C}"/>
+                  <a16:creationId xmlns:a16="http://schemas.microsoft.com/office/drawing/2014/main" xmlns="" id="{8F9E3AED-DA06-41E3-B4CB-F98B313D387C}"/>
                 </a:ext>
               </a:extLst>
             </p:cNvPr>
@@ -17063,7 +16882,7 @@
           <p:cNvPr id="141" name="Straight Arrow Connector 140">
             <a:extLst>
               <a:ext uri="{FF2B5EF4-FFF2-40B4-BE49-F238E27FC236}">
-                <a16:creationId xmlns:a16="http://schemas.microsoft.com/office/drawing/2014/main" id="{D93FAD61-E741-499C-820D-AF2A26A6E4DB}"/>
+                <a16:creationId xmlns:a16="http://schemas.microsoft.com/office/drawing/2014/main" xmlns="" id="{D93FAD61-E741-499C-820D-AF2A26A6E4DB}"/>
               </a:ext>
             </a:extLst>
           </p:cNvPr>
@@ -17082,7 +16901,9 @@
           </a:prstGeom>
           <a:ln w="76200">
             <a:solidFill>
-              <a:srgbClr val="FF0000"/>
+              <a:schemeClr val="accent6">
+                <a:lumMod val="75000"/>
+              </a:schemeClr>
             </a:solidFill>
             <a:prstDash val="sysDot"/>
             <a:headEnd type="none"/>
@@ -17109,7 +16930,7 @@
           <p:cNvPr id="142" name="TextBox 141">
             <a:extLst>
               <a:ext uri="{FF2B5EF4-FFF2-40B4-BE49-F238E27FC236}">
-                <a16:creationId xmlns:a16="http://schemas.microsoft.com/office/drawing/2014/main" id="{4E211EC3-F05E-4D22-B4D7-E50D6AC867AA}"/>
+                <a16:creationId xmlns:a16="http://schemas.microsoft.com/office/drawing/2014/main" xmlns="" id="{4E211EC3-F05E-4D22-B4D7-E50D6AC867AA}"/>
               </a:ext>
             </a:extLst>
           </p:cNvPr>
@@ -17156,7 +16977,7 @@
           <p:cNvPr id="143" name="TextBox 142">
             <a:extLst>
               <a:ext uri="{FF2B5EF4-FFF2-40B4-BE49-F238E27FC236}">
-                <a16:creationId xmlns:a16="http://schemas.microsoft.com/office/drawing/2014/main" id="{F0193D04-3208-4F06-BBA2-FE37BC71626F}"/>
+                <a16:creationId xmlns:a16="http://schemas.microsoft.com/office/drawing/2014/main" xmlns="" id="{F0193D04-3208-4F06-BBA2-FE37BC71626F}"/>
               </a:ext>
             </a:extLst>
           </p:cNvPr>
@@ -17199,7 +17020,7 @@
           <p:cNvPr id="144" name="TextBox 143">
             <a:extLst>
               <a:ext uri="{FF2B5EF4-FFF2-40B4-BE49-F238E27FC236}">
-                <a16:creationId xmlns:a16="http://schemas.microsoft.com/office/drawing/2014/main" id="{F0193D04-3208-4F06-BBA2-FE37BC71626F}"/>
+                <a16:creationId xmlns:a16="http://schemas.microsoft.com/office/drawing/2014/main" xmlns="" id="{F0193D04-3208-4F06-BBA2-FE37BC71626F}"/>
               </a:ext>
             </a:extLst>
           </p:cNvPr>
@@ -17242,7 +17063,7 @@
           <p:cNvPr id="145" name="Flowchart: Document 144">
             <a:extLst>
               <a:ext uri="{FF2B5EF4-FFF2-40B4-BE49-F238E27FC236}">
-                <a16:creationId xmlns:a16="http://schemas.microsoft.com/office/drawing/2014/main" id="{ADD36DBD-8DDC-434F-9125-A76A4D4E0292}"/>
+                <a16:creationId xmlns:a16="http://schemas.microsoft.com/office/drawing/2014/main" xmlns="" id="{ADD36DBD-8DDC-434F-9125-A76A4D4E0292}"/>
               </a:ext>
             </a:extLst>
           </p:cNvPr>
@@ -17296,7 +17117,7 @@
           <p:cNvPr id="146" name="Straight Arrow Connector 145">
             <a:extLst>
               <a:ext uri="{FF2B5EF4-FFF2-40B4-BE49-F238E27FC236}">
-                <a16:creationId xmlns:a16="http://schemas.microsoft.com/office/drawing/2014/main" id="{63C8345C-A17E-44D4-B240-B3C2E331255D}"/>
+                <a16:creationId xmlns:a16="http://schemas.microsoft.com/office/drawing/2014/main" xmlns="" id="{63C8345C-A17E-44D4-B240-B3C2E331255D}"/>
               </a:ext>
             </a:extLst>
           </p:cNvPr>
@@ -17344,7 +17165,7 @@
           <p:cNvPr id="147" name="TextBox 146">
             <a:extLst>
               <a:ext uri="{FF2B5EF4-FFF2-40B4-BE49-F238E27FC236}">
-                <a16:creationId xmlns:a16="http://schemas.microsoft.com/office/drawing/2014/main" id="{1ADC0E6E-5955-4431-A055-13C603AF1C44}"/>
+                <a16:creationId xmlns:a16="http://schemas.microsoft.com/office/drawing/2014/main" xmlns="" id="{1ADC0E6E-5955-4431-A055-13C603AF1C44}"/>
               </a:ext>
             </a:extLst>
           </p:cNvPr>
@@ -17380,7 +17201,7 @@
           <p:cNvPr id="148" name="TextBox 147">
             <a:extLst>
               <a:ext uri="{FF2B5EF4-FFF2-40B4-BE49-F238E27FC236}">
-                <a16:creationId xmlns:a16="http://schemas.microsoft.com/office/drawing/2014/main" id="{ED06F2CA-B022-4B57-93BA-3A4A5FD519CB}"/>
+                <a16:creationId xmlns:a16="http://schemas.microsoft.com/office/drawing/2014/main" xmlns="" id="{ED06F2CA-B022-4B57-93BA-3A4A5FD519CB}"/>
               </a:ext>
             </a:extLst>
           </p:cNvPr>
@@ -17427,7 +17248,7 @@
           <p:cNvPr id="177" name="Right Triangle 176">
             <a:extLst>
               <a:ext uri="{FF2B5EF4-FFF2-40B4-BE49-F238E27FC236}">
-                <a16:creationId xmlns:a16="http://schemas.microsoft.com/office/drawing/2014/main" id="{464F1B2E-5DF7-46D5-BDFC-472B9191165F}"/>
+                <a16:creationId xmlns:a16="http://schemas.microsoft.com/office/drawing/2014/main" xmlns="" id="{464F1B2E-5DF7-46D5-BDFC-472B9191165F}"/>
               </a:ext>
             </a:extLst>
           </p:cNvPr>
@@ -17481,7 +17302,7 @@
           <p:cNvPr id="163" name="TextBox 162">
             <a:extLst>
               <a:ext uri="{FF2B5EF4-FFF2-40B4-BE49-F238E27FC236}">
-                <a16:creationId xmlns:a16="http://schemas.microsoft.com/office/drawing/2014/main" id="{C9845309-04CD-46F6-826C-E8307EB2CC9D}"/>
+                <a16:creationId xmlns:a16="http://schemas.microsoft.com/office/drawing/2014/main" xmlns="" id="{C9845309-04CD-46F6-826C-E8307EB2CC9D}"/>
               </a:ext>
             </a:extLst>
           </p:cNvPr>
@@ -17528,7 +17349,7 @@
           <p:cNvPr id="88" name="Rectangle 87">
             <a:extLst>
               <a:ext uri="{FF2B5EF4-FFF2-40B4-BE49-F238E27FC236}">
-                <a16:creationId xmlns:a16="http://schemas.microsoft.com/office/drawing/2014/main" id="{B79BBEC3-300B-4F00-B147-759716F56CAB}"/>
+                <a16:creationId xmlns:a16="http://schemas.microsoft.com/office/drawing/2014/main" xmlns="" id="{B79BBEC3-300B-4F00-B147-759716F56CAB}"/>
               </a:ext>
             </a:extLst>
           </p:cNvPr>
@@ -17582,7 +17403,7 @@
           <p:cNvPr id="89" name="TextBox 88">
             <a:extLst>
               <a:ext uri="{FF2B5EF4-FFF2-40B4-BE49-F238E27FC236}">
-                <a16:creationId xmlns:a16="http://schemas.microsoft.com/office/drawing/2014/main" id="{E2A4DFB0-8330-4380-8F72-AE0390F9C2D7}"/>
+                <a16:creationId xmlns:a16="http://schemas.microsoft.com/office/drawing/2014/main" xmlns="" id="{E2A4DFB0-8330-4380-8F72-AE0390F9C2D7}"/>
               </a:ext>
             </a:extLst>
           </p:cNvPr>
@@ -17647,7 +17468,7 @@
           <p:cNvPr id="90" name="Straight Arrow Connector 89">
             <a:extLst>
               <a:ext uri="{FF2B5EF4-FFF2-40B4-BE49-F238E27FC236}">
-                <a16:creationId xmlns:a16="http://schemas.microsoft.com/office/drawing/2014/main" id="{0D2BB85B-A832-449A-B3C2-FECDAA1E4F32}"/>
+                <a16:creationId xmlns:a16="http://schemas.microsoft.com/office/drawing/2014/main" xmlns="" id="{0D2BB85B-A832-449A-B3C2-FECDAA1E4F32}"/>
               </a:ext>
             </a:extLst>
           </p:cNvPr>
@@ -17695,7 +17516,7 @@
           <p:cNvPr id="91" name="TextBox 90">
             <a:extLst>
               <a:ext uri="{FF2B5EF4-FFF2-40B4-BE49-F238E27FC236}">
-                <a16:creationId xmlns:a16="http://schemas.microsoft.com/office/drawing/2014/main" id="{02209134-28C0-43CF-8C07-7119AEB94E44}"/>
+                <a16:creationId xmlns:a16="http://schemas.microsoft.com/office/drawing/2014/main" xmlns="" id="{02209134-28C0-43CF-8C07-7119AEB94E44}"/>
               </a:ext>
             </a:extLst>
           </p:cNvPr>
@@ -17738,7 +17559,7 @@
           <p:cNvPr id="150" name="TextBox 149">
             <a:extLst>
               <a:ext uri="{FF2B5EF4-FFF2-40B4-BE49-F238E27FC236}">
-                <a16:creationId xmlns:a16="http://schemas.microsoft.com/office/drawing/2014/main" id="{92F808CD-940F-4BDB-A637-ABBFA7641DE9}"/>
+                <a16:creationId xmlns:a16="http://schemas.microsoft.com/office/drawing/2014/main" xmlns="" id="{92F808CD-940F-4BDB-A637-ABBFA7641DE9}"/>
               </a:ext>
             </a:extLst>
           </p:cNvPr>
@@ -17781,7 +17602,7 @@
           <p:cNvPr id="151" name="TextBox 150">
             <a:extLst>
               <a:ext uri="{FF2B5EF4-FFF2-40B4-BE49-F238E27FC236}">
-                <a16:creationId xmlns:a16="http://schemas.microsoft.com/office/drawing/2014/main" id="{5023E0BB-26F9-4C5B-8582-848D7145923D}"/>
+                <a16:creationId xmlns:a16="http://schemas.microsoft.com/office/drawing/2014/main" xmlns="" id="{5023E0BB-26F9-4C5B-8582-848D7145923D}"/>
               </a:ext>
             </a:extLst>
           </p:cNvPr>
